--- a/итоговая.pptx
+++ b/итоговая.pptx
@@ -8,9 +8,10 @@
     <p:sldId id="267" r:id="rId2"/>
     <p:sldId id="268" r:id="rId3"/>
     <p:sldId id="265" r:id="rId4"/>
-    <p:sldId id="257" r:id="rId5"/>
-    <p:sldId id="261" r:id="rId6"/>
-    <p:sldId id="264" r:id="rId7"/>
+    <p:sldId id="269" r:id="rId5"/>
+    <p:sldId id="257" r:id="rId6"/>
+    <p:sldId id="261" r:id="rId7"/>
+    <p:sldId id="264" r:id="rId8"/>
   </p:sldIdLst>
   <p:sldSz cx="9144000" cy="6858000" type="screen4x3"/>
   <p:notesSz cx="6858000" cy="9144000"/>
@@ -111,7 +112,7 @@
   </p:defaultTextStyle>
   <p:extLst>
     <p:ext uri="{EFAFB233-063F-42B5-8137-9DF3F51BA10A}">
-      <p15:sldGuideLst xmlns:p15="http://schemas.microsoft.com/office/powerpoint/2012/main" xmlns="">
+      <p15:sldGuideLst xmlns:p15="http://schemas.microsoft.com/office/powerpoint/2012/main">
         <p15:guide id="1" orient="horz" pos="2160">
           <p15:clr>
             <a:srgbClr val="A4A3A4"/>
@@ -133,7 +134,7 @@
   <p:cmAuthor id="1" name="Александр Некрытов" initials="АН" lastIdx="10" clrIdx="0">
     <p:extLst>
       <p:ext uri="{19B8F6BF-5375-455C-9EA6-DF929625EA0E}">
-        <p15:presenceInfo xmlns:p15="http://schemas.microsoft.com/office/powerpoint/2012/main" xmlns="" userId="5247343f73929333" providerId="Windows Live"/>
+        <p15:presenceInfo xmlns:p15="http://schemas.microsoft.com/office/powerpoint/2012/main" userId="5247343f73929333" providerId="Windows Live"/>
       </p:ext>
     </p:extLst>
   </p:cmAuthor>
@@ -147,7 +148,7 @@
     <p:text>Слайд посвящен структуре АСУ ТП (уровни)</p:text>
     <p:extLst>
       <p:ext uri="{C676402C-5697-4E1C-873F-D02D1690AC5C}">
-        <p15:threadingInfo xmlns:p15="http://schemas.microsoft.com/office/powerpoint/2012/main" xmlns="" timeZoneBias="-300"/>
+        <p15:threadingInfo xmlns:p15="http://schemas.microsoft.com/office/powerpoint/2012/main" timeZoneBias="-300"/>
       </p:ext>
     </p:extLst>
   </p:cm>
@@ -156,7 +157,7 @@
     <p:text>Сосредоточимся на уровне управления участком техпроцесса</p:text>
     <p:extLst>
       <p:ext uri="{C676402C-5697-4E1C-873F-D02D1690AC5C}">
-        <p15:threadingInfo xmlns:p15="http://schemas.microsoft.com/office/powerpoint/2012/main" xmlns="" timeZoneBias="-300"/>
+        <p15:threadingInfo xmlns:p15="http://schemas.microsoft.com/office/powerpoint/2012/main" timeZoneBias="-300"/>
       </p:ext>
     </p:extLst>
   </p:cm>
@@ -170,16 +171,16 @@
     <p:text>Каждый вариант может включать выделенную инженерную станцию</p:text>
     <p:extLst>
       <p:ext uri="{C676402C-5697-4E1C-873F-D02D1690AC5C}">
-        <p15:threadingInfo xmlns:p15="http://schemas.microsoft.com/office/powerpoint/2012/main" xmlns="" timeZoneBias="-300"/>
+        <p15:threadingInfo xmlns:p15="http://schemas.microsoft.com/office/powerpoint/2012/main" timeZoneBias="-300"/>
       </p:ext>
     </p:extLst>
   </p:cm>
   <p:cm authorId="1" dt="2019-08-27T17:29:19.792" idx="6">
-    <p:pos x="4323" y="285"/>
+    <p:pos x="4299" y="297"/>
     <p:text>Пример - Intouch ME, InTouch</p:text>
     <p:extLst>
       <p:ext uri="{C676402C-5697-4E1C-873F-D02D1690AC5C}">
-        <p15:threadingInfo xmlns:p15="http://schemas.microsoft.com/office/powerpoint/2012/main" xmlns="" timeZoneBias="-300"/>
+        <p15:threadingInfo xmlns:p15="http://schemas.microsoft.com/office/powerpoint/2012/main" timeZoneBias="-300"/>
       </p:ext>
     </p:extLst>
   </p:cm>
@@ -193,7 +194,7 @@
     <p:text>В качестве инженерной станции можно нарисовать ноутбук</p:text>
     <p:extLst>
       <p:ext uri="{C676402C-5697-4E1C-873F-D02D1690AC5C}">
-        <p15:threadingInfo xmlns:p15="http://schemas.microsoft.com/office/powerpoint/2012/main" xmlns="" timeZoneBias="-300"/>
+        <p15:threadingInfo xmlns:p15="http://schemas.microsoft.com/office/powerpoint/2012/main" timeZoneBias="-300"/>
       </p:ext>
     </p:extLst>
   </p:cm>
@@ -202,7 +203,7 @@
     <p:text>В качестве примера - iFix, Genesis64? WinCC</p:text>
     <p:extLst>
       <p:ext uri="{C676402C-5697-4E1C-873F-D02D1690AC5C}">
-        <p15:threadingInfo xmlns:p15="http://schemas.microsoft.com/office/powerpoint/2012/main" xmlns="" timeZoneBias="-300"/>
+        <p15:threadingInfo xmlns:p15="http://schemas.microsoft.com/office/powerpoint/2012/main" timeZoneBias="-300"/>
       </p:ext>
     </p:extLst>
   </p:cm>
@@ -216,7 +217,7 @@
     <p:text>System Platform, WinCC OA</p:text>
     <p:extLst>
       <p:ext uri="{C676402C-5697-4E1C-873F-D02D1690AC5C}">
-        <p15:threadingInfo xmlns:p15="http://schemas.microsoft.com/office/powerpoint/2012/main" xmlns="" timeZoneBias="-300"/>
+        <p15:threadingInfo xmlns:p15="http://schemas.microsoft.com/office/powerpoint/2012/main" timeZoneBias="-300"/>
       </p:ext>
     </p:extLst>
   </p:cm>
@@ -230,7 +231,7 @@
     <p:text>Пример - PSC7 (Siemens) PlantStruXure PES (с натяжкой)</p:text>
     <p:extLst>
       <p:ext uri="{C676402C-5697-4E1C-873F-D02D1690AC5C}">
-        <p15:threadingInfo xmlns:p15="http://schemas.microsoft.com/office/powerpoint/2012/main" xmlns="" timeZoneBias="-300"/>
+        <p15:threadingInfo xmlns:p15="http://schemas.microsoft.com/office/powerpoint/2012/main" timeZoneBias="-300"/>
       </p:ext>
     </p:extLst>
   </p:cm>
@@ -239,7 +240,7 @@
     <p:text>Идея: конфигурируется одновременно ПК и ПЛК</p:text>
     <p:extLst>
       <p:ext uri="{C676402C-5697-4E1C-873F-D02D1690AC5C}">
-        <p15:threadingInfo xmlns:p15="http://schemas.microsoft.com/office/powerpoint/2012/main" xmlns="" timeZoneBias="-300"/>
+        <p15:threadingInfo xmlns:p15="http://schemas.microsoft.com/office/powerpoint/2012/main" timeZoneBias="-300"/>
       </p:ext>
     </p:extLst>
   </p:cm>
@@ -283,7 +284,7 @@
             </a:duotone>
             <a:extLst>
               <a:ext uri="{28A0092B-C50C-407E-A947-70E740481C1C}">
-                <a14:useLocalDpi xmlns:a14="http://schemas.microsoft.com/office/drawing/2010/main" xmlns="" val="0"/>
+                <a14:useLocalDpi xmlns:a14="http://schemas.microsoft.com/office/drawing/2010/main" val="0"/>
               </a:ext>
             </a:extLst>
           </a:blip>
@@ -303,7 +304,7 @@
           <a:noFill/>
           <a:extLst>
             <a:ext uri="{909E8E84-426E-40dd-AFC4-6F175D3DCCD1}">
-              <a14:hiddenFill xmlns="" xmlns:a14="http://schemas.microsoft.com/office/drawing/2010/main">
+              <a14:hiddenFill xmlns:a14="http://schemas.microsoft.com/office/drawing/2010/main" xmlns="">
                 <a:solidFill>
                   <a:srgbClr val="FFFFFF"/>
                 </a:solidFill>
@@ -363,7 +364,7 @@
             </a:ln>
             <a:extLst>
               <a:ext uri="{91240B29-F687-4f45-9708-019B960494DF}">
-                <a14:hiddenLine xmlns="" xmlns:a14="http://schemas.microsoft.com/office/drawing/2010/main" w="9525">
+                <a14:hiddenLine xmlns:a14="http://schemas.microsoft.com/office/drawing/2010/main" xmlns="" w="9525">
                   <a:solidFill>
                     <a:srgbClr val="000000"/>
                   </a:solidFill>
@@ -453,7 +454,7 @@
             </a:ln>
             <a:extLst>
               <a:ext uri="{91240B29-F687-4f45-9708-019B960494DF}">
-                <a14:hiddenLine xmlns="" xmlns:a14="http://schemas.microsoft.com/office/drawing/2010/main" w="9525">
+                <a14:hiddenLine xmlns:a14="http://schemas.microsoft.com/office/drawing/2010/main" xmlns="" w="9525">
                   <a:solidFill>
                     <a:srgbClr val="000000"/>
                   </a:solidFill>
@@ -543,7 +544,7 @@
             </a:ln>
             <a:extLst>
               <a:ext uri="{91240B29-F687-4f45-9708-019B960494DF}">
-                <a14:hiddenLine xmlns="" xmlns:a14="http://schemas.microsoft.com/office/drawing/2010/main" w="9525">
+                <a14:hiddenLine xmlns:a14="http://schemas.microsoft.com/office/drawing/2010/main" xmlns="" w="9525">
                   <a:solidFill>
                     <a:srgbClr val="000000"/>
                   </a:solidFill>
@@ -577,7 +578,7 @@
             </a:ln>
             <a:extLst>
               <a:ext uri="{91240B29-F687-4f45-9708-019B960494DF}">
-                <a14:hiddenLine xmlns="" xmlns:a14="http://schemas.microsoft.com/office/drawing/2010/main" w="9525">
+                <a14:hiddenLine xmlns:a14="http://schemas.microsoft.com/office/drawing/2010/main" xmlns="" w="9525">
                   <a:solidFill>
                     <a:srgbClr val="000000"/>
                   </a:solidFill>
@@ -667,7 +668,7 @@
             </a:ln>
             <a:extLst>
               <a:ext uri="{91240B29-F687-4f45-9708-019B960494DF}">
-                <a14:hiddenLine xmlns="" xmlns:a14="http://schemas.microsoft.com/office/drawing/2010/main" w="9525">
+                <a14:hiddenLine xmlns:a14="http://schemas.microsoft.com/office/drawing/2010/main" xmlns="" w="9525">
                   <a:solidFill>
                     <a:srgbClr val="000000"/>
                   </a:solidFill>
@@ -729,7 +730,7 @@
             </a:ln>
             <a:extLst>
               <a:ext uri="{91240B29-F687-4f45-9708-019B960494DF}">
-                <a14:hiddenLine xmlns="" xmlns:a14="http://schemas.microsoft.com/office/drawing/2010/main" w="9525">
+                <a14:hiddenLine xmlns:a14="http://schemas.microsoft.com/office/drawing/2010/main" xmlns="" w="9525">
                   <a:solidFill>
                     <a:srgbClr val="000000"/>
                   </a:solidFill>
@@ -791,7 +792,7 @@
             </a:ln>
             <a:extLst>
               <a:ext uri="{91240B29-F687-4f45-9708-019B960494DF}">
-                <a14:hiddenLine xmlns="" xmlns:a14="http://schemas.microsoft.com/office/drawing/2010/main" w="9525">
+                <a14:hiddenLine xmlns:a14="http://schemas.microsoft.com/office/drawing/2010/main" xmlns="" w="9525">
                   <a:solidFill>
                     <a:srgbClr val="000000"/>
                   </a:solidFill>
@@ -881,7 +882,7 @@
             </a:ln>
             <a:extLst>
               <a:ext uri="{91240B29-F687-4f45-9708-019B960494DF}">
-                <a14:hiddenLine xmlns="" xmlns:a14="http://schemas.microsoft.com/office/drawing/2010/main" w="9525">
+                <a14:hiddenLine xmlns:a14="http://schemas.microsoft.com/office/drawing/2010/main" xmlns="" w="9525">
                   <a:solidFill>
                     <a:srgbClr val="000000"/>
                   </a:solidFill>
@@ -943,7 +944,7 @@
             </a:ln>
             <a:extLst>
               <a:ext uri="{91240B29-F687-4f45-9708-019B960494DF}">
-                <a14:hiddenLine xmlns="" xmlns:a14="http://schemas.microsoft.com/office/drawing/2010/main" w="9525">
+                <a14:hiddenLine xmlns:a14="http://schemas.microsoft.com/office/drawing/2010/main" xmlns="" w="9525">
                   <a:solidFill>
                     <a:srgbClr val="000000"/>
                   </a:solidFill>
@@ -1005,7 +1006,7 @@
             </a:ln>
             <a:extLst>
               <a:ext uri="{91240B29-F687-4f45-9708-019B960494DF}">
-                <a14:hiddenLine xmlns="" xmlns:a14="http://schemas.microsoft.com/office/drawing/2010/main" w="9525">
+                <a14:hiddenLine xmlns:a14="http://schemas.microsoft.com/office/drawing/2010/main" xmlns="" w="9525">
                   <a:solidFill>
                     <a:srgbClr val="000000"/>
                   </a:solidFill>
@@ -1095,7 +1096,7 @@
             </a:ln>
             <a:extLst>
               <a:ext uri="{91240B29-F687-4f45-9708-019B960494DF}">
-                <a14:hiddenLine xmlns="" xmlns:a14="http://schemas.microsoft.com/office/drawing/2010/main" w="9525">
+                <a14:hiddenLine xmlns:a14="http://schemas.microsoft.com/office/drawing/2010/main" xmlns="" w="9525">
                   <a:solidFill>
                     <a:srgbClr val="000000"/>
                   </a:solidFill>
@@ -1185,7 +1186,7 @@
             </a:ln>
             <a:extLst>
               <a:ext uri="{91240B29-F687-4f45-9708-019B960494DF}">
-                <a14:hiddenLine xmlns="" xmlns:a14="http://schemas.microsoft.com/office/drawing/2010/main" w="9525">
+                <a14:hiddenLine xmlns:a14="http://schemas.microsoft.com/office/drawing/2010/main" xmlns="" w="9525">
                   <a:solidFill>
                     <a:srgbClr val="000000"/>
                   </a:solidFill>
@@ -1247,7 +1248,7 @@
             </a:ln>
             <a:extLst>
               <a:ext uri="{91240B29-F687-4f45-9708-019B960494DF}">
-                <a14:hiddenLine xmlns="" xmlns:a14="http://schemas.microsoft.com/office/drawing/2010/main" w="9525">
+                <a14:hiddenLine xmlns:a14="http://schemas.microsoft.com/office/drawing/2010/main" xmlns="" w="9525">
                   <a:solidFill>
                     <a:srgbClr val="000000"/>
                   </a:solidFill>
@@ -1357,7 +1358,7 @@
             </a:ln>
             <a:extLst>
               <a:ext uri="{91240B29-F687-4f45-9708-019B960494DF}">
-                <a14:hiddenLine xmlns="" xmlns:a14="http://schemas.microsoft.com/office/drawing/2010/main" w="9525">
+                <a14:hiddenLine xmlns:a14="http://schemas.microsoft.com/office/drawing/2010/main" xmlns="" w="9525">
                   <a:solidFill>
                     <a:srgbClr val="000000"/>
                   </a:solidFill>
@@ -1419,7 +1420,7 @@
             </a:ln>
             <a:extLst>
               <a:ext uri="{91240B29-F687-4f45-9708-019B960494DF}">
-                <a14:hiddenLine xmlns="" xmlns:a14="http://schemas.microsoft.com/office/drawing/2010/main" w="9525">
+                <a14:hiddenLine xmlns:a14="http://schemas.microsoft.com/office/drawing/2010/main" xmlns="" w="9525">
                   <a:solidFill>
                     <a:srgbClr val="000000"/>
                   </a:solidFill>
@@ -1509,7 +1510,7 @@
             </a:ln>
             <a:extLst>
               <a:ext uri="{91240B29-F687-4f45-9708-019B960494DF}">
-                <a14:hiddenLine xmlns="" xmlns:a14="http://schemas.microsoft.com/office/drawing/2010/main" w="9525">
+                <a14:hiddenLine xmlns:a14="http://schemas.microsoft.com/office/drawing/2010/main" xmlns="" w="9525">
                   <a:solidFill>
                     <a:srgbClr val="000000"/>
                   </a:solidFill>
@@ -1599,7 +1600,7 @@
             </a:ln>
             <a:extLst>
               <a:ext uri="{91240B29-F687-4f45-9708-019B960494DF}">
-                <a14:hiddenLine xmlns="" xmlns:a14="http://schemas.microsoft.com/office/drawing/2010/main" w="9525">
+                <a14:hiddenLine xmlns:a14="http://schemas.microsoft.com/office/drawing/2010/main" xmlns="" w="9525">
                   <a:solidFill>
                     <a:srgbClr val="000000"/>
                   </a:solidFill>
@@ -1661,7 +1662,7 @@
             </a:ln>
             <a:extLst>
               <a:ext uri="{91240B29-F687-4f45-9708-019B960494DF}">
-                <a14:hiddenLine xmlns="" xmlns:a14="http://schemas.microsoft.com/office/drawing/2010/main" w="9525">
+                <a14:hiddenLine xmlns:a14="http://schemas.microsoft.com/office/drawing/2010/main" xmlns="" w="9525">
                   <a:solidFill>
                     <a:srgbClr val="000000"/>
                   </a:solidFill>
@@ -1751,7 +1752,7 @@
             </a:ln>
             <a:extLst>
               <a:ext uri="{91240B29-F687-4f45-9708-019B960494DF}">
-                <a14:hiddenLine xmlns="" xmlns:a14="http://schemas.microsoft.com/office/drawing/2010/main" w="9525">
+                <a14:hiddenLine xmlns:a14="http://schemas.microsoft.com/office/drawing/2010/main" xmlns="" w="9525">
                   <a:solidFill>
                     <a:srgbClr val="000000"/>
                   </a:solidFill>
@@ -1841,7 +1842,7 @@
             </a:ln>
             <a:extLst>
               <a:ext uri="{91240B29-F687-4f45-9708-019B960494DF}">
-                <a14:hiddenLine xmlns="" xmlns:a14="http://schemas.microsoft.com/office/drawing/2010/main" w="9525">
+                <a14:hiddenLine xmlns:a14="http://schemas.microsoft.com/office/drawing/2010/main" xmlns="" w="9525">
                   <a:solidFill>
                     <a:srgbClr val="000000"/>
                   </a:solidFill>
@@ -1897,7 +1898,7 @@
             </a:ln>
             <a:extLst>
               <a:ext uri="{91240B29-F687-4f45-9708-019B960494DF}">
-                <a14:hiddenLine xmlns="" xmlns:a14="http://schemas.microsoft.com/office/drawing/2010/main" w="9525">
+                <a14:hiddenLine xmlns:a14="http://schemas.microsoft.com/office/drawing/2010/main" xmlns="" w="9525">
                   <a:solidFill>
                     <a:srgbClr val="000000"/>
                   </a:solidFill>
@@ -1987,7 +1988,7 @@
             </a:ln>
             <a:extLst>
               <a:ext uri="{91240B29-F687-4f45-9708-019B960494DF}">
-                <a14:hiddenLine xmlns="" xmlns:a14="http://schemas.microsoft.com/office/drawing/2010/main" w="9525">
+                <a14:hiddenLine xmlns:a14="http://schemas.microsoft.com/office/drawing/2010/main" xmlns="" w="9525">
                   <a:solidFill>
                     <a:srgbClr val="000000"/>
                   </a:solidFill>
@@ -2043,7 +2044,7 @@
             </a:ln>
             <a:extLst>
               <a:ext uri="{91240B29-F687-4f45-9708-019B960494DF}">
-                <a14:hiddenLine xmlns="" xmlns:a14="http://schemas.microsoft.com/office/drawing/2010/main" w="9525">
+                <a14:hiddenLine xmlns:a14="http://schemas.microsoft.com/office/drawing/2010/main" xmlns="" w="9525">
                   <a:solidFill>
                     <a:srgbClr val="000000"/>
                   </a:solidFill>
@@ -2133,7 +2134,7 @@
             </a:ln>
             <a:extLst>
               <a:ext uri="{91240B29-F687-4f45-9708-019B960494DF}">
-                <a14:hiddenLine xmlns="" xmlns:a14="http://schemas.microsoft.com/office/drawing/2010/main" w="9525">
+                <a14:hiddenLine xmlns:a14="http://schemas.microsoft.com/office/drawing/2010/main" xmlns="" w="9525">
                   <a:solidFill>
                     <a:srgbClr val="000000"/>
                   </a:solidFill>
@@ -2201,7 +2202,7 @@
             </a:ln>
             <a:extLst>
               <a:ext uri="{91240B29-F687-4f45-9708-019B960494DF}">
-                <a14:hiddenLine xmlns="" xmlns:a14="http://schemas.microsoft.com/office/drawing/2010/main" w="9525">
+                <a14:hiddenLine xmlns:a14="http://schemas.microsoft.com/office/drawing/2010/main" xmlns="" w="9525">
                   <a:solidFill>
                     <a:srgbClr val="000000"/>
                   </a:solidFill>
@@ -2291,7 +2292,7 @@
             </a:ln>
             <a:extLst>
               <a:ext uri="{91240B29-F687-4f45-9708-019B960494DF}">
-                <a14:hiddenLine xmlns="" xmlns:a14="http://schemas.microsoft.com/office/drawing/2010/main" w="9525">
+                <a14:hiddenLine xmlns:a14="http://schemas.microsoft.com/office/drawing/2010/main" xmlns="" w="9525">
                   <a:solidFill>
                     <a:srgbClr val="000000"/>
                   </a:solidFill>
@@ -2359,7 +2360,7 @@
             </a:ln>
             <a:extLst>
               <a:ext uri="{91240B29-F687-4f45-9708-019B960494DF}">
-                <a14:hiddenLine xmlns="" xmlns:a14="http://schemas.microsoft.com/office/drawing/2010/main" w="9525">
+                <a14:hiddenLine xmlns:a14="http://schemas.microsoft.com/office/drawing/2010/main" xmlns="" w="9525">
                   <a:solidFill>
                     <a:srgbClr val="000000"/>
                   </a:solidFill>
@@ -2449,7 +2450,7 @@
             </a:ln>
             <a:extLst>
               <a:ext uri="{91240B29-F687-4f45-9708-019B960494DF}">
-                <a14:hiddenLine xmlns="" xmlns:a14="http://schemas.microsoft.com/office/drawing/2010/main" w="9525">
+                <a14:hiddenLine xmlns:a14="http://schemas.microsoft.com/office/drawing/2010/main" xmlns="" w="9525">
                   <a:solidFill>
                     <a:srgbClr val="000000"/>
                   </a:solidFill>
@@ -2483,7 +2484,7 @@
             </a:ln>
             <a:extLst>
               <a:ext uri="{91240B29-F687-4f45-9708-019B960494DF}">
-                <a14:hiddenLine xmlns="" xmlns:a14="http://schemas.microsoft.com/office/drawing/2010/main" w="9525">
+                <a14:hiddenLine xmlns:a14="http://schemas.microsoft.com/office/drawing/2010/main" xmlns="" w="9525">
                   <a:solidFill>
                     <a:srgbClr val="000000"/>
                   </a:solidFill>
@@ -2573,7 +2574,7 @@
             </a:ln>
             <a:extLst>
               <a:ext uri="{91240B29-F687-4f45-9708-019B960494DF}">
-                <a14:hiddenLine xmlns="" xmlns:a14="http://schemas.microsoft.com/office/drawing/2010/main" w="9525">
+                <a14:hiddenLine xmlns:a14="http://schemas.microsoft.com/office/drawing/2010/main" xmlns="" w="9525">
                   <a:solidFill>
                     <a:srgbClr val="000000"/>
                   </a:solidFill>
@@ -2635,7 +2636,7 @@
             </a:ln>
             <a:extLst>
               <a:ext uri="{91240B29-F687-4f45-9708-019B960494DF}">
-                <a14:hiddenLine xmlns="" xmlns:a14="http://schemas.microsoft.com/office/drawing/2010/main" w="9525">
+                <a14:hiddenLine xmlns:a14="http://schemas.microsoft.com/office/drawing/2010/main" xmlns="" w="9525">
                   <a:solidFill>
                     <a:srgbClr val="000000"/>
                   </a:solidFill>
@@ -2697,7 +2698,7 @@
             </a:ln>
             <a:extLst>
               <a:ext uri="{91240B29-F687-4f45-9708-019B960494DF}">
-                <a14:hiddenLine xmlns="" xmlns:a14="http://schemas.microsoft.com/office/drawing/2010/main" w="9525">
+                <a14:hiddenLine xmlns:a14="http://schemas.microsoft.com/office/drawing/2010/main" xmlns="" w="9525">
                   <a:solidFill>
                     <a:srgbClr val="000000"/>
                   </a:solidFill>
@@ -2787,7 +2788,7 @@
             </a:ln>
             <a:extLst>
               <a:ext uri="{91240B29-F687-4f45-9708-019B960494DF}">
-                <a14:hiddenLine xmlns="" xmlns:a14="http://schemas.microsoft.com/office/drawing/2010/main" w="9525">
+                <a14:hiddenLine xmlns:a14="http://schemas.microsoft.com/office/drawing/2010/main" xmlns="" w="9525">
                   <a:solidFill>
                     <a:srgbClr val="000000"/>
                   </a:solidFill>
@@ -2855,7 +2856,7 @@
             </a:ln>
             <a:extLst>
               <a:ext uri="{91240B29-F687-4f45-9708-019B960494DF}">
-                <a14:hiddenLine xmlns="" xmlns:a14="http://schemas.microsoft.com/office/drawing/2010/main" w="9525">
+                <a14:hiddenLine xmlns:a14="http://schemas.microsoft.com/office/drawing/2010/main" xmlns="" w="9525">
                   <a:solidFill>
                     <a:srgbClr val="000000"/>
                   </a:solidFill>
@@ -2917,7 +2918,7 @@
             </a:ln>
             <a:extLst>
               <a:ext uri="{91240B29-F687-4f45-9708-019B960494DF}">
-                <a14:hiddenLine xmlns="" xmlns:a14="http://schemas.microsoft.com/office/drawing/2010/main" w="9525">
+                <a14:hiddenLine xmlns:a14="http://schemas.microsoft.com/office/drawing/2010/main" xmlns="" w="9525">
                   <a:solidFill>
                     <a:srgbClr val="000000"/>
                   </a:solidFill>
@@ -3007,7 +3008,7 @@
             </a:ln>
             <a:extLst>
               <a:ext uri="{91240B29-F687-4f45-9708-019B960494DF}">
-                <a14:hiddenLine xmlns="" xmlns:a14="http://schemas.microsoft.com/office/drawing/2010/main" w="9525">
+                <a14:hiddenLine xmlns:a14="http://schemas.microsoft.com/office/drawing/2010/main" xmlns="" w="9525">
                   <a:solidFill>
                     <a:srgbClr val="000000"/>
                   </a:solidFill>
@@ -3069,7 +3070,7 @@
             </a:ln>
             <a:extLst>
               <a:ext uri="{91240B29-F687-4f45-9708-019B960494DF}">
-                <a14:hiddenLine xmlns="" xmlns:a14="http://schemas.microsoft.com/office/drawing/2010/main" w="9525">
+                <a14:hiddenLine xmlns:a14="http://schemas.microsoft.com/office/drawing/2010/main" xmlns="" w="9525">
                   <a:solidFill>
                     <a:srgbClr val="000000"/>
                   </a:solidFill>
@@ -3159,7 +3160,7 @@
             </a:ln>
             <a:extLst>
               <a:ext uri="{91240B29-F687-4f45-9708-019B960494DF}">
-                <a14:hiddenLine xmlns="" xmlns:a14="http://schemas.microsoft.com/office/drawing/2010/main" w="9525">
+                <a14:hiddenLine xmlns:a14="http://schemas.microsoft.com/office/drawing/2010/main" xmlns="" w="9525">
                   <a:solidFill>
                     <a:srgbClr val="000000"/>
                   </a:solidFill>
@@ -3221,7 +3222,7 @@
             </a:ln>
             <a:extLst>
               <a:ext uri="{91240B29-F687-4f45-9708-019B960494DF}">
-                <a14:hiddenLine xmlns="" xmlns:a14="http://schemas.microsoft.com/office/drawing/2010/main" w="9525">
+                <a14:hiddenLine xmlns:a14="http://schemas.microsoft.com/office/drawing/2010/main" xmlns="" w="9525">
                   <a:solidFill>
                     <a:srgbClr val="000000"/>
                   </a:solidFill>
@@ -3311,7 +3312,7 @@
             </a:ln>
             <a:extLst>
               <a:ext uri="{91240B29-F687-4f45-9708-019B960494DF}">
-                <a14:hiddenLine xmlns="" xmlns:a14="http://schemas.microsoft.com/office/drawing/2010/main" w="9525">
+                <a14:hiddenLine xmlns:a14="http://schemas.microsoft.com/office/drawing/2010/main" xmlns="" w="9525">
                   <a:solidFill>
                     <a:srgbClr val="000000"/>
                   </a:solidFill>
@@ -3345,7 +3346,7 @@
             </a:ln>
             <a:extLst>
               <a:ext uri="{91240B29-F687-4f45-9708-019B960494DF}">
-                <a14:hiddenLine xmlns="" xmlns:a14="http://schemas.microsoft.com/office/drawing/2010/main" w="9525">
+                <a14:hiddenLine xmlns:a14="http://schemas.microsoft.com/office/drawing/2010/main" xmlns="" w="9525">
                   <a:solidFill>
                     <a:srgbClr val="000000"/>
                   </a:solidFill>
@@ -3410,7 +3411,7 @@
             </a:ln>
             <a:extLst>
               <a:ext uri="{91240B29-F687-4f45-9708-019B960494DF}">
-                <a14:hiddenLine xmlns="" xmlns:a14="http://schemas.microsoft.com/office/drawing/2010/main" w="9525">
+                <a14:hiddenLine xmlns:a14="http://schemas.microsoft.com/office/drawing/2010/main" xmlns="" w="9525">
                   <a:solidFill>
                     <a:srgbClr val="000000"/>
                   </a:solidFill>
@@ -3500,7 +3501,7 @@
             </a:ln>
             <a:extLst>
               <a:ext uri="{91240B29-F687-4f45-9708-019B960494DF}">
-                <a14:hiddenLine xmlns="" xmlns:a14="http://schemas.microsoft.com/office/drawing/2010/main" w="9525">
+                <a14:hiddenLine xmlns:a14="http://schemas.microsoft.com/office/drawing/2010/main" xmlns="" w="9525">
                   <a:solidFill>
                     <a:srgbClr val="000000"/>
                   </a:solidFill>
@@ -3562,7 +3563,7 @@
             </a:ln>
             <a:extLst>
               <a:ext uri="{91240B29-F687-4f45-9708-019B960494DF}">
-                <a14:hiddenLine xmlns="" xmlns:a14="http://schemas.microsoft.com/office/drawing/2010/main" w="9525">
+                <a14:hiddenLine xmlns:a14="http://schemas.microsoft.com/office/drawing/2010/main" xmlns="" w="9525">
                   <a:solidFill>
                     <a:srgbClr val="000000"/>
                   </a:solidFill>
@@ -3652,7 +3653,7 @@
             </a:ln>
             <a:extLst>
               <a:ext uri="{91240B29-F687-4f45-9708-019B960494DF}">
-                <a14:hiddenLine xmlns="" xmlns:a14="http://schemas.microsoft.com/office/drawing/2010/main" w="9525">
+                <a14:hiddenLine xmlns:a14="http://schemas.microsoft.com/office/drawing/2010/main" xmlns="" w="9525">
                   <a:solidFill>
                     <a:srgbClr val="000000"/>
                   </a:solidFill>
@@ -3742,7 +3743,7 @@
             </a:ln>
             <a:extLst>
               <a:ext uri="{91240B29-F687-4f45-9708-019B960494DF}">
-                <a14:hiddenLine xmlns="" xmlns:a14="http://schemas.microsoft.com/office/drawing/2010/main" w="9525">
+                <a14:hiddenLine xmlns:a14="http://schemas.microsoft.com/office/drawing/2010/main" xmlns="" w="9525">
                   <a:solidFill>
                     <a:srgbClr val="000000"/>
                   </a:solidFill>
@@ -3807,7 +3808,7 @@
             </a:ln>
             <a:extLst>
               <a:ext uri="{91240B29-F687-4f45-9708-019B960494DF}">
-                <a14:hiddenLine xmlns="" xmlns:a14="http://schemas.microsoft.com/office/drawing/2010/main" w="9525">
+                <a14:hiddenLine xmlns:a14="http://schemas.microsoft.com/office/drawing/2010/main" xmlns="" w="9525">
                   <a:solidFill>
                     <a:srgbClr val="000000"/>
                   </a:solidFill>
@@ -3869,7 +3870,7 @@
             </a:ln>
             <a:extLst>
               <a:ext uri="{91240B29-F687-4f45-9708-019B960494DF}">
-                <a14:hiddenLine xmlns="" xmlns:a14="http://schemas.microsoft.com/office/drawing/2010/main" w="9525">
+                <a14:hiddenLine xmlns:a14="http://schemas.microsoft.com/office/drawing/2010/main" xmlns="" w="9525">
                   <a:solidFill>
                     <a:srgbClr val="000000"/>
                   </a:solidFill>
@@ -3959,7 +3960,7 @@
             </a:ln>
             <a:extLst>
               <a:ext uri="{91240B29-F687-4f45-9708-019B960494DF}">
-                <a14:hiddenLine xmlns="" xmlns:a14="http://schemas.microsoft.com/office/drawing/2010/main" w="9525">
+                <a14:hiddenLine xmlns:a14="http://schemas.microsoft.com/office/drawing/2010/main" xmlns="" w="9525">
                   <a:solidFill>
                     <a:srgbClr val="000000"/>
                   </a:solidFill>
@@ -4049,7 +4050,7 @@
             </a:ln>
             <a:extLst>
               <a:ext uri="{91240B29-F687-4f45-9708-019B960494DF}">
-                <a14:hiddenLine xmlns="" xmlns:a14="http://schemas.microsoft.com/office/drawing/2010/main" w="9525">
+                <a14:hiddenLine xmlns:a14="http://schemas.microsoft.com/office/drawing/2010/main" xmlns="" w="9525">
                   <a:solidFill>
                     <a:srgbClr val="000000"/>
                   </a:solidFill>
@@ -4111,7 +4112,7 @@
             </a:ln>
             <a:extLst>
               <a:ext uri="{91240B29-F687-4f45-9708-019B960494DF}">
-                <a14:hiddenLine xmlns="" xmlns:a14="http://schemas.microsoft.com/office/drawing/2010/main" w="9525">
+                <a14:hiddenLine xmlns:a14="http://schemas.microsoft.com/office/drawing/2010/main" xmlns="" w="9525">
                   <a:solidFill>
                     <a:srgbClr val="000000"/>
                   </a:solidFill>
@@ -4231,7 +4232,7 @@
             </a:ln>
             <a:extLst>
               <a:ext uri="{91240B29-F687-4f45-9708-019B960494DF}">
-                <a14:hiddenLine xmlns="" xmlns:a14="http://schemas.microsoft.com/office/drawing/2010/main" w="9525">
+                <a14:hiddenLine xmlns:a14="http://schemas.microsoft.com/office/drawing/2010/main" xmlns="" w="9525">
                   <a:solidFill>
                     <a:srgbClr val="000000"/>
                   </a:solidFill>
@@ -4299,7 +4300,7 @@
             </a:ln>
             <a:extLst>
               <a:ext uri="{91240B29-F687-4f45-9708-019B960494DF}">
-                <a14:hiddenLine xmlns="" xmlns:a14="http://schemas.microsoft.com/office/drawing/2010/main" w="9525">
+                <a14:hiddenLine xmlns:a14="http://schemas.microsoft.com/office/drawing/2010/main" xmlns="" w="9525">
                   <a:solidFill>
                     <a:srgbClr val="000000"/>
                   </a:solidFill>
@@ -4389,7 +4390,7 @@
             </a:ln>
             <a:extLst>
               <a:ext uri="{91240B29-F687-4f45-9708-019B960494DF}">
-                <a14:hiddenLine xmlns="" xmlns:a14="http://schemas.microsoft.com/office/drawing/2010/main" w="9525">
+                <a14:hiddenLine xmlns:a14="http://schemas.microsoft.com/office/drawing/2010/main" xmlns="" w="9525">
                   <a:solidFill>
                     <a:srgbClr val="000000"/>
                   </a:solidFill>
@@ -4530,7 +4531,7 @@
             <a:fld id="{7EAF463A-BC7C-46EE-9F1E-7F377CCA4891}" type="datetimeFigureOut">
               <a:rPr lang="en-US" smtClean="0"/>
               <a:pPr/>
-              <a:t>8/28/2019</a:t>
+              <a:t>12/1/2019</a:t>
             </a:fld>
             <a:endParaRPr lang="en-US"/>
           </a:p>
@@ -4592,7 +4593,7 @@
     </p:spTree>
     <p:extLst>
       <p:ext uri="{BB962C8B-B14F-4D97-AF65-F5344CB8AC3E}">
-        <p14:creationId xmlns:p14="http://schemas.microsoft.com/office/powerpoint/2010/main" xmlns="" val="2881986295"/>
+        <p14:creationId xmlns:p14="http://schemas.microsoft.com/office/powerpoint/2010/main" val="2881986295"/>
       </p:ext>
     </p:extLst>
   </p:cSld>
@@ -4799,7 +4800,7 @@
             <a:fld id="{7EAF463A-BC7C-46EE-9F1E-7F377CCA4891}" type="datetimeFigureOut">
               <a:rPr lang="en-US" smtClean="0"/>
               <a:pPr/>
-              <a:t>8/28/2019</a:t>
+              <a:t>12/1/2019</a:t>
             </a:fld>
             <a:endParaRPr lang="en-US"/>
           </a:p>
@@ -4851,7 +4852,7 @@
     </p:spTree>
     <p:extLst>
       <p:ext uri="{BB962C8B-B14F-4D97-AF65-F5344CB8AC3E}">
-        <p14:creationId xmlns:p14="http://schemas.microsoft.com/office/powerpoint/2010/main" xmlns="" val="3255022769"/>
+        <p14:creationId xmlns:p14="http://schemas.microsoft.com/office/powerpoint/2010/main" val="3255022769"/>
       </p:ext>
     </p:extLst>
   </p:cSld>
@@ -4997,7 +4998,7 @@
             <a:fld id="{7EAF463A-BC7C-46EE-9F1E-7F377CCA4891}" type="datetimeFigureOut">
               <a:rPr lang="en-US" smtClean="0"/>
               <a:pPr/>
-              <a:t>8/28/2019</a:t>
+              <a:t>12/1/2019</a:t>
             </a:fld>
             <a:endParaRPr lang="en-US"/>
           </a:p>
@@ -5049,7 +5050,7 @@
     </p:spTree>
     <p:extLst>
       <p:ext uri="{BB962C8B-B14F-4D97-AF65-F5344CB8AC3E}">
-        <p14:creationId xmlns:p14="http://schemas.microsoft.com/office/powerpoint/2010/main" xmlns="" val="1187887121"/>
+        <p14:creationId xmlns:p14="http://schemas.microsoft.com/office/powerpoint/2010/main" val="1187887121"/>
       </p:ext>
     </p:extLst>
   </p:cSld>
@@ -5262,7 +5263,7 @@
             <a:fld id="{7EAF463A-BC7C-46EE-9F1E-7F377CCA4891}" type="datetimeFigureOut">
               <a:rPr lang="en-US" smtClean="0"/>
               <a:pPr/>
-              <a:t>8/28/2019</a:t>
+              <a:t>12/1/2019</a:t>
             </a:fld>
             <a:endParaRPr lang="en-US"/>
           </a:p>
@@ -5552,7 +5553,7 @@
     </p:spTree>
     <p:extLst>
       <p:ext uri="{BB962C8B-B14F-4D97-AF65-F5344CB8AC3E}">
-        <p14:creationId xmlns:p14="http://schemas.microsoft.com/office/powerpoint/2010/main" xmlns="" val="3773961202"/>
+        <p14:creationId xmlns:p14="http://schemas.microsoft.com/office/powerpoint/2010/main" val="3773961202"/>
       </p:ext>
     </p:extLst>
   </p:cSld>
@@ -5698,7 +5699,7 @@
             <a:fld id="{7EAF463A-BC7C-46EE-9F1E-7F377CCA4891}" type="datetimeFigureOut">
               <a:rPr lang="en-US" smtClean="0"/>
               <a:pPr/>
-              <a:t>8/28/2019</a:t>
+              <a:t>12/1/2019</a:t>
             </a:fld>
             <a:endParaRPr lang="en-US"/>
           </a:p>
@@ -5750,7 +5751,7 @@
     </p:spTree>
     <p:extLst>
       <p:ext uri="{BB962C8B-B14F-4D97-AF65-F5344CB8AC3E}">
-        <p14:creationId xmlns:p14="http://schemas.microsoft.com/office/powerpoint/2010/main" xmlns="" val="2396108432"/>
+        <p14:creationId xmlns:p14="http://schemas.microsoft.com/office/powerpoint/2010/main" val="2396108432"/>
       </p:ext>
     </p:extLst>
   </p:cSld>
@@ -6246,7 +6247,7 @@
             <a:fld id="{7EAF463A-BC7C-46EE-9F1E-7F377CCA4891}" type="datetimeFigureOut">
               <a:rPr lang="en-US" smtClean="0"/>
               <a:pPr/>
-              <a:t>8/28/2019</a:t>
+              <a:t>12/1/2019</a:t>
             </a:fld>
             <a:endParaRPr lang="en-US"/>
           </a:p>
@@ -6298,7 +6299,7 @@
     </p:spTree>
     <p:extLst>
       <p:ext uri="{BB962C8B-B14F-4D97-AF65-F5344CB8AC3E}">
-        <p14:creationId xmlns:p14="http://schemas.microsoft.com/office/powerpoint/2010/main" xmlns="" val="1960798602"/>
+        <p14:creationId xmlns:p14="http://schemas.microsoft.com/office/powerpoint/2010/main" val="1960798602"/>
       </p:ext>
     </p:extLst>
   </p:cSld>
@@ -6968,7 +6969,7 @@
             <a:fld id="{7EAF463A-BC7C-46EE-9F1E-7F377CCA4891}" type="datetimeFigureOut">
               <a:rPr lang="en-US" smtClean="0"/>
               <a:pPr/>
-              <a:t>8/28/2019</a:t>
+              <a:t>12/1/2019</a:t>
             </a:fld>
             <a:endParaRPr lang="en-US"/>
           </a:p>
@@ -7024,7 +7025,7 @@
     </p:spTree>
     <p:extLst>
       <p:ext uri="{BB962C8B-B14F-4D97-AF65-F5344CB8AC3E}">
-        <p14:creationId xmlns:p14="http://schemas.microsoft.com/office/powerpoint/2010/main" xmlns="" val="819792987"/>
+        <p14:creationId xmlns:p14="http://schemas.microsoft.com/office/powerpoint/2010/main" val="819792987"/>
       </p:ext>
     </p:extLst>
   </p:cSld>
@@ -7144,7 +7145,7 @@
             <a:fld id="{7EAF463A-BC7C-46EE-9F1E-7F377CCA4891}" type="datetimeFigureOut">
               <a:rPr lang="en-US" smtClean="0"/>
               <a:pPr/>
-              <a:t>8/28/2019</a:t>
+              <a:t>12/1/2019</a:t>
             </a:fld>
             <a:endParaRPr lang="en-US"/>
           </a:p>
@@ -7196,7 +7197,7 @@
     </p:spTree>
     <p:extLst>
       <p:ext uri="{BB962C8B-B14F-4D97-AF65-F5344CB8AC3E}">
-        <p14:creationId xmlns:p14="http://schemas.microsoft.com/office/powerpoint/2010/main" xmlns="" val="4345381"/>
+        <p14:creationId xmlns:p14="http://schemas.microsoft.com/office/powerpoint/2010/main" val="4345381"/>
       </p:ext>
     </p:extLst>
   </p:cSld>
@@ -7326,7 +7327,7 @@
             <a:fld id="{7EAF463A-BC7C-46EE-9F1E-7F377CCA4891}" type="datetimeFigureOut">
               <a:rPr lang="en-US" smtClean="0"/>
               <a:pPr/>
-              <a:t>8/28/2019</a:t>
+              <a:t>12/1/2019</a:t>
             </a:fld>
             <a:endParaRPr lang="en-US"/>
           </a:p>
@@ -7378,7 +7379,7 @@
     </p:spTree>
     <p:extLst>
       <p:ext uri="{BB962C8B-B14F-4D97-AF65-F5344CB8AC3E}">
-        <p14:creationId xmlns:p14="http://schemas.microsoft.com/office/powerpoint/2010/main" xmlns="" val="2554342422"/>
+        <p14:creationId xmlns:p14="http://schemas.microsoft.com/office/powerpoint/2010/main" val="2554342422"/>
       </p:ext>
     </p:extLst>
   </p:cSld>
@@ -7513,7 +7514,7 @@
             <a:fld id="{7EAF463A-BC7C-46EE-9F1E-7F377CCA4891}" type="datetimeFigureOut">
               <a:rPr lang="en-US" smtClean="0"/>
               <a:pPr/>
-              <a:t>8/28/2019</a:t>
+              <a:t>12/1/2019</a:t>
             </a:fld>
             <a:endParaRPr lang="en-US"/>
           </a:p>
@@ -7575,7 +7576,7 @@
     </p:spTree>
     <p:extLst>
       <p:ext uri="{BB962C8B-B14F-4D97-AF65-F5344CB8AC3E}">
-        <p14:creationId xmlns:p14="http://schemas.microsoft.com/office/powerpoint/2010/main" xmlns="" val="3904294381"/>
+        <p14:creationId xmlns:p14="http://schemas.microsoft.com/office/powerpoint/2010/main" val="3904294381"/>
       </p:ext>
     </p:extLst>
   </p:cSld>
@@ -7775,7 +7776,7 @@
             <a:fld id="{7EAF463A-BC7C-46EE-9F1E-7F377CCA4891}" type="datetimeFigureOut">
               <a:rPr lang="en-US" smtClean="0"/>
               <a:pPr/>
-              <a:t>8/28/2019</a:t>
+              <a:t>12/1/2019</a:t>
             </a:fld>
             <a:endParaRPr lang="en-US"/>
           </a:p>
@@ -7827,7 +7828,7 @@
     </p:spTree>
     <p:extLst>
       <p:ext uri="{BB962C8B-B14F-4D97-AF65-F5344CB8AC3E}">
-        <p14:creationId xmlns:p14="http://schemas.microsoft.com/office/powerpoint/2010/main" xmlns="" val="12895540"/>
+        <p14:creationId xmlns:p14="http://schemas.microsoft.com/office/powerpoint/2010/main" val="12895540"/>
       </p:ext>
     </p:extLst>
   </p:cSld>
@@ -8009,7 +8010,7 @@
             <a:fld id="{7EAF463A-BC7C-46EE-9F1E-7F377CCA4891}" type="datetimeFigureOut">
               <a:rPr lang="en-US" smtClean="0"/>
               <a:pPr/>
-              <a:t>8/28/2019</a:t>
+              <a:t>12/1/2019</a:t>
             </a:fld>
             <a:endParaRPr lang="en-US"/>
           </a:p>
@@ -8061,7 +8062,7 @@
     </p:spTree>
     <p:extLst>
       <p:ext uri="{BB962C8B-B14F-4D97-AF65-F5344CB8AC3E}">
-        <p14:creationId xmlns:p14="http://schemas.microsoft.com/office/powerpoint/2010/main" xmlns="" val="3715439022"/>
+        <p14:creationId xmlns:p14="http://schemas.microsoft.com/office/powerpoint/2010/main" val="3715439022"/>
       </p:ext>
     </p:extLst>
   </p:cSld>
@@ -8392,7 +8393,7 @@
             <a:fld id="{7EAF463A-BC7C-46EE-9F1E-7F377CCA4891}" type="datetimeFigureOut">
               <a:rPr lang="en-US" smtClean="0"/>
               <a:pPr/>
-              <a:t>8/28/2019</a:t>
+              <a:t>12/1/2019</a:t>
             </a:fld>
             <a:endParaRPr lang="en-US"/>
           </a:p>
@@ -8444,7 +8445,7 @@
     </p:spTree>
     <p:extLst>
       <p:ext uri="{BB962C8B-B14F-4D97-AF65-F5344CB8AC3E}">
-        <p14:creationId xmlns:p14="http://schemas.microsoft.com/office/powerpoint/2010/main" xmlns="" val="52945837"/>
+        <p14:creationId xmlns:p14="http://schemas.microsoft.com/office/powerpoint/2010/main" val="52945837"/>
       </p:ext>
     </p:extLst>
   </p:cSld>
@@ -8512,7 +8513,7 @@
             <a:fld id="{7EAF463A-BC7C-46EE-9F1E-7F377CCA4891}" type="datetimeFigureOut">
               <a:rPr lang="en-US" smtClean="0"/>
               <a:pPr/>
-              <a:t>8/28/2019</a:t>
+              <a:t>12/1/2019</a:t>
             </a:fld>
             <a:endParaRPr lang="en-US"/>
           </a:p>
@@ -8564,7 +8565,7 @@
     </p:spTree>
     <p:extLst>
       <p:ext uri="{BB962C8B-B14F-4D97-AF65-F5344CB8AC3E}">
-        <p14:creationId xmlns:p14="http://schemas.microsoft.com/office/powerpoint/2010/main" xmlns="" val="1984520792"/>
+        <p14:creationId xmlns:p14="http://schemas.microsoft.com/office/powerpoint/2010/main" val="1984520792"/>
       </p:ext>
     </p:extLst>
   </p:cSld>
@@ -8609,7 +8610,7 @@
             <a:fld id="{7EAF463A-BC7C-46EE-9F1E-7F377CCA4891}" type="datetimeFigureOut">
               <a:rPr lang="en-US" smtClean="0"/>
               <a:pPr/>
-              <a:t>8/28/2019</a:t>
+              <a:t>12/1/2019</a:t>
             </a:fld>
             <a:endParaRPr lang="en-US"/>
           </a:p>
@@ -8661,7 +8662,7 @@
     </p:spTree>
     <p:extLst>
       <p:ext uri="{BB962C8B-B14F-4D97-AF65-F5344CB8AC3E}">
-        <p14:creationId xmlns:p14="http://schemas.microsoft.com/office/powerpoint/2010/main" xmlns="" val="2583486470"/>
+        <p14:creationId xmlns:p14="http://schemas.microsoft.com/office/powerpoint/2010/main" val="2583486470"/>
       </p:ext>
     </p:extLst>
   </p:cSld>
@@ -8860,7 +8861,7 @@
             <a:fld id="{7EAF463A-BC7C-46EE-9F1E-7F377CCA4891}" type="datetimeFigureOut">
               <a:rPr lang="en-US" smtClean="0"/>
               <a:pPr/>
-              <a:t>8/28/2019</a:t>
+              <a:t>12/1/2019</a:t>
             </a:fld>
             <a:endParaRPr lang="en-US"/>
           </a:p>
@@ -8912,7 +8913,7 @@
     </p:spTree>
     <p:extLst>
       <p:ext uri="{BB962C8B-B14F-4D97-AF65-F5344CB8AC3E}">
-        <p14:creationId xmlns:p14="http://schemas.microsoft.com/office/powerpoint/2010/main" xmlns="" val="1371408146"/>
+        <p14:creationId xmlns:p14="http://schemas.microsoft.com/office/powerpoint/2010/main" val="1371408146"/>
       </p:ext>
     </p:extLst>
   </p:cSld>
@@ -9114,7 +9115,7 @@
             <a:fld id="{7EAF463A-BC7C-46EE-9F1E-7F377CCA4891}" type="datetimeFigureOut">
               <a:rPr lang="en-US" smtClean="0"/>
               <a:pPr/>
-              <a:t>8/28/2019</a:t>
+              <a:t>12/1/2019</a:t>
             </a:fld>
             <a:endParaRPr lang="en-US"/>
           </a:p>
@@ -9166,7 +9167,7 @@
     </p:spTree>
     <p:extLst>
       <p:ext uri="{BB962C8B-B14F-4D97-AF65-F5344CB8AC3E}">
-        <p14:creationId xmlns:p14="http://schemas.microsoft.com/office/powerpoint/2010/main" xmlns="" val="2077490072"/>
+        <p14:creationId xmlns:p14="http://schemas.microsoft.com/office/powerpoint/2010/main" val="2077490072"/>
       </p:ext>
     </p:extLst>
   </p:cSld>
@@ -9242,7 +9243,7 @@
             </a:duotone>
             <a:extLst>
               <a:ext uri="{28A0092B-C50C-407E-A947-70E740481C1C}">
-                <a14:useLocalDpi xmlns:a14="http://schemas.microsoft.com/office/drawing/2010/main" xmlns="" val="0"/>
+                <a14:useLocalDpi xmlns:a14="http://schemas.microsoft.com/office/drawing/2010/main" val="0"/>
               </a:ext>
             </a:extLst>
           </a:blip>
@@ -9262,7 +9263,7 @@
           <a:noFill/>
           <a:extLst>
             <a:ext uri="{909E8E84-426E-40dd-AFC4-6F175D3DCCD1}">
-              <a14:hiddenFill xmlns="" xmlns:a14="http://schemas.microsoft.com/office/drawing/2010/main">
+              <a14:hiddenFill xmlns:a14="http://schemas.microsoft.com/office/drawing/2010/main" xmlns="">
                 <a:solidFill>
                   <a:srgbClr val="FFFFFF"/>
                 </a:solidFill>
@@ -9336,7 +9337,7 @@
               </a:ln>
               <a:extLst>
                 <a:ext uri="{91240B29-F687-4f45-9708-019B960494DF}">
-                  <a14:hiddenLine xmlns="" xmlns:a14="http://schemas.microsoft.com/office/drawing/2010/main" w="9525">
+                  <a14:hiddenLine xmlns:a14="http://schemas.microsoft.com/office/drawing/2010/main" xmlns="" w="9525">
                     <a:solidFill>
                       <a:srgbClr val="000000"/>
                     </a:solidFill>
@@ -9426,7 +9427,7 @@
               </a:ln>
               <a:extLst>
                 <a:ext uri="{91240B29-F687-4f45-9708-019B960494DF}">
-                  <a14:hiddenLine xmlns="" xmlns:a14="http://schemas.microsoft.com/office/drawing/2010/main" w="9525">
+                  <a14:hiddenLine xmlns:a14="http://schemas.microsoft.com/office/drawing/2010/main" xmlns="" w="9525">
                     <a:solidFill>
                       <a:srgbClr val="000000"/>
                     </a:solidFill>
@@ -9516,7 +9517,7 @@
               </a:ln>
               <a:extLst>
                 <a:ext uri="{91240B29-F687-4f45-9708-019B960494DF}">
-                  <a14:hiddenLine xmlns="" xmlns:a14="http://schemas.microsoft.com/office/drawing/2010/main" w="9525">
+                  <a14:hiddenLine xmlns:a14="http://schemas.microsoft.com/office/drawing/2010/main" xmlns="" w="9525">
                     <a:solidFill>
                       <a:srgbClr val="000000"/>
                     </a:solidFill>
@@ -9578,7 +9579,7 @@
               </a:ln>
               <a:extLst>
                 <a:ext uri="{91240B29-F687-4f45-9708-019B960494DF}">
-                  <a14:hiddenLine xmlns="" xmlns:a14="http://schemas.microsoft.com/office/drawing/2010/main" w="9525">
+                  <a14:hiddenLine xmlns:a14="http://schemas.microsoft.com/office/drawing/2010/main" xmlns="" w="9525">
                     <a:solidFill>
                       <a:srgbClr val="000000"/>
                     </a:solidFill>
@@ -9668,7 +9669,7 @@
               </a:ln>
               <a:extLst>
                 <a:ext uri="{91240B29-F687-4f45-9708-019B960494DF}">
-                  <a14:hiddenLine xmlns="" xmlns:a14="http://schemas.microsoft.com/office/drawing/2010/main" w="9525">
+                  <a14:hiddenLine xmlns:a14="http://schemas.microsoft.com/office/drawing/2010/main" xmlns="" w="9525">
                     <a:solidFill>
                       <a:srgbClr val="000000"/>
                     </a:solidFill>
@@ -9730,7 +9731,7 @@
               </a:ln>
               <a:extLst>
                 <a:ext uri="{91240B29-F687-4f45-9708-019B960494DF}">
-                  <a14:hiddenLine xmlns="" xmlns:a14="http://schemas.microsoft.com/office/drawing/2010/main" w="9525">
+                  <a14:hiddenLine xmlns:a14="http://schemas.microsoft.com/office/drawing/2010/main" xmlns="" w="9525">
                     <a:solidFill>
                       <a:srgbClr val="000000"/>
                     </a:solidFill>
@@ -9792,7 +9793,7 @@
               </a:ln>
               <a:extLst>
                 <a:ext uri="{91240B29-F687-4f45-9708-019B960494DF}">
-                  <a14:hiddenLine xmlns="" xmlns:a14="http://schemas.microsoft.com/office/drawing/2010/main" w="9525">
+                  <a14:hiddenLine xmlns:a14="http://schemas.microsoft.com/office/drawing/2010/main" xmlns="" w="9525">
                     <a:solidFill>
                       <a:srgbClr val="000000"/>
                     </a:solidFill>
@@ -9882,7 +9883,7 @@
               </a:ln>
               <a:extLst>
                 <a:ext uri="{91240B29-F687-4f45-9708-019B960494DF}">
-                  <a14:hiddenLine xmlns="" xmlns:a14="http://schemas.microsoft.com/office/drawing/2010/main" w="9525">
+                  <a14:hiddenLine xmlns:a14="http://schemas.microsoft.com/office/drawing/2010/main" xmlns="" w="9525">
                     <a:solidFill>
                       <a:srgbClr val="000000"/>
                     </a:solidFill>
@@ -9972,7 +9973,7 @@
               </a:ln>
               <a:extLst>
                 <a:ext uri="{91240B29-F687-4f45-9708-019B960494DF}">
-                  <a14:hiddenLine xmlns="" xmlns:a14="http://schemas.microsoft.com/office/drawing/2010/main" w="9525">
+                  <a14:hiddenLine xmlns:a14="http://schemas.microsoft.com/office/drawing/2010/main" xmlns="" w="9525">
                     <a:solidFill>
                       <a:srgbClr val="000000"/>
                     </a:solidFill>
@@ -10034,7 +10035,7 @@
               </a:ln>
               <a:extLst>
                 <a:ext uri="{91240B29-F687-4f45-9708-019B960494DF}">
-                  <a14:hiddenLine xmlns="" xmlns:a14="http://schemas.microsoft.com/office/drawing/2010/main" w="9525">
+                  <a14:hiddenLine xmlns:a14="http://schemas.microsoft.com/office/drawing/2010/main" xmlns="" w="9525">
                     <a:solidFill>
                       <a:srgbClr val="000000"/>
                     </a:solidFill>
@@ -10144,7 +10145,7 @@
               </a:ln>
               <a:extLst>
                 <a:ext uri="{91240B29-F687-4f45-9708-019B960494DF}">
-                  <a14:hiddenLine xmlns="" xmlns:a14="http://schemas.microsoft.com/office/drawing/2010/main" w="9525">
+                  <a14:hiddenLine xmlns:a14="http://schemas.microsoft.com/office/drawing/2010/main" xmlns="" w="9525">
                     <a:solidFill>
                       <a:srgbClr val="000000"/>
                     </a:solidFill>
@@ -10228,7 +10229,7 @@
               </a:ln>
               <a:extLst>
                 <a:ext uri="{91240B29-F687-4f45-9708-019B960494DF}">
-                  <a14:hiddenLine xmlns="" xmlns:a14="http://schemas.microsoft.com/office/drawing/2010/main" w="9525">
+                  <a14:hiddenLine xmlns:a14="http://schemas.microsoft.com/office/drawing/2010/main" xmlns="" w="9525">
                     <a:solidFill>
                       <a:srgbClr val="000000"/>
                     </a:solidFill>
@@ -10290,7 +10291,7 @@
               </a:ln>
               <a:extLst>
                 <a:ext uri="{91240B29-F687-4f45-9708-019B960494DF}">
-                  <a14:hiddenLine xmlns="" xmlns:a14="http://schemas.microsoft.com/office/drawing/2010/main" w="9525">
+                  <a14:hiddenLine xmlns:a14="http://schemas.microsoft.com/office/drawing/2010/main" xmlns="" w="9525">
                     <a:solidFill>
                       <a:srgbClr val="000000"/>
                     </a:solidFill>
@@ -10352,7 +10353,7 @@
               </a:ln>
               <a:extLst>
                 <a:ext uri="{91240B29-F687-4f45-9708-019B960494DF}">
-                  <a14:hiddenLine xmlns="" xmlns:a14="http://schemas.microsoft.com/office/drawing/2010/main" w="9525">
+                  <a14:hiddenLine xmlns:a14="http://schemas.microsoft.com/office/drawing/2010/main" xmlns="" w="9525">
                     <a:solidFill>
                       <a:srgbClr val="000000"/>
                     </a:solidFill>
@@ -10442,7 +10443,7 @@
               </a:ln>
               <a:extLst>
                 <a:ext uri="{91240B29-F687-4f45-9708-019B960494DF}">
-                  <a14:hiddenLine xmlns="" xmlns:a14="http://schemas.microsoft.com/office/drawing/2010/main" w="9525">
+                  <a14:hiddenLine xmlns:a14="http://schemas.microsoft.com/office/drawing/2010/main" xmlns="" w="9525">
                     <a:solidFill>
                       <a:srgbClr val="000000"/>
                     </a:solidFill>
@@ -10476,7 +10477,7 @@
               </a:ln>
               <a:extLst>
                 <a:ext uri="{91240B29-F687-4f45-9708-019B960494DF}">
-                  <a14:hiddenLine xmlns="" xmlns:a14="http://schemas.microsoft.com/office/drawing/2010/main" w="9525">
+                  <a14:hiddenLine xmlns:a14="http://schemas.microsoft.com/office/drawing/2010/main" xmlns="" w="9525">
                     <a:solidFill>
                       <a:srgbClr val="000000"/>
                     </a:solidFill>
@@ -10541,7 +10542,7 @@
               </a:ln>
               <a:extLst>
                 <a:ext uri="{91240B29-F687-4f45-9708-019B960494DF}">
-                  <a14:hiddenLine xmlns="" xmlns:a14="http://schemas.microsoft.com/office/drawing/2010/main" w="9525">
+                  <a14:hiddenLine xmlns:a14="http://schemas.microsoft.com/office/drawing/2010/main" xmlns="" w="9525">
                     <a:solidFill>
                       <a:srgbClr val="000000"/>
                     </a:solidFill>
@@ -10631,7 +10632,7 @@
               </a:ln>
               <a:extLst>
                 <a:ext uri="{91240B29-F687-4f45-9708-019B960494DF}">
-                  <a14:hiddenLine xmlns="" xmlns:a14="http://schemas.microsoft.com/office/drawing/2010/main" w="9525">
+                  <a14:hiddenLine xmlns:a14="http://schemas.microsoft.com/office/drawing/2010/main" xmlns="" w="9525">
                     <a:solidFill>
                       <a:srgbClr val="000000"/>
                     </a:solidFill>
@@ -10693,7 +10694,7 @@
               </a:ln>
               <a:extLst>
                 <a:ext uri="{91240B29-F687-4f45-9708-019B960494DF}">
-                  <a14:hiddenLine xmlns="" xmlns:a14="http://schemas.microsoft.com/office/drawing/2010/main" w="9525">
+                  <a14:hiddenLine xmlns:a14="http://schemas.microsoft.com/office/drawing/2010/main" xmlns="" w="9525">
                     <a:solidFill>
                       <a:srgbClr val="000000"/>
                     </a:solidFill>
@@ -10783,7 +10784,7 @@
               </a:ln>
               <a:extLst>
                 <a:ext uri="{91240B29-F687-4f45-9708-019B960494DF}">
-                  <a14:hiddenLine xmlns="" xmlns:a14="http://schemas.microsoft.com/office/drawing/2010/main" w="9525">
+                  <a14:hiddenLine xmlns:a14="http://schemas.microsoft.com/office/drawing/2010/main" xmlns="" w="9525">
                     <a:solidFill>
                       <a:srgbClr val="000000"/>
                     </a:solidFill>
@@ -10848,7 +10849,7 @@
               </a:ln>
               <a:extLst>
                 <a:ext uri="{91240B29-F687-4f45-9708-019B960494DF}">
-                  <a14:hiddenLine xmlns="" xmlns:a14="http://schemas.microsoft.com/office/drawing/2010/main" w="9525">
+                  <a14:hiddenLine xmlns:a14="http://schemas.microsoft.com/office/drawing/2010/main" xmlns="" w="9525">
                     <a:solidFill>
                       <a:srgbClr val="000000"/>
                     </a:solidFill>
@@ -10910,7 +10911,7 @@
               </a:ln>
               <a:extLst>
                 <a:ext uri="{91240B29-F687-4f45-9708-019B960494DF}">
-                  <a14:hiddenLine xmlns="" xmlns:a14="http://schemas.microsoft.com/office/drawing/2010/main" w="9525">
+                  <a14:hiddenLine xmlns:a14="http://schemas.microsoft.com/office/drawing/2010/main" xmlns="" w="9525">
                     <a:solidFill>
                       <a:srgbClr val="000000"/>
                     </a:solidFill>
@@ -11000,7 +11001,7 @@
               </a:ln>
               <a:extLst>
                 <a:ext uri="{91240B29-F687-4f45-9708-019B960494DF}">
-                  <a14:hiddenLine xmlns="" xmlns:a14="http://schemas.microsoft.com/office/drawing/2010/main" w="9525">
+                  <a14:hiddenLine xmlns:a14="http://schemas.microsoft.com/office/drawing/2010/main" xmlns="" w="9525">
                     <a:solidFill>
                       <a:srgbClr val="000000"/>
                     </a:solidFill>
@@ -11090,7 +11091,7 @@
               </a:ln>
               <a:extLst>
                 <a:ext uri="{91240B29-F687-4f45-9708-019B960494DF}">
-                  <a14:hiddenLine xmlns="" xmlns:a14="http://schemas.microsoft.com/office/drawing/2010/main" w="9525">
+                  <a14:hiddenLine xmlns:a14="http://schemas.microsoft.com/office/drawing/2010/main" xmlns="" w="9525">
                     <a:solidFill>
                       <a:srgbClr val="000000"/>
                     </a:solidFill>
@@ -11155,7 +11156,7 @@
               </a:ln>
               <a:extLst>
                 <a:ext uri="{91240B29-F687-4f45-9708-019B960494DF}">
-                  <a14:hiddenLine xmlns="" xmlns:a14="http://schemas.microsoft.com/office/drawing/2010/main" w="9525">
+                  <a14:hiddenLine xmlns:a14="http://schemas.microsoft.com/office/drawing/2010/main" xmlns="" w="9525">
                     <a:solidFill>
                       <a:srgbClr val="000000"/>
                     </a:solidFill>
@@ -11275,7 +11276,7 @@
               </a:ln>
               <a:extLst>
                 <a:ext uri="{91240B29-F687-4f45-9708-019B960494DF}">
-                  <a14:hiddenLine xmlns="" xmlns:a14="http://schemas.microsoft.com/office/drawing/2010/main" w="9525">
+                  <a14:hiddenLine xmlns:a14="http://schemas.microsoft.com/office/drawing/2010/main" xmlns="" w="9525">
                     <a:solidFill>
                       <a:srgbClr val="000000"/>
                     </a:solidFill>
@@ -11373,7 +11374,7 @@
               </a:ln>
               <a:extLst>
                 <a:ext uri="{91240B29-F687-4f45-9708-019B960494DF}">
-                  <a14:hiddenLine xmlns="" xmlns:a14="http://schemas.microsoft.com/office/drawing/2010/main" w="9525">
+                  <a14:hiddenLine xmlns:a14="http://schemas.microsoft.com/office/drawing/2010/main" xmlns="" w="9525">
                     <a:solidFill>
                       <a:srgbClr val="000000"/>
                     </a:solidFill>
@@ -11488,7 +11489,7 @@
               </a:ln>
               <a:extLst>
                 <a:ext uri="{91240B29-F687-4f45-9708-019B960494DF}">
-                  <a14:hiddenLine xmlns="" xmlns:a14="http://schemas.microsoft.com/office/drawing/2010/main" w="9525">
+                  <a14:hiddenLine xmlns:a14="http://schemas.microsoft.com/office/drawing/2010/main" xmlns="" w="9525">
                     <a:solidFill>
                       <a:srgbClr val="000000"/>
                     </a:solidFill>
@@ -11578,7 +11579,7 @@
               </a:ln>
               <a:extLst>
                 <a:ext uri="{91240B29-F687-4f45-9708-019B960494DF}">
-                  <a14:hiddenLine xmlns="" xmlns:a14="http://schemas.microsoft.com/office/drawing/2010/main" w="9525">
+                  <a14:hiddenLine xmlns:a14="http://schemas.microsoft.com/office/drawing/2010/main" xmlns="" w="9525">
                     <a:solidFill>
                       <a:srgbClr val="000000"/>
                     </a:solidFill>
@@ -11643,7 +11644,7 @@
               </a:ln>
               <a:extLst>
                 <a:ext uri="{91240B29-F687-4f45-9708-019B960494DF}">
-                  <a14:hiddenLine xmlns="" xmlns:a14="http://schemas.microsoft.com/office/drawing/2010/main" w="9525">
+                  <a14:hiddenLine xmlns:a14="http://schemas.microsoft.com/office/drawing/2010/main" xmlns="" w="9525">
                     <a:solidFill>
                       <a:srgbClr val="000000"/>
                     </a:solidFill>
@@ -11733,7 +11734,7 @@
               </a:ln>
               <a:extLst>
                 <a:ext uri="{91240B29-F687-4f45-9708-019B960494DF}">
-                  <a14:hiddenLine xmlns="" xmlns:a14="http://schemas.microsoft.com/office/drawing/2010/main" w="9525">
+                  <a14:hiddenLine xmlns:a14="http://schemas.microsoft.com/office/drawing/2010/main" xmlns="" w="9525">
                     <a:solidFill>
                       <a:srgbClr val="000000"/>
                     </a:solidFill>
@@ -11801,7 +11802,7 @@
               </a:ln>
               <a:extLst>
                 <a:ext uri="{91240B29-F687-4f45-9708-019B960494DF}">
-                  <a14:hiddenLine xmlns="" xmlns:a14="http://schemas.microsoft.com/office/drawing/2010/main" w="9525">
+                  <a14:hiddenLine xmlns:a14="http://schemas.microsoft.com/office/drawing/2010/main" xmlns="" w="9525">
                     <a:solidFill>
                       <a:srgbClr val="000000"/>
                     </a:solidFill>
@@ -11891,7 +11892,7 @@
               </a:ln>
               <a:extLst>
                 <a:ext uri="{91240B29-F687-4f45-9708-019B960494DF}">
-                  <a14:hiddenLine xmlns="" xmlns:a14="http://schemas.microsoft.com/office/drawing/2010/main" w="9525">
+                  <a14:hiddenLine xmlns:a14="http://schemas.microsoft.com/office/drawing/2010/main" xmlns="" w="9525">
                     <a:solidFill>
                       <a:srgbClr val="000000"/>
                     </a:solidFill>
@@ -11959,7 +11960,7 @@
               </a:ln>
               <a:extLst>
                 <a:ext uri="{91240B29-F687-4f45-9708-019B960494DF}">
-                  <a14:hiddenLine xmlns="" xmlns:a14="http://schemas.microsoft.com/office/drawing/2010/main" w="9525">
+                  <a14:hiddenLine xmlns:a14="http://schemas.microsoft.com/office/drawing/2010/main" xmlns="" w="9525">
                     <a:solidFill>
                       <a:srgbClr val="000000"/>
                     </a:solidFill>
@@ -12049,7 +12050,7 @@
               </a:ln>
               <a:extLst>
                 <a:ext uri="{91240B29-F687-4f45-9708-019B960494DF}">
-                  <a14:hiddenLine xmlns="" xmlns:a14="http://schemas.microsoft.com/office/drawing/2010/main" w="9525">
+                  <a14:hiddenLine xmlns:a14="http://schemas.microsoft.com/office/drawing/2010/main" xmlns="" w="9525">
                     <a:solidFill>
                       <a:srgbClr val="000000"/>
                     </a:solidFill>
@@ -12083,7 +12084,7 @@
               </a:ln>
               <a:extLst>
                 <a:ext uri="{91240B29-F687-4f45-9708-019B960494DF}">
-                  <a14:hiddenLine xmlns="" xmlns:a14="http://schemas.microsoft.com/office/drawing/2010/main" w="9525">
+                  <a14:hiddenLine xmlns:a14="http://schemas.microsoft.com/office/drawing/2010/main" xmlns="" w="9525">
                     <a:solidFill>
                       <a:srgbClr val="000000"/>
                     </a:solidFill>
@@ -12224,7 +12225,7 @@
             <a:fld id="{7EAF463A-BC7C-46EE-9F1E-7F377CCA4891}" type="datetimeFigureOut">
               <a:rPr lang="en-US" smtClean="0"/>
               <a:pPr/>
-              <a:t>8/28/2019</a:t>
+              <a:t>12/1/2019</a:t>
             </a:fld>
             <a:endParaRPr lang="en-US"/>
           </a:p>
@@ -12312,7 +12313,7 @@
     </p:spTree>
     <p:extLst>
       <p:ext uri="{BB962C8B-B14F-4D97-AF65-F5344CB8AC3E}">
-        <p14:creationId xmlns:p14="http://schemas.microsoft.com/office/powerpoint/2010/main" xmlns="" val="1822043643"/>
+        <p14:creationId xmlns:p14="http://schemas.microsoft.com/office/powerpoint/2010/main" val="1822043643"/>
       </p:ext>
     </p:extLst>
   </p:cSld>
@@ -12676,7 +12677,7 @@
           <p:cNvPr id="3" name="Объект 2">
             <a:extLst>
               <a:ext uri="{FF2B5EF4-FFF2-40B4-BE49-F238E27FC236}">
-                <a16:creationId xmlns:a16="http://schemas.microsoft.com/office/drawing/2014/main" xmlns="" id="{C6A60CB3-0F11-44FD-958A-CE75534CEC77}"/>
+                <a16:creationId xmlns:a16="http://schemas.microsoft.com/office/drawing/2014/main" id="{C6A60CB3-0F11-44FD-958A-CE75534CEC77}"/>
               </a:ext>
             </a:extLst>
           </p:cNvPr>
@@ -12915,7 +12916,7 @@
           <p:cNvPr id="3" name="Объект 2">
             <a:extLst>
               <a:ext uri="{FF2B5EF4-FFF2-40B4-BE49-F238E27FC236}">
-                <a16:creationId xmlns:a16="http://schemas.microsoft.com/office/drawing/2014/main" xmlns="" id="{30CFDBBA-4653-4240-BE34-F459782E312A}"/>
+                <a16:creationId xmlns:a16="http://schemas.microsoft.com/office/drawing/2014/main" id="{30CFDBBA-4653-4240-BE34-F459782E312A}"/>
               </a:ext>
             </a:extLst>
           </p:cNvPr>
@@ -12984,7 +12985,7 @@
           <p:cNvPr id="4" name="Рисунок 3">
             <a:extLst>
               <a:ext uri="{FF2B5EF4-FFF2-40B4-BE49-F238E27FC236}">
-                <a16:creationId xmlns:a16="http://schemas.microsoft.com/office/drawing/2014/main" xmlns="" id="{C676F682-E006-4AA7-92A0-38CD1049BB99}"/>
+                <a16:creationId xmlns:a16="http://schemas.microsoft.com/office/drawing/2014/main" id="{C676F682-E006-4AA7-92A0-38CD1049BB99}"/>
               </a:ext>
             </a:extLst>
           </p:cNvPr>
@@ -13014,7 +13015,7 @@
           <p:cNvPr id="5" name="Объект 2">
             <a:extLst>
               <a:ext uri="{FF2B5EF4-FFF2-40B4-BE49-F238E27FC236}">
-                <a16:creationId xmlns:a16="http://schemas.microsoft.com/office/drawing/2014/main" xmlns="" id="{FF4E7B58-5156-41D2-B009-AC8140948A93}"/>
+                <a16:creationId xmlns:a16="http://schemas.microsoft.com/office/drawing/2014/main" id="{FF4E7B58-5156-41D2-B009-AC8140948A93}"/>
               </a:ext>
             </a:extLst>
           </p:cNvPr>
@@ -13034,7 +13035,7 @@
         </p:spPr>
         <p:txBody>
           <a:bodyPr vert="horz" lIns="91440" tIns="45720" rIns="91440" bIns="45720" rtlCol="0">
-            <a:normAutofit lnSpcReduction="10000"/>
+            <a:normAutofit/>
           </a:bodyPr>
           <a:lstStyle>
             <a:lvl1pPr marL="228600" indent="-228600" algn="l" defTabSz="914400" rtl="0" eaLnBrk="1" latinLnBrk="0" hangingPunct="1">
@@ -13228,7 +13229,7 @@
     </p:spTree>
     <p:extLst>
       <p:ext uri="{BB962C8B-B14F-4D97-AF65-F5344CB8AC3E}">
-        <p14:creationId xmlns:p14="http://schemas.microsoft.com/office/powerpoint/2010/main" xmlns="" val="2333277847"/>
+        <p14:creationId xmlns:p14="http://schemas.microsoft.com/office/powerpoint/2010/main" val="2333277847"/>
       </p:ext>
     </p:extLst>
   </p:cSld>
@@ -13260,7 +13261,7 @@
           <p:cNvPr id="2" name="Рисунок 1">
             <a:extLst>
               <a:ext uri="{FF2B5EF4-FFF2-40B4-BE49-F238E27FC236}">
-                <a16:creationId xmlns:a16="http://schemas.microsoft.com/office/drawing/2014/main" xmlns="" id="{7A56B392-4519-4163-BC69-4BDC4BE02186}"/>
+                <a16:creationId xmlns:a16="http://schemas.microsoft.com/office/drawing/2014/main" id="{7A56B392-4519-4163-BC69-4BDC4BE02186}"/>
               </a:ext>
             </a:extLst>
           </p:cNvPr>
@@ -13290,7 +13291,7 @@
           <p:cNvPr id="4" name="Объект 2">
             <a:extLst>
               <a:ext uri="{FF2B5EF4-FFF2-40B4-BE49-F238E27FC236}">
-                <a16:creationId xmlns:a16="http://schemas.microsoft.com/office/drawing/2014/main" xmlns="" id="{2EEBAB41-6686-44DC-BC9F-D716B703997C}"/>
+                <a16:creationId xmlns:a16="http://schemas.microsoft.com/office/drawing/2014/main" id="{2EEBAB41-6686-44DC-BC9F-D716B703997C}"/>
               </a:ext>
             </a:extLst>
           </p:cNvPr>
@@ -13343,7 +13344,7 @@
           <p:cNvPr id="5" name="Рисунок 4">
             <a:extLst>
               <a:ext uri="{FF2B5EF4-FFF2-40B4-BE49-F238E27FC236}">
-                <a16:creationId xmlns:a16="http://schemas.microsoft.com/office/drawing/2014/main" xmlns="" id="{BB877926-097F-468F-881C-0EE7264D5FBD}"/>
+                <a16:creationId xmlns:a16="http://schemas.microsoft.com/office/drawing/2014/main" id="{BB877926-097F-468F-881C-0EE7264D5FBD}"/>
               </a:ext>
             </a:extLst>
           </p:cNvPr>
@@ -13395,10 +13396,122 @@
       </p:grpSpPr>
       <p:sp>
         <p:nvSpPr>
+          <p:cNvPr id="2" name="Заголовок 1">
+            <a:extLst>
+              <a:ext uri="{FF2B5EF4-FFF2-40B4-BE49-F238E27FC236}">
+                <a16:creationId xmlns:a16="http://schemas.microsoft.com/office/drawing/2014/main" id="{D4A6128D-F61E-4DBA-95ED-294F57277C68}"/>
+              </a:ext>
+            </a:extLst>
+          </p:cNvPr>
+          <p:cNvSpPr>
+            <a:spLocks noGrp="1"/>
+          </p:cNvSpPr>
+          <p:nvPr>
+            <p:ph type="title"/>
+          </p:nvPr>
+        </p:nvSpPr>
+        <p:spPr/>
+        <p:txBody>
+          <a:bodyPr/>
+          <a:lstStyle/>
+          <a:p>
+            <a:r>
+              <a:rPr lang="en-US" dirty="0">
+                <a:solidFill>
+                  <a:srgbClr val="FF0000"/>
+                </a:solidFill>
+              </a:rPr>
+              <a:t>Intouch me</a:t>
+            </a:r>
+            <a:endParaRPr lang="ru-RU" dirty="0">
+              <a:solidFill>
+                <a:srgbClr val="FF0000"/>
+              </a:solidFill>
+            </a:endParaRPr>
+          </a:p>
+        </p:txBody>
+      </p:sp>
+      <p:sp>
+        <p:nvSpPr>
+          <p:cNvPr id="3" name="Объект 2">
+            <a:extLst>
+              <a:ext uri="{FF2B5EF4-FFF2-40B4-BE49-F238E27FC236}">
+                <a16:creationId xmlns:a16="http://schemas.microsoft.com/office/drawing/2014/main" id="{B3686575-99BC-4AB4-89E3-4B89AA8B9F74}"/>
+              </a:ext>
+            </a:extLst>
+          </p:cNvPr>
+          <p:cNvSpPr>
+            <a:spLocks noGrp="1"/>
+          </p:cNvSpPr>
+          <p:nvPr>
+            <p:ph idx="1"/>
+          </p:nvPr>
+        </p:nvSpPr>
+        <p:spPr/>
+        <p:txBody>
+          <a:bodyPr/>
+          <a:lstStyle/>
+          <a:p>
+            <a:pPr marL="0" indent="0">
+              <a:buNone/>
+            </a:pPr>
+            <a:r>
+              <a:rPr lang="ru-RU" dirty="0">
+                <a:solidFill>
+                  <a:srgbClr val="FF0000"/>
+                </a:solidFill>
+              </a:rPr>
+              <a:t>Возможности:</a:t>
+            </a:r>
+          </a:p>
+          <a:p>
+            <a:pPr marL="0" indent="0">
+              <a:buNone/>
+            </a:pPr>
+            <a:endParaRPr lang="ru-RU" dirty="0">
+              <a:solidFill>
+                <a:srgbClr val="FF0000"/>
+              </a:solidFill>
+            </a:endParaRPr>
+          </a:p>
+        </p:txBody>
+      </p:sp>
+    </p:spTree>
+    <p:extLst>
+      <p:ext uri="{BB962C8B-B14F-4D97-AF65-F5344CB8AC3E}">
+        <p14:creationId xmlns:p14="http://schemas.microsoft.com/office/powerpoint/2010/main" val="2776598417"/>
+      </p:ext>
+    </p:extLst>
+  </p:cSld>
+  <p:clrMapOvr>
+    <a:masterClrMapping/>
+  </p:clrMapOvr>
+</p:sld>
+</file>
+
+<file path=ppt/slides/slide5.xml><?xml version="1.0" encoding="utf-8"?>
+<p:sld xmlns:a="http://schemas.openxmlformats.org/drawingml/2006/main" xmlns:r="http://schemas.openxmlformats.org/officeDocument/2006/relationships" xmlns:p="http://schemas.openxmlformats.org/presentationml/2006/main">
+  <p:cSld>
+    <p:spTree>
+      <p:nvGrpSpPr>
+        <p:cNvPr id="1" name=""/>
+        <p:cNvGrpSpPr/>
+        <p:nvPr/>
+      </p:nvGrpSpPr>
+      <p:grpSpPr>
+        <a:xfrm>
+          <a:off x="0" y="0"/>
+          <a:ext cx="0" cy="0"/>
+          <a:chOff x="0" y="0"/>
+          <a:chExt cx="0" cy="0"/>
+        </a:xfrm>
+      </p:grpSpPr>
+      <p:sp>
+        <p:nvSpPr>
           <p:cNvPr id="4" name="Объект 2">
             <a:extLst>
               <a:ext uri="{FF2B5EF4-FFF2-40B4-BE49-F238E27FC236}">
-                <a16:creationId xmlns:a16="http://schemas.microsoft.com/office/drawing/2014/main" xmlns="" id="{39A692C9-6C8A-4D09-A3EA-DE4139139F7C}"/>
+                <a16:creationId xmlns:a16="http://schemas.microsoft.com/office/drawing/2014/main" id="{39A692C9-6C8A-4D09-A3EA-DE4139139F7C}"/>
               </a:ext>
             </a:extLst>
           </p:cNvPr>
@@ -13438,7 +13551,7 @@
           <p:cNvPr id="5" name="Рисунок 4">
             <a:extLst>
               <a:ext uri="{FF2B5EF4-FFF2-40B4-BE49-F238E27FC236}">
-                <a16:creationId xmlns:a16="http://schemas.microsoft.com/office/drawing/2014/main" xmlns="" id="{F41C6B80-6D33-4B1C-B8EB-F8BD08D18E25}"/>
+                <a16:creationId xmlns:a16="http://schemas.microsoft.com/office/drawing/2014/main" id="{F41C6B80-6D33-4B1C-B8EB-F8BD08D18E25}"/>
               </a:ext>
             </a:extLst>
           </p:cNvPr>
@@ -13471,7 +13584,7 @@
 </p:sld>
 </file>
 
-<file path=ppt/slides/slide5.xml><?xml version="1.0" encoding="utf-8"?>
+<file path=ppt/slides/slide6.xml><?xml version="1.0" encoding="utf-8"?>
 <p:sld xmlns:a="http://schemas.openxmlformats.org/drawingml/2006/main" xmlns:r="http://schemas.openxmlformats.org/officeDocument/2006/relationships" xmlns:p="http://schemas.openxmlformats.org/presentationml/2006/main">
   <p:cSld>
     <p:spTree>
@@ -13493,7 +13606,7 @@
           <p:cNvPr id="5" name="Объект 2">
             <a:extLst>
               <a:ext uri="{FF2B5EF4-FFF2-40B4-BE49-F238E27FC236}">
-                <a16:creationId xmlns:a16="http://schemas.microsoft.com/office/drawing/2014/main" xmlns="" id="{39A2C5C3-8F8E-4CD0-8534-32AF5EA005DB}"/>
+                <a16:creationId xmlns:a16="http://schemas.microsoft.com/office/drawing/2014/main" id="{39A2C5C3-8F8E-4CD0-8534-32AF5EA005DB}"/>
               </a:ext>
             </a:extLst>
           </p:cNvPr>
@@ -13710,7 +13823,7 @@
 </p:sld>
 </file>
 
-<file path=ppt/slides/slide6.xml><?xml version="1.0" encoding="utf-8"?>
+<file path=ppt/slides/slide7.xml><?xml version="1.0" encoding="utf-8"?>
 <p:sld xmlns:a="http://schemas.openxmlformats.org/drawingml/2006/main" xmlns:r="http://schemas.openxmlformats.org/officeDocument/2006/relationships" xmlns:p="http://schemas.openxmlformats.org/presentationml/2006/main">
   <p:cSld>
     <p:spTree>
@@ -13732,7 +13845,7 @@
           <p:cNvPr id="5" name="Объект 2">
             <a:extLst>
               <a:ext uri="{FF2B5EF4-FFF2-40B4-BE49-F238E27FC236}">
-                <a16:creationId xmlns:a16="http://schemas.microsoft.com/office/drawing/2014/main" xmlns="" id="{57BF9525-EF74-4614-97B0-E9ED6EA3A9E0}"/>
+                <a16:creationId xmlns:a16="http://schemas.microsoft.com/office/drawing/2014/main" id="{57BF9525-EF74-4614-97B0-E9ED6EA3A9E0}"/>
               </a:ext>
             </a:extLst>
           </p:cNvPr>
@@ -13957,7 +14070,7 @@
     </p:spTree>
     <p:extLst>
       <p:ext uri="{BB962C8B-B14F-4D97-AF65-F5344CB8AC3E}">
-        <p14:creationId xmlns:p14="http://schemas.microsoft.com/office/powerpoint/2010/main" xmlns="" val="3033753804"/>
+        <p14:creationId xmlns:p14="http://schemas.microsoft.com/office/powerpoint/2010/main" val="3033753804"/>
       </p:ext>
     </p:extLst>
   </p:cSld>
@@ -14212,7 +14325,7 @@
   <a:extraClrSchemeLst/>
   <a:extLst>
     <a:ext uri="{05A4C25C-085E-4340-85A3-A5531E510DB2}">
-      <thm15:themeFamily xmlns:thm15="http://schemas.microsoft.com/office/thememl/2012/main" xmlns="" name="Circuit" id="{0AC2F7E7-15F5-431C-B2A2-456FE929F56C}" vid="{0911B802-464C-4241-8DD9-B60FF88E379F}"/>
+      <thm15:themeFamily xmlns:thm15="http://schemas.microsoft.com/office/thememl/2012/main" name="Circuit" id="{0AC2F7E7-15F5-431C-B2A2-456FE929F56C}" vid="{0911B802-464C-4241-8DD9-B60FF88E379F}"/>
     </a:ext>
   </a:extLst>
 </a:theme>

--- a/итоговая.pptx
+++ b/итоговая.pptx
@@ -10,8 +10,12 @@
     <p:sldId id="265" r:id="rId4"/>
     <p:sldId id="269" r:id="rId5"/>
     <p:sldId id="257" r:id="rId6"/>
-    <p:sldId id="261" r:id="rId7"/>
-    <p:sldId id="264" r:id="rId8"/>
+    <p:sldId id="271" r:id="rId7"/>
+    <p:sldId id="261" r:id="rId8"/>
+    <p:sldId id="273" r:id="rId9"/>
+    <p:sldId id="274" r:id="rId10"/>
+    <p:sldId id="264" r:id="rId11"/>
+    <p:sldId id="272" r:id="rId12"/>
   </p:sldIdLst>
   <p:sldSz cx="9144000" cy="6858000" type="screen4x3"/>
   <p:notesSz cx="6858000" cy="9144000"/>
@@ -4531,7 +4535,7 @@
             <a:fld id="{7EAF463A-BC7C-46EE-9F1E-7F377CCA4891}" type="datetimeFigureOut">
               <a:rPr lang="en-US" smtClean="0"/>
               <a:pPr/>
-              <a:t>12/1/2019</a:t>
+              <a:t>12/8/2019</a:t>
             </a:fld>
             <a:endParaRPr lang="en-US"/>
           </a:p>
@@ -4800,7 +4804,7 @@
             <a:fld id="{7EAF463A-BC7C-46EE-9F1E-7F377CCA4891}" type="datetimeFigureOut">
               <a:rPr lang="en-US" smtClean="0"/>
               <a:pPr/>
-              <a:t>12/1/2019</a:t>
+              <a:t>12/8/2019</a:t>
             </a:fld>
             <a:endParaRPr lang="en-US"/>
           </a:p>
@@ -4998,7 +5002,7 @@
             <a:fld id="{7EAF463A-BC7C-46EE-9F1E-7F377CCA4891}" type="datetimeFigureOut">
               <a:rPr lang="en-US" smtClean="0"/>
               <a:pPr/>
-              <a:t>12/1/2019</a:t>
+              <a:t>12/8/2019</a:t>
             </a:fld>
             <a:endParaRPr lang="en-US"/>
           </a:p>
@@ -5263,7 +5267,7 @@
             <a:fld id="{7EAF463A-BC7C-46EE-9F1E-7F377CCA4891}" type="datetimeFigureOut">
               <a:rPr lang="en-US" smtClean="0"/>
               <a:pPr/>
-              <a:t>12/1/2019</a:t>
+              <a:t>12/8/2019</a:t>
             </a:fld>
             <a:endParaRPr lang="en-US"/>
           </a:p>
@@ -5699,7 +5703,7 @@
             <a:fld id="{7EAF463A-BC7C-46EE-9F1E-7F377CCA4891}" type="datetimeFigureOut">
               <a:rPr lang="en-US" smtClean="0"/>
               <a:pPr/>
-              <a:t>12/1/2019</a:t>
+              <a:t>12/8/2019</a:t>
             </a:fld>
             <a:endParaRPr lang="en-US"/>
           </a:p>
@@ -6247,7 +6251,7 @@
             <a:fld id="{7EAF463A-BC7C-46EE-9F1E-7F377CCA4891}" type="datetimeFigureOut">
               <a:rPr lang="en-US" smtClean="0"/>
               <a:pPr/>
-              <a:t>12/1/2019</a:t>
+              <a:t>12/8/2019</a:t>
             </a:fld>
             <a:endParaRPr lang="en-US"/>
           </a:p>
@@ -6969,7 +6973,7 @@
             <a:fld id="{7EAF463A-BC7C-46EE-9F1E-7F377CCA4891}" type="datetimeFigureOut">
               <a:rPr lang="en-US" smtClean="0"/>
               <a:pPr/>
-              <a:t>12/1/2019</a:t>
+              <a:t>12/8/2019</a:t>
             </a:fld>
             <a:endParaRPr lang="en-US"/>
           </a:p>
@@ -7145,7 +7149,7 @@
             <a:fld id="{7EAF463A-BC7C-46EE-9F1E-7F377CCA4891}" type="datetimeFigureOut">
               <a:rPr lang="en-US" smtClean="0"/>
               <a:pPr/>
-              <a:t>12/1/2019</a:t>
+              <a:t>12/8/2019</a:t>
             </a:fld>
             <a:endParaRPr lang="en-US"/>
           </a:p>
@@ -7327,7 +7331,7 @@
             <a:fld id="{7EAF463A-BC7C-46EE-9F1E-7F377CCA4891}" type="datetimeFigureOut">
               <a:rPr lang="en-US" smtClean="0"/>
               <a:pPr/>
-              <a:t>12/1/2019</a:t>
+              <a:t>12/8/2019</a:t>
             </a:fld>
             <a:endParaRPr lang="en-US"/>
           </a:p>
@@ -7514,7 +7518,7 @@
             <a:fld id="{7EAF463A-BC7C-46EE-9F1E-7F377CCA4891}" type="datetimeFigureOut">
               <a:rPr lang="en-US" smtClean="0"/>
               <a:pPr/>
-              <a:t>12/1/2019</a:t>
+              <a:t>12/8/2019</a:t>
             </a:fld>
             <a:endParaRPr lang="en-US"/>
           </a:p>
@@ -7776,7 +7780,7 @@
             <a:fld id="{7EAF463A-BC7C-46EE-9F1E-7F377CCA4891}" type="datetimeFigureOut">
               <a:rPr lang="en-US" smtClean="0"/>
               <a:pPr/>
-              <a:t>12/1/2019</a:t>
+              <a:t>12/8/2019</a:t>
             </a:fld>
             <a:endParaRPr lang="en-US"/>
           </a:p>
@@ -8010,7 +8014,7 @@
             <a:fld id="{7EAF463A-BC7C-46EE-9F1E-7F377CCA4891}" type="datetimeFigureOut">
               <a:rPr lang="en-US" smtClean="0"/>
               <a:pPr/>
-              <a:t>12/1/2019</a:t>
+              <a:t>12/8/2019</a:t>
             </a:fld>
             <a:endParaRPr lang="en-US"/>
           </a:p>
@@ -8393,7 +8397,7 @@
             <a:fld id="{7EAF463A-BC7C-46EE-9F1E-7F377CCA4891}" type="datetimeFigureOut">
               <a:rPr lang="en-US" smtClean="0"/>
               <a:pPr/>
-              <a:t>12/1/2019</a:t>
+              <a:t>12/8/2019</a:t>
             </a:fld>
             <a:endParaRPr lang="en-US"/>
           </a:p>
@@ -8513,7 +8517,7 @@
             <a:fld id="{7EAF463A-BC7C-46EE-9F1E-7F377CCA4891}" type="datetimeFigureOut">
               <a:rPr lang="en-US" smtClean="0"/>
               <a:pPr/>
-              <a:t>12/1/2019</a:t>
+              <a:t>12/8/2019</a:t>
             </a:fld>
             <a:endParaRPr lang="en-US"/>
           </a:p>
@@ -8610,7 +8614,7 @@
             <a:fld id="{7EAF463A-BC7C-46EE-9F1E-7F377CCA4891}" type="datetimeFigureOut">
               <a:rPr lang="en-US" smtClean="0"/>
               <a:pPr/>
-              <a:t>12/1/2019</a:t>
+              <a:t>12/8/2019</a:t>
             </a:fld>
             <a:endParaRPr lang="en-US"/>
           </a:p>
@@ -8861,7 +8865,7 @@
             <a:fld id="{7EAF463A-BC7C-46EE-9F1E-7F377CCA4891}" type="datetimeFigureOut">
               <a:rPr lang="en-US" smtClean="0"/>
               <a:pPr/>
-              <a:t>12/1/2019</a:t>
+              <a:t>12/8/2019</a:t>
             </a:fld>
             <a:endParaRPr lang="en-US"/>
           </a:p>
@@ -9115,7 +9119,7 @@
             <a:fld id="{7EAF463A-BC7C-46EE-9F1E-7F377CCA4891}" type="datetimeFigureOut">
               <a:rPr lang="en-US" smtClean="0"/>
               <a:pPr/>
-              <a:t>12/1/2019</a:t>
+              <a:t>12/8/2019</a:t>
             </a:fld>
             <a:endParaRPr lang="en-US"/>
           </a:p>
@@ -12225,7 +12229,7 @@
             <a:fld id="{7EAF463A-BC7C-46EE-9F1E-7F377CCA4891}" type="datetimeFigureOut">
               <a:rPr lang="en-US" smtClean="0"/>
               <a:pPr/>
-              <a:t>12/1/2019</a:t>
+              <a:t>12/8/2019</a:t>
             </a:fld>
             <a:endParaRPr lang="en-US"/>
           </a:p>
@@ -12894,6 +12898,777 @@
 </p:sld>
 </file>
 
+<file path=ppt/slides/slide10.xml><?xml version="1.0" encoding="utf-8"?>
+<p:sld xmlns:a="http://schemas.openxmlformats.org/drawingml/2006/main" xmlns:r="http://schemas.openxmlformats.org/officeDocument/2006/relationships" xmlns:p="http://schemas.openxmlformats.org/presentationml/2006/main">
+  <p:cSld>
+    <p:spTree>
+      <p:nvGrpSpPr>
+        <p:cNvPr id="1" name=""/>
+        <p:cNvGrpSpPr/>
+        <p:nvPr/>
+      </p:nvGrpSpPr>
+      <p:grpSpPr>
+        <a:xfrm>
+          <a:off x="0" y="0"/>
+          <a:ext cx="0" cy="0"/>
+          <a:chOff x="0" y="0"/>
+          <a:chExt cx="0" cy="0"/>
+        </a:xfrm>
+      </p:grpSpPr>
+      <p:sp>
+        <p:nvSpPr>
+          <p:cNvPr id="5" name="Объект 2">
+            <a:extLst>
+              <a:ext uri="{FF2B5EF4-FFF2-40B4-BE49-F238E27FC236}">
+                <a16:creationId xmlns:a16="http://schemas.microsoft.com/office/drawing/2014/main" id="{57BF9525-EF74-4614-97B0-E9ED6EA3A9E0}"/>
+              </a:ext>
+            </a:extLst>
+          </p:cNvPr>
+          <p:cNvSpPr txBox="1">
+            <a:spLocks/>
+          </p:cNvSpPr>
+          <p:nvPr/>
+        </p:nvSpPr>
+        <p:spPr>
+          <a:xfrm>
+            <a:off x="1835696" y="428787"/>
+            <a:ext cx="6020195" cy="1354089"/>
+          </a:xfrm>
+          <a:prstGeom prst="rect">
+            <a:avLst/>
+          </a:prstGeom>
+        </p:spPr>
+        <p:txBody>
+          <a:bodyPr/>
+          <a:lstStyle>
+            <a:lvl1pPr marL="228600" indent="-228600" algn="l" defTabSz="914400" rtl="0" eaLnBrk="1" latinLnBrk="0" hangingPunct="1">
+              <a:lnSpc>
+                <a:spcPct val="120000"/>
+              </a:lnSpc>
+              <a:spcBef>
+                <a:spcPts val="1000"/>
+              </a:spcBef>
+              <a:buSzPct val="125000"/>
+              <a:buFont typeface="Arial" panose="020B0604020202020204" pitchFamily="34" charset="0"/>
+              <a:buChar char="•"/>
+              <a:defRPr sz="2400" kern="1200">
+                <a:solidFill>
+                  <a:schemeClr val="tx1"/>
+                </a:solidFill>
+                <a:latin typeface="+mn-lt"/>
+                <a:ea typeface="+mn-ea"/>
+                <a:cs typeface="+mn-cs"/>
+              </a:defRPr>
+            </a:lvl1pPr>
+            <a:lvl2pPr marL="685800" indent="-228600" algn="l" defTabSz="914400" rtl="0" eaLnBrk="1" latinLnBrk="0" hangingPunct="1">
+              <a:lnSpc>
+                <a:spcPct val="120000"/>
+              </a:lnSpc>
+              <a:spcBef>
+                <a:spcPts val="500"/>
+              </a:spcBef>
+              <a:buSzPct val="125000"/>
+              <a:buFont typeface="Arial" panose="020B0604020202020204" pitchFamily="34" charset="0"/>
+              <a:buChar char="•"/>
+              <a:defRPr sz="2000" kern="1200">
+                <a:solidFill>
+                  <a:schemeClr val="tx1"/>
+                </a:solidFill>
+                <a:latin typeface="+mn-lt"/>
+                <a:ea typeface="+mn-ea"/>
+                <a:cs typeface="+mn-cs"/>
+              </a:defRPr>
+            </a:lvl2pPr>
+            <a:lvl3pPr marL="1143000" indent="-228600" algn="l" defTabSz="914400" rtl="0" eaLnBrk="1" latinLnBrk="0" hangingPunct="1">
+              <a:lnSpc>
+                <a:spcPct val="120000"/>
+              </a:lnSpc>
+              <a:spcBef>
+                <a:spcPts val="500"/>
+              </a:spcBef>
+              <a:buSzPct val="125000"/>
+              <a:buFont typeface="Arial" panose="020B0604020202020204" pitchFamily="34" charset="0"/>
+              <a:buChar char="•"/>
+              <a:defRPr sz="1800" kern="1200">
+                <a:solidFill>
+                  <a:schemeClr val="tx1"/>
+                </a:solidFill>
+                <a:latin typeface="+mn-lt"/>
+                <a:ea typeface="+mn-ea"/>
+                <a:cs typeface="+mn-cs"/>
+              </a:defRPr>
+            </a:lvl3pPr>
+            <a:lvl4pPr marL="1600200" indent="-228600" algn="l" defTabSz="914400" rtl="0" eaLnBrk="1" latinLnBrk="0" hangingPunct="1">
+              <a:lnSpc>
+                <a:spcPct val="120000"/>
+              </a:lnSpc>
+              <a:spcBef>
+                <a:spcPts val="500"/>
+              </a:spcBef>
+              <a:buSzPct val="125000"/>
+              <a:buFont typeface="Arial" panose="020B0604020202020204" pitchFamily="34" charset="0"/>
+              <a:buChar char="•"/>
+              <a:defRPr sz="1600" kern="1200">
+                <a:solidFill>
+                  <a:schemeClr val="tx1"/>
+                </a:solidFill>
+                <a:latin typeface="+mn-lt"/>
+                <a:ea typeface="+mn-ea"/>
+                <a:cs typeface="+mn-cs"/>
+              </a:defRPr>
+            </a:lvl4pPr>
+            <a:lvl5pPr marL="2057400" indent="-228600" algn="l" defTabSz="914400" rtl="0" eaLnBrk="1" latinLnBrk="0" hangingPunct="1">
+              <a:lnSpc>
+                <a:spcPct val="120000"/>
+              </a:lnSpc>
+              <a:spcBef>
+                <a:spcPts val="500"/>
+              </a:spcBef>
+              <a:buSzPct val="125000"/>
+              <a:buFont typeface="Arial" panose="020B0604020202020204" pitchFamily="34" charset="0"/>
+              <a:buChar char="•"/>
+              <a:defRPr sz="1600" kern="1200">
+                <a:solidFill>
+                  <a:schemeClr val="tx1"/>
+                </a:solidFill>
+                <a:latin typeface="+mn-lt"/>
+                <a:ea typeface="+mn-ea"/>
+                <a:cs typeface="+mn-cs"/>
+              </a:defRPr>
+            </a:lvl5pPr>
+            <a:lvl6pPr marL="2514600" indent="-228600" algn="l" defTabSz="914400" rtl="0" eaLnBrk="1" latinLnBrk="0" hangingPunct="1">
+              <a:lnSpc>
+                <a:spcPct val="120000"/>
+              </a:lnSpc>
+              <a:spcBef>
+                <a:spcPts val="500"/>
+              </a:spcBef>
+              <a:buSzPct val="125000"/>
+              <a:buFont typeface="Arial" panose="020B0604020202020204" pitchFamily="34" charset="0"/>
+              <a:buChar char="•"/>
+              <a:defRPr sz="1400" kern="1200">
+                <a:solidFill>
+                  <a:schemeClr val="tx1"/>
+                </a:solidFill>
+                <a:latin typeface="+mn-lt"/>
+                <a:ea typeface="+mn-ea"/>
+                <a:cs typeface="+mn-cs"/>
+              </a:defRPr>
+            </a:lvl6pPr>
+            <a:lvl7pPr marL="2971800" indent="-228600" algn="l" defTabSz="914400" rtl="0" eaLnBrk="1" latinLnBrk="0" hangingPunct="1">
+              <a:lnSpc>
+                <a:spcPct val="120000"/>
+              </a:lnSpc>
+              <a:spcBef>
+                <a:spcPts val="500"/>
+              </a:spcBef>
+              <a:buSzPct val="125000"/>
+              <a:buFont typeface="Arial" panose="020B0604020202020204" pitchFamily="34" charset="0"/>
+              <a:buChar char="•"/>
+              <a:defRPr sz="1400" kern="1200">
+                <a:solidFill>
+                  <a:schemeClr val="tx1"/>
+                </a:solidFill>
+                <a:latin typeface="+mn-lt"/>
+                <a:ea typeface="+mn-ea"/>
+                <a:cs typeface="+mn-cs"/>
+              </a:defRPr>
+            </a:lvl7pPr>
+            <a:lvl8pPr marL="3429000" indent="-228600" algn="l" defTabSz="914400" rtl="0" eaLnBrk="1" latinLnBrk="0" hangingPunct="1">
+              <a:lnSpc>
+                <a:spcPct val="120000"/>
+              </a:lnSpc>
+              <a:spcBef>
+                <a:spcPts val="500"/>
+              </a:spcBef>
+              <a:buSzPct val="125000"/>
+              <a:buFont typeface="Arial" panose="020B0604020202020204" pitchFamily="34" charset="0"/>
+              <a:buChar char="•"/>
+              <a:defRPr sz="1400" kern="1200">
+                <a:solidFill>
+                  <a:schemeClr val="tx1"/>
+                </a:solidFill>
+                <a:latin typeface="+mn-lt"/>
+                <a:ea typeface="+mn-ea"/>
+                <a:cs typeface="+mn-cs"/>
+              </a:defRPr>
+            </a:lvl8pPr>
+            <a:lvl9pPr marL="3886200" indent="-228600" algn="l" defTabSz="914400" rtl="0" eaLnBrk="1" latinLnBrk="0" hangingPunct="1">
+              <a:lnSpc>
+                <a:spcPct val="120000"/>
+              </a:lnSpc>
+              <a:spcBef>
+                <a:spcPts val="500"/>
+              </a:spcBef>
+              <a:buSzPct val="125000"/>
+              <a:buFont typeface="Arial" panose="020B0604020202020204" pitchFamily="34" charset="0"/>
+              <a:buChar char="•"/>
+              <a:defRPr sz="1400" kern="1200">
+                <a:solidFill>
+                  <a:schemeClr val="tx1"/>
+                </a:solidFill>
+                <a:latin typeface="+mn-lt"/>
+                <a:ea typeface="+mn-ea"/>
+                <a:cs typeface="+mn-cs"/>
+              </a:defRPr>
+            </a:lvl9pPr>
+          </a:lstStyle>
+          <a:p>
+            <a:pPr marL="0" indent="0">
+              <a:buFont typeface="Arial" panose="020B0604020202020204" pitchFamily="34" charset="0"/>
+              <a:buNone/>
+            </a:pPr>
+            <a:r>
+              <a:rPr lang="ru-RU" dirty="0">
+                <a:solidFill>
+                  <a:schemeClr val="bg1"/>
+                </a:solidFill>
+              </a:rPr>
+              <a:t>Распределенная система </a:t>
+            </a:r>
+            <a:r>
+              <a:rPr lang="en-US" dirty="0">
+                <a:solidFill>
+                  <a:schemeClr val="bg1"/>
+                </a:solidFill>
+              </a:rPr>
+              <a:t>(DCS)</a:t>
+            </a:r>
+            <a:endParaRPr lang="ru-RU" dirty="0">
+              <a:solidFill>
+                <a:schemeClr val="bg1"/>
+              </a:solidFill>
+            </a:endParaRPr>
+          </a:p>
+        </p:txBody>
+      </p:sp>
+      <p:pic>
+        <p:nvPicPr>
+          <p:cNvPr id="3" name="Рисунок 2">
+            <a:extLst>
+              <a:ext uri="{FF2B5EF4-FFF2-40B4-BE49-F238E27FC236}">
+                <a16:creationId xmlns:a16="http://schemas.microsoft.com/office/drawing/2014/main" id="{44D6DADD-006C-453A-A20F-864AF8C548BA}"/>
+              </a:ext>
+            </a:extLst>
+          </p:cNvPr>
+          <p:cNvPicPr>
+            <a:picLocks noChangeAspect="1"/>
+          </p:cNvPicPr>
+          <p:nvPr/>
+        </p:nvPicPr>
+        <p:blipFill>
+          <a:blip r:embed="rId2">
+            <a:extLst>
+              <a:ext uri="{28A0092B-C50C-407E-A947-70E740481C1C}">
+                <a14:useLocalDpi xmlns:a14="http://schemas.microsoft.com/office/drawing/2010/main" val="0"/>
+              </a:ext>
+            </a:extLst>
+          </a:blip>
+          <a:stretch>
+            <a:fillRect/>
+          </a:stretch>
+        </p:blipFill>
+        <p:spPr>
+          <a:xfrm>
+            <a:off x="1835696" y="1268760"/>
+            <a:ext cx="5876179" cy="4922559"/>
+          </a:xfrm>
+          <a:prstGeom prst="rect">
+            <a:avLst/>
+          </a:prstGeom>
+          <a:effectLst>
+            <a:softEdge rad="127000"/>
+          </a:effectLst>
+        </p:spPr>
+      </p:pic>
+    </p:spTree>
+    <p:extLst>
+      <p:ext uri="{BB962C8B-B14F-4D97-AF65-F5344CB8AC3E}">
+        <p14:creationId xmlns:p14="http://schemas.microsoft.com/office/powerpoint/2010/main" val="3033753804"/>
+      </p:ext>
+    </p:extLst>
+  </p:cSld>
+  <p:clrMapOvr>
+    <a:masterClrMapping/>
+  </p:clrMapOvr>
+</p:sld>
+</file>
+
+<file path=ppt/slides/slide11.xml><?xml version="1.0" encoding="utf-8"?>
+<p:sld xmlns:a="http://schemas.openxmlformats.org/drawingml/2006/main" xmlns:r="http://schemas.openxmlformats.org/officeDocument/2006/relationships" xmlns:p="http://schemas.openxmlformats.org/presentationml/2006/main">
+  <p:cSld>
+    <p:spTree>
+      <p:nvGrpSpPr>
+        <p:cNvPr id="1" name=""/>
+        <p:cNvGrpSpPr/>
+        <p:nvPr/>
+      </p:nvGrpSpPr>
+      <p:grpSpPr>
+        <a:xfrm>
+          <a:off x="0" y="0"/>
+          <a:ext cx="0" cy="0"/>
+          <a:chOff x="0" y="0"/>
+          <a:chExt cx="0" cy="0"/>
+        </a:xfrm>
+      </p:grpSpPr>
+      <p:sp>
+        <p:nvSpPr>
+          <p:cNvPr id="2" name="Прямоугольник 1">
+            <a:extLst>
+              <a:ext uri="{FF2B5EF4-FFF2-40B4-BE49-F238E27FC236}">
+                <a16:creationId xmlns:a16="http://schemas.microsoft.com/office/drawing/2014/main" id="{4F2277F6-5F5C-44B7-B992-D47DA6A8861D}"/>
+              </a:ext>
+            </a:extLst>
+          </p:cNvPr>
+          <p:cNvSpPr/>
+          <p:nvPr/>
+        </p:nvSpPr>
+        <p:spPr>
+          <a:xfrm>
+            <a:off x="2699792" y="476672"/>
+            <a:ext cx="3240360" cy="707886"/>
+          </a:xfrm>
+          <a:prstGeom prst="rect">
+            <a:avLst/>
+          </a:prstGeom>
+        </p:spPr>
+        <p:txBody>
+          <a:bodyPr wrap="square">
+            <a:spAutoFit/>
+          </a:bodyPr>
+          <a:lstStyle/>
+          <a:p>
+            <a:pPr algn="ctr"/>
+            <a:r>
+              <a:rPr lang="ru-RU" sz="4000" dirty="0" err="1">
+                <a:solidFill>
+                  <a:schemeClr val="bg2">
+                    <a:lumMod val="75000"/>
+                  </a:schemeClr>
+                </a:solidFill>
+                <a:latin typeface="+mj-lt"/>
+                <a:ea typeface="Calibri" panose="020F0502020204030204" pitchFamily="34" charset="0"/>
+                <a:cs typeface="Times New Roman" panose="02020603050405020304" pitchFamily="18" charset="0"/>
+              </a:rPr>
+              <a:t>WinCC</a:t>
+            </a:r>
+            <a:r>
+              <a:rPr lang="ru-RU" sz="4000" dirty="0">
+                <a:solidFill>
+                  <a:schemeClr val="bg2">
+                    <a:lumMod val="75000"/>
+                  </a:schemeClr>
+                </a:solidFill>
+                <a:latin typeface="+mj-lt"/>
+                <a:ea typeface="Calibri" panose="020F0502020204030204" pitchFamily="34" charset="0"/>
+                <a:cs typeface="Times New Roman" panose="02020603050405020304" pitchFamily="18" charset="0"/>
+              </a:rPr>
+              <a:t> OA</a:t>
+            </a:r>
+            <a:endParaRPr lang="ru-RU" sz="4000" dirty="0">
+              <a:solidFill>
+                <a:schemeClr val="bg2">
+                  <a:lumMod val="75000"/>
+                </a:schemeClr>
+              </a:solidFill>
+              <a:latin typeface="+mj-lt"/>
+            </a:endParaRPr>
+          </a:p>
+        </p:txBody>
+      </p:sp>
+      <p:sp>
+        <p:nvSpPr>
+          <p:cNvPr id="3" name="Прямоугольник 2">
+            <a:extLst>
+              <a:ext uri="{FF2B5EF4-FFF2-40B4-BE49-F238E27FC236}">
+                <a16:creationId xmlns:a16="http://schemas.microsoft.com/office/drawing/2014/main" id="{589890B5-A84B-4A00-A685-91CB7D81EE7A}"/>
+              </a:ext>
+            </a:extLst>
+          </p:cNvPr>
+          <p:cNvSpPr/>
+          <p:nvPr/>
+        </p:nvSpPr>
+        <p:spPr>
+          <a:xfrm>
+            <a:off x="971600" y="1184558"/>
+            <a:ext cx="7632848" cy="5519588"/>
+          </a:xfrm>
+          <a:prstGeom prst="rect">
+            <a:avLst/>
+          </a:prstGeom>
+        </p:spPr>
+        <p:txBody>
+          <a:bodyPr wrap="square">
+            <a:spAutoFit/>
+          </a:bodyPr>
+          <a:lstStyle/>
+          <a:p>
+            <a:pPr>
+              <a:lnSpc>
+                <a:spcPct val="107000"/>
+              </a:lnSpc>
+              <a:buSzPts val="1000"/>
+              <a:tabLst>
+                <a:tab pos="408940" algn="l"/>
+              </a:tabLst>
+            </a:pPr>
+            <a:r>
+              <a:rPr lang="ru-RU" sz="2000" dirty="0">
+                <a:solidFill>
+                  <a:schemeClr val="bg2">
+                    <a:lumMod val="75000"/>
+                  </a:schemeClr>
+                </a:solidFill>
+                <a:latin typeface="+mj-lt"/>
+              </a:rPr>
+              <a:t>Возможности: </a:t>
+            </a:r>
+          </a:p>
+          <a:p>
+            <a:pPr marL="342900" indent="-342900">
+              <a:lnSpc>
+                <a:spcPct val="107000"/>
+              </a:lnSpc>
+              <a:buSzPts val="1000"/>
+              <a:buFont typeface="Arial" panose="020B0604020202020204" pitchFamily="34" charset="0"/>
+              <a:buChar char="•"/>
+              <a:tabLst>
+                <a:tab pos="408940" algn="l"/>
+              </a:tabLst>
+            </a:pPr>
+            <a:r>
+              <a:rPr lang="ru-RU" dirty="0">
+                <a:solidFill>
+                  <a:schemeClr val="bg2">
+                    <a:lumMod val="75000"/>
+                  </a:schemeClr>
+                </a:solidFill>
+              </a:rPr>
+              <a:t>Горячее резервирование и резервирование центра управления </a:t>
+            </a:r>
+            <a:endParaRPr lang="ru-RU" dirty="0">
+              <a:solidFill>
+                <a:schemeClr val="bg2">
+                  <a:lumMod val="75000"/>
+                </a:schemeClr>
+              </a:solidFill>
+              <a:ea typeface="Calibri" panose="020F0502020204030204" pitchFamily="34" charset="0"/>
+              <a:cs typeface="Times New Roman" panose="02020603050405020304" pitchFamily="18" charset="0"/>
+            </a:endParaRPr>
+          </a:p>
+          <a:p>
+            <a:pPr marL="342900" lvl="0" indent="-342900">
+              <a:lnSpc>
+                <a:spcPct val="107000"/>
+              </a:lnSpc>
+              <a:spcAft>
+                <a:spcPts val="0"/>
+              </a:spcAft>
+              <a:buSzPts val="1000"/>
+              <a:buFont typeface="Arial" panose="020B0604020202020204" pitchFamily="34" charset="0"/>
+              <a:buChar char="•"/>
+              <a:tabLst>
+                <a:tab pos="408940" algn="l"/>
+              </a:tabLst>
+            </a:pPr>
+            <a:r>
+              <a:rPr lang="ru-RU" dirty="0">
+                <a:solidFill>
+                  <a:schemeClr val="bg2">
+                    <a:lumMod val="75000"/>
+                  </a:schemeClr>
+                </a:solidFill>
+                <a:ea typeface="Calibri" panose="020F0502020204030204" pitchFamily="34" charset="0"/>
+                <a:cs typeface="Times New Roman" panose="02020603050405020304" pitchFamily="18" charset="0"/>
+              </a:rPr>
+              <a:t>Формирование отчётов</a:t>
+            </a:r>
+          </a:p>
+          <a:p>
+            <a:pPr marL="342900" lvl="0" indent="-342900">
+              <a:lnSpc>
+                <a:spcPct val="107000"/>
+              </a:lnSpc>
+              <a:spcAft>
+                <a:spcPts val="0"/>
+              </a:spcAft>
+              <a:buSzPts val="1000"/>
+              <a:buFont typeface="Arial" panose="020B0604020202020204" pitchFamily="34" charset="0"/>
+              <a:buChar char="•"/>
+              <a:tabLst>
+                <a:tab pos="408940" algn="l"/>
+              </a:tabLst>
+            </a:pPr>
+            <a:r>
+              <a:rPr lang="ru-RU" dirty="0">
+                <a:solidFill>
+                  <a:schemeClr val="bg2">
+                    <a:lumMod val="75000"/>
+                  </a:schemeClr>
+                </a:solidFill>
+                <a:ea typeface="Calibri" panose="020F0502020204030204" pitchFamily="34" charset="0"/>
+                <a:cs typeface="Times New Roman" panose="02020603050405020304" pitchFamily="18" charset="0"/>
+              </a:rPr>
+              <a:t>Встроенный набор драйверов, протоколов и иных интеграционных средств </a:t>
+            </a:r>
+          </a:p>
+          <a:p>
+            <a:pPr marL="342900" lvl="0" indent="-342900">
+              <a:lnSpc>
+                <a:spcPct val="107000"/>
+              </a:lnSpc>
+              <a:spcAft>
+                <a:spcPts val="0"/>
+              </a:spcAft>
+              <a:buSzPts val="1000"/>
+              <a:buFont typeface="Arial" panose="020B0604020202020204" pitchFamily="34" charset="0"/>
+              <a:buChar char="•"/>
+              <a:tabLst>
+                <a:tab pos="408940" algn="l"/>
+              </a:tabLst>
+            </a:pPr>
+            <a:r>
+              <a:rPr lang="ru-RU" dirty="0">
+                <a:solidFill>
+                  <a:schemeClr val="bg2">
+                    <a:lumMod val="75000"/>
+                  </a:schemeClr>
+                </a:solidFill>
+                <a:ea typeface="Calibri" panose="020F0502020204030204" pitchFamily="34" charset="0"/>
+                <a:cs typeface="Times New Roman" panose="02020603050405020304" pitchFamily="18" charset="0"/>
+              </a:rPr>
+              <a:t>Возможность бесшовной интеграции</a:t>
+            </a:r>
+          </a:p>
+          <a:p>
+            <a:pPr marL="342900" lvl="0" indent="-342900">
+              <a:lnSpc>
+                <a:spcPct val="107000"/>
+              </a:lnSpc>
+              <a:spcAft>
+                <a:spcPts val="0"/>
+              </a:spcAft>
+              <a:buSzPts val="1000"/>
+              <a:buFont typeface="Arial" panose="020B0604020202020204" pitchFamily="34" charset="0"/>
+              <a:buChar char="•"/>
+              <a:tabLst>
+                <a:tab pos="408940" algn="l"/>
+              </a:tabLst>
+            </a:pPr>
+            <a:r>
+              <a:rPr lang="ru-RU" dirty="0">
+                <a:solidFill>
+                  <a:schemeClr val="bg2">
+                    <a:lumMod val="75000"/>
+                  </a:schemeClr>
+                </a:solidFill>
+                <a:ea typeface="Calibri" panose="020F0502020204030204" pitchFamily="34" charset="0"/>
+                <a:cs typeface="Times New Roman" panose="02020603050405020304" pitchFamily="18" charset="0"/>
+              </a:rPr>
+              <a:t>Стыковка с корпоративными информационными системами (MES, ERP, BI, PIMS, EMI…).</a:t>
+            </a:r>
+          </a:p>
+          <a:p>
+            <a:pPr marL="342900" lvl="0" indent="-342900">
+              <a:lnSpc>
+                <a:spcPct val="107000"/>
+              </a:lnSpc>
+              <a:spcAft>
+                <a:spcPts val="800"/>
+              </a:spcAft>
+              <a:buSzPts val="1000"/>
+              <a:buFont typeface="Arial" panose="020B0604020202020204" pitchFamily="34" charset="0"/>
+              <a:buChar char="•"/>
+              <a:tabLst>
+                <a:tab pos="408940" algn="l"/>
+              </a:tabLst>
+            </a:pPr>
+            <a:r>
+              <a:rPr lang="ru-RU" dirty="0">
+                <a:solidFill>
+                  <a:schemeClr val="bg2">
+                    <a:lumMod val="75000"/>
+                  </a:schemeClr>
+                </a:solidFill>
+                <a:ea typeface="Calibri" panose="020F0502020204030204" pitchFamily="34" charset="0"/>
+                <a:cs typeface="Times New Roman" panose="02020603050405020304" pitchFamily="18" charset="0"/>
+              </a:rPr>
+              <a:t>Стандартные и специализированные протоколы для организации межуровневого транспорта в т.ч. для каналов связи с низкой пропускной способностью.</a:t>
+            </a:r>
+          </a:p>
+          <a:p>
+            <a:pPr marL="342900" lvl="0" indent="-342900">
+              <a:lnSpc>
+                <a:spcPct val="107000"/>
+              </a:lnSpc>
+              <a:spcAft>
+                <a:spcPts val="800"/>
+              </a:spcAft>
+              <a:buSzPts val="1000"/>
+              <a:buFont typeface="Arial" panose="020B0604020202020204" pitchFamily="34" charset="0"/>
+              <a:buChar char="•"/>
+              <a:tabLst>
+                <a:tab pos="408940" algn="l"/>
+              </a:tabLst>
+            </a:pPr>
+            <a:r>
+              <a:rPr lang="ru-RU" dirty="0">
+                <a:solidFill>
+                  <a:schemeClr val="bg2">
+                    <a:lumMod val="75000"/>
+                  </a:schemeClr>
+                </a:solidFill>
+              </a:rPr>
+              <a:t>Возможность создания распределённых систем – до 2 048 серверов </a:t>
+            </a:r>
+            <a:r>
+              <a:rPr lang="ru-RU" dirty="0" err="1">
+                <a:solidFill>
+                  <a:schemeClr val="bg2">
+                    <a:lumMod val="75000"/>
+                  </a:schemeClr>
+                </a:solidFill>
+              </a:rPr>
+              <a:t>WinCC</a:t>
+            </a:r>
+            <a:r>
+              <a:rPr lang="ru-RU" dirty="0">
+                <a:solidFill>
+                  <a:schemeClr val="bg2">
+                    <a:lumMod val="75000"/>
+                  </a:schemeClr>
+                </a:solidFill>
+              </a:rPr>
+              <a:t> OA</a:t>
+            </a:r>
+          </a:p>
+          <a:p>
+            <a:pPr marL="342900" indent="-342900">
+              <a:lnSpc>
+                <a:spcPct val="107000"/>
+              </a:lnSpc>
+              <a:spcAft>
+                <a:spcPts val="800"/>
+              </a:spcAft>
+              <a:buSzPts val="1000"/>
+              <a:buFont typeface="Arial" panose="020B0604020202020204" pitchFamily="34" charset="0"/>
+              <a:buChar char="•"/>
+              <a:tabLst>
+                <a:tab pos="408940" algn="l"/>
+              </a:tabLst>
+            </a:pPr>
+            <a:r>
+              <a:rPr lang="ru-RU" dirty="0">
+                <a:solidFill>
+                  <a:schemeClr val="bg2">
+                    <a:lumMod val="75000"/>
+                  </a:schemeClr>
+                </a:solidFill>
+              </a:rPr>
+              <a:t>Широкий спектр драйверов и возможностей обмена данными – OPC, OPC UA, S7, </a:t>
+            </a:r>
+            <a:r>
+              <a:rPr lang="ru-RU" dirty="0" err="1">
+                <a:solidFill>
+                  <a:schemeClr val="bg2">
+                    <a:lumMod val="75000"/>
+                  </a:schemeClr>
+                </a:solidFill>
+              </a:rPr>
+              <a:t>Modbus</a:t>
+            </a:r>
+            <a:r>
+              <a:rPr lang="ru-RU" dirty="0">
+                <a:solidFill>
+                  <a:schemeClr val="bg2">
+                    <a:lumMod val="75000"/>
+                  </a:schemeClr>
+                </a:solidFill>
+              </a:rPr>
+              <a:t>, </a:t>
+            </a:r>
+            <a:r>
+              <a:rPr lang="ru-RU" dirty="0" err="1">
+                <a:solidFill>
+                  <a:schemeClr val="bg2">
+                    <a:lumMod val="75000"/>
+                  </a:schemeClr>
+                </a:solidFill>
+              </a:rPr>
+              <a:t>Rockwell</a:t>
+            </a:r>
+            <a:r>
+              <a:rPr lang="ru-RU" dirty="0">
+                <a:solidFill>
+                  <a:schemeClr val="bg2">
+                    <a:lumMod val="75000"/>
+                  </a:schemeClr>
+                </a:solidFill>
+              </a:rPr>
+              <a:t> </a:t>
+            </a:r>
+            <a:r>
+              <a:rPr lang="ru-RU" dirty="0" err="1">
+                <a:solidFill>
+                  <a:schemeClr val="bg2">
+                    <a:lumMod val="75000"/>
+                  </a:schemeClr>
+                </a:solidFill>
+              </a:rPr>
+              <a:t>EtherNet</a:t>
+            </a:r>
+            <a:r>
+              <a:rPr lang="ru-RU" dirty="0">
+                <a:solidFill>
+                  <a:schemeClr val="bg2">
+                    <a:lumMod val="75000"/>
+                  </a:schemeClr>
+                </a:solidFill>
+              </a:rPr>
+              <a:t>/IP, IEC 61850, IEC 60870-5-101/104, DNP3, XML, TCP/IP, …</a:t>
+            </a:r>
+          </a:p>
+          <a:p>
+            <a:pPr marL="342900" lvl="0" indent="-342900">
+              <a:lnSpc>
+                <a:spcPct val="107000"/>
+              </a:lnSpc>
+              <a:spcAft>
+                <a:spcPts val="800"/>
+              </a:spcAft>
+              <a:buSzPts val="1000"/>
+              <a:buFont typeface="Arial" panose="020B0604020202020204" pitchFamily="34" charset="0"/>
+              <a:buChar char="•"/>
+              <a:tabLst>
+                <a:tab pos="408940" algn="l"/>
+              </a:tabLst>
+            </a:pPr>
+            <a:endParaRPr lang="ru-RU" sz="2400" dirty="0">
+              <a:solidFill>
+                <a:schemeClr val="bg2">
+                  <a:lumMod val="75000"/>
+                </a:schemeClr>
+              </a:solidFill>
+              <a:latin typeface="Calibri" panose="020F0502020204030204" pitchFamily="34" charset="0"/>
+              <a:ea typeface="Calibri" panose="020F0502020204030204" pitchFamily="34" charset="0"/>
+              <a:cs typeface="Times New Roman" panose="02020603050405020304" pitchFamily="18" charset="0"/>
+            </a:endParaRPr>
+          </a:p>
+        </p:txBody>
+      </p:sp>
+    </p:spTree>
+    <p:extLst>
+      <p:ext uri="{BB962C8B-B14F-4D97-AF65-F5344CB8AC3E}">
+        <p14:creationId xmlns:p14="http://schemas.microsoft.com/office/powerpoint/2010/main" val="379358001"/>
+      </p:ext>
+    </p:extLst>
+  </p:cSld>
+  <p:clrMapOvr>
+    <a:masterClrMapping/>
+  </p:clrMapOvr>
+</p:sld>
+</file>
+
 <file path=ppt/slides/slide2.xml><?xml version="1.0" encoding="utf-8"?>
 <p:sld xmlns:a="http://schemas.openxmlformats.org/drawingml/2006/main" xmlns:r="http://schemas.openxmlformats.org/officeDocument/2006/relationships" xmlns:p="http://schemas.openxmlformats.org/presentationml/2006/main">
   <p:cSld>
@@ -13256,36 +14031,6 @@
           <a:chExt cx="0" cy="0"/>
         </a:xfrm>
       </p:grpSpPr>
-      <p:pic>
-        <p:nvPicPr>
-          <p:cNvPr id="2" name="Рисунок 1">
-            <a:extLst>
-              <a:ext uri="{FF2B5EF4-FFF2-40B4-BE49-F238E27FC236}">
-                <a16:creationId xmlns:a16="http://schemas.microsoft.com/office/drawing/2014/main" id="{7A56B392-4519-4163-BC69-4BDC4BE02186}"/>
-              </a:ext>
-            </a:extLst>
-          </p:cNvPr>
-          <p:cNvPicPr>
-            <a:picLocks noChangeAspect="1"/>
-          </p:cNvPicPr>
-          <p:nvPr/>
-        </p:nvPicPr>
-        <p:blipFill>
-          <a:blip r:embed="rId2"/>
-          <a:stretch>
-            <a:fillRect/>
-          </a:stretch>
-        </p:blipFill>
-        <p:spPr>
-          <a:xfrm>
-            <a:off x="665831" y="1500187"/>
-            <a:ext cx="3970991" cy="3080941"/>
-          </a:xfrm>
-          <a:prstGeom prst="rect">
-            <a:avLst/>
-          </a:prstGeom>
-        </p:spPr>
-      </p:pic>
       <p:sp>
         <p:nvSpPr>
           <p:cNvPr id="4" name="Объект 2">
@@ -13304,7 +14049,7 @@
         </p:nvSpPr>
         <p:spPr>
           <a:xfrm>
-            <a:off x="2627784" y="404664"/>
+            <a:off x="2046449" y="476672"/>
             <a:ext cx="6020195" cy="1354089"/>
           </a:xfrm>
         </p:spPr>
@@ -13312,7 +14057,7 @@
           <a:bodyPr/>
           <a:lstStyle/>
           <a:p>
-            <a:pPr marL="0" indent="0">
+            <a:pPr marL="0" indent="0" algn="ctr">
               <a:buNone/>
             </a:pPr>
             <a:r>
@@ -13341,10 +14086,10 @@
       </p:sp>
       <p:pic>
         <p:nvPicPr>
-          <p:cNvPr id="5" name="Рисунок 4">
+          <p:cNvPr id="6" name="Рисунок 5">
             <a:extLst>
               <a:ext uri="{FF2B5EF4-FFF2-40B4-BE49-F238E27FC236}">
-                <a16:creationId xmlns:a16="http://schemas.microsoft.com/office/drawing/2014/main" id="{BB877926-097F-468F-881C-0EE7264D5FBD}"/>
+                <a16:creationId xmlns:a16="http://schemas.microsoft.com/office/drawing/2014/main" id="{D7FE96D9-FF62-4CB2-A174-0047BE2B9F64}"/>
               </a:ext>
             </a:extLst>
           </p:cNvPr>
@@ -13354,19 +14099,28 @@
           <p:nvPr/>
         </p:nvPicPr>
         <p:blipFill>
-          <a:blip r:embed="rId3"/>
+          <a:blip r:embed="rId2">
+            <a:extLst>
+              <a:ext uri="{28A0092B-C50C-407E-A947-70E740481C1C}">
+                <a14:useLocalDpi xmlns:a14="http://schemas.microsoft.com/office/drawing/2010/main" val="0"/>
+              </a:ext>
+            </a:extLst>
+          </a:blip>
           <a:stretch>
             <a:fillRect/>
           </a:stretch>
         </p:blipFill>
         <p:spPr>
           <a:xfrm>
-            <a:off x="4355976" y="1758753"/>
-            <a:ext cx="4392488" cy="3267075"/>
+            <a:off x="1835696" y="1268760"/>
+            <a:ext cx="6226080" cy="4869602"/>
           </a:xfrm>
           <a:prstGeom prst="rect">
             <a:avLst/>
           </a:prstGeom>
+          <a:effectLst>
+            <a:softEdge rad="165100"/>
+          </a:effectLst>
         </p:spPr>
       </p:pic>
     </p:spTree>
@@ -13410,22 +14164,32 @@
             <p:ph type="title"/>
           </p:nvPr>
         </p:nvSpPr>
-        <p:spPr/>
+        <p:spPr>
+          <a:xfrm>
+            <a:off x="856060" y="618518"/>
+            <a:ext cx="7429499" cy="794258"/>
+          </a:xfrm>
+        </p:spPr>
         <p:txBody>
           <a:bodyPr/>
           <a:lstStyle/>
           <a:p>
+            <a:pPr algn="ctr"/>
             <a:r>
               <a:rPr lang="en-US" dirty="0">
                 <a:solidFill>
-                  <a:srgbClr val="FF0000"/>
+                  <a:schemeClr val="bg2">
+                    <a:lumMod val="75000"/>
+                  </a:schemeClr>
                 </a:solidFill>
               </a:rPr>
               <a:t>Intouch me</a:t>
             </a:r>
             <a:endParaRPr lang="ru-RU" dirty="0">
               <a:solidFill>
-                <a:srgbClr val="FF0000"/>
+                <a:schemeClr val="bg2">
+                  <a:lumMod val="75000"/>
+                </a:schemeClr>
               </a:solidFill>
             </a:endParaRPr>
           </a:p>
@@ -13447,9 +14211,16 @@
             <p:ph idx="1"/>
           </p:nvPr>
         </p:nvSpPr>
-        <p:spPr/>
+        <p:spPr>
+          <a:xfrm>
+            <a:off x="856060" y="1628800"/>
+            <a:ext cx="7429499" cy="4162401"/>
+          </a:xfrm>
+        </p:spPr>
         <p:txBody>
-          <a:bodyPr/>
+          <a:bodyPr>
+            <a:normAutofit/>
+          </a:bodyPr>
           <a:lstStyle/>
           <a:p>
             <a:pPr marL="0" indent="0">
@@ -13458,21 +14229,95 @@
             <a:r>
               <a:rPr lang="ru-RU" dirty="0">
                 <a:solidFill>
-                  <a:srgbClr val="FF0000"/>
+                  <a:schemeClr val="bg2">
+                    <a:lumMod val="75000"/>
+                  </a:schemeClr>
                 </a:solidFill>
               </a:rPr>
               <a:t>Возможности:</a:t>
             </a:r>
           </a:p>
           <a:p>
-            <a:pPr marL="0" indent="0">
-              <a:buNone/>
-            </a:pPr>
-            <a:endParaRPr lang="ru-RU" dirty="0">
+            <a:pPr lvl="0"/>
+            <a:r>
+              <a:rPr lang="ru-RU" dirty="0">
+                <a:solidFill>
+                  <a:schemeClr val="bg2">
+                    <a:lumMod val="75000"/>
+                  </a:schemeClr>
+                </a:solidFill>
+              </a:rPr>
+              <a:t>Система распределенных </a:t>
+            </a:r>
+            <a:r>
+              <a:rPr lang="ru-RU" dirty="0" err="1">
+                <a:solidFill>
+                  <a:schemeClr val="bg2">
+                    <a:lumMod val="75000"/>
+                  </a:schemeClr>
+                </a:solidFill>
+              </a:rPr>
+              <a:t>алармов</a:t>
+            </a:r>
+            <a:endParaRPr lang="en-US" dirty="0">
               <a:solidFill>
-                <a:srgbClr val="FF0000"/>
+                <a:schemeClr val="bg2">
+                  <a:lumMod val="75000"/>
+                </a:schemeClr>
               </a:solidFill>
             </a:endParaRPr>
+          </a:p>
+          <a:p>
+            <a:pPr lvl="0"/>
+            <a:r>
+              <a:rPr lang="ru-RU" dirty="0">
+                <a:solidFill>
+                  <a:schemeClr val="bg2">
+                    <a:lumMod val="75000"/>
+                  </a:schemeClr>
+                </a:solidFill>
+              </a:rPr>
+              <a:t>Динамическое преобразование разрешения</a:t>
+            </a:r>
+          </a:p>
+          <a:p>
+            <a:pPr lvl="0"/>
+            <a:r>
+              <a:rPr lang="ru-RU" dirty="0">
+                <a:solidFill>
+                  <a:schemeClr val="bg2">
+                    <a:lumMod val="75000"/>
+                  </a:schemeClr>
+                </a:solidFill>
+              </a:rPr>
+              <a:t>Сетевая разработка приложений</a:t>
+            </a:r>
+          </a:p>
+          <a:p>
+            <a:pPr lvl="0"/>
+            <a:r>
+              <a:rPr lang="ru-RU" dirty="0">
+                <a:solidFill>
+                  <a:schemeClr val="bg2">
+                    <a:lumMod val="75000"/>
+                  </a:schemeClr>
+                </a:solidFill>
+              </a:rPr>
+              <a:t>Поддержка более, чем 300 различных серверов ввода/вывода.</a:t>
+            </a:r>
+          </a:p>
+          <a:p>
+            <a:pPr lvl="0"/>
+            <a:r>
+              <a:rPr lang="ru-RU" dirty="0">
+                <a:solidFill>
+                  <a:schemeClr val="bg2">
+                    <a:lumMod val="75000"/>
+                  </a:schemeClr>
+                </a:solidFill>
+              </a:rPr>
+              <a:t>Динамическая разработка сетевых приложений.</a:t>
+            </a:r>
           </a:p>
         </p:txBody>
       </p:sp>
@@ -13548,10 +14393,10 @@
       </p:sp>
       <p:pic>
         <p:nvPicPr>
-          <p:cNvPr id="5" name="Рисунок 4">
+          <p:cNvPr id="3" name="Рисунок 2">
             <a:extLst>
               <a:ext uri="{FF2B5EF4-FFF2-40B4-BE49-F238E27FC236}">
-                <a16:creationId xmlns:a16="http://schemas.microsoft.com/office/drawing/2014/main" id="{F41C6B80-6D33-4B1C-B8EB-F8BD08D18E25}"/>
+                <a16:creationId xmlns:a16="http://schemas.microsoft.com/office/drawing/2014/main" id="{6C157BBE-395E-4B5A-8D3F-8A9BEE716BBC}"/>
               </a:ext>
             </a:extLst>
           </p:cNvPr>
@@ -13561,19 +14406,28 @@
           <p:nvPr/>
         </p:nvPicPr>
         <p:blipFill>
-          <a:blip r:embed="rId2"/>
+          <a:blip r:embed="rId2">
+            <a:extLst>
+              <a:ext uri="{28A0092B-C50C-407E-A947-70E740481C1C}">
+                <a14:useLocalDpi xmlns:a14="http://schemas.microsoft.com/office/drawing/2010/main" val="0"/>
+              </a:ext>
+            </a:extLst>
+          </a:blip>
           <a:stretch>
             <a:fillRect/>
           </a:stretch>
         </p:blipFill>
         <p:spPr>
           <a:xfrm>
-            <a:off x="1043608" y="1412776"/>
-            <a:ext cx="6711567" cy="3377158"/>
+            <a:off x="1513772" y="1340768"/>
+            <a:ext cx="6116455" cy="4577215"/>
           </a:xfrm>
           <a:prstGeom prst="rect">
             <a:avLst/>
           </a:prstGeom>
+          <a:effectLst>
+            <a:softEdge rad="203200"/>
+          </a:effectLst>
         </p:spPr>
       </p:pic>
     </p:spTree>
@@ -13585,6 +14439,432 @@
 </file>
 
 <file path=ppt/slides/slide6.xml><?xml version="1.0" encoding="utf-8"?>
+<p:sld xmlns:a="http://schemas.openxmlformats.org/drawingml/2006/main" xmlns:r="http://schemas.openxmlformats.org/officeDocument/2006/relationships" xmlns:p="http://schemas.openxmlformats.org/presentationml/2006/main">
+  <p:cSld>
+    <p:spTree>
+      <p:nvGrpSpPr>
+        <p:cNvPr id="1" name=""/>
+        <p:cNvGrpSpPr/>
+        <p:nvPr/>
+      </p:nvGrpSpPr>
+      <p:grpSpPr>
+        <a:xfrm>
+          <a:off x="0" y="0"/>
+          <a:ext cx="0" cy="0"/>
+          <a:chOff x="0" y="0"/>
+          <a:chExt cx="0" cy="0"/>
+        </a:xfrm>
+      </p:grpSpPr>
+      <p:sp>
+        <p:nvSpPr>
+          <p:cNvPr id="2" name="Прямоугольник 1">
+            <a:extLst>
+              <a:ext uri="{FF2B5EF4-FFF2-40B4-BE49-F238E27FC236}">
+                <a16:creationId xmlns:a16="http://schemas.microsoft.com/office/drawing/2014/main" id="{24BFA9E5-5F4B-413E-B860-F246E0EEBE2B}"/>
+              </a:ext>
+            </a:extLst>
+          </p:cNvPr>
+          <p:cNvSpPr/>
+          <p:nvPr/>
+        </p:nvSpPr>
+        <p:spPr>
+          <a:xfrm>
+            <a:off x="2555776" y="272842"/>
+            <a:ext cx="4176464" cy="707886"/>
+          </a:xfrm>
+          <a:prstGeom prst="rect">
+            <a:avLst/>
+          </a:prstGeom>
+        </p:spPr>
+        <p:txBody>
+          <a:bodyPr wrap="square">
+            <a:spAutoFit/>
+          </a:bodyPr>
+          <a:lstStyle/>
+          <a:p>
+            <a:pPr>
+              <a:spcAft>
+                <a:spcPts val="0"/>
+              </a:spcAft>
+            </a:pPr>
+            <a:r>
+              <a:rPr lang="ru-RU" sz="4000" kern="1400" spc="-50" dirty="0">
+                <a:solidFill>
+                  <a:schemeClr val="bg2">
+                    <a:lumMod val="75000"/>
+                  </a:schemeClr>
+                </a:solidFill>
+                <a:latin typeface="+mj-lt"/>
+                <a:ea typeface="Times New Roman" panose="02020603050405020304" pitchFamily="18" charset="0"/>
+                <a:cs typeface="Times New Roman" panose="02020603050405020304" pitchFamily="18" charset="0"/>
+              </a:rPr>
+              <a:t>GE HMI SСADA </a:t>
+            </a:r>
+            <a:r>
+              <a:rPr lang="ru-RU" sz="4000" kern="1400" spc="-50" dirty="0" err="1">
+                <a:solidFill>
+                  <a:schemeClr val="bg2">
+                    <a:lumMod val="75000"/>
+                  </a:schemeClr>
+                </a:solidFill>
+                <a:latin typeface="+mj-lt"/>
+                <a:ea typeface="Times New Roman" panose="02020603050405020304" pitchFamily="18" charset="0"/>
+                <a:cs typeface="Times New Roman" panose="02020603050405020304" pitchFamily="18" charset="0"/>
+              </a:rPr>
+              <a:t>iFix</a:t>
+            </a:r>
+            <a:endParaRPr lang="ru-RU" sz="4000" kern="1400" spc="-50" dirty="0">
+              <a:solidFill>
+                <a:schemeClr val="bg2">
+                  <a:lumMod val="75000"/>
+                </a:schemeClr>
+              </a:solidFill>
+              <a:effectLst/>
+              <a:latin typeface="+mj-lt"/>
+              <a:ea typeface="Times New Roman" panose="02020603050405020304" pitchFamily="18" charset="0"/>
+              <a:cs typeface="Times New Roman" panose="02020603050405020304" pitchFamily="18" charset="0"/>
+            </a:endParaRPr>
+          </a:p>
+        </p:txBody>
+      </p:sp>
+      <p:sp>
+        <p:nvSpPr>
+          <p:cNvPr id="3" name="Прямоугольник 2">
+            <a:extLst>
+              <a:ext uri="{FF2B5EF4-FFF2-40B4-BE49-F238E27FC236}">
+                <a16:creationId xmlns:a16="http://schemas.microsoft.com/office/drawing/2014/main" id="{4167E38B-F8D3-4EAF-B091-27F777DD3D9A}"/>
+              </a:ext>
+            </a:extLst>
+          </p:cNvPr>
+          <p:cNvSpPr/>
+          <p:nvPr/>
+        </p:nvSpPr>
+        <p:spPr>
+          <a:xfrm>
+            <a:off x="971600" y="980728"/>
+            <a:ext cx="7344816" cy="5017143"/>
+          </a:xfrm>
+          <a:prstGeom prst="rect">
+            <a:avLst/>
+          </a:prstGeom>
+        </p:spPr>
+        <p:txBody>
+          <a:bodyPr wrap="square">
+            <a:spAutoFit/>
+          </a:bodyPr>
+          <a:lstStyle/>
+          <a:p>
+            <a:pPr indent="457200" algn="just">
+              <a:lnSpc>
+                <a:spcPct val="107000"/>
+              </a:lnSpc>
+              <a:spcAft>
+                <a:spcPts val="0"/>
+              </a:spcAft>
+            </a:pPr>
+            <a:r>
+              <a:rPr lang="ru-RU" sz="2000" dirty="0">
+                <a:solidFill>
+                  <a:schemeClr val="bg2">
+                    <a:lumMod val="75000"/>
+                  </a:schemeClr>
+                </a:solidFill>
+                <a:effectLst/>
+                <a:ea typeface="Calibri" panose="020F0502020204030204" pitchFamily="34" charset="0"/>
+                <a:cs typeface="Times New Roman" panose="02020603050405020304" pitchFamily="18" charset="0"/>
+              </a:rPr>
+              <a:t>Возможности:</a:t>
+            </a:r>
+          </a:p>
+          <a:p>
+            <a:pPr marL="285750" indent="-285750" algn="just">
+              <a:lnSpc>
+                <a:spcPct val="107000"/>
+              </a:lnSpc>
+              <a:buFont typeface="Arial" panose="020B0604020202020204" pitchFamily="34" charset="0"/>
+              <a:buChar char="•"/>
+            </a:pPr>
+            <a:r>
+              <a:rPr lang="ru-RU" sz="2000" dirty="0">
+                <a:solidFill>
+                  <a:schemeClr val="bg2">
+                    <a:lumMod val="75000"/>
+                  </a:schemeClr>
+                </a:solidFill>
+              </a:rPr>
+              <a:t>Горячее резервирование и автоматическое переключение серверов</a:t>
+            </a:r>
+          </a:p>
+          <a:p>
+            <a:pPr marL="285750" indent="-285750" algn="just">
+              <a:lnSpc>
+                <a:spcPct val="107000"/>
+              </a:lnSpc>
+              <a:spcAft>
+                <a:spcPts val="0"/>
+              </a:spcAft>
+              <a:buFont typeface="Arial" panose="020B0604020202020204" pitchFamily="34" charset="0"/>
+              <a:buChar char="•"/>
+            </a:pPr>
+            <a:r>
+              <a:rPr lang="ru-RU" sz="2000" dirty="0">
+                <a:solidFill>
+                  <a:schemeClr val="bg2">
+                    <a:lumMod val="75000"/>
+                  </a:schemeClr>
+                </a:solidFill>
+              </a:rPr>
+              <a:t>Обширный каталог высокопроизводительных прямых драйверов ввода/вывода и ОРС-серверов как для широко распространенных, так и для специализированных ПЛК</a:t>
+            </a:r>
+          </a:p>
+          <a:p>
+            <a:pPr marL="285750" indent="-285750" algn="just">
+              <a:lnSpc>
+                <a:spcPct val="107000"/>
+              </a:lnSpc>
+              <a:buFont typeface="Arial" panose="020B0604020202020204" pitchFamily="34" charset="0"/>
+              <a:buChar char="•"/>
+            </a:pPr>
+            <a:r>
+              <a:rPr lang="ru-RU" sz="2000" dirty="0">
+                <a:solidFill>
+                  <a:schemeClr val="bg2">
+                    <a:lumMod val="75000"/>
+                  </a:schemeClr>
+                </a:solidFill>
+              </a:rPr>
+              <a:t>Универсальный ОРС-клиент с возможностями конфигурации, мониторинга и оптимизации обмена с серверами ввода/вывода.</a:t>
+            </a:r>
+          </a:p>
+          <a:p>
+            <a:pPr marL="285750" indent="-285750" algn="just">
+              <a:lnSpc>
+                <a:spcPct val="107000"/>
+              </a:lnSpc>
+              <a:buFont typeface="Arial" panose="020B0604020202020204" pitchFamily="34" charset="0"/>
+              <a:buChar char="•"/>
+            </a:pPr>
+            <a:r>
+              <a:rPr lang="ru-RU" sz="2000" dirty="0">
+                <a:solidFill>
+                  <a:schemeClr val="bg2">
+                    <a:lumMod val="75000"/>
+                  </a:schemeClr>
+                </a:solidFill>
+              </a:rPr>
+              <a:t>Поддержка О</a:t>
+            </a:r>
+            <a:r>
+              <a:rPr lang="en-US" sz="2000" dirty="0">
+                <a:solidFill>
+                  <a:schemeClr val="bg2">
+                    <a:lumMod val="75000"/>
+                  </a:schemeClr>
+                </a:solidFill>
+              </a:rPr>
+              <a:t>PC DA, </a:t>
+            </a:r>
+            <a:r>
+              <a:rPr lang="ru-RU" sz="2000" dirty="0">
+                <a:solidFill>
+                  <a:schemeClr val="bg2">
+                    <a:lumMod val="75000"/>
+                  </a:schemeClr>
+                </a:solidFill>
+              </a:rPr>
+              <a:t>ОРС</a:t>
+            </a:r>
+            <a:r>
+              <a:rPr lang="en-US" sz="2000" dirty="0">
+                <a:solidFill>
+                  <a:schemeClr val="bg2">
+                    <a:lumMod val="75000"/>
+                  </a:schemeClr>
+                </a:solidFill>
+              </a:rPr>
+              <a:t> Alarm &amp; Events, SQL ODBC, COM/DCOM, OLE DB, ActiveX, .NET.</a:t>
+            </a:r>
+            <a:endParaRPr lang="ru-RU" sz="2000" dirty="0">
+              <a:solidFill>
+                <a:schemeClr val="bg2">
+                  <a:lumMod val="75000"/>
+                </a:schemeClr>
+              </a:solidFill>
+            </a:endParaRPr>
+          </a:p>
+          <a:p>
+            <a:pPr marL="285750" indent="-285750" algn="just">
+              <a:lnSpc>
+                <a:spcPct val="107000"/>
+              </a:lnSpc>
+              <a:buFont typeface="Arial" panose="020B0604020202020204" pitchFamily="34" charset="0"/>
+              <a:buChar char="•"/>
+            </a:pPr>
+            <a:r>
+              <a:rPr lang="en-US" sz="2000" dirty="0">
+                <a:solidFill>
+                  <a:schemeClr val="bg2">
+                    <a:lumMod val="75000"/>
+                  </a:schemeClr>
+                </a:solidFill>
+              </a:rPr>
+              <a:t>ODBC-</a:t>
+            </a:r>
+            <a:r>
+              <a:rPr lang="ru-RU" sz="2000" dirty="0">
+                <a:solidFill>
+                  <a:schemeClr val="bg2">
+                    <a:lumMod val="75000"/>
+                  </a:schemeClr>
+                </a:solidFill>
+              </a:rPr>
+              <a:t>драйверы</a:t>
+            </a:r>
+          </a:p>
+          <a:p>
+            <a:pPr marL="285750" indent="-285750" algn="just">
+              <a:lnSpc>
+                <a:spcPct val="107000"/>
+              </a:lnSpc>
+              <a:buFont typeface="Arial" panose="020B0604020202020204" pitchFamily="34" charset="0"/>
+              <a:buChar char="•"/>
+            </a:pPr>
+            <a:r>
+              <a:rPr lang="ru-RU" sz="2000" dirty="0">
+                <a:solidFill>
+                  <a:schemeClr val="bg2">
+                    <a:lumMod val="75000"/>
+                  </a:schemeClr>
+                </a:solidFill>
+              </a:rPr>
+              <a:t>Поддержка технологии </a:t>
+            </a:r>
+            <a:r>
+              <a:rPr lang="ru-RU" sz="2000" dirty="0" err="1">
+                <a:solidFill>
+                  <a:schemeClr val="bg2">
+                    <a:lumMod val="75000"/>
+                  </a:schemeClr>
+                </a:solidFill>
+              </a:rPr>
+              <a:t>Plug</a:t>
+            </a:r>
+            <a:r>
+              <a:rPr lang="ru-RU" sz="2000" dirty="0">
+                <a:solidFill>
+                  <a:schemeClr val="bg2">
+                    <a:lumMod val="75000"/>
+                  </a:schemeClr>
+                </a:solidFill>
+              </a:rPr>
+              <a:t> </a:t>
+            </a:r>
+            <a:r>
+              <a:rPr lang="ru-RU" sz="2000" dirty="0" err="1">
+                <a:solidFill>
+                  <a:schemeClr val="bg2">
+                    <a:lumMod val="75000"/>
+                  </a:schemeClr>
+                </a:solidFill>
+              </a:rPr>
+              <a:t>and</a:t>
+            </a:r>
+            <a:r>
+              <a:rPr lang="ru-RU" sz="2000" dirty="0">
+                <a:solidFill>
+                  <a:schemeClr val="bg2">
+                    <a:lumMod val="75000"/>
+                  </a:schemeClr>
+                </a:solidFill>
+              </a:rPr>
+              <a:t> </a:t>
+            </a:r>
+            <a:r>
+              <a:rPr lang="ru-RU" sz="2000" dirty="0" err="1">
+                <a:solidFill>
+                  <a:schemeClr val="bg2">
+                    <a:lumMod val="75000"/>
+                  </a:schemeClr>
+                </a:solidFill>
+              </a:rPr>
+              <a:t>Solve</a:t>
+            </a:r>
+            <a:r>
+              <a:rPr lang="ru-RU" sz="2000" dirty="0">
+                <a:solidFill>
+                  <a:schemeClr val="bg2">
+                    <a:lumMod val="75000"/>
+                  </a:schemeClr>
+                </a:solidFill>
+              </a:rPr>
+              <a:t>™</a:t>
+            </a:r>
+          </a:p>
+          <a:p>
+            <a:pPr marL="285750" indent="-285750" algn="just">
+              <a:lnSpc>
+                <a:spcPct val="107000"/>
+              </a:lnSpc>
+              <a:buFont typeface="Arial" panose="020B0604020202020204" pitchFamily="34" charset="0"/>
+              <a:buChar char="•"/>
+            </a:pPr>
+            <a:r>
+              <a:rPr lang="ru-RU" sz="2000" dirty="0">
+                <a:solidFill>
+                  <a:schemeClr val="bg2">
+                    <a:lumMod val="75000"/>
+                  </a:schemeClr>
+                </a:solidFill>
+              </a:rPr>
+              <a:t>Полная SCADA-функциональность через технологию «тонких» веб-клиентов GE </a:t>
+            </a:r>
+            <a:r>
+              <a:rPr lang="ru-RU" sz="2000" dirty="0" err="1">
+                <a:solidFill>
+                  <a:schemeClr val="bg2">
+                    <a:lumMod val="75000"/>
+                  </a:schemeClr>
+                </a:solidFill>
+              </a:rPr>
+              <a:t>WebSpace</a:t>
+            </a:r>
+            <a:r>
+              <a:rPr lang="ru-RU" sz="2000" dirty="0">
+                <a:solidFill>
+                  <a:schemeClr val="bg2">
+                    <a:lumMod val="75000"/>
+                  </a:schemeClr>
+                </a:solidFill>
+              </a:rPr>
+              <a:t>. </a:t>
+            </a:r>
+            <a:endParaRPr lang="ru-RU" sz="2000" dirty="0">
+              <a:solidFill>
+                <a:schemeClr val="bg2">
+                  <a:lumMod val="75000"/>
+                </a:schemeClr>
+              </a:solidFill>
+              <a:effectLst/>
+              <a:ea typeface="Calibri" panose="020F0502020204030204" pitchFamily="34" charset="0"/>
+              <a:cs typeface="Times New Roman" panose="02020603050405020304" pitchFamily="18" charset="0"/>
+            </a:endParaRPr>
+          </a:p>
+        </p:txBody>
+      </p:sp>
+    </p:spTree>
+    <p:extLst>
+      <p:ext uri="{BB962C8B-B14F-4D97-AF65-F5344CB8AC3E}">
+        <p14:creationId xmlns:p14="http://schemas.microsoft.com/office/powerpoint/2010/main" val="1022302768"/>
+      </p:ext>
+    </p:extLst>
+  </p:cSld>
+  <p:clrMapOvr>
+    <a:masterClrMapping/>
+  </p:clrMapOvr>
+</p:sld>
+</file>
+
+<file path=ppt/slides/slide7.xml><?xml version="1.0" encoding="utf-8"?>
 <p:sld xmlns:a="http://schemas.openxmlformats.org/drawingml/2006/main" xmlns:r="http://schemas.openxmlformats.org/officeDocument/2006/relationships" xmlns:p="http://schemas.openxmlformats.org/presentationml/2006/main">
   <p:cSld>
     <p:spTree>
@@ -13815,6 +15095,45 @@
           </a:p>
         </p:txBody>
       </p:sp>
+      <p:pic>
+        <p:nvPicPr>
+          <p:cNvPr id="3" name="Рисунок 2">
+            <a:extLst>
+              <a:ext uri="{FF2B5EF4-FFF2-40B4-BE49-F238E27FC236}">
+                <a16:creationId xmlns:a16="http://schemas.microsoft.com/office/drawing/2014/main" id="{268B01ED-D83B-493D-825D-E1A240A66C8B}"/>
+              </a:ext>
+            </a:extLst>
+          </p:cNvPr>
+          <p:cNvPicPr>
+            <a:picLocks noChangeAspect="1"/>
+          </p:cNvPicPr>
+          <p:nvPr/>
+        </p:nvPicPr>
+        <p:blipFill>
+          <a:blip r:embed="rId2">
+            <a:extLst>
+              <a:ext uri="{28A0092B-C50C-407E-A947-70E740481C1C}">
+                <a14:useLocalDpi xmlns:a14="http://schemas.microsoft.com/office/drawing/2010/main" val="0"/>
+              </a:ext>
+            </a:extLst>
+          </a:blip>
+          <a:stretch>
+            <a:fillRect/>
+          </a:stretch>
+        </p:blipFill>
+        <p:spPr>
+          <a:xfrm>
+            <a:off x="1664167" y="1105831"/>
+            <a:ext cx="6363251" cy="5296359"/>
+          </a:xfrm>
+          <a:prstGeom prst="rect">
+            <a:avLst/>
+          </a:prstGeom>
+          <a:effectLst>
+            <a:softEdge rad="152400"/>
+          </a:effectLst>
+        </p:spPr>
+      </p:pic>
     </p:spTree>
   </p:cSld>
   <p:clrMapOvr>
@@ -13823,7 +15142,7 @@
 </p:sld>
 </file>
 
-<file path=ppt/slides/slide7.xml><?xml version="1.0" encoding="utf-8"?>
+<file path=ppt/slides/slide8.xml><?xml version="1.0" encoding="utf-8"?>
 <p:sld xmlns:a="http://schemas.openxmlformats.org/drawingml/2006/main" xmlns:r="http://schemas.openxmlformats.org/officeDocument/2006/relationships" xmlns:p="http://schemas.openxmlformats.org/presentationml/2006/main">
   <p:cSld>
     <p:spTree>
@@ -13842,235 +15161,589 @@
       </p:grpSpPr>
       <p:sp>
         <p:nvSpPr>
-          <p:cNvPr id="5" name="Объект 2">
+          <p:cNvPr id="2" name="Прямоугольник 1">
             <a:extLst>
               <a:ext uri="{FF2B5EF4-FFF2-40B4-BE49-F238E27FC236}">
-                <a16:creationId xmlns:a16="http://schemas.microsoft.com/office/drawing/2014/main" id="{57BF9525-EF74-4614-97B0-E9ED6EA3A9E0}"/>
+                <a16:creationId xmlns:a16="http://schemas.microsoft.com/office/drawing/2014/main" id="{96067386-0DF5-4354-85CC-D388206F8773}"/>
               </a:ext>
             </a:extLst>
           </p:cNvPr>
-          <p:cNvSpPr txBox="1">
-            <a:spLocks/>
-          </p:cNvSpPr>
+          <p:cNvSpPr/>
           <p:nvPr/>
         </p:nvSpPr>
         <p:spPr>
           <a:xfrm>
-            <a:off x="1835696" y="428787"/>
-            <a:ext cx="6020195" cy="1354089"/>
+            <a:off x="2915816" y="404664"/>
+            <a:ext cx="3888432" cy="721736"/>
           </a:xfrm>
           <a:prstGeom prst="rect">
             <a:avLst/>
           </a:prstGeom>
         </p:spPr>
         <p:txBody>
-          <a:bodyPr/>
-          <a:lstStyle>
-            <a:lvl1pPr marL="228600" indent="-228600" algn="l" defTabSz="914400" rtl="0" eaLnBrk="1" latinLnBrk="0" hangingPunct="1">
+          <a:bodyPr wrap="square">
+            <a:spAutoFit/>
+          </a:bodyPr>
+          <a:lstStyle/>
+          <a:p>
+            <a:pPr>
               <a:lnSpc>
-                <a:spcPct val="120000"/>
+                <a:spcPct val="107000"/>
               </a:lnSpc>
-              <a:spcBef>
-                <a:spcPts val="1000"/>
-              </a:spcBef>
-              <a:buSzPct val="125000"/>
+              <a:spcAft>
+                <a:spcPts val="800"/>
+              </a:spcAft>
+            </a:pPr>
+            <a:r>
+              <a:rPr lang="ru-RU" sz="4000" dirty="0" err="1">
+                <a:solidFill>
+                  <a:schemeClr val="bg2">
+                    <a:lumMod val="75000"/>
+                  </a:schemeClr>
+                </a:solidFill>
+                <a:latin typeface="Calibri" panose="020F0502020204030204" pitchFamily="34" charset="0"/>
+                <a:ea typeface="Calibri" panose="020F0502020204030204" pitchFamily="34" charset="0"/>
+                <a:cs typeface="Times New Roman" panose="02020603050405020304" pitchFamily="18" charset="0"/>
+              </a:rPr>
+              <a:t>System</a:t>
+            </a:r>
+            <a:r>
+              <a:rPr lang="ru-RU" sz="4000" dirty="0">
+                <a:solidFill>
+                  <a:schemeClr val="bg2">
+                    <a:lumMod val="75000"/>
+                  </a:schemeClr>
+                </a:solidFill>
+                <a:latin typeface="Calibri" panose="020F0502020204030204" pitchFamily="34" charset="0"/>
+                <a:ea typeface="Calibri" panose="020F0502020204030204" pitchFamily="34" charset="0"/>
+                <a:cs typeface="Times New Roman" panose="02020603050405020304" pitchFamily="18" charset="0"/>
+              </a:rPr>
+              <a:t> </a:t>
+            </a:r>
+            <a:r>
+              <a:rPr lang="ru-RU" sz="4000" dirty="0" err="1">
+                <a:solidFill>
+                  <a:schemeClr val="bg2">
+                    <a:lumMod val="75000"/>
+                  </a:schemeClr>
+                </a:solidFill>
+                <a:latin typeface="Calibri" panose="020F0502020204030204" pitchFamily="34" charset="0"/>
+                <a:ea typeface="Calibri" panose="020F0502020204030204" pitchFamily="34" charset="0"/>
+                <a:cs typeface="Times New Roman" panose="02020603050405020304" pitchFamily="18" charset="0"/>
+              </a:rPr>
+              <a:t>Platform</a:t>
+            </a:r>
+            <a:r>
+              <a:rPr lang="ru-RU" sz="4000" dirty="0">
+                <a:solidFill>
+                  <a:schemeClr val="bg2">
+                    <a:lumMod val="75000"/>
+                  </a:schemeClr>
+                </a:solidFill>
+                <a:latin typeface="Calibri" panose="020F0502020204030204" pitchFamily="34" charset="0"/>
+                <a:ea typeface="Calibri" panose="020F0502020204030204" pitchFamily="34" charset="0"/>
+                <a:cs typeface="Times New Roman" panose="02020603050405020304" pitchFamily="18" charset="0"/>
+              </a:rPr>
+              <a:t>.</a:t>
+            </a:r>
+            <a:endParaRPr lang="ru-RU" sz="4000" dirty="0">
+              <a:solidFill>
+                <a:schemeClr val="bg2">
+                  <a:lumMod val="75000"/>
+                </a:schemeClr>
+              </a:solidFill>
+              <a:effectLst/>
+              <a:latin typeface="Calibri" panose="020F0502020204030204" pitchFamily="34" charset="0"/>
+              <a:ea typeface="Calibri" panose="020F0502020204030204" pitchFamily="34" charset="0"/>
+              <a:cs typeface="Times New Roman" panose="02020603050405020304" pitchFamily="18" charset="0"/>
+            </a:endParaRPr>
+          </a:p>
+        </p:txBody>
+      </p:sp>
+      <p:sp>
+        <p:nvSpPr>
+          <p:cNvPr id="3" name="Прямоугольник 2">
+            <a:extLst>
+              <a:ext uri="{FF2B5EF4-FFF2-40B4-BE49-F238E27FC236}">
+                <a16:creationId xmlns:a16="http://schemas.microsoft.com/office/drawing/2014/main" id="{CD29A63D-C7BA-416A-825D-FE427E7046CB}"/>
+              </a:ext>
+            </a:extLst>
+          </p:cNvPr>
+          <p:cNvSpPr/>
+          <p:nvPr/>
+        </p:nvSpPr>
+        <p:spPr>
+          <a:xfrm>
+            <a:off x="1043608" y="1412776"/>
+            <a:ext cx="6624736" cy="3885103"/>
+          </a:xfrm>
+          <a:prstGeom prst="rect">
+            <a:avLst/>
+          </a:prstGeom>
+        </p:spPr>
+        <p:txBody>
+          <a:bodyPr wrap="square">
+            <a:spAutoFit/>
+          </a:bodyPr>
+          <a:lstStyle/>
+          <a:p>
+            <a:pPr>
+              <a:lnSpc>
+                <a:spcPct val="107000"/>
+              </a:lnSpc>
+              <a:spcAft>
+                <a:spcPts val="800"/>
+              </a:spcAft>
+            </a:pPr>
+            <a:r>
+              <a:rPr lang="ru-RU" sz="2000" dirty="0">
+                <a:solidFill>
+                  <a:schemeClr val="bg2">
+                    <a:lumMod val="75000"/>
+                  </a:schemeClr>
+                </a:solidFill>
+                <a:latin typeface="Calibri" panose="020F0502020204030204" pitchFamily="34" charset="0"/>
+                <a:ea typeface="Calibri" panose="020F0502020204030204" pitchFamily="34" charset="0"/>
+                <a:cs typeface="Times New Roman" panose="02020603050405020304" pitchFamily="18" charset="0"/>
+              </a:rPr>
+              <a:t>Возможности</a:t>
+            </a:r>
+          </a:p>
+          <a:p>
+            <a:pPr marL="285750" indent="-285750">
+              <a:lnSpc>
+                <a:spcPct val="107000"/>
+              </a:lnSpc>
+              <a:spcAft>
+                <a:spcPts val="800"/>
+              </a:spcAft>
               <a:buFont typeface="Arial" panose="020B0604020202020204" pitchFamily="34" charset="0"/>
               <a:buChar char="•"/>
-              <a:defRPr sz="2400" kern="1200">
+            </a:pPr>
+            <a:r>
+              <a:rPr lang="ru-RU" dirty="0">
                 <a:solidFill>
-                  <a:schemeClr val="tx1"/>
+                  <a:schemeClr val="bg2">
+                    <a:lumMod val="75000"/>
+                  </a:schemeClr>
                 </a:solidFill>
-                <a:latin typeface="+mn-lt"/>
-                <a:ea typeface="+mn-ea"/>
-                <a:cs typeface="+mn-cs"/>
-              </a:defRPr>
-            </a:lvl1pPr>
-            <a:lvl2pPr marL="685800" indent="-228600" algn="l" defTabSz="914400" rtl="0" eaLnBrk="1" latinLnBrk="0" hangingPunct="1">
+                <a:latin typeface="Calibri" panose="020F0502020204030204" pitchFamily="34" charset="0"/>
+                <a:ea typeface="Calibri" panose="020F0502020204030204" pitchFamily="34" charset="0"/>
+                <a:cs typeface="Times New Roman" panose="02020603050405020304" pitchFamily="18" charset="0"/>
+              </a:rPr>
+              <a:t>Может взаимодействовать практически с любыми полевыми устройствами и производственными информационными системами. </a:t>
+            </a:r>
+          </a:p>
+          <a:p>
+            <a:pPr marL="285750" indent="-285750">
               <a:lnSpc>
-                <a:spcPct val="120000"/>
+                <a:spcPct val="107000"/>
               </a:lnSpc>
-              <a:spcBef>
-                <a:spcPts val="500"/>
-              </a:spcBef>
-              <a:buSzPct val="125000"/>
+              <a:spcAft>
+                <a:spcPts val="800"/>
+              </a:spcAft>
               <a:buFont typeface="Arial" panose="020B0604020202020204" pitchFamily="34" charset="0"/>
               <a:buChar char="•"/>
-              <a:defRPr sz="2000" kern="1200">
+            </a:pPr>
+            <a:r>
+              <a:rPr lang="ru-RU" dirty="0">
                 <a:solidFill>
-                  <a:schemeClr val="tx1"/>
+                  <a:schemeClr val="bg2">
+                    <a:lumMod val="75000"/>
+                  </a:schemeClr>
                 </a:solidFill>
-                <a:latin typeface="+mn-lt"/>
-                <a:ea typeface="+mn-ea"/>
-                <a:cs typeface="+mn-cs"/>
-              </a:defRPr>
-            </a:lvl2pPr>
-            <a:lvl3pPr marL="1143000" indent="-228600" algn="l" defTabSz="914400" rtl="0" eaLnBrk="1" latinLnBrk="0" hangingPunct="1">
+                <a:latin typeface="Calibri" panose="020F0502020204030204" pitchFamily="34" charset="0"/>
+                <a:ea typeface="Calibri" panose="020F0502020204030204" pitchFamily="34" charset="0"/>
+                <a:cs typeface="Times New Roman" panose="02020603050405020304" pitchFamily="18" charset="0"/>
+              </a:rPr>
+              <a:t>Единая стандартизированная среда разработки.</a:t>
+            </a:r>
+          </a:p>
+          <a:p>
+            <a:pPr marL="285750" indent="-285750">
               <a:lnSpc>
-                <a:spcPct val="120000"/>
+                <a:spcPct val="107000"/>
               </a:lnSpc>
-              <a:spcBef>
-                <a:spcPts val="500"/>
-              </a:spcBef>
-              <a:buSzPct val="125000"/>
+              <a:spcAft>
+                <a:spcPts val="800"/>
+              </a:spcAft>
               <a:buFont typeface="Arial" panose="020B0604020202020204" pitchFamily="34" charset="0"/>
               <a:buChar char="•"/>
-              <a:defRPr sz="1800" kern="1200">
+            </a:pPr>
+            <a:r>
+              <a:rPr lang="ru-RU" dirty="0">
                 <a:solidFill>
-                  <a:schemeClr val="tx1"/>
+                  <a:schemeClr val="bg2">
+                    <a:lumMod val="75000"/>
+                  </a:schemeClr>
                 </a:solidFill>
-                <a:latin typeface="+mn-lt"/>
-                <a:ea typeface="+mn-ea"/>
-                <a:cs typeface="+mn-cs"/>
-              </a:defRPr>
-            </a:lvl3pPr>
-            <a:lvl4pPr marL="1600200" indent="-228600" algn="l" defTabSz="914400" rtl="0" eaLnBrk="1" latinLnBrk="0" hangingPunct="1">
+                <a:latin typeface="Calibri" panose="020F0502020204030204" pitchFamily="34" charset="0"/>
+                <a:ea typeface="Calibri" panose="020F0502020204030204" pitchFamily="34" charset="0"/>
+                <a:cs typeface="Times New Roman" panose="02020603050405020304" pitchFamily="18" charset="0"/>
+              </a:rPr>
+              <a:t>Независимая от устройств визуализация, интеллектуальная система </a:t>
+            </a:r>
+            <a:r>
+              <a:rPr lang="ru-RU" dirty="0" err="1">
+                <a:solidFill>
+                  <a:schemeClr val="bg2">
+                    <a:lumMod val="75000"/>
+                  </a:schemeClr>
+                </a:solidFill>
+                <a:latin typeface="Calibri" panose="020F0502020204030204" pitchFamily="34" charset="0"/>
+                <a:ea typeface="Calibri" panose="020F0502020204030204" pitchFamily="34" charset="0"/>
+                <a:cs typeface="Times New Roman" panose="02020603050405020304" pitchFamily="18" charset="0"/>
+              </a:rPr>
+              <a:t>алармов</a:t>
+            </a:r>
+            <a:r>
+              <a:rPr lang="ru-RU" dirty="0">
+                <a:solidFill>
+                  <a:schemeClr val="bg2">
+                    <a:lumMod val="75000"/>
+                  </a:schemeClr>
+                </a:solidFill>
+                <a:latin typeface="Calibri" panose="020F0502020204030204" pitchFamily="34" charset="0"/>
+                <a:ea typeface="Calibri" panose="020F0502020204030204" pitchFamily="34" charset="0"/>
+                <a:cs typeface="Times New Roman" panose="02020603050405020304" pitchFamily="18" charset="0"/>
+              </a:rPr>
+              <a:t>, гибкие средства анализа и отчетности. </a:t>
+            </a:r>
+          </a:p>
+          <a:p>
+            <a:pPr marL="285750" indent="-285750">
               <a:lnSpc>
-                <a:spcPct val="120000"/>
+                <a:spcPct val="107000"/>
               </a:lnSpc>
-              <a:spcBef>
-                <a:spcPts val="500"/>
-              </a:spcBef>
-              <a:buSzPct val="125000"/>
+              <a:spcAft>
+                <a:spcPts val="800"/>
+              </a:spcAft>
               <a:buFont typeface="Arial" panose="020B0604020202020204" pitchFamily="34" charset="0"/>
               <a:buChar char="•"/>
-              <a:defRPr sz="1600" kern="1200">
+            </a:pPr>
+            <a:r>
+              <a:rPr lang="ru-RU" dirty="0">
                 <a:solidFill>
-                  <a:schemeClr val="tx1"/>
+                  <a:schemeClr val="bg2">
+                    <a:lumMod val="75000"/>
+                  </a:schemeClr>
                 </a:solidFill>
-                <a:latin typeface="+mn-lt"/>
-                <a:ea typeface="+mn-ea"/>
-                <a:cs typeface="+mn-cs"/>
-              </a:defRPr>
-            </a:lvl4pPr>
-            <a:lvl5pPr marL="2057400" indent="-228600" algn="l" defTabSz="914400" rtl="0" eaLnBrk="1" latinLnBrk="0" hangingPunct="1">
+                <a:latin typeface="Calibri" panose="020F0502020204030204" pitchFamily="34" charset="0"/>
+                <a:ea typeface="Calibri" panose="020F0502020204030204" pitchFamily="34" charset="0"/>
+                <a:cs typeface="Times New Roman" panose="02020603050405020304" pitchFamily="18" charset="0"/>
+              </a:rPr>
+              <a:t>Среда разработки и тестирования может полностью размещаться в облаке</a:t>
+            </a:r>
+          </a:p>
+          <a:p>
+            <a:pPr marL="285750" indent="-285750">
               <a:lnSpc>
-                <a:spcPct val="120000"/>
+                <a:spcPct val="107000"/>
               </a:lnSpc>
-              <a:spcBef>
-                <a:spcPts val="500"/>
-              </a:spcBef>
-              <a:buSzPct val="125000"/>
+              <a:spcAft>
+                <a:spcPts val="800"/>
+              </a:spcAft>
               <a:buFont typeface="Arial" panose="020B0604020202020204" pitchFamily="34" charset="0"/>
               <a:buChar char="•"/>
-              <a:defRPr sz="1600" kern="1200">
-                <a:solidFill>
-                  <a:schemeClr val="tx1"/>
-                </a:solidFill>
-                <a:latin typeface="+mn-lt"/>
-                <a:ea typeface="+mn-ea"/>
-                <a:cs typeface="+mn-cs"/>
-              </a:defRPr>
-            </a:lvl5pPr>
-            <a:lvl6pPr marL="2514600" indent="-228600" algn="l" defTabSz="914400" rtl="0" eaLnBrk="1" latinLnBrk="0" hangingPunct="1">
-              <a:lnSpc>
-                <a:spcPct val="120000"/>
-              </a:lnSpc>
-              <a:spcBef>
-                <a:spcPts val="500"/>
-              </a:spcBef>
-              <a:buSzPct val="125000"/>
-              <a:buFont typeface="Arial" panose="020B0604020202020204" pitchFamily="34" charset="0"/>
-              <a:buChar char="•"/>
-              <a:defRPr sz="1400" kern="1200">
-                <a:solidFill>
-                  <a:schemeClr val="tx1"/>
-                </a:solidFill>
-                <a:latin typeface="+mn-lt"/>
-                <a:ea typeface="+mn-ea"/>
-                <a:cs typeface="+mn-cs"/>
-              </a:defRPr>
-            </a:lvl6pPr>
-            <a:lvl7pPr marL="2971800" indent="-228600" algn="l" defTabSz="914400" rtl="0" eaLnBrk="1" latinLnBrk="0" hangingPunct="1">
-              <a:lnSpc>
-                <a:spcPct val="120000"/>
-              </a:lnSpc>
-              <a:spcBef>
-                <a:spcPts val="500"/>
-              </a:spcBef>
-              <a:buSzPct val="125000"/>
-              <a:buFont typeface="Arial" panose="020B0604020202020204" pitchFamily="34" charset="0"/>
-              <a:buChar char="•"/>
-              <a:defRPr sz="1400" kern="1200">
-                <a:solidFill>
-                  <a:schemeClr val="tx1"/>
-                </a:solidFill>
-                <a:latin typeface="+mn-lt"/>
-                <a:ea typeface="+mn-ea"/>
-                <a:cs typeface="+mn-cs"/>
-              </a:defRPr>
-            </a:lvl7pPr>
-            <a:lvl8pPr marL="3429000" indent="-228600" algn="l" defTabSz="914400" rtl="0" eaLnBrk="1" latinLnBrk="0" hangingPunct="1">
-              <a:lnSpc>
-                <a:spcPct val="120000"/>
-              </a:lnSpc>
-              <a:spcBef>
-                <a:spcPts val="500"/>
-              </a:spcBef>
-              <a:buSzPct val="125000"/>
-              <a:buFont typeface="Arial" panose="020B0604020202020204" pitchFamily="34" charset="0"/>
-              <a:buChar char="•"/>
-              <a:defRPr sz="1400" kern="1200">
-                <a:solidFill>
-                  <a:schemeClr val="tx1"/>
-                </a:solidFill>
-                <a:latin typeface="+mn-lt"/>
-                <a:ea typeface="+mn-ea"/>
-                <a:cs typeface="+mn-cs"/>
-              </a:defRPr>
-            </a:lvl8pPr>
-            <a:lvl9pPr marL="3886200" indent="-228600" algn="l" defTabSz="914400" rtl="0" eaLnBrk="1" latinLnBrk="0" hangingPunct="1">
-              <a:lnSpc>
-                <a:spcPct val="120000"/>
-              </a:lnSpc>
-              <a:spcBef>
-                <a:spcPts val="500"/>
-              </a:spcBef>
-              <a:buSzPct val="125000"/>
-              <a:buFont typeface="Arial" panose="020B0604020202020204" pitchFamily="34" charset="0"/>
-              <a:buChar char="•"/>
-              <a:defRPr sz="1400" kern="1200">
-                <a:solidFill>
-                  <a:schemeClr val="tx1"/>
-                </a:solidFill>
-                <a:latin typeface="+mn-lt"/>
-                <a:ea typeface="+mn-ea"/>
-                <a:cs typeface="+mn-cs"/>
-              </a:defRPr>
-            </a:lvl9pPr>
-          </a:lstStyle>
-          <a:p>
-            <a:pPr marL="0" indent="0">
-              <a:buFont typeface="Arial" panose="020B0604020202020204" pitchFamily="34" charset="0"/>
-              <a:buNone/>
             </a:pPr>
             <a:r>
               <a:rPr lang="ru-RU" dirty="0">
                 <a:solidFill>
-                  <a:schemeClr val="bg1"/>
+                  <a:schemeClr val="bg2">
+                    <a:lumMod val="75000"/>
+                  </a:schemeClr>
                 </a:solidFill>
+                <a:latin typeface="Calibri" panose="020F0502020204030204" pitchFamily="34" charset="0"/>
+                <a:ea typeface="Calibri" panose="020F0502020204030204" pitchFamily="34" charset="0"/>
+                <a:cs typeface="Times New Roman" panose="02020603050405020304" pitchFamily="18" charset="0"/>
               </a:rPr>
-              <a:t>Распределенная система </a:t>
-            </a:r>
-            <a:r>
-              <a:rPr lang="en-US" dirty="0">
-                <a:solidFill>
-                  <a:schemeClr val="bg1"/>
-                </a:solidFill>
-              </a:rPr>
-              <a:t>(DCS)</a:t>
-            </a:r>
-            <a:endParaRPr lang="ru-RU" dirty="0">
-              <a:solidFill>
-                <a:schemeClr val="bg1"/>
-              </a:solidFill>
-            </a:endParaRPr>
+              <a:t>Новая конфигурация визуализации поддерживает возможность параллельной разработки. </a:t>
+            </a:r>
           </a:p>
         </p:txBody>
       </p:sp>
     </p:spTree>
     <p:extLst>
       <p:ext uri="{BB962C8B-B14F-4D97-AF65-F5344CB8AC3E}">
-        <p14:creationId xmlns:p14="http://schemas.microsoft.com/office/powerpoint/2010/main" val="3033753804"/>
+        <p14:creationId xmlns:p14="http://schemas.microsoft.com/office/powerpoint/2010/main" val="3631617447"/>
+      </p:ext>
+    </p:extLst>
+  </p:cSld>
+  <p:clrMapOvr>
+    <a:masterClrMapping/>
+  </p:clrMapOvr>
+</p:sld>
+</file>
+
+<file path=ppt/slides/slide9.xml><?xml version="1.0" encoding="utf-8"?>
+<p:sld xmlns:a="http://schemas.openxmlformats.org/drawingml/2006/main" xmlns:r="http://schemas.openxmlformats.org/officeDocument/2006/relationships" xmlns:p="http://schemas.openxmlformats.org/presentationml/2006/main">
+  <p:cSld>
+    <p:spTree>
+      <p:nvGrpSpPr>
+        <p:cNvPr id="1" name=""/>
+        <p:cNvGrpSpPr/>
+        <p:nvPr/>
+      </p:nvGrpSpPr>
+      <p:grpSpPr>
+        <a:xfrm>
+          <a:off x="0" y="0"/>
+          <a:ext cx="0" cy="0"/>
+          <a:chOff x="0" y="0"/>
+          <a:chExt cx="0" cy="0"/>
+        </a:xfrm>
+      </p:grpSpPr>
+      <p:sp>
+        <p:nvSpPr>
+          <p:cNvPr id="2" name="Прямоугольник 1">
+            <a:extLst>
+              <a:ext uri="{FF2B5EF4-FFF2-40B4-BE49-F238E27FC236}">
+                <a16:creationId xmlns:a16="http://schemas.microsoft.com/office/drawing/2014/main" id="{B20AAF5C-993C-41F9-B61E-25440022A1DC}"/>
+              </a:ext>
+            </a:extLst>
+          </p:cNvPr>
+          <p:cNvSpPr/>
+          <p:nvPr/>
+        </p:nvSpPr>
+        <p:spPr>
+          <a:xfrm>
+            <a:off x="1259632" y="908720"/>
+            <a:ext cx="7272808" cy="4545796"/>
+          </a:xfrm>
+          <a:prstGeom prst="rect">
+            <a:avLst/>
+          </a:prstGeom>
+        </p:spPr>
+        <p:txBody>
+          <a:bodyPr wrap="square">
+            <a:spAutoFit/>
+          </a:bodyPr>
+          <a:lstStyle/>
+          <a:p>
+            <a:pPr>
+              <a:lnSpc>
+                <a:spcPct val="107000"/>
+              </a:lnSpc>
+              <a:spcAft>
+                <a:spcPts val="800"/>
+              </a:spcAft>
+            </a:pPr>
+            <a:r>
+              <a:rPr lang="ru-RU" sz="2000" dirty="0">
+                <a:solidFill>
+                  <a:schemeClr val="bg2">
+                    <a:lumMod val="75000"/>
+                  </a:schemeClr>
+                </a:solidFill>
+                <a:ea typeface="Calibri" panose="020F0502020204030204" pitchFamily="34" charset="0"/>
+                <a:cs typeface="Times New Roman" panose="02020603050405020304" pitchFamily="18" charset="0"/>
+              </a:rPr>
+              <a:t>Совместимость с базами данных </a:t>
+            </a:r>
+          </a:p>
+          <a:p>
+            <a:pPr marL="285750" indent="-285750">
+              <a:lnSpc>
+                <a:spcPct val="107000"/>
+              </a:lnSpc>
+              <a:spcAft>
+                <a:spcPts val="800"/>
+              </a:spcAft>
+              <a:buFont typeface="Arial" panose="020B0604020202020204" pitchFamily="34" charset="0"/>
+              <a:buChar char="•"/>
+            </a:pPr>
+            <a:r>
+              <a:rPr lang="en-US" dirty="0">
+                <a:solidFill>
+                  <a:schemeClr val="bg2">
+                    <a:lumMod val="75000"/>
+                  </a:schemeClr>
+                </a:solidFill>
+                <a:ea typeface="Calibri" panose="020F0502020204030204" pitchFamily="34" charset="0"/>
+                <a:cs typeface="Times New Roman" panose="02020603050405020304" pitchFamily="18" charset="0"/>
+              </a:rPr>
+              <a:t>SQL Server 2012 Standard (x64, x86), Enterprise (x64, x86), Express-SSMSE (x64, x86) SP2 </a:t>
+            </a:r>
+            <a:endParaRPr lang="ru-RU" dirty="0">
+              <a:solidFill>
+                <a:schemeClr val="bg2">
+                  <a:lumMod val="75000"/>
+                </a:schemeClr>
+              </a:solidFill>
+              <a:ea typeface="Calibri" panose="020F0502020204030204" pitchFamily="34" charset="0"/>
+              <a:cs typeface="Times New Roman" panose="02020603050405020304" pitchFamily="18" charset="0"/>
+            </a:endParaRPr>
+          </a:p>
+          <a:p>
+            <a:pPr marL="285750" indent="-285750">
+              <a:lnSpc>
+                <a:spcPct val="107000"/>
+              </a:lnSpc>
+              <a:spcAft>
+                <a:spcPts val="800"/>
+              </a:spcAft>
+              <a:buFont typeface="Arial" panose="020B0604020202020204" pitchFamily="34" charset="0"/>
+              <a:buChar char="•"/>
+            </a:pPr>
+            <a:r>
+              <a:rPr lang="en-US" dirty="0">
+                <a:solidFill>
+                  <a:schemeClr val="bg2">
+                    <a:lumMod val="75000"/>
+                  </a:schemeClr>
+                </a:solidFill>
+                <a:ea typeface="Calibri" panose="020F0502020204030204" pitchFamily="34" charset="0"/>
+                <a:cs typeface="Times New Roman" panose="02020603050405020304" pitchFamily="18" charset="0"/>
+              </a:rPr>
+              <a:t>SQL Server 2014 Standard (x64, x86), Enterprise (x64, x86), Express-SSMSE (x64, x86) </a:t>
+            </a:r>
+            <a:endParaRPr lang="ru-RU" dirty="0">
+              <a:solidFill>
+                <a:schemeClr val="bg2">
+                  <a:lumMod val="75000"/>
+                </a:schemeClr>
+              </a:solidFill>
+              <a:ea typeface="Calibri" panose="020F0502020204030204" pitchFamily="34" charset="0"/>
+              <a:cs typeface="Times New Roman" panose="02020603050405020304" pitchFamily="18" charset="0"/>
+            </a:endParaRPr>
+          </a:p>
+          <a:p>
+            <a:pPr marL="285750" indent="-285750">
+              <a:lnSpc>
+                <a:spcPct val="107000"/>
+              </a:lnSpc>
+              <a:spcAft>
+                <a:spcPts val="800"/>
+              </a:spcAft>
+              <a:buFont typeface="Arial" panose="020B0604020202020204" pitchFamily="34" charset="0"/>
+              <a:buChar char="•"/>
+            </a:pPr>
+            <a:r>
+              <a:rPr lang="en-US" dirty="0">
+                <a:solidFill>
+                  <a:schemeClr val="bg2">
+                    <a:lumMod val="75000"/>
+                  </a:schemeClr>
+                </a:solidFill>
+                <a:ea typeface="Calibri" panose="020F0502020204030204" pitchFamily="34" charset="0"/>
+                <a:cs typeface="Times New Roman" panose="02020603050405020304" pitchFamily="18" charset="0"/>
+              </a:rPr>
+              <a:t>SQL Server 2014 Standard (x64, x86), Enterprise (x64, x86), Express-SSMSE (x64, x86) SP1 </a:t>
+            </a:r>
+            <a:endParaRPr lang="ru-RU" dirty="0">
+              <a:solidFill>
+                <a:schemeClr val="bg2">
+                  <a:lumMod val="75000"/>
+                </a:schemeClr>
+              </a:solidFill>
+              <a:ea typeface="Calibri" panose="020F0502020204030204" pitchFamily="34" charset="0"/>
+              <a:cs typeface="Times New Roman" panose="02020603050405020304" pitchFamily="18" charset="0"/>
+            </a:endParaRPr>
+          </a:p>
+          <a:p>
+            <a:pPr marL="285750" indent="-285750">
+              <a:lnSpc>
+                <a:spcPct val="107000"/>
+              </a:lnSpc>
+              <a:spcAft>
+                <a:spcPts val="800"/>
+              </a:spcAft>
+              <a:buFont typeface="Arial" panose="020B0604020202020204" pitchFamily="34" charset="0"/>
+              <a:buChar char="•"/>
+            </a:pPr>
+            <a:r>
+              <a:rPr lang="en-US" dirty="0">
+                <a:solidFill>
+                  <a:schemeClr val="bg2">
+                    <a:lumMod val="75000"/>
+                  </a:schemeClr>
+                </a:solidFill>
+                <a:ea typeface="Calibri" panose="020F0502020204030204" pitchFamily="34" charset="0"/>
+                <a:cs typeface="Times New Roman" panose="02020603050405020304" pitchFamily="18" charset="0"/>
+              </a:rPr>
+              <a:t>SQL Server 2014 Standard (x64, x86), Enterprise (x64, x86), Express-SSMSE (x64, x86) SP2 </a:t>
+            </a:r>
+            <a:endParaRPr lang="ru-RU" dirty="0">
+              <a:solidFill>
+                <a:schemeClr val="bg2">
+                  <a:lumMod val="75000"/>
+                </a:schemeClr>
+              </a:solidFill>
+              <a:ea typeface="Calibri" panose="020F0502020204030204" pitchFamily="34" charset="0"/>
+              <a:cs typeface="Times New Roman" panose="02020603050405020304" pitchFamily="18" charset="0"/>
+            </a:endParaRPr>
+          </a:p>
+          <a:p>
+            <a:pPr marL="285750" indent="-285750">
+              <a:lnSpc>
+                <a:spcPct val="107000"/>
+              </a:lnSpc>
+              <a:spcAft>
+                <a:spcPts val="800"/>
+              </a:spcAft>
+              <a:buFont typeface="Arial" panose="020B0604020202020204" pitchFamily="34" charset="0"/>
+              <a:buChar char="•"/>
+            </a:pPr>
+            <a:r>
+              <a:rPr lang="en-US" dirty="0">
+                <a:solidFill>
+                  <a:schemeClr val="bg2">
+                    <a:lumMod val="75000"/>
+                  </a:schemeClr>
+                </a:solidFill>
+                <a:ea typeface="Calibri" panose="020F0502020204030204" pitchFamily="34" charset="0"/>
+                <a:cs typeface="Times New Roman" panose="02020603050405020304" pitchFamily="18" charset="0"/>
+              </a:rPr>
+              <a:t>SQL Server 2016 Standard (x64, x86), Enterprise (x64, x86), Express-SSMSE (x64, x86), </a:t>
+            </a:r>
+            <a:endParaRPr lang="ru-RU" dirty="0">
+              <a:solidFill>
+                <a:schemeClr val="bg2">
+                  <a:lumMod val="75000"/>
+                </a:schemeClr>
+              </a:solidFill>
+              <a:ea typeface="Calibri" panose="020F0502020204030204" pitchFamily="34" charset="0"/>
+              <a:cs typeface="Times New Roman" panose="02020603050405020304" pitchFamily="18" charset="0"/>
+            </a:endParaRPr>
+          </a:p>
+          <a:p>
+            <a:pPr marL="285750" indent="-285750">
+              <a:lnSpc>
+                <a:spcPct val="107000"/>
+              </a:lnSpc>
+              <a:spcAft>
+                <a:spcPts val="800"/>
+              </a:spcAft>
+              <a:buFont typeface="Arial" panose="020B0604020202020204" pitchFamily="34" charset="0"/>
+              <a:buChar char="•"/>
+            </a:pPr>
+            <a:r>
+              <a:rPr lang="en-US" dirty="0">
+                <a:solidFill>
+                  <a:schemeClr val="bg2">
+                    <a:lumMod val="75000"/>
+                  </a:schemeClr>
+                </a:solidFill>
+                <a:ea typeface="Calibri" panose="020F0502020204030204" pitchFamily="34" charset="0"/>
+                <a:cs typeface="Times New Roman" panose="02020603050405020304" pitchFamily="18" charset="0"/>
+              </a:rPr>
+              <a:t>SQL Server 2016 Enterprise (x64, x86), Express-SSMSE (x64, x86), Standard (x64, x86) SP1</a:t>
+            </a:r>
+            <a:endParaRPr lang="ru-RU" dirty="0">
+              <a:solidFill>
+                <a:schemeClr val="bg2">
+                  <a:lumMod val="75000"/>
+                </a:schemeClr>
+              </a:solidFill>
+              <a:ea typeface="Calibri" panose="020F0502020204030204" pitchFamily="34" charset="0"/>
+              <a:cs typeface="Times New Roman" panose="02020603050405020304" pitchFamily="18" charset="0"/>
+            </a:endParaRPr>
+          </a:p>
+        </p:txBody>
+      </p:sp>
+    </p:spTree>
+    <p:extLst>
+      <p:ext uri="{BB962C8B-B14F-4D97-AF65-F5344CB8AC3E}">
+        <p14:creationId xmlns:p14="http://schemas.microsoft.com/office/powerpoint/2010/main" val="3590310954"/>
       </p:ext>
     </p:extLst>
   </p:cSld>

--- a/итоговая.pptx
+++ b/итоговая.pptx
@@ -4,18 +4,35 @@
   <p:sldMasterIdLst>
     <p:sldMasterId id="2147483702" r:id="rId1"/>
   </p:sldMasterIdLst>
+  <p:notesMasterIdLst>
+    <p:notesMasterId r:id="rId27"/>
+  </p:notesMasterIdLst>
   <p:sldIdLst>
     <p:sldId id="267" r:id="rId2"/>
     <p:sldId id="268" r:id="rId3"/>
     <p:sldId id="265" r:id="rId4"/>
     <p:sldId id="269" r:id="rId5"/>
-    <p:sldId id="257" r:id="rId6"/>
-    <p:sldId id="271" r:id="rId7"/>
-    <p:sldId id="261" r:id="rId8"/>
-    <p:sldId id="273" r:id="rId9"/>
-    <p:sldId id="274" r:id="rId10"/>
-    <p:sldId id="264" r:id="rId11"/>
-    <p:sldId id="272" r:id="rId12"/>
+    <p:sldId id="275" r:id="rId6"/>
+    <p:sldId id="276" r:id="rId7"/>
+    <p:sldId id="277" r:id="rId8"/>
+    <p:sldId id="278" r:id="rId9"/>
+    <p:sldId id="279" r:id="rId10"/>
+    <p:sldId id="281" r:id="rId11"/>
+    <p:sldId id="280" r:id="rId12"/>
+    <p:sldId id="282" r:id="rId13"/>
+    <p:sldId id="284" r:id="rId14"/>
+    <p:sldId id="285" r:id="rId15"/>
+    <p:sldId id="286" r:id="rId16"/>
+    <p:sldId id="287" r:id="rId17"/>
+    <p:sldId id="288" r:id="rId18"/>
+    <p:sldId id="257" r:id="rId19"/>
+    <p:sldId id="289" r:id="rId20"/>
+    <p:sldId id="271" r:id="rId21"/>
+    <p:sldId id="261" r:id="rId22"/>
+    <p:sldId id="273" r:id="rId23"/>
+    <p:sldId id="274" r:id="rId24"/>
+    <p:sldId id="264" r:id="rId25"/>
+    <p:sldId id="272" r:id="rId26"/>
   </p:sldIdLst>
   <p:sldSz cx="9144000" cy="6858000" type="screen4x3"/>
   <p:notesSz cx="6858000" cy="9144000"/>
@@ -251,6 +268,439 @@
 </p:cmLst>
 </file>
 
+<file path=ppt/notesMasters/notesMaster1.xml><?xml version="1.0" encoding="utf-8"?>
+<p:notesMaster xmlns:a="http://schemas.openxmlformats.org/drawingml/2006/main" xmlns:r="http://schemas.openxmlformats.org/officeDocument/2006/relationships" xmlns:p="http://schemas.openxmlformats.org/presentationml/2006/main">
+  <p:cSld>
+    <p:bg>
+      <p:bgRef idx="1001">
+        <a:schemeClr val="bg1"/>
+      </p:bgRef>
+    </p:bg>
+    <p:spTree>
+      <p:nvGrpSpPr>
+        <p:cNvPr id="1" name=""/>
+        <p:cNvGrpSpPr/>
+        <p:nvPr/>
+      </p:nvGrpSpPr>
+      <p:grpSpPr>
+        <a:xfrm>
+          <a:off x="0" y="0"/>
+          <a:ext cx="0" cy="0"/>
+          <a:chOff x="0" y="0"/>
+          <a:chExt cx="0" cy="0"/>
+        </a:xfrm>
+      </p:grpSpPr>
+      <p:sp>
+        <p:nvSpPr>
+          <p:cNvPr id="2" name="Верхний колонтитул 1"/>
+          <p:cNvSpPr>
+            <a:spLocks noGrp="1"/>
+          </p:cNvSpPr>
+          <p:nvPr>
+            <p:ph type="hdr" sz="quarter"/>
+          </p:nvPr>
+        </p:nvSpPr>
+        <p:spPr>
+          <a:xfrm>
+            <a:off x="0" y="0"/>
+            <a:ext cx="2971800" cy="458788"/>
+          </a:xfrm>
+          <a:prstGeom prst="rect">
+            <a:avLst/>
+          </a:prstGeom>
+        </p:spPr>
+        <p:txBody>
+          <a:bodyPr vert="horz" lIns="91440" tIns="45720" rIns="91440" bIns="45720" rtlCol="0"/>
+          <a:lstStyle>
+            <a:lvl1pPr algn="l">
+              <a:defRPr sz="1200"/>
+            </a:lvl1pPr>
+          </a:lstStyle>
+          <a:p>
+            <a:endParaRPr lang="ru-RU"/>
+          </a:p>
+        </p:txBody>
+      </p:sp>
+      <p:sp>
+        <p:nvSpPr>
+          <p:cNvPr id="3" name="Дата 2"/>
+          <p:cNvSpPr>
+            <a:spLocks noGrp="1"/>
+          </p:cNvSpPr>
+          <p:nvPr>
+            <p:ph type="dt" idx="1"/>
+          </p:nvPr>
+        </p:nvSpPr>
+        <p:spPr>
+          <a:xfrm>
+            <a:off x="3884613" y="0"/>
+            <a:ext cx="2971800" cy="458788"/>
+          </a:xfrm>
+          <a:prstGeom prst="rect">
+            <a:avLst/>
+          </a:prstGeom>
+        </p:spPr>
+        <p:txBody>
+          <a:bodyPr vert="horz" lIns="91440" tIns="45720" rIns="91440" bIns="45720" rtlCol="0"/>
+          <a:lstStyle>
+            <a:lvl1pPr algn="r">
+              <a:defRPr sz="1200"/>
+            </a:lvl1pPr>
+          </a:lstStyle>
+          <a:p>
+            <a:fld id="{5649F021-9FAB-4CEA-A96A-A2DB693E74C4}" type="datetimeFigureOut">
+              <a:rPr lang="ru-RU" smtClean="0"/>
+              <a:t>10.12.2019</a:t>
+            </a:fld>
+            <a:endParaRPr lang="ru-RU"/>
+          </a:p>
+        </p:txBody>
+      </p:sp>
+      <p:sp>
+        <p:nvSpPr>
+          <p:cNvPr id="4" name="Образ слайда 3"/>
+          <p:cNvSpPr>
+            <a:spLocks noGrp="1" noRot="1" noChangeAspect="1"/>
+          </p:cNvSpPr>
+          <p:nvPr>
+            <p:ph type="sldImg" idx="2"/>
+          </p:nvPr>
+        </p:nvSpPr>
+        <p:spPr>
+          <a:xfrm>
+            <a:off x="1371600" y="1143000"/>
+            <a:ext cx="4114800" cy="3086100"/>
+          </a:xfrm>
+          <a:prstGeom prst="rect">
+            <a:avLst/>
+          </a:prstGeom>
+          <a:noFill/>
+          <a:ln w="12700">
+            <a:solidFill>
+              <a:prstClr val="black"/>
+            </a:solidFill>
+          </a:ln>
+        </p:spPr>
+        <p:txBody>
+          <a:bodyPr vert="horz" lIns="91440" tIns="45720" rIns="91440" bIns="45720" rtlCol="0" anchor="ctr"/>
+          <a:lstStyle/>
+          <a:p>
+            <a:endParaRPr lang="ru-RU"/>
+          </a:p>
+        </p:txBody>
+      </p:sp>
+      <p:sp>
+        <p:nvSpPr>
+          <p:cNvPr id="5" name="Заметки 4"/>
+          <p:cNvSpPr>
+            <a:spLocks noGrp="1"/>
+          </p:cNvSpPr>
+          <p:nvPr>
+            <p:ph type="body" sz="quarter" idx="3"/>
+          </p:nvPr>
+        </p:nvSpPr>
+        <p:spPr>
+          <a:xfrm>
+            <a:off x="685800" y="4400550"/>
+            <a:ext cx="5486400" cy="3600450"/>
+          </a:xfrm>
+          <a:prstGeom prst="rect">
+            <a:avLst/>
+          </a:prstGeom>
+        </p:spPr>
+        <p:txBody>
+          <a:bodyPr vert="horz" lIns="91440" tIns="45720" rIns="91440" bIns="45720" rtlCol="0"/>
+          <a:lstStyle/>
+          <a:p>
+            <a:pPr lvl="0"/>
+            <a:r>
+              <a:rPr lang="ru-RU"/>
+              <a:t>Образец текста</a:t>
+            </a:r>
+          </a:p>
+          <a:p>
+            <a:pPr lvl="1"/>
+            <a:r>
+              <a:rPr lang="ru-RU"/>
+              <a:t>Второй уровень</a:t>
+            </a:r>
+          </a:p>
+          <a:p>
+            <a:pPr lvl="2"/>
+            <a:r>
+              <a:rPr lang="ru-RU"/>
+              <a:t>Третий уровень</a:t>
+            </a:r>
+          </a:p>
+          <a:p>
+            <a:pPr lvl="3"/>
+            <a:r>
+              <a:rPr lang="ru-RU"/>
+              <a:t>Четвертый уровень</a:t>
+            </a:r>
+          </a:p>
+          <a:p>
+            <a:pPr lvl="4"/>
+            <a:r>
+              <a:rPr lang="ru-RU"/>
+              <a:t>Пятый уровень</a:t>
+            </a:r>
+          </a:p>
+        </p:txBody>
+      </p:sp>
+      <p:sp>
+        <p:nvSpPr>
+          <p:cNvPr id="6" name="Нижний колонтитул 5"/>
+          <p:cNvSpPr>
+            <a:spLocks noGrp="1"/>
+          </p:cNvSpPr>
+          <p:nvPr>
+            <p:ph type="ftr" sz="quarter" idx="4"/>
+          </p:nvPr>
+        </p:nvSpPr>
+        <p:spPr>
+          <a:xfrm>
+            <a:off x="0" y="8685213"/>
+            <a:ext cx="2971800" cy="458787"/>
+          </a:xfrm>
+          <a:prstGeom prst="rect">
+            <a:avLst/>
+          </a:prstGeom>
+        </p:spPr>
+        <p:txBody>
+          <a:bodyPr vert="horz" lIns="91440" tIns="45720" rIns="91440" bIns="45720" rtlCol="0" anchor="b"/>
+          <a:lstStyle>
+            <a:lvl1pPr algn="l">
+              <a:defRPr sz="1200"/>
+            </a:lvl1pPr>
+          </a:lstStyle>
+          <a:p>
+            <a:endParaRPr lang="ru-RU"/>
+          </a:p>
+        </p:txBody>
+      </p:sp>
+      <p:sp>
+        <p:nvSpPr>
+          <p:cNvPr id="7" name="Номер слайда 6"/>
+          <p:cNvSpPr>
+            <a:spLocks noGrp="1"/>
+          </p:cNvSpPr>
+          <p:nvPr>
+            <p:ph type="sldNum" sz="quarter" idx="5"/>
+          </p:nvPr>
+        </p:nvSpPr>
+        <p:spPr>
+          <a:xfrm>
+            <a:off x="3884613" y="8685213"/>
+            <a:ext cx="2971800" cy="458787"/>
+          </a:xfrm>
+          <a:prstGeom prst="rect">
+            <a:avLst/>
+          </a:prstGeom>
+        </p:spPr>
+        <p:txBody>
+          <a:bodyPr vert="horz" lIns="91440" tIns="45720" rIns="91440" bIns="45720" rtlCol="0" anchor="b"/>
+          <a:lstStyle>
+            <a:lvl1pPr algn="r">
+              <a:defRPr sz="1200"/>
+            </a:lvl1pPr>
+          </a:lstStyle>
+          <a:p>
+            <a:fld id="{B9DAF0DC-58A0-4B34-A3CD-6EF3340BA33A}" type="slidenum">
+              <a:rPr lang="ru-RU" smtClean="0"/>
+              <a:t>‹#›</a:t>
+            </a:fld>
+            <a:endParaRPr lang="ru-RU"/>
+          </a:p>
+        </p:txBody>
+      </p:sp>
+    </p:spTree>
+    <p:extLst>
+      <p:ext uri="{BB962C8B-B14F-4D97-AF65-F5344CB8AC3E}">
+        <p14:creationId xmlns:p14="http://schemas.microsoft.com/office/powerpoint/2010/main" val="3864742794"/>
+      </p:ext>
+    </p:extLst>
+  </p:cSld>
+  <p:clrMap bg1="lt1" tx1="dk1" bg2="lt2" tx2="dk2" accent1="accent1" accent2="accent2" accent3="accent3" accent4="accent4" accent5="accent5" accent6="accent6" hlink="hlink" folHlink="folHlink"/>
+  <p:notesStyle>
+    <a:lvl1pPr marL="0" algn="l" defTabSz="914400" rtl="0" eaLnBrk="1" latinLnBrk="0" hangingPunct="1">
+      <a:defRPr sz="1200" kern="1200">
+        <a:solidFill>
+          <a:schemeClr val="tx1"/>
+        </a:solidFill>
+        <a:latin typeface="+mn-lt"/>
+        <a:ea typeface="+mn-ea"/>
+        <a:cs typeface="+mn-cs"/>
+      </a:defRPr>
+    </a:lvl1pPr>
+    <a:lvl2pPr marL="457200" algn="l" defTabSz="914400" rtl="0" eaLnBrk="1" latinLnBrk="0" hangingPunct="1">
+      <a:defRPr sz="1200" kern="1200">
+        <a:solidFill>
+          <a:schemeClr val="tx1"/>
+        </a:solidFill>
+        <a:latin typeface="+mn-lt"/>
+        <a:ea typeface="+mn-ea"/>
+        <a:cs typeface="+mn-cs"/>
+      </a:defRPr>
+    </a:lvl2pPr>
+    <a:lvl3pPr marL="914400" algn="l" defTabSz="914400" rtl="0" eaLnBrk="1" latinLnBrk="0" hangingPunct="1">
+      <a:defRPr sz="1200" kern="1200">
+        <a:solidFill>
+          <a:schemeClr val="tx1"/>
+        </a:solidFill>
+        <a:latin typeface="+mn-lt"/>
+        <a:ea typeface="+mn-ea"/>
+        <a:cs typeface="+mn-cs"/>
+      </a:defRPr>
+    </a:lvl3pPr>
+    <a:lvl4pPr marL="1371600" algn="l" defTabSz="914400" rtl="0" eaLnBrk="1" latinLnBrk="0" hangingPunct="1">
+      <a:defRPr sz="1200" kern="1200">
+        <a:solidFill>
+          <a:schemeClr val="tx1"/>
+        </a:solidFill>
+        <a:latin typeface="+mn-lt"/>
+        <a:ea typeface="+mn-ea"/>
+        <a:cs typeface="+mn-cs"/>
+      </a:defRPr>
+    </a:lvl4pPr>
+    <a:lvl5pPr marL="1828800" algn="l" defTabSz="914400" rtl="0" eaLnBrk="1" latinLnBrk="0" hangingPunct="1">
+      <a:defRPr sz="1200" kern="1200">
+        <a:solidFill>
+          <a:schemeClr val="tx1"/>
+        </a:solidFill>
+        <a:latin typeface="+mn-lt"/>
+        <a:ea typeface="+mn-ea"/>
+        <a:cs typeface="+mn-cs"/>
+      </a:defRPr>
+    </a:lvl5pPr>
+    <a:lvl6pPr marL="2286000" algn="l" defTabSz="914400" rtl="0" eaLnBrk="1" latinLnBrk="0" hangingPunct="1">
+      <a:defRPr sz="1200" kern="1200">
+        <a:solidFill>
+          <a:schemeClr val="tx1"/>
+        </a:solidFill>
+        <a:latin typeface="+mn-lt"/>
+        <a:ea typeface="+mn-ea"/>
+        <a:cs typeface="+mn-cs"/>
+      </a:defRPr>
+    </a:lvl6pPr>
+    <a:lvl7pPr marL="2743200" algn="l" defTabSz="914400" rtl="0" eaLnBrk="1" latinLnBrk="0" hangingPunct="1">
+      <a:defRPr sz="1200" kern="1200">
+        <a:solidFill>
+          <a:schemeClr val="tx1"/>
+        </a:solidFill>
+        <a:latin typeface="+mn-lt"/>
+        <a:ea typeface="+mn-ea"/>
+        <a:cs typeface="+mn-cs"/>
+      </a:defRPr>
+    </a:lvl7pPr>
+    <a:lvl8pPr marL="3200400" algn="l" defTabSz="914400" rtl="0" eaLnBrk="1" latinLnBrk="0" hangingPunct="1">
+      <a:defRPr sz="1200" kern="1200">
+        <a:solidFill>
+          <a:schemeClr val="tx1"/>
+        </a:solidFill>
+        <a:latin typeface="+mn-lt"/>
+        <a:ea typeface="+mn-ea"/>
+        <a:cs typeface="+mn-cs"/>
+      </a:defRPr>
+    </a:lvl8pPr>
+    <a:lvl9pPr marL="3657600" algn="l" defTabSz="914400" rtl="0" eaLnBrk="1" latinLnBrk="0" hangingPunct="1">
+      <a:defRPr sz="1200" kern="1200">
+        <a:solidFill>
+          <a:schemeClr val="tx1"/>
+        </a:solidFill>
+        <a:latin typeface="+mn-lt"/>
+        <a:ea typeface="+mn-ea"/>
+        <a:cs typeface="+mn-cs"/>
+      </a:defRPr>
+    </a:lvl9pPr>
+  </p:notesStyle>
+</p:notesMaster>
+</file>
+
+<file path=ppt/notesSlides/notesSlide1.xml><?xml version="1.0" encoding="utf-8"?>
+<p:notes xmlns:a="http://schemas.openxmlformats.org/drawingml/2006/main" xmlns:r="http://schemas.openxmlformats.org/officeDocument/2006/relationships" xmlns:p="http://schemas.openxmlformats.org/presentationml/2006/main">
+  <p:cSld>
+    <p:spTree>
+      <p:nvGrpSpPr>
+        <p:cNvPr id="1" name=""/>
+        <p:cNvGrpSpPr/>
+        <p:nvPr/>
+      </p:nvGrpSpPr>
+      <p:grpSpPr>
+        <a:xfrm>
+          <a:off x="0" y="0"/>
+          <a:ext cx="0" cy="0"/>
+          <a:chOff x="0" y="0"/>
+          <a:chExt cx="0" cy="0"/>
+        </a:xfrm>
+      </p:grpSpPr>
+      <p:sp>
+        <p:nvSpPr>
+          <p:cNvPr id="2" name="Образ слайда 1"/>
+          <p:cNvSpPr>
+            <a:spLocks noGrp="1" noRot="1" noChangeAspect="1"/>
+          </p:cNvSpPr>
+          <p:nvPr>
+            <p:ph type="sldImg"/>
+          </p:nvPr>
+        </p:nvSpPr>
+        <p:spPr/>
+      </p:sp>
+      <p:sp>
+        <p:nvSpPr>
+          <p:cNvPr id="3" name="Заметки 2"/>
+          <p:cNvSpPr>
+            <a:spLocks noGrp="1"/>
+          </p:cNvSpPr>
+          <p:nvPr>
+            <p:ph type="body" idx="1"/>
+          </p:nvPr>
+        </p:nvSpPr>
+        <p:spPr/>
+        <p:txBody>
+          <a:bodyPr/>
+          <a:lstStyle/>
+          <a:p>
+            <a:endParaRPr lang="ru-RU" dirty="0"/>
+          </a:p>
+        </p:txBody>
+      </p:sp>
+      <p:sp>
+        <p:nvSpPr>
+          <p:cNvPr id="4" name="Номер слайда 3"/>
+          <p:cNvSpPr>
+            <a:spLocks noGrp="1"/>
+          </p:cNvSpPr>
+          <p:nvPr>
+            <p:ph type="sldNum" sz="quarter" idx="5"/>
+          </p:nvPr>
+        </p:nvSpPr>
+        <p:spPr/>
+        <p:txBody>
+          <a:bodyPr/>
+          <a:lstStyle/>
+          <a:p>
+            <a:fld id="{B9DAF0DC-58A0-4B34-A3CD-6EF3340BA33A}" type="slidenum">
+              <a:rPr lang="ru-RU" smtClean="0"/>
+              <a:t>12</a:t>
+            </a:fld>
+            <a:endParaRPr lang="ru-RU"/>
+          </a:p>
+        </p:txBody>
+      </p:sp>
+    </p:spTree>
+    <p:extLst>
+      <p:ext uri="{BB962C8B-B14F-4D97-AF65-F5344CB8AC3E}">
+        <p14:creationId xmlns:p14="http://schemas.microsoft.com/office/powerpoint/2010/main" val="2419651063"/>
+      </p:ext>
+    </p:extLst>
+  </p:cSld>
+  <p:clrMapOvr>
+    <a:masterClrMapping/>
+  </p:clrMapOvr>
+</p:notes>
+</file>
+
 <file path=ppt/slideLayouts/slideLayout1.xml><?xml version="1.0" encoding="utf-8"?>
 <p:sldLayout xmlns:a="http://schemas.openxmlformats.org/drawingml/2006/main" xmlns:r="http://schemas.openxmlformats.org/officeDocument/2006/relationships" xmlns:p="http://schemas.openxmlformats.org/presentationml/2006/main" type="title" preserve="1">
   <p:cSld name="Титульный слайд">
@@ -308,7 +758,7 @@
           <a:noFill/>
           <a:extLst>
             <a:ext uri="{909E8E84-426E-40dd-AFC4-6F175D3DCCD1}">
-              <a14:hiddenFill xmlns:a14="http://schemas.microsoft.com/office/drawing/2010/main" xmlns="">
+              <a14:hiddenFill xmlns="" xmlns:a14="http://schemas.microsoft.com/office/drawing/2010/main">
                 <a:solidFill>
                   <a:srgbClr val="FFFFFF"/>
                 </a:solidFill>
@@ -368,7 +818,7 @@
             </a:ln>
             <a:extLst>
               <a:ext uri="{91240B29-F687-4f45-9708-019B960494DF}">
-                <a14:hiddenLine xmlns:a14="http://schemas.microsoft.com/office/drawing/2010/main" xmlns="" w="9525">
+                <a14:hiddenLine xmlns="" xmlns:a14="http://schemas.microsoft.com/office/drawing/2010/main" w="9525">
                   <a:solidFill>
                     <a:srgbClr val="000000"/>
                   </a:solidFill>
@@ -458,7 +908,7 @@
             </a:ln>
             <a:extLst>
               <a:ext uri="{91240B29-F687-4f45-9708-019B960494DF}">
-                <a14:hiddenLine xmlns:a14="http://schemas.microsoft.com/office/drawing/2010/main" xmlns="" w="9525">
+                <a14:hiddenLine xmlns="" xmlns:a14="http://schemas.microsoft.com/office/drawing/2010/main" w="9525">
                   <a:solidFill>
                     <a:srgbClr val="000000"/>
                   </a:solidFill>
@@ -548,7 +998,7 @@
             </a:ln>
             <a:extLst>
               <a:ext uri="{91240B29-F687-4f45-9708-019B960494DF}">
-                <a14:hiddenLine xmlns:a14="http://schemas.microsoft.com/office/drawing/2010/main" xmlns="" w="9525">
+                <a14:hiddenLine xmlns="" xmlns:a14="http://schemas.microsoft.com/office/drawing/2010/main" w="9525">
                   <a:solidFill>
                     <a:srgbClr val="000000"/>
                   </a:solidFill>
@@ -582,7 +1032,7 @@
             </a:ln>
             <a:extLst>
               <a:ext uri="{91240B29-F687-4f45-9708-019B960494DF}">
-                <a14:hiddenLine xmlns:a14="http://schemas.microsoft.com/office/drawing/2010/main" xmlns="" w="9525">
+                <a14:hiddenLine xmlns="" xmlns:a14="http://schemas.microsoft.com/office/drawing/2010/main" w="9525">
                   <a:solidFill>
                     <a:srgbClr val="000000"/>
                   </a:solidFill>
@@ -672,7 +1122,7 @@
             </a:ln>
             <a:extLst>
               <a:ext uri="{91240B29-F687-4f45-9708-019B960494DF}">
-                <a14:hiddenLine xmlns:a14="http://schemas.microsoft.com/office/drawing/2010/main" xmlns="" w="9525">
+                <a14:hiddenLine xmlns="" xmlns:a14="http://schemas.microsoft.com/office/drawing/2010/main" w="9525">
                   <a:solidFill>
                     <a:srgbClr val="000000"/>
                   </a:solidFill>
@@ -734,7 +1184,7 @@
             </a:ln>
             <a:extLst>
               <a:ext uri="{91240B29-F687-4f45-9708-019B960494DF}">
-                <a14:hiddenLine xmlns:a14="http://schemas.microsoft.com/office/drawing/2010/main" xmlns="" w="9525">
+                <a14:hiddenLine xmlns="" xmlns:a14="http://schemas.microsoft.com/office/drawing/2010/main" w="9525">
                   <a:solidFill>
                     <a:srgbClr val="000000"/>
                   </a:solidFill>
@@ -796,7 +1246,7 @@
             </a:ln>
             <a:extLst>
               <a:ext uri="{91240B29-F687-4f45-9708-019B960494DF}">
-                <a14:hiddenLine xmlns:a14="http://schemas.microsoft.com/office/drawing/2010/main" xmlns="" w="9525">
+                <a14:hiddenLine xmlns="" xmlns:a14="http://schemas.microsoft.com/office/drawing/2010/main" w="9525">
                   <a:solidFill>
                     <a:srgbClr val="000000"/>
                   </a:solidFill>
@@ -886,7 +1336,7 @@
             </a:ln>
             <a:extLst>
               <a:ext uri="{91240B29-F687-4f45-9708-019B960494DF}">
-                <a14:hiddenLine xmlns:a14="http://schemas.microsoft.com/office/drawing/2010/main" xmlns="" w="9525">
+                <a14:hiddenLine xmlns="" xmlns:a14="http://schemas.microsoft.com/office/drawing/2010/main" w="9525">
                   <a:solidFill>
                     <a:srgbClr val="000000"/>
                   </a:solidFill>
@@ -948,7 +1398,7 @@
             </a:ln>
             <a:extLst>
               <a:ext uri="{91240B29-F687-4f45-9708-019B960494DF}">
-                <a14:hiddenLine xmlns:a14="http://schemas.microsoft.com/office/drawing/2010/main" xmlns="" w="9525">
+                <a14:hiddenLine xmlns="" xmlns:a14="http://schemas.microsoft.com/office/drawing/2010/main" w="9525">
                   <a:solidFill>
                     <a:srgbClr val="000000"/>
                   </a:solidFill>
@@ -1010,7 +1460,7 @@
             </a:ln>
             <a:extLst>
               <a:ext uri="{91240B29-F687-4f45-9708-019B960494DF}">
-                <a14:hiddenLine xmlns:a14="http://schemas.microsoft.com/office/drawing/2010/main" xmlns="" w="9525">
+                <a14:hiddenLine xmlns="" xmlns:a14="http://schemas.microsoft.com/office/drawing/2010/main" w="9525">
                   <a:solidFill>
                     <a:srgbClr val="000000"/>
                   </a:solidFill>
@@ -1100,7 +1550,7 @@
             </a:ln>
             <a:extLst>
               <a:ext uri="{91240B29-F687-4f45-9708-019B960494DF}">
-                <a14:hiddenLine xmlns:a14="http://schemas.microsoft.com/office/drawing/2010/main" xmlns="" w="9525">
+                <a14:hiddenLine xmlns="" xmlns:a14="http://schemas.microsoft.com/office/drawing/2010/main" w="9525">
                   <a:solidFill>
                     <a:srgbClr val="000000"/>
                   </a:solidFill>
@@ -1190,7 +1640,7 @@
             </a:ln>
             <a:extLst>
               <a:ext uri="{91240B29-F687-4f45-9708-019B960494DF}">
-                <a14:hiddenLine xmlns:a14="http://schemas.microsoft.com/office/drawing/2010/main" xmlns="" w="9525">
+                <a14:hiddenLine xmlns="" xmlns:a14="http://schemas.microsoft.com/office/drawing/2010/main" w="9525">
                   <a:solidFill>
                     <a:srgbClr val="000000"/>
                   </a:solidFill>
@@ -1252,7 +1702,7 @@
             </a:ln>
             <a:extLst>
               <a:ext uri="{91240B29-F687-4f45-9708-019B960494DF}">
-                <a14:hiddenLine xmlns:a14="http://schemas.microsoft.com/office/drawing/2010/main" xmlns="" w="9525">
+                <a14:hiddenLine xmlns="" xmlns:a14="http://schemas.microsoft.com/office/drawing/2010/main" w="9525">
                   <a:solidFill>
                     <a:srgbClr val="000000"/>
                   </a:solidFill>
@@ -1362,7 +1812,7 @@
             </a:ln>
             <a:extLst>
               <a:ext uri="{91240B29-F687-4f45-9708-019B960494DF}">
-                <a14:hiddenLine xmlns:a14="http://schemas.microsoft.com/office/drawing/2010/main" xmlns="" w="9525">
+                <a14:hiddenLine xmlns="" xmlns:a14="http://schemas.microsoft.com/office/drawing/2010/main" w="9525">
                   <a:solidFill>
                     <a:srgbClr val="000000"/>
                   </a:solidFill>
@@ -1424,7 +1874,7 @@
             </a:ln>
             <a:extLst>
               <a:ext uri="{91240B29-F687-4f45-9708-019B960494DF}">
-                <a14:hiddenLine xmlns:a14="http://schemas.microsoft.com/office/drawing/2010/main" xmlns="" w="9525">
+                <a14:hiddenLine xmlns="" xmlns:a14="http://schemas.microsoft.com/office/drawing/2010/main" w="9525">
                   <a:solidFill>
                     <a:srgbClr val="000000"/>
                   </a:solidFill>
@@ -1514,7 +1964,7 @@
             </a:ln>
             <a:extLst>
               <a:ext uri="{91240B29-F687-4f45-9708-019B960494DF}">
-                <a14:hiddenLine xmlns:a14="http://schemas.microsoft.com/office/drawing/2010/main" xmlns="" w="9525">
+                <a14:hiddenLine xmlns="" xmlns:a14="http://schemas.microsoft.com/office/drawing/2010/main" w="9525">
                   <a:solidFill>
                     <a:srgbClr val="000000"/>
                   </a:solidFill>
@@ -1604,7 +2054,7 @@
             </a:ln>
             <a:extLst>
               <a:ext uri="{91240B29-F687-4f45-9708-019B960494DF}">
-                <a14:hiddenLine xmlns:a14="http://schemas.microsoft.com/office/drawing/2010/main" xmlns="" w="9525">
+                <a14:hiddenLine xmlns="" xmlns:a14="http://schemas.microsoft.com/office/drawing/2010/main" w="9525">
                   <a:solidFill>
                     <a:srgbClr val="000000"/>
                   </a:solidFill>
@@ -1666,7 +2116,7 @@
             </a:ln>
             <a:extLst>
               <a:ext uri="{91240B29-F687-4f45-9708-019B960494DF}">
-                <a14:hiddenLine xmlns:a14="http://schemas.microsoft.com/office/drawing/2010/main" xmlns="" w="9525">
+                <a14:hiddenLine xmlns="" xmlns:a14="http://schemas.microsoft.com/office/drawing/2010/main" w="9525">
                   <a:solidFill>
                     <a:srgbClr val="000000"/>
                   </a:solidFill>
@@ -1756,7 +2206,7 @@
             </a:ln>
             <a:extLst>
               <a:ext uri="{91240B29-F687-4f45-9708-019B960494DF}">
-                <a14:hiddenLine xmlns:a14="http://schemas.microsoft.com/office/drawing/2010/main" xmlns="" w="9525">
+                <a14:hiddenLine xmlns="" xmlns:a14="http://schemas.microsoft.com/office/drawing/2010/main" w="9525">
                   <a:solidFill>
                     <a:srgbClr val="000000"/>
                   </a:solidFill>
@@ -1846,7 +2296,7 @@
             </a:ln>
             <a:extLst>
               <a:ext uri="{91240B29-F687-4f45-9708-019B960494DF}">
-                <a14:hiddenLine xmlns:a14="http://schemas.microsoft.com/office/drawing/2010/main" xmlns="" w="9525">
+                <a14:hiddenLine xmlns="" xmlns:a14="http://schemas.microsoft.com/office/drawing/2010/main" w="9525">
                   <a:solidFill>
                     <a:srgbClr val="000000"/>
                   </a:solidFill>
@@ -1902,7 +2352,7 @@
             </a:ln>
             <a:extLst>
               <a:ext uri="{91240B29-F687-4f45-9708-019B960494DF}">
-                <a14:hiddenLine xmlns:a14="http://schemas.microsoft.com/office/drawing/2010/main" xmlns="" w="9525">
+                <a14:hiddenLine xmlns="" xmlns:a14="http://schemas.microsoft.com/office/drawing/2010/main" w="9525">
                   <a:solidFill>
                     <a:srgbClr val="000000"/>
                   </a:solidFill>
@@ -1992,7 +2442,7 @@
             </a:ln>
             <a:extLst>
               <a:ext uri="{91240B29-F687-4f45-9708-019B960494DF}">
-                <a14:hiddenLine xmlns:a14="http://schemas.microsoft.com/office/drawing/2010/main" xmlns="" w="9525">
+                <a14:hiddenLine xmlns="" xmlns:a14="http://schemas.microsoft.com/office/drawing/2010/main" w="9525">
                   <a:solidFill>
                     <a:srgbClr val="000000"/>
                   </a:solidFill>
@@ -2048,7 +2498,7 @@
             </a:ln>
             <a:extLst>
               <a:ext uri="{91240B29-F687-4f45-9708-019B960494DF}">
-                <a14:hiddenLine xmlns:a14="http://schemas.microsoft.com/office/drawing/2010/main" xmlns="" w="9525">
+                <a14:hiddenLine xmlns="" xmlns:a14="http://schemas.microsoft.com/office/drawing/2010/main" w="9525">
                   <a:solidFill>
                     <a:srgbClr val="000000"/>
                   </a:solidFill>
@@ -2138,7 +2588,7 @@
             </a:ln>
             <a:extLst>
               <a:ext uri="{91240B29-F687-4f45-9708-019B960494DF}">
-                <a14:hiddenLine xmlns:a14="http://schemas.microsoft.com/office/drawing/2010/main" xmlns="" w="9525">
+                <a14:hiddenLine xmlns="" xmlns:a14="http://schemas.microsoft.com/office/drawing/2010/main" w="9525">
                   <a:solidFill>
                     <a:srgbClr val="000000"/>
                   </a:solidFill>
@@ -2206,7 +2656,7 @@
             </a:ln>
             <a:extLst>
               <a:ext uri="{91240B29-F687-4f45-9708-019B960494DF}">
-                <a14:hiddenLine xmlns:a14="http://schemas.microsoft.com/office/drawing/2010/main" xmlns="" w="9525">
+                <a14:hiddenLine xmlns="" xmlns:a14="http://schemas.microsoft.com/office/drawing/2010/main" w="9525">
                   <a:solidFill>
                     <a:srgbClr val="000000"/>
                   </a:solidFill>
@@ -2296,7 +2746,7 @@
             </a:ln>
             <a:extLst>
               <a:ext uri="{91240B29-F687-4f45-9708-019B960494DF}">
-                <a14:hiddenLine xmlns:a14="http://schemas.microsoft.com/office/drawing/2010/main" xmlns="" w="9525">
+                <a14:hiddenLine xmlns="" xmlns:a14="http://schemas.microsoft.com/office/drawing/2010/main" w="9525">
                   <a:solidFill>
                     <a:srgbClr val="000000"/>
                   </a:solidFill>
@@ -2364,7 +2814,7 @@
             </a:ln>
             <a:extLst>
               <a:ext uri="{91240B29-F687-4f45-9708-019B960494DF}">
-                <a14:hiddenLine xmlns:a14="http://schemas.microsoft.com/office/drawing/2010/main" xmlns="" w="9525">
+                <a14:hiddenLine xmlns="" xmlns:a14="http://schemas.microsoft.com/office/drawing/2010/main" w="9525">
                   <a:solidFill>
                     <a:srgbClr val="000000"/>
                   </a:solidFill>
@@ -2454,7 +2904,7 @@
             </a:ln>
             <a:extLst>
               <a:ext uri="{91240B29-F687-4f45-9708-019B960494DF}">
-                <a14:hiddenLine xmlns:a14="http://schemas.microsoft.com/office/drawing/2010/main" xmlns="" w="9525">
+                <a14:hiddenLine xmlns="" xmlns:a14="http://schemas.microsoft.com/office/drawing/2010/main" w="9525">
                   <a:solidFill>
                     <a:srgbClr val="000000"/>
                   </a:solidFill>
@@ -2488,7 +2938,7 @@
             </a:ln>
             <a:extLst>
               <a:ext uri="{91240B29-F687-4f45-9708-019B960494DF}">
-                <a14:hiddenLine xmlns:a14="http://schemas.microsoft.com/office/drawing/2010/main" xmlns="" w="9525">
+                <a14:hiddenLine xmlns="" xmlns:a14="http://schemas.microsoft.com/office/drawing/2010/main" w="9525">
                   <a:solidFill>
                     <a:srgbClr val="000000"/>
                   </a:solidFill>
@@ -2578,7 +3028,7 @@
             </a:ln>
             <a:extLst>
               <a:ext uri="{91240B29-F687-4f45-9708-019B960494DF}">
-                <a14:hiddenLine xmlns:a14="http://schemas.microsoft.com/office/drawing/2010/main" xmlns="" w="9525">
+                <a14:hiddenLine xmlns="" xmlns:a14="http://schemas.microsoft.com/office/drawing/2010/main" w="9525">
                   <a:solidFill>
                     <a:srgbClr val="000000"/>
                   </a:solidFill>
@@ -2640,7 +3090,7 @@
             </a:ln>
             <a:extLst>
               <a:ext uri="{91240B29-F687-4f45-9708-019B960494DF}">
-                <a14:hiddenLine xmlns:a14="http://schemas.microsoft.com/office/drawing/2010/main" xmlns="" w="9525">
+                <a14:hiddenLine xmlns="" xmlns:a14="http://schemas.microsoft.com/office/drawing/2010/main" w="9525">
                   <a:solidFill>
                     <a:srgbClr val="000000"/>
                   </a:solidFill>
@@ -2702,7 +3152,7 @@
             </a:ln>
             <a:extLst>
               <a:ext uri="{91240B29-F687-4f45-9708-019B960494DF}">
-                <a14:hiddenLine xmlns:a14="http://schemas.microsoft.com/office/drawing/2010/main" xmlns="" w="9525">
+                <a14:hiddenLine xmlns="" xmlns:a14="http://schemas.microsoft.com/office/drawing/2010/main" w="9525">
                   <a:solidFill>
                     <a:srgbClr val="000000"/>
                   </a:solidFill>
@@ -2792,7 +3242,7 @@
             </a:ln>
             <a:extLst>
               <a:ext uri="{91240B29-F687-4f45-9708-019B960494DF}">
-                <a14:hiddenLine xmlns:a14="http://schemas.microsoft.com/office/drawing/2010/main" xmlns="" w="9525">
+                <a14:hiddenLine xmlns="" xmlns:a14="http://schemas.microsoft.com/office/drawing/2010/main" w="9525">
                   <a:solidFill>
                     <a:srgbClr val="000000"/>
                   </a:solidFill>
@@ -2860,7 +3310,7 @@
             </a:ln>
             <a:extLst>
               <a:ext uri="{91240B29-F687-4f45-9708-019B960494DF}">
-                <a14:hiddenLine xmlns:a14="http://schemas.microsoft.com/office/drawing/2010/main" xmlns="" w="9525">
+                <a14:hiddenLine xmlns="" xmlns:a14="http://schemas.microsoft.com/office/drawing/2010/main" w="9525">
                   <a:solidFill>
                     <a:srgbClr val="000000"/>
                   </a:solidFill>
@@ -2922,7 +3372,7 @@
             </a:ln>
             <a:extLst>
               <a:ext uri="{91240B29-F687-4f45-9708-019B960494DF}">
-                <a14:hiddenLine xmlns:a14="http://schemas.microsoft.com/office/drawing/2010/main" xmlns="" w="9525">
+                <a14:hiddenLine xmlns="" xmlns:a14="http://schemas.microsoft.com/office/drawing/2010/main" w="9525">
                   <a:solidFill>
                     <a:srgbClr val="000000"/>
                   </a:solidFill>
@@ -3012,7 +3462,7 @@
             </a:ln>
             <a:extLst>
               <a:ext uri="{91240B29-F687-4f45-9708-019B960494DF}">
-                <a14:hiddenLine xmlns:a14="http://schemas.microsoft.com/office/drawing/2010/main" xmlns="" w="9525">
+                <a14:hiddenLine xmlns="" xmlns:a14="http://schemas.microsoft.com/office/drawing/2010/main" w="9525">
                   <a:solidFill>
                     <a:srgbClr val="000000"/>
                   </a:solidFill>
@@ -3074,7 +3524,7 @@
             </a:ln>
             <a:extLst>
               <a:ext uri="{91240B29-F687-4f45-9708-019B960494DF}">
-                <a14:hiddenLine xmlns:a14="http://schemas.microsoft.com/office/drawing/2010/main" xmlns="" w="9525">
+                <a14:hiddenLine xmlns="" xmlns:a14="http://schemas.microsoft.com/office/drawing/2010/main" w="9525">
                   <a:solidFill>
                     <a:srgbClr val="000000"/>
                   </a:solidFill>
@@ -3164,7 +3614,7 @@
             </a:ln>
             <a:extLst>
               <a:ext uri="{91240B29-F687-4f45-9708-019B960494DF}">
-                <a14:hiddenLine xmlns:a14="http://schemas.microsoft.com/office/drawing/2010/main" xmlns="" w="9525">
+                <a14:hiddenLine xmlns="" xmlns:a14="http://schemas.microsoft.com/office/drawing/2010/main" w="9525">
                   <a:solidFill>
                     <a:srgbClr val="000000"/>
                   </a:solidFill>
@@ -3226,7 +3676,7 @@
             </a:ln>
             <a:extLst>
               <a:ext uri="{91240B29-F687-4f45-9708-019B960494DF}">
-                <a14:hiddenLine xmlns:a14="http://schemas.microsoft.com/office/drawing/2010/main" xmlns="" w="9525">
+                <a14:hiddenLine xmlns="" xmlns:a14="http://schemas.microsoft.com/office/drawing/2010/main" w="9525">
                   <a:solidFill>
                     <a:srgbClr val="000000"/>
                   </a:solidFill>
@@ -3316,7 +3766,7 @@
             </a:ln>
             <a:extLst>
               <a:ext uri="{91240B29-F687-4f45-9708-019B960494DF}">
-                <a14:hiddenLine xmlns:a14="http://schemas.microsoft.com/office/drawing/2010/main" xmlns="" w="9525">
+                <a14:hiddenLine xmlns="" xmlns:a14="http://schemas.microsoft.com/office/drawing/2010/main" w="9525">
                   <a:solidFill>
                     <a:srgbClr val="000000"/>
                   </a:solidFill>
@@ -3350,7 +3800,7 @@
             </a:ln>
             <a:extLst>
               <a:ext uri="{91240B29-F687-4f45-9708-019B960494DF}">
-                <a14:hiddenLine xmlns:a14="http://schemas.microsoft.com/office/drawing/2010/main" xmlns="" w="9525">
+                <a14:hiddenLine xmlns="" xmlns:a14="http://schemas.microsoft.com/office/drawing/2010/main" w="9525">
                   <a:solidFill>
                     <a:srgbClr val="000000"/>
                   </a:solidFill>
@@ -3415,7 +3865,7 @@
             </a:ln>
             <a:extLst>
               <a:ext uri="{91240B29-F687-4f45-9708-019B960494DF}">
-                <a14:hiddenLine xmlns:a14="http://schemas.microsoft.com/office/drawing/2010/main" xmlns="" w="9525">
+                <a14:hiddenLine xmlns="" xmlns:a14="http://schemas.microsoft.com/office/drawing/2010/main" w="9525">
                   <a:solidFill>
                     <a:srgbClr val="000000"/>
                   </a:solidFill>
@@ -3505,7 +3955,7 @@
             </a:ln>
             <a:extLst>
               <a:ext uri="{91240B29-F687-4f45-9708-019B960494DF}">
-                <a14:hiddenLine xmlns:a14="http://schemas.microsoft.com/office/drawing/2010/main" xmlns="" w="9525">
+                <a14:hiddenLine xmlns="" xmlns:a14="http://schemas.microsoft.com/office/drawing/2010/main" w="9525">
                   <a:solidFill>
                     <a:srgbClr val="000000"/>
                   </a:solidFill>
@@ -3567,7 +4017,7 @@
             </a:ln>
             <a:extLst>
               <a:ext uri="{91240B29-F687-4f45-9708-019B960494DF}">
-                <a14:hiddenLine xmlns:a14="http://schemas.microsoft.com/office/drawing/2010/main" xmlns="" w="9525">
+                <a14:hiddenLine xmlns="" xmlns:a14="http://schemas.microsoft.com/office/drawing/2010/main" w="9525">
                   <a:solidFill>
                     <a:srgbClr val="000000"/>
                   </a:solidFill>
@@ -3657,7 +4107,7 @@
             </a:ln>
             <a:extLst>
               <a:ext uri="{91240B29-F687-4f45-9708-019B960494DF}">
-                <a14:hiddenLine xmlns:a14="http://schemas.microsoft.com/office/drawing/2010/main" xmlns="" w="9525">
+                <a14:hiddenLine xmlns="" xmlns:a14="http://schemas.microsoft.com/office/drawing/2010/main" w="9525">
                   <a:solidFill>
                     <a:srgbClr val="000000"/>
                   </a:solidFill>
@@ -3747,7 +4197,7 @@
             </a:ln>
             <a:extLst>
               <a:ext uri="{91240B29-F687-4f45-9708-019B960494DF}">
-                <a14:hiddenLine xmlns:a14="http://schemas.microsoft.com/office/drawing/2010/main" xmlns="" w="9525">
+                <a14:hiddenLine xmlns="" xmlns:a14="http://schemas.microsoft.com/office/drawing/2010/main" w="9525">
                   <a:solidFill>
                     <a:srgbClr val="000000"/>
                   </a:solidFill>
@@ -3812,7 +4262,7 @@
             </a:ln>
             <a:extLst>
               <a:ext uri="{91240B29-F687-4f45-9708-019B960494DF}">
-                <a14:hiddenLine xmlns:a14="http://schemas.microsoft.com/office/drawing/2010/main" xmlns="" w="9525">
+                <a14:hiddenLine xmlns="" xmlns:a14="http://schemas.microsoft.com/office/drawing/2010/main" w="9525">
                   <a:solidFill>
                     <a:srgbClr val="000000"/>
                   </a:solidFill>
@@ -3874,7 +4324,7 @@
             </a:ln>
             <a:extLst>
               <a:ext uri="{91240B29-F687-4f45-9708-019B960494DF}">
-                <a14:hiddenLine xmlns:a14="http://schemas.microsoft.com/office/drawing/2010/main" xmlns="" w="9525">
+                <a14:hiddenLine xmlns="" xmlns:a14="http://schemas.microsoft.com/office/drawing/2010/main" w="9525">
                   <a:solidFill>
                     <a:srgbClr val="000000"/>
                   </a:solidFill>
@@ -3964,7 +4414,7 @@
             </a:ln>
             <a:extLst>
               <a:ext uri="{91240B29-F687-4f45-9708-019B960494DF}">
-                <a14:hiddenLine xmlns:a14="http://schemas.microsoft.com/office/drawing/2010/main" xmlns="" w="9525">
+                <a14:hiddenLine xmlns="" xmlns:a14="http://schemas.microsoft.com/office/drawing/2010/main" w="9525">
                   <a:solidFill>
                     <a:srgbClr val="000000"/>
                   </a:solidFill>
@@ -4054,7 +4504,7 @@
             </a:ln>
             <a:extLst>
               <a:ext uri="{91240B29-F687-4f45-9708-019B960494DF}">
-                <a14:hiddenLine xmlns:a14="http://schemas.microsoft.com/office/drawing/2010/main" xmlns="" w="9525">
+                <a14:hiddenLine xmlns="" xmlns:a14="http://schemas.microsoft.com/office/drawing/2010/main" w="9525">
                   <a:solidFill>
                     <a:srgbClr val="000000"/>
                   </a:solidFill>
@@ -4116,7 +4566,7 @@
             </a:ln>
             <a:extLst>
               <a:ext uri="{91240B29-F687-4f45-9708-019B960494DF}">
-                <a14:hiddenLine xmlns:a14="http://schemas.microsoft.com/office/drawing/2010/main" xmlns="" w="9525">
+                <a14:hiddenLine xmlns="" xmlns:a14="http://schemas.microsoft.com/office/drawing/2010/main" w="9525">
                   <a:solidFill>
                     <a:srgbClr val="000000"/>
                   </a:solidFill>
@@ -4236,7 +4686,7 @@
             </a:ln>
             <a:extLst>
               <a:ext uri="{91240B29-F687-4f45-9708-019B960494DF}">
-                <a14:hiddenLine xmlns:a14="http://schemas.microsoft.com/office/drawing/2010/main" xmlns="" w="9525">
+                <a14:hiddenLine xmlns="" xmlns:a14="http://schemas.microsoft.com/office/drawing/2010/main" w="9525">
                   <a:solidFill>
                     <a:srgbClr val="000000"/>
                   </a:solidFill>
@@ -4304,7 +4754,7 @@
             </a:ln>
             <a:extLst>
               <a:ext uri="{91240B29-F687-4f45-9708-019B960494DF}">
-                <a14:hiddenLine xmlns:a14="http://schemas.microsoft.com/office/drawing/2010/main" xmlns="" w="9525">
+                <a14:hiddenLine xmlns="" xmlns:a14="http://schemas.microsoft.com/office/drawing/2010/main" w="9525">
                   <a:solidFill>
                     <a:srgbClr val="000000"/>
                   </a:solidFill>
@@ -4394,7 +4844,7 @@
             </a:ln>
             <a:extLst>
               <a:ext uri="{91240B29-F687-4f45-9708-019B960494DF}">
-                <a14:hiddenLine xmlns:a14="http://schemas.microsoft.com/office/drawing/2010/main" xmlns="" w="9525">
+                <a14:hiddenLine xmlns="" xmlns:a14="http://schemas.microsoft.com/office/drawing/2010/main" w="9525">
                   <a:solidFill>
                     <a:srgbClr val="000000"/>
                   </a:solidFill>
@@ -4535,7 +4985,7 @@
             <a:fld id="{7EAF463A-BC7C-46EE-9F1E-7F377CCA4891}" type="datetimeFigureOut">
               <a:rPr lang="en-US" smtClean="0"/>
               <a:pPr/>
-              <a:t>12/8/2019</a:t>
+              <a:t>12/10/2019</a:t>
             </a:fld>
             <a:endParaRPr lang="en-US"/>
           </a:p>
@@ -4804,7 +5254,7 @@
             <a:fld id="{7EAF463A-BC7C-46EE-9F1E-7F377CCA4891}" type="datetimeFigureOut">
               <a:rPr lang="en-US" smtClean="0"/>
               <a:pPr/>
-              <a:t>12/8/2019</a:t>
+              <a:t>12/10/2019</a:t>
             </a:fld>
             <a:endParaRPr lang="en-US"/>
           </a:p>
@@ -5002,7 +5452,7 @@
             <a:fld id="{7EAF463A-BC7C-46EE-9F1E-7F377CCA4891}" type="datetimeFigureOut">
               <a:rPr lang="en-US" smtClean="0"/>
               <a:pPr/>
-              <a:t>12/8/2019</a:t>
+              <a:t>12/10/2019</a:t>
             </a:fld>
             <a:endParaRPr lang="en-US"/>
           </a:p>
@@ -5267,7 +5717,7 @@
             <a:fld id="{7EAF463A-BC7C-46EE-9F1E-7F377CCA4891}" type="datetimeFigureOut">
               <a:rPr lang="en-US" smtClean="0"/>
               <a:pPr/>
-              <a:t>12/8/2019</a:t>
+              <a:t>12/10/2019</a:t>
             </a:fld>
             <a:endParaRPr lang="en-US"/>
           </a:p>
@@ -5703,7 +6153,7 @@
             <a:fld id="{7EAF463A-BC7C-46EE-9F1E-7F377CCA4891}" type="datetimeFigureOut">
               <a:rPr lang="en-US" smtClean="0"/>
               <a:pPr/>
-              <a:t>12/8/2019</a:t>
+              <a:t>12/10/2019</a:t>
             </a:fld>
             <a:endParaRPr lang="en-US"/>
           </a:p>
@@ -6251,7 +6701,7 @@
             <a:fld id="{7EAF463A-BC7C-46EE-9F1E-7F377CCA4891}" type="datetimeFigureOut">
               <a:rPr lang="en-US" smtClean="0"/>
               <a:pPr/>
-              <a:t>12/8/2019</a:t>
+              <a:t>12/10/2019</a:t>
             </a:fld>
             <a:endParaRPr lang="en-US"/>
           </a:p>
@@ -6973,7 +7423,7 @@
             <a:fld id="{7EAF463A-BC7C-46EE-9F1E-7F377CCA4891}" type="datetimeFigureOut">
               <a:rPr lang="en-US" smtClean="0"/>
               <a:pPr/>
-              <a:t>12/8/2019</a:t>
+              <a:t>12/10/2019</a:t>
             </a:fld>
             <a:endParaRPr lang="en-US"/>
           </a:p>
@@ -7149,7 +7599,7 @@
             <a:fld id="{7EAF463A-BC7C-46EE-9F1E-7F377CCA4891}" type="datetimeFigureOut">
               <a:rPr lang="en-US" smtClean="0"/>
               <a:pPr/>
-              <a:t>12/8/2019</a:t>
+              <a:t>12/10/2019</a:t>
             </a:fld>
             <a:endParaRPr lang="en-US"/>
           </a:p>
@@ -7331,7 +7781,7 @@
             <a:fld id="{7EAF463A-BC7C-46EE-9F1E-7F377CCA4891}" type="datetimeFigureOut">
               <a:rPr lang="en-US" smtClean="0"/>
               <a:pPr/>
-              <a:t>12/8/2019</a:t>
+              <a:t>12/10/2019</a:t>
             </a:fld>
             <a:endParaRPr lang="en-US"/>
           </a:p>
@@ -7518,7 +7968,7 @@
             <a:fld id="{7EAF463A-BC7C-46EE-9F1E-7F377CCA4891}" type="datetimeFigureOut">
               <a:rPr lang="en-US" smtClean="0"/>
               <a:pPr/>
-              <a:t>12/8/2019</a:t>
+              <a:t>12/10/2019</a:t>
             </a:fld>
             <a:endParaRPr lang="en-US"/>
           </a:p>
@@ -7780,7 +8230,7 @@
             <a:fld id="{7EAF463A-BC7C-46EE-9F1E-7F377CCA4891}" type="datetimeFigureOut">
               <a:rPr lang="en-US" smtClean="0"/>
               <a:pPr/>
-              <a:t>12/8/2019</a:t>
+              <a:t>12/10/2019</a:t>
             </a:fld>
             <a:endParaRPr lang="en-US"/>
           </a:p>
@@ -8014,7 +8464,7 @@
             <a:fld id="{7EAF463A-BC7C-46EE-9F1E-7F377CCA4891}" type="datetimeFigureOut">
               <a:rPr lang="en-US" smtClean="0"/>
               <a:pPr/>
-              <a:t>12/8/2019</a:t>
+              <a:t>12/10/2019</a:t>
             </a:fld>
             <a:endParaRPr lang="en-US"/>
           </a:p>
@@ -8397,7 +8847,7 @@
             <a:fld id="{7EAF463A-BC7C-46EE-9F1E-7F377CCA4891}" type="datetimeFigureOut">
               <a:rPr lang="en-US" smtClean="0"/>
               <a:pPr/>
-              <a:t>12/8/2019</a:t>
+              <a:t>12/10/2019</a:t>
             </a:fld>
             <a:endParaRPr lang="en-US"/>
           </a:p>
@@ -8517,7 +8967,7 @@
             <a:fld id="{7EAF463A-BC7C-46EE-9F1E-7F377CCA4891}" type="datetimeFigureOut">
               <a:rPr lang="en-US" smtClean="0"/>
               <a:pPr/>
-              <a:t>12/8/2019</a:t>
+              <a:t>12/10/2019</a:t>
             </a:fld>
             <a:endParaRPr lang="en-US"/>
           </a:p>
@@ -8614,7 +9064,7 @@
             <a:fld id="{7EAF463A-BC7C-46EE-9F1E-7F377CCA4891}" type="datetimeFigureOut">
               <a:rPr lang="en-US" smtClean="0"/>
               <a:pPr/>
-              <a:t>12/8/2019</a:t>
+              <a:t>12/10/2019</a:t>
             </a:fld>
             <a:endParaRPr lang="en-US"/>
           </a:p>
@@ -8865,7 +9315,7 @@
             <a:fld id="{7EAF463A-BC7C-46EE-9F1E-7F377CCA4891}" type="datetimeFigureOut">
               <a:rPr lang="en-US" smtClean="0"/>
               <a:pPr/>
-              <a:t>12/8/2019</a:t>
+              <a:t>12/10/2019</a:t>
             </a:fld>
             <a:endParaRPr lang="en-US"/>
           </a:p>
@@ -9119,7 +9569,7 @@
             <a:fld id="{7EAF463A-BC7C-46EE-9F1E-7F377CCA4891}" type="datetimeFigureOut">
               <a:rPr lang="en-US" smtClean="0"/>
               <a:pPr/>
-              <a:t>12/8/2019</a:t>
+              <a:t>12/10/2019</a:t>
             </a:fld>
             <a:endParaRPr lang="en-US"/>
           </a:p>
@@ -9267,7 +9717,7 @@
           <a:noFill/>
           <a:extLst>
             <a:ext uri="{909E8E84-426E-40dd-AFC4-6F175D3DCCD1}">
-              <a14:hiddenFill xmlns:a14="http://schemas.microsoft.com/office/drawing/2010/main" xmlns="">
+              <a14:hiddenFill xmlns="" xmlns:a14="http://schemas.microsoft.com/office/drawing/2010/main">
                 <a:solidFill>
                   <a:srgbClr val="FFFFFF"/>
                 </a:solidFill>
@@ -9341,7 +9791,7 @@
               </a:ln>
               <a:extLst>
                 <a:ext uri="{91240B29-F687-4f45-9708-019B960494DF}">
-                  <a14:hiddenLine xmlns:a14="http://schemas.microsoft.com/office/drawing/2010/main" xmlns="" w="9525">
+                  <a14:hiddenLine xmlns="" xmlns:a14="http://schemas.microsoft.com/office/drawing/2010/main" w="9525">
                     <a:solidFill>
                       <a:srgbClr val="000000"/>
                     </a:solidFill>
@@ -9431,7 +9881,7 @@
               </a:ln>
               <a:extLst>
                 <a:ext uri="{91240B29-F687-4f45-9708-019B960494DF}">
-                  <a14:hiddenLine xmlns:a14="http://schemas.microsoft.com/office/drawing/2010/main" xmlns="" w="9525">
+                  <a14:hiddenLine xmlns="" xmlns:a14="http://schemas.microsoft.com/office/drawing/2010/main" w="9525">
                     <a:solidFill>
                       <a:srgbClr val="000000"/>
                     </a:solidFill>
@@ -9521,7 +9971,7 @@
               </a:ln>
               <a:extLst>
                 <a:ext uri="{91240B29-F687-4f45-9708-019B960494DF}">
-                  <a14:hiddenLine xmlns:a14="http://schemas.microsoft.com/office/drawing/2010/main" xmlns="" w="9525">
+                  <a14:hiddenLine xmlns="" xmlns:a14="http://schemas.microsoft.com/office/drawing/2010/main" w="9525">
                     <a:solidFill>
                       <a:srgbClr val="000000"/>
                     </a:solidFill>
@@ -9583,7 +10033,7 @@
               </a:ln>
               <a:extLst>
                 <a:ext uri="{91240B29-F687-4f45-9708-019B960494DF}">
-                  <a14:hiddenLine xmlns:a14="http://schemas.microsoft.com/office/drawing/2010/main" xmlns="" w="9525">
+                  <a14:hiddenLine xmlns="" xmlns:a14="http://schemas.microsoft.com/office/drawing/2010/main" w="9525">
                     <a:solidFill>
                       <a:srgbClr val="000000"/>
                     </a:solidFill>
@@ -9673,7 +10123,7 @@
               </a:ln>
               <a:extLst>
                 <a:ext uri="{91240B29-F687-4f45-9708-019B960494DF}">
-                  <a14:hiddenLine xmlns:a14="http://schemas.microsoft.com/office/drawing/2010/main" xmlns="" w="9525">
+                  <a14:hiddenLine xmlns="" xmlns:a14="http://schemas.microsoft.com/office/drawing/2010/main" w="9525">
                     <a:solidFill>
                       <a:srgbClr val="000000"/>
                     </a:solidFill>
@@ -9735,7 +10185,7 @@
               </a:ln>
               <a:extLst>
                 <a:ext uri="{91240B29-F687-4f45-9708-019B960494DF}">
-                  <a14:hiddenLine xmlns:a14="http://schemas.microsoft.com/office/drawing/2010/main" xmlns="" w="9525">
+                  <a14:hiddenLine xmlns="" xmlns:a14="http://schemas.microsoft.com/office/drawing/2010/main" w="9525">
                     <a:solidFill>
                       <a:srgbClr val="000000"/>
                     </a:solidFill>
@@ -9797,7 +10247,7 @@
               </a:ln>
               <a:extLst>
                 <a:ext uri="{91240B29-F687-4f45-9708-019B960494DF}">
-                  <a14:hiddenLine xmlns:a14="http://schemas.microsoft.com/office/drawing/2010/main" xmlns="" w="9525">
+                  <a14:hiddenLine xmlns="" xmlns:a14="http://schemas.microsoft.com/office/drawing/2010/main" w="9525">
                     <a:solidFill>
                       <a:srgbClr val="000000"/>
                     </a:solidFill>
@@ -9887,7 +10337,7 @@
               </a:ln>
               <a:extLst>
                 <a:ext uri="{91240B29-F687-4f45-9708-019B960494DF}">
-                  <a14:hiddenLine xmlns:a14="http://schemas.microsoft.com/office/drawing/2010/main" xmlns="" w="9525">
+                  <a14:hiddenLine xmlns="" xmlns:a14="http://schemas.microsoft.com/office/drawing/2010/main" w="9525">
                     <a:solidFill>
                       <a:srgbClr val="000000"/>
                     </a:solidFill>
@@ -9977,7 +10427,7 @@
               </a:ln>
               <a:extLst>
                 <a:ext uri="{91240B29-F687-4f45-9708-019B960494DF}">
-                  <a14:hiddenLine xmlns:a14="http://schemas.microsoft.com/office/drawing/2010/main" xmlns="" w="9525">
+                  <a14:hiddenLine xmlns="" xmlns:a14="http://schemas.microsoft.com/office/drawing/2010/main" w="9525">
                     <a:solidFill>
                       <a:srgbClr val="000000"/>
                     </a:solidFill>
@@ -10039,7 +10489,7 @@
               </a:ln>
               <a:extLst>
                 <a:ext uri="{91240B29-F687-4f45-9708-019B960494DF}">
-                  <a14:hiddenLine xmlns:a14="http://schemas.microsoft.com/office/drawing/2010/main" xmlns="" w="9525">
+                  <a14:hiddenLine xmlns="" xmlns:a14="http://schemas.microsoft.com/office/drawing/2010/main" w="9525">
                     <a:solidFill>
                       <a:srgbClr val="000000"/>
                     </a:solidFill>
@@ -10149,7 +10599,7 @@
               </a:ln>
               <a:extLst>
                 <a:ext uri="{91240B29-F687-4f45-9708-019B960494DF}">
-                  <a14:hiddenLine xmlns:a14="http://schemas.microsoft.com/office/drawing/2010/main" xmlns="" w="9525">
+                  <a14:hiddenLine xmlns="" xmlns:a14="http://schemas.microsoft.com/office/drawing/2010/main" w="9525">
                     <a:solidFill>
                       <a:srgbClr val="000000"/>
                     </a:solidFill>
@@ -10233,7 +10683,7 @@
               </a:ln>
               <a:extLst>
                 <a:ext uri="{91240B29-F687-4f45-9708-019B960494DF}">
-                  <a14:hiddenLine xmlns:a14="http://schemas.microsoft.com/office/drawing/2010/main" xmlns="" w="9525">
+                  <a14:hiddenLine xmlns="" xmlns:a14="http://schemas.microsoft.com/office/drawing/2010/main" w="9525">
                     <a:solidFill>
                       <a:srgbClr val="000000"/>
                     </a:solidFill>
@@ -10295,7 +10745,7 @@
               </a:ln>
               <a:extLst>
                 <a:ext uri="{91240B29-F687-4f45-9708-019B960494DF}">
-                  <a14:hiddenLine xmlns:a14="http://schemas.microsoft.com/office/drawing/2010/main" xmlns="" w="9525">
+                  <a14:hiddenLine xmlns="" xmlns:a14="http://schemas.microsoft.com/office/drawing/2010/main" w="9525">
                     <a:solidFill>
                       <a:srgbClr val="000000"/>
                     </a:solidFill>
@@ -10357,7 +10807,7 @@
               </a:ln>
               <a:extLst>
                 <a:ext uri="{91240B29-F687-4f45-9708-019B960494DF}">
-                  <a14:hiddenLine xmlns:a14="http://schemas.microsoft.com/office/drawing/2010/main" xmlns="" w="9525">
+                  <a14:hiddenLine xmlns="" xmlns:a14="http://schemas.microsoft.com/office/drawing/2010/main" w="9525">
                     <a:solidFill>
                       <a:srgbClr val="000000"/>
                     </a:solidFill>
@@ -10447,7 +10897,7 @@
               </a:ln>
               <a:extLst>
                 <a:ext uri="{91240B29-F687-4f45-9708-019B960494DF}">
-                  <a14:hiddenLine xmlns:a14="http://schemas.microsoft.com/office/drawing/2010/main" xmlns="" w="9525">
+                  <a14:hiddenLine xmlns="" xmlns:a14="http://schemas.microsoft.com/office/drawing/2010/main" w="9525">
                     <a:solidFill>
                       <a:srgbClr val="000000"/>
                     </a:solidFill>
@@ -10481,7 +10931,7 @@
               </a:ln>
               <a:extLst>
                 <a:ext uri="{91240B29-F687-4f45-9708-019B960494DF}">
-                  <a14:hiddenLine xmlns:a14="http://schemas.microsoft.com/office/drawing/2010/main" xmlns="" w="9525">
+                  <a14:hiddenLine xmlns="" xmlns:a14="http://schemas.microsoft.com/office/drawing/2010/main" w="9525">
                     <a:solidFill>
                       <a:srgbClr val="000000"/>
                     </a:solidFill>
@@ -10546,7 +10996,7 @@
               </a:ln>
               <a:extLst>
                 <a:ext uri="{91240B29-F687-4f45-9708-019B960494DF}">
-                  <a14:hiddenLine xmlns:a14="http://schemas.microsoft.com/office/drawing/2010/main" xmlns="" w="9525">
+                  <a14:hiddenLine xmlns="" xmlns:a14="http://schemas.microsoft.com/office/drawing/2010/main" w="9525">
                     <a:solidFill>
                       <a:srgbClr val="000000"/>
                     </a:solidFill>
@@ -10636,7 +11086,7 @@
               </a:ln>
               <a:extLst>
                 <a:ext uri="{91240B29-F687-4f45-9708-019B960494DF}">
-                  <a14:hiddenLine xmlns:a14="http://schemas.microsoft.com/office/drawing/2010/main" xmlns="" w="9525">
+                  <a14:hiddenLine xmlns="" xmlns:a14="http://schemas.microsoft.com/office/drawing/2010/main" w="9525">
                     <a:solidFill>
                       <a:srgbClr val="000000"/>
                     </a:solidFill>
@@ -10698,7 +11148,7 @@
               </a:ln>
               <a:extLst>
                 <a:ext uri="{91240B29-F687-4f45-9708-019B960494DF}">
-                  <a14:hiddenLine xmlns:a14="http://schemas.microsoft.com/office/drawing/2010/main" xmlns="" w="9525">
+                  <a14:hiddenLine xmlns="" xmlns:a14="http://schemas.microsoft.com/office/drawing/2010/main" w="9525">
                     <a:solidFill>
                       <a:srgbClr val="000000"/>
                     </a:solidFill>
@@ -10788,7 +11238,7 @@
               </a:ln>
               <a:extLst>
                 <a:ext uri="{91240B29-F687-4f45-9708-019B960494DF}">
-                  <a14:hiddenLine xmlns:a14="http://schemas.microsoft.com/office/drawing/2010/main" xmlns="" w="9525">
+                  <a14:hiddenLine xmlns="" xmlns:a14="http://schemas.microsoft.com/office/drawing/2010/main" w="9525">
                     <a:solidFill>
                       <a:srgbClr val="000000"/>
                     </a:solidFill>
@@ -10853,7 +11303,7 @@
               </a:ln>
               <a:extLst>
                 <a:ext uri="{91240B29-F687-4f45-9708-019B960494DF}">
-                  <a14:hiddenLine xmlns:a14="http://schemas.microsoft.com/office/drawing/2010/main" xmlns="" w="9525">
+                  <a14:hiddenLine xmlns="" xmlns:a14="http://schemas.microsoft.com/office/drawing/2010/main" w="9525">
                     <a:solidFill>
                       <a:srgbClr val="000000"/>
                     </a:solidFill>
@@ -10915,7 +11365,7 @@
               </a:ln>
               <a:extLst>
                 <a:ext uri="{91240B29-F687-4f45-9708-019B960494DF}">
-                  <a14:hiddenLine xmlns:a14="http://schemas.microsoft.com/office/drawing/2010/main" xmlns="" w="9525">
+                  <a14:hiddenLine xmlns="" xmlns:a14="http://schemas.microsoft.com/office/drawing/2010/main" w="9525">
                     <a:solidFill>
                       <a:srgbClr val="000000"/>
                     </a:solidFill>
@@ -11005,7 +11455,7 @@
               </a:ln>
               <a:extLst>
                 <a:ext uri="{91240B29-F687-4f45-9708-019B960494DF}">
-                  <a14:hiddenLine xmlns:a14="http://schemas.microsoft.com/office/drawing/2010/main" xmlns="" w="9525">
+                  <a14:hiddenLine xmlns="" xmlns:a14="http://schemas.microsoft.com/office/drawing/2010/main" w="9525">
                     <a:solidFill>
                       <a:srgbClr val="000000"/>
                     </a:solidFill>
@@ -11095,7 +11545,7 @@
               </a:ln>
               <a:extLst>
                 <a:ext uri="{91240B29-F687-4f45-9708-019B960494DF}">
-                  <a14:hiddenLine xmlns:a14="http://schemas.microsoft.com/office/drawing/2010/main" xmlns="" w="9525">
+                  <a14:hiddenLine xmlns="" xmlns:a14="http://schemas.microsoft.com/office/drawing/2010/main" w="9525">
                     <a:solidFill>
                       <a:srgbClr val="000000"/>
                     </a:solidFill>
@@ -11160,7 +11610,7 @@
               </a:ln>
               <a:extLst>
                 <a:ext uri="{91240B29-F687-4f45-9708-019B960494DF}">
-                  <a14:hiddenLine xmlns:a14="http://schemas.microsoft.com/office/drawing/2010/main" xmlns="" w="9525">
+                  <a14:hiddenLine xmlns="" xmlns:a14="http://schemas.microsoft.com/office/drawing/2010/main" w="9525">
                     <a:solidFill>
                       <a:srgbClr val="000000"/>
                     </a:solidFill>
@@ -11280,7 +11730,7 @@
               </a:ln>
               <a:extLst>
                 <a:ext uri="{91240B29-F687-4f45-9708-019B960494DF}">
-                  <a14:hiddenLine xmlns:a14="http://schemas.microsoft.com/office/drawing/2010/main" xmlns="" w="9525">
+                  <a14:hiddenLine xmlns="" xmlns:a14="http://schemas.microsoft.com/office/drawing/2010/main" w="9525">
                     <a:solidFill>
                       <a:srgbClr val="000000"/>
                     </a:solidFill>
@@ -11378,7 +11828,7 @@
               </a:ln>
               <a:extLst>
                 <a:ext uri="{91240B29-F687-4f45-9708-019B960494DF}">
-                  <a14:hiddenLine xmlns:a14="http://schemas.microsoft.com/office/drawing/2010/main" xmlns="" w="9525">
+                  <a14:hiddenLine xmlns="" xmlns:a14="http://schemas.microsoft.com/office/drawing/2010/main" w="9525">
                     <a:solidFill>
                       <a:srgbClr val="000000"/>
                     </a:solidFill>
@@ -11493,7 +11943,7 @@
               </a:ln>
               <a:extLst>
                 <a:ext uri="{91240B29-F687-4f45-9708-019B960494DF}">
-                  <a14:hiddenLine xmlns:a14="http://schemas.microsoft.com/office/drawing/2010/main" xmlns="" w="9525">
+                  <a14:hiddenLine xmlns="" xmlns:a14="http://schemas.microsoft.com/office/drawing/2010/main" w="9525">
                     <a:solidFill>
                       <a:srgbClr val="000000"/>
                     </a:solidFill>
@@ -11583,7 +12033,7 @@
               </a:ln>
               <a:extLst>
                 <a:ext uri="{91240B29-F687-4f45-9708-019B960494DF}">
-                  <a14:hiddenLine xmlns:a14="http://schemas.microsoft.com/office/drawing/2010/main" xmlns="" w="9525">
+                  <a14:hiddenLine xmlns="" xmlns:a14="http://schemas.microsoft.com/office/drawing/2010/main" w="9525">
                     <a:solidFill>
                       <a:srgbClr val="000000"/>
                     </a:solidFill>
@@ -11648,7 +12098,7 @@
               </a:ln>
               <a:extLst>
                 <a:ext uri="{91240B29-F687-4f45-9708-019B960494DF}">
-                  <a14:hiddenLine xmlns:a14="http://schemas.microsoft.com/office/drawing/2010/main" xmlns="" w="9525">
+                  <a14:hiddenLine xmlns="" xmlns:a14="http://schemas.microsoft.com/office/drawing/2010/main" w="9525">
                     <a:solidFill>
                       <a:srgbClr val="000000"/>
                     </a:solidFill>
@@ -11738,7 +12188,7 @@
               </a:ln>
               <a:extLst>
                 <a:ext uri="{91240B29-F687-4f45-9708-019B960494DF}">
-                  <a14:hiddenLine xmlns:a14="http://schemas.microsoft.com/office/drawing/2010/main" xmlns="" w="9525">
+                  <a14:hiddenLine xmlns="" xmlns:a14="http://schemas.microsoft.com/office/drawing/2010/main" w="9525">
                     <a:solidFill>
                       <a:srgbClr val="000000"/>
                     </a:solidFill>
@@ -11806,7 +12256,7 @@
               </a:ln>
               <a:extLst>
                 <a:ext uri="{91240B29-F687-4f45-9708-019B960494DF}">
-                  <a14:hiddenLine xmlns:a14="http://schemas.microsoft.com/office/drawing/2010/main" xmlns="" w="9525">
+                  <a14:hiddenLine xmlns="" xmlns:a14="http://schemas.microsoft.com/office/drawing/2010/main" w="9525">
                     <a:solidFill>
                       <a:srgbClr val="000000"/>
                     </a:solidFill>
@@ -11896,7 +12346,7 @@
               </a:ln>
               <a:extLst>
                 <a:ext uri="{91240B29-F687-4f45-9708-019B960494DF}">
-                  <a14:hiddenLine xmlns:a14="http://schemas.microsoft.com/office/drawing/2010/main" xmlns="" w="9525">
+                  <a14:hiddenLine xmlns="" xmlns:a14="http://schemas.microsoft.com/office/drawing/2010/main" w="9525">
                     <a:solidFill>
                       <a:srgbClr val="000000"/>
                     </a:solidFill>
@@ -11964,7 +12414,7 @@
               </a:ln>
               <a:extLst>
                 <a:ext uri="{91240B29-F687-4f45-9708-019B960494DF}">
-                  <a14:hiddenLine xmlns:a14="http://schemas.microsoft.com/office/drawing/2010/main" xmlns="" w="9525">
+                  <a14:hiddenLine xmlns="" xmlns:a14="http://schemas.microsoft.com/office/drawing/2010/main" w="9525">
                     <a:solidFill>
                       <a:srgbClr val="000000"/>
                     </a:solidFill>
@@ -12054,7 +12504,7 @@
               </a:ln>
               <a:extLst>
                 <a:ext uri="{91240B29-F687-4f45-9708-019B960494DF}">
-                  <a14:hiddenLine xmlns:a14="http://schemas.microsoft.com/office/drawing/2010/main" xmlns="" w="9525">
+                  <a14:hiddenLine xmlns="" xmlns:a14="http://schemas.microsoft.com/office/drawing/2010/main" w="9525">
                     <a:solidFill>
                       <a:srgbClr val="000000"/>
                     </a:solidFill>
@@ -12088,7 +12538,7 @@
               </a:ln>
               <a:extLst>
                 <a:ext uri="{91240B29-F687-4f45-9708-019B960494DF}">
-                  <a14:hiddenLine xmlns:a14="http://schemas.microsoft.com/office/drawing/2010/main" xmlns="" w="9525">
+                  <a14:hiddenLine xmlns="" xmlns:a14="http://schemas.microsoft.com/office/drawing/2010/main" w="9525">
                     <a:solidFill>
                       <a:srgbClr val="000000"/>
                     </a:solidFill>
@@ -12229,7 +12679,7 @@
             <a:fld id="{7EAF463A-BC7C-46EE-9F1E-7F377CCA4891}" type="datetimeFigureOut">
               <a:rPr lang="en-US" smtClean="0"/>
               <a:pPr/>
-              <a:t>12/8/2019</a:t>
+              <a:t>12/10/2019</a:t>
             </a:fld>
             <a:endParaRPr lang="en-US"/>
           </a:p>
@@ -12917,274 +13367,165 @@
       </p:grpSpPr>
       <p:sp>
         <p:nvSpPr>
-          <p:cNvPr id="5" name="Объект 2">
+          <p:cNvPr id="2" name="Прямоугольник 1">
             <a:extLst>
               <a:ext uri="{FF2B5EF4-FFF2-40B4-BE49-F238E27FC236}">
-                <a16:creationId xmlns:a16="http://schemas.microsoft.com/office/drawing/2014/main" id="{57BF9525-EF74-4614-97B0-E9ED6EA3A9E0}"/>
+                <a16:creationId xmlns:a16="http://schemas.microsoft.com/office/drawing/2014/main" id="{ECEDBA4B-B4C7-4358-9C1B-BADADF89DCB7}"/>
               </a:ext>
             </a:extLst>
           </p:cNvPr>
-          <p:cNvSpPr txBox="1">
-            <a:spLocks/>
-          </p:cNvSpPr>
+          <p:cNvSpPr/>
           <p:nvPr/>
         </p:nvSpPr>
         <p:spPr>
           <a:xfrm>
-            <a:off x="1835696" y="428787"/>
-            <a:ext cx="6020195" cy="1354089"/>
+            <a:off x="1187624" y="332656"/>
+            <a:ext cx="6768752" cy="1077218"/>
           </a:xfrm>
           <a:prstGeom prst="rect">
             <a:avLst/>
           </a:prstGeom>
         </p:spPr>
         <p:txBody>
-          <a:bodyPr/>
-          <a:lstStyle>
-            <a:lvl1pPr marL="228600" indent="-228600" algn="l" defTabSz="914400" rtl="0" eaLnBrk="1" latinLnBrk="0" hangingPunct="1">
-              <a:lnSpc>
-                <a:spcPct val="120000"/>
-              </a:lnSpc>
-              <a:spcBef>
-                <a:spcPts val="1000"/>
-              </a:spcBef>
-              <a:buSzPct val="125000"/>
-              <a:buFont typeface="Arial" panose="020B0604020202020204" pitchFamily="34" charset="0"/>
-              <a:buChar char="•"/>
-              <a:defRPr sz="2400" kern="1200">
-                <a:solidFill>
-                  <a:schemeClr val="tx1"/>
-                </a:solidFill>
-                <a:latin typeface="+mn-lt"/>
-                <a:ea typeface="+mn-ea"/>
-                <a:cs typeface="+mn-cs"/>
-              </a:defRPr>
-            </a:lvl1pPr>
-            <a:lvl2pPr marL="685800" indent="-228600" algn="l" defTabSz="914400" rtl="0" eaLnBrk="1" latinLnBrk="0" hangingPunct="1">
-              <a:lnSpc>
-                <a:spcPct val="120000"/>
-              </a:lnSpc>
-              <a:spcBef>
-                <a:spcPts val="500"/>
-              </a:spcBef>
-              <a:buSzPct val="125000"/>
-              <a:buFont typeface="Arial" panose="020B0604020202020204" pitchFamily="34" charset="0"/>
-              <a:buChar char="•"/>
-              <a:defRPr sz="2000" kern="1200">
-                <a:solidFill>
-                  <a:schemeClr val="tx1"/>
-                </a:solidFill>
-                <a:latin typeface="+mn-lt"/>
-                <a:ea typeface="+mn-ea"/>
-                <a:cs typeface="+mn-cs"/>
-              </a:defRPr>
-            </a:lvl2pPr>
-            <a:lvl3pPr marL="1143000" indent="-228600" algn="l" defTabSz="914400" rtl="0" eaLnBrk="1" latinLnBrk="0" hangingPunct="1">
-              <a:lnSpc>
-                <a:spcPct val="120000"/>
-              </a:lnSpc>
-              <a:spcBef>
-                <a:spcPts val="500"/>
-              </a:spcBef>
-              <a:buSzPct val="125000"/>
-              <a:buFont typeface="Arial" panose="020B0604020202020204" pitchFamily="34" charset="0"/>
-              <a:buChar char="•"/>
-              <a:defRPr sz="1800" kern="1200">
-                <a:solidFill>
-                  <a:schemeClr val="tx1"/>
-                </a:solidFill>
-                <a:latin typeface="+mn-lt"/>
-                <a:ea typeface="+mn-ea"/>
-                <a:cs typeface="+mn-cs"/>
-              </a:defRPr>
-            </a:lvl3pPr>
-            <a:lvl4pPr marL="1600200" indent="-228600" algn="l" defTabSz="914400" rtl="0" eaLnBrk="1" latinLnBrk="0" hangingPunct="1">
-              <a:lnSpc>
-                <a:spcPct val="120000"/>
-              </a:lnSpc>
-              <a:spcBef>
-                <a:spcPts val="500"/>
-              </a:spcBef>
-              <a:buSzPct val="125000"/>
-              <a:buFont typeface="Arial" panose="020B0604020202020204" pitchFamily="34" charset="0"/>
-              <a:buChar char="•"/>
-              <a:defRPr sz="1600" kern="1200">
-                <a:solidFill>
-                  <a:schemeClr val="tx1"/>
-                </a:solidFill>
-                <a:latin typeface="+mn-lt"/>
-                <a:ea typeface="+mn-ea"/>
-                <a:cs typeface="+mn-cs"/>
-              </a:defRPr>
-            </a:lvl4pPr>
-            <a:lvl5pPr marL="2057400" indent="-228600" algn="l" defTabSz="914400" rtl="0" eaLnBrk="1" latinLnBrk="0" hangingPunct="1">
-              <a:lnSpc>
-                <a:spcPct val="120000"/>
-              </a:lnSpc>
-              <a:spcBef>
-                <a:spcPts val="500"/>
-              </a:spcBef>
-              <a:buSzPct val="125000"/>
-              <a:buFont typeface="Arial" panose="020B0604020202020204" pitchFamily="34" charset="0"/>
-              <a:buChar char="•"/>
-              <a:defRPr sz="1600" kern="1200">
-                <a:solidFill>
-                  <a:schemeClr val="tx1"/>
-                </a:solidFill>
-                <a:latin typeface="+mn-lt"/>
-                <a:ea typeface="+mn-ea"/>
-                <a:cs typeface="+mn-cs"/>
-              </a:defRPr>
-            </a:lvl5pPr>
-            <a:lvl6pPr marL="2514600" indent="-228600" algn="l" defTabSz="914400" rtl="0" eaLnBrk="1" latinLnBrk="0" hangingPunct="1">
-              <a:lnSpc>
-                <a:spcPct val="120000"/>
-              </a:lnSpc>
-              <a:spcBef>
-                <a:spcPts val="500"/>
-              </a:spcBef>
-              <a:buSzPct val="125000"/>
-              <a:buFont typeface="Arial" panose="020B0604020202020204" pitchFamily="34" charset="0"/>
-              <a:buChar char="•"/>
-              <a:defRPr sz="1400" kern="1200">
-                <a:solidFill>
-                  <a:schemeClr val="tx1"/>
-                </a:solidFill>
-                <a:latin typeface="+mn-lt"/>
-                <a:ea typeface="+mn-ea"/>
-                <a:cs typeface="+mn-cs"/>
-              </a:defRPr>
-            </a:lvl6pPr>
-            <a:lvl7pPr marL="2971800" indent="-228600" algn="l" defTabSz="914400" rtl="0" eaLnBrk="1" latinLnBrk="0" hangingPunct="1">
-              <a:lnSpc>
-                <a:spcPct val="120000"/>
-              </a:lnSpc>
-              <a:spcBef>
-                <a:spcPts val="500"/>
-              </a:spcBef>
-              <a:buSzPct val="125000"/>
-              <a:buFont typeface="Arial" panose="020B0604020202020204" pitchFamily="34" charset="0"/>
-              <a:buChar char="•"/>
-              <a:defRPr sz="1400" kern="1200">
-                <a:solidFill>
-                  <a:schemeClr val="tx1"/>
-                </a:solidFill>
-                <a:latin typeface="+mn-lt"/>
-                <a:ea typeface="+mn-ea"/>
-                <a:cs typeface="+mn-cs"/>
-              </a:defRPr>
-            </a:lvl7pPr>
-            <a:lvl8pPr marL="3429000" indent="-228600" algn="l" defTabSz="914400" rtl="0" eaLnBrk="1" latinLnBrk="0" hangingPunct="1">
-              <a:lnSpc>
-                <a:spcPct val="120000"/>
-              </a:lnSpc>
-              <a:spcBef>
-                <a:spcPts val="500"/>
-              </a:spcBef>
-              <a:buSzPct val="125000"/>
-              <a:buFont typeface="Arial" panose="020B0604020202020204" pitchFamily="34" charset="0"/>
-              <a:buChar char="•"/>
-              <a:defRPr sz="1400" kern="1200">
-                <a:solidFill>
-                  <a:schemeClr val="tx1"/>
-                </a:solidFill>
-                <a:latin typeface="+mn-lt"/>
-                <a:ea typeface="+mn-ea"/>
-                <a:cs typeface="+mn-cs"/>
-              </a:defRPr>
-            </a:lvl8pPr>
-            <a:lvl9pPr marL="3886200" indent="-228600" algn="l" defTabSz="914400" rtl="0" eaLnBrk="1" latinLnBrk="0" hangingPunct="1">
-              <a:lnSpc>
-                <a:spcPct val="120000"/>
-              </a:lnSpc>
-              <a:spcBef>
-                <a:spcPts val="500"/>
-              </a:spcBef>
-              <a:buSzPct val="125000"/>
-              <a:buFont typeface="Arial" panose="020B0604020202020204" pitchFamily="34" charset="0"/>
-              <a:buChar char="•"/>
-              <a:defRPr sz="1400" kern="1200">
-                <a:solidFill>
-                  <a:schemeClr val="tx1"/>
-                </a:solidFill>
-                <a:latin typeface="+mn-lt"/>
-                <a:ea typeface="+mn-ea"/>
-                <a:cs typeface="+mn-cs"/>
-              </a:defRPr>
-            </a:lvl9pPr>
-          </a:lstStyle>
-          <a:p>
-            <a:pPr marL="0" indent="0">
-              <a:buFont typeface="Arial" panose="020B0604020202020204" pitchFamily="34" charset="0"/>
-              <a:buNone/>
-            </a:pPr>
-            <a:r>
-              <a:rPr lang="ru-RU" dirty="0">
-                <a:solidFill>
-                  <a:schemeClr val="bg1"/>
+          <a:bodyPr wrap="square">
+            <a:spAutoFit/>
+          </a:bodyPr>
+          <a:lstStyle/>
+          <a:p>
+            <a:r>
+              <a:rPr lang="ru-RU" sz="3200" dirty="0">
+                <a:solidFill>
+                  <a:schemeClr val="bg2">
+                    <a:lumMod val="50000"/>
+                  </a:schemeClr>
                 </a:solidFill>
               </a:rPr>
-              <a:t>Распределенная система </a:t>
-            </a:r>
-            <a:r>
-              <a:rPr lang="en-US" dirty="0">
-                <a:solidFill>
-                  <a:schemeClr val="bg1"/>
-                </a:solidFill>
-              </a:rPr>
-              <a:t>(DCS)</a:t>
-            </a:r>
-            <a:endParaRPr lang="ru-RU" dirty="0">
-              <a:solidFill>
-                <a:schemeClr val="bg1"/>
-              </a:solidFill>
-            </a:endParaRPr>
+              <a:t>Факторы, учитываемые при планировании сетевых приложений</a:t>
+            </a:r>
           </a:p>
         </p:txBody>
       </p:sp>
-      <p:pic>
-        <p:nvPicPr>
-          <p:cNvPr id="3" name="Рисунок 2">
+      <p:sp>
+        <p:nvSpPr>
+          <p:cNvPr id="3" name="Прямоугольник 2">
             <a:extLst>
               <a:ext uri="{FF2B5EF4-FFF2-40B4-BE49-F238E27FC236}">
-                <a16:creationId xmlns:a16="http://schemas.microsoft.com/office/drawing/2014/main" id="{44D6DADD-006C-453A-A20F-864AF8C548BA}"/>
+                <a16:creationId xmlns:a16="http://schemas.microsoft.com/office/drawing/2014/main" id="{B5BC6CE6-3B97-4C89-9AA6-5A97B3AC5578}"/>
               </a:ext>
             </a:extLst>
           </p:cNvPr>
-          <p:cNvPicPr>
-            <a:picLocks noChangeAspect="1"/>
-          </p:cNvPicPr>
+          <p:cNvSpPr/>
           <p:nvPr/>
-        </p:nvPicPr>
-        <p:blipFill>
-          <a:blip r:embed="rId2">
-            <a:extLst>
-              <a:ext uri="{28A0092B-C50C-407E-A947-70E740481C1C}">
-                <a14:useLocalDpi xmlns:a14="http://schemas.microsoft.com/office/drawing/2010/main" val="0"/>
-              </a:ext>
-            </a:extLst>
-          </a:blip>
-          <a:stretch>
-            <a:fillRect/>
-          </a:stretch>
-        </p:blipFill>
+        </p:nvSpPr>
         <p:spPr>
           <a:xfrm>
-            <a:off x="1835696" y="1268760"/>
-            <a:ext cx="5876179" cy="4922559"/>
+            <a:off x="755576" y="2090172"/>
+            <a:ext cx="8280920" cy="2308324"/>
           </a:xfrm>
           <a:prstGeom prst="rect">
             <a:avLst/>
           </a:prstGeom>
-          <a:effectLst>
-            <a:softEdge rad="127000"/>
-          </a:effectLst>
         </p:spPr>
-      </p:pic>
+        <p:txBody>
+          <a:bodyPr wrap="square">
+            <a:spAutoFit/>
+          </a:bodyPr>
+          <a:lstStyle/>
+          <a:p>
+            <a:r>
+              <a:rPr lang="ru-RU" sz="2400" dirty="0">
+                <a:solidFill>
+                  <a:schemeClr val="bg2">
+                    <a:lumMod val="50000"/>
+                  </a:schemeClr>
+                </a:solidFill>
+              </a:rPr>
+              <a:t>Независимо от архитектуры необходимо учитывать следующие факторы: </a:t>
+            </a:r>
+            <a:endParaRPr lang="en-US" sz="2400" dirty="0">
+              <a:solidFill>
+                <a:schemeClr val="bg2">
+                  <a:lumMod val="50000"/>
+                </a:schemeClr>
+              </a:solidFill>
+            </a:endParaRPr>
+          </a:p>
+          <a:p>
+            <a:r>
+              <a:rPr lang="ru-RU" sz="2400" dirty="0">
+                <a:solidFill>
+                  <a:schemeClr val="bg2">
+                    <a:lumMod val="50000"/>
+                  </a:schemeClr>
+                </a:solidFill>
+              </a:rPr>
+              <a:t>• доступ к источникам данных ввода-вывода; </a:t>
+            </a:r>
+            <a:endParaRPr lang="en-US" sz="2400" dirty="0">
+              <a:solidFill>
+                <a:schemeClr val="bg2">
+                  <a:lumMod val="50000"/>
+                </a:schemeClr>
+              </a:solidFill>
+            </a:endParaRPr>
+          </a:p>
+          <a:p>
+            <a:r>
+              <a:rPr lang="ru-RU" sz="2400" dirty="0">
+                <a:solidFill>
+                  <a:schemeClr val="bg2">
+                    <a:lumMod val="50000"/>
+                  </a:schemeClr>
+                </a:solidFill>
+              </a:rPr>
+              <a:t>• доступ к разделяемым файлам; </a:t>
+            </a:r>
+            <a:endParaRPr lang="en-US" sz="2400" dirty="0">
+              <a:solidFill>
+                <a:schemeClr val="bg2">
+                  <a:lumMod val="50000"/>
+                </a:schemeClr>
+              </a:solidFill>
+            </a:endParaRPr>
+          </a:p>
+          <a:p>
+            <a:r>
+              <a:rPr lang="ru-RU" sz="2400" dirty="0">
+                <a:solidFill>
+                  <a:schemeClr val="bg2">
+                    <a:lumMod val="50000"/>
+                  </a:schemeClr>
+                </a:solidFill>
+              </a:rPr>
+              <a:t>• место регистрации данных; </a:t>
+            </a:r>
+            <a:endParaRPr lang="en-US" sz="2400" dirty="0">
+              <a:solidFill>
+                <a:schemeClr val="bg2">
+                  <a:lumMod val="50000"/>
+                </a:schemeClr>
+              </a:solidFill>
+            </a:endParaRPr>
+          </a:p>
+          <a:p>
+            <a:r>
+              <a:rPr lang="ru-RU" sz="2400" dirty="0">
+                <a:solidFill>
+                  <a:schemeClr val="bg2">
+                    <a:lumMod val="50000"/>
+                  </a:schemeClr>
+                </a:solidFill>
+              </a:rPr>
+              <a:t>• особые требования, обусловленные сетью.</a:t>
+            </a:r>
+            <a:endParaRPr lang="ru-RU" sz="2400" dirty="0"/>
+          </a:p>
+        </p:txBody>
+      </p:sp>
     </p:spTree>
     <p:extLst>
       <p:ext uri="{BB962C8B-B14F-4D97-AF65-F5344CB8AC3E}">
-        <p14:creationId xmlns:p14="http://schemas.microsoft.com/office/powerpoint/2010/main" val="3033753804"/>
+        <p14:creationId xmlns:p14="http://schemas.microsoft.com/office/powerpoint/2010/main" val="282490486"/>
       </p:ext>
     </p:extLst>
   </p:cSld>
@@ -13213,10 +13554,10 @@
       </p:grpSpPr>
       <p:sp>
         <p:nvSpPr>
-          <p:cNvPr id="2" name="Прямоугольник 1">
+          <p:cNvPr id="4" name="Прямоугольник 3">
             <a:extLst>
               <a:ext uri="{FF2B5EF4-FFF2-40B4-BE49-F238E27FC236}">
-                <a16:creationId xmlns:a16="http://schemas.microsoft.com/office/drawing/2014/main" id="{4F2277F6-5F5C-44B7-B992-D47DA6A8861D}"/>
+                <a16:creationId xmlns:a16="http://schemas.microsoft.com/office/drawing/2014/main" id="{03BF0B7D-389A-4873-99D8-BB679AE106DA}"/>
               </a:ext>
             </a:extLst>
           </p:cNvPr>
@@ -13225,8 +13566,8 @@
         </p:nvSpPr>
         <p:spPr>
           <a:xfrm>
-            <a:off x="2699792" y="476672"/>
-            <a:ext cx="3240360" cy="707886"/>
+            <a:off x="800708" y="1426548"/>
+            <a:ext cx="7830616" cy="461665"/>
           </a:xfrm>
           <a:prstGeom prst="rect">
             <a:avLst/>
@@ -13238,50 +13579,32 @@
           </a:bodyPr>
           <a:lstStyle/>
           <a:p>
-            <a:pPr algn="ctr"/>
-            <a:r>
-              <a:rPr lang="ru-RU" sz="4000" dirty="0" err="1">
+            <a:r>
+              <a:rPr lang="en-US" sz="2400" dirty="0">
                 <a:solidFill>
                   <a:schemeClr val="bg2">
-                    <a:lumMod val="75000"/>
+                    <a:lumMod val="50000"/>
                   </a:schemeClr>
                 </a:solidFill>
-                <a:latin typeface="+mj-lt"/>
-                <a:ea typeface="Calibri" panose="020F0502020204030204" pitchFamily="34" charset="0"/>
-                <a:cs typeface="Times New Roman" panose="02020603050405020304" pitchFamily="18" charset="0"/>
               </a:rPr>
-              <a:t>WinCC</a:t>
-            </a:r>
-            <a:r>
-              <a:rPr lang="ru-RU" sz="4000" dirty="0">
-                <a:solidFill>
-                  <a:schemeClr val="bg2">
-                    <a:lumMod val="75000"/>
-                  </a:schemeClr>
-                </a:solidFill>
-                <a:latin typeface="+mj-lt"/>
-                <a:ea typeface="Calibri" panose="020F0502020204030204" pitchFamily="34" charset="0"/>
-                <a:cs typeface="Times New Roman" panose="02020603050405020304" pitchFamily="18" charset="0"/>
-              </a:rPr>
-              <a:t> OA</a:t>
-            </a:r>
-            <a:endParaRPr lang="ru-RU" sz="4000" dirty="0">
+              <a:t>	</a:t>
+            </a:r>
+            <a:endParaRPr lang="ru-RU" sz="2400" dirty="0">
               <a:solidFill>
                 <a:schemeClr val="bg2">
-                  <a:lumMod val="75000"/>
+                  <a:lumMod val="50000"/>
                 </a:schemeClr>
               </a:solidFill>
-              <a:latin typeface="+mj-lt"/>
             </a:endParaRPr>
           </a:p>
         </p:txBody>
       </p:sp>
       <p:sp>
         <p:nvSpPr>
-          <p:cNvPr id="3" name="Прямоугольник 2">
+          <p:cNvPr id="6" name="Прямоугольник 5">
             <a:extLst>
               <a:ext uri="{FF2B5EF4-FFF2-40B4-BE49-F238E27FC236}">
-                <a16:creationId xmlns:a16="http://schemas.microsoft.com/office/drawing/2014/main" id="{589890B5-A84B-4A00-A685-91CB7D81EE7A}"/>
+                <a16:creationId xmlns:a16="http://schemas.microsoft.com/office/drawing/2014/main" id="{AB292E0B-A7CB-4CBA-A38D-66E5CF66F617}"/>
               </a:ext>
             </a:extLst>
           </p:cNvPr>
@@ -13290,8 +13613,260 @@
         </p:nvSpPr>
         <p:spPr>
           <a:xfrm>
-            <a:off x="971600" y="1184558"/>
-            <a:ext cx="7632848" cy="5519588"/>
+            <a:off x="1331640" y="841773"/>
+            <a:ext cx="6168484" cy="584775"/>
+          </a:xfrm>
+          <a:prstGeom prst="rect">
+            <a:avLst/>
+          </a:prstGeom>
+        </p:spPr>
+        <p:txBody>
+          <a:bodyPr wrap="none">
+            <a:spAutoFit/>
+          </a:bodyPr>
+          <a:lstStyle/>
+          <a:p>
+            <a:r>
+              <a:rPr lang="ru-RU" sz="3200" dirty="0">
+                <a:solidFill>
+                  <a:schemeClr val="bg2">
+                    <a:lumMod val="50000"/>
+                  </a:schemeClr>
+                </a:solidFill>
+              </a:rPr>
+              <a:t>Глобальные адреса ввода-вывода</a:t>
+            </a:r>
+          </a:p>
+        </p:txBody>
+      </p:sp>
+      <p:pic>
+        <p:nvPicPr>
+          <p:cNvPr id="8" name="Рисунок 7">
+            <a:extLst>
+              <a:ext uri="{FF2B5EF4-FFF2-40B4-BE49-F238E27FC236}">
+                <a16:creationId xmlns:a16="http://schemas.microsoft.com/office/drawing/2014/main" id="{AA3BA316-A9E1-445C-9F90-8F5E0A6E4F4C}"/>
+              </a:ext>
+            </a:extLst>
+          </p:cNvPr>
+          <p:cNvPicPr>
+            <a:picLocks noChangeAspect="1"/>
+          </p:cNvPicPr>
+          <p:nvPr/>
+        </p:nvPicPr>
+        <p:blipFill>
+          <a:blip r:embed="rId2">
+            <a:extLst>
+              <a:ext uri="{28A0092B-C50C-407E-A947-70E740481C1C}">
+                <a14:useLocalDpi xmlns:a14="http://schemas.microsoft.com/office/drawing/2010/main" val="0"/>
+              </a:ext>
+            </a:extLst>
+          </a:blip>
+          <a:stretch>
+            <a:fillRect/>
+          </a:stretch>
+        </p:blipFill>
+        <p:spPr>
+          <a:xfrm>
+            <a:off x="964739" y="1860682"/>
+            <a:ext cx="7502554" cy="2447500"/>
+          </a:xfrm>
+          <a:prstGeom prst="rect">
+            <a:avLst/>
+          </a:prstGeom>
+        </p:spPr>
+      </p:pic>
+    </p:spTree>
+    <p:extLst>
+      <p:ext uri="{BB962C8B-B14F-4D97-AF65-F5344CB8AC3E}">
+        <p14:creationId xmlns:p14="http://schemas.microsoft.com/office/powerpoint/2010/main" val="1801005145"/>
+      </p:ext>
+    </p:extLst>
+  </p:cSld>
+  <p:clrMapOvr>
+    <a:masterClrMapping/>
+  </p:clrMapOvr>
+</p:sld>
+</file>
+
+<file path=ppt/slides/slide12.xml><?xml version="1.0" encoding="utf-8"?>
+<p:sld xmlns:a="http://schemas.openxmlformats.org/drawingml/2006/main" xmlns:r="http://schemas.openxmlformats.org/officeDocument/2006/relationships" xmlns:p="http://schemas.openxmlformats.org/presentationml/2006/main">
+  <p:cSld>
+    <p:spTree>
+      <p:nvGrpSpPr>
+        <p:cNvPr id="1" name=""/>
+        <p:cNvGrpSpPr/>
+        <p:nvPr/>
+      </p:nvGrpSpPr>
+      <p:grpSpPr>
+        <a:xfrm>
+          <a:off x="0" y="0"/>
+          <a:ext cx="0" cy="0"/>
+          <a:chOff x="0" y="0"/>
+          <a:chExt cx="0" cy="0"/>
+        </a:xfrm>
+      </p:grpSpPr>
+      <p:sp>
+        <p:nvSpPr>
+          <p:cNvPr id="2" name="Прямоугольник 1">
+            <a:extLst>
+              <a:ext uri="{FF2B5EF4-FFF2-40B4-BE49-F238E27FC236}">
+                <a16:creationId xmlns:a16="http://schemas.microsoft.com/office/drawing/2014/main" id="{04C473A7-4287-44D3-B665-A2EB1C012D61}"/>
+              </a:ext>
+            </a:extLst>
+          </p:cNvPr>
+          <p:cNvSpPr/>
+          <p:nvPr/>
+        </p:nvSpPr>
+        <p:spPr>
+          <a:xfrm>
+            <a:off x="1691680" y="764704"/>
+            <a:ext cx="6038833" cy="584775"/>
+          </a:xfrm>
+          <a:prstGeom prst="rect">
+            <a:avLst/>
+          </a:prstGeom>
+        </p:spPr>
+        <p:txBody>
+          <a:bodyPr wrap="none">
+            <a:spAutoFit/>
+          </a:bodyPr>
+          <a:lstStyle/>
+          <a:p>
+            <a:r>
+              <a:rPr lang="ru-RU" sz="3200" dirty="0">
+                <a:solidFill>
+                  <a:schemeClr val="bg2">
+                    <a:lumMod val="50000"/>
+                  </a:schemeClr>
+                </a:solidFill>
+              </a:rPr>
+              <a:t>Локальные адреса ввода-вывода</a:t>
+            </a:r>
+          </a:p>
+        </p:txBody>
+      </p:sp>
+      <p:pic>
+        <p:nvPicPr>
+          <p:cNvPr id="4" name="Рисунок 3">
+            <a:extLst>
+              <a:ext uri="{FF2B5EF4-FFF2-40B4-BE49-F238E27FC236}">
+                <a16:creationId xmlns:a16="http://schemas.microsoft.com/office/drawing/2014/main" id="{7B970C69-E7CF-443D-909B-264B5AEE924F}"/>
+              </a:ext>
+            </a:extLst>
+          </p:cNvPr>
+          <p:cNvPicPr>
+            <a:picLocks noChangeAspect="1"/>
+          </p:cNvPicPr>
+          <p:nvPr/>
+        </p:nvPicPr>
+        <p:blipFill>
+          <a:blip r:embed="rId3">
+            <a:extLst>
+              <a:ext uri="{28A0092B-C50C-407E-A947-70E740481C1C}">
+                <a14:useLocalDpi xmlns:a14="http://schemas.microsoft.com/office/drawing/2010/main" val="0"/>
+              </a:ext>
+            </a:extLst>
+          </a:blip>
+          <a:stretch>
+            <a:fillRect/>
+          </a:stretch>
+        </p:blipFill>
+        <p:spPr>
+          <a:xfrm>
+            <a:off x="794004" y="1988840"/>
+            <a:ext cx="7555992" cy="3099726"/>
+          </a:xfrm>
+          <a:prstGeom prst="rect">
+            <a:avLst/>
+          </a:prstGeom>
+        </p:spPr>
+      </p:pic>
+    </p:spTree>
+    <p:extLst>
+      <p:ext uri="{BB962C8B-B14F-4D97-AF65-F5344CB8AC3E}">
+        <p14:creationId xmlns:p14="http://schemas.microsoft.com/office/powerpoint/2010/main" val="3817764206"/>
+      </p:ext>
+    </p:extLst>
+  </p:cSld>
+  <p:clrMapOvr>
+    <a:masterClrMapping/>
+  </p:clrMapOvr>
+</p:sld>
+</file>
+
+<file path=ppt/slides/slide13.xml><?xml version="1.0" encoding="utf-8"?>
+<p:sld xmlns:a="http://schemas.openxmlformats.org/drawingml/2006/main" xmlns:r="http://schemas.openxmlformats.org/officeDocument/2006/relationships" xmlns:p="http://schemas.openxmlformats.org/presentationml/2006/main">
+  <p:cSld>
+    <p:spTree>
+      <p:nvGrpSpPr>
+        <p:cNvPr id="1" name=""/>
+        <p:cNvGrpSpPr/>
+        <p:nvPr/>
+      </p:nvGrpSpPr>
+      <p:grpSpPr>
+        <a:xfrm>
+          <a:off x="0" y="0"/>
+          <a:ext cx="0" cy="0"/>
+          <a:chOff x="0" y="0"/>
+          <a:chExt cx="0" cy="0"/>
+        </a:xfrm>
+      </p:grpSpPr>
+      <p:sp>
+        <p:nvSpPr>
+          <p:cNvPr id="2" name="Прямоугольник 1">
+            <a:extLst>
+              <a:ext uri="{FF2B5EF4-FFF2-40B4-BE49-F238E27FC236}">
+                <a16:creationId xmlns:a16="http://schemas.microsoft.com/office/drawing/2014/main" id="{429C3251-09CF-4069-AD01-B965AE759ABF}"/>
+              </a:ext>
+            </a:extLst>
+          </p:cNvPr>
+          <p:cNvSpPr/>
+          <p:nvPr/>
+        </p:nvSpPr>
+        <p:spPr>
+          <a:xfrm>
+            <a:off x="1835696" y="692696"/>
+            <a:ext cx="5724259" cy="584775"/>
+          </a:xfrm>
+          <a:prstGeom prst="rect">
+            <a:avLst/>
+          </a:prstGeom>
+        </p:spPr>
+        <p:txBody>
+          <a:bodyPr wrap="none">
+            <a:spAutoFit/>
+          </a:bodyPr>
+          <a:lstStyle/>
+          <a:p>
+            <a:r>
+              <a:rPr lang="ru-RU" sz="3200" dirty="0">
+                <a:solidFill>
+                  <a:schemeClr val="bg2">
+                    <a:lumMod val="50000"/>
+                  </a:schemeClr>
+                </a:solidFill>
+              </a:rPr>
+              <a:t>Доступ к разделяемым файлам</a:t>
+            </a:r>
+          </a:p>
+        </p:txBody>
+      </p:sp>
+      <p:sp>
+        <p:nvSpPr>
+          <p:cNvPr id="4" name="Прямоугольник 3">
+            <a:extLst>
+              <a:ext uri="{FF2B5EF4-FFF2-40B4-BE49-F238E27FC236}">
+                <a16:creationId xmlns:a16="http://schemas.microsoft.com/office/drawing/2014/main" id="{E7F44BAA-FCC1-4242-8334-5B03798E1C50}"/>
+              </a:ext>
+            </a:extLst>
+          </p:cNvPr>
+          <p:cNvSpPr/>
+          <p:nvPr/>
+        </p:nvSpPr>
+        <p:spPr>
+          <a:xfrm>
+            <a:off x="1110895" y="2465765"/>
+            <a:ext cx="7173859" cy="954107"/>
           </a:xfrm>
           <a:prstGeom prst="rect">
             <a:avLst/>
@@ -13303,363 +13878,593 @@
           </a:bodyPr>
           <a:lstStyle/>
           <a:p>
-            <a:pPr>
-              <a:lnSpc>
-                <a:spcPct val="107000"/>
-              </a:lnSpc>
-              <a:buSzPts val="1000"/>
-              <a:tabLst>
-                <a:tab pos="408940" algn="l"/>
-              </a:tabLst>
-            </a:pPr>
-            <a:r>
-              <a:rPr lang="ru-RU" sz="2000" dirty="0">
+            <a:r>
+              <a:rPr lang="ru-RU" sz="2800" dirty="0">
                 <a:solidFill>
                   <a:schemeClr val="bg2">
-                    <a:lumMod val="75000"/>
+                    <a:lumMod val="50000"/>
                   </a:schemeClr>
                 </a:solidFill>
-                <a:latin typeface="+mj-lt"/>
               </a:rPr>
-              <a:t>Возможности: </a:t>
-            </a:r>
-          </a:p>
-          <a:p>
-            <a:pPr marL="342900" indent="-342900">
-              <a:lnSpc>
-                <a:spcPct val="107000"/>
-              </a:lnSpc>
-              <a:buSzPts val="1000"/>
-              <a:buFont typeface="Arial" panose="020B0604020202020204" pitchFamily="34" charset="0"/>
-              <a:buChar char="•"/>
-              <a:tabLst>
-                <a:tab pos="408940" algn="l"/>
-              </a:tabLst>
-            </a:pPr>
-            <a:r>
-              <a:rPr lang="ru-RU" dirty="0">
+              <a:t>• глобальные адреса сетевого файл-сервера; </a:t>
+            </a:r>
+          </a:p>
+          <a:p>
+            <a:r>
+              <a:rPr lang="ru-RU" sz="2800" dirty="0">
                 <a:solidFill>
                   <a:schemeClr val="bg2">
-                    <a:lumMod val="75000"/>
+                    <a:lumMod val="50000"/>
                   </a:schemeClr>
                 </a:solidFill>
               </a:rPr>
-              <a:t>Горячее резервирование и резервирование центра управления </a:t>
-            </a:r>
-            <a:endParaRPr lang="ru-RU" dirty="0">
-              <a:solidFill>
-                <a:schemeClr val="bg2">
-                  <a:lumMod val="75000"/>
-                </a:schemeClr>
-              </a:solidFill>
-              <a:ea typeface="Calibri" panose="020F0502020204030204" pitchFamily="34" charset="0"/>
-              <a:cs typeface="Times New Roman" panose="02020603050405020304" pitchFamily="18" charset="0"/>
-            </a:endParaRPr>
-          </a:p>
-          <a:p>
-            <a:pPr marL="342900" lvl="0" indent="-342900">
-              <a:lnSpc>
-                <a:spcPct val="107000"/>
-              </a:lnSpc>
-              <a:spcAft>
-                <a:spcPts val="0"/>
-              </a:spcAft>
-              <a:buSzPts val="1000"/>
-              <a:buFont typeface="Arial" panose="020B0604020202020204" pitchFamily="34" charset="0"/>
-              <a:buChar char="•"/>
-              <a:tabLst>
-                <a:tab pos="408940" algn="l"/>
-              </a:tabLst>
-            </a:pPr>
-            <a:r>
-              <a:rPr lang="ru-RU" dirty="0">
-                <a:solidFill>
-                  <a:schemeClr val="bg2">
-                    <a:lumMod val="75000"/>
-                  </a:schemeClr>
-                </a:solidFill>
-                <a:ea typeface="Calibri" panose="020F0502020204030204" pitchFamily="34" charset="0"/>
-                <a:cs typeface="Times New Roman" panose="02020603050405020304" pitchFamily="18" charset="0"/>
-              </a:rPr>
-              <a:t>Формирование отчётов</a:t>
-            </a:r>
-          </a:p>
-          <a:p>
-            <a:pPr marL="342900" lvl="0" indent="-342900">
-              <a:lnSpc>
-                <a:spcPct val="107000"/>
-              </a:lnSpc>
-              <a:spcAft>
-                <a:spcPts val="0"/>
-              </a:spcAft>
-              <a:buSzPts val="1000"/>
-              <a:buFont typeface="Arial" panose="020B0604020202020204" pitchFamily="34" charset="0"/>
-              <a:buChar char="•"/>
-              <a:tabLst>
-                <a:tab pos="408940" algn="l"/>
-              </a:tabLst>
-            </a:pPr>
-            <a:r>
-              <a:rPr lang="ru-RU" dirty="0">
-                <a:solidFill>
-                  <a:schemeClr val="bg2">
-                    <a:lumMod val="75000"/>
-                  </a:schemeClr>
-                </a:solidFill>
-                <a:ea typeface="Calibri" panose="020F0502020204030204" pitchFamily="34" charset="0"/>
-                <a:cs typeface="Times New Roman" panose="02020603050405020304" pitchFamily="18" charset="0"/>
-              </a:rPr>
-              <a:t>Встроенный набор драйверов, протоколов и иных интеграционных средств </a:t>
-            </a:r>
-          </a:p>
-          <a:p>
-            <a:pPr marL="342900" lvl="0" indent="-342900">
-              <a:lnSpc>
-                <a:spcPct val="107000"/>
-              </a:lnSpc>
-              <a:spcAft>
-                <a:spcPts val="0"/>
-              </a:spcAft>
-              <a:buSzPts val="1000"/>
-              <a:buFont typeface="Arial" panose="020B0604020202020204" pitchFamily="34" charset="0"/>
-              <a:buChar char="•"/>
-              <a:tabLst>
-                <a:tab pos="408940" algn="l"/>
-              </a:tabLst>
-            </a:pPr>
-            <a:r>
-              <a:rPr lang="ru-RU" dirty="0">
-                <a:solidFill>
-                  <a:schemeClr val="bg2">
-                    <a:lumMod val="75000"/>
-                  </a:schemeClr>
-                </a:solidFill>
-                <a:ea typeface="Calibri" panose="020F0502020204030204" pitchFamily="34" charset="0"/>
-                <a:cs typeface="Times New Roman" panose="02020603050405020304" pitchFamily="18" charset="0"/>
-              </a:rPr>
-              <a:t>Возможность бесшовной интеграции</a:t>
-            </a:r>
-          </a:p>
-          <a:p>
-            <a:pPr marL="342900" lvl="0" indent="-342900">
-              <a:lnSpc>
-                <a:spcPct val="107000"/>
-              </a:lnSpc>
-              <a:spcAft>
-                <a:spcPts val="0"/>
-              </a:spcAft>
-              <a:buSzPts val="1000"/>
-              <a:buFont typeface="Arial" panose="020B0604020202020204" pitchFamily="34" charset="0"/>
-              <a:buChar char="•"/>
-              <a:tabLst>
-                <a:tab pos="408940" algn="l"/>
-              </a:tabLst>
-            </a:pPr>
-            <a:r>
-              <a:rPr lang="ru-RU" dirty="0">
-                <a:solidFill>
-                  <a:schemeClr val="bg2">
-                    <a:lumMod val="75000"/>
-                  </a:schemeClr>
-                </a:solidFill>
-                <a:ea typeface="Calibri" panose="020F0502020204030204" pitchFamily="34" charset="0"/>
-                <a:cs typeface="Times New Roman" panose="02020603050405020304" pitchFamily="18" charset="0"/>
-              </a:rPr>
-              <a:t>Стыковка с корпоративными информационными системами (MES, ERP, BI, PIMS, EMI…).</a:t>
-            </a:r>
-          </a:p>
-          <a:p>
-            <a:pPr marL="342900" lvl="0" indent="-342900">
-              <a:lnSpc>
-                <a:spcPct val="107000"/>
-              </a:lnSpc>
-              <a:spcAft>
-                <a:spcPts val="800"/>
-              </a:spcAft>
-              <a:buSzPts val="1000"/>
-              <a:buFont typeface="Arial" panose="020B0604020202020204" pitchFamily="34" charset="0"/>
-              <a:buChar char="•"/>
-              <a:tabLst>
-                <a:tab pos="408940" algn="l"/>
-              </a:tabLst>
-            </a:pPr>
-            <a:r>
-              <a:rPr lang="ru-RU" dirty="0">
-                <a:solidFill>
-                  <a:schemeClr val="bg2">
-                    <a:lumMod val="75000"/>
-                  </a:schemeClr>
-                </a:solidFill>
-                <a:ea typeface="Calibri" panose="020F0502020204030204" pitchFamily="34" charset="0"/>
-                <a:cs typeface="Times New Roman" panose="02020603050405020304" pitchFamily="18" charset="0"/>
-              </a:rPr>
-              <a:t>Стандартные и специализированные протоколы для организации межуровневого транспорта в т.ч. для каналов связи с низкой пропускной способностью.</a:t>
-            </a:r>
-          </a:p>
-          <a:p>
-            <a:pPr marL="342900" lvl="0" indent="-342900">
-              <a:lnSpc>
-                <a:spcPct val="107000"/>
-              </a:lnSpc>
-              <a:spcAft>
-                <a:spcPts val="800"/>
-              </a:spcAft>
-              <a:buSzPts val="1000"/>
-              <a:buFont typeface="Arial" panose="020B0604020202020204" pitchFamily="34" charset="0"/>
-              <a:buChar char="•"/>
-              <a:tabLst>
-                <a:tab pos="408940" algn="l"/>
-              </a:tabLst>
-            </a:pPr>
-            <a:r>
-              <a:rPr lang="ru-RU" dirty="0">
-                <a:solidFill>
-                  <a:schemeClr val="bg2">
-                    <a:lumMod val="75000"/>
-                  </a:schemeClr>
-                </a:solidFill>
-              </a:rPr>
-              <a:t>Возможность создания распределённых систем – до 2 048 серверов </a:t>
-            </a:r>
-            <a:r>
-              <a:rPr lang="ru-RU" dirty="0" err="1">
-                <a:solidFill>
-                  <a:schemeClr val="bg2">
-                    <a:lumMod val="75000"/>
-                  </a:schemeClr>
-                </a:solidFill>
-              </a:rPr>
-              <a:t>WinCC</a:t>
-            </a:r>
-            <a:r>
-              <a:rPr lang="ru-RU" dirty="0">
-                <a:solidFill>
-                  <a:schemeClr val="bg2">
-                    <a:lumMod val="75000"/>
-                  </a:schemeClr>
-                </a:solidFill>
-              </a:rPr>
-              <a:t> OA</a:t>
-            </a:r>
-          </a:p>
-          <a:p>
-            <a:pPr marL="342900" indent="-342900">
-              <a:lnSpc>
-                <a:spcPct val="107000"/>
-              </a:lnSpc>
-              <a:spcAft>
-                <a:spcPts val="800"/>
-              </a:spcAft>
-              <a:buSzPts val="1000"/>
-              <a:buFont typeface="Arial" panose="020B0604020202020204" pitchFamily="34" charset="0"/>
-              <a:buChar char="•"/>
-              <a:tabLst>
-                <a:tab pos="408940" algn="l"/>
-              </a:tabLst>
-            </a:pPr>
-            <a:r>
-              <a:rPr lang="ru-RU" dirty="0">
-                <a:solidFill>
-                  <a:schemeClr val="bg2">
-                    <a:lumMod val="75000"/>
-                  </a:schemeClr>
-                </a:solidFill>
-              </a:rPr>
-              <a:t>Широкий спектр драйверов и возможностей обмена данными – OPC, OPC UA, S7, </a:t>
-            </a:r>
-            <a:r>
-              <a:rPr lang="ru-RU" dirty="0" err="1">
-                <a:solidFill>
-                  <a:schemeClr val="bg2">
-                    <a:lumMod val="75000"/>
-                  </a:schemeClr>
-                </a:solidFill>
-              </a:rPr>
-              <a:t>Modbus</a:t>
-            </a:r>
-            <a:r>
-              <a:rPr lang="ru-RU" dirty="0">
-                <a:solidFill>
-                  <a:schemeClr val="bg2">
-                    <a:lumMod val="75000"/>
-                  </a:schemeClr>
-                </a:solidFill>
-              </a:rPr>
-              <a:t>, </a:t>
-            </a:r>
-            <a:r>
-              <a:rPr lang="ru-RU" dirty="0" err="1">
-                <a:solidFill>
-                  <a:schemeClr val="bg2">
-                    <a:lumMod val="75000"/>
-                  </a:schemeClr>
-                </a:solidFill>
-              </a:rPr>
-              <a:t>Rockwell</a:t>
-            </a:r>
-            <a:r>
-              <a:rPr lang="ru-RU" dirty="0">
-                <a:solidFill>
-                  <a:schemeClr val="bg2">
-                    <a:lumMod val="75000"/>
-                  </a:schemeClr>
-                </a:solidFill>
-              </a:rPr>
-              <a:t> </a:t>
-            </a:r>
-            <a:r>
-              <a:rPr lang="ru-RU" dirty="0" err="1">
-                <a:solidFill>
-                  <a:schemeClr val="bg2">
-                    <a:lumMod val="75000"/>
-                  </a:schemeClr>
-                </a:solidFill>
-              </a:rPr>
-              <a:t>EtherNet</a:t>
-            </a:r>
-            <a:r>
-              <a:rPr lang="ru-RU" dirty="0">
-                <a:solidFill>
-                  <a:schemeClr val="bg2">
-                    <a:lumMod val="75000"/>
-                  </a:schemeClr>
-                </a:solidFill>
-              </a:rPr>
-              <a:t>/IP, IEC 61850, IEC 60870-5-101/104, DNP3, XML, TCP/IP, …</a:t>
-            </a:r>
-          </a:p>
-          <a:p>
-            <a:pPr marL="342900" lvl="0" indent="-342900">
-              <a:lnSpc>
-                <a:spcPct val="107000"/>
-              </a:lnSpc>
-              <a:spcAft>
-                <a:spcPts val="800"/>
-              </a:spcAft>
-              <a:buSzPts val="1000"/>
-              <a:buFont typeface="Arial" panose="020B0604020202020204" pitchFamily="34" charset="0"/>
-              <a:buChar char="•"/>
-              <a:tabLst>
-                <a:tab pos="408940" algn="l"/>
-              </a:tabLst>
-            </a:pPr>
-            <a:endParaRPr lang="ru-RU" sz="2400" dirty="0">
-              <a:solidFill>
-                <a:schemeClr val="bg2">
-                  <a:lumMod val="75000"/>
-                </a:schemeClr>
-              </a:solidFill>
-              <a:latin typeface="Calibri" panose="020F0502020204030204" pitchFamily="34" charset="0"/>
-              <a:ea typeface="Calibri" panose="020F0502020204030204" pitchFamily="34" charset="0"/>
-              <a:cs typeface="Times New Roman" panose="02020603050405020304" pitchFamily="18" charset="0"/>
-            </a:endParaRPr>
+              <a:t>• локальные адреса локальных файлов.</a:t>
+            </a:r>
           </a:p>
         </p:txBody>
       </p:sp>
     </p:spTree>
     <p:extLst>
       <p:ext uri="{BB962C8B-B14F-4D97-AF65-F5344CB8AC3E}">
-        <p14:creationId xmlns:p14="http://schemas.microsoft.com/office/powerpoint/2010/main" val="379358001"/>
+        <p14:creationId xmlns:p14="http://schemas.microsoft.com/office/powerpoint/2010/main" val="338288982"/>
+      </p:ext>
+    </p:extLst>
+  </p:cSld>
+  <p:clrMapOvr>
+    <a:masterClrMapping/>
+  </p:clrMapOvr>
+</p:sld>
+</file>
+
+<file path=ppt/slides/slide14.xml><?xml version="1.0" encoding="utf-8"?>
+<p:sld xmlns:a="http://schemas.openxmlformats.org/drawingml/2006/main" xmlns:r="http://schemas.openxmlformats.org/officeDocument/2006/relationships" xmlns:p="http://schemas.openxmlformats.org/presentationml/2006/main">
+  <p:cSld>
+    <p:spTree>
+      <p:nvGrpSpPr>
+        <p:cNvPr id="1" name=""/>
+        <p:cNvGrpSpPr/>
+        <p:nvPr/>
+      </p:nvGrpSpPr>
+      <p:grpSpPr>
+        <a:xfrm>
+          <a:off x="0" y="0"/>
+          <a:ext cx="0" cy="0"/>
+          <a:chOff x="0" y="0"/>
+          <a:chExt cx="0" cy="0"/>
+        </a:xfrm>
+      </p:grpSpPr>
+      <p:sp>
+        <p:nvSpPr>
+          <p:cNvPr id="2" name="Прямоугольник 1">
+            <a:extLst>
+              <a:ext uri="{FF2B5EF4-FFF2-40B4-BE49-F238E27FC236}">
+                <a16:creationId xmlns:a16="http://schemas.microsoft.com/office/drawing/2014/main" id="{A86E4FA7-8109-45EF-BD17-9EC175294975}"/>
+              </a:ext>
+            </a:extLst>
+          </p:cNvPr>
+          <p:cNvSpPr/>
+          <p:nvPr/>
+        </p:nvSpPr>
+        <p:spPr>
+          <a:xfrm>
+            <a:off x="1547664" y="620688"/>
+            <a:ext cx="6436570" cy="584775"/>
+          </a:xfrm>
+          <a:prstGeom prst="rect">
+            <a:avLst/>
+          </a:prstGeom>
+        </p:spPr>
+        <p:txBody>
+          <a:bodyPr wrap="none">
+            <a:spAutoFit/>
+          </a:bodyPr>
+          <a:lstStyle/>
+          <a:p>
+            <a:r>
+              <a:rPr lang="ru-RU" sz="3200" dirty="0">
+                <a:solidFill>
+                  <a:schemeClr val="bg2">
+                    <a:lumMod val="50000"/>
+                  </a:schemeClr>
+                </a:solidFill>
+              </a:rPr>
+              <a:t>Глобальные адреса файлов данных</a:t>
+            </a:r>
+          </a:p>
+        </p:txBody>
+      </p:sp>
+      <p:pic>
+        <p:nvPicPr>
+          <p:cNvPr id="4" name="Рисунок 3">
+            <a:extLst>
+              <a:ext uri="{FF2B5EF4-FFF2-40B4-BE49-F238E27FC236}">
+                <a16:creationId xmlns:a16="http://schemas.microsoft.com/office/drawing/2014/main" id="{C700B357-F095-4C8B-AE30-CE73CE93B483}"/>
+              </a:ext>
+            </a:extLst>
+          </p:cNvPr>
+          <p:cNvPicPr>
+            <a:picLocks noChangeAspect="1"/>
+          </p:cNvPicPr>
+          <p:nvPr/>
+        </p:nvPicPr>
+        <p:blipFill>
+          <a:blip r:embed="rId2">
+            <a:extLst>
+              <a:ext uri="{28A0092B-C50C-407E-A947-70E740481C1C}">
+                <a14:useLocalDpi xmlns:a14="http://schemas.microsoft.com/office/drawing/2010/main" val="0"/>
+              </a:ext>
+            </a:extLst>
+          </a:blip>
+          <a:stretch>
+            <a:fillRect/>
+          </a:stretch>
+        </p:blipFill>
+        <p:spPr>
+          <a:xfrm>
+            <a:off x="790500" y="1873546"/>
+            <a:ext cx="7562999" cy="3110908"/>
+          </a:xfrm>
+          <a:prstGeom prst="rect">
+            <a:avLst/>
+          </a:prstGeom>
+        </p:spPr>
+      </p:pic>
+    </p:spTree>
+    <p:extLst>
+      <p:ext uri="{BB962C8B-B14F-4D97-AF65-F5344CB8AC3E}">
+        <p14:creationId xmlns:p14="http://schemas.microsoft.com/office/powerpoint/2010/main" val="1870128210"/>
+      </p:ext>
+    </p:extLst>
+  </p:cSld>
+  <p:clrMapOvr>
+    <a:masterClrMapping/>
+  </p:clrMapOvr>
+</p:sld>
+</file>
+
+<file path=ppt/slides/slide15.xml><?xml version="1.0" encoding="utf-8"?>
+<p:sld xmlns:a="http://schemas.openxmlformats.org/drawingml/2006/main" xmlns:r="http://schemas.openxmlformats.org/officeDocument/2006/relationships" xmlns:p="http://schemas.openxmlformats.org/presentationml/2006/main">
+  <p:cSld>
+    <p:spTree>
+      <p:nvGrpSpPr>
+        <p:cNvPr id="1" name=""/>
+        <p:cNvGrpSpPr/>
+        <p:nvPr/>
+      </p:nvGrpSpPr>
+      <p:grpSpPr>
+        <a:xfrm>
+          <a:off x="0" y="0"/>
+          <a:ext cx="0" cy="0"/>
+          <a:chOff x="0" y="0"/>
+          <a:chExt cx="0" cy="0"/>
+        </a:xfrm>
+      </p:grpSpPr>
+      <p:sp>
+        <p:nvSpPr>
+          <p:cNvPr id="2" name="Прямоугольник 1">
+            <a:extLst>
+              <a:ext uri="{FF2B5EF4-FFF2-40B4-BE49-F238E27FC236}">
+                <a16:creationId xmlns:a16="http://schemas.microsoft.com/office/drawing/2014/main" id="{4FDE2E27-FBEF-45C2-967B-57ADB4760096}"/>
+              </a:ext>
+            </a:extLst>
+          </p:cNvPr>
+          <p:cNvSpPr/>
+          <p:nvPr/>
+        </p:nvSpPr>
+        <p:spPr>
+          <a:xfrm>
+            <a:off x="1547664" y="692696"/>
+            <a:ext cx="6306919" cy="584775"/>
+          </a:xfrm>
+          <a:prstGeom prst="rect">
+            <a:avLst/>
+          </a:prstGeom>
+        </p:spPr>
+        <p:txBody>
+          <a:bodyPr wrap="none">
+            <a:spAutoFit/>
+          </a:bodyPr>
+          <a:lstStyle/>
+          <a:p>
+            <a:r>
+              <a:rPr lang="ru-RU" sz="3200" dirty="0">
+                <a:solidFill>
+                  <a:schemeClr val="bg2">
+                    <a:lumMod val="50000"/>
+                  </a:schemeClr>
+                </a:solidFill>
+              </a:rPr>
+              <a:t>Локальные адреса файлов данных</a:t>
+            </a:r>
+          </a:p>
+        </p:txBody>
+      </p:sp>
+      <p:pic>
+        <p:nvPicPr>
+          <p:cNvPr id="4" name="Рисунок 3">
+            <a:extLst>
+              <a:ext uri="{FF2B5EF4-FFF2-40B4-BE49-F238E27FC236}">
+                <a16:creationId xmlns:a16="http://schemas.microsoft.com/office/drawing/2014/main" id="{AC36CE3B-70FA-4EBE-9296-025E3F1D236F}"/>
+              </a:ext>
+            </a:extLst>
+          </p:cNvPr>
+          <p:cNvPicPr>
+            <a:picLocks noChangeAspect="1"/>
+          </p:cNvPicPr>
+          <p:nvPr/>
+        </p:nvPicPr>
+        <p:blipFill>
+          <a:blip r:embed="rId2">
+            <a:extLst>
+              <a:ext uri="{28A0092B-C50C-407E-A947-70E740481C1C}">
+                <a14:useLocalDpi xmlns:a14="http://schemas.microsoft.com/office/drawing/2010/main" val="0"/>
+              </a:ext>
+            </a:extLst>
+          </a:blip>
+          <a:stretch>
+            <a:fillRect/>
+          </a:stretch>
+        </p:blipFill>
+        <p:spPr>
+          <a:xfrm>
+            <a:off x="1120539" y="1928196"/>
+            <a:ext cx="6902921" cy="3001607"/>
+          </a:xfrm>
+          <a:prstGeom prst="rect">
+            <a:avLst/>
+          </a:prstGeom>
+        </p:spPr>
+      </p:pic>
+    </p:spTree>
+    <p:extLst>
+      <p:ext uri="{BB962C8B-B14F-4D97-AF65-F5344CB8AC3E}">
+        <p14:creationId xmlns:p14="http://schemas.microsoft.com/office/powerpoint/2010/main" val="1114563023"/>
+      </p:ext>
+    </p:extLst>
+  </p:cSld>
+  <p:clrMapOvr>
+    <a:masterClrMapping/>
+  </p:clrMapOvr>
+</p:sld>
+</file>
+
+<file path=ppt/slides/slide16.xml><?xml version="1.0" encoding="utf-8"?>
+<p:sld xmlns:a="http://schemas.openxmlformats.org/drawingml/2006/main" xmlns:r="http://schemas.openxmlformats.org/officeDocument/2006/relationships" xmlns:p="http://schemas.openxmlformats.org/presentationml/2006/main">
+  <p:cSld>
+    <p:spTree>
+      <p:nvGrpSpPr>
+        <p:cNvPr id="1" name=""/>
+        <p:cNvGrpSpPr/>
+        <p:nvPr/>
+      </p:nvGrpSpPr>
+      <p:grpSpPr>
+        <a:xfrm>
+          <a:off x="0" y="0"/>
+          <a:ext cx="0" cy="0"/>
+          <a:chOff x="0" y="0"/>
+          <a:chExt cx="0" cy="0"/>
+        </a:xfrm>
+      </p:grpSpPr>
+      <p:sp>
+        <p:nvSpPr>
+          <p:cNvPr id="2" name="Прямоугольник 1">
+            <a:extLst>
+              <a:ext uri="{FF2B5EF4-FFF2-40B4-BE49-F238E27FC236}">
+                <a16:creationId xmlns:a16="http://schemas.microsoft.com/office/drawing/2014/main" id="{8191D819-6EF1-48A1-B0DD-BF6A882117B2}"/>
+              </a:ext>
+            </a:extLst>
+          </p:cNvPr>
+          <p:cNvSpPr/>
+          <p:nvPr/>
+        </p:nvSpPr>
+        <p:spPr>
+          <a:xfrm>
+            <a:off x="1115616" y="620688"/>
+            <a:ext cx="7200800" cy="1080120"/>
+          </a:xfrm>
+          <a:prstGeom prst="rect">
+            <a:avLst/>
+          </a:prstGeom>
+        </p:spPr>
+        <p:txBody>
+          <a:bodyPr wrap="square">
+            <a:spAutoFit/>
+          </a:bodyPr>
+          <a:lstStyle/>
+          <a:p>
+            <a:r>
+              <a:rPr lang="ru-RU" sz="3200" dirty="0">
+                <a:solidFill>
+                  <a:schemeClr val="bg2">
+                    <a:lumMod val="50000"/>
+                  </a:schemeClr>
+                </a:solidFill>
+              </a:rPr>
+              <a:t>Регистрация данных в распределенной среде</a:t>
+            </a:r>
+          </a:p>
+        </p:txBody>
+      </p:sp>
+      <p:pic>
+        <p:nvPicPr>
+          <p:cNvPr id="4" name="Рисунок 3">
+            <a:extLst>
+              <a:ext uri="{FF2B5EF4-FFF2-40B4-BE49-F238E27FC236}">
+                <a16:creationId xmlns:a16="http://schemas.microsoft.com/office/drawing/2014/main" id="{CBB81DEA-B3CE-46E7-BBF8-66ECF5E4CE04}"/>
+              </a:ext>
+            </a:extLst>
+          </p:cNvPr>
+          <p:cNvPicPr>
+            <a:picLocks noChangeAspect="1"/>
+          </p:cNvPicPr>
+          <p:nvPr/>
+        </p:nvPicPr>
+        <p:blipFill>
+          <a:blip r:embed="rId2">
+            <a:extLst>
+              <a:ext uri="{28A0092B-C50C-407E-A947-70E740481C1C}">
+                <a14:useLocalDpi xmlns:a14="http://schemas.microsoft.com/office/drawing/2010/main" val="0"/>
+              </a:ext>
+            </a:extLst>
+          </a:blip>
+          <a:stretch>
+            <a:fillRect/>
+          </a:stretch>
+        </p:blipFill>
+        <p:spPr>
+          <a:xfrm>
+            <a:off x="887068" y="1844824"/>
+            <a:ext cx="7506341" cy="3960440"/>
+          </a:xfrm>
+          <a:prstGeom prst="rect">
+            <a:avLst/>
+          </a:prstGeom>
+        </p:spPr>
+      </p:pic>
+    </p:spTree>
+    <p:extLst>
+      <p:ext uri="{BB962C8B-B14F-4D97-AF65-F5344CB8AC3E}">
+        <p14:creationId xmlns:p14="http://schemas.microsoft.com/office/powerpoint/2010/main" val="1413003509"/>
+      </p:ext>
+    </p:extLst>
+  </p:cSld>
+  <p:clrMapOvr>
+    <a:masterClrMapping/>
+  </p:clrMapOvr>
+</p:sld>
+</file>
+
+<file path=ppt/slides/slide17.xml><?xml version="1.0" encoding="utf-8"?>
+<p:sld xmlns:a="http://schemas.openxmlformats.org/drawingml/2006/main" xmlns:r="http://schemas.openxmlformats.org/officeDocument/2006/relationships" xmlns:p="http://schemas.openxmlformats.org/presentationml/2006/main">
+  <p:cSld>
+    <p:spTree>
+      <p:nvGrpSpPr>
+        <p:cNvPr id="1" name=""/>
+        <p:cNvGrpSpPr/>
+        <p:nvPr/>
+      </p:nvGrpSpPr>
+      <p:grpSpPr>
+        <a:xfrm>
+          <a:off x="0" y="0"/>
+          <a:ext cx="0" cy="0"/>
+          <a:chOff x="0" y="0"/>
+          <a:chExt cx="0" cy="0"/>
+        </a:xfrm>
+      </p:grpSpPr>
+      <p:sp>
+        <p:nvSpPr>
+          <p:cNvPr id="2" name="Прямоугольник 1">
+            <a:extLst>
+              <a:ext uri="{FF2B5EF4-FFF2-40B4-BE49-F238E27FC236}">
+                <a16:creationId xmlns:a16="http://schemas.microsoft.com/office/drawing/2014/main" id="{F674F054-65A3-4F8D-802B-6DA9B6861CE9}"/>
+              </a:ext>
+            </a:extLst>
+          </p:cNvPr>
+          <p:cNvSpPr/>
+          <p:nvPr/>
+        </p:nvSpPr>
+        <p:spPr>
+          <a:xfrm>
+            <a:off x="1403648" y="476672"/>
+            <a:ext cx="6981783" cy="584775"/>
+          </a:xfrm>
+          <a:prstGeom prst="rect">
+            <a:avLst/>
+          </a:prstGeom>
+        </p:spPr>
+        <p:txBody>
+          <a:bodyPr wrap="none">
+            <a:spAutoFit/>
+          </a:bodyPr>
+          <a:lstStyle/>
+          <a:p>
+            <a:r>
+              <a:rPr lang="ru-RU" sz="3200" dirty="0">
+                <a:solidFill>
+                  <a:schemeClr val="bg2">
+                    <a:lumMod val="50000"/>
+                  </a:schemeClr>
+                </a:solidFill>
+              </a:rPr>
+              <a:t>Использование Сервисов Терминалов </a:t>
+            </a:r>
+          </a:p>
+        </p:txBody>
+      </p:sp>
+      <p:pic>
+        <p:nvPicPr>
+          <p:cNvPr id="4" name="Рисунок 3">
+            <a:extLst>
+              <a:ext uri="{FF2B5EF4-FFF2-40B4-BE49-F238E27FC236}">
+                <a16:creationId xmlns:a16="http://schemas.microsoft.com/office/drawing/2014/main" id="{460819B8-56B0-48FE-B95D-D55C849141A2}"/>
+              </a:ext>
+            </a:extLst>
+          </p:cNvPr>
+          <p:cNvPicPr>
+            <a:picLocks noChangeAspect="1"/>
+          </p:cNvPicPr>
+          <p:nvPr/>
+        </p:nvPicPr>
+        <p:blipFill>
+          <a:blip r:embed="rId2">
+            <a:extLst>
+              <a:ext uri="{28A0092B-C50C-407E-A947-70E740481C1C}">
+                <a14:useLocalDpi xmlns:a14="http://schemas.microsoft.com/office/drawing/2010/main" val="0"/>
+              </a:ext>
+            </a:extLst>
+          </a:blip>
+          <a:stretch>
+            <a:fillRect/>
+          </a:stretch>
+        </p:blipFill>
+        <p:spPr>
+          <a:xfrm>
+            <a:off x="937363" y="1061447"/>
+            <a:ext cx="7269274" cy="5019079"/>
+          </a:xfrm>
+          <a:prstGeom prst="rect">
+            <a:avLst/>
+          </a:prstGeom>
+        </p:spPr>
+      </p:pic>
+    </p:spTree>
+    <p:extLst>
+      <p:ext uri="{BB962C8B-B14F-4D97-AF65-F5344CB8AC3E}">
+        <p14:creationId xmlns:p14="http://schemas.microsoft.com/office/powerpoint/2010/main" val="205206965"/>
+      </p:ext>
+    </p:extLst>
+  </p:cSld>
+  <p:clrMapOvr>
+    <a:masterClrMapping/>
+  </p:clrMapOvr>
+</p:sld>
+</file>
+
+<file path=ppt/slides/slide18.xml><?xml version="1.0" encoding="utf-8"?>
+<p:sld xmlns:a="http://schemas.openxmlformats.org/drawingml/2006/main" xmlns:r="http://schemas.openxmlformats.org/officeDocument/2006/relationships" xmlns:p="http://schemas.openxmlformats.org/presentationml/2006/main">
+  <p:cSld>
+    <p:spTree>
+      <p:nvGrpSpPr>
+        <p:cNvPr id="1" name=""/>
+        <p:cNvGrpSpPr/>
+        <p:nvPr/>
+      </p:nvGrpSpPr>
+      <p:grpSpPr>
+        <a:xfrm>
+          <a:off x="0" y="0"/>
+          <a:ext cx="0" cy="0"/>
+          <a:chOff x="0" y="0"/>
+          <a:chExt cx="0" cy="0"/>
+        </a:xfrm>
+      </p:grpSpPr>
+      <p:sp>
+        <p:nvSpPr>
+          <p:cNvPr id="4" name="Объект 2">
+            <a:extLst>
+              <a:ext uri="{FF2B5EF4-FFF2-40B4-BE49-F238E27FC236}">
+                <a16:creationId xmlns:a16="http://schemas.microsoft.com/office/drawing/2014/main" id="{39A692C9-6C8A-4D09-A3EA-DE4139139F7C}"/>
+              </a:ext>
+            </a:extLst>
+          </p:cNvPr>
+          <p:cNvSpPr>
+            <a:spLocks noGrp="1"/>
+          </p:cNvSpPr>
+          <p:nvPr>
+            <p:ph idx="1"/>
+          </p:nvPr>
+        </p:nvSpPr>
+        <p:spPr>
+          <a:xfrm>
+            <a:off x="1835696" y="428787"/>
+            <a:ext cx="6020195" cy="1354089"/>
+          </a:xfrm>
+        </p:spPr>
+        <p:txBody>
+          <a:bodyPr/>
+          <a:lstStyle/>
+          <a:p>
+            <a:pPr marL="0" indent="0">
+              <a:buNone/>
+            </a:pPr>
+            <a:r>
+              <a:rPr lang="ru-RU" dirty="0">
+                <a:solidFill>
+                  <a:schemeClr val="bg1"/>
+                </a:solidFill>
+              </a:rPr>
+              <a:t>Резервированная система</a:t>
+            </a:r>
+          </a:p>
+        </p:txBody>
+      </p:sp>
+      <p:pic>
+        <p:nvPicPr>
+          <p:cNvPr id="3" name="Рисунок 2">
+            <a:extLst>
+              <a:ext uri="{FF2B5EF4-FFF2-40B4-BE49-F238E27FC236}">
+                <a16:creationId xmlns:a16="http://schemas.microsoft.com/office/drawing/2014/main" id="{6C157BBE-395E-4B5A-8D3F-8A9BEE716BBC}"/>
+              </a:ext>
+            </a:extLst>
+          </p:cNvPr>
+          <p:cNvPicPr>
+            <a:picLocks noChangeAspect="1"/>
+          </p:cNvPicPr>
+          <p:nvPr/>
+        </p:nvPicPr>
+        <p:blipFill>
+          <a:blip r:embed="rId2">
+            <a:extLst>
+              <a:ext uri="{28A0092B-C50C-407E-A947-70E740481C1C}">
+                <a14:useLocalDpi xmlns:a14="http://schemas.microsoft.com/office/drawing/2010/main" val="0"/>
+              </a:ext>
+            </a:extLst>
+          </a:blip>
+          <a:stretch>
+            <a:fillRect/>
+          </a:stretch>
+        </p:blipFill>
+        <p:spPr>
+          <a:xfrm>
+            <a:off x="1513772" y="1340768"/>
+            <a:ext cx="6116455" cy="4577215"/>
+          </a:xfrm>
+          <a:prstGeom prst="rect">
+            <a:avLst/>
+          </a:prstGeom>
+          <a:effectLst>
+            <a:softEdge rad="203200"/>
+          </a:effectLst>
+        </p:spPr>
+      </p:pic>
+    </p:spTree>
+  </p:cSld>
+  <p:clrMapOvr>
+    <a:masterClrMapping/>
+  </p:clrMapOvr>
+</p:sld>
+</file>
+
+<file path=ppt/slides/slide19.xml><?xml version="1.0" encoding="utf-8"?>
+<p:sld xmlns:a="http://schemas.openxmlformats.org/drawingml/2006/main" xmlns:r="http://schemas.openxmlformats.org/officeDocument/2006/relationships" xmlns:p="http://schemas.openxmlformats.org/presentationml/2006/main">
+  <p:cSld>
+    <p:spTree>
+      <p:nvGrpSpPr>
+        <p:cNvPr id="1" name=""/>
+        <p:cNvGrpSpPr/>
+        <p:nvPr/>
+      </p:nvGrpSpPr>
+      <p:grpSpPr>
+        <a:xfrm>
+          <a:off x="0" y="0"/>
+          <a:ext cx="0" cy="0"/>
+          <a:chOff x="0" y="0"/>
+          <a:chExt cx="0" cy="0"/>
+        </a:xfrm>
+      </p:grpSpPr>
+    </p:spTree>
+    <p:extLst>
+      <p:ext uri="{BB962C8B-B14F-4D97-AF65-F5344CB8AC3E}">
+        <p14:creationId xmlns:p14="http://schemas.microsoft.com/office/powerpoint/2010/main" val="310985020"/>
       </p:ext>
     </p:extLst>
   </p:cSld>
@@ -14005,6 +14810,2092 @@
     <p:extLst>
       <p:ext uri="{BB962C8B-B14F-4D97-AF65-F5344CB8AC3E}">
         <p14:creationId xmlns:p14="http://schemas.microsoft.com/office/powerpoint/2010/main" val="2333277847"/>
+      </p:ext>
+    </p:extLst>
+  </p:cSld>
+  <p:clrMapOvr>
+    <a:masterClrMapping/>
+  </p:clrMapOvr>
+</p:sld>
+</file>
+
+<file path=ppt/slides/slide20.xml><?xml version="1.0" encoding="utf-8"?>
+<p:sld xmlns:a="http://schemas.openxmlformats.org/drawingml/2006/main" xmlns:r="http://schemas.openxmlformats.org/officeDocument/2006/relationships" xmlns:p="http://schemas.openxmlformats.org/presentationml/2006/main">
+  <p:cSld>
+    <p:spTree>
+      <p:nvGrpSpPr>
+        <p:cNvPr id="1" name=""/>
+        <p:cNvGrpSpPr/>
+        <p:nvPr/>
+      </p:nvGrpSpPr>
+      <p:grpSpPr>
+        <a:xfrm>
+          <a:off x="0" y="0"/>
+          <a:ext cx="0" cy="0"/>
+          <a:chOff x="0" y="0"/>
+          <a:chExt cx="0" cy="0"/>
+        </a:xfrm>
+      </p:grpSpPr>
+      <p:sp>
+        <p:nvSpPr>
+          <p:cNvPr id="2" name="Прямоугольник 1">
+            <a:extLst>
+              <a:ext uri="{FF2B5EF4-FFF2-40B4-BE49-F238E27FC236}">
+                <a16:creationId xmlns:a16="http://schemas.microsoft.com/office/drawing/2014/main" id="{24BFA9E5-5F4B-413E-B860-F246E0EEBE2B}"/>
+              </a:ext>
+            </a:extLst>
+          </p:cNvPr>
+          <p:cNvSpPr/>
+          <p:nvPr/>
+        </p:nvSpPr>
+        <p:spPr>
+          <a:xfrm>
+            <a:off x="2555776" y="272842"/>
+            <a:ext cx="4176464" cy="707886"/>
+          </a:xfrm>
+          <a:prstGeom prst="rect">
+            <a:avLst/>
+          </a:prstGeom>
+        </p:spPr>
+        <p:txBody>
+          <a:bodyPr wrap="square">
+            <a:spAutoFit/>
+          </a:bodyPr>
+          <a:lstStyle/>
+          <a:p>
+            <a:pPr>
+              <a:spcAft>
+                <a:spcPts val="0"/>
+              </a:spcAft>
+            </a:pPr>
+            <a:r>
+              <a:rPr lang="ru-RU" sz="4000" kern="1400" spc="-50" dirty="0">
+                <a:solidFill>
+                  <a:schemeClr val="bg2">
+                    <a:lumMod val="75000"/>
+                  </a:schemeClr>
+                </a:solidFill>
+                <a:latin typeface="+mj-lt"/>
+                <a:ea typeface="Times New Roman" panose="02020603050405020304" pitchFamily="18" charset="0"/>
+                <a:cs typeface="Times New Roman" panose="02020603050405020304" pitchFamily="18" charset="0"/>
+              </a:rPr>
+              <a:t>GE HMI SСADA </a:t>
+            </a:r>
+            <a:r>
+              <a:rPr lang="ru-RU" sz="4000" kern="1400" spc="-50" dirty="0" err="1">
+                <a:solidFill>
+                  <a:schemeClr val="bg2">
+                    <a:lumMod val="75000"/>
+                  </a:schemeClr>
+                </a:solidFill>
+                <a:latin typeface="+mj-lt"/>
+                <a:ea typeface="Times New Roman" panose="02020603050405020304" pitchFamily="18" charset="0"/>
+                <a:cs typeface="Times New Roman" panose="02020603050405020304" pitchFamily="18" charset="0"/>
+              </a:rPr>
+              <a:t>iFix</a:t>
+            </a:r>
+            <a:endParaRPr lang="ru-RU" sz="4000" kern="1400" spc="-50" dirty="0">
+              <a:solidFill>
+                <a:schemeClr val="bg2">
+                  <a:lumMod val="75000"/>
+                </a:schemeClr>
+              </a:solidFill>
+              <a:effectLst/>
+              <a:latin typeface="+mj-lt"/>
+              <a:ea typeface="Times New Roman" panose="02020603050405020304" pitchFamily="18" charset="0"/>
+              <a:cs typeface="Times New Roman" panose="02020603050405020304" pitchFamily="18" charset="0"/>
+            </a:endParaRPr>
+          </a:p>
+        </p:txBody>
+      </p:sp>
+      <p:sp>
+        <p:nvSpPr>
+          <p:cNvPr id="3" name="Прямоугольник 2">
+            <a:extLst>
+              <a:ext uri="{FF2B5EF4-FFF2-40B4-BE49-F238E27FC236}">
+                <a16:creationId xmlns:a16="http://schemas.microsoft.com/office/drawing/2014/main" id="{4167E38B-F8D3-4EAF-B091-27F777DD3D9A}"/>
+              </a:ext>
+            </a:extLst>
+          </p:cNvPr>
+          <p:cNvSpPr/>
+          <p:nvPr/>
+        </p:nvSpPr>
+        <p:spPr>
+          <a:xfrm>
+            <a:off x="971600" y="980728"/>
+            <a:ext cx="7344816" cy="5017143"/>
+          </a:xfrm>
+          <a:prstGeom prst="rect">
+            <a:avLst/>
+          </a:prstGeom>
+        </p:spPr>
+        <p:txBody>
+          <a:bodyPr wrap="square">
+            <a:spAutoFit/>
+          </a:bodyPr>
+          <a:lstStyle/>
+          <a:p>
+            <a:pPr indent="457200" algn="just">
+              <a:lnSpc>
+                <a:spcPct val="107000"/>
+              </a:lnSpc>
+              <a:spcAft>
+                <a:spcPts val="0"/>
+              </a:spcAft>
+            </a:pPr>
+            <a:r>
+              <a:rPr lang="ru-RU" sz="2000" dirty="0">
+                <a:solidFill>
+                  <a:schemeClr val="bg2">
+                    <a:lumMod val="75000"/>
+                  </a:schemeClr>
+                </a:solidFill>
+                <a:effectLst/>
+                <a:ea typeface="Calibri" panose="020F0502020204030204" pitchFamily="34" charset="0"/>
+                <a:cs typeface="Times New Roman" panose="02020603050405020304" pitchFamily="18" charset="0"/>
+              </a:rPr>
+              <a:t>Возможности:</a:t>
+            </a:r>
+          </a:p>
+          <a:p>
+            <a:pPr marL="285750" indent="-285750" algn="just">
+              <a:lnSpc>
+                <a:spcPct val="107000"/>
+              </a:lnSpc>
+              <a:buFont typeface="Arial" panose="020B0604020202020204" pitchFamily="34" charset="0"/>
+              <a:buChar char="•"/>
+            </a:pPr>
+            <a:r>
+              <a:rPr lang="ru-RU" sz="2000" dirty="0">
+                <a:solidFill>
+                  <a:schemeClr val="bg2">
+                    <a:lumMod val="75000"/>
+                  </a:schemeClr>
+                </a:solidFill>
+              </a:rPr>
+              <a:t>Горячее резервирование и автоматическое переключение серверов</a:t>
+            </a:r>
+          </a:p>
+          <a:p>
+            <a:pPr marL="285750" indent="-285750" algn="just">
+              <a:lnSpc>
+                <a:spcPct val="107000"/>
+              </a:lnSpc>
+              <a:spcAft>
+                <a:spcPts val="0"/>
+              </a:spcAft>
+              <a:buFont typeface="Arial" panose="020B0604020202020204" pitchFamily="34" charset="0"/>
+              <a:buChar char="•"/>
+            </a:pPr>
+            <a:r>
+              <a:rPr lang="ru-RU" sz="2000" dirty="0">
+                <a:solidFill>
+                  <a:schemeClr val="bg2">
+                    <a:lumMod val="75000"/>
+                  </a:schemeClr>
+                </a:solidFill>
+              </a:rPr>
+              <a:t>Обширный каталог высокопроизводительных прямых драйверов ввода/вывода и ОРС-серверов как для широко распространенных, так и для специализированных ПЛК</a:t>
+            </a:r>
+          </a:p>
+          <a:p>
+            <a:pPr marL="285750" indent="-285750" algn="just">
+              <a:lnSpc>
+                <a:spcPct val="107000"/>
+              </a:lnSpc>
+              <a:buFont typeface="Arial" panose="020B0604020202020204" pitchFamily="34" charset="0"/>
+              <a:buChar char="•"/>
+            </a:pPr>
+            <a:r>
+              <a:rPr lang="ru-RU" sz="2000" dirty="0">
+                <a:solidFill>
+                  <a:schemeClr val="bg2">
+                    <a:lumMod val="75000"/>
+                  </a:schemeClr>
+                </a:solidFill>
+              </a:rPr>
+              <a:t>Универсальный ОРС-клиент с возможностями конфигурации, мониторинга и оптимизации обмена с серверами ввода/вывода.</a:t>
+            </a:r>
+          </a:p>
+          <a:p>
+            <a:pPr marL="285750" indent="-285750" algn="just">
+              <a:lnSpc>
+                <a:spcPct val="107000"/>
+              </a:lnSpc>
+              <a:buFont typeface="Arial" panose="020B0604020202020204" pitchFamily="34" charset="0"/>
+              <a:buChar char="•"/>
+            </a:pPr>
+            <a:r>
+              <a:rPr lang="ru-RU" sz="2000" dirty="0">
+                <a:solidFill>
+                  <a:schemeClr val="bg2">
+                    <a:lumMod val="75000"/>
+                  </a:schemeClr>
+                </a:solidFill>
+              </a:rPr>
+              <a:t>Поддержка О</a:t>
+            </a:r>
+            <a:r>
+              <a:rPr lang="en-US" sz="2000" dirty="0">
+                <a:solidFill>
+                  <a:schemeClr val="bg2">
+                    <a:lumMod val="75000"/>
+                  </a:schemeClr>
+                </a:solidFill>
+              </a:rPr>
+              <a:t>PC DA, </a:t>
+            </a:r>
+            <a:r>
+              <a:rPr lang="ru-RU" sz="2000" dirty="0">
+                <a:solidFill>
+                  <a:schemeClr val="bg2">
+                    <a:lumMod val="75000"/>
+                  </a:schemeClr>
+                </a:solidFill>
+              </a:rPr>
+              <a:t>ОРС</a:t>
+            </a:r>
+            <a:r>
+              <a:rPr lang="en-US" sz="2000" dirty="0">
+                <a:solidFill>
+                  <a:schemeClr val="bg2">
+                    <a:lumMod val="75000"/>
+                  </a:schemeClr>
+                </a:solidFill>
+              </a:rPr>
+              <a:t> Alarm &amp; Events, SQL ODBC, COM/DCOM, OLE DB, ActiveX, .NET.</a:t>
+            </a:r>
+            <a:endParaRPr lang="ru-RU" sz="2000" dirty="0">
+              <a:solidFill>
+                <a:schemeClr val="bg2">
+                  <a:lumMod val="75000"/>
+                </a:schemeClr>
+              </a:solidFill>
+            </a:endParaRPr>
+          </a:p>
+          <a:p>
+            <a:pPr marL="285750" indent="-285750" algn="just">
+              <a:lnSpc>
+                <a:spcPct val="107000"/>
+              </a:lnSpc>
+              <a:buFont typeface="Arial" panose="020B0604020202020204" pitchFamily="34" charset="0"/>
+              <a:buChar char="•"/>
+            </a:pPr>
+            <a:r>
+              <a:rPr lang="en-US" sz="2000" dirty="0">
+                <a:solidFill>
+                  <a:schemeClr val="bg2">
+                    <a:lumMod val="75000"/>
+                  </a:schemeClr>
+                </a:solidFill>
+              </a:rPr>
+              <a:t>ODBC-</a:t>
+            </a:r>
+            <a:r>
+              <a:rPr lang="ru-RU" sz="2000" dirty="0">
+                <a:solidFill>
+                  <a:schemeClr val="bg2">
+                    <a:lumMod val="75000"/>
+                  </a:schemeClr>
+                </a:solidFill>
+              </a:rPr>
+              <a:t>драйверы</a:t>
+            </a:r>
+          </a:p>
+          <a:p>
+            <a:pPr marL="285750" indent="-285750" algn="just">
+              <a:lnSpc>
+                <a:spcPct val="107000"/>
+              </a:lnSpc>
+              <a:buFont typeface="Arial" panose="020B0604020202020204" pitchFamily="34" charset="0"/>
+              <a:buChar char="•"/>
+            </a:pPr>
+            <a:r>
+              <a:rPr lang="ru-RU" sz="2000" dirty="0">
+                <a:solidFill>
+                  <a:schemeClr val="bg2">
+                    <a:lumMod val="75000"/>
+                  </a:schemeClr>
+                </a:solidFill>
+              </a:rPr>
+              <a:t>Поддержка технологии </a:t>
+            </a:r>
+            <a:r>
+              <a:rPr lang="ru-RU" sz="2000" dirty="0" err="1">
+                <a:solidFill>
+                  <a:schemeClr val="bg2">
+                    <a:lumMod val="75000"/>
+                  </a:schemeClr>
+                </a:solidFill>
+              </a:rPr>
+              <a:t>Plug</a:t>
+            </a:r>
+            <a:r>
+              <a:rPr lang="ru-RU" sz="2000" dirty="0">
+                <a:solidFill>
+                  <a:schemeClr val="bg2">
+                    <a:lumMod val="75000"/>
+                  </a:schemeClr>
+                </a:solidFill>
+              </a:rPr>
+              <a:t> </a:t>
+            </a:r>
+            <a:r>
+              <a:rPr lang="ru-RU" sz="2000" dirty="0" err="1">
+                <a:solidFill>
+                  <a:schemeClr val="bg2">
+                    <a:lumMod val="75000"/>
+                  </a:schemeClr>
+                </a:solidFill>
+              </a:rPr>
+              <a:t>and</a:t>
+            </a:r>
+            <a:r>
+              <a:rPr lang="ru-RU" sz="2000" dirty="0">
+                <a:solidFill>
+                  <a:schemeClr val="bg2">
+                    <a:lumMod val="75000"/>
+                  </a:schemeClr>
+                </a:solidFill>
+              </a:rPr>
+              <a:t> </a:t>
+            </a:r>
+            <a:r>
+              <a:rPr lang="ru-RU" sz="2000" dirty="0" err="1">
+                <a:solidFill>
+                  <a:schemeClr val="bg2">
+                    <a:lumMod val="75000"/>
+                  </a:schemeClr>
+                </a:solidFill>
+              </a:rPr>
+              <a:t>Solve</a:t>
+            </a:r>
+            <a:r>
+              <a:rPr lang="ru-RU" sz="2000" dirty="0">
+                <a:solidFill>
+                  <a:schemeClr val="bg2">
+                    <a:lumMod val="75000"/>
+                  </a:schemeClr>
+                </a:solidFill>
+              </a:rPr>
+              <a:t>™</a:t>
+            </a:r>
+          </a:p>
+          <a:p>
+            <a:pPr marL="285750" indent="-285750" algn="just">
+              <a:lnSpc>
+                <a:spcPct val="107000"/>
+              </a:lnSpc>
+              <a:buFont typeface="Arial" panose="020B0604020202020204" pitchFamily="34" charset="0"/>
+              <a:buChar char="•"/>
+            </a:pPr>
+            <a:r>
+              <a:rPr lang="ru-RU" sz="2000" dirty="0">
+                <a:solidFill>
+                  <a:schemeClr val="bg2">
+                    <a:lumMod val="75000"/>
+                  </a:schemeClr>
+                </a:solidFill>
+              </a:rPr>
+              <a:t>Полная SCADA-функциональность через технологию «тонких» веб-клиентов GE </a:t>
+            </a:r>
+            <a:r>
+              <a:rPr lang="ru-RU" sz="2000" dirty="0" err="1">
+                <a:solidFill>
+                  <a:schemeClr val="bg2">
+                    <a:lumMod val="75000"/>
+                  </a:schemeClr>
+                </a:solidFill>
+              </a:rPr>
+              <a:t>WebSpace</a:t>
+            </a:r>
+            <a:r>
+              <a:rPr lang="ru-RU" sz="2000" dirty="0">
+                <a:solidFill>
+                  <a:schemeClr val="bg2">
+                    <a:lumMod val="75000"/>
+                  </a:schemeClr>
+                </a:solidFill>
+              </a:rPr>
+              <a:t>. </a:t>
+            </a:r>
+            <a:endParaRPr lang="ru-RU" sz="2000" dirty="0">
+              <a:solidFill>
+                <a:schemeClr val="bg2">
+                  <a:lumMod val="75000"/>
+                </a:schemeClr>
+              </a:solidFill>
+              <a:effectLst/>
+              <a:ea typeface="Calibri" panose="020F0502020204030204" pitchFamily="34" charset="0"/>
+              <a:cs typeface="Times New Roman" panose="02020603050405020304" pitchFamily="18" charset="0"/>
+            </a:endParaRPr>
+          </a:p>
+        </p:txBody>
+      </p:sp>
+    </p:spTree>
+    <p:extLst>
+      <p:ext uri="{BB962C8B-B14F-4D97-AF65-F5344CB8AC3E}">
+        <p14:creationId xmlns:p14="http://schemas.microsoft.com/office/powerpoint/2010/main" val="1022302768"/>
+      </p:ext>
+    </p:extLst>
+  </p:cSld>
+  <p:clrMapOvr>
+    <a:masterClrMapping/>
+  </p:clrMapOvr>
+</p:sld>
+</file>
+
+<file path=ppt/slides/slide21.xml><?xml version="1.0" encoding="utf-8"?>
+<p:sld xmlns:a="http://schemas.openxmlformats.org/drawingml/2006/main" xmlns:r="http://schemas.openxmlformats.org/officeDocument/2006/relationships" xmlns:p="http://schemas.openxmlformats.org/presentationml/2006/main">
+  <p:cSld>
+    <p:spTree>
+      <p:nvGrpSpPr>
+        <p:cNvPr id="1" name=""/>
+        <p:cNvGrpSpPr/>
+        <p:nvPr/>
+      </p:nvGrpSpPr>
+      <p:grpSpPr>
+        <a:xfrm>
+          <a:off x="0" y="0"/>
+          <a:ext cx="0" cy="0"/>
+          <a:chOff x="0" y="0"/>
+          <a:chExt cx="0" cy="0"/>
+        </a:xfrm>
+      </p:grpSpPr>
+      <p:sp>
+        <p:nvSpPr>
+          <p:cNvPr id="5" name="Объект 2">
+            <a:extLst>
+              <a:ext uri="{FF2B5EF4-FFF2-40B4-BE49-F238E27FC236}">
+                <a16:creationId xmlns:a16="http://schemas.microsoft.com/office/drawing/2014/main" id="{39A2C5C3-8F8E-4CD0-8534-32AF5EA005DB}"/>
+              </a:ext>
+            </a:extLst>
+          </p:cNvPr>
+          <p:cNvSpPr txBox="1">
+            <a:spLocks/>
+          </p:cNvSpPr>
+          <p:nvPr/>
+        </p:nvSpPr>
+        <p:spPr>
+          <a:xfrm>
+            <a:off x="1835696" y="428787"/>
+            <a:ext cx="6020195" cy="1354089"/>
+          </a:xfrm>
+          <a:prstGeom prst="rect">
+            <a:avLst/>
+          </a:prstGeom>
+        </p:spPr>
+        <p:txBody>
+          <a:bodyPr/>
+          <a:lstStyle>
+            <a:lvl1pPr marL="228600" indent="-228600" algn="l" defTabSz="914400" rtl="0" eaLnBrk="1" latinLnBrk="0" hangingPunct="1">
+              <a:lnSpc>
+                <a:spcPct val="120000"/>
+              </a:lnSpc>
+              <a:spcBef>
+                <a:spcPts val="1000"/>
+              </a:spcBef>
+              <a:buSzPct val="125000"/>
+              <a:buFont typeface="Arial" panose="020B0604020202020204" pitchFamily="34" charset="0"/>
+              <a:buChar char="•"/>
+              <a:defRPr sz="2400" kern="1200">
+                <a:solidFill>
+                  <a:schemeClr val="tx1"/>
+                </a:solidFill>
+                <a:latin typeface="+mn-lt"/>
+                <a:ea typeface="+mn-ea"/>
+                <a:cs typeface="+mn-cs"/>
+              </a:defRPr>
+            </a:lvl1pPr>
+            <a:lvl2pPr marL="685800" indent="-228600" algn="l" defTabSz="914400" rtl="0" eaLnBrk="1" latinLnBrk="0" hangingPunct="1">
+              <a:lnSpc>
+                <a:spcPct val="120000"/>
+              </a:lnSpc>
+              <a:spcBef>
+                <a:spcPts val="500"/>
+              </a:spcBef>
+              <a:buSzPct val="125000"/>
+              <a:buFont typeface="Arial" panose="020B0604020202020204" pitchFamily="34" charset="0"/>
+              <a:buChar char="•"/>
+              <a:defRPr sz="2000" kern="1200">
+                <a:solidFill>
+                  <a:schemeClr val="tx1"/>
+                </a:solidFill>
+                <a:latin typeface="+mn-lt"/>
+                <a:ea typeface="+mn-ea"/>
+                <a:cs typeface="+mn-cs"/>
+              </a:defRPr>
+            </a:lvl2pPr>
+            <a:lvl3pPr marL="1143000" indent="-228600" algn="l" defTabSz="914400" rtl="0" eaLnBrk="1" latinLnBrk="0" hangingPunct="1">
+              <a:lnSpc>
+                <a:spcPct val="120000"/>
+              </a:lnSpc>
+              <a:spcBef>
+                <a:spcPts val="500"/>
+              </a:spcBef>
+              <a:buSzPct val="125000"/>
+              <a:buFont typeface="Arial" panose="020B0604020202020204" pitchFamily="34" charset="0"/>
+              <a:buChar char="•"/>
+              <a:defRPr sz="1800" kern="1200">
+                <a:solidFill>
+                  <a:schemeClr val="tx1"/>
+                </a:solidFill>
+                <a:latin typeface="+mn-lt"/>
+                <a:ea typeface="+mn-ea"/>
+                <a:cs typeface="+mn-cs"/>
+              </a:defRPr>
+            </a:lvl3pPr>
+            <a:lvl4pPr marL="1600200" indent="-228600" algn="l" defTabSz="914400" rtl="0" eaLnBrk="1" latinLnBrk="0" hangingPunct="1">
+              <a:lnSpc>
+                <a:spcPct val="120000"/>
+              </a:lnSpc>
+              <a:spcBef>
+                <a:spcPts val="500"/>
+              </a:spcBef>
+              <a:buSzPct val="125000"/>
+              <a:buFont typeface="Arial" panose="020B0604020202020204" pitchFamily="34" charset="0"/>
+              <a:buChar char="•"/>
+              <a:defRPr sz="1600" kern="1200">
+                <a:solidFill>
+                  <a:schemeClr val="tx1"/>
+                </a:solidFill>
+                <a:latin typeface="+mn-lt"/>
+                <a:ea typeface="+mn-ea"/>
+                <a:cs typeface="+mn-cs"/>
+              </a:defRPr>
+            </a:lvl4pPr>
+            <a:lvl5pPr marL="2057400" indent="-228600" algn="l" defTabSz="914400" rtl="0" eaLnBrk="1" latinLnBrk="0" hangingPunct="1">
+              <a:lnSpc>
+                <a:spcPct val="120000"/>
+              </a:lnSpc>
+              <a:spcBef>
+                <a:spcPts val="500"/>
+              </a:spcBef>
+              <a:buSzPct val="125000"/>
+              <a:buFont typeface="Arial" panose="020B0604020202020204" pitchFamily="34" charset="0"/>
+              <a:buChar char="•"/>
+              <a:defRPr sz="1600" kern="1200">
+                <a:solidFill>
+                  <a:schemeClr val="tx1"/>
+                </a:solidFill>
+                <a:latin typeface="+mn-lt"/>
+                <a:ea typeface="+mn-ea"/>
+                <a:cs typeface="+mn-cs"/>
+              </a:defRPr>
+            </a:lvl5pPr>
+            <a:lvl6pPr marL="2514600" indent="-228600" algn="l" defTabSz="914400" rtl="0" eaLnBrk="1" latinLnBrk="0" hangingPunct="1">
+              <a:lnSpc>
+                <a:spcPct val="120000"/>
+              </a:lnSpc>
+              <a:spcBef>
+                <a:spcPts val="500"/>
+              </a:spcBef>
+              <a:buSzPct val="125000"/>
+              <a:buFont typeface="Arial" panose="020B0604020202020204" pitchFamily="34" charset="0"/>
+              <a:buChar char="•"/>
+              <a:defRPr sz="1400" kern="1200">
+                <a:solidFill>
+                  <a:schemeClr val="tx1"/>
+                </a:solidFill>
+                <a:latin typeface="+mn-lt"/>
+                <a:ea typeface="+mn-ea"/>
+                <a:cs typeface="+mn-cs"/>
+              </a:defRPr>
+            </a:lvl6pPr>
+            <a:lvl7pPr marL="2971800" indent="-228600" algn="l" defTabSz="914400" rtl="0" eaLnBrk="1" latinLnBrk="0" hangingPunct="1">
+              <a:lnSpc>
+                <a:spcPct val="120000"/>
+              </a:lnSpc>
+              <a:spcBef>
+                <a:spcPts val="500"/>
+              </a:spcBef>
+              <a:buSzPct val="125000"/>
+              <a:buFont typeface="Arial" panose="020B0604020202020204" pitchFamily="34" charset="0"/>
+              <a:buChar char="•"/>
+              <a:defRPr sz="1400" kern="1200">
+                <a:solidFill>
+                  <a:schemeClr val="tx1"/>
+                </a:solidFill>
+                <a:latin typeface="+mn-lt"/>
+                <a:ea typeface="+mn-ea"/>
+                <a:cs typeface="+mn-cs"/>
+              </a:defRPr>
+            </a:lvl7pPr>
+            <a:lvl8pPr marL="3429000" indent="-228600" algn="l" defTabSz="914400" rtl="0" eaLnBrk="1" latinLnBrk="0" hangingPunct="1">
+              <a:lnSpc>
+                <a:spcPct val="120000"/>
+              </a:lnSpc>
+              <a:spcBef>
+                <a:spcPts val="500"/>
+              </a:spcBef>
+              <a:buSzPct val="125000"/>
+              <a:buFont typeface="Arial" panose="020B0604020202020204" pitchFamily="34" charset="0"/>
+              <a:buChar char="•"/>
+              <a:defRPr sz="1400" kern="1200">
+                <a:solidFill>
+                  <a:schemeClr val="tx1"/>
+                </a:solidFill>
+                <a:latin typeface="+mn-lt"/>
+                <a:ea typeface="+mn-ea"/>
+                <a:cs typeface="+mn-cs"/>
+              </a:defRPr>
+            </a:lvl8pPr>
+            <a:lvl9pPr marL="3886200" indent="-228600" algn="l" defTabSz="914400" rtl="0" eaLnBrk="1" latinLnBrk="0" hangingPunct="1">
+              <a:lnSpc>
+                <a:spcPct val="120000"/>
+              </a:lnSpc>
+              <a:spcBef>
+                <a:spcPts val="500"/>
+              </a:spcBef>
+              <a:buSzPct val="125000"/>
+              <a:buFont typeface="Arial" panose="020B0604020202020204" pitchFamily="34" charset="0"/>
+              <a:buChar char="•"/>
+              <a:defRPr sz="1400" kern="1200">
+                <a:solidFill>
+                  <a:schemeClr val="tx1"/>
+                </a:solidFill>
+                <a:latin typeface="+mn-lt"/>
+                <a:ea typeface="+mn-ea"/>
+                <a:cs typeface="+mn-cs"/>
+              </a:defRPr>
+            </a:lvl9pPr>
+          </a:lstStyle>
+          <a:p>
+            <a:pPr marL="0" indent="0">
+              <a:buFont typeface="Arial" panose="020B0604020202020204" pitchFamily="34" charset="0"/>
+              <a:buNone/>
+            </a:pPr>
+            <a:r>
+              <a:rPr lang="ru-RU" dirty="0">
+                <a:solidFill>
+                  <a:schemeClr val="bg1"/>
+                </a:solidFill>
+              </a:rPr>
+              <a:t>Клиент-серверная система</a:t>
+            </a:r>
+          </a:p>
+        </p:txBody>
+      </p:sp>
+      <p:pic>
+        <p:nvPicPr>
+          <p:cNvPr id="3" name="Рисунок 2">
+            <a:extLst>
+              <a:ext uri="{FF2B5EF4-FFF2-40B4-BE49-F238E27FC236}">
+                <a16:creationId xmlns:a16="http://schemas.microsoft.com/office/drawing/2014/main" id="{268B01ED-D83B-493D-825D-E1A240A66C8B}"/>
+              </a:ext>
+            </a:extLst>
+          </p:cNvPr>
+          <p:cNvPicPr>
+            <a:picLocks noChangeAspect="1"/>
+          </p:cNvPicPr>
+          <p:nvPr/>
+        </p:nvPicPr>
+        <p:blipFill>
+          <a:blip r:embed="rId2">
+            <a:extLst>
+              <a:ext uri="{28A0092B-C50C-407E-A947-70E740481C1C}">
+                <a14:useLocalDpi xmlns:a14="http://schemas.microsoft.com/office/drawing/2010/main" val="0"/>
+              </a:ext>
+            </a:extLst>
+          </a:blip>
+          <a:stretch>
+            <a:fillRect/>
+          </a:stretch>
+        </p:blipFill>
+        <p:spPr>
+          <a:xfrm>
+            <a:off x="1664167" y="1105831"/>
+            <a:ext cx="6363251" cy="5296359"/>
+          </a:xfrm>
+          <a:prstGeom prst="rect">
+            <a:avLst/>
+          </a:prstGeom>
+          <a:effectLst>
+            <a:softEdge rad="152400"/>
+          </a:effectLst>
+        </p:spPr>
+      </p:pic>
+    </p:spTree>
+  </p:cSld>
+  <p:clrMapOvr>
+    <a:masterClrMapping/>
+  </p:clrMapOvr>
+</p:sld>
+</file>
+
+<file path=ppt/slides/slide22.xml><?xml version="1.0" encoding="utf-8"?>
+<p:sld xmlns:a="http://schemas.openxmlformats.org/drawingml/2006/main" xmlns:r="http://schemas.openxmlformats.org/officeDocument/2006/relationships" xmlns:p="http://schemas.openxmlformats.org/presentationml/2006/main">
+  <p:cSld>
+    <p:spTree>
+      <p:nvGrpSpPr>
+        <p:cNvPr id="1" name=""/>
+        <p:cNvGrpSpPr/>
+        <p:nvPr/>
+      </p:nvGrpSpPr>
+      <p:grpSpPr>
+        <a:xfrm>
+          <a:off x="0" y="0"/>
+          <a:ext cx="0" cy="0"/>
+          <a:chOff x="0" y="0"/>
+          <a:chExt cx="0" cy="0"/>
+        </a:xfrm>
+      </p:grpSpPr>
+      <p:sp>
+        <p:nvSpPr>
+          <p:cNvPr id="2" name="Прямоугольник 1">
+            <a:extLst>
+              <a:ext uri="{FF2B5EF4-FFF2-40B4-BE49-F238E27FC236}">
+                <a16:creationId xmlns:a16="http://schemas.microsoft.com/office/drawing/2014/main" id="{96067386-0DF5-4354-85CC-D388206F8773}"/>
+              </a:ext>
+            </a:extLst>
+          </p:cNvPr>
+          <p:cNvSpPr/>
+          <p:nvPr/>
+        </p:nvSpPr>
+        <p:spPr>
+          <a:xfrm>
+            <a:off x="2915816" y="404664"/>
+            <a:ext cx="3888432" cy="721736"/>
+          </a:xfrm>
+          <a:prstGeom prst="rect">
+            <a:avLst/>
+          </a:prstGeom>
+        </p:spPr>
+        <p:txBody>
+          <a:bodyPr wrap="square">
+            <a:spAutoFit/>
+          </a:bodyPr>
+          <a:lstStyle/>
+          <a:p>
+            <a:pPr>
+              <a:lnSpc>
+                <a:spcPct val="107000"/>
+              </a:lnSpc>
+              <a:spcAft>
+                <a:spcPts val="800"/>
+              </a:spcAft>
+            </a:pPr>
+            <a:r>
+              <a:rPr lang="ru-RU" sz="4000" dirty="0" err="1">
+                <a:solidFill>
+                  <a:schemeClr val="bg2">
+                    <a:lumMod val="75000"/>
+                  </a:schemeClr>
+                </a:solidFill>
+                <a:latin typeface="Calibri" panose="020F0502020204030204" pitchFamily="34" charset="0"/>
+                <a:ea typeface="Calibri" panose="020F0502020204030204" pitchFamily="34" charset="0"/>
+                <a:cs typeface="Times New Roman" panose="02020603050405020304" pitchFamily="18" charset="0"/>
+              </a:rPr>
+              <a:t>System</a:t>
+            </a:r>
+            <a:r>
+              <a:rPr lang="ru-RU" sz="4000" dirty="0">
+                <a:solidFill>
+                  <a:schemeClr val="bg2">
+                    <a:lumMod val="75000"/>
+                  </a:schemeClr>
+                </a:solidFill>
+                <a:latin typeface="Calibri" panose="020F0502020204030204" pitchFamily="34" charset="0"/>
+                <a:ea typeface="Calibri" panose="020F0502020204030204" pitchFamily="34" charset="0"/>
+                <a:cs typeface="Times New Roman" panose="02020603050405020304" pitchFamily="18" charset="0"/>
+              </a:rPr>
+              <a:t> </a:t>
+            </a:r>
+            <a:r>
+              <a:rPr lang="ru-RU" sz="4000" dirty="0" err="1">
+                <a:solidFill>
+                  <a:schemeClr val="bg2">
+                    <a:lumMod val="75000"/>
+                  </a:schemeClr>
+                </a:solidFill>
+                <a:latin typeface="Calibri" panose="020F0502020204030204" pitchFamily="34" charset="0"/>
+                <a:ea typeface="Calibri" panose="020F0502020204030204" pitchFamily="34" charset="0"/>
+                <a:cs typeface="Times New Roman" panose="02020603050405020304" pitchFamily="18" charset="0"/>
+              </a:rPr>
+              <a:t>Platform</a:t>
+            </a:r>
+            <a:r>
+              <a:rPr lang="ru-RU" sz="4000" dirty="0">
+                <a:solidFill>
+                  <a:schemeClr val="bg2">
+                    <a:lumMod val="75000"/>
+                  </a:schemeClr>
+                </a:solidFill>
+                <a:latin typeface="Calibri" panose="020F0502020204030204" pitchFamily="34" charset="0"/>
+                <a:ea typeface="Calibri" panose="020F0502020204030204" pitchFamily="34" charset="0"/>
+                <a:cs typeface="Times New Roman" panose="02020603050405020304" pitchFamily="18" charset="0"/>
+              </a:rPr>
+              <a:t>.</a:t>
+            </a:r>
+            <a:endParaRPr lang="ru-RU" sz="4000" dirty="0">
+              <a:solidFill>
+                <a:schemeClr val="bg2">
+                  <a:lumMod val="75000"/>
+                </a:schemeClr>
+              </a:solidFill>
+              <a:effectLst/>
+              <a:latin typeface="Calibri" panose="020F0502020204030204" pitchFamily="34" charset="0"/>
+              <a:ea typeface="Calibri" panose="020F0502020204030204" pitchFamily="34" charset="0"/>
+              <a:cs typeface="Times New Roman" panose="02020603050405020304" pitchFamily="18" charset="0"/>
+            </a:endParaRPr>
+          </a:p>
+        </p:txBody>
+      </p:sp>
+      <p:sp>
+        <p:nvSpPr>
+          <p:cNvPr id="3" name="Прямоугольник 2">
+            <a:extLst>
+              <a:ext uri="{FF2B5EF4-FFF2-40B4-BE49-F238E27FC236}">
+                <a16:creationId xmlns:a16="http://schemas.microsoft.com/office/drawing/2014/main" id="{CD29A63D-C7BA-416A-825D-FE427E7046CB}"/>
+              </a:ext>
+            </a:extLst>
+          </p:cNvPr>
+          <p:cNvSpPr/>
+          <p:nvPr/>
+        </p:nvSpPr>
+        <p:spPr>
+          <a:xfrm>
+            <a:off x="1043608" y="1412776"/>
+            <a:ext cx="6624736" cy="3885103"/>
+          </a:xfrm>
+          <a:prstGeom prst="rect">
+            <a:avLst/>
+          </a:prstGeom>
+        </p:spPr>
+        <p:txBody>
+          <a:bodyPr wrap="square">
+            <a:spAutoFit/>
+          </a:bodyPr>
+          <a:lstStyle/>
+          <a:p>
+            <a:pPr>
+              <a:lnSpc>
+                <a:spcPct val="107000"/>
+              </a:lnSpc>
+              <a:spcAft>
+                <a:spcPts val="800"/>
+              </a:spcAft>
+            </a:pPr>
+            <a:r>
+              <a:rPr lang="ru-RU" sz="2000" dirty="0">
+                <a:solidFill>
+                  <a:schemeClr val="bg2">
+                    <a:lumMod val="75000"/>
+                  </a:schemeClr>
+                </a:solidFill>
+                <a:latin typeface="Calibri" panose="020F0502020204030204" pitchFamily="34" charset="0"/>
+                <a:ea typeface="Calibri" panose="020F0502020204030204" pitchFamily="34" charset="0"/>
+                <a:cs typeface="Times New Roman" panose="02020603050405020304" pitchFamily="18" charset="0"/>
+              </a:rPr>
+              <a:t>Возможности</a:t>
+            </a:r>
+          </a:p>
+          <a:p>
+            <a:pPr marL="285750" indent="-285750">
+              <a:lnSpc>
+                <a:spcPct val="107000"/>
+              </a:lnSpc>
+              <a:spcAft>
+                <a:spcPts val="800"/>
+              </a:spcAft>
+              <a:buFont typeface="Arial" panose="020B0604020202020204" pitchFamily="34" charset="0"/>
+              <a:buChar char="•"/>
+            </a:pPr>
+            <a:r>
+              <a:rPr lang="ru-RU" dirty="0">
+                <a:solidFill>
+                  <a:schemeClr val="bg2">
+                    <a:lumMod val="75000"/>
+                  </a:schemeClr>
+                </a:solidFill>
+                <a:latin typeface="Calibri" panose="020F0502020204030204" pitchFamily="34" charset="0"/>
+                <a:ea typeface="Calibri" panose="020F0502020204030204" pitchFamily="34" charset="0"/>
+                <a:cs typeface="Times New Roman" panose="02020603050405020304" pitchFamily="18" charset="0"/>
+              </a:rPr>
+              <a:t>Может взаимодействовать практически с любыми полевыми устройствами и производственными информационными системами. </a:t>
+            </a:r>
+          </a:p>
+          <a:p>
+            <a:pPr marL="285750" indent="-285750">
+              <a:lnSpc>
+                <a:spcPct val="107000"/>
+              </a:lnSpc>
+              <a:spcAft>
+                <a:spcPts val="800"/>
+              </a:spcAft>
+              <a:buFont typeface="Arial" panose="020B0604020202020204" pitchFamily="34" charset="0"/>
+              <a:buChar char="•"/>
+            </a:pPr>
+            <a:r>
+              <a:rPr lang="ru-RU" dirty="0">
+                <a:solidFill>
+                  <a:schemeClr val="bg2">
+                    <a:lumMod val="75000"/>
+                  </a:schemeClr>
+                </a:solidFill>
+                <a:latin typeface="Calibri" panose="020F0502020204030204" pitchFamily="34" charset="0"/>
+                <a:ea typeface="Calibri" panose="020F0502020204030204" pitchFamily="34" charset="0"/>
+                <a:cs typeface="Times New Roman" panose="02020603050405020304" pitchFamily="18" charset="0"/>
+              </a:rPr>
+              <a:t>Единая стандартизированная среда разработки.</a:t>
+            </a:r>
+          </a:p>
+          <a:p>
+            <a:pPr marL="285750" indent="-285750">
+              <a:lnSpc>
+                <a:spcPct val="107000"/>
+              </a:lnSpc>
+              <a:spcAft>
+                <a:spcPts val="800"/>
+              </a:spcAft>
+              <a:buFont typeface="Arial" panose="020B0604020202020204" pitchFamily="34" charset="0"/>
+              <a:buChar char="•"/>
+            </a:pPr>
+            <a:r>
+              <a:rPr lang="ru-RU" dirty="0">
+                <a:solidFill>
+                  <a:schemeClr val="bg2">
+                    <a:lumMod val="75000"/>
+                  </a:schemeClr>
+                </a:solidFill>
+                <a:latin typeface="Calibri" panose="020F0502020204030204" pitchFamily="34" charset="0"/>
+                <a:ea typeface="Calibri" panose="020F0502020204030204" pitchFamily="34" charset="0"/>
+                <a:cs typeface="Times New Roman" panose="02020603050405020304" pitchFamily="18" charset="0"/>
+              </a:rPr>
+              <a:t>Независимая от устройств визуализация, интеллектуальная система </a:t>
+            </a:r>
+            <a:r>
+              <a:rPr lang="ru-RU" dirty="0" err="1">
+                <a:solidFill>
+                  <a:schemeClr val="bg2">
+                    <a:lumMod val="75000"/>
+                  </a:schemeClr>
+                </a:solidFill>
+                <a:latin typeface="Calibri" panose="020F0502020204030204" pitchFamily="34" charset="0"/>
+                <a:ea typeface="Calibri" panose="020F0502020204030204" pitchFamily="34" charset="0"/>
+                <a:cs typeface="Times New Roman" panose="02020603050405020304" pitchFamily="18" charset="0"/>
+              </a:rPr>
+              <a:t>алармов</a:t>
+            </a:r>
+            <a:r>
+              <a:rPr lang="ru-RU" dirty="0">
+                <a:solidFill>
+                  <a:schemeClr val="bg2">
+                    <a:lumMod val="75000"/>
+                  </a:schemeClr>
+                </a:solidFill>
+                <a:latin typeface="Calibri" panose="020F0502020204030204" pitchFamily="34" charset="0"/>
+                <a:ea typeface="Calibri" panose="020F0502020204030204" pitchFamily="34" charset="0"/>
+                <a:cs typeface="Times New Roman" panose="02020603050405020304" pitchFamily="18" charset="0"/>
+              </a:rPr>
+              <a:t>, гибкие средства анализа и отчетности. </a:t>
+            </a:r>
+          </a:p>
+          <a:p>
+            <a:pPr marL="285750" indent="-285750">
+              <a:lnSpc>
+                <a:spcPct val="107000"/>
+              </a:lnSpc>
+              <a:spcAft>
+                <a:spcPts val="800"/>
+              </a:spcAft>
+              <a:buFont typeface="Arial" panose="020B0604020202020204" pitchFamily="34" charset="0"/>
+              <a:buChar char="•"/>
+            </a:pPr>
+            <a:r>
+              <a:rPr lang="ru-RU" dirty="0">
+                <a:solidFill>
+                  <a:schemeClr val="bg2">
+                    <a:lumMod val="75000"/>
+                  </a:schemeClr>
+                </a:solidFill>
+                <a:latin typeface="Calibri" panose="020F0502020204030204" pitchFamily="34" charset="0"/>
+                <a:ea typeface="Calibri" panose="020F0502020204030204" pitchFamily="34" charset="0"/>
+                <a:cs typeface="Times New Roman" panose="02020603050405020304" pitchFamily="18" charset="0"/>
+              </a:rPr>
+              <a:t>Среда разработки и тестирования может полностью размещаться в облаке</a:t>
+            </a:r>
+          </a:p>
+          <a:p>
+            <a:pPr marL="285750" indent="-285750">
+              <a:lnSpc>
+                <a:spcPct val="107000"/>
+              </a:lnSpc>
+              <a:spcAft>
+                <a:spcPts val="800"/>
+              </a:spcAft>
+              <a:buFont typeface="Arial" panose="020B0604020202020204" pitchFamily="34" charset="0"/>
+              <a:buChar char="•"/>
+            </a:pPr>
+            <a:r>
+              <a:rPr lang="ru-RU" dirty="0">
+                <a:solidFill>
+                  <a:schemeClr val="bg2">
+                    <a:lumMod val="75000"/>
+                  </a:schemeClr>
+                </a:solidFill>
+                <a:latin typeface="Calibri" panose="020F0502020204030204" pitchFamily="34" charset="0"/>
+                <a:ea typeface="Calibri" panose="020F0502020204030204" pitchFamily="34" charset="0"/>
+                <a:cs typeface="Times New Roman" panose="02020603050405020304" pitchFamily="18" charset="0"/>
+              </a:rPr>
+              <a:t>Новая конфигурация визуализации поддерживает возможность параллельной разработки. </a:t>
+            </a:r>
+          </a:p>
+        </p:txBody>
+      </p:sp>
+    </p:spTree>
+    <p:extLst>
+      <p:ext uri="{BB962C8B-B14F-4D97-AF65-F5344CB8AC3E}">
+        <p14:creationId xmlns:p14="http://schemas.microsoft.com/office/powerpoint/2010/main" val="3631617447"/>
+      </p:ext>
+    </p:extLst>
+  </p:cSld>
+  <p:clrMapOvr>
+    <a:masterClrMapping/>
+  </p:clrMapOvr>
+</p:sld>
+</file>
+
+<file path=ppt/slides/slide23.xml><?xml version="1.0" encoding="utf-8"?>
+<p:sld xmlns:a="http://schemas.openxmlformats.org/drawingml/2006/main" xmlns:r="http://schemas.openxmlformats.org/officeDocument/2006/relationships" xmlns:p="http://schemas.openxmlformats.org/presentationml/2006/main">
+  <p:cSld>
+    <p:spTree>
+      <p:nvGrpSpPr>
+        <p:cNvPr id="1" name=""/>
+        <p:cNvGrpSpPr/>
+        <p:nvPr/>
+      </p:nvGrpSpPr>
+      <p:grpSpPr>
+        <a:xfrm>
+          <a:off x="0" y="0"/>
+          <a:ext cx="0" cy="0"/>
+          <a:chOff x="0" y="0"/>
+          <a:chExt cx="0" cy="0"/>
+        </a:xfrm>
+      </p:grpSpPr>
+      <p:sp>
+        <p:nvSpPr>
+          <p:cNvPr id="2" name="Прямоугольник 1">
+            <a:extLst>
+              <a:ext uri="{FF2B5EF4-FFF2-40B4-BE49-F238E27FC236}">
+                <a16:creationId xmlns:a16="http://schemas.microsoft.com/office/drawing/2014/main" id="{B20AAF5C-993C-41F9-B61E-25440022A1DC}"/>
+              </a:ext>
+            </a:extLst>
+          </p:cNvPr>
+          <p:cNvSpPr/>
+          <p:nvPr/>
+        </p:nvSpPr>
+        <p:spPr>
+          <a:xfrm>
+            <a:off x="1259632" y="908720"/>
+            <a:ext cx="7272808" cy="4545796"/>
+          </a:xfrm>
+          <a:prstGeom prst="rect">
+            <a:avLst/>
+          </a:prstGeom>
+        </p:spPr>
+        <p:txBody>
+          <a:bodyPr wrap="square">
+            <a:spAutoFit/>
+          </a:bodyPr>
+          <a:lstStyle/>
+          <a:p>
+            <a:pPr>
+              <a:lnSpc>
+                <a:spcPct val="107000"/>
+              </a:lnSpc>
+              <a:spcAft>
+                <a:spcPts val="800"/>
+              </a:spcAft>
+            </a:pPr>
+            <a:r>
+              <a:rPr lang="ru-RU" sz="2000" dirty="0">
+                <a:solidFill>
+                  <a:schemeClr val="bg2">
+                    <a:lumMod val="75000"/>
+                  </a:schemeClr>
+                </a:solidFill>
+                <a:ea typeface="Calibri" panose="020F0502020204030204" pitchFamily="34" charset="0"/>
+                <a:cs typeface="Times New Roman" panose="02020603050405020304" pitchFamily="18" charset="0"/>
+              </a:rPr>
+              <a:t>Совместимость с базами данных </a:t>
+            </a:r>
+          </a:p>
+          <a:p>
+            <a:pPr marL="285750" indent="-285750">
+              <a:lnSpc>
+                <a:spcPct val="107000"/>
+              </a:lnSpc>
+              <a:spcAft>
+                <a:spcPts val="800"/>
+              </a:spcAft>
+              <a:buFont typeface="Arial" panose="020B0604020202020204" pitchFamily="34" charset="0"/>
+              <a:buChar char="•"/>
+            </a:pPr>
+            <a:r>
+              <a:rPr lang="en-US" dirty="0">
+                <a:solidFill>
+                  <a:schemeClr val="bg2">
+                    <a:lumMod val="75000"/>
+                  </a:schemeClr>
+                </a:solidFill>
+                <a:ea typeface="Calibri" panose="020F0502020204030204" pitchFamily="34" charset="0"/>
+                <a:cs typeface="Times New Roman" panose="02020603050405020304" pitchFamily="18" charset="0"/>
+              </a:rPr>
+              <a:t>SQL Server 2012 Standard (x64, x86), Enterprise (x64, x86), Express-SSMSE (x64, x86) SP2 </a:t>
+            </a:r>
+            <a:endParaRPr lang="ru-RU" dirty="0">
+              <a:solidFill>
+                <a:schemeClr val="bg2">
+                  <a:lumMod val="75000"/>
+                </a:schemeClr>
+              </a:solidFill>
+              <a:ea typeface="Calibri" panose="020F0502020204030204" pitchFamily="34" charset="0"/>
+              <a:cs typeface="Times New Roman" panose="02020603050405020304" pitchFamily="18" charset="0"/>
+            </a:endParaRPr>
+          </a:p>
+          <a:p>
+            <a:pPr marL="285750" indent="-285750">
+              <a:lnSpc>
+                <a:spcPct val="107000"/>
+              </a:lnSpc>
+              <a:spcAft>
+                <a:spcPts val="800"/>
+              </a:spcAft>
+              <a:buFont typeface="Arial" panose="020B0604020202020204" pitchFamily="34" charset="0"/>
+              <a:buChar char="•"/>
+            </a:pPr>
+            <a:r>
+              <a:rPr lang="en-US" dirty="0">
+                <a:solidFill>
+                  <a:schemeClr val="bg2">
+                    <a:lumMod val="75000"/>
+                  </a:schemeClr>
+                </a:solidFill>
+                <a:ea typeface="Calibri" panose="020F0502020204030204" pitchFamily="34" charset="0"/>
+                <a:cs typeface="Times New Roman" panose="02020603050405020304" pitchFamily="18" charset="0"/>
+              </a:rPr>
+              <a:t>SQL Server 2014 Standard (x64, x86), Enterprise (x64, x86), Express-SSMSE (x64, x86) </a:t>
+            </a:r>
+            <a:endParaRPr lang="ru-RU" dirty="0">
+              <a:solidFill>
+                <a:schemeClr val="bg2">
+                  <a:lumMod val="75000"/>
+                </a:schemeClr>
+              </a:solidFill>
+              <a:ea typeface="Calibri" panose="020F0502020204030204" pitchFamily="34" charset="0"/>
+              <a:cs typeface="Times New Roman" panose="02020603050405020304" pitchFamily="18" charset="0"/>
+            </a:endParaRPr>
+          </a:p>
+          <a:p>
+            <a:pPr marL="285750" indent="-285750">
+              <a:lnSpc>
+                <a:spcPct val="107000"/>
+              </a:lnSpc>
+              <a:spcAft>
+                <a:spcPts val="800"/>
+              </a:spcAft>
+              <a:buFont typeface="Arial" panose="020B0604020202020204" pitchFamily="34" charset="0"/>
+              <a:buChar char="•"/>
+            </a:pPr>
+            <a:r>
+              <a:rPr lang="en-US" dirty="0">
+                <a:solidFill>
+                  <a:schemeClr val="bg2">
+                    <a:lumMod val="75000"/>
+                  </a:schemeClr>
+                </a:solidFill>
+                <a:ea typeface="Calibri" panose="020F0502020204030204" pitchFamily="34" charset="0"/>
+                <a:cs typeface="Times New Roman" panose="02020603050405020304" pitchFamily="18" charset="0"/>
+              </a:rPr>
+              <a:t>SQL Server 2014 Standard (x64, x86), Enterprise (x64, x86), Express-SSMSE (x64, x86) SP1 </a:t>
+            </a:r>
+            <a:endParaRPr lang="ru-RU" dirty="0">
+              <a:solidFill>
+                <a:schemeClr val="bg2">
+                  <a:lumMod val="75000"/>
+                </a:schemeClr>
+              </a:solidFill>
+              <a:ea typeface="Calibri" panose="020F0502020204030204" pitchFamily="34" charset="0"/>
+              <a:cs typeface="Times New Roman" panose="02020603050405020304" pitchFamily="18" charset="0"/>
+            </a:endParaRPr>
+          </a:p>
+          <a:p>
+            <a:pPr marL="285750" indent="-285750">
+              <a:lnSpc>
+                <a:spcPct val="107000"/>
+              </a:lnSpc>
+              <a:spcAft>
+                <a:spcPts val="800"/>
+              </a:spcAft>
+              <a:buFont typeface="Arial" panose="020B0604020202020204" pitchFamily="34" charset="0"/>
+              <a:buChar char="•"/>
+            </a:pPr>
+            <a:r>
+              <a:rPr lang="en-US" dirty="0">
+                <a:solidFill>
+                  <a:schemeClr val="bg2">
+                    <a:lumMod val="75000"/>
+                  </a:schemeClr>
+                </a:solidFill>
+                <a:ea typeface="Calibri" panose="020F0502020204030204" pitchFamily="34" charset="0"/>
+                <a:cs typeface="Times New Roman" panose="02020603050405020304" pitchFamily="18" charset="0"/>
+              </a:rPr>
+              <a:t>SQL Server 2014 Standard (x64, x86), Enterprise (x64, x86), Express-SSMSE (x64, x86) SP2 </a:t>
+            </a:r>
+            <a:endParaRPr lang="ru-RU" dirty="0">
+              <a:solidFill>
+                <a:schemeClr val="bg2">
+                  <a:lumMod val="75000"/>
+                </a:schemeClr>
+              </a:solidFill>
+              <a:ea typeface="Calibri" panose="020F0502020204030204" pitchFamily="34" charset="0"/>
+              <a:cs typeface="Times New Roman" panose="02020603050405020304" pitchFamily="18" charset="0"/>
+            </a:endParaRPr>
+          </a:p>
+          <a:p>
+            <a:pPr marL="285750" indent="-285750">
+              <a:lnSpc>
+                <a:spcPct val="107000"/>
+              </a:lnSpc>
+              <a:spcAft>
+                <a:spcPts val="800"/>
+              </a:spcAft>
+              <a:buFont typeface="Arial" panose="020B0604020202020204" pitchFamily="34" charset="0"/>
+              <a:buChar char="•"/>
+            </a:pPr>
+            <a:r>
+              <a:rPr lang="en-US" dirty="0">
+                <a:solidFill>
+                  <a:schemeClr val="bg2">
+                    <a:lumMod val="75000"/>
+                  </a:schemeClr>
+                </a:solidFill>
+                <a:ea typeface="Calibri" panose="020F0502020204030204" pitchFamily="34" charset="0"/>
+                <a:cs typeface="Times New Roman" panose="02020603050405020304" pitchFamily="18" charset="0"/>
+              </a:rPr>
+              <a:t>SQL Server 2016 Standard (x64, x86), Enterprise (x64, x86), Express-SSMSE (x64, x86), </a:t>
+            </a:r>
+            <a:endParaRPr lang="ru-RU" dirty="0">
+              <a:solidFill>
+                <a:schemeClr val="bg2">
+                  <a:lumMod val="75000"/>
+                </a:schemeClr>
+              </a:solidFill>
+              <a:ea typeface="Calibri" panose="020F0502020204030204" pitchFamily="34" charset="0"/>
+              <a:cs typeface="Times New Roman" panose="02020603050405020304" pitchFamily="18" charset="0"/>
+            </a:endParaRPr>
+          </a:p>
+          <a:p>
+            <a:pPr marL="285750" indent="-285750">
+              <a:lnSpc>
+                <a:spcPct val="107000"/>
+              </a:lnSpc>
+              <a:spcAft>
+                <a:spcPts val="800"/>
+              </a:spcAft>
+              <a:buFont typeface="Arial" panose="020B0604020202020204" pitchFamily="34" charset="0"/>
+              <a:buChar char="•"/>
+            </a:pPr>
+            <a:r>
+              <a:rPr lang="en-US" dirty="0">
+                <a:solidFill>
+                  <a:schemeClr val="bg2">
+                    <a:lumMod val="75000"/>
+                  </a:schemeClr>
+                </a:solidFill>
+                <a:ea typeface="Calibri" panose="020F0502020204030204" pitchFamily="34" charset="0"/>
+                <a:cs typeface="Times New Roman" panose="02020603050405020304" pitchFamily="18" charset="0"/>
+              </a:rPr>
+              <a:t>SQL Server 2016 Enterprise (x64, x86), Express-SSMSE (x64, x86), Standard (x64, x86) SP1</a:t>
+            </a:r>
+            <a:endParaRPr lang="ru-RU" dirty="0">
+              <a:solidFill>
+                <a:schemeClr val="bg2">
+                  <a:lumMod val="75000"/>
+                </a:schemeClr>
+              </a:solidFill>
+              <a:ea typeface="Calibri" panose="020F0502020204030204" pitchFamily="34" charset="0"/>
+              <a:cs typeface="Times New Roman" panose="02020603050405020304" pitchFamily="18" charset="0"/>
+            </a:endParaRPr>
+          </a:p>
+        </p:txBody>
+      </p:sp>
+    </p:spTree>
+    <p:extLst>
+      <p:ext uri="{BB962C8B-B14F-4D97-AF65-F5344CB8AC3E}">
+        <p14:creationId xmlns:p14="http://schemas.microsoft.com/office/powerpoint/2010/main" val="3590310954"/>
+      </p:ext>
+    </p:extLst>
+  </p:cSld>
+  <p:clrMapOvr>
+    <a:masterClrMapping/>
+  </p:clrMapOvr>
+</p:sld>
+</file>
+
+<file path=ppt/slides/slide24.xml><?xml version="1.0" encoding="utf-8"?>
+<p:sld xmlns:a="http://schemas.openxmlformats.org/drawingml/2006/main" xmlns:r="http://schemas.openxmlformats.org/officeDocument/2006/relationships" xmlns:p="http://schemas.openxmlformats.org/presentationml/2006/main">
+  <p:cSld>
+    <p:spTree>
+      <p:nvGrpSpPr>
+        <p:cNvPr id="1" name=""/>
+        <p:cNvGrpSpPr/>
+        <p:nvPr/>
+      </p:nvGrpSpPr>
+      <p:grpSpPr>
+        <a:xfrm>
+          <a:off x="0" y="0"/>
+          <a:ext cx="0" cy="0"/>
+          <a:chOff x="0" y="0"/>
+          <a:chExt cx="0" cy="0"/>
+        </a:xfrm>
+      </p:grpSpPr>
+      <p:sp>
+        <p:nvSpPr>
+          <p:cNvPr id="5" name="Объект 2">
+            <a:extLst>
+              <a:ext uri="{FF2B5EF4-FFF2-40B4-BE49-F238E27FC236}">
+                <a16:creationId xmlns:a16="http://schemas.microsoft.com/office/drawing/2014/main" id="{57BF9525-EF74-4614-97B0-E9ED6EA3A9E0}"/>
+              </a:ext>
+            </a:extLst>
+          </p:cNvPr>
+          <p:cNvSpPr txBox="1">
+            <a:spLocks/>
+          </p:cNvSpPr>
+          <p:nvPr/>
+        </p:nvSpPr>
+        <p:spPr>
+          <a:xfrm>
+            <a:off x="1835696" y="428787"/>
+            <a:ext cx="6020195" cy="1354089"/>
+          </a:xfrm>
+          <a:prstGeom prst="rect">
+            <a:avLst/>
+          </a:prstGeom>
+        </p:spPr>
+        <p:txBody>
+          <a:bodyPr/>
+          <a:lstStyle>
+            <a:lvl1pPr marL="228600" indent="-228600" algn="l" defTabSz="914400" rtl="0" eaLnBrk="1" latinLnBrk="0" hangingPunct="1">
+              <a:lnSpc>
+                <a:spcPct val="120000"/>
+              </a:lnSpc>
+              <a:spcBef>
+                <a:spcPts val="1000"/>
+              </a:spcBef>
+              <a:buSzPct val="125000"/>
+              <a:buFont typeface="Arial" panose="020B0604020202020204" pitchFamily="34" charset="0"/>
+              <a:buChar char="•"/>
+              <a:defRPr sz="2400" kern="1200">
+                <a:solidFill>
+                  <a:schemeClr val="tx1"/>
+                </a:solidFill>
+                <a:latin typeface="+mn-lt"/>
+                <a:ea typeface="+mn-ea"/>
+                <a:cs typeface="+mn-cs"/>
+              </a:defRPr>
+            </a:lvl1pPr>
+            <a:lvl2pPr marL="685800" indent="-228600" algn="l" defTabSz="914400" rtl="0" eaLnBrk="1" latinLnBrk="0" hangingPunct="1">
+              <a:lnSpc>
+                <a:spcPct val="120000"/>
+              </a:lnSpc>
+              <a:spcBef>
+                <a:spcPts val="500"/>
+              </a:spcBef>
+              <a:buSzPct val="125000"/>
+              <a:buFont typeface="Arial" panose="020B0604020202020204" pitchFamily="34" charset="0"/>
+              <a:buChar char="•"/>
+              <a:defRPr sz="2000" kern="1200">
+                <a:solidFill>
+                  <a:schemeClr val="tx1"/>
+                </a:solidFill>
+                <a:latin typeface="+mn-lt"/>
+                <a:ea typeface="+mn-ea"/>
+                <a:cs typeface="+mn-cs"/>
+              </a:defRPr>
+            </a:lvl2pPr>
+            <a:lvl3pPr marL="1143000" indent="-228600" algn="l" defTabSz="914400" rtl="0" eaLnBrk="1" latinLnBrk="0" hangingPunct="1">
+              <a:lnSpc>
+                <a:spcPct val="120000"/>
+              </a:lnSpc>
+              <a:spcBef>
+                <a:spcPts val="500"/>
+              </a:spcBef>
+              <a:buSzPct val="125000"/>
+              <a:buFont typeface="Arial" panose="020B0604020202020204" pitchFamily="34" charset="0"/>
+              <a:buChar char="•"/>
+              <a:defRPr sz="1800" kern="1200">
+                <a:solidFill>
+                  <a:schemeClr val="tx1"/>
+                </a:solidFill>
+                <a:latin typeface="+mn-lt"/>
+                <a:ea typeface="+mn-ea"/>
+                <a:cs typeface="+mn-cs"/>
+              </a:defRPr>
+            </a:lvl3pPr>
+            <a:lvl4pPr marL="1600200" indent="-228600" algn="l" defTabSz="914400" rtl="0" eaLnBrk="1" latinLnBrk="0" hangingPunct="1">
+              <a:lnSpc>
+                <a:spcPct val="120000"/>
+              </a:lnSpc>
+              <a:spcBef>
+                <a:spcPts val="500"/>
+              </a:spcBef>
+              <a:buSzPct val="125000"/>
+              <a:buFont typeface="Arial" panose="020B0604020202020204" pitchFamily="34" charset="0"/>
+              <a:buChar char="•"/>
+              <a:defRPr sz="1600" kern="1200">
+                <a:solidFill>
+                  <a:schemeClr val="tx1"/>
+                </a:solidFill>
+                <a:latin typeface="+mn-lt"/>
+                <a:ea typeface="+mn-ea"/>
+                <a:cs typeface="+mn-cs"/>
+              </a:defRPr>
+            </a:lvl4pPr>
+            <a:lvl5pPr marL="2057400" indent="-228600" algn="l" defTabSz="914400" rtl="0" eaLnBrk="1" latinLnBrk="0" hangingPunct="1">
+              <a:lnSpc>
+                <a:spcPct val="120000"/>
+              </a:lnSpc>
+              <a:spcBef>
+                <a:spcPts val="500"/>
+              </a:spcBef>
+              <a:buSzPct val="125000"/>
+              <a:buFont typeface="Arial" panose="020B0604020202020204" pitchFamily="34" charset="0"/>
+              <a:buChar char="•"/>
+              <a:defRPr sz="1600" kern="1200">
+                <a:solidFill>
+                  <a:schemeClr val="tx1"/>
+                </a:solidFill>
+                <a:latin typeface="+mn-lt"/>
+                <a:ea typeface="+mn-ea"/>
+                <a:cs typeface="+mn-cs"/>
+              </a:defRPr>
+            </a:lvl5pPr>
+            <a:lvl6pPr marL="2514600" indent="-228600" algn="l" defTabSz="914400" rtl="0" eaLnBrk="1" latinLnBrk="0" hangingPunct="1">
+              <a:lnSpc>
+                <a:spcPct val="120000"/>
+              </a:lnSpc>
+              <a:spcBef>
+                <a:spcPts val="500"/>
+              </a:spcBef>
+              <a:buSzPct val="125000"/>
+              <a:buFont typeface="Arial" panose="020B0604020202020204" pitchFamily="34" charset="0"/>
+              <a:buChar char="•"/>
+              <a:defRPr sz="1400" kern="1200">
+                <a:solidFill>
+                  <a:schemeClr val="tx1"/>
+                </a:solidFill>
+                <a:latin typeface="+mn-lt"/>
+                <a:ea typeface="+mn-ea"/>
+                <a:cs typeface="+mn-cs"/>
+              </a:defRPr>
+            </a:lvl6pPr>
+            <a:lvl7pPr marL="2971800" indent="-228600" algn="l" defTabSz="914400" rtl="0" eaLnBrk="1" latinLnBrk="0" hangingPunct="1">
+              <a:lnSpc>
+                <a:spcPct val="120000"/>
+              </a:lnSpc>
+              <a:spcBef>
+                <a:spcPts val="500"/>
+              </a:spcBef>
+              <a:buSzPct val="125000"/>
+              <a:buFont typeface="Arial" panose="020B0604020202020204" pitchFamily="34" charset="0"/>
+              <a:buChar char="•"/>
+              <a:defRPr sz="1400" kern="1200">
+                <a:solidFill>
+                  <a:schemeClr val="tx1"/>
+                </a:solidFill>
+                <a:latin typeface="+mn-lt"/>
+                <a:ea typeface="+mn-ea"/>
+                <a:cs typeface="+mn-cs"/>
+              </a:defRPr>
+            </a:lvl7pPr>
+            <a:lvl8pPr marL="3429000" indent="-228600" algn="l" defTabSz="914400" rtl="0" eaLnBrk="1" latinLnBrk="0" hangingPunct="1">
+              <a:lnSpc>
+                <a:spcPct val="120000"/>
+              </a:lnSpc>
+              <a:spcBef>
+                <a:spcPts val="500"/>
+              </a:spcBef>
+              <a:buSzPct val="125000"/>
+              <a:buFont typeface="Arial" panose="020B0604020202020204" pitchFamily="34" charset="0"/>
+              <a:buChar char="•"/>
+              <a:defRPr sz="1400" kern="1200">
+                <a:solidFill>
+                  <a:schemeClr val="tx1"/>
+                </a:solidFill>
+                <a:latin typeface="+mn-lt"/>
+                <a:ea typeface="+mn-ea"/>
+                <a:cs typeface="+mn-cs"/>
+              </a:defRPr>
+            </a:lvl8pPr>
+            <a:lvl9pPr marL="3886200" indent="-228600" algn="l" defTabSz="914400" rtl="0" eaLnBrk="1" latinLnBrk="0" hangingPunct="1">
+              <a:lnSpc>
+                <a:spcPct val="120000"/>
+              </a:lnSpc>
+              <a:spcBef>
+                <a:spcPts val="500"/>
+              </a:spcBef>
+              <a:buSzPct val="125000"/>
+              <a:buFont typeface="Arial" panose="020B0604020202020204" pitchFamily="34" charset="0"/>
+              <a:buChar char="•"/>
+              <a:defRPr sz="1400" kern="1200">
+                <a:solidFill>
+                  <a:schemeClr val="tx1"/>
+                </a:solidFill>
+                <a:latin typeface="+mn-lt"/>
+                <a:ea typeface="+mn-ea"/>
+                <a:cs typeface="+mn-cs"/>
+              </a:defRPr>
+            </a:lvl9pPr>
+          </a:lstStyle>
+          <a:p>
+            <a:pPr marL="0" indent="0">
+              <a:buFont typeface="Arial" panose="020B0604020202020204" pitchFamily="34" charset="0"/>
+              <a:buNone/>
+            </a:pPr>
+            <a:r>
+              <a:rPr lang="ru-RU" dirty="0">
+                <a:solidFill>
+                  <a:schemeClr val="bg1"/>
+                </a:solidFill>
+              </a:rPr>
+              <a:t>Распределенная система </a:t>
+            </a:r>
+            <a:r>
+              <a:rPr lang="en-US" dirty="0">
+                <a:solidFill>
+                  <a:schemeClr val="bg1"/>
+                </a:solidFill>
+              </a:rPr>
+              <a:t>(DCS)</a:t>
+            </a:r>
+            <a:endParaRPr lang="ru-RU" dirty="0">
+              <a:solidFill>
+                <a:schemeClr val="bg1"/>
+              </a:solidFill>
+            </a:endParaRPr>
+          </a:p>
+        </p:txBody>
+      </p:sp>
+      <p:pic>
+        <p:nvPicPr>
+          <p:cNvPr id="3" name="Рисунок 2">
+            <a:extLst>
+              <a:ext uri="{FF2B5EF4-FFF2-40B4-BE49-F238E27FC236}">
+                <a16:creationId xmlns:a16="http://schemas.microsoft.com/office/drawing/2014/main" id="{44D6DADD-006C-453A-A20F-864AF8C548BA}"/>
+              </a:ext>
+            </a:extLst>
+          </p:cNvPr>
+          <p:cNvPicPr>
+            <a:picLocks noChangeAspect="1"/>
+          </p:cNvPicPr>
+          <p:nvPr/>
+        </p:nvPicPr>
+        <p:blipFill>
+          <a:blip r:embed="rId2">
+            <a:extLst>
+              <a:ext uri="{28A0092B-C50C-407E-A947-70E740481C1C}">
+                <a14:useLocalDpi xmlns:a14="http://schemas.microsoft.com/office/drawing/2010/main" val="0"/>
+              </a:ext>
+            </a:extLst>
+          </a:blip>
+          <a:stretch>
+            <a:fillRect/>
+          </a:stretch>
+        </p:blipFill>
+        <p:spPr>
+          <a:xfrm>
+            <a:off x="1835696" y="1268760"/>
+            <a:ext cx="5876179" cy="4922559"/>
+          </a:xfrm>
+          <a:prstGeom prst="rect">
+            <a:avLst/>
+          </a:prstGeom>
+          <a:effectLst>
+            <a:softEdge rad="127000"/>
+          </a:effectLst>
+        </p:spPr>
+      </p:pic>
+    </p:spTree>
+    <p:extLst>
+      <p:ext uri="{BB962C8B-B14F-4D97-AF65-F5344CB8AC3E}">
+        <p14:creationId xmlns:p14="http://schemas.microsoft.com/office/powerpoint/2010/main" val="3033753804"/>
+      </p:ext>
+    </p:extLst>
+  </p:cSld>
+  <p:clrMapOvr>
+    <a:masterClrMapping/>
+  </p:clrMapOvr>
+</p:sld>
+</file>
+
+<file path=ppt/slides/slide25.xml><?xml version="1.0" encoding="utf-8"?>
+<p:sld xmlns:a="http://schemas.openxmlformats.org/drawingml/2006/main" xmlns:r="http://schemas.openxmlformats.org/officeDocument/2006/relationships" xmlns:p="http://schemas.openxmlformats.org/presentationml/2006/main">
+  <p:cSld>
+    <p:spTree>
+      <p:nvGrpSpPr>
+        <p:cNvPr id="1" name=""/>
+        <p:cNvGrpSpPr/>
+        <p:nvPr/>
+      </p:nvGrpSpPr>
+      <p:grpSpPr>
+        <a:xfrm>
+          <a:off x="0" y="0"/>
+          <a:ext cx="0" cy="0"/>
+          <a:chOff x="0" y="0"/>
+          <a:chExt cx="0" cy="0"/>
+        </a:xfrm>
+      </p:grpSpPr>
+      <p:sp>
+        <p:nvSpPr>
+          <p:cNvPr id="2" name="Прямоугольник 1">
+            <a:extLst>
+              <a:ext uri="{FF2B5EF4-FFF2-40B4-BE49-F238E27FC236}">
+                <a16:creationId xmlns:a16="http://schemas.microsoft.com/office/drawing/2014/main" id="{4F2277F6-5F5C-44B7-B992-D47DA6A8861D}"/>
+              </a:ext>
+            </a:extLst>
+          </p:cNvPr>
+          <p:cNvSpPr/>
+          <p:nvPr/>
+        </p:nvSpPr>
+        <p:spPr>
+          <a:xfrm>
+            <a:off x="2699792" y="476672"/>
+            <a:ext cx="3240360" cy="707886"/>
+          </a:xfrm>
+          <a:prstGeom prst="rect">
+            <a:avLst/>
+          </a:prstGeom>
+        </p:spPr>
+        <p:txBody>
+          <a:bodyPr wrap="square">
+            <a:spAutoFit/>
+          </a:bodyPr>
+          <a:lstStyle/>
+          <a:p>
+            <a:pPr algn="ctr"/>
+            <a:r>
+              <a:rPr lang="ru-RU" sz="4000" dirty="0" err="1">
+                <a:solidFill>
+                  <a:schemeClr val="bg2">
+                    <a:lumMod val="75000"/>
+                  </a:schemeClr>
+                </a:solidFill>
+                <a:latin typeface="+mj-lt"/>
+                <a:ea typeface="Calibri" panose="020F0502020204030204" pitchFamily="34" charset="0"/>
+                <a:cs typeface="Times New Roman" panose="02020603050405020304" pitchFamily="18" charset="0"/>
+              </a:rPr>
+              <a:t>WinCC</a:t>
+            </a:r>
+            <a:r>
+              <a:rPr lang="ru-RU" sz="4000" dirty="0">
+                <a:solidFill>
+                  <a:schemeClr val="bg2">
+                    <a:lumMod val="75000"/>
+                  </a:schemeClr>
+                </a:solidFill>
+                <a:latin typeface="+mj-lt"/>
+                <a:ea typeface="Calibri" panose="020F0502020204030204" pitchFamily="34" charset="0"/>
+                <a:cs typeface="Times New Roman" panose="02020603050405020304" pitchFamily="18" charset="0"/>
+              </a:rPr>
+              <a:t> OA</a:t>
+            </a:r>
+            <a:endParaRPr lang="ru-RU" sz="4000" dirty="0">
+              <a:solidFill>
+                <a:schemeClr val="bg2">
+                  <a:lumMod val="75000"/>
+                </a:schemeClr>
+              </a:solidFill>
+              <a:latin typeface="+mj-lt"/>
+            </a:endParaRPr>
+          </a:p>
+        </p:txBody>
+      </p:sp>
+      <p:sp>
+        <p:nvSpPr>
+          <p:cNvPr id="3" name="Прямоугольник 2">
+            <a:extLst>
+              <a:ext uri="{FF2B5EF4-FFF2-40B4-BE49-F238E27FC236}">
+                <a16:creationId xmlns:a16="http://schemas.microsoft.com/office/drawing/2014/main" id="{589890B5-A84B-4A00-A685-91CB7D81EE7A}"/>
+              </a:ext>
+            </a:extLst>
+          </p:cNvPr>
+          <p:cNvSpPr/>
+          <p:nvPr/>
+        </p:nvSpPr>
+        <p:spPr>
+          <a:xfrm>
+            <a:off x="971600" y="1184558"/>
+            <a:ext cx="7632848" cy="5519588"/>
+          </a:xfrm>
+          <a:prstGeom prst="rect">
+            <a:avLst/>
+          </a:prstGeom>
+        </p:spPr>
+        <p:txBody>
+          <a:bodyPr wrap="square">
+            <a:spAutoFit/>
+          </a:bodyPr>
+          <a:lstStyle/>
+          <a:p>
+            <a:pPr>
+              <a:lnSpc>
+                <a:spcPct val="107000"/>
+              </a:lnSpc>
+              <a:buSzPts val="1000"/>
+              <a:tabLst>
+                <a:tab pos="408940" algn="l"/>
+              </a:tabLst>
+            </a:pPr>
+            <a:r>
+              <a:rPr lang="ru-RU" sz="2000" dirty="0">
+                <a:solidFill>
+                  <a:schemeClr val="bg2">
+                    <a:lumMod val="75000"/>
+                  </a:schemeClr>
+                </a:solidFill>
+                <a:latin typeface="+mj-lt"/>
+              </a:rPr>
+              <a:t>Возможности: </a:t>
+            </a:r>
+          </a:p>
+          <a:p>
+            <a:pPr marL="342900" indent="-342900">
+              <a:lnSpc>
+                <a:spcPct val="107000"/>
+              </a:lnSpc>
+              <a:buSzPts val="1000"/>
+              <a:buFont typeface="Arial" panose="020B0604020202020204" pitchFamily="34" charset="0"/>
+              <a:buChar char="•"/>
+              <a:tabLst>
+                <a:tab pos="408940" algn="l"/>
+              </a:tabLst>
+            </a:pPr>
+            <a:r>
+              <a:rPr lang="ru-RU" dirty="0">
+                <a:solidFill>
+                  <a:schemeClr val="bg2">
+                    <a:lumMod val="75000"/>
+                  </a:schemeClr>
+                </a:solidFill>
+              </a:rPr>
+              <a:t>Горячее резервирование и резервирование центра управления </a:t>
+            </a:r>
+            <a:endParaRPr lang="ru-RU" dirty="0">
+              <a:solidFill>
+                <a:schemeClr val="bg2">
+                  <a:lumMod val="75000"/>
+                </a:schemeClr>
+              </a:solidFill>
+              <a:ea typeface="Calibri" panose="020F0502020204030204" pitchFamily="34" charset="0"/>
+              <a:cs typeface="Times New Roman" panose="02020603050405020304" pitchFamily="18" charset="0"/>
+            </a:endParaRPr>
+          </a:p>
+          <a:p>
+            <a:pPr marL="342900" lvl="0" indent="-342900">
+              <a:lnSpc>
+                <a:spcPct val="107000"/>
+              </a:lnSpc>
+              <a:spcAft>
+                <a:spcPts val="0"/>
+              </a:spcAft>
+              <a:buSzPts val="1000"/>
+              <a:buFont typeface="Arial" panose="020B0604020202020204" pitchFamily="34" charset="0"/>
+              <a:buChar char="•"/>
+              <a:tabLst>
+                <a:tab pos="408940" algn="l"/>
+              </a:tabLst>
+            </a:pPr>
+            <a:r>
+              <a:rPr lang="ru-RU" dirty="0">
+                <a:solidFill>
+                  <a:schemeClr val="bg2">
+                    <a:lumMod val="75000"/>
+                  </a:schemeClr>
+                </a:solidFill>
+                <a:ea typeface="Calibri" panose="020F0502020204030204" pitchFamily="34" charset="0"/>
+                <a:cs typeface="Times New Roman" panose="02020603050405020304" pitchFamily="18" charset="0"/>
+              </a:rPr>
+              <a:t>Формирование отчётов</a:t>
+            </a:r>
+          </a:p>
+          <a:p>
+            <a:pPr marL="342900" lvl="0" indent="-342900">
+              <a:lnSpc>
+                <a:spcPct val="107000"/>
+              </a:lnSpc>
+              <a:spcAft>
+                <a:spcPts val="0"/>
+              </a:spcAft>
+              <a:buSzPts val="1000"/>
+              <a:buFont typeface="Arial" panose="020B0604020202020204" pitchFamily="34" charset="0"/>
+              <a:buChar char="•"/>
+              <a:tabLst>
+                <a:tab pos="408940" algn="l"/>
+              </a:tabLst>
+            </a:pPr>
+            <a:r>
+              <a:rPr lang="ru-RU" dirty="0">
+                <a:solidFill>
+                  <a:schemeClr val="bg2">
+                    <a:lumMod val="75000"/>
+                  </a:schemeClr>
+                </a:solidFill>
+                <a:ea typeface="Calibri" panose="020F0502020204030204" pitchFamily="34" charset="0"/>
+                <a:cs typeface="Times New Roman" panose="02020603050405020304" pitchFamily="18" charset="0"/>
+              </a:rPr>
+              <a:t>Встроенный набор драйверов, протоколов и иных интеграционных средств </a:t>
+            </a:r>
+          </a:p>
+          <a:p>
+            <a:pPr marL="342900" lvl="0" indent="-342900">
+              <a:lnSpc>
+                <a:spcPct val="107000"/>
+              </a:lnSpc>
+              <a:spcAft>
+                <a:spcPts val="0"/>
+              </a:spcAft>
+              <a:buSzPts val="1000"/>
+              <a:buFont typeface="Arial" panose="020B0604020202020204" pitchFamily="34" charset="0"/>
+              <a:buChar char="•"/>
+              <a:tabLst>
+                <a:tab pos="408940" algn="l"/>
+              </a:tabLst>
+            </a:pPr>
+            <a:r>
+              <a:rPr lang="ru-RU" dirty="0">
+                <a:solidFill>
+                  <a:schemeClr val="bg2">
+                    <a:lumMod val="75000"/>
+                  </a:schemeClr>
+                </a:solidFill>
+                <a:ea typeface="Calibri" panose="020F0502020204030204" pitchFamily="34" charset="0"/>
+                <a:cs typeface="Times New Roman" panose="02020603050405020304" pitchFamily="18" charset="0"/>
+              </a:rPr>
+              <a:t>Возможность бесшовной интеграции</a:t>
+            </a:r>
+          </a:p>
+          <a:p>
+            <a:pPr marL="342900" lvl="0" indent="-342900">
+              <a:lnSpc>
+                <a:spcPct val="107000"/>
+              </a:lnSpc>
+              <a:spcAft>
+                <a:spcPts val="0"/>
+              </a:spcAft>
+              <a:buSzPts val="1000"/>
+              <a:buFont typeface="Arial" panose="020B0604020202020204" pitchFamily="34" charset="0"/>
+              <a:buChar char="•"/>
+              <a:tabLst>
+                <a:tab pos="408940" algn="l"/>
+              </a:tabLst>
+            </a:pPr>
+            <a:r>
+              <a:rPr lang="ru-RU" dirty="0">
+                <a:solidFill>
+                  <a:schemeClr val="bg2">
+                    <a:lumMod val="75000"/>
+                  </a:schemeClr>
+                </a:solidFill>
+                <a:ea typeface="Calibri" panose="020F0502020204030204" pitchFamily="34" charset="0"/>
+                <a:cs typeface="Times New Roman" panose="02020603050405020304" pitchFamily="18" charset="0"/>
+              </a:rPr>
+              <a:t>Стыковка с корпоративными информационными системами (MES, ERP, BI, PIMS, EMI…).</a:t>
+            </a:r>
+          </a:p>
+          <a:p>
+            <a:pPr marL="342900" lvl="0" indent="-342900">
+              <a:lnSpc>
+                <a:spcPct val="107000"/>
+              </a:lnSpc>
+              <a:spcAft>
+                <a:spcPts val="800"/>
+              </a:spcAft>
+              <a:buSzPts val="1000"/>
+              <a:buFont typeface="Arial" panose="020B0604020202020204" pitchFamily="34" charset="0"/>
+              <a:buChar char="•"/>
+              <a:tabLst>
+                <a:tab pos="408940" algn="l"/>
+              </a:tabLst>
+            </a:pPr>
+            <a:r>
+              <a:rPr lang="ru-RU" dirty="0">
+                <a:solidFill>
+                  <a:schemeClr val="bg2">
+                    <a:lumMod val="75000"/>
+                  </a:schemeClr>
+                </a:solidFill>
+                <a:ea typeface="Calibri" panose="020F0502020204030204" pitchFamily="34" charset="0"/>
+                <a:cs typeface="Times New Roman" panose="02020603050405020304" pitchFamily="18" charset="0"/>
+              </a:rPr>
+              <a:t>Стандартные и специализированные протоколы для организации межуровневого транспорта в т.ч. для каналов связи с низкой пропускной способностью.</a:t>
+            </a:r>
+          </a:p>
+          <a:p>
+            <a:pPr marL="342900" lvl="0" indent="-342900">
+              <a:lnSpc>
+                <a:spcPct val="107000"/>
+              </a:lnSpc>
+              <a:spcAft>
+                <a:spcPts val="800"/>
+              </a:spcAft>
+              <a:buSzPts val="1000"/>
+              <a:buFont typeface="Arial" panose="020B0604020202020204" pitchFamily="34" charset="0"/>
+              <a:buChar char="•"/>
+              <a:tabLst>
+                <a:tab pos="408940" algn="l"/>
+              </a:tabLst>
+            </a:pPr>
+            <a:r>
+              <a:rPr lang="ru-RU" dirty="0">
+                <a:solidFill>
+                  <a:schemeClr val="bg2">
+                    <a:lumMod val="75000"/>
+                  </a:schemeClr>
+                </a:solidFill>
+              </a:rPr>
+              <a:t>Возможность создания распределённых систем – до 2 048 серверов </a:t>
+            </a:r>
+            <a:r>
+              <a:rPr lang="ru-RU" dirty="0" err="1">
+                <a:solidFill>
+                  <a:schemeClr val="bg2">
+                    <a:lumMod val="75000"/>
+                  </a:schemeClr>
+                </a:solidFill>
+              </a:rPr>
+              <a:t>WinCC</a:t>
+            </a:r>
+            <a:r>
+              <a:rPr lang="ru-RU" dirty="0">
+                <a:solidFill>
+                  <a:schemeClr val="bg2">
+                    <a:lumMod val="75000"/>
+                  </a:schemeClr>
+                </a:solidFill>
+              </a:rPr>
+              <a:t> OA</a:t>
+            </a:r>
+          </a:p>
+          <a:p>
+            <a:pPr marL="342900" indent="-342900">
+              <a:lnSpc>
+                <a:spcPct val="107000"/>
+              </a:lnSpc>
+              <a:spcAft>
+                <a:spcPts val="800"/>
+              </a:spcAft>
+              <a:buSzPts val="1000"/>
+              <a:buFont typeface="Arial" panose="020B0604020202020204" pitchFamily="34" charset="0"/>
+              <a:buChar char="•"/>
+              <a:tabLst>
+                <a:tab pos="408940" algn="l"/>
+              </a:tabLst>
+            </a:pPr>
+            <a:r>
+              <a:rPr lang="ru-RU" dirty="0">
+                <a:solidFill>
+                  <a:schemeClr val="bg2">
+                    <a:lumMod val="75000"/>
+                  </a:schemeClr>
+                </a:solidFill>
+              </a:rPr>
+              <a:t>Широкий спектр драйверов и возможностей обмена данными – OPC, OPC UA, S7, </a:t>
+            </a:r>
+            <a:r>
+              <a:rPr lang="ru-RU" dirty="0" err="1">
+                <a:solidFill>
+                  <a:schemeClr val="bg2">
+                    <a:lumMod val="75000"/>
+                  </a:schemeClr>
+                </a:solidFill>
+              </a:rPr>
+              <a:t>Modbus</a:t>
+            </a:r>
+            <a:r>
+              <a:rPr lang="ru-RU" dirty="0">
+                <a:solidFill>
+                  <a:schemeClr val="bg2">
+                    <a:lumMod val="75000"/>
+                  </a:schemeClr>
+                </a:solidFill>
+              </a:rPr>
+              <a:t>, </a:t>
+            </a:r>
+            <a:r>
+              <a:rPr lang="ru-RU" dirty="0" err="1">
+                <a:solidFill>
+                  <a:schemeClr val="bg2">
+                    <a:lumMod val="75000"/>
+                  </a:schemeClr>
+                </a:solidFill>
+              </a:rPr>
+              <a:t>Rockwell</a:t>
+            </a:r>
+            <a:r>
+              <a:rPr lang="ru-RU" dirty="0">
+                <a:solidFill>
+                  <a:schemeClr val="bg2">
+                    <a:lumMod val="75000"/>
+                  </a:schemeClr>
+                </a:solidFill>
+              </a:rPr>
+              <a:t> </a:t>
+            </a:r>
+            <a:r>
+              <a:rPr lang="ru-RU" dirty="0" err="1">
+                <a:solidFill>
+                  <a:schemeClr val="bg2">
+                    <a:lumMod val="75000"/>
+                  </a:schemeClr>
+                </a:solidFill>
+              </a:rPr>
+              <a:t>EtherNet</a:t>
+            </a:r>
+            <a:r>
+              <a:rPr lang="ru-RU" dirty="0">
+                <a:solidFill>
+                  <a:schemeClr val="bg2">
+                    <a:lumMod val="75000"/>
+                  </a:schemeClr>
+                </a:solidFill>
+              </a:rPr>
+              <a:t>/IP, IEC 61850, IEC 60870-5-101/104, DNP3, XML, TCP/IP, …</a:t>
+            </a:r>
+          </a:p>
+          <a:p>
+            <a:pPr marL="342900" lvl="0" indent="-342900">
+              <a:lnSpc>
+                <a:spcPct val="107000"/>
+              </a:lnSpc>
+              <a:spcAft>
+                <a:spcPts val="800"/>
+              </a:spcAft>
+              <a:buSzPts val="1000"/>
+              <a:buFont typeface="Arial" panose="020B0604020202020204" pitchFamily="34" charset="0"/>
+              <a:buChar char="•"/>
+              <a:tabLst>
+                <a:tab pos="408940" algn="l"/>
+              </a:tabLst>
+            </a:pPr>
+            <a:endParaRPr lang="ru-RU" sz="2400" dirty="0">
+              <a:solidFill>
+                <a:schemeClr val="bg2">
+                  <a:lumMod val="75000"/>
+                </a:schemeClr>
+              </a:solidFill>
+              <a:latin typeface="Calibri" panose="020F0502020204030204" pitchFamily="34" charset="0"/>
+              <a:ea typeface="Calibri" panose="020F0502020204030204" pitchFamily="34" charset="0"/>
+              <a:cs typeface="Times New Roman" panose="02020603050405020304" pitchFamily="18" charset="0"/>
+            </a:endParaRPr>
+          </a:p>
+        </p:txBody>
+      </p:sp>
+    </p:spTree>
+    <p:extLst>
+      <p:ext uri="{BB962C8B-B14F-4D97-AF65-F5344CB8AC3E}">
+        <p14:creationId xmlns:p14="http://schemas.microsoft.com/office/powerpoint/2010/main" val="379358001"/>
       </p:ext>
     </p:extLst>
   </p:cSld>
@@ -14353,84 +17244,223 @@
       </p:grpSpPr>
       <p:sp>
         <p:nvSpPr>
-          <p:cNvPr id="4" name="Объект 2">
+          <p:cNvPr id="3" name="Прямоугольник 2">
             <a:extLst>
               <a:ext uri="{FF2B5EF4-FFF2-40B4-BE49-F238E27FC236}">
-                <a16:creationId xmlns:a16="http://schemas.microsoft.com/office/drawing/2014/main" id="{39A692C9-6C8A-4D09-A3EA-DE4139139F7C}"/>
+                <a16:creationId xmlns:a16="http://schemas.microsoft.com/office/drawing/2014/main" id="{E2139C62-515E-4F45-A35B-35D3CEAF62BC}"/>
               </a:ext>
             </a:extLst>
           </p:cNvPr>
-          <p:cNvSpPr>
-            <a:spLocks noGrp="1"/>
-          </p:cNvSpPr>
-          <p:nvPr>
-            <p:ph idx="1"/>
-          </p:nvPr>
+          <p:cNvSpPr/>
+          <p:nvPr/>
         </p:nvSpPr>
         <p:spPr>
           <a:xfrm>
-            <a:off x="1835696" y="428787"/>
-            <a:ext cx="6020195" cy="1354089"/>
-          </a:xfrm>
-        </p:spPr>
-        <p:txBody>
-          <a:bodyPr/>
-          <a:lstStyle/>
-          <a:p>
-            <a:pPr marL="0" indent="0">
-              <a:buNone/>
-            </a:pPr>
-            <a:r>
-              <a:rPr lang="ru-RU" dirty="0">
-                <a:solidFill>
-                  <a:schemeClr val="bg1"/>
-                </a:solidFill>
-              </a:rPr>
-              <a:t>Резервированная система</a:t>
-            </a:r>
-          </a:p>
-        </p:txBody>
-      </p:sp>
-      <p:pic>
-        <p:nvPicPr>
-          <p:cNvPr id="3" name="Рисунок 2">
-            <a:extLst>
-              <a:ext uri="{FF2B5EF4-FFF2-40B4-BE49-F238E27FC236}">
-                <a16:creationId xmlns:a16="http://schemas.microsoft.com/office/drawing/2014/main" id="{6C157BBE-395E-4B5A-8D3F-8A9BEE716BBC}"/>
-              </a:ext>
-            </a:extLst>
-          </p:cNvPr>
-          <p:cNvPicPr>
-            <a:picLocks noChangeAspect="1"/>
-          </p:cNvPicPr>
-          <p:nvPr/>
-        </p:nvPicPr>
-        <p:blipFill>
-          <a:blip r:embed="rId2">
-            <a:extLst>
-              <a:ext uri="{28A0092B-C50C-407E-A947-70E740481C1C}">
-                <a14:useLocalDpi xmlns:a14="http://schemas.microsoft.com/office/drawing/2010/main" val="0"/>
-              </a:ext>
-            </a:extLst>
-          </a:blip>
-          <a:stretch>
-            <a:fillRect/>
-          </a:stretch>
-        </p:blipFill>
-        <p:spPr>
-          <a:xfrm>
-            <a:off x="1513772" y="1340768"/>
-            <a:ext cx="6116455" cy="4577215"/>
+            <a:off x="1155748" y="764704"/>
+            <a:ext cx="6956520" cy="584775"/>
           </a:xfrm>
           <a:prstGeom prst="rect">
             <a:avLst/>
           </a:prstGeom>
-          <a:effectLst>
-            <a:softEdge rad="203200"/>
-          </a:effectLst>
         </p:spPr>
-      </p:pic>
+        <p:txBody>
+          <a:bodyPr wrap="none">
+            <a:spAutoFit/>
+          </a:bodyPr>
+          <a:lstStyle/>
+          <a:p>
+            <a:r>
+              <a:rPr lang="ru-RU" sz="3200" dirty="0">
+                <a:solidFill>
+                  <a:schemeClr val="bg2">
+                    <a:lumMod val="50000"/>
+                  </a:schemeClr>
+                </a:solidFill>
+              </a:rPr>
+              <a:t>Поддерживаемые архитектуры </a:t>
+            </a:r>
+            <a:r>
+              <a:rPr lang="en-US" sz="3200" dirty="0">
+                <a:solidFill>
+                  <a:schemeClr val="bg2">
+                    <a:lumMod val="50000"/>
+                  </a:schemeClr>
+                </a:solidFill>
+              </a:rPr>
+              <a:t>InTouch</a:t>
+            </a:r>
+            <a:endParaRPr lang="ru-RU" sz="3200" dirty="0">
+              <a:solidFill>
+                <a:schemeClr val="bg2">
+                  <a:lumMod val="50000"/>
+                </a:schemeClr>
+              </a:solidFill>
+            </a:endParaRPr>
+          </a:p>
+        </p:txBody>
+      </p:sp>
+      <p:sp>
+        <p:nvSpPr>
+          <p:cNvPr id="4" name="Прямоугольник 3">
+            <a:extLst>
+              <a:ext uri="{FF2B5EF4-FFF2-40B4-BE49-F238E27FC236}">
+                <a16:creationId xmlns:a16="http://schemas.microsoft.com/office/drawing/2014/main" id="{2CDAA6E1-E54E-499F-AAE4-7DF183F69643}"/>
+              </a:ext>
+            </a:extLst>
+          </p:cNvPr>
+          <p:cNvSpPr/>
+          <p:nvPr/>
+        </p:nvSpPr>
+        <p:spPr>
+          <a:xfrm>
+            <a:off x="1355392" y="1874728"/>
+            <a:ext cx="6756876" cy="3108543"/>
+          </a:xfrm>
+          <a:prstGeom prst="rect">
+            <a:avLst/>
+          </a:prstGeom>
+        </p:spPr>
+        <p:txBody>
+          <a:bodyPr wrap="square">
+            <a:spAutoFit/>
+          </a:bodyPr>
+          <a:lstStyle/>
+          <a:p>
+            <a:r>
+              <a:rPr lang="ru-RU" sz="2800" dirty="0">
+                <a:solidFill>
+                  <a:schemeClr val="bg2">
+                    <a:lumMod val="50000"/>
+                  </a:schemeClr>
+                </a:solidFill>
+              </a:rPr>
+              <a:t>Поддерживаются следующие сетевые архитектуры </a:t>
+            </a:r>
+            <a:r>
+              <a:rPr lang="ru-RU" sz="2800" dirty="0" err="1">
+                <a:solidFill>
+                  <a:schemeClr val="bg2">
+                    <a:lumMod val="50000"/>
+                  </a:schemeClr>
+                </a:solidFill>
+              </a:rPr>
+              <a:t>InTouch</a:t>
+            </a:r>
+            <a:r>
+              <a:rPr lang="ru-RU" sz="2800" dirty="0">
+                <a:solidFill>
+                  <a:schemeClr val="bg2">
+                    <a:lumMod val="50000"/>
+                  </a:schemeClr>
+                </a:solidFill>
+              </a:rPr>
+              <a:t>:</a:t>
+            </a:r>
+            <a:endParaRPr lang="en-US" sz="2800" dirty="0">
+              <a:solidFill>
+                <a:schemeClr val="bg2">
+                  <a:lumMod val="50000"/>
+                </a:schemeClr>
+              </a:solidFill>
+            </a:endParaRPr>
+          </a:p>
+          <a:p>
+            <a:r>
+              <a:rPr lang="ru-RU" sz="2800" dirty="0">
+                <a:solidFill>
+                  <a:schemeClr val="bg2">
+                    <a:lumMod val="50000"/>
+                  </a:schemeClr>
+                </a:solidFill>
+              </a:rPr>
+              <a:t>• </a:t>
+            </a:r>
+            <a:r>
+              <a:rPr lang="ru-RU" sz="2800" dirty="0" err="1">
+                <a:solidFill>
+                  <a:schemeClr val="bg2">
+                    <a:lumMod val="50000"/>
+                  </a:schemeClr>
+                </a:solidFill>
+              </a:rPr>
+              <a:t>однокомпьютерная</a:t>
+            </a:r>
+            <a:r>
+              <a:rPr lang="ru-RU" sz="2800" dirty="0">
+                <a:solidFill>
+                  <a:schemeClr val="bg2">
+                    <a:lumMod val="50000"/>
+                  </a:schemeClr>
+                </a:solidFill>
+              </a:rPr>
+              <a:t>;</a:t>
+            </a:r>
+            <a:endParaRPr lang="en-US" sz="2800" dirty="0">
+              <a:solidFill>
+                <a:schemeClr val="bg2">
+                  <a:lumMod val="50000"/>
+                </a:schemeClr>
+              </a:solidFill>
+            </a:endParaRPr>
+          </a:p>
+          <a:p>
+            <a:r>
+              <a:rPr lang="ru-RU" sz="2800" dirty="0">
+                <a:solidFill>
+                  <a:schemeClr val="bg2">
+                    <a:lumMod val="50000"/>
+                  </a:schemeClr>
+                </a:solidFill>
+              </a:rPr>
+              <a:t>• клиентская;</a:t>
+            </a:r>
+            <a:endParaRPr lang="en-US" sz="2800" dirty="0">
+              <a:solidFill>
+                <a:schemeClr val="bg2">
+                  <a:lumMod val="50000"/>
+                </a:schemeClr>
+              </a:solidFill>
+            </a:endParaRPr>
+          </a:p>
+          <a:p>
+            <a:r>
+              <a:rPr lang="ru-RU" sz="2800" dirty="0">
+                <a:solidFill>
+                  <a:schemeClr val="bg2">
+                    <a:lumMod val="50000"/>
+                  </a:schemeClr>
+                </a:solidFill>
+              </a:rPr>
+              <a:t>• серверная;</a:t>
+            </a:r>
+            <a:endParaRPr lang="en-US" sz="2800" dirty="0">
+              <a:solidFill>
+                <a:schemeClr val="bg2">
+                  <a:lumMod val="50000"/>
+                </a:schemeClr>
+              </a:solidFill>
+            </a:endParaRPr>
+          </a:p>
+          <a:p>
+            <a:r>
+              <a:rPr lang="ru-RU" sz="2800" dirty="0">
+                <a:solidFill>
+                  <a:schemeClr val="bg2">
+                    <a:lumMod val="50000"/>
+                  </a:schemeClr>
+                </a:solidFill>
+              </a:rPr>
+              <a:t>• система разработки сетевых приложений (NAD).</a:t>
+            </a:r>
+          </a:p>
+        </p:txBody>
+      </p:sp>
     </p:spTree>
+    <p:extLst>
+      <p:ext uri="{BB962C8B-B14F-4D97-AF65-F5344CB8AC3E}">
+        <p14:creationId xmlns:p14="http://schemas.microsoft.com/office/powerpoint/2010/main" val="451688572"/>
+      </p:ext>
+    </p:extLst>
   </p:cSld>
   <p:clrMapOvr>
     <a:masterClrMapping/>
@@ -14460,7 +17490,7 @@
           <p:cNvPr id="2" name="Прямоугольник 1">
             <a:extLst>
               <a:ext uri="{FF2B5EF4-FFF2-40B4-BE49-F238E27FC236}">
-                <a16:creationId xmlns:a16="http://schemas.microsoft.com/office/drawing/2014/main" id="{24BFA9E5-5F4B-413E-B860-F246E0EEBE2B}"/>
+                <a16:creationId xmlns:a16="http://schemas.microsoft.com/office/drawing/2014/main" id="{4E906EB2-2E9B-40EA-8ADF-BC5250375B78}"/>
               </a:ext>
             </a:extLst>
           </p:cNvPr>
@@ -14469,8 +17499,8 @@
         </p:nvSpPr>
         <p:spPr>
           <a:xfrm>
-            <a:off x="2555776" y="272842"/>
-            <a:ext cx="4176464" cy="707886"/>
+            <a:off x="1475656" y="476672"/>
+            <a:ext cx="6192688" cy="584775"/>
           </a:xfrm>
           <a:prstGeom prst="rect">
             <a:avLst/>
@@ -14482,379 +17512,69 @@
           </a:bodyPr>
           <a:lstStyle/>
           <a:p>
-            <a:pPr>
-              <a:spcAft>
-                <a:spcPts val="0"/>
-              </a:spcAft>
-            </a:pPr>
-            <a:r>
-              <a:rPr lang="ru-RU" sz="4000" kern="1400" spc="-50" dirty="0">
+            <a:r>
+              <a:rPr lang="ru-RU" sz="3200" dirty="0" err="1">
                 <a:solidFill>
                   <a:schemeClr val="bg2">
-                    <a:lumMod val="75000"/>
+                    <a:lumMod val="50000"/>
                   </a:schemeClr>
                 </a:solidFill>
-                <a:latin typeface="+mj-lt"/>
-                <a:ea typeface="Times New Roman" panose="02020603050405020304" pitchFamily="18" charset="0"/>
-                <a:cs typeface="Times New Roman" panose="02020603050405020304" pitchFamily="18" charset="0"/>
               </a:rPr>
-              <a:t>GE HMI SСADA </a:t>
-            </a:r>
-            <a:r>
-              <a:rPr lang="ru-RU" sz="4000" kern="1400" spc="-50" dirty="0" err="1">
+              <a:t>Однокомпьютерная</a:t>
+            </a:r>
+            <a:r>
+              <a:rPr lang="ru-RU" sz="3200" dirty="0">
                 <a:solidFill>
                   <a:schemeClr val="bg2">
-                    <a:lumMod val="75000"/>
+                    <a:lumMod val="50000"/>
                   </a:schemeClr>
                 </a:solidFill>
-                <a:latin typeface="+mj-lt"/>
-                <a:ea typeface="Times New Roman" panose="02020603050405020304" pitchFamily="18" charset="0"/>
-                <a:cs typeface="Times New Roman" panose="02020603050405020304" pitchFamily="18" charset="0"/>
               </a:rPr>
-              <a:t>iFix</a:t>
-            </a:r>
-            <a:endParaRPr lang="ru-RU" sz="4000" kern="1400" spc="-50" dirty="0">
-              <a:solidFill>
-                <a:schemeClr val="bg2">
-                  <a:lumMod val="75000"/>
-                </a:schemeClr>
-              </a:solidFill>
-              <a:effectLst/>
-              <a:latin typeface="+mj-lt"/>
-              <a:ea typeface="Times New Roman" panose="02020603050405020304" pitchFamily="18" charset="0"/>
-              <a:cs typeface="Times New Roman" panose="02020603050405020304" pitchFamily="18" charset="0"/>
-            </a:endParaRPr>
+              <a:t> архитектура</a:t>
+            </a:r>
           </a:p>
         </p:txBody>
       </p:sp>
-      <p:sp>
-        <p:nvSpPr>
-          <p:cNvPr id="3" name="Прямоугольник 2">
+      <p:pic>
+        <p:nvPicPr>
+          <p:cNvPr id="4" name="Рисунок 3">
             <a:extLst>
               <a:ext uri="{FF2B5EF4-FFF2-40B4-BE49-F238E27FC236}">
-                <a16:creationId xmlns:a16="http://schemas.microsoft.com/office/drawing/2014/main" id="{4167E38B-F8D3-4EAF-B091-27F777DD3D9A}"/>
+                <a16:creationId xmlns:a16="http://schemas.microsoft.com/office/drawing/2014/main" id="{90ABEADE-CC33-4C9F-8590-DEDF834A410E}"/>
               </a:ext>
             </a:extLst>
           </p:cNvPr>
-          <p:cNvSpPr/>
+          <p:cNvPicPr>
+            <a:picLocks noChangeAspect="1"/>
+          </p:cNvPicPr>
           <p:nvPr/>
-        </p:nvSpPr>
+        </p:nvPicPr>
+        <p:blipFill>
+          <a:blip r:embed="rId2">
+            <a:extLst>
+              <a:ext uri="{28A0092B-C50C-407E-A947-70E740481C1C}">
+                <a14:useLocalDpi xmlns:a14="http://schemas.microsoft.com/office/drawing/2010/main" val="0"/>
+              </a:ext>
+            </a:extLst>
+          </a:blip>
+          <a:stretch>
+            <a:fillRect/>
+          </a:stretch>
+        </p:blipFill>
         <p:spPr>
           <a:xfrm>
-            <a:off x="971600" y="980728"/>
-            <a:ext cx="7344816" cy="5017143"/>
+            <a:off x="1331640" y="1837347"/>
+            <a:ext cx="6728443" cy="2920792"/>
           </a:xfrm>
           <a:prstGeom prst="rect">
             <a:avLst/>
           </a:prstGeom>
         </p:spPr>
-        <p:txBody>
-          <a:bodyPr wrap="square">
-            <a:spAutoFit/>
-          </a:bodyPr>
-          <a:lstStyle/>
-          <a:p>
-            <a:pPr indent="457200" algn="just">
-              <a:lnSpc>
-                <a:spcPct val="107000"/>
-              </a:lnSpc>
-              <a:spcAft>
-                <a:spcPts val="0"/>
-              </a:spcAft>
-            </a:pPr>
-            <a:r>
-              <a:rPr lang="ru-RU" sz="2000" dirty="0">
-                <a:solidFill>
-                  <a:schemeClr val="bg2">
-                    <a:lumMod val="75000"/>
-                  </a:schemeClr>
-                </a:solidFill>
-                <a:effectLst/>
-                <a:ea typeface="Calibri" panose="020F0502020204030204" pitchFamily="34" charset="0"/>
-                <a:cs typeface="Times New Roman" panose="02020603050405020304" pitchFamily="18" charset="0"/>
-              </a:rPr>
-              <a:t>Возможности:</a:t>
-            </a:r>
-          </a:p>
-          <a:p>
-            <a:pPr marL="285750" indent="-285750" algn="just">
-              <a:lnSpc>
-                <a:spcPct val="107000"/>
-              </a:lnSpc>
-              <a:buFont typeface="Arial" panose="020B0604020202020204" pitchFamily="34" charset="0"/>
-              <a:buChar char="•"/>
-            </a:pPr>
-            <a:r>
-              <a:rPr lang="ru-RU" sz="2000" dirty="0">
-                <a:solidFill>
-                  <a:schemeClr val="bg2">
-                    <a:lumMod val="75000"/>
-                  </a:schemeClr>
-                </a:solidFill>
-              </a:rPr>
-              <a:t>Горячее резервирование и автоматическое переключение серверов</a:t>
-            </a:r>
-          </a:p>
-          <a:p>
-            <a:pPr marL="285750" indent="-285750" algn="just">
-              <a:lnSpc>
-                <a:spcPct val="107000"/>
-              </a:lnSpc>
-              <a:spcAft>
-                <a:spcPts val="0"/>
-              </a:spcAft>
-              <a:buFont typeface="Arial" panose="020B0604020202020204" pitchFamily="34" charset="0"/>
-              <a:buChar char="•"/>
-            </a:pPr>
-            <a:r>
-              <a:rPr lang="ru-RU" sz="2000" dirty="0">
-                <a:solidFill>
-                  <a:schemeClr val="bg2">
-                    <a:lumMod val="75000"/>
-                  </a:schemeClr>
-                </a:solidFill>
-              </a:rPr>
-              <a:t>Обширный каталог высокопроизводительных прямых драйверов ввода/вывода и ОРС-серверов как для широко распространенных, так и для специализированных ПЛК</a:t>
-            </a:r>
-          </a:p>
-          <a:p>
-            <a:pPr marL="285750" indent="-285750" algn="just">
-              <a:lnSpc>
-                <a:spcPct val="107000"/>
-              </a:lnSpc>
-              <a:buFont typeface="Arial" panose="020B0604020202020204" pitchFamily="34" charset="0"/>
-              <a:buChar char="•"/>
-            </a:pPr>
-            <a:r>
-              <a:rPr lang="ru-RU" sz="2000" dirty="0">
-                <a:solidFill>
-                  <a:schemeClr val="bg2">
-                    <a:lumMod val="75000"/>
-                  </a:schemeClr>
-                </a:solidFill>
-              </a:rPr>
-              <a:t>Универсальный ОРС-клиент с возможностями конфигурации, мониторинга и оптимизации обмена с серверами ввода/вывода.</a:t>
-            </a:r>
-          </a:p>
-          <a:p>
-            <a:pPr marL="285750" indent="-285750" algn="just">
-              <a:lnSpc>
-                <a:spcPct val="107000"/>
-              </a:lnSpc>
-              <a:buFont typeface="Arial" panose="020B0604020202020204" pitchFamily="34" charset="0"/>
-              <a:buChar char="•"/>
-            </a:pPr>
-            <a:r>
-              <a:rPr lang="ru-RU" sz="2000" dirty="0">
-                <a:solidFill>
-                  <a:schemeClr val="bg2">
-                    <a:lumMod val="75000"/>
-                  </a:schemeClr>
-                </a:solidFill>
-              </a:rPr>
-              <a:t>Поддержка О</a:t>
-            </a:r>
-            <a:r>
-              <a:rPr lang="en-US" sz="2000" dirty="0">
-                <a:solidFill>
-                  <a:schemeClr val="bg2">
-                    <a:lumMod val="75000"/>
-                  </a:schemeClr>
-                </a:solidFill>
-              </a:rPr>
-              <a:t>PC DA, </a:t>
-            </a:r>
-            <a:r>
-              <a:rPr lang="ru-RU" sz="2000" dirty="0">
-                <a:solidFill>
-                  <a:schemeClr val="bg2">
-                    <a:lumMod val="75000"/>
-                  </a:schemeClr>
-                </a:solidFill>
-              </a:rPr>
-              <a:t>ОРС</a:t>
-            </a:r>
-            <a:r>
-              <a:rPr lang="en-US" sz="2000" dirty="0">
-                <a:solidFill>
-                  <a:schemeClr val="bg2">
-                    <a:lumMod val="75000"/>
-                  </a:schemeClr>
-                </a:solidFill>
-              </a:rPr>
-              <a:t> Alarm &amp; Events, SQL ODBC, COM/DCOM, OLE DB, ActiveX, .NET.</a:t>
-            </a:r>
-            <a:endParaRPr lang="ru-RU" sz="2000" dirty="0">
-              <a:solidFill>
-                <a:schemeClr val="bg2">
-                  <a:lumMod val="75000"/>
-                </a:schemeClr>
-              </a:solidFill>
-            </a:endParaRPr>
-          </a:p>
-          <a:p>
-            <a:pPr marL="285750" indent="-285750" algn="just">
-              <a:lnSpc>
-                <a:spcPct val="107000"/>
-              </a:lnSpc>
-              <a:buFont typeface="Arial" panose="020B0604020202020204" pitchFamily="34" charset="0"/>
-              <a:buChar char="•"/>
-            </a:pPr>
-            <a:r>
-              <a:rPr lang="en-US" sz="2000" dirty="0">
-                <a:solidFill>
-                  <a:schemeClr val="bg2">
-                    <a:lumMod val="75000"/>
-                  </a:schemeClr>
-                </a:solidFill>
-              </a:rPr>
-              <a:t>ODBC-</a:t>
-            </a:r>
-            <a:r>
-              <a:rPr lang="ru-RU" sz="2000" dirty="0">
-                <a:solidFill>
-                  <a:schemeClr val="bg2">
-                    <a:lumMod val="75000"/>
-                  </a:schemeClr>
-                </a:solidFill>
-              </a:rPr>
-              <a:t>драйверы</a:t>
-            </a:r>
-          </a:p>
-          <a:p>
-            <a:pPr marL="285750" indent="-285750" algn="just">
-              <a:lnSpc>
-                <a:spcPct val="107000"/>
-              </a:lnSpc>
-              <a:buFont typeface="Arial" panose="020B0604020202020204" pitchFamily="34" charset="0"/>
-              <a:buChar char="•"/>
-            </a:pPr>
-            <a:r>
-              <a:rPr lang="ru-RU" sz="2000" dirty="0">
-                <a:solidFill>
-                  <a:schemeClr val="bg2">
-                    <a:lumMod val="75000"/>
-                  </a:schemeClr>
-                </a:solidFill>
-              </a:rPr>
-              <a:t>Поддержка технологии </a:t>
-            </a:r>
-            <a:r>
-              <a:rPr lang="ru-RU" sz="2000" dirty="0" err="1">
-                <a:solidFill>
-                  <a:schemeClr val="bg2">
-                    <a:lumMod val="75000"/>
-                  </a:schemeClr>
-                </a:solidFill>
-              </a:rPr>
-              <a:t>Plug</a:t>
-            </a:r>
-            <a:r>
-              <a:rPr lang="ru-RU" sz="2000" dirty="0">
-                <a:solidFill>
-                  <a:schemeClr val="bg2">
-                    <a:lumMod val="75000"/>
-                  </a:schemeClr>
-                </a:solidFill>
-              </a:rPr>
-              <a:t> </a:t>
-            </a:r>
-            <a:r>
-              <a:rPr lang="ru-RU" sz="2000" dirty="0" err="1">
-                <a:solidFill>
-                  <a:schemeClr val="bg2">
-                    <a:lumMod val="75000"/>
-                  </a:schemeClr>
-                </a:solidFill>
-              </a:rPr>
-              <a:t>and</a:t>
-            </a:r>
-            <a:r>
-              <a:rPr lang="ru-RU" sz="2000" dirty="0">
-                <a:solidFill>
-                  <a:schemeClr val="bg2">
-                    <a:lumMod val="75000"/>
-                  </a:schemeClr>
-                </a:solidFill>
-              </a:rPr>
-              <a:t> </a:t>
-            </a:r>
-            <a:r>
-              <a:rPr lang="ru-RU" sz="2000" dirty="0" err="1">
-                <a:solidFill>
-                  <a:schemeClr val="bg2">
-                    <a:lumMod val="75000"/>
-                  </a:schemeClr>
-                </a:solidFill>
-              </a:rPr>
-              <a:t>Solve</a:t>
-            </a:r>
-            <a:r>
-              <a:rPr lang="ru-RU" sz="2000" dirty="0">
-                <a:solidFill>
-                  <a:schemeClr val="bg2">
-                    <a:lumMod val="75000"/>
-                  </a:schemeClr>
-                </a:solidFill>
-              </a:rPr>
-              <a:t>™</a:t>
-            </a:r>
-          </a:p>
-          <a:p>
-            <a:pPr marL="285750" indent="-285750" algn="just">
-              <a:lnSpc>
-                <a:spcPct val="107000"/>
-              </a:lnSpc>
-              <a:buFont typeface="Arial" panose="020B0604020202020204" pitchFamily="34" charset="0"/>
-              <a:buChar char="•"/>
-            </a:pPr>
-            <a:r>
-              <a:rPr lang="ru-RU" sz="2000" dirty="0">
-                <a:solidFill>
-                  <a:schemeClr val="bg2">
-                    <a:lumMod val="75000"/>
-                  </a:schemeClr>
-                </a:solidFill>
-              </a:rPr>
-              <a:t>Полная SCADA-функциональность через технологию «тонких» веб-клиентов GE </a:t>
-            </a:r>
-            <a:r>
-              <a:rPr lang="ru-RU" sz="2000" dirty="0" err="1">
-                <a:solidFill>
-                  <a:schemeClr val="bg2">
-                    <a:lumMod val="75000"/>
-                  </a:schemeClr>
-                </a:solidFill>
-              </a:rPr>
-              <a:t>WebSpace</a:t>
-            </a:r>
-            <a:r>
-              <a:rPr lang="ru-RU" sz="2000" dirty="0">
-                <a:solidFill>
-                  <a:schemeClr val="bg2">
-                    <a:lumMod val="75000"/>
-                  </a:schemeClr>
-                </a:solidFill>
-              </a:rPr>
-              <a:t>. </a:t>
-            </a:r>
-            <a:endParaRPr lang="ru-RU" sz="2000" dirty="0">
-              <a:solidFill>
-                <a:schemeClr val="bg2">
-                  <a:lumMod val="75000"/>
-                </a:schemeClr>
-              </a:solidFill>
-              <a:effectLst/>
-              <a:ea typeface="Calibri" panose="020F0502020204030204" pitchFamily="34" charset="0"/>
-              <a:cs typeface="Times New Roman" panose="02020603050405020304" pitchFamily="18" charset="0"/>
-            </a:endParaRPr>
-          </a:p>
-        </p:txBody>
-      </p:sp>
+      </p:pic>
     </p:spTree>
     <p:extLst>
       <p:ext uri="{BB962C8B-B14F-4D97-AF65-F5344CB8AC3E}">
-        <p14:creationId xmlns:p14="http://schemas.microsoft.com/office/powerpoint/2010/main" val="1022302768"/>
+        <p14:creationId xmlns:p14="http://schemas.microsoft.com/office/powerpoint/2010/main" val="1622546023"/>
       </p:ext>
     </p:extLst>
   </p:cSld>
@@ -14883,224 +17603,50 @@
       </p:grpSpPr>
       <p:sp>
         <p:nvSpPr>
-          <p:cNvPr id="5" name="Объект 2">
+          <p:cNvPr id="2" name="Прямоугольник 1">
             <a:extLst>
               <a:ext uri="{FF2B5EF4-FFF2-40B4-BE49-F238E27FC236}">
-                <a16:creationId xmlns:a16="http://schemas.microsoft.com/office/drawing/2014/main" id="{39A2C5C3-8F8E-4CD0-8534-32AF5EA005DB}"/>
+                <a16:creationId xmlns:a16="http://schemas.microsoft.com/office/drawing/2014/main" id="{C20B35E6-5EFC-450C-99C3-3954328036BE}"/>
               </a:ext>
             </a:extLst>
           </p:cNvPr>
-          <p:cNvSpPr txBox="1">
-            <a:spLocks/>
-          </p:cNvSpPr>
+          <p:cNvSpPr/>
           <p:nvPr/>
         </p:nvSpPr>
         <p:spPr>
           <a:xfrm>
-            <a:off x="1835696" y="428787"/>
-            <a:ext cx="6020195" cy="1354089"/>
+            <a:off x="2374026" y="980728"/>
+            <a:ext cx="4395947" cy="584775"/>
           </a:xfrm>
           <a:prstGeom prst="rect">
             <a:avLst/>
           </a:prstGeom>
         </p:spPr>
         <p:txBody>
-          <a:bodyPr/>
-          <a:lstStyle>
-            <a:lvl1pPr marL="228600" indent="-228600" algn="l" defTabSz="914400" rtl="0" eaLnBrk="1" latinLnBrk="0" hangingPunct="1">
-              <a:lnSpc>
-                <a:spcPct val="120000"/>
-              </a:lnSpc>
-              <a:spcBef>
-                <a:spcPts val="1000"/>
-              </a:spcBef>
-              <a:buSzPct val="125000"/>
-              <a:buFont typeface="Arial" panose="020B0604020202020204" pitchFamily="34" charset="0"/>
-              <a:buChar char="•"/>
-              <a:defRPr sz="2400" kern="1200">
-                <a:solidFill>
-                  <a:schemeClr val="tx1"/>
-                </a:solidFill>
-                <a:latin typeface="+mn-lt"/>
-                <a:ea typeface="+mn-ea"/>
-                <a:cs typeface="+mn-cs"/>
-              </a:defRPr>
-            </a:lvl1pPr>
-            <a:lvl2pPr marL="685800" indent="-228600" algn="l" defTabSz="914400" rtl="0" eaLnBrk="1" latinLnBrk="0" hangingPunct="1">
-              <a:lnSpc>
-                <a:spcPct val="120000"/>
-              </a:lnSpc>
-              <a:spcBef>
-                <a:spcPts val="500"/>
-              </a:spcBef>
-              <a:buSzPct val="125000"/>
-              <a:buFont typeface="Arial" panose="020B0604020202020204" pitchFamily="34" charset="0"/>
-              <a:buChar char="•"/>
-              <a:defRPr sz="2000" kern="1200">
-                <a:solidFill>
-                  <a:schemeClr val="tx1"/>
-                </a:solidFill>
-                <a:latin typeface="+mn-lt"/>
-                <a:ea typeface="+mn-ea"/>
-                <a:cs typeface="+mn-cs"/>
-              </a:defRPr>
-            </a:lvl2pPr>
-            <a:lvl3pPr marL="1143000" indent="-228600" algn="l" defTabSz="914400" rtl="0" eaLnBrk="1" latinLnBrk="0" hangingPunct="1">
-              <a:lnSpc>
-                <a:spcPct val="120000"/>
-              </a:lnSpc>
-              <a:spcBef>
-                <a:spcPts val="500"/>
-              </a:spcBef>
-              <a:buSzPct val="125000"/>
-              <a:buFont typeface="Arial" panose="020B0604020202020204" pitchFamily="34" charset="0"/>
-              <a:buChar char="•"/>
-              <a:defRPr sz="1800" kern="1200">
-                <a:solidFill>
-                  <a:schemeClr val="tx1"/>
-                </a:solidFill>
-                <a:latin typeface="+mn-lt"/>
-                <a:ea typeface="+mn-ea"/>
-                <a:cs typeface="+mn-cs"/>
-              </a:defRPr>
-            </a:lvl3pPr>
-            <a:lvl4pPr marL="1600200" indent="-228600" algn="l" defTabSz="914400" rtl="0" eaLnBrk="1" latinLnBrk="0" hangingPunct="1">
-              <a:lnSpc>
-                <a:spcPct val="120000"/>
-              </a:lnSpc>
-              <a:spcBef>
-                <a:spcPts val="500"/>
-              </a:spcBef>
-              <a:buSzPct val="125000"/>
-              <a:buFont typeface="Arial" panose="020B0604020202020204" pitchFamily="34" charset="0"/>
-              <a:buChar char="•"/>
-              <a:defRPr sz="1600" kern="1200">
-                <a:solidFill>
-                  <a:schemeClr val="tx1"/>
-                </a:solidFill>
-                <a:latin typeface="+mn-lt"/>
-                <a:ea typeface="+mn-ea"/>
-                <a:cs typeface="+mn-cs"/>
-              </a:defRPr>
-            </a:lvl4pPr>
-            <a:lvl5pPr marL="2057400" indent="-228600" algn="l" defTabSz="914400" rtl="0" eaLnBrk="1" latinLnBrk="0" hangingPunct="1">
-              <a:lnSpc>
-                <a:spcPct val="120000"/>
-              </a:lnSpc>
-              <a:spcBef>
-                <a:spcPts val="500"/>
-              </a:spcBef>
-              <a:buSzPct val="125000"/>
-              <a:buFont typeface="Arial" panose="020B0604020202020204" pitchFamily="34" charset="0"/>
-              <a:buChar char="•"/>
-              <a:defRPr sz="1600" kern="1200">
-                <a:solidFill>
-                  <a:schemeClr val="tx1"/>
-                </a:solidFill>
-                <a:latin typeface="+mn-lt"/>
-                <a:ea typeface="+mn-ea"/>
-                <a:cs typeface="+mn-cs"/>
-              </a:defRPr>
-            </a:lvl5pPr>
-            <a:lvl6pPr marL="2514600" indent="-228600" algn="l" defTabSz="914400" rtl="0" eaLnBrk="1" latinLnBrk="0" hangingPunct="1">
-              <a:lnSpc>
-                <a:spcPct val="120000"/>
-              </a:lnSpc>
-              <a:spcBef>
-                <a:spcPts val="500"/>
-              </a:spcBef>
-              <a:buSzPct val="125000"/>
-              <a:buFont typeface="Arial" panose="020B0604020202020204" pitchFamily="34" charset="0"/>
-              <a:buChar char="•"/>
-              <a:defRPr sz="1400" kern="1200">
-                <a:solidFill>
-                  <a:schemeClr val="tx1"/>
-                </a:solidFill>
-                <a:latin typeface="+mn-lt"/>
-                <a:ea typeface="+mn-ea"/>
-                <a:cs typeface="+mn-cs"/>
-              </a:defRPr>
-            </a:lvl6pPr>
-            <a:lvl7pPr marL="2971800" indent="-228600" algn="l" defTabSz="914400" rtl="0" eaLnBrk="1" latinLnBrk="0" hangingPunct="1">
-              <a:lnSpc>
-                <a:spcPct val="120000"/>
-              </a:lnSpc>
-              <a:spcBef>
-                <a:spcPts val="500"/>
-              </a:spcBef>
-              <a:buSzPct val="125000"/>
-              <a:buFont typeface="Arial" panose="020B0604020202020204" pitchFamily="34" charset="0"/>
-              <a:buChar char="•"/>
-              <a:defRPr sz="1400" kern="1200">
-                <a:solidFill>
-                  <a:schemeClr val="tx1"/>
-                </a:solidFill>
-                <a:latin typeface="+mn-lt"/>
-                <a:ea typeface="+mn-ea"/>
-                <a:cs typeface="+mn-cs"/>
-              </a:defRPr>
-            </a:lvl7pPr>
-            <a:lvl8pPr marL="3429000" indent="-228600" algn="l" defTabSz="914400" rtl="0" eaLnBrk="1" latinLnBrk="0" hangingPunct="1">
-              <a:lnSpc>
-                <a:spcPct val="120000"/>
-              </a:lnSpc>
-              <a:spcBef>
-                <a:spcPts val="500"/>
-              </a:spcBef>
-              <a:buSzPct val="125000"/>
-              <a:buFont typeface="Arial" panose="020B0604020202020204" pitchFamily="34" charset="0"/>
-              <a:buChar char="•"/>
-              <a:defRPr sz="1400" kern="1200">
-                <a:solidFill>
-                  <a:schemeClr val="tx1"/>
-                </a:solidFill>
-                <a:latin typeface="+mn-lt"/>
-                <a:ea typeface="+mn-ea"/>
-                <a:cs typeface="+mn-cs"/>
-              </a:defRPr>
-            </a:lvl8pPr>
-            <a:lvl9pPr marL="3886200" indent="-228600" algn="l" defTabSz="914400" rtl="0" eaLnBrk="1" latinLnBrk="0" hangingPunct="1">
-              <a:lnSpc>
-                <a:spcPct val="120000"/>
-              </a:lnSpc>
-              <a:spcBef>
-                <a:spcPts val="500"/>
-              </a:spcBef>
-              <a:buSzPct val="125000"/>
-              <a:buFont typeface="Arial" panose="020B0604020202020204" pitchFamily="34" charset="0"/>
-              <a:buChar char="•"/>
-              <a:defRPr sz="1400" kern="1200">
-                <a:solidFill>
-                  <a:schemeClr val="tx1"/>
-                </a:solidFill>
-                <a:latin typeface="+mn-lt"/>
-                <a:ea typeface="+mn-ea"/>
-                <a:cs typeface="+mn-cs"/>
-              </a:defRPr>
-            </a:lvl9pPr>
-          </a:lstStyle>
-          <a:p>
-            <a:pPr marL="0" indent="0">
-              <a:buFont typeface="Arial" panose="020B0604020202020204" pitchFamily="34" charset="0"/>
-              <a:buNone/>
-            </a:pPr>
-            <a:r>
-              <a:rPr lang="ru-RU" dirty="0">
-                <a:solidFill>
-                  <a:schemeClr val="bg1"/>
+          <a:bodyPr wrap="none">
+            <a:spAutoFit/>
+          </a:bodyPr>
+          <a:lstStyle/>
+          <a:p>
+            <a:r>
+              <a:rPr lang="ru-RU" sz="3200" dirty="0">
+                <a:solidFill>
+                  <a:schemeClr val="bg2">
+                    <a:lumMod val="50000"/>
+                  </a:schemeClr>
                 </a:solidFill>
               </a:rPr>
-              <a:t>Клиент-серверная система</a:t>
+              <a:t>Клиентская архитектура</a:t>
             </a:r>
           </a:p>
         </p:txBody>
       </p:sp>
       <p:pic>
         <p:nvPicPr>
-          <p:cNvPr id="3" name="Рисунок 2">
+          <p:cNvPr id="4" name="Рисунок 3">
             <a:extLst>
               <a:ext uri="{FF2B5EF4-FFF2-40B4-BE49-F238E27FC236}">
-                <a16:creationId xmlns:a16="http://schemas.microsoft.com/office/drawing/2014/main" id="{268B01ED-D83B-493D-825D-E1A240A66C8B}"/>
+                <a16:creationId xmlns:a16="http://schemas.microsoft.com/office/drawing/2014/main" id="{D16C6831-BABF-4A18-8D5A-82AEF76576BC}"/>
               </a:ext>
             </a:extLst>
           </p:cNvPr>
@@ -15123,18 +17669,20 @@
         </p:blipFill>
         <p:spPr>
           <a:xfrm>
-            <a:off x="1664167" y="1105831"/>
-            <a:ext cx="6363251" cy="5296359"/>
+            <a:off x="931183" y="2032084"/>
+            <a:ext cx="7281634" cy="2322096"/>
           </a:xfrm>
           <a:prstGeom prst="rect">
             <a:avLst/>
           </a:prstGeom>
-          <a:effectLst>
-            <a:softEdge rad="152400"/>
-          </a:effectLst>
         </p:spPr>
       </p:pic>
     </p:spTree>
+    <p:extLst>
+      <p:ext uri="{BB962C8B-B14F-4D97-AF65-F5344CB8AC3E}">
+        <p14:creationId xmlns:p14="http://schemas.microsoft.com/office/powerpoint/2010/main" val="3846081900"/>
+      </p:ext>
+    </p:extLst>
   </p:cSld>
   <p:clrMapOvr>
     <a:masterClrMapping/>
@@ -15164,7 +17712,7 @@
           <p:cNvPr id="2" name="Прямоугольник 1">
             <a:extLst>
               <a:ext uri="{FF2B5EF4-FFF2-40B4-BE49-F238E27FC236}">
-                <a16:creationId xmlns:a16="http://schemas.microsoft.com/office/drawing/2014/main" id="{96067386-0DF5-4354-85CC-D388206F8773}"/>
+                <a16:creationId xmlns:a16="http://schemas.microsoft.com/office/drawing/2014/main" id="{AA9ED8FF-12AC-4490-843A-1954533F8F64}"/>
               </a:ext>
             </a:extLst>
           </p:cNvPr>
@@ -15173,299 +17721,72 @@
         </p:nvSpPr>
         <p:spPr>
           <a:xfrm>
-            <a:off x="2915816" y="404664"/>
-            <a:ext cx="3888432" cy="721736"/>
+            <a:off x="2430837" y="908720"/>
+            <a:ext cx="4282326" cy="584775"/>
           </a:xfrm>
           <a:prstGeom prst="rect">
             <a:avLst/>
           </a:prstGeom>
         </p:spPr>
         <p:txBody>
-          <a:bodyPr wrap="square">
+          <a:bodyPr wrap="none">
             <a:spAutoFit/>
           </a:bodyPr>
           <a:lstStyle/>
           <a:p>
-            <a:pPr>
-              <a:lnSpc>
-                <a:spcPct val="107000"/>
-              </a:lnSpc>
-              <a:spcAft>
-                <a:spcPts val="800"/>
-              </a:spcAft>
-            </a:pPr>
-            <a:r>
-              <a:rPr lang="ru-RU" sz="4000" dirty="0" err="1">
+            <a:r>
+              <a:rPr lang="ru-RU" sz="3200" dirty="0">
                 <a:solidFill>
                   <a:schemeClr val="bg2">
-                    <a:lumMod val="75000"/>
+                    <a:lumMod val="50000"/>
                   </a:schemeClr>
                 </a:solidFill>
-                <a:latin typeface="Calibri" panose="020F0502020204030204" pitchFamily="34" charset="0"/>
-                <a:ea typeface="Calibri" panose="020F0502020204030204" pitchFamily="34" charset="0"/>
-                <a:cs typeface="Times New Roman" panose="02020603050405020304" pitchFamily="18" charset="0"/>
               </a:rPr>
-              <a:t>System</a:t>
-            </a:r>
-            <a:r>
-              <a:rPr lang="ru-RU" sz="4000" dirty="0">
-                <a:solidFill>
-                  <a:schemeClr val="bg2">
-                    <a:lumMod val="75000"/>
-                  </a:schemeClr>
-                </a:solidFill>
-                <a:latin typeface="Calibri" panose="020F0502020204030204" pitchFamily="34" charset="0"/>
-                <a:ea typeface="Calibri" panose="020F0502020204030204" pitchFamily="34" charset="0"/>
-                <a:cs typeface="Times New Roman" panose="02020603050405020304" pitchFamily="18" charset="0"/>
-              </a:rPr>
-              <a:t> </a:t>
-            </a:r>
-            <a:r>
-              <a:rPr lang="ru-RU" sz="4000" dirty="0" err="1">
-                <a:solidFill>
-                  <a:schemeClr val="bg2">
-                    <a:lumMod val="75000"/>
-                  </a:schemeClr>
-                </a:solidFill>
-                <a:latin typeface="Calibri" panose="020F0502020204030204" pitchFamily="34" charset="0"/>
-                <a:ea typeface="Calibri" panose="020F0502020204030204" pitchFamily="34" charset="0"/>
-                <a:cs typeface="Times New Roman" panose="02020603050405020304" pitchFamily="18" charset="0"/>
-              </a:rPr>
-              <a:t>Platform</a:t>
-            </a:r>
-            <a:r>
-              <a:rPr lang="ru-RU" sz="4000" dirty="0">
-                <a:solidFill>
-                  <a:schemeClr val="bg2">
-                    <a:lumMod val="75000"/>
-                  </a:schemeClr>
-                </a:solidFill>
-                <a:latin typeface="Calibri" panose="020F0502020204030204" pitchFamily="34" charset="0"/>
-                <a:ea typeface="Calibri" panose="020F0502020204030204" pitchFamily="34" charset="0"/>
-                <a:cs typeface="Times New Roman" panose="02020603050405020304" pitchFamily="18" charset="0"/>
-              </a:rPr>
-              <a:t>.</a:t>
-            </a:r>
-            <a:endParaRPr lang="ru-RU" sz="4000" dirty="0">
-              <a:solidFill>
-                <a:schemeClr val="bg2">
-                  <a:lumMod val="75000"/>
-                </a:schemeClr>
-              </a:solidFill>
-              <a:effectLst/>
-              <a:latin typeface="Calibri" panose="020F0502020204030204" pitchFamily="34" charset="0"/>
-              <a:ea typeface="Calibri" panose="020F0502020204030204" pitchFamily="34" charset="0"/>
-              <a:cs typeface="Times New Roman" panose="02020603050405020304" pitchFamily="18" charset="0"/>
-            </a:endParaRPr>
+              <a:t>Серверная архитектура</a:t>
+            </a:r>
           </a:p>
         </p:txBody>
       </p:sp>
-      <p:sp>
-        <p:nvSpPr>
-          <p:cNvPr id="3" name="Прямоугольник 2">
+      <p:pic>
+        <p:nvPicPr>
+          <p:cNvPr id="4" name="Рисунок 3">
             <a:extLst>
               <a:ext uri="{FF2B5EF4-FFF2-40B4-BE49-F238E27FC236}">
-                <a16:creationId xmlns:a16="http://schemas.microsoft.com/office/drawing/2014/main" id="{CD29A63D-C7BA-416A-825D-FE427E7046CB}"/>
+                <a16:creationId xmlns:a16="http://schemas.microsoft.com/office/drawing/2014/main" id="{9F4C1878-A0DC-4778-BB34-90896E9D1232}"/>
               </a:ext>
             </a:extLst>
           </p:cNvPr>
-          <p:cNvSpPr/>
+          <p:cNvPicPr>
+            <a:picLocks noChangeAspect="1"/>
+          </p:cNvPicPr>
           <p:nvPr/>
-        </p:nvSpPr>
+        </p:nvPicPr>
+        <p:blipFill>
+          <a:blip r:embed="rId2">
+            <a:extLst>
+              <a:ext uri="{28A0092B-C50C-407E-A947-70E740481C1C}">
+                <a14:useLocalDpi xmlns:a14="http://schemas.microsoft.com/office/drawing/2010/main" val="0"/>
+              </a:ext>
+            </a:extLst>
+          </a:blip>
+          <a:stretch>
+            <a:fillRect/>
+          </a:stretch>
+        </p:blipFill>
         <p:spPr>
           <a:xfrm>
-            <a:off x="1043608" y="1412776"/>
-            <a:ext cx="6624736" cy="3885103"/>
+            <a:off x="485800" y="2001196"/>
+            <a:ext cx="8172400" cy="2855607"/>
           </a:xfrm>
           <a:prstGeom prst="rect">
             <a:avLst/>
           </a:prstGeom>
         </p:spPr>
-        <p:txBody>
-          <a:bodyPr wrap="square">
-            <a:spAutoFit/>
-          </a:bodyPr>
-          <a:lstStyle/>
-          <a:p>
-            <a:pPr>
-              <a:lnSpc>
-                <a:spcPct val="107000"/>
-              </a:lnSpc>
-              <a:spcAft>
-                <a:spcPts val="800"/>
-              </a:spcAft>
-            </a:pPr>
-            <a:r>
-              <a:rPr lang="ru-RU" sz="2000" dirty="0">
-                <a:solidFill>
-                  <a:schemeClr val="bg2">
-                    <a:lumMod val="75000"/>
-                  </a:schemeClr>
-                </a:solidFill>
-                <a:latin typeface="Calibri" panose="020F0502020204030204" pitchFamily="34" charset="0"/>
-                <a:ea typeface="Calibri" panose="020F0502020204030204" pitchFamily="34" charset="0"/>
-                <a:cs typeface="Times New Roman" panose="02020603050405020304" pitchFamily="18" charset="0"/>
-              </a:rPr>
-              <a:t>Возможности</a:t>
-            </a:r>
-          </a:p>
-          <a:p>
-            <a:pPr marL="285750" indent="-285750">
-              <a:lnSpc>
-                <a:spcPct val="107000"/>
-              </a:lnSpc>
-              <a:spcAft>
-                <a:spcPts val="800"/>
-              </a:spcAft>
-              <a:buFont typeface="Arial" panose="020B0604020202020204" pitchFamily="34" charset="0"/>
-              <a:buChar char="•"/>
-            </a:pPr>
-            <a:r>
-              <a:rPr lang="ru-RU" dirty="0">
-                <a:solidFill>
-                  <a:schemeClr val="bg2">
-                    <a:lumMod val="75000"/>
-                  </a:schemeClr>
-                </a:solidFill>
-                <a:latin typeface="Calibri" panose="020F0502020204030204" pitchFamily="34" charset="0"/>
-                <a:ea typeface="Calibri" panose="020F0502020204030204" pitchFamily="34" charset="0"/>
-                <a:cs typeface="Times New Roman" panose="02020603050405020304" pitchFamily="18" charset="0"/>
-              </a:rPr>
-              <a:t>Может взаимодействовать практически с любыми полевыми устройствами и производственными информационными системами. </a:t>
-            </a:r>
-          </a:p>
-          <a:p>
-            <a:pPr marL="285750" indent="-285750">
-              <a:lnSpc>
-                <a:spcPct val="107000"/>
-              </a:lnSpc>
-              <a:spcAft>
-                <a:spcPts val="800"/>
-              </a:spcAft>
-              <a:buFont typeface="Arial" panose="020B0604020202020204" pitchFamily="34" charset="0"/>
-              <a:buChar char="•"/>
-            </a:pPr>
-            <a:r>
-              <a:rPr lang="ru-RU" dirty="0">
-                <a:solidFill>
-                  <a:schemeClr val="bg2">
-                    <a:lumMod val="75000"/>
-                  </a:schemeClr>
-                </a:solidFill>
-                <a:latin typeface="Calibri" panose="020F0502020204030204" pitchFamily="34" charset="0"/>
-                <a:ea typeface="Calibri" panose="020F0502020204030204" pitchFamily="34" charset="0"/>
-                <a:cs typeface="Times New Roman" panose="02020603050405020304" pitchFamily="18" charset="0"/>
-              </a:rPr>
-              <a:t>Единая стандартизированная среда разработки.</a:t>
-            </a:r>
-          </a:p>
-          <a:p>
-            <a:pPr marL="285750" indent="-285750">
-              <a:lnSpc>
-                <a:spcPct val="107000"/>
-              </a:lnSpc>
-              <a:spcAft>
-                <a:spcPts val="800"/>
-              </a:spcAft>
-              <a:buFont typeface="Arial" panose="020B0604020202020204" pitchFamily="34" charset="0"/>
-              <a:buChar char="•"/>
-            </a:pPr>
-            <a:r>
-              <a:rPr lang="ru-RU" dirty="0">
-                <a:solidFill>
-                  <a:schemeClr val="bg2">
-                    <a:lumMod val="75000"/>
-                  </a:schemeClr>
-                </a:solidFill>
-                <a:latin typeface="Calibri" panose="020F0502020204030204" pitchFamily="34" charset="0"/>
-                <a:ea typeface="Calibri" panose="020F0502020204030204" pitchFamily="34" charset="0"/>
-                <a:cs typeface="Times New Roman" panose="02020603050405020304" pitchFamily="18" charset="0"/>
-              </a:rPr>
-              <a:t>Независимая от устройств визуализация, интеллектуальная система </a:t>
-            </a:r>
-            <a:r>
-              <a:rPr lang="ru-RU" dirty="0" err="1">
-                <a:solidFill>
-                  <a:schemeClr val="bg2">
-                    <a:lumMod val="75000"/>
-                  </a:schemeClr>
-                </a:solidFill>
-                <a:latin typeface="Calibri" panose="020F0502020204030204" pitchFamily="34" charset="0"/>
-                <a:ea typeface="Calibri" panose="020F0502020204030204" pitchFamily="34" charset="0"/>
-                <a:cs typeface="Times New Roman" panose="02020603050405020304" pitchFamily="18" charset="0"/>
-              </a:rPr>
-              <a:t>алармов</a:t>
-            </a:r>
-            <a:r>
-              <a:rPr lang="ru-RU" dirty="0">
-                <a:solidFill>
-                  <a:schemeClr val="bg2">
-                    <a:lumMod val="75000"/>
-                  </a:schemeClr>
-                </a:solidFill>
-                <a:latin typeface="Calibri" panose="020F0502020204030204" pitchFamily="34" charset="0"/>
-                <a:ea typeface="Calibri" panose="020F0502020204030204" pitchFamily="34" charset="0"/>
-                <a:cs typeface="Times New Roman" panose="02020603050405020304" pitchFamily="18" charset="0"/>
-              </a:rPr>
-              <a:t>, гибкие средства анализа и отчетности. </a:t>
-            </a:r>
-          </a:p>
-          <a:p>
-            <a:pPr marL="285750" indent="-285750">
-              <a:lnSpc>
-                <a:spcPct val="107000"/>
-              </a:lnSpc>
-              <a:spcAft>
-                <a:spcPts val="800"/>
-              </a:spcAft>
-              <a:buFont typeface="Arial" panose="020B0604020202020204" pitchFamily="34" charset="0"/>
-              <a:buChar char="•"/>
-            </a:pPr>
-            <a:r>
-              <a:rPr lang="ru-RU" dirty="0">
-                <a:solidFill>
-                  <a:schemeClr val="bg2">
-                    <a:lumMod val="75000"/>
-                  </a:schemeClr>
-                </a:solidFill>
-                <a:latin typeface="Calibri" panose="020F0502020204030204" pitchFamily="34" charset="0"/>
-                <a:ea typeface="Calibri" panose="020F0502020204030204" pitchFamily="34" charset="0"/>
-                <a:cs typeface="Times New Roman" panose="02020603050405020304" pitchFamily="18" charset="0"/>
-              </a:rPr>
-              <a:t>Среда разработки и тестирования может полностью размещаться в облаке</a:t>
-            </a:r>
-          </a:p>
-          <a:p>
-            <a:pPr marL="285750" indent="-285750">
-              <a:lnSpc>
-                <a:spcPct val="107000"/>
-              </a:lnSpc>
-              <a:spcAft>
-                <a:spcPts val="800"/>
-              </a:spcAft>
-              <a:buFont typeface="Arial" panose="020B0604020202020204" pitchFamily="34" charset="0"/>
-              <a:buChar char="•"/>
-            </a:pPr>
-            <a:r>
-              <a:rPr lang="ru-RU" dirty="0">
-                <a:solidFill>
-                  <a:schemeClr val="bg2">
-                    <a:lumMod val="75000"/>
-                  </a:schemeClr>
-                </a:solidFill>
-                <a:latin typeface="Calibri" panose="020F0502020204030204" pitchFamily="34" charset="0"/>
-                <a:ea typeface="Calibri" panose="020F0502020204030204" pitchFamily="34" charset="0"/>
-                <a:cs typeface="Times New Roman" panose="02020603050405020304" pitchFamily="18" charset="0"/>
-              </a:rPr>
-              <a:t>Новая конфигурация визуализации поддерживает возможность параллельной разработки. </a:t>
-            </a:r>
-          </a:p>
-        </p:txBody>
-      </p:sp>
+      </p:pic>
     </p:spTree>
     <p:extLst>
       <p:ext uri="{BB962C8B-B14F-4D97-AF65-F5344CB8AC3E}">
-        <p14:creationId xmlns:p14="http://schemas.microsoft.com/office/powerpoint/2010/main" val="3631617447"/>
+        <p14:creationId xmlns:p14="http://schemas.microsoft.com/office/powerpoint/2010/main" val="503161471"/>
       </p:ext>
     </p:extLst>
   </p:cSld>
@@ -15497,7 +17818,7 @@
           <p:cNvPr id="2" name="Прямоугольник 1">
             <a:extLst>
               <a:ext uri="{FF2B5EF4-FFF2-40B4-BE49-F238E27FC236}">
-                <a16:creationId xmlns:a16="http://schemas.microsoft.com/office/drawing/2014/main" id="{B20AAF5C-993C-41F9-B61E-25440022A1DC}"/>
+                <a16:creationId xmlns:a16="http://schemas.microsoft.com/office/drawing/2014/main" id="{9B60FEF9-6D1F-40CF-A29E-935E510C6614}"/>
               </a:ext>
             </a:extLst>
           </p:cNvPr>
@@ -15506,8 +17827,8 @@
         </p:nvSpPr>
         <p:spPr>
           <a:xfrm>
-            <a:off x="1259632" y="908720"/>
-            <a:ext cx="7272808" cy="4545796"/>
+            <a:off x="1403648" y="476672"/>
+            <a:ext cx="6912768" cy="1077218"/>
           </a:xfrm>
           <a:prstGeom prst="rect">
             <a:avLst/>
@@ -15519,231 +17840,59 @@
           </a:bodyPr>
           <a:lstStyle/>
           <a:p>
-            <a:pPr>
-              <a:lnSpc>
-                <a:spcPct val="107000"/>
-              </a:lnSpc>
-              <a:spcAft>
-                <a:spcPts val="800"/>
-              </a:spcAft>
-            </a:pPr>
-            <a:r>
-              <a:rPr lang="ru-RU" sz="2000" dirty="0">
+            <a:r>
+              <a:rPr lang="ru-RU" sz="3200" dirty="0">
                 <a:solidFill>
                   <a:schemeClr val="bg2">
-                    <a:lumMod val="75000"/>
+                    <a:lumMod val="50000"/>
                   </a:schemeClr>
                 </a:solidFill>
-                <a:ea typeface="Calibri" panose="020F0502020204030204" pitchFamily="34" charset="0"/>
-                <a:cs typeface="Times New Roman" panose="02020603050405020304" pitchFamily="18" charset="0"/>
               </a:rPr>
-              <a:t>Совместимость с базами данных </a:t>
-            </a:r>
-          </a:p>
-          <a:p>
-            <a:pPr marL="285750" indent="-285750">
-              <a:lnSpc>
-                <a:spcPct val="107000"/>
-              </a:lnSpc>
-              <a:spcAft>
-                <a:spcPts val="800"/>
-              </a:spcAft>
-              <a:buFont typeface="Arial" panose="020B0604020202020204" pitchFamily="34" charset="0"/>
-              <a:buChar char="•"/>
-            </a:pPr>
-            <a:r>
-              <a:rPr lang="en-US" dirty="0">
-                <a:solidFill>
-                  <a:schemeClr val="bg2">
-                    <a:lumMod val="75000"/>
-                  </a:schemeClr>
-                </a:solidFill>
-                <a:ea typeface="Calibri" panose="020F0502020204030204" pitchFamily="34" charset="0"/>
-                <a:cs typeface="Times New Roman" panose="02020603050405020304" pitchFamily="18" charset="0"/>
-              </a:rPr>
-              <a:t>SQL Server 2012 Standard (x64, x86), Enterprise (x64, x86), Express-SSMSE (x64, x86) SP2 </a:t>
-            </a:r>
-            <a:endParaRPr lang="ru-RU" dirty="0">
-              <a:solidFill>
-                <a:schemeClr val="bg2">
-                  <a:lumMod val="75000"/>
-                </a:schemeClr>
-              </a:solidFill>
-              <a:ea typeface="Calibri" panose="020F0502020204030204" pitchFamily="34" charset="0"/>
-              <a:cs typeface="Times New Roman" panose="02020603050405020304" pitchFamily="18" charset="0"/>
-            </a:endParaRPr>
-          </a:p>
-          <a:p>
-            <a:pPr marL="285750" indent="-285750">
-              <a:lnSpc>
-                <a:spcPct val="107000"/>
-              </a:lnSpc>
-              <a:spcAft>
-                <a:spcPts val="800"/>
-              </a:spcAft>
-              <a:buFont typeface="Arial" panose="020B0604020202020204" pitchFamily="34" charset="0"/>
-              <a:buChar char="•"/>
-            </a:pPr>
-            <a:r>
-              <a:rPr lang="en-US" dirty="0">
-                <a:solidFill>
-                  <a:schemeClr val="bg2">
-                    <a:lumMod val="75000"/>
-                  </a:schemeClr>
-                </a:solidFill>
-                <a:ea typeface="Calibri" panose="020F0502020204030204" pitchFamily="34" charset="0"/>
-                <a:cs typeface="Times New Roman" panose="02020603050405020304" pitchFamily="18" charset="0"/>
-              </a:rPr>
-              <a:t>SQL Server 2014 Standard (x64, x86), Enterprise (x64, x86), Express-SSMSE (x64, x86) </a:t>
-            </a:r>
-            <a:endParaRPr lang="ru-RU" dirty="0">
-              <a:solidFill>
-                <a:schemeClr val="bg2">
-                  <a:lumMod val="75000"/>
-                </a:schemeClr>
-              </a:solidFill>
-              <a:ea typeface="Calibri" panose="020F0502020204030204" pitchFamily="34" charset="0"/>
-              <a:cs typeface="Times New Roman" panose="02020603050405020304" pitchFamily="18" charset="0"/>
-            </a:endParaRPr>
-          </a:p>
-          <a:p>
-            <a:pPr marL="285750" indent="-285750">
-              <a:lnSpc>
-                <a:spcPct val="107000"/>
-              </a:lnSpc>
-              <a:spcAft>
-                <a:spcPts val="800"/>
-              </a:spcAft>
-              <a:buFont typeface="Arial" panose="020B0604020202020204" pitchFamily="34" charset="0"/>
-              <a:buChar char="•"/>
-            </a:pPr>
-            <a:r>
-              <a:rPr lang="en-US" dirty="0">
-                <a:solidFill>
-                  <a:schemeClr val="bg2">
-                    <a:lumMod val="75000"/>
-                  </a:schemeClr>
-                </a:solidFill>
-                <a:ea typeface="Calibri" panose="020F0502020204030204" pitchFamily="34" charset="0"/>
-                <a:cs typeface="Times New Roman" panose="02020603050405020304" pitchFamily="18" charset="0"/>
-              </a:rPr>
-              <a:t>SQL Server 2014 Standard (x64, x86), Enterprise (x64, x86), Express-SSMSE (x64, x86) SP1 </a:t>
-            </a:r>
-            <a:endParaRPr lang="ru-RU" dirty="0">
-              <a:solidFill>
-                <a:schemeClr val="bg2">
-                  <a:lumMod val="75000"/>
-                </a:schemeClr>
-              </a:solidFill>
-              <a:ea typeface="Calibri" panose="020F0502020204030204" pitchFamily="34" charset="0"/>
-              <a:cs typeface="Times New Roman" panose="02020603050405020304" pitchFamily="18" charset="0"/>
-            </a:endParaRPr>
-          </a:p>
-          <a:p>
-            <a:pPr marL="285750" indent="-285750">
-              <a:lnSpc>
-                <a:spcPct val="107000"/>
-              </a:lnSpc>
-              <a:spcAft>
-                <a:spcPts val="800"/>
-              </a:spcAft>
-              <a:buFont typeface="Arial" panose="020B0604020202020204" pitchFamily="34" charset="0"/>
-              <a:buChar char="•"/>
-            </a:pPr>
-            <a:r>
-              <a:rPr lang="en-US" dirty="0">
-                <a:solidFill>
-                  <a:schemeClr val="bg2">
-                    <a:lumMod val="75000"/>
-                  </a:schemeClr>
-                </a:solidFill>
-                <a:ea typeface="Calibri" panose="020F0502020204030204" pitchFamily="34" charset="0"/>
-                <a:cs typeface="Times New Roman" panose="02020603050405020304" pitchFamily="18" charset="0"/>
-              </a:rPr>
-              <a:t>SQL Server 2014 Standard (x64, x86), Enterprise (x64, x86), Express-SSMSE (x64, x86) SP2 </a:t>
-            </a:r>
-            <a:endParaRPr lang="ru-RU" dirty="0">
-              <a:solidFill>
-                <a:schemeClr val="bg2">
-                  <a:lumMod val="75000"/>
-                </a:schemeClr>
-              </a:solidFill>
-              <a:ea typeface="Calibri" panose="020F0502020204030204" pitchFamily="34" charset="0"/>
-              <a:cs typeface="Times New Roman" panose="02020603050405020304" pitchFamily="18" charset="0"/>
-            </a:endParaRPr>
-          </a:p>
-          <a:p>
-            <a:pPr marL="285750" indent="-285750">
-              <a:lnSpc>
-                <a:spcPct val="107000"/>
-              </a:lnSpc>
-              <a:spcAft>
-                <a:spcPts val="800"/>
-              </a:spcAft>
-              <a:buFont typeface="Arial" panose="020B0604020202020204" pitchFamily="34" charset="0"/>
-              <a:buChar char="•"/>
-            </a:pPr>
-            <a:r>
-              <a:rPr lang="en-US" dirty="0">
-                <a:solidFill>
-                  <a:schemeClr val="bg2">
-                    <a:lumMod val="75000"/>
-                  </a:schemeClr>
-                </a:solidFill>
-                <a:ea typeface="Calibri" panose="020F0502020204030204" pitchFamily="34" charset="0"/>
-                <a:cs typeface="Times New Roman" panose="02020603050405020304" pitchFamily="18" charset="0"/>
-              </a:rPr>
-              <a:t>SQL Server 2016 Standard (x64, x86), Enterprise (x64, x86), Express-SSMSE (x64, x86), </a:t>
-            </a:r>
-            <a:endParaRPr lang="ru-RU" dirty="0">
-              <a:solidFill>
-                <a:schemeClr val="bg2">
-                  <a:lumMod val="75000"/>
-                </a:schemeClr>
-              </a:solidFill>
-              <a:ea typeface="Calibri" panose="020F0502020204030204" pitchFamily="34" charset="0"/>
-              <a:cs typeface="Times New Roman" panose="02020603050405020304" pitchFamily="18" charset="0"/>
-            </a:endParaRPr>
-          </a:p>
-          <a:p>
-            <a:pPr marL="285750" indent="-285750">
-              <a:lnSpc>
-                <a:spcPct val="107000"/>
-              </a:lnSpc>
-              <a:spcAft>
-                <a:spcPts val="800"/>
-              </a:spcAft>
-              <a:buFont typeface="Arial" panose="020B0604020202020204" pitchFamily="34" charset="0"/>
-              <a:buChar char="•"/>
-            </a:pPr>
-            <a:r>
-              <a:rPr lang="en-US" dirty="0">
-                <a:solidFill>
-                  <a:schemeClr val="bg2">
-                    <a:lumMod val="75000"/>
-                  </a:schemeClr>
-                </a:solidFill>
-                <a:ea typeface="Calibri" panose="020F0502020204030204" pitchFamily="34" charset="0"/>
-                <a:cs typeface="Times New Roman" panose="02020603050405020304" pitchFamily="18" charset="0"/>
-              </a:rPr>
-              <a:t>SQL Server 2016 Enterprise (x64, x86), Express-SSMSE (x64, x86), Standard (x64, x86) SP1</a:t>
-            </a:r>
-            <a:endParaRPr lang="ru-RU" dirty="0">
-              <a:solidFill>
-                <a:schemeClr val="bg2">
-                  <a:lumMod val="75000"/>
-                </a:schemeClr>
-              </a:solidFill>
-              <a:ea typeface="Calibri" panose="020F0502020204030204" pitchFamily="34" charset="0"/>
-              <a:cs typeface="Times New Roman" panose="02020603050405020304" pitchFamily="18" charset="0"/>
-            </a:endParaRPr>
+              <a:t>Архитектура разработки сетевых приложений (NAD)</a:t>
+            </a:r>
           </a:p>
         </p:txBody>
       </p:sp>
+      <p:pic>
+        <p:nvPicPr>
+          <p:cNvPr id="4" name="Рисунок 3">
+            <a:extLst>
+              <a:ext uri="{FF2B5EF4-FFF2-40B4-BE49-F238E27FC236}">
+                <a16:creationId xmlns:a16="http://schemas.microsoft.com/office/drawing/2014/main" id="{D95B030E-A8E2-490F-8372-D146A4DB87E0}"/>
+              </a:ext>
+            </a:extLst>
+          </p:cNvPr>
+          <p:cNvPicPr>
+            <a:picLocks noChangeAspect="1"/>
+          </p:cNvPicPr>
+          <p:nvPr/>
+        </p:nvPicPr>
+        <p:blipFill>
+          <a:blip r:embed="rId2">
+            <a:extLst>
+              <a:ext uri="{28A0092B-C50C-407E-A947-70E740481C1C}">
+                <a14:useLocalDpi xmlns:a14="http://schemas.microsoft.com/office/drawing/2010/main" val="0"/>
+              </a:ext>
+            </a:extLst>
+          </a:blip>
+          <a:stretch>
+            <a:fillRect/>
+          </a:stretch>
+        </p:blipFill>
+        <p:spPr>
+          <a:xfrm>
+            <a:off x="1115616" y="2160024"/>
+            <a:ext cx="7376492" cy="2537951"/>
+          </a:xfrm>
+          <a:prstGeom prst="rect">
+            <a:avLst/>
+          </a:prstGeom>
+        </p:spPr>
+      </p:pic>
     </p:spTree>
     <p:extLst>
       <p:ext uri="{BB962C8B-B14F-4D97-AF65-F5344CB8AC3E}">
-        <p14:creationId xmlns:p14="http://schemas.microsoft.com/office/powerpoint/2010/main" val="3590310954"/>
+        <p14:creationId xmlns:p14="http://schemas.microsoft.com/office/powerpoint/2010/main" val="3945194400"/>
       </p:ext>
     </p:extLst>
   </p:cSld>
@@ -16002,4 +18151,299 @@
     </a:ext>
   </a:extLst>
 </a:theme>
+</file>
+
+<file path=ppt/theme/theme2.xml><?xml version="1.0" encoding="utf-8"?>
+<a:theme xmlns:a="http://schemas.openxmlformats.org/drawingml/2006/main" name="Тема Office">
+  <a:themeElements>
+    <a:clrScheme name="Стандартная">
+      <a:dk1>
+        <a:sysClr val="windowText" lastClr="000000"/>
+      </a:dk1>
+      <a:lt1>
+        <a:sysClr val="window" lastClr="FFFFFF"/>
+      </a:lt1>
+      <a:dk2>
+        <a:srgbClr val="44546A"/>
+      </a:dk2>
+      <a:lt2>
+        <a:srgbClr val="E7E6E6"/>
+      </a:lt2>
+      <a:accent1>
+        <a:srgbClr val="4472C4"/>
+      </a:accent1>
+      <a:accent2>
+        <a:srgbClr val="ED7D31"/>
+      </a:accent2>
+      <a:accent3>
+        <a:srgbClr val="A5A5A5"/>
+      </a:accent3>
+      <a:accent4>
+        <a:srgbClr val="FFC000"/>
+      </a:accent4>
+      <a:accent5>
+        <a:srgbClr val="5B9BD5"/>
+      </a:accent5>
+      <a:accent6>
+        <a:srgbClr val="70AD47"/>
+      </a:accent6>
+      <a:hlink>
+        <a:srgbClr val="0563C1"/>
+      </a:hlink>
+      <a:folHlink>
+        <a:srgbClr val="954F72"/>
+      </a:folHlink>
+    </a:clrScheme>
+    <a:fontScheme name="Стандартная">
+      <a:majorFont>
+        <a:latin typeface="Calibri Light" panose="020F0302020204030204"/>
+        <a:ea typeface=""/>
+        <a:cs typeface=""/>
+        <a:font script="Jpan" typeface="游ゴシック Light"/>
+        <a:font script="Hang" typeface="맑은 고딕"/>
+        <a:font script="Hans" typeface="等线 Light"/>
+        <a:font script="Hant" typeface="新細明體"/>
+        <a:font script="Arab" typeface="Times New Roman"/>
+        <a:font script="Hebr" typeface="Times New Roman"/>
+        <a:font script="Thai" typeface="Angsana New"/>
+        <a:font script="Ethi" typeface="Nyala"/>
+        <a:font script="Beng" typeface="Vrinda"/>
+        <a:font script="Gujr" typeface="Shruti"/>
+        <a:font script="Khmr" typeface="MoolBoran"/>
+        <a:font script="Knda" typeface="Tunga"/>
+        <a:font script="Guru" typeface="Raavi"/>
+        <a:font script="Cans" typeface="Euphemia"/>
+        <a:font script="Cher" typeface="Plantagenet Cherokee"/>
+        <a:font script="Yiii" typeface="Microsoft Yi Baiti"/>
+        <a:font script="Tibt" typeface="Microsoft Himalaya"/>
+        <a:font script="Thaa" typeface="MV Boli"/>
+        <a:font script="Deva" typeface="Mangal"/>
+        <a:font script="Telu" typeface="Gautami"/>
+        <a:font script="Taml" typeface="Latha"/>
+        <a:font script="Syrc" typeface="Estrangelo Edessa"/>
+        <a:font script="Orya" typeface="Kalinga"/>
+        <a:font script="Mlym" typeface="Kartika"/>
+        <a:font script="Laoo" typeface="DokChampa"/>
+        <a:font script="Sinh" typeface="Iskoola Pota"/>
+        <a:font script="Mong" typeface="Mongolian Baiti"/>
+        <a:font script="Viet" typeface="Times New Roman"/>
+        <a:font script="Uigh" typeface="Microsoft Uighur"/>
+        <a:font script="Geor" typeface="Sylfaen"/>
+        <a:font script="Armn" typeface="Arial"/>
+        <a:font script="Bugi" typeface="Leelawadee UI"/>
+        <a:font script="Bopo" typeface="Microsoft JhengHei"/>
+        <a:font script="Java" typeface="Javanese Text"/>
+        <a:font script="Lisu" typeface="Segoe UI"/>
+        <a:font script="Mymr" typeface="Myanmar Text"/>
+        <a:font script="Nkoo" typeface="Ebrima"/>
+        <a:font script="Olck" typeface="Nirmala UI"/>
+        <a:font script="Osma" typeface="Ebrima"/>
+        <a:font script="Phag" typeface="Phagspa"/>
+        <a:font script="Syrn" typeface="Estrangelo Edessa"/>
+        <a:font script="Syrj" typeface="Estrangelo Edessa"/>
+        <a:font script="Syre" typeface="Estrangelo Edessa"/>
+        <a:font script="Sora" typeface="Nirmala UI"/>
+        <a:font script="Tale" typeface="Microsoft Tai Le"/>
+        <a:font script="Talu" typeface="Microsoft New Tai Lue"/>
+        <a:font script="Tfng" typeface="Ebrima"/>
+      </a:majorFont>
+      <a:minorFont>
+        <a:latin typeface="Calibri" panose="020F0502020204030204"/>
+        <a:ea typeface=""/>
+        <a:cs typeface=""/>
+        <a:font script="Jpan" typeface="游ゴシック"/>
+        <a:font script="Hang" typeface="맑은 고딕"/>
+        <a:font script="Hans" typeface="等线"/>
+        <a:font script="Hant" typeface="新細明體"/>
+        <a:font script="Arab" typeface="Arial"/>
+        <a:font script="Hebr" typeface="Arial"/>
+        <a:font script="Thai" typeface="Cordia New"/>
+        <a:font script="Ethi" typeface="Nyala"/>
+        <a:font script="Beng" typeface="Vrinda"/>
+        <a:font script="Gujr" typeface="Shruti"/>
+        <a:font script="Khmr" typeface="DaunPenh"/>
+        <a:font script="Knda" typeface="Tunga"/>
+        <a:font script="Guru" typeface="Raavi"/>
+        <a:font script="Cans" typeface="Euphemia"/>
+        <a:font script="Cher" typeface="Plantagenet Cherokee"/>
+        <a:font script="Yiii" typeface="Microsoft Yi Baiti"/>
+        <a:font script="Tibt" typeface="Microsoft Himalaya"/>
+        <a:font script="Thaa" typeface="MV Boli"/>
+        <a:font script="Deva" typeface="Mangal"/>
+        <a:font script="Telu" typeface="Gautami"/>
+        <a:font script="Taml" typeface="Latha"/>
+        <a:font script="Syrc" typeface="Estrangelo Edessa"/>
+        <a:font script="Orya" typeface="Kalinga"/>
+        <a:font script="Mlym" typeface="Kartika"/>
+        <a:font script="Laoo" typeface="DokChampa"/>
+        <a:font script="Sinh" typeface="Iskoola Pota"/>
+        <a:font script="Mong" typeface="Mongolian Baiti"/>
+        <a:font script="Viet" typeface="Arial"/>
+        <a:font script="Uigh" typeface="Microsoft Uighur"/>
+        <a:font script="Geor" typeface="Sylfaen"/>
+        <a:font script="Armn" typeface="Arial"/>
+        <a:font script="Bugi" typeface="Leelawadee UI"/>
+        <a:font script="Bopo" typeface="Microsoft JhengHei"/>
+        <a:font script="Java" typeface="Javanese Text"/>
+        <a:font script="Lisu" typeface="Segoe UI"/>
+        <a:font script="Mymr" typeface="Myanmar Text"/>
+        <a:font script="Nkoo" typeface="Ebrima"/>
+        <a:font script="Olck" typeface="Nirmala UI"/>
+        <a:font script="Osma" typeface="Ebrima"/>
+        <a:font script="Phag" typeface="Phagspa"/>
+        <a:font script="Syrn" typeface="Estrangelo Edessa"/>
+        <a:font script="Syrj" typeface="Estrangelo Edessa"/>
+        <a:font script="Syre" typeface="Estrangelo Edessa"/>
+        <a:font script="Sora" typeface="Nirmala UI"/>
+        <a:font script="Tale" typeface="Microsoft Tai Le"/>
+        <a:font script="Talu" typeface="Microsoft New Tai Lue"/>
+        <a:font script="Tfng" typeface="Ebrima"/>
+      </a:minorFont>
+    </a:fontScheme>
+    <a:fmtScheme name="Стандартная">
+      <a:fillStyleLst>
+        <a:solidFill>
+          <a:schemeClr val="phClr"/>
+        </a:solidFill>
+        <a:gradFill rotWithShape="1">
+          <a:gsLst>
+            <a:gs pos="0">
+              <a:schemeClr val="phClr">
+                <a:lumMod val="110000"/>
+                <a:satMod val="105000"/>
+                <a:tint val="67000"/>
+              </a:schemeClr>
+            </a:gs>
+            <a:gs pos="50000">
+              <a:schemeClr val="phClr">
+                <a:lumMod val="105000"/>
+                <a:satMod val="103000"/>
+                <a:tint val="73000"/>
+              </a:schemeClr>
+            </a:gs>
+            <a:gs pos="100000">
+              <a:schemeClr val="phClr">
+                <a:lumMod val="105000"/>
+                <a:satMod val="109000"/>
+                <a:tint val="81000"/>
+              </a:schemeClr>
+            </a:gs>
+          </a:gsLst>
+          <a:lin ang="5400000" scaled="0"/>
+        </a:gradFill>
+        <a:gradFill rotWithShape="1">
+          <a:gsLst>
+            <a:gs pos="0">
+              <a:schemeClr val="phClr">
+                <a:satMod val="103000"/>
+                <a:lumMod val="102000"/>
+                <a:tint val="94000"/>
+              </a:schemeClr>
+            </a:gs>
+            <a:gs pos="50000">
+              <a:schemeClr val="phClr">
+                <a:satMod val="110000"/>
+                <a:lumMod val="100000"/>
+                <a:shade val="100000"/>
+              </a:schemeClr>
+            </a:gs>
+            <a:gs pos="100000">
+              <a:schemeClr val="phClr">
+                <a:lumMod val="99000"/>
+                <a:satMod val="120000"/>
+                <a:shade val="78000"/>
+              </a:schemeClr>
+            </a:gs>
+          </a:gsLst>
+          <a:lin ang="5400000" scaled="0"/>
+        </a:gradFill>
+      </a:fillStyleLst>
+      <a:lnStyleLst>
+        <a:ln w="6350" cap="flat" cmpd="sng" algn="ctr">
+          <a:solidFill>
+            <a:schemeClr val="phClr"/>
+          </a:solidFill>
+          <a:prstDash val="solid"/>
+          <a:miter lim="800000"/>
+        </a:ln>
+        <a:ln w="12700" cap="flat" cmpd="sng" algn="ctr">
+          <a:solidFill>
+            <a:schemeClr val="phClr"/>
+          </a:solidFill>
+          <a:prstDash val="solid"/>
+          <a:miter lim="800000"/>
+        </a:ln>
+        <a:ln w="19050" cap="flat" cmpd="sng" algn="ctr">
+          <a:solidFill>
+            <a:schemeClr val="phClr"/>
+          </a:solidFill>
+          <a:prstDash val="solid"/>
+          <a:miter lim="800000"/>
+        </a:ln>
+      </a:lnStyleLst>
+      <a:effectStyleLst>
+        <a:effectStyle>
+          <a:effectLst/>
+        </a:effectStyle>
+        <a:effectStyle>
+          <a:effectLst/>
+        </a:effectStyle>
+        <a:effectStyle>
+          <a:effectLst>
+            <a:outerShdw blurRad="57150" dist="19050" dir="5400000" algn="ctr" rotWithShape="0">
+              <a:srgbClr val="000000">
+                <a:alpha val="63000"/>
+              </a:srgbClr>
+            </a:outerShdw>
+          </a:effectLst>
+        </a:effectStyle>
+      </a:effectStyleLst>
+      <a:bgFillStyleLst>
+        <a:solidFill>
+          <a:schemeClr val="phClr"/>
+        </a:solidFill>
+        <a:solidFill>
+          <a:schemeClr val="phClr">
+            <a:tint val="95000"/>
+            <a:satMod val="170000"/>
+          </a:schemeClr>
+        </a:solidFill>
+        <a:gradFill rotWithShape="1">
+          <a:gsLst>
+            <a:gs pos="0">
+              <a:schemeClr val="phClr">
+                <a:tint val="93000"/>
+                <a:satMod val="150000"/>
+                <a:shade val="98000"/>
+                <a:lumMod val="102000"/>
+              </a:schemeClr>
+            </a:gs>
+            <a:gs pos="50000">
+              <a:schemeClr val="phClr">
+                <a:tint val="98000"/>
+                <a:satMod val="130000"/>
+                <a:shade val="90000"/>
+                <a:lumMod val="103000"/>
+              </a:schemeClr>
+            </a:gs>
+            <a:gs pos="100000">
+              <a:schemeClr val="phClr">
+                <a:shade val="63000"/>
+                <a:satMod val="120000"/>
+              </a:schemeClr>
+            </a:gs>
+          </a:gsLst>
+          <a:lin ang="5400000" scaled="0"/>
+        </a:gradFill>
+      </a:bgFillStyleLst>
+    </a:fmtScheme>
+  </a:themeElements>
+  <a:objectDefaults/>
+  <a:extraClrSchemeLst/>
+  <a:extLst>
+    <a:ext uri="{05A4C25C-085E-4340-85A3-A5531E510DB2}">
+      <thm15:themeFamily xmlns:thm15="http://schemas.microsoft.com/office/thememl/2012/main" name="Office Theme" id="{62F939B6-93AF-4DB8-9C6B-D6C7DFDC589F}" vid="{4A3C46E8-61CC-4603-A589-7422A47A8E4A}"/>
+    </a:ext>
+  </a:extLst>
+</a:theme>
 </file>
--- a/итоговая.pptx
+++ b/итоговая.pptx
@@ -350,7 +350,7 @@
           <a:p>
             <a:fld id="{5649F021-9FAB-4CEA-A96A-A2DB693E74C4}" type="datetimeFigureOut">
               <a:rPr lang="ru-RU" smtClean="0"/>
-              <a:t>10.12.2019</a:t>
+              <a:t>11.12.2019</a:t>
             </a:fld>
             <a:endParaRPr lang="ru-RU"/>
           </a:p>
@@ -758,7 +758,7 @@
           <a:noFill/>
           <a:extLst>
             <a:ext uri="{909E8E84-426E-40dd-AFC4-6F175D3DCCD1}">
-              <a14:hiddenFill xmlns="" xmlns:a14="http://schemas.microsoft.com/office/drawing/2010/main">
+              <a14:hiddenFill xmlns:a14="http://schemas.microsoft.com/office/drawing/2010/main" xmlns="">
                 <a:solidFill>
                   <a:srgbClr val="FFFFFF"/>
                 </a:solidFill>
@@ -818,7 +818,7 @@
             </a:ln>
             <a:extLst>
               <a:ext uri="{91240B29-F687-4f45-9708-019B960494DF}">
-                <a14:hiddenLine xmlns="" xmlns:a14="http://schemas.microsoft.com/office/drawing/2010/main" w="9525">
+                <a14:hiddenLine xmlns:a14="http://schemas.microsoft.com/office/drawing/2010/main" xmlns="" w="9525">
                   <a:solidFill>
                     <a:srgbClr val="000000"/>
                   </a:solidFill>
@@ -908,7 +908,7 @@
             </a:ln>
             <a:extLst>
               <a:ext uri="{91240B29-F687-4f45-9708-019B960494DF}">
-                <a14:hiddenLine xmlns="" xmlns:a14="http://schemas.microsoft.com/office/drawing/2010/main" w="9525">
+                <a14:hiddenLine xmlns:a14="http://schemas.microsoft.com/office/drawing/2010/main" xmlns="" w="9525">
                   <a:solidFill>
                     <a:srgbClr val="000000"/>
                   </a:solidFill>
@@ -998,7 +998,7 @@
             </a:ln>
             <a:extLst>
               <a:ext uri="{91240B29-F687-4f45-9708-019B960494DF}">
-                <a14:hiddenLine xmlns="" xmlns:a14="http://schemas.microsoft.com/office/drawing/2010/main" w="9525">
+                <a14:hiddenLine xmlns:a14="http://schemas.microsoft.com/office/drawing/2010/main" xmlns="" w="9525">
                   <a:solidFill>
                     <a:srgbClr val="000000"/>
                   </a:solidFill>
@@ -1032,7 +1032,7 @@
             </a:ln>
             <a:extLst>
               <a:ext uri="{91240B29-F687-4f45-9708-019B960494DF}">
-                <a14:hiddenLine xmlns="" xmlns:a14="http://schemas.microsoft.com/office/drawing/2010/main" w="9525">
+                <a14:hiddenLine xmlns:a14="http://schemas.microsoft.com/office/drawing/2010/main" xmlns="" w="9525">
                   <a:solidFill>
                     <a:srgbClr val="000000"/>
                   </a:solidFill>
@@ -1122,7 +1122,7 @@
             </a:ln>
             <a:extLst>
               <a:ext uri="{91240B29-F687-4f45-9708-019B960494DF}">
-                <a14:hiddenLine xmlns="" xmlns:a14="http://schemas.microsoft.com/office/drawing/2010/main" w="9525">
+                <a14:hiddenLine xmlns:a14="http://schemas.microsoft.com/office/drawing/2010/main" xmlns="" w="9525">
                   <a:solidFill>
                     <a:srgbClr val="000000"/>
                   </a:solidFill>
@@ -1184,7 +1184,7 @@
             </a:ln>
             <a:extLst>
               <a:ext uri="{91240B29-F687-4f45-9708-019B960494DF}">
-                <a14:hiddenLine xmlns="" xmlns:a14="http://schemas.microsoft.com/office/drawing/2010/main" w="9525">
+                <a14:hiddenLine xmlns:a14="http://schemas.microsoft.com/office/drawing/2010/main" xmlns="" w="9525">
                   <a:solidFill>
                     <a:srgbClr val="000000"/>
                   </a:solidFill>
@@ -1246,7 +1246,7 @@
             </a:ln>
             <a:extLst>
               <a:ext uri="{91240B29-F687-4f45-9708-019B960494DF}">
-                <a14:hiddenLine xmlns="" xmlns:a14="http://schemas.microsoft.com/office/drawing/2010/main" w="9525">
+                <a14:hiddenLine xmlns:a14="http://schemas.microsoft.com/office/drawing/2010/main" xmlns="" w="9525">
                   <a:solidFill>
                     <a:srgbClr val="000000"/>
                   </a:solidFill>
@@ -1336,7 +1336,7 @@
             </a:ln>
             <a:extLst>
               <a:ext uri="{91240B29-F687-4f45-9708-019B960494DF}">
-                <a14:hiddenLine xmlns="" xmlns:a14="http://schemas.microsoft.com/office/drawing/2010/main" w="9525">
+                <a14:hiddenLine xmlns:a14="http://schemas.microsoft.com/office/drawing/2010/main" xmlns="" w="9525">
                   <a:solidFill>
                     <a:srgbClr val="000000"/>
                   </a:solidFill>
@@ -1398,7 +1398,7 @@
             </a:ln>
             <a:extLst>
               <a:ext uri="{91240B29-F687-4f45-9708-019B960494DF}">
-                <a14:hiddenLine xmlns="" xmlns:a14="http://schemas.microsoft.com/office/drawing/2010/main" w="9525">
+                <a14:hiddenLine xmlns:a14="http://schemas.microsoft.com/office/drawing/2010/main" xmlns="" w="9525">
                   <a:solidFill>
                     <a:srgbClr val="000000"/>
                   </a:solidFill>
@@ -1460,7 +1460,7 @@
             </a:ln>
             <a:extLst>
               <a:ext uri="{91240B29-F687-4f45-9708-019B960494DF}">
-                <a14:hiddenLine xmlns="" xmlns:a14="http://schemas.microsoft.com/office/drawing/2010/main" w="9525">
+                <a14:hiddenLine xmlns:a14="http://schemas.microsoft.com/office/drawing/2010/main" xmlns="" w="9525">
                   <a:solidFill>
                     <a:srgbClr val="000000"/>
                   </a:solidFill>
@@ -1550,7 +1550,7 @@
             </a:ln>
             <a:extLst>
               <a:ext uri="{91240B29-F687-4f45-9708-019B960494DF}">
-                <a14:hiddenLine xmlns="" xmlns:a14="http://schemas.microsoft.com/office/drawing/2010/main" w="9525">
+                <a14:hiddenLine xmlns:a14="http://schemas.microsoft.com/office/drawing/2010/main" xmlns="" w="9525">
                   <a:solidFill>
                     <a:srgbClr val="000000"/>
                   </a:solidFill>
@@ -1640,7 +1640,7 @@
             </a:ln>
             <a:extLst>
               <a:ext uri="{91240B29-F687-4f45-9708-019B960494DF}">
-                <a14:hiddenLine xmlns="" xmlns:a14="http://schemas.microsoft.com/office/drawing/2010/main" w="9525">
+                <a14:hiddenLine xmlns:a14="http://schemas.microsoft.com/office/drawing/2010/main" xmlns="" w="9525">
                   <a:solidFill>
                     <a:srgbClr val="000000"/>
                   </a:solidFill>
@@ -1702,7 +1702,7 @@
             </a:ln>
             <a:extLst>
               <a:ext uri="{91240B29-F687-4f45-9708-019B960494DF}">
-                <a14:hiddenLine xmlns="" xmlns:a14="http://schemas.microsoft.com/office/drawing/2010/main" w="9525">
+                <a14:hiddenLine xmlns:a14="http://schemas.microsoft.com/office/drawing/2010/main" xmlns="" w="9525">
                   <a:solidFill>
                     <a:srgbClr val="000000"/>
                   </a:solidFill>
@@ -1812,7 +1812,7 @@
             </a:ln>
             <a:extLst>
               <a:ext uri="{91240B29-F687-4f45-9708-019B960494DF}">
-                <a14:hiddenLine xmlns="" xmlns:a14="http://schemas.microsoft.com/office/drawing/2010/main" w="9525">
+                <a14:hiddenLine xmlns:a14="http://schemas.microsoft.com/office/drawing/2010/main" xmlns="" w="9525">
                   <a:solidFill>
                     <a:srgbClr val="000000"/>
                   </a:solidFill>
@@ -1874,7 +1874,7 @@
             </a:ln>
             <a:extLst>
               <a:ext uri="{91240B29-F687-4f45-9708-019B960494DF}">
-                <a14:hiddenLine xmlns="" xmlns:a14="http://schemas.microsoft.com/office/drawing/2010/main" w="9525">
+                <a14:hiddenLine xmlns:a14="http://schemas.microsoft.com/office/drawing/2010/main" xmlns="" w="9525">
                   <a:solidFill>
                     <a:srgbClr val="000000"/>
                   </a:solidFill>
@@ -1964,7 +1964,7 @@
             </a:ln>
             <a:extLst>
               <a:ext uri="{91240B29-F687-4f45-9708-019B960494DF}">
-                <a14:hiddenLine xmlns="" xmlns:a14="http://schemas.microsoft.com/office/drawing/2010/main" w="9525">
+                <a14:hiddenLine xmlns:a14="http://schemas.microsoft.com/office/drawing/2010/main" xmlns="" w="9525">
                   <a:solidFill>
                     <a:srgbClr val="000000"/>
                   </a:solidFill>
@@ -2054,7 +2054,7 @@
             </a:ln>
             <a:extLst>
               <a:ext uri="{91240B29-F687-4f45-9708-019B960494DF}">
-                <a14:hiddenLine xmlns="" xmlns:a14="http://schemas.microsoft.com/office/drawing/2010/main" w="9525">
+                <a14:hiddenLine xmlns:a14="http://schemas.microsoft.com/office/drawing/2010/main" xmlns="" w="9525">
                   <a:solidFill>
                     <a:srgbClr val="000000"/>
                   </a:solidFill>
@@ -2116,7 +2116,7 @@
             </a:ln>
             <a:extLst>
               <a:ext uri="{91240B29-F687-4f45-9708-019B960494DF}">
-                <a14:hiddenLine xmlns="" xmlns:a14="http://schemas.microsoft.com/office/drawing/2010/main" w="9525">
+                <a14:hiddenLine xmlns:a14="http://schemas.microsoft.com/office/drawing/2010/main" xmlns="" w="9525">
                   <a:solidFill>
                     <a:srgbClr val="000000"/>
                   </a:solidFill>
@@ -2206,7 +2206,7 @@
             </a:ln>
             <a:extLst>
               <a:ext uri="{91240B29-F687-4f45-9708-019B960494DF}">
-                <a14:hiddenLine xmlns="" xmlns:a14="http://schemas.microsoft.com/office/drawing/2010/main" w="9525">
+                <a14:hiddenLine xmlns:a14="http://schemas.microsoft.com/office/drawing/2010/main" xmlns="" w="9525">
                   <a:solidFill>
                     <a:srgbClr val="000000"/>
                   </a:solidFill>
@@ -2296,7 +2296,7 @@
             </a:ln>
             <a:extLst>
               <a:ext uri="{91240B29-F687-4f45-9708-019B960494DF}">
-                <a14:hiddenLine xmlns="" xmlns:a14="http://schemas.microsoft.com/office/drawing/2010/main" w="9525">
+                <a14:hiddenLine xmlns:a14="http://schemas.microsoft.com/office/drawing/2010/main" xmlns="" w="9525">
                   <a:solidFill>
                     <a:srgbClr val="000000"/>
                   </a:solidFill>
@@ -2352,7 +2352,7 @@
             </a:ln>
             <a:extLst>
               <a:ext uri="{91240B29-F687-4f45-9708-019B960494DF}">
-                <a14:hiddenLine xmlns="" xmlns:a14="http://schemas.microsoft.com/office/drawing/2010/main" w="9525">
+                <a14:hiddenLine xmlns:a14="http://schemas.microsoft.com/office/drawing/2010/main" xmlns="" w="9525">
                   <a:solidFill>
                     <a:srgbClr val="000000"/>
                   </a:solidFill>
@@ -2442,7 +2442,7 @@
             </a:ln>
             <a:extLst>
               <a:ext uri="{91240B29-F687-4f45-9708-019B960494DF}">
-                <a14:hiddenLine xmlns="" xmlns:a14="http://schemas.microsoft.com/office/drawing/2010/main" w="9525">
+                <a14:hiddenLine xmlns:a14="http://schemas.microsoft.com/office/drawing/2010/main" xmlns="" w="9525">
                   <a:solidFill>
                     <a:srgbClr val="000000"/>
                   </a:solidFill>
@@ -2498,7 +2498,7 @@
             </a:ln>
             <a:extLst>
               <a:ext uri="{91240B29-F687-4f45-9708-019B960494DF}">
-                <a14:hiddenLine xmlns="" xmlns:a14="http://schemas.microsoft.com/office/drawing/2010/main" w="9525">
+                <a14:hiddenLine xmlns:a14="http://schemas.microsoft.com/office/drawing/2010/main" xmlns="" w="9525">
                   <a:solidFill>
                     <a:srgbClr val="000000"/>
                   </a:solidFill>
@@ -2588,7 +2588,7 @@
             </a:ln>
             <a:extLst>
               <a:ext uri="{91240B29-F687-4f45-9708-019B960494DF}">
-                <a14:hiddenLine xmlns="" xmlns:a14="http://schemas.microsoft.com/office/drawing/2010/main" w="9525">
+                <a14:hiddenLine xmlns:a14="http://schemas.microsoft.com/office/drawing/2010/main" xmlns="" w="9525">
                   <a:solidFill>
                     <a:srgbClr val="000000"/>
                   </a:solidFill>
@@ -2656,7 +2656,7 @@
             </a:ln>
             <a:extLst>
               <a:ext uri="{91240B29-F687-4f45-9708-019B960494DF}">
-                <a14:hiddenLine xmlns="" xmlns:a14="http://schemas.microsoft.com/office/drawing/2010/main" w="9525">
+                <a14:hiddenLine xmlns:a14="http://schemas.microsoft.com/office/drawing/2010/main" xmlns="" w="9525">
                   <a:solidFill>
                     <a:srgbClr val="000000"/>
                   </a:solidFill>
@@ -2746,7 +2746,7 @@
             </a:ln>
             <a:extLst>
               <a:ext uri="{91240B29-F687-4f45-9708-019B960494DF}">
-                <a14:hiddenLine xmlns="" xmlns:a14="http://schemas.microsoft.com/office/drawing/2010/main" w="9525">
+                <a14:hiddenLine xmlns:a14="http://schemas.microsoft.com/office/drawing/2010/main" xmlns="" w="9525">
                   <a:solidFill>
                     <a:srgbClr val="000000"/>
                   </a:solidFill>
@@ -2814,7 +2814,7 @@
             </a:ln>
             <a:extLst>
               <a:ext uri="{91240B29-F687-4f45-9708-019B960494DF}">
-                <a14:hiddenLine xmlns="" xmlns:a14="http://schemas.microsoft.com/office/drawing/2010/main" w="9525">
+                <a14:hiddenLine xmlns:a14="http://schemas.microsoft.com/office/drawing/2010/main" xmlns="" w="9525">
                   <a:solidFill>
                     <a:srgbClr val="000000"/>
                   </a:solidFill>
@@ -2904,7 +2904,7 @@
             </a:ln>
             <a:extLst>
               <a:ext uri="{91240B29-F687-4f45-9708-019B960494DF}">
-                <a14:hiddenLine xmlns="" xmlns:a14="http://schemas.microsoft.com/office/drawing/2010/main" w="9525">
+                <a14:hiddenLine xmlns:a14="http://schemas.microsoft.com/office/drawing/2010/main" xmlns="" w="9525">
                   <a:solidFill>
                     <a:srgbClr val="000000"/>
                   </a:solidFill>
@@ -2938,7 +2938,7 @@
             </a:ln>
             <a:extLst>
               <a:ext uri="{91240B29-F687-4f45-9708-019B960494DF}">
-                <a14:hiddenLine xmlns="" xmlns:a14="http://schemas.microsoft.com/office/drawing/2010/main" w="9525">
+                <a14:hiddenLine xmlns:a14="http://schemas.microsoft.com/office/drawing/2010/main" xmlns="" w="9525">
                   <a:solidFill>
                     <a:srgbClr val="000000"/>
                   </a:solidFill>
@@ -3028,7 +3028,7 @@
             </a:ln>
             <a:extLst>
               <a:ext uri="{91240B29-F687-4f45-9708-019B960494DF}">
-                <a14:hiddenLine xmlns="" xmlns:a14="http://schemas.microsoft.com/office/drawing/2010/main" w="9525">
+                <a14:hiddenLine xmlns:a14="http://schemas.microsoft.com/office/drawing/2010/main" xmlns="" w="9525">
                   <a:solidFill>
                     <a:srgbClr val="000000"/>
                   </a:solidFill>
@@ -3090,7 +3090,7 @@
             </a:ln>
             <a:extLst>
               <a:ext uri="{91240B29-F687-4f45-9708-019B960494DF}">
-                <a14:hiddenLine xmlns="" xmlns:a14="http://schemas.microsoft.com/office/drawing/2010/main" w="9525">
+                <a14:hiddenLine xmlns:a14="http://schemas.microsoft.com/office/drawing/2010/main" xmlns="" w="9525">
                   <a:solidFill>
                     <a:srgbClr val="000000"/>
                   </a:solidFill>
@@ -3152,7 +3152,7 @@
             </a:ln>
             <a:extLst>
               <a:ext uri="{91240B29-F687-4f45-9708-019B960494DF}">
-                <a14:hiddenLine xmlns="" xmlns:a14="http://schemas.microsoft.com/office/drawing/2010/main" w="9525">
+                <a14:hiddenLine xmlns:a14="http://schemas.microsoft.com/office/drawing/2010/main" xmlns="" w="9525">
                   <a:solidFill>
                     <a:srgbClr val="000000"/>
                   </a:solidFill>
@@ -3242,7 +3242,7 @@
             </a:ln>
             <a:extLst>
               <a:ext uri="{91240B29-F687-4f45-9708-019B960494DF}">
-                <a14:hiddenLine xmlns="" xmlns:a14="http://schemas.microsoft.com/office/drawing/2010/main" w="9525">
+                <a14:hiddenLine xmlns:a14="http://schemas.microsoft.com/office/drawing/2010/main" xmlns="" w="9525">
                   <a:solidFill>
                     <a:srgbClr val="000000"/>
                   </a:solidFill>
@@ -3310,7 +3310,7 @@
             </a:ln>
             <a:extLst>
               <a:ext uri="{91240B29-F687-4f45-9708-019B960494DF}">
-                <a14:hiddenLine xmlns="" xmlns:a14="http://schemas.microsoft.com/office/drawing/2010/main" w="9525">
+                <a14:hiddenLine xmlns:a14="http://schemas.microsoft.com/office/drawing/2010/main" xmlns="" w="9525">
                   <a:solidFill>
                     <a:srgbClr val="000000"/>
                   </a:solidFill>
@@ -3372,7 +3372,7 @@
             </a:ln>
             <a:extLst>
               <a:ext uri="{91240B29-F687-4f45-9708-019B960494DF}">
-                <a14:hiddenLine xmlns="" xmlns:a14="http://schemas.microsoft.com/office/drawing/2010/main" w="9525">
+                <a14:hiddenLine xmlns:a14="http://schemas.microsoft.com/office/drawing/2010/main" xmlns="" w="9525">
                   <a:solidFill>
                     <a:srgbClr val="000000"/>
                   </a:solidFill>
@@ -3462,7 +3462,7 @@
             </a:ln>
             <a:extLst>
               <a:ext uri="{91240B29-F687-4f45-9708-019B960494DF}">
-                <a14:hiddenLine xmlns="" xmlns:a14="http://schemas.microsoft.com/office/drawing/2010/main" w="9525">
+                <a14:hiddenLine xmlns:a14="http://schemas.microsoft.com/office/drawing/2010/main" xmlns="" w="9525">
                   <a:solidFill>
                     <a:srgbClr val="000000"/>
                   </a:solidFill>
@@ -3524,7 +3524,7 @@
             </a:ln>
             <a:extLst>
               <a:ext uri="{91240B29-F687-4f45-9708-019B960494DF}">
-                <a14:hiddenLine xmlns="" xmlns:a14="http://schemas.microsoft.com/office/drawing/2010/main" w="9525">
+                <a14:hiddenLine xmlns:a14="http://schemas.microsoft.com/office/drawing/2010/main" xmlns="" w="9525">
                   <a:solidFill>
                     <a:srgbClr val="000000"/>
                   </a:solidFill>
@@ -3614,7 +3614,7 @@
             </a:ln>
             <a:extLst>
               <a:ext uri="{91240B29-F687-4f45-9708-019B960494DF}">
-                <a14:hiddenLine xmlns="" xmlns:a14="http://schemas.microsoft.com/office/drawing/2010/main" w="9525">
+                <a14:hiddenLine xmlns:a14="http://schemas.microsoft.com/office/drawing/2010/main" xmlns="" w="9525">
                   <a:solidFill>
                     <a:srgbClr val="000000"/>
                   </a:solidFill>
@@ -3676,7 +3676,7 @@
             </a:ln>
             <a:extLst>
               <a:ext uri="{91240B29-F687-4f45-9708-019B960494DF}">
-                <a14:hiddenLine xmlns="" xmlns:a14="http://schemas.microsoft.com/office/drawing/2010/main" w="9525">
+                <a14:hiddenLine xmlns:a14="http://schemas.microsoft.com/office/drawing/2010/main" xmlns="" w="9525">
                   <a:solidFill>
                     <a:srgbClr val="000000"/>
                   </a:solidFill>
@@ -3766,7 +3766,7 @@
             </a:ln>
             <a:extLst>
               <a:ext uri="{91240B29-F687-4f45-9708-019B960494DF}">
-                <a14:hiddenLine xmlns="" xmlns:a14="http://schemas.microsoft.com/office/drawing/2010/main" w="9525">
+                <a14:hiddenLine xmlns:a14="http://schemas.microsoft.com/office/drawing/2010/main" xmlns="" w="9525">
                   <a:solidFill>
                     <a:srgbClr val="000000"/>
                   </a:solidFill>
@@ -3800,7 +3800,7 @@
             </a:ln>
             <a:extLst>
               <a:ext uri="{91240B29-F687-4f45-9708-019B960494DF}">
-                <a14:hiddenLine xmlns="" xmlns:a14="http://schemas.microsoft.com/office/drawing/2010/main" w="9525">
+                <a14:hiddenLine xmlns:a14="http://schemas.microsoft.com/office/drawing/2010/main" xmlns="" w="9525">
                   <a:solidFill>
                     <a:srgbClr val="000000"/>
                   </a:solidFill>
@@ -3865,7 +3865,7 @@
             </a:ln>
             <a:extLst>
               <a:ext uri="{91240B29-F687-4f45-9708-019B960494DF}">
-                <a14:hiddenLine xmlns="" xmlns:a14="http://schemas.microsoft.com/office/drawing/2010/main" w="9525">
+                <a14:hiddenLine xmlns:a14="http://schemas.microsoft.com/office/drawing/2010/main" xmlns="" w="9525">
                   <a:solidFill>
                     <a:srgbClr val="000000"/>
                   </a:solidFill>
@@ -3955,7 +3955,7 @@
             </a:ln>
             <a:extLst>
               <a:ext uri="{91240B29-F687-4f45-9708-019B960494DF}">
-                <a14:hiddenLine xmlns="" xmlns:a14="http://schemas.microsoft.com/office/drawing/2010/main" w="9525">
+                <a14:hiddenLine xmlns:a14="http://schemas.microsoft.com/office/drawing/2010/main" xmlns="" w="9525">
                   <a:solidFill>
                     <a:srgbClr val="000000"/>
                   </a:solidFill>
@@ -4017,7 +4017,7 @@
             </a:ln>
             <a:extLst>
               <a:ext uri="{91240B29-F687-4f45-9708-019B960494DF}">
-                <a14:hiddenLine xmlns="" xmlns:a14="http://schemas.microsoft.com/office/drawing/2010/main" w="9525">
+                <a14:hiddenLine xmlns:a14="http://schemas.microsoft.com/office/drawing/2010/main" xmlns="" w="9525">
                   <a:solidFill>
                     <a:srgbClr val="000000"/>
                   </a:solidFill>
@@ -4107,7 +4107,7 @@
             </a:ln>
             <a:extLst>
               <a:ext uri="{91240B29-F687-4f45-9708-019B960494DF}">
-                <a14:hiddenLine xmlns="" xmlns:a14="http://schemas.microsoft.com/office/drawing/2010/main" w="9525">
+                <a14:hiddenLine xmlns:a14="http://schemas.microsoft.com/office/drawing/2010/main" xmlns="" w="9525">
                   <a:solidFill>
                     <a:srgbClr val="000000"/>
                   </a:solidFill>
@@ -4197,7 +4197,7 @@
             </a:ln>
             <a:extLst>
               <a:ext uri="{91240B29-F687-4f45-9708-019B960494DF}">
-                <a14:hiddenLine xmlns="" xmlns:a14="http://schemas.microsoft.com/office/drawing/2010/main" w="9525">
+                <a14:hiddenLine xmlns:a14="http://schemas.microsoft.com/office/drawing/2010/main" xmlns="" w="9525">
                   <a:solidFill>
                     <a:srgbClr val="000000"/>
                   </a:solidFill>
@@ -4262,7 +4262,7 @@
             </a:ln>
             <a:extLst>
               <a:ext uri="{91240B29-F687-4f45-9708-019B960494DF}">
-                <a14:hiddenLine xmlns="" xmlns:a14="http://schemas.microsoft.com/office/drawing/2010/main" w="9525">
+                <a14:hiddenLine xmlns:a14="http://schemas.microsoft.com/office/drawing/2010/main" xmlns="" w="9525">
                   <a:solidFill>
                     <a:srgbClr val="000000"/>
                   </a:solidFill>
@@ -4324,7 +4324,7 @@
             </a:ln>
             <a:extLst>
               <a:ext uri="{91240B29-F687-4f45-9708-019B960494DF}">
-                <a14:hiddenLine xmlns="" xmlns:a14="http://schemas.microsoft.com/office/drawing/2010/main" w="9525">
+                <a14:hiddenLine xmlns:a14="http://schemas.microsoft.com/office/drawing/2010/main" xmlns="" w="9525">
                   <a:solidFill>
                     <a:srgbClr val="000000"/>
                   </a:solidFill>
@@ -4414,7 +4414,7 @@
             </a:ln>
             <a:extLst>
               <a:ext uri="{91240B29-F687-4f45-9708-019B960494DF}">
-                <a14:hiddenLine xmlns="" xmlns:a14="http://schemas.microsoft.com/office/drawing/2010/main" w="9525">
+                <a14:hiddenLine xmlns:a14="http://schemas.microsoft.com/office/drawing/2010/main" xmlns="" w="9525">
                   <a:solidFill>
                     <a:srgbClr val="000000"/>
                   </a:solidFill>
@@ -4504,7 +4504,7 @@
             </a:ln>
             <a:extLst>
               <a:ext uri="{91240B29-F687-4f45-9708-019B960494DF}">
-                <a14:hiddenLine xmlns="" xmlns:a14="http://schemas.microsoft.com/office/drawing/2010/main" w="9525">
+                <a14:hiddenLine xmlns:a14="http://schemas.microsoft.com/office/drawing/2010/main" xmlns="" w="9525">
                   <a:solidFill>
                     <a:srgbClr val="000000"/>
                   </a:solidFill>
@@ -4566,7 +4566,7 @@
             </a:ln>
             <a:extLst>
               <a:ext uri="{91240B29-F687-4f45-9708-019B960494DF}">
-                <a14:hiddenLine xmlns="" xmlns:a14="http://schemas.microsoft.com/office/drawing/2010/main" w="9525">
+                <a14:hiddenLine xmlns:a14="http://schemas.microsoft.com/office/drawing/2010/main" xmlns="" w="9525">
                   <a:solidFill>
                     <a:srgbClr val="000000"/>
                   </a:solidFill>
@@ -4686,7 +4686,7 @@
             </a:ln>
             <a:extLst>
               <a:ext uri="{91240B29-F687-4f45-9708-019B960494DF}">
-                <a14:hiddenLine xmlns="" xmlns:a14="http://schemas.microsoft.com/office/drawing/2010/main" w="9525">
+                <a14:hiddenLine xmlns:a14="http://schemas.microsoft.com/office/drawing/2010/main" xmlns="" w="9525">
                   <a:solidFill>
                     <a:srgbClr val="000000"/>
                   </a:solidFill>
@@ -4754,7 +4754,7 @@
             </a:ln>
             <a:extLst>
               <a:ext uri="{91240B29-F687-4f45-9708-019B960494DF}">
-                <a14:hiddenLine xmlns="" xmlns:a14="http://schemas.microsoft.com/office/drawing/2010/main" w="9525">
+                <a14:hiddenLine xmlns:a14="http://schemas.microsoft.com/office/drawing/2010/main" xmlns="" w="9525">
                   <a:solidFill>
                     <a:srgbClr val="000000"/>
                   </a:solidFill>
@@ -4844,7 +4844,7 @@
             </a:ln>
             <a:extLst>
               <a:ext uri="{91240B29-F687-4f45-9708-019B960494DF}">
-                <a14:hiddenLine xmlns="" xmlns:a14="http://schemas.microsoft.com/office/drawing/2010/main" w="9525">
+                <a14:hiddenLine xmlns:a14="http://schemas.microsoft.com/office/drawing/2010/main" xmlns="" w="9525">
                   <a:solidFill>
                     <a:srgbClr val="000000"/>
                   </a:solidFill>
@@ -4985,7 +4985,7 @@
             <a:fld id="{7EAF463A-BC7C-46EE-9F1E-7F377CCA4891}" type="datetimeFigureOut">
               <a:rPr lang="en-US" smtClean="0"/>
               <a:pPr/>
-              <a:t>12/10/2019</a:t>
+              <a:t>12/11/2019</a:t>
             </a:fld>
             <a:endParaRPr lang="en-US"/>
           </a:p>
@@ -5254,7 +5254,7 @@
             <a:fld id="{7EAF463A-BC7C-46EE-9F1E-7F377CCA4891}" type="datetimeFigureOut">
               <a:rPr lang="en-US" smtClean="0"/>
               <a:pPr/>
-              <a:t>12/10/2019</a:t>
+              <a:t>12/11/2019</a:t>
             </a:fld>
             <a:endParaRPr lang="en-US"/>
           </a:p>
@@ -5452,7 +5452,7 @@
             <a:fld id="{7EAF463A-BC7C-46EE-9F1E-7F377CCA4891}" type="datetimeFigureOut">
               <a:rPr lang="en-US" smtClean="0"/>
               <a:pPr/>
-              <a:t>12/10/2019</a:t>
+              <a:t>12/11/2019</a:t>
             </a:fld>
             <a:endParaRPr lang="en-US"/>
           </a:p>
@@ -5717,7 +5717,7 @@
             <a:fld id="{7EAF463A-BC7C-46EE-9F1E-7F377CCA4891}" type="datetimeFigureOut">
               <a:rPr lang="en-US" smtClean="0"/>
               <a:pPr/>
-              <a:t>12/10/2019</a:t>
+              <a:t>12/11/2019</a:t>
             </a:fld>
             <a:endParaRPr lang="en-US"/>
           </a:p>
@@ -6153,7 +6153,7 @@
             <a:fld id="{7EAF463A-BC7C-46EE-9F1E-7F377CCA4891}" type="datetimeFigureOut">
               <a:rPr lang="en-US" smtClean="0"/>
               <a:pPr/>
-              <a:t>12/10/2019</a:t>
+              <a:t>12/11/2019</a:t>
             </a:fld>
             <a:endParaRPr lang="en-US"/>
           </a:p>
@@ -6701,7 +6701,7 @@
             <a:fld id="{7EAF463A-BC7C-46EE-9F1E-7F377CCA4891}" type="datetimeFigureOut">
               <a:rPr lang="en-US" smtClean="0"/>
               <a:pPr/>
-              <a:t>12/10/2019</a:t>
+              <a:t>12/11/2019</a:t>
             </a:fld>
             <a:endParaRPr lang="en-US"/>
           </a:p>
@@ -7423,7 +7423,7 @@
             <a:fld id="{7EAF463A-BC7C-46EE-9F1E-7F377CCA4891}" type="datetimeFigureOut">
               <a:rPr lang="en-US" smtClean="0"/>
               <a:pPr/>
-              <a:t>12/10/2019</a:t>
+              <a:t>12/11/2019</a:t>
             </a:fld>
             <a:endParaRPr lang="en-US"/>
           </a:p>
@@ -7599,7 +7599,7 @@
             <a:fld id="{7EAF463A-BC7C-46EE-9F1E-7F377CCA4891}" type="datetimeFigureOut">
               <a:rPr lang="en-US" smtClean="0"/>
               <a:pPr/>
-              <a:t>12/10/2019</a:t>
+              <a:t>12/11/2019</a:t>
             </a:fld>
             <a:endParaRPr lang="en-US"/>
           </a:p>
@@ -7781,7 +7781,7 @@
             <a:fld id="{7EAF463A-BC7C-46EE-9F1E-7F377CCA4891}" type="datetimeFigureOut">
               <a:rPr lang="en-US" smtClean="0"/>
               <a:pPr/>
-              <a:t>12/10/2019</a:t>
+              <a:t>12/11/2019</a:t>
             </a:fld>
             <a:endParaRPr lang="en-US"/>
           </a:p>
@@ -7968,7 +7968,7 @@
             <a:fld id="{7EAF463A-BC7C-46EE-9F1E-7F377CCA4891}" type="datetimeFigureOut">
               <a:rPr lang="en-US" smtClean="0"/>
               <a:pPr/>
-              <a:t>12/10/2019</a:t>
+              <a:t>12/11/2019</a:t>
             </a:fld>
             <a:endParaRPr lang="en-US"/>
           </a:p>
@@ -8230,7 +8230,7 @@
             <a:fld id="{7EAF463A-BC7C-46EE-9F1E-7F377CCA4891}" type="datetimeFigureOut">
               <a:rPr lang="en-US" smtClean="0"/>
               <a:pPr/>
-              <a:t>12/10/2019</a:t>
+              <a:t>12/11/2019</a:t>
             </a:fld>
             <a:endParaRPr lang="en-US"/>
           </a:p>
@@ -8464,7 +8464,7 @@
             <a:fld id="{7EAF463A-BC7C-46EE-9F1E-7F377CCA4891}" type="datetimeFigureOut">
               <a:rPr lang="en-US" smtClean="0"/>
               <a:pPr/>
-              <a:t>12/10/2019</a:t>
+              <a:t>12/11/2019</a:t>
             </a:fld>
             <a:endParaRPr lang="en-US"/>
           </a:p>
@@ -8847,7 +8847,7 @@
             <a:fld id="{7EAF463A-BC7C-46EE-9F1E-7F377CCA4891}" type="datetimeFigureOut">
               <a:rPr lang="en-US" smtClean="0"/>
               <a:pPr/>
-              <a:t>12/10/2019</a:t>
+              <a:t>12/11/2019</a:t>
             </a:fld>
             <a:endParaRPr lang="en-US"/>
           </a:p>
@@ -8967,7 +8967,7 @@
             <a:fld id="{7EAF463A-BC7C-46EE-9F1E-7F377CCA4891}" type="datetimeFigureOut">
               <a:rPr lang="en-US" smtClean="0"/>
               <a:pPr/>
-              <a:t>12/10/2019</a:t>
+              <a:t>12/11/2019</a:t>
             </a:fld>
             <a:endParaRPr lang="en-US"/>
           </a:p>
@@ -9064,7 +9064,7 @@
             <a:fld id="{7EAF463A-BC7C-46EE-9F1E-7F377CCA4891}" type="datetimeFigureOut">
               <a:rPr lang="en-US" smtClean="0"/>
               <a:pPr/>
-              <a:t>12/10/2019</a:t>
+              <a:t>12/11/2019</a:t>
             </a:fld>
             <a:endParaRPr lang="en-US"/>
           </a:p>
@@ -9315,7 +9315,7 @@
             <a:fld id="{7EAF463A-BC7C-46EE-9F1E-7F377CCA4891}" type="datetimeFigureOut">
               <a:rPr lang="en-US" smtClean="0"/>
               <a:pPr/>
-              <a:t>12/10/2019</a:t>
+              <a:t>12/11/2019</a:t>
             </a:fld>
             <a:endParaRPr lang="en-US"/>
           </a:p>
@@ -9569,7 +9569,7 @@
             <a:fld id="{7EAF463A-BC7C-46EE-9F1E-7F377CCA4891}" type="datetimeFigureOut">
               <a:rPr lang="en-US" smtClean="0"/>
               <a:pPr/>
-              <a:t>12/10/2019</a:t>
+              <a:t>12/11/2019</a:t>
             </a:fld>
             <a:endParaRPr lang="en-US"/>
           </a:p>
@@ -9717,7 +9717,7 @@
           <a:noFill/>
           <a:extLst>
             <a:ext uri="{909E8E84-426E-40dd-AFC4-6F175D3DCCD1}">
-              <a14:hiddenFill xmlns="" xmlns:a14="http://schemas.microsoft.com/office/drawing/2010/main">
+              <a14:hiddenFill xmlns:a14="http://schemas.microsoft.com/office/drawing/2010/main" xmlns="">
                 <a:solidFill>
                   <a:srgbClr val="FFFFFF"/>
                 </a:solidFill>
@@ -9791,7 +9791,7 @@
               </a:ln>
               <a:extLst>
                 <a:ext uri="{91240B29-F687-4f45-9708-019B960494DF}">
-                  <a14:hiddenLine xmlns="" xmlns:a14="http://schemas.microsoft.com/office/drawing/2010/main" w="9525">
+                  <a14:hiddenLine xmlns:a14="http://schemas.microsoft.com/office/drawing/2010/main" xmlns="" w="9525">
                     <a:solidFill>
                       <a:srgbClr val="000000"/>
                     </a:solidFill>
@@ -9881,7 +9881,7 @@
               </a:ln>
               <a:extLst>
                 <a:ext uri="{91240B29-F687-4f45-9708-019B960494DF}">
-                  <a14:hiddenLine xmlns="" xmlns:a14="http://schemas.microsoft.com/office/drawing/2010/main" w="9525">
+                  <a14:hiddenLine xmlns:a14="http://schemas.microsoft.com/office/drawing/2010/main" xmlns="" w="9525">
                     <a:solidFill>
                       <a:srgbClr val="000000"/>
                     </a:solidFill>
@@ -9971,7 +9971,7 @@
               </a:ln>
               <a:extLst>
                 <a:ext uri="{91240B29-F687-4f45-9708-019B960494DF}">
-                  <a14:hiddenLine xmlns="" xmlns:a14="http://schemas.microsoft.com/office/drawing/2010/main" w="9525">
+                  <a14:hiddenLine xmlns:a14="http://schemas.microsoft.com/office/drawing/2010/main" xmlns="" w="9525">
                     <a:solidFill>
                       <a:srgbClr val="000000"/>
                     </a:solidFill>
@@ -10033,7 +10033,7 @@
               </a:ln>
               <a:extLst>
                 <a:ext uri="{91240B29-F687-4f45-9708-019B960494DF}">
-                  <a14:hiddenLine xmlns="" xmlns:a14="http://schemas.microsoft.com/office/drawing/2010/main" w="9525">
+                  <a14:hiddenLine xmlns:a14="http://schemas.microsoft.com/office/drawing/2010/main" xmlns="" w="9525">
                     <a:solidFill>
                       <a:srgbClr val="000000"/>
                     </a:solidFill>
@@ -10123,7 +10123,7 @@
               </a:ln>
               <a:extLst>
                 <a:ext uri="{91240B29-F687-4f45-9708-019B960494DF}">
-                  <a14:hiddenLine xmlns="" xmlns:a14="http://schemas.microsoft.com/office/drawing/2010/main" w="9525">
+                  <a14:hiddenLine xmlns:a14="http://schemas.microsoft.com/office/drawing/2010/main" xmlns="" w="9525">
                     <a:solidFill>
                       <a:srgbClr val="000000"/>
                     </a:solidFill>
@@ -10185,7 +10185,7 @@
               </a:ln>
               <a:extLst>
                 <a:ext uri="{91240B29-F687-4f45-9708-019B960494DF}">
-                  <a14:hiddenLine xmlns="" xmlns:a14="http://schemas.microsoft.com/office/drawing/2010/main" w="9525">
+                  <a14:hiddenLine xmlns:a14="http://schemas.microsoft.com/office/drawing/2010/main" xmlns="" w="9525">
                     <a:solidFill>
                       <a:srgbClr val="000000"/>
                     </a:solidFill>
@@ -10247,7 +10247,7 @@
               </a:ln>
               <a:extLst>
                 <a:ext uri="{91240B29-F687-4f45-9708-019B960494DF}">
-                  <a14:hiddenLine xmlns="" xmlns:a14="http://schemas.microsoft.com/office/drawing/2010/main" w="9525">
+                  <a14:hiddenLine xmlns:a14="http://schemas.microsoft.com/office/drawing/2010/main" xmlns="" w="9525">
                     <a:solidFill>
                       <a:srgbClr val="000000"/>
                     </a:solidFill>
@@ -10337,7 +10337,7 @@
               </a:ln>
               <a:extLst>
                 <a:ext uri="{91240B29-F687-4f45-9708-019B960494DF}">
-                  <a14:hiddenLine xmlns="" xmlns:a14="http://schemas.microsoft.com/office/drawing/2010/main" w="9525">
+                  <a14:hiddenLine xmlns:a14="http://schemas.microsoft.com/office/drawing/2010/main" xmlns="" w="9525">
                     <a:solidFill>
                       <a:srgbClr val="000000"/>
                     </a:solidFill>
@@ -10427,7 +10427,7 @@
               </a:ln>
               <a:extLst>
                 <a:ext uri="{91240B29-F687-4f45-9708-019B960494DF}">
-                  <a14:hiddenLine xmlns="" xmlns:a14="http://schemas.microsoft.com/office/drawing/2010/main" w="9525">
+                  <a14:hiddenLine xmlns:a14="http://schemas.microsoft.com/office/drawing/2010/main" xmlns="" w="9525">
                     <a:solidFill>
                       <a:srgbClr val="000000"/>
                     </a:solidFill>
@@ -10489,7 +10489,7 @@
               </a:ln>
               <a:extLst>
                 <a:ext uri="{91240B29-F687-4f45-9708-019B960494DF}">
-                  <a14:hiddenLine xmlns="" xmlns:a14="http://schemas.microsoft.com/office/drawing/2010/main" w="9525">
+                  <a14:hiddenLine xmlns:a14="http://schemas.microsoft.com/office/drawing/2010/main" xmlns="" w="9525">
                     <a:solidFill>
                       <a:srgbClr val="000000"/>
                     </a:solidFill>
@@ -10599,7 +10599,7 @@
               </a:ln>
               <a:extLst>
                 <a:ext uri="{91240B29-F687-4f45-9708-019B960494DF}">
-                  <a14:hiddenLine xmlns="" xmlns:a14="http://schemas.microsoft.com/office/drawing/2010/main" w="9525">
+                  <a14:hiddenLine xmlns:a14="http://schemas.microsoft.com/office/drawing/2010/main" xmlns="" w="9525">
                     <a:solidFill>
                       <a:srgbClr val="000000"/>
                     </a:solidFill>
@@ -10683,7 +10683,7 @@
               </a:ln>
               <a:extLst>
                 <a:ext uri="{91240B29-F687-4f45-9708-019B960494DF}">
-                  <a14:hiddenLine xmlns="" xmlns:a14="http://schemas.microsoft.com/office/drawing/2010/main" w="9525">
+                  <a14:hiddenLine xmlns:a14="http://schemas.microsoft.com/office/drawing/2010/main" xmlns="" w="9525">
                     <a:solidFill>
                       <a:srgbClr val="000000"/>
                     </a:solidFill>
@@ -10745,7 +10745,7 @@
               </a:ln>
               <a:extLst>
                 <a:ext uri="{91240B29-F687-4f45-9708-019B960494DF}">
-                  <a14:hiddenLine xmlns="" xmlns:a14="http://schemas.microsoft.com/office/drawing/2010/main" w="9525">
+                  <a14:hiddenLine xmlns:a14="http://schemas.microsoft.com/office/drawing/2010/main" xmlns="" w="9525">
                     <a:solidFill>
                       <a:srgbClr val="000000"/>
                     </a:solidFill>
@@ -10807,7 +10807,7 @@
               </a:ln>
               <a:extLst>
                 <a:ext uri="{91240B29-F687-4f45-9708-019B960494DF}">
-                  <a14:hiddenLine xmlns="" xmlns:a14="http://schemas.microsoft.com/office/drawing/2010/main" w="9525">
+                  <a14:hiddenLine xmlns:a14="http://schemas.microsoft.com/office/drawing/2010/main" xmlns="" w="9525">
                     <a:solidFill>
                       <a:srgbClr val="000000"/>
                     </a:solidFill>
@@ -10897,7 +10897,7 @@
               </a:ln>
               <a:extLst>
                 <a:ext uri="{91240B29-F687-4f45-9708-019B960494DF}">
-                  <a14:hiddenLine xmlns="" xmlns:a14="http://schemas.microsoft.com/office/drawing/2010/main" w="9525">
+                  <a14:hiddenLine xmlns:a14="http://schemas.microsoft.com/office/drawing/2010/main" xmlns="" w="9525">
                     <a:solidFill>
                       <a:srgbClr val="000000"/>
                     </a:solidFill>
@@ -10931,7 +10931,7 @@
               </a:ln>
               <a:extLst>
                 <a:ext uri="{91240B29-F687-4f45-9708-019B960494DF}">
-                  <a14:hiddenLine xmlns="" xmlns:a14="http://schemas.microsoft.com/office/drawing/2010/main" w="9525">
+                  <a14:hiddenLine xmlns:a14="http://schemas.microsoft.com/office/drawing/2010/main" xmlns="" w="9525">
                     <a:solidFill>
                       <a:srgbClr val="000000"/>
                     </a:solidFill>
@@ -10996,7 +10996,7 @@
               </a:ln>
               <a:extLst>
                 <a:ext uri="{91240B29-F687-4f45-9708-019B960494DF}">
-                  <a14:hiddenLine xmlns="" xmlns:a14="http://schemas.microsoft.com/office/drawing/2010/main" w="9525">
+                  <a14:hiddenLine xmlns:a14="http://schemas.microsoft.com/office/drawing/2010/main" xmlns="" w="9525">
                     <a:solidFill>
                       <a:srgbClr val="000000"/>
                     </a:solidFill>
@@ -11086,7 +11086,7 @@
               </a:ln>
               <a:extLst>
                 <a:ext uri="{91240B29-F687-4f45-9708-019B960494DF}">
-                  <a14:hiddenLine xmlns="" xmlns:a14="http://schemas.microsoft.com/office/drawing/2010/main" w="9525">
+                  <a14:hiddenLine xmlns:a14="http://schemas.microsoft.com/office/drawing/2010/main" xmlns="" w="9525">
                     <a:solidFill>
                       <a:srgbClr val="000000"/>
                     </a:solidFill>
@@ -11148,7 +11148,7 @@
               </a:ln>
               <a:extLst>
                 <a:ext uri="{91240B29-F687-4f45-9708-019B960494DF}">
-                  <a14:hiddenLine xmlns="" xmlns:a14="http://schemas.microsoft.com/office/drawing/2010/main" w="9525">
+                  <a14:hiddenLine xmlns:a14="http://schemas.microsoft.com/office/drawing/2010/main" xmlns="" w="9525">
                     <a:solidFill>
                       <a:srgbClr val="000000"/>
                     </a:solidFill>
@@ -11238,7 +11238,7 @@
               </a:ln>
               <a:extLst>
                 <a:ext uri="{91240B29-F687-4f45-9708-019B960494DF}">
-                  <a14:hiddenLine xmlns="" xmlns:a14="http://schemas.microsoft.com/office/drawing/2010/main" w="9525">
+                  <a14:hiddenLine xmlns:a14="http://schemas.microsoft.com/office/drawing/2010/main" xmlns="" w="9525">
                     <a:solidFill>
                       <a:srgbClr val="000000"/>
                     </a:solidFill>
@@ -11303,7 +11303,7 @@
               </a:ln>
               <a:extLst>
                 <a:ext uri="{91240B29-F687-4f45-9708-019B960494DF}">
-                  <a14:hiddenLine xmlns="" xmlns:a14="http://schemas.microsoft.com/office/drawing/2010/main" w="9525">
+                  <a14:hiddenLine xmlns:a14="http://schemas.microsoft.com/office/drawing/2010/main" xmlns="" w="9525">
                     <a:solidFill>
                       <a:srgbClr val="000000"/>
                     </a:solidFill>
@@ -11365,7 +11365,7 @@
               </a:ln>
               <a:extLst>
                 <a:ext uri="{91240B29-F687-4f45-9708-019B960494DF}">
-                  <a14:hiddenLine xmlns="" xmlns:a14="http://schemas.microsoft.com/office/drawing/2010/main" w="9525">
+                  <a14:hiddenLine xmlns:a14="http://schemas.microsoft.com/office/drawing/2010/main" xmlns="" w="9525">
                     <a:solidFill>
                       <a:srgbClr val="000000"/>
                     </a:solidFill>
@@ -11455,7 +11455,7 @@
               </a:ln>
               <a:extLst>
                 <a:ext uri="{91240B29-F687-4f45-9708-019B960494DF}">
-                  <a14:hiddenLine xmlns="" xmlns:a14="http://schemas.microsoft.com/office/drawing/2010/main" w="9525">
+                  <a14:hiddenLine xmlns:a14="http://schemas.microsoft.com/office/drawing/2010/main" xmlns="" w="9525">
                     <a:solidFill>
                       <a:srgbClr val="000000"/>
                     </a:solidFill>
@@ -11545,7 +11545,7 @@
               </a:ln>
               <a:extLst>
                 <a:ext uri="{91240B29-F687-4f45-9708-019B960494DF}">
-                  <a14:hiddenLine xmlns="" xmlns:a14="http://schemas.microsoft.com/office/drawing/2010/main" w="9525">
+                  <a14:hiddenLine xmlns:a14="http://schemas.microsoft.com/office/drawing/2010/main" xmlns="" w="9525">
                     <a:solidFill>
                       <a:srgbClr val="000000"/>
                     </a:solidFill>
@@ -11610,7 +11610,7 @@
               </a:ln>
               <a:extLst>
                 <a:ext uri="{91240B29-F687-4f45-9708-019B960494DF}">
-                  <a14:hiddenLine xmlns="" xmlns:a14="http://schemas.microsoft.com/office/drawing/2010/main" w="9525">
+                  <a14:hiddenLine xmlns:a14="http://schemas.microsoft.com/office/drawing/2010/main" xmlns="" w="9525">
                     <a:solidFill>
                       <a:srgbClr val="000000"/>
                     </a:solidFill>
@@ -11730,7 +11730,7 @@
               </a:ln>
               <a:extLst>
                 <a:ext uri="{91240B29-F687-4f45-9708-019B960494DF}">
-                  <a14:hiddenLine xmlns="" xmlns:a14="http://schemas.microsoft.com/office/drawing/2010/main" w="9525">
+                  <a14:hiddenLine xmlns:a14="http://schemas.microsoft.com/office/drawing/2010/main" xmlns="" w="9525">
                     <a:solidFill>
                       <a:srgbClr val="000000"/>
                     </a:solidFill>
@@ -11828,7 +11828,7 @@
               </a:ln>
               <a:extLst>
                 <a:ext uri="{91240B29-F687-4f45-9708-019B960494DF}">
-                  <a14:hiddenLine xmlns="" xmlns:a14="http://schemas.microsoft.com/office/drawing/2010/main" w="9525">
+                  <a14:hiddenLine xmlns:a14="http://schemas.microsoft.com/office/drawing/2010/main" xmlns="" w="9525">
                     <a:solidFill>
                       <a:srgbClr val="000000"/>
                     </a:solidFill>
@@ -11943,7 +11943,7 @@
               </a:ln>
               <a:extLst>
                 <a:ext uri="{91240B29-F687-4f45-9708-019B960494DF}">
-                  <a14:hiddenLine xmlns="" xmlns:a14="http://schemas.microsoft.com/office/drawing/2010/main" w="9525">
+                  <a14:hiddenLine xmlns:a14="http://schemas.microsoft.com/office/drawing/2010/main" xmlns="" w="9525">
                     <a:solidFill>
                       <a:srgbClr val="000000"/>
                     </a:solidFill>
@@ -12033,7 +12033,7 @@
               </a:ln>
               <a:extLst>
                 <a:ext uri="{91240B29-F687-4f45-9708-019B960494DF}">
-                  <a14:hiddenLine xmlns="" xmlns:a14="http://schemas.microsoft.com/office/drawing/2010/main" w="9525">
+                  <a14:hiddenLine xmlns:a14="http://schemas.microsoft.com/office/drawing/2010/main" xmlns="" w="9525">
                     <a:solidFill>
                       <a:srgbClr val="000000"/>
                     </a:solidFill>
@@ -12098,7 +12098,7 @@
               </a:ln>
               <a:extLst>
                 <a:ext uri="{91240B29-F687-4f45-9708-019B960494DF}">
-                  <a14:hiddenLine xmlns="" xmlns:a14="http://schemas.microsoft.com/office/drawing/2010/main" w="9525">
+                  <a14:hiddenLine xmlns:a14="http://schemas.microsoft.com/office/drawing/2010/main" xmlns="" w="9525">
                     <a:solidFill>
                       <a:srgbClr val="000000"/>
                     </a:solidFill>
@@ -12188,7 +12188,7 @@
               </a:ln>
               <a:extLst>
                 <a:ext uri="{91240B29-F687-4f45-9708-019B960494DF}">
-                  <a14:hiddenLine xmlns="" xmlns:a14="http://schemas.microsoft.com/office/drawing/2010/main" w="9525">
+                  <a14:hiddenLine xmlns:a14="http://schemas.microsoft.com/office/drawing/2010/main" xmlns="" w="9525">
                     <a:solidFill>
                       <a:srgbClr val="000000"/>
                     </a:solidFill>
@@ -12256,7 +12256,7 @@
               </a:ln>
               <a:extLst>
                 <a:ext uri="{91240B29-F687-4f45-9708-019B960494DF}">
-                  <a14:hiddenLine xmlns="" xmlns:a14="http://schemas.microsoft.com/office/drawing/2010/main" w="9525">
+                  <a14:hiddenLine xmlns:a14="http://schemas.microsoft.com/office/drawing/2010/main" xmlns="" w="9525">
                     <a:solidFill>
                       <a:srgbClr val="000000"/>
                     </a:solidFill>
@@ -12346,7 +12346,7 @@
               </a:ln>
               <a:extLst>
                 <a:ext uri="{91240B29-F687-4f45-9708-019B960494DF}">
-                  <a14:hiddenLine xmlns="" xmlns:a14="http://schemas.microsoft.com/office/drawing/2010/main" w="9525">
+                  <a14:hiddenLine xmlns:a14="http://schemas.microsoft.com/office/drawing/2010/main" xmlns="" w="9525">
                     <a:solidFill>
                       <a:srgbClr val="000000"/>
                     </a:solidFill>
@@ -12414,7 +12414,7 @@
               </a:ln>
               <a:extLst>
                 <a:ext uri="{91240B29-F687-4f45-9708-019B960494DF}">
-                  <a14:hiddenLine xmlns="" xmlns:a14="http://schemas.microsoft.com/office/drawing/2010/main" w="9525">
+                  <a14:hiddenLine xmlns:a14="http://schemas.microsoft.com/office/drawing/2010/main" xmlns="" w="9525">
                     <a:solidFill>
                       <a:srgbClr val="000000"/>
                     </a:solidFill>
@@ -12504,7 +12504,7 @@
               </a:ln>
               <a:extLst>
                 <a:ext uri="{91240B29-F687-4f45-9708-019B960494DF}">
-                  <a14:hiddenLine xmlns="" xmlns:a14="http://schemas.microsoft.com/office/drawing/2010/main" w="9525">
+                  <a14:hiddenLine xmlns:a14="http://schemas.microsoft.com/office/drawing/2010/main" xmlns="" w="9525">
                     <a:solidFill>
                       <a:srgbClr val="000000"/>
                     </a:solidFill>
@@ -12538,7 +12538,7 @@
               </a:ln>
               <a:extLst>
                 <a:ext uri="{91240B29-F687-4f45-9708-019B960494DF}">
-                  <a14:hiddenLine xmlns="" xmlns:a14="http://schemas.microsoft.com/office/drawing/2010/main" w="9525">
+                  <a14:hiddenLine xmlns:a14="http://schemas.microsoft.com/office/drawing/2010/main" xmlns="" w="9525">
                     <a:solidFill>
                       <a:srgbClr val="000000"/>
                     </a:solidFill>
@@ -12679,7 +12679,7 @@
             <a:fld id="{7EAF463A-BC7C-46EE-9F1E-7F377CCA4891}" type="datetimeFigureOut">
               <a:rPr lang="en-US" smtClean="0"/>
               <a:pPr/>
-              <a:t>12/10/2019</a:t>
+              <a:t>12/11/2019</a:t>
             </a:fld>
             <a:endParaRPr lang="en-US"/>
           </a:p>
@@ -17195,19 +17195,6 @@
                 </a:solidFill>
               </a:rPr>
               <a:t>Поддержка более, чем 300 различных серверов ввода/вывода.</a:t>
-            </a:r>
-          </a:p>
-          <a:p>
-            <a:pPr lvl="0"/>
-            <a:r>
-              <a:rPr lang="ru-RU" dirty="0">
-                <a:solidFill>
-                  <a:schemeClr val="bg2">
-                    <a:lumMod val="75000"/>
-                  </a:schemeClr>
-                </a:solidFill>
-              </a:rPr>
-              <a:t>Динамическая разработка сетевых приложений.</a:t>
             </a:r>
           </a:p>
         </p:txBody>

--- a/итоговая.pptx
+++ b/итоговая.pptx
@@ -350,7 +350,7 @@
           <a:p>
             <a:fld id="{5649F021-9FAB-4CEA-A96A-A2DB693E74C4}" type="datetimeFigureOut">
               <a:rPr lang="ru-RU" smtClean="0"/>
-              <a:t>11.12.2019</a:t>
+              <a:t>10.12.2019</a:t>
             </a:fld>
             <a:endParaRPr lang="ru-RU"/>
           </a:p>
@@ -758,7 +758,7 @@
           <a:noFill/>
           <a:extLst>
             <a:ext uri="{909E8E84-426E-40dd-AFC4-6F175D3DCCD1}">
-              <a14:hiddenFill xmlns:a14="http://schemas.microsoft.com/office/drawing/2010/main" xmlns="">
+              <a14:hiddenFill xmlns="" xmlns:a14="http://schemas.microsoft.com/office/drawing/2010/main">
                 <a:solidFill>
                   <a:srgbClr val="FFFFFF"/>
                 </a:solidFill>
@@ -818,7 +818,7 @@
             </a:ln>
             <a:extLst>
               <a:ext uri="{91240B29-F687-4f45-9708-019B960494DF}">
-                <a14:hiddenLine xmlns:a14="http://schemas.microsoft.com/office/drawing/2010/main" xmlns="" w="9525">
+                <a14:hiddenLine xmlns="" xmlns:a14="http://schemas.microsoft.com/office/drawing/2010/main" w="9525">
                   <a:solidFill>
                     <a:srgbClr val="000000"/>
                   </a:solidFill>
@@ -908,7 +908,7 @@
             </a:ln>
             <a:extLst>
               <a:ext uri="{91240B29-F687-4f45-9708-019B960494DF}">
-                <a14:hiddenLine xmlns:a14="http://schemas.microsoft.com/office/drawing/2010/main" xmlns="" w="9525">
+                <a14:hiddenLine xmlns="" xmlns:a14="http://schemas.microsoft.com/office/drawing/2010/main" w="9525">
                   <a:solidFill>
                     <a:srgbClr val="000000"/>
                   </a:solidFill>
@@ -998,7 +998,7 @@
             </a:ln>
             <a:extLst>
               <a:ext uri="{91240B29-F687-4f45-9708-019B960494DF}">
-                <a14:hiddenLine xmlns:a14="http://schemas.microsoft.com/office/drawing/2010/main" xmlns="" w="9525">
+                <a14:hiddenLine xmlns="" xmlns:a14="http://schemas.microsoft.com/office/drawing/2010/main" w="9525">
                   <a:solidFill>
                     <a:srgbClr val="000000"/>
                   </a:solidFill>
@@ -1032,7 +1032,7 @@
             </a:ln>
             <a:extLst>
               <a:ext uri="{91240B29-F687-4f45-9708-019B960494DF}">
-                <a14:hiddenLine xmlns:a14="http://schemas.microsoft.com/office/drawing/2010/main" xmlns="" w="9525">
+                <a14:hiddenLine xmlns="" xmlns:a14="http://schemas.microsoft.com/office/drawing/2010/main" w="9525">
                   <a:solidFill>
                     <a:srgbClr val="000000"/>
                   </a:solidFill>
@@ -1122,7 +1122,7 @@
             </a:ln>
             <a:extLst>
               <a:ext uri="{91240B29-F687-4f45-9708-019B960494DF}">
-                <a14:hiddenLine xmlns:a14="http://schemas.microsoft.com/office/drawing/2010/main" xmlns="" w="9525">
+                <a14:hiddenLine xmlns="" xmlns:a14="http://schemas.microsoft.com/office/drawing/2010/main" w="9525">
                   <a:solidFill>
                     <a:srgbClr val="000000"/>
                   </a:solidFill>
@@ -1184,7 +1184,7 @@
             </a:ln>
             <a:extLst>
               <a:ext uri="{91240B29-F687-4f45-9708-019B960494DF}">
-                <a14:hiddenLine xmlns:a14="http://schemas.microsoft.com/office/drawing/2010/main" xmlns="" w="9525">
+                <a14:hiddenLine xmlns="" xmlns:a14="http://schemas.microsoft.com/office/drawing/2010/main" w="9525">
                   <a:solidFill>
                     <a:srgbClr val="000000"/>
                   </a:solidFill>
@@ -1246,7 +1246,7 @@
             </a:ln>
             <a:extLst>
               <a:ext uri="{91240B29-F687-4f45-9708-019B960494DF}">
-                <a14:hiddenLine xmlns:a14="http://schemas.microsoft.com/office/drawing/2010/main" xmlns="" w="9525">
+                <a14:hiddenLine xmlns="" xmlns:a14="http://schemas.microsoft.com/office/drawing/2010/main" w="9525">
                   <a:solidFill>
                     <a:srgbClr val="000000"/>
                   </a:solidFill>
@@ -1336,7 +1336,7 @@
             </a:ln>
             <a:extLst>
               <a:ext uri="{91240B29-F687-4f45-9708-019B960494DF}">
-                <a14:hiddenLine xmlns:a14="http://schemas.microsoft.com/office/drawing/2010/main" xmlns="" w="9525">
+                <a14:hiddenLine xmlns="" xmlns:a14="http://schemas.microsoft.com/office/drawing/2010/main" w="9525">
                   <a:solidFill>
                     <a:srgbClr val="000000"/>
                   </a:solidFill>
@@ -1398,7 +1398,7 @@
             </a:ln>
             <a:extLst>
               <a:ext uri="{91240B29-F687-4f45-9708-019B960494DF}">
-                <a14:hiddenLine xmlns:a14="http://schemas.microsoft.com/office/drawing/2010/main" xmlns="" w="9525">
+                <a14:hiddenLine xmlns="" xmlns:a14="http://schemas.microsoft.com/office/drawing/2010/main" w="9525">
                   <a:solidFill>
                     <a:srgbClr val="000000"/>
                   </a:solidFill>
@@ -1460,7 +1460,7 @@
             </a:ln>
             <a:extLst>
               <a:ext uri="{91240B29-F687-4f45-9708-019B960494DF}">
-                <a14:hiddenLine xmlns:a14="http://schemas.microsoft.com/office/drawing/2010/main" xmlns="" w="9525">
+                <a14:hiddenLine xmlns="" xmlns:a14="http://schemas.microsoft.com/office/drawing/2010/main" w="9525">
                   <a:solidFill>
                     <a:srgbClr val="000000"/>
                   </a:solidFill>
@@ -1550,7 +1550,7 @@
             </a:ln>
             <a:extLst>
               <a:ext uri="{91240B29-F687-4f45-9708-019B960494DF}">
-                <a14:hiddenLine xmlns:a14="http://schemas.microsoft.com/office/drawing/2010/main" xmlns="" w="9525">
+                <a14:hiddenLine xmlns="" xmlns:a14="http://schemas.microsoft.com/office/drawing/2010/main" w="9525">
                   <a:solidFill>
                     <a:srgbClr val="000000"/>
                   </a:solidFill>
@@ -1640,7 +1640,7 @@
             </a:ln>
             <a:extLst>
               <a:ext uri="{91240B29-F687-4f45-9708-019B960494DF}">
-                <a14:hiddenLine xmlns:a14="http://schemas.microsoft.com/office/drawing/2010/main" xmlns="" w="9525">
+                <a14:hiddenLine xmlns="" xmlns:a14="http://schemas.microsoft.com/office/drawing/2010/main" w="9525">
                   <a:solidFill>
                     <a:srgbClr val="000000"/>
                   </a:solidFill>
@@ -1702,7 +1702,7 @@
             </a:ln>
             <a:extLst>
               <a:ext uri="{91240B29-F687-4f45-9708-019B960494DF}">
-                <a14:hiddenLine xmlns:a14="http://schemas.microsoft.com/office/drawing/2010/main" xmlns="" w="9525">
+                <a14:hiddenLine xmlns="" xmlns:a14="http://schemas.microsoft.com/office/drawing/2010/main" w="9525">
                   <a:solidFill>
                     <a:srgbClr val="000000"/>
                   </a:solidFill>
@@ -1812,7 +1812,7 @@
             </a:ln>
             <a:extLst>
               <a:ext uri="{91240B29-F687-4f45-9708-019B960494DF}">
-                <a14:hiddenLine xmlns:a14="http://schemas.microsoft.com/office/drawing/2010/main" xmlns="" w="9525">
+                <a14:hiddenLine xmlns="" xmlns:a14="http://schemas.microsoft.com/office/drawing/2010/main" w="9525">
                   <a:solidFill>
                     <a:srgbClr val="000000"/>
                   </a:solidFill>
@@ -1874,7 +1874,7 @@
             </a:ln>
             <a:extLst>
               <a:ext uri="{91240B29-F687-4f45-9708-019B960494DF}">
-                <a14:hiddenLine xmlns:a14="http://schemas.microsoft.com/office/drawing/2010/main" xmlns="" w="9525">
+                <a14:hiddenLine xmlns="" xmlns:a14="http://schemas.microsoft.com/office/drawing/2010/main" w="9525">
                   <a:solidFill>
                     <a:srgbClr val="000000"/>
                   </a:solidFill>
@@ -1964,7 +1964,7 @@
             </a:ln>
             <a:extLst>
               <a:ext uri="{91240B29-F687-4f45-9708-019B960494DF}">
-                <a14:hiddenLine xmlns:a14="http://schemas.microsoft.com/office/drawing/2010/main" xmlns="" w="9525">
+                <a14:hiddenLine xmlns="" xmlns:a14="http://schemas.microsoft.com/office/drawing/2010/main" w="9525">
                   <a:solidFill>
                     <a:srgbClr val="000000"/>
                   </a:solidFill>
@@ -2054,7 +2054,7 @@
             </a:ln>
             <a:extLst>
               <a:ext uri="{91240B29-F687-4f45-9708-019B960494DF}">
-                <a14:hiddenLine xmlns:a14="http://schemas.microsoft.com/office/drawing/2010/main" xmlns="" w="9525">
+                <a14:hiddenLine xmlns="" xmlns:a14="http://schemas.microsoft.com/office/drawing/2010/main" w="9525">
                   <a:solidFill>
                     <a:srgbClr val="000000"/>
                   </a:solidFill>
@@ -2116,7 +2116,7 @@
             </a:ln>
             <a:extLst>
               <a:ext uri="{91240B29-F687-4f45-9708-019B960494DF}">
-                <a14:hiddenLine xmlns:a14="http://schemas.microsoft.com/office/drawing/2010/main" xmlns="" w="9525">
+                <a14:hiddenLine xmlns="" xmlns:a14="http://schemas.microsoft.com/office/drawing/2010/main" w="9525">
                   <a:solidFill>
                     <a:srgbClr val="000000"/>
                   </a:solidFill>
@@ -2206,7 +2206,7 @@
             </a:ln>
             <a:extLst>
               <a:ext uri="{91240B29-F687-4f45-9708-019B960494DF}">
-                <a14:hiddenLine xmlns:a14="http://schemas.microsoft.com/office/drawing/2010/main" xmlns="" w="9525">
+                <a14:hiddenLine xmlns="" xmlns:a14="http://schemas.microsoft.com/office/drawing/2010/main" w="9525">
                   <a:solidFill>
                     <a:srgbClr val="000000"/>
                   </a:solidFill>
@@ -2296,7 +2296,7 @@
             </a:ln>
             <a:extLst>
               <a:ext uri="{91240B29-F687-4f45-9708-019B960494DF}">
-                <a14:hiddenLine xmlns:a14="http://schemas.microsoft.com/office/drawing/2010/main" xmlns="" w="9525">
+                <a14:hiddenLine xmlns="" xmlns:a14="http://schemas.microsoft.com/office/drawing/2010/main" w="9525">
                   <a:solidFill>
                     <a:srgbClr val="000000"/>
                   </a:solidFill>
@@ -2352,7 +2352,7 @@
             </a:ln>
             <a:extLst>
               <a:ext uri="{91240B29-F687-4f45-9708-019B960494DF}">
-                <a14:hiddenLine xmlns:a14="http://schemas.microsoft.com/office/drawing/2010/main" xmlns="" w="9525">
+                <a14:hiddenLine xmlns="" xmlns:a14="http://schemas.microsoft.com/office/drawing/2010/main" w="9525">
                   <a:solidFill>
                     <a:srgbClr val="000000"/>
                   </a:solidFill>
@@ -2442,7 +2442,7 @@
             </a:ln>
             <a:extLst>
               <a:ext uri="{91240B29-F687-4f45-9708-019B960494DF}">
-                <a14:hiddenLine xmlns:a14="http://schemas.microsoft.com/office/drawing/2010/main" xmlns="" w="9525">
+                <a14:hiddenLine xmlns="" xmlns:a14="http://schemas.microsoft.com/office/drawing/2010/main" w="9525">
                   <a:solidFill>
                     <a:srgbClr val="000000"/>
                   </a:solidFill>
@@ -2498,7 +2498,7 @@
             </a:ln>
             <a:extLst>
               <a:ext uri="{91240B29-F687-4f45-9708-019B960494DF}">
-                <a14:hiddenLine xmlns:a14="http://schemas.microsoft.com/office/drawing/2010/main" xmlns="" w="9525">
+                <a14:hiddenLine xmlns="" xmlns:a14="http://schemas.microsoft.com/office/drawing/2010/main" w="9525">
                   <a:solidFill>
                     <a:srgbClr val="000000"/>
                   </a:solidFill>
@@ -2588,7 +2588,7 @@
             </a:ln>
             <a:extLst>
               <a:ext uri="{91240B29-F687-4f45-9708-019B960494DF}">
-                <a14:hiddenLine xmlns:a14="http://schemas.microsoft.com/office/drawing/2010/main" xmlns="" w="9525">
+                <a14:hiddenLine xmlns="" xmlns:a14="http://schemas.microsoft.com/office/drawing/2010/main" w="9525">
                   <a:solidFill>
                     <a:srgbClr val="000000"/>
                   </a:solidFill>
@@ -2656,7 +2656,7 @@
             </a:ln>
             <a:extLst>
               <a:ext uri="{91240B29-F687-4f45-9708-019B960494DF}">
-                <a14:hiddenLine xmlns:a14="http://schemas.microsoft.com/office/drawing/2010/main" xmlns="" w="9525">
+                <a14:hiddenLine xmlns="" xmlns:a14="http://schemas.microsoft.com/office/drawing/2010/main" w="9525">
                   <a:solidFill>
                     <a:srgbClr val="000000"/>
                   </a:solidFill>
@@ -2746,7 +2746,7 @@
             </a:ln>
             <a:extLst>
               <a:ext uri="{91240B29-F687-4f45-9708-019B960494DF}">
-                <a14:hiddenLine xmlns:a14="http://schemas.microsoft.com/office/drawing/2010/main" xmlns="" w="9525">
+                <a14:hiddenLine xmlns="" xmlns:a14="http://schemas.microsoft.com/office/drawing/2010/main" w="9525">
                   <a:solidFill>
                     <a:srgbClr val="000000"/>
                   </a:solidFill>
@@ -2814,7 +2814,7 @@
             </a:ln>
             <a:extLst>
               <a:ext uri="{91240B29-F687-4f45-9708-019B960494DF}">
-                <a14:hiddenLine xmlns:a14="http://schemas.microsoft.com/office/drawing/2010/main" xmlns="" w="9525">
+                <a14:hiddenLine xmlns="" xmlns:a14="http://schemas.microsoft.com/office/drawing/2010/main" w="9525">
                   <a:solidFill>
                     <a:srgbClr val="000000"/>
                   </a:solidFill>
@@ -2904,7 +2904,7 @@
             </a:ln>
             <a:extLst>
               <a:ext uri="{91240B29-F687-4f45-9708-019B960494DF}">
-                <a14:hiddenLine xmlns:a14="http://schemas.microsoft.com/office/drawing/2010/main" xmlns="" w="9525">
+                <a14:hiddenLine xmlns="" xmlns:a14="http://schemas.microsoft.com/office/drawing/2010/main" w="9525">
                   <a:solidFill>
                     <a:srgbClr val="000000"/>
                   </a:solidFill>
@@ -2938,7 +2938,7 @@
             </a:ln>
             <a:extLst>
               <a:ext uri="{91240B29-F687-4f45-9708-019B960494DF}">
-                <a14:hiddenLine xmlns:a14="http://schemas.microsoft.com/office/drawing/2010/main" xmlns="" w="9525">
+                <a14:hiddenLine xmlns="" xmlns:a14="http://schemas.microsoft.com/office/drawing/2010/main" w="9525">
                   <a:solidFill>
                     <a:srgbClr val="000000"/>
                   </a:solidFill>
@@ -3028,7 +3028,7 @@
             </a:ln>
             <a:extLst>
               <a:ext uri="{91240B29-F687-4f45-9708-019B960494DF}">
-                <a14:hiddenLine xmlns:a14="http://schemas.microsoft.com/office/drawing/2010/main" xmlns="" w="9525">
+                <a14:hiddenLine xmlns="" xmlns:a14="http://schemas.microsoft.com/office/drawing/2010/main" w="9525">
                   <a:solidFill>
                     <a:srgbClr val="000000"/>
                   </a:solidFill>
@@ -3090,7 +3090,7 @@
             </a:ln>
             <a:extLst>
               <a:ext uri="{91240B29-F687-4f45-9708-019B960494DF}">
-                <a14:hiddenLine xmlns:a14="http://schemas.microsoft.com/office/drawing/2010/main" xmlns="" w="9525">
+                <a14:hiddenLine xmlns="" xmlns:a14="http://schemas.microsoft.com/office/drawing/2010/main" w="9525">
                   <a:solidFill>
                     <a:srgbClr val="000000"/>
                   </a:solidFill>
@@ -3152,7 +3152,7 @@
             </a:ln>
             <a:extLst>
               <a:ext uri="{91240B29-F687-4f45-9708-019B960494DF}">
-                <a14:hiddenLine xmlns:a14="http://schemas.microsoft.com/office/drawing/2010/main" xmlns="" w="9525">
+                <a14:hiddenLine xmlns="" xmlns:a14="http://schemas.microsoft.com/office/drawing/2010/main" w="9525">
                   <a:solidFill>
                     <a:srgbClr val="000000"/>
                   </a:solidFill>
@@ -3242,7 +3242,7 @@
             </a:ln>
             <a:extLst>
               <a:ext uri="{91240B29-F687-4f45-9708-019B960494DF}">
-                <a14:hiddenLine xmlns:a14="http://schemas.microsoft.com/office/drawing/2010/main" xmlns="" w="9525">
+                <a14:hiddenLine xmlns="" xmlns:a14="http://schemas.microsoft.com/office/drawing/2010/main" w="9525">
                   <a:solidFill>
                     <a:srgbClr val="000000"/>
                   </a:solidFill>
@@ -3310,7 +3310,7 @@
             </a:ln>
             <a:extLst>
               <a:ext uri="{91240B29-F687-4f45-9708-019B960494DF}">
-                <a14:hiddenLine xmlns:a14="http://schemas.microsoft.com/office/drawing/2010/main" xmlns="" w="9525">
+                <a14:hiddenLine xmlns="" xmlns:a14="http://schemas.microsoft.com/office/drawing/2010/main" w="9525">
                   <a:solidFill>
                     <a:srgbClr val="000000"/>
                   </a:solidFill>
@@ -3372,7 +3372,7 @@
             </a:ln>
             <a:extLst>
               <a:ext uri="{91240B29-F687-4f45-9708-019B960494DF}">
-                <a14:hiddenLine xmlns:a14="http://schemas.microsoft.com/office/drawing/2010/main" xmlns="" w="9525">
+                <a14:hiddenLine xmlns="" xmlns:a14="http://schemas.microsoft.com/office/drawing/2010/main" w="9525">
                   <a:solidFill>
                     <a:srgbClr val="000000"/>
                   </a:solidFill>
@@ -3462,7 +3462,7 @@
             </a:ln>
             <a:extLst>
               <a:ext uri="{91240B29-F687-4f45-9708-019B960494DF}">
-                <a14:hiddenLine xmlns:a14="http://schemas.microsoft.com/office/drawing/2010/main" xmlns="" w="9525">
+                <a14:hiddenLine xmlns="" xmlns:a14="http://schemas.microsoft.com/office/drawing/2010/main" w="9525">
                   <a:solidFill>
                     <a:srgbClr val="000000"/>
                   </a:solidFill>
@@ -3524,7 +3524,7 @@
             </a:ln>
             <a:extLst>
               <a:ext uri="{91240B29-F687-4f45-9708-019B960494DF}">
-                <a14:hiddenLine xmlns:a14="http://schemas.microsoft.com/office/drawing/2010/main" xmlns="" w="9525">
+                <a14:hiddenLine xmlns="" xmlns:a14="http://schemas.microsoft.com/office/drawing/2010/main" w="9525">
                   <a:solidFill>
                     <a:srgbClr val="000000"/>
                   </a:solidFill>
@@ -3614,7 +3614,7 @@
             </a:ln>
             <a:extLst>
               <a:ext uri="{91240B29-F687-4f45-9708-019B960494DF}">
-                <a14:hiddenLine xmlns:a14="http://schemas.microsoft.com/office/drawing/2010/main" xmlns="" w="9525">
+                <a14:hiddenLine xmlns="" xmlns:a14="http://schemas.microsoft.com/office/drawing/2010/main" w="9525">
                   <a:solidFill>
                     <a:srgbClr val="000000"/>
                   </a:solidFill>
@@ -3676,7 +3676,7 @@
             </a:ln>
             <a:extLst>
               <a:ext uri="{91240B29-F687-4f45-9708-019B960494DF}">
-                <a14:hiddenLine xmlns:a14="http://schemas.microsoft.com/office/drawing/2010/main" xmlns="" w="9525">
+                <a14:hiddenLine xmlns="" xmlns:a14="http://schemas.microsoft.com/office/drawing/2010/main" w="9525">
                   <a:solidFill>
                     <a:srgbClr val="000000"/>
                   </a:solidFill>
@@ -3766,7 +3766,7 @@
             </a:ln>
             <a:extLst>
               <a:ext uri="{91240B29-F687-4f45-9708-019B960494DF}">
-                <a14:hiddenLine xmlns:a14="http://schemas.microsoft.com/office/drawing/2010/main" xmlns="" w="9525">
+                <a14:hiddenLine xmlns="" xmlns:a14="http://schemas.microsoft.com/office/drawing/2010/main" w="9525">
                   <a:solidFill>
                     <a:srgbClr val="000000"/>
                   </a:solidFill>
@@ -3800,7 +3800,7 @@
             </a:ln>
             <a:extLst>
               <a:ext uri="{91240B29-F687-4f45-9708-019B960494DF}">
-                <a14:hiddenLine xmlns:a14="http://schemas.microsoft.com/office/drawing/2010/main" xmlns="" w="9525">
+                <a14:hiddenLine xmlns="" xmlns:a14="http://schemas.microsoft.com/office/drawing/2010/main" w="9525">
                   <a:solidFill>
                     <a:srgbClr val="000000"/>
                   </a:solidFill>
@@ -3865,7 +3865,7 @@
             </a:ln>
             <a:extLst>
               <a:ext uri="{91240B29-F687-4f45-9708-019B960494DF}">
-                <a14:hiddenLine xmlns:a14="http://schemas.microsoft.com/office/drawing/2010/main" xmlns="" w="9525">
+                <a14:hiddenLine xmlns="" xmlns:a14="http://schemas.microsoft.com/office/drawing/2010/main" w="9525">
                   <a:solidFill>
                     <a:srgbClr val="000000"/>
                   </a:solidFill>
@@ -3955,7 +3955,7 @@
             </a:ln>
             <a:extLst>
               <a:ext uri="{91240B29-F687-4f45-9708-019B960494DF}">
-                <a14:hiddenLine xmlns:a14="http://schemas.microsoft.com/office/drawing/2010/main" xmlns="" w="9525">
+                <a14:hiddenLine xmlns="" xmlns:a14="http://schemas.microsoft.com/office/drawing/2010/main" w="9525">
                   <a:solidFill>
                     <a:srgbClr val="000000"/>
                   </a:solidFill>
@@ -4017,7 +4017,7 @@
             </a:ln>
             <a:extLst>
               <a:ext uri="{91240B29-F687-4f45-9708-019B960494DF}">
-                <a14:hiddenLine xmlns:a14="http://schemas.microsoft.com/office/drawing/2010/main" xmlns="" w="9525">
+                <a14:hiddenLine xmlns="" xmlns:a14="http://schemas.microsoft.com/office/drawing/2010/main" w="9525">
                   <a:solidFill>
                     <a:srgbClr val="000000"/>
                   </a:solidFill>
@@ -4107,7 +4107,7 @@
             </a:ln>
             <a:extLst>
               <a:ext uri="{91240B29-F687-4f45-9708-019B960494DF}">
-                <a14:hiddenLine xmlns:a14="http://schemas.microsoft.com/office/drawing/2010/main" xmlns="" w="9525">
+                <a14:hiddenLine xmlns="" xmlns:a14="http://schemas.microsoft.com/office/drawing/2010/main" w="9525">
                   <a:solidFill>
                     <a:srgbClr val="000000"/>
                   </a:solidFill>
@@ -4197,7 +4197,7 @@
             </a:ln>
             <a:extLst>
               <a:ext uri="{91240B29-F687-4f45-9708-019B960494DF}">
-                <a14:hiddenLine xmlns:a14="http://schemas.microsoft.com/office/drawing/2010/main" xmlns="" w="9525">
+                <a14:hiddenLine xmlns="" xmlns:a14="http://schemas.microsoft.com/office/drawing/2010/main" w="9525">
                   <a:solidFill>
                     <a:srgbClr val="000000"/>
                   </a:solidFill>
@@ -4262,7 +4262,7 @@
             </a:ln>
             <a:extLst>
               <a:ext uri="{91240B29-F687-4f45-9708-019B960494DF}">
-                <a14:hiddenLine xmlns:a14="http://schemas.microsoft.com/office/drawing/2010/main" xmlns="" w="9525">
+                <a14:hiddenLine xmlns="" xmlns:a14="http://schemas.microsoft.com/office/drawing/2010/main" w="9525">
                   <a:solidFill>
                     <a:srgbClr val="000000"/>
                   </a:solidFill>
@@ -4324,7 +4324,7 @@
             </a:ln>
             <a:extLst>
               <a:ext uri="{91240B29-F687-4f45-9708-019B960494DF}">
-                <a14:hiddenLine xmlns:a14="http://schemas.microsoft.com/office/drawing/2010/main" xmlns="" w="9525">
+                <a14:hiddenLine xmlns="" xmlns:a14="http://schemas.microsoft.com/office/drawing/2010/main" w="9525">
                   <a:solidFill>
                     <a:srgbClr val="000000"/>
                   </a:solidFill>
@@ -4414,7 +4414,7 @@
             </a:ln>
             <a:extLst>
               <a:ext uri="{91240B29-F687-4f45-9708-019B960494DF}">
-                <a14:hiddenLine xmlns:a14="http://schemas.microsoft.com/office/drawing/2010/main" xmlns="" w="9525">
+                <a14:hiddenLine xmlns="" xmlns:a14="http://schemas.microsoft.com/office/drawing/2010/main" w="9525">
                   <a:solidFill>
                     <a:srgbClr val="000000"/>
                   </a:solidFill>
@@ -4504,7 +4504,7 @@
             </a:ln>
             <a:extLst>
               <a:ext uri="{91240B29-F687-4f45-9708-019B960494DF}">
-                <a14:hiddenLine xmlns:a14="http://schemas.microsoft.com/office/drawing/2010/main" xmlns="" w="9525">
+                <a14:hiddenLine xmlns="" xmlns:a14="http://schemas.microsoft.com/office/drawing/2010/main" w="9525">
                   <a:solidFill>
                     <a:srgbClr val="000000"/>
                   </a:solidFill>
@@ -4566,7 +4566,7 @@
             </a:ln>
             <a:extLst>
               <a:ext uri="{91240B29-F687-4f45-9708-019B960494DF}">
-                <a14:hiddenLine xmlns:a14="http://schemas.microsoft.com/office/drawing/2010/main" xmlns="" w="9525">
+                <a14:hiddenLine xmlns="" xmlns:a14="http://schemas.microsoft.com/office/drawing/2010/main" w="9525">
                   <a:solidFill>
                     <a:srgbClr val="000000"/>
                   </a:solidFill>
@@ -4686,7 +4686,7 @@
             </a:ln>
             <a:extLst>
               <a:ext uri="{91240B29-F687-4f45-9708-019B960494DF}">
-                <a14:hiddenLine xmlns:a14="http://schemas.microsoft.com/office/drawing/2010/main" xmlns="" w="9525">
+                <a14:hiddenLine xmlns="" xmlns:a14="http://schemas.microsoft.com/office/drawing/2010/main" w="9525">
                   <a:solidFill>
                     <a:srgbClr val="000000"/>
                   </a:solidFill>
@@ -4754,7 +4754,7 @@
             </a:ln>
             <a:extLst>
               <a:ext uri="{91240B29-F687-4f45-9708-019B960494DF}">
-                <a14:hiddenLine xmlns:a14="http://schemas.microsoft.com/office/drawing/2010/main" xmlns="" w="9525">
+                <a14:hiddenLine xmlns="" xmlns:a14="http://schemas.microsoft.com/office/drawing/2010/main" w="9525">
                   <a:solidFill>
                     <a:srgbClr val="000000"/>
                   </a:solidFill>
@@ -4844,7 +4844,7 @@
             </a:ln>
             <a:extLst>
               <a:ext uri="{91240B29-F687-4f45-9708-019B960494DF}">
-                <a14:hiddenLine xmlns:a14="http://schemas.microsoft.com/office/drawing/2010/main" xmlns="" w="9525">
+                <a14:hiddenLine xmlns="" xmlns:a14="http://schemas.microsoft.com/office/drawing/2010/main" w="9525">
                   <a:solidFill>
                     <a:srgbClr val="000000"/>
                   </a:solidFill>
@@ -4985,7 +4985,7 @@
             <a:fld id="{7EAF463A-BC7C-46EE-9F1E-7F377CCA4891}" type="datetimeFigureOut">
               <a:rPr lang="en-US" smtClean="0"/>
               <a:pPr/>
-              <a:t>12/11/2019</a:t>
+              <a:t>12/10/2019</a:t>
             </a:fld>
             <a:endParaRPr lang="en-US"/>
           </a:p>
@@ -5254,7 +5254,7 @@
             <a:fld id="{7EAF463A-BC7C-46EE-9F1E-7F377CCA4891}" type="datetimeFigureOut">
               <a:rPr lang="en-US" smtClean="0"/>
               <a:pPr/>
-              <a:t>12/11/2019</a:t>
+              <a:t>12/10/2019</a:t>
             </a:fld>
             <a:endParaRPr lang="en-US"/>
           </a:p>
@@ -5452,7 +5452,7 @@
             <a:fld id="{7EAF463A-BC7C-46EE-9F1E-7F377CCA4891}" type="datetimeFigureOut">
               <a:rPr lang="en-US" smtClean="0"/>
               <a:pPr/>
-              <a:t>12/11/2019</a:t>
+              <a:t>12/10/2019</a:t>
             </a:fld>
             <a:endParaRPr lang="en-US"/>
           </a:p>
@@ -5717,7 +5717,7 @@
             <a:fld id="{7EAF463A-BC7C-46EE-9F1E-7F377CCA4891}" type="datetimeFigureOut">
               <a:rPr lang="en-US" smtClean="0"/>
               <a:pPr/>
-              <a:t>12/11/2019</a:t>
+              <a:t>12/10/2019</a:t>
             </a:fld>
             <a:endParaRPr lang="en-US"/>
           </a:p>
@@ -6153,7 +6153,7 @@
             <a:fld id="{7EAF463A-BC7C-46EE-9F1E-7F377CCA4891}" type="datetimeFigureOut">
               <a:rPr lang="en-US" smtClean="0"/>
               <a:pPr/>
-              <a:t>12/11/2019</a:t>
+              <a:t>12/10/2019</a:t>
             </a:fld>
             <a:endParaRPr lang="en-US"/>
           </a:p>
@@ -6701,7 +6701,7 @@
             <a:fld id="{7EAF463A-BC7C-46EE-9F1E-7F377CCA4891}" type="datetimeFigureOut">
               <a:rPr lang="en-US" smtClean="0"/>
               <a:pPr/>
-              <a:t>12/11/2019</a:t>
+              <a:t>12/10/2019</a:t>
             </a:fld>
             <a:endParaRPr lang="en-US"/>
           </a:p>
@@ -7423,7 +7423,7 @@
             <a:fld id="{7EAF463A-BC7C-46EE-9F1E-7F377CCA4891}" type="datetimeFigureOut">
               <a:rPr lang="en-US" smtClean="0"/>
               <a:pPr/>
-              <a:t>12/11/2019</a:t>
+              <a:t>12/10/2019</a:t>
             </a:fld>
             <a:endParaRPr lang="en-US"/>
           </a:p>
@@ -7599,7 +7599,7 @@
             <a:fld id="{7EAF463A-BC7C-46EE-9F1E-7F377CCA4891}" type="datetimeFigureOut">
               <a:rPr lang="en-US" smtClean="0"/>
               <a:pPr/>
-              <a:t>12/11/2019</a:t>
+              <a:t>12/10/2019</a:t>
             </a:fld>
             <a:endParaRPr lang="en-US"/>
           </a:p>
@@ -7781,7 +7781,7 @@
             <a:fld id="{7EAF463A-BC7C-46EE-9F1E-7F377CCA4891}" type="datetimeFigureOut">
               <a:rPr lang="en-US" smtClean="0"/>
               <a:pPr/>
-              <a:t>12/11/2019</a:t>
+              <a:t>12/10/2019</a:t>
             </a:fld>
             <a:endParaRPr lang="en-US"/>
           </a:p>
@@ -7968,7 +7968,7 @@
             <a:fld id="{7EAF463A-BC7C-46EE-9F1E-7F377CCA4891}" type="datetimeFigureOut">
               <a:rPr lang="en-US" smtClean="0"/>
               <a:pPr/>
-              <a:t>12/11/2019</a:t>
+              <a:t>12/10/2019</a:t>
             </a:fld>
             <a:endParaRPr lang="en-US"/>
           </a:p>
@@ -8230,7 +8230,7 @@
             <a:fld id="{7EAF463A-BC7C-46EE-9F1E-7F377CCA4891}" type="datetimeFigureOut">
               <a:rPr lang="en-US" smtClean="0"/>
               <a:pPr/>
-              <a:t>12/11/2019</a:t>
+              <a:t>12/10/2019</a:t>
             </a:fld>
             <a:endParaRPr lang="en-US"/>
           </a:p>
@@ -8464,7 +8464,7 @@
             <a:fld id="{7EAF463A-BC7C-46EE-9F1E-7F377CCA4891}" type="datetimeFigureOut">
               <a:rPr lang="en-US" smtClean="0"/>
               <a:pPr/>
-              <a:t>12/11/2019</a:t>
+              <a:t>12/10/2019</a:t>
             </a:fld>
             <a:endParaRPr lang="en-US"/>
           </a:p>
@@ -8847,7 +8847,7 @@
             <a:fld id="{7EAF463A-BC7C-46EE-9F1E-7F377CCA4891}" type="datetimeFigureOut">
               <a:rPr lang="en-US" smtClean="0"/>
               <a:pPr/>
-              <a:t>12/11/2019</a:t>
+              <a:t>12/10/2019</a:t>
             </a:fld>
             <a:endParaRPr lang="en-US"/>
           </a:p>
@@ -8967,7 +8967,7 @@
             <a:fld id="{7EAF463A-BC7C-46EE-9F1E-7F377CCA4891}" type="datetimeFigureOut">
               <a:rPr lang="en-US" smtClean="0"/>
               <a:pPr/>
-              <a:t>12/11/2019</a:t>
+              <a:t>12/10/2019</a:t>
             </a:fld>
             <a:endParaRPr lang="en-US"/>
           </a:p>
@@ -9064,7 +9064,7 @@
             <a:fld id="{7EAF463A-BC7C-46EE-9F1E-7F377CCA4891}" type="datetimeFigureOut">
               <a:rPr lang="en-US" smtClean="0"/>
               <a:pPr/>
-              <a:t>12/11/2019</a:t>
+              <a:t>12/10/2019</a:t>
             </a:fld>
             <a:endParaRPr lang="en-US"/>
           </a:p>
@@ -9315,7 +9315,7 @@
             <a:fld id="{7EAF463A-BC7C-46EE-9F1E-7F377CCA4891}" type="datetimeFigureOut">
               <a:rPr lang="en-US" smtClean="0"/>
               <a:pPr/>
-              <a:t>12/11/2019</a:t>
+              <a:t>12/10/2019</a:t>
             </a:fld>
             <a:endParaRPr lang="en-US"/>
           </a:p>
@@ -9569,7 +9569,7 @@
             <a:fld id="{7EAF463A-BC7C-46EE-9F1E-7F377CCA4891}" type="datetimeFigureOut">
               <a:rPr lang="en-US" smtClean="0"/>
               <a:pPr/>
-              <a:t>12/11/2019</a:t>
+              <a:t>12/10/2019</a:t>
             </a:fld>
             <a:endParaRPr lang="en-US"/>
           </a:p>
@@ -9717,7 +9717,7 @@
           <a:noFill/>
           <a:extLst>
             <a:ext uri="{909E8E84-426E-40dd-AFC4-6F175D3DCCD1}">
-              <a14:hiddenFill xmlns:a14="http://schemas.microsoft.com/office/drawing/2010/main" xmlns="">
+              <a14:hiddenFill xmlns="" xmlns:a14="http://schemas.microsoft.com/office/drawing/2010/main">
                 <a:solidFill>
                   <a:srgbClr val="FFFFFF"/>
                 </a:solidFill>
@@ -9791,7 +9791,7 @@
               </a:ln>
               <a:extLst>
                 <a:ext uri="{91240B29-F687-4f45-9708-019B960494DF}">
-                  <a14:hiddenLine xmlns:a14="http://schemas.microsoft.com/office/drawing/2010/main" xmlns="" w="9525">
+                  <a14:hiddenLine xmlns="" xmlns:a14="http://schemas.microsoft.com/office/drawing/2010/main" w="9525">
                     <a:solidFill>
                       <a:srgbClr val="000000"/>
                     </a:solidFill>
@@ -9881,7 +9881,7 @@
               </a:ln>
               <a:extLst>
                 <a:ext uri="{91240B29-F687-4f45-9708-019B960494DF}">
-                  <a14:hiddenLine xmlns:a14="http://schemas.microsoft.com/office/drawing/2010/main" xmlns="" w="9525">
+                  <a14:hiddenLine xmlns="" xmlns:a14="http://schemas.microsoft.com/office/drawing/2010/main" w="9525">
                     <a:solidFill>
                       <a:srgbClr val="000000"/>
                     </a:solidFill>
@@ -9971,7 +9971,7 @@
               </a:ln>
               <a:extLst>
                 <a:ext uri="{91240B29-F687-4f45-9708-019B960494DF}">
-                  <a14:hiddenLine xmlns:a14="http://schemas.microsoft.com/office/drawing/2010/main" xmlns="" w="9525">
+                  <a14:hiddenLine xmlns="" xmlns:a14="http://schemas.microsoft.com/office/drawing/2010/main" w="9525">
                     <a:solidFill>
                       <a:srgbClr val="000000"/>
                     </a:solidFill>
@@ -10033,7 +10033,7 @@
               </a:ln>
               <a:extLst>
                 <a:ext uri="{91240B29-F687-4f45-9708-019B960494DF}">
-                  <a14:hiddenLine xmlns:a14="http://schemas.microsoft.com/office/drawing/2010/main" xmlns="" w="9525">
+                  <a14:hiddenLine xmlns="" xmlns:a14="http://schemas.microsoft.com/office/drawing/2010/main" w="9525">
                     <a:solidFill>
                       <a:srgbClr val="000000"/>
                     </a:solidFill>
@@ -10123,7 +10123,7 @@
               </a:ln>
               <a:extLst>
                 <a:ext uri="{91240B29-F687-4f45-9708-019B960494DF}">
-                  <a14:hiddenLine xmlns:a14="http://schemas.microsoft.com/office/drawing/2010/main" xmlns="" w="9525">
+                  <a14:hiddenLine xmlns="" xmlns:a14="http://schemas.microsoft.com/office/drawing/2010/main" w="9525">
                     <a:solidFill>
                       <a:srgbClr val="000000"/>
                     </a:solidFill>
@@ -10185,7 +10185,7 @@
               </a:ln>
               <a:extLst>
                 <a:ext uri="{91240B29-F687-4f45-9708-019B960494DF}">
-                  <a14:hiddenLine xmlns:a14="http://schemas.microsoft.com/office/drawing/2010/main" xmlns="" w="9525">
+                  <a14:hiddenLine xmlns="" xmlns:a14="http://schemas.microsoft.com/office/drawing/2010/main" w="9525">
                     <a:solidFill>
                       <a:srgbClr val="000000"/>
                     </a:solidFill>
@@ -10247,7 +10247,7 @@
               </a:ln>
               <a:extLst>
                 <a:ext uri="{91240B29-F687-4f45-9708-019B960494DF}">
-                  <a14:hiddenLine xmlns:a14="http://schemas.microsoft.com/office/drawing/2010/main" xmlns="" w="9525">
+                  <a14:hiddenLine xmlns="" xmlns:a14="http://schemas.microsoft.com/office/drawing/2010/main" w="9525">
                     <a:solidFill>
                       <a:srgbClr val="000000"/>
                     </a:solidFill>
@@ -10337,7 +10337,7 @@
               </a:ln>
               <a:extLst>
                 <a:ext uri="{91240B29-F687-4f45-9708-019B960494DF}">
-                  <a14:hiddenLine xmlns:a14="http://schemas.microsoft.com/office/drawing/2010/main" xmlns="" w="9525">
+                  <a14:hiddenLine xmlns="" xmlns:a14="http://schemas.microsoft.com/office/drawing/2010/main" w="9525">
                     <a:solidFill>
                       <a:srgbClr val="000000"/>
                     </a:solidFill>
@@ -10427,7 +10427,7 @@
               </a:ln>
               <a:extLst>
                 <a:ext uri="{91240B29-F687-4f45-9708-019B960494DF}">
-                  <a14:hiddenLine xmlns:a14="http://schemas.microsoft.com/office/drawing/2010/main" xmlns="" w="9525">
+                  <a14:hiddenLine xmlns="" xmlns:a14="http://schemas.microsoft.com/office/drawing/2010/main" w="9525">
                     <a:solidFill>
                       <a:srgbClr val="000000"/>
                     </a:solidFill>
@@ -10489,7 +10489,7 @@
               </a:ln>
               <a:extLst>
                 <a:ext uri="{91240B29-F687-4f45-9708-019B960494DF}">
-                  <a14:hiddenLine xmlns:a14="http://schemas.microsoft.com/office/drawing/2010/main" xmlns="" w="9525">
+                  <a14:hiddenLine xmlns="" xmlns:a14="http://schemas.microsoft.com/office/drawing/2010/main" w="9525">
                     <a:solidFill>
                       <a:srgbClr val="000000"/>
                     </a:solidFill>
@@ -10599,7 +10599,7 @@
               </a:ln>
               <a:extLst>
                 <a:ext uri="{91240B29-F687-4f45-9708-019B960494DF}">
-                  <a14:hiddenLine xmlns:a14="http://schemas.microsoft.com/office/drawing/2010/main" xmlns="" w="9525">
+                  <a14:hiddenLine xmlns="" xmlns:a14="http://schemas.microsoft.com/office/drawing/2010/main" w="9525">
                     <a:solidFill>
                       <a:srgbClr val="000000"/>
                     </a:solidFill>
@@ -10683,7 +10683,7 @@
               </a:ln>
               <a:extLst>
                 <a:ext uri="{91240B29-F687-4f45-9708-019B960494DF}">
-                  <a14:hiddenLine xmlns:a14="http://schemas.microsoft.com/office/drawing/2010/main" xmlns="" w="9525">
+                  <a14:hiddenLine xmlns="" xmlns:a14="http://schemas.microsoft.com/office/drawing/2010/main" w="9525">
                     <a:solidFill>
                       <a:srgbClr val="000000"/>
                     </a:solidFill>
@@ -10745,7 +10745,7 @@
               </a:ln>
               <a:extLst>
                 <a:ext uri="{91240B29-F687-4f45-9708-019B960494DF}">
-                  <a14:hiddenLine xmlns:a14="http://schemas.microsoft.com/office/drawing/2010/main" xmlns="" w="9525">
+                  <a14:hiddenLine xmlns="" xmlns:a14="http://schemas.microsoft.com/office/drawing/2010/main" w="9525">
                     <a:solidFill>
                       <a:srgbClr val="000000"/>
                     </a:solidFill>
@@ -10807,7 +10807,7 @@
               </a:ln>
               <a:extLst>
                 <a:ext uri="{91240B29-F687-4f45-9708-019B960494DF}">
-                  <a14:hiddenLine xmlns:a14="http://schemas.microsoft.com/office/drawing/2010/main" xmlns="" w="9525">
+                  <a14:hiddenLine xmlns="" xmlns:a14="http://schemas.microsoft.com/office/drawing/2010/main" w="9525">
                     <a:solidFill>
                       <a:srgbClr val="000000"/>
                     </a:solidFill>
@@ -10897,7 +10897,7 @@
               </a:ln>
               <a:extLst>
                 <a:ext uri="{91240B29-F687-4f45-9708-019B960494DF}">
-                  <a14:hiddenLine xmlns:a14="http://schemas.microsoft.com/office/drawing/2010/main" xmlns="" w="9525">
+                  <a14:hiddenLine xmlns="" xmlns:a14="http://schemas.microsoft.com/office/drawing/2010/main" w="9525">
                     <a:solidFill>
                       <a:srgbClr val="000000"/>
                     </a:solidFill>
@@ -10931,7 +10931,7 @@
               </a:ln>
               <a:extLst>
                 <a:ext uri="{91240B29-F687-4f45-9708-019B960494DF}">
-                  <a14:hiddenLine xmlns:a14="http://schemas.microsoft.com/office/drawing/2010/main" xmlns="" w="9525">
+                  <a14:hiddenLine xmlns="" xmlns:a14="http://schemas.microsoft.com/office/drawing/2010/main" w="9525">
                     <a:solidFill>
                       <a:srgbClr val="000000"/>
                     </a:solidFill>
@@ -10996,7 +10996,7 @@
               </a:ln>
               <a:extLst>
                 <a:ext uri="{91240B29-F687-4f45-9708-019B960494DF}">
-                  <a14:hiddenLine xmlns:a14="http://schemas.microsoft.com/office/drawing/2010/main" xmlns="" w="9525">
+                  <a14:hiddenLine xmlns="" xmlns:a14="http://schemas.microsoft.com/office/drawing/2010/main" w="9525">
                     <a:solidFill>
                       <a:srgbClr val="000000"/>
                     </a:solidFill>
@@ -11086,7 +11086,7 @@
               </a:ln>
               <a:extLst>
                 <a:ext uri="{91240B29-F687-4f45-9708-019B960494DF}">
-                  <a14:hiddenLine xmlns:a14="http://schemas.microsoft.com/office/drawing/2010/main" xmlns="" w="9525">
+                  <a14:hiddenLine xmlns="" xmlns:a14="http://schemas.microsoft.com/office/drawing/2010/main" w="9525">
                     <a:solidFill>
                       <a:srgbClr val="000000"/>
                     </a:solidFill>
@@ -11148,7 +11148,7 @@
               </a:ln>
               <a:extLst>
                 <a:ext uri="{91240B29-F687-4f45-9708-019B960494DF}">
-                  <a14:hiddenLine xmlns:a14="http://schemas.microsoft.com/office/drawing/2010/main" xmlns="" w="9525">
+                  <a14:hiddenLine xmlns="" xmlns:a14="http://schemas.microsoft.com/office/drawing/2010/main" w="9525">
                     <a:solidFill>
                       <a:srgbClr val="000000"/>
                     </a:solidFill>
@@ -11238,7 +11238,7 @@
               </a:ln>
               <a:extLst>
                 <a:ext uri="{91240B29-F687-4f45-9708-019B960494DF}">
-                  <a14:hiddenLine xmlns:a14="http://schemas.microsoft.com/office/drawing/2010/main" xmlns="" w="9525">
+                  <a14:hiddenLine xmlns="" xmlns:a14="http://schemas.microsoft.com/office/drawing/2010/main" w="9525">
                     <a:solidFill>
                       <a:srgbClr val="000000"/>
                     </a:solidFill>
@@ -11303,7 +11303,7 @@
               </a:ln>
               <a:extLst>
                 <a:ext uri="{91240B29-F687-4f45-9708-019B960494DF}">
-                  <a14:hiddenLine xmlns:a14="http://schemas.microsoft.com/office/drawing/2010/main" xmlns="" w="9525">
+                  <a14:hiddenLine xmlns="" xmlns:a14="http://schemas.microsoft.com/office/drawing/2010/main" w="9525">
                     <a:solidFill>
                       <a:srgbClr val="000000"/>
                     </a:solidFill>
@@ -11365,7 +11365,7 @@
               </a:ln>
               <a:extLst>
                 <a:ext uri="{91240B29-F687-4f45-9708-019B960494DF}">
-                  <a14:hiddenLine xmlns:a14="http://schemas.microsoft.com/office/drawing/2010/main" xmlns="" w="9525">
+                  <a14:hiddenLine xmlns="" xmlns:a14="http://schemas.microsoft.com/office/drawing/2010/main" w="9525">
                     <a:solidFill>
                       <a:srgbClr val="000000"/>
                     </a:solidFill>
@@ -11455,7 +11455,7 @@
               </a:ln>
               <a:extLst>
                 <a:ext uri="{91240B29-F687-4f45-9708-019B960494DF}">
-                  <a14:hiddenLine xmlns:a14="http://schemas.microsoft.com/office/drawing/2010/main" xmlns="" w="9525">
+                  <a14:hiddenLine xmlns="" xmlns:a14="http://schemas.microsoft.com/office/drawing/2010/main" w="9525">
                     <a:solidFill>
                       <a:srgbClr val="000000"/>
                     </a:solidFill>
@@ -11545,7 +11545,7 @@
               </a:ln>
               <a:extLst>
                 <a:ext uri="{91240B29-F687-4f45-9708-019B960494DF}">
-                  <a14:hiddenLine xmlns:a14="http://schemas.microsoft.com/office/drawing/2010/main" xmlns="" w="9525">
+                  <a14:hiddenLine xmlns="" xmlns:a14="http://schemas.microsoft.com/office/drawing/2010/main" w="9525">
                     <a:solidFill>
                       <a:srgbClr val="000000"/>
                     </a:solidFill>
@@ -11610,7 +11610,7 @@
               </a:ln>
               <a:extLst>
                 <a:ext uri="{91240B29-F687-4f45-9708-019B960494DF}">
-                  <a14:hiddenLine xmlns:a14="http://schemas.microsoft.com/office/drawing/2010/main" xmlns="" w="9525">
+                  <a14:hiddenLine xmlns="" xmlns:a14="http://schemas.microsoft.com/office/drawing/2010/main" w="9525">
                     <a:solidFill>
                       <a:srgbClr val="000000"/>
                     </a:solidFill>
@@ -11730,7 +11730,7 @@
               </a:ln>
               <a:extLst>
                 <a:ext uri="{91240B29-F687-4f45-9708-019B960494DF}">
-                  <a14:hiddenLine xmlns:a14="http://schemas.microsoft.com/office/drawing/2010/main" xmlns="" w="9525">
+                  <a14:hiddenLine xmlns="" xmlns:a14="http://schemas.microsoft.com/office/drawing/2010/main" w="9525">
                     <a:solidFill>
                       <a:srgbClr val="000000"/>
                     </a:solidFill>
@@ -11828,7 +11828,7 @@
               </a:ln>
               <a:extLst>
                 <a:ext uri="{91240B29-F687-4f45-9708-019B960494DF}">
-                  <a14:hiddenLine xmlns:a14="http://schemas.microsoft.com/office/drawing/2010/main" xmlns="" w="9525">
+                  <a14:hiddenLine xmlns="" xmlns:a14="http://schemas.microsoft.com/office/drawing/2010/main" w="9525">
                     <a:solidFill>
                       <a:srgbClr val="000000"/>
                     </a:solidFill>
@@ -11943,7 +11943,7 @@
               </a:ln>
               <a:extLst>
                 <a:ext uri="{91240B29-F687-4f45-9708-019B960494DF}">
-                  <a14:hiddenLine xmlns:a14="http://schemas.microsoft.com/office/drawing/2010/main" xmlns="" w="9525">
+                  <a14:hiddenLine xmlns="" xmlns:a14="http://schemas.microsoft.com/office/drawing/2010/main" w="9525">
                     <a:solidFill>
                       <a:srgbClr val="000000"/>
                     </a:solidFill>
@@ -12033,7 +12033,7 @@
               </a:ln>
               <a:extLst>
                 <a:ext uri="{91240B29-F687-4f45-9708-019B960494DF}">
-                  <a14:hiddenLine xmlns:a14="http://schemas.microsoft.com/office/drawing/2010/main" xmlns="" w="9525">
+                  <a14:hiddenLine xmlns="" xmlns:a14="http://schemas.microsoft.com/office/drawing/2010/main" w="9525">
                     <a:solidFill>
                       <a:srgbClr val="000000"/>
                     </a:solidFill>
@@ -12098,7 +12098,7 @@
               </a:ln>
               <a:extLst>
                 <a:ext uri="{91240B29-F687-4f45-9708-019B960494DF}">
-                  <a14:hiddenLine xmlns:a14="http://schemas.microsoft.com/office/drawing/2010/main" xmlns="" w="9525">
+                  <a14:hiddenLine xmlns="" xmlns:a14="http://schemas.microsoft.com/office/drawing/2010/main" w="9525">
                     <a:solidFill>
                       <a:srgbClr val="000000"/>
                     </a:solidFill>
@@ -12188,7 +12188,7 @@
               </a:ln>
               <a:extLst>
                 <a:ext uri="{91240B29-F687-4f45-9708-019B960494DF}">
-                  <a14:hiddenLine xmlns:a14="http://schemas.microsoft.com/office/drawing/2010/main" xmlns="" w="9525">
+                  <a14:hiddenLine xmlns="" xmlns:a14="http://schemas.microsoft.com/office/drawing/2010/main" w="9525">
                     <a:solidFill>
                       <a:srgbClr val="000000"/>
                     </a:solidFill>
@@ -12256,7 +12256,7 @@
               </a:ln>
               <a:extLst>
                 <a:ext uri="{91240B29-F687-4f45-9708-019B960494DF}">
-                  <a14:hiddenLine xmlns:a14="http://schemas.microsoft.com/office/drawing/2010/main" xmlns="" w="9525">
+                  <a14:hiddenLine xmlns="" xmlns:a14="http://schemas.microsoft.com/office/drawing/2010/main" w="9525">
                     <a:solidFill>
                       <a:srgbClr val="000000"/>
                     </a:solidFill>
@@ -12346,7 +12346,7 @@
               </a:ln>
               <a:extLst>
                 <a:ext uri="{91240B29-F687-4f45-9708-019B960494DF}">
-                  <a14:hiddenLine xmlns:a14="http://schemas.microsoft.com/office/drawing/2010/main" xmlns="" w="9525">
+                  <a14:hiddenLine xmlns="" xmlns:a14="http://schemas.microsoft.com/office/drawing/2010/main" w="9525">
                     <a:solidFill>
                       <a:srgbClr val="000000"/>
                     </a:solidFill>
@@ -12414,7 +12414,7 @@
               </a:ln>
               <a:extLst>
                 <a:ext uri="{91240B29-F687-4f45-9708-019B960494DF}">
-                  <a14:hiddenLine xmlns:a14="http://schemas.microsoft.com/office/drawing/2010/main" xmlns="" w="9525">
+                  <a14:hiddenLine xmlns="" xmlns:a14="http://schemas.microsoft.com/office/drawing/2010/main" w="9525">
                     <a:solidFill>
                       <a:srgbClr val="000000"/>
                     </a:solidFill>
@@ -12504,7 +12504,7 @@
               </a:ln>
               <a:extLst>
                 <a:ext uri="{91240B29-F687-4f45-9708-019B960494DF}">
-                  <a14:hiddenLine xmlns:a14="http://schemas.microsoft.com/office/drawing/2010/main" xmlns="" w="9525">
+                  <a14:hiddenLine xmlns="" xmlns:a14="http://schemas.microsoft.com/office/drawing/2010/main" w="9525">
                     <a:solidFill>
                       <a:srgbClr val="000000"/>
                     </a:solidFill>
@@ -12538,7 +12538,7 @@
               </a:ln>
               <a:extLst>
                 <a:ext uri="{91240B29-F687-4f45-9708-019B960494DF}">
-                  <a14:hiddenLine xmlns:a14="http://schemas.microsoft.com/office/drawing/2010/main" xmlns="" w="9525">
+                  <a14:hiddenLine xmlns="" xmlns:a14="http://schemas.microsoft.com/office/drawing/2010/main" w="9525">
                     <a:solidFill>
                       <a:srgbClr val="000000"/>
                     </a:solidFill>
@@ -12679,7 +12679,7 @@
             <a:fld id="{7EAF463A-BC7C-46EE-9F1E-7F377CCA4891}" type="datetimeFigureOut">
               <a:rPr lang="en-US" smtClean="0"/>
               <a:pPr/>
-              <a:t>12/11/2019</a:t>
+              <a:t>12/10/2019</a:t>
             </a:fld>
             <a:endParaRPr lang="en-US"/>
           </a:p>
@@ -17195,6 +17195,19 @@
                 </a:solidFill>
               </a:rPr>
               <a:t>Поддержка более, чем 300 различных серверов ввода/вывода.</a:t>
+            </a:r>
+          </a:p>
+          <a:p>
+            <a:pPr lvl="0"/>
+            <a:r>
+              <a:rPr lang="ru-RU" dirty="0">
+                <a:solidFill>
+                  <a:schemeClr val="bg2">
+                    <a:lumMod val="75000"/>
+                  </a:schemeClr>
+                </a:solidFill>
+              </a:rPr>
+              <a:t>Динамическая разработка сетевых приложений.</a:t>
             </a:r>
           </a:p>
         </p:txBody>

--- a/итоговая.pptx
+++ b/итоговая.pptx
@@ -5,7 +5,7 @@
     <p:sldMasterId id="2147483702" r:id="rId1"/>
   </p:sldMasterIdLst>
   <p:notesMasterIdLst>
-    <p:notesMasterId r:id="rId27"/>
+    <p:notesMasterId r:id="rId30"/>
   </p:notesMasterIdLst>
   <p:sldIdLst>
     <p:sldId id="267" r:id="rId2"/>
@@ -26,13 +26,16 @@
     <p:sldId id="287" r:id="rId17"/>
     <p:sldId id="288" r:id="rId18"/>
     <p:sldId id="257" r:id="rId19"/>
-    <p:sldId id="289" r:id="rId20"/>
-    <p:sldId id="271" r:id="rId21"/>
-    <p:sldId id="261" r:id="rId22"/>
-    <p:sldId id="273" r:id="rId23"/>
-    <p:sldId id="274" r:id="rId24"/>
-    <p:sldId id="264" r:id="rId25"/>
-    <p:sldId id="272" r:id="rId26"/>
+    <p:sldId id="271" r:id="rId20"/>
+    <p:sldId id="289" r:id="rId21"/>
+    <p:sldId id="290" r:id="rId22"/>
+    <p:sldId id="291" r:id="rId23"/>
+    <p:sldId id="292" r:id="rId24"/>
+    <p:sldId id="261" r:id="rId25"/>
+    <p:sldId id="273" r:id="rId26"/>
+    <p:sldId id="274" r:id="rId27"/>
+    <p:sldId id="264" r:id="rId28"/>
+    <p:sldId id="272" r:id="rId29"/>
   </p:sldIdLst>
   <p:sldSz cx="9144000" cy="6858000" type="screen4x3"/>
   <p:notesSz cx="6858000" cy="9144000"/>
@@ -350,7 +353,7 @@
           <a:p>
             <a:fld id="{5649F021-9FAB-4CEA-A96A-A2DB693E74C4}" type="datetimeFigureOut">
               <a:rPr lang="ru-RU" smtClean="0"/>
-              <a:t>10.12.2019</a:t>
+              <a:t>12.12.2019</a:t>
             </a:fld>
             <a:endParaRPr lang="ru-RU"/>
           </a:p>
@@ -4985,7 +4988,7 @@
             <a:fld id="{7EAF463A-BC7C-46EE-9F1E-7F377CCA4891}" type="datetimeFigureOut">
               <a:rPr lang="en-US" smtClean="0"/>
               <a:pPr/>
-              <a:t>12/10/2019</a:t>
+              <a:t>12/12/2019</a:t>
             </a:fld>
             <a:endParaRPr lang="en-US"/>
           </a:p>
@@ -5254,7 +5257,7 @@
             <a:fld id="{7EAF463A-BC7C-46EE-9F1E-7F377CCA4891}" type="datetimeFigureOut">
               <a:rPr lang="en-US" smtClean="0"/>
               <a:pPr/>
-              <a:t>12/10/2019</a:t>
+              <a:t>12/12/2019</a:t>
             </a:fld>
             <a:endParaRPr lang="en-US"/>
           </a:p>
@@ -5452,7 +5455,7 @@
             <a:fld id="{7EAF463A-BC7C-46EE-9F1E-7F377CCA4891}" type="datetimeFigureOut">
               <a:rPr lang="en-US" smtClean="0"/>
               <a:pPr/>
-              <a:t>12/10/2019</a:t>
+              <a:t>12/12/2019</a:t>
             </a:fld>
             <a:endParaRPr lang="en-US"/>
           </a:p>
@@ -5717,7 +5720,7 @@
             <a:fld id="{7EAF463A-BC7C-46EE-9F1E-7F377CCA4891}" type="datetimeFigureOut">
               <a:rPr lang="en-US" smtClean="0"/>
               <a:pPr/>
-              <a:t>12/10/2019</a:t>
+              <a:t>12/12/2019</a:t>
             </a:fld>
             <a:endParaRPr lang="en-US"/>
           </a:p>
@@ -6153,7 +6156,7 @@
             <a:fld id="{7EAF463A-BC7C-46EE-9F1E-7F377CCA4891}" type="datetimeFigureOut">
               <a:rPr lang="en-US" smtClean="0"/>
               <a:pPr/>
-              <a:t>12/10/2019</a:t>
+              <a:t>12/12/2019</a:t>
             </a:fld>
             <a:endParaRPr lang="en-US"/>
           </a:p>
@@ -6701,7 +6704,7 @@
             <a:fld id="{7EAF463A-BC7C-46EE-9F1E-7F377CCA4891}" type="datetimeFigureOut">
               <a:rPr lang="en-US" smtClean="0"/>
               <a:pPr/>
-              <a:t>12/10/2019</a:t>
+              <a:t>12/12/2019</a:t>
             </a:fld>
             <a:endParaRPr lang="en-US"/>
           </a:p>
@@ -7423,7 +7426,7 @@
             <a:fld id="{7EAF463A-BC7C-46EE-9F1E-7F377CCA4891}" type="datetimeFigureOut">
               <a:rPr lang="en-US" smtClean="0"/>
               <a:pPr/>
-              <a:t>12/10/2019</a:t>
+              <a:t>12/12/2019</a:t>
             </a:fld>
             <a:endParaRPr lang="en-US"/>
           </a:p>
@@ -7599,7 +7602,7 @@
             <a:fld id="{7EAF463A-BC7C-46EE-9F1E-7F377CCA4891}" type="datetimeFigureOut">
               <a:rPr lang="en-US" smtClean="0"/>
               <a:pPr/>
-              <a:t>12/10/2019</a:t>
+              <a:t>12/12/2019</a:t>
             </a:fld>
             <a:endParaRPr lang="en-US"/>
           </a:p>
@@ -7781,7 +7784,7 @@
             <a:fld id="{7EAF463A-BC7C-46EE-9F1E-7F377CCA4891}" type="datetimeFigureOut">
               <a:rPr lang="en-US" smtClean="0"/>
               <a:pPr/>
-              <a:t>12/10/2019</a:t>
+              <a:t>12/12/2019</a:t>
             </a:fld>
             <a:endParaRPr lang="en-US"/>
           </a:p>
@@ -7968,7 +7971,7 @@
             <a:fld id="{7EAF463A-BC7C-46EE-9F1E-7F377CCA4891}" type="datetimeFigureOut">
               <a:rPr lang="en-US" smtClean="0"/>
               <a:pPr/>
-              <a:t>12/10/2019</a:t>
+              <a:t>12/12/2019</a:t>
             </a:fld>
             <a:endParaRPr lang="en-US"/>
           </a:p>
@@ -8230,7 +8233,7 @@
             <a:fld id="{7EAF463A-BC7C-46EE-9F1E-7F377CCA4891}" type="datetimeFigureOut">
               <a:rPr lang="en-US" smtClean="0"/>
               <a:pPr/>
-              <a:t>12/10/2019</a:t>
+              <a:t>12/12/2019</a:t>
             </a:fld>
             <a:endParaRPr lang="en-US"/>
           </a:p>
@@ -8464,7 +8467,7 @@
             <a:fld id="{7EAF463A-BC7C-46EE-9F1E-7F377CCA4891}" type="datetimeFigureOut">
               <a:rPr lang="en-US" smtClean="0"/>
               <a:pPr/>
-              <a:t>12/10/2019</a:t>
+              <a:t>12/12/2019</a:t>
             </a:fld>
             <a:endParaRPr lang="en-US"/>
           </a:p>
@@ -8847,7 +8850,7 @@
             <a:fld id="{7EAF463A-BC7C-46EE-9F1E-7F377CCA4891}" type="datetimeFigureOut">
               <a:rPr lang="en-US" smtClean="0"/>
               <a:pPr/>
-              <a:t>12/10/2019</a:t>
+              <a:t>12/12/2019</a:t>
             </a:fld>
             <a:endParaRPr lang="en-US"/>
           </a:p>
@@ -8967,7 +8970,7 @@
             <a:fld id="{7EAF463A-BC7C-46EE-9F1E-7F377CCA4891}" type="datetimeFigureOut">
               <a:rPr lang="en-US" smtClean="0"/>
               <a:pPr/>
-              <a:t>12/10/2019</a:t>
+              <a:t>12/12/2019</a:t>
             </a:fld>
             <a:endParaRPr lang="en-US"/>
           </a:p>
@@ -9064,7 +9067,7 @@
             <a:fld id="{7EAF463A-BC7C-46EE-9F1E-7F377CCA4891}" type="datetimeFigureOut">
               <a:rPr lang="en-US" smtClean="0"/>
               <a:pPr/>
-              <a:t>12/10/2019</a:t>
+              <a:t>12/12/2019</a:t>
             </a:fld>
             <a:endParaRPr lang="en-US"/>
           </a:p>
@@ -9315,7 +9318,7 @@
             <a:fld id="{7EAF463A-BC7C-46EE-9F1E-7F377CCA4891}" type="datetimeFigureOut">
               <a:rPr lang="en-US" smtClean="0"/>
               <a:pPr/>
-              <a:t>12/10/2019</a:t>
+              <a:t>12/12/2019</a:t>
             </a:fld>
             <a:endParaRPr lang="en-US"/>
           </a:p>
@@ -9569,7 +9572,7 @@
             <a:fld id="{7EAF463A-BC7C-46EE-9F1E-7F377CCA4891}" type="datetimeFigureOut">
               <a:rPr lang="en-US" smtClean="0"/>
               <a:pPr/>
-              <a:t>12/10/2019</a:t>
+              <a:t>12/12/2019</a:t>
             </a:fld>
             <a:endParaRPr lang="en-US"/>
           </a:p>
@@ -12679,7 +12682,7 @@
             <a:fld id="{7EAF463A-BC7C-46EE-9F1E-7F377CCA4891}" type="datetimeFigureOut">
               <a:rPr lang="en-US" smtClean="0"/>
               <a:pPr/>
-              <a:t>12/10/2019</a:t>
+              <a:t>12/12/2019</a:t>
             </a:fld>
             <a:endParaRPr lang="en-US"/>
           </a:p>
@@ -14461,10 +14464,406 @@
           <a:chExt cx="0" cy="0"/>
         </a:xfrm>
       </p:grpSpPr>
+      <p:sp>
+        <p:nvSpPr>
+          <p:cNvPr id="2" name="Прямоугольник 1">
+            <a:extLst>
+              <a:ext uri="{FF2B5EF4-FFF2-40B4-BE49-F238E27FC236}">
+                <a16:creationId xmlns:a16="http://schemas.microsoft.com/office/drawing/2014/main" id="{24BFA9E5-5F4B-413E-B860-F246E0EEBE2B}"/>
+              </a:ext>
+            </a:extLst>
+          </p:cNvPr>
+          <p:cNvSpPr/>
+          <p:nvPr/>
+        </p:nvSpPr>
+        <p:spPr>
+          <a:xfrm>
+            <a:off x="2555776" y="272842"/>
+            <a:ext cx="4176464" cy="707886"/>
+          </a:xfrm>
+          <a:prstGeom prst="rect">
+            <a:avLst/>
+          </a:prstGeom>
+        </p:spPr>
+        <p:txBody>
+          <a:bodyPr wrap="square">
+            <a:spAutoFit/>
+          </a:bodyPr>
+          <a:lstStyle/>
+          <a:p>
+            <a:pPr>
+              <a:spcAft>
+                <a:spcPts val="0"/>
+              </a:spcAft>
+            </a:pPr>
+            <a:r>
+              <a:rPr lang="ru-RU" sz="4000" kern="1400" spc="-50" dirty="0">
+                <a:solidFill>
+                  <a:schemeClr val="bg2">
+                    <a:lumMod val="75000"/>
+                  </a:schemeClr>
+                </a:solidFill>
+                <a:latin typeface="+mj-lt"/>
+                <a:ea typeface="Times New Roman" panose="02020603050405020304" pitchFamily="18" charset="0"/>
+                <a:cs typeface="Times New Roman" panose="02020603050405020304" pitchFamily="18" charset="0"/>
+              </a:rPr>
+              <a:t>GE HMI SСADA </a:t>
+            </a:r>
+            <a:r>
+              <a:rPr lang="ru-RU" sz="4000" kern="1400" spc="-50" dirty="0" err="1">
+                <a:solidFill>
+                  <a:schemeClr val="bg2">
+                    <a:lumMod val="75000"/>
+                  </a:schemeClr>
+                </a:solidFill>
+                <a:latin typeface="+mj-lt"/>
+                <a:ea typeface="Times New Roman" panose="02020603050405020304" pitchFamily="18" charset="0"/>
+                <a:cs typeface="Times New Roman" panose="02020603050405020304" pitchFamily="18" charset="0"/>
+              </a:rPr>
+              <a:t>iFix</a:t>
+            </a:r>
+            <a:endParaRPr lang="ru-RU" sz="4000" kern="1400" spc="-50" dirty="0">
+              <a:solidFill>
+                <a:schemeClr val="bg2">
+                  <a:lumMod val="75000"/>
+                </a:schemeClr>
+              </a:solidFill>
+              <a:effectLst/>
+              <a:latin typeface="+mj-lt"/>
+              <a:ea typeface="Times New Roman" panose="02020603050405020304" pitchFamily="18" charset="0"/>
+              <a:cs typeface="Times New Roman" panose="02020603050405020304" pitchFamily="18" charset="0"/>
+            </a:endParaRPr>
+          </a:p>
+        </p:txBody>
+      </p:sp>
+      <p:sp>
+        <p:nvSpPr>
+          <p:cNvPr id="3" name="Прямоугольник 2">
+            <a:extLst>
+              <a:ext uri="{FF2B5EF4-FFF2-40B4-BE49-F238E27FC236}">
+                <a16:creationId xmlns:a16="http://schemas.microsoft.com/office/drawing/2014/main" id="{4167E38B-F8D3-4EAF-B091-27F777DD3D9A}"/>
+              </a:ext>
+            </a:extLst>
+          </p:cNvPr>
+          <p:cNvSpPr/>
+          <p:nvPr/>
+        </p:nvSpPr>
+        <p:spPr>
+          <a:xfrm>
+            <a:off x="971600" y="980728"/>
+            <a:ext cx="7344816" cy="5017143"/>
+          </a:xfrm>
+          <a:prstGeom prst="rect">
+            <a:avLst/>
+          </a:prstGeom>
+        </p:spPr>
+        <p:txBody>
+          <a:bodyPr wrap="square">
+            <a:spAutoFit/>
+          </a:bodyPr>
+          <a:lstStyle/>
+          <a:p>
+            <a:pPr indent="457200" algn="just">
+              <a:lnSpc>
+                <a:spcPct val="107000"/>
+              </a:lnSpc>
+              <a:spcAft>
+                <a:spcPts val="0"/>
+              </a:spcAft>
+            </a:pPr>
+            <a:r>
+              <a:rPr lang="ru-RU" sz="2000" dirty="0">
+                <a:solidFill>
+                  <a:schemeClr val="bg2">
+                    <a:lumMod val="75000"/>
+                  </a:schemeClr>
+                </a:solidFill>
+                <a:effectLst/>
+                <a:ea typeface="Calibri" panose="020F0502020204030204" pitchFamily="34" charset="0"/>
+                <a:cs typeface="Times New Roman" panose="02020603050405020304" pitchFamily="18" charset="0"/>
+              </a:rPr>
+              <a:t>Возможности:</a:t>
+            </a:r>
+          </a:p>
+          <a:p>
+            <a:pPr marL="285750" indent="-285750" algn="just">
+              <a:lnSpc>
+                <a:spcPct val="107000"/>
+              </a:lnSpc>
+              <a:buFont typeface="Arial" panose="020B0604020202020204" pitchFamily="34" charset="0"/>
+              <a:buChar char="•"/>
+            </a:pPr>
+            <a:r>
+              <a:rPr lang="ru-RU" sz="2000" dirty="0">
+                <a:solidFill>
+                  <a:schemeClr val="bg2">
+                    <a:lumMod val="75000"/>
+                  </a:schemeClr>
+                </a:solidFill>
+              </a:rPr>
+              <a:t>Горячее резервирование и автоматическое переключение серверов</a:t>
+            </a:r>
+          </a:p>
+          <a:p>
+            <a:pPr marL="285750" indent="-285750" algn="just">
+              <a:lnSpc>
+                <a:spcPct val="107000"/>
+              </a:lnSpc>
+              <a:spcAft>
+                <a:spcPts val="0"/>
+              </a:spcAft>
+              <a:buFont typeface="Arial" panose="020B0604020202020204" pitchFamily="34" charset="0"/>
+              <a:buChar char="•"/>
+            </a:pPr>
+            <a:r>
+              <a:rPr lang="ru-RU" sz="2000" dirty="0">
+                <a:solidFill>
+                  <a:schemeClr val="bg2">
+                    <a:lumMod val="75000"/>
+                  </a:schemeClr>
+                </a:solidFill>
+              </a:rPr>
+              <a:t>Обширный каталог высокопроизводительных прямых драйверов ввода/вывода и ОРС-серверов как для широко распространенных, так и для специализированных ПЛК</a:t>
+            </a:r>
+          </a:p>
+          <a:p>
+            <a:pPr marL="285750" indent="-285750" algn="just">
+              <a:lnSpc>
+                <a:spcPct val="107000"/>
+              </a:lnSpc>
+              <a:buFont typeface="Arial" panose="020B0604020202020204" pitchFamily="34" charset="0"/>
+              <a:buChar char="•"/>
+            </a:pPr>
+            <a:r>
+              <a:rPr lang="ru-RU" sz="2000" dirty="0">
+                <a:solidFill>
+                  <a:schemeClr val="bg2">
+                    <a:lumMod val="75000"/>
+                  </a:schemeClr>
+                </a:solidFill>
+              </a:rPr>
+              <a:t>Универсальный ОРС-клиент с возможностями конфигурации, мониторинга и оптимизации обмена с серверами ввода/вывода.</a:t>
+            </a:r>
+          </a:p>
+          <a:p>
+            <a:pPr marL="285750" indent="-285750" algn="just">
+              <a:lnSpc>
+                <a:spcPct val="107000"/>
+              </a:lnSpc>
+              <a:buFont typeface="Arial" panose="020B0604020202020204" pitchFamily="34" charset="0"/>
+              <a:buChar char="•"/>
+            </a:pPr>
+            <a:r>
+              <a:rPr lang="ru-RU" sz="2000" dirty="0">
+                <a:solidFill>
+                  <a:schemeClr val="bg2">
+                    <a:lumMod val="75000"/>
+                  </a:schemeClr>
+                </a:solidFill>
+              </a:rPr>
+              <a:t>Поддержка О</a:t>
+            </a:r>
+            <a:r>
+              <a:rPr lang="en-US" sz="2000" dirty="0">
+                <a:solidFill>
+                  <a:schemeClr val="bg2">
+                    <a:lumMod val="75000"/>
+                  </a:schemeClr>
+                </a:solidFill>
+              </a:rPr>
+              <a:t>PC DA, </a:t>
+            </a:r>
+            <a:r>
+              <a:rPr lang="ru-RU" sz="2000" dirty="0">
+                <a:solidFill>
+                  <a:schemeClr val="bg2">
+                    <a:lumMod val="75000"/>
+                  </a:schemeClr>
+                </a:solidFill>
+              </a:rPr>
+              <a:t>ОРС</a:t>
+            </a:r>
+            <a:r>
+              <a:rPr lang="en-US" sz="2000" dirty="0">
+                <a:solidFill>
+                  <a:schemeClr val="bg2">
+                    <a:lumMod val="75000"/>
+                  </a:schemeClr>
+                </a:solidFill>
+              </a:rPr>
+              <a:t> Alarm &amp; Events, SQL ODBC, COM/DCOM, OLE DB, ActiveX, .NET.</a:t>
+            </a:r>
+            <a:endParaRPr lang="ru-RU" sz="2000" dirty="0">
+              <a:solidFill>
+                <a:schemeClr val="bg2">
+                  <a:lumMod val="75000"/>
+                </a:schemeClr>
+              </a:solidFill>
+            </a:endParaRPr>
+          </a:p>
+          <a:p>
+            <a:pPr marL="285750" indent="-285750" algn="just">
+              <a:lnSpc>
+                <a:spcPct val="107000"/>
+              </a:lnSpc>
+              <a:buFont typeface="Arial" panose="020B0604020202020204" pitchFamily="34" charset="0"/>
+              <a:buChar char="•"/>
+            </a:pPr>
+            <a:r>
+              <a:rPr lang="en-US" sz="2000" dirty="0">
+                <a:solidFill>
+                  <a:schemeClr val="bg2">
+                    <a:lumMod val="75000"/>
+                  </a:schemeClr>
+                </a:solidFill>
+              </a:rPr>
+              <a:t>ODBC-</a:t>
+            </a:r>
+            <a:r>
+              <a:rPr lang="ru-RU" sz="2000" dirty="0">
+                <a:solidFill>
+                  <a:schemeClr val="bg2">
+                    <a:lumMod val="75000"/>
+                  </a:schemeClr>
+                </a:solidFill>
+              </a:rPr>
+              <a:t>драйверы</a:t>
+            </a:r>
+          </a:p>
+          <a:p>
+            <a:pPr marL="285750" indent="-285750" algn="just">
+              <a:lnSpc>
+                <a:spcPct val="107000"/>
+              </a:lnSpc>
+              <a:buFont typeface="Arial" panose="020B0604020202020204" pitchFamily="34" charset="0"/>
+              <a:buChar char="•"/>
+            </a:pPr>
+            <a:r>
+              <a:rPr lang="ru-RU" sz="2000" dirty="0">
+                <a:solidFill>
+                  <a:schemeClr val="bg2">
+                    <a:lumMod val="75000"/>
+                  </a:schemeClr>
+                </a:solidFill>
+              </a:rPr>
+              <a:t>Поддержка технологии </a:t>
+            </a:r>
+            <a:r>
+              <a:rPr lang="ru-RU" sz="2000" dirty="0" err="1">
+                <a:solidFill>
+                  <a:schemeClr val="bg2">
+                    <a:lumMod val="75000"/>
+                  </a:schemeClr>
+                </a:solidFill>
+              </a:rPr>
+              <a:t>Plug</a:t>
+            </a:r>
+            <a:r>
+              <a:rPr lang="ru-RU" sz="2000" dirty="0">
+                <a:solidFill>
+                  <a:schemeClr val="bg2">
+                    <a:lumMod val="75000"/>
+                  </a:schemeClr>
+                </a:solidFill>
+              </a:rPr>
+              <a:t> </a:t>
+            </a:r>
+            <a:r>
+              <a:rPr lang="ru-RU" sz="2000" dirty="0" err="1">
+                <a:solidFill>
+                  <a:schemeClr val="bg2">
+                    <a:lumMod val="75000"/>
+                  </a:schemeClr>
+                </a:solidFill>
+              </a:rPr>
+              <a:t>and</a:t>
+            </a:r>
+            <a:r>
+              <a:rPr lang="ru-RU" sz="2000" dirty="0">
+                <a:solidFill>
+                  <a:schemeClr val="bg2">
+                    <a:lumMod val="75000"/>
+                  </a:schemeClr>
+                </a:solidFill>
+              </a:rPr>
+              <a:t> </a:t>
+            </a:r>
+            <a:r>
+              <a:rPr lang="ru-RU" sz="2000" dirty="0" err="1">
+                <a:solidFill>
+                  <a:schemeClr val="bg2">
+                    <a:lumMod val="75000"/>
+                  </a:schemeClr>
+                </a:solidFill>
+              </a:rPr>
+              <a:t>Solve</a:t>
+            </a:r>
+            <a:r>
+              <a:rPr lang="ru-RU" sz="2000" dirty="0">
+                <a:solidFill>
+                  <a:schemeClr val="bg2">
+                    <a:lumMod val="75000"/>
+                  </a:schemeClr>
+                </a:solidFill>
+              </a:rPr>
+              <a:t>™</a:t>
+            </a:r>
+          </a:p>
+          <a:p>
+            <a:pPr marL="285750" indent="-285750" algn="just">
+              <a:lnSpc>
+                <a:spcPct val="107000"/>
+              </a:lnSpc>
+              <a:buFont typeface="Arial" panose="020B0604020202020204" pitchFamily="34" charset="0"/>
+              <a:buChar char="•"/>
+            </a:pPr>
+            <a:r>
+              <a:rPr lang="ru-RU" sz="2000" dirty="0">
+                <a:solidFill>
+                  <a:schemeClr val="bg2">
+                    <a:lumMod val="75000"/>
+                  </a:schemeClr>
+                </a:solidFill>
+              </a:rPr>
+              <a:t>Полная SCADA-функциональность через технологию «тонких» веб-клиентов GE </a:t>
+            </a:r>
+            <a:r>
+              <a:rPr lang="ru-RU" sz="2000" dirty="0" err="1">
+                <a:solidFill>
+                  <a:schemeClr val="bg2">
+                    <a:lumMod val="75000"/>
+                  </a:schemeClr>
+                </a:solidFill>
+              </a:rPr>
+              <a:t>WebSpace</a:t>
+            </a:r>
+            <a:r>
+              <a:rPr lang="ru-RU" sz="2000" dirty="0">
+                <a:solidFill>
+                  <a:schemeClr val="bg2">
+                    <a:lumMod val="75000"/>
+                  </a:schemeClr>
+                </a:solidFill>
+              </a:rPr>
+              <a:t>. </a:t>
+            </a:r>
+            <a:endParaRPr lang="ru-RU" sz="2000" dirty="0">
+              <a:solidFill>
+                <a:schemeClr val="bg2">
+                  <a:lumMod val="75000"/>
+                </a:schemeClr>
+              </a:solidFill>
+              <a:effectLst/>
+              <a:ea typeface="Calibri" panose="020F0502020204030204" pitchFamily="34" charset="0"/>
+              <a:cs typeface="Times New Roman" panose="02020603050405020304" pitchFamily="18" charset="0"/>
+            </a:endParaRPr>
+          </a:p>
+        </p:txBody>
+      </p:sp>
     </p:spTree>
     <p:extLst>
       <p:ext uri="{BB962C8B-B14F-4D97-AF65-F5344CB8AC3E}">
-        <p14:creationId xmlns:p14="http://schemas.microsoft.com/office/powerpoint/2010/main" val="310985020"/>
+        <p14:creationId xmlns:p14="http://schemas.microsoft.com/office/powerpoint/2010/main" val="1022302768"/>
       </p:ext>
     </p:extLst>
   </p:cSld>
@@ -14841,7 +15240,7 @@
           <p:cNvPr id="2" name="Прямоугольник 1">
             <a:extLst>
               <a:ext uri="{FF2B5EF4-FFF2-40B4-BE49-F238E27FC236}">
-                <a16:creationId xmlns:a16="http://schemas.microsoft.com/office/drawing/2014/main" id="{24BFA9E5-5F4B-413E-B860-F246E0EEBE2B}"/>
+                <a16:creationId xmlns:a16="http://schemas.microsoft.com/office/drawing/2014/main" id="{41B92134-3988-4D84-8E27-F1F0AC3BE306}"/>
               </a:ext>
             </a:extLst>
           </p:cNvPr>
@@ -14850,8 +15249,105 @@
         </p:nvSpPr>
         <p:spPr>
           <a:xfrm>
-            <a:off x="2555776" y="272842"/>
-            <a:ext cx="4176464" cy="707886"/>
+            <a:off x="2771800" y="476672"/>
+            <a:ext cx="3241400" cy="584775"/>
+          </a:xfrm>
+          <a:prstGeom prst="rect">
+            <a:avLst/>
+          </a:prstGeom>
+        </p:spPr>
+        <p:txBody>
+          <a:bodyPr wrap="none">
+            <a:spAutoFit/>
+          </a:bodyPr>
+          <a:lstStyle/>
+          <a:p>
+            <a:r>
+              <a:rPr lang="ru-RU" sz="3200" b="1" dirty="0">
+                <a:solidFill>
+                  <a:schemeClr val="bg2">
+                    <a:lumMod val="75000"/>
+                  </a:schemeClr>
+                </a:solidFill>
+                <a:latin typeface="+mj-lt"/>
+              </a:rPr>
+              <a:t>Лицензирование</a:t>
+            </a:r>
+            <a:endParaRPr lang="ru-RU" sz="3200" b="1" i="0" dirty="0">
+              <a:solidFill>
+                <a:schemeClr val="bg2">
+                  <a:lumMod val="75000"/>
+                </a:schemeClr>
+              </a:solidFill>
+              <a:effectLst/>
+              <a:latin typeface="+mj-lt"/>
+            </a:endParaRPr>
+          </a:p>
+        </p:txBody>
+      </p:sp>
+      <p:pic>
+        <p:nvPicPr>
+          <p:cNvPr id="1026" name="Picture 2">
+            <a:extLst>
+              <a:ext uri="{FF2B5EF4-FFF2-40B4-BE49-F238E27FC236}">
+                <a16:creationId xmlns:a16="http://schemas.microsoft.com/office/drawing/2014/main" id="{29A710FB-B0BB-4BEE-A086-181C6FEB4AD9}"/>
+              </a:ext>
+            </a:extLst>
+          </p:cNvPr>
+          <p:cNvPicPr>
+            <a:picLocks noChangeAspect="1" noChangeArrowheads="1"/>
+          </p:cNvPicPr>
+          <p:nvPr/>
+        </p:nvPicPr>
+        <p:blipFill>
+          <a:blip r:embed="rId2">
+            <a:extLst>
+              <a:ext uri="{28A0092B-C50C-407E-A947-70E740481C1C}">
+                <a14:useLocalDpi xmlns:a14="http://schemas.microsoft.com/office/drawing/2010/main" val="0"/>
+              </a:ext>
+            </a:extLst>
+          </a:blip>
+          <a:srcRect/>
+          <a:stretch>
+            <a:fillRect/>
+          </a:stretch>
+        </p:blipFill>
+        <p:spPr bwMode="auto">
+          <a:xfrm>
+            <a:off x="1029188" y="2276872"/>
+            <a:ext cx="7085624" cy="3127797"/>
+          </a:xfrm>
+          <a:prstGeom prst="rect">
+            <a:avLst/>
+          </a:prstGeom>
+          <a:noFill/>
+          <a:extLst>
+            <a:ext uri="{909E8E84-426E-40DD-AFC4-6F175D3DCCD1}">
+              <a14:hiddenFill xmlns:a14="http://schemas.microsoft.com/office/drawing/2010/main">
+                <a:solidFill>
+                  <a:srgbClr val="FFFFFF"/>
+                </a:solidFill>
+              </a14:hiddenFill>
+            </a:ext>
+          </a:extLst>
+        </p:spPr>
+      </p:pic>
+      <p:sp>
+        <p:nvSpPr>
+          <p:cNvPr id="3" name="Прямоугольник 2">
+            <a:extLst>
+              <a:ext uri="{FF2B5EF4-FFF2-40B4-BE49-F238E27FC236}">
+                <a16:creationId xmlns:a16="http://schemas.microsoft.com/office/drawing/2014/main" id="{B2F71882-F947-4C60-BB0E-0F8ABED083E7}"/>
+              </a:ext>
+            </a:extLst>
+          </p:cNvPr>
+          <p:cNvSpPr/>
+          <p:nvPr/>
+        </p:nvSpPr>
+        <p:spPr>
+          <a:xfrm>
+            <a:off x="1943968" y="1377984"/>
+            <a:ext cx="5256064" cy="461665"/>
           </a:xfrm>
           <a:prstGeom prst="rect">
             <a:avLst/>
@@ -14863,57 +15359,56 @@
           </a:bodyPr>
           <a:lstStyle/>
           <a:p>
-            <a:pPr>
-              <a:spcAft>
-                <a:spcPts val="0"/>
-              </a:spcAft>
-            </a:pPr>
-            <a:r>
-              <a:rPr lang="ru-RU" sz="4000" kern="1400" spc="-50" dirty="0">
+            <a:r>
+              <a:rPr lang="ru-RU" sz="2400" dirty="0">
                 <a:solidFill>
                   <a:schemeClr val="bg2">
                     <a:lumMod val="75000"/>
                   </a:schemeClr>
                 </a:solidFill>
                 <a:latin typeface="+mj-lt"/>
-                <a:ea typeface="Times New Roman" panose="02020603050405020304" pitchFamily="18" charset="0"/>
-                <a:cs typeface="Times New Roman" panose="02020603050405020304" pitchFamily="18" charset="0"/>
               </a:rPr>
-              <a:t>GE HMI SСADA </a:t>
-            </a:r>
-            <a:r>
-              <a:rPr lang="ru-RU" sz="4000" kern="1400" spc="-50" dirty="0" err="1">
-                <a:solidFill>
-                  <a:schemeClr val="bg2">
-                    <a:lumMod val="75000"/>
-                  </a:schemeClr>
-                </a:solidFill>
-                <a:latin typeface="+mj-lt"/>
-                <a:ea typeface="Times New Roman" panose="02020603050405020304" pitchFamily="18" charset="0"/>
-                <a:cs typeface="Times New Roman" panose="02020603050405020304" pitchFamily="18" charset="0"/>
-              </a:rPr>
-              <a:t>iFix</a:t>
-            </a:r>
-            <a:endParaRPr lang="ru-RU" sz="4000" kern="1400" spc="-50" dirty="0">
-              <a:solidFill>
-                <a:schemeClr val="bg2">
-                  <a:lumMod val="75000"/>
-                </a:schemeClr>
-              </a:solidFill>
-              <a:effectLst/>
-              <a:latin typeface="+mj-lt"/>
-              <a:ea typeface="Times New Roman" panose="02020603050405020304" pitchFamily="18" charset="0"/>
-              <a:cs typeface="Times New Roman" panose="02020603050405020304" pitchFamily="18" charset="0"/>
-            </a:endParaRPr>
+              <a:t>Конфигурации серверных лицензий</a:t>
+            </a:r>
           </a:p>
         </p:txBody>
       </p:sp>
+    </p:spTree>
+    <p:extLst>
+      <p:ext uri="{BB962C8B-B14F-4D97-AF65-F5344CB8AC3E}">
+        <p14:creationId xmlns:p14="http://schemas.microsoft.com/office/powerpoint/2010/main" val="310985020"/>
+      </p:ext>
+    </p:extLst>
+  </p:cSld>
+  <p:clrMapOvr>
+    <a:masterClrMapping/>
+  </p:clrMapOvr>
+</p:sld>
+</file>
+
+<file path=ppt/slides/slide21.xml><?xml version="1.0" encoding="utf-8"?>
+<p:sld xmlns:a="http://schemas.openxmlformats.org/drawingml/2006/main" xmlns:r="http://schemas.openxmlformats.org/officeDocument/2006/relationships" xmlns:p="http://schemas.openxmlformats.org/presentationml/2006/main">
+  <p:cSld>
+    <p:spTree>
+      <p:nvGrpSpPr>
+        <p:cNvPr id="1" name=""/>
+        <p:cNvGrpSpPr/>
+        <p:nvPr/>
+      </p:nvGrpSpPr>
+      <p:grpSpPr>
+        <a:xfrm>
+          <a:off x="0" y="0"/>
+          <a:ext cx="0" cy="0"/>
+          <a:chOff x="0" y="0"/>
+          <a:chExt cx="0" cy="0"/>
+        </a:xfrm>
+      </p:grpSpPr>
       <p:sp>
         <p:nvSpPr>
-          <p:cNvPr id="3" name="Прямоугольник 2">
+          <p:cNvPr id="2" name="Прямоугольник 1">
             <a:extLst>
               <a:ext uri="{FF2B5EF4-FFF2-40B4-BE49-F238E27FC236}">
-                <a16:creationId xmlns:a16="http://schemas.microsoft.com/office/drawing/2014/main" id="{4167E38B-F8D3-4EAF-B091-27F777DD3D9A}"/>
+                <a16:creationId xmlns:a16="http://schemas.microsoft.com/office/drawing/2014/main" id="{06718DC5-258F-42B0-A305-2A58B8A56A67}"/>
               </a:ext>
             </a:extLst>
           </p:cNvPr>
@@ -14922,8 +15417,8 @@
         </p:nvSpPr>
         <p:spPr>
           <a:xfrm>
-            <a:off x="971600" y="980728"/>
-            <a:ext cx="7344816" cy="5017143"/>
+            <a:off x="1889956" y="764704"/>
+            <a:ext cx="5364088" cy="1200329"/>
           </a:xfrm>
           <a:prstGeom prst="rect">
             <a:avLst/>
@@ -14935,307 +15430,92 @@
           </a:bodyPr>
           <a:lstStyle/>
           <a:p>
-            <a:pPr indent="457200" algn="just">
-              <a:lnSpc>
-                <a:spcPct val="107000"/>
-              </a:lnSpc>
-              <a:spcAft>
-                <a:spcPts val="0"/>
-              </a:spcAft>
-            </a:pPr>
-            <a:r>
-              <a:rPr lang="ru-RU" sz="2000" dirty="0">
+            <a:pPr algn="ctr"/>
+            <a:r>
+              <a:rPr lang="ru-RU" sz="2400" dirty="0">
                 <a:solidFill>
                   <a:schemeClr val="bg2">
                     <a:lumMod val="75000"/>
                   </a:schemeClr>
                 </a:solidFill>
-                <a:effectLst/>
-                <a:ea typeface="Calibri" panose="020F0502020204030204" pitchFamily="34" charset="0"/>
-                <a:cs typeface="Times New Roman" panose="02020603050405020304" pitchFamily="18" charset="0"/>
+                <a:latin typeface="+mj-lt"/>
               </a:rPr>
-              <a:t>Возможности:</a:t>
-            </a:r>
-          </a:p>
-          <a:p>
-            <a:pPr marL="285750" indent="-285750" algn="just">
-              <a:lnSpc>
-                <a:spcPct val="107000"/>
-              </a:lnSpc>
-              <a:buFont typeface="Arial" panose="020B0604020202020204" pitchFamily="34" charset="0"/>
-              <a:buChar char="•"/>
-            </a:pPr>
-            <a:r>
-              <a:rPr lang="ru-RU" sz="2000" dirty="0">
+              <a:t>Конфигурации клиентских лицензий</a:t>
+            </a:r>
+          </a:p>
+          <a:p>
+            <a:br>
+              <a:rPr lang="ru-RU" sz="2400" dirty="0">
                 <a:solidFill>
                   <a:schemeClr val="bg2">
                     <a:lumMod val="75000"/>
                   </a:schemeClr>
                 </a:solidFill>
+                <a:latin typeface="+mj-lt"/>
               </a:rPr>
-              <a:t>Горячее резервирование и автоматическое переключение серверов</a:t>
-            </a:r>
-          </a:p>
-          <a:p>
-            <a:pPr marL="285750" indent="-285750" algn="just">
-              <a:lnSpc>
-                <a:spcPct val="107000"/>
-              </a:lnSpc>
-              <a:spcAft>
-                <a:spcPts val="0"/>
-              </a:spcAft>
-              <a:buFont typeface="Arial" panose="020B0604020202020204" pitchFamily="34" charset="0"/>
-              <a:buChar char="•"/>
-            </a:pPr>
-            <a:r>
-              <a:rPr lang="ru-RU" sz="2000" dirty="0">
-                <a:solidFill>
-                  <a:schemeClr val="bg2">
-                    <a:lumMod val="75000"/>
-                  </a:schemeClr>
-                </a:solidFill>
-              </a:rPr>
-              <a:t>Обширный каталог высокопроизводительных прямых драйверов ввода/вывода и ОРС-серверов как для широко распространенных, так и для специализированных ПЛК</a:t>
-            </a:r>
-          </a:p>
-          <a:p>
-            <a:pPr marL="285750" indent="-285750" algn="just">
-              <a:lnSpc>
-                <a:spcPct val="107000"/>
-              </a:lnSpc>
-              <a:buFont typeface="Arial" panose="020B0604020202020204" pitchFamily="34" charset="0"/>
-              <a:buChar char="•"/>
-            </a:pPr>
-            <a:r>
-              <a:rPr lang="ru-RU" sz="2000" dirty="0">
-                <a:solidFill>
-                  <a:schemeClr val="bg2">
-                    <a:lumMod val="75000"/>
-                  </a:schemeClr>
-                </a:solidFill>
-              </a:rPr>
-              <a:t>Универсальный ОРС-клиент с возможностями конфигурации, мониторинга и оптимизации обмена с серверами ввода/вывода.</a:t>
-            </a:r>
-          </a:p>
-          <a:p>
-            <a:pPr marL="285750" indent="-285750" algn="just">
-              <a:lnSpc>
-                <a:spcPct val="107000"/>
-              </a:lnSpc>
-              <a:buFont typeface="Arial" panose="020B0604020202020204" pitchFamily="34" charset="0"/>
-              <a:buChar char="•"/>
-            </a:pPr>
-            <a:r>
-              <a:rPr lang="ru-RU" sz="2000" dirty="0">
-                <a:solidFill>
-                  <a:schemeClr val="bg2">
-                    <a:lumMod val="75000"/>
-                  </a:schemeClr>
-                </a:solidFill>
-              </a:rPr>
-              <a:t>Поддержка О</a:t>
-            </a:r>
-            <a:r>
-              <a:rPr lang="en-US" sz="2000" dirty="0">
-                <a:solidFill>
-                  <a:schemeClr val="bg2">
-                    <a:lumMod val="75000"/>
-                  </a:schemeClr>
-                </a:solidFill>
-              </a:rPr>
-              <a:t>PC DA, </a:t>
-            </a:r>
-            <a:r>
-              <a:rPr lang="ru-RU" sz="2000" dirty="0">
-                <a:solidFill>
-                  <a:schemeClr val="bg2">
-                    <a:lumMod val="75000"/>
-                  </a:schemeClr>
-                </a:solidFill>
-              </a:rPr>
-              <a:t>ОРС</a:t>
-            </a:r>
-            <a:r>
-              <a:rPr lang="en-US" sz="2000" dirty="0">
-                <a:solidFill>
-                  <a:schemeClr val="bg2">
-                    <a:lumMod val="75000"/>
-                  </a:schemeClr>
-                </a:solidFill>
-              </a:rPr>
-              <a:t> Alarm &amp; Events, SQL ODBC, COM/DCOM, OLE DB, ActiveX, .NET.</a:t>
-            </a:r>
-            <a:endParaRPr lang="ru-RU" sz="2000" dirty="0">
+            </a:br>
+            <a:endParaRPr lang="ru-RU" sz="2400" dirty="0">
               <a:solidFill>
                 <a:schemeClr val="bg2">
                   <a:lumMod val="75000"/>
                 </a:schemeClr>
               </a:solidFill>
-            </a:endParaRPr>
-          </a:p>
-          <a:p>
-            <a:pPr marL="285750" indent="-285750" algn="just">
-              <a:lnSpc>
-                <a:spcPct val="107000"/>
-              </a:lnSpc>
-              <a:buFont typeface="Arial" panose="020B0604020202020204" pitchFamily="34" charset="0"/>
-              <a:buChar char="•"/>
-            </a:pPr>
-            <a:r>
-              <a:rPr lang="en-US" sz="2000" dirty="0">
-                <a:solidFill>
-                  <a:schemeClr val="bg2">
-                    <a:lumMod val="75000"/>
-                  </a:schemeClr>
-                </a:solidFill>
-              </a:rPr>
-              <a:t>ODBC-</a:t>
-            </a:r>
-            <a:r>
-              <a:rPr lang="ru-RU" sz="2000" dirty="0">
-                <a:solidFill>
-                  <a:schemeClr val="bg2">
-                    <a:lumMod val="75000"/>
-                  </a:schemeClr>
-                </a:solidFill>
-              </a:rPr>
-              <a:t>драйверы</a:t>
-            </a:r>
-          </a:p>
-          <a:p>
-            <a:pPr marL="285750" indent="-285750" algn="just">
-              <a:lnSpc>
-                <a:spcPct val="107000"/>
-              </a:lnSpc>
-              <a:buFont typeface="Arial" panose="020B0604020202020204" pitchFamily="34" charset="0"/>
-              <a:buChar char="•"/>
-            </a:pPr>
-            <a:r>
-              <a:rPr lang="ru-RU" sz="2000" dirty="0">
-                <a:solidFill>
-                  <a:schemeClr val="bg2">
-                    <a:lumMod val="75000"/>
-                  </a:schemeClr>
-                </a:solidFill>
-              </a:rPr>
-              <a:t>Поддержка технологии </a:t>
-            </a:r>
-            <a:r>
-              <a:rPr lang="ru-RU" sz="2000" dirty="0" err="1">
-                <a:solidFill>
-                  <a:schemeClr val="bg2">
-                    <a:lumMod val="75000"/>
-                  </a:schemeClr>
-                </a:solidFill>
-              </a:rPr>
-              <a:t>Plug</a:t>
-            </a:r>
-            <a:r>
-              <a:rPr lang="ru-RU" sz="2000" dirty="0">
-                <a:solidFill>
-                  <a:schemeClr val="bg2">
-                    <a:lumMod val="75000"/>
-                  </a:schemeClr>
-                </a:solidFill>
-              </a:rPr>
-              <a:t> </a:t>
-            </a:r>
-            <a:r>
-              <a:rPr lang="ru-RU" sz="2000" dirty="0" err="1">
-                <a:solidFill>
-                  <a:schemeClr val="bg2">
-                    <a:lumMod val="75000"/>
-                  </a:schemeClr>
-                </a:solidFill>
-              </a:rPr>
-              <a:t>and</a:t>
-            </a:r>
-            <a:r>
-              <a:rPr lang="ru-RU" sz="2000" dirty="0">
-                <a:solidFill>
-                  <a:schemeClr val="bg2">
-                    <a:lumMod val="75000"/>
-                  </a:schemeClr>
-                </a:solidFill>
-              </a:rPr>
-              <a:t> </a:t>
-            </a:r>
-            <a:r>
-              <a:rPr lang="ru-RU" sz="2000" dirty="0" err="1">
-                <a:solidFill>
-                  <a:schemeClr val="bg2">
-                    <a:lumMod val="75000"/>
-                  </a:schemeClr>
-                </a:solidFill>
-              </a:rPr>
-              <a:t>Solve</a:t>
-            </a:r>
-            <a:r>
-              <a:rPr lang="ru-RU" sz="2000" dirty="0">
-                <a:solidFill>
-                  <a:schemeClr val="bg2">
-                    <a:lumMod val="75000"/>
-                  </a:schemeClr>
-                </a:solidFill>
-              </a:rPr>
-              <a:t>™</a:t>
-            </a:r>
-          </a:p>
-          <a:p>
-            <a:pPr marL="285750" indent="-285750" algn="just">
-              <a:lnSpc>
-                <a:spcPct val="107000"/>
-              </a:lnSpc>
-              <a:buFont typeface="Arial" panose="020B0604020202020204" pitchFamily="34" charset="0"/>
-              <a:buChar char="•"/>
-            </a:pPr>
-            <a:r>
-              <a:rPr lang="ru-RU" sz="2000" dirty="0">
-                <a:solidFill>
-                  <a:schemeClr val="bg2">
-                    <a:lumMod val="75000"/>
-                  </a:schemeClr>
-                </a:solidFill>
-              </a:rPr>
-              <a:t>Полная SCADA-функциональность через технологию «тонких» веб-клиентов GE </a:t>
-            </a:r>
-            <a:r>
-              <a:rPr lang="ru-RU" sz="2000" dirty="0" err="1">
-                <a:solidFill>
-                  <a:schemeClr val="bg2">
-                    <a:lumMod val="75000"/>
-                  </a:schemeClr>
-                </a:solidFill>
-              </a:rPr>
-              <a:t>WebSpace</a:t>
-            </a:r>
-            <a:r>
-              <a:rPr lang="ru-RU" sz="2000" dirty="0">
-                <a:solidFill>
-                  <a:schemeClr val="bg2">
-                    <a:lumMod val="75000"/>
-                  </a:schemeClr>
-                </a:solidFill>
-              </a:rPr>
-              <a:t>. </a:t>
-            </a:r>
-            <a:endParaRPr lang="ru-RU" sz="2000" dirty="0">
-              <a:solidFill>
-                <a:schemeClr val="bg2">
-                  <a:lumMod val="75000"/>
-                </a:schemeClr>
-              </a:solidFill>
-              <a:effectLst/>
-              <a:ea typeface="Calibri" panose="020F0502020204030204" pitchFamily="34" charset="0"/>
-              <a:cs typeface="Times New Roman" panose="02020603050405020304" pitchFamily="18" charset="0"/>
+              <a:latin typeface="+mj-lt"/>
             </a:endParaRPr>
           </a:p>
         </p:txBody>
       </p:sp>
+      <p:pic>
+        <p:nvPicPr>
+          <p:cNvPr id="2050" name="Picture 2">
+            <a:extLst>
+              <a:ext uri="{FF2B5EF4-FFF2-40B4-BE49-F238E27FC236}">
+                <a16:creationId xmlns:a16="http://schemas.microsoft.com/office/drawing/2014/main" id="{F12556DB-C7FA-4BB9-8EAC-6688E0EAFBBA}"/>
+              </a:ext>
+            </a:extLst>
+          </p:cNvPr>
+          <p:cNvPicPr>
+            <a:picLocks noChangeAspect="1" noChangeArrowheads="1"/>
+          </p:cNvPicPr>
+          <p:nvPr/>
+        </p:nvPicPr>
+        <p:blipFill>
+          <a:blip r:embed="rId2">
+            <a:extLst>
+              <a:ext uri="{28A0092B-C50C-407E-A947-70E740481C1C}">
+                <a14:useLocalDpi xmlns:a14="http://schemas.microsoft.com/office/drawing/2010/main" val="0"/>
+              </a:ext>
+            </a:extLst>
+          </a:blip>
+          <a:srcRect/>
+          <a:stretch>
+            <a:fillRect/>
+          </a:stretch>
+        </p:blipFill>
+        <p:spPr bwMode="auto">
+          <a:xfrm>
+            <a:off x="1238250" y="1628800"/>
+            <a:ext cx="6667500" cy="4238625"/>
+          </a:xfrm>
+          <a:prstGeom prst="rect">
+            <a:avLst/>
+          </a:prstGeom>
+          <a:noFill/>
+          <a:extLst>
+            <a:ext uri="{909E8E84-426E-40DD-AFC4-6F175D3DCCD1}">
+              <a14:hiddenFill xmlns:a14="http://schemas.microsoft.com/office/drawing/2010/main">
+                <a:solidFill>
+                  <a:srgbClr val="FFFFFF"/>
+                </a:solidFill>
+              </a14:hiddenFill>
+            </a:ext>
+          </a:extLst>
+        </p:spPr>
+      </p:pic>
     </p:spTree>
     <p:extLst>
       <p:ext uri="{BB962C8B-B14F-4D97-AF65-F5344CB8AC3E}">
-        <p14:creationId xmlns:p14="http://schemas.microsoft.com/office/powerpoint/2010/main" val="1022302768"/>
+        <p14:creationId xmlns:p14="http://schemas.microsoft.com/office/powerpoint/2010/main" val="1405976825"/>
       </p:ext>
     </p:extLst>
   </p:cSld>
@@ -15245,7 +15525,757 @@
 </p:sld>
 </file>
 
-<file path=ppt/slides/slide21.xml><?xml version="1.0" encoding="utf-8"?>
+<file path=ppt/slides/slide22.xml><?xml version="1.0" encoding="utf-8"?>
+<p:sld xmlns:a="http://schemas.openxmlformats.org/drawingml/2006/main" xmlns:r="http://schemas.openxmlformats.org/officeDocument/2006/relationships" xmlns:p="http://schemas.openxmlformats.org/presentationml/2006/main">
+  <p:cSld>
+    <p:spTree>
+      <p:nvGrpSpPr>
+        <p:cNvPr id="1" name=""/>
+        <p:cNvGrpSpPr/>
+        <p:nvPr/>
+      </p:nvGrpSpPr>
+      <p:grpSpPr>
+        <a:xfrm>
+          <a:off x="0" y="0"/>
+          <a:ext cx="0" cy="0"/>
+          <a:chOff x="0" y="0"/>
+          <a:chExt cx="0" cy="0"/>
+        </a:xfrm>
+      </p:grpSpPr>
+      <p:pic>
+        <p:nvPicPr>
+          <p:cNvPr id="3074" name="Picture 2">
+            <a:extLst>
+              <a:ext uri="{FF2B5EF4-FFF2-40B4-BE49-F238E27FC236}">
+                <a16:creationId xmlns:a16="http://schemas.microsoft.com/office/drawing/2014/main" id="{EBFB8A99-B17A-4B02-9F28-61C5F3889CE0}"/>
+              </a:ext>
+            </a:extLst>
+          </p:cNvPr>
+          <p:cNvPicPr>
+            <a:picLocks noChangeAspect="1" noChangeArrowheads="1"/>
+          </p:cNvPicPr>
+          <p:nvPr/>
+        </p:nvPicPr>
+        <p:blipFill>
+          <a:blip r:embed="rId2">
+            <a:extLst>
+              <a:ext uri="{28A0092B-C50C-407E-A947-70E740481C1C}">
+                <a14:useLocalDpi xmlns:a14="http://schemas.microsoft.com/office/drawing/2010/main" val="0"/>
+              </a:ext>
+            </a:extLst>
+          </a:blip>
+          <a:srcRect/>
+          <a:stretch>
+            <a:fillRect/>
+          </a:stretch>
+        </p:blipFill>
+        <p:spPr bwMode="auto">
+          <a:xfrm>
+            <a:off x="1238250" y="1700808"/>
+            <a:ext cx="6667500" cy="3724275"/>
+          </a:xfrm>
+          <a:prstGeom prst="rect">
+            <a:avLst/>
+          </a:prstGeom>
+          <a:noFill/>
+          <a:extLst>
+            <a:ext uri="{909E8E84-426E-40DD-AFC4-6F175D3DCCD1}">
+              <a14:hiddenFill xmlns:a14="http://schemas.microsoft.com/office/drawing/2010/main">
+                <a:solidFill>
+                  <a:srgbClr val="FFFFFF"/>
+                </a:solidFill>
+              </a14:hiddenFill>
+            </a:ext>
+          </a:extLst>
+        </p:spPr>
+      </p:pic>
+      <p:sp>
+        <p:nvSpPr>
+          <p:cNvPr id="2" name="Прямоугольник 1">
+            <a:extLst>
+              <a:ext uri="{FF2B5EF4-FFF2-40B4-BE49-F238E27FC236}">
+                <a16:creationId xmlns:a16="http://schemas.microsoft.com/office/drawing/2014/main" id="{2076C90B-F1DD-4FD2-9035-8969B5731405}"/>
+              </a:ext>
+            </a:extLst>
+          </p:cNvPr>
+          <p:cNvSpPr/>
+          <p:nvPr/>
+        </p:nvSpPr>
+        <p:spPr>
+          <a:xfrm>
+            <a:off x="2555776" y="754551"/>
+            <a:ext cx="4572000" cy="461665"/>
+          </a:xfrm>
+          <a:prstGeom prst="rect">
+            <a:avLst/>
+          </a:prstGeom>
+        </p:spPr>
+        <p:txBody>
+          <a:bodyPr>
+            <a:spAutoFit/>
+          </a:bodyPr>
+          <a:lstStyle/>
+          <a:p>
+            <a:r>
+              <a:rPr lang="ru-RU" sz="2400" dirty="0">
+                <a:solidFill>
+                  <a:schemeClr val="bg2">
+                    <a:lumMod val="75000"/>
+                  </a:schemeClr>
+                </a:solidFill>
+                <a:latin typeface="+mj-lt"/>
+              </a:rPr>
+              <a:t>Опции клиентских лицензий</a:t>
+            </a:r>
+          </a:p>
+        </p:txBody>
+      </p:sp>
+    </p:spTree>
+    <p:extLst>
+      <p:ext uri="{BB962C8B-B14F-4D97-AF65-F5344CB8AC3E}">
+        <p14:creationId xmlns:p14="http://schemas.microsoft.com/office/powerpoint/2010/main" val="1740713499"/>
+      </p:ext>
+    </p:extLst>
+  </p:cSld>
+  <p:clrMapOvr>
+    <a:masterClrMapping/>
+  </p:clrMapOvr>
+</p:sld>
+</file>
+
+<file path=ppt/slides/slide23.xml><?xml version="1.0" encoding="utf-8"?>
+<p:sld xmlns:a="http://schemas.openxmlformats.org/drawingml/2006/main" xmlns:r="http://schemas.openxmlformats.org/officeDocument/2006/relationships" xmlns:p="http://schemas.openxmlformats.org/presentationml/2006/main">
+  <p:cSld>
+    <p:spTree>
+      <p:nvGrpSpPr>
+        <p:cNvPr id="1" name=""/>
+        <p:cNvGrpSpPr/>
+        <p:nvPr/>
+      </p:nvGrpSpPr>
+      <p:grpSpPr>
+        <a:xfrm>
+          <a:off x="0" y="0"/>
+          <a:ext cx="0" cy="0"/>
+          <a:chOff x="0" y="0"/>
+          <a:chExt cx="0" cy="0"/>
+        </a:xfrm>
+      </p:grpSpPr>
+      <p:graphicFrame>
+        <p:nvGraphicFramePr>
+          <p:cNvPr id="3" name="Таблица 2">
+            <a:extLst>
+              <a:ext uri="{FF2B5EF4-FFF2-40B4-BE49-F238E27FC236}">
+                <a16:creationId xmlns:a16="http://schemas.microsoft.com/office/drawing/2014/main" id="{8E93F478-D307-4914-AED7-58002DAF047D}"/>
+              </a:ext>
+            </a:extLst>
+          </p:cNvPr>
+          <p:cNvGraphicFramePr>
+            <a:graphicFrameLocks noGrp="1"/>
+          </p:cNvGraphicFramePr>
+          <p:nvPr>
+            <p:extLst>
+              <p:ext uri="{D42A27DB-BD31-4B8C-83A1-F6EECF244321}">
+                <p14:modId xmlns:p14="http://schemas.microsoft.com/office/powerpoint/2010/main" val="3322098804"/>
+              </p:ext>
+            </p:extLst>
+          </p:nvPr>
+        </p:nvGraphicFramePr>
+        <p:xfrm>
+          <a:off x="755576" y="980728"/>
+          <a:ext cx="7416824" cy="4018795"/>
+        </p:xfrm>
+        <a:graphic>
+          <a:graphicData uri="http://schemas.openxmlformats.org/drawingml/2006/table">
+            <a:tbl>
+              <a:tblPr/>
+              <a:tblGrid>
+                <a:gridCol w="3672267">
+                  <a:extLst>
+                    <a:ext uri="{9D8B030D-6E8A-4147-A177-3AD203B41FA5}">
+                      <a16:colId xmlns:a16="http://schemas.microsoft.com/office/drawing/2014/main" val="1816044184"/>
+                    </a:ext>
+                  </a:extLst>
+                </a:gridCol>
+                <a:gridCol w="3744557">
+                  <a:extLst>
+                    <a:ext uri="{9D8B030D-6E8A-4147-A177-3AD203B41FA5}">
+                      <a16:colId xmlns:a16="http://schemas.microsoft.com/office/drawing/2014/main" val="2063761082"/>
+                    </a:ext>
+                  </a:extLst>
+                </a:gridCol>
+              </a:tblGrid>
+              <a:tr h="672294">
+                <a:tc gridSpan="2">
+                  <a:txBody>
+                    <a:bodyPr/>
+                    <a:lstStyle/>
+                    <a:p>
+                      <a:pPr algn="ctr" fontAlgn="t"/>
+                      <a:r>
+                        <a:rPr lang="ru-RU" sz="3200" b="1" dirty="0">
+                          <a:solidFill>
+                            <a:schemeClr val="bg2">
+                              <a:lumMod val="75000"/>
+                            </a:schemeClr>
+                          </a:solidFill>
+                          <a:effectLst/>
+                          <a:latin typeface="+mj-lt"/>
+                        </a:rPr>
+                        <a:t>Драйверы </a:t>
+                      </a:r>
+                      <a:r>
+                        <a:rPr lang="en-US" sz="3200" b="1" dirty="0">
+                          <a:solidFill>
+                            <a:schemeClr val="bg2">
+                              <a:lumMod val="75000"/>
+                            </a:schemeClr>
+                          </a:solidFill>
+                          <a:effectLst/>
+                          <a:latin typeface="+mj-lt"/>
+                        </a:rPr>
+                        <a:t>iFIX</a:t>
+                      </a:r>
+                      <a:endParaRPr lang="en-US" sz="3200" b="0" dirty="0">
+                        <a:solidFill>
+                          <a:schemeClr val="bg2">
+                            <a:lumMod val="75000"/>
+                          </a:schemeClr>
+                        </a:solidFill>
+                        <a:effectLst/>
+                        <a:latin typeface="+mj-lt"/>
+                      </a:endParaRPr>
+                    </a:p>
+                  </a:txBody>
+                  <a:tcPr marL="38100" marR="38100" marT="38100" marB="38100">
+                    <a:lnL>
+                      <a:noFill/>
+                    </a:lnL>
+                    <a:lnR>
+                      <a:noFill/>
+                    </a:lnR>
+                    <a:lnT>
+                      <a:noFill/>
+                    </a:lnT>
+                    <a:lnB w="7620" cap="flat" cmpd="sng" algn="ctr">
+                      <a:solidFill>
+                        <a:srgbClr val="C6DFD7"/>
+                      </a:solidFill>
+                      <a:prstDash val="solid"/>
+                      <a:round/>
+                      <a:headEnd type="none" w="med" len="med"/>
+                      <a:tailEnd type="none" w="med" len="med"/>
+                    </a:lnB>
+                    <a:solidFill>
+                      <a:srgbClr val="FFFFFF"/>
+                    </a:solidFill>
+                  </a:tcPr>
+                </a:tc>
+                <a:tc hMerge="1">
+                  <a:txBody>
+                    <a:bodyPr/>
+                    <a:lstStyle/>
+                    <a:p>
+                      <a:endParaRPr lang="ru-RU"/>
+                    </a:p>
+                  </a:txBody>
+                  <a:tcPr/>
+                </a:tc>
+                <a:extLst>
+                  <a:ext uri="{0D108BD9-81ED-4DB2-BD59-A6C34878D82A}">
+                    <a16:rowId xmlns:a16="http://schemas.microsoft.com/office/drawing/2014/main" val="4062888348"/>
+                  </a:ext>
+                </a:extLst>
+              </a:tr>
+              <a:tr h="1084855">
+                <a:tc>
+                  <a:txBody>
+                    <a:bodyPr/>
+                    <a:lstStyle/>
+                    <a:p>
+                      <a:pPr algn="l" fontAlgn="t"/>
+                      <a:r>
+                        <a:rPr lang="en-US" b="1" dirty="0">
+                          <a:solidFill>
+                            <a:schemeClr val="bg2">
+                              <a:lumMod val="75000"/>
+                            </a:schemeClr>
+                          </a:solidFill>
+                          <a:effectLst/>
+                        </a:rPr>
+                        <a:t>S7A</a:t>
+                      </a:r>
+                      <a:endParaRPr lang="en-US" b="0" dirty="0">
+                        <a:solidFill>
+                          <a:schemeClr val="bg2">
+                            <a:lumMod val="75000"/>
+                          </a:schemeClr>
+                        </a:solidFill>
+                        <a:effectLst/>
+                      </a:endParaRPr>
+                    </a:p>
+                  </a:txBody>
+                  <a:tcPr marL="38100" marR="38100" marT="38100" marB="38100">
+                    <a:lnL>
+                      <a:noFill/>
+                    </a:lnL>
+                    <a:lnR>
+                      <a:noFill/>
+                    </a:lnR>
+                    <a:lnT w="7620" cap="flat" cmpd="sng" algn="ctr">
+                      <a:solidFill>
+                        <a:srgbClr val="C6DFD7"/>
+                      </a:solidFill>
+                      <a:prstDash val="solid"/>
+                      <a:round/>
+                      <a:headEnd type="none" w="med" len="med"/>
+                      <a:tailEnd type="none" w="med" len="med"/>
+                    </a:lnT>
+                    <a:lnB w="7620" cap="flat" cmpd="sng" algn="ctr">
+                      <a:solidFill>
+                        <a:srgbClr val="C6DFD7"/>
+                      </a:solidFill>
+                      <a:prstDash val="solid"/>
+                      <a:round/>
+                      <a:headEnd type="none" w="med" len="med"/>
+                      <a:tailEnd type="none" w="med" len="med"/>
+                    </a:lnB>
+                    <a:solidFill>
+                      <a:srgbClr val="F5FFEC"/>
+                    </a:solidFill>
+                  </a:tcPr>
+                </a:tc>
+                <a:tc>
+                  <a:txBody>
+                    <a:bodyPr/>
+                    <a:lstStyle/>
+                    <a:p>
+                      <a:pPr algn="l" fontAlgn="t"/>
+                      <a:r>
+                        <a:rPr lang="fr-FR" b="0">
+                          <a:solidFill>
+                            <a:schemeClr val="bg2">
+                              <a:lumMod val="75000"/>
+                            </a:schemeClr>
+                          </a:solidFill>
+                          <a:effectLst/>
+                        </a:rPr>
+                        <a:t>Драйвер Siemens Communication Driver TCP/IP</a:t>
+                      </a:r>
+                    </a:p>
+                  </a:txBody>
+                  <a:tcPr marL="38100" marR="38100" marT="38100" marB="38100">
+                    <a:lnL>
+                      <a:noFill/>
+                    </a:lnL>
+                    <a:lnR>
+                      <a:noFill/>
+                    </a:lnR>
+                    <a:lnT w="7620" cap="flat" cmpd="sng" algn="ctr">
+                      <a:solidFill>
+                        <a:srgbClr val="C6DFD7"/>
+                      </a:solidFill>
+                      <a:prstDash val="solid"/>
+                      <a:round/>
+                      <a:headEnd type="none" w="med" len="med"/>
+                      <a:tailEnd type="none" w="med" len="med"/>
+                    </a:lnT>
+                    <a:lnB w="7620" cap="flat" cmpd="sng" algn="ctr">
+                      <a:solidFill>
+                        <a:srgbClr val="C6DFD7"/>
+                      </a:solidFill>
+                      <a:prstDash val="solid"/>
+                      <a:round/>
+                      <a:headEnd type="none" w="med" len="med"/>
+                      <a:tailEnd type="none" w="med" len="med"/>
+                    </a:lnB>
+                    <a:solidFill>
+                      <a:srgbClr val="F5FFEC"/>
+                    </a:solidFill>
+                  </a:tcPr>
+                </a:tc>
+                <a:extLst>
+                  <a:ext uri="{0D108BD9-81ED-4DB2-BD59-A6C34878D82A}">
+                    <a16:rowId xmlns:a16="http://schemas.microsoft.com/office/drawing/2014/main" val="2685296269"/>
+                  </a:ext>
+                </a:extLst>
+              </a:tr>
+              <a:tr h="753882">
+                <a:tc>
+                  <a:txBody>
+                    <a:bodyPr/>
+                    <a:lstStyle/>
+                    <a:p>
+                      <a:pPr algn="l" fontAlgn="t"/>
+                      <a:r>
+                        <a:rPr lang="en-US" b="1">
+                          <a:solidFill>
+                            <a:schemeClr val="bg2">
+                              <a:lumMod val="75000"/>
+                            </a:schemeClr>
+                          </a:solidFill>
+                          <a:effectLst/>
+                        </a:rPr>
+                        <a:t>IGS Premium</a:t>
+                      </a:r>
+                      <a:endParaRPr lang="en-US" b="0">
+                        <a:solidFill>
+                          <a:schemeClr val="bg2">
+                            <a:lumMod val="75000"/>
+                          </a:schemeClr>
+                        </a:solidFill>
+                        <a:effectLst/>
+                      </a:endParaRPr>
+                    </a:p>
+                  </a:txBody>
+                  <a:tcPr marL="38100" marR="38100" marT="38100" marB="38100">
+                    <a:lnL>
+                      <a:noFill/>
+                    </a:lnL>
+                    <a:lnR>
+                      <a:noFill/>
+                    </a:lnR>
+                    <a:lnT w="7620" cap="flat" cmpd="sng" algn="ctr">
+                      <a:solidFill>
+                        <a:srgbClr val="C6DFD7"/>
+                      </a:solidFill>
+                      <a:prstDash val="solid"/>
+                      <a:round/>
+                      <a:headEnd type="none" w="med" len="med"/>
+                      <a:tailEnd type="none" w="med" len="med"/>
+                    </a:lnT>
+                    <a:lnB w="7620" cap="flat" cmpd="sng" algn="ctr">
+                      <a:solidFill>
+                        <a:srgbClr val="C6DFD7"/>
+                      </a:solidFill>
+                      <a:prstDash val="solid"/>
+                      <a:round/>
+                      <a:headEnd type="none" w="med" len="med"/>
+                      <a:tailEnd type="none" w="med" len="med"/>
+                    </a:lnB>
+                    <a:solidFill>
+                      <a:srgbClr val="F5FFEC"/>
+                    </a:solidFill>
+                  </a:tcPr>
+                </a:tc>
+                <a:tc>
+                  <a:txBody>
+                    <a:bodyPr/>
+                    <a:lstStyle/>
+                    <a:p>
+                      <a:pPr algn="l" fontAlgn="t"/>
+                      <a:r>
+                        <a:rPr lang="fr-FR" b="0">
+                          <a:solidFill>
+                            <a:schemeClr val="bg2">
+                              <a:lumMod val="75000"/>
+                            </a:schemeClr>
+                          </a:solidFill>
+                          <a:effectLst/>
+                        </a:rPr>
+                        <a:t>IGS:IES 60870 Suite</a:t>
+                      </a:r>
+                      <a:br>
+                        <a:rPr lang="fr-FR" b="0">
+                          <a:solidFill>
+                            <a:schemeClr val="bg2">
+                              <a:lumMod val="75000"/>
+                            </a:schemeClr>
+                          </a:solidFill>
+                          <a:effectLst/>
+                        </a:rPr>
+                      </a:br>
+                      <a:r>
+                        <a:rPr lang="fr-FR" b="0">
+                          <a:solidFill>
+                            <a:schemeClr val="bg2">
+                              <a:lumMod val="75000"/>
+                            </a:schemeClr>
+                          </a:solidFill>
+                          <a:effectLst/>
+                        </a:rPr>
+                        <a:t>IGS:SNMP Suite</a:t>
+                      </a:r>
+                    </a:p>
+                  </a:txBody>
+                  <a:tcPr marL="38100" marR="38100" marT="38100" marB="38100">
+                    <a:lnL>
+                      <a:noFill/>
+                    </a:lnL>
+                    <a:lnR>
+                      <a:noFill/>
+                    </a:lnR>
+                    <a:lnT w="7620" cap="flat" cmpd="sng" algn="ctr">
+                      <a:solidFill>
+                        <a:srgbClr val="C6DFD7"/>
+                      </a:solidFill>
+                      <a:prstDash val="solid"/>
+                      <a:round/>
+                      <a:headEnd type="none" w="med" len="med"/>
+                      <a:tailEnd type="none" w="med" len="med"/>
+                    </a:lnT>
+                    <a:lnB w="7620" cap="flat" cmpd="sng" algn="ctr">
+                      <a:solidFill>
+                        <a:srgbClr val="C6DFD7"/>
+                      </a:solidFill>
+                      <a:prstDash val="solid"/>
+                      <a:round/>
+                      <a:headEnd type="none" w="med" len="med"/>
+                      <a:tailEnd type="none" w="med" len="med"/>
+                    </a:lnB>
+                    <a:solidFill>
+                      <a:srgbClr val="F5FFEC"/>
+                    </a:solidFill>
+                  </a:tcPr>
+                </a:tc>
+                <a:extLst>
+                  <a:ext uri="{0D108BD9-81ED-4DB2-BD59-A6C34878D82A}">
+                    <a16:rowId xmlns:a16="http://schemas.microsoft.com/office/drawing/2014/main" val="3458570612"/>
+                  </a:ext>
+                </a:extLst>
+              </a:tr>
+              <a:tr h="753882">
+                <a:tc>
+                  <a:txBody>
+                    <a:bodyPr/>
+                    <a:lstStyle/>
+                    <a:p>
+                      <a:pPr algn="l" fontAlgn="t"/>
+                      <a:r>
+                        <a:rPr lang="en-US" b="1">
+                          <a:solidFill>
+                            <a:schemeClr val="bg2">
+                              <a:lumMod val="75000"/>
+                            </a:schemeClr>
+                          </a:solidFill>
+                          <a:effectLst/>
+                        </a:rPr>
+                        <a:t>I87</a:t>
+                      </a:r>
+                      <a:endParaRPr lang="en-US" b="0">
+                        <a:solidFill>
+                          <a:schemeClr val="bg2">
+                            <a:lumMod val="75000"/>
+                          </a:schemeClr>
+                        </a:solidFill>
+                        <a:effectLst/>
+                      </a:endParaRPr>
+                    </a:p>
+                  </a:txBody>
+                  <a:tcPr marL="38100" marR="38100" marT="38100" marB="38100">
+                    <a:lnL>
+                      <a:noFill/>
+                    </a:lnL>
+                    <a:lnR>
+                      <a:noFill/>
+                    </a:lnR>
+                    <a:lnT w="7620" cap="flat" cmpd="sng" algn="ctr">
+                      <a:solidFill>
+                        <a:srgbClr val="C6DFD7"/>
+                      </a:solidFill>
+                      <a:prstDash val="solid"/>
+                      <a:round/>
+                      <a:headEnd type="none" w="med" len="med"/>
+                      <a:tailEnd type="none" w="med" len="med"/>
+                    </a:lnT>
+                    <a:lnB w="7620" cap="flat" cmpd="sng" algn="ctr">
+                      <a:solidFill>
+                        <a:srgbClr val="C6DFD7"/>
+                      </a:solidFill>
+                      <a:prstDash val="solid"/>
+                      <a:round/>
+                      <a:headEnd type="none" w="med" len="med"/>
+                      <a:tailEnd type="none" w="med" len="med"/>
+                    </a:lnB>
+                    <a:solidFill>
+                      <a:srgbClr val="F5FFEC"/>
+                    </a:solidFill>
+                  </a:tcPr>
+                </a:tc>
+                <a:tc>
+                  <a:txBody>
+                    <a:bodyPr/>
+                    <a:lstStyle/>
+                    <a:p>
+                      <a:pPr algn="l" fontAlgn="t"/>
+                      <a:r>
+                        <a:rPr lang="ru-RU" b="0">
+                          <a:solidFill>
+                            <a:schemeClr val="bg2">
+                              <a:lumMod val="75000"/>
+                            </a:schemeClr>
+                          </a:solidFill>
+                          <a:effectLst/>
+                        </a:rPr>
+                        <a:t>ОРС-сервер для IEC 60870-5-103 и 101(104)</a:t>
+                      </a:r>
+                    </a:p>
+                  </a:txBody>
+                  <a:tcPr marL="38100" marR="38100" marT="38100" marB="38100">
+                    <a:lnL>
+                      <a:noFill/>
+                    </a:lnL>
+                    <a:lnR>
+                      <a:noFill/>
+                    </a:lnR>
+                    <a:lnT w="7620" cap="flat" cmpd="sng" algn="ctr">
+                      <a:solidFill>
+                        <a:srgbClr val="C6DFD7"/>
+                      </a:solidFill>
+                      <a:prstDash val="solid"/>
+                      <a:round/>
+                      <a:headEnd type="none" w="med" len="med"/>
+                      <a:tailEnd type="none" w="med" len="med"/>
+                    </a:lnT>
+                    <a:lnB w="7620" cap="flat" cmpd="sng" algn="ctr">
+                      <a:solidFill>
+                        <a:srgbClr val="C6DFD7"/>
+                      </a:solidFill>
+                      <a:prstDash val="solid"/>
+                      <a:round/>
+                      <a:headEnd type="none" w="med" len="med"/>
+                      <a:tailEnd type="none" w="med" len="med"/>
+                    </a:lnB>
+                    <a:solidFill>
+                      <a:srgbClr val="F5FFEC"/>
+                    </a:solidFill>
+                  </a:tcPr>
+                </a:tc>
+                <a:extLst>
+                  <a:ext uri="{0D108BD9-81ED-4DB2-BD59-A6C34878D82A}">
+                    <a16:rowId xmlns:a16="http://schemas.microsoft.com/office/drawing/2014/main" val="2980798098"/>
+                  </a:ext>
+                </a:extLst>
+              </a:tr>
+              <a:tr h="753882">
+                <a:tc>
+                  <a:txBody>
+                    <a:bodyPr/>
+                    <a:lstStyle/>
+                    <a:p>
+                      <a:pPr algn="l" fontAlgn="t"/>
+                      <a:r>
+                        <a:rPr lang="en-US" b="1">
+                          <a:solidFill>
+                            <a:schemeClr val="bg2">
+                              <a:lumMod val="75000"/>
+                            </a:schemeClr>
+                          </a:solidFill>
+                          <a:effectLst/>
+                        </a:rPr>
+                        <a:t>ROC Application Driver</a:t>
+                      </a:r>
+                      <a:endParaRPr lang="en-US" b="0">
+                        <a:solidFill>
+                          <a:schemeClr val="bg2">
+                            <a:lumMod val="75000"/>
+                          </a:schemeClr>
+                        </a:solidFill>
+                        <a:effectLst/>
+                      </a:endParaRPr>
+                    </a:p>
+                  </a:txBody>
+                  <a:tcPr marL="38100" marR="38100" marT="38100" marB="38100">
+                    <a:lnL>
+                      <a:noFill/>
+                    </a:lnL>
+                    <a:lnR>
+                      <a:noFill/>
+                    </a:lnR>
+                    <a:lnT w="7620" cap="flat" cmpd="sng" algn="ctr">
+                      <a:solidFill>
+                        <a:srgbClr val="C6DFD7"/>
+                      </a:solidFill>
+                      <a:prstDash val="solid"/>
+                      <a:round/>
+                      <a:headEnd type="none" w="med" len="med"/>
+                      <a:tailEnd type="none" w="med" len="med"/>
+                    </a:lnT>
+                    <a:lnB>
+                      <a:noFill/>
+                    </a:lnB>
+                    <a:solidFill>
+                      <a:srgbClr val="F5FFEC"/>
+                    </a:solidFill>
+                  </a:tcPr>
+                </a:tc>
+                <a:tc>
+                  <a:txBody>
+                    <a:bodyPr/>
+                    <a:lstStyle/>
+                    <a:p>
+                      <a:pPr algn="l" fontAlgn="t"/>
+                      <a:r>
+                        <a:rPr lang="en-US" b="0" dirty="0" err="1">
+                          <a:solidFill>
+                            <a:schemeClr val="bg2">
+                              <a:lumMod val="75000"/>
+                            </a:schemeClr>
+                          </a:solidFill>
+                          <a:effectLst/>
+                        </a:rPr>
+                        <a:t>Драйвер</a:t>
+                      </a:r>
+                      <a:r>
+                        <a:rPr lang="en-US" b="0" dirty="0">
+                          <a:solidFill>
+                            <a:schemeClr val="bg2">
+                              <a:lumMod val="75000"/>
+                            </a:schemeClr>
+                          </a:solidFill>
+                          <a:effectLst/>
+                        </a:rPr>
+                        <a:t> Fisher Remote Operations Controller</a:t>
+                      </a:r>
+                    </a:p>
+                  </a:txBody>
+                  <a:tcPr marL="38100" marR="38100" marT="38100" marB="38100">
+                    <a:lnL>
+                      <a:noFill/>
+                    </a:lnL>
+                    <a:lnR>
+                      <a:noFill/>
+                    </a:lnR>
+                    <a:lnT w="7620" cap="flat" cmpd="sng" algn="ctr">
+                      <a:solidFill>
+                        <a:srgbClr val="C6DFD7"/>
+                      </a:solidFill>
+                      <a:prstDash val="solid"/>
+                      <a:round/>
+                      <a:headEnd type="none" w="med" len="med"/>
+                      <a:tailEnd type="none" w="med" len="med"/>
+                    </a:lnT>
+                    <a:lnB>
+                      <a:noFill/>
+                    </a:lnB>
+                    <a:solidFill>
+                      <a:srgbClr val="F5FFEC"/>
+                    </a:solidFill>
+                  </a:tcPr>
+                </a:tc>
+                <a:extLst>
+                  <a:ext uri="{0D108BD9-81ED-4DB2-BD59-A6C34878D82A}">
+                    <a16:rowId xmlns:a16="http://schemas.microsoft.com/office/drawing/2014/main" val="3368676584"/>
+                  </a:ext>
+                </a:extLst>
+              </a:tr>
+            </a:tbl>
+          </a:graphicData>
+        </a:graphic>
+      </p:graphicFrame>
+    </p:spTree>
+    <p:extLst>
+      <p:ext uri="{BB962C8B-B14F-4D97-AF65-F5344CB8AC3E}">
+        <p14:creationId xmlns:p14="http://schemas.microsoft.com/office/powerpoint/2010/main" val="1047080552"/>
+      </p:ext>
+    </p:extLst>
+  </p:cSld>
+  <p:clrMapOvr>
+    <a:masterClrMapping/>
+  </p:clrMapOvr>
+</p:sld>
+</file>
+
+<file path=ppt/slides/slide24.xml><?xml version="1.0" encoding="utf-8"?>
 <p:sld xmlns:a="http://schemas.openxmlformats.org/drawingml/2006/main" xmlns:r="http://schemas.openxmlformats.org/officeDocument/2006/relationships" xmlns:p="http://schemas.openxmlformats.org/presentationml/2006/main">
   <p:cSld>
     <p:spTree>
@@ -15523,7 +16553,7 @@
 </p:sld>
 </file>
 
-<file path=ppt/slides/slide22.xml><?xml version="1.0" encoding="utf-8"?>
+<file path=ppt/slides/slide25.xml><?xml version="1.0" encoding="utf-8"?>
 <p:sld xmlns:a="http://schemas.openxmlformats.org/drawingml/2006/main" xmlns:r="http://schemas.openxmlformats.org/officeDocument/2006/relationships" xmlns:p="http://schemas.openxmlformats.org/presentationml/2006/main">
   <p:cSld>
     <p:spTree>
@@ -15856,7 +16886,7 @@
 </p:sld>
 </file>
 
-<file path=ppt/slides/slide23.xml><?xml version="1.0" encoding="utf-8"?>
+<file path=ppt/slides/slide26.xml><?xml version="1.0" encoding="utf-8"?>
 <p:sld xmlns:a="http://schemas.openxmlformats.org/drawingml/2006/main" xmlns:r="http://schemas.openxmlformats.org/officeDocument/2006/relationships" xmlns:p="http://schemas.openxmlformats.org/presentationml/2006/main">
   <p:cSld>
     <p:spTree>
@@ -16134,7 +17164,7 @@
 </p:sld>
 </file>
 
-<file path=ppt/slides/slide24.xml><?xml version="1.0" encoding="utf-8"?>
+<file path=ppt/slides/slide27.xml><?xml version="1.0" encoding="utf-8"?>
 <p:sld xmlns:a="http://schemas.openxmlformats.org/drawingml/2006/main" xmlns:r="http://schemas.openxmlformats.org/officeDocument/2006/relationships" xmlns:p="http://schemas.openxmlformats.org/presentationml/2006/main">
   <p:cSld>
     <p:spTree>
@@ -16430,7 +17460,7 @@
 </p:sld>
 </file>
 
-<file path=ppt/slides/slide25.xml><?xml version="1.0" encoding="utf-8"?>
+<file path=ppt/slides/slide28.xml><?xml version="1.0" encoding="utf-8"?>
 <p:sld xmlns:a="http://schemas.openxmlformats.org/drawingml/2006/main" xmlns:r="http://schemas.openxmlformats.org/officeDocument/2006/relationships" xmlns:p="http://schemas.openxmlformats.org/presentationml/2006/main">
   <p:cSld>
     <p:spTree>

--- a/итоговая.pptx
+++ b/итоговая.pptx
@@ -27,15 +27,15 @@
     <p:sldId id="288" r:id="rId18"/>
     <p:sldId id="257" r:id="rId19"/>
     <p:sldId id="271" r:id="rId20"/>
-    <p:sldId id="289" r:id="rId21"/>
-    <p:sldId id="290" r:id="rId22"/>
-    <p:sldId id="291" r:id="rId23"/>
-    <p:sldId id="292" r:id="rId24"/>
-    <p:sldId id="261" r:id="rId25"/>
-    <p:sldId id="273" r:id="rId26"/>
-    <p:sldId id="274" r:id="rId27"/>
-    <p:sldId id="264" r:id="rId28"/>
-    <p:sldId id="272" r:id="rId29"/>
+    <p:sldId id="293" r:id="rId21"/>
+    <p:sldId id="291" r:id="rId22"/>
+    <p:sldId id="292" r:id="rId23"/>
+    <p:sldId id="261" r:id="rId24"/>
+    <p:sldId id="273" r:id="rId25"/>
+    <p:sldId id="274" r:id="rId26"/>
+    <p:sldId id="264" r:id="rId27"/>
+    <p:sldId id="272" r:id="rId28"/>
+    <p:sldId id="294" r:id="rId29"/>
   </p:sldIdLst>
   <p:sldSz cx="9144000" cy="6858000" type="screen4x3"/>
   <p:notesSz cx="6858000" cy="9144000"/>
@@ -353,7 +353,7 @@
           <a:p>
             <a:fld id="{5649F021-9FAB-4CEA-A96A-A2DB693E74C4}" type="datetimeFigureOut">
               <a:rPr lang="ru-RU" smtClean="0"/>
-              <a:t>12.12.2019</a:t>
+              <a:t>23.12.2019</a:t>
             </a:fld>
             <a:endParaRPr lang="ru-RU"/>
           </a:p>
@@ -761,7 +761,7 @@
           <a:noFill/>
           <a:extLst>
             <a:ext uri="{909E8E84-426E-40dd-AFC4-6F175D3DCCD1}">
-              <a14:hiddenFill xmlns="" xmlns:a14="http://schemas.microsoft.com/office/drawing/2010/main">
+              <a14:hiddenFill xmlns:a14="http://schemas.microsoft.com/office/drawing/2010/main" xmlns="">
                 <a:solidFill>
                   <a:srgbClr val="FFFFFF"/>
                 </a:solidFill>
@@ -821,7 +821,7 @@
             </a:ln>
             <a:extLst>
               <a:ext uri="{91240B29-F687-4f45-9708-019B960494DF}">
-                <a14:hiddenLine xmlns="" xmlns:a14="http://schemas.microsoft.com/office/drawing/2010/main" w="9525">
+                <a14:hiddenLine xmlns:a14="http://schemas.microsoft.com/office/drawing/2010/main" xmlns="" w="9525">
                   <a:solidFill>
                     <a:srgbClr val="000000"/>
                   </a:solidFill>
@@ -911,7 +911,7 @@
             </a:ln>
             <a:extLst>
               <a:ext uri="{91240B29-F687-4f45-9708-019B960494DF}">
-                <a14:hiddenLine xmlns="" xmlns:a14="http://schemas.microsoft.com/office/drawing/2010/main" w="9525">
+                <a14:hiddenLine xmlns:a14="http://schemas.microsoft.com/office/drawing/2010/main" xmlns="" w="9525">
                   <a:solidFill>
                     <a:srgbClr val="000000"/>
                   </a:solidFill>
@@ -1001,7 +1001,7 @@
             </a:ln>
             <a:extLst>
               <a:ext uri="{91240B29-F687-4f45-9708-019B960494DF}">
-                <a14:hiddenLine xmlns="" xmlns:a14="http://schemas.microsoft.com/office/drawing/2010/main" w="9525">
+                <a14:hiddenLine xmlns:a14="http://schemas.microsoft.com/office/drawing/2010/main" xmlns="" w="9525">
                   <a:solidFill>
                     <a:srgbClr val="000000"/>
                   </a:solidFill>
@@ -1035,7 +1035,7 @@
             </a:ln>
             <a:extLst>
               <a:ext uri="{91240B29-F687-4f45-9708-019B960494DF}">
-                <a14:hiddenLine xmlns="" xmlns:a14="http://schemas.microsoft.com/office/drawing/2010/main" w="9525">
+                <a14:hiddenLine xmlns:a14="http://schemas.microsoft.com/office/drawing/2010/main" xmlns="" w="9525">
                   <a:solidFill>
                     <a:srgbClr val="000000"/>
                   </a:solidFill>
@@ -1125,7 +1125,7 @@
             </a:ln>
             <a:extLst>
               <a:ext uri="{91240B29-F687-4f45-9708-019B960494DF}">
-                <a14:hiddenLine xmlns="" xmlns:a14="http://schemas.microsoft.com/office/drawing/2010/main" w="9525">
+                <a14:hiddenLine xmlns:a14="http://schemas.microsoft.com/office/drawing/2010/main" xmlns="" w="9525">
                   <a:solidFill>
                     <a:srgbClr val="000000"/>
                   </a:solidFill>
@@ -1187,7 +1187,7 @@
             </a:ln>
             <a:extLst>
               <a:ext uri="{91240B29-F687-4f45-9708-019B960494DF}">
-                <a14:hiddenLine xmlns="" xmlns:a14="http://schemas.microsoft.com/office/drawing/2010/main" w="9525">
+                <a14:hiddenLine xmlns:a14="http://schemas.microsoft.com/office/drawing/2010/main" xmlns="" w="9525">
                   <a:solidFill>
                     <a:srgbClr val="000000"/>
                   </a:solidFill>
@@ -1249,7 +1249,7 @@
             </a:ln>
             <a:extLst>
               <a:ext uri="{91240B29-F687-4f45-9708-019B960494DF}">
-                <a14:hiddenLine xmlns="" xmlns:a14="http://schemas.microsoft.com/office/drawing/2010/main" w="9525">
+                <a14:hiddenLine xmlns:a14="http://schemas.microsoft.com/office/drawing/2010/main" xmlns="" w="9525">
                   <a:solidFill>
                     <a:srgbClr val="000000"/>
                   </a:solidFill>
@@ -1339,7 +1339,7 @@
             </a:ln>
             <a:extLst>
               <a:ext uri="{91240B29-F687-4f45-9708-019B960494DF}">
-                <a14:hiddenLine xmlns="" xmlns:a14="http://schemas.microsoft.com/office/drawing/2010/main" w="9525">
+                <a14:hiddenLine xmlns:a14="http://schemas.microsoft.com/office/drawing/2010/main" xmlns="" w="9525">
                   <a:solidFill>
                     <a:srgbClr val="000000"/>
                   </a:solidFill>
@@ -1401,7 +1401,7 @@
             </a:ln>
             <a:extLst>
               <a:ext uri="{91240B29-F687-4f45-9708-019B960494DF}">
-                <a14:hiddenLine xmlns="" xmlns:a14="http://schemas.microsoft.com/office/drawing/2010/main" w="9525">
+                <a14:hiddenLine xmlns:a14="http://schemas.microsoft.com/office/drawing/2010/main" xmlns="" w="9525">
                   <a:solidFill>
                     <a:srgbClr val="000000"/>
                   </a:solidFill>
@@ -1463,7 +1463,7 @@
             </a:ln>
             <a:extLst>
               <a:ext uri="{91240B29-F687-4f45-9708-019B960494DF}">
-                <a14:hiddenLine xmlns="" xmlns:a14="http://schemas.microsoft.com/office/drawing/2010/main" w="9525">
+                <a14:hiddenLine xmlns:a14="http://schemas.microsoft.com/office/drawing/2010/main" xmlns="" w="9525">
                   <a:solidFill>
                     <a:srgbClr val="000000"/>
                   </a:solidFill>
@@ -1553,7 +1553,7 @@
             </a:ln>
             <a:extLst>
               <a:ext uri="{91240B29-F687-4f45-9708-019B960494DF}">
-                <a14:hiddenLine xmlns="" xmlns:a14="http://schemas.microsoft.com/office/drawing/2010/main" w="9525">
+                <a14:hiddenLine xmlns:a14="http://schemas.microsoft.com/office/drawing/2010/main" xmlns="" w="9525">
                   <a:solidFill>
                     <a:srgbClr val="000000"/>
                   </a:solidFill>
@@ -1643,7 +1643,7 @@
             </a:ln>
             <a:extLst>
               <a:ext uri="{91240B29-F687-4f45-9708-019B960494DF}">
-                <a14:hiddenLine xmlns="" xmlns:a14="http://schemas.microsoft.com/office/drawing/2010/main" w="9525">
+                <a14:hiddenLine xmlns:a14="http://schemas.microsoft.com/office/drawing/2010/main" xmlns="" w="9525">
                   <a:solidFill>
                     <a:srgbClr val="000000"/>
                   </a:solidFill>
@@ -1705,7 +1705,7 @@
             </a:ln>
             <a:extLst>
               <a:ext uri="{91240B29-F687-4f45-9708-019B960494DF}">
-                <a14:hiddenLine xmlns="" xmlns:a14="http://schemas.microsoft.com/office/drawing/2010/main" w="9525">
+                <a14:hiddenLine xmlns:a14="http://schemas.microsoft.com/office/drawing/2010/main" xmlns="" w="9525">
                   <a:solidFill>
                     <a:srgbClr val="000000"/>
                   </a:solidFill>
@@ -1815,7 +1815,7 @@
             </a:ln>
             <a:extLst>
               <a:ext uri="{91240B29-F687-4f45-9708-019B960494DF}">
-                <a14:hiddenLine xmlns="" xmlns:a14="http://schemas.microsoft.com/office/drawing/2010/main" w="9525">
+                <a14:hiddenLine xmlns:a14="http://schemas.microsoft.com/office/drawing/2010/main" xmlns="" w="9525">
                   <a:solidFill>
                     <a:srgbClr val="000000"/>
                   </a:solidFill>
@@ -1877,7 +1877,7 @@
             </a:ln>
             <a:extLst>
               <a:ext uri="{91240B29-F687-4f45-9708-019B960494DF}">
-                <a14:hiddenLine xmlns="" xmlns:a14="http://schemas.microsoft.com/office/drawing/2010/main" w="9525">
+                <a14:hiddenLine xmlns:a14="http://schemas.microsoft.com/office/drawing/2010/main" xmlns="" w="9525">
                   <a:solidFill>
                     <a:srgbClr val="000000"/>
                   </a:solidFill>
@@ -1967,7 +1967,7 @@
             </a:ln>
             <a:extLst>
               <a:ext uri="{91240B29-F687-4f45-9708-019B960494DF}">
-                <a14:hiddenLine xmlns="" xmlns:a14="http://schemas.microsoft.com/office/drawing/2010/main" w="9525">
+                <a14:hiddenLine xmlns:a14="http://schemas.microsoft.com/office/drawing/2010/main" xmlns="" w="9525">
                   <a:solidFill>
                     <a:srgbClr val="000000"/>
                   </a:solidFill>
@@ -2057,7 +2057,7 @@
             </a:ln>
             <a:extLst>
               <a:ext uri="{91240B29-F687-4f45-9708-019B960494DF}">
-                <a14:hiddenLine xmlns="" xmlns:a14="http://schemas.microsoft.com/office/drawing/2010/main" w="9525">
+                <a14:hiddenLine xmlns:a14="http://schemas.microsoft.com/office/drawing/2010/main" xmlns="" w="9525">
                   <a:solidFill>
                     <a:srgbClr val="000000"/>
                   </a:solidFill>
@@ -2119,7 +2119,7 @@
             </a:ln>
             <a:extLst>
               <a:ext uri="{91240B29-F687-4f45-9708-019B960494DF}">
-                <a14:hiddenLine xmlns="" xmlns:a14="http://schemas.microsoft.com/office/drawing/2010/main" w="9525">
+                <a14:hiddenLine xmlns:a14="http://schemas.microsoft.com/office/drawing/2010/main" xmlns="" w="9525">
                   <a:solidFill>
                     <a:srgbClr val="000000"/>
                   </a:solidFill>
@@ -2209,7 +2209,7 @@
             </a:ln>
             <a:extLst>
               <a:ext uri="{91240B29-F687-4f45-9708-019B960494DF}">
-                <a14:hiddenLine xmlns="" xmlns:a14="http://schemas.microsoft.com/office/drawing/2010/main" w="9525">
+                <a14:hiddenLine xmlns:a14="http://schemas.microsoft.com/office/drawing/2010/main" xmlns="" w="9525">
                   <a:solidFill>
                     <a:srgbClr val="000000"/>
                   </a:solidFill>
@@ -2299,7 +2299,7 @@
             </a:ln>
             <a:extLst>
               <a:ext uri="{91240B29-F687-4f45-9708-019B960494DF}">
-                <a14:hiddenLine xmlns="" xmlns:a14="http://schemas.microsoft.com/office/drawing/2010/main" w="9525">
+                <a14:hiddenLine xmlns:a14="http://schemas.microsoft.com/office/drawing/2010/main" xmlns="" w="9525">
                   <a:solidFill>
                     <a:srgbClr val="000000"/>
                   </a:solidFill>
@@ -2355,7 +2355,7 @@
             </a:ln>
             <a:extLst>
               <a:ext uri="{91240B29-F687-4f45-9708-019B960494DF}">
-                <a14:hiddenLine xmlns="" xmlns:a14="http://schemas.microsoft.com/office/drawing/2010/main" w="9525">
+                <a14:hiddenLine xmlns:a14="http://schemas.microsoft.com/office/drawing/2010/main" xmlns="" w="9525">
                   <a:solidFill>
                     <a:srgbClr val="000000"/>
                   </a:solidFill>
@@ -2445,7 +2445,7 @@
             </a:ln>
             <a:extLst>
               <a:ext uri="{91240B29-F687-4f45-9708-019B960494DF}">
-                <a14:hiddenLine xmlns="" xmlns:a14="http://schemas.microsoft.com/office/drawing/2010/main" w="9525">
+                <a14:hiddenLine xmlns:a14="http://schemas.microsoft.com/office/drawing/2010/main" xmlns="" w="9525">
                   <a:solidFill>
                     <a:srgbClr val="000000"/>
                   </a:solidFill>
@@ -2501,7 +2501,7 @@
             </a:ln>
             <a:extLst>
               <a:ext uri="{91240B29-F687-4f45-9708-019B960494DF}">
-                <a14:hiddenLine xmlns="" xmlns:a14="http://schemas.microsoft.com/office/drawing/2010/main" w="9525">
+                <a14:hiddenLine xmlns:a14="http://schemas.microsoft.com/office/drawing/2010/main" xmlns="" w="9525">
                   <a:solidFill>
                     <a:srgbClr val="000000"/>
                   </a:solidFill>
@@ -2591,7 +2591,7 @@
             </a:ln>
             <a:extLst>
               <a:ext uri="{91240B29-F687-4f45-9708-019B960494DF}">
-                <a14:hiddenLine xmlns="" xmlns:a14="http://schemas.microsoft.com/office/drawing/2010/main" w="9525">
+                <a14:hiddenLine xmlns:a14="http://schemas.microsoft.com/office/drawing/2010/main" xmlns="" w="9525">
                   <a:solidFill>
                     <a:srgbClr val="000000"/>
                   </a:solidFill>
@@ -2659,7 +2659,7 @@
             </a:ln>
             <a:extLst>
               <a:ext uri="{91240B29-F687-4f45-9708-019B960494DF}">
-                <a14:hiddenLine xmlns="" xmlns:a14="http://schemas.microsoft.com/office/drawing/2010/main" w="9525">
+                <a14:hiddenLine xmlns:a14="http://schemas.microsoft.com/office/drawing/2010/main" xmlns="" w="9525">
                   <a:solidFill>
                     <a:srgbClr val="000000"/>
                   </a:solidFill>
@@ -2749,7 +2749,7 @@
             </a:ln>
             <a:extLst>
               <a:ext uri="{91240B29-F687-4f45-9708-019B960494DF}">
-                <a14:hiddenLine xmlns="" xmlns:a14="http://schemas.microsoft.com/office/drawing/2010/main" w="9525">
+                <a14:hiddenLine xmlns:a14="http://schemas.microsoft.com/office/drawing/2010/main" xmlns="" w="9525">
                   <a:solidFill>
                     <a:srgbClr val="000000"/>
                   </a:solidFill>
@@ -2817,7 +2817,7 @@
             </a:ln>
             <a:extLst>
               <a:ext uri="{91240B29-F687-4f45-9708-019B960494DF}">
-                <a14:hiddenLine xmlns="" xmlns:a14="http://schemas.microsoft.com/office/drawing/2010/main" w="9525">
+                <a14:hiddenLine xmlns:a14="http://schemas.microsoft.com/office/drawing/2010/main" xmlns="" w="9525">
                   <a:solidFill>
                     <a:srgbClr val="000000"/>
                   </a:solidFill>
@@ -2907,7 +2907,7 @@
             </a:ln>
             <a:extLst>
               <a:ext uri="{91240B29-F687-4f45-9708-019B960494DF}">
-                <a14:hiddenLine xmlns="" xmlns:a14="http://schemas.microsoft.com/office/drawing/2010/main" w="9525">
+                <a14:hiddenLine xmlns:a14="http://schemas.microsoft.com/office/drawing/2010/main" xmlns="" w="9525">
                   <a:solidFill>
                     <a:srgbClr val="000000"/>
                   </a:solidFill>
@@ -2941,7 +2941,7 @@
             </a:ln>
             <a:extLst>
               <a:ext uri="{91240B29-F687-4f45-9708-019B960494DF}">
-                <a14:hiddenLine xmlns="" xmlns:a14="http://schemas.microsoft.com/office/drawing/2010/main" w="9525">
+                <a14:hiddenLine xmlns:a14="http://schemas.microsoft.com/office/drawing/2010/main" xmlns="" w="9525">
                   <a:solidFill>
                     <a:srgbClr val="000000"/>
                   </a:solidFill>
@@ -3031,7 +3031,7 @@
             </a:ln>
             <a:extLst>
               <a:ext uri="{91240B29-F687-4f45-9708-019B960494DF}">
-                <a14:hiddenLine xmlns="" xmlns:a14="http://schemas.microsoft.com/office/drawing/2010/main" w="9525">
+                <a14:hiddenLine xmlns:a14="http://schemas.microsoft.com/office/drawing/2010/main" xmlns="" w="9525">
                   <a:solidFill>
                     <a:srgbClr val="000000"/>
                   </a:solidFill>
@@ -3093,7 +3093,7 @@
             </a:ln>
             <a:extLst>
               <a:ext uri="{91240B29-F687-4f45-9708-019B960494DF}">
-                <a14:hiddenLine xmlns="" xmlns:a14="http://schemas.microsoft.com/office/drawing/2010/main" w="9525">
+                <a14:hiddenLine xmlns:a14="http://schemas.microsoft.com/office/drawing/2010/main" xmlns="" w="9525">
                   <a:solidFill>
                     <a:srgbClr val="000000"/>
                   </a:solidFill>
@@ -3155,7 +3155,7 @@
             </a:ln>
             <a:extLst>
               <a:ext uri="{91240B29-F687-4f45-9708-019B960494DF}">
-                <a14:hiddenLine xmlns="" xmlns:a14="http://schemas.microsoft.com/office/drawing/2010/main" w="9525">
+                <a14:hiddenLine xmlns:a14="http://schemas.microsoft.com/office/drawing/2010/main" xmlns="" w="9525">
                   <a:solidFill>
                     <a:srgbClr val="000000"/>
                   </a:solidFill>
@@ -3245,7 +3245,7 @@
             </a:ln>
             <a:extLst>
               <a:ext uri="{91240B29-F687-4f45-9708-019B960494DF}">
-                <a14:hiddenLine xmlns="" xmlns:a14="http://schemas.microsoft.com/office/drawing/2010/main" w="9525">
+                <a14:hiddenLine xmlns:a14="http://schemas.microsoft.com/office/drawing/2010/main" xmlns="" w="9525">
                   <a:solidFill>
                     <a:srgbClr val="000000"/>
                   </a:solidFill>
@@ -3313,7 +3313,7 @@
             </a:ln>
             <a:extLst>
               <a:ext uri="{91240B29-F687-4f45-9708-019B960494DF}">
-                <a14:hiddenLine xmlns="" xmlns:a14="http://schemas.microsoft.com/office/drawing/2010/main" w="9525">
+                <a14:hiddenLine xmlns:a14="http://schemas.microsoft.com/office/drawing/2010/main" xmlns="" w="9525">
                   <a:solidFill>
                     <a:srgbClr val="000000"/>
                   </a:solidFill>
@@ -3375,7 +3375,7 @@
             </a:ln>
             <a:extLst>
               <a:ext uri="{91240B29-F687-4f45-9708-019B960494DF}">
-                <a14:hiddenLine xmlns="" xmlns:a14="http://schemas.microsoft.com/office/drawing/2010/main" w="9525">
+                <a14:hiddenLine xmlns:a14="http://schemas.microsoft.com/office/drawing/2010/main" xmlns="" w="9525">
                   <a:solidFill>
                     <a:srgbClr val="000000"/>
                   </a:solidFill>
@@ -3465,7 +3465,7 @@
             </a:ln>
             <a:extLst>
               <a:ext uri="{91240B29-F687-4f45-9708-019B960494DF}">
-                <a14:hiddenLine xmlns="" xmlns:a14="http://schemas.microsoft.com/office/drawing/2010/main" w="9525">
+                <a14:hiddenLine xmlns:a14="http://schemas.microsoft.com/office/drawing/2010/main" xmlns="" w="9525">
                   <a:solidFill>
                     <a:srgbClr val="000000"/>
                   </a:solidFill>
@@ -3527,7 +3527,7 @@
             </a:ln>
             <a:extLst>
               <a:ext uri="{91240B29-F687-4f45-9708-019B960494DF}">
-                <a14:hiddenLine xmlns="" xmlns:a14="http://schemas.microsoft.com/office/drawing/2010/main" w="9525">
+                <a14:hiddenLine xmlns:a14="http://schemas.microsoft.com/office/drawing/2010/main" xmlns="" w="9525">
                   <a:solidFill>
                     <a:srgbClr val="000000"/>
                   </a:solidFill>
@@ -3617,7 +3617,7 @@
             </a:ln>
             <a:extLst>
               <a:ext uri="{91240B29-F687-4f45-9708-019B960494DF}">
-                <a14:hiddenLine xmlns="" xmlns:a14="http://schemas.microsoft.com/office/drawing/2010/main" w="9525">
+                <a14:hiddenLine xmlns:a14="http://schemas.microsoft.com/office/drawing/2010/main" xmlns="" w="9525">
                   <a:solidFill>
                     <a:srgbClr val="000000"/>
                   </a:solidFill>
@@ -3679,7 +3679,7 @@
             </a:ln>
             <a:extLst>
               <a:ext uri="{91240B29-F687-4f45-9708-019B960494DF}">
-                <a14:hiddenLine xmlns="" xmlns:a14="http://schemas.microsoft.com/office/drawing/2010/main" w="9525">
+                <a14:hiddenLine xmlns:a14="http://schemas.microsoft.com/office/drawing/2010/main" xmlns="" w="9525">
                   <a:solidFill>
                     <a:srgbClr val="000000"/>
                   </a:solidFill>
@@ -3769,7 +3769,7 @@
             </a:ln>
             <a:extLst>
               <a:ext uri="{91240B29-F687-4f45-9708-019B960494DF}">
-                <a14:hiddenLine xmlns="" xmlns:a14="http://schemas.microsoft.com/office/drawing/2010/main" w="9525">
+                <a14:hiddenLine xmlns:a14="http://schemas.microsoft.com/office/drawing/2010/main" xmlns="" w="9525">
                   <a:solidFill>
                     <a:srgbClr val="000000"/>
                   </a:solidFill>
@@ -3803,7 +3803,7 @@
             </a:ln>
             <a:extLst>
               <a:ext uri="{91240B29-F687-4f45-9708-019B960494DF}">
-                <a14:hiddenLine xmlns="" xmlns:a14="http://schemas.microsoft.com/office/drawing/2010/main" w="9525">
+                <a14:hiddenLine xmlns:a14="http://schemas.microsoft.com/office/drawing/2010/main" xmlns="" w="9525">
                   <a:solidFill>
                     <a:srgbClr val="000000"/>
                   </a:solidFill>
@@ -3868,7 +3868,7 @@
             </a:ln>
             <a:extLst>
               <a:ext uri="{91240B29-F687-4f45-9708-019B960494DF}">
-                <a14:hiddenLine xmlns="" xmlns:a14="http://schemas.microsoft.com/office/drawing/2010/main" w="9525">
+                <a14:hiddenLine xmlns:a14="http://schemas.microsoft.com/office/drawing/2010/main" xmlns="" w="9525">
                   <a:solidFill>
                     <a:srgbClr val="000000"/>
                   </a:solidFill>
@@ -3958,7 +3958,7 @@
             </a:ln>
             <a:extLst>
               <a:ext uri="{91240B29-F687-4f45-9708-019B960494DF}">
-                <a14:hiddenLine xmlns="" xmlns:a14="http://schemas.microsoft.com/office/drawing/2010/main" w="9525">
+                <a14:hiddenLine xmlns:a14="http://schemas.microsoft.com/office/drawing/2010/main" xmlns="" w="9525">
                   <a:solidFill>
                     <a:srgbClr val="000000"/>
                   </a:solidFill>
@@ -4020,7 +4020,7 @@
             </a:ln>
             <a:extLst>
               <a:ext uri="{91240B29-F687-4f45-9708-019B960494DF}">
-                <a14:hiddenLine xmlns="" xmlns:a14="http://schemas.microsoft.com/office/drawing/2010/main" w="9525">
+                <a14:hiddenLine xmlns:a14="http://schemas.microsoft.com/office/drawing/2010/main" xmlns="" w="9525">
                   <a:solidFill>
                     <a:srgbClr val="000000"/>
                   </a:solidFill>
@@ -4110,7 +4110,7 @@
             </a:ln>
             <a:extLst>
               <a:ext uri="{91240B29-F687-4f45-9708-019B960494DF}">
-                <a14:hiddenLine xmlns="" xmlns:a14="http://schemas.microsoft.com/office/drawing/2010/main" w="9525">
+                <a14:hiddenLine xmlns:a14="http://schemas.microsoft.com/office/drawing/2010/main" xmlns="" w="9525">
                   <a:solidFill>
                     <a:srgbClr val="000000"/>
                   </a:solidFill>
@@ -4200,7 +4200,7 @@
             </a:ln>
             <a:extLst>
               <a:ext uri="{91240B29-F687-4f45-9708-019B960494DF}">
-                <a14:hiddenLine xmlns="" xmlns:a14="http://schemas.microsoft.com/office/drawing/2010/main" w="9525">
+                <a14:hiddenLine xmlns:a14="http://schemas.microsoft.com/office/drawing/2010/main" xmlns="" w="9525">
                   <a:solidFill>
                     <a:srgbClr val="000000"/>
                   </a:solidFill>
@@ -4265,7 +4265,7 @@
             </a:ln>
             <a:extLst>
               <a:ext uri="{91240B29-F687-4f45-9708-019B960494DF}">
-                <a14:hiddenLine xmlns="" xmlns:a14="http://schemas.microsoft.com/office/drawing/2010/main" w="9525">
+                <a14:hiddenLine xmlns:a14="http://schemas.microsoft.com/office/drawing/2010/main" xmlns="" w="9525">
                   <a:solidFill>
                     <a:srgbClr val="000000"/>
                   </a:solidFill>
@@ -4327,7 +4327,7 @@
             </a:ln>
             <a:extLst>
               <a:ext uri="{91240B29-F687-4f45-9708-019B960494DF}">
-                <a14:hiddenLine xmlns="" xmlns:a14="http://schemas.microsoft.com/office/drawing/2010/main" w="9525">
+                <a14:hiddenLine xmlns:a14="http://schemas.microsoft.com/office/drawing/2010/main" xmlns="" w="9525">
                   <a:solidFill>
                     <a:srgbClr val="000000"/>
                   </a:solidFill>
@@ -4417,7 +4417,7 @@
             </a:ln>
             <a:extLst>
               <a:ext uri="{91240B29-F687-4f45-9708-019B960494DF}">
-                <a14:hiddenLine xmlns="" xmlns:a14="http://schemas.microsoft.com/office/drawing/2010/main" w="9525">
+                <a14:hiddenLine xmlns:a14="http://schemas.microsoft.com/office/drawing/2010/main" xmlns="" w="9525">
                   <a:solidFill>
                     <a:srgbClr val="000000"/>
                   </a:solidFill>
@@ -4507,7 +4507,7 @@
             </a:ln>
             <a:extLst>
               <a:ext uri="{91240B29-F687-4f45-9708-019B960494DF}">
-                <a14:hiddenLine xmlns="" xmlns:a14="http://schemas.microsoft.com/office/drawing/2010/main" w="9525">
+                <a14:hiddenLine xmlns:a14="http://schemas.microsoft.com/office/drawing/2010/main" xmlns="" w="9525">
                   <a:solidFill>
                     <a:srgbClr val="000000"/>
                   </a:solidFill>
@@ -4569,7 +4569,7 @@
             </a:ln>
             <a:extLst>
               <a:ext uri="{91240B29-F687-4f45-9708-019B960494DF}">
-                <a14:hiddenLine xmlns="" xmlns:a14="http://schemas.microsoft.com/office/drawing/2010/main" w="9525">
+                <a14:hiddenLine xmlns:a14="http://schemas.microsoft.com/office/drawing/2010/main" xmlns="" w="9525">
                   <a:solidFill>
                     <a:srgbClr val="000000"/>
                   </a:solidFill>
@@ -4689,7 +4689,7 @@
             </a:ln>
             <a:extLst>
               <a:ext uri="{91240B29-F687-4f45-9708-019B960494DF}">
-                <a14:hiddenLine xmlns="" xmlns:a14="http://schemas.microsoft.com/office/drawing/2010/main" w="9525">
+                <a14:hiddenLine xmlns:a14="http://schemas.microsoft.com/office/drawing/2010/main" xmlns="" w="9525">
                   <a:solidFill>
                     <a:srgbClr val="000000"/>
                   </a:solidFill>
@@ -4757,7 +4757,7 @@
             </a:ln>
             <a:extLst>
               <a:ext uri="{91240B29-F687-4f45-9708-019B960494DF}">
-                <a14:hiddenLine xmlns="" xmlns:a14="http://schemas.microsoft.com/office/drawing/2010/main" w="9525">
+                <a14:hiddenLine xmlns:a14="http://schemas.microsoft.com/office/drawing/2010/main" xmlns="" w="9525">
                   <a:solidFill>
                     <a:srgbClr val="000000"/>
                   </a:solidFill>
@@ -4847,7 +4847,7 @@
             </a:ln>
             <a:extLst>
               <a:ext uri="{91240B29-F687-4f45-9708-019B960494DF}">
-                <a14:hiddenLine xmlns="" xmlns:a14="http://schemas.microsoft.com/office/drawing/2010/main" w="9525">
+                <a14:hiddenLine xmlns:a14="http://schemas.microsoft.com/office/drawing/2010/main" xmlns="" w="9525">
                   <a:solidFill>
                     <a:srgbClr val="000000"/>
                   </a:solidFill>
@@ -4988,7 +4988,7 @@
             <a:fld id="{7EAF463A-BC7C-46EE-9F1E-7F377CCA4891}" type="datetimeFigureOut">
               <a:rPr lang="en-US" smtClean="0"/>
               <a:pPr/>
-              <a:t>12/12/2019</a:t>
+              <a:t>12/23/2019</a:t>
             </a:fld>
             <a:endParaRPr lang="en-US"/>
           </a:p>
@@ -5257,7 +5257,7 @@
             <a:fld id="{7EAF463A-BC7C-46EE-9F1E-7F377CCA4891}" type="datetimeFigureOut">
               <a:rPr lang="en-US" smtClean="0"/>
               <a:pPr/>
-              <a:t>12/12/2019</a:t>
+              <a:t>12/23/2019</a:t>
             </a:fld>
             <a:endParaRPr lang="en-US"/>
           </a:p>
@@ -5455,7 +5455,7 @@
             <a:fld id="{7EAF463A-BC7C-46EE-9F1E-7F377CCA4891}" type="datetimeFigureOut">
               <a:rPr lang="en-US" smtClean="0"/>
               <a:pPr/>
-              <a:t>12/12/2019</a:t>
+              <a:t>12/23/2019</a:t>
             </a:fld>
             <a:endParaRPr lang="en-US"/>
           </a:p>
@@ -5720,7 +5720,7 @@
             <a:fld id="{7EAF463A-BC7C-46EE-9F1E-7F377CCA4891}" type="datetimeFigureOut">
               <a:rPr lang="en-US" smtClean="0"/>
               <a:pPr/>
-              <a:t>12/12/2019</a:t>
+              <a:t>12/23/2019</a:t>
             </a:fld>
             <a:endParaRPr lang="en-US"/>
           </a:p>
@@ -6156,7 +6156,7 @@
             <a:fld id="{7EAF463A-BC7C-46EE-9F1E-7F377CCA4891}" type="datetimeFigureOut">
               <a:rPr lang="en-US" smtClean="0"/>
               <a:pPr/>
-              <a:t>12/12/2019</a:t>
+              <a:t>12/23/2019</a:t>
             </a:fld>
             <a:endParaRPr lang="en-US"/>
           </a:p>
@@ -6704,7 +6704,7 @@
             <a:fld id="{7EAF463A-BC7C-46EE-9F1E-7F377CCA4891}" type="datetimeFigureOut">
               <a:rPr lang="en-US" smtClean="0"/>
               <a:pPr/>
-              <a:t>12/12/2019</a:t>
+              <a:t>12/23/2019</a:t>
             </a:fld>
             <a:endParaRPr lang="en-US"/>
           </a:p>
@@ -7426,7 +7426,7 @@
             <a:fld id="{7EAF463A-BC7C-46EE-9F1E-7F377CCA4891}" type="datetimeFigureOut">
               <a:rPr lang="en-US" smtClean="0"/>
               <a:pPr/>
-              <a:t>12/12/2019</a:t>
+              <a:t>12/23/2019</a:t>
             </a:fld>
             <a:endParaRPr lang="en-US"/>
           </a:p>
@@ -7602,7 +7602,7 @@
             <a:fld id="{7EAF463A-BC7C-46EE-9F1E-7F377CCA4891}" type="datetimeFigureOut">
               <a:rPr lang="en-US" smtClean="0"/>
               <a:pPr/>
-              <a:t>12/12/2019</a:t>
+              <a:t>12/23/2019</a:t>
             </a:fld>
             <a:endParaRPr lang="en-US"/>
           </a:p>
@@ -7784,7 +7784,7 @@
             <a:fld id="{7EAF463A-BC7C-46EE-9F1E-7F377CCA4891}" type="datetimeFigureOut">
               <a:rPr lang="en-US" smtClean="0"/>
               <a:pPr/>
-              <a:t>12/12/2019</a:t>
+              <a:t>12/23/2019</a:t>
             </a:fld>
             <a:endParaRPr lang="en-US"/>
           </a:p>
@@ -7971,7 +7971,7 @@
             <a:fld id="{7EAF463A-BC7C-46EE-9F1E-7F377CCA4891}" type="datetimeFigureOut">
               <a:rPr lang="en-US" smtClean="0"/>
               <a:pPr/>
-              <a:t>12/12/2019</a:t>
+              <a:t>12/23/2019</a:t>
             </a:fld>
             <a:endParaRPr lang="en-US"/>
           </a:p>
@@ -8233,7 +8233,7 @@
             <a:fld id="{7EAF463A-BC7C-46EE-9F1E-7F377CCA4891}" type="datetimeFigureOut">
               <a:rPr lang="en-US" smtClean="0"/>
               <a:pPr/>
-              <a:t>12/12/2019</a:t>
+              <a:t>12/23/2019</a:t>
             </a:fld>
             <a:endParaRPr lang="en-US"/>
           </a:p>
@@ -8467,7 +8467,7 @@
             <a:fld id="{7EAF463A-BC7C-46EE-9F1E-7F377CCA4891}" type="datetimeFigureOut">
               <a:rPr lang="en-US" smtClean="0"/>
               <a:pPr/>
-              <a:t>12/12/2019</a:t>
+              <a:t>12/23/2019</a:t>
             </a:fld>
             <a:endParaRPr lang="en-US"/>
           </a:p>
@@ -8850,7 +8850,7 @@
             <a:fld id="{7EAF463A-BC7C-46EE-9F1E-7F377CCA4891}" type="datetimeFigureOut">
               <a:rPr lang="en-US" smtClean="0"/>
               <a:pPr/>
-              <a:t>12/12/2019</a:t>
+              <a:t>12/23/2019</a:t>
             </a:fld>
             <a:endParaRPr lang="en-US"/>
           </a:p>
@@ -8970,7 +8970,7 @@
             <a:fld id="{7EAF463A-BC7C-46EE-9F1E-7F377CCA4891}" type="datetimeFigureOut">
               <a:rPr lang="en-US" smtClean="0"/>
               <a:pPr/>
-              <a:t>12/12/2019</a:t>
+              <a:t>12/23/2019</a:t>
             </a:fld>
             <a:endParaRPr lang="en-US"/>
           </a:p>
@@ -9067,7 +9067,7 @@
             <a:fld id="{7EAF463A-BC7C-46EE-9F1E-7F377CCA4891}" type="datetimeFigureOut">
               <a:rPr lang="en-US" smtClean="0"/>
               <a:pPr/>
-              <a:t>12/12/2019</a:t>
+              <a:t>12/23/2019</a:t>
             </a:fld>
             <a:endParaRPr lang="en-US"/>
           </a:p>
@@ -9318,7 +9318,7 @@
             <a:fld id="{7EAF463A-BC7C-46EE-9F1E-7F377CCA4891}" type="datetimeFigureOut">
               <a:rPr lang="en-US" smtClean="0"/>
               <a:pPr/>
-              <a:t>12/12/2019</a:t>
+              <a:t>12/23/2019</a:t>
             </a:fld>
             <a:endParaRPr lang="en-US"/>
           </a:p>
@@ -9572,7 +9572,7 @@
             <a:fld id="{7EAF463A-BC7C-46EE-9F1E-7F377CCA4891}" type="datetimeFigureOut">
               <a:rPr lang="en-US" smtClean="0"/>
               <a:pPr/>
-              <a:t>12/12/2019</a:t>
+              <a:t>12/23/2019</a:t>
             </a:fld>
             <a:endParaRPr lang="en-US"/>
           </a:p>
@@ -9720,7 +9720,7 @@
           <a:noFill/>
           <a:extLst>
             <a:ext uri="{909E8E84-426E-40dd-AFC4-6F175D3DCCD1}">
-              <a14:hiddenFill xmlns="" xmlns:a14="http://schemas.microsoft.com/office/drawing/2010/main">
+              <a14:hiddenFill xmlns:a14="http://schemas.microsoft.com/office/drawing/2010/main" xmlns="">
                 <a:solidFill>
                   <a:srgbClr val="FFFFFF"/>
                 </a:solidFill>
@@ -9794,7 +9794,7 @@
               </a:ln>
               <a:extLst>
                 <a:ext uri="{91240B29-F687-4f45-9708-019B960494DF}">
-                  <a14:hiddenLine xmlns="" xmlns:a14="http://schemas.microsoft.com/office/drawing/2010/main" w="9525">
+                  <a14:hiddenLine xmlns:a14="http://schemas.microsoft.com/office/drawing/2010/main" xmlns="" w="9525">
                     <a:solidFill>
                       <a:srgbClr val="000000"/>
                     </a:solidFill>
@@ -9884,7 +9884,7 @@
               </a:ln>
               <a:extLst>
                 <a:ext uri="{91240B29-F687-4f45-9708-019B960494DF}">
-                  <a14:hiddenLine xmlns="" xmlns:a14="http://schemas.microsoft.com/office/drawing/2010/main" w="9525">
+                  <a14:hiddenLine xmlns:a14="http://schemas.microsoft.com/office/drawing/2010/main" xmlns="" w="9525">
                     <a:solidFill>
                       <a:srgbClr val="000000"/>
                     </a:solidFill>
@@ -9974,7 +9974,7 @@
               </a:ln>
               <a:extLst>
                 <a:ext uri="{91240B29-F687-4f45-9708-019B960494DF}">
-                  <a14:hiddenLine xmlns="" xmlns:a14="http://schemas.microsoft.com/office/drawing/2010/main" w="9525">
+                  <a14:hiddenLine xmlns:a14="http://schemas.microsoft.com/office/drawing/2010/main" xmlns="" w="9525">
                     <a:solidFill>
                       <a:srgbClr val="000000"/>
                     </a:solidFill>
@@ -10036,7 +10036,7 @@
               </a:ln>
               <a:extLst>
                 <a:ext uri="{91240B29-F687-4f45-9708-019B960494DF}">
-                  <a14:hiddenLine xmlns="" xmlns:a14="http://schemas.microsoft.com/office/drawing/2010/main" w="9525">
+                  <a14:hiddenLine xmlns:a14="http://schemas.microsoft.com/office/drawing/2010/main" xmlns="" w="9525">
                     <a:solidFill>
                       <a:srgbClr val="000000"/>
                     </a:solidFill>
@@ -10126,7 +10126,7 @@
               </a:ln>
               <a:extLst>
                 <a:ext uri="{91240B29-F687-4f45-9708-019B960494DF}">
-                  <a14:hiddenLine xmlns="" xmlns:a14="http://schemas.microsoft.com/office/drawing/2010/main" w="9525">
+                  <a14:hiddenLine xmlns:a14="http://schemas.microsoft.com/office/drawing/2010/main" xmlns="" w="9525">
                     <a:solidFill>
                       <a:srgbClr val="000000"/>
                     </a:solidFill>
@@ -10188,7 +10188,7 @@
               </a:ln>
               <a:extLst>
                 <a:ext uri="{91240B29-F687-4f45-9708-019B960494DF}">
-                  <a14:hiddenLine xmlns="" xmlns:a14="http://schemas.microsoft.com/office/drawing/2010/main" w="9525">
+                  <a14:hiddenLine xmlns:a14="http://schemas.microsoft.com/office/drawing/2010/main" xmlns="" w="9525">
                     <a:solidFill>
                       <a:srgbClr val="000000"/>
                     </a:solidFill>
@@ -10250,7 +10250,7 @@
               </a:ln>
               <a:extLst>
                 <a:ext uri="{91240B29-F687-4f45-9708-019B960494DF}">
-                  <a14:hiddenLine xmlns="" xmlns:a14="http://schemas.microsoft.com/office/drawing/2010/main" w="9525">
+                  <a14:hiddenLine xmlns:a14="http://schemas.microsoft.com/office/drawing/2010/main" xmlns="" w="9525">
                     <a:solidFill>
                       <a:srgbClr val="000000"/>
                     </a:solidFill>
@@ -10340,7 +10340,7 @@
               </a:ln>
               <a:extLst>
                 <a:ext uri="{91240B29-F687-4f45-9708-019B960494DF}">
-                  <a14:hiddenLine xmlns="" xmlns:a14="http://schemas.microsoft.com/office/drawing/2010/main" w="9525">
+                  <a14:hiddenLine xmlns:a14="http://schemas.microsoft.com/office/drawing/2010/main" xmlns="" w="9525">
                     <a:solidFill>
                       <a:srgbClr val="000000"/>
                     </a:solidFill>
@@ -10430,7 +10430,7 @@
               </a:ln>
               <a:extLst>
                 <a:ext uri="{91240B29-F687-4f45-9708-019B960494DF}">
-                  <a14:hiddenLine xmlns="" xmlns:a14="http://schemas.microsoft.com/office/drawing/2010/main" w="9525">
+                  <a14:hiddenLine xmlns:a14="http://schemas.microsoft.com/office/drawing/2010/main" xmlns="" w="9525">
                     <a:solidFill>
                       <a:srgbClr val="000000"/>
                     </a:solidFill>
@@ -10492,7 +10492,7 @@
               </a:ln>
               <a:extLst>
                 <a:ext uri="{91240B29-F687-4f45-9708-019B960494DF}">
-                  <a14:hiddenLine xmlns="" xmlns:a14="http://schemas.microsoft.com/office/drawing/2010/main" w="9525">
+                  <a14:hiddenLine xmlns:a14="http://schemas.microsoft.com/office/drawing/2010/main" xmlns="" w="9525">
                     <a:solidFill>
                       <a:srgbClr val="000000"/>
                     </a:solidFill>
@@ -10602,7 +10602,7 @@
               </a:ln>
               <a:extLst>
                 <a:ext uri="{91240B29-F687-4f45-9708-019B960494DF}">
-                  <a14:hiddenLine xmlns="" xmlns:a14="http://schemas.microsoft.com/office/drawing/2010/main" w="9525">
+                  <a14:hiddenLine xmlns:a14="http://schemas.microsoft.com/office/drawing/2010/main" xmlns="" w="9525">
                     <a:solidFill>
                       <a:srgbClr val="000000"/>
                     </a:solidFill>
@@ -10686,7 +10686,7 @@
               </a:ln>
               <a:extLst>
                 <a:ext uri="{91240B29-F687-4f45-9708-019B960494DF}">
-                  <a14:hiddenLine xmlns="" xmlns:a14="http://schemas.microsoft.com/office/drawing/2010/main" w="9525">
+                  <a14:hiddenLine xmlns:a14="http://schemas.microsoft.com/office/drawing/2010/main" xmlns="" w="9525">
                     <a:solidFill>
                       <a:srgbClr val="000000"/>
                     </a:solidFill>
@@ -10748,7 +10748,7 @@
               </a:ln>
               <a:extLst>
                 <a:ext uri="{91240B29-F687-4f45-9708-019B960494DF}">
-                  <a14:hiddenLine xmlns="" xmlns:a14="http://schemas.microsoft.com/office/drawing/2010/main" w="9525">
+                  <a14:hiddenLine xmlns:a14="http://schemas.microsoft.com/office/drawing/2010/main" xmlns="" w="9525">
                     <a:solidFill>
                       <a:srgbClr val="000000"/>
                     </a:solidFill>
@@ -10810,7 +10810,7 @@
               </a:ln>
               <a:extLst>
                 <a:ext uri="{91240B29-F687-4f45-9708-019B960494DF}">
-                  <a14:hiddenLine xmlns="" xmlns:a14="http://schemas.microsoft.com/office/drawing/2010/main" w="9525">
+                  <a14:hiddenLine xmlns:a14="http://schemas.microsoft.com/office/drawing/2010/main" xmlns="" w="9525">
                     <a:solidFill>
                       <a:srgbClr val="000000"/>
                     </a:solidFill>
@@ -10900,7 +10900,7 @@
               </a:ln>
               <a:extLst>
                 <a:ext uri="{91240B29-F687-4f45-9708-019B960494DF}">
-                  <a14:hiddenLine xmlns="" xmlns:a14="http://schemas.microsoft.com/office/drawing/2010/main" w="9525">
+                  <a14:hiddenLine xmlns:a14="http://schemas.microsoft.com/office/drawing/2010/main" xmlns="" w="9525">
                     <a:solidFill>
                       <a:srgbClr val="000000"/>
                     </a:solidFill>
@@ -10934,7 +10934,7 @@
               </a:ln>
               <a:extLst>
                 <a:ext uri="{91240B29-F687-4f45-9708-019B960494DF}">
-                  <a14:hiddenLine xmlns="" xmlns:a14="http://schemas.microsoft.com/office/drawing/2010/main" w="9525">
+                  <a14:hiddenLine xmlns:a14="http://schemas.microsoft.com/office/drawing/2010/main" xmlns="" w="9525">
                     <a:solidFill>
                       <a:srgbClr val="000000"/>
                     </a:solidFill>
@@ -10999,7 +10999,7 @@
               </a:ln>
               <a:extLst>
                 <a:ext uri="{91240B29-F687-4f45-9708-019B960494DF}">
-                  <a14:hiddenLine xmlns="" xmlns:a14="http://schemas.microsoft.com/office/drawing/2010/main" w="9525">
+                  <a14:hiddenLine xmlns:a14="http://schemas.microsoft.com/office/drawing/2010/main" xmlns="" w="9525">
                     <a:solidFill>
                       <a:srgbClr val="000000"/>
                     </a:solidFill>
@@ -11089,7 +11089,7 @@
               </a:ln>
               <a:extLst>
                 <a:ext uri="{91240B29-F687-4f45-9708-019B960494DF}">
-                  <a14:hiddenLine xmlns="" xmlns:a14="http://schemas.microsoft.com/office/drawing/2010/main" w="9525">
+                  <a14:hiddenLine xmlns:a14="http://schemas.microsoft.com/office/drawing/2010/main" xmlns="" w="9525">
                     <a:solidFill>
                       <a:srgbClr val="000000"/>
                     </a:solidFill>
@@ -11151,7 +11151,7 @@
               </a:ln>
               <a:extLst>
                 <a:ext uri="{91240B29-F687-4f45-9708-019B960494DF}">
-                  <a14:hiddenLine xmlns="" xmlns:a14="http://schemas.microsoft.com/office/drawing/2010/main" w="9525">
+                  <a14:hiddenLine xmlns:a14="http://schemas.microsoft.com/office/drawing/2010/main" xmlns="" w="9525">
                     <a:solidFill>
                       <a:srgbClr val="000000"/>
                     </a:solidFill>
@@ -11241,7 +11241,7 @@
               </a:ln>
               <a:extLst>
                 <a:ext uri="{91240B29-F687-4f45-9708-019B960494DF}">
-                  <a14:hiddenLine xmlns="" xmlns:a14="http://schemas.microsoft.com/office/drawing/2010/main" w="9525">
+                  <a14:hiddenLine xmlns:a14="http://schemas.microsoft.com/office/drawing/2010/main" xmlns="" w="9525">
                     <a:solidFill>
                       <a:srgbClr val="000000"/>
                     </a:solidFill>
@@ -11306,7 +11306,7 @@
               </a:ln>
               <a:extLst>
                 <a:ext uri="{91240B29-F687-4f45-9708-019B960494DF}">
-                  <a14:hiddenLine xmlns="" xmlns:a14="http://schemas.microsoft.com/office/drawing/2010/main" w="9525">
+                  <a14:hiddenLine xmlns:a14="http://schemas.microsoft.com/office/drawing/2010/main" xmlns="" w="9525">
                     <a:solidFill>
                       <a:srgbClr val="000000"/>
                     </a:solidFill>
@@ -11368,7 +11368,7 @@
               </a:ln>
               <a:extLst>
                 <a:ext uri="{91240B29-F687-4f45-9708-019B960494DF}">
-                  <a14:hiddenLine xmlns="" xmlns:a14="http://schemas.microsoft.com/office/drawing/2010/main" w="9525">
+                  <a14:hiddenLine xmlns:a14="http://schemas.microsoft.com/office/drawing/2010/main" xmlns="" w="9525">
                     <a:solidFill>
                       <a:srgbClr val="000000"/>
                     </a:solidFill>
@@ -11458,7 +11458,7 @@
               </a:ln>
               <a:extLst>
                 <a:ext uri="{91240B29-F687-4f45-9708-019B960494DF}">
-                  <a14:hiddenLine xmlns="" xmlns:a14="http://schemas.microsoft.com/office/drawing/2010/main" w="9525">
+                  <a14:hiddenLine xmlns:a14="http://schemas.microsoft.com/office/drawing/2010/main" xmlns="" w="9525">
                     <a:solidFill>
                       <a:srgbClr val="000000"/>
                     </a:solidFill>
@@ -11548,7 +11548,7 @@
               </a:ln>
               <a:extLst>
                 <a:ext uri="{91240B29-F687-4f45-9708-019B960494DF}">
-                  <a14:hiddenLine xmlns="" xmlns:a14="http://schemas.microsoft.com/office/drawing/2010/main" w="9525">
+                  <a14:hiddenLine xmlns:a14="http://schemas.microsoft.com/office/drawing/2010/main" xmlns="" w="9525">
                     <a:solidFill>
                       <a:srgbClr val="000000"/>
                     </a:solidFill>
@@ -11613,7 +11613,7 @@
               </a:ln>
               <a:extLst>
                 <a:ext uri="{91240B29-F687-4f45-9708-019B960494DF}">
-                  <a14:hiddenLine xmlns="" xmlns:a14="http://schemas.microsoft.com/office/drawing/2010/main" w="9525">
+                  <a14:hiddenLine xmlns:a14="http://schemas.microsoft.com/office/drawing/2010/main" xmlns="" w="9525">
                     <a:solidFill>
                       <a:srgbClr val="000000"/>
                     </a:solidFill>
@@ -11733,7 +11733,7 @@
               </a:ln>
               <a:extLst>
                 <a:ext uri="{91240B29-F687-4f45-9708-019B960494DF}">
-                  <a14:hiddenLine xmlns="" xmlns:a14="http://schemas.microsoft.com/office/drawing/2010/main" w="9525">
+                  <a14:hiddenLine xmlns:a14="http://schemas.microsoft.com/office/drawing/2010/main" xmlns="" w="9525">
                     <a:solidFill>
                       <a:srgbClr val="000000"/>
                     </a:solidFill>
@@ -11831,7 +11831,7 @@
               </a:ln>
               <a:extLst>
                 <a:ext uri="{91240B29-F687-4f45-9708-019B960494DF}">
-                  <a14:hiddenLine xmlns="" xmlns:a14="http://schemas.microsoft.com/office/drawing/2010/main" w="9525">
+                  <a14:hiddenLine xmlns:a14="http://schemas.microsoft.com/office/drawing/2010/main" xmlns="" w="9525">
                     <a:solidFill>
                       <a:srgbClr val="000000"/>
                     </a:solidFill>
@@ -11946,7 +11946,7 @@
               </a:ln>
               <a:extLst>
                 <a:ext uri="{91240B29-F687-4f45-9708-019B960494DF}">
-                  <a14:hiddenLine xmlns="" xmlns:a14="http://schemas.microsoft.com/office/drawing/2010/main" w="9525">
+                  <a14:hiddenLine xmlns:a14="http://schemas.microsoft.com/office/drawing/2010/main" xmlns="" w="9525">
                     <a:solidFill>
                       <a:srgbClr val="000000"/>
                     </a:solidFill>
@@ -12036,7 +12036,7 @@
               </a:ln>
               <a:extLst>
                 <a:ext uri="{91240B29-F687-4f45-9708-019B960494DF}">
-                  <a14:hiddenLine xmlns="" xmlns:a14="http://schemas.microsoft.com/office/drawing/2010/main" w="9525">
+                  <a14:hiddenLine xmlns:a14="http://schemas.microsoft.com/office/drawing/2010/main" xmlns="" w="9525">
                     <a:solidFill>
                       <a:srgbClr val="000000"/>
                     </a:solidFill>
@@ -12101,7 +12101,7 @@
               </a:ln>
               <a:extLst>
                 <a:ext uri="{91240B29-F687-4f45-9708-019B960494DF}">
-                  <a14:hiddenLine xmlns="" xmlns:a14="http://schemas.microsoft.com/office/drawing/2010/main" w="9525">
+                  <a14:hiddenLine xmlns:a14="http://schemas.microsoft.com/office/drawing/2010/main" xmlns="" w="9525">
                     <a:solidFill>
                       <a:srgbClr val="000000"/>
                     </a:solidFill>
@@ -12191,7 +12191,7 @@
               </a:ln>
               <a:extLst>
                 <a:ext uri="{91240B29-F687-4f45-9708-019B960494DF}">
-                  <a14:hiddenLine xmlns="" xmlns:a14="http://schemas.microsoft.com/office/drawing/2010/main" w="9525">
+                  <a14:hiddenLine xmlns:a14="http://schemas.microsoft.com/office/drawing/2010/main" xmlns="" w="9525">
                     <a:solidFill>
                       <a:srgbClr val="000000"/>
                     </a:solidFill>
@@ -12259,7 +12259,7 @@
               </a:ln>
               <a:extLst>
                 <a:ext uri="{91240B29-F687-4f45-9708-019B960494DF}">
-                  <a14:hiddenLine xmlns="" xmlns:a14="http://schemas.microsoft.com/office/drawing/2010/main" w="9525">
+                  <a14:hiddenLine xmlns:a14="http://schemas.microsoft.com/office/drawing/2010/main" xmlns="" w="9525">
                     <a:solidFill>
                       <a:srgbClr val="000000"/>
                     </a:solidFill>
@@ -12349,7 +12349,7 @@
               </a:ln>
               <a:extLst>
                 <a:ext uri="{91240B29-F687-4f45-9708-019B960494DF}">
-                  <a14:hiddenLine xmlns="" xmlns:a14="http://schemas.microsoft.com/office/drawing/2010/main" w="9525">
+                  <a14:hiddenLine xmlns:a14="http://schemas.microsoft.com/office/drawing/2010/main" xmlns="" w="9525">
                     <a:solidFill>
                       <a:srgbClr val="000000"/>
                     </a:solidFill>
@@ -12417,7 +12417,7 @@
               </a:ln>
               <a:extLst>
                 <a:ext uri="{91240B29-F687-4f45-9708-019B960494DF}">
-                  <a14:hiddenLine xmlns="" xmlns:a14="http://schemas.microsoft.com/office/drawing/2010/main" w="9525">
+                  <a14:hiddenLine xmlns:a14="http://schemas.microsoft.com/office/drawing/2010/main" xmlns="" w="9525">
                     <a:solidFill>
                       <a:srgbClr val="000000"/>
                     </a:solidFill>
@@ -12507,7 +12507,7 @@
               </a:ln>
               <a:extLst>
                 <a:ext uri="{91240B29-F687-4f45-9708-019B960494DF}">
-                  <a14:hiddenLine xmlns="" xmlns:a14="http://schemas.microsoft.com/office/drawing/2010/main" w="9525">
+                  <a14:hiddenLine xmlns:a14="http://schemas.microsoft.com/office/drawing/2010/main" xmlns="" w="9525">
                     <a:solidFill>
                       <a:srgbClr val="000000"/>
                     </a:solidFill>
@@ -12541,7 +12541,7 @@
               </a:ln>
               <a:extLst>
                 <a:ext uri="{91240B29-F687-4f45-9708-019B960494DF}">
-                  <a14:hiddenLine xmlns="" xmlns:a14="http://schemas.microsoft.com/office/drawing/2010/main" w="9525">
+                  <a14:hiddenLine xmlns:a14="http://schemas.microsoft.com/office/drawing/2010/main" xmlns="" w="9525">
                     <a:solidFill>
                       <a:srgbClr val="000000"/>
                     </a:solidFill>
@@ -12682,7 +12682,7 @@
             <a:fld id="{7EAF463A-BC7C-46EE-9F1E-7F377CCA4891}" type="datetimeFigureOut">
               <a:rPr lang="en-US" smtClean="0"/>
               <a:pPr/>
-              <a:t>12/12/2019</a:t>
+              <a:t>12/23/2019</a:t>
             </a:fld>
             <a:endParaRPr lang="en-US"/>
           </a:p>
@@ -13120,7 +13120,7 @@
         </p:blipFill>
         <p:spPr bwMode="auto">
           <a:xfrm>
-            <a:off x="611560" y="980728"/>
+            <a:off x="364263" y="1124744"/>
             <a:ext cx="8415471" cy="5143536"/>
           </a:xfrm>
           <a:prstGeom prst="rect">
@@ -13328,7 +13328,7 @@
             </a:lvl9pPr>
           </a:lstStyle>
           <a:p>
-            <a:pPr marL="0" indent="0">
+            <a:pPr marL="0" indent="0" algn="ctr">
               <a:buFont typeface="Arial" panose="020B0604020202020204" pitchFamily="34" charset="0"/>
               <a:buNone/>
             </a:pPr>
@@ -13338,7 +13338,24 @@
                   <a:schemeClr val="bg1"/>
                 </a:solidFill>
               </a:rPr>
-              <a:t>Автоматизация производства</a:t>
+              <a:t>Автоматизация</a:t>
+            </a:r>
+            <a:r>
+              <a:rPr lang="ru-RU" sz="3600" dirty="0">
+                <a:solidFill>
+                  <a:schemeClr val="bg1"/>
+                </a:solidFill>
+                <a:latin typeface="+mj-lt"/>
+              </a:rPr>
+              <a:t> </a:t>
+            </a:r>
+            <a:r>
+              <a:rPr lang="ru-RU" dirty="0">
+                <a:solidFill>
+                  <a:schemeClr val="bg1"/>
+                </a:solidFill>
+              </a:rPr>
+              <a:t>производства</a:t>
             </a:r>
           </a:p>
         </p:txBody>
@@ -13382,8 +13399,8 @@
         </p:nvSpPr>
         <p:spPr>
           <a:xfrm>
-            <a:off x="1187624" y="332656"/>
-            <a:ext cx="6768752" cy="1077218"/>
+            <a:off x="1187624" y="620688"/>
+            <a:ext cx="6768752" cy="830997"/>
           </a:xfrm>
           <a:prstGeom prst="rect">
             <a:avLst/>
@@ -13396,7 +13413,7 @@
           <a:lstStyle/>
           <a:p>
             <a:r>
-              <a:rPr lang="ru-RU" sz="3200" dirty="0">
+              <a:rPr lang="ru-RU" sz="2400" dirty="0">
                 <a:solidFill>
                   <a:schemeClr val="bg2">
                     <a:lumMod val="50000"/>
@@ -13422,8 +13439,8 @@
         </p:nvSpPr>
         <p:spPr>
           <a:xfrm>
-            <a:off x="755576" y="2090172"/>
-            <a:ext cx="8280920" cy="2308324"/>
+            <a:off x="1331640" y="2060848"/>
+            <a:ext cx="6264696" cy="1938992"/>
           </a:xfrm>
           <a:prstGeom prst="rect">
             <a:avLst/>
@@ -13436,7 +13453,7 @@
           <a:lstStyle/>
           <a:p>
             <a:r>
-              <a:rPr lang="ru-RU" sz="2400" dirty="0">
+              <a:rPr lang="ru-RU" sz="2000" dirty="0">
                 <a:solidFill>
                   <a:schemeClr val="bg2">
                     <a:lumMod val="50000"/>
@@ -13445,7 +13462,7 @@
               </a:rPr>
               <a:t>Независимо от архитектуры необходимо учитывать следующие факторы: </a:t>
             </a:r>
-            <a:endParaRPr lang="en-US" sz="2400" dirty="0">
+            <a:endParaRPr lang="en-US" sz="2000" dirty="0">
               <a:solidFill>
                 <a:schemeClr val="bg2">
                   <a:lumMod val="50000"/>
@@ -13455,7 +13472,7 @@
           </a:p>
           <a:p>
             <a:r>
-              <a:rPr lang="ru-RU" sz="2400" dirty="0">
+              <a:rPr lang="ru-RU" sz="2000" dirty="0">
                 <a:solidFill>
                   <a:schemeClr val="bg2">
                     <a:lumMod val="50000"/>
@@ -13464,7 +13481,7 @@
               </a:rPr>
               <a:t>• доступ к источникам данных ввода-вывода; </a:t>
             </a:r>
-            <a:endParaRPr lang="en-US" sz="2400" dirty="0">
+            <a:endParaRPr lang="en-US" sz="2000" dirty="0">
               <a:solidFill>
                 <a:schemeClr val="bg2">
                   <a:lumMod val="50000"/>
@@ -13474,7 +13491,7 @@
           </a:p>
           <a:p>
             <a:r>
-              <a:rPr lang="ru-RU" sz="2400" dirty="0">
+              <a:rPr lang="ru-RU" sz="2000" dirty="0">
                 <a:solidFill>
                   <a:schemeClr val="bg2">
                     <a:lumMod val="50000"/>
@@ -13483,7 +13500,7 @@
               </a:rPr>
               <a:t>• доступ к разделяемым файлам; </a:t>
             </a:r>
-            <a:endParaRPr lang="en-US" sz="2400" dirty="0">
+            <a:endParaRPr lang="en-US" sz="2000" dirty="0">
               <a:solidFill>
                 <a:schemeClr val="bg2">
                   <a:lumMod val="50000"/>
@@ -13493,7 +13510,7 @@
           </a:p>
           <a:p>
             <a:r>
-              <a:rPr lang="ru-RU" sz="2400" dirty="0">
+              <a:rPr lang="ru-RU" sz="2000" dirty="0">
                 <a:solidFill>
                   <a:schemeClr val="bg2">
                     <a:lumMod val="50000"/>
@@ -13502,7 +13519,7 @@
               </a:rPr>
               <a:t>• место регистрации данных; </a:t>
             </a:r>
-            <a:endParaRPr lang="en-US" sz="2400" dirty="0">
+            <a:endParaRPr lang="en-US" sz="2000" dirty="0">
               <a:solidFill>
                 <a:schemeClr val="bg2">
                   <a:lumMod val="50000"/>
@@ -13512,7 +13529,7 @@
           </a:p>
           <a:p>
             <a:r>
-              <a:rPr lang="ru-RU" sz="2400" dirty="0">
+              <a:rPr lang="ru-RU" sz="2000" dirty="0">
                 <a:solidFill>
                   <a:schemeClr val="bg2">
                     <a:lumMod val="50000"/>
@@ -13521,7 +13538,7 @@
               </a:rPr>
               <a:t>• особые требования, обусловленные сетью.</a:t>
             </a:r>
-            <a:endParaRPr lang="ru-RU" sz="2400" dirty="0"/>
+            <a:endParaRPr lang="ru-RU" sz="2000" dirty="0"/>
           </a:p>
         </p:txBody>
       </p:sp>
@@ -13617,7 +13634,7 @@
         <p:spPr>
           <a:xfrm>
             <a:off x="1331640" y="841773"/>
-            <a:ext cx="6168484" cy="584775"/>
+            <a:ext cx="4667688" cy="461665"/>
           </a:xfrm>
           <a:prstGeom prst="rect">
             <a:avLst/>
@@ -13630,7 +13647,7 @@
           <a:lstStyle/>
           <a:p>
             <a:r>
-              <a:rPr lang="ru-RU" sz="3200" dirty="0">
+              <a:rPr lang="ru-RU" sz="2400" dirty="0">
                 <a:solidFill>
                   <a:schemeClr val="bg2">
                     <a:lumMod val="50000"/>
@@ -13723,7 +13740,7 @@
         <p:spPr>
           <a:xfrm>
             <a:off x="1691680" y="764704"/>
-            <a:ext cx="6038833" cy="584775"/>
+            <a:ext cx="4569649" cy="461665"/>
           </a:xfrm>
           <a:prstGeom prst="rect">
             <a:avLst/>
@@ -13736,7 +13753,7 @@
           <a:lstStyle/>
           <a:p>
             <a:r>
-              <a:rPr lang="ru-RU" sz="3200" dirty="0">
+              <a:rPr lang="ru-RU" sz="2400" dirty="0">
                 <a:solidFill>
                   <a:schemeClr val="bg2">
                     <a:lumMod val="50000"/>
@@ -13828,8 +13845,8 @@
         </p:nvSpPr>
         <p:spPr>
           <a:xfrm>
-            <a:off x="1835696" y="692696"/>
-            <a:ext cx="5724259" cy="584775"/>
+            <a:off x="2402367" y="1052736"/>
+            <a:ext cx="4339265" cy="461665"/>
           </a:xfrm>
           <a:prstGeom prst="rect">
             <a:avLst/>
@@ -13842,7 +13859,7 @@
           <a:lstStyle/>
           <a:p>
             <a:r>
-              <a:rPr lang="ru-RU" sz="3200" dirty="0">
+              <a:rPr lang="ru-RU" sz="2400" dirty="0">
                 <a:solidFill>
                   <a:schemeClr val="bg2">
                     <a:lumMod val="50000"/>
@@ -13868,8 +13885,8 @@
         </p:nvSpPr>
         <p:spPr>
           <a:xfrm>
-            <a:off x="1110895" y="2465765"/>
-            <a:ext cx="7173859" cy="954107"/>
+            <a:off x="1763688" y="2492896"/>
+            <a:ext cx="7173859" cy="830997"/>
           </a:xfrm>
           <a:prstGeom prst="rect">
             <a:avLst/>
@@ -13882,19 +13899,39 @@
           <a:lstStyle/>
           <a:p>
             <a:r>
-              <a:rPr lang="ru-RU" sz="2800" dirty="0">
+              <a:rPr lang="ru-RU" sz="2000" dirty="0">
                 <a:solidFill>
                   <a:schemeClr val="bg2">
                     <a:lumMod val="50000"/>
                   </a:schemeClr>
                 </a:solidFill>
               </a:rPr>
-              <a:t>• глобальные адреса сетевого файл-сервера; </a:t>
-            </a:r>
-          </a:p>
-          <a:p>
+              <a:t>•</a:t>
+            </a:r>
             <a:r>
               <a:rPr lang="ru-RU" sz="2800" dirty="0">
+                <a:solidFill>
+                  <a:schemeClr val="bg2">
+                    <a:lumMod val="50000"/>
+                  </a:schemeClr>
+                </a:solidFill>
+              </a:rPr>
+              <a:t> </a:t>
+            </a:r>
+            <a:r>
+              <a:rPr lang="ru-RU" sz="2000" dirty="0">
+                <a:solidFill>
+                  <a:schemeClr val="bg2">
+                    <a:lumMod val="50000"/>
+                  </a:schemeClr>
+                </a:solidFill>
+              </a:rPr>
+              <a:t>глобальные адреса сетевого файл-сервера; </a:t>
+            </a:r>
+          </a:p>
+          <a:p>
+            <a:r>
+              <a:rPr lang="ru-RU" sz="2000" dirty="0">
                 <a:solidFill>
                   <a:schemeClr val="bg2">
                     <a:lumMod val="50000"/>
@@ -13950,8 +13987,8 @@
         </p:nvSpPr>
         <p:spPr>
           <a:xfrm>
-            <a:off x="1547664" y="620688"/>
-            <a:ext cx="6436570" cy="584775"/>
+            <a:off x="2267744" y="692696"/>
+            <a:ext cx="4870821" cy="461665"/>
           </a:xfrm>
           <a:prstGeom prst="rect">
             <a:avLst/>
@@ -13964,7 +14001,7 @@
           <a:lstStyle/>
           <a:p>
             <a:r>
-              <a:rPr lang="ru-RU" sz="3200" dirty="0">
+              <a:rPr lang="ru-RU" sz="2400" dirty="0">
                 <a:solidFill>
                   <a:schemeClr val="bg2">
                     <a:lumMod val="50000"/>
@@ -14056,8 +14093,8 @@
         </p:nvSpPr>
         <p:spPr>
           <a:xfrm>
-            <a:off x="1547664" y="692696"/>
-            <a:ext cx="6306919" cy="584775"/>
+            <a:off x="2185608" y="620688"/>
+            <a:ext cx="4772781" cy="461665"/>
           </a:xfrm>
           <a:prstGeom prst="rect">
             <a:avLst/>
@@ -14070,7 +14107,7 @@
           <a:lstStyle/>
           <a:p>
             <a:r>
-              <a:rPr lang="ru-RU" sz="3200" dirty="0">
+              <a:rPr lang="ru-RU" sz="2400" dirty="0">
                 <a:solidFill>
                   <a:schemeClr val="bg2">
                     <a:lumMod val="50000"/>
@@ -14162,8 +14199,8 @@
         </p:nvSpPr>
         <p:spPr>
           <a:xfrm>
-            <a:off x="1115616" y="620688"/>
-            <a:ext cx="7200800" cy="1080120"/>
+            <a:off x="1543894" y="692696"/>
+            <a:ext cx="6192688" cy="461665"/>
           </a:xfrm>
           <a:prstGeom prst="rect">
             <a:avLst/>
@@ -14176,7 +14213,7 @@
           <a:lstStyle/>
           <a:p>
             <a:r>
-              <a:rPr lang="ru-RU" sz="3200" dirty="0">
+              <a:rPr lang="ru-RU" sz="2400" dirty="0">
                 <a:solidFill>
                   <a:schemeClr val="bg2">
                     <a:lumMod val="50000"/>
@@ -14216,7 +14253,7 @@
         </p:blipFill>
         <p:spPr>
           <a:xfrm>
-            <a:off x="887068" y="1844824"/>
+            <a:off x="887067" y="1772816"/>
             <a:ext cx="7506341" cy="3960440"/>
           </a:xfrm>
           <a:prstGeom prst="rect">
@@ -14268,8 +14305,8 @@
         </p:nvSpPr>
         <p:spPr>
           <a:xfrm>
-            <a:off x="1403648" y="476672"/>
-            <a:ext cx="6981783" cy="584775"/>
+            <a:off x="2123728" y="404664"/>
+            <a:ext cx="5282536" cy="461665"/>
           </a:xfrm>
           <a:prstGeom prst="rect">
             <a:avLst/>
@@ -14282,7 +14319,7 @@
           <a:lstStyle/>
           <a:p>
             <a:r>
-              <a:rPr lang="ru-RU" sz="3200" dirty="0">
+              <a:rPr lang="ru-RU" sz="2400" dirty="0">
                 <a:solidFill>
                   <a:schemeClr val="bg2">
                     <a:lumMod val="50000"/>
@@ -14378,8 +14415,8 @@
         </p:nvSpPr>
         <p:spPr>
           <a:xfrm>
-            <a:off x="1835696" y="428787"/>
-            <a:ext cx="6020195" cy="1354089"/>
+            <a:off x="2843808" y="332656"/>
+            <a:ext cx="3672408" cy="1354089"/>
           </a:xfrm>
         </p:spPr>
         <p:txBody>
@@ -14479,7 +14516,7 @@
         <p:spPr>
           <a:xfrm>
             <a:off x="2555776" y="272842"/>
-            <a:ext cx="4176464" cy="707886"/>
+            <a:ext cx="4176464" cy="461665"/>
           </a:xfrm>
           <a:prstGeom prst="rect">
             <a:avLst/>
@@ -14497,7 +14534,7 @@
               </a:spcAft>
             </a:pPr>
             <a:r>
-              <a:rPr lang="ru-RU" sz="4000" kern="1400" spc="-50" dirty="0">
+              <a:rPr lang="ru-RU" sz="2400" kern="1400" spc="-50" dirty="0">
                 <a:solidFill>
                   <a:schemeClr val="bg2">
                     <a:lumMod val="75000"/>
@@ -14510,7 +14547,7 @@
               <a:t>GE HMI SСADA </a:t>
             </a:r>
             <a:r>
-              <a:rPr lang="ru-RU" sz="4000" kern="1400" spc="-50" dirty="0" err="1">
+              <a:rPr lang="ru-RU" sz="2400" kern="1400" spc="-50" dirty="0" err="1">
                 <a:solidFill>
                   <a:schemeClr val="bg2">
                     <a:lumMod val="75000"/>
@@ -14522,7 +14559,7 @@
               </a:rPr>
               <a:t>iFix</a:t>
             </a:r>
-            <a:endParaRPr lang="ru-RU" sz="4000" kern="1400" spc="-50" dirty="0">
+            <a:endParaRPr lang="ru-RU" sz="2400" kern="1400" spc="-50" dirty="0">
               <a:solidFill>
                 <a:schemeClr val="bg2">
                   <a:lumMod val="75000"/>
@@ -14908,7 +14945,7 @@
         </p:nvSpPr>
         <p:spPr>
           <a:xfrm>
-            <a:off x="2627784" y="404664"/>
+            <a:off x="1561902" y="260648"/>
             <a:ext cx="6020195" cy="1354089"/>
           </a:xfrm>
         </p:spPr>
@@ -14916,7 +14953,7 @@
           <a:bodyPr/>
           <a:lstStyle/>
           <a:p>
-            <a:pPr marL="0" indent="0">
+            <a:pPr marL="0" indent="0" algn="ctr">
               <a:buNone/>
             </a:pPr>
             <a:r>
@@ -14981,7 +15018,7 @@
         </p:blipFill>
         <p:spPr>
           <a:xfrm>
-            <a:off x="428596" y="1285860"/>
+            <a:off x="467544" y="1412776"/>
             <a:ext cx="6553200" cy="3857625"/>
           </a:xfrm>
           <a:prstGeom prst="rect">
@@ -15005,7 +15042,7 @@
         </p:nvSpPr>
         <p:spPr>
           <a:xfrm>
-            <a:off x="7164288" y="2564904"/>
+            <a:off x="6904768" y="2348880"/>
             <a:ext cx="1728192" cy="1354089"/>
           </a:xfrm>
           <a:prstGeom prst="rect">
@@ -15237,33 +15274,34 @@
       </p:grpSpPr>
       <p:sp>
         <p:nvSpPr>
-          <p:cNvPr id="2" name="Прямоугольник 1">
+          <p:cNvPr id="2" name="TextBox 1">
             <a:extLst>
               <a:ext uri="{FF2B5EF4-FFF2-40B4-BE49-F238E27FC236}">
-                <a16:creationId xmlns:a16="http://schemas.microsoft.com/office/drawing/2014/main" id="{41B92134-3988-4D84-8E27-F1F0AC3BE306}"/>
+                <a16:creationId xmlns:a16="http://schemas.microsoft.com/office/drawing/2014/main" id="{3228EF5C-8CBA-4F62-B4A0-1542FD09F709}"/>
               </a:ext>
             </a:extLst>
           </p:cNvPr>
-          <p:cNvSpPr/>
+          <p:cNvSpPr txBox="1"/>
           <p:nvPr/>
         </p:nvSpPr>
         <p:spPr>
           <a:xfrm>
-            <a:off x="2771800" y="476672"/>
-            <a:ext cx="3241400" cy="584775"/>
+            <a:off x="3671400" y="620688"/>
+            <a:ext cx="1801199" cy="461665"/>
           </a:xfrm>
           <a:prstGeom prst="rect">
             <a:avLst/>
           </a:prstGeom>
+          <a:noFill/>
         </p:spPr>
         <p:txBody>
-          <a:bodyPr wrap="none">
+          <a:bodyPr wrap="none" rtlCol="0">
             <a:spAutoFit/>
           </a:bodyPr>
           <a:lstStyle/>
           <a:p>
             <a:r>
-              <a:rPr lang="ru-RU" sz="3200" b="1" dirty="0">
+              <a:rPr lang="ru-RU" sz="2400" dirty="0">
                 <a:solidFill>
                   <a:schemeClr val="bg2">
                     <a:lumMod val="75000"/>
@@ -15271,32 +15309,21 @@
                 </a:solidFill>
                 <a:latin typeface="+mj-lt"/>
               </a:rPr>
-              <a:t>Лицензирование</a:t>
-            </a:r>
-            <a:endParaRPr lang="ru-RU" sz="3200" b="1" i="0" dirty="0">
-              <a:solidFill>
-                <a:schemeClr val="bg2">
-                  <a:lumMod val="75000"/>
-                </a:schemeClr>
-              </a:solidFill>
-              <a:effectLst/>
-              <a:latin typeface="+mj-lt"/>
-            </a:endParaRPr>
+              <a:t>Архитектура</a:t>
+            </a:r>
           </a:p>
         </p:txBody>
       </p:sp>
       <p:pic>
         <p:nvPicPr>
-          <p:cNvPr id="1026" name="Picture 2">
+          <p:cNvPr id="3" name="Рисунок 2">
             <a:extLst>
               <a:ext uri="{FF2B5EF4-FFF2-40B4-BE49-F238E27FC236}">
-                <a16:creationId xmlns:a16="http://schemas.microsoft.com/office/drawing/2014/main" id="{29A710FB-B0BB-4BEE-A086-181C6FEB4AD9}"/>
+                <a16:creationId xmlns:a16="http://schemas.microsoft.com/office/drawing/2014/main" id="{7DCA28F8-DD84-4CC0-88EF-E2F66EDFC7B6}"/>
               </a:ext>
             </a:extLst>
           </p:cNvPr>
-          <p:cNvPicPr>
-            <a:picLocks noChangeAspect="1" noChangeArrowheads="1"/>
-          </p:cNvPicPr>
+          <p:cNvPicPr/>
           <p:nvPr/>
         </p:nvPicPr>
         <p:blipFill>
@@ -15314,69 +15341,22 @@
         </p:blipFill>
         <p:spPr bwMode="auto">
           <a:xfrm>
-            <a:off x="1029188" y="2276872"/>
-            <a:ext cx="7085624" cy="3127797"/>
+            <a:off x="1316324" y="1328574"/>
+            <a:ext cx="5932805" cy="4572000"/>
           </a:xfrm>
           <a:prstGeom prst="rect">
             <a:avLst/>
           </a:prstGeom>
           <a:noFill/>
-          <a:extLst>
-            <a:ext uri="{909E8E84-426E-40DD-AFC4-6F175D3DCCD1}">
-              <a14:hiddenFill xmlns:a14="http://schemas.microsoft.com/office/drawing/2010/main">
-                <a:solidFill>
-                  <a:srgbClr val="FFFFFF"/>
-                </a:solidFill>
-              </a14:hiddenFill>
-            </a:ext>
-          </a:extLst>
+          <a:ln>
+            <a:noFill/>
+          </a:ln>
         </p:spPr>
       </p:pic>
-      <p:sp>
-        <p:nvSpPr>
-          <p:cNvPr id="3" name="Прямоугольник 2">
-            <a:extLst>
-              <a:ext uri="{FF2B5EF4-FFF2-40B4-BE49-F238E27FC236}">
-                <a16:creationId xmlns:a16="http://schemas.microsoft.com/office/drawing/2014/main" id="{B2F71882-F947-4C60-BB0E-0F8ABED083E7}"/>
-              </a:ext>
-            </a:extLst>
-          </p:cNvPr>
-          <p:cNvSpPr/>
-          <p:nvPr/>
-        </p:nvSpPr>
-        <p:spPr>
-          <a:xfrm>
-            <a:off x="1943968" y="1377984"/>
-            <a:ext cx="5256064" cy="461665"/>
-          </a:xfrm>
-          <a:prstGeom prst="rect">
-            <a:avLst/>
-          </a:prstGeom>
-        </p:spPr>
-        <p:txBody>
-          <a:bodyPr wrap="square">
-            <a:spAutoFit/>
-          </a:bodyPr>
-          <a:lstStyle/>
-          <a:p>
-            <a:r>
-              <a:rPr lang="ru-RU" sz="2400" dirty="0">
-                <a:solidFill>
-                  <a:schemeClr val="bg2">
-                    <a:lumMod val="75000"/>
-                  </a:schemeClr>
-                </a:solidFill>
-                <a:latin typeface="+mj-lt"/>
-              </a:rPr>
-              <a:t>Конфигурации серверных лицензий</a:t>
-            </a:r>
-          </a:p>
-        </p:txBody>
-      </p:sp>
     </p:spTree>
     <p:extLst>
       <p:ext uri="{BB962C8B-B14F-4D97-AF65-F5344CB8AC3E}">
-        <p14:creationId xmlns:p14="http://schemas.microsoft.com/office/powerpoint/2010/main" val="310985020"/>
+        <p14:creationId xmlns:p14="http://schemas.microsoft.com/office/powerpoint/2010/main" val="3838088831"/>
       </p:ext>
     </p:extLst>
   </p:cSld>
@@ -15387,145 +15367,6 @@
 </file>
 
 <file path=ppt/slides/slide21.xml><?xml version="1.0" encoding="utf-8"?>
-<p:sld xmlns:a="http://schemas.openxmlformats.org/drawingml/2006/main" xmlns:r="http://schemas.openxmlformats.org/officeDocument/2006/relationships" xmlns:p="http://schemas.openxmlformats.org/presentationml/2006/main">
-  <p:cSld>
-    <p:spTree>
-      <p:nvGrpSpPr>
-        <p:cNvPr id="1" name=""/>
-        <p:cNvGrpSpPr/>
-        <p:nvPr/>
-      </p:nvGrpSpPr>
-      <p:grpSpPr>
-        <a:xfrm>
-          <a:off x="0" y="0"/>
-          <a:ext cx="0" cy="0"/>
-          <a:chOff x="0" y="0"/>
-          <a:chExt cx="0" cy="0"/>
-        </a:xfrm>
-      </p:grpSpPr>
-      <p:sp>
-        <p:nvSpPr>
-          <p:cNvPr id="2" name="Прямоугольник 1">
-            <a:extLst>
-              <a:ext uri="{FF2B5EF4-FFF2-40B4-BE49-F238E27FC236}">
-                <a16:creationId xmlns:a16="http://schemas.microsoft.com/office/drawing/2014/main" id="{06718DC5-258F-42B0-A305-2A58B8A56A67}"/>
-              </a:ext>
-            </a:extLst>
-          </p:cNvPr>
-          <p:cNvSpPr/>
-          <p:nvPr/>
-        </p:nvSpPr>
-        <p:spPr>
-          <a:xfrm>
-            <a:off x="1889956" y="764704"/>
-            <a:ext cx="5364088" cy="1200329"/>
-          </a:xfrm>
-          <a:prstGeom prst="rect">
-            <a:avLst/>
-          </a:prstGeom>
-        </p:spPr>
-        <p:txBody>
-          <a:bodyPr wrap="square">
-            <a:spAutoFit/>
-          </a:bodyPr>
-          <a:lstStyle/>
-          <a:p>
-            <a:pPr algn="ctr"/>
-            <a:r>
-              <a:rPr lang="ru-RU" sz="2400" dirty="0">
-                <a:solidFill>
-                  <a:schemeClr val="bg2">
-                    <a:lumMod val="75000"/>
-                  </a:schemeClr>
-                </a:solidFill>
-                <a:latin typeface="+mj-lt"/>
-              </a:rPr>
-              <a:t>Конфигурации клиентских лицензий</a:t>
-            </a:r>
-          </a:p>
-          <a:p>
-            <a:br>
-              <a:rPr lang="ru-RU" sz="2400" dirty="0">
-                <a:solidFill>
-                  <a:schemeClr val="bg2">
-                    <a:lumMod val="75000"/>
-                  </a:schemeClr>
-                </a:solidFill>
-                <a:latin typeface="+mj-lt"/>
-              </a:rPr>
-            </a:br>
-            <a:endParaRPr lang="ru-RU" sz="2400" dirty="0">
-              <a:solidFill>
-                <a:schemeClr val="bg2">
-                  <a:lumMod val="75000"/>
-                </a:schemeClr>
-              </a:solidFill>
-              <a:latin typeface="+mj-lt"/>
-            </a:endParaRPr>
-          </a:p>
-        </p:txBody>
-      </p:sp>
-      <p:pic>
-        <p:nvPicPr>
-          <p:cNvPr id="2050" name="Picture 2">
-            <a:extLst>
-              <a:ext uri="{FF2B5EF4-FFF2-40B4-BE49-F238E27FC236}">
-                <a16:creationId xmlns:a16="http://schemas.microsoft.com/office/drawing/2014/main" id="{F12556DB-C7FA-4BB9-8EAC-6688E0EAFBBA}"/>
-              </a:ext>
-            </a:extLst>
-          </p:cNvPr>
-          <p:cNvPicPr>
-            <a:picLocks noChangeAspect="1" noChangeArrowheads="1"/>
-          </p:cNvPicPr>
-          <p:nvPr/>
-        </p:nvPicPr>
-        <p:blipFill>
-          <a:blip r:embed="rId2">
-            <a:extLst>
-              <a:ext uri="{28A0092B-C50C-407E-A947-70E740481C1C}">
-                <a14:useLocalDpi xmlns:a14="http://schemas.microsoft.com/office/drawing/2010/main" val="0"/>
-              </a:ext>
-            </a:extLst>
-          </a:blip>
-          <a:srcRect/>
-          <a:stretch>
-            <a:fillRect/>
-          </a:stretch>
-        </p:blipFill>
-        <p:spPr bwMode="auto">
-          <a:xfrm>
-            <a:off x="1238250" y="1628800"/>
-            <a:ext cx="6667500" cy="4238625"/>
-          </a:xfrm>
-          <a:prstGeom prst="rect">
-            <a:avLst/>
-          </a:prstGeom>
-          <a:noFill/>
-          <a:extLst>
-            <a:ext uri="{909E8E84-426E-40DD-AFC4-6F175D3DCCD1}">
-              <a14:hiddenFill xmlns:a14="http://schemas.microsoft.com/office/drawing/2010/main">
-                <a:solidFill>
-                  <a:srgbClr val="FFFFFF"/>
-                </a:solidFill>
-              </a14:hiddenFill>
-            </a:ext>
-          </a:extLst>
-        </p:spPr>
-      </p:pic>
-    </p:spTree>
-    <p:extLst>
-      <p:ext uri="{BB962C8B-B14F-4D97-AF65-F5344CB8AC3E}">
-        <p14:creationId xmlns:p14="http://schemas.microsoft.com/office/powerpoint/2010/main" val="1405976825"/>
-      </p:ext>
-    </p:extLst>
-  </p:cSld>
-  <p:clrMapOvr>
-    <a:masterClrMapping/>
-  </p:clrMapOvr>
-</p:sld>
-</file>
-
-<file path=ppt/slides/slide22.xml><?xml version="1.0" encoding="utf-8"?>
 <p:sld xmlns:a="http://schemas.openxmlformats.org/drawingml/2006/main" xmlns:r="http://schemas.openxmlformats.org/officeDocument/2006/relationships" xmlns:p="http://schemas.openxmlformats.org/presentationml/2006/main">
   <p:cSld>
     <p:spTree>
@@ -15643,7 +15484,7 @@
 </p:sld>
 </file>
 
-<file path=ppt/slides/slide23.xml><?xml version="1.0" encoding="utf-8"?>
+<file path=ppt/slides/slide22.xml><?xml version="1.0" encoding="utf-8"?>
 <p:sld xmlns:a="http://schemas.openxmlformats.org/drawingml/2006/main" xmlns:r="http://schemas.openxmlformats.org/officeDocument/2006/relationships" xmlns:p="http://schemas.openxmlformats.org/presentationml/2006/main">
   <p:cSld>
     <p:spTree>
@@ -15675,7 +15516,7 @@
           <p:nvPr>
             <p:extLst>
               <p:ext uri="{D42A27DB-BD31-4B8C-83A1-F6EECF244321}">
-                <p14:modId xmlns:p14="http://schemas.microsoft.com/office/powerpoint/2010/main" val="3322098804"/>
+                <p14:modId xmlns:p14="http://schemas.microsoft.com/office/powerpoint/2010/main" val="3984460483"/>
               </p:ext>
             </p:extLst>
           </p:nvPr>
@@ -15712,7 +15553,7 @@
                     <a:p>
                       <a:pPr algn="ctr" fontAlgn="t"/>
                       <a:r>
-                        <a:rPr lang="ru-RU" sz="3200" b="1" dirty="0">
+                        <a:rPr lang="ru-RU" sz="2400" b="0" dirty="0">
                           <a:solidFill>
                             <a:schemeClr val="bg2">
                               <a:lumMod val="75000"/>
@@ -15724,7 +15565,7 @@
                         <a:t>Драйверы </a:t>
                       </a:r>
                       <a:r>
-                        <a:rPr lang="en-US" sz="3200" b="1" dirty="0">
+                        <a:rPr lang="en-US" sz="2400" b="0" dirty="0">
                           <a:solidFill>
                             <a:schemeClr val="bg2">
                               <a:lumMod val="75000"/>
@@ -15735,15 +15576,6 @@
                         </a:rPr>
                         <a:t>iFIX</a:t>
                       </a:r>
-                      <a:endParaRPr lang="en-US" sz="3200" b="0" dirty="0">
-                        <a:solidFill>
-                          <a:schemeClr val="bg2">
-                            <a:lumMod val="75000"/>
-                          </a:schemeClr>
-                        </a:solidFill>
-                        <a:effectLst/>
-                        <a:latin typeface="+mj-lt"/>
-                      </a:endParaRPr>
                     </a:p>
                   </a:txBody>
                   <a:tcPr marL="38100" marR="38100" marT="38100" marB="38100">
@@ -16275,7 +16107,7 @@
 </p:sld>
 </file>
 
-<file path=ppt/slides/slide24.xml><?xml version="1.0" encoding="utf-8"?>
+<file path=ppt/slides/slide23.xml><?xml version="1.0" encoding="utf-8"?>
 <p:sld xmlns:a="http://schemas.openxmlformats.org/drawingml/2006/main" xmlns:r="http://schemas.openxmlformats.org/officeDocument/2006/relationships" xmlns:p="http://schemas.openxmlformats.org/presentationml/2006/main">
   <p:cSld>
     <p:spTree>
@@ -16308,7 +16140,7 @@
         </p:nvSpPr>
         <p:spPr>
           <a:xfrm>
-            <a:off x="1835696" y="428787"/>
+            <a:off x="2843808" y="467003"/>
             <a:ext cx="6020195" cy="1354089"/>
           </a:xfrm>
           <a:prstGeom prst="rect">
@@ -16553,7 +16385,7 @@
 </p:sld>
 </file>
 
-<file path=ppt/slides/slide25.xml><?xml version="1.0" encoding="utf-8"?>
+<file path=ppt/slides/slide24.xml><?xml version="1.0" encoding="utf-8"?>
 <p:sld xmlns:a="http://schemas.openxmlformats.org/drawingml/2006/main" xmlns:r="http://schemas.openxmlformats.org/officeDocument/2006/relationships" xmlns:p="http://schemas.openxmlformats.org/presentationml/2006/main">
   <p:cSld>
     <p:spTree>
@@ -16584,8 +16416,8 @@
         </p:nvSpPr>
         <p:spPr>
           <a:xfrm>
-            <a:off x="2915816" y="404664"/>
-            <a:ext cx="3888432" cy="721736"/>
+            <a:off x="2843808" y="332656"/>
+            <a:ext cx="3888432" cy="470000"/>
           </a:xfrm>
           <a:prstGeom prst="rect">
             <a:avLst/>
@@ -16606,7 +16438,7 @@
               </a:spcAft>
             </a:pPr>
             <a:r>
-              <a:rPr lang="ru-RU" sz="4000" dirty="0" err="1">
+              <a:rPr lang="ru-RU" sz="2400" dirty="0" err="1">
                 <a:solidFill>
                   <a:schemeClr val="bg2">
                     <a:lumMod val="75000"/>
@@ -16619,7 +16451,7 @@
               <a:t>System</a:t>
             </a:r>
             <a:r>
-              <a:rPr lang="ru-RU" sz="4000" dirty="0">
+              <a:rPr lang="ru-RU" sz="2400" dirty="0">
                 <a:solidFill>
                   <a:schemeClr val="bg2">
                     <a:lumMod val="75000"/>
@@ -16632,7 +16464,7 @@
               <a:t> </a:t>
             </a:r>
             <a:r>
-              <a:rPr lang="ru-RU" sz="4000" dirty="0" err="1">
+              <a:rPr lang="ru-RU" sz="2400" dirty="0" err="1">
                 <a:solidFill>
                   <a:schemeClr val="bg2">
                     <a:lumMod val="75000"/>
@@ -16645,7 +16477,7 @@
               <a:t>Platform</a:t>
             </a:r>
             <a:r>
-              <a:rPr lang="ru-RU" sz="4000" dirty="0">
+              <a:rPr lang="ru-RU" sz="2400" dirty="0">
                 <a:solidFill>
                   <a:schemeClr val="bg2">
                     <a:lumMod val="75000"/>
@@ -16657,7 +16489,7 @@
               </a:rPr>
               <a:t>.</a:t>
             </a:r>
-            <a:endParaRPr lang="ru-RU" sz="4000" dirty="0">
+            <a:endParaRPr lang="ru-RU" sz="2400" dirty="0">
               <a:solidFill>
                 <a:schemeClr val="bg2">
                   <a:lumMod val="75000"/>
@@ -16886,7 +16718,7 @@
 </p:sld>
 </file>
 
-<file path=ppt/slides/slide26.xml><?xml version="1.0" encoding="utf-8"?>
+<file path=ppt/slides/slide25.xml><?xml version="1.0" encoding="utf-8"?>
 <p:sld xmlns:a="http://schemas.openxmlformats.org/drawingml/2006/main" xmlns:r="http://schemas.openxmlformats.org/officeDocument/2006/relationships" xmlns:p="http://schemas.openxmlformats.org/presentationml/2006/main">
   <p:cSld>
     <p:spTree>
@@ -17164,7 +16996,7 @@
 </p:sld>
 </file>
 
-<file path=ppt/slides/slide27.xml><?xml version="1.0" encoding="utf-8"?>
+<file path=ppt/slides/slide26.xml><?xml version="1.0" encoding="utf-8"?>
 <p:sld xmlns:a="http://schemas.openxmlformats.org/drawingml/2006/main" xmlns:r="http://schemas.openxmlformats.org/officeDocument/2006/relationships" xmlns:p="http://schemas.openxmlformats.org/presentationml/2006/main">
   <p:cSld>
     <p:spTree>
@@ -17460,7 +17292,7 @@
 </p:sld>
 </file>
 
-<file path=ppt/slides/slide28.xml><?xml version="1.0" encoding="utf-8"?>
+<file path=ppt/slides/slide27.xml><?xml version="1.0" encoding="utf-8"?>
 <p:sld xmlns:a="http://schemas.openxmlformats.org/drawingml/2006/main" xmlns:r="http://schemas.openxmlformats.org/officeDocument/2006/relationships" xmlns:p="http://schemas.openxmlformats.org/presentationml/2006/main">
   <p:cSld>
     <p:spTree>
@@ -17492,7 +17324,7 @@
         <p:spPr>
           <a:xfrm>
             <a:off x="2699792" y="476672"/>
-            <a:ext cx="3240360" cy="707886"/>
+            <a:ext cx="3240360" cy="461665"/>
           </a:xfrm>
           <a:prstGeom prst="rect">
             <a:avLst/>
@@ -17506,7 +17338,7 @@
           <a:p>
             <a:pPr algn="ctr"/>
             <a:r>
-              <a:rPr lang="ru-RU" sz="4000" dirty="0" err="1">
+              <a:rPr lang="ru-RU" sz="2400" dirty="0" err="1">
                 <a:solidFill>
                   <a:schemeClr val="bg2">
                     <a:lumMod val="75000"/>
@@ -17519,7 +17351,7 @@
               <a:t>WinCC</a:t>
             </a:r>
             <a:r>
-              <a:rPr lang="ru-RU" sz="4000" dirty="0">
+              <a:rPr lang="ru-RU" sz="2400" dirty="0">
                 <a:solidFill>
                   <a:schemeClr val="bg2">
                     <a:lumMod val="75000"/>
@@ -17531,7 +17363,7 @@
               </a:rPr>
               <a:t> OA</a:t>
             </a:r>
-            <a:endParaRPr lang="ru-RU" sz="4000" dirty="0">
+            <a:endParaRPr lang="ru-RU" sz="2400" dirty="0">
               <a:solidFill>
                 <a:schemeClr val="bg2">
                   <a:lumMod val="75000"/>
@@ -17935,9 +17767,157 @@
 </p:sld>
 </file>
 
+<file path=ppt/slides/slide28.xml><?xml version="1.0" encoding="utf-8"?>
+<p:sld xmlns:a="http://schemas.openxmlformats.org/drawingml/2006/main" xmlns:r="http://schemas.openxmlformats.org/officeDocument/2006/relationships" xmlns:p="http://schemas.openxmlformats.org/presentationml/2006/main">
+  <p:cSld>
+    <p:spTree>
+      <p:nvGrpSpPr>
+        <p:cNvPr id="1" name=""/>
+        <p:cNvGrpSpPr/>
+        <p:nvPr/>
+      </p:nvGrpSpPr>
+      <p:grpSpPr>
+        <a:xfrm>
+          <a:off x="0" y="0"/>
+          <a:ext cx="0" cy="0"/>
+          <a:chOff x="0" y="0"/>
+          <a:chExt cx="0" cy="0"/>
+        </a:xfrm>
+      </p:grpSpPr>
+      <p:pic>
+        <p:nvPicPr>
+          <p:cNvPr id="1026" name="Picture 2">
+            <a:extLst>
+              <a:ext uri="{FF2B5EF4-FFF2-40B4-BE49-F238E27FC236}">
+                <a16:creationId xmlns:a16="http://schemas.microsoft.com/office/drawing/2014/main" id="{A890DBBF-328B-45A0-B734-A50B17AD63E6}"/>
+              </a:ext>
+            </a:extLst>
+          </p:cNvPr>
+          <p:cNvPicPr>
+            <a:picLocks noChangeAspect="1" noChangeArrowheads="1"/>
+          </p:cNvPicPr>
+          <p:nvPr/>
+        </p:nvPicPr>
+        <p:blipFill>
+          <a:blip r:embed="rId2">
+            <a:extLst>
+              <a:ext uri="{28A0092B-C50C-407E-A947-70E740481C1C}">
+                <a14:useLocalDpi xmlns:a14="http://schemas.microsoft.com/office/drawing/2010/main" val="0"/>
+              </a:ext>
+            </a:extLst>
+          </a:blip>
+          <a:srcRect/>
+          <a:stretch>
+            <a:fillRect/>
+          </a:stretch>
+        </p:blipFill>
+        <p:spPr bwMode="auto">
+          <a:xfrm>
+            <a:off x="1223628" y="1700808"/>
+            <a:ext cx="6696744" cy="4118498"/>
+          </a:xfrm>
+          <a:prstGeom prst="rect">
+            <a:avLst/>
+          </a:prstGeom>
+          <a:noFill/>
+          <a:extLst>
+            <a:ext uri="{909E8E84-426E-40DD-AFC4-6F175D3DCCD1}">
+              <a14:hiddenFill xmlns:a14="http://schemas.microsoft.com/office/drawing/2010/main">
+                <a:solidFill>
+                  <a:srgbClr val="FFFFFF"/>
+                </a:solidFill>
+              </a14:hiddenFill>
+            </a:ext>
+          </a:extLst>
+        </p:spPr>
+      </p:pic>
+      <p:sp>
+        <p:nvSpPr>
+          <p:cNvPr id="2" name="TextBox 1">
+            <a:extLst>
+              <a:ext uri="{FF2B5EF4-FFF2-40B4-BE49-F238E27FC236}">
+                <a16:creationId xmlns:a16="http://schemas.microsoft.com/office/drawing/2014/main" id="{8939270C-7238-4D87-87A2-126EEED48AE9}"/>
+              </a:ext>
+            </a:extLst>
+          </p:cNvPr>
+          <p:cNvSpPr txBox="1"/>
+          <p:nvPr/>
+        </p:nvSpPr>
+        <p:spPr>
+          <a:xfrm>
+            <a:off x="3491880" y="577029"/>
+            <a:ext cx="1801199" cy="461665"/>
+          </a:xfrm>
+          <a:prstGeom prst="rect">
+            <a:avLst/>
+          </a:prstGeom>
+          <a:noFill/>
+        </p:spPr>
+        <p:txBody>
+          <a:bodyPr wrap="none" rtlCol="0">
+            <a:spAutoFit/>
+          </a:bodyPr>
+          <a:lstStyle/>
+          <a:p>
+            <a:r>
+              <a:rPr lang="ru-RU" sz="2400" dirty="0">
+                <a:solidFill>
+                  <a:schemeClr val="bg2">
+                    <a:lumMod val="75000"/>
+                  </a:schemeClr>
+                </a:solidFill>
+                <a:latin typeface="+mj-lt"/>
+              </a:rPr>
+              <a:t>Архитектура</a:t>
+            </a:r>
+          </a:p>
+        </p:txBody>
+      </p:sp>
+    </p:spTree>
+    <p:extLst>
+      <p:ext uri="{BB962C8B-B14F-4D97-AF65-F5344CB8AC3E}">
+        <p14:creationId xmlns:p14="http://schemas.microsoft.com/office/powerpoint/2010/main" val="3377644875"/>
+      </p:ext>
+    </p:extLst>
+  </p:cSld>
+  <p:clrMapOvr>
+    <a:masterClrMapping/>
+  </p:clrMapOvr>
+</p:sld>
+</file>
+
 <file path=ppt/slides/slide3.xml><?xml version="1.0" encoding="utf-8"?>
 <p:sld xmlns:a="http://schemas.openxmlformats.org/drawingml/2006/main" xmlns:r="http://schemas.openxmlformats.org/officeDocument/2006/relationships" xmlns:p="http://schemas.openxmlformats.org/presentationml/2006/main">
   <p:cSld>
+    <p:bg>
+      <p:bgPr>
+        <a:blipFill dpi="0" rotWithShape="1">
+          <a:blip r:embed="rId3">
+            <a:alphaModFix amt="0"/>
+            <a:duotone>
+              <a:schemeClr val="bg2">
+                <a:shade val="88000"/>
+                <a:hueMod val="106000"/>
+                <a:satMod val="140000"/>
+                <a:lumMod val="54000"/>
+              </a:schemeClr>
+              <a:schemeClr val="bg2">
+                <a:tint val="98000"/>
+                <a:hueMod val="90000"/>
+                <a:satMod val="150000"/>
+                <a:lumMod val="160000"/>
+              </a:schemeClr>
+            </a:duotone>
+            <a:lum/>
+          </a:blip>
+          <a:srcRect/>
+          <a:stretch>
+            <a:fillRect/>
+          </a:stretch>
+        </a:blipFill>
+        <a:effectLst/>
+      </p:bgPr>
+    </p:bg>
     <p:spTree>
       <p:nvGrpSpPr>
         <p:cNvPr id="1" name=""/>
@@ -17970,7 +17950,7 @@
         </p:nvSpPr>
         <p:spPr>
           <a:xfrm>
-            <a:off x="2046449" y="476672"/>
+            <a:off x="1938638" y="476672"/>
             <a:ext cx="6020195" cy="1354089"/>
           </a:xfrm>
         </p:spPr>
@@ -18020,7 +18000,7 @@
           <p:nvPr/>
         </p:nvPicPr>
         <p:blipFill>
-          <a:blip r:embed="rId2">
+          <a:blip r:embed="rId4">
             <a:extLst>
               <a:ext uri="{28A0092B-C50C-407E-A947-70E740481C1C}">
                 <a14:useLocalDpi xmlns:a14="http://schemas.microsoft.com/office/drawing/2010/main" val="0"/>
@@ -18033,7 +18013,7 @@
         </p:blipFill>
         <p:spPr>
           <a:xfrm>
-            <a:off x="1835696" y="1268760"/>
+            <a:off x="1835695" y="1268760"/>
             <a:ext cx="6226080" cy="4869602"/>
           </a:xfrm>
           <a:prstGeom prst="rect">
@@ -18047,7 +18027,7 @@
     </p:spTree>
   </p:cSld>
   <p:clrMapOvr>
-    <a:masterClrMapping/>
+    <a:overrideClrMapping bg1="dk1" tx1="lt1" bg2="dk2" tx2="lt2" accent1="accent1" accent2="accent2" accent3="accent3" accent4="accent4" accent5="accent5" accent6="accent6" hlink="hlink" folHlink="folHlink"/>
   </p:clrMapOvr>
 </p:sld>
 </file>
@@ -18092,26 +18072,30 @@
           </a:xfrm>
         </p:spPr>
         <p:txBody>
-          <a:bodyPr/>
+          <a:bodyPr>
+            <a:normAutofit/>
+          </a:bodyPr>
           <a:lstStyle/>
           <a:p>
             <a:pPr algn="ctr"/>
             <a:r>
-              <a:rPr lang="en-US" dirty="0">
+              <a:rPr lang="en-US" sz="2400" dirty="0">
                 <a:solidFill>
                   <a:schemeClr val="bg2">
                     <a:lumMod val="75000"/>
                   </a:schemeClr>
                 </a:solidFill>
+                <a:latin typeface="+mn-lt"/>
               </a:rPr>
               <a:t>Intouch me</a:t>
             </a:r>
-            <a:endParaRPr lang="ru-RU" dirty="0">
+            <a:endParaRPr lang="ru-RU" sz="2400" dirty="0">
               <a:solidFill>
                 <a:schemeClr val="bg2">
                   <a:lumMod val="75000"/>
                 </a:schemeClr>
               </a:solidFill>
+              <a:latin typeface="+mn-lt"/>
             </a:endParaRPr>
           </a:p>
         </p:txBody>
@@ -18148,7 +18132,7 @@
               <a:buNone/>
             </a:pPr>
             <a:r>
-              <a:rPr lang="ru-RU" dirty="0">
+              <a:rPr lang="ru-RU" sz="2000" dirty="0">
                 <a:solidFill>
                   <a:schemeClr val="bg2">
                     <a:lumMod val="75000"/>
@@ -18161,7 +18145,7 @@
           <a:p>
             <a:pPr lvl="0"/>
             <a:r>
-              <a:rPr lang="ru-RU" dirty="0">
+              <a:rPr lang="ru-RU" sz="2000" dirty="0">
                 <a:solidFill>
                   <a:schemeClr val="bg2">
                     <a:lumMod val="75000"/>
@@ -18171,7 +18155,7 @@
               <a:t>Система распределенных </a:t>
             </a:r>
             <a:r>
-              <a:rPr lang="ru-RU" dirty="0" err="1">
+              <a:rPr lang="ru-RU" sz="2000" dirty="0" err="1">
                 <a:solidFill>
                   <a:schemeClr val="bg2">
                     <a:lumMod val="75000"/>
@@ -18180,7 +18164,7 @@
               </a:rPr>
               <a:t>алармов</a:t>
             </a:r>
-            <a:endParaRPr lang="en-US" dirty="0">
+            <a:endParaRPr lang="en-US" sz="2000" dirty="0">
               <a:solidFill>
                 <a:schemeClr val="bg2">
                   <a:lumMod val="75000"/>
@@ -18191,7 +18175,7 @@
           <a:p>
             <a:pPr lvl="0"/>
             <a:r>
-              <a:rPr lang="ru-RU" dirty="0">
+              <a:rPr lang="ru-RU" sz="2000" dirty="0">
                 <a:solidFill>
                   <a:schemeClr val="bg2">
                     <a:lumMod val="75000"/>
@@ -18204,7 +18188,7 @@
           <a:p>
             <a:pPr lvl="0"/>
             <a:r>
-              <a:rPr lang="ru-RU" dirty="0">
+              <a:rPr lang="ru-RU" sz="2000" dirty="0">
                 <a:solidFill>
                   <a:schemeClr val="bg2">
                     <a:lumMod val="75000"/>
@@ -18217,7 +18201,7 @@
           <a:p>
             <a:pPr lvl="0"/>
             <a:r>
-              <a:rPr lang="ru-RU" dirty="0">
+              <a:rPr lang="ru-RU" sz="2000" dirty="0">
                 <a:solidFill>
                   <a:schemeClr val="bg2">
                     <a:lumMod val="75000"/>
@@ -18230,7 +18214,7 @@
           <a:p>
             <a:pPr lvl="0"/>
             <a:r>
-              <a:rPr lang="ru-RU" dirty="0">
+              <a:rPr lang="ru-RU" sz="2000" dirty="0">
                 <a:solidFill>
                   <a:schemeClr val="bg2">
                     <a:lumMod val="75000"/>
@@ -18286,8 +18270,8 @@
         </p:nvSpPr>
         <p:spPr>
           <a:xfrm>
-            <a:off x="1155748" y="764704"/>
-            <a:ext cx="6956520" cy="584775"/>
+            <a:off x="1494729" y="620688"/>
+            <a:ext cx="5262723" cy="461665"/>
           </a:xfrm>
           <a:prstGeom prst="rect">
             <a:avLst/>
@@ -18300,7 +18284,7 @@
           <a:lstStyle/>
           <a:p>
             <a:r>
-              <a:rPr lang="ru-RU" sz="3200" dirty="0">
+              <a:rPr lang="ru-RU" sz="2400" dirty="0">
                 <a:solidFill>
                   <a:schemeClr val="bg2">
                     <a:lumMod val="50000"/>
@@ -18310,7 +18294,7 @@
               <a:t>Поддерживаемые архитектуры </a:t>
             </a:r>
             <a:r>
-              <a:rPr lang="en-US" sz="3200" dirty="0">
+              <a:rPr lang="en-US" sz="2400" dirty="0">
                 <a:solidFill>
                   <a:schemeClr val="bg2">
                     <a:lumMod val="50000"/>
@@ -18319,7 +18303,7 @@
               </a:rPr>
               <a:t>InTouch</a:t>
             </a:r>
-            <a:endParaRPr lang="ru-RU" sz="3200" dirty="0">
+            <a:endParaRPr lang="ru-RU" sz="2400" dirty="0">
               <a:solidFill>
                 <a:schemeClr val="bg2">
                   <a:lumMod val="50000"/>
@@ -18343,8 +18327,8 @@
         </p:nvSpPr>
         <p:spPr>
           <a:xfrm>
-            <a:off x="1355392" y="1874728"/>
-            <a:ext cx="6756876" cy="3108543"/>
+            <a:off x="1907704" y="1844824"/>
+            <a:ext cx="4584760" cy="2246769"/>
           </a:xfrm>
           <a:prstGeom prst="rect">
             <a:avLst/>
@@ -18357,7 +18341,7 @@
           <a:lstStyle/>
           <a:p>
             <a:r>
-              <a:rPr lang="ru-RU" sz="2800" dirty="0">
+              <a:rPr lang="ru-RU" sz="2000" dirty="0">
                 <a:solidFill>
                   <a:schemeClr val="bg2">
                     <a:lumMod val="50000"/>
@@ -18367,7 +18351,7 @@
               <a:t>Поддерживаются следующие сетевые архитектуры </a:t>
             </a:r>
             <a:r>
-              <a:rPr lang="ru-RU" sz="2800" dirty="0" err="1">
+              <a:rPr lang="ru-RU" sz="2000" dirty="0" err="1">
                 <a:solidFill>
                   <a:schemeClr val="bg2">
                     <a:lumMod val="50000"/>
@@ -18377,7 +18361,7 @@
               <a:t>InTouch</a:t>
             </a:r>
             <a:r>
-              <a:rPr lang="ru-RU" sz="2800" dirty="0">
+              <a:rPr lang="ru-RU" sz="2000" dirty="0">
                 <a:solidFill>
                   <a:schemeClr val="bg2">
                     <a:lumMod val="50000"/>
@@ -18386,7 +18370,7 @@
               </a:rPr>
               <a:t>:</a:t>
             </a:r>
-            <a:endParaRPr lang="en-US" sz="2800" dirty="0">
+            <a:endParaRPr lang="en-US" sz="2000" dirty="0">
               <a:solidFill>
                 <a:schemeClr val="bg2">
                   <a:lumMod val="50000"/>
@@ -18396,7 +18380,7 @@
           </a:p>
           <a:p>
             <a:r>
-              <a:rPr lang="ru-RU" sz="2800" dirty="0">
+              <a:rPr lang="ru-RU" sz="2000" dirty="0">
                 <a:solidFill>
                   <a:schemeClr val="bg2">
                     <a:lumMod val="50000"/>
@@ -18406,7 +18390,7 @@
               <a:t>• </a:t>
             </a:r>
             <a:r>
-              <a:rPr lang="ru-RU" sz="2800" dirty="0" err="1">
+              <a:rPr lang="ru-RU" sz="2000" dirty="0" err="1">
                 <a:solidFill>
                   <a:schemeClr val="bg2">
                     <a:lumMod val="50000"/>
@@ -18416,7 +18400,7 @@
               <a:t>однокомпьютерная</a:t>
             </a:r>
             <a:r>
-              <a:rPr lang="ru-RU" sz="2800" dirty="0">
+              <a:rPr lang="ru-RU" sz="2000" dirty="0">
                 <a:solidFill>
                   <a:schemeClr val="bg2">
                     <a:lumMod val="50000"/>
@@ -18425,7 +18409,7 @@
               </a:rPr>
               <a:t>;</a:t>
             </a:r>
-            <a:endParaRPr lang="en-US" sz="2800" dirty="0">
+            <a:endParaRPr lang="en-US" sz="2000" dirty="0">
               <a:solidFill>
                 <a:schemeClr val="bg2">
                   <a:lumMod val="50000"/>
@@ -18435,7 +18419,7 @@
           </a:p>
           <a:p>
             <a:r>
-              <a:rPr lang="ru-RU" sz="2800" dirty="0">
+              <a:rPr lang="ru-RU" sz="2000" dirty="0">
                 <a:solidFill>
                   <a:schemeClr val="bg2">
                     <a:lumMod val="50000"/>
@@ -18444,7 +18428,7 @@
               </a:rPr>
               <a:t>• клиентская;</a:t>
             </a:r>
-            <a:endParaRPr lang="en-US" sz="2800" dirty="0">
+            <a:endParaRPr lang="en-US" sz="2000" dirty="0">
               <a:solidFill>
                 <a:schemeClr val="bg2">
                   <a:lumMod val="50000"/>
@@ -18454,7 +18438,7 @@
           </a:p>
           <a:p>
             <a:r>
-              <a:rPr lang="ru-RU" sz="2800" dirty="0">
+              <a:rPr lang="ru-RU" sz="2000" dirty="0">
                 <a:solidFill>
                   <a:schemeClr val="bg2">
                     <a:lumMod val="50000"/>
@@ -18463,7 +18447,7 @@
               </a:rPr>
               <a:t>• серверная;</a:t>
             </a:r>
-            <a:endParaRPr lang="en-US" sz="2800" dirty="0">
+            <a:endParaRPr lang="en-US" sz="2000" dirty="0">
               <a:solidFill>
                 <a:schemeClr val="bg2">
                   <a:lumMod val="50000"/>
@@ -18473,7 +18457,7 @@
           </a:p>
           <a:p>
             <a:r>
-              <a:rPr lang="ru-RU" sz="2800" dirty="0">
+              <a:rPr lang="ru-RU" sz="2000" dirty="0">
                 <a:solidFill>
                   <a:schemeClr val="bg2">
                     <a:lumMod val="50000"/>
@@ -18529,8 +18513,8 @@
         </p:nvSpPr>
         <p:spPr>
           <a:xfrm>
-            <a:off x="1475656" y="476672"/>
-            <a:ext cx="6192688" cy="584775"/>
+            <a:off x="1599517" y="620688"/>
+            <a:ext cx="6192688" cy="461665"/>
           </a:xfrm>
           <a:prstGeom prst="rect">
             <a:avLst/>
@@ -18542,8 +18526,9 @@
           </a:bodyPr>
           <a:lstStyle/>
           <a:p>
-            <a:r>
-              <a:rPr lang="ru-RU" sz="3200" dirty="0" err="1">
+            <a:pPr algn="ctr"/>
+            <a:r>
+              <a:rPr lang="ru-RU" sz="2400" dirty="0" err="1">
                 <a:solidFill>
                   <a:schemeClr val="bg2">
                     <a:lumMod val="50000"/>
@@ -18553,7 +18538,7 @@
               <a:t>Однокомпьютерная</a:t>
             </a:r>
             <a:r>
-              <a:rPr lang="ru-RU" sz="3200" dirty="0">
+              <a:rPr lang="ru-RU" sz="2400" dirty="0">
                 <a:solidFill>
                   <a:schemeClr val="bg2">
                     <a:lumMod val="50000"/>
@@ -18593,7 +18578,7 @@
         </p:blipFill>
         <p:spPr>
           <a:xfrm>
-            <a:off x="1331640" y="1837347"/>
+            <a:off x="1331639" y="2060848"/>
             <a:ext cx="6728443" cy="2920792"/>
           </a:xfrm>
           <a:prstGeom prst="rect">
@@ -18645,8 +18630,8 @@
         </p:nvSpPr>
         <p:spPr>
           <a:xfrm>
-            <a:off x="2374026" y="980728"/>
-            <a:ext cx="4395947" cy="584775"/>
+            <a:off x="2900837" y="764704"/>
+            <a:ext cx="3342325" cy="461665"/>
           </a:xfrm>
           <a:prstGeom prst="rect">
             <a:avLst/>
@@ -18659,7 +18644,7 @@
           <a:lstStyle/>
           <a:p>
             <a:r>
-              <a:rPr lang="ru-RU" sz="3200" dirty="0">
+              <a:rPr lang="ru-RU" sz="2400" dirty="0">
                 <a:solidFill>
                   <a:schemeClr val="bg2">
                     <a:lumMod val="50000"/>
@@ -18699,7 +18684,7 @@
         </p:blipFill>
         <p:spPr>
           <a:xfrm>
-            <a:off x="931183" y="2032084"/>
+            <a:off x="931183" y="2132856"/>
             <a:ext cx="7281634" cy="2322096"/>
           </a:xfrm>
           <a:prstGeom prst="rect">
@@ -18751,8 +18736,8 @@
         </p:nvSpPr>
         <p:spPr>
           <a:xfrm>
-            <a:off x="2430837" y="908720"/>
-            <a:ext cx="4282326" cy="584775"/>
+            <a:off x="2843808" y="764704"/>
+            <a:ext cx="3256725" cy="461665"/>
           </a:xfrm>
           <a:prstGeom prst="rect">
             <a:avLst/>
@@ -18765,7 +18750,7 @@
           <a:lstStyle/>
           <a:p>
             <a:r>
-              <a:rPr lang="ru-RU" sz="3200" dirty="0">
+              <a:rPr lang="ru-RU" sz="2400" dirty="0">
                 <a:solidFill>
                   <a:schemeClr val="bg2">
                     <a:lumMod val="50000"/>
@@ -18858,7 +18843,7 @@
         <p:spPr>
           <a:xfrm>
             <a:off x="1403648" y="476672"/>
-            <a:ext cx="6912768" cy="1077218"/>
+            <a:ext cx="6912768" cy="830997"/>
           </a:xfrm>
           <a:prstGeom prst="rect">
             <a:avLst/>
@@ -18871,7 +18856,7 @@
           <a:lstStyle/>
           <a:p>
             <a:r>
-              <a:rPr lang="ru-RU" sz="3200" dirty="0">
+              <a:rPr lang="ru-RU" sz="2400" dirty="0">
                 <a:solidFill>
                   <a:schemeClr val="bg2">
                     <a:lumMod val="50000"/>
@@ -19476,4 +19461,47 @@
     </a:ext>
   </a:extLst>
 </a:theme>
+</file>
+
+<file path=ppt/theme/themeOverride1.xml><?xml version="1.0" encoding="utf-8"?>
+<a:themeOverride xmlns:a="http://schemas.openxmlformats.org/drawingml/2006/main">
+  <a:clrScheme name="Контур">
+    <a:dk1>
+      <a:sysClr val="windowText" lastClr="000000"/>
+    </a:dk1>
+    <a:lt1>
+      <a:sysClr val="window" lastClr="FFFFFF"/>
+    </a:lt1>
+    <a:dk2>
+      <a:srgbClr val="134770"/>
+    </a:dk2>
+    <a:lt2>
+      <a:srgbClr val="82FFFF"/>
+    </a:lt2>
+    <a:accent1>
+      <a:srgbClr val="9ACD4C"/>
+    </a:accent1>
+    <a:accent2>
+      <a:srgbClr val="FAA93A"/>
+    </a:accent2>
+    <a:accent3>
+      <a:srgbClr val="D35940"/>
+    </a:accent3>
+    <a:accent4>
+      <a:srgbClr val="B258D3"/>
+    </a:accent4>
+    <a:accent5>
+      <a:srgbClr val="63A0CC"/>
+    </a:accent5>
+    <a:accent6>
+      <a:srgbClr val="8AC4A7"/>
+    </a:accent6>
+    <a:hlink>
+      <a:srgbClr val="B8FA56"/>
+    </a:hlink>
+    <a:folHlink>
+      <a:srgbClr val="7AF8CC"/>
+    </a:folHlink>
+  </a:clrScheme>
+</a:themeOverride>
 </file>
--- a/итоговая.pptx
+++ b/итоговая.pptx
@@ -5,37 +5,31 @@
     <p:sldMasterId id="2147483702" r:id="rId1"/>
   </p:sldMasterIdLst>
   <p:notesMasterIdLst>
-    <p:notesMasterId r:id="rId30"/>
+    <p:notesMasterId r:id="rId24"/>
   </p:notesMasterIdLst>
   <p:sldIdLst>
     <p:sldId id="267" r:id="rId2"/>
-    <p:sldId id="268" r:id="rId3"/>
-    <p:sldId id="265" r:id="rId4"/>
-    <p:sldId id="269" r:id="rId5"/>
-    <p:sldId id="275" r:id="rId6"/>
-    <p:sldId id="276" r:id="rId7"/>
-    <p:sldId id="277" r:id="rId8"/>
-    <p:sldId id="278" r:id="rId9"/>
-    <p:sldId id="279" r:id="rId10"/>
-    <p:sldId id="281" r:id="rId11"/>
-    <p:sldId id="280" r:id="rId12"/>
-    <p:sldId id="282" r:id="rId13"/>
-    <p:sldId id="284" r:id="rId14"/>
-    <p:sldId id="285" r:id="rId15"/>
-    <p:sldId id="286" r:id="rId16"/>
-    <p:sldId id="287" r:id="rId17"/>
-    <p:sldId id="288" r:id="rId18"/>
-    <p:sldId id="257" r:id="rId19"/>
-    <p:sldId id="271" r:id="rId20"/>
-    <p:sldId id="293" r:id="rId21"/>
-    <p:sldId id="291" r:id="rId22"/>
-    <p:sldId id="292" r:id="rId23"/>
-    <p:sldId id="261" r:id="rId24"/>
-    <p:sldId id="273" r:id="rId25"/>
-    <p:sldId id="274" r:id="rId26"/>
-    <p:sldId id="264" r:id="rId27"/>
-    <p:sldId id="272" r:id="rId28"/>
-    <p:sldId id="294" r:id="rId29"/>
+    <p:sldId id="269" r:id="rId3"/>
+    <p:sldId id="275" r:id="rId4"/>
+    <p:sldId id="276" r:id="rId5"/>
+    <p:sldId id="277" r:id="rId6"/>
+    <p:sldId id="278" r:id="rId7"/>
+    <p:sldId id="279" r:id="rId8"/>
+    <p:sldId id="281" r:id="rId9"/>
+    <p:sldId id="280" r:id="rId10"/>
+    <p:sldId id="282" r:id="rId11"/>
+    <p:sldId id="284" r:id="rId12"/>
+    <p:sldId id="285" r:id="rId13"/>
+    <p:sldId id="286" r:id="rId14"/>
+    <p:sldId id="287" r:id="rId15"/>
+    <p:sldId id="288" r:id="rId16"/>
+    <p:sldId id="271" r:id="rId17"/>
+    <p:sldId id="293" r:id="rId18"/>
+    <p:sldId id="291" r:id="rId19"/>
+    <p:sldId id="273" r:id="rId20"/>
+    <p:sldId id="274" r:id="rId21"/>
+    <p:sldId id="272" r:id="rId22"/>
+    <p:sldId id="294" r:id="rId23"/>
   </p:sldIdLst>
   <p:sldSz cx="9144000" cy="6858000" type="screen4x3"/>
   <p:notesSz cx="6858000" cy="9144000"/>
@@ -188,89 +182,6 @@
 </p:cmLst>
 </file>
 
-<file path=ppt/comments/comment2.xml><?xml version="1.0" encoding="utf-8"?>
-<p:cmLst xmlns:a="http://schemas.openxmlformats.org/drawingml/2006/main" xmlns:r="http://schemas.openxmlformats.org/officeDocument/2006/relationships" xmlns:p="http://schemas.openxmlformats.org/presentationml/2006/main">
-  <p:cm authorId="1" dt="2019-08-27T17:24:30.779" idx="4">
-    <p:pos x="5511" y="1108"/>
-    <p:text>Каждый вариант может включать выделенную инженерную станцию</p:text>
-    <p:extLst>
-      <p:ext uri="{C676402C-5697-4E1C-873F-D02D1690AC5C}">
-        <p15:threadingInfo xmlns:p15="http://schemas.microsoft.com/office/powerpoint/2012/main" timeZoneBias="-300"/>
-      </p:ext>
-    </p:extLst>
-  </p:cm>
-  <p:cm authorId="1" dt="2019-08-27T17:29:19.792" idx="6">
-    <p:pos x="4299" y="297"/>
-    <p:text>Пример - Intouch ME, InTouch</p:text>
-    <p:extLst>
-      <p:ext uri="{C676402C-5697-4E1C-873F-D02D1690AC5C}">
-        <p15:threadingInfo xmlns:p15="http://schemas.microsoft.com/office/powerpoint/2012/main" timeZoneBias="-300"/>
-      </p:ext>
-    </p:extLst>
-  </p:cm>
-</p:cmLst>
-</file>
-
-<file path=ppt/comments/comment3.xml><?xml version="1.0" encoding="utf-8"?>
-<p:cmLst xmlns:a="http://schemas.openxmlformats.org/drawingml/2006/main" xmlns:r="http://schemas.openxmlformats.org/officeDocument/2006/relationships" xmlns:p="http://schemas.openxmlformats.org/presentationml/2006/main">
-  <p:cm authorId="1" dt="2019-08-27T17:16:34.552" idx="3">
-    <p:pos x="4656" y="1131"/>
-    <p:text>В качестве инженерной станции можно нарисовать ноутбук</p:text>
-    <p:extLst>
-      <p:ext uri="{C676402C-5697-4E1C-873F-D02D1690AC5C}">
-        <p15:threadingInfo xmlns:p15="http://schemas.microsoft.com/office/powerpoint/2012/main" timeZoneBias="-300"/>
-      </p:ext>
-    </p:extLst>
-  </p:cm>
-  <p:cm authorId="1" dt="2019-08-27T17:32:02.554" idx="7">
-    <p:pos x="10" y="10"/>
-    <p:text>В качестве примера - iFix, Genesis64? WinCC</p:text>
-    <p:extLst>
-      <p:ext uri="{C676402C-5697-4E1C-873F-D02D1690AC5C}">
-        <p15:threadingInfo xmlns:p15="http://schemas.microsoft.com/office/powerpoint/2012/main" timeZoneBias="-300"/>
-      </p:ext>
-    </p:extLst>
-  </p:cm>
-</p:cmLst>
-</file>
-
-<file path=ppt/comments/comment4.xml><?xml version="1.0" encoding="utf-8"?>
-<p:cmLst xmlns:a="http://schemas.openxmlformats.org/drawingml/2006/main" xmlns:r="http://schemas.openxmlformats.org/officeDocument/2006/relationships" xmlns:p="http://schemas.openxmlformats.org/presentationml/2006/main">
-  <p:cm authorId="1" dt="2019-08-27T17:34:33.825" idx="8">
-    <p:pos x="3417" y="296"/>
-    <p:text>System Platform, WinCC OA</p:text>
-    <p:extLst>
-      <p:ext uri="{C676402C-5697-4E1C-873F-D02D1690AC5C}">
-        <p15:threadingInfo xmlns:p15="http://schemas.microsoft.com/office/powerpoint/2012/main" timeZoneBias="-300"/>
-      </p:ext>
-    </p:extLst>
-  </p:cm>
-</p:cmLst>
-</file>
-
-<file path=ppt/comments/comment5.xml><?xml version="1.0" encoding="utf-8"?>
-<p:cmLst xmlns:a="http://schemas.openxmlformats.org/drawingml/2006/main" xmlns:r="http://schemas.openxmlformats.org/officeDocument/2006/relationships" xmlns:p="http://schemas.openxmlformats.org/presentationml/2006/main">
-  <p:cm authorId="1" dt="2019-08-27T17:28:49.318" idx="5">
-    <p:pos x="10" y="10"/>
-    <p:text>Пример - PSC7 (Siemens) PlantStruXure PES (с натяжкой)</p:text>
-    <p:extLst>
-      <p:ext uri="{C676402C-5697-4E1C-873F-D02D1690AC5C}">
-        <p15:threadingInfo xmlns:p15="http://schemas.microsoft.com/office/powerpoint/2012/main" timeZoneBias="-300"/>
-      </p:ext>
-    </p:extLst>
-  </p:cm>
-  <p:cm authorId="1" dt="2019-08-27T17:36:29.680" idx="10">
-    <p:pos x="146" y="146"/>
-    <p:text>Идея: конфигурируется одновременно ПК и ПЛК</p:text>
-    <p:extLst>
-      <p:ext uri="{C676402C-5697-4E1C-873F-D02D1690AC5C}">
-        <p15:threadingInfo xmlns:p15="http://schemas.microsoft.com/office/powerpoint/2012/main" timeZoneBias="-300"/>
-      </p:ext>
-    </p:extLst>
-  </p:cm>
-</p:cmLst>
-</file>
-
 <file path=ppt/notesMasters/notesMaster1.xml><?xml version="1.0" encoding="utf-8"?>
 <p:notesMaster xmlns:a="http://schemas.openxmlformats.org/drawingml/2006/main" xmlns:r="http://schemas.openxmlformats.org/officeDocument/2006/relationships" xmlns:p="http://schemas.openxmlformats.org/presentationml/2006/main">
   <p:cSld>
@@ -353,7 +264,7 @@
           <a:p>
             <a:fld id="{5649F021-9FAB-4CEA-A96A-A2DB693E74C4}" type="datetimeFigureOut">
               <a:rPr lang="ru-RU" smtClean="0"/>
-              <a:t>23.12.2019</a:t>
+              <a:t>27.12.2019</a:t>
             </a:fld>
             <a:endParaRPr lang="ru-RU"/>
           </a:p>
@@ -685,7 +596,7 @@
           <a:p>
             <a:fld id="{B9DAF0DC-58A0-4B34-A3CD-6EF3340BA33A}" type="slidenum">
               <a:rPr lang="ru-RU" smtClean="0"/>
-              <a:t>12</a:t>
+              <a:t>10</a:t>
             </a:fld>
             <a:endParaRPr lang="ru-RU"/>
           </a:p>
@@ -4988,7 +4899,7 @@
             <a:fld id="{7EAF463A-BC7C-46EE-9F1E-7F377CCA4891}" type="datetimeFigureOut">
               <a:rPr lang="en-US" smtClean="0"/>
               <a:pPr/>
-              <a:t>12/23/2019</a:t>
+              <a:t>12/27/2019</a:t>
             </a:fld>
             <a:endParaRPr lang="en-US"/>
           </a:p>
@@ -5257,7 +5168,7 @@
             <a:fld id="{7EAF463A-BC7C-46EE-9F1E-7F377CCA4891}" type="datetimeFigureOut">
               <a:rPr lang="en-US" smtClean="0"/>
               <a:pPr/>
-              <a:t>12/23/2019</a:t>
+              <a:t>12/27/2019</a:t>
             </a:fld>
             <a:endParaRPr lang="en-US"/>
           </a:p>
@@ -5455,7 +5366,7 @@
             <a:fld id="{7EAF463A-BC7C-46EE-9F1E-7F377CCA4891}" type="datetimeFigureOut">
               <a:rPr lang="en-US" smtClean="0"/>
               <a:pPr/>
-              <a:t>12/23/2019</a:t>
+              <a:t>12/27/2019</a:t>
             </a:fld>
             <a:endParaRPr lang="en-US"/>
           </a:p>
@@ -5720,7 +5631,7 @@
             <a:fld id="{7EAF463A-BC7C-46EE-9F1E-7F377CCA4891}" type="datetimeFigureOut">
               <a:rPr lang="en-US" smtClean="0"/>
               <a:pPr/>
-              <a:t>12/23/2019</a:t>
+              <a:t>12/27/2019</a:t>
             </a:fld>
             <a:endParaRPr lang="en-US"/>
           </a:p>
@@ -6156,7 +6067,7 @@
             <a:fld id="{7EAF463A-BC7C-46EE-9F1E-7F377CCA4891}" type="datetimeFigureOut">
               <a:rPr lang="en-US" smtClean="0"/>
               <a:pPr/>
-              <a:t>12/23/2019</a:t>
+              <a:t>12/27/2019</a:t>
             </a:fld>
             <a:endParaRPr lang="en-US"/>
           </a:p>
@@ -6704,7 +6615,7 @@
             <a:fld id="{7EAF463A-BC7C-46EE-9F1E-7F377CCA4891}" type="datetimeFigureOut">
               <a:rPr lang="en-US" smtClean="0"/>
               <a:pPr/>
-              <a:t>12/23/2019</a:t>
+              <a:t>12/27/2019</a:t>
             </a:fld>
             <a:endParaRPr lang="en-US"/>
           </a:p>
@@ -7426,7 +7337,7 @@
             <a:fld id="{7EAF463A-BC7C-46EE-9F1E-7F377CCA4891}" type="datetimeFigureOut">
               <a:rPr lang="en-US" smtClean="0"/>
               <a:pPr/>
-              <a:t>12/23/2019</a:t>
+              <a:t>12/27/2019</a:t>
             </a:fld>
             <a:endParaRPr lang="en-US"/>
           </a:p>
@@ -7602,7 +7513,7 @@
             <a:fld id="{7EAF463A-BC7C-46EE-9F1E-7F377CCA4891}" type="datetimeFigureOut">
               <a:rPr lang="en-US" smtClean="0"/>
               <a:pPr/>
-              <a:t>12/23/2019</a:t>
+              <a:t>12/27/2019</a:t>
             </a:fld>
             <a:endParaRPr lang="en-US"/>
           </a:p>
@@ -7784,7 +7695,7 @@
             <a:fld id="{7EAF463A-BC7C-46EE-9F1E-7F377CCA4891}" type="datetimeFigureOut">
               <a:rPr lang="en-US" smtClean="0"/>
               <a:pPr/>
-              <a:t>12/23/2019</a:t>
+              <a:t>12/27/2019</a:t>
             </a:fld>
             <a:endParaRPr lang="en-US"/>
           </a:p>
@@ -7971,7 +7882,7 @@
             <a:fld id="{7EAF463A-BC7C-46EE-9F1E-7F377CCA4891}" type="datetimeFigureOut">
               <a:rPr lang="en-US" smtClean="0"/>
               <a:pPr/>
-              <a:t>12/23/2019</a:t>
+              <a:t>12/27/2019</a:t>
             </a:fld>
             <a:endParaRPr lang="en-US"/>
           </a:p>
@@ -8233,7 +8144,7 @@
             <a:fld id="{7EAF463A-BC7C-46EE-9F1E-7F377CCA4891}" type="datetimeFigureOut">
               <a:rPr lang="en-US" smtClean="0"/>
               <a:pPr/>
-              <a:t>12/23/2019</a:t>
+              <a:t>12/27/2019</a:t>
             </a:fld>
             <a:endParaRPr lang="en-US"/>
           </a:p>
@@ -8467,7 +8378,7 @@
             <a:fld id="{7EAF463A-BC7C-46EE-9F1E-7F377CCA4891}" type="datetimeFigureOut">
               <a:rPr lang="en-US" smtClean="0"/>
               <a:pPr/>
-              <a:t>12/23/2019</a:t>
+              <a:t>12/27/2019</a:t>
             </a:fld>
             <a:endParaRPr lang="en-US"/>
           </a:p>
@@ -8850,7 +8761,7 @@
             <a:fld id="{7EAF463A-BC7C-46EE-9F1E-7F377CCA4891}" type="datetimeFigureOut">
               <a:rPr lang="en-US" smtClean="0"/>
               <a:pPr/>
-              <a:t>12/23/2019</a:t>
+              <a:t>12/27/2019</a:t>
             </a:fld>
             <a:endParaRPr lang="en-US"/>
           </a:p>
@@ -8970,7 +8881,7 @@
             <a:fld id="{7EAF463A-BC7C-46EE-9F1E-7F377CCA4891}" type="datetimeFigureOut">
               <a:rPr lang="en-US" smtClean="0"/>
               <a:pPr/>
-              <a:t>12/23/2019</a:t>
+              <a:t>12/27/2019</a:t>
             </a:fld>
             <a:endParaRPr lang="en-US"/>
           </a:p>
@@ -9067,7 +8978,7 @@
             <a:fld id="{7EAF463A-BC7C-46EE-9F1E-7F377CCA4891}" type="datetimeFigureOut">
               <a:rPr lang="en-US" smtClean="0"/>
               <a:pPr/>
-              <a:t>12/23/2019</a:t>
+              <a:t>12/27/2019</a:t>
             </a:fld>
             <a:endParaRPr lang="en-US"/>
           </a:p>
@@ -9318,7 +9229,7 @@
             <a:fld id="{7EAF463A-BC7C-46EE-9F1E-7F377CCA4891}" type="datetimeFigureOut">
               <a:rPr lang="en-US" smtClean="0"/>
               <a:pPr/>
-              <a:t>12/23/2019</a:t>
+              <a:t>12/27/2019</a:t>
             </a:fld>
             <a:endParaRPr lang="en-US"/>
           </a:p>
@@ -9572,7 +9483,7 @@
             <a:fld id="{7EAF463A-BC7C-46EE-9F1E-7F377CCA4891}" type="datetimeFigureOut">
               <a:rPr lang="en-US" smtClean="0"/>
               <a:pPr/>
-              <a:t>12/23/2019</a:t>
+              <a:t>12/27/2019</a:t>
             </a:fld>
             <a:endParaRPr lang="en-US"/>
           </a:p>
@@ -12682,7 +12593,7 @@
             <a:fld id="{7EAF463A-BC7C-46EE-9F1E-7F377CCA4891}" type="datetimeFigureOut">
               <a:rPr lang="en-US" smtClean="0"/>
               <a:pPr/>
-              <a:t>12/23/2019</a:t>
+              <a:t>12/27/2019</a:t>
             </a:fld>
             <a:endParaRPr lang="en-US"/>
           </a:p>
@@ -13390,346 +13301,6 @@
           <p:cNvPr id="2" name="Прямоугольник 1">
             <a:extLst>
               <a:ext uri="{FF2B5EF4-FFF2-40B4-BE49-F238E27FC236}">
-                <a16:creationId xmlns:a16="http://schemas.microsoft.com/office/drawing/2014/main" id="{ECEDBA4B-B4C7-4358-9C1B-BADADF89DCB7}"/>
-              </a:ext>
-            </a:extLst>
-          </p:cNvPr>
-          <p:cNvSpPr/>
-          <p:nvPr/>
-        </p:nvSpPr>
-        <p:spPr>
-          <a:xfrm>
-            <a:off x="1187624" y="620688"/>
-            <a:ext cx="6768752" cy="830997"/>
-          </a:xfrm>
-          <a:prstGeom prst="rect">
-            <a:avLst/>
-          </a:prstGeom>
-        </p:spPr>
-        <p:txBody>
-          <a:bodyPr wrap="square">
-            <a:spAutoFit/>
-          </a:bodyPr>
-          <a:lstStyle/>
-          <a:p>
-            <a:r>
-              <a:rPr lang="ru-RU" sz="2400" dirty="0">
-                <a:solidFill>
-                  <a:schemeClr val="bg2">
-                    <a:lumMod val="50000"/>
-                  </a:schemeClr>
-                </a:solidFill>
-              </a:rPr>
-              <a:t>Факторы, учитываемые при планировании сетевых приложений</a:t>
-            </a:r>
-          </a:p>
-        </p:txBody>
-      </p:sp>
-      <p:sp>
-        <p:nvSpPr>
-          <p:cNvPr id="3" name="Прямоугольник 2">
-            <a:extLst>
-              <a:ext uri="{FF2B5EF4-FFF2-40B4-BE49-F238E27FC236}">
-                <a16:creationId xmlns:a16="http://schemas.microsoft.com/office/drawing/2014/main" id="{B5BC6CE6-3B97-4C89-9AA6-5A97B3AC5578}"/>
-              </a:ext>
-            </a:extLst>
-          </p:cNvPr>
-          <p:cNvSpPr/>
-          <p:nvPr/>
-        </p:nvSpPr>
-        <p:spPr>
-          <a:xfrm>
-            <a:off x="1331640" y="2060848"/>
-            <a:ext cx="6264696" cy="1938992"/>
-          </a:xfrm>
-          <a:prstGeom prst="rect">
-            <a:avLst/>
-          </a:prstGeom>
-        </p:spPr>
-        <p:txBody>
-          <a:bodyPr wrap="square">
-            <a:spAutoFit/>
-          </a:bodyPr>
-          <a:lstStyle/>
-          <a:p>
-            <a:r>
-              <a:rPr lang="ru-RU" sz="2000" dirty="0">
-                <a:solidFill>
-                  <a:schemeClr val="bg2">
-                    <a:lumMod val="50000"/>
-                  </a:schemeClr>
-                </a:solidFill>
-              </a:rPr>
-              <a:t>Независимо от архитектуры необходимо учитывать следующие факторы: </a:t>
-            </a:r>
-            <a:endParaRPr lang="en-US" sz="2000" dirty="0">
-              <a:solidFill>
-                <a:schemeClr val="bg2">
-                  <a:lumMod val="50000"/>
-                </a:schemeClr>
-              </a:solidFill>
-            </a:endParaRPr>
-          </a:p>
-          <a:p>
-            <a:r>
-              <a:rPr lang="ru-RU" sz="2000" dirty="0">
-                <a:solidFill>
-                  <a:schemeClr val="bg2">
-                    <a:lumMod val="50000"/>
-                  </a:schemeClr>
-                </a:solidFill>
-              </a:rPr>
-              <a:t>• доступ к источникам данных ввода-вывода; </a:t>
-            </a:r>
-            <a:endParaRPr lang="en-US" sz="2000" dirty="0">
-              <a:solidFill>
-                <a:schemeClr val="bg2">
-                  <a:lumMod val="50000"/>
-                </a:schemeClr>
-              </a:solidFill>
-            </a:endParaRPr>
-          </a:p>
-          <a:p>
-            <a:r>
-              <a:rPr lang="ru-RU" sz="2000" dirty="0">
-                <a:solidFill>
-                  <a:schemeClr val="bg2">
-                    <a:lumMod val="50000"/>
-                  </a:schemeClr>
-                </a:solidFill>
-              </a:rPr>
-              <a:t>• доступ к разделяемым файлам; </a:t>
-            </a:r>
-            <a:endParaRPr lang="en-US" sz="2000" dirty="0">
-              <a:solidFill>
-                <a:schemeClr val="bg2">
-                  <a:lumMod val="50000"/>
-                </a:schemeClr>
-              </a:solidFill>
-            </a:endParaRPr>
-          </a:p>
-          <a:p>
-            <a:r>
-              <a:rPr lang="ru-RU" sz="2000" dirty="0">
-                <a:solidFill>
-                  <a:schemeClr val="bg2">
-                    <a:lumMod val="50000"/>
-                  </a:schemeClr>
-                </a:solidFill>
-              </a:rPr>
-              <a:t>• место регистрации данных; </a:t>
-            </a:r>
-            <a:endParaRPr lang="en-US" sz="2000" dirty="0">
-              <a:solidFill>
-                <a:schemeClr val="bg2">
-                  <a:lumMod val="50000"/>
-                </a:schemeClr>
-              </a:solidFill>
-            </a:endParaRPr>
-          </a:p>
-          <a:p>
-            <a:r>
-              <a:rPr lang="ru-RU" sz="2000" dirty="0">
-                <a:solidFill>
-                  <a:schemeClr val="bg2">
-                    <a:lumMod val="50000"/>
-                  </a:schemeClr>
-                </a:solidFill>
-              </a:rPr>
-              <a:t>• особые требования, обусловленные сетью.</a:t>
-            </a:r>
-            <a:endParaRPr lang="ru-RU" sz="2000" dirty="0"/>
-          </a:p>
-        </p:txBody>
-      </p:sp>
-    </p:spTree>
-    <p:extLst>
-      <p:ext uri="{BB962C8B-B14F-4D97-AF65-F5344CB8AC3E}">
-        <p14:creationId xmlns:p14="http://schemas.microsoft.com/office/powerpoint/2010/main" val="282490486"/>
-      </p:ext>
-    </p:extLst>
-  </p:cSld>
-  <p:clrMapOvr>
-    <a:masterClrMapping/>
-  </p:clrMapOvr>
-</p:sld>
-</file>
-
-<file path=ppt/slides/slide11.xml><?xml version="1.0" encoding="utf-8"?>
-<p:sld xmlns:a="http://schemas.openxmlformats.org/drawingml/2006/main" xmlns:r="http://schemas.openxmlformats.org/officeDocument/2006/relationships" xmlns:p="http://schemas.openxmlformats.org/presentationml/2006/main">
-  <p:cSld>
-    <p:spTree>
-      <p:nvGrpSpPr>
-        <p:cNvPr id="1" name=""/>
-        <p:cNvGrpSpPr/>
-        <p:nvPr/>
-      </p:nvGrpSpPr>
-      <p:grpSpPr>
-        <a:xfrm>
-          <a:off x="0" y="0"/>
-          <a:ext cx="0" cy="0"/>
-          <a:chOff x="0" y="0"/>
-          <a:chExt cx="0" cy="0"/>
-        </a:xfrm>
-      </p:grpSpPr>
-      <p:sp>
-        <p:nvSpPr>
-          <p:cNvPr id="4" name="Прямоугольник 3">
-            <a:extLst>
-              <a:ext uri="{FF2B5EF4-FFF2-40B4-BE49-F238E27FC236}">
-                <a16:creationId xmlns:a16="http://schemas.microsoft.com/office/drawing/2014/main" id="{03BF0B7D-389A-4873-99D8-BB679AE106DA}"/>
-              </a:ext>
-            </a:extLst>
-          </p:cNvPr>
-          <p:cNvSpPr/>
-          <p:nvPr/>
-        </p:nvSpPr>
-        <p:spPr>
-          <a:xfrm>
-            <a:off x="800708" y="1426548"/>
-            <a:ext cx="7830616" cy="461665"/>
-          </a:xfrm>
-          <a:prstGeom prst="rect">
-            <a:avLst/>
-          </a:prstGeom>
-        </p:spPr>
-        <p:txBody>
-          <a:bodyPr wrap="square">
-            <a:spAutoFit/>
-          </a:bodyPr>
-          <a:lstStyle/>
-          <a:p>
-            <a:r>
-              <a:rPr lang="en-US" sz="2400" dirty="0">
-                <a:solidFill>
-                  <a:schemeClr val="bg2">
-                    <a:lumMod val="50000"/>
-                  </a:schemeClr>
-                </a:solidFill>
-              </a:rPr>
-              <a:t>	</a:t>
-            </a:r>
-            <a:endParaRPr lang="ru-RU" sz="2400" dirty="0">
-              <a:solidFill>
-                <a:schemeClr val="bg2">
-                  <a:lumMod val="50000"/>
-                </a:schemeClr>
-              </a:solidFill>
-            </a:endParaRPr>
-          </a:p>
-        </p:txBody>
-      </p:sp>
-      <p:sp>
-        <p:nvSpPr>
-          <p:cNvPr id="6" name="Прямоугольник 5">
-            <a:extLst>
-              <a:ext uri="{FF2B5EF4-FFF2-40B4-BE49-F238E27FC236}">
-                <a16:creationId xmlns:a16="http://schemas.microsoft.com/office/drawing/2014/main" id="{AB292E0B-A7CB-4CBA-A38D-66E5CF66F617}"/>
-              </a:ext>
-            </a:extLst>
-          </p:cNvPr>
-          <p:cNvSpPr/>
-          <p:nvPr/>
-        </p:nvSpPr>
-        <p:spPr>
-          <a:xfrm>
-            <a:off x="1331640" y="841773"/>
-            <a:ext cx="4667688" cy="461665"/>
-          </a:xfrm>
-          <a:prstGeom prst="rect">
-            <a:avLst/>
-          </a:prstGeom>
-        </p:spPr>
-        <p:txBody>
-          <a:bodyPr wrap="none">
-            <a:spAutoFit/>
-          </a:bodyPr>
-          <a:lstStyle/>
-          <a:p>
-            <a:r>
-              <a:rPr lang="ru-RU" sz="2400" dirty="0">
-                <a:solidFill>
-                  <a:schemeClr val="bg2">
-                    <a:lumMod val="50000"/>
-                  </a:schemeClr>
-                </a:solidFill>
-              </a:rPr>
-              <a:t>Глобальные адреса ввода-вывода</a:t>
-            </a:r>
-          </a:p>
-        </p:txBody>
-      </p:sp>
-      <p:pic>
-        <p:nvPicPr>
-          <p:cNvPr id="8" name="Рисунок 7">
-            <a:extLst>
-              <a:ext uri="{FF2B5EF4-FFF2-40B4-BE49-F238E27FC236}">
-                <a16:creationId xmlns:a16="http://schemas.microsoft.com/office/drawing/2014/main" id="{AA3BA316-A9E1-445C-9F90-8F5E0A6E4F4C}"/>
-              </a:ext>
-            </a:extLst>
-          </p:cNvPr>
-          <p:cNvPicPr>
-            <a:picLocks noChangeAspect="1"/>
-          </p:cNvPicPr>
-          <p:nvPr/>
-        </p:nvPicPr>
-        <p:blipFill>
-          <a:blip r:embed="rId2">
-            <a:extLst>
-              <a:ext uri="{28A0092B-C50C-407E-A947-70E740481C1C}">
-                <a14:useLocalDpi xmlns:a14="http://schemas.microsoft.com/office/drawing/2010/main" val="0"/>
-              </a:ext>
-            </a:extLst>
-          </a:blip>
-          <a:stretch>
-            <a:fillRect/>
-          </a:stretch>
-        </p:blipFill>
-        <p:spPr>
-          <a:xfrm>
-            <a:off x="964739" y="1860682"/>
-            <a:ext cx="7502554" cy="2447500"/>
-          </a:xfrm>
-          <a:prstGeom prst="rect">
-            <a:avLst/>
-          </a:prstGeom>
-        </p:spPr>
-      </p:pic>
-    </p:spTree>
-    <p:extLst>
-      <p:ext uri="{BB962C8B-B14F-4D97-AF65-F5344CB8AC3E}">
-        <p14:creationId xmlns:p14="http://schemas.microsoft.com/office/powerpoint/2010/main" val="1801005145"/>
-      </p:ext>
-    </p:extLst>
-  </p:cSld>
-  <p:clrMapOvr>
-    <a:masterClrMapping/>
-  </p:clrMapOvr>
-</p:sld>
-</file>
-
-<file path=ppt/slides/slide12.xml><?xml version="1.0" encoding="utf-8"?>
-<p:sld xmlns:a="http://schemas.openxmlformats.org/drawingml/2006/main" xmlns:r="http://schemas.openxmlformats.org/officeDocument/2006/relationships" xmlns:p="http://schemas.openxmlformats.org/presentationml/2006/main">
-  <p:cSld>
-    <p:spTree>
-      <p:nvGrpSpPr>
-        <p:cNvPr id="1" name=""/>
-        <p:cNvGrpSpPr/>
-        <p:nvPr/>
-      </p:nvGrpSpPr>
-      <p:grpSpPr>
-        <a:xfrm>
-          <a:off x="0" y="0"/>
-          <a:ext cx="0" cy="0"/>
-          <a:chOff x="0" y="0"/>
-          <a:chExt cx="0" cy="0"/>
-        </a:xfrm>
-      </p:grpSpPr>
-      <p:sp>
-        <p:nvSpPr>
-          <p:cNvPr id="2" name="Прямоугольник 1">
-            <a:extLst>
-              <a:ext uri="{FF2B5EF4-FFF2-40B4-BE49-F238E27FC236}">
                 <a16:creationId xmlns:a16="http://schemas.microsoft.com/office/drawing/2014/main" id="{04C473A7-4287-44D3-B665-A2EB1C012D61}"/>
               </a:ext>
             </a:extLst>
@@ -13814,7 +13385,7 @@
 </p:sld>
 </file>
 
-<file path=ppt/slides/slide13.xml><?xml version="1.0" encoding="utf-8"?>
+<file path=ppt/slides/slide11.xml><?xml version="1.0" encoding="utf-8"?>
 <p:sld xmlns:a="http://schemas.openxmlformats.org/drawingml/2006/main" xmlns:r="http://schemas.openxmlformats.org/officeDocument/2006/relationships" xmlns:p="http://schemas.openxmlformats.org/presentationml/2006/main">
   <p:cSld>
     <p:spTree>
@@ -13956,7 +13527,7 @@
 </p:sld>
 </file>
 
-<file path=ppt/slides/slide14.xml><?xml version="1.0" encoding="utf-8"?>
+<file path=ppt/slides/slide12.xml><?xml version="1.0" encoding="utf-8"?>
 <p:sld xmlns:a="http://schemas.openxmlformats.org/drawingml/2006/main" xmlns:r="http://schemas.openxmlformats.org/officeDocument/2006/relationships" xmlns:p="http://schemas.openxmlformats.org/presentationml/2006/main">
   <p:cSld>
     <p:spTree>
@@ -14062,7 +13633,7 @@
 </p:sld>
 </file>
 
-<file path=ppt/slides/slide15.xml><?xml version="1.0" encoding="utf-8"?>
+<file path=ppt/slides/slide13.xml><?xml version="1.0" encoding="utf-8"?>
 <p:sld xmlns:a="http://schemas.openxmlformats.org/drawingml/2006/main" xmlns:r="http://schemas.openxmlformats.org/officeDocument/2006/relationships" xmlns:p="http://schemas.openxmlformats.org/presentationml/2006/main">
   <p:cSld>
     <p:spTree>
@@ -14168,7 +13739,7 @@
 </p:sld>
 </file>
 
-<file path=ppt/slides/slide16.xml><?xml version="1.0" encoding="utf-8"?>
+<file path=ppt/slides/slide14.xml><?xml version="1.0" encoding="utf-8"?>
 <p:sld xmlns:a="http://schemas.openxmlformats.org/drawingml/2006/main" xmlns:r="http://schemas.openxmlformats.org/officeDocument/2006/relationships" xmlns:p="http://schemas.openxmlformats.org/presentationml/2006/main">
   <p:cSld>
     <p:spTree>
@@ -14274,7 +13845,7 @@
 </p:sld>
 </file>
 
-<file path=ppt/slides/slide17.xml><?xml version="1.0" encoding="utf-8"?>
+<file path=ppt/slides/slide15.xml><?xml version="1.0" encoding="utf-8"?>
 <p:sld xmlns:a="http://schemas.openxmlformats.org/drawingml/2006/main" xmlns:r="http://schemas.openxmlformats.org/officeDocument/2006/relationships" xmlns:p="http://schemas.openxmlformats.org/presentationml/2006/main">
   <p:cSld>
     <p:spTree>
@@ -14380,111 +13951,7 @@
 </p:sld>
 </file>
 
-<file path=ppt/slides/slide18.xml><?xml version="1.0" encoding="utf-8"?>
-<p:sld xmlns:a="http://schemas.openxmlformats.org/drawingml/2006/main" xmlns:r="http://schemas.openxmlformats.org/officeDocument/2006/relationships" xmlns:p="http://schemas.openxmlformats.org/presentationml/2006/main">
-  <p:cSld>
-    <p:spTree>
-      <p:nvGrpSpPr>
-        <p:cNvPr id="1" name=""/>
-        <p:cNvGrpSpPr/>
-        <p:nvPr/>
-      </p:nvGrpSpPr>
-      <p:grpSpPr>
-        <a:xfrm>
-          <a:off x="0" y="0"/>
-          <a:ext cx="0" cy="0"/>
-          <a:chOff x="0" y="0"/>
-          <a:chExt cx="0" cy="0"/>
-        </a:xfrm>
-      </p:grpSpPr>
-      <p:sp>
-        <p:nvSpPr>
-          <p:cNvPr id="4" name="Объект 2">
-            <a:extLst>
-              <a:ext uri="{FF2B5EF4-FFF2-40B4-BE49-F238E27FC236}">
-                <a16:creationId xmlns:a16="http://schemas.microsoft.com/office/drawing/2014/main" id="{39A692C9-6C8A-4D09-A3EA-DE4139139F7C}"/>
-              </a:ext>
-            </a:extLst>
-          </p:cNvPr>
-          <p:cNvSpPr>
-            <a:spLocks noGrp="1"/>
-          </p:cNvSpPr>
-          <p:nvPr>
-            <p:ph idx="1"/>
-          </p:nvPr>
-        </p:nvSpPr>
-        <p:spPr>
-          <a:xfrm>
-            <a:off x="2843808" y="332656"/>
-            <a:ext cx="3672408" cy="1354089"/>
-          </a:xfrm>
-        </p:spPr>
-        <p:txBody>
-          <a:bodyPr/>
-          <a:lstStyle/>
-          <a:p>
-            <a:pPr marL="0" indent="0">
-              <a:buNone/>
-            </a:pPr>
-            <a:r>
-              <a:rPr lang="ru-RU" dirty="0">
-                <a:solidFill>
-                  <a:schemeClr val="bg1"/>
-                </a:solidFill>
-              </a:rPr>
-              <a:t>Резервированная система</a:t>
-            </a:r>
-          </a:p>
-        </p:txBody>
-      </p:sp>
-      <p:pic>
-        <p:nvPicPr>
-          <p:cNvPr id="3" name="Рисунок 2">
-            <a:extLst>
-              <a:ext uri="{FF2B5EF4-FFF2-40B4-BE49-F238E27FC236}">
-                <a16:creationId xmlns:a16="http://schemas.microsoft.com/office/drawing/2014/main" id="{6C157BBE-395E-4B5A-8D3F-8A9BEE716BBC}"/>
-              </a:ext>
-            </a:extLst>
-          </p:cNvPr>
-          <p:cNvPicPr>
-            <a:picLocks noChangeAspect="1"/>
-          </p:cNvPicPr>
-          <p:nvPr/>
-        </p:nvPicPr>
-        <p:blipFill>
-          <a:blip r:embed="rId2">
-            <a:extLst>
-              <a:ext uri="{28A0092B-C50C-407E-A947-70E740481C1C}">
-                <a14:useLocalDpi xmlns:a14="http://schemas.microsoft.com/office/drawing/2010/main" val="0"/>
-              </a:ext>
-            </a:extLst>
-          </a:blip>
-          <a:stretch>
-            <a:fillRect/>
-          </a:stretch>
-        </p:blipFill>
-        <p:spPr>
-          <a:xfrm>
-            <a:off x="1513772" y="1340768"/>
-            <a:ext cx="6116455" cy="4577215"/>
-          </a:xfrm>
-          <a:prstGeom prst="rect">
-            <a:avLst/>
-          </a:prstGeom>
-          <a:effectLst>
-            <a:softEdge rad="203200"/>
-          </a:effectLst>
-        </p:spPr>
-      </p:pic>
-    </p:spTree>
-  </p:cSld>
-  <p:clrMapOvr>
-    <a:masterClrMapping/>
-  </p:clrMapOvr>
-</p:sld>
-</file>
-
-<file path=ppt/slides/slide19.xml><?xml version="1.0" encoding="utf-8"?>
+<file path=ppt/slides/slide16.xml><?xml version="1.0" encoding="utf-8"?>
 <p:sld xmlns:a="http://schemas.openxmlformats.org/drawingml/2006/main" xmlns:r="http://schemas.openxmlformats.org/officeDocument/2006/relationships" xmlns:p="http://schemas.openxmlformats.org/presentationml/2006/main">
   <p:cSld>
     <p:spTree>
@@ -14515,7 +13982,7 @@
         </p:nvSpPr>
         <p:spPr>
           <a:xfrm>
-            <a:off x="2555776" y="272842"/>
+            <a:off x="3203848" y="519063"/>
             <a:ext cx="4176464" cy="461665"/>
           </a:xfrm>
           <a:prstGeom prst="rect">
@@ -14897,141 +14364,12 @@
           </a:p>
         </p:txBody>
       </p:sp>
-    </p:spTree>
-    <p:extLst>
-      <p:ext uri="{BB962C8B-B14F-4D97-AF65-F5344CB8AC3E}">
-        <p14:creationId xmlns:p14="http://schemas.microsoft.com/office/powerpoint/2010/main" val="1022302768"/>
-      </p:ext>
-    </p:extLst>
-  </p:cSld>
-  <p:clrMapOvr>
-    <a:masterClrMapping/>
-  </p:clrMapOvr>
-</p:sld>
-</file>
-
-<file path=ppt/slides/slide2.xml><?xml version="1.0" encoding="utf-8"?>
-<p:sld xmlns:a="http://schemas.openxmlformats.org/drawingml/2006/main" xmlns:r="http://schemas.openxmlformats.org/officeDocument/2006/relationships" xmlns:p="http://schemas.openxmlformats.org/presentationml/2006/main">
-  <p:cSld>
-    <p:spTree>
-      <p:nvGrpSpPr>
-        <p:cNvPr id="1" name=""/>
-        <p:cNvGrpSpPr/>
-        <p:nvPr/>
-      </p:nvGrpSpPr>
-      <p:grpSpPr>
-        <a:xfrm>
-          <a:off x="0" y="0"/>
-          <a:ext cx="0" cy="0"/>
-          <a:chOff x="0" y="0"/>
-          <a:chExt cx="0" cy="0"/>
-        </a:xfrm>
-      </p:grpSpPr>
       <p:sp>
         <p:nvSpPr>
-          <p:cNvPr id="3" name="Объект 2">
+          <p:cNvPr id="4" name="Объект 2">
             <a:extLst>
               <a:ext uri="{FF2B5EF4-FFF2-40B4-BE49-F238E27FC236}">
-                <a16:creationId xmlns:a16="http://schemas.microsoft.com/office/drawing/2014/main" id="{30CFDBBA-4653-4240-BE34-F459782E312A}"/>
-              </a:ext>
-            </a:extLst>
-          </p:cNvPr>
-          <p:cNvSpPr>
-            <a:spLocks noGrp="1"/>
-          </p:cNvSpPr>
-          <p:nvPr>
-            <p:ph idx="1"/>
-          </p:nvPr>
-        </p:nvSpPr>
-        <p:spPr>
-          <a:xfrm>
-            <a:off x="1561902" y="260648"/>
-            <a:ext cx="6020195" cy="1354089"/>
-          </a:xfrm>
-        </p:spPr>
-        <p:txBody>
-          <a:bodyPr/>
-          <a:lstStyle/>
-          <a:p>
-            <a:pPr marL="0" indent="0" algn="ctr">
-              <a:buNone/>
-            </a:pPr>
-            <a:r>
-              <a:rPr lang="en-US" dirty="0">
-                <a:solidFill>
-                  <a:schemeClr val="bg1"/>
-                </a:solidFill>
-              </a:rPr>
-              <a:t>C</a:t>
-            </a:r>
-            <a:r>
-              <a:rPr lang="ru-RU" dirty="0" err="1">
-                <a:solidFill>
-                  <a:schemeClr val="bg1"/>
-                </a:solidFill>
-              </a:rPr>
-              <a:t>труктура</a:t>
-            </a:r>
-            <a:r>
-              <a:rPr lang="ru-RU" dirty="0">
-                <a:solidFill>
-                  <a:schemeClr val="bg1"/>
-                </a:solidFill>
-              </a:rPr>
-              <a:t> </a:t>
-            </a:r>
-            <a:r>
-              <a:rPr lang="en-US" dirty="0">
-                <a:solidFill>
-                  <a:schemeClr val="bg1"/>
-                </a:solidFill>
-              </a:rPr>
-              <a:t>SCADA</a:t>
-            </a:r>
-            <a:endParaRPr lang="ru-RU" dirty="0">
-              <a:solidFill>
-                <a:schemeClr val="bg1"/>
-              </a:solidFill>
-            </a:endParaRPr>
-          </a:p>
-        </p:txBody>
-      </p:sp>
-      <p:pic>
-        <p:nvPicPr>
-          <p:cNvPr id="4" name="Рисунок 3">
-            <a:extLst>
-              <a:ext uri="{FF2B5EF4-FFF2-40B4-BE49-F238E27FC236}">
-                <a16:creationId xmlns:a16="http://schemas.microsoft.com/office/drawing/2014/main" id="{C676F682-E006-4AA7-92A0-38CD1049BB99}"/>
-              </a:ext>
-            </a:extLst>
-          </p:cNvPr>
-          <p:cNvPicPr>
-            <a:picLocks noChangeAspect="1"/>
-          </p:cNvPicPr>
-          <p:nvPr/>
-        </p:nvPicPr>
-        <p:blipFill>
-          <a:blip r:embed="rId2"/>
-          <a:stretch>
-            <a:fillRect/>
-          </a:stretch>
-        </p:blipFill>
-        <p:spPr>
-          <a:xfrm>
-            <a:off x="467544" y="1412776"/>
-            <a:ext cx="6553200" cy="3857625"/>
-          </a:xfrm>
-          <a:prstGeom prst="rect">
-            <a:avLst/>
-          </a:prstGeom>
-        </p:spPr>
-      </p:pic>
-      <p:sp>
-        <p:nvSpPr>
-          <p:cNvPr id="5" name="Объект 2">
-            <a:extLst>
-              <a:ext uri="{FF2B5EF4-FFF2-40B4-BE49-F238E27FC236}">
-                <a16:creationId xmlns:a16="http://schemas.microsoft.com/office/drawing/2014/main" id="{FF4E7B58-5156-41D2-B009-AC8140948A93}"/>
+                <a16:creationId xmlns:a16="http://schemas.microsoft.com/office/drawing/2014/main" id="{AE444692-82E9-4905-840F-EE1867A07E29}"/>
               </a:ext>
             </a:extLst>
           </p:cNvPr>
@@ -15042,17 +14380,15 @@
         </p:nvSpPr>
         <p:spPr>
           <a:xfrm>
-            <a:off x="6904768" y="2348880"/>
-            <a:ext cx="1728192" cy="1354089"/>
+            <a:off x="2843808" y="72851"/>
+            <a:ext cx="3672408" cy="1354089"/>
           </a:xfrm>
           <a:prstGeom prst="rect">
             <a:avLst/>
           </a:prstGeom>
         </p:spPr>
         <p:txBody>
-          <a:bodyPr vert="horz" lIns="91440" tIns="45720" rIns="91440" bIns="45720" rtlCol="0">
-            <a:normAutofit/>
-          </a:bodyPr>
+          <a:bodyPr/>
           <a:lstStyle>
             <a:lvl1pPr marL="228600" indent="-228600" algn="l" defTabSz="914400" rtl="0" eaLnBrk="1" latinLnBrk="0" hangingPunct="1">
               <a:lnSpc>
@@ -15232,20 +14568,25 @@
               <a:buNone/>
             </a:pPr>
             <a:r>
-              <a:rPr lang="ru-RU" dirty="0">
+              <a:rPr lang="ru-RU">
                 <a:solidFill>
                   <a:schemeClr val="bg1"/>
                 </a:solidFill>
               </a:rPr>
-              <a:t>Среда разработки</a:t>
-            </a:r>
+              <a:t>Резервированная система</a:t>
+            </a:r>
+            <a:endParaRPr lang="ru-RU" dirty="0">
+              <a:solidFill>
+                <a:schemeClr val="bg1"/>
+              </a:solidFill>
+            </a:endParaRPr>
           </a:p>
         </p:txBody>
       </p:sp>
     </p:spTree>
     <p:extLst>
       <p:ext uri="{BB962C8B-B14F-4D97-AF65-F5344CB8AC3E}">
-        <p14:creationId xmlns:p14="http://schemas.microsoft.com/office/powerpoint/2010/main" val="2333277847"/>
+        <p14:creationId xmlns:p14="http://schemas.microsoft.com/office/powerpoint/2010/main" val="1022302768"/>
       </p:ext>
     </p:extLst>
   </p:cSld>
@@ -15255,7 +14596,7 @@
 </p:sld>
 </file>
 
-<file path=ppt/slides/slide20.xml><?xml version="1.0" encoding="utf-8"?>
+<file path=ppt/slides/slide17.xml><?xml version="1.0" encoding="utf-8"?>
 <p:sld xmlns:a="http://schemas.openxmlformats.org/drawingml/2006/main" xmlns:r="http://schemas.openxmlformats.org/officeDocument/2006/relationships" xmlns:p="http://schemas.openxmlformats.org/presentationml/2006/main">
   <p:cSld>
     <p:spTree>
@@ -15366,7 +14707,7 @@
 </p:sld>
 </file>
 
-<file path=ppt/slides/slide21.xml><?xml version="1.0" encoding="utf-8"?>
+<file path=ppt/slides/slide18.xml><?xml version="1.0" encoding="utf-8"?>
 <p:sld xmlns:a="http://schemas.openxmlformats.org/drawingml/2006/main" xmlns:r="http://schemas.openxmlformats.org/officeDocument/2006/relationships" xmlns:p="http://schemas.openxmlformats.org/presentationml/2006/main">
   <p:cSld>
     <p:spTree>
@@ -15484,908 +14825,7 @@
 </p:sld>
 </file>
 
-<file path=ppt/slides/slide22.xml><?xml version="1.0" encoding="utf-8"?>
-<p:sld xmlns:a="http://schemas.openxmlformats.org/drawingml/2006/main" xmlns:r="http://schemas.openxmlformats.org/officeDocument/2006/relationships" xmlns:p="http://schemas.openxmlformats.org/presentationml/2006/main">
-  <p:cSld>
-    <p:spTree>
-      <p:nvGrpSpPr>
-        <p:cNvPr id="1" name=""/>
-        <p:cNvGrpSpPr/>
-        <p:nvPr/>
-      </p:nvGrpSpPr>
-      <p:grpSpPr>
-        <a:xfrm>
-          <a:off x="0" y="0"/>
-          <a:ext cx="0" cy="0"/>
-          <a:chOff x="0" y="0"/>
-          <a:chExt cx="0" cy="0"/>
-        </a:xfrm>
-      </p:grpSpPr>
-      <p:graphicFrame>
-        <p:nvGraphicFramePr>
-          <p:cNvPr id="3" name="Таблица 2">
-            <a:extLst>
-              <a:ext uri="{FF2B5EF4-FFF2-40B4-BE49-F238E27FC236}">
-                <a16:creationId xmlns:a16="http://schemas.microsoft.com/office/drawing/2014/main" id="{8E93F478-D307-4914-AED7-58002DAF047D}"/>
-              </a:ext>
-            </a:extLst>
-          </p:cNvPr>
-          <p:cNvGraphicFramePr>
-            <a:graphicFrameLocks noGrp="1"/>
-          </p:cNvGraphicFramePr>
-          <p:nvPr>
-            <p:extLst>
-              <p:ext uri="{D42A27DB-BD31-4B8C-83A1-F6EECF244321}">
-                <p14:modId xmlns:p14="http://schemas.microsoft.com/office/powerpoint/2010/main" val="3984460483"/>
-              </p:ext>
-            </p:extLst>
-          </p:nvPr>
-        </p:nvGraphicFramePr>
-        <p:xfrm>
-          <a:off x="755576" y="980728"/>
-          <a:ext cx="7416824" cy="4018795"/>
-        </p:xfrm>
-        <a:graphic>
-          <a:graphicData uri="http://schemas.openxmlformats.org/drawingml/2006/table">
-            <a:tbl>
-              <a:tblPr/>
-              <a:tblGrid>
-                <a:gridCol w="3672267">
-                  <a:extLst>
-                    <a:ext uri="{9D8B030D-6E8A-4147-A177-3AD203B41FA5}">
-                      <a16:colId xmlns:a16="http://schemas.microsoft.com/office/drawing/2014/main" val="1816044184"/>
-                    </a:ext>
-                  </a:extLst>
-                </a:gridCol>
-                <a:gridCol w="3744557">
-                  <a:extLst>
-                    <a:ext uri="{9D8B030D-6E8A-4147-A177-3AD203B41FA5}">
-                      <a16:colId xmlns:a16="http://schemas.microsoft.com/office/drawing/2014/main" val="2063761082"/>
-                    </a:ext>
-                  </a:extLst>
-                </a:gridCol>
-              </a:tblGrid>
-              <a:tr h="672294">
-                <a:tc gridSpan="2">
-                  <a:txBody>
-                    <a:bodyPr/>
-                    <a:lstStyle/>
-                    <a:p>
-                      <a:pPr algn="ctr" fontAlgn="t"/>
-                      <a:r>
-                        <a:rPr lang="ru-RU" sz="2400" b="0" dirty="0">
-                          <a:solidFill>
-                            <a:schemeClr val="bg2">
-                              <a:lumMod val="75000"/>
-                            </a:schemeClr>
-                          </a:solidFill>
-                          <a:effectLst/>
-                          <a:latin typeface="+mj-lt"/>
-                        </a:rPr>
-                        <a:t>Драйверы </a:t>
-                      </a:r>
-                      <a:r>
-                        <a:rPr lang="en-US" sz="2400" b="0" dirty="0">
-                          <a:solidFill>
-                            <a:schemeClr val="bg2">
-                              <a:lumMod val="75000"/>
-                            </a:schemeClr>
-                          </a:solidFill>
-                          <a:effectLst/>
-                          <a:latin typeface="+mj-lt"/>
-                        </a:rPr>
-                        <a:t>iFIX</a:t>
-                      </a:r>
-                    </a:p>
-                  </a:txBody>
-                  <a:tcPr marL="38100" marR="38100" marT="38100" marB="38100">
-                    <a:lnL>
-                      <a:noFill/>
-                    </a:lnL>
-                    <a:lnR>
-                      <a:noFill/>
-                    </a:lnR>
-                    <a:lnT>
-                      <a:noFill/>
-                    </a:lnT>
-                    <a:lnB w="7620" cap="flat" cmpd="sng" algn="ctr">
-                      <a:solidFill>
-                        <a:srgbClr val="C6DFD7"/>
-                      </a:solidFill>
-                      <a:prstDash val="solid"/>
-                      <a:round/>
-                      <a:headEnd type="none" w="med" len="med"/>
-                      <a:tailEnd type="none" w="med" len="med"/>
-                    </a:lnB>
-                    <a:solidFill>
-                      <a:srgbClr val="FFFFFF"/>
-                    </a:solidFill>
-                  </a:tcPr>
-                </a:tc>
-                <a:tc hMerge="1">
-                  <a:txBody>
-                    <a:bodyPr/>
-                    <a:lstStyle/>
-                    <a:p>
-                      <a:endParaRPr lang="ru-RU"/>
-                    </a:p>
-                  </a:txBody>
-                  <a:tcPr/>
-                </a:tc>
-                <a:extLst>
-                  <a:ext uri="{0D108BD9-81ED-4DB2-BD59-A6C34878D82A}">
-                    <a16:rowId xmlns:a16="http://schemas.microsoft.com/office/drawing/2014/main" val="4062888348"/>
-                  </a:ext>
-                </a:extLst>
-              </a:tr>
-              <a:tr h="1084855">
-                <a:tc>
-                  <a:txBody>
-                    <a:bodyPr/>
-                    <a:lstStyle/>
-                    <a:p>
-                      <a:pPr algn="l" fontAlgn="t"/>
-                      <a:r>
-                        <a:rPr lang="en-US" b="1" dirty="0">
-                          <a:solidFill>
-                            <a:schemeClr val="bg2">
-                              <a:lumMod val="75000"/>
-                            </a:schemeClr>
-                          </a:solidFill>
-                          <a:effectLst/>
-                        </a:rPr>
-                        <a:t>S7A</a:t>
-                      </a:r>
-                      <a:endParaRPr lang="en-US" b="0" dirty="0">
-                        <a:solidFill>
-                          <a:schemeClr val="bg2">
-                            <a:lumMod val="75000"/>
-                          </a:schemeClr>
-                        </a:solidFill>
-                        <a:effectLst/>
-                      </a:endParaRPr>
-                    </a:p>
-                  </a:txBody>
-                  <a:tcPr marL="38100" marR="38100" marT="38100" marB="38100">
-                    <a:lnL>
-                      <a:noFill/>
-                    </a:lnL>
-                    <a:lnR>
-                      <a:noFill/>
-                    </a:lnR>
-                    <a:lnT w="7620" cap="flat" cmpd="sng" algn="ctr">
-                      <a:solidFill>
-                        <a:srgbClr val="C6DFD7"/>
-                      </a:solidFill>
-                      <a:prstDash val="solid"/>
-                      <a:round/>
-                      <a:headEnd type="none" w="med" len="med"/>
-                      <a:tailEnd type="none" w="med" len="med"/>
-                    </a:lnT>
-                    <a:lnB w="7620" cap="flat" cmpd="sng" algn="ctr">
-                      <a:solidFill>
-                        <a:srgbClr val="C6DFD7"/>
-                      </a:solidFill>
-                      <a:prstDash val="solid"/>
-                      <a:round/>
-                      <a:headEnd type="none" w="med" len="med"/>
-                      <a:tailEnd type="none" w="med" len="med"/>
-                    </a:lnB>
-                    <a:solidFill>
-                      <a:srgbClr val="F5FFEC"/>
-                    </a:solidFill>
-                  </a:tcPr>
-                </a:tc>
-                <a:tc>
-                  <a:txBody>
-                    <a:bodyPr/>
-                    <a:lstStyle/>
-                    <a:p>
-                      <a:pPr algn="l" fontAlgn="t"/>
-                      <a:r>
-                        <a:rPr lang="fr-FR" b="0">
-                          <a:solidFill>
-                            <a:schemeClr val="bg2">
-                              <a:lumMod val="75000"/>
-                            </a:schemeClr>
-                          </a:solidFill>
-                          <a:effectLst/>
-                        </a:rPr>
-                        <a:t>Драйвер Siemens Communication Driver TCP/IP</a:t>
-                      </a:r>
-                    </a:p>
-                  </a:txBody>
-                  <a:tcPr marL="38100" marR="38100" marT="38100" marB="38100">
-                    <a:lnL>
-                      <a:noFill/>
-                    </a:lnL>
-                    <a:lnR>
-                      <a:noFill/>
-                    </a:lnR>
-                    <a:lnT w="7620" cap="flat" cmpd="sng" algn="ctr">
-                      <a:solidFill>
-                        <a:srgbClr val="C6DFD7"/>
-                      </a:solidFill>
-                      <a:prstDash val="solid"/>
-                      <a:round/>
-                      <a:headEnd type="none" w="med" len="med"/>
-                      <a:tailEnd type="none" w="med" len="med"/>
-                    </a:lnT>
-                    <a:lnB w="7620" cap="flat" cmpd="sng" algn="ctr">
-                      <a:solidFill>
-                        <a:srgbClr val="C6DFD7"/>
-                      </a:solidFill>
-                      <a:prstDash val="solid"/>
-                      <a:round/>
-                      <a:headEnd type="none" w="med" len="med"/>
-                      <a:tailEnd type="none" w="med" len="med"/>
-                    </a:lnB>
-                    <a:solidFill>
-                      <a:srgbClr val="F5FFEC"/>
-                    </a:solidFill>
-                  </a:tcPr>
-                </a:tc>
-                <a:extLst>
-                  <a:ext uri="{0D108BD9-81ED-4DB2-BD59-A6C34878D82A}">
-                    <a16:rowId xmlns:a16="http://schemas.microsoft.com/office/drawing/2014/main" val="2685296269"/>
-                  </a:ext>
-                </a:extLst>
-              </a:tr>
-              <a:tr h="753882">
-                <a:tc>
-                  <a:txBody>
-                    <a:bodyPr/>
-                    <a:lstStyle/>
-                    <a:p>
-                      <a:pPr algn="l" fontAlgn="t"/>
-                      <a:r>
-                        <a:rPr lang="en-US" b="1">
-                          <a:solidFill>
-                            <a:schemeClr val="bg2">
-                              <a:lumMod val="75000"/>
-                            </a:schemeClr>
-                          </a:solidFill>
-                          <a:effectLst/>
-                        </a:rPr>
-                        <a:t>IGS Premium</a:t>
-                      </a:r>
-                      <a:endParaRPr lang="en-US" b="0">
-                        <a:solidFill>
-                          <a:schemeClr val="bg2">
-                            <a:lumMod val="75000"/>
-                          </a:schemeClr>
-                        </a:solidFill>
-                        <a:effectLst/>
-                      </a:endParaRPr>
-                    </a:p>
-                  </a:txBody>
-                  <a:tcPr marL="38100" marR="38100" marT="38100" marB="38100">
-                    <a:lnL>
-                      <a:noFill/>
-                    </a:lnL>
-                    <a:lnR>
-                      <a:noFill/>
-                    </a:lnR>
-                    <a:lnT w="7620" cap="flat" cmpd="sng" algn="ctr">
-                      <a:solidFill>
-                        <a:srgbClr val="C6DFD7"/>
-                      </a:solidFill>
-                      <a:prstDash val="solid"/>
-                      <a:round/>
-                      <a:headEnd type="none" w="med" len="med"/>
-                      <a:tailEnd type="none" w="med" len="med"/>
-                    </a:lnT>
-                    <a:lnB w="7620" cap="flat" cmpd="sng" algn="ctr">
-                      <a:solidFill>
-                        <a:srgbClr val="C6DFD7"/>
-                      </a:solidFill>
-                      <a:prstDash val="solid"/>
-                      <a:round/>
-                      <a:headEnd type="none" w="med" len="med"/>
-                      <a:tailEnd type="none" w="med" len="med"/>
-                    </a:lnB>
-                    <a:solidFill>
-                      <a:srgbClr val="F5FFEC"/>
-                    </a:solidFill>
-                  </a:tcPr>
-                </a:tc>
-                <a:tc>
-                  <a:txBody>
-                    <a:bodyPr/>
-                    <a:lstStyle/>
-                    <a:p>
-                      <a:pPr algn="l" fontAlgn="t"/>
-                      <a:r>
-                        <a:rPr lang="fr-FR" b="0">
-                          <a:solidFill>
-                            <a:schemeClr val="bg2">
-                              <a:lumMod val="75000"/>
-                            </a:schemeClr>
-                          </a:solidFill>
-                          <a:effectLst/>
-                        </a:rPr>
-                        <a:t>IGS:IES 60870 Suite</a:t>
-                      </a:r>
-                      <a:br>
-                        <a:rPr lang="fr-FR" b="0">
-                          <a:solidFill>
-                            <a:schemeClr val="bg2">
-                              <a:lumMod val="75000"/>
-                            </a:schemeClr>
-                          </a:solidFill>
-                          <a:effectLst/>
-                        </a:rPr>
-                      </a:br>
-                      <a:r>
-                        <a:rPr lang="fr-FR" b="0">
-                          <a:solidFill>
-                            <a:schemeClr val="bg2">
-                              <a:lumMod val="75000"/>
-                            </a:schemeClr>
-                          </a:solidFill>
-                          <a:effectLst/>
-                        </a:rPr>
-                        <a:t>IGS:SNMP Suite</a:t>
-                      </a:r>
-                    </a:p>
-                  </a:txBody>
-                  <a:tcPr marL="38100" marR="38100" marT="38100" marB="38100">
-                    <a:lnL>
-                      <a:noFill/>
-                    </a:lnL>
-                    <a:lnR>
-                      <a:noFill/>
-                    </a:lnR>
-                    <a:lnT w="7620" cap="flat" cmpd="sng" algn="ctr">
-                      <a:solidFill>
-                        <a:srgbClr val="C6DFD7"/>
-                      </a:solidFill>
-                      <a:prstDash val="solid"/>
-                      <a:round/>
-                      <a:headEnd type="none" w="med" len="med"/>
-                      <a:tailEnd type="none" w="med" len="med"/>
-                    </a:lnT>
-                    <a:lnB w="7620" cap="flat" cmpd="sng" algn="ctr">
-                      <a:solidFill>
-                        <a:srgbClr val="C6DFD7"/>
-                      </a:solidFill>
-                      <a:prstDash val="solid"/>
-                      <a:round/>
-                      <a:headEnd type="none" w="med" len="med"/>
-                      <a:tailEnd type="none" w="med" len="med"/>
-                    </a:lnB>
-                    <a:solidFill>
-                      <a:srgbClr val="F5FFEC"/>
-                    </a:solidFill>
-                  </a:tcPr>
-                </a:tc>
-                <a:extLst>
-                  <a:ext uri="{0D108BD9-81ED-4DB2-BD59-A6C34878D82A}">
-                    <a16:rowId xmlns:a16="http://schemas.microsoft.com/office/drawing/2014/main" val="3458570612"/>
-                  </a:ext>
-                </a:extLst>
-              </a:tr>
-              <a:tr h="753882">
-                <a:tc>
-                  <a:txBody>
-                    <a:bodyPr/>
-                    <a:lstStyle/>
-                    <a:p>
-                      <a:pPr algn="l" fontAlgn="t"/>
-                      <a:r>
-                        <a:rPr lang="en-US" b="1">
-                          <a:solidFill>
-                            <a:schemeClr val="bg2">
-                              <a:lumMod val="75000"/>
-                            </a:schemeClr>
-                          </a:solidFill>
-                          <a:effectLst/>
-                        </a:rPr>
-                        <a:t>I87</a:t>
-                      </a:r>
-                      <a:endParaRPr lang="en-US" b="0">
-                        <a:solidFill>
-                          <a:schemeClr val="bg2">
-                            <a:lumMod val="75000"/>
-                          </a:schemeClr>
-                        </a:solidFill>
-                        <a:effectLst/>
-                      </a:endParaRPr>
-                    </a:p>
-                  </a:txBody>
-                  <a:tcPr marL="38100" marR="38100" marT="38100" marB="38100">
-                    <a:lnL>
-                      <a:noFill/>
-                    </a:lnL>
-                    <a:lnR>
-                      <a:noFill/>
-                    </a:lnR>
-                    <a:lnT w="7620" cap="flat" cmpd="sng" algn="ctr">
-                      <a:solidFill>
-                        <a:srgbClr val="C6DFD7"/>
-                      </a:solidFill>
-                      <a:prstDash val="solid"/>
-                      <a:round/>
-                      <a:headEnd type="none" w="med" len="med"/>
-                      <a:tailEnd type="none" w="med" len="med"/>
-                    </a:lnT>
-                    <a:lnB w="7620" cap="flat" cmpd="sng" algn="ctr">
-                      <a:solidFill>
-                        <a:srgbClr val="C6DFD7"/>
-                      </a:solidFill>
-                      <a:prstDash val="solid"/>
-                      <a:round/>
-                      <a:headEnd type="none" w="med" len="med"/>
-                      <a:tailEnd type="none" w="med" len="med"/>
-                    </a:lnB>
-                    <a:solidFill>
-                      <a:srgbClr val="F5FFEC"/>
-                    </a:solidFill>
-                  </a:tcPr>
-                </a:tc>
-                <a:tc>
-                  <a:txBody>
-                    <a:bodyPr/>
-                    <a:lstStyle/>
-                    <a:p>
-                      <a:pPr algn="l" fontAlgn="t"/>
-                      <a:r>
-                        <a:rPr lang="ru-RU" b="0">
-                          <a:solidFill>
-                            <a:schemeClr val="bg2">
-                              <a:lumMod val="75000"/>
-                            </a:schemeClr>
-                          </a:solidFill>
-                          <a:effectLst/>
-                        </a:rPr>
-                        <a:t>ОРС-сервер для IEC 60870-5-103 и 101(104)</a:t>
-                      </a:r>
-                    </a:p>
-                  </a:txBody>
-                  <a:tcPr marL="38100" marR="38100" marT="38100" marB="38100">
-                    <a:lnL>
-                      <a:noFill/>
-                    </a:lnL>
-                    <a:lnR>
-                      <a:noFill/>
-                    </a:lnR>
-                    <a:lnT w="7620" cap="flat" cmpd="sng" algn="ctr">
-                      <a:solidFill>
-                        <a:srgbClr val="C6DFD7"/>
-                      </a:solidFill>
-                      <a:prstDash val="solid"/>
-                      <a:round/>
-                      <a:headEnd type="none" w="med" len="med"/>
-                      <a:tailEnd type="none" w="med" len="med"/>
-                    </a:lnT>
-                    <a:lnB w="7620" cap="flat" cmpd="sng" algn="ctr">
-                      <a:solidFill>
-                        <a:srgbClr val="C6DFD7"/>
-                      </a:solidFill>
-                      <a:prstDash val="solid"/>
-                      <a:round/>
-                      <a:headEnd type="none" w="med" len="med"/>
-                      <a:tailEnd type="none" w="med" len="med"/>
-                    </a:lnB>
-                    <a:solidFill>
-                      <a:srgbClr val="F5FFEC"/>
-                    </a:solidFill>
-                  </a:tcPr>
-                </a:tc>
-                <a:extLst>
-                  <a:ext uri="{0D108BD9-81ED-4DB2-BD59-A6C34878D82A}">
-                    <a16:rowId xmlns:a16="http://schemas.microsoft.com/office/drawing/2014/main" val="2980798098"/>
-                  </a:ext>
-                </a:extLst>
-              </a:tr>
-              <a:tr h="753882">
-                <a:tc>
-                  <a:txBody>
-                    <a:bodyPr/>
-                    <a:lstStyle/>
-                    <a:p>
-                      <a:pPr algn="l" fontAlgn="t"/>
-                      <a:r>
-                        <a:rPr lang="en-US" b="1">
-                          <a:solidFill>
-                            <a:schemeClr val="bg2">
-                              <a:lumMod val="75000"/>
-                            </a:schemeClr>
-                          </a:solidFill>
-                          <a:effectLst/>
-                        </a:rPr>
-                        <a:t>ROC Application Driver</a:t>
-                      </a:r>
-                      <a:endParaRPr lang="en-US" b="0">
-                        <a:solidFill>
-                          <a:schemeClr val="bg2">
-                            <a:lumMod val="75000"/>
-                          </a:schemeClr>
-                        </a:solidFill>
-                        <a:effectLst/>
-                      </a:endParaRPr>
-                    </a:p>
-                  </a:txBody>
-                  <a:tcPr marL="38100" marR="38100" marT="38100" marB="38100">
-                    <a:lnL>
-                      <a:noFill/>
-                    </a:lnL>
-                    <a:lnR>
-                      <a:noFill/>
-                    </a:lnR>
-                    <a:lnT w="7620" cap="flat" cmpd="sng" algn="ctr">
-                      <a:solidFill>
-                        <a:srgbClr val="C6DFD7"/>
-                      </a:solidFill>
-                      <a:prstDash val="solid"/>
-                      <a:round/>
-                      <a:headEnd type="none" w="med" len="med"/>
-                      <a:tailEnd type="none" w="med" len="med"/>
-                    </a:lnT>
-                    <a:lnB>
-                      <a:noFill/>
-                    </a:lnB>
-                    <a:solidFill>
-                      <a:srgbClr val="F5FFEC"/>
-                    </a:solidFill>
-                  </a:tcPr>
-                </a:tc>
-                <a:tc>
-                  <a:txBody>
-                    <a:bodyPr/>
-                    <a:lstStyle/>
-                    <a:p>
-                      <a:pPr algn="l" fontAlgn="t"/>
-                      <a:r>
-                        <a:rPr lang="en-US" b="0" dirty="0" err="1">
-                          <a:solidFill>
-                            <a:schemeClr val="bg2">
-                              <a:lumMod val="75000"/>
-                            </a:schemeClr>
-                          </a:solidFill>
-                          <a:effectLst/>
-                        </a:rPr>
-                        <a:t>Драйвер</a:t>
-                      </a:r>
-                      <a:r>
-                        <a:rPr lang="en-US" b="0" dirty="0">
-                          <a:solidFill>
-                            <a:schemeClr val="bg2">
-                              <a:lumMod val="75000"/>
-                            </a:schemeClr>
-                          </a:solidFill>
-                          <a:effectLst/>
-                        </a:rPr>
-                        <a:t> Fisher Remote Operations Controller</a:t>
-                      </a:r>
-                    </a:p>
-                  </a:txBody>
-                  <a:tcPr marL="38100" marR="38100" marT="38100" marB="38100">
-                    <a:lnL>
-                      <a:noFill/>
-                    </a:lnL>
-                    <a:lnR>
-                      <a:noFill/>
-                    </a:lnR>
-                    <a:lnT w="7620" cap="flat" cmpd="sng" algn="ctr">
-                      <a:solidFill>
-                        <a:srgbClr val="C6DFD7"/>
-                      </a:solidFill>
-                      <a:prstDash val="solid"/>
-                      <a:round/>
-                      <a:headEnd type="none" w="med" len="med"/>
-                      <a:tailEnd type="none" w="med" len="med"/>
-                    </a:lnT>
-                    <a:lnB>
-                      <a:noFill/>
-                    </a:lnB>
-                    <a:solidFill>
-                      <a:srgbClr val="F5FFEC"/>
-                    </a:solidFill>
-                  </a:tcPr>
-                </a:tc>
-                <a:extLst>
-                  <a:ext uri="{0D108BD9-81ED-4DB2-BD59-A6C34878D82A}">
-                    <a16:rowId xmlns:a16="http://schemas.microsoft.com/office/drawing/2014/main" val="3368676584"/>
-                  </a:ext>
-                </a:extLst>
-              </a:tr>
-            </a:tbl>
-          </a:graphicData>
-        </a:graphic>
-      </p:graphicFrame>
-    </p:spTree>
-    <p:extLst>
-      <p:ext uri="{BB962C8B-B14F-4D97-AF65-F5344CB8AC3E}">
-        <p14:creationId xmlns:p14="http://schemas.microsoft.com/office/powerpoint/2010/main" val="1047080552"/>
-      </p:ext>
-    </p:extLst>
-  </p:cSld>
-  <p:clrMapOvr>
-    <a:masterClrMapping/>
-  </p:clrMapOvr>
-</p:sld>
-</file>
-
-<file path=ppt/slides/slide23.xml><?xml version="1.0" encoding="utf-8"?>
-<p:sld xmlns:a="http://schemas.openxmlformats.org/drawingml/2006/main" xmlns:r="http://schemas.openxmlformats.org/officeDocument/2006/relationships" xmlns:p="http://schemas.openxmlformats.org/presentationml/2006/main">
-  <p:cSld>
-    <p:spTree>
-      <p:nvGrpSpPr>
-        <p:cNvPr id="1" name=""/>
-        <p:cNvGrpSpPr/>
-        <p:nvPr/>
-      </p:nvGrpSpPr>
-      <p:grpSpPr>
-        <a:xfrm>
-          <a:off x="0" y="0"/>
-          <a:ext cx="0" cy="0"/>
-          <a:chOff x="0" y="0"/>
-          <a:chExt cx="0" cy="0"/>
-        </a:xfrm>
-      </p:grpSpPr>
-      <p:sp>
-        <p:nvSpPr>
-          <p:cNvPr id="5" name="Объект 2">
-            <a:extLst>
-              <a:ext uri="{FF2B5EF4-FFF2-40B4-BE49-F238E27FC236}">
-                <a16:creationId xmlns:a16="http://schemas.microsoft.com/office/drawing/2014/main" id="{39A2C5C3-8F8E-4CD0-8534-32AF5EA005DB}"/>
-              </a:ext>
-            </a:extLst>
-          </p:cNvPr>
-          <p:cNvSpPr txBox="1">
-            <a:spLocks/>
-          </p:cNvSpPr>
-          <p:nvPr/>
-        </p:nvSpPr>
-        <p:spPr>
-          <a:xfrm>
-            <a:off x="2843808" y="467003"/>
-            <a:ext cx="6020195" cy="1354089"/>
-          </a:xfrm>
-          <a:prstGeom prst="rect">
-            <a:avLst/>
-          </a:prstGeom>
-        </p:spPr>
-        <p:txBody>
-          <a:bodyPr/>
-          <a:lstStyle>
-            <a:lvl1pPr marL="228600" indent="-228600" algn="l" defTabSz="914400" rtl="0" eaLnBrk="1" latinLnBrk="0" hangingPunct="1">
-              <a:lnSpc>
-                <a:spcPct val="120000"/>
-              </a:lnSpc>
-              <a:spcBef>
-                <a:spcPts val="1000"/>
-              </a:spcBef>
-              <a:buSzPct val="125000"/>
-              <a:buFont typeface="Arial" panose="020B0604020202020204" pitchFamily="34" charset="0"/>
-              <a:buChar char="•"/>
-              <a:defRPr sz="2400" kern="1200">
-                <a:solidFill>
-                  <a:schemeClr val="tx1"/>
-                </a:solidFill>
-                <a:latin typeface="+mn-lt"/>
-                <a:ea typeface="+mn-ea"/>
-                <a:cs typeface="+mn-cs"/>
-              </a:defRPr>
-            </a:lvl1pPr>
-            <a:lvl2pPr marL="685800" indent="-228600" algn="l" defTabSz="914400" rtl="0" eaLnBrk="1" latinLnBrk="0" hangingPunct="1">
-              <a:lnSpc>
-                <a:spcPct val="120000"/>
-              </a:lnSpc>
-              <a:spcBef>
-                <a:spcPts val="500"/>
-              </a:spcBef>
-              <a:buSzPct val="125000"/>
-              <a:buFont typeface="Arial" panose="020B0604020202020204" pitchFamily="34" charset="0"/>
-              <a:buChar char="•"/>
-              <a:defRPr sz="2000" kern="1200">
-                <a:solidFill>
-                  <a:schemeClr val="tx1"/>
-                </a:solidFill>
-                <a:latin typeface="+mn-lt"/>
-                <a:ea typeface="+mn-ea"/>
-                <a:cs typeface="+mn-cs"/>
-              </a:defRPr>
-            </a:lvl2pPr>
-            <a:lvl3pPr marL="1143000" indent="-228600" algn="l" defTabSz="914400" rtl="0" eaLnBrk="1" latinLnBrk="0" hangingPunct="1">
-              <a:lnSpc>
-                <a:spcPct val="120000"/>
-              </a:lnSpc>
-              <a:spcBef>
-                <a:spcPts val="500"/>
-              </a:spcBef>
-              <a:buSzPct val="125000"/>
-              <a:buFont typeface="Arial" panose="020B0604020202020204" pitchFamily="34" charset="0"/>
-              <a:buChar char="•"/>
-              <a:defRPr sz="1800" kern="1200">
-                <a:solidFill>
-                  <a:schemeClr val="tx1"/>
-                </a:solidFill>
-                <a:latin typeface="+mn-lt"/>
-                <a:ea typeface="+mn-ea"/>
-                <a:cs typeface="+mn-cs"/>
-              </a:defRPr>
-            </a:lvl3pPr>
-            <a:lvl4pPr marL="1600200" indent="-228600" algn="l" defTabSz="914400" rtl="0" eaLnBrk="1" latinLnBrk="0" hangingPunct="1">
-              <a:lnSpc>
-                <a:spcPct val="120000"/>
-              </a:lnSpc>
-              <a:spcBef>
-                <a:spcPts val="500"/>
-              </a:spcBef>
-              <a:buSzPct val="125000"/>
-              <a:buFont typeface="Arial" panose="020B0604020202020204" pitchFamily="34" charset="0"/>
-              <a:buChar char="•"/>
-              <a:defRPr sz="1600" kern="1200">
-                <a:solidFill>
-                  <a:schemeClr val="tx1"/>
-                </a:solidFill>
-                <a:latin typeface="+mn-lt"/>
-                <a:ea typeface="+mn-ea"/>
-                <a:cs typeface="+mn-cs"/>
-              </a:defRPr>
-            </a:lvl4pPr>
-            <a:lvl5pPr marL="2057400" indent="-228600" algn="l" defTabSz="914400" rtl="0" eaLnBrk="1" latinLnBrk="0" hangingPunct="1">
-              <a:lnSpc>
-                <a:spcPct val="120000"/>
-              </a:lnSpc>
-              <a:spcBef>
-                <a:spcPts val="500"/>
-              </a:spcBef>
-              <a:buSzPct val="125000"/>
-              <a:buFont typeface="Arial" panose="020B0604020202020204" pitchFamily="34" charset="0"/>
-              <a:buChar char="•"/>
-              <a:defRPr sz="1600" kern="1200">
-                <a:solidFill>
-                  <a:schemeClr val="tx1"/>
-                </a:solidFill>
-                <a:latin typeface="+mn-lt"/>
-                <a:ea typeface="+mn-ea"/>
-                <a:cs typeface="+mn-cs"/>
-              </a:defRPr>
-            </a:lvl5pPr>
-            <a:lvl6pPr marL="2514600" indent="-228600" algn="l" defTabSz="914400" rtl="0" eaLnBrk="1" latinLnBrk="0" hangingPunct="1">
-              <a:lnSpc>
-                <a:spcPct val="120000"/>
-              </a:lnSpc>
-              <a:spcBef>
-                <a:spcPts val="500"/>
-              </a:spcBef>
-              <a:buSzPct val="125000"/>
-              <a:buFont typeface="Arial" panose="020B0604020202020204" pitchFamily="34" charset="0"/>
-              <a:buChar char="•"/>
-              <a:defRPr sz="1400" kern="1200">
-                <a:solidFill>
-                  <a:schemeClr val="tx1"/>
-                </a:solidFill>
-                <a:latin typeface="+mn-lt"/>
-                <a:ea typeface="+mn-ea"/>
-                <a:cs typeface="+mn-cs"/>
-              </a:defRPr>
-            </a:lvl6pPr>
-            <a:lvl7pPr marL="2971800" indent="-228600" algn="l" defTabSz="914400" rtl="0" eaLnBrk="1" latinLnBrk="0" hangingPunct="1">
-              <a:lnSpc>
-                <a:spcPct val="120000"/>
-              </a:lnSpc>
-              <a:spcBef>
-                <a:spcPts val="500"/>
-              </a:spcBef>
-              <a:buSzPct val="125000"/>
-              <a:buFont typeface="Arial" panose="020B0604020202020204" pitchFamily="34" charset="0"/>
-              <a:buChar char="•"/>
-              <a:defRPr sz="1400" kern="1200">
-                <a:solidFill>
-                  <a:schemeClr val="tx1"/>
-                </a:solidFill>
-                <a:latin typeface="+mn-lt"/>
-                <a:ea typeface="+mn-ea"/>
-                <a:cs typeface="+mn-cs"/>
-              </a:defRPr>
-            </a:lvl7pPr>
-            <a:lvl8pPr marL="3429000" indent="-228600" algn="l" defTabSz="914400" rtl="0" eaLnBrk="1" latinLnBrk="0" hangingPunct="1">
-              <a:lnSpc>
-                <a:spcPct val="120000"/>
-              </a:lnSpc>
-              <a:spcBef>
-                <a:spcPts val="500"/>
-              </a:spcBef>
-              <a:buSzPct val="125000"/>
-              <a:buFont typeface="Arial" panose="020B0604020202020204" pitchFamily="34" charset="0"/>
-              <a:buChar char="•"/>
-              <a:defRPr sz="1400" kern="1200">
-                <a:solidFill>
-                  <a:schemeClr val="tx1"/>
-                </a:solidFill>
-                <a:latin typeface="+mn-lt"/>
-                <a:ea typeface="+mn-ea"/>
-                <a:cs typeface="+mn-cs"/>
-              </a:defRPr>
-            </a:lvl8pPr>
-            <a:lvl9pPr marL="3886200" indent="-228600" algn="l" defTabSz="914400" rtl="0" eaLnBrk="1" latinLnBrk="0" hangingPunct="1">
-              <a:lnSpc>
-                <a:spcPct val="120000"/>
-              </a:lnSpc>
-              <a:spcBef>
-                <a:spcPts val="500"/>
-              </a:spcBef>
-              <a:buSzPct val="125000"/>
-              <a:buFont typeface="Arial" panose="020B0604020202020204" pitchFamily="34" charset="0"/>
-              <a:buChar char="•"/>
-              <a:defRPr sz="1400" kern="1200">
-                <a:solidFill>
-                  <a:schemeClr val="tx1"/>
-                </a:solidFill>
-                <a:latin typeface="+mn-lt"/>
-                <a:ea typeface="+mn-ea"/>
-                <a:cs typeface="+mn-cs"/>
-              </a:defRPr>
-            </a:lvl9pPr>
-          </a:lstStyle>
-          <a:p>
-            <a:pPr marL="0" indent="0">
-              <a:buFont typeface="Arial" panose="020B0604020202020204" pitchFamily="34" charset="0"/>
-              <a:buNone/>
-            </a:pPr>
-            <a:r>
-              <a:rPr lang="ru-RU" dirty="0">
-                <a:solidFill>
-                  <a:schemeClr val="bg1"/>
-                </a:solidFill>
-              </a:rPr>
-              <a:t>Клиент-серверная система</a:t>
-            </a:r>
-          </a:p>
-        </p:txBody>
-      </p:sp>
-      <p:pic>
-        <p:nvPicPr>
-          <p:cNvPr id="3" name="Рисунок 2">
-            <a:extLst>
-              <a:ext uri="{FF2B5EF4-FFF2-40B4-BE49-F238E27FC236}">
-                <a16:creationId xmlns:a16="http://schemas.microsoft.com/office/drawing/2014/main" id="{268B01ED-D83B-493D-825D-E1A240A66C8B}"/>
-              </a:ext>
-            </a:extLst>
-          </p:cNvPr>
-          <p:cNvPicPr>
-            <a:picLocks noChangeAspect="1"/>
-          </p:cNvPicPr>
-          <p:nvPr/>
-        </p:nvPicPr>
-        <p:blipFill>
-          <a:blip r:embed="rId2">
-            <a:extLst>
-              <a:ext uri="{28A0092B-C50C-407E-A947-70E740481C1C}">
-                <a14:useLocalDpi xmlns:a14="http://schemas.microsoft.com/office/drawing/2010/main" val="0"/>
-              </a:ext>
-            </a:extLst>
-          </a:blip>
-          <a:stretch>
-            <a:fillRect/>
-          </a:stretch>
-        </p:blipFill>
-        <p:spPr>
-          <a:xfrm>
-            <a:off x="1664167" y="1105831"/>
-            <a:ext cx="6363251" cy="5296359"/>
-          </a:xfrm>
-          <a:prstGeom prst="rect">
-            <a:avLst/>
-          </a:prstGeom>
-          <a:effectLst>
-            <a:softEdge rad="152400"/>
-          </a:effectLst>
-        </p:spPr>
-      </p:pic>
-    </p:spTree>
-  </p:cSld>
-  <p:clrMapOvr>
-    <a:masterClrMapping/>
-  </p:clrMapOvr>
-</p:sld>
-</file>
-
-<file path=ppt/slides/slide24.xml><?xml version="1.0" encoding="utf-8"?>
+<file path=ppt/slides/slide19.xml><?xml version="1.0" encoding="utf-8"?>
 <p:sld xmlns:a="http://schemas.openxmlformats.org/drawingml/2006/main" xmlns:r="http://schemas.openxmlformats.org/officeDocument/2006/relationships" xmlns:p="http://schemas.openxmlformats.org/presentationml/2006/main">
   <p:cSld>
     <p:spTree>
@@ -16416,7 +14856,7 @@
         </p:nvSpPr>
         <p:spPr>
           <a:xfrm>
-            <a:off x="2843808" y="332656"/>
+            <a:off x="3563888" y="764704"/>
             <a:ext cx="3888432" cy="470000"/>
           </a:xfrm>
           <a:prstGeom prst="rect">
@@ -16705,320 +15145,12 @@
           </a:p>
         </p:txBody>
       </p:sp>
-    </p:spTree>
-    <p:extLst>
-      <p:ext uri="{BB962C8B-B14F-4D97-AF65-F5344CB8AC3E}">
-        <p14:creationId xmlns:p14="http://schemas.microsoft.com/office/powerpoint/2010/main" val="3631617447"/>
-      </p:ext>
-    </p:extLst>
-  </p:cSld>
-  <p:clrMapOvr>
-    <a:masterClrMapping/>
-  </p:clrMapOvr>
-</p:sld>
-</file>
-
-<file path=ppt/slides/slide25.xml><?xml version="1.0" encoding="utf-8"?>
-<p:sld xmlns:a="http://schemas.openxmlformats.org/drawingml/2006/main" xmlns:r="http://schemas.openxmlformats.org/officeDocument/2006/relationships" xmlns:p="http://schemas.openxmlformats.org/presentationml/2006/main">
-  <p:cSld>
-    <p:spTree>
-      <p:nvGrpSpPr>
-        <p:cNvPr id="1" name=""/>
-        <p:cNvGrpSpPr/>
-        <p:nvPr/>
-      </p:nvGrpSpPr>
-      <p:grpSpPr>
-        <a:xfrm>
-          <a:off x="0" y="0"/>
-          <a:ext cx="0" cy="0"/>
-          <a:chOff x="0" y="0"/>
-          <a:chExt cx="0" cy="0"/>
-        </a:xfrm>
-      </p:grpSpPr>
       <p:sp>
         <p:nvSpPr>
-          <p:cNvPr id="2" name="Прямоугольник 1">
+          <p:cNvPr id="4" name="Объект 2">
             <a:extLst>
               <a:ext uri="{FF2B5EF4-FFF2-40B4-BE49-F238E27FC236}">
-                <a16:creationId xmlns:a16="http://schemas.microsoft.com/office/drawing/2014/main" id="{B20AAF5C-993C-41F9-B61E-25440022A1DC}"/>
-              </a:ext>
-            </a:extLst>
-          </p:cNvPr>
-          <p:cNvSpPr/>
-          <p:nvPr/>
-        </p:nvSpPr>
-        <p:spPr>
-          <a:xfrm>
-            <a:off x="1259632" y="908720"/>
-            <a:ext cx="7272808" cy="4545796"/>
-          </a:xfrm>
-          <a:prstGeom prst="rect">
-            <a:avLst/>
-          </a:prstGeom>
-        </p:spPr>
-        <p:txBody>
-          <a:bodyPr wrap="square">
-            <a:spAutoFit/>
-          </a:bodyPr>
-          <a:lstStyle/>
-          <a:p>
-            <a:pPr>
-              <a:lnSpc>
-                <a:spcPct val="107000"/>
-              </a:lnSpc>
-              <a:spcAft>
-                <a:spcPts val="800"/>
-              </a:spcAft>
-            </a:pPr>
-            <a:r>
-              <a:rPr lang="ru-RU" sz="2000" dirty="0">
-                <a:solidFill>
-                  <a:schemeClr val="bg2">
-                    <a:lumMod val="75000"/>
-                  </a:schemeClr>
-                </a:solidFill>
-                <a:ea typeface="Calibri" panose="020F0502020204030204" pitchFamily="34" charset="0"/>
-                <a:cs typeface="Times New Roman" panose="02020603050405020304" pitchFamily="18" charset="0"/>
-              </a:rPr>
-              <a:t>Совместимость с базами данных </a:t>
-            </a:r>
-          </a:p>
-          <a:p>
-            <a:pPr marL="285750" indent="-285750">
-              <a:lnSpc>
-                <a:spcPct val="107000"/>
-              </a:lnSpc>
-              <a:spcAft>
-                <a:spcPts val="800"/>
-              </a:spcAft>
-              <a:buFont typeface="Arial" panose="020B0604020202020204" pitchFamily="34" charset="0"/>
-              <a:buChar char="•"/>
-            </a:pPr>
-            <a:r>
-              <a:rPr lang="en-US" dirty="0">
-                <a:solidFill>
-                  <a:schemeClr val="bg2">
-                    <a:lumMod val="75000"/>
-                  </a:schemeClr>
-                </a:solidFill>
-                <a:ea typeface="Calibri" panose="020F0502020204030204" pitchFamily="34" charset="0"/>
-                <a:cs typeface="Times New Roman" panose="02020603050405020304" pitchFamily="18" charset="0"/>
-              </a:rPr>
-              <a:t>SQL Server 2012 Standard (x64, x86), Enterprise (x64, x86), Express-SSMSE (x64, x86) SP2 </a:t>
-            </a:r>
-            <a:endParaRPr lang="ru-RU" dirty="0">
-              <a:solidFill>
-                <a:schemeClr val="bg2">
-                  <a:lumMod val="75000"/>
-                </a:schemeClr>
-              </a:solidFill>
-              <a:ea typeface="Calibri" panose="020F0502020204030204" pitchFamily="34" charset="0"/>
-              <a:cs typeface="Times New Roman" panose="02020603050405020304" pitchFamily="18" charset="0"/>
-            </a:endParaRPr>
-          </a:p>
-          <a:p>
-            <a:pPr marL="285750" indent="-285750">
-              <a:lnSpc>
-                <a:spcPct val="107000"/>
-              </a:lnSpc>
-              <a:spcAft>
-                <a:spcPts val="800"/>
-              </a:spcAft>
-              <a:buFont typeface="Arial" panose="020B0604020202020204" pitchFamily="34" charset="0"/>
-              <a:buChar char="•"/>
-            </a:pPr>
-            <a:r>
-              <a:rPr lang="en-US" dirty="0">
-                <a:solidFill>
-                  <a:schemeClr val="bg2">
-                    <a:lumMod val="75000"/>
-                  </a:schemeClr>
-                </a:solidFill>
-                <a:ea typeface="Calibri" panose="020F0502020204030204" pitchFamily="34" charset="0"/>
-                <a:cs typeface="Times New Roman" panose="02020603050405020304" pitchFamily="18" charset="0"/>
-              </a:rPr>
-              <a:t>SQL Server 2014 Standard (x64, x86), Enterprise (x64, x86), Express-SSMSE (x64, x86) </a:t>
-            </a:r>
-            <a:endParaRPr lang="ru-RU" dirty="0">
-              <a:solidFill>
-                <a:schemeClr val="bg2">
-                  <a:lumMod val="75000"/>
-                </a:schemeClr>
-              </a:solidFill>
-              <a:ea typeface="Calibri" panose="020F0502020204030204" pitchFamily="34" charset="0"/>
-              <a:cs typeface="Times New Roman" panose="02020603050405020304" pitchFamily="18" charset="0"/>
-            </a:endParaRPr>
-          </a:p>
-          <a:p>
-            <a:pPr marL="285750" indent="-285750">
-              <a:lnSpc>
-                <a:spcPct val="107000"/>
-              </a:lnSpc>
-              <a:spcAft>
-                <a:spcPts val="800"/>
-              </a:spcAft>
-              <a:buFont typeface="Arial" panose="020B0604020202020204" pitchFamily="34" charset="0"/>
-              <a:buChar char="•"/>
-            </a:pPr>
-            <a:r>
-              <a:rPr lang="en-US" dirty="0">
-                <a:solidFill>
-                  <a:schemeClr val="bg2">
-                    <a:lumMod val="75000"/>
-                  </a:schemeClr>
-                </a:solidFill>
-                <a:ea typeface="Calibri" panose="020F0502020204030204" pitchFamily="34" charset="0"/>
-                <a:cs typeface="Times New Roman" panose="02020603050405020304" pitchFamily="18" charset="0"/>
-              </a:rPr>
-              <a:t>SQL Server 2014 Standard (x64, x86), Enterprise (x64, x86), Express-SSMSE (x64, x86) SP1 </a:t>
-            </a:r>
-            <a:endParaRPr lang="ru-RU" dirty="0">
-              <a:solidFill>
-                <a:schemeClr val="bg2">
-                  <a:lumMod val="75000"/>
-                </a:schemeClr>
-              </a:solidFill>
-              <a:ea typeface="Calibri" panose="020F0502020204030204" pitchFamily="34" charset="0"/>
-              <a:cs typeface="Times New Roman" panose="02020603050405020304" pitchFamily="18" charset="0"/>
-            </a:endParaRPr>
-          </a:p>
-          <a:p>
-            <a:pPr marL="285750" indent="-285750">
-              <a:lnSpc>
-                <a:spcPct val="107000"/>
-              </a:lnSpc>
-              <a:spcAft>
-                <a:spcPts val="800"/>
-              </a:spcAft>
-              <a:buFont typeface="Arial" panose="020B0604020202020204" pitchFamily="34" charset="0"/>
-              <a:buChar char="•"/>
-            </a:pPr>
-            <a:r>
-              <a:rPr lang="en-US" dirty="0">
-                <a:solidFill>
-                  <a:schemeClr val="bg2">
-                    <a:lumMod val="75000"/>
-                  </a:schemeClr>
-                </a:solidFill>
-                <a:ea typeface="Calibri" panose="020F0502020204030204" pitchFamily="34" charset="0"/>
-                <a:cs typeface="Times New Roman" panose="02020603050405020304" pitchFamily="18" charset="0"/>
-              </a:rPr>
-              <a:t>SQL Server 2014 Standard (x64, x86), Enterprise (x64, x86), Express-SSMSE (x64, x86) SP2 </a:t>
-            </a:r>
-            <a:endParaRPr lang="ru-RU" dirty="0">
-              <a:solidFill>
-                <a:schemeClr val="bg2">
-                  <a:lumMod val="75000"/>
-                </a:schemeClr>
-              </a:solidFill>
-              <a:ea typeface="Calibri" panose="020F0502020204030204" pitchFamily="34" charset="0"/>
-              <a:cs typeface="Times New Roman" panose="02020603050405020304" pitchFamily="18" charset="0"/>
-            </a:endParaRPr>
-          </a:p>
-          <a:p>
-            <a:pPr marL="285750" indent="-285750">
-              <a:lnSpc>
-                <a:spcPct val="107000"/>
-              </a:lnSpc>
-              <a:spcAft>
-                <a:spcPts val="800"/>
-              </a:spcAft>
-              <a:buFont typeface="Arial" panose="020B0604020202020204" pitchFamily="34" charset="0"/>
-              <a:buChar char="•"/>
-            </a:pPr>
-            <a:r>
-              <a:rPr lang="en-US" dirty="0">
-                <a:solidFill>
-                  <a:schemeClr val="bg2">
-                    <a:lumMod val="75000"/>
-                  </a:schemeClr>
-                </a:solidFill>
-                <a:ea typeface="Calibri" panose="020F0502020204030204" pitchFamily="34" charset="0"/>
-                <a:cs typeface="Times New Roman" panose="02020603050405020304" pitchFamily="18" charset="0"/>
-              </a:rPr>
-              <a:t>SQL Server 2016 Standard (x64, x86), Enterprise (x64, x86), Express-SSMSE (x64, x86), </a:t>
-            </a:r>
-            <a:endParaRPr lang="ru-RU" dirty="0">
-              <a:solidFill>
-                <a:schemeClr val="bg2">
-                  <a:lumMod val="75000"/>
-                </a:schemeClr>
-              </a:solidFill>
-              <a:ea typeface="Calibri" panose="020F0502020204030204" pitchFamily="34" charset="0"/>
-              <a:cs typeface="Times New Roman" panose="02020603050405020304" pitchFamily="18" charset="0"/>
-            </a:endParaRPr>
-          </a:p>
-          <a:p>
-            <a:pPr marL="285750" indent="-285750">
-              <a:lnSpc>
-                <a:spcPct val="107000"/>
-              </a:lnSpc>
-              <a:spcAft>
-                <a:spcPts val="800"/>
-              </a:spcAft>
-              <a:buFont typeface="Arial" panose="020B0604020202020204" pitchFamily="34" charset="0"/>
-              <a:buChar char="•"/>
-            </a:pPr>
-            <a:r>
-              <a:rPr lang="en-US" dirty="0">
-                <a:solidFill>
-                  <a:schemeClr val="bg2">
-                    <a:lumMod val="75000"/>
-                  </a:schemeClr>
-                </a:solidFill>
-                <a:ea typeface="Calibri" panose="020F0502020204030204" pitchFamily="34" charset="0"/>
-                <a:cs typeface="Times New Roman" panose="02020603050405020304" pitchFamily="18" charset="0"/>
-              </a:rPr>
-              <a:t>SQL Server 2016 Enterprise (x64, x86), Express-SSMSE (x64, x86), Standard (x64, x86) SP1</a:t>
-            </a:r>
-            <a:endParaRPr lang="ru-RU" dirty="0">
-              <a:solidFill>
-                <a:schemeClr val="bg2">
-                  <a:lumMod val="75000"/>
-                </a:schemeClr>
-              </a:solidFill>
-              <a:ea typeface="Calibri" panose="020F0502020204030204" pitchFamily="34" charset="0"/>
-              <a:cs typeface="Times New Roman" panose="02020603050405020304" pitchFamily="18" charset="0"/>
-            </a:endParaRPr>
-          </a:p>
-        </p:txBody>
-      </p:sp>
-    </p:spTree>
-    <p:extLst>
-      <p:ext uri="{BB962C8B-B14F-4D97-AF65-F5344CB8AC3E}">
-        <p14:creationId xmlns:p14="http://schemas.microsoft.com/office/powerpoint/2010/main" val="3590310954"/>
-      </p:ext>
-    </p:extLst>
-  </p:cSld>
-  <p:clrMapOvr>
-    <a:masterClrMapping/>
-  </p:clrMapOvr>
-</p:sld>
-</file>
-
-<file path=ppt/slides/slide26.xml><?xml version="1.0" encoding="utf-8"?>
-<p:sld xmlns:a="http://schemas.openxmlformats.org/drawingml/2006/main" xmlns:r="http://schemas.openxmlformats.org/officeDocument/2006/relationships" xmlns:p="http://schemas.openxmlformats.org/presentationml/2006/main">
-  <p:cSld>
-    <p:spTree>
-      <p:nvGrpSpPr>
-        <p:cNvPr id="1" name=""/>
-        <p:cNvGrpSpPr/>
-        <p:nvPr/>
-      </p:nvGrpSpPr>
-      <p:grpSpPr>
-        <a:xfrm>
-          <a:off x="0" y="0"/>
-          <a:ext cx="0" cy="0"/>
-          <a:chOff x="0" y="0"/>
-          <a:chExt cx="0" cy="0"/>
-        </a:xfrm>
-      </p:grpSpPr>
-      <p:sp>
-        <p:nvSpPr>
-          <p:cNvPr id="5" name="Объект 2">
-            <a:extLst>
-              <a:ext uri="{FF2B5EF4-FFF2-40B4-BE49-F238E27FC236}">
-                <a16:creationId xmlns:a16="http://schemas.microsoft.com/office/drawing/2014/main" id="{57BF9525-EF74-4614-97B0-E9ED6EA3A9E0}"/>
+                <a16:creationId xmlns:a16="http://schemas.microsoft.com/office/drawing/2014/main" id="{56AB5061-80C3-49F8-87A7-29C57FA0862A}"/>
               </a:ext>
             </a:extLst>
           </p:cNvPr>
@@ -17029,8 +15161,8 @@
         </p:nvSpPr>
         <p:spPr>
           <a:xfrm>
-            <a:off x="1835696" y="428787"/>
-            <a:ext cx="6020195" cy="1354089"/>
+            <a:off x="2771800" y="161943"/>
+            <a:ext cx="3888432" cy="513725"/>
           </a:xfrm>
           <a:prstGeom prst="rect">
             <a:avLst/>
@@ -17222,67 +15354,15 @@
                   <a:schemeClr val="bg1"/>
                 </a:solidFill>
               </a:rPr>
-              <a:t>Распределенная система </a:t>
-            </a:r>
-            <a:r>
-              <a:rPr lang="en-US" dirty="0">
-                <a:solidFill>
-                  <a:schemeClr val="bg1"/>
-                </a:solidFill>
-              </a:rPr>
-              <a:t>(DCS)</a:t>
-            </a:r>
-            <a:endParaRPr lang="ru-RU" dirty="0">
-              <a:solidFill>
-                <a:schemeClr val="bg1"/>
-              </a:solidFill>
-            </a:endParaRPr>
+              <a:t>Клиент-серверная система</a:t>
+            </a:r>
           </a:p>
         </p:txBody>
       </p:sp>
-      <p:pic>
-        <p:nvPicPr>
-          <p:cNvPr id="3" name="Рисунок 2">
-            <a:extLst>
-              <a:ext uri="{FF2B5EF4-FFF2-40B4-BE49-F238E27FC236}">
-                <a16:creationId xmlns:a16="http://schemas.microsoft.com/office/drawing/2014/main" id="{44D6DADD-006C-453A-A20F-864AF8C548BA}"/>
-              </a:ext>
-            </a:extLst>
-          </p:cNvPr>
-          <p:cNvPicPr>
-            <a:picLocks noChangeAspect="1"/>
-          </p:cNvPicPr>
-          <p:nvPr/>
-        </p:nvPicPr>
-        <p:blipFill>
-          <a:blip r:embed="rId2">
-            <a:extLst>
-              <a:ext uri="{28A0092B-C50C-407E-A947-70E740481C1C}">
-                <a14:useLocalDpi xmlns:a14="http://schemas.microsoft.com/office/drawing/2010/main" val="0"/>
-              </a:ext>
-            </a:extLst>
-          </a:blip>
-          <a:stretch>
-            <a:fillRect/>
-          </a:stretch>
-        </p:blipFill>
-        <p:spPr>
-          <a:xfrm>
-            <a:off x="1835696" y="1268760"/>
-            <a:ext cx="5876179" cy="4922559"/>
-          </a:xfrm>
-          <a:prstGeom prst="rect">
-            <a:avLst/>
-          </a:prstGeom>
-          <a:effectLst>
-            <a:softEdge rad="127000"/>
-          </a:effectLst>
-        </p:spPr>
-      </p:pic>
     </p:spTree>
     <p:extLst>
       <p:ext uri="{BB962C8B-B14F-4D97-AF65-F5344CB8AC3E}">
-        <p14:creationId xmlns:p14="http://schemas.microsoft.com/office/powerpoint/2010/main" val="3033753804"/>
+        <p14:creationId xmlns:p14="http://schemas.microsoft.com/office/powerpoint/2010/main" val="3631617447"/>
       </p:ext>
     </p:extLst>
   </p:cSld>
@@ -17292,7 +15372,501 @@
 </p:sld>
 </file>
 
-<file path=ppt/slides/slide27.xml><?xml version="1.0" encoding="utf-8"?>
+<file path=ppt/slides/slide2.xml><?xml version="1.0" encoding="utf-8"?>
+<p:sld xmlns:a="http://schemas.openxmlformats.org/drawingml/2006/main" xmlns:r="http://schemas.openxmlformats.org/officeDocument/2006/relationships" xmlns:p="http://schemas.openxmlformats.org/presentationml/2006/main">
+  <p:cSld>
+    <p:spTree>
+      <p:nvGrpSpPr>
+        <p:cNvPr id="1" name=""/>
+        <p:cNvGrpSpPr/>
+        <p:nvPr/>
+      </p:nvGrpSpPr>
+      <p:grpSpPr>
+        <a:xfrm>
+          <a:off x="0" y="0"/>
+          <a:ext cx="0" cy="0"/>
+          <a:chOff x="0" y="0"/>
+          <a:chExt cx="0" cy="0"/>
+        </a:xfrm>
+      </p:grpSpPr>
+      <p:sp>
+        <p:nvSpPr>
+          <p:cNvPr id="2" name="Заголовок 1">
+            <a:extLst>
+              <a:ext uri="{FF2B5EF4-FFF2-40B4-BE49-F238E27FC236}">
+                <a16:creationId xmlns:a16="http://schemas.microsoft.com/office/drawing/2014/main" id="{D4A6128D-F61E-4DBA-95ED-294F57277C68}"/>
+              </a:ext>
+            </a:extLst>
+          </p:cNvPr>
+          <p:cNvSpPr>
+            <a:spLocks noGrp="1"/>
+          </p:cNvSpPr>
+          <p:nvPr>
+            <p:ph type="title"/>
+          </p:nvPr>
+        </p:nvSpPr>
+        <p:spPr>
+          <a:xfrm>
+            <a:off x="851679" y="834542"/>
+            <a:ext cx="7429499" cy="794258"/>
+          </a:xfrm>
+        </p:spPr>
+        <p:txBody>
+          <a:bodyPr>
+            <a:normAutofit/>
+          </a:bodyPr>
+          <a:lstStyle/>
+          <a:p>
+            <a:pPr algn="ctr"/>
+            <a:r>
+              <a:rPr lang="en-US" sz="2400" dirty="0">
+                <a:solidFill>
+                  <a:schemeClr val="bg2">
+                    <a:lumMod val="75000"/>
+                  </a:schemeClr>
+                </a:solidFill>
+                <a:latin typeface="+mn-lt"/>
+              </a:rPr>
+              <a:t>Intouch me</a:t>
+            </a:r>
+            <a:endParaRPr lang="ru-RU" sz="2400" dirty="0">
+              <a:solidFill>
+                <a:schemeClr val="bg2">
+                  <a:lumMod val="75000"/>
+                </a:schemeClr>
+              </a:solidFill>
+              <a:latin typeface="+mn-lt"/>
+            </a:endParaRPr>
+          </a:p>
+        </p:txBody>
+      </p:sp>
+      <p:sp>
+        <p:nvSpPr>
+          <p:cNvPr id="3" name="Объект 2">
+            <a:extLst>
+              <a:ext uri="{FF2B5EF4-FFF2-40B4-BE49-F238E27FC236}">
+                <a16:creationId xmlns:a16="http://schemas.microsoft.com/office/drawing/2014/main" id="{B3686575-99BC-4AB4-89E3-4B89AA8B9F74}"/>
+              </a:ext>
+            </a:extLst>
+          </p:cNvPr>
+          <p:cNvSpPr>
+            <a:spLocks noGrp="1"/>
+          </p:cNvSpPr>
+          <p:nvPr>
+            <p:ph idx="1"/>
+          </p:nvPr>
+        </p:nvSpPr>
+        <p:spPr>
+          <a:xfrm>
+            <a:off x="856060" y="1628800"/>
+            <a:ext cx="7429499" cy="4162401"/>
+          </a:xfrm>
+        </p:spPr>
+        <p:txBody>
+          <a:bodyPr>
+            <a:normAutofit/>
+          </a:bodyPr>
+          <a:lstStyle/>
+          <a:p>
+            <a:pPr marL="0" indent="0">
+              <a:buNone/>
+            </a:pPr>
+            <a:r>
+              <a:rPr lang="ru-RU" sz="2000" dirty="0">
+                <a:solidFill>
+                  <a:schemeClr val="bg2">
+                    <a:lumMod val="75000"/>
+                  </a:schemeClr>
+                </a:solidFill>
+              </a:rPr>
+              <a:t>Возможности:</a:t>
+            </a:r>
+          </a:p>
+          <a:p>
+            <a:pPr lvl="0"/>
+            <a:r>
+              <a:rPr lang="ru-RU" sz="2000" dirty="0">
+                <a:solidFill>
+                  <a:schemeClr val="bg2">
+                    <a:lumMod val="75000"/>
+                  </a:schemeClr>
+                </a:solidFill>
+              </a:rPr>
+              <a:t>Система распределенных </a:t>
+            </a:r>
+            <a:r>
+              <a:rPr lang="ru-RU" sz="2000" dirty="0" err="1">
+                <a:solidFill>
+                  <a:schemeClr val="bg2">
+                    <a:lumMod val="75000"/>
+                  </a:schemeClr>
+                </a:solidFill>
+              </a:rPr>
+              <a:t>алармов</a:t>
+            </a:r>
+            <a:endParaRPr lang="en-US" sz="2000" dirty="0">
+              <a:solidFill>
+                <a:schemeClr val="bg2">
+                  <a:lumMod val="75000"/>
+                </a:schemeClr>
+              </a:solidFill>
+            </a:endParaRPr>
+          </a:p>
+          <a:p>
+            <a:pPr lvl="0"/>
+            <a:r>
+              <a:rPr lang="ru-RU" sz="2000" dirty="0">
+                <a:solidFill>
+                  <a:schemeClr val="bg2">
+                    <a:lumMod val="75000"/>
+                  </a:schemeClr>
+                </a:solidFill>
+              </a:rPr>
+              <a:t>Динамическое преобразование разрешения</a:t>
+            </a:r>
+          </a:p>
+          <a:p>
+            <a:pPr lvl="0"/>
+            <a:r>
+              <a:rPr lang="ru-RU" sz="2000" dirty="0">
+                <a:solidFill>
+                  <a:schemeClr val="bg2">
+                    <a:lumMod val="75000"/>
+                  </a:schemeClr>
+                </a:solidFill>
+              </a:rPr>
+              <a:t>Сетевая разработка приложений</a:t>
+            </a:r>
+          </a:p>
+          <a:p>
+            <a:pPr lvl="0"/>
+            <a:r>
+              <a:rPr lang="ru-RU" sz="2000" dirty="0">
+                <a:solidFill>
+                  <a:schemeClr val="bg2">
+                    <a:lumMod val="75000"/>
+                  </a:schemeClr>
+                </a:solidFill>
+              </a:rPr>
+              <a:t>Поддержка более, чем 300 различных серверов ввода/вывода.</a:t>
+            </a:r>
+          </a:p>
+          <a:p>
+            <a:pPr lvl="0"/>
+            <a:r>
+              <a:rPr lang="ru-RU" sz="2000" dirty="0">
+                <a:solidFill>
+                  <a:schemeClr val="bg2">
+                    <a:lumMod val="75000"/>
+                  </a:schemeClr>
+                </a:solidFill>
+              </a:rPr>
+              <a:t>Динамическая разработка сетевых приложений.</a:t>
+            </a:r>
+          </a:p>
+        </p:txBody>
+      </p:sp>
+      <p:sp>
+        <p:nvSpPr>
+          <p:cNvPr id="4" name="Объект 2">
+            <a:extLst>
+              <a:ext uri="{FF2B5EF4-FFF2-40B4-BE49-F238E27FC236}">
+                <a16:creationId xmlns:a16="http://schemas.microsoft.com/office/drawing/2014/main" id="{299B3180-872A-4080-99D7-C20787D11C62}"/>
+              </a:ext>
+            </a:extLst>
+          </p:cNvPr>
+          <p:cNvSpPr txBox="1">
+            <a:spLocks/>
+          </p:cNvSpPr>
+          <p:nvPr/>
+        </p:nvSpPr>
+        <p:spPr>
+          <a:xfrm>
+            <a:off x="1938638" y="476672"/>
+            <a:ext cx="6020195" cy="1354089"/>
+          </a:xfrm>
+          <a:prstGeom prst="rect">
+            <a:avLst/>
+          </a:prstGeom>
+        </p:spPr>
+        <p:txBody>
+          <a:bodyPr vert="horz" lIns="91440" tIns="45720" rIns="91440" bIns="45720" rtlCol="0">
+            <a:normAutofit/>
+          </a:bodyPr>
+          <a:lstStyle>
+            <a:lvl1pPr marL="228600" indent="-228600" algn="l" defTabSz="914400" rtl="0" eaLnBrk="1" latinLnBrk="0" hangingPunct="1">
+              <a:lnSpc>
+                <a:spcPct val="120000"/>
+              </a:lnSpc>
+              <a:spcBef>
+                <a:spcPts val="1000"/>
+              </a:spcBef>
+              <a:buSzPct val="125000"/>
+              <a:buFont typeface="Arial" panose="020B0604020202020204" pitchFamily="34" charset="0"/>
+              <a:buChar char="•"/>
+              <a:defRPr sz="2400" kern="1200">
+                <a:solidFill>
+                  <a:schemeClr val="tx1"/>
+                </a:solidFill>
+                <a:latin typeface="+mn-lt"/>
+                <a:ea typeface="+mn-ea"/>
+                <a:cs typeface="+mn-cs"/>
+              </a:defRPr>
+            </a:lvl1pPr>
+            <a:lvl2pPr marL="685800" indent="-228600" algn="l" defTabSz="914400" rtl="0" eaLnBrk="1" latinLnBrk="0" hangingPunct="1">
+              <a:lnSpc>
+                <a:spcPct val="120000"/>
+              </a:lnSpc>
+              <a:spcBef>
+                <a:spcPts val="500"/>
+              </a:spcBef>
+              <a:buSzPct val="125000"/>
+              <a:buFont typeface="Arial" panose="020B0604020202020204" pitchFamily="34" charset="0"/>
+              <a:buChar char="•"/>
+              <a:defRPr sz="2000" kern="1200">
+                <a:solidFill>
+                  <a:schemeClr val="tx1"/>
+                </a:solidFill>
+                <a:latin typeface="+mn-lt"/>
+                <a:ea typeface="+mn-ea"/>
+                <a:cs typeface="+mn-cs"/>
+              </a:defRPr>
+            </a:lvl2pPr>
+            <a:lvl3pPr marL="1143000" indent="-228600" algn="l" defTabSz="914400" rtl="0" eaLnBrk="1" latinLnBrk="0" hangingPunct="1">
+              <a:lnSpc>
+                <a:spcPct val="120000"/>
+              </a:lnSpc>
+              <a:spcBef>
+                <a:spcPts val="500"/>
+              </a:spcBef>
+              <a:buSzPct val="125000"/>
+              <a:buFont typeface="Arial" panose="020B0604020202020204" pitchFamily="34" charset="0"/>
+              <a:buChar char="•"/>
+              <a:defRPr sz="1800" kern="1200">
+                <a:solidFill>
+                  <a:schemeClr val="tx1"/>
+                </a:solidFill>
+                <a:latin typeface="+mn-lt"/>
+                <a:ea typeface="+mn-ea"/>
+                <a:cs typeface="+mn-cs"/>
+              </a:defRPr>
+            </a:lvl3pPr>
+            <a:lvl4pPr marL="1600200" indent="-228600" algn="l" defTabSz="914400" rtl="0" eaLnBrk="1" latinLnBrk="0" hangingPunct="1">
+              <a:lnSpc>
+                <a:spcPct val="120000"/>
+              </a:lnSpc>
+              <a:spcBef>
+                <a:spcPts val="500"/>
+              </a:spcBef>
+              <a:buSzPct val="125000"/>
+              <a:buFont typeface="Arial" panose="020B0604020202020204" pitchFamily="34" charset="0"/>
+              <a:buChar char="•"/>
+              <a:defRPr sz="1600" kern="1200">
+                <a:solidFill>
+                  <a:schemeClr val="tx1"/>
+                </a:solidFill>
+                <a:latin typeface="+mn-lt"/>
+                <a:ea typeface="+mn-ea"/>
+                <a:cs typeface="+mn-cs"/>
+              </a:defRPr>
+            </a:lvl4pPr>
+            <a:lvl5pPr marL="2057400" indent="-228600" algn="l" defTabSz="914400" rtl="0" eaLnBrk="1" latinLnBrk="0" hangingPunct="1">
+              <a:lnSpc>
+                <a:spcPct val="120000"/>
+              </a:lnSpc>
+              <a:spcBef>
+                <a:spcPts val="500"/>
+              </a:spcBef>
+              <a:buSzPct val="125000"/>
+              <a:buFont typeface="Arial" panose="020B0604020202020204" pitchFamily="34" charset="0"/>
+              <a:buChar char="•"/>
+              <a:defRPr sz="1600" kern="1200">
+                <a:solidFill>
+                  <a:schemeClr val="tx1"/>
+                </a:solidFill>
+                <a:latin typeface="+mn-lt"/>
+                <a:ea typeface="+mn-ea"/>
+                <a:cs typeface="+mn-cs"/>
+              </a:defRPr>
+            </a:lvl5pPr>
+            <a:lvl6pPr marL="2514600" indent="-228600" algn="l" defTabSz="914400" rtl="0" eaLnBrk="1" latinLnBrk="0" hangingPunct="1">
+              <a:lnSpc>
+                <a:spcPct val="120000"/>
+              </a:lnSpc>
+              <a:spcBef>
+                <a:spcPts val="500"/>
+              </a:spcBef>
+              <a:buSzPct val="125000"/>
+              <a:buFont typeface="Arial" panose="020B0604020202020204" pitchFamily="34" charset="0"/>
+              <a:buChar char="•"/>
+              <a:defRPr sz="1400" kern="1200">
+                <a:solidFill>
+                  <a:schemeClr val="tx1"/>
+                </a:solidFill>
+                <a:latin typeface="+mn-lt"/>
+                <a:ea typeface="+mn-ea"/>
+                <a:cs typeface="+mn-cs"/>
+              </a:defRPr>
+            </a:lvl6pPr>
+            <a:lvl7pPr marL="2971800" indent="-228600" algn="l" defTabSz="914400" rtl="0" eaLnBrk="1" latinLnBrk="0" hangingPunct="1">
+              <a:lnSpc>
+                <a:spcPct val="120000"/>
+              </a:lnSpc>
+              <a:spcBef>
+                <a:spcPts val="500"/>
+              </a:spcBef>
+              <a:buSzPct val="125000"/>
+              <a:buFont typeface="Arial" panose="020B0604020202020204" pitchFamily="34" charset="0"/>
+              <a:buChar char="•"/>
+              <a:defRPr sz="1400" kern="1200">
+                <a:solidFill>
+                  <a:schemeClr val="tx1"/>
+                </a:solidFill>
+                <a:latin typeface="+mn-lt"/>
+                <a:ea typeface="+mn-ea"/>
+                <a:cs typeface="+mn-cs"/>
+              </a:defRPr>
+            </a:lvl7pPr>
+            <a:lvl8pPr marL="3429000" indent="-228600" algn="l" defTabSz="914400" rtl="0" eaLnBrk="1" latinLnBrk="0" hangingPunct="1">
+              <a:lnSpc>
+                <a:spcPct val="120000"/>
+              </a:lnSpc>
+              <a:spcBef>
+                <a:spcPts val="500"/>
+              </a:spcBef>
+              <a:buSzPct val="125000"/>
+              <a:buFont typeface="Arial" panose="020B0604020202020204" pitchFamily="34" charset="0"/>
+              <a:buChar char="•"/>
+              <a:defRPr sz="1400" kern="1200">
+                <a:solidFill>
+                  <a:schemeClr val="tx1"/>
+                </a:solidFill>
+                <a:latin typeface="+mn-lt"/>
+                <a:ea typeface="+mn-ea"/>
+                <a:cs typeface="+mn-cs"/>
+              </a:defRPr>
+            </a:lvl8pPr>
+            <a:lvl9pPr marL="3886200" indent="-228600" algn="l" defTabSz="914400" rtl="0" eaLnBrk="1" latinLnBrk="0" hangingPunct="1">
+              <a:lnSpc>
+                <a:spcPct val="120000"/>
+              </a:lnSpc>
+              <a:spcBef>
+                <a:spcPts val="500"/>
+              </a:spcBef>
+              <a:buSzPct val="125000"/>
+              <a:buFont typeface="Arial" panose="020B0604020202020204" pitchFamily="34" charset="0"/>
+              <a:buChar char="•"/>
+              <a:defRPr sz="1400" kern="1200">
+                <a:solidFill>
+                  <a:schemeClr val="tx1"/>
+                </a:solidFill>
+                <a:latin typeface="+mn-lt"/>
+                <a:ea typeface="+mn-ea"/>
+                <a:cs typeface="+mn-cs"/>
+              </a:defRPr>
+            </a:lvl9pPr>
+          </a:lstStyle>
+          <a:p>
+            <a:pPr marL="0" indent="0" algn="ctr">
+              <a:buFont typeface="Arial" panose="020B0604020202020204" pitchFamily="34" charset="0"/>
+              <a:buNone/>
+            </a:pPr>
+            <a:r>
+              <a:rPr lang="ru-RU">
+                <a:solidFill>
+                  <a:schemeClr val="bg1"/>
+                </a:solidFill>
+              </a:rPr>
+              <a:t>Одиночная система</a:t>
+            </a:r>
+            <a:r>
+              <a:rPr lang="en-US">
+                <a:solidFill>
+                  <a:schemeClr val="bg1"/>
+                </a:solidFill>
+              </a:rPr>
+              <a:t> (standalone)</a:t>
+            </a:r>
+            <a:endParaRPr lang="ru-RU" dirty="0">
+              <a:solidFill>
+                <a:schemeClr val="bg1"/>
+              </a:solidFill>
+            </a:endParaRPr>
+          </a:p>
+        </p:txBody>
+      </p:sp>
+    </p:spTree>
+    <p:extLst>
+      <p:ext uri="{BB962C8B-B14F-4D97-AF65-F5344CB8AC3E}">
+        <p14:creationId xmlns:p14="http://schemas.microsoft.com/office/powerpoint/2010/main" val="2776598417"/>
+      </p:ext>
+    </p:extLst>
+  </p:cSld>
+  <p:clrMapOvr>
+    <a:masterClrMapping/>
+  </p:clrMapOvr>
+</p:sld>
+</file>
+
+<file path=ppt/slides/slide20.xml><?xml version="1.0" encoding="utf-8"?>
+<p:sld xmlns:a="http://schemas.openxmlformats.org/drawingml/2006/main" xmlns:r="http://schemas.openxmlformats.org/officeDocument/2006/relationships" xmlns:p="http://schemas.openxmlformats.org/presentationml/2006/main">
+  <p:cSld>
+    <p:spTree>
+      <p:nvGrpSpPr>
+        <p:cNvPr id="1" name=""/>
+        <p:cNvGrpSpPr/>
+        <p:nvPr/>
+      </p:nvGrpSpPr>
+      <p:grpSpPr>
+        <a:xfrm>
+          <a:off x="0" y="0"/>
+          <a:ext cx="0" cy="0"/>
+          <a:chOff x="0" y="0"/>
+          <a:chExt cx="0" cy="0"/>
+        </a:xfrm>
+      </p:grpSpPr>
+      <p:pic>
+        <p:nvPicPr>
+          <p:cNvPr id="3" name="Рисунок 2">
+            <a:extLst>
+              <a:ext uri="{FF2B5EF4-FFF2-40B4-BE49-F238E27FC236}">
+                <a16:creationId xmlns:a16="http://schemas.microsoft.com/office/drawing/2014/main" id="{378F428A-A90E-4F15-9831-30D691D3A071}"/>
+              </a:ext>
+            </a:extLst>
+          </p:cNvPr>
+          <p:cNvPicPr/>
+          <p:nvPr/>
+        </p:nvPicPr>
+        <p:blipFill>
+          <a:blip r:embed="rId2"/>
+          <a:stretch>
+            <a:fillRect/>
+          </a:stretch>
+        </p:blipFill>
+        <p:spPr>
+          <a:xfrm>
+            <a:off x="323528" y="620688"/>
+            <a:ext cx="8316924" cy="5112568"/>
+          </a:xfrm>
+          <a:prstGeom prst="rect">
+            <a:avLst/>
+          </a:prstGeom>
+        </p:spPr>
+      </p:pic>
+    </p:spTree>
+    <p:extLst>
+      <p:ext uri="{BB962C8B-B14F-4D97-AF65-F5344CB8AC3E}">
+        <p14:creationId xmlns:p14="http://schemas.microsoft.com/office/powerpoint/2010/main" val="3590310954"/>
+      </p:ext>
+    </p:extLst>
+  </p:cSld>
+  <p:clrMapOvr>
+    <a:masterClrMapping/>
+  </p:clrMapOvr>
+</p:sld>
+</file>
+
+<file path=ppt/slides/slide21.xml><?xml version="1.0" encoding="utf-8"?>
 <p:sld xmlns:a="http://schemas.openxmlformats.org/drawingml/2006/main" xmlns:r="http://schemas.openxmlformats.org/officeDocument/2006/relationships" xmlns:p="http://schemas.openxmlformats.org/presentationml/2006/main">
   <p:cSld>
     <p:spTree>
@@ -17323,7 +15897,7 @@
         </p:nvSpPr>
         <p:spPr>
           <a:xfrm>
-            <a:off x="2699792" y="476672"/>
+            <a:off x="2699792" y="722893"/>
             <a:ext cx="3240360" cy="461665"/>
           </a:xfrm>
           <a:prstGeom prst="rect">
@@ -17754,6 +16328,233 @@
           </a:p>
         </p:txBody>
       </p:sp>
+      <p:sp>
+        <p:nvSpPr>
+          <p:cNvPr id="4" name="Объект 2">
+            <a:extLst>
+              <a:ext uri="{FF2B5EF4-FFF2-40B4-BE49-F238E27FC236}">
+                <a16:creationId xmlns:a16="http://schemas.microsoft.com/office/drawing/2014/main" id="{4AD2E6AC-F770-47B6-9966-7357BED10E6A}"/>
+              </a:ext>
+            </a:extLst>
+          </p:cNvPr>
+          <p:cNvSpPr txBox="1">
+            <a:spLocks/>
+          </p:cNvSpPr>
+          <p:nvPr/>
+        </p:nvSpPr>
+        <p:spPr>
+          <a:xfrm>
+            <a:off x="2447764" y="170952"/>
+            <a:ext cx="4248472" cy="551941"/>
+          </a:xfrm>
+          <a:prstGeom prst="rect">
+            <a:avLst/>
+          </a:prstGeom>
+        </p:spPr>
+        <p:txBody>
+          <a:bodyPr/>
+          <a:lstStyle>
+            <a:lvl1pPr marL="228600" indent="-228600" algn="l" defTabSz="914400" rtl="0" eaLnBrk="1" latinLnBrk="0" hangingPunct="1">
+              <a:lnSpc>
+                <a:spcPct val="120000"/>
+              </a:lnSpc>
+              <a:spcBef>
+                <a:spcPts val="1000"/>
+              </a:spcBef>
+              <a:buSzPct val="125000"/>
+              <a:buFont typeface="Arial" panose="020B0604020202020204" pitchFamily="34" charset="0"/>
+              <a:buChar char="•"/>
+              <a:defRPr sz="2400" kern="1200">
+                <a:solidFill>
+                  <a:schemeClr val="tx1"/>
+                </a:solidFill>
+                <a:latin typeface="+mn-lt"/>
+                <a:ea typeface="+mn-ea"/>
+                <a:cs typeface="+mn-cs"/>
+              </a:defRPr>
+            </a:lvl1pPr>
+            <a:lvl2pPr marL="685800" indent="-228600" algn="l" defTabSz="914400" rtl="0" eaLnBrk="1" latinLnBrk="0" hangingPunct="1">
+              <a:lnSpc>
+                <a:spcPct val="120000"/>
+              </a:lnSpc>
+              <a:spcBef>
+                <a:spcPts val="500"/>
+              </a:spcBef>
+              <a:buSzPct val="125000"/>
+              <a:buFont typeface="Arial" panose="020B0604020202020204" pitchFamily="34" charset="0"/>
+              <a:buChar char="•"/>
+              <a:defRPr sz="2000" kern="1200">
+                <a:solidFill>
+                  <a:schemeClr val="tx1"/>
+                </a:solidFill>
+                <a:latin typeface="+mn-lt"/>
+                <a:ea typeface="+mn-ea"/>
+                <a:cs typeface="+mn-cs"/>
+              </a:defRPr>
+            </a:lvl2pPr>
+            <a:lvl3pPr marL="1143000" indent="-228600" algn="l" defTabSz="914400" rtl="0" eaLnBrk="1" latinLnBrk="0" hangingPunct="1">
+              <a:lnSpc>
+                <a:spcPct val="120000"/>
+              </a:lnSpc>
+              <a:spcBef>
+                <a:spcPts val="500"/>
+              </a:spcBef>
+              <a:buSzPct val="125000"/>
+              <a:buFont typeface="Arial" panose="020B0604020202020204" pitchFamily="34" charset="0"/>
+              <a:buChar char="•"/>
+              <a:defRPr sz="1800" kern="1200">
+                <a:solidFill>
+                  <a:schemeClr val="tx1"/>
+                </a:solidFill>
+                <a:latin typeface="+mn-lt"/>
+                <a:ea typeface="+mn-ea"/>
+                <a:cs typeface="+mn-cs"/>
+              </a:defRPr>
+            </a:lvl3pPr>
+            <a:lvl4pPr marL="1600200" indent="-228600" algn="l" defTabSz="914400" rtl="0" eaLnBrk="1" latinLnBrk="0" hangingPunct="1">
+              <a:lnSpc>
+                <a:spcPct val="120000"/>
+              </a:lnSpc>
+              <a:spcBef>
+                <a:spcPts val="500"/>
+              </a:spcBef>
+              <a:buSzPct val="125000"/>
+              <a:buFont typeface="Arial" panose="020B0604020202020204" pitchFamily="34" charset="0"/>
+              <a:buChar char="•"/>
+              <a:defRPr sz="1600" kern="1200">
+                <a:solidFill>
+                  <a:schemeClr val="tx1"/>
+                </a:solidFill>
+                <a:latin typeface="+mn-lt"/>
+                <a:ea typeface="+mn-ea"/>
+                <a:cs typeface="+mn-cs"/>
+              </a:defRPr>
+            </a:lvl4pPr>
+            <a:lvl5pPr marL="2057400" indent="-228600" algn="l" defTabSz="914400" rtl="0" eaLnBrk="1" latinLnBrk="0" hangingPunct="1">
+              <a:lnSpc>
+                <a:spcPct val="120000"/>
+              </a:lnSpc>
+              <a:spcBef>
+                <a:spcPts val="500"/>
+              </a:spcBef>
+              <a:buSzPct val="125000"/>
+              <a:buFont typeface="Arial" panose="020B0604020202020204" pitchFamily="34" charset="0"/>
+              <a:buChar char="•"/>
+              <a:defRPr sz="1600" kern="1200">
+                <a:solidFill>
+                  <a:schemeClr val="tx1"/>
+                </a:solidFill>
+                <a:latin typeface="+mn-lt"/>
+                <a:ea typeface="+mn-ea"/>
+                <a:cs typeface="+mn-cs"/>
+              </a:defRPr>
+            </a:lvl5pPr>
+            <a:lvl6pPr marL="2514600" indent="-228600" algn="l" defTabSz="914400" rtl="0" eaLnBrk="1" latinLnBrk="0" hangingPunct="1">
+              <a:lnSpc>
+                <a:spcPct val="120000"/>
+              </a:lnSpc>
+              <a:spcBef>
+                <a:spcPts val="500"/>
+              </a:spcBef>
+              <a:buSzPct val="125000"/>
+              <a:buFont typeface="Arial" panose="020B0604020202020204" pitchFamily="34" charset="0"/>
+              <a:buChar char="•"/>
+              <a:defRPr sz="1400" kern="1200">
+                <a:solidFill>
+                  <a:schemeClr val="tx1"/>
+                </a:solidFill>
+                <a:latin typeface="+mn-lt"/>
+                <a:ea typeface="+mn-ea"/>
+                <a:cs typeface="+mn-cs"/>
+              </a:defRPr>
+            </a:lvl6pPr>
+            <a:lvl7pPr marL="2971800" indent="-228600" algn="l" defTabSz="914400" rtl="0" eaLnBrk="1" latinLnBrk="0" hangingPunct="1">
+              <a:lnSpc>
+                <a:spcPct val="120000"/>
+              </a:lnSpc>
+              <a:spcBef>
+                <a:spcPts val="500"/>
+              </a:spcBef>
+              <a:buSzPct val="125000"/>
+              <a:buFont typeface="Arial" panose="020B0604020202020204" pitchFamily="34" charset="0"/>
+              <a:buChar char="•"/>
+              <a:defRPr sz="1400" kern="1200">
+                <a:solidFill>
+                  <a:schemeClr val="tx1"/>
+                </a:solidFill>
+                <a:latin typeface="+mn-lt"/>
+                <a:ea typeface="+mn-ea"/>
+                <a:cs typeface="+mn-cs"/>
+              </a:defRPr>
+            </a:lvl7pPr>
+            <a:lvl8pPr marL="3429000" indent="-228600" algn="l" defTabSz="914400" rtl="0" eaLnBrk="1" latinLnBrk="0" hangingPunct="1">
+              <a:lnSpc>
+                <a:spcPct val="120000"/>
+              </a:lnSpc>
+              <a:spcBef>
+                <a:spcPts val="500"/>
+              </a:spcBef>
+              <a:buSzPct val="125000"/>
+              <a:buFont typeface="Arial" panose="020B0604020202020204" pitchFamily="34" charset="0"/>
+              <a:buChar char="•"/>
+              <a:defRPr sz="1400" kern="1200">
+                <a:solidFill>
+                  <a:schemeClr val="tx1"/>
+                </a:solidFill>
+                <a:latin typeface="+mn-lt"/>
+                <a:ea typeface="+mn-ea"/>
+                <a:cs typeface="+mn-cs"/>
+              </a:defRPr>
+            </a:lvl8pPr>
+            <a:lvl9pPr marL="3886200" indent="-228600" algn="l" defTabSz="914400" rtl="0" eaLnBrk="1" latinLnBrk="0" hangingPunct="1">
+              <a:lnSpc>
+                <a:spcPct val="120000"/>
+              </a:lnSpc>
+              <a:spcBef>
+                <a:spcPts val="500"/>
+              </a:spcBef>
+              <a:buSzPct val="125000"/>
+              <a:buFont typeface="Arial" panose="020B0604020202020204" pitchFamily="34" charset="0"/>
+              <a:buChar char="•"/>
+              <a:defRPr sz="1400" kern="1200">
+                <a:solidFill>
+                  <a:schemeClr val="tx1"/>
+                </a:solidFill>
+                <a:latin typeface="+mn-lt"/>
+                <a:ea typeface="+mn-ea"/>
+                <a:cs typeface="+mn-cs"/>
+              </a:defRPr>
+            </a:lvl9pPr>
+          </a:lstStyle>
+          <a:p>
+            <a:pPr marL="0" indent="0">
+              <a:buFont typeface="Arial" panose="020B0604020202020204" pitchFamily="34" charset="0"/>
+              <a:buNone/>
+            </a:pPr>
+            <a:r>
+              <a:rPr lang="ru-RU" dirty="0">
+                <a:solidFill>
+                  <a:schemeClr val="bg1"/>
+                </a:solidFill>
+              </a:rPr>
+              <a:t>Распределенная система </a:t>
+            </a:r>
+            <a:r>
+              <a:rPr lang="en-US" dirty="0">
+                <a:solidFill>
+                  <a:schemeClr val="bg1"/>
+                </a:solidFill>
+              </a:rPr>
+              <a:t>(DCS)</a:t>
+            </a:r>
+            <a:endParaRPr lang="ru-RU" dirty="0">
+              <a:solidFill>
+                <a:schemeClr val="bg1"/>
+              </a:solidFill>
+            </a:endParaRPr>
+          </a:p>
+        </p:txBody>
+      </p:sp>
     </p:spTree>
     <p:extLst>
       <p:ext uri="{BB962C8B-B14F-4D97-AF65-F5344CB8AC3E}">
@@ -17767,7 +16568,7 @@
 </p:sld>
 </file>
 
-<file path=ppt/slides/slide28.xml><?xml version="1.0" encoding="utf-8"?>
+<file path=ppt/slides/slide22.xml><?xml version="1.0" encoding="utf-8"?>
 <p:sld xmlns:a="http://schemas.openxmlformats.org/drawingml/2006/main" xmlns:r="http://schemas.openxmlformats.org/officeDocument/2006/relationships" xmlns:p="http://schemas.openxmlformats.org/presentationml/2006/main">
   <p:cSld>
     <p:spTree>
@@ -17889,359 +16690,6 @@
 <file path=ppt/slides/slide3.xml><?xml version="1.0" encoding="utf-8"?>
 <p:sld xmlns:a="http://schemas.openxmlformats.org/drawingml/2006/main" xmlns:r="http://schemas.openxmlformats.org/officeDocument/2006/relationships" xmlns:p="http://schemas.openxmlformats.org/presentationml/2006/main">
   <p:cSld>
-    <p:bg>
-      <p:bgPr>
-        <a:blipFill dpi="0" rotWithShape="1">
-          <a:blip r:embed="rId3">
-            <a:alphaModFix amt="0"/>
-            <a:duotone>
-              <a:schemeClr val="bg2">
-                <a:shade val="88000"/>
-                <a:hueMod val="106000"/>
-                <a:satMod val="140000"/>
-                <a:lumMod val="54000"/>
-              </a:schemeClr>
-              <a:schemeClr val="bg2">
-                <a:tint val="98000"/>
-                <a:hueMod val="90000"/>
-                <a:satMod val="150000"/>
-                <a:lumMod val="160000"/>
-              </a:schemeClr>
-            </a:duotone>
-            <a:lum/>
-          </a:blip>
-          <a:srcRect/>
-          <a:stretch>
-            <a:fillRect/>
-          </a:stretch>
-        </a:blipFill>
-        <a:effectLst/>
-      </p:bgPr>
-    </p:bg>
-    <p:spTree>
-      <p:nvGrpSpPr>
-        <p:cNvPr id="1" name=""/>
-        <p:cNvGrpSpPr/>
-        <p:nvPr/>
-      </p:nvGrpSpPr>
-      <p:grpSpPr>
-        <a:xfrm>
-          <a:off x="0" y="0"/>
-          <a:ext cx="0" cy="0"/>
-          <a:chOff x="0" y="0"/>
-          <a:chExt cx="0" cy="0"/>
-        </a:xfrm>
-      </p:grpSpPr>
-      <p:sp>
-        <p:nvSpPr>
-          <p:cNvPr id="4" name="Объект 2">
-            <a:extLst>
-              <a:ext uri="{FF2B5EF4-FFF2-40B4-BE49-F238E27FC236}">
-                <a16:creationId xmlns:a16="http://schemas.microsoft.com/office/drawing/2014/main" id="{2EEBAB41-6686-44DC-BC9F-D716B703997C}"/>
-              </a:ext>
-            </a:extLst>
-          </p:cNvPr>
-          <p:cNvSpPr>
-            <a:spLocks noGrp="1"/>
-          </p:cNvSpPr>
-          <p:nvPr>
-            <p:ph idx="1"/>
-          </p:nvPr>
-        </p:nvSpPr>
-        <p:spPr>
-          <a:xfrm>
-            <a:off x="1938638" y="476672"/>
-            <a:ext cx="6020195" cy="1354089"/>
-          </a:xfrm>
-        </p:spPr>
-        <p:txBody>
-          <a:bodyPr/>
-          <a:lstStyle/>
-          <a:p>
-            <a:pPr marL="0" indent="0" algn="ctr">
-              <a:buNone/>
-            </a:pPr>
-            <a:r>
-              <a:rPr lang="ru-RU" dirty="0">
-                <a:solidFill>
-                  <a:schemeClr val="bg1"/>
-                </a:solidFill>
-              </a:rPr>
-              <a:t>Одиночная система</a:t>
-            </a:r>
-            <a:r>
-              <a:rPr lang="en-US" dirty="0">
-                <a:solidFill>
-                  <a:schemeClr val="bg1"/>
-                </a:solidFill>
-              </a:rPr>
-              <a:t> (standalone)</a:t>
-            </a:r>
-            <a:endParaRPr lang="ru-RU" dirty="0">
-              <a:solidFill>
-                <a:schemeClr val="bg1"/>
-              </a:solidFill>
-            </a:endParaRPr>
-          </a:p>
-        </p:txBody>
-      </p:sp>
-      <p:pic>
-        <p:nvPicPr>
-          <p:cNvPr id="6" name="Рисунок 5">
-            <a:extLst>
-              <a:ext uri="{FF2B5EF4-FFF2-40B4-BE49-F238E27FC236}">
-                <a16:creationId xmlns:a16="http://schemas.microsoft.com/office/drawing/2014/main" id="{D7FE96D9-FF62-4CB2-A174-0047BE2B9F64}"/>
-              </a:ext>
-            </a:extLst>
-          </p:cNvPr>
-          <p:cNvPicPr>
-            <a:picLocks noChangeAspect="1"/>
-          </p:cNvPicPr>
-          <p:nvPr/>
-        </p:nvPicPr>
-        <p:blipFill>
-          <a:blip r:embed="rId4">
-            <a:extLst>
-              <a:ext uri="{28A0092B-C50C-407E-A947-70E740481C1C}">
-                <a14:useLocalDpi xmlns:a14="http://schemas.microsoft.com/office/drawing/2010/main" val="0"/>
-              </a:ext>
-            </a:extLst>
-          </a:blip>
-          <a:stretch>
-            <a:fillRect/>
-          </a:stretch>
-        </p:blipFill>
-        <p:spPr>
-          <a:xfrm>
-            <a:off x="1835695" y="1268760"/>
-            <a:ext cx="6226080" cy="4869602"/>
-          </a:xfrm>
-          <a:prstGeom prst="rect">
-            <a:avLst/>
-          </a:prstGeom>
-          <a:effectLst>
-            <a:softEdge rad="165100"/>
-          </a:effectLst>
-        </p:spPr>
-      </p:pic>
-    </p:spTree>
-  </p:cSld>
-  <p:clrMapOvr>
-    <a:overrideClrMapping bg1="dk1" tx1="lt1" bg2="dk2" tx2="lt2" accent1="accent1" accent2="accent2" accent3="accent3" accent4="accent4" accent5="accent5" accent6="accent6" hlink="hlink" folHlink="folHlink"/>
-  </p:clrMapOvr>
-</p:sld>
-</file>
-
-<file path=ppt/slides/slide4.xml><?xml version="1.0" encoding="utf-8"?>
-<p:sld xmlns:a="http://schemas.openxmlformats.org/drawingml/2006/main" xmlns:r="http://schemas.openxmlformats.org/officeDocument/2006/relationships" xmlns:p="http://schemas.openxmlformats.org/presentationml/2006/main">
-  <p:cSld>
-    <p:spTree>
-      <p:nvGrpSpPr>
-        <p:cNvPr id="1" name=""/>
-        <p:cNvGrpSpPr/>
-        <p:nvPr/>
-      </p:nvGrpSpPr>
-      <p:grpSpPr>
-        <a:xfrm>
-          <a:off x="0" y="0"/>
-          <a:ext cx="0" cy="0"/>
-          <a:chOff x="0" y="0"/>
-          <a:chExt cx="0" cy="0"/>
-        </a:xfrm>
-      </p:grpSpPr>
-      <p:sp>
-        <p:nvSpPr>
-          <p:cNvPr id="2" name="Заголовок 1">
-            <a:extLst>
-              <a:ext uri="{FF2B5EF4-FFF2-40B4-BE49-F238E27FC236}">
-                <a16:creationId xmlns:a16="http://schemas.microsoft.com/office/drawing/2014/main" id="{D4A6128D-F61E-4DBA-95ED-294F57277C68}"/>
-              </a:ext>
-            </a:extLst>
-          </p:cNvPr>
-          <p:cNvSpPr>
-            <a:spLocks noGrp="1"/>
-          </p:cNvSpPr>
-          <p:nvPr>
-            <p:ph type="title"/>
-          </p:nvPr>
-        </p:nvSpPr>
-        <p:spPr>
-          <a:xfrm>
-            <a:off x="856060" y="618518"/>
-            <a:ext cx="7429499" cy="794258"/>
-          </a:xfrm>
-        </p:spPr>
-        <p:txBody>
-          <a:bodyPr>
-            <a:normAutofit/>
-          </a:bodyPr>
-          <a:lstStyle/>
-          <a:p>
-            <a:pPr algn="ctr"/>
-            <a:r>
-              <a:rPr lang="en-US" sz="2400" dirty="0">
-                <a:solidFill>
-                  <a:schemeClr val="bg2">
-                    <a:lumMod val="75000"/>
-                  </a:schemeClr>
-                </a:solidFill>
-                <a:latin typeface="+mn-lt"/>
-              </a:rPr>
-              <a:t>Intouch me</a:t>
-            </a:r>
-            <a:endParaRPr lang="ru-RU" sz="2400" dirty="0">
-              <a:solidFill>
-                <a:schemeClr val="bg2">
-                  <a:lumMod val="75000"/>
-                </a:schemeClr>
-              </a:solidFill>
-              <a:latin typeface="+mn-lt"/>
-            </a:endParaRPr>
-          </a:p>
-        </p:txBody>
-      </p:sp>
-      <p:sp>
-        <p:nvSpPr>
-          <p:cNvPr id="3" name="Объект 2">
-            <a:extLst>
-              <a:ext uri="{FF2B5EF4-FFF2-40B4-BE49-F238E27FC236}">
-                <a16:creationId xmlns:a16="http://schemas.microsoft.com/office/drawing/2014/main" id="{B3686575-99BC-4AB4-89E3-4B89AA8B9F74}"/>
-              </a:ext>
-            </a:extLst>
-          </p:cNvPr>
-          <p:cNvSpPr>
-            <a:spLocks noGrp="1"/>
-          </p:cNvSpPr>
-          <p:nvPr>
-            <p:ph idx="1"/>
-          </p:nvPr>
-        </p:nvSpPr>
-        <p:spPr>
-          <a:xfrm>
-            <a:off x="856060" y="1628800"/>
-            <a:ext cx="7429499" cy="4162401"/>
-          </a:xfrm>
-        </p:spPr>
-        <p:txBody>
-          <a:bodyPr>
-            <a:normAutofit/>
-          </a:bodyPr>
-          <a:lstStyle/>
-          <a:p>
-            <a:pPr marL="0" indent="0">
-              <a:buNone/>
-            </a:pPr>
-            <a:r>
-              <a:rPr lang="ru-RU" sz="2000" dirty="0">
-                <a:solidFill>
-                  <a:schemeClr val="bg2">
-                    <a:lumMod val="75000"/>
-                  </a:schemeClr>
-                </a:solidFill>
-              </a:rPr>
-              <a:t>Возможности:</a:t>
-            </a:r>
-          </a:p>
-          <a:p>
-            <a:pPr lvl="0"/>
-            <a:r>
-              <a:rPr lang="ru-RU" sz="2000" dirty="0">
-                <a:solidFill>
-                  <a:schemeClr val="bg2">
-                    <a:lumMod val="75000"/>
-                  </a:schemeClr>
-                </a:solidFill>
-              </a:rPr>
-              <a:t>Система распределенных </a:t>
-            </a:r>
-            <a:r>
-              <a:rPr lang="ru-RU" sz="2000" dirty="0" err="1">
-                <a:solidFill>
-                  <a:schemeClr val="bg2">
-                    <a:lumMod val="75000"/>
-                  </a:schemeClr>
-                </a:solidFill>
-              </a:rPr>
-              <a:t>алармов</a:t>
-            </a:r>
-            <a:endParaRPr lang="en-US" sz="2000" dirty="0">
-              <a:solidFill>
-                <a:schemeClr val="bg2">
-                  <a:lumMod val="75000"/>
-                </a:schemeClr>
-              </a:solidFill>
-            </a:endParaRPr>
-          </a:p>
-          <a:p>
-            <a:pPr lvl="0"/>
-            <a:r>
-              <a:rPr lang="ru-RU" sz="2000" dirty="0">
-                <a:solidFill>
-                  <a:schemeClr val="bg2">
-                    <a:lumMod val="75000"/>
-                  </a:schemeClr>
-                </a:solidFill>
-              </a:rPr>
-              <a:t>Динамическое преобразование разрешения</a:t>
-            </a:r>
-          </a:p>
-          <a:p>
-            <a:pPr lvl="0"/>
-            <a:r>
-              <a:rPr lang="ru-RU" sz="2000" dirty="0">
-                <a:solidFill>
-                  <a:schemeClr val="bg2">
-                    <a:lumMod val="75000"/>
-                  </a:schemeClr>
-                </a:solidFill>
-              </a:rPr>
-              <a:t>Сетевая разработка приложений</a:t>
-            </a:r>
-          </a:p>
-          <a:p>
-            <a:pPr lvl="0"/>
-            <a:r>
-              <a:rPr lang="ru-RU" sz="2000" dirty="0">
-                <a:solidFill>
-                  <a:schemeClr val="bg2">
-                    <a:lumMod val="75000"/>
-                  </a:schemeClr>
-                </a:solidFill>
-              </a:rPr>
-              <a:t>Поддержка более, чем 300 различных серверов ввода/вывода.</a:t>
-            </a:r>
-          </a:p>
-          <a:p>
-            <a:pPr lvl="0"/>
-            <a:r>
-              <a:rPr lang="ru-RU" sz="2000" dirty="0">
-                <a:solidFill>
-                  <a:schemeClr val="bg2">
-                    <a:lumMod val="75000"/>
-                  </a:schemeClr>
-                </a:solidFill>
-              </a:rPr>
-              <a:t>Динамическая разработка сетевых приложений.</a:t>
-            </a:r>
-          </a:p>
-        </p:txBody>
-      </p:sp>
-    </p:spTree>
-    <p:extLst>
-      <p:ext uri="{BB962C8B-B14F-4D97-AF65-F5344CB8AC3E}">
-        <p14:creationId xmlns:p14="http://schemas.microsoft.com/office/powerpoint/2010/main" val="2776598417"/>
-      </p:ext>
-    </p:extLst>
-  </p:cSld>
-  <p:clrMapOvr>
-    <a:masterClrMapping/>
-  </p:clrMapOvr>
-</p:sld>
-</file>
-
-<file path=ppt/slides/slide5.xml><?xml version="1.0" encoding="utf-8"?>
-<p:sld xmlns:a="http://schemas.openxmlformats.org/drawingml/2006/main" xmlns:r="http://schemas.openxmlformats.org/officeDocument/2006/relationships" xmlns:p="http://schemas.openxmlformats.org/presentationml/2006/main">
-  <p:cSld>
     <p:spTree>
       <p:nvGrpSpPr>
         <p:cNvPr id="1" name=""/>
@@ -18482,7 +16930,7 @@
 </p:sld>
 </file>
 
-<file path=ppt/slides/slide6.xml><?xml version="1.0" encoding="utf-8"?>
+<file path=ppt/slides/slide4.xml><?xml version="1.0" encoding="utf-8"?>
 <p:sld xmlns:a="http://schemas.openxmlformats.org/drawingml/2006/main" xmlns:r="http://schemas.openxmlformats.org/officeDocument/2006/relationships" xmlns:p="http://schemas.openxmlformats.org/presentationml/2006/main">
   <p:cSld>
     <p:spTree>
@@ -18599,7 +17047,7 @@
 </p:sld>
 </file>
 
-<file path=ppt/slides/slide7.xml><?xml version="1.0" encoding="utf-8"?>
+<file path=ppt/slides/slide5.xml><?xml version="1.0" encoding="utf-8"?>
 <p:sld xmlns:a="http://schemas.openxmlformats.org/drawingml/2006/main" xmlns:r="http://schemas.openxmlformats.org/officeDocument/2006/relationships" xmlns:p="http://schemas.openxmlformats.org/presentationml/2006/main">
   <p:cSld>
     <p:spTree>
@@ -18705,7 +17153,7 @@
 </p:sld>
 </file>
 
-<file path=ppt/slides/slide8.xml><?xml version="1.0" encoding="utf-8"?>
+<file path=ppt/slides/slide6.xml><?xml version="1.0" encoding="utf-8"?>
 <p:sld xmlns:a="http://schemas.openxmlformats.org/drawingml/2006/main" xmlns:r="http://schemas.openxmlformats.org/officeDocument/2006/relationships" xmlns:p="http://schemas.openxmlformats.org/presentationml/2006/main">
   <p:cSld>
     <p:spTree>
@@ -18811,7 +17259,7 @@
 </p:sld>
 </file>
 
-<file path=ppt/slides/slide9.xml><?xml version="1.0" encoding="utf-8"?>
+<file path=ppt/slides/slide7.xml><?xml version="1.0" encoding="utf-8"?>
 <p:sld xmlns:a="http://schemas.openxmlformats.org/drawingml/2006/main" xmlns:r="http://schemas.openxmlformats.org/officeDocument/2006/relationships" xmlns:p="http://schemas.openxmlformats.org/presentationml/2006/main">
   <p:cSld>
     <p:spTree>
@@ -18908,6 +17356,346 @@
     <p:extLst>
       <p:ext uri="{BB962C8B-B14F-4D97-AF65-F5344CB8AC3E}">
         <p14:creationId xmlns:p14="http://schemas.microsoft.com/office/powerpoint/2010/main" val="3945194400"/>
+      </p:ext>
+    </p:extLst>
+  </p:cSld>
+  <p:clrMapOvr>
+    <a:masterClrMapping/>
+  </p:clrMapOvr>
+</p:sld>
+</file>
+
+<file path=ppt/slides/slide8.xml><?xml version="1.0" encoding="utf-8"?>
+<p:sld xmlns:a="http://schemas.openxmlformats.org/drawingml/2006/main" xmlns:r="http://schemas.openxmlformats.org/officeDocument/2006/relationships" xmlns:p="http://schemas.openxmlformats.org/presentationml/2006/main">
+  <p:cSld>
+    <p:spTree>
+      <p:nvGrpSpPr>
+        <p:cNvPr id="1" name=""/>
+        <p:cNvGrpSpPr/>
+        <p:nvPr/>
+      </p:nvGrpSpPr>
+      <p:grpSpPr>
+        <a:xfrm>
+          <a:off x="0" y="0"/>
+          <a:ext cx="0" cy="0"/>
+          <a:chOff x="0" y="0"/>
+          <a:chExt cx="0" cy="0"/>
+        </a:xfrm>
+      </p:grpSpPr>
+      <p:sp>
+        <p:nvSpPr>
+          <p:cNvPr id="2" name="Прямоугольник 1">
+            <a:extLst>
+              <a:ext uri="{FF2B5EF4-FFF2-40B4-BE49-F238E27FC236}">
+                <a16:creationId xmlns:a16="http://schemas.microsoft.com/office/drawing/2014/main" id="{ECEDBA4B-B4C7-4358-9C1B-BADADF89DCB7}"/>
+              </a:ext>
+            </a:extLst>
+          </p:cNvPr>
+          <p:cNvSpPr/>
+          <p:nvPr/>
+        </p:nvSpPr>
+        <p:spPr>
+          <a:xfrm>
+            <a:off x="1187624" y="620688"/>
+            <a:ext cx="6768752" cy="830997"/>
+          </a:xfrm>
+          <a:prstGeom prst="rect">
+            <a:avLst/>
+          </a:prstGeom>
+        </p:spPr>
+        <p:txBody>
+          <a:bodyPr wrap="square">
+            <a:spAutoFit/>
+          </a:bodyPr>
+          <a:lstStyle/>
+          <a:p>
+            <a:r>
+              <a:rPr lang="ru-RU" sz="2400" dirty="0">
+                <a:solidFill>
+                  <a:schemeClr val="bg2">
+                    <a:lumMod val="50000"/>
+                  </a:schemeClr>
+                </a:solidFill>
+              </a:rPr>
+              <a:t>Факторы, учитываемые при планировании сетевых приложений</a:t>
+            </a:r>
+          </a:p>
+        </p:txBody>
+      </p:sp>
+      <p:sp>
+        <p:nvSpPr>
+          <p:cNvPr id="3" name="Прямоугольник 2">
+            <a:extLst>
+              <a:ext uri="{FF2B5EF4-FFF2-40B4-BE49-F238E27FC236}">
+                <a16:creationId xmlns:a16="http://schemas.microsoft.com/office/drawing/2014/main" id="{B5BC6CE6-3B97-4C89-9AA6-5A97B3AC5578}"/>
+              </a:ext>
+            </a:extLst>
+          </p:cNvPr>
+          <p:cNvSpPr/>
+          <p:nvPr/>
+        </p:nvSpPr>
+        <p:spPr>
+          <a:xfrm>
+            <a:off x="1331640" y="2060848"/>
+            <a:ext cx="6264696" cy="1938992"/>
+          </a:xfrm>
+          <a:prstGeom prst="rect">
+            <a:avLst/>
+          </a:prstGeom>
+        </p:spPr>
+        <p:txBody>
+          <a:bodyPr wrap="square">
+            <a:spAutoFit/>
+          </a:bodyPr>
+          <a:lstStyle/>
+          <a:p>
+            <a:r>
+              <a:rPr lang="ru-RU" sz="2000" dirty="0">
+                <a:solidFill>
+                  <a:schemeClr val="bg2">
+                    <a:lumMod val="50000"/>
+                  </a:schemeClr>
+                </a:solidFill>
+              </a:rPr>
+              <a:t>Независимо от архитектуры необходимо учитывать следующие факторы: </a:t>
+            </a:r>
+            <a:endParaRPr lang="en-US" sz="2000" dirty="0">
+              <a:solidFill>
+                <a:schemeClr val="bg2">
+                  <a:lumMod val="50000"/>
+                </a:schemeClr>
+              </a:solidFill>
+            </a:endParaRPr>
+          </a:p>
+          <a:p>
+            <a:r>
+              <a:rPr lang="ru-RU" sz="2000" dirty="0">
+                <a:solidFill>
+                  <a:schemeClr val="bg2">
+                    <a:lumMod val="50000"/>
+                  </a:schemeClr>
+                </a:solidFill>
+              </a:rPr>
+              <a:t>• доступ к источникам данных ввода-вывода; </a:t>
+            </a:r>
+            <a:endParaRPr lang="en-US" sz="2000" dirty="0">
+              <a:solidFill>
+                <a:schemeClr val="bg2">
+                  <a:lumMod val="50000"/>
+                </a:schemeClr>
+              </a:solidFill>
+            </a:endParaRPr>
+          </a:p>
+          <a:p>
+            <a:r>
+              <a:rPr lang="ru-RU" sz="2000" dirty="0">
+                <a:solidFill>
+                  <a:schemeClr val="bg2">
+                    <a:lumMod val="50000"/>
+                  </a:schemeClr>
+                </a:solidFill>
+              </a:rPr>
+              <a:t>• доступ к разделяемым файлам; </a:t>
+            </a:r>
+            <a:endParaRPr lang="en-US" sz="2000" dirty="0">
+              <a:solidFill>
+                <a:schemeClr val="bg2">
+                  <a:lumMod val="50000"/>
+                </a:schemeClr>
+              </a:solidFill>
+            </a:endParaRPr>
+          </a:p>
+          <a:p>
+            <a:r>
+              <a:rPr lang="ru-RU" sz="2000" dirty="0">
+                <a:solidFill>
+                  <a:schemeClr val="bg2">
+                    <a:lumMod val="50000"/>
+                  </a:schemeClr>
+                </a:solidFill>
+              </a:rPr>
+              <a:t>• место регистрации данных; </a:t>
+            </a:r>
+            <a:endParaRPr lang="en-US" sz="2000" dirty="0">
+              <a:solidFill>
+                <a:schemeClr val="bg2">
+                  <a:lumMod val="50000"/>
+                </a:schemeClr>
+              </a:solidFill>
+            </a:endParaRPr>
+          </a:p>
+          <a:p>
+            <a:r>
+              <a:rPr lang="ru-RU" sz="2000" dirty="0">
+                <a:solidFill>
+                  <a:schemeClr val="bg2">
+                    <a:lumMod val="50000"/>
+                  </a:schemeClr>
+                </a:solidFill>
+              </a:rPr>
+              <a:t>• особые требования, обусловленные сетью.</a:t>
+            </a:r>
+            <a:endParaRPr lang="ru-RU" sz="2000" dirty="0"/>
+          </a:p>
+        </p:txBody>
+      </p:sp>
+    </p:spTree>
+    <p:extLst>
+      <p:ext uri="{BB962C8B-B14F-4D97-AF65-F5344CB8AC3E}">
+        <p14:creationId xmlns:p14="http://schemas.microsoft.com/office/powerpoint/2010/main" val="282490486"/>
+      </p:ext>
+    </p:extLst>
+  </p:cSld>
+  <p:clrMapOvr>
+    <a:masterClrMapping/>
+  </p:clrMapOvr>
+</p:sld>
+</file>
+
+<file path=ppt/slides/slide9.xml><?xml version="1.0" encoding="utf-8"?>
+<p:sld xmlns:a="http://schemas.openxmlformats.org/drawingml/2006/main" xmlns:r="http://schemas.openxmlformats.org/officeDocument/2006/relationships" xmlns:p="http://schemas.openxmlformats.org/presentationml/2006/main">
+  <p:cSld>
+    <p:spTree>
+      <p:nvGrpSpPr>
+        <p:cNvPr id="1" name=""/>
+        <p:cNvGrpSpPr/>
+        <p:nvPr/>
+      </p:nvGrpSpPr>
+      <p:grpSpPr>
+        <a:xfrm>
+          <a:off x="0" y="0"/>
+          <a:ext cx="0" cy="0"/>
+          <a:chOff x="0" y="0"/>
+          <a:chExt cx="0" cy="0"/>
+        </a:xfrm>
+      </p:grpSpPr>
+      <p:sp>
+        <p:nvSpPr>
+          <p:cNvPr id="4" name="Прямоугольник 3">
+            <a:extLst>
+              <a:ext uri="{FF2B5EF4-FFF2-40B4-BE49-F238E27FC236}">
+                <a16:creationId xmlns:a16="http://schemas.microsoft.com/office/drawing/2014/main" id="{03BF0B7D-389A-4873-99D8-BB679AE106DA}"/>
+              </a:ext>
+            </a:extLst>
+          </p:cNvPr>
+          <p:cNvSpPr/>
+          <p:nvPr/>
+        </p:nvSpPr>
+        <p:spPr>
+          <a:xfrm>
+            <a:off x="800708" y="1426548"/>
+            <a:ext cx="7830616" cy="461665"/>
+          </a:xfrm>
+          <a:prstGeom prst="rect">
+            <a:avLst/>
+          </a:prstGeom>
+        </p:spPr>
+        <p:txBody>
+          <a:bodyPr wrap="square">
+            <a:spAutoFit/>
+          </a:bodyPr>
+          <a:lstStyle/>
+          <a:p>
+            <a:r>
+              <a:rPr lang="en-US" sz="2400" dirty="0">
+                <a:solidFill>
+                  <a:schemeClr val="bg2">
+                    <a:lumMod val="50000"/>
+                  </a:schemeClr>
+                </a:solidFill>
+              </a:rPr>
+              <a:t>	</a:t>
+            </a:r>
+            <a:endParaRPr lang="ru-RU" sz="2400" dirty="0">
+              <a:solidFill>
+                <a:schemeClr val="bg2">
+                  <a:lumMod val="50000"/>
+                </a:schemeClr>
+              </a:solidFill>
+            </a:endParaRPr>
+          </a:p>
+        </p:txBody>
+      </p:sp>
+      <p:sp>
+        <p:nvSpPr>
+          <p:cNvPr id="6" name="Прямоугольник 5">
+            <a:extLst>
+              <a:ext uri="{FF2B5EF4-FFF2-40B4-BE49-F238E27FC236}">
+                <a16:creationId xmlns:a16="http://schemas.microsoft.com/office/drawing/2014/main" id="{AB292E0B-A7CB-4CBA-A38D-66E5CF66F617}"/>
+              </a:ext>
+            </a:extLst>
+          </p:cNvPr>
+          <p:cNvSpPr/>
+          <p:nvPr/>
+        </p:nvSpPr>
+        <p:spPr>
+          <a:xfrm>
+            <a:off x="1331640" y="841773"/>
+            <a:ext cx="4667688" cy="461665"/>
+          </a:xfrm>
+          <a:prstGeom prst="rect">
+            <a:avLst/>
+          </a:prstGeom>
+        </p:spPr>
+        <p:txBody>
+          <a:bodyPr wrap="none">
+            <a:spAutoFit/>
+          </a:bodyPr>
+          <a:lstStyle/>
+          <a:p>
+            <a:r>
+              <a:rPr lang="ru-RU" sz="2400" dirty="0">
+                <a:solidFill>
+                  <a:schemeClr val="bg2">
+                    <a:lumMod val="50000"/>
+                  </a:schemeClr>
+                </a:solidFill>
+              </a:rPr>
+              <a:t>Глобальные адреса ввода-вывода</a:t>
+            </a:r>
+          </a:p>
+        </p:txBody>
+      </p:sp>
+      <p:pic>
+        <p:nvPicPr>
+          <p:cNvPr id="8" name="Рисунок 7">
+            <a:extLst>
+              <a:ext uri="{FF2B5EF4-FFF2-40B4-BE49-F238E27FC236}">
+                <a16:creationId xmlns:a16="http://schemas.microsoft.com/office/drawing/2014/main" id="{AA3BA316-A9E1-445C-9F90-8F5E0A6E4F4C}"/>
+              </a:ext>
+            </a:extLst>
+          </p:cNvPr>
+          <p:cNvPicPr>
+            <a:picLocks noChangeAspect="1"/>
+          </p:cNvPicPr>
+          <p:nvPr/>
+        </p:nvPicPr>
+        <p:blipFill>
+          <a:blip r:embed="rId2">
+            <a:extLst>
+              <a:ext uri="{28A0092B-C50C-407E-A947-70E740481C1C}">
+                <a14:useLocalDpi xmlns:a14="http://schemas.microsoft.com/office/drawing/2010/main" val="0"/>
+              </a:ext>
+            </a:extLst>
+          </a:blip>
+          <a:stretch>
+            <a:fillRect/>
+          </a:stretch>
+        </p:blipFill>
+        <p:spPr>
+          <a:xfrm>
+            <a:off x="964739" y="1860682"/>
+            <a:ext cx="7502554" cy="2447500"/>
+          </a:xfrm>
+          <a:prstGeom prst="rect">
+            <a:avLst/>
+          </a:prstGeom>
+        </p:spPr>
+      </p:pic>
+    </p:spTree>
+    <p:extLst>
+      <p:ext uri="{BB962C8B-B14F-4D97-AF65-F5344CB8AC3E}">
+        <p14:creationId xmlns:p14="http://schemas.microsoft.com/office/powerpoint/2010/main" val="1801005145"/>
       </p:ext>
     </p:extLst>
   </p:cSld>
@@ -19461,47 +18249,4 @@
     </a:ext>
   </a:extLst>
 </a:theme>
-</file>
-
-<file path=ppt/theme/themeOverride1.xml><?xml version="1.0" encoding="utf-8"?>
-<a:themeOverride xmlns:a="http://schemas.openxmlformats.org/drawingml/2006/main">
-  <a:clrScheme name="Контур">
-    <a:dk1>
-      <a:sysClr val="windowText" lastClr="000000"/>
-    </a:dk1>
-    <a:lt1>
-      <a:sysClr val="window" lastClr="FFFFFF"/>
-    </a:lt1>
-    <a:dk2>
-      <a:srgbClr val="134770"/>
-    </a:dk2>
-    <a:lt2>
-      <a:srgbClr val="82FFFF"/>
-    </a:lt2>
-    <a:accent1>
-      <a:srgbClr val="9ACD4C"/>
-    </a:accent1>
-    <a:accent2>
-      <a:srgbClr val="FAA93A"/>
-    </a:accent2>
-    <a:accent3>
-      <a:srgbClr val="D35940"/>
-    </a:accent3>
-    <a:accent4>
-      <a:srgbClr val="B258D3"/>
-    </a:accent4>
-    <a:accent5>
-      <a:srgbClr val="63A0CC"/>
-    </a:accent5>
-    <a:accent6>
-      <a:srgbClr val="8AC4A7"/>
-    </a:accent6>
-    <a:hlink>
-      <a:srgbClr val="B8FA56"/>
-    </a:hlink>
-    <a:folHlink>
-      <a:srgbClr val="7AF8CC"/>
-    </a:folHlink>
-  </a:clrScheme>
-</a:themeOverride>
 </file>
--- a/итоговая.pptx
+++ b/итоговая.pptx
@@ -5,7 +5,7 @@
     <p:sldMasterId id="2147483702" r:id="rId1"/>
   </p:sldMasterIdLst>
   <p:notesMasterIdLst>
-    <p:notesMasterId r:id="rId24"/>
+    <p:notesMasterId r:id="rId30"/>
   </p:notesMasterIdLst>
   <p:sldIdLst>
     <p:sldId id="267" r:id="rId2"/>
@@ -30,6 +30,12 @@
     <p:sldId id="274" r:id="rId21"/>
     <p:sldId id="272" r:id="rId22"/>
     <p:sldId id="294" r:id="rId23"/>
+    <p:sldId id="295" r:id="rId24"/>
+    <p:sldId id="296" r:id="rId25"/>
+    <p:sldId id="297" r:id="rId26"/>
+    <p:sldId id="299" r:id="rId27"/>
+    <p:sldId id="300" r:id="rId28"/>
+    <p:sldId id="301" r:id="rId29"/>
   </p:sldIdLst>
   <p:sldSz cx="9144000" cy="6858000" type="screen4x3"/>
   <p:notesSz cx="6858000" cy="9144000"/>
@@ -264,7 +270,7 @@
           <a:p>
             <a:fld id="{5649F021-9FAB-4CEA-A96A-A2DB693E74C4}" type="datetimeFigureOut">
               <a:rPr lang="ru-RU" smtClean="0"/>
-              <a:t>27.12.2019</a:t>
+              <a:t>02.02.2020</a:t>
             </a:fld>
             <a:endParaRPr lang="ru-RU"/>
           </a:p>
@@ -4899,7 +4905,7 @@
             <a:fld id="{7EAF463A-BC7C-46EE-9F1E-7F377CCA4891}" type="datetimeFigureOut">
               <a:rPr lang="en-US" smtClean="0"/>
               <a:pPr/>
-              <a:t>12/27/2019</a:t>
+              <a:t>2/2/2020</a:t>
             </a:fld>
             <a:endParaRPr lang="en-US"/>
           </a:p>
@@ -5168,7 +5174,7 @@
             <a:fld id="{7EAF463A-BC7C-46EE-9F1E-7F377CCA4891}" type="datetimeFigureOut">
               <a:rPr lang="en-US" smtClean="0"/>
               <a:pPr/>
-              <a:t>12/27/2019</a:t>
+              <a:t>2/2/2020</a:t>
             </a:fld>
             <a:endParaRPr lang="en-US"/>
           </a:p>
@@ -5366,7 +5372,7 @@
             <a:fld id="{7EAF463A-BC7C-46EE-9F1E-7F377CCA4891}" type="datetimeFigureOut">
               <a:rPr lang="en-US" smtClean="0"/>
               <a:pPr/>
-              <a:t>12/27/2019</a:t>
+              <a:t>2/2/2020</a:t>
             </a:fld>
             <a:endParaRPr lang="en-US"/>
           </a:p>
@@ -5631,7 +5637,7 @@
             <a:fld id="{7EAF463A-BC7C-46EE-9F1E-7F377CCA4891}" type="datetimeFigureOut">
               <a:rPr lang="en-US" smtClean="0"/>
               <a:pPr/>
-              <a:t>12/27/2019</a:t>
+              <a:t>2/2/2020</a:t>
             </a:fld>
             <a:endParaRPr lang="en-US"/>
           </a:p>
@@ -6067,7 +6073,7 @@
             <a:fld id="{7EAF463A-BC7C-46EE-9F1E-7F377CCA4891}" type="datetimeFigureOut">
               <a:rPr lang="en-US" smtClean="0"/>
               <a:pPr/>
-              <a:t>12/27/2019</a:t>
+              <a:t>2/2/2020</a:t>
             </a:fld>
             <a:endParaRPr lang="en-US"/>
           </a:p>
@@ -6615,7 +6621,7 @@
             <a:fld id="{7EAF463A-BC7C-46EE-9F1E-7F377CCA4891}" type="datetimeFigureOut">
               <a:rPr lang="en-US" smtClean="0"/>
               <a:pPr/>
-              <a:t>12/27/2019</a:t>
+              <a:t>2/2/2020</a:t>
             </a:fld>
             <a:endParaRPr lang="en-US"/>
           </a:p>
@@ -7337,7 +7343,7 @@
             <a:fld id="{7EAF463A-BC7C-46EE-9F1E-7F377CCA4891}" type="datetimeFigureOut">
               <a:rPr lang="en-US" smtClean="0"/>
               <a:pPr/>
-              <a:t>12/27/2019</a:t>
+              <a:t>2/2/2020</a:t>
             </a:fld>
             <a:endParaRPr lang="en-US"/>
           </a:p>
@@ -7513,7 +7519,7 @@
             <a:fld id="{7EAF463A-BC7C-46EE-9F1E-7F377CCA4891}" type="datetimeFigureOut">
               <a:rPr lang="en-US" smtClean="0"/>
               <a:pPr/>
-              <a:t>12/27/2019</a:t>
+              <a:t>2/2/2020</a:t>
             </a:fld>
             <a:endParaRPr lang="en-US"/>
           </a:p>
@@ -7695,7 +7701,7 @@
             <a:fld id="{7EAF463A-BC7C-46EE-9F1E-7F377CCA4891}" type="datetimeFigureOut">
               <a:rPr lang="en-US" smtClean="0"/>
               <a:pPr/>
-              <a:t>12/27/2019</a:t>
+              <a:t>2/2/2020</a:t>
             </a:fld>
             <a:endParaRPr lang="en-US"/>
           </a:p>
@@ -7882,7 +7888,7 @@
             <a:fld id="{7EAF463A-BC7C-46EE-9F1E-7F377CCA4891}" type="datetimeFigureOut">
               <a:rPr lang="en-US" smtClean="0"/>
               <a:pPr/>
-              <a:t>12/27/2019</a:t>
+              <a:t>2/2/2020</a:t>
             </a:fld>
             <a:endParaRPr lang="en-US"/>
           </a:p>
@@ -8144,7 +8150,7 @@
             <a:fld id="{7EAF463A-BC7C-46EE-9F1E-7F377CCA4891}" type="datetimeFigureOut">
               <a:rPr lang="en-US" smtClean="0"/>
               <a:pPr/>
-              <a:t>12/27/2019</a:t>
+              <a:t>2/2/2020</a:t>
             </a:fld>
             <a:endParaRPr lang="en-US"/>
           </a:p>
@@ -8378,7 +8384,7 @@
             <a:fld id="{7EAF463A-BC7C-46EE-9F1E-7F377CCA4891}" type="datetimeFigureOut">
               <a:rPr lang="en-US" smtClean="0"/>
               <a:pPr/>
-              <a:t>12/27/2019</a:t>
+              <a:t>2/2/2020</a:t>
             </a:fld>
             <a:endParaRPr lang="en-US"/>
           </a:p>
@@ -8761,7 +8767,7 @@
             <a:fld id="{7EAF463A-BC7C-46EE-9F1E-7F377CCA4891}" type="datetimeFigureOut">
               <a:rPr lang="en-US" smtClean="0"/>
               <a:pPr/>
-              <a:t>12/27/2019</a:t>
+              <a:t>2/2/2020</a:t>
             </a:fld>
             <a:endParaRPr lang="en-US"/>
           </a:p>
@@ -8881,7 +8887,7 @@
             <a:fld id="{7EAF463A-BC7C-46EE-9F1E-7F377CCA4891}" type="datetimeFigureOut">
               <a:rPr lang="en-US" smtClean="0"/>
               <a:pPr/>
-              <a:t>12/27/2019</a:t>
+              <a:t>2/2/2020</a:t>
             </a:fld>
             <a:endParaRPr lang="en-US"/>
           </a:p>
@@ -8978,7 +8984,7 @@
             <a:fld id="{7EAF463A-BC7C-46EE-9F1E-7F377CCA4891}" type="datetimeFigureOut">
               <a:rPr lang="en-US" smtClean="0"/>
               <a:pPr/>
-              <a:t>12/27/2019</a:t>
+              <a:t>2/2/2020</a:t>
             </a:fld>
             <a:endParaRPr lang="en-US"/>
           </a:p>
@@ -9229,7 +9235,7 @@
             <a:fld id="{7EAF463A-BC7C-46EE-9F1E-7F377CCA4891}" type="datetimeFigureOut">
               <a:rPr lang="en-US" smtClean="0"/>
               <a:pPr/>
-              <a:t>12/27/2019</a:t>
+              <a:t>2/2/2020</a:t>
             </a:fld>
             <a:endParaRPr lang="en-US"/>
           </a:p>
@@ -9483,7 +9489,7 @@
             <a:fld id="{7EAF463A-BC7C-46EE-9F1E-7F377CCA4891}" type="datetimeFigureOut">
               <a:rPr lang="en-US" smtClean="0"/>
               <a:pPr/>
-              <a:t>12/27/2019</a:t>
+              <a:t>2/2/2020</a:t>
             </a:fld>
             <a:endParaRPr lang="en-US"/>
           </a:p>
@@ -12593,7 +12599,7 @@
             <a:fld id="{7EAF463A-BC7C-46EE-9F1E-7F377CCA4891}" type="datetimeFigureOut">
               <a:rPr lang="en-US" smtClean="0"/>
               <a:pPr/>
-              <a:t>12/27/2019</a:t>
+              <a:t>2/2/2020</a:t>
             </a:fld>
             <a:endParaRPr lang="en-US"/>
           </a:p>
@@ -16678,6 +16684,2064 @@
     <p:extLst>
       <p:ext uri="{BB962C8B-B14F-4D97-AF65-F5344CB8AC3E}">
         <p14:creationId xmlns:p14="http://schemas.microsoft.com/office/powerpoint/2010/main" val="3377644875"/>
+      </p:ext>
+    </p:extLst>
+  </p:cSld>
+  <p:clrMapOvr>
+    <a:masterClrMapping/>
+  </p:clrMapOvr>
+</p:sld>
+</file>
+
+<file path=ppt/slides/slide23.xml><?xml version="1.0" encoding="utf-8"?>
+<p:sld xmlns:a="http://schemas.openxmlformats.org/drawingml/2006/main" xmlns:r="http://schemas.openxmlformats.org/officeDocument/2006/relationships" xmlns:p="http://schemas.openxmlformats.org/presentationml/2006/main">
+  <p:cSld>
+    <p:spTree>
+      <p:nvGrpSpPr>
+        <p:cNvPr id="1" name=""/>
+        <p:cNvGrpSpPr/>
+        <p:nvPr/>
+      </p:nvGrpSpPr>
+      <p:grpSpPr>
+        <a:xfrm>
+          <a:off x="0" y="0"/>
+          <a:ext cx="0" cy="0"/>
+          <a:chOff x="0" y="0"/>
+          <a:chExt cx="0" cy="0"/>
+        </a:xfrm>
+      </p:grpSpPr>
+      <p:sp>
+        <p:nvSpPr>
+          <p:cNvPr id="2" name="TextBox 1">
+            <a:extLst>
+              <a:ext uri="{FF2B5EF4-FFF2-40B4-BE49-F238E27FC236}">
+                <a16:creationId xmlns:a16="http://schemas.microsoft.com/office/drawing/2014/main" id="{51526CEC-AF8E-40F1-B9FD-B522183AFE40}"/>
+              </a:ext>
+            </a:extLst>
+          </p:cNvPr>
+          <p:cNvSpPr txBox="1"/>
+          <p:nvPr/>
+        </p:nvSpPr>
+        <p:spPr>
+          <a:xfrm>
+            <a:off x="3923928" y="1916832"/>
+            <a:ext cx="1840056" cy="369332"/>
+          </a:xfrm>
+          <a:prstGeom prst="rect">
+            <a:avLst/>
+          </a:prstGeom>
+          <a:noFill/>
+        </p:spPr>
+        <p:txBody>
+          <a:bodyPr wrap="none" rtlCol="0">
+            <a:spAutoFit/>
+          </a:bodyPr>
+          <a:lstStyle/>
+          <a:p>
+            <a:r>
+              <a:rPr lang="ru-RU" dirty="0">
+                <a:solidFill>
+                  <a:schemeClr val="bg2"/>
+                </a:solidFill>
+              </a:rPr>
+              <a:t>лицензирование</a:t>
+            </a:r>
+          </a:p>
+        </p:txBody>
+      </p:sp>
+    </p:spTree>
+    <p:extLst>
+      <p:ext uri="{BB962C8B-B14F-4D97-AF65-F5344CB8AC3E}">
+        <p14:creationId xmlns:p14="http://schemas.microsoft.com/office/powerpoint/2010/main" val="413697784"/>
+      </p:ext>
+    </p:extLst>
+  </p:cSld>
+  <p:clrMapOvr>
+    <a:masterClrMapping/>
+  </p:clrMapOvr>
+</p:sld>
+</file>
+
+<file path=ppt/slides/slide24.xml><?xml version="1.0" encoding="utf-8"?>
+<p:sld xmlns:a="http://schemas.openxmlformats.org/drawingml/2006/main" xmlns:r="http://schemas.openxmlformats.org/officeDocument/2006/relationships" xmlns:p="http://schemas.openxmlformats.org/presentationml/2006/main">
+  <p:cSld>
+    <p:spTree>
+      <p:nvGrpSpPr>
+        <p:cNvPr id="1" name=""/>
+        <p:cNvGrpSpPr/>
+        <p:nvPr/>
+      </p:nvGrpSpPr>
+      <p:grpSpPr>
+        <a:xfrm>
+          <a:off x="0" y="0"/>
+          <a:ext cx="0" cy="0"/>
+          <a:chOff x="0" y="0"/>
+          <a:chExt cx="0" cy="0"/>
+        </a:xfrm>
+      </p:grpSpPr>
+      <p:sp>
+        <p:nvSpPr>
+          <p:cNvPr id="2" name="Прямоугольник 1">
+            <a:extLst>
+              <a:ext uri="{FF2B5EF4-FFF2-40B4-BE49-F238E27FC236}">
+                <a16:creationId xmlns:a16="http://schemas.microsoft.com/office/drawing/2014/main" id="{7783AFCD-EBF4-4314-A7FB-B151A888566E}"/>
+              </a:ext>
+            </a:extLst>
+          </p:cNvPr>
+          <p:cNvSpPr/>
+          <p:nvPr/>
+        </p:nvSpPr>
+        <p:spPr>
+          <a:xfrm>
+            <a:off x="3059832" y="1052736"/>
+            <a:ext cx="1427955" cy="369332"/>
+          </a:xfrm>
+          <a:prstGeom prst="rect">
+            <a:avLst/>
+          </a:prstGeom>
+        </p:spPr>
+        <p:txBody>
+          <a:bodyPr wrap="none">
+            <a:spAutoFit/>
+          </a:bodyPr>
+          <a:lstStyle/>
+          <a:p>
+            <a:r>
+              <a:rPr lang="ru-RU" dirty="0" err="1">
+                <a:solidFill>
+                  <a:schemeClr val="bg2"/>
+                </a:solidFill>
+              </a:rPr>
+              <a:t>Configuration</a:t>
+            </a:r>
+            <a:endParaRPr lang="ru-RU" dirty="0">
+              <a:solidFill>
+                <a:schemeClr val="bg2"/>
+              </a:solidFill>
+            </a:endParaRPr>
+          </a:p>
+        </p:txBody>
+      </p:sp>
+      <p:sp>
+        <p:nvSpPr>
+          <p:cNvPr id="3" name="TextBox 2">
+            <a:extLst>
+              <a:ext uri="{FF2B5EF4-FFF2-40B4-BE49-F238E27FC236}">
+                <a16:creationId xmlns:a16="http://schemas.microsoft.com/office/drawing/2014/main" id="{130C66B9-DD0F-4F3A-8927-80B7723F2E26}"/>
+              </a:ext>
+            </a:extLst>
+          </p:cNvPr>
+          <p:cNvSpPr txBox="1"/>
+          <p:nvPr/>
+        </p:nvSpPr>
+        <p:spPr>
+          <a:xfrm>
+            <a:off x="3491880" y="476672"/>
+            <a:ext cx="854273" cy="369332"/>
+          </a:xfrm>
+          <a:prstGeom prst="rect">
+            <a:avLst/>
+          </a:prstGeom>
+          <a:noFill/>
+        </p:spPr>
+        <p:txBody>
+          <a:bodyPr wrap="none" rtlCol="0">
+            <a:spAutoFit/>
+          </a:bodyPr>
+          <a:lstStyle/>
+          <a:p>
+            <a:r>
+              <a:rPr lang="ru-RU" dirty="0" err="1">
+                <a:solidFill>
+                  <a:schemeClr val="bg2"/>
+                </a:solidFill>
+              </a:rPr>
+              <a:t>Сайтек</a:t>
+            </a:r>
+            <a:endParaRPr lang="ru-RU" dirty="0">
+              <a:solidFill>
+                <a:schemeClr val="bg2"/>
+              </a:solidFill>
+            </a:endParaRPr>
+          </a:p>
+        </p:txBody>
+      </p:sp>
+      <p:sp>
+        <p:nvSpPr>
+          <p:cNvPr id="10" name="TextBox 9">
+            <a:extLst>
+              <a:ext uri="{FF2B5EF4-FFF2-40B4-BE49-F238E27FC236}">
+                <a16:creationId xmlns:a16="http://schemas.microsoft.com/office/drawing/2014/main" id="{55CABC08-A035-4540-9580-A5C24391192E}"/>
+              </a:ext>
+            </a:extLst>
+          </p:cNvPr>
+          <p:cNvSpPr txBox="1"/>
+          <p:nvPr/>
+        </p:nvSpPr>
+        <p:spPr>
+          <a:xfrm>
+            <a:off x="755577" y="2060849"/>
+            <a:ext cx="8064896" cy="3970318"/>
+          </a:xfrm>
+          <a:prstGeom prst="rect">
+            <a:avLst/>
+          </a:prstGeom>
+          <a:noFill/>
+        </p:spPr>
+        <p:txBody>
+          <a:bodyPr wrap="square" rtlCol="0">
+            <a:spAutoFit/>
+          </a:bodyPr>
+          <a:lstStyle/>
+          <a:p>
+            <a:r>
+              <a:rPr lang="ru-RU" dirty="0">
+                <a:solidFill>
+                  <a:schemeClr val="bg2"/>
+                </a:solidFill>
+              </a:rPr>
+              <a:t>Одна лицензия включает в себя:</a:t>
+            </a:r>
+          </a:p>
+          <a:p>
+            <a:pPr marL="285750" indent="-285750">
+              <a:buFontTx/>
+              <a:buChar char="-"/>
+            </a:pPr>
+            <a:r>
+              <a:rPr lang="en-US" dirty="0">
+                <a:solidFill>
+                  <a:schemeClr val="bg2"/>
+                </a:solidFill>
+              </a:rPr>
+              <a:t>PES configuration</a:t>
+            </a:r>
+            <a:r>
+              <a:rPr lang="ru-RU" dirty="0">
+                <a:solidFill>
+                  <a:schemeClr val="bg2"/>
+                </a:solidFill>
+              </a:rPr>
+              <a:t> (Инженерная лицензия)</a:t>
+            </a:r>
+          </a:p>
+          <a:p>
+            <a:pPr marL="285750" indent="-285750">
+              <a:buFontTx/>
+              <a:buChar char="-"/>
+            </a:pPr>
+            <a:r>
+              <a:rPr lang="en-US" dirty="0">
+                <a:solidFill>
+                  <a:schemeClr val="bg2"/>
+                </a:solidFill>
+              </a:rPr>
+              <a:t>local Operation Client</a:t>
+            </a:r>
+            <a:endParaRPr lang="ru-RU" dirty="0">
+              <a:solidFill>
+                <a:schemeClr val="bg2"/>
+              </a:solidFill>
+            </a:endParaRPr>
+          </a:p>
+          <a:p>
+            <a:pPr marL="285750" indent="-285750">
+              <a:buFontTx/>
+              <a:buChar char="-"/>
+            </a:pPr>
+            <a:r>
+              <a:rPr lang="en-US" dirty="0">
+                <a:solidFill>
+                  <a:schemeClr val="bg2"/>
+                </a:solidFill>
+              </a:rPr>
+              <a:t>Operation Server</a:t>
+            </a:r>
+            <a:endParaRPr lang="ru-RU" dirty="0">
+              <a:solidFill>
+                <a:schemeClr val="bg2"/>
+              </a:solidFill>
+            </a:endParaRPr>
+          </a:p>
+          <a:p>
+            <a:r>
+              <a:rPr lang="ru-RU" dirty="0">
+                <a:solidFill>
+                  <a:schemeClr val="bg2"/>
+                </a:solidFill>
+              </a:rPr>
+              <a:t>Стоимость лицензий зависит от количества тегов.</a:t>
+            </a:r>
+          </a:p>
+          <a:p>
+            <a:r>
+              <a:rPr lang="ru-RU" dirty="0">
+                <a:solidFill>
+                  <a:schemeClr val="bg2"/>
+                </a:solidFill>
+              </a:rPr>
+              <a:t>Лицензии доступные для заказа включают в себя следующее количество тегов:</a:t>
+            </a:r>
+          </a:p>
+          <a:p>
+            <a:pPr marL="285750" indent="-285750">
+              <a:buFontTx/>
+              <a:buChar char="-"/>
+            </a:pPr>
+            <a:r>
+              <a:rPr lang="en-US" dirty="0">
+                <a:solidFill>
+                  <a:schemeClr val="bg2"/>
+                </a:solidFill>
+              </a:rPr>
+              <a:t>500 instances</a:t>
+            </a:r>
+            <a:endParaRPr lang="ru-RU" dirty="0">
+              <a:solidFill>
+                <a:schemeClr val="bg2"/>
+              </a:solidFill>
+            </a:endParaRPr>
+          </a:p>
+          <a:p>
+            <a:pPr marL="285750" indent="-285750">
+              <a:buFontTx/>
+              <a:buChar char="-"/>
+            </a:pPr>
+            <a:r>
+              <a:rPr lang="en-US" dirty="0">
+                <a:solidFill>
+                  <a:schemeClr val="bg2"/>
+                </a:solidFill>
+              </a:rPr>
+              <a:t>1250 instances</a:t>
+            </a:r>
+            <a:endParaRPr lang="ru-RU" dirty="0">
+              <a:solidFill>
+                <a:schemeClr val="bg2"/>
+              </a:solidFill>
+            </a:endParaRPr>
+          </a:p>
+          <a:p>
+            <a:pPr marL="285750" indent="-285750">
+              <a:buFontTx/>
+              <a:buChar char="-"/>
+            </a:pPr>
+            <a:r>
+              <a:rPr lang="en-US" dirty="0">
+                <a:solidFill>
+                  <a:schemeClr val="bg2"/>
+                </a:solidFill>
+              </a:rPr>
+              <a:t>3000 instances</a:t>
+            </a:r>
+            <a:endParaRPr lang="ru-RU" dirty="0">
+              <a:solidFill>
+                <a:schemeClr val="bg2"/>
+              </a:solidFill>
+            </a:endParaRPr>
+          </a:p>
+          <a:p>
+            <a:pPr marL="285750" indent="-285750">
+              <a:buFontTx/>
+              <a:buChar char="-"/>
+            </a:pPr>
+            <a:r>
+              <a:rPr lang="en-US" dirty="0">
+                <a:solidFill>
+                  <a:schemeClr val="bg2"/>
+                </a:solidFill>
+              </a:rPr>
+              <a:t>7500 instances</a:t>
+            </a:r>
+            <a:endParaRPr lang="ru-RU" dirty="0">
+              <a:solidFill>
+                <a:schemeClr val="bg2"/>
+              </a:solidFill>
+            </a:endParaRPr>
+          </a:p>
+          <a:p>
+            <a:pPr marL="285750" indent="-285750">
+              <a:buFontTx/>
+              <a:buChar char="-"/>
+            </a:pPr>
+            <a:r>
+              <a:rPr lang="en-US" dirty="0">
+                <a:solidFill>
+                  <a:schemeClr val="bg2"/>
+                </a:solidFill>
+              </a:rPr>
+              <a:t>&gt;</a:t>
+            </a:r>
+            <a:r>
+              <a:rPr lang="ru-RU" dirty="0">
+                <a:solidFill>
+                  <a:schemeClr val="bg2"/>
+                </a:solidFill>
+              </a:rPr>
+              <a:t> </a:t>
+            </a:r>
+            <a:r>
+              <a:rPr lang="en-US" dirty="0">
+                <a:solidFill>
+                  <a:schemeClr val="bg2"/>
+                </a:solidFill>
+              </a:rPr>
+              <a:t>7500 instances</a:t>
+            </a:r>
+            <a:endParaRPr lang="ru-RU" dirty="0">
+              <a:solidFill>
+                <a:schemeClr val="bg2"/>
+              </a:solidFill>
+            </a:endParaRPr>
+          </a:p>
+          <a:p>
+            <a:r>
+              <a:rPr lang="ru-RU" dirty="0">
+                <a:solidFill>
+                  <a:schemeClr val="bg2"/>
+                </a:solidFill>
+              </a:rPr>
+              <a:t>В случае если объема лицензии не хватает ее возможно обновить.</a:t>
+            </a:r>
+          </a:p>
+          <a:p>
+            <a:r>
+              <a:rPr lang="ru-RU" dirty="0">
+                <a:solidFill>
+                  <a:schemeClr val="bg2"/>
+                </a:solidFill>
+              </a:rPr>
+              <a:t>Если необходим объем на много больше, например увеличить количество тегов с 500 до 3000, возможно докупить еще одну лицензию.</a:t>
+            </a:r>
+          </a:p>
+        </p:txBody>
+      </p:sp>
+    </p:spTree>
+    <p:extLst>
+      <p:ext uri="{BB962C8B-B14F-4D97-AF65-F5344CB8AC3E}">
+        <p14:creationId xmlns:p14="http://schemas.microsoft.com/office/powerpoint/2010/main" val="590256311"/>
+      </p:ext>
+    </p:extLst>
+  </p:cSld>
+  <p:clrMapOvr>
+    <a:masterClrMapping/>
+  </p:clrMapOvr>
+</p:sld>
+</file>
+
+<file path=ppt/slides/slide25.xml><?xml version="1.0" encoding="utf-8"?>
+<p:sld xmlns:a="http://schemas.openxmlformats.org/drawingml/2006/main" xmlns:r="http://schemas.openxmlformats.org/officeDocument/2006/relationships" xmlns:p="http://schemas.openxmlformats.org/presentationml/2006/main">
+  <p:cSld>
+    <p:spTree>
+      <p:nvGrpSpPr>
+        <p:cNvPr id="1" name=""/>
+        <p:cNvGrpSpPr/>
+        <p:nvPr/>
+      </p:nvGrpSpPr>
+      <p:grpSpPr>
+        <a:xfrm>
+          <a:off x="0" y="0"/>
+          <a:ext cx="0" cy="0"/>
+          <a:chOff x="0" y="0"/>
+          <a:chExt cx="0" cy="0"/>
+        </a:xfrm>
+      </p:grpSpPr>
+      <p:pic>
+        <p:nvPicPr>
+          <p:cNvPr id="3" name="Рисунок 2">
+            <a:extLst>
+              <a:ext uri="{FF2B5EF4-FFF2-40B4-BE49-F238E27FC236}">
+                <a16:creationId xmlns:a16="http://schemas.microsoft.com/office/drawing/2014/main" id="{69D30434-A0AD-49CF-AD8F-175C375097C9}"/>
+              </a:ext>
+            </a:extLst>
+          </p:cNvPr>
+          <p:cNvPicPr>
+            <a:picLocks noChangeAspect="1"/>
+          </p:cNvPicPr>
+          <p:nvPr/>
+        </p:nvPicPr>
+        <p:blipFill rotWithShape="1">
+          <a:blip r:embed="rId2">
+            <a:extLst>
+              <a:ext uri="{28A0092B-C50C-407E-A947-70E740481C1C}">
+                <a14:useLocalDpi xmlns:a14="http://schemas.microsoft.com/office/drawing/2010/main" val="0"/>
+              </a:ext>
+            </a:extLst>
+          </a:blip>
+          <a:srcRect l="2778" t="5823" r="33318" b="13185"/>
+          <a:stretch/>
+        </p:blipFill>
+        <p:spPr>
+          <a:xfrm>
+            <a:off x="1259633" y="2132856"/>
+            <a:ext cx="4968551" cy="2376264"/>
+          </a:xfrm>
+          <a:prstGeom prst="rect">
+            <a:avLst/>
+          </a:prstGeom>
+        </p:spPr>
+      </p:pic>
+      <p:sp>
+        <p:nvSpPr>
+          <p:cNvPr id="4" name="TextBox 3">
+            <a:extLst>
+              <a:ext uri="{FF2B5EF4-FFF2-40B4-BE49-F238E27FC236}">
+                <a16:creationId xmlns:a16="http://schemas.microsoft.com/office/drawing/2014/main" id="{4A4BF3A3-EB0F-4338-AF89-3F3F5D4686AC}"/>
+              </a:ext>
+            </a:extLst>
+          </p:cNvPr>
+          <p:cNvSpPr txBox="1"/>
+          <p:nvPr/>
+        </p:nvSpPr>
+        <p:spPr>
+          <a:xfrm>
+            <a:off x="3923928" y="1196752"/>
+            <a:ext cx="1120435" cy="369332"/>
+          </a:xfrm>
+          <a:prstGeom prst="rect">
+            <a:avLst/>
+          </a:prstGeom>
+          <a:noFill/>
+        </p:spPr>
+        <p:txBody>
+          <a:bodyPr wrap="none" rtlCol="0">
+            <a:spAutoFit/>
+          </a:bodyPr>
+          <a:lstStyle/>
+          <a:p>
+            <a:r>
+              <a:rPr lang="en-US" dirty="0">
+                <a:solidFill>
+                  <a:schemeClr val="bg2"/>
+                </a:solidFill>
+              </a:rPr>
+              <a:t>In </a:t>
+            </a:r>
+            <a:r>
+              <a:rPr lang="en-US" dirty="0" err="1">
+                <a:solidFill>
+                  <a:schemeClr val="bg2"/>
+                </a:solidFill>
+              </a:rPr>
+              <a:t>toch</a:t>
+            </a:r>
+            <a:r>
+              <a:rPr lang="en-US" dirty="0">
+                <a:solidFill>
+                  <a:schemeClr val="bg2"/>
+                </a:solidFill>
+              </a:rPr>
+              <a:t> ME</a:t>
+            </a:r>
+            <a:endParaRPr lang="ru-RU" dirty="0">
+              <a:solidFill>
+                <a:schemeClr val="bg2"/>
+              </a:solidFill>
+            </a:endParaRPr>
+          </a:p>
+        </p:txBody>
+      </p:sp>
+    </p:spTree>
+    <p:extLst>
+      <p:ext uri="{BB962C8B-B14F-4D97-AF65-F5344CB8AC3E}">
+        <p14:creationId xmlns:p14="http://schemas.microsoft.com/office/powerpoint/2010/main" val="1511760140"/>
+      </p:ext>
+    </p:extLst>
+  </p:cSld>
+  <p:clrMapOvr>
+    <a:masterClrMapping/>
+  </p:clrMapOvr>
+</p:sld>
+</file>
+
+<file path=ppt/slides/slide26.xml><?xml version="1.0" encoding="utf-8"?>
+<p:sld xmlns:a="http://schemas.openxmlformats.org/drawingml/2006/main" xmlns:r="http://schemas.openxmlformats.org/officeDocument/2006/relationships" xmlns:p="http://schemas.openxmlformats.org/presentationml/2006/main">
+  <p:cSld>
+    <p:spTree>
+      <p:nvGrpSpPr>
+        <p:cNvPr id="1" name=""/>
+        <p:cNvGrpSpPr/>
+        <p:nvPr/>
+      </p:nvGrpSpPr>
+      <p:grpSpPr>
+        <a:xfrm>
+          <a:off x="0" y="0"/>
+          <a:ext cx="0" cy="0"/>
+          <a:chOff x="0" y="0"/>
+          <a:chExt cx="0" cy="0"/>
+        </a:xfrm>
+      </p:grpSpPr>
+      <p:graphicFrame>
+        <p:nvGraphicFramePr>
+          <p:cNvPr id="2" name="Таблица 2">
+            <a:extLst>
+              <a:ext uri="{FF2B5EF4-FFF2-40B4-BE49-F238E27FC236}">
+                <a16:creationId xmlns:a16="http://schemas.microsoft.com/office/drawing/2014/main" id="{12DCB8F0-10E8-44B0-9AA1-8EBA1A30698D}"/>
+              </a:ext>
+            </a:extLst>
+          </p:cNvPr>
+          <p:cNvGraphicFramePr>
+            <a:graphicFrameLocks noGrp="1"/>
+          </p:cNvGraphicFramePr>
+          <p:nvPr>
+            <p:extLst>
+              <p:ext uri="{D42A27DB-BD31-4B8C-83A1-F6EECF244321}">
+                <p14:modId xmlns:p14="http://schemas.microsoft.com/office/powerpoint/2010/main" val="530013973"/>
+              </p:ext>
+            </p:extLst>
+          </p:nvPr>
+        </p:nvGraphicFramePr>
+        <p:xfrm>
+          <a:off x="-36512" y="-33302"/>
+          <a:ext cx="9180512" cy="6891304"/>
+        </p:xfrm>
+        <a:graphic>
+          <a:graphicData uri="http://schemas.openxmlformats.org/drawingml/2006/table">
+            <a:tbl>
+              <a:tblPr firstRow="1" bandRow="1">
+                <a:tableStyleId>{5C22544A-7EE6-4342-B048-85BDC9FD1C3A}</a:tableStyleId>
+              </a:tblPr>
+              <a:tblGrid>
+                <a:gridCol w="4590256">
+                  <a:extLst>
+                    <a:ext uri="{9D8B030D-6E8A-4147-A177-3AD203B41FA5}">
+                      <a16:colId xmlns:a16="http://schemas.microsoft.com/office/drawing/2014/main" val="1205991554"/>
+                    </a:ext>
+                  </a:extLst>
+                </a:gridCol>
+                <a:gridCol w="4590256">
+                  <a:extLst>
+                    <a:ext uri="{9D8B030D-6E8A-4147-A177-3AD203B41FA5}">
+                      <a16:colId xmlns:a16="http://schemas.microsoft.com/office/drawing/2014/main" val="4215375951"/>
+                    </a:ext>
+                  </a:extLst>
+                </a:gridCol>
+              </a:tblGrid>
+              <a:tr h="558457">
+                <a:tc gridSpan="2">
+                  <a:txBody>
+                    <a:bodyPr/>
+                    <a:lstStyle/>
+                    <a:p>
+                      <a:r>
+                        <a:rPr lang="en-US" sz="1800" dirty="0"/>
+                        <a:t>WinCC Open Architecture</a:t>
+                      </a:r>
+                      <a:endParaRPr lang="ru-RU" sz="1800" dirty="0"/>
+                    </a:p>
+                  </a:txBody>
+                  <a:tcPr/>
+                </a:tc>
+                <a:tc hMerge="1">
+                  <a:txBody>
+                    <a:bodyPr/>
+                    <a:lstStyle/>
+                    <a:p>
+                      <a:endParaRPr lang="ru-RU" dirty="0"/>
+                    </a:p>
+                  </a:txBody>
+                  <a:tcPr/>
+                </a:tc>
+                <a:extLst>
+                  <a:ext uri="{0D108BD9-81ED-4DB2-BD59-A6C34878D82A}">
+                    <a16:rowId xmlns:a16="http://schemas.microsoft.com/office/drawing/2014/main" val="1277603418"/>
+                  </a:ext>
+                </a:extLst>
+              </a:tr>
+              <a:tr h="359506">
+                <a:tc>
+                  <a:txBody>
+                    <a:bodyPr/>
+                    <a:lstStyle/>
+                    <a:p>
+                      <a:r>
+                        <a:rPr lang="en-US" sz="1400" dirty="0"/>
+                        <a:t>Single License Runtime</a:t>
+                      </a:r>
+                      <a:r>
+                        <a:rPr lang="ru-RU" sz="1400" dirty="0"/>
+                        <a:t> (конфигурация сервера)</a:t>
+                      </a:r>
+                    </a:p>
+                  </a:txBody>
+                  <a:tcPr/>
+                </a:tc>
+                <a:tc>
+                  <a:txBody>
+                    <a:bodyPr/>
+                    <a:lstStyle/>
+                    <a:p>
+                      <a:r>
+                        <a:rPr lang="ru-RU" sz="1400" dirty="0"/>
+                        <a:t>Цена зависит от количества тегов</a:t>
+                      </a:r>
+                    </a:p>
+                  </a:txBody>
+                  <a:tcPr/>
+                </a:tc>
+                <a:extLst>
+                  <a:ext uri="{0D108BD9-81ED-4DB2-BD59-A6C34878D82A}">
+                    <a16:rowId xmlns:a16="http://schemas.microsoft.com/office/drawing/2014/main" val="1861624193"/>
+                  </a:ext>
+                </a:extLst>
+              </a:tr>
+              <a:tr h="483004">
+                <a:tc>
+                  <a:txBody>
+                    <a:bodyPr/>
+                    <a:lstStyle/>
+                    <a:p>
+                      <a:r>
+                        <a:rPr lang="en-US" sz="1400" dirty="0"/>
+                        <a:t>WinCC OA </a:t>
+                      </a:r>
+                      <a:r>
+                        <a:rPr lang="en-US" sz="1400" dirty="0" err="1"/>
+                        <a:t>Nanobox</a:t>
+                      </a:r>
+                      <a:endParaRPr lang="ru-RU" sz="1400" dirty="0"/>
+                    </a:p>
+                  </a:txBody>
+                  <a:tcPr/>
+                </a:tc>
+                <a:tc>
+                  <a:txBody>
+                    <a:bodyPr/>
+                    <a:lstStyle/>
+                    <a:p>
+                      <a:pPr marL="0" marR="0" lvl="0" indent="0" algn="l" defTabSz="914400" rtl="0" eaLnBrk="1" fontAlgn="auto" latinLnBrk="0" hangingPunct="1">
+                        <a:lnSpc>
+                          <a:spcPct val="100000"/>
+                        </a:lnSpc>
+                        <a:spcBef>
+                          <a:spcPts val="0"/>
+                        </a:spcBef>
+                        <a:spcAft>
+                          <a:spcPts val="0"/>
+                        </a:spcAft>
+                        <a:buClrTx/>
+                        <a:buSzTx/>
+                        <a:buFontTx/>
+                        <a:buNone/>
+                        <a:tabLst/>
+                        <a:defRPr/>
+                      </a:pPr>
+                      <a:r>
+                        <a:rPr lang="ru-RU" sz="1400" dirty="0"/>
+                        <a:t>Цена зависит от количества тегов</a:t>
+                      </a:r>
+                    </a:p>
+                  </a:txBody>
+                  <a:tcPr/>
+                </a:tc>
+                <a:extLst>
+                  <a:ext uri="{0D108BD9-81ED-4DB2-BD59-A6C34878D82A}">
+                    <a16:rowId xmlns:a16="http://schemas.microsoft.com/office/drawing/2014/main" val="2275721906"/>
+                  </a:ext>
+                </a:extLst>
+              </a:tr>
+              <a:tr h="359506">
+                <a:tc>
+                  <a:txBody>
+                    <a:bodyPr/>
+                    <a:lstStyle/>
+                    <a:p>
+                      <a:r>
+                        <a:rPr lang="en-US" sz="1400" dirty="0"/>
+                        <a:t>Desktop UI</a:t>
+                      </a:r>
+                      <a:endParaRPr lang="ru-RU" sz="1400" dirty="0"/>
+                    </a:p>
+                  </a:txBody>
+                  <a:tcPr/>
+                </a:tc>
+                <a:tc>
+                  <a:txBody>
+                    <a:bodyPr/>
+                    <a:lstStyle/>
+                    <a:p>
+                      <a:r>
+                        <a:rPr lang="ru-RU" sz="1400" dirty="0"/>
+                        <a:t>Цена зависит от количества рабочих станций</a:t>
+                      </a:r>
+                    </a:p>
+                  </a:txBody>
+                  <a:tcPr/>
+                </a:tc>
+                <a:extLst>
+                  <a:ext uri="{0D108BD9-81ED-4DB2-BD59-A6C34878D82A}">
+                    <a16:rowId xmlns:a16="http://schemas.microsoft.com/office/drawing/2014/main" val="252572709"/>
+                  </a:ext>
+                </a:extLst>
+              </a:tr>
+              <a:tr h="359506">
+                <a:tc>
+                  <a:txBody>
+                    <a:bodyPr/>
+                    <a:lstStyle/>
+                    <a:p>
+                      <a:r>
+                        <a:rPr lang="en-US" sz="1400" dirty="0"/>
+                        <a:t>Ultralight UX </a:t>
+                      </a:r>
+                      <a:endParaRPr lang="ru-RU" sz="1400" dirty="0"/>
+                    </a:p>
+                  </a:txBody>
+                  <a:tcPr/>
+                </a:tc>
+                <a:tc>
+                  <a:txBody>
+                    <a:bodyPr/>
+                    <a:lstStyle/>
+                    <a:p>
+                      <a:pPr marL="0" marR="0" lvl="0" indent="0" algn="l" defTabSz="914400" rtl="0" eaLnBrk="1" fontAlgn="auto" latinLnBrk="0" hangingPunct="1">
+                        <a:lnSpc>
+                          <a:spcPct val="100000"/>
+                        </a:lnSpc>
+                        <a:spcBef>
+                          <a:spcPts val="0"/>
+                        </a:spcBef>
+                        <a:spcAft>
+                          <a:spcPts val="0"/>
+                        </a:spcAft>
+                        <a:buClrTx/>
+                        <a:buSzTx/>
+                        <a:buFontTx/>
+                        <a:buNone/>
+                        <a:tabLst/>
+                        <a:defRPr/>
+                      </a:pPr>
+                      <a:r>
+                        <a:rPr lang="ru-RU" sz="1400" dirty="0"/>
+                        <a:t>Цена зависит от количества рабочих станций</a:t>
+                      </a:r>
+                    </a:p>
+                  </a:txBody>
+                  <a:tcPr/>
+                </a:tc>
+                <a:extLst>
+                  <a:ext uri="{0D108BD9-81ED-4DB2-BD59-A6C34878D82A}">
+                    <a16:rowId xmlns:a16="http://schemas.microsoft.com/office/drawing/2014/main" val="3654514143"/>
+                  </a:ext>
+                </a:extLst>
+              </a:tr>
+              <a:tr h="359506">
+                <a:tc>
+                  <a:txBody>
+                    <a:bodyPr/>
+                    <a:lstStyle/>
+                    <a:p>
+                      <a:r>
+                        <a:rPr lang="en-US" sz="1400" dirty="0"/>
+                        <a:t>Mobile UI </a:t>
+                      </a:r>
+                      <a:endParaRPr lang="ru-RU" sz="1400" dirty="0"/>
+                    </a:p>
+                  </a:txBody>
+                  <a:tcPr/>
+                </a:tc>
+                <a:tc>
+                  <a:txBody>
+                    <a:bodyPr/>
+                    <a:lstStyle/>
+                    <a:p>
+                      <a:pPr marL="0" marR="0" lvl="0" indent="0" algn="l" defTabSz="914400" rtl="0" eaLnBrk="1" fontAlgn="auto" latinLnBrk="0" hangingPunct="1">
+                        <a:lnSpc>
+                          <a:spcPct val="100000"/>
+                        </a:lnSpc>
+                        <a:spcBef>
+                          <a:spcPts val="0"/>
+                        </a:spcBef>
+                        <a:spcAft>
+                          <a:spcPts val="0"/>
+                        </a:spcAft>
+                        <a:buClrTx/>
+                        <a:buSzTx/>
+                        <a:buFontTx/>
+                        <a:buNone/>
+                        <a:tabLst/>
+                        <a:defRPr/>
+                      </a:pPr>
+                      <a:r>
+                        <a:rPr lang="ru-RU" sz="1400" dirty="0"/>
+                        <a:t>Цена зависит от количества мобильных устройств</a:t>
+                      </a:r>
+                    </a:p>
+                  </a:txBody>
+                  <a:tcPr/>
+                </a:tc>
+                <a:extLst>
+                  <a:ext uri="{0D108BD9-81ED-4DB2-BD59-A6C34878D82A}">
+                    <a16:rowId xmlns:a16="http://schemas.microsoft.com/office/drawing/2014/main" val="1469659890"/>
+                  </a:ext>
+                </a:extLst>
+              </a:tr>
+              <a:tr h="528192">
+                <a:tc>
+                  <a:txBody>
+                    <a:bodyPr/>
+                    <a:lstStyle/>
+                    <a:p>
+                      <a:r>
+                        <a:rPr lang="en-US" sz="1400" dirty="0"/>
+                        <a:t>WinCC OA OPERATOR</a:t>
+                      </a:r>
+                      <a:endParaRPr lang="ru-RU" sz="1400" dirty="0"/>
+                    </a:p>
+                  </a:txBody>
+                  <a:tcPr/>
+                </a:tc>
+                <a:tc>
+                  <a:txBody>
+                    <a:bodyPr/>
+                    <a:lstStyle/>
+                    <a:p>
+                      <a:pPr marL="0" marR="0" lvl="0" indent="0" algn="l" defTabSz="914400" rtl="0" eaLnBrk="1" fontAlgn="auto" latinLnBrk="0" hangingPunct="1">
+                        <a:lnSpc>
+                          <a:spcPct val="100000"/>
+                        </a:lnSpc>
+                        <a:spcBef>
+                          <a:spcPts val="0"/>
+                        </a:spcBef>
+                        <a:spcAft>
+                          <a:spcPts val="0"/>
+                        </a:spcAft>
+                        <a:buClrTx/>
+                        <a:buSzTx/>
+                        <a:buFontTx/>
+                        <a:buNone/>
+                        <a:tabLst/>
+                        <a:defRPr/>
+                      </a:pPr>
+                      <a:r>
+                        <a:rPr lang="ru-RU" sz="1400" dirty="0"/>
+                        <a:t>Цена зависит от количества мобильных устройств </a:t>
+                      </a:r>
+                      <a:r>
+                        <a:rPr lang="en-US" sz="1400" dirty="0"/>
+                        <a:t>(iPhone/iPad)</a:t>
+                      </a:r>
+                      <a:endParaRPr lang="ru-RU" sz="1400" dirty="0"/>
+                    </a:p>
+                  </a:txBody>
+                  <a:tcPr/>
+                </a:tc>
+                <a:extLst>
+                  <a:ext uri="{0D108BD9-81ED-4DB2-BD59-A6C34878D82A}">
+                    <a16:rowId xmlns:a16="http://schemas.microsoft.com/office/drawing/2014/main" val="4080522362"/>
+                  </a:ext>
+                </a:extLst>
+              </a:tr>
+              <a:tr h="528192">
+                <a:tc>
+                  <a:txBody>
+                    <a:bodyPr/>
+                    <a:lstStyle/>
+                    <a:p>
+                      <a:r>
+                        <a:rPr lang="en-US" sz="1400" dirty="0"/>
+                        <a:t>Configuration and development license</a:t>
+                      </a:r>
+                      <a:endParaRPr lang="ru-RU" sz="1400" dirty="0"/>
+                    </a:p>
+                  </a:txBody>
+                  <a:tcPr/>
+                </a:tc>
+                <a:tc>
+                  <a:txBody>
+                    <a:bodyPr/>
+                    <a:lstStyle/>
+                    <a:p>
+                      <a:r>
+                        <a:rPr lang="ru-RU" sz="1400" dirty="0"/>
+                        <a:t>Цена зависит от комплектации лицензии на разработку и конфигурацию ПО</a:t>
+                      </a:r>
+                    </a:p>
+                  </a:txBody>
+                  <a:tcPr/>
+                </a:tc>
+                <a:extLst>
+                  <a:ext uri="{0D108BD9-81ED-4DB2-BD59-A6C34878D82A}">
+                    <a16:rowId xmlns:a16="http://schemas.microsoft.com/office/drawing/2014/main" val="627567346"/>
+                  </a:ext>
+                </a:extLst>
+              </a:tr>
+              <a:tr h="528192">
+                <a:tc>
+                  <a:txBody>
+                    <a:bodyPr/>
+                    <a:lstStyle/>
+                    <a:p>
+                      <a:r>
+                        <a:rPr lang="en-US" sz="1400" dirty="0"/>
+                        <a:t>WinCC OA Redundancy </a:t>
+                      </a:r>
+                      <a:endParaRPr lang="ru-RU" sz="1400" dirty="0"/>
+                    </a:p>
+                  </a:txBody>
+                  <a:tcPr/>
+                </a:tc>
+                <a:tc>
+                  <a:txBody>
+                    <a:bodyPr/>
+                    <a:lstStyle/>
+                    <a:p>
+                      <a:r>
+                        <a:rPr lang="ru-RU" sz="1400" dirty="0"/>
+                        <a:t>Пара резервных серверов требует 2 лицензии на резервирование.</a:t>
+                      </a:r>
+                    </a:p>
+                  </a:txBody>
+                  <a:tcPr/>
+                </a:tc>
+                <a:extLst>
+                  <a:ext uri="{0D108BD9-81ED-4DB2-BD59-A6C34878D82A}">
+                    <a16:rowId xmlns:a16="http://schemas.microsoft.com/office/drawing/2014/main" val="1618930827"/>
+                  </a:ext>
+                </a:extLst>
+              </a:tr>
+              <a:tr h="359506">
+                <a:tc>
+                  <a:txBody>
+                    <a:bodyPr/>
+                    <a:lstStyle/>
+                    <a:p>
+                      <a:r>
+                        <a:rPr lang="en-US" sz="1400" dirty="0"/>
+                        <a:t>WinCC OA Distributed Systems</a:t>
+                      </a:r>
+                      <a:endParaRPr lang="ru-RU" sz="1400" dirty="0"/>
+                    </a:p>
+                  </a:txBody>
+                  <a:tcPr/>
+                </a:tc>
+                <a:tc>
+                  <a:txBody>
+                    <a:bodyPr/>
+                    <a:lstStyle/>
+                    <a:p>
+                      <a:endParaRPr lang="ru-RU" sz="1400" dirty="0"/>
+                    </a:p>
+                  </a:txBody>
+                  <a:tcPr/>
+                </a:tc>
+                <a:extLst>
+                  <a:ext uri="{0D108BD9-81ED-4DB2-BD59-A6C34878D82A}">
+                    <a16:rowId xmlns:a16="http://schemas.microsoft.com/office/drawing/2014/main" val="2156087677"/>
+                  </a:ext>
+                </a:extLst>
+              </a:tr>
+              <a:tr h="359506">
+                <a:tc>
+                  <a:txBody>
+                    <a:bodyPr/>
+                    <a:lstStyle/>
+                    <a:p>
+                      <a:r>
+                        <a:rPr lang="en-US" sz="1400" dirty="0"/>
+                        <a:t>WinCC OA Disaster Recovery Center</a:t>
+                      </a:r>
+                      <a:endParaRPr lang="ru-RU" sz="1400" dirty="0"/>
+                    </a:p>
+                  </a:txBody>
+                  <a:tcPr/>
+                </a:tc>
+                <a:tc>
+                  <a:txBody>
+                    <a:bodyPr/>
+                    <a:lstStyle/>
+                    <a:p>
+                      <a:endParaRPr lang="ru-RU" sz="1400" dirty="0"/>
+                    </a:p>
+                  </a:txBody>
+                  <a:tcPr/>
+                </a:tc>
+                <a:extLst>
+                  <a:ext uri="{0D108BD9-81ED-4DB2-BD59-A6C34878D82A}">
+                    <a16:rowId xmlns:a16="http://schemas.microsoft.com/office/drawing/2014/main" val="2143100246"/>
+                  </a:ext>
+                </a:extLst>
+              </a:tr>
+              <a:tr h="359506">
+                <a:tc>
+                  <a:txBody>
+                    <a:bodyPr/>
+                    <a:lstStyle/>
+                    <a:p>
+                      <a:r>
+                        <a:rPr lang="en-US" sz="1400" dirty="0"/>
+                        <a:t>Driver</a:t>
+                      </a:r>
+                      <a:endParaRPr lang="ru-RU" sz="1400" dirty="0"/>
+                    </a:p>
+                  </a:txBody>
+                  <a:tcPr/>
+                </a:tc>
+                <a:tc>
+                  <a:txBody>
+                    <a:bodyPr/>
+                    <a:lstStyle/>
+                    <a:p>
+                      <a:r>
+                        <a:rPr lang="ru-RU" sz="1400" dirty="0"/>
+                        <a:t>?</a:t>
+                      </a:r>
+                    </a:p>
+                  </a:txBody>
+                  <a:tcPr/>
+                </a:tc>
+                <a:extLst>
+                  <a:ext uri="{0D108BD9-81ED-4DB2-BD59-A6C34878D82A}">
+                    <a16:rowId xmlns:a16="http://schemas.microsoft.com/office/drawing/2014/main" val="990574224"/>
+                  </a:ext>
+                </a:extLst>
+              </a:tr>
+              <a:tr h="359506">
+                <a:tc>
+                  <a:txBody>
+                    <a:bodyPr/>
+                    <a:lstStyle/>
+                    <a:p>
+                      <a:r>
+                        <a:rPr lang="en-US" sz="1400" dirty="0"/>
+                        <a:t>Reporting</a:t>
+                      </a:r>
+                      <a:endParaRPr lang="ru-RU" sz="1400" dirty="0"/>
+                    </a:p>
+                  </a:txBody>
+                  <a:tcPr/>
+                </a:tc>
+                <a:tc>
+                  <a:txBody>
+                    <a:bodyPr/>
+                    <a:lstStyle/>
+                    <a:p>
+                      <a:r>
+                        <a:rPr lang="ru-RU" sz="1400" dirty="0"/>
+                        <a:t>Цена зависит от количества клиентов</a:t>
+                      </a:r>
+                    </a:p>
+                  </a:txBody>
+                  <a:tcPr/>
+                </a:tc>
+                <a:extLst>
+                  <a:ext uri="{0D108BD9-81ED-4DB2-BD59-A6C34878D82A}">
+                    <a16:rowId xmlns:a16="http://schemas.microsoft.com/office/drawing/2014/main" val="777840618"/>
+                  </a:ext>
+                </a:extLst>
+              </a:tr>
+              <a:tr h="359506">
+                <a:tc>
+                  <a:txBody>
+                    <a:bodyPr/>
+                    <a:lstStyle/>
+                    <a:p>
+                      <a:r>
+                        <a:rPr lang="en-US" sz="1400" dirty="0"/>
+                        <a:t>Communication Center</a:t>
+                      </a:r>
+                      <a:endParaRPr lang="ru-RU" sz="1400" dirty="0"/>
+                    </a:p>
+                  </a:txBody>
+                  <a:tcPr/>
+                </a:tc>
+                <a:tc>
+                  <a:txBody>
+                    <a:bodyPr/>
+                    <a:lstStyle/>
+                    <a:p>
+                      <a:r>
+                        <a:rPr lang="ru-RU" sz="1400" dirty="0"/>
+                        <a:t>Цена зависит от количества </a:t>
+                      </a:r>
+                      <a:r>
+                        <a:rPr lang="en-US" sz="1400" dirty="0"/>
+                        <a:t>alarms</a:t>
+                      </a:r>
+                      <a:endParaRPr lang="ru-RU" sz="1400" dirty="0"/>
+                    </a:p>
+                  </a:txBody>
+                  <a:tcPr/>
+                </a:tc>
+                <a:extLst>
+                  <a:ext uri="{0D108BD9-81ED-4DB2-BD59-A6C34878D82A}">
+                    <a16:rowId xmlns:a16="http://schemas.microsoft.com/office/drawing/2014/main" val="2099295472"/>
+                  </a:ext>
+                </a:extLst>
+              </a:tr>
+              <a:tr h="359506">
+                <a:tc>
+                  <a:txBody>
+                    <a:bodyPr/>
+                    <a:lstStyle/>
+                    <a:p>
+                      <a:r>
+                        <a:rPr lang="en-US" sz="1400" dirty="0"/>
+                        <a:t>WinCC OA SMART SCADA</a:t>
+                      </a:r>
+                      <a:endParaRPr lang="ru-RU" sz="1400" dirty="0"/>
+                    </a:p>
+                  </a:txBody>
+                  <a:tcPr/>
+                </a:tc>
+                <a:tc>
+                  <a:txBody>
+                    <a:bodyPr/>
+                    <a:lstStyle/>
+                    <a:p>
+                      <a:endParaRPr lang="ru-RU" sz="1400" dirty="0"/>
+                    </a:p>
+                  </a:txBody>
+                  <a:tcPr/>
+                </a:tc>
+                <a:extLst>
+                  <a:ext uri="{0D108BD9-81ED-4DB2-BD59-A6C34878D82A}">
+                    <a16:rowId xmlns:a16="http://schemas.microsoft.com/office/drawing/2014/main" val="4107109216"/>
+                  </a:ext>
+                </a:extLst>
+              </a:tr>
+              <a:tr h="310701">
+                <a:tc>
+                  <a:txBody>
+                    <a:bodyPr/>
+                    <a:lstStyle/>
+                    <a:p>
+                      <a:r>
+                        <a:rPr lang="en-US" sz="1400" dirty="0"/>
+                        <a:t>WinCC OA Video</a:t>
+                      </a:r>
+                      <a:endParaRPr lang="ru-RU" sz="1400" dirty="0"/>
+                    </a:p>
+                  </a:txBody>
+                  <a:tcPr/>
+                </a:tc>
+                <a:tc>
+                  <a:txBody>
+                    <a:bodyPr/>
+                    <a:lstStyle/>
+                    <a:p>
+                      <a:r>
+                        <a:rPr lang="ru-RU" sz="1400" dirty="0"/>
+                        <a:t>Зависит от количества камер видеонаблюдения</a:t>
+                      </a:r>
+                    </a:p>
+                  </a:txBody>
+                  <a:tcPr/>
+                </a:tc>
+                <a:extLst>
+                  <a:ext uri="{0D108BD9-81ED-4DB2-BD59-A6C34878D82A}">
+                    <a16:rowId xmlns:a16="http://schemas.microsoft.com/office/drawing/2014/main" val="3841112415"/>
+                  </a:ext>
+                </a:extLst>
+              </a:tr>
+              <a:tr h="359506">
+                <a:tc>
+                  <a:txBody>
+                    <a:bodyPr/>
+                    <a:lstStyle/>
+                    <a:p>
+                      <a:r>
+                        <a:rPr lang="en-US" sz="1400" dirty="0"/>
+                        <a:t>Webserver</a:t>
+                      </a:r>
+                      <a:endParaRPr lang="ru-RU" sz="1400" dirty="0"/>
+                    </a:p>
+                  </a:txBody>
+                  <a:tcPr/>
+                </a:tc>
+                <a:tc>
+                  <a:txBody>
+                    <a:bodyPr/>
+                    <a:lstStyle/>
+                    <a:p>
+                      <a:endParaRPr lang="ru-RU" sz="1400" dirty="0"/>
+                    </a:p>
+                  </a:txBody>
+                  <a:tcPr/>
+                </a:tc>
+                <a:extLst>
+                  <a:ext uri="{0D108BD9-81ED-4DB2-BD59-A6C34878D82A}">
+                    <a16:rowId xmlns:a16="http://schemas.microsoft.com/office/drawing/2014/main" val="481156603"/>
+                  </a:ext>
+                </a:extLst>
+              </a:tr>
+            </a:tbl>
+          </a:graphicData>
+        </a:graphic>
+      </p:graphicFrame>
+    </p:spTree>
+    <p:extLst>
+      <p:ext uri="{BB962C8B-B14F-4D97-AF65-F5344CB8AC3E}">
+        <p14:creationId xmlns:p14="http://schemas.microsoft.com/office/powerpoint/2010/main" val="2315016265"/>
+      </p:ext>
+    </p:extLst>
+  </p:cSld>
+  <p:clrMapOvr>
+    <a:masterClrMapping/>
+  </p:clrMapOvr>
+</p:sld>
+</file>
+
+<file path=ppt/slides/slide27.xml><?xml version="1.0" encoding="utf-8"?>
+<p:sld xmlns:a="http://schemas.openxmlformats.org/drawingml/2006/main" xmlns:r="http://schemas.openxmlformats.org/officeDocument/2006/relationships" xmlns:p="http://schemas.openxmlformats.org/presentationml/2006/main">
+  <p:cSld>
+    <p:spTree>
+      <p:nvGrpSpPr>
+        <p:cNvPr id="1" name=""/>
+        <p:cNvGrpSpPr/>
+        <p:nvPr/>
+      </p:nvGrpSpPr>
+      <p:grpSpPr>
+        <a:xfrm>
+          <a:off x="0" y="0"/>
+          <a:ext cx="0" cy="0"/>
+          <a:chOff x="0" y="0"/>
+          <a:chExt cx="0" cy="0"/>
+        </a:xfrm>
+      </p:grpSpPr>
+      <p:sp>
+        <p:nvSpPr>
+          <p:cNvPr id="2" name="TextBox 1">
+            <a:extLst>
+              <a:ext uri="{FF2B5EF4-FFF2-40B4-BE49-F238E27FC236}">
+                <a16:creationId xmlns:a16="http://schemas.microsoft.com/office/drawing/2014/main" id="{AE3C6B6C-3C22-4D51-9834-E9D33ED4F33E}"/>
+              </a:ext>
+            </a:extLst>
+          </p:cNvPr>
+          <p:cNvSpPr txBox="1"/>
+          <p:nvPr/>
+        </p:nvSpPr>
+        <p:spPr>
+          <a:xfrm>
+            <a:off x="3851920" y="908720"/>
+            <a:ext cx="479618" cy="369332"/>
+          </a:xfrm>
+          <a:prstGeom prst="rect">
+            <a:avLst/>
+          </a:prstGeom>
+          <a:noFill/>
+        </p:spPr>
+        <p:txBody>
+          <a:bodyPr wrap="none" rtlCol="0">
+            <a:spAutoFit/>
+          </a:bodyPr>
+          <a:lstStyle/>
+          <a:p>
+            <a:r>
+              <a:rPr lang="en-US" dirty="0" err="1">
+                <a:solidFill>
+                  <a:schemeClr val="bg2"/>
+                </a:solidFill>
+              </a:rPr>
+              <a:t>ifix</a:t>
+            </a:r>
+            <a:endParaRPr lang="ru-RU" dirty="0">
+              <a:solidFill>
+                <a:schemeClr val="bg2"/>
+              </a:solidFill>
+            </a:endParaRPr>
+          </a:p>
+        </p:txBody>
+      </p:sp>
+      <p:pic>
+        <p:nvPicPr>
+          <p:cNvPr id="4" name="Рисунок 3">
+            <a:extLst>
+              <a:ext uri="{FF2B5EF4-FFF2-40B4-BE49-F238E27FC236}">
+                <a16:creationId xmlns:a16="http://schemas.microsoft.com/office/drawing/2014/main" id="{063804A6-D2D1-4237-B94A-826F5BF84F1F}"/>
+              </a:ext>
+            </a:extLst>
+          </p:cNvPr>
+          <p:cNvPicPr>
+            <a:picLocks noChangeAspect="1"/>
+          </p:cNvPicPr>
+          <p:nvPr/>
+        </p:nvPicPr>
+        <p:blipFill>
+          <a:blip r:embed="rId2">
+            <a:extLst>
+              <a:ext uri="{28A0092B-C50C-407E-A947-70E740481C1C}">
+                <a14:useLocalDpi xmlns:a14="http://schemas.microsoft.com/office/drawing/2010/main" val="0"/>
+              </a:ext>
+            </a:extLst>
+          </a:blip>
+          <a:stretch>
+            <a:fillRect/>
+          </a:stretch>
+        </p:blipFill>
+        <p:spPr>
+          <a:xfrm>
+            <a:off x="1081087" y="1933575"/>
+            <a:ext cx="6981825" cy="2990850"/>
+          </a:xfrm>
+          <a:prstGeom prst="rect">
+            <a:avLst/>
+          </a:prstGeom>
+        </p:spPr>
+      </p:pic>
+    </p:spTree>
+    <p:extLst>
+      <p:ext uri="{BB962C8B-B14F-4D97-AF65-F5344CB8AC3E}">
+        <p14:creationId xmlns:p14="http://schemas.microsoft.com/office/powerpoint/2010/main" val="3780068422"/>
+      </p:ext>
+    </p:extLst>
+  </p:cSld>
+  <p:clrMapOvr>
+    <a:masterClrMapping/>
+  </p:clrMapOvr>
+</p:sld>
+</file>
+
+<file path=ppt/slides/slide28.xml><?xml version="1.0" encoding="utf-8"?>
+<p:sld xmlns:a="http://schemas.openxmlformats.org/drawingml/2006/main" xmlns:r="http://schemas.openxmlformats.org/officeDocument/2006/relationships" xmlns:p="http://schemas.openxmlformats.org/presentationml/2006/main">
+  <p:cSld>
+    <p:spTree>
+      <p:nvGrpSpPr>
+        <p:cNvPr id="1" name=""/>
+        <p:cNvGrpSpPr/>
+        <p:nvPr/>
+      </p:nvGrpSpPr>
+      <p:grpSpPr>
+        <a:xfrm>
+          <a:off x="0" y="0"/>
+          <a:ext cx="0" cy="0"/>
+          <a:chOff x="0" y="0"/>
+          <a:chExt cx="0" cy="0"/>
+        </a:xfrm>
+      </p:grpSpPr>
+      <p:graphicFrame>
+        <p:nvGraphicFramePr>
+          <p:cNvPr id="2" name="Таблица 2">
+            <a:extLst>
+              <a:ext uri="{FF2B5EF4-FFF2-40B4-BE49-F238E27FC236}">
+                <a16:creationId xmlns:a16="http://schemas.microsoft.com/office/drawing/2014/main" id="{78A17BFD-65CB-45BB-943E-00D57598C10C}"/>
+              </a:ext>
+            </a:extLst>
+          </p:cNvPr>
+          <p:cNvGraphicFramePr>
+            <a:graphicFrameLocks noGrp="1"/>
+          </p:cNvGraphicFramePr>
+          <p:nvPr>
+            <p:extLst>
+              <p:ext uri="{D42A27DB-BD31-4B8C-83A1-F6EECF244321}">
+                <p14:modId xmlns:p14="http://schemas.microsoft.com/office/powerpoint/2010/main" val="2926839177"/>
+              </p:ext>
+            </p:extLst>
+          </p:nvPr>
+        </p:nvGraphicFramePr>
+        <p:xfrm>
+          <a:off x="377788" y="332656"/>
+          <a:ext cx="8388424" cy="6040120"/>
+        </p:xfrm>
+        <a:graphic>
+          <a:graphicData uri="http://schemas.openxmlformats.org/drawingml/2006/table">
+            <a:tbl>
+              <a:tblPr firstRow="1" bandRow="1">
+                <a:tableStyleId>{5C22544A-7EE6-4342-B048-85BDC9FD1C3A}</a:tableStyleId>
+              </a:tblPr>
+              <a:tblGrid>
+                <a:gridCol w="4194212">
+                  <a:extLst>
+                    <a:ext uri="{9D8B030D-6E8A-4147-A177-3AD203B41FA5}">
+                      <a16:colId xmlns:a16="http://schemas.microsoft.com/office/drawing/2014/main" val="2721695029"/>
+                    </a:ext>
+                  </a:extLst>
+                </a:gridCol>
+                <a:gridCol w="4194212">
+                  <a:extLst>
+                    <a:ext uri="{9D8B030D-6E8A-4147-A177-3AD203B41FA5}">
+                      <a16:colId xmlns:a16="http://schemas.microsoft.com/office/drawing/2014/main" val="1928942377"/>
+                    </a:ext>
+                  </a:extLst>
+                </a:gridCol>
+              </a:tblGrid>
+              <a:tr h="370840">
+                <a:tc gridSpan="2">
+                  <a:txBody>
+                    <a:bodyPr/>
+                    <a:lstStyle/>
+                    <a:p>
+                      <a:r>
+                        <a:rPr lang="en-US" dirty="0"/>
+                        <a:t>SIMATIC PCS 7</a:t>
+                      </a:r>
+                      <a:endParaRPr lang="ru-RU" dirty="0"/>
+                    </a:p>
+                  </a:txBody>
+                  <a:tcPr/>
+                </a:tc>
+                <a:tc hMerge="1">
+                  <a:txBody>
+                    <a:bodyPr/>
+                    <a:lstStyle/>
+                    <a:p>
+                      <a:endParaRPr lang="ru-RU" dirty="0"/>
+                    </a:p>
+                  </a:txBody>
+                  <a:tcPr/>
+                </a:tc>
+                <a:extLst>
+                  <a:ext uri="{0D108BD9-81ED-4DB2-BD59-A6C34878D82A}">
+                    <a16:rowId xmlns:a16="http://schemas.microsoft.com/office/drawing/2014/main" val="4035307881"/>
+                  </a:ext>
+                </a:extLst>
+              </a:tr>
+              <a:tr h="370840">
+                <a:tc>
+                  <a:txBody>
+                    <a:bodyPr/>
+                    <a:lstStyle/>
+                    <a:p>
+                      <a:r>
+                        <a:rPr lang="en-US" dirty="0"/>
+                        <a:t>AS Runtime license</a:t>
+                      </a:r>
+                      <a:endParaRPr lang="ru-RU" dirty="0"/>
+                    </a:p>
+                  </a:txBody>
+                  <a:tcPr/>
+                </a:tc>
+                <a:tc>
+                  <a:txBody>
+                    <a:bodyPr/>
+                    <a:lstStyle/>
+                    <a:p>
+                      <a:r>
+                        <a:rPr lang="ru-RU" dirty="0"/>
+                        <a:t>Цена зависит от объектов процесса (</a:t>
+                      </a:r>
+                      <a:r>
+                        <a:rPr lang="en-US" dirty="0"/>
+                        <a:t>PO 100</a:t>
+                      </a:r>
+                      <a:r>
+                        <a:rPr lang="ru-RU" dirty="0"/>
+                        <a:t>, </a:t>
+                      </a:r>
+                      <a:r>
+                        <a:rPr lang="en-US" dirty="0"/>
+                        <a:t>PO 1000</a:t>
+                      </a:r>
+                      <a:r>
+                        <a:rPr lang="ru-RU" dirty="0"/>
+                        <a:t> или </a:t>
+                      </a:r>
+                      <a:r>
+                        <a:rPr lang="en-US" dirty="0"/>
+                        <a:t>PO 10000</a:t>
+                      </a:r>
+                      <a:r>
+                        <a:rPr lang="ru-RU" dirty="0"/>
+                        <a:t>)</a:t>
+                      </a:r>
+                    </a:p>
+                  </a:txBody>
+                  <a:tcPr/>
+                </a:tc>
+                <a:extLst>
+                  <a:ext uri="{0D108BD9-81ED-4DB2-BD59-A6C34878D82A}">
+                    <a16:rowId xmlns:a16="http://schemas.microsoft.com/office/drawing/2014/main" val="2288873208"/>
+                  </a:ext>
+                </a:extLst>
+              </a:tr>
+              <a:tr h="370840">
+                <a:tc>
+                  <a:txBody>
+                    <a:bodyPr/>
+                    <a:lstStyle/>
+                    <a:p>
+                      <a:r>
+                        <a:rPr lang="en-US" dirty="0"/>
+                        <a:t>OS Runtime license</a:t>
+                      </a:r>
+                      <a:endParaRPr lang="ru-RU" dirty="0"/>
+                    </a:p>
+                  </a:txBody>
+                  <a:tcPr/>
+                </a:tc>
+                <a:tc>
+                  <a:txBody>
+                    <a:bodyPr/>
+                    <a:lstStyle/>
+                    <a:p>
+                      <a:pPr marL="0" marR="0" lvl="0" indent="0" algn="l" defTabSz="914400" rtl="0" eaLnBrk="1" fontAlgn="auto" latinLnBrk="0" hangingPunct="1">
+                        <a:lnSpc>
+                          <a:spcPct val="100000"/>
+                        </a:lnSpc>
+                        <a:spcBef>
+                          <a:spcPts val="0"/>
+                        </a:spcBef>
+                        <a:spcAft>
+                          <a:spcPts val="0"/>
+                        </a:spcAft>
+                        <a:buClrTx/>
+                        <a:buSzTx/>
+                        <a:buFontTx/>
+                        <a:buNone/>
+                        <a:tabLst/>
+                        <a:defRPr/>
+                      </a:pPr>
+                      <a:r>
+                        <a:rPr lang="ru-RU" dirty="0"/>
+                        <a:t>Цена зависит от объектов процесса (</a:t>
+                      </a:r>
+                      <a:r>
+                        <a:rPr lang="en-US" dirty="0"/>
+                        <a:t>PO 100</a:t>
+                      </a:r>
+                      <a:r>
+                        <a:rPr lang="ru-RU" dirty="0"/>
+                        <a:t>, </a:t>
+                      </a:r>
+                      <a:r>
+                        <a:rPr lang="en-US" dirty="0"/>
+                        <a:t>PO 1000</a:t>
+                      </a:r>
+                      <a:r>
+                        <a:rPr lang="ru-RU" dirty="0"/>
+                        <a:t> или </a:t>
+                      </a:r>
+                      <a:r>
+                        <a:rPr lang="en-US" dirty="0"/>
+                        <a:t>PO </a:t>
+                      </a:r>
+                      <a:r>
+                        <a:rPr lang="ru-RU" dirty="0"/>
+                        <a:t>5</a:t>
+                      </a:r>
+                      <a:r>
+                        <a:rPr lang="en-US" dirty="0"/>
+                        <a:t>000</a:t>
+                      </a:r>
+                      <a:r>
+                        <a:rPr lang="ru-RU" dirty="0"/>
+                        <a:t>)</a:t>
+                      </a:r>
+                    </a:p>
+                  </a:txBody>
+                  <a:tcPr/>
+                </a:tc>
+                <a:extLst>
+                  <a:ext uri="{0D108BD9-81ED-4DB2-BD59-A6C34878D82A}">
+                    <a16:rowId xmlns:a16="http://schemas.microsoft.com/office/drawing/2014/main" val="3615720567"/>
+                  </a:ext>
+                </a:extLst>
+              </a:tr>
+              <a:tr h="370840">
+                <a:tc>
+                  <a:txBody>
+                    <a:bodyPr/>
+                    <a:lstStyle/>
+                    <a:p>
+                      <a:r>
+                        <a:rPr lang="en-US" dirty="0"/>
+                        <a:t>OS archive</a:t>
+                      </a:r>
+                      <a:endParaRPr lang="ru-RU" dirty="0"/>
+                    </a:p>
+                  </a:txBody>
+                  <a:tcPr/>
+                </a:tc>
+                <a:tc>
+                  <a:txBody>
+                    <a:bodyPr/>
+                    <a:lstStyle/>
+                    <a:p>
+                      <a:r>
+                        <a:rPr lang="ru-RU" dirty="0"/>
+                        <a:t>Цена зависит от количества тегов (</a:t>
+                      </a:r>
+                      <a:r>
+                        <a:rPr lang="en-US" dirty="0"/>
+                        <a:t>1500 TAGS</a:t>
+                      </a:r>
+                      <a:r>
+                        <a:rPr lang="ru-RU" dirty="0"/>
+                        <a:t>, </a:t>
+                      </a:r>
+                      <a:r>
+                        <a:rPr lang="en-US" dirty="0"/>
+                        <a:t>5000 TAGS</a:t>
+                      </a:r>
+                      <a:r>
+                        <a:rPr lang="ru-RU" dirty="0"/>
+                        <a:t>, </a:t>
+                      </a:r>
+                      <a:r>
+                        <a:rPr lang="en-US" dirty="0"/>
+                        <a:t>10000 TAGS</a:t>
+                      </a:r>
+                      <a:r>
+                        <a:rPr lang="ru-RU" dirty="0"/>
+                        <a:t>, </a:t>
+                      </a:r>
+                      <a:r>
+                        <a:rPr lang="en-US" dirty="0"/>
+                        <a:t>30000 TAGS</a:t>
+                      </a:r>
+                      <a:r>
+                        <a:rPr lang="ru-RU" dirty="0"/>
+                        <a:t>)</a:t>
+                      </a:r>
+                    </a:p>
+                  </a:txBody>
+                  <a:tcPr/>
+                </a:tc>
+                <a:extLst>
+                  <a:ext uri="{0D108BD9-81ED-4DB2-BD59-A6C34878D82A}">
+                    <a16:rowId xmlns:a16="http://schemas.microsoft.com/office/drawing/2014/main" val="4078708724"/>
+                  </a:ext>
+                </a:extLst>
+              </a:tr>
+              <a:tr h="419432">
+                <a:tc>
+                  <a:txBody>
+                    <a:bodyPr/>
+                    <a:lstStyle/>
+                    <a:p>
+                      <a:r>
+                        <a:rPr lang="en-US" dirty="0"/>
+                        <a:t>PDM</a:t>
+                      </a:r>
+                      <a:endParaRPr lang="ru-RU" dirty="0"/>
+                    </a:p>
+                  </a:txBody>
+                  <a:tcPr/>
+                </a:tc>
+                <a:tc>
+                  <a:txBody>
+                    <a:bodyPr/>
+                    <a:lstStyle/>
+                    <a:p>
+                      <a:pPr marL="0" marR="0" lvl="0" indent="0" algn="l" defTabSz="914400" rtl="0" eaLnBrk="1" fontAlgn="auto" latinLnBrk="0" hangingPunct="1">
+                        <a:lnSpc>
+                          <a:spcPct val="100000"/>
+                        </a:lnSpc>
+                        <a:spcBef>
+                          <a:spcPts val="0"/>
+                        </a:spcBef>
+                        <a:spcAft>
+                          <a:spcPts val="0"/>
+                        </a:spcAft>
+                        <a:buClrTx/>
+                        <a:buSzTx/>
+                        <a:buFontTx/>
+                        <a:buNone/>
+                        <a:tabLst/>
+                        <a:defRPr/>
+                      </a:pPr>
+                      <a:r>
+                        <a:rPr lang="ru-RU" dirty="0"/>
+                        <a:t>Цена зависит от количества тегов (</a:t>
+                      </a:r>
+                      <a:r>
+                        <a:rPr lang="en-US" dirty="0"/>
+                        <a:t>1500 TAGS</a:t>
+                      </a:r>
+                      <a:r>
+                        <a:rPr lang="ru-RU" dirty="0"/>
+                        <a:t>, </a:t>
+                      </a:r>
+                      <a:r>
+                        <a:rPr lang="en-US" dirty="0"/>
+                        <a:t>5000 TAGS</a:t>
+                      </a:r>
+                      <a:r>
+                        <a:rPr lang="ru-RU" dirty="0"/>
+                        <a:t>, </a:t>
+                      </a:r>
+                      <a:r>
+                        <a:rPr lang="en-US" dirty="0"/>
+                        <a:t>10000 TAGS</a:t>
+                      </a:r>
+                      <a:r>
+                        <a:rPr lang="ru-RU" dirty="0"/>
+                        <a:t>, </a:t>
+                      </a:r>
+                      <a:r>
+                        <a:rPr lang="en-US" dirty="0"/>
+                        <a:t>30000 TAGS</a:t>
+                      </a:r>
+                      <a:r>
+                        <a:rPr lang="ru-RU" dirty="0"/>
+                        <a:t>)</a:t>
+                      </a:r>
+                    </a:p>
+                  </a:txBody>
+                  <a:tcPr/>
+                </a:tc>
+                <a:extLst>
+                  <a:ext uri="{0D108BD9-81ED-4DB2-BD59-A6C34878D82A}">
+                    <a16:rowId xmlns:a16="http://schemas.microsoft.com/office/drawing/2014/main" val="3769730462"/>
+                  </a:ext>
+                </a:extLst>
+              </a:tr>
+              <a:tr h="370840">
+                <a:tc>
+                  <a:txBody>
+                    <a:bodyPr/>
+                    <a:lstStyle/>
+                    <a:p>
+                      <a:r>
+                        <a:rPr lang="en-US" dirty="0"/>
+                        <a:t>BATCH</a:t>
+                      </a:r>
+                      <a:endParaRPr lang="ru-RU" dirty="0"/>
+                    </a:p>
+                  </a:txBody>
+                  <a:tcPr/>
+                </a:tc>
+                <a:tc>
+                  <a:txBody>
+                    <a:bodyPr/>
+                    <a:lstStyle/>
+                    <a:p>
+                      <a:r>
+                        <a:rPr lang="ru-RU" dirty="0"/>
+                        <a:t>Цена зависит от количества единиц (</a:t>
+                      </a:r>
+                      <a:r>
+                        <a:rPr lang="en-US" dirty="0"/>
+                        <a:t>1 UNIT</a:t>
+                      </a:r>
+                      <a:r>
+                        <a:rPr lang="ru-RU" dirty="0"/>
+                        <a:t>,</a:t>
+                      </a:r>
+                      <a:r>
+                        <a:rPr lang="en-US" dirty="0"/>
+                        <a:t> </a:t>
+                      </a:r>
+                      <a:r>
+                        <a:rPr lang="ru-RU" dirty="0"/>
+                        <a:t>10</a:t>
+                      </a:r>
+                      <a:r>
+                        <a:rPr lang="en-US" dirty="0"/>
+                        <a:t> UNIT</a:t>
+                      </a:r>
+                      <a:r>
+                        <a:rPr lang="ru-RU" dirty="0"/>
+                        <a:t>, 50 </a:t>
+                      </a:r>
+                      <a:r>
+                        <a:rPr lang="en-US" dirty="0"/>
+                        <a:t>UNIT</a:t>
+                      </a:r>
+                      <a:r>
+                        <a:rPr lang="ru-RU" dirty="0"/>
+                        <a:t>)</a:t>
+                      </a:r>
+                    </a:p>
+                  </a:txBody>
+                  <a:tcPr/>
+                </a:tc>
+                <a:extLst>
+                  <a:ext uri="{0D108BD9-81ED-4DB2-BD59-A6C34878D82A}">
+                    <a16:rowId xmlns:a16="http://schemas.microsoft.com/office/drawing/2014/main" val="4000178332"/>
+                  </a:ext>
+                </a:extLst>
+              </a:tr>
+              <a:tr h="370840">
+                <a:tc>
+                  <a:txBody>
+                    <a:bodyPr/>
+                    <a:lstStyle/>
+                    <a:p>
+                      <a:r>
+                        <a:rPr lang="en-US" dirty="0"/>
+                        <a:t>Route Control </a:t>
+                      </a:r>
+                      <a:r>
+                        <a:rPr lang="en-US" dirty="0">
+                          <a:highlight>
+                            <a:srgbClr val="FFFF00"/>
+                          </a:highlight>
+                        </a:rPr>
+                        <a:t>Routes</a:t>
+                      </a:r>
+                      <a:r>
+                        <a:rPr lang="en-US" dirty="0"/>
+                        <a:t> </a:t>
+                      </a:r>
+                      <a:endParaRPr lang="ru-RU" dirty="0"/>
+                    </a:p>
+                  </a:txBody>
+                  <a:tcPr/>
+                </a:tc>
+                <a:tc>
+                  <a:txBody>
+                    <a:bodyPr/>
+                    <a:lstStyle/>
+                    <a:p>
+                      <a:r>
+                        <a:rPr lang="ru-RU" dirty="0"/>
+                        <a:t>Цена зависит от количества ? (</a:t>
+                      </a:r>
+                      <a:r>
+                        <a:rPr lang="en-US" dirty="0"/>
+                        <a:t>10 ROUTES</a:t>
+                      </a:r>
+                      <a:r>
+                        <a:rPr lang="ru-RU" dirty="0"/>
+                        <a:t>, 5</a:t>
+                      </a:r>
+                      <a:r>
+                        <a:rPr lang="en-US" dirty="0"/>
+                        <a:t>0 ROUTES</a:t>
+                      </a:r>
+                      <a:r>
+                        <a:rPr lang="ru-RU" dirty="0"/>
+                        <a:t>)</a:t>
+                      </a:r>
+                    </a:p>
+                  </a:txBody>
+                  <a:tcPr/>
+                </a:tc>
+                <a:extLst>
+                  <a:ext uri="{0D108BD9-81ED-4DB2-BD59-A6C34878D82A}">
+                    <a16:rowId xmlns:a16="http://schemas.microsoft.com/office/drawing/2014/main" val="3337858158"/>
+                  </a:ext>
+                </a:extLst>
+              </a:tr>
+              <a:tr h="370840">
+                <a:tc>
+                  <a:txBody>
+                    <a:bodyPr/>
+                    <a:lstStyle/>
+                    <a:p>
+                      <a:r>
+                        <a:rPr lang="en-US" dirty="0"/>
+                        <a:t>Maintenance RT </a:t>
+                      </a:r>
+                      <a:endParaRPr lang="ru-RU" dirty="0"/>
+                    </a:p>
+                  </a:txBody>
+                  <a:tcPr/>
+                </a:tc>
+                <a:tc>
+                  <a:txBody>
+                    <a:bodyPr/>
+                    <a:lstStyle/>
+                    <a:p>
+                      <a:pPr marL="0" marR="0" lvl="0" indent="0" algn="l" defTabSz="914400" rtl="0" eaLnBrk="1" fontAlgn="auto" latinLnBrk="0" hangingPunct="1">
+                        <a:lnSpc>
+                          <a:spcPct val="100000"/>
+                        </a:lnSpc>
+                        <a:spcBef>
+                          <a:spcPts val="0"/>
+                        </a:spcBef>
+                        <a:spcAft>
+                          <a:spcPts val="0"/>
+                        </a:spcAft>
+                        <a:buClrTx/>
+                        <a:buSzTx/>
+                        <a:buFontTx/>
+                        <a:buNone/>
+                        <a:tabLst/>
+                        <a:defRPr/>
+                      </a:pPr>
+                      <a:r>
+                        <a:rPr lang="ru-RU" dirty="0"/>
+                        <a:t>Цена зависит от количества тегов (1</a:t>
+                      </a:r>
+                      <a:r>
+                        <a:rPr lang="en-US" dirty="0"/>
+                        <a:t>00 TAGS</a:t>
+                      </a:r>
+                      <a:r>
+                        <a:rPr lang="ru-RU" dirty="0"/>
+                        <a:t>, 1</a:t>
+                      </a:r>
+                      <a:r>
+                        <a:rPr lang="en-US" dirty="0"/>
+                        <a:t>000 TAGS</a:t>
+                      </a:r>
+                      <a:r>
+                        <a:rPr lang="ru-RU" dirty="0"/>
+                        <a:t>)</a:t>
+                      </a:r>
+                    </a:p>
+                  </a:txBody>
+                  <a:tcPr/>
+                </a:tc>
+                <a:extLst>
+                  <a:ext uri="{0D108BD9-81ED-4DB2-BD59-A6C34878D82A}">
+                    <a16:rowId xmlns:a16="http://schemas.microsoft.com/office/drawing/2014/main" val="1568899916"/>
+                  </a:ext>
+                </a:extLst>
+              </a:tr>
+              <a:tr h="370840">
+                <a:tc>
+                  <a:txBody>
+                    <a:bodyPr/>
+                    <a:lstStyle/>
+                    <a:p>
+                      <a:r>
+                        <a:rPr lang="en-US" dirty="0"/>
+                        <a:t>SIMATIC Management Console </a:t>
+                      </a:r>
+                      <a:endParaRPr lang="ru-RU" dirty="0"/>
+                    </a:p>
+                  </a:txBody>
+                  <a:tcPr/>
+                </a:tc>
+                <a:tc>
+                  <a:txBody>
+                    <a:bodyPr/>
+                    <a:lstStyle/>
+                    <a:p>
+                      <a:r>
+                        <a:rPr lang="ru-RU" dirty="0"/>
+                        <a:t>Цена зависит от количества агентов </a:t>
+                      </a:r>
+                      <a:r>
+                        <a:rPr lang="en-US" dirty="0"/>
+                        <a:t>(10 AGENTS</a:t>
+                      </a:r>
+                      <a:r>
+                        <a:rPr lang="ru-RU" dirty="0"/>
+                        <a:t>, 5</a:t>
+                      </a:r>
+                      <a:r>
+                        <a:rPr lang="en-US" dirty="0"/>
+                        <a:t>0 AGENTS</a:t>
+                      </a:r>
+                      <a:r>
+                        <a:rPr lang="ru-RU" dirty="0"/>
+                        <a:t>, </a:t>
+                      </a:r>
+                      <a:r>
+                        <a:rPr lang="en-US" dirty="0"/>
+                        <a:t>10</a:t>
+                      </a:r>
+                      <a:r>
+                        <a:rPr lang="ru-RU" dirty="0"/>
+                        <a:t>0</a:t>
+                      </a:r>
+                      <a:r>
+                        <a:rPr lang="en-US" dirty="0"/>
+                        <a:t> AGENTS)</a:t>
+                      </a:r>
+                      <a:endParaRPr lang="ru-RU" dirty="0"/>
+                    </a:p>
+                  </a:txBody>
+                  <a:tcPr/>
+                </a:tc>
+                <a:extLst>
+                  <a:ext uri="{0D108BD9-81ED-4DB2-BD59-A6C34878D82A}">
+                    <a16:rowId xmlns:a16="http://schemas.microsoft.com/office/drawing/2014/main" val="2967167339"/>
+                  </a:ext>
+                </a:extLst>
+              </a:tr>
+            </a:tbl>
+          </a:graphicData>
+        </a:graphic>
+      </p:graphicFrame>
+    </p:spTree>
+    <p:extLst>
+      <p:ext uri="{BB962C8B-B14F-4D97-AF65-F5344CB8AC3E}">
+        <p14:creationId xmlns:p14="http://schemas.microsoft.com/office/powerpoint/2010/main" val="3138048962"/>
       </p:ext>
     </p:extLst>
   </p:cSld>

--- a/итоговая.pptx
+++ b/итоговая.pptx
@@ -5,31 +5,17 @@
     <p:sldMasterId id="2147483702" r:id="rId1"/>
   </p:sldMasterIdLst>
   <p:notesMasterIdLst>
-    <p:notesMasterId r:id="rId24"/>
+    <p:notesMasterId r:id="rId10"/>
   </p:notesMasterIdLst>
   <p:sldIdLst>
     <p:sldId id="267" r:id="rId2"/>
     <p:sldId id="269" r:id="rId3"/>
-    <p:sldId id="275" r:id="rId4"/>
-    <p:sldId id="276" r:id="rId5"/>
-    <p:sldId id="277" r:id="rId6"/>
-    <p:sldId id="278" r:id="rId7"/>
-    <p:sldId id="279" r:id="rId8"/>
-    <p:sldId id="281" r:id="rId9"/>
-    <p:sldId id="280" r:id="rId10"/>
-    <p:sldId id="282" r:id="rId11"/>
-    <p:sldId id="284" r:id="rId12"/>
-    <p:sldId id="285" r:id="rId13"/>
-    <p:sldId id="286" r:id="rId14"/>
-    <p:sldId id="287" r:id="rId15"/>
-    <p:sldId id="288" r:id="rId16"/>
-    <p:sldId id="271" r:id="rId17"/>
-    <p:sldId id="293" r:id="rId18"/>
-    <p:sldId id="291" r:id="rId19"/>
-    <p:sldId id="273" r:id="rId20"/>
-    <p:sldId id="274" r:id="rId21"/>
-    <p:sldId id="272" r:id="rId22"/>
-    <p:sldId id="294" r:id="rId23"/>
+    <p:sldId id="271" r:id="rId4"/>
+    <p:sldId id="291" r:id="rId5"/>
+    <p:sldId id="273" r:id="rId6"/>
+    <p:sldId id="274" r:id="rId7"/>
+    <p:sldId id="272" r:id="rId8"/>
+    <p:sldId id="294" r:id="rId9"/>
   </p:sldIdLst>
   <p:sldSz cx="9144000" cy="6858000" type="screen4x3"/>
   <p:notesSz cx="6858000" cy="9144000"/>
@@ -159,29 +145,6 @@
 </p:cmAuthorLst>
 </file>
 
-<file path=ppt/comments/comment1.xml><?xml version="1.0" encoding="utf-8"?>
-<p:cmLst xmlns:a="http://schemas.openxmlformats.org/drawingml/2006/main" xmlns:r="http://schemas.openxmlformats.org/officeDocument/2006/relationships" xmlns:p="http://schemas.openxmlformats.org/presentationml/2006/main">
-  <p:cm authorId="1" dt="2019-08-27T17:00:18.282" idx="1">
-    <p:pos x="10" y="10"/>
-    <p:text>Слайд посвящен структуре АСУ ТП (уровни)</p:text>
-    <p:extLst>
-      <p:ext uri="{C676402C-5697-4E1C-873F-D02D1690AC5C}">
-        <p15:threadingInfo xmlns:p15="http://schemas.microsoft.com/office/powerpoint/2012/main" timeZoneBias="-300"/>
-      </p:ext>
-    </p:extLst>
-  </p:cm>
-  <p:cm authorId="1" dt="2019-08-27T17:02:55.055" idx="2">
-    <p:pos x="5686" y="618"/>
-    <p:text>Сосредоточимся на уровне управления участком техпроцесса</p:text>
-    <p:extLst>
-      <p:ext uri="{C676402C-5697-4E1C-873F-D02D1690AC5C}">
-        <p15:threadingInfo xmlns:p15="http://schemas.microsoft.com/office/powerpoint/2012/main" timeZoneBias="-300"/>
-      </p:ext>
-    </p:extLst>
-  </p:cm>
-</p:cmLst>
-</file>
-
 <file path=ppt/notesMasters/notesMaster1.xml><?xml version="1.0" encoding="utf-8"?>
 <p:notesMaster xmlns:a="http://schemas.openxmlformats.org/drawingml/2006/main" xmlns:r="http://schemas.openxmlformats.org/officeDocument/2006/relationships" xmlns:p="http://schemas.openxmlformats.org/presentationml/2006/main">
   <p:cSld>
@@ -264,7 +227,7 @@
           <a:p>
             <a:fld id="{5649F021-9FAB-4CEA-A96A-A2DB693E74C4}" type="datetimeFigureOut">
               <a:rPr lang="ru-RU" smtClean="0"/>
-              <a:t>27.12.2019</a:t>
+              <a:t>06.02.2020</a:t>
             </a:fld>
             <a:endParaRPr lang="ru-RU"/>
           </a:p>
@@ -531,90 +494,6 @@
 </p:notesMaster>
 </file>
 
-<file path=ppt/notesSlides/notesSlide1.xml><?xml version="1.0" encoding="utf-8"?>
-<p:notes xmlns:a="http://schemas.openxmlformats.org/drawingml/2006/main" xmlns:r="http://schemas.openxmlformats.org/officeDocument/2006/relationships" xmlns:p="http://schemas.openxmlformats.org/presentationml/2006/main">
-  <p:cSld>
-    <p:spTree>
-      <p:nvGrpSpPr>
-        <p:cNvPr id="1" name=""/>
-        <p:cNvGrpSpPr/>
-        <p:nvPr/>
-      </p:nvGrpSpPr>
-      <p:grpSpPr>
-        <a:xfrm>
-          <a:off x="0" y="0"/>
-          <a:ext cx="0" cy="0"/>
-          <a:chOff x="0" y="0"/>
-          <a:chExt cx="0" cy="0"/>
-        </a:xfrm>
-      </p:grpSpPr>
-      <p:sp>
-        <p:nvSpPr>
-          <p:cNvPr id="2" name="Образ слайда 1"/>
-          <p:cNvSpPr>
-            <a:spLocks noGrp="1" noRot="1" noChangeAspect="1"/>
-          </p:cNvSpPr>
-          <p:nvPr>
-            <p:ph type="sldImg"/>
-          </p:nvPr>
-        </p:nvSpPr>
-        <p:spPr/>
-      </p:sp>
-      <p:sp>
-        <p:nvSpPr>
-          <p:cNvPr id="3" name="Заметки 2"/>
-          <p:cNvSpPr>
-            <a:spLocks noGrp="1"/>
-          </p:cNvSpPr>
-          <p:nvPr>
-            <p:ph type="body" idx="1"/>
-          </p:nvPr>
-        </p:nvSpPr>
-        <p:spPr/>
-        <p:txBody>
-          <a:bodyPr/>
-          <a:lstStyle/>
-          <a:p>
-            <a:endParaRPr lang="ru-RU" dirty="0"/>
-          </a:p>
-        </p:txBody>
-      </p:sp>
-      <p:sp>
-        <p:nvSpPr>
-          <p:cNvPr id="4" name="Номер слайда 3"/>
-          <p:cNvSpPr>
-            <a:spLocks noGrp="1"/>
-          </p:cNvSpPr>
-          <p:nvPr>
-            <p:ph type="sldNum" sz="quarter" idx="5"/>
-          </p:nvPr>
-        </p:nvSpPr>
-        <p:spPr/>
-        <p:txBody>
-          <a:bodyPr/>
-          <a:lstStyle/>
-          <a:p>
-            <a:fld id="{B9DAF0DC-58A0-4B34-A3CD-6EF3340BA33A}" type="slidenum">
-              <a:rPr lang="ru-RU" smtClean="0"/>
-              <a:t>10</a:t>
-            </a:fld>
-            <a:endParaRPr lang="ru-RU"/>
-          </a:p>
-        </p:txBody>
-      </p:sp>
-    </p:spTree>
-    <p:extLst>
-      <p:ext uri="{BB962C8B-B14F-4D97-AF65-F5344CB8AC3E}">
-        <p14:creationId xmlns:p14="http://schemas.microsoft.com/office/powerpoint/2010/main" val="2419651063"/>
-      </p:ext>
-    </p:extLst>
-  </p:cSld>
-  <p:clrMapOvr>
-    <a:masterClrMapping/>
-  </p:clrMapOvr>
-</p:notes>
-</file>
-
 <file path=ppt/slideLayouts/slideLayout1.xml><?xml version="1.0" encoding="utf-8"?>
 <p:sldLayout xmlns:a="http://schemas.openxmlformats.org/drawingml/2006/main" xmlns:r="http://schemas.openxmlformats.org/officeDocument/2006/relationships" xmlns:p="http://schemas.openxmlformats.org/presentationml/2006/main" type="title" preserve="1">
   <p:cSld name="Титульный слайд">
@@ -672,7 +551,7 @@
           <a:noFill/>
           <a:extLst>
             <a:ext uri="{909E8E84-426E-40dd-AFC4-6F175D3DCCD1}">
-              <a14:hiddenFill xmlns:a14="http://schemas.microsoft.com/office/drawing/2010/main" xmlns="">
+              <a14:hiddenFill xmlns="" xmlns:a14="http://schemas.microsoft.com/office/drawing/2010/main">
                 <a:solidFill>
                   <a:srgbClr val="FFFFFF"/>
                 </a:solidFill>
@@ -732,7 +611,7 @@
             </a:ln>
             <a:extLst>
               <a:ext uri="{91240B29-F687-4f45-9708-019B960494DF}">
-                <a14:hiddenLine xmlns:a14="http://schemas.microsoft.com/office/drawing/2010/main" xmlns="" w="9525">
+                <a14:hiddenLine xmlns="" xmlns:a14="http://schemas.microsoft.com/office/drawing/2010/main" w="9525">
                   <a:solidFill>
                     <a:srgbClr val="000000"/>
                   </a:solidFill>
@@ -822,7 +701,7 @@
             </a:ln>
             <a:extLst>
               <a:ext uri="{91240B29-F687-4f45-9708-019B960494DF}">
-                <a14:hiddenLine xmlns:a14="http://schemas.microsoft.com/office/drawing/2010/main" xmlns="" w="9525">
+                <a14:hiddenLine xmlns="" xmlns:a14="http://schemas.microsoft.com/office/drawing/2010/main" w="9525">
                   <a:solidFill>
                     <a:srgbClr val="000000"/>
                   </a:solidFill>
@@ -912,7 +791,7 @@
             </a:ln>
             <a:extLst>
               <a:ext uri="{91240B29-F687-4f45-9708-019B960494DF}">
-                <a14:hiddenLine xmlns:a14="http://schemas.microsoft.com/office/drawing/2010/main" xmlns="" w="9525">
+                <a14:hiddenLine xmlns="" xmlns:a14="http://schemas.microsoft.com/office/drawing/2010/main" w="9525">
                   <a:solidFill>
                     <a:srgbClr val="000000"/>
                   </a:solidFill>
@@ -946,7 +825,7 @@
             </a:ln>
             <a:extLst>
               <a:ext uri="{91240B29-F687-4f45-9708-019B960494DF}">
-                <a14:hiddenLine xmlns:a14="http://schemas.microsoft.com/office/drawing/2010/main" xmlns="" w="9525">
+                <a14:hiddenLine xmlns="" xmlns:a14="http://schemas.microsoft.com/office/drawing/2010/main" w="9525">
                   <a:solidFill>
                     <a:srgbClr val="000000"/>
                   </a:solidFill>
@@ -1036,7 +915,7 @@
             </a:ln>
             <a:extLst>
               <a:ext uri="{91240B29-F687-4f45-9708-019B960494DF}">
-                <a14:hiddenLine xmlns:a14="http://schemas.microsoft.com/office/drawing/2010/main" xmlns="" w="9525">
+                <a14:hiddenLine xmlns="" xmlns:a14="http://schemas.microsoft.com/office/drawing/2010/main" w="9525">
                   <a:solidFill>
                     <a:srgbClr val="000000"/>
                   </a:solidFill>
@@ -1098,7 +977,7 @@
             </a:ln>
             <a:extLst>
               <a:ext uri="{91240B29-F687-4f45-9708-019B960494DF}">
-                <a14:hiddenLine xmlns:a14="http://schemas.microsoft.com/office/drawing/2010/main" xmlns="" w="9525">
+                <a14:hiddenLine xmlns="" xmlns:a14="http://schemas.microsoft.com/office/drawing/2010/main" w="9525">
                   <a:solidFill>
                     <a:srgbClr val="000000"/>
                   </a:solidFill>
@@ -1160,7 +1039,7 @@
             </a:ln>
             <a:extLst>
               <a:ext uri="{91240B29-F687-4f45-9708-019B960494DF}">
-                <a14:hiddenLine xmlns:a14="http://schemas.microsoft.com/office/drawing/2010/main" xmlns="" w="9525">
+                <a14:hiddenLine xmlns="" xmlns:a14="http://schemas.microsoft.com/office/drawing/2010/main" w="9525">
                   <a:solidFill>
                     <a:srgbClr val="000000"/>
                   </a:solidFill>
@@ -1250,7 +1129,7 @@
             </a:ln>
             <a:extLst>
               <a:ext uri="{91240B29-F687-4f45-9708-019B960494DF}">
-                <a14:hiddenLine xmlns:a14="http://schemas.microsoft.com/office/drawing/2010/main" xmlns="" w="9525">
+                <a14:hiddenLine xmlns="" xmlns:a14="http://schemas.microsoft.com/office/drawing/2010/main" w="9525">
                   <a:solidFill>
                     <a:srgbClr val="000000"/>
                   </a:solidFill>
@@ -1312,7 +1191,7 @@
             </a:ln>
             <a:extLst>
               <a:ext uri="{91240B29-F687-4f45-9708-019B960494DF}">
-                <a14:hiddenLine xmlns:a14="http://schemas.microsoft.com/office/drawing/2010/main" xmlns="" w="9525">
+                <a14:hiddenLine xmlns="" xmlns:a14="http://schemas.microsoft.com/office/drawing/2010/main" w="9525">
                   <a:solidFill>
                     <a:srgbClr val="000000"/>
                   </a:solidFill>
@@ -1374,7 +1253,7 @@
             </a:ln>
             <a:extLst>
               <a:ext uri="{91240B29-F687-4f45-9708-019B960494DF}">
-                <a14:hiddenLine xmlns:a14="http://schemas.microsoft.com/office/drawing/2010/main" xmlns="" w="9525">
+                <a14:hiddenLine xmlns="" xmlns:a14="http://schemas.microsoft.com/office/drawing/2010/main" w="9525">
                   <a:solidFill>
                     <a:srgbClr val="000000"/>
                   </a:solidFill>
@@ -1464,7 +1343,7 @@
             </a:ln>
             <a:extLst>
               <a:ext uri="{91240B29-F687-4f45-9708-019B960494DF}">
-                <a14:hiddenLine xmlns:a14="http://schemas.microsoft.com/office/drawing/2010/main" xmlns="" w="9525">
+                <a14:hiddenLine xmlns="" xmlns:a14="http://schemas.microsoft.com/office/drawing/2010/main" w="9525">
                   <a:solidFill>
                     <a:srgbClr val="000000"/>
                   </a:solidFill>
@@ -1554,7 +1433,7 @@
             </a:ln>
             <a:extLst>
               <a:ext uri="{91240B29-F687-4f45-9708-019B960494DF}">
-                <a14:hiddenLine xmlns:a14="http://schemas.microsoft.com/office/drawing/2010/main" xmlns="" w="9525">
+                <a14:hiddenLine xmlns="" xmlns:a14="http://schemas.microsoft.com/office/drawing/2010/main" w="9525">
                   <a:solidFill>
                     <a:srgbClr val="000000"/>
                   </a:solidFill>
@@ -1616,7 +1495,7 @@
             </a:ln>
             <a:extLst>
               <a:ext uri="{91240B29-F687-4f45-9708-019B960494DF}">
-                <a14:hiddenLine xmlns:a14="http://schemas.microsoft.com/office/drawing/2010/main" xmlns="" w="9525">
+                <a14:hiddenLine xmlns="" xmlns:a14="http://schemas.microsoft.com/office/drawing/2010/main" w="9525">
                   <a:solidFill>
                     <a:srgbClr val="000000"/>
                   </a:solidFill>
@@ -1726,7 +1605,7 @@
             </a:ln>
             <a:extLst>
               <a:ext uri="{91240B29-F687-4f45-9708-019B960494DF}">
-                <a14:hiddenLine xmlns:a14="http://schemas.microsoft.com/office/drawing/2010/main" xmlns="" w="9525">
+                <a14:hiddenLine xmlns="" xmlns:a14="http://schemas.microsoft.com/office/drawing/2010/main" w="9525">
                   <a:solidFill>
                     <a:srgbClr val="000000"/>
                   </a:solidFill>
@@ -1788,7 +1667,7 @@
             </a:ln>
             <a:extLst>
               <a:ext uri="{91240B29-F687-4f45-9708-019B960494DF}">
-                <a14:hiddenLine xmlns:a14="http://schemas.microsoft.com/office/drawing/2010/main" xmlns="" w="9525">
+                <a14:hiddenLine xmlns="" xmlns:a14="http://schemas.microsoft.com/office/drawing/2010/main" w="9525">
                   <a:solidFill>
                     <a:srgbClr val="000000"/>
                   </a:solidFill>
@@ -1878,7 +1757,7 @@
             </a:ln>
             <a:extLst>
               <a:ext uri="{91240B29-F687-4f45-9708-019B960494DF}">
-                <a14:hiddenLine xmlns:a14="http://schemas.microsoft.com/office/drawing/2010/main" xmlns="" w="9525">
+                <a14:hiddenLine xmlns="" xmlns:a14="http://schemas.microsoft.com/office/drawing/2010/main" w="9525">
                   <a:solidFill>
                     <a:srgbClr val="000000"/>
                   </a:solidFill>
@@ -1968,7 +1847,7 @@
             </a:ln>
             <a:extLst>
               <a:ext uri="{91240B29-F687-4f45-9708-019B960494DF}">
-                <a14:hiddenLine xmlns:a14="http://schemas.microsoft.com/office/drawing/2010/main" xmlns="" w="9525">
+                <a14:hiddenLine xmlns="" xmlns:a14="http://schemas.microsoft.com/office/drawing/2010/main" w="9525">
                   <a:solidFill>
                     <a:srgbClr val="000000"/>
                   </a:solidFill>
@@ -2030,7 +1909,7 @@
             </a:ln>
             <a:extLst>
               <a:ext uri="{91240B29-F687-4f45-9708-019B960494DF}">
-                <a14:hiddenLine xmlns:a14="http://schemas.microsoft.com/office/drawing/2010/main" xmlns="" w="9525">
+                <a14:hiddenLine xmlns="" xmlns:a14="http://schemas.microsoft.com/office/drawing/2010/main" w="9525">
                   <a:solidFill>
                     <a:srgbClr val="000000"/>
                   </a:solidFill>
@@ -2120,7 +1999,7 @@
             </a:ln>
             <a:extLst>
               <a:ext uri="{91240B29-F687-4f45-9708-019B960494DF}">
-                <a14:hiddenLine xmlns:a14="http://schemas.microsoft.com/office/drawing/2010/main" xmlns="" w="9525">
+                <a14:hiddenLine xmlns="" xmlns:a14="http://schemas.microsoft.com/office/drawing/2010/main" w="9525">
                   <a:solidFill>
                     <a:srgbClr val="000000"/>
                   </a:solidFill>
@@ -2210,7 +2089,7 @@
             </a:ln>
             <a:extLst>
               <a:ext uri="{91240B29-F687-4f45-9708-019B960494DF}">
-                <a14:hiddenLine xmlns:a14="http://schemas.microsoft.com/office/drawing/2010/main" xmlns="" w="9525">
+                <a14:hiddenLine xmlns="" xmlns:a14="http://schemas.microsoft.com/office/drawing/2010/main" w="9525">
                   <a:solidFill>
                     <a:srgbClr val="000000"/>
                   </a:solidFill>
@@ -2266,7 +2145,7 @@
             </a:ln>
             <a:extLst>
               <a:ext uri="{91240B29-F687-4f45-9708-019B960494DF}">
-                <a14:hiddenLine xmlns:a14="http://schemas.microsoft.com/office/drawing/2010/main" xmlns="" w="9525">
+                <a14:hiddenLine xmlns="" xmlns:a14="http://schemas.microsoft.com/office/drawing/2010/main" w="9525">
                   <a:solidFill>
                     <a:srgbClr val="000000"/>
                   </a:solidFill>
@@ -2356,7 +2235,7 @@
             </a:ln>
             <a:extLst>
               <a:ext uri="{91240B29-F687-4f45-9708-019B960494DF}">
-                <a14:hiddenLine xmlns:a14="http://schemas.microsoft.com/office/drawing/2010/main" xmlns="" w="9525">
+                <a14:hiddenLine xmlns="" xmlns:a14="http://schemas.microsoft.com/office/drawing/2010/main" w="9525">
                   <a:solidFill>
                     <a:srgbClr val="000000"/>
                   </a:solidFill>
@@ -2412,7 +2291,7 @@
             </a:ln>
             <a:extLst>
               <a:ext uri="{91240B29-F687-4f45-9708-019B960494DF}">
-                <a14:hiddenLine xmlns:a14="http://schemas.microsoft.com/office/drawing/2010/main" xmlns="" w="9525">
+                <a14:hiddenLine xmlns="" xmlns:a14="http://schemas.microsoft.com/office/drawing/2010/main" w="9525">
                   <a:solidFill>
                     <a:srgbClr val="000000"/>
                   </a:solidFill>
@@ -2502,7 +2381,7 @@
             </a:ln>
             <a:extLst>
               <a:ext uri="{91240B29-F687-4f45-9708-019B960494DF}">
-                <a14:hiddenLine xmlns:a14="http://schemas.microsoft.com/office/drawing/2010/main" xmlns="" w="9525">
+                <a14:hiddenLine xmlns="" xmlns:a14="http://schemas.microsoft.com/office/drawing/2010/main" w="9525">
                   <a:solidFill>
                     <a:srgbClr val="000000"/>
                   </a:solidFill>
@@ -2570,7 +2449,7 @@
             </a:ln>
             <a:extLst>
               <a:ext uri="{91240B29-F687-4f45-9708-019B960494DF}">
-                <a14:hiddenLine xmlns:a14="http://schemas.microsoft.com/office/drawing/2010/main" xmlns="" w="9525">
+                <a14:hiddenLine xmlns="" xmlns:a14="http://schemas.microsoft.com/office/drawing/2010/main" w="9525">
                   <a:solidFill>
                     <a:srgbClr val="000000"/>
                   </a:solidFill>
@@ -2660,7 +2539,7 @@
             </a:ln>
             <a:extLst>
               <a:ext uri="{91240B29-F687-4f45-9708-019B960494DF}">
-                <a14:hiddenLine xmlns:a14="http://schemas.microsoft.com/office/drawing/2010/main" xmlns="" w="9525">
+                <a14:hiddenLine xmlns="" xmlns:a14="http://schemas.microsoft.com/office/drawing/2010/main" w="9525">
                   <a:solidFill>
                     <a:srgbClr val="000000"/>
                   </a:solidFill>
@@ -2728,7 +2607,7 @@
             </a:ln>
             <a:extLst>
               <a:ext uri="{91240B29-F687-4f45-9708-019B960494DF}">
-                <a14:hiddenLine xmlns:a14="http://schemas.microsoft.com/office/drawing/2010/main" xmlns="" w="9525">
+                <a14:hiddenLine xmlns="" xmlns:a14="http://schemas.microsoft.com/office/drawing/2010/main" w="9525">
                   <a:solidFill>
                     <a:srgbClr val="000000"/>
                   </a:solidFill>
@@ -2818,7 +2697,7 @@
             </a:ln>
             <a:extLst>
               <a:ext uri="{91240B29-F687-4f45-9708-019B960494DF}">
-                <a14:hiddenLine xmlns:a14="http://schemas.microsoft.com/office/drawing/2010/main" xmlns="" w="9525">
+                <a14:hiddenLine xmlns="" xmlns:a14="http://schemas.microsoft.com/office/drawing/2010/main" w="9525">
                   <a:solidFill>
                     <a:srgbClr val="000000"/>
                   </a:solidFill>
@@ -2852,7 +2731,7 @@
             </a:ln>
             <a:extLst>
               <a:ext uri="{91240B29-F687-4f45-9708-019B960494DF}">
-                <a14:hiddenLine xmlns:a14="http://schemas.microsoft.com/office/drawing/2010/main" xmlns="" w="9525">
+                <a14:hiddenLine xmlns="" xmlns:a14="http://schemas.microsoft.com/office/drawing/2010/main" w="9525">
                   <a:solidFill>
                     <a:srgbClr val="000000"/>
                   </a:solidFill>
@@ -2942,7 +2821,7 @@
             </a:ln>
             <a:extLst>
               <a:ext uri="{91240B29-F687-4f45-9708-019B960494DF}">
-                <a14:hiddenLine xmlns:a14="http://schemas.microsoft.com/office/drawing/2010/main" xmlns="" w="9525">
+                <a14:hiddenLine xmlns="" xmlns:a14="http://schemas.microsoft.com/office/drawing/2010/main" w="9525">
                   <a:solidFill>
                     <a:srgbClr val="000000"/>
                   </a:solidFill>
@@ -3004,7 +2883,7 @@
             </a:ln>
             <a:extLst>
               <a:ext uri="{91240B29-F687-4f45-9708-019B960494DF}">
-                <a14:hiddenLine xmlns:a14="http://schemas.microsoft.com/office/drawing/2010/main" xmlns="" w="9525">
+                <a14:hiddenLine xmlns="" xmlns:a14="http://schemas.microsoft.com/office/drawing/2010/main" w="9525">
                   <a:solidFill>
                     <a:srgbClr val="000000"/>
                   </a:solidFill>
@@ -3066,7 +2945,7 @@
             </a:ln>
             <a:extLst>
               <a:ext uri="{91240B29-F687-4f45-9708-019B960494DF}">
-                <a14:hiddenLine xmlns:a14="http://schemas.microsoft.com/office/drawing/2010/main" xmlns="" w="9525">
+                <a14:hiddenLine xmlns="" xmlns:a14="http://schemas.microsoft.com/office/drawing/2010/main" w="9525">
                   <a:solidFill>
                     <a:srgbClr val="000000"/>
                   </a:solidFill>
@@ -3156,7 +3035,7 @@
             </a:ln>
             <a:extLst>
               <a:ext uri="{91240B29-F687-4f45-9708-019B960494DF}">
-                <a14:hiddenLine xmlns:a14="http://schemas.microsoft.com/office/drawing/2010/main" xmlns="" w="9525">
+                <a14:hiddenLine xmlns="" xmlns:a14="http://schemas.microsoft.com/office/drawing/2010/main" w="9525">
                   <a:solidFill>
                     <a:srgbClr val="000000"/>
                   </a:solidFill>
@@ -3224,7 +3103,7 @@
             </a:ln>
             <a:extLst>
               <a:ext uri="{91240B29-F687-4f45-9708-019B960494DF}">
-                <a14:hiddenLine xmlns:a14="http://schemas.microsoft.com/office/drawing/2010/main" xmlns="" w="9525">
+                <a14:hiddenLine xmlns="" xmlns:a14="http://schemas.microsoft.com/office/drawing/2010/main" w="9525">
                   <a:solidFill>
                     <a:srgbClr val="000000"/>
                   </a:solidFill>
@@ -3286,7 +3165,7 @@
             </a:ln>
             <a:extLst>
               <a:ext uri="{91240B29-F687-4f45-9708-019B960494DF}">
-                <a14:hiddenLine xmlns:a14="http://schemas.microsoft.com/office/drawing/2010/main" xmlns="" w="9525">
+                <a14:hiddenLine xmlns="" xmlns:a14="http://schemas.microsoft.com/office/drawing/2010/main" w="9525">
                   <a:solidFill>
                     <a:srgbClr val="000000"/>
                   </a:solidFill>
@@ -3376,7 +3255,7 @@
             </a:ln>
             <a:extLst>
               <a:ext uri="{91240B29-F687-4f45-9708-019B960494DF}">
-                <a14:hiddenLine xmlns:a14="http://schemas.microsoft.com/office/drawing/2010/main" xmlns="" w="9525">
+                <a14:hiddenLine xmlns="" xmlns:a14="http://schemas.microsoft.com/office/drawing/2010/main" w="9525">
                   <a:solidFill>
                     <a:srgbClr val="000000"/>
                   </a:solidFill>
@@ -3438,7 +3317,7 @@
             </a:ln>
             <a:extLst>
               <a:ext uri="{91240B29-F687-4f45-9708-019B960494DF}">
-                <a14:hiddenLine xmlns:a14="http://schemas.microsoft.com/office/drawing/2010/main" xmlns="" w="9525">
+                <a14:hiddenLine xmlns="" xmlns:a14="http://schemas.microsoft.com/office/drawing/2010/main" w="9525">
                   <a:solidFill>
                     <a:srgbClr val="000000"/>
                   </a:solidFill>
@@ -3528,7 +3407,7 @@
             </a:ln>
             <a:extLst>
               <a:ext uri="{91240B29-F687-4f45-9708-019B960494DF}">
-                <a14:hiddenLine xmlns:a14="http://schemas.microsoft.com/office/drawing/2010/main" xmlns="" w="9525">
+                <a14:hiddenLine xmlns="" xmlns:a14="http://schemas.microsoft.com/office/drawing/2010/main" w="9525">
                   <a:solidFill>
                     <a:srgbClr val="000000"/>
                   </a:solidFill>
@@ -3590,7 +3469,7 @@
             </a:ln>
             <a:extLst>
               <a:ext uri="{91240B29-F687-4f45-9708-019B960494DF}">
-                <a14:hiddenLine xmlns:a14="http://schemas.microsoft.com/office/drawing/2010/main" xmlns="" w="9525">
+                <a14:hiddenLine xmlns="" xmlns:a14="http://schemas.microsoft.com/office/drawing/2010/main" w="9525">
                   <a:solidFill>
                     <a:srgbClr val="000000"/>
                   </a:solidFill>
@@ -3680,7 +3559,7 @@
             </a:ln>
             <a:extLst>
               <a:ext uri="{91240B29-F687-4f45-9708-019B960494DF}">
-                <a14:hiddenLine xmlns:a14="http://schemas.microsoft.com/office/drawing/2010/main" xmlns="" w="9525">
+                <a14:hiddenLine xmlns="" xmlns:a14="http://schemas.microsoft.com/office/drawing/2010/main" w="9525">
                   <a:solidFill>
                     <a:srgbClr val="000000"/>
                   </a:solidFill>
@@ -3714,7 +3593,7 @@
             </a:ln>
             <a:extLst>
               <a:ext uri="{91240B29-F687-4f45-9708-019B960494DF}">
-                <a14:hiddenLine xmlns:a14="http://schemas.microsoft.com/office/drawing/2010/main" xmlns="" w="9525">
+                <a14:hiddenLine xmlns="" xmlns:a14="http://schemas.microsoft.com/office/drawing/2010/main" w="9525">
                   <a:solidFill>
                     <a:srgbClr val="000000"/>
                   </a:solidFill>
@@ -3779,7 +3658,7 @@
             </a:ln>
             <a:extLst>
               <a:ext uri="{91240B29-F687-4f45-9708-019B960494DF}">
-                <a14:hiddenLine xmlns:a14="http://schemas.microsoft.com/office/drawing/2010/main" xmlns="" w="9525">
+                <a14:hiddenLine xmlns="" xmlns:a14="http://schemas.microsoft.com/office/drawing/2010/main" w="9525">
                   <a:solidFill>
                     <a:srgbClr val="000000"/>
                   </a:solidFill>
@@ -3869,7 +3748,7 @@
             </a:ln>
             <a:extLst>
               <a:ext uri="{91240B29-F687-4f45-9708-019B960494DF}">
-                <a14:hiddenLine xmlns:a14="http://schemas.microsoft.com/office/drawing/2010/main" xmlns="" w="9525">
+                <a14:hiddenLine xmlns="" xmlns:a14="http://schemas.microsoft.com/office/drawing/2010/main" w="9525">
                   <a:solidFill>
                     <a:srgbClr val="000000"/>
                   </a:solidFill>
@@ -3931,7 +3810,7 @@
             </a:ln>
             <a:extLst>
               <a:ext uri="{91240B29-F687-4f45-9708-019B960494DF}">
-                <a14:hiddenLine xmlns:a14="http://schemas.microsoft.com/office/drawing/2010/main" xmlns="" w="9525">
+                <a14:hiddenLine xmlns="" xmlns:a14="http://schemas.microsoft.com/office/drawing/2010/main" w="9525">
                   <a:solidFill>
                     <a:srgbClr val="000000"/>
                   </a:solidFill>
@@ -4021,7 +3900,7 @@
             </a:ln>
             <a:extLst>
               <a:ext uri="{91240B29-F687-4f45-9708-019B960494DF}">
-                <a14:hiddenLine xmlns:a14="http://schemas.microsoft.com/office/drawing/2010/main" xmlns="" w="9525">
+                <a14:hiddenLine xmlns="" xmlns:a14="http://schemas.microsoft.com/office/drawing/2010/main" w="9525">
                   <a:solidFill>
                     <a:srgbClr val="000000"/>
                   </a:solidFill>
@@ -4111,7 +3990,7 @@
             </a:ln>
             <a:extLst>
               <a:ext uri="{91240B29-F687-4f45-9708-019B960494DF}">
-                <a14:hiddenLine xmlns:a14="http://schemas.microsoft.com/office/drawing/2010/main" xmlns="" w="9525">
+                <a14:hiddenLine xmlns="" xmlns:a14="http://schemas.microsoft.com/office/drawing/2010/main" w="9525">
                   <a:solidFill>
                     <a:srgbClr val="000000"/>
                   </a:solidFill>
@@ -4176,7 +4055,7 @@
             </a:ln>
             <a:extLst>
               <a:ext uri="{91240B29-F687-4f45-9708-019B960494DF}">
-                <a14:hiddenLine xmlns:a14="http://schemas.microsoft.com/office/drawing/2010/main" xmlns="" w="9525">
+                <a14:hiddenLine xmlns="" xmlns:a14="http://schemas.microsoft.com/office/drawing/2010/main" w="9525">
                   <a:solidFill>
                     <a:srgbClr val="000000"/>
                   </a:solidFill>
@@ -4238,7 +4117,7 @@
             </a:ln>
             <a:extLst>
               <a:ext uri="{91240B29-F687-4f45-9708-019B960494DF}">
-                <a14:hiddenLine xmlns:a14="http://schemas.microsoft.com/office/drawing/2010/main" xmlns="" w="9525">
+                <a14:hiddenLine xmlns="" xmlns:a14="http://schemas.microsoft.com/office/drawing/2010/main" w="9525">
                   <a:solidFill>
                     <a:srgbClr val="000000"/>
                   </a:solidFill>
@@ -4328,7 +4207,7 @@
             </a:ln>
             <a:extLst>
               <a:ext uri="{91240B29-F687-4f45-9708-019B960494DF}">
-                <a14:hiddenLine xmlns:a14="http://schemas.microsoft.com/office/drawing/2010/main" xmlns="" w="9525">
+                <a14:hiddenLine xmlns="" xmlns:a14="http://schemas.microsoft.com/office/drawing/2010/main" w="9525">
                   <a:solidFill>
                     <a:srgbClr val="000000"/>
                   </a:solidFill>
@@ -4418,7 +4297,7 @@
             </a:ln>
             <a:extLst>
               <a:ext uri="{91240B29-F687-4f45-9708-019B960494DF}">
-                <a14:hiddenLine xmlns:a14="http://schemas.microsoft.com/office/drawing/2010/main" xmlns="" w="9525">
+                <a14:hiddenLine xmlns="" xmlns:a14="http://schemas.microsoft.com/office/drawing/2010/main" w="9525">
                   <a:solidFill>
                     <a:srgbClr val="000000"/>
                   </a:solidFill>
@@ -4480,7 +4359,7 @@
             </a:ln>
             <a:extLst>
               <a:ext uri="{91240B29-F687-4f45-9708-019B960494DF}">
-                <a14:hiddenLine xmlns:a14="http://schemas.microsoft.com/office/drawing/2010/main" xmlns="" w="9525">
+                <a14:hiddenLine xmlns="" xmlns:a14="http://schemas.microsoft.com/office/drawing/2010/main" w="9525">
                   <a:solidFill>
                     <a:srgbClr val="000000"/>
                   </a:solidFill>
@@ -4600,7 +4479,7 @@
             </a:ln>
             <a:extLst>
               <a:ext uri="{91240B29-F687-4f45-9708-019B960494DF}">
-                <a14:hiddenLine xmlns:a14="http://schemas.microsoft.com/office/drawing/2010/main" xmlns="" w="9525">
+                <a14:hiddenLine xmlns="" xmlns:a14="http://schemas.microsoft.com/office/drawing/2010/main" w="9525">
                   <a:solidFill>
                     <a:srgbClr val="000000"/>
                   </a:solidFill>
@@ -4668,7 +4547,7 @@
             </a:ln>
             <a:extLst>
               <a:ext uri="{91240B29-F687-4f45-9708-019B960494DF}">
-                <a14:hiddenLine xmlns:a14="http://schemas.microsoft.com/office/drawing/2010/main" xmlns="" w="9525">
+                <a14:hiddenLine xmlns="" xmlns:a14="http://schemas.microsoft.com/office/drawing/2010/main" w="9525">
                   <a:solidFill>
                     <a:srgbClr val="000000"/>
                   </a:solidFill>
@@ -4758,7 +4637,7 @@
             </a:ln>
             <a:extLst>
               <a:ext uri="{91240B29-F687-4f45-9708-019B960494DF}">
-                <a14:hiddenLine xmlns:a14="http://schemas.microsoft.com/office/drawing/2010/main" xmlns="" w="9525">
+                <a14:hiddenLine xmlns="" xmlns:a14="http://schemas.microsoft.com/office/drawing/2010/main" w="9525">
                   <a:solidFill>
                     <a:srgbClr val="000000"/>
                   </a:solidFill>
@@ -4899,7 +4778,7 @@
             <a:fld id="{7EAF463A-BC7C-46EE-9F1E-7F377CCA4891}" type="datetimeFigureOut">
               <a:rPr lang="en-US" smtClean="0"/>
               <a:pPr/>
-              <a:t>12/27/2019</a:t>
+              <a:t>2/6/2020</a:t>
             </a:fld>
             <a:endParaRPr lang="en-US"/>
           </a:p>
@@ -5168,7 +5047,7 @@
             <a:fld id="{7EAF463A-BC7C-46EE-9F1E-7F377CCA4891}" type="datetimeFigureOut">
               <a:rPr lang="en-US" smtClean="0"/>
               <a:pPr/>
-              <a:t>12/27/2019</a:t>
+              <a:t>2/6/2020</a:t>
             </a:fld>
             <a:endParaRPr lang="en-US"/>
           </a:p>
@@ -5366,7 +5245,7 @@
             <a:fld id="{7EAF463A-BC7C-46EE-9F1E-7F377CCA4891}" type="datetimeFigureOut">
               <a:rPr lang="en-US" smtClean="0"/>
               <a:pPr/>
-              <a:t>12/27/2019</a:t>
+              <a:t>2/6/2020</a:t>
             </a:fld>
             <a:endParaRPr lang="en-US"/>
           </a:p>
@@ -5631,7 +5510,7 @@
             <a:fld id="{7EAF463A-BC7C-46EE-9F1E-7F377CCA4891}" type="datetimeFigureOut">
               <a:rPr lang="en-US" smtClean="0"/>
               <a:pPr/>
-              <a:t>12/27/2019</a:t>
+              <a:t>2/6/2020</a:t>
             </a:fld>
             <a:endParaRPr lang="en-US"/>
           </a:p>
@@ -6067,7 +5946,7 @@
             <a:fld id="{7EAF463A-BC7C-46EE-9F1E-7F377CCA4891}" type="datetimeFigureOut">
               <a:rPr lang="en-US" smtClean="0"/>
               <a:pPr/>
-              <a:t>12/27/2019</a:t>
+              <a:t>2/6/2020</a:t>
             </a:fld>
             <a:endParaRPr lang="en-US"/>
           </a:p>
@@ -6615,7 +6494,7 @@
             <a:fld id="{7EAF463A-BC7C-46EE-9F1E-7F377CCA4891}" type="datetimeFigureOut">
               <a:rPr lang="en-US" smtClean="0"/>
               <a:pPr/>
-              <a:t>12/27/2019</a:t>
+              <a:t>2/6/2020</a:t>
             </a:fld>
             <a:endParaRPr lang="en-US"/>
           </a:p>
@@ -7337,7 +7216,7 @@
             <a:fld id="{7EAF463A-BC7C-46EE-9F1E-7F377CCA4891}" type="datetimeFigureOut">
               <a:rPr lang="en-US" smtClean="0"/>
               <a:pPr/>
-              <a:t>12/27/2019</a:t>
+              <a:t>2/6/2020</a:t>
             </a:fld>
             <a:endParaRPr lang="en-US"/>
           </a:p>
@@ -7513,7 +7392,7 @@
             <a:fld id="{7EAF463A-BC7C-46EE-9F1E-7F377CCA4891}" type="datetimeFigureOut">
               <a:rPr lang="en-US" smtClean="0"/>
               <a:pPr/>
-              <a:t>12/27/2019</a:t>
+              <a:t>2/6/2020</a:t>
             </a:fld>
             <a:endParaRPr lang="en-US"/>
           </a:p>
@@ -7695,7 +7574,7 @@
             <a:fld id="{7EAF463A-BC7C-46EE-9F1E-7F377CCA4891}" type="datetimeFigureOut">
               <a:rPr lang="en-US" smtClean="0"/>
               <a:pPr/>
-              <a:t>12/27/2019</a:t>
+              <a:t>2/6/2020</a:t>
             </a:fld>
             <a:endParaRPr lang="en-US"/>
           </a:p>
@@ -7882,7 +7761,7 @@
             <a:fld id="{7EAF463A-BC7C-46EE-9F1E-7F377CCA4891}" type="datetimeFigureOut">
               <a:rPr lang="en-US" smtClean="0"/>
               <a:pPr/>
-              <a:t>12/27/2019</a:t>
+              <a:t>2/6/2020</a:t>
             </a:fld>
             <a:endParaRPr lang="en-US"/>
           </a:p>
@@ -8144,7 +8023,7 @@
             <a:fld id="{7EAF463A-BC7C-46EE-9F1E-7F377CCA4891}" type="datetimeFigureOut">
               <a:rPr lang="en-US" smtClean="0"/>
               <a:pPr/>
-              <a:t>12/27/2019</a:t>
+              <a:t>2/6/2020</a:t>
             </a:fld>
             <a:endParaRPr lang="en-US"/>
           </a:p>
@@ -8378,7 +8257,7 @@
             <a:fld id="{7EAF463A-BC7C-46EE-9F1E-7F377CCA4891}" type="datetimeFigureOut">
               <a:rPr lang="en-US" smtClean="0"/>
               <a:pPr/>
-              <a:t>12/27/2019</a:t>
+              <a:t>2/6/2020</a:t>
             </a:fld>
             <a:endParaRPr lang="en-US"/>
           </a:p>
@@ -8761,7 +8640,7 @@
             <a:fld id="{7EAF463A-BC7C-46EE-9F1E-7F377CCA4891}" type="datetimeFigureOut">
               <a:rPr lang="en-US" smtClean="0"/>
               <a:pPr/>
-              <a:t>12/27/2019</a:t>
+              <a:t>2/6/2020</a:t>
             </a:fld>
             <a:endParaRPr lang="en-US"/>
           </a:p>
@@ -8881,7 +8760,7 @@
             <a:fld id="{7EAF463A-BC7C-46EE-9F1E-7F377CCA4891}" type="datetimeFigureOut">
               <a:rPr lang="en-US" smtClean="0"/>
               <a:pPr/>
-              <a:t>12/27/2019</a:t>
+              <a:t>2/6/2020</a:t>
             </a:fld>
             <a:endParaRPr lang="en-US"/>
           </a:p>
@@ -8978,7 +8857,7 @@
             <a:fld id="{7EAF463A-BC7C-46EE-9F1E-7F377CCA4891}" type="datetimeFigureOut">
               <a:rPr lang="en-US" smtClean="0"/>
               <a:pPr/>
-              <a:t>12/27/2019</a:t>
+              <a:t>2/6/2020</a:t>
             </a:fld>
             <a:endParaRPr lang="en-US"/>
           </a:p>
@@ -9229,7 +9108,7 @@
             <a:fld id="{7EAF463A-BC7C-46EE-9F1E-7F377CCA4891}" type="datetimeFigureOut">
               <a:rPr lang="en-US" smtClean="0"/>
               <a:pPr/>
-              <a:t>12/27/2019</a:t>
+              <a:t>2/6/2020</a:t>
             </a:fld>
             <a:endParaRPr lang="en-US"/>
           </a:p>
@@ -9483,7 +9362,7 @@
             <a:fld id="{7EAF463A-BC7C-46EE-9F1E-7F377CCA4891}" type="datetimeFigureOut">
               <a:rPr lang="en-US" smtClean="0"/>
               <a:pPr/>
-              <a:t>12/27/2019</a:t>
+              <a:t>2/6/2020</a:t>
             </a:fld>
             <a:endParaRPr lang="en-US"/>
           </a:p>
@@ -9631,7 +9510,7 @@
           <a:noFill/>
           <a:extLst>
             <a:ext uri="{909E8E84-426E-40dd-AFC4-6F175D3DCCD1}">
-              <a14:hiddenFill xmlns:a14="http://schemas.microsoft.com/office/drawing/2010/main" xmlns="">
+              <a14:hiddenFill xmlns="" xmlns:a14="http://schemas.microsoft.com/office/drawing/2010/main">
                 <a:solidFill>
                   <a:srgbClr val="FFFFFF"/>
                 </a:solidFill>
@@ -9705,7 +9584,7 @@
               </a:ln>
               <a:extLst>
                 <a:ext uri="{91240B29-F687-4f45-9708-019B960494DF}">
-                  <a14:hiddenLine xmlns:a14="http://schemas.microsoft.com/office/drawing/2010/main" xmlns="" w="9525">
+                  <a14:hiddenLine xmlns="" xmlns:a14="http://schemas.microsoft.com/office/drawing/2010/main" w="9525">
                     <a:solidFill>
                       <a:srgbClr val="000000"/>
                     </a:solidFill>
@@ -9795,7 +9674,7 @@
               </a:ln>
               <a:extLst>
                 <a:ext uri="{91240B29-F687-4f45-9708-019B960494DF}">
-                  <a14:hiddenLine xmlns:a14="http://schemas.microsoft.com/office/drawing/2010/main" xmlns="" w="9525">
+                  <a14:hiddenLine xmlns="" xmlns:a14="http://schemas.microsoft.com/office/drawing/2010/main" w="9525">
                     <a:solidFill>
                       <a:srgbClr val="000000"/>
                     </a:solidFill>
@@ -9885,7 +9764,7 @@
               </a:ln>
               <a:extLst>
                 <a:ext uri="{91240B29-F687-4f45-9708-019B960494DF}">
-                  <a14:hiddenLine xmlns:a14="http://schemas.microsoft.com/office/drawing/2010/main" xmlns="" w="9525">
+                  <a14:hiddenLine xmlns="" xmlns:a14="http://schemas.microsoft.com/office/drawing/2010/main" w="9525">
                     <a:solidFill>
                       <a:srgbClr val="000000"/>
                     </a:solidFill>
@@ -9947,7 +9826,7 @@
               </a:ln>
               <a:extLst>
                 <a:ext uri="{91240B29-F687-4f45-9708-019B960494DF}">
-                  <a14:hiddenLine xmlns:a14="http://schemas.microsoft.com/office/drawing/2010/main" xmlns="" w="9525">
+                  <a14:hiddenLine xmlns="" xmlns:a14="http://schemas.microsoft.com/office/drawing/2010/main" w="9525">
                     <a:solidFill>
                       <a:srgbClr val="000000"/>
                     </a:solidFill>
@@ -10037,7 +9916,7 @@
               </a:ln>
               <a:extLst>
                 <a:ext uri="{91240B29-F687-4f45-9708-019B960494DF}">
-                  <a14:hiddenLine xmlns:a14="http://schemas.microsoft.com/office/drawing/2010/main" xmlns="" w="9525">
+                  <a14:hiddenLine xmlns="" xmlns:a14="http://schemas.microsoft.com/office/drawing/2010/main" w="9525">
                     <a:solidFill>
                       <a:srgbClr val="000000"/>
                     </a:solidFill>
@@ -10099,7 +9978,7 @@
               </a:ln>
               <a:extLst>
                 <a:ext uri="{91240B29-F687-4f45-9708-019B960494DF}">
-                  <a14:hiddenLine xmlns:a14="http://schemas.microsoft.com/office/drawing/2010/main" xmlns="" w="9525">
+                  <a14:hiddenLine xmlns="" xmlns:a14="http://schemas.microsoft.com/office/drawing/2010/main" w="9525">
                     <a:solidFill>
                       <a:srgbClr val="000000"/>
                     </a:solidFill>
@@ -10161,7 +10040,7 @@
               </a:ln>
               <a:extLst>
                 <a:ext uri="{91240B29-F687-4f45-9708-019B960494DF}">
-                  <a14:hiddenLine xmlns:a14="http://schemas.microsoft.com/office/drawing/2010/main" xmlns="" w="9525">
+                  <a14:hiddenLine xmlns="" xmlns:a14="http://schemas.microsoft.com/office/drawing/2010/main" w="9525">
                     <a:solidFill>
                       <a:srgbClr val="000000"/>
                     </a:solidFill>
@@ -10251,7 +10130,7 @@
               </a:ln>
               <a:extLst>
                 <a:ext uri="{91240B29-F687-4f45-9708-019B960494DF}">
-                  <a14:hiddenLine xmlns:a14="http://schemas.microsoft.com/office/drawing/2010/main" xmlns="" w="9525">
+                  <a14:hiddenLine xmlns="" xmlns:a14="http://schemas.microsoft.com/office/drawing/2010/main" w="9525">
                     <a:solidFill>
                       <a:srgbClr val="000000"/>
                     </a:solidFill>
@@ -10341,7 +10220,7 @@
               </a:ln>
               <a:extLst>
                 <a:ext uri="{91240B29-F687-4f45-9708-019B960494DF}">
-                  <a14:hiddenLine xmlns:a14="http://schemas.microsoft.com/office/drawing/2010/main" xmlns="" w="9525">
+                  <a14:hiddenLine xmlns="" xmlns:a14="http://schemas.microsoft.com/office/drawing/2010/main" w="9525">
                     <a:solidFill>
                       <a:srgbClr val="000000"/>
                     </a:solidFill>
@@ -10403,7 +10282,7 @@
               </a:ln>
               <a:extLst>
                 <a:ext uri="{91240B29-F687-4f45-9708-019B960494DF}">
-                  <a14:hiddenLine xmlns:a14="http://schemas.microsoft.com/office/drawing/2010/main" xmlns="" w="9525">
+                  <a14:hiddenLine xmlns="" xmlns:a14="http://schemas.microsoft.com/office/drawing/2010/main" w="9525">
                     <a:solidFill>
                       <a:srgbClr val="000000"/>
                     </a:solidFill>
@@ -10513,7 +10392,7 @@
               </a:ln>
               <a:extLst>
                 <a:ext uri="{91240B29-F687-4f45-9708-019B960494DF}">
-                  <a14:hiddenLine xmlns:a14="http://schemas.microsoft.com/office/drawing/2010/main" xmlns="" w="9525">
+                  <a14:hiddenLine xmlns="" xmlns:a14="http://schemas.microsoft.com/office/drawing/2010/main" w="9525">
                     <a:solidFill>
                       <a:srgbClr val="000000"/>
                     </a:solidFill>
@@ -10597,7 +10476,7 @@
               </a:ln>
               <a:extLst>
                 <a:ext uri="{91240B29-F687-4f45-9708-019B960494DF}">
-                  <a14:hiddenLine xmlns:a14="http://schemas.microsoft.com/office/drawing/2010/main" xmlns="" w="9525">
+                  <a14:hiddenLine xmlns="" xmlns:a14="http://schemas.microsoft.com/office/drawing/2010/main" w="9525">
                     <a:solidFill>
                       <a:srgbClr val="000000"/>
                     </a:solidFill>
@@ -10659,7 +10538,7 @@
               </a:ln>
               <a:extLst>
                 <a:ext uri="{91240B29-F687-4f45-9708-019B960494DF}">
-                  <a14:hiddenLine xmlns:a14="http://schemas.microsoft.com/office/drawing/2010/main" xmlns="" w="9525">
+                  <a14:hiddenLine xmlns="" xmlns:a14="http://schemas.microsoft.com/office/drawing/2010/main" w="9525">
                     <a:solidFill>
                       <a:srgbClr val="000000"/>
                     </a:solidFill>
@@ -10721,7 +10600,7 @@
               </a:ln>
               <a:extLst>
                 <a:ext uri="{91240B29-F687-4f45-9708-019B960494DF}">
-                  <a14:hiddenLine xmlns:a14="http://schemas.microsoft.com/office/drawing/2010/main" xmlns="" w="9525">
+                  <a14:hiddenLine xmlns="" xmlns:a14="http://schemas.microsoft.com/office/drawing/2010/main" w="9525">
                     <a:solidFill>
                       <a:srgbClr val="000000"/>
                     </a:solidFill>
@@ -10811,7 +10690,7 @@
               </a:ln>
               <a:extLst>
                 <a:ext uri="{91240B29-F687-4f45-9708-019B960494DF}">
-                  <a14:hiddenLine xmlns:a14="http://schemas.microsoft.com/office/drawing/2010/main" xmlns="" w="9525">
+                  <a14:hiddenLine xmlns="" xmlns:a14="http://schemas.microsoft.com/office/drawing/2010/main" w="9525">
                     <a:solidFill>
                       <a:srgbClr val="000000"/>
                     </a:solidFill>
@@ -10845,7 +10724,7 @@
               </a:ln>
               <a:extLst>
                 <a:ext uri="{91240B29-F687-4f45-9708-019B960494DF}">
-                  <a14:hiddenLine xmlns:a14="http://schemas.microsoft.com/office/drawing/2010/main" xmlns="" w="9525">
+                  <a14:hiddenLine xmlns="" xmlns:a14="http://schemas.microsoft.com/office/drawing/2010/main" w="9525">
                     <a:solidFill>
                       <a:srgbClr val="000000"/>
                     </a:solidFill>
@@ -10910,7 +10789,7 @@
               </a:ln>
               <a:extLst>
                 <a:ext uri="{91240B29-F687-4f45-9708-019B960494DF}">
-                  <a14:hiddenLine xmlns:a14="http://schemas.microsoft.com/office/drawing/2010/main" xmlns="" w="9525">
+                  <a14:hiddenLine xmlns="" xmlns:a14="http://schemas.microsoft.com/office/drawing/2010/main" w="9525">
                     <a:solidFill>
                       <a:srgbClr val="000000"/>
                     </a:solidFill>
@@ -11000,7 +10879,7 @@
               </a:ln>
               <a:extLst>
                 <a:ext uri="{91240B29-F687-4f45-9708-019B960494DF}">
-                  <a14:hiddenLine xmlns:a14="http://schemas.microsoft.com/office/drawing/2010/main" xmlns="" w="9525">
+                  <a14:hiddenLine xmlns="" xmlns:a14="http://schemas.microsoft.com/office/drawing/2010/main" w="9525">
                     <a:solidFill>
                       <a:srgbClr val="000000"/>
                     </a:solidFill>
@@ -11062,7 +10941,7 @@
               </a:ln>
               <a:extLst>
                 <a:ext uri="{91240B29-F687-4f45-9708-019B960494DF}">
-                  <a14:hiddenLine xmlns:a14="http://schemas.microsoft.com/office/drawing/2010/main" xmlns="" w="9525">
+                  <a14:hiddenLine xmlns="" xmlns:a14="http://schemas.microsoft.com/office/drawing/2010/main" w="9525">
                     <a:solidFill>
                       <a:srgbClr val="000000"/>
                     </a:solidFill>
@@ -11152,7 +11031,7 @@
               </a:ln>
               <a:extLst>
                 <a:ext uri="{91240B29-F687-4f45-9708-019B960494DF}">
-                  <a14:hiddenLine xmlns:a14="http://schemas.microsoft.com/office/drawing/2010/main" xmlns="" w="9525">
+                  <a14:hiddenLine xmlns="" xmlns:a14="http://schemas.microsoft.com/office/drawing/2010/main" w="9525">
                     <a:solidFill>
                       <a:srgbClr val="000000"/>
                     </a:solidFill>
@@ -11217,7 +11096,7 @@
               </a:ln>
               <a:extLst>
                 <a:ext uri="{91240B29-F687-4f45-9708-019B960494DF}">
-                  <a14:hiddenLine xmlns:a14="http://schemas.microsoft.com/office/drawing/2010/main" xmlns="" w="9525">
+                  <a14:hiddenLine xmlns="" xmlns:a14="http://schemas.microsoft.com/office/drawing/2010/main" w="9525">
                     <a:solidFill>
                       <a:srgbClr val="000000"/>
                     </a:solidFill>
@@ -11279,7 +11158,7 @@
               </a:ln>
               <a:extLst>
                 <a:ext uri="{91240B29-F687-4f45-9708-019B960494DF}">
-                  <a14:hiddenLine xmlns:a14="http://schemas.microsoft.com/office/drawing/2010/main" xmlns="" w="9525">
+                  <a14:hiddenLine xmlns="" xmlns:a14="http://schemas.microsoft.com/office/drawing/2010/main" w="9525">
                     <a:solidFill>
                       <a:srgbClr val="000000"/>
                     </a:solidFill>
@@ -11369,7 +11248,7 @@
               </a:ln>
               <a:extLst>
                 <a:ext uri="{91240B29-F687-4f45-9708-019B960494DF}">
-                  <a14:hiddenLine xmlns:a14="http://schemas.microsoft.com/office/drawing/2010/main" xmlns="" w="9525">
+                  <a14:hiddenLine xmlns="" xmlns:a14="http://schemas.microsoft.com/office/drawing/2010/main" w="9525">
                     <a:solidFill>
                       <a:srgbClr val="000000"/>
                     </a:solidFill>
@@ -11459,7 +11338,7 @@
               </a:ln>
               <a:extLst>
                 <a:ext uri="{91240B29-F687-4f45-9708-019B960494DF}">
-                  <a14:hiddenLine xmlns:a14="http://schemas.microsoft.com/office/drawing/2010/main" xmlns="" w="9525">
+                  <a14:hiddenLine xmlns="" xmlns:a14="http://schemas.microsoft.com/office/drawing/2010/main" w="9525">
                     <a:solidFill>
                       <a:srgbClr val="000000"/>
                     </a:solidFill>
@@ -11524,7 +11403,7 @@
               </a:ln>
               <a:extLst>
                 <a:ext uri="{91240B29-F687-4f45-9708-019B960494DF}">
-                  <a14:hiddenLine xmlns:a14="http://schemas.microsoft.com/office/drawing/2010/main" xmlns="" w="9525">
+                  <a14:hiddenLine xmlns="" xmlns:a14="http://schemas.microsoft.com/office/drawing/2010/main" w="9525">
                     <a:solidFill>
                       <a:srgbClr val="000000"/>
                     </a:solidFill>
@@ -11644,7 +11523,7 @@
               </a:ln>
               <a:extLst>
                 <a:ext uri="{91240B29-F687-4f45-9708-019B960494DF}">
-                  <a14:hiddenLine xmlns:a14="http://schemas.microsoft.com/office/drawing/2010/main" xmlns="" w="9525">
+                  <a14:hiddenLine xmlns="" xmlns:a14="http://schemas.microsoft.com/office/drawing/2010/main" w="9525">
                     <a:solidFill>
                       <a:srgbClr val="000000"/>
                     </a:solidFill>
@@ -11742,7 +11621,7 @@
               </a:ln>
               <a:extLst>
                 <a:ext uri="{91240B29-F687-4f45-9708-019B960494DF}">
-                  <a14:hiddenLine xmlns:a14="http://schemas.microsoft.com/office/drawing/2010/main" xmlns="" w="9525">
+                  <a14:hiddenLine xmlns="" xmlns:a14="http://schemas.microsoft.com/office/drawing/2010/main" w="9525">
                     <a:solidFill>
                       <a:srgbClr val="000000"/>
                     </a:solidFill>
@@ -11857,7 +11736,7 @@
               </a:ln>
               <a:extLst>
                 <a:ext uri="{91240B29-F687-4f45-9708-019B960494DF}">
-                  <a14:hiddenLine xmlns:a14="http://schemas.microsoft.com/office/drawing/2010/main" xmlns="" w="9525">
+                  <a14:hiddenLine xmlns="" xmlns:a14="http://schemas.microsoft.com/office/drawing/2010/main" w="9525">
                     <a:solidFill>
                       <a:srgbClr val="000000"/>
                     </a:solidFill>
@@ -11947,7 +11826,7 @@
               </a:ln>
               <a:extLst>
                 <a:ext uri="{91240B29-F687-4f45-9708-019B960494DF}">
-                  <a14:hiddenLine xmlns:a14="http://schemas.microsoft.com/office/drawing/2010/main" xmlns="" w="9525">
+                  <a14:hiddenLine xmlns="" xmlns:a14="http://schemas.microsoft.com/office/drawing/2010/main" w="9525">
                     <a:solidFill>
                       <a:srgbClr val="000000"/>
                     </a:solidFill>
@@ -12012,7 +11891,7 @@
               </a:ln>
               <a:extLst>
                 <a:ext uri="{91240B29-F687-4f45-9708-019B960494DF}">
-                  <a14:hiddenLine xmlns:a14="http://schemas.microsoft.com/office/drawing/2010/main" xmlns="" w="9525">
+                  <a14:hiddenLine xmlns="" xmlns:a14="http://schemas.microsoft.com/office/drawing/2010/main" w="9525">
                     <a:solidFill>
                       <a:srgbClr val="000000"/>
                     </a:solidFill>
@@ -12102,7 +11981,7 @@
               </a:ln>
               <a:extLst>
                 <a:ext uri="{91240B29-F687-4f45-9708-019B960494DF}">
-                  <a14:hiddenLine xmlns:a14="http://schemas.microsoft.com/office/drawing/2010/main" xmlns="" w="9525">
+                  <a14:hiddenLine xmlns="" xmlns:a14="http://schemas.microsoft.com/office/drawing/2010/main" w="9525">
                     <a:solidFill>
                       <a:srgbClr val="000000"/>
                     </a:solidFill>
@@ -12170,7 +12049,7 @@
               </a:ln>
               <a:extLst>
                 <a:ext uri="{91240B29-F687-4f45-9708-019B960494DF}">
-                  <a14:hiddenLine xmlns:a14="http://schemas.microsoft.com/office/drawing/2010/main" xmlns="" w="9525">
+                  <a14:hiddenLine xmlns="" xmlns:a14="http://schemas.microsoft.com/office/drawing/2010/main" w="9525">
                     <a:solidFill>
                       <a:srgbClr val="000000"/>
                     </a:solidFill>
@@ -12260,7 +12139,7 @@
               </a:ln>
               <a:extLst>
                 <a:ext uri="{91240B29-F687-4f45-9708-019B960494DF}">
-                  <a14:hiddenLine xmlns:a14="http://schemas.microsoft.com/office/drawing/2010/main" xmlns="" w="9525">
+                  <a14:hiddenLine xmlns="" xmlns:a14="http://schemas.microsoft.com/office/drawing/2010/main" w="9525">
                     <a:solidFill>
                       <a:srgbClr val="000000"/>
                     </a:solidFill>
@@ -12328,7 +12207,7 @@
               </a:ln>
               <a:extLst>
                 <a:ext uri="{91240B29-F687-4f45-9708-019B960494DF}">
-                  <a14:hiddenLine xmlns:a14="http://schemas.microsoft.com/office/drawing/2010/main" xmlns="" w="9525">
+                  <a14:hiddenLine xmlns="" xmlns:a14="http://schemas.microsoft.com/office/drawing/2010/main" w="9525">
                     <a:solidFill>
                       <a:srgbClr val="000000"/>
                     </a:solidFill>
@@ -12418,7 +12297,7 @@
               </a:ln>
               <a:extLst>
                 <a:ext uri="{91240B29-F687-4f45-9708-019B960494DF}">
-                  <a14:hiddenLine xmlns:a14="http://schemas.microsoft.com/office/drawing/2010/main" xmlns="" w="9525">
+                  <a14:hiddenLine xmlns="" xmlns:a14="http://schemas.microsoft.com/office/drawing/2010/main" w="9525">
                     <a:solidFill>
                       <a:srgbClr val="000000"/>
                     </a:solidFill>
@@ -12452,7 +12331,7 @@
               </a:ln>
               <a:extLst>
                 <a:ext uri="{91240B29-F687-4f45-9708-019B960494DF}">
-                  <a14:hiddenLine xmlns:a14="http://schemas.microsoft.com/office/drawing/2010/main" xmlns="" w="9525">
+                  <a14:hiddenLine xmlns="" xmlns:a14="http://schemas.microsoft.com/office/drawing/2010/main" w="9525">
                     <a:solidFill>
                       <a:srgbClr val="000000"/>
                     </a:solidFill>
@@ -12593,7 +12472,7 @@
             <a:fld id="{7EAF463A-BC7C-46EE-9F1E-7F377CCA4891}" type="datetimeFigureOut">
               <a:rPr lang="en-US" smtClean="0"/>
               <a:pPr/>
-              <a:t>12/27/2019</a:t>
+              <a:t>2/6/2020</a:t>
             </a:fld>
             <a:endParaRPr lang="en-US"/>
           </a:p>
@@ -13014,32 +12893,6 @@
           <a:chExt cx="0" cy="0"/>
         </a:xfrm>
       </p:grpSpPr>
-      <p:pic>
-        <p:nvPicPr>
-          <p:cNvPr id="3074" name="Picture 2" descr="C:\Users\User\Desktop\image007.jpg"/>
-          <p:cNvPicPr>
-            <a:picLocks noChangeAspect="1" noChangeArrowheads="1"/>
-          </p:cNvPicPr>
-          <p:nvPr/>
-        </p:nvPicPr>
-        <p:blipFill>
-          <a:blip r:embed="rId2"/>
-          <a:srcRect/>
-          <a:stretch>
-            <a:fillRect/>
-          </a:stretch>
-        </p:blipFill>
-        <p:spPr bwMode="auto">
-          <a:xfrm>
-            <a:off x="364263" y="1124744"/>
-            <a:ext cx="8415471" cy="5143536"/>
-          </a:xfrm>
-          <a:prstGeom prst="rect">
-            <a:avLst/>
-          </a:prstGeom>
-          <a:noFill/>
-        </p:spPr>
-      </p:pic>
       <p:sp>
         <p:nvSpPr>
           <p:cNvPr id="3" name="Объект 2">
@@ -13271,325 +13124,12 @@
           </a:p>
         </p:txBody>
       </p:sp>
-    </p:spTree>
-  </p:cSld>
-  <p:clrMapOvr>
-    <a:masterClrMapping/>
-  </p:clrMapOvr>
-</p:sld>
-</file>
-
-<file path=ppt/slides/slide10.xml><?xml version="1.0" encoding="utf-8"?>
-<p:sld xmlns:a="http://schemas.openxmlformats.org/drawingml/2006/main" xmlns:r="http://schemas.openxmlformats.org/officeDocument/2006/relationships" xmlns:p="http://schemas.openxmlformats.org/presentationml/2006/main">
-  <p:cSld>
-    <p:spTree>
-      <p:nvGrpSpPr>
-        <p:cNvPr id="1" name=""/>
-        <p:cNvGrpSpPr/>
-        <p:nvPr/>
-      </p:nvGrpSpPr>
-      <p:grpSpPr>
-        <a:xfrm>
-          <a:off x="0" y="0"/>
-          <a:ext cx="0" cy="0"/>
-          <a:chOff x="0" y="0"/>
-          <a:chExt cx="0" cy="0"/>
-        </a:xfrm>
-      </p:grpSpPr>
-      <p:sp>
-        <p:nvSpPr>
-          <p:cNvPr id="2" name="Прямоугольник 1">
-            <a:extLst>
-              <a:ext uri="{FF2B5EF4-FFF2-40B4-BE49-F238E27FC236}">
-                <a16:creationId xmlns:a16="http://schemas.microsoft.com/office/drawing/2014/main" id="{04C473A7-4287-44D3-B665-A2EB1C012D61}"/>
-              </a:ext>
-            </a:extLst>
-          </p:cNvPr>
-          <p:cNvSpPr/>
-          <p:nvPr/>
-        </p:nvSpPr>
-        <p:spPr>
-          <a:xfrm>
-            <a:off x="1691680" y="764704"/>
-            <a:ext cx="4569649" cy="461665"/>
-          </a:xfrm>
-          <a:prstGeom prst="rect">
-            <a:avLst/>
-          </a:prstGeom>
-        </p:spPr>
-        <p:txBody>
-          <a:bodyPr wrap="none">
-            <a:spAutoFit/>
-          </a:bodyPr>
-          <a:lstStyle/>
-          <a:p>
-            <a:r>
-              <a:rPr lang="ru-RU" sz="2400" dirty="0">
-                <a:solidFill>
-                  <a:schemeClr val="bg2">
-                    <a:lumMod val="50000"/>
-                  </a:schemeClr>
-                </a:solidFill>
-              </a:rPr>
-              <a:t>Локальные адреса ввода-вывода</a:t>
-            </a:r>
-          </a:p>
-        </p:txBody>
-      </p:sp>
       <p:pic>
         <p:nvPicPr>
           <p:cNvPr id="4" name="Рисунок 3">
             <a:extLst>
               <a:ext uri="{FF2B5EF4-FFF2-40B4-BE49-F238E27FC236}">
-                <a16:creationId xmlns:a16="http://schemas.microsoft.com/office/drawing/2014/main" id="{7B970C69-E7CF-443D-909B-264B5AEE924F}"/>
-              </a:ext>
-            </a:extLst>
-          </p:cNvPr>
-          <p:cNvPicPr>
-            <a:picLocks noChangeAspect="1"/>
-          </p:cNvPicPr>
-          <p:nvPr/>
-        </p:nvPicPr>
-        <p:blipFill>
-          <a:blip r:embed="rId3">
-            <a:extLst>
-              <a:ext uri="{28A0092B-C50C-407E-A947-70E740481C1C}">
-                <a14:useLocalDpi xmlns:a14="http://schemas.microsoft.com/office/drawing/2010/main" val="0"/>
-              </a:ext>
-            </a:extLst>
-          </a:blip>
-          <a:stretch>
-            <a:fillRect/>
-          </a:stretch>
-        </p:blipFill>
-        <p:spPr>
-          <a:xfrm>
-            <a:off x="794004" y="1988840"/>
-            <a:ext cx="7555992" cy="3099726"/>
-          </a:xfrm>
-          <a:prstGeom prst="rect">
-            <a:avLst/>
-          </a:prstGeom>
-        </p:spPr>
-      </p:pic>
-    </p:spTree>
-    <p:extLst>
-      <p:ext uri="{BB962C8B-B14F-4D97-AF65-F5344CB8AC3E}">
-        <p14:creationId xmlns:p14="http://schemas.microsoft.com/office/powerpoint/2010/main" val="3817764206"/>
-      </p:ext>
-    </p:extLst>
-  </p:cSld>
-  <p:clrMapOvr>
-    <a:masterClrMapping/>
-  </p:clrMapOvr>
-</p:sld>
-</file>
-
-<file path=ppt/slides/slide11.xml><?xml version="1.0" encoding="utf-8"?>
-<p:sld xmlns:a="http://schemas.openxmlformats.org/drawingml/2006/main" xmlns:r="http://schemas.openxmlformats.org/officeDocument/2006/relationships" xmlns:p="http://schemas.openxmlformats.org/presentationml/2006/main">
-  <p:cSld>
-    <p:spTree>
-      <p:nvGrpSpPr>
-        <p:cNvPr id="1" name=""/>
-        <p:cNvGrpSpPr/>
-        <p:nvPr/>
-      </p:nvGrpSpPr>
-      <p:grpSpPr>
-        <a:xfrm>
-          <a:off x="0" y="0"/>
-          <a:ext cx="0" cy="0"/>
-          <a:chOff x="0" y="0"/>
-          <a:chExt cx="0" cy="0"/>
-        </a:xfrm>
-      </p:grpSpPr>
-      <p:sp>
-        <p:nvSpPr>
-          <p:cNvPr id="2" name="Прямоугольник 1">
-            <a:extLst>
-              <a:ext uri="{FF2B5EF4-FFF2-40B4-BE49-F238E27FC236}">
-                <a16:creationId xmlns:a16="http://schemas.microsoft.com/office/drawing/2014/main" id="{429C3251-09CF-4069-AD01-B965AE759ABF}"/>
-              </a:ext>
-            </a:extLst>
-          </p:cNvPr>
-          <p:cNvSpPr/>
-          <p:nvPr/>
-        </p:nvSpPr>
-        <p:spPr>
-          <a:xfrm>
-            <a:off x="2402367" y="1052736"/>
-            <a:ext cx="4339265" cy="461665"/>
-          </a:xfrm>
-          <a:prstGeom prst="rect">
-            <a:avLst/>
-          </a:prstGeom>
-        </p:spPr>
-        <p:txBody>
-          <a:bodyPr wrap="none">
-            <a:spAutoFit/>
-          </a:bodyPr>
-          <a:lstStyle/>
-          <a:p>
-            <a:r>
-              <a:rPr lang="ru-RU" sz="2400" dirty="0">
-                <a:solidFill>
-                  <a:schemeClr val="bg2">
-                    <a:lumMod val="50000"/>
-                  </a:schemeClr>
-                </a:solidFill>
-              </a:rPr>
-              <a:t>Доступ к разделяемым файлам</a:t>
-            </a:r>
-          </a:p>
-        </p:txBody>
-      </p:sp>
-      <p:sp>
-        <p:nvSpPr>
-          <p:cNvPr id="4" name="Прямоугольник 3">
-            <a:extLst>
-              <a:ext uri="{FF2B5EF4-FFF2-40B4-BE49-F238E27FC236}">
-                <a16:creationId xmlns:a16="http://schemas.microsoft.com/office/drawing/2014/main" id="{E7F44BAA-FCC1-4242-8334-5B03798E1C50}"/>
-              </a:ext>
-            </a:extLst>
-          </p:cNvPr>
-          <p:cNvSpPr/>
-          <p:nvPr/>
-        </p:nvSpPr>
-        <p:spPr>
-          <a:xfrm>
-            <a:off x="1763688" y="2492896"/>
-            <a:ext cx="7173859" cy="830997"/>
-          </a:xfrm>
-          <a:prstGeom prst="rect">
-            <a:avLst/>
-          </a:prstGeom>
-        </p:spPr>
-        <p:txBody>
-          <a:bodyPr wrap="square">
-            <a:spAutoFit/>
-          </a:bodyPr>
-          <a:lstStyle/>
-          <a:p>
-            <a:r>
-              <a:rPr lang="ru-RU" sz="2000" dirty="0">
-                <a:solidFill>
-                  <a:schemeClr val="bg2">
-                    <a:lumMod val="50000"/>
-                  </a:schemeClr>
-                </a:solidFill>
-              </a:rPr>
-              <a:t>•</a:t>
-            </a:r>
-            <a:r>
-              <a:rPr lang="ru-RU" sz="2800" dirty="0">
-                <a:solidFill>
-                  <a:schemeClr val="bg2">
-                    <a:lumMod val="50000"/>
-                  </a:schemeClr>
-                </a:solidFill>
-              </a:rPr>
-              <a:t> </a:t>
-            </a:r>
-            <a:r>
-              <a:rPr lang="ru-RU" sz="2000" dirty="0">
-                <a:solidFill>
-                  <a:schemeClr val="bg2">
-                    <a:lumMod val="50000"/>
-                  </a:schemeClr>
-                </a:solidFill>
-              </a:rPr>
-              <a:t>глобальные адреса сетевого файл-сервера; </a:t>
-            </a:r>
-          </a:p>
-          <a:p>
-            <a:r>
-              <a:rPr lang="ru-RU" sz="2000" dirty="0">
-                <a:solidFill>
-                  <a:schemeClr val="bg2">
-                    <a:lumMod val="50000"/>
-                  </a:schemeClr>
-                </a:solidFill>
-              </a:rPr>
-              <a:t>• локальные адреса локальных файлов.</a:t>
-            </a:r>
-          </a:p>
-        </p:txBody>
-      </p:sp>
-    </p:spTree>
-    <p:extLst>
-      <p:ext uri="{BB962C8B-B14F-4D97-AF65-F5344CB8AC3E}">
-        <p14:creationId xmlns:p14="http://schemas.microsoft.com/office/powerpoint/2010/main" val="338288982"/>
-      </p:ext>
-    </p:extLst>
-  </p:cSld>
-  <p:clrMapOvr>
-    <a:masterClrMapping/>
-  </p:clrMapOvr>
-</p:sld>
-</file>
-
-<file path=ppt/slides/slide12.xml><?xml version="1.0" encoding="utf-8"?>
-<p:sld xmlns:a="http://schemas.openxmlformats.org/drawingml/2006/main" xmlns:r="http://schemas.openxmlformats.org/officeDocument/2006/relationships" xmlns:p="http://schemas.openxmlformats.org/presentationml/2006/main">
-  <p:cSld>
-    <p:spTree>
-      <p:nvGrpSpPr>
-        <p:cNvPr id="1" name=""/>
-        <p:cNvGrpSpPr/>
-        <p:nvPr/>
-      </p:nvGrpSpPr>
-      <p:grpSpPr>
-        <a:xfrm>
-          <a:off x="0" y="0"/>
-          <a:ext cx="0" cy="0"/>
-          <a:chOff x="0" y="0"/>
-          <a:chExt cx="0" cy="0"/>
-        </a:xfrm>
-      </p:grpSpPr>
-      <p:sp>
-        <p:nvSpPr>
-          <p:cNvPr id="2" name="Прямоугольник 1">
-            <a:extLst>
-              <a:ext uri="{FF2B5EF4-FFF2-40B4-BE49-F238E27FC236}">
-                <a16:creationId xmlns:a16="http://schemas.microsoft.com/office/drawing/2014/main" id="{A86E4FA7-8109-45EF-BD17-9EC175294975}"/>
-              </a:ext>
-            </a:extLst>
-          </p:cNvPr>
-          <p:cNvSpPr/>
-          <p:nvPr/>
-        </p:nvSpPr>
-        <p:spPr>
-          <a:xfrm>
-            <a:off x="2267744" y="692696"/>
-            <a:ext cx="4870821" cy="461665"/>
-          </a:xfrm>
-          <a:prstGeom prst="rect">
-            <a:avLst/>
-          </a:prstGeom>
-        </p:spPr>
-        <p:txBody>
-          <a:bodyPr wrap="none">
-            <a:spAutoFit/>
-          </a:bodyPr>
-          <a:lstStyle/>
-          <a:p>
-            <a:r>
-              <a:rPr lang="ru-RU" sz="2400" dirty="0">
-                <a:solidFill>
-                  <a:schemeClr val="bg2">
-                    <a:lumMod val="50000"/>
-                  </a:schemeClr>
-                </a:solidFill>
-              </a:rPr>
-              <a:t>Глобальные адреса файлов данных</a:t>
-            </a:r>
-          </a:p>
-        </p:txBody>
-      </p:sp>
-      <p:pic>
-        <p:nvPicPr>
-          <p:cNvPr id="4" name="Рисунок 3">
-            <a:extLst>
-              <a:ext uri="{FF2B5EF4-FFF2-40B4-BE49-F238E27FC236}">
-                <a16:creationId xmlns:a16="http://schemas.microsoft.com/office/drawing/2014/main" id="{C700B357-F095-4C8B-AE30-CE73CE93B483}"/>
+                <a16:creationId xmlns:a16="http://schemas.microsoft.com/office/drawing/2014/main" id="{D273B615-53B0-4439-B705-C0AAC935E13F}"/>
               </a:ext>
             </a:extLst>
           </p:cNvPr>
@@ -13612,8 +13152,8 @@
         </p:blipFill>
         <p:spPr>
           <a:xfrm>
-            <a:off x="790500" y="1873546"/>
-            <a:ext cx="7562999" cy="3110908"/>
+            <a:off x="1242547" y="828993"/>
+            <a:ext cx="6658904" cy="5725324"/>
           </a:xfrm>
           <a:prstGeom prst="rect">
             <a:avLst/>
@@ -13621,1750 +13161,6 @@
         </p:spPr>
       </p:pic>
     </p:spTree>
-    <p:extLst>
-      <p:ext uri="{BB962C8B-B14F-4D97-AF65-F5344CB8AC3E}">
-        <p14:creationId xmlns:p14="http://schemas.microsoft.com/office/powerpoint/2010/main" val="1870128210"/>
-      </p:ext>
-    </p:extLst>
-  </p:cSld>
-  <p:clrMapOvr>
-    <a:masterClrMapping/>
-  </p:clrMapOvr>
-</p:sld>
-</file>
-
-<file path=ppt/slides/slide13.xml><?xml version="1.0" encoding="utf-8"?>
-<p:sld xmlns:a="http://schemas.openxmlformats.org/drawingml/2006/main" xmlns:r="http://schemas.openxmlformats.org/officeDocument/2006/relationships" xmlns:p="http://schemas.openxmlformats.org/presentationml/2006/main">
-  <p:cSld>
-    <p:spTree>
-      <p:nvGrpSpPr>
-        <p:cNvPr id="1" name=""/>
-        <p:cNvGrpSpPr/>
-        <p:nvPr/>
-      </p:nvGrpSpPr>
-      <p:grpSpPr>
-        <a:xfrm>
-          <a:off x="0" y="0"/>
-          <a:ext cx="0" cy="0"/>
-          <a:chOff x="0" y="0"/>
-          <a:chExt cx="0" cy="0"/>
-        </a:xfrm>
-      </p:grpSpPr>
-      <p:sp>
-        <p:nvSpPr>
-          <p:cNvPr id="2" name="Прямоугольник 1">
-            <a:extLst>
-              <a:ext uri="{FF2B5EF4-FFF2-40B4-BE49-F238E27FC236}">
-                <a16:creationId xmlns:a16="http://schemas.microsoft.com/office/drawing/2014/main" id="{4FDE2E27-FBEF-45C2-967B-57ADB4760096}"/>
-              </a:ext>
-            </a:extLst>
-          </p:cNvPr>
-          <p:cNvSpPr/>
-          <p:nvPr/>
-        </p:nvSpPr>
-        <p:spPr>
-          <a:xfrm>
-            <a:off x="2185608" y="620688"/>
-            <a:ext cx="4772781" cy="461665"/>
-          </a:xfrm>
-          <a:prstGeom prst="rect">
-            <a:avLst/>
-          </a:prstGeom>
-        </p:spPr>
-        <p:txBody>
-          <a:bodyPr wrap="none">
-            <a:spAutoFit/>
-          </a:bodyPr>
-          <a:lstStyle/>
-          <a:p>
-            <a:r>
-              <a:rPr lang="ru-RU" sz="2400" dirty="0">
-                <a:solidFill>
-                  <a:schemeClr val="bg2">
-                    <a:lumMod val="50000"/>
-                  </a:schemeClr>
-                </a:solidFill>
-              </a:rPr>
-              <a:t>Локальные адреса файлов данных</a:t>
-            </a:r>
-          </a:p>
-        </p:txBody>
-      </p:sp>
-      <p:pic>
-        <p:nvPicPr>
-          <p:cNvPr id="4" name="Рисунок 3">
-            <a:extLst>
-              <a:ext uri="{FF2B5EF4-FFF2-40B4-BE49-F238E27FC236}">
-                <a16:creationId xmlns:a16="http://schemas.microsoft.com/office/drawing/2014/main" id="{AC36CE3B-70FA-4EBE-9296-025E3F1D236F}"/>
-              </a:ext>
-            </a:extLst>
-          </p:cNvPr>
-          <p:cNvPicPr>
-            <a:picLocks noChangeAspect="1"/>
-          </p:cNvPicPr>
-          <p:nvPr/>
-        </p:nvPicPr>
-        <p:blipFill>
-          <a:blip r:embed="rId2">
-            <a:extLst>
-              <a:ext uri="{28A0092B-C50C-407E-A947-70E740481C1C}">
-                <a14:useLocalDpi xmlns:a14="http://schemas.microsoft.com/office/drawing/2010/main" val="0"/>
-              </a:ext>
-            </a:extLst>
-          </a:blip>
-          <a:stretch>
-            <a:fillRect/>
-          </a:stretch>
-        </p:blipFill>
-        <p:spPr>
-          <a:xfrm>
-            <a:off x="1120539" y="1928196"/>
-            <a:ext cx="6902921" cy="3001607"/>
-          </a:xfrm>
-          <a:prstGeom prst="rect">
-            <a:avLst/>
-          </a:prstGeom>
-        </p:spPr>
-      </p:pic>
-    </p:spTree>
-    <p:extLst>
-      <p:ext uri="{BB962C8B-B14F-4D97-AF65-F5344CB8AC3E}">
-        <p14:creationId xmlns:p14="http://schemas.microsoft.com/office/powerpoint/2010/main" val="1114563023"/>
-      </p:ext>
-    </p:extLst>
-  </p:cSld>
-  <p:clrMapOvr>
-    <a:masterClrMapping/>
-  </p:clrMapOvr>
-</p:sld>
-</file>
-
-<file path=ppt/slides/slide14.xml><?xml version="1.0" encoding="utf-8"?>
-<p:sld xmlns:a="http://schemas.openxmlformats.org/drawingml/2006/main" xmlns:r="http://schemas.openxmlformats.org/officeDocument/2006/relationships" xmlns:p="http://schemas.openxmlformats.org/presentationml/2006/main">
-  <p:cSld>
-    <p:spTree>
-      <p:nvGrpSpPr>
-        <p:cNvPr id="1" name=""/>
-        <p:cNvGrpSpPr/>
-        <p:nvPr/>
-      </p:nvGrpSpPr>
-      <p:grpSpPr>
-        <a:xfrm>
-          <a:off x="0" y="0"/>
-          <a:ext cx="0" cy="0"/>
-          <a:chOff x="0" y="0"/>
-          <a:chExt cx="0" cy="0"/>
-        </a:xfrm>
-      </p:grpSpPr>
-      <p:sp>
-        <p:nvSpPr>
-          <p:cNvPr id="2" name="Прямоугольник 1">
-            <a:extLst>
-              <a:ext uri="{FF2B5EF4-FFF2-40B4-BE49-F238E27FC236}">
-                <a16:creationId xmlns:a16="http://schemas.microsoft.com/office/drawing/2014/main" id="{8191D819-6EF1-48A1-B0DD-BF6A882117B2}"/>
-              </a:ext>
-            </a:extLst>
-          </p:cNvPr>
-          <p:cNvSpPr/>
-          <p:nvPr/>
-        </p:nvSpPr>
-        <p:spPr>
-          <a:xfrm>
-            <a:off x="1543894" y="692696"/>
-            <a:ext cx="6192688" cy="461665"/>
-          </a:xfrm>
-          <a:prstGeom prst="rect">
-            <a:avLst/>
-          </a:prstGeom>
-        </p:spPr>
-        <p:txBody>
-          <a:bodyPr wrap="square">
-            <a:spAutoFit/>
-          </a:bodyPr>
-          <a:lstStyle/>
-          <a:p>
-            <a:r>
-              <a:rPr lang="ru-RU" sz="2400" dirty="0">
-                <a:solidFill>
-                  <a:schemeClr val="bg2">
-                    <a:lumMod val="50000"/>
-                  </a:schemeClr>
-                </a:solidFill>
-              </a:rPr>
-              <a:t>Регистрация данных в распределенной среде</a:t>
-            </a:r>
-          </a:p>
-        </p:txBody>
-      </p:sp>
-      <p:pic>
-        <p:nvPicPr>
-          <p:cNvPr id="4" name="Рисунок 3">
-            <a:extLst>
-              <a:ext uri="{FF2B5EF4-FFF2-40B4-BE49-F238E27FC236}">
-                <a16:creationId xmlns:a16="http://schemas.microsoft.com/office/drawing/2014/main" id="{CBB81DEA-B3CE-46E7-BBF8-66ECF5E4CE04}"/>
-              </a:ext>
-            </a:extLst>
-          </p:cNvPr>
-          <p:cNvPicPr>
-            <a:picLocks noChangeAspect="1"/>
-          </p:cNvPicPr>
-          <p:nvPr/>
-        </p:nvPicPr>
-        <p:blipFill>
-          <a:blip r:embed="rId2">
-            <a:extLst>
-              <a:ext uri="{28A0092B-C50C-407E-A947-70E740481C1C}">
-                <a14:useLocalDpi xmlns:a14="http://schemas.microsoft.com/office/drawing/2010/main" val="0"/>
-              </a:ext>
-            </a:extLst>
-          </a:blip>
-          <a:stretch>
-            <a:fillRect/>
-          </a:stretch>
-        </p:blipFill>
-        <p:spPr>
-          <a:xfrm>
-            <a:off x="887067" y="1772816"/>
-            <a:ext cx="7506341" cy="3960440"/>
-          </a:xfrm>
-          <a:prstGeom prst="rect">
-            <a:avLst/>
-          </a:prstGeom>
-        </p:spPr>
-      </p:pic>
-    </p:spTree>
-    <p:extLst>
-      <p:ext uri="{BB962C8B-B14F-4D97-AF65-F5344CB8AC3E}">
-        <p14:creationId xmlns:p14="http://schemas.microsoft.com/office/powerpoint/2010/main" val="1413003509"/>
-      </p:ext>
-    </p:extLst>
-  </p:cSld>
-  <p:clrMapOvr>
-    <a:masterClrMapping/>
-  </p:clrMapOvr>
-</p:sld>
-</file>
-
-<file path=ppt/slides/slide15.xml><?xml version="1.0" encoding="utf-8"?>
-<p:sld xmlns:a="http://schemas.openxmlformats.org/drawingml/2006/main" xmlns:r="http://schemas.openxmlformats.org/officeDocument/2006/relationships" xmlns:p="http://schemas.openxmlformats.org/presentationml/2006/main">
-  <p:cSld>
-    <p:spTree>
-      <p:nvGrpSpPr>
-        <p:cNvPr id="1" name=""/>
-        <p:cNvGrpSpPr/>
-        <p:nvPr/>
-      </p:nvGrpSpPr>
-      <p:grpSpPr>
-        <a:xfrm>
-          <a:off x="0" y="0"/>
-          <a:ext cx="0" cy="0"/>
-          <a:chOff x="0" y="0"/>
-          <a:chExt cx="0" cy="0"/>
-        </a:xfrm>
-      </p:grpSpPr>
-      <p:sp>
-        <p:nvSpPr>
-          <p:cNvPr id="2" name="Прямоугольник 1">
-            <a:extLst>
-              <a:ext uri="{FF2B5EF4-FFF2-40B4-BE49-F238E27FC236}">
-                <a16:creationId xmlns:a16="http://schemas.microsoft.com/office/drawing/2014/main" id="{F674F054-65A3-4F8D-802B-6DA9B6861CE9}"/>
-              </a:ext>
-            </a:extLst>
-          </p:cNvPr>
-          <p:cNvSpPr/>
-          <p:nvPr/>
-        </p:nvSpPr>
-        <p:spPr>
-          <a:xfrm>
-            <a:off x="2123728" y="404664"/>
-            <a:ext cx="5282536" cy="461665"/>
-          </a:xfrm>
-          <a:prstGeom prst="rect">
-            <a:avLst/>
-          </a:prstGeom>
-        </p:spPr>
-        <p:txBody>
-          <a:bodyPr wrap="none">
-            <a:spAutoFit/>
-          </a:bodyPr>
-          <a:lstStyle/>
-          <a:p>
-            <a:r>
-              <a:rPr lang="ru-RU" sz="2400" dirty="0">
-                <a:solidFill>
-                  <a:schemeClr val="bg2">
-                    <a:lumMod val="50000"/>
-                  </a:schemeClr>
-                </a:solidFill>
-              </a:rPr>
-              <a:t>Использование Сервисов Терминалов </a:t>
-            </a:r>
-          </a:p>
-        </p:txBody>
-      </p:sp>
-      <p:pic>
-        <p:nvPicPr>
-          <p:cNvPr id="4" name="Рисунок 3">
-            <a:extLst>
-              <a:ext uri="{FF2B5EF4-FFF2-40B4-BE49-F238E27FC236}">
-                <a16:creationId xmlns:a16="http://schemas.microsoft.com/office/drawing/2014/main" id="{460819B8-56B0-48FE-B95D-D55C849141A2}"/>
-              </a:ext>
-            </a:extLst>
-          </p:cNvPr>
-          <p:cNvPicPr>
-            <a:picLocks noChangeAspect="1"/>
-          </p:cNvPicPr>
-          <p:nvPr/>
-        </p:nvPicPr>
-        <p:blipFill>
-          <a:blip r:embed="rId2">
-            <a:extLst>
-              <a:ext uri="{28A0092B-C50C-407E-A947-70E740481C1C}">
-                <a14:useLocalDpi xmlns:a14="http://schemas.microsoft.com/office/drawing/2010/main" val="0"/>
-              </a:ext>
-            </a:extLst>
-          </a:blip>
-          <a:stretch>
-            <a:fillRect/>
-          </a:stretch>
-        </p:blipFill>
-        <p:spPr>
-          <a:xfrm>
-            <a:off x="937363" y="1061447"/>
-            <a:ext cx="7269274" cy="5019079"/>
-          </a:xfrm>
-          <a:prstGeom prst="rect">
-            <a:avLst/>
-          </a:prstGeom>
-        </p:spPr>
-      </p:pic>
-    </p:spTree>
-    <p:extLst>
-      <p:ext uri="{BB962C8B-B14F-4D97-AF65-F5344CB8AC3E}">
-        <p14:creationId xmlns:p14="http://schemas.microsoft.com/office/powerpoint/2010/main" val="205206965"/>
-      </p:ext>
-    </p:extLst>
-  </p:cSld>
-  <p:clrMapOvr>
-    <a:masterClrMapping/>
-  </p:clrMapOvr>
-</p:sld>
-</file>
-
-<file path=ppt/slides/slide16.xml><?xml version="1.0" encoding="utf-8"?>
-<p:sld xmlns:a="http://schemas.openxmlformats.org/drawingml/2006/main" xmlns:r="http://schemas.openxmlformats.org/officeDocument/2006/relationships" xmlns:p="http://schemas.openxmlformats.org/presentationml/2006/main">
-  <p:cSld>
-    <p:spTree>
-      <p:nvGrpSpPr>
-        <p:cNvPr id="1" name=""/>
-        <p:cNvGrpSpPr/>
-        <p:nvPr/>
-      </p:nvGrpSpPr>
-      <p:grpSpPr>
-        <a:xfrm>
-          <a:off x="0" y="0"/>
-          <a:ext cx="0" cy="0"/>
-          <a:chOff x="0" y="0"/>
-          <a:chExt cx="0" cy="0"/>
-        </a:xfrm>
-      </p:grpSpPr>
-      <p:sp>
-        <p:nvSpPr>
-          <p:cNvPr id="2" name="Прямоугольник 1">
-            <a:extLst>
-              <a:ext uri="{FF2B5EF4-FFF2-40B4-BE49-F238E27FC236}">
-                <a16:creationId xmlns:a16="http://schemas.microsoft.com/office/drawing/2014/main" id="{24BFA9E5-5F4B-413E-B860-F246E0EEBE2B}"/>
-              </a:ext>
-            </a:extLst>
-          </p:cNvPr>
-          <p:cNvSpPr/>
-          <p:nvPr/>
-        </p:nvSpPr>
-        <p:spPr>
-          <a:xfrm>
-            <a:off x="3203848" y="519063"/>
-            <a:ext cx="4176464" cy="461665"/>
-          </a:xfrm>
-          <a:prstGeom prst="rect">
-            <a:avLst/>
-          </a:prstGeom>
-        </p:spPr>
-        <p:txBody>
-          <a:bodyPr wrap="square">
-            <a:spAutoFit/>
-          </a:bodyPr>
-          <a:lstStyle/>
-          <a:p>
-            <a:pPr>
-              <a:spcAft>
-                <a:spcPts val="0"/>
-              </a:spcAft>
-            </a:pPr>
-            <a:r>
-              <a:rPr lang="ru-RU" sz="2400" kern="1400" spc="-50" dirty="0">
-                <a:solidFill>
-                  <a:schemeClr val="bg2">
-                    <a:lumMod val="75000"/>
-                  </a:schemeClr>
-                </a:solidFill>
-                <a:latin typeface="+mj-lt"/>
-                <a:ea typeface="Times New Roman" panose="02020603050405020304" pitchFamily="18" charset="0"/>
-                <a:cs typeface="Times New Roman" panose="02020603050405020304" pitchFamily="18" charset="0"/>
-              </a:rPr>
-              <a:t>GE HMI SСADA </a:t>
-            </a:r>
-            <a:r>
-              <a:rPr lang="ru-RU" sz="2400" kern="1400" spc="-50" dirty="0" err="1">
-                <a:solidFill>
-                  <a:schemeClr val="bg2">
-                    <a:lumMod val="75000"/>
-                  </a:schemeClr>
-                </a:solidFill>
-                <a:latin typeface="+mj-lt"/>
-                <a:ea typeface="Times New Roman" panose="02020603050405020304" pitchFamily="18" charset="0"/>
-                <a:cs typeface="Times New Roman" panose="02020603050405020304" pitchFamily="18" charset="0"/>
-              </a:rPr>
-              <a:t>iFix</a:t>
-            </a:r>
-            <a:endParaRPr lang="ru-RU" sz="2400" kern="1400" spc="-50" dirty="0">
-              <a:solidFill>
-                <a:schemeClr val="bg2">
-                  <a:lumMod val="75000"/>
-                </a:schemeClr>
-              </a:solidFill>
-              <a:effectLst/>
-              <a:latin typeface="+mj-lt"/>
-              <a:ea typeface="Times New Roman" panose="02020603050405020304" pitchFamily="18" charset="0"/>
-              <a:cs typeface="Times New Roman" panose="02020603050405020304" pitchFamily="18" charset="0"/>
-            </a:endParaRPr>
-          </a:p>
-        </p:txBody>
-      </p:sp>
-      <p:sp>
-        <p:nvSpPr>
-          <p:cNvPr id="3" name="Прямоугольник 2">
-            <a:extLst>
-              <a:ext uri="{FF2B5EF4-FFF2-40B4-BE49-F238E27FC236}">
-                <a16:creationId xmlns:a16="http://schemas.microsoft.com/office/drawing/2014/main" id="{4167E38B-F8D3-4EAF-B091-27F777DD3D9A}"/>
-              </a:ext>
-            </a:extLst>
-          </p:cNvPr>
-          <p:cNvSpPr/>
-          <p:nvPr/>
-        </p:nvSpPr>
-        <p:spPr>
-          <a:xfrm>
-            <a:off x="971600" y="980728"/>
-            <a:ext cx="7344816" cy="5017143"/>
-          </a:xfrm>
-          <a:prstGeom prst="rect">
-            <a:avLst/>
-          </a:prstGeom>
-        </p:spPr>
-        <p:txBody>
-          <a:bodyPr wrap="square">
-            <a:spAutoFit/>
-          </a:bodyPr>
-          <a:lstStyle/>
-          <a:p>
-            <a:pPr indent="457200" algn="just">
-              <a:lnSpc>
-                <a:spcPct val="107000"/>
-              </a:lnSpc>
-              <a:spcAft>
-                <a:spcPts val="0"/>
-              </a:spcAft>
-            </a:pPr>
-            <a:r>
-              <a:rPr lang="ru-RU" sz="2000" dirty="0">
-                <a:solidFill>
-                  <a:schemeClr val="bg2">
-                    <a:lumMod val="75000"/>
-                  </a:schemeClr>
-                </a:solidFill>
-                <a:effectLst/>
-                <a:ea typeface="Calibri" panose="020F0502020204030204" pitchFamily="34" charset="0"/>
-                <a:cs typeface="Times New Roman" panose="02020603050405020304" pitchFamily="18" charset="0"/>
-              </a:rPr>
-              <a:t>Возможности:</a:t>
-            </a:r>
-          </a:p>
-          <a:p>
-            <a:pPr marL="285750" indent="-285750" algn="just">
-              <a:lnSpc>
-                <a:spcPct val="107000"/>
-              </a:lnSpc>
-              <a:buFont typeface="Arial" panose="020B0604020202020204" pitchFamily="34" charset="0"/>
-              <a:buChar char="•"/>
-            </a:pPr>
-            <a:r>
-              <a:rPr lang="ru-RU" sz="2000" dirty="0">
-                <a:solidFill>
-                  <a:schemeClr val="bg2">
-                    <a:lumMod val="75000"/>
-                  </a:schemeClr>
-                </a:solidFill>
-              </a:rPr>
-              <a:t>Горячее резервирование и автоматическое переключение серверов</a:t>
-            </a:r>
-          </a:p>
-          <a:p>
-            <a:pPr marL="285750" indent="-285750" algn="just">
-              <a:lnSpc>
-                <a:spcPct val="107000"/>
-              </a:lnSpc>
-              <a:spcAft>
-                <a:spcPts val="0"/>
-              </a:spcAft>
-              <a:buFont typeface="Arial" panose="020B0604020202020204" pitchFamily="34" charset="0"/>
-              <a:buChar char="•"/>
-            </a:pPr>
-            <a:r>
-              <a:rPr lang="ru-RU" sz="2000" dirty="0">
-                <a:solidFill>
-                  <a:schemeClr val="bg2">
-                    <a:lumMod val="75000"/>
-                  </a:schemeClr>
-                </a:solidFill>
-              </a:rPr>
-              <a:t>Обширный каталог высокопроизводительных прямых драйверов ввода/вывода и ОРС-серверов как для широко распространенных, так и для специализированных ПЛК</a:t>
-            </a:r>
-          </a:p>
-          <a:p>
-            <a:pPr marL="285750" indent="-285750" algn="just">
-              <a:lnSpc>
-                <a:spcPct val="107000"/>
-              </a:lnSpc>
-              <a:buFont typeface="Arial" panose="020B0604020202020204" pitchFamily="34" charset="0"/>
-              <a:buChar char="•"/>
-            </a:pPr>
-            <a:r>
-              <a:rPr lang="ru-RU" sz="2000" dirty="0">
-                <a:solidFill>
-                  <a:schemeClr val="bg2">
-                    <a:lumMod val="75000"/>
-                  </a:schemeClr>
-                </a:solidFill>
-              </a:rPr>
-              <a:t>Универсальный ОРС-клиент с возможностями конфигурации, мониторинга и оптимизации обмена с серверами ввода/вывода.</a:t>
-            </a:r>
-          </a:p>
-          <a:p>
-            <a:pPr marL="285750" indent="-285750" algn="just">
-              <a:lnSpc>
-                <a:spcPct val="107000"/>
-              </a:lnSpc>
-              <a:buFont typeface="Arial" panose="020B0604020202020204" pitchFamily="34" charset="0"/>
-              <a:buChar char="•"/>
-            </a:pPr>
-            <a:r>
-              <a:rPr lang="ru-RU" sz="2000" dirty="0">
-                <a:solidFill>
-                  <a:schemeClr val="bg2">
-                    <a:lumMod val="75000"/>
-                  </a:schemeClr>
-                </a:solidFill>
-              </a:rPr>
-              <a:t>Поддержка О</a:t>
-            </a:r>
-            <a:r>
-              <a:rPr lang="en-US" sz="2000" dirty="0">
-                <a:solidFill>
-                  <a:schemeClr val="bg2">
-                    <a:lumMod val="75000"/>
-                  </a:schemeClr>
-                </a:solidFill>
-              </a:rPr>
-              <a:t>PC DA, </a:t>
-            </a:r>
-            <a:r>
-              <a:rPr lang="ru-RU" sz="2000" dirty="0">
-                <a:solidFill>
-                  <a:schemeClr val="bg2">
-                    <a:lumMod val="75000"/>
-                  </a:schemeClr>
-                </a:solidFill>
-              </a:rPr>
-              <a:t>ОРС</a:t>
-            </a:r>
-            <a:r>
-              <a:rPr lang="en-US" sz="2000" dirty="0">
-                <a:solidFill>
-                  <a:schemeClr val="bg2">
-                    <a:lumMod val="75000"/>
-                  </a:schemeClr>
-                </a:solidFill>
-              </a:rPr>
-              <a:t> Alarm &amp; Events, SQL ODBC, COM/DCOM, OLE DB, ActiveX, .NET.</a:t>
-            </a:r>
-            <a:endParaRPr lang="ru-RU" sz="2000" dirty="0">
-              <a:solidFill>
-                <a:schemeClr val="bg2">
-                  <a:lumMod val="75000"/>
-                </a:schemeClr>
-              </a:solidFill>
-            </a:endParaRPr>
-          </a:p>
-          <a:p>
-            <a:pPr marL="285750" indent="-285750" algn="just">
-              <a:lnSpc>
-                <a:spcPct val="107000"/>
-              </a:lnSpc>
-              <a:buFont typeface="Arial" panose="020B0604020202020204" pitchFamily="34" charset="0"/>
-              <a:buChar char="•"/>
-            </a:pPr>
-            <a:r>
-              <a:rPr lang="en-US" sz="2000" dirty="0">
-                <a:solidFill>
-                  <a:schemeClr val="bg2">
-                    <a:lumMod val="75000"/>
-                  </a:schemeClr>
-                </a:solidFill>
-              </a:rPr>
-              <a:t>ODBC-</a:t>
-            </a:r>
-            <a:r>
-              <a:rPr lang="ru-RU" sz="2000" dirty="0">
-                <a:solidFill>
-                  <a:schemeClr val="bg2">
-                    <a:lumMod val="75000"/>
-                  </a:schemeClr>
-                </a:solidFill>
-              </a:rPr>
-              <a:t>драйверы</a:t>
-            </a:r>
-          </a:p>
-          <a:p>
-            <a:pPr marL="285750" indent="-285750" algn="just">
-              <a:lnSpc>
-                <a:spcPct val="107000"/>
-              </a:lnSpc>
-              <a:buFont typeface="Arial" panose="020B0604020202020204" pitchFamily="34" charset="0"/>
-              <a:buChar char="•"/>
-            </a:pPr>
-            <a:r>
-              <a:rPr lang="ru-RU" sz="2000" dirty="0">
-                <a:solidFill>
-                  <a:schemeClr val="bg2">
-                    <a:lumMod val="75000"/>
-                  </a:schemeClr>
-                </a:solidFill>
-              </a:rPr>
-              <a:t>Поддержка технологии </a:t>
-            </a:r>
-            <a:r>
-              <a:rPr lang="ru-RU" sz="2000" dirty="0" err="1">
-                <a:solidFill>
-                  <a:schemeClr val="bg2">
-                    <a:lumMod val="75000"/>
-                  </a:schemeClr>
-                </a:solidFill>
-              </a:rPr>
-              <a:t>Plug</a:t>
-            </a:r>
-            <a:r>
-              <a:rPr lang="ru-RU" sz="2000" dirty="0">
-                <a:solidFill>
-                  <a:schemeClr val="bg2">
-                    <a:lumMod val="75000"/>
-                  </a:schemeClr>
-                </a:solidFill>
-              </a:rPr>
-              <a:t> </a:t>
-            </a:r>
-            <a:r>
-              <a:rPr lang="ru-RU" sz="2000" dirty="0" err="1">
-                <a:solidFill>
-                  <a:schemeClr val="bg2">
-                    <a:lumMod val="75000"/>
-                  </a:schemeClr>
-                </a:solidFill>
-              </a:rPr>
-              <a:t>and</a:t>
-            </a:r>
-            <a:r>
-              <a:rPr lang="ru-RU" sz="2000" dirty="0">
-                <a:solidFill>
-                  <a:schemeClr val="bg2">
-                    <a:lumMod val="75000"/>
-                  </a:schemeClr>
-                </a:solidFill>
-              </a:rPr>
-              <a:t> </a:t>
-            </a:r>
-            <a:r>
-              <a:rPr lang="ru-RU" sz="2000" dirty="0" err="1">
-                <a:solidFill>
-                  <a:schemeClr val="bg2">
-                    <a:lumMod val="75000"/>
-                  </a:schemeClr>
-                </a:solidFill>
-              </a:rPr>
-              <a:t>Solve</a:t>
-            </a:r>
-            <a:r>
-              <a:rPr lang="ru-RU" sz="2000" dirty="0">
-                <a:solidFill>
-                  <a:schemeClr val="bg2">
-                    <a:lumMod val="75000"/>
-                  </a:schemeClr>
-                </a:solidFill>
-              </a:rPr>
-              <a:t>™</a:t>
-            </a:r>
-          </a:p>
-          <a:p>
-            <a:pPr marL="285750" indent="-285750" algn="just">
-              <a:lnSpc>
-                <a:spcPct val="107000"/>
-              </a:lnSpc>
-              <a:buFont typeface="Arial" panose="020B0604020202020204" pitchFamily="34" charset="0"/>
-              <a:buChar char="•"/>
-            </a:pPr>
-            <a:r>
-              <a:rPr lang="ru-RU" sz="2000" dirty="0">
-                <a:solidFill>
-                  <a:schemeClr val="bg2">
-                    <a:lumMod val="75000"/>
-                  </a:schemeClr>
-                </a:solidFill>
-              </a:rPr>
-              <a:t>Полная SCADA-функциональность через технологию «тонких» веб-клиентов GE </a:t>
-            </a:r>
-            <a:r>
-              <a:rPr lang="ru-RU" sz="2000" dirty="0" err="1">
-                <a:solidFill>
-                  <a:schemeClr val="bg2">
-                    <a:lumMod val="75000"/>
-                  </a:schemeClr>
-                </a:solidFill>
-              </a:rPr>
-              <a:t>WebSpace</a:t>
-            </a:r>
-            <a:r>
-              <a:rPr lang="ru-RU" sz="2000" dirty="0">
-                <a:solidFill>
-                  <a:schemeClr val="bg2">
-                    <a:lumMod val="75000"/>
-                  </a:schemeClr>
-                </a:solidFill>
-              </a:rPr>
-              <a:t>. </a:t>
-            </a:r>
-            <a:endParaRPr lang="ru-RU" sz="2000" dirty="0">
-              <a:solidFill>
-                <a:schemeClr val="bg2">
-                  <a:lumMod val="75000"/>
-                </a:schemeClr>
-              </a:solidFill>
-              <a:effectLst/>
-              <a:ea typeface="Calibri" panose="020F0502020204030204" pitchFamily="34" charset="0"/>
-              <a:cs typeface="Times New Roman" panose="02020603050405020304" pitchFamily="18" charset="0"/>
-            </a:endParaRPr>
-          </a:p>
-        </p:txBody>
-      </p:sp>
-      <p:sp>
-        <p:nvSpPr>
-          <p:cNvPr id="4" name="Объект 2">
-            <a:extLst>
-              <a:ext uri="{FF2B5EF4-FFF2-40B4-BE49-F238E27FC236}">
-                <a16:creationId xmlns:a16="http://schemas.microsoft.com/office/drawing/2014/main" id="{AE444692-82E9-4905-840F-EE1867A07E29}"/>
-              </a:ext>
-            </a:extLst>
-          </p:cNvPr>
-          <p:cNvSpPr txBox="1">
-            <a:spLocks/>
-          </p:cNvSpPr>
-          <p:nvPr/>
-        </p:nvSpPr>
-        <p:spPr>
-          <a:xfrm>
-            <a:off x="2843808" y="72851"/>
-            <a:ext cx="3672408" cy="1354089"/>
-          </a:xfrm>
-          <a:prstGeom prst="rect">
-            <a:avLst/>
-          </a:prstGeom>
-        </p:spPr>
-        <p:txBody>
-          <a:bodyPr/>
-          <a:lstStyle>
-            <a:lvl1pPr marL="228600" indent="-228600" algn="l" defTabSz="914400" rtl="0" eaLnBrk="1" latinLnBrk="0" hangingPunct="1">
-              <a:lnSpc>
-                <a:spcPct val="120000"/>
-              </a:lnSpc>
-              <a:spcBef>
-                <a:spcPts val="1000"/>
-              </a:spcBef>
-              <a:buSzPct val="125000"/>
-              <a:buFont typeface="Arial" panose="020B0604020202020204" pitchFamily="34" charset="0"/>
-              <a:buChar char="•"/>
-              <a:defRPr sz="2400" kern="1200">
-                <a:solidFill>
-                  <a:schemeClr val="tx1"/>
-                </a:solidFill>
-                <a:latin typeface="+mn-lt"/>
-                <a:ea typeface="+mn-ea"/>
-                <a:cs typeface="+mn-cs"/>
-              </a:defRPr>
-            </a:lvl1pPr>
-            <a:lvl2pPr marL="685800" indent="-228600" algn="l" defTabSz="914400" rtl="0" eaLnBrk="1" latinLnBrk="0" hangingPunct="1">
-              <a:lnSpc>
-                <a:spcPct val="120000"/>
-              </a:lnSpc>
-              <a:spcBef>
-                <a:spcPts val="500"/>
-              </a:spcBef>
-              <a:buSzPct val="125000"/>
-              <a:buFont typeface="Arial" panose="020B0604020202020204" pitchFamily="34" charset="0"/>
-              <a:buChar char="•"/>
-              <a:defRPr sz="2000" kern="1200">
-                <a:solidFill>
-                  <a:schemeClr val="tx1"/>
-                </a:solidFill>
-                <a:latin typeface="+mn-lt"/>
-                <a:ea typeface="+mn-ea"/>
-                <a:cs typeface="+mn-cs"/>
-              </a:defRPr>
-            </a:lvl2pPr>
-            <a:lvl3pPr marL="1143000" indent="-228600" algn="l" defTabSz="914400" rtl="0" eaLnBrk="1" latinLnBrk="0" hangingPunct="1">
-              <a:lnSpc>
-                <a:spcPct val="120000"/>
-              </a:lnSpc>
-              <a:spcBef>
-                <a:spcPts val="500"/>
-              </a:spcBef>
-              <a:buSzPct val="125000"/>
-              <a:buFont typeface="Arial" panose="020B0604020202020204" pitchFamily="34" charset="0"/>
-              <a:buChar char="•"/>
-              <a:defRPr sz="1800" kern="1200">
-                <a:solidFill>
-                  <a:schemeClr val="tx1"/>
-                </a:solidFill>
-                <a:latin typeface="+mn-lt"/>
-                <a:ea typeface="+mn-ea"/>
-                <a:cs typeface="+mn-cs"/>
-              </a:defRPr>
-            </a:lvl3pPr>
-            <a:lvl4pPr marL="1600200" indent="-228600" algn="l" defTabSz="914400" rtl="0" eaLnBrk="1" latinLnBrk="0" hangingPunct="1">
-              <a:lnSpc>
-                <a:spcPct val="120000"/>
-              </a:lnSpc>
-              <a:spcBef>
-                <a:spcPts val="500"/>
-              </a:spcBef>
-              <a:buSzPct val="125000"/>
-              <a:buFont typeface="Arial" panose="020B0604020202020204" pitchFamily="34" charset="0"/>
-              <a:buChar char="•"/>
-              <a:defRPr sz="1600" kern="1200">
-                <a:solidFill>
-                  <a:schemeClr val="tx1"/>
-                </a:solidFill>
-                <a:latin typeface="+mn-lt"/>
-                <a:ea typeface="+mn-ea"/>
-                <a:cs typeface="+mn-cs"/>
-              </a:defRPr>
-            </a:lvl4pPr>
-            <a:lvl5pPr marL="2057400" indent="-228600" algn="l" defTabSz="914400" rtl="0" eaLnBrk="1" latinLnBrk="0" hangingPunct="1">
-              <a:lnSpc>
-                <a:spcPct val="120000"/>
-              </a:lnSpc>
-              <a:spcBef>
-                <a:spcPts val="500"/>
-              </a:spcBef>
-              <a:buSzPct val="125000"/>
-              <a:buFont typeface="Arial" panose="020B0604020202020204" pitchFamily="34" charset="0"/>
-              <a:buChar char="•"/>
-              <a:defRPr sz="1600" kern="1200">
-                <a:solidFill>
-                  <a:schemeClr val="tx1"/>
-                </a:solidFill>
-                <a:latin typeface="+mn-lt"/>
-                <a:ea typeface="+mn-ea"/>
-                <a:cs typeface="+mn-cs"/>
-              </a:defRPr>
-            </a:lvl5pPr>
-            <a:lvl6pPr marL="2514600" indent="-228600" algn="l" defTabSz="914400" rtl="0" eaLnBrk="1" latinLnBrk="0" hangingPunct="1">
-              <a:lnSpc>
-                <a:spcPct val="120000"/>
-              </a:lnSpc>
-              <a:spcBef>
-                <a:spcPts val="500"/>
-              </a:spcBef>
-              <a:buSzPct val="125000"/>
-              <a:buFont typeface="Arial" panose="020B0604020202020204" pitchFamily="34" charset="0"/>
-              <a:buChar char="•"/>
-              <a:defRPr sz="1400" kern="1200">
-                <a:solidFill>
-                  <a:schemeClr val="tx1"/>
-                </a:solidFill>
-                <a:latin typeface="+mn-lt"/>
-                <a:ea typeface="+mn-ea"/>
-                <a:cs typeface="+mn-cs"/>
-              </a:defRPr>
-            </a:lvl6pPr>
-            <a:lvl7pPr marL="2971800" indent="-228600" algn="l" defTabSz="914400" rtl="0" eaLnBrk="1" latinLnBrk="0" hangingPunct="1">
-              <a:lnSpc>
-                <a:spcPct val="120000"/>
-              </a:lnSpc>
-              <a:spcBef>
-                <a:spcPts val="500"/>
-              </a:spcBef>
-              <a:buSzPct val="125000"/>
-              <a:buFont typeface="Arial" panose="020B0604020202020204" pitchFamily="34" charset="0"/>
-              <a:buChar char="•"/>
-              <a:defRPr sz="1400" kern="1200">
-                <a:solidFill>
-                  <a:schemeClr val="tx1"/>
-                </a:solidFill>
-                <a:latin typeface="+mn-lt"/>
-                <a:ea typeface="+mn-ea"/>
-                <a:cs typeface="+mn-cs"/>
-              </a:defRPr>
-            </a:lvl7pPr>
-            <a:lvl8pPr marL="3429000" indent="-228600" algn="l" defTabSz="914400" rtl="0" eaLnBrk="1" latinLnBrk="0" hangingPunct="1">
-              <a:lnSpc>
-                <a:spcPct val="120000"/>
-              </a:lnSpc>
-              <a:spcBef>
-                <a:spcPts val="500"/>
-              </a:spcBef>
-              <a:buSzPct val="125000"/>
-              <a:buFont typeface="Arial" panose="020B0604020202020204" pitchFamily="34" charset="0"/>
-              <a:buChar char="•"/>
-              <a:defRPr sz="1400" kern="1200">
-                <a:solidFill>
-                  <a:schemeClr val="tx1"/>
-                </a:solidFill>
-                <a:latin typeface="+mn-lt"/>
-                <a:ea typeface="+mn-ea"/>
-                <a:cs typeface="+mn-cs"/>
-              </a:defRPr>
-            </a:lvl8pPr>
-            <a:lvl9pPr marL="3886200" indent="-228600" algn="l" defTabSz="914400" rtl="0" eaLnBrk="1" latinLnBrk="0" hangingPunct="1">
-              <a:lnSpc>
-                <a:spcPct val="120000"/>
-              </a:lnSpc>
-              <a:spcBef>
-                <a:spcPts val="500"/>
-              </a:spcBef>
-              <a:buSzPct val="125000"/>
-              <a:buFont typeface="Arial" panose="020B0604020202020204" pitchFamily="34" charset="0"/>
-              <a:buChar char="•"/>
-              <a:defRPr sz="1400" kern="1200">
-                <a:solidFill>
-                  <a:schemeClr val="tx1"/>
-                </a:solidFill>
-                <a:latin typeface="+mn-lt"/>
-                <a:ea typeface="+mn-ea"/>
-                <a:cs typeface="+mn-cs"/>
-              </a:defRPr>
-            </a:lvl9pPr>
-          </a:lstStyle>
-          <a:p>
-            <a:pPr marL="0" indent="0">
-              <a:buFont typeface="Arial" panose="020B0604020202020204" pitchFamily="34" charset="0"/>
-              <a:buNone/>
-            </a:pPr>
-            <a:r>
-              <a:rPr lang="ru-RU">
-                <a:solidFill>
-                  <a:schemeClr val="bg1"/>
-                </a:solidFill>
-              </a:rPr>
-              <a:t>Резервированная система</a:t>
-            </a:r>
-            <a:endParaRPr lang="ru-RU" dirty="0">
-              <a:solidFill>
-                <a:schemeClr val="bg1"/>
-              </a:solidFill>
-            </a:endParaRPr>
-          </a:p>
-        </p:txBody>
-      </p:sp>
-    </p:spTree>
-    <p:extLst>
-      <p:ext uri="{BB962C8B-B14F-4D97-AF65-F5344CB8AC3E}">
-        <p14:creationId xmlns:p14="http://schemas.microsoft.com/office/powerpoint/2010/main" val="1022302768"/>
-      </p:ext>
-    </p:extLst>
-  </p:cSld>
-  <p:clrMapOvr>
-    <a:masterClrMapping/>
-  </p:clrMapOvr>
-</p:sld>
-</file>
-
-<file path=ppt/slides/slide17.xml><?xml version="1.0" encoding="utf-8"?>
-<p:sld xmlns:a="http://schemas.openxmlformats.org/drawingml/2006/main" xmlns:r="http://schemas.openxmlformats.org/officeDocument/2006/relationships" xmlns:p="http://schemas.openxmlformats.org/presentationml/2006/main">
-  <p:cSld>
-    <p:spTree>
-      <p:nvGrpSpPr>
-        <p:cNvPr id="1" name=""/>
-        <p:cNvGrpSpPr/>
-        <p:nvPr/>
-      </p:nvGrpSpPr>
-      <p:grpSpPr>
-        <a:xfrm>
-          <a:off x="0" y="0"/>
-          <a:ext cx="0" cy="0"/>
-          <a:chOff x="0" y="0"/>
-          <a:chExt cx="0" cy="0"/>
-        </a:xfrm>
-      </p:grpSpPr>
-      <p:sp>
-        <p:nvSpPr>
-          <p:cNvPr id="2" name="TextBox 1">
-            <a:extLst>
-              <a:ext uri="{FF2B5EF4-FFF2-40B4-BE49-F238E27FC236}">
-                <a16:creationId xmlns:a16="http://schemas.microsoft.com/office/drawing/2014/main" id="{3228EF5C-8CBA-4F62-B4A0-1542FD09F709}"/>
-              </a:ext>
-            </a:extLst>
-          </p:cNvPr>
-          <p:cNvSpPr txBox="1"/>
-          <p:nvPr/>
-        </p:nvSpPr>
-        <p:spPr>
-          <a:xfrm>
-            <a:off x="3671400" y="620688"/>
-            <a:ext cx="1801199" cy="461665"/>
-          </a:xfrm>
-          <a:prstGeom prst="rect">
-            <a:avLst/>
-          </a:prstGeom>
-          <a:noFill/>
-        </p:spPr>
-        <p:txBody>
-          <a:bodyPr wrap="none" rtlCol="0">
-            <a:spAutoFit/>
-          </a:bodyPr>
-          <a:lstStyle/>
-          <a:p>
-            <a:r>
-              <a:rPr lang="ru-RU" sz="2400" dirty="0">
-                <a:solidFill>
-                  <a:schemeClr val="bg2">
-                    <a:lumMod val="75000"/>
-                  </a:schemeClr>
-                </a:solidFill>
-                <a:latin typeface="+mj-lt"/>
-              </a:rPr>
-              <a:t>Архитектура</a:t>
-            </a:r>
-          </a:p>
-        </p:txBody>
-      </p:sp>
-      <p:pic>
-        <p:nvPicPr>
-          <p:cNvPr id="3" name="Рисунок 2">
-            <a:extLst>
-              <a:ext uri="{FF2B5EF4-FFF2-40B4-BE49-F238E27FC236}">
-                <a16:creationId xmlns:a16="http://schemas.microsoft.com/office/drawing/2014/main" id="{7DCA28F8-DD84-4CC0-88EF-E2F66EDFC7B6}"/>
-              </a:ext>
-            </a:extLst>
-          </p:cNvPr>
-          <p:cNvPicPr/>
-          <p:nvPr/>
-        </p:nvPicPr>
-        <p:blipFill>
-          <a:blip r:embed="rId2">
-            <a:extLst>
-              <a:ext uri="{28A0092B-C50C-407E-A947-70E740481C1C}">
-                <a14:useLocalDpi xmlns:a14="http://schemas.microsoft.com/office/drawing/2010/main" val="0"/>
-              </a:ext>
-            </a:extLst>
-          </a:blip>
-          <a:srcRect/>
-          <a:stretch>
-            <a:fillRect/>
-          </a:stretch>
-        </p:blipFill>
-        <p:spPr bwMode="auto">
-          <a:xfrm>
-            <a:off x="1316324" y="1328574"/>
-            <a:ext cx="5932805" cy="4572000"/>
-          </a:xfrm>
-          <a:prstGeom prst="rect">
-            <a:avLst/>
-          </a:prstGeom>
-          <a:noFill/>
-          <a:ln>
-            <a:noFill/>
-          </a:ln>
-        </p:spPr>
-      </p:pic>
-    </p:spTree>
-    <p:extLst>
-      <p:ext uri="{BB962C8B-B14F-4D97-AF65-F5344CB8AC3E}">
-        <p14:creationId xmlns:p14="http://schemas.microsoft.com/office/powerpoint/2010/main" val="3838088831"/>
-      </p:ext>
-    </p:extLst>
-  </p:cSld>
-  <p:clrMapOvr>
-    <a:masterClrMapping/>
-  </p:clrMapOvr>
-</p:sld>
-</file>
-
-<file path=ppt/slides/slide18.xml><?xml version="1.0" encoding="utf-8"?>
-<p:sld xmlns:a="http://schemas.openxmlformats.org/drawingml/2006/main" xmlns:r="http://schemas.openxmlformats.org/officeDocument/2006/relationships" xmlns:p="http://schemas.openxmlformats.org/presentationml/2006/main">
-  <p:cSld>
-    <p:spTree>
-      <p:nvGrpSpPr>
-        <p:cNvPr id="1" name=""/>
-        <p:cNvGrpSpPr/>
-        <p:nvPr/>
-      </p:nvGrpSpPr>
-      <p:grpSpPr>
-        <a:xfrm>
-          <a:off x="0" y="0"/>
-          <a:ext cx="0" cy="0"/>
-          <a:chOff x="0" y="0"/>
-          <a:chExt cx="0" cy="0"/>
-        </a:xfrm>
-      </p:grpSpPr>
-      <p:pic>
-        <p:nvPicPr>
-          <p:cNvPr id="3074" name="Picture 2">
-            <a:extLst>
-              <a:ext uri="{FF2B5EF4-FFF2-40B4-BE49-F238E27FC236}">
-                <a16:creationId xmlns:a16="http://schemas.microsoft.com/office/drawing/2014/main" id="{EBFB8A99-B17A-4B02-9F28-61C5F3889CE0}"/>
-              </a:ext>
-            </a:extLst>
-          </p:cNvPr>
-          <p:cNvPicPr>
-            <a:picLocks noChangeAspect="1" noChangeArrowheads="1"/>
-          </p:cNvPicPr>
-          <p:nvPr/>
-        </p:nvPicPr>
-        <p:blipFill>
-          <a:blip r:embed="rId2">
-            <a:extLst>
-              <a:ext uri="{28A0092B-C50C-407E-A947-70E740481C1C}">
-                <a14:useLocalDpi xmlns:a14="http://schemas.microsoft.com/office/drawing/2010/main" val="0"/>
-              </a:ext>
-            </a:extLst>
-          </a:blip>
-          <a:srcRect/>
-          <a:stretch>
-            <a:fillRect/>
-          </a:stretch>
-        </p:blipFill>
-        <p:spPr bwMode="auto">
-          <a:xfrm>
-            <a:off x="1238250" y="1700808"/>
-            <a:ext cx="6667500" cy="3724275"/>
-          </a:xfrm>
-          <a:prstGeom prst="rect">
-            <a:avLst/>
-          </a:prstGeom>
-          <a:noFill/>
-          <a:extLst>
-            <a:ext uri="{909E8E84-426E-40DD-AFC4-6F175D3DCCD1}">
-              <a14:hiddenFill xmlns:a14="http://schemas.microsoft.com/office/drawing/2010/main">
-                <a:solidFill>
-                  <a:srgbClr val="FFFFFF"/>
-                </a:solidFill>
-              </a14:hiddenFill>
-            </a:ext>
-          </a:extLst>
-        </p:spPr>
-      </p:pic>
-      <p:sp>
-        <p:nvSpPr>
-          <p:cNvPr id="2" name="Прямоугольник 1">
-            <a:extLst>
-              <a:ext uri="{FF2B5EF4-FFF2-40B4-BE49-F238E27FC236}">
-                <a16:creationId xmlns:a16="http://schemas.microsoft.com/office/drawing/2014/main" id="{2076C90B-F1DD-4FD2-9035-8969B5731405}"/>
-              </a:ext>
-            </a:extLst>
-          </p:cNvPr>
-          <p:cNvSpPr/>
-          <p:nvPr/>
-        </p:nvSpPr>
-        <p:spPr>
-          <a:xfrm>
-            <a:off x="2555776" y="754551"/>
-            <a:ext cx="4572000" cy="461665"/>
-          </a:xfrm>
-          <a:prstGeom prst="rect">
-            <a:avLst/>
-          </a:prstGeom>
-        </p:spPr>
-        <p:txBody>
-          <a:bodyPr>
-            <a:spAutoFit/>
-          </a:bodyPr>
-          <a:lstStyle/>
-          <a:p>
-            <a:r>
-              <a:rPr lang="ru-RU" sz="2400" dirty="0">
-                <a:solidFill>
-                  <a:schemeClr val="bg2">
-                    <a:lumMod val="75000"/>
-                  </a:schemeClr>
-                </a:solidFill>
-                <a:latin typeface="+mj-lt"/>
-              </a:rPr>
-              <a:t>Опции клиентских лицензий</a:t>
-            </a:r>
-          </a:p>
-        </p:txBody>
-      </p:sp>
-    </p:spTree>
-    <p:extLst>
-      <p:ext uri="{BB962C8B-B14F-4D97-AF65-F5344CB8AC3E}">
-        <p14:creationId xmlns:p14="http://schemas.microsoft.com/office/powerpoint/2010/main" val="1740713499"/>
-      </p:ext>
-    </p:extLst>
-  </p:cSld>
-  <p:clrMapOvr>
-    <a:masterClrMapping/>
-  </p:clrMapOvr>
-</p:sld>
-</file>
-
-<file path=ppt/slides/slide19.xml><?xml version="1.0" encoding="utf-8"?>
-<p:sld xmlns:a="http://schemas.openxmlformats.org/drawingml/2006/main" xmlns:r="http://schemas.openxmlformats.org/officeDocument/2006/relationships" xmlns:p="http://schemas.openxmlformats.org/presentationml/2006/main">
-  <p:cSld>
-    <p:spTree>
-      <p:nvGrpSpPr>
-        <p:cNvPr id="1" name=""/>
-        <p:cNvGrpSpPr/>
-        <p:nvPr/>
-      </p:nvGrpSpPr>
-      <p:grpSpPr>
-        <a:xfrm>
-          <a:off x="0" y="0"/>
-          <a:ext cx="0" cy="0"/>
-          <a:chOff x="0" y="0"/>
-          <a:chExt cx="0" cy="0"/>
-        </a:xfrm>
-      </p:grpSpPr>
-      <p:sp>
-        <p:nvSpPr>
-          <p:cNvPr id="2" name="Прямоугольник 1">
-            <a:extLst>
-              <a:ext uri="{FF2B5EF4-FFF2-40B4-BE49-F238E27FC236}">
-                <a16:creationId xmlns:a16="http://schemas.microsoft.com/office/drawing/2014/main" id="{96067386-0DF5-4354-85CC-D388206F8773}"/>
-              </a:ext>
-            </a:extLst>
-          </p:cNvPr>
-          <p:cNvSpPr/>
-          <p:nvPr/>
-        </p:nvSpPr>
-        <p:spPr>
-          <a:xfrm>
-            <a:off x="3563888" y="764704"/>
-            <a:ext cx="3888432" cy="470000"/>
-          </a:xfrm>
-          <a:prstGeom prst="rect">
-            <a:avLst/>
-          </a:prstGeom>
-        </p:spPr>
-        <p:txBody>
-          <a:bodyPr wrap="square">
-            <a:spAutoFit/>
-          </a:bodyPr>
-          <a:lstStyle/>
-          <a:p>
-            <a:pPr>
-              <a:lnSpc>
-                <a:spcPct val="107000"/>
-              </a:lnSpc>
-              <a:spcAft>
-                <a:spcPts val="800"/>
-              </a:spcAft>
-            </a:pPr>
-            <a:r>
-              <a:rPr lang="ru-RU" sz="2400" dirty="0" err="1">
-                <a:solidFill>
-                  <a:schemeClr val="bg2">
-                    <a:lumMod val="75000"/>
-                  </a:schemeClr>
-                </a:solidFill>
-                <a:latin typeface="Calibri" panose="020F0502020204030204" pitchFamily="34" charset="0"/>
-                <a:ea typeface="Calibri" panose="020F0502020204030204" pitchFamily="34" charset="0"/>
-                <a:cs typeface="Times New Roman" panose="02020603050405020304" pitchFamily="18" charset="0"/>
-              </a:rPr>
-              <a:t>System</a:t>
-            </a:r>
-            <a:r>
-              <a:rPr lang="ru-RU" sz="2400" dirty="0">
-                <a:solidFill>
-                  <a:schemeClr val="bg2">
-                    <a:lumMod val="75000"/>
-                  </a:schemeClr>
-                </a:solidFill>
-                <a:latin typeface="Calibri" panose="020F0502020204030204" pitchFamily="34" charset="0"/>
-                <a:ea typeface="Calibri" panose="020F0502020204030204" pitchFamily="34" charset="0"/>
-                <a:cs typeface="Times New Roman" panose="02020603050405020304" pitchFamily="18" charset="0"/>
-              </a:rPr>
-              <a:t> </a:t>
-            </a:r>
-            <a:r>
-              <a:rPr lang="ru-RU" sz="2400" dirty="0" err="1">
-                <a:solidFill>
-                  <a:schemeClr val="bg2">
-                    <a:lumMod val="75000"/>
-                  </a:schemeClr>
-                </a:solidFill>
-                <a:latin typeface="Calibri" panose="020F0502020204030204" pitchFamily="34" charset="0"/>
-                <a:ea typeface="Calibri" panose="020F0502020204030204" pitchFamily="34" charset="0"/>
-                <a:cs typeface="Times New Roman" panose="02020603050405020304" pitchFamily="18" charset="0"/>
-              </a:rPr>
-              <a:t>Platform</a:t>
-            </a:r>
-            <a:r>
-              <a:rPr lang="ru-RU" sz="2400" dirty="0">
-                <a:solidFill>
-                  <a:schemeClr val="bg2">
-                    <a:lumMod val="75000"/>
-                  </a:schemeClr>
-                </a:solidFill>
-                <a:latin typeface="Calibri" panose="020F0502020204030204" pitchFamily="34" charset="0"/>
-                <a:ea typeface="Calibri" panose="020F0502020204030204" pitchFamily="34" charset="0"/>
-                <a:cs typeface="Times New Roman" panose="02020603050405020304" pitchFamily="18" charset="0"/>
-              </a:rPr>
-              <a:t>.</a:t>
-            </a:r>
-            <a:endParaRPr lang="ru-RU" sz="2400" dirty="0">
-              <a:solidFill>
-                <a:schemeClr val="bg2">
-                  <a:lumMod val="75000"/>
-                </a:schemeClr>
-              </a:solidFill>
-              <a:effectLst/>
-              <a:latin typeface="Calibri" panose="020F0502020204030204" pitchFamily="34" charset="0"/>
-              <a:ea typeface="Calibri" panose="020F0502020204030204" pitchFamily="34" charset="0"/>
-              <a:cs typeface="Times New Roman" panose="02020603050405020304" pitchFamily="18" charset="0"/>
-            </a:endParaRPr>
-          </a:p>
-        </p:txBody>
-      </p:sp>
-      <p:sp>
-        <p:nvSpPr>
-          <p:cNvPr id="3" name="Прямоугольник 2">
-            <a:extLst>
-              <a:ext uri="{FF2B5EF4-FFF2-40B4-BE49-F238E27FC236}">
-                <a16:creationId xmlns:a16="http://schemas.microsoft.com/office/drawing/2014/main" id="{CD29A63D-C7BA-416A-825D-FE427E7046CB}"/>
-              </a:ext>
-            </a:extLst>
-          </p:cNvPr>
-          <p:cNvSpPr/>
-          <p:nvPr/>
-        </p:nvSpPr>
-        <p:spPr>
-          <a:xfrm>
-            <a:off x="1043608" y="1412776"/>
-            <a:ext cx="6624736" cy="3885103"/>
-          </a:xfrm>
-          <a:prstGeom prst="rect">
-            <a:avLst/>
-          </a:prstGeom>
-        </p:spPr>
-        <p:txBody>
-          <a:bodyPr wrap="square">
-            <a:spAutoFit/>
-          </a:bodyPr>
-          <a:lstStyle/>
-          <a:p>
-            <a:pPr>
-              <a:lnSpc>
-                <a:spcPct val="107000"/>
-              </a:lnSpc>
-              <a:spcAft>
-                <a:spcPts val="800"/>
-              </a:spcAft>
-            </a:pPr>
-            <a:r>
-              <a:rPr lang="ru-RU" sz="2000" dirty="0">
-                <a:solidFill>
-                  <a:schemeClr val="bg2">
-                    <a:lumMod val="75000"/>
-                  </a:schemeClr>
-                </a:solidFill>
-                <a:latin typeface="Calibri" panose="020F0502020204030204" pitchFamily="34" charset="0"/>
-                <a:ea typeface="Calibri" panose="020F0502020204030204" pitchFamily="34" charset="0"/>
-                <a:cs typeface="Times New Roman" panose="02020603050405020304" pitchFamily="18" charset="0"/>
-              </a:rPr>
-              <a:t>Возможности</a:t>
-            </a:r>
-          </a:p>
-          <a:p>
-            <a:pPr marL="285750" indent="-285750">
-              <a:lnSpc>
-                <a:spcPct val="107000"/>
-              </a:lnSpc>
-              <a:spcAft>
-                <a:spcPts val="800"/>
-              </a:spcAft>
-              <a:buFont typeface="Arial" panose="020B0604020202020204" pitchFamily="34" charset="0"/>
-              <a:buChar char="•"/>
-            </a:pPr>
-            <a:r>
-              <a:rPr lang="ru-RU" dirty="0">
-                <a:solidFill>
-                  <a:schemeClr val="bg2">
-                    <a:lumMod val="75000"/>
-                  </a:schemeClr>
-                </a:solidFill>
-                <a:latin typeface="Calibri" panose="020F0502020204030204" pitchFamily="34" charset="0"/>
-                <a:ea typeface="Calibri" panose="020F0502020204030204" pitchFamily="34" charset="0"/>
-                <a:cs typeface="Times New Roman" panose="02020603050405020304" pitchFamily="18" charset="0"/>
-              </a:rPr>
-              <a:t>Может взаимодействовать практически с любыми полевыми устройствами и производственными информационными системами. </a:t>
-            </a:r>
-          </a:p>
-          <a:p>
-            <a:pPr marL="285750" indent="-285750">
-              <a:lnSpc>
-                <a:spcPct val="107000"/>
-              </a:lnSpc>
-              <a:spcAft>
-                <a:spcPts val="800"/>
-              </a:spcAft>
-              <a:buFont typeface="Arial" panose="020B0604020202020204" pitchFamily="34" charset="0"/>
-              <a:buChar char="•"/>
-            </a:pPr>
-            <a:r>
-              <a:rPr lang="ru-RU" dirty="0">
-                <a:solidFill>
-                  <a:schemeClr val="bg2">
-                    <a:lumMod val="75000"/>
-                  </a:schemeClr>
-                </a:solidFill>
-                <a:latin typeface="Calibri" panose="020F0502020204030204" pitchFamily="34" charset="0"/>
-                <a:ea typeface="Calibri" panose="020F0502020204030204" pitchFamily="34" charset="0"/>
-                <a:cs typeface="Times New Roman" panose="02020603050405020304" pitchFamily="18" charset="0"/>
-              </a:rPr>
-              <a:t>Единая стандартизированная среда разработки.</a:t>
-            </a:r>
-          </a:p>
-          <a:p>
-            <a:pPr marL="285750" indent="-285750">
-              <a:lnSpc>
-                <a:spcPct val="107000"/>
-              </a:lnSpc>
-              <a:spcAft>
-                <a:spcPts val="800"/>
-              </a:spcAft>
-              <a:buFont typeface="Arial" panose="020B0604020202020204" pitchFamily="34" charset="0"/>
-              <a:buChar char="•"/>
-            </a:pPr>
-            <a:r>
-              <a:rPr lang="ru-RU" dirty="0">
-                <a:solidFill>
-                  <a:schemeClr val="bg2">
-                    <a:lumMod val="75000"/>
-                  </a:schemeClr>
-                </a:solidFill>
-                <a:latin typeface="Calibri" panose="020F0502020204030204" pitchFamily="34" charset="0"/>
-                <a:ea typeface="Calibri" panose="020F0502020204030204" pitchFamily="34" charset="0"/>
-                <a:cs typeface="Times New Roman" panose="02020603050405020304" pitchFamily="18" charset="0"/>
-              </a:rPr>
-              <a:t>Независимая от устройств визуализация, интеллектуальная система </a:t>
-            </a:r>
-            <a:r>
-              <a:rPr lang="ru-RU" dirty="0" err="1">
-                <a:solidFill>
-                  <a:schemeClr val="bg2">
-                    <a:lumMod val="75000"/>
-                  </a:schemeClr>
-                </a:solidFill>
-                <a:latin typeface="Calibri" panose="020F0502020204030204" pitchFamily="34" charset="0"/>
-                <a:ea typeface="Calibri" panose="020F0502020204030204" pitchFamily="34" charset="0"/>
-                <a:cs typeface="Times New Roman" panose="02020603050405020304" pitchFamily="18" charset="0"/>
-              </a:rPr>
-              <a:t>алармов</a:t>
-            </a:r>
-            <a:r>
-              <a:rPr lang="ru-RU" dirty="0">
-                <a:solidFill>
-                  <a:schemeClr val="bg2">
-                    <a:lumMod val="75000"/>
-                  </a:schemeClr>
-                </a:solidFill>
-                <a:latin typeface="Calibri" panose="020F0502020204030204" pitchFamily="34" charset="0"/>
-                <a:ea typeface="Calibri" panose="020F0502020204030204" pitchFamily="34" charset="0"/>
-                <a:cs typeface="Times New Roman" panose="02020603050405020304" pitchFamily="18" charset="0"/>
-              </a:rPr>
-              <a:t>, гибкие средства анализа и отчетности. </a:t>
-            </a:r>
-          </a:p>
-          <a:p>
-            <a:pPr marL="285750" indent="-285750">
-              <a:lnSpc>
-                <a:spcPct val="107000"/>
-              </a:lnSpc>
-              <a:spcAft>
-                <a:spcPts val="800"/>
-              </a:spcAft>
-              <a:buFont typeface="Arial" panose="020B0604020202020204" pitchFamily="34" charset="0"/>
-              <a:buChar char="•"/>
-            </a:pPr>
-            <a:r>
-              <a:rPr lang="ru-RU" dirty="0">
-                <a:solidFill>
-                  <a:schemeClr val="bg2">
-                    <a:lumMod val="75000"/>
-                  </a:schemeClr>
-                </a:solidFill>
-                <a:latin typeface="Calibri" panose="020F0502020204030204" pitchFamily="34" charset="0"/>
-                <a:ea typeface="Calibri" panose="020F0502020204030204" pitchFamily="34" charset="0"/>
-                <a:cs typeface="Times New Roman" panose="02020603050405020304" pitchFamily="18" charset="0"/>
-              </a:rPr>
-              <a:t>Среда разработки и тестирования может полностью размещаться в облаке</a:t>
-            </a:r>
-          </a:p>
-          <a:p>
-            <a:pPr marL="285750" indent="-285750">
-              <a:lnSpc>
-                <a:spcPct val="107000"/>
-              </a:lnSpc>
-              <a:spcAft>
-                <a:spcPts val="800"/>
-              </a:spcAft>
-              <a:buFont typeface="Arial" panose="020B0604020202020204" pitchFamily="34" charset="0"/>
-              <a:buChar char="•"/>
-            </a:pPr>
-            <a:r>
-              <a:rPr lang="ru-RU" dirty="0">
-                <a:solidFill>
-                  <a:schemeClr val="bg2">
-                    <a:lumMod val="75000"/>
-                  </a:schemeClr>
-                </a:solidFill>
-                <a:latin typeface="Calibri" panose="020F0502020204030204" pitchFamily="34" charset="0"/>
-                <a:ea typeface="Calibri" panose="020F0502020204030204" pitchFamily="34" charset="0"/>
-                <a:cs typeface="Times New Roman" panose="02020603050405020304" pitchFamily="18" charset="0"/>
-              </a:rPr>
-              <a:t>Новая конфигурация визуализации поддерживает возможность параллельной разработки. </a:t>
-            </a:r>
-          </a:p>
-        </p:txBody>
-      </p:sp>
-      <p:sp>
-        <p:nvSpPr>
-          <p:cNvPr id="4" name="Объект 2">
-            <a:extLst>
-              <a:ext uri="{FF2B5EF4-FFF2-40B4-BE49-F238E27FC236}">
-                <a16:creationId xmlns:a16="http://schemas.microsoft.com/office/drawing/2014/main" id="{56AB5061-80C3-49F8-87A7-29C57FA0862A}"/>
-              </a:ext>
-            </a:extLst>
-          </p:cNvPr>
-          <p:cNvSpPr txBox="1">
-            <a:spLocks/>
-          </p:cNvSpPr>
-          <p:nvPr/>
-        </p:nvSpPr>
-        <p:spPr>
-          <a:xfrm>
-            <a:off x="2771800" y="161943"/>
-            <a:ext cx="3888432" cy="513725"/>
-          </a:xfrm>
-          <a:prstGeom prst="rect">
-            <a:avLst/>
-          </a:prstGeom>
-        </p:spPr>
-        <p:txBody>
-          <a:bodyPr/>
-          <a:lstStyle>
-            <a:lvl1pPr marL="228600" indent="-228600" algn="l" defTabSz="914400" rtl="0" eaLnBrk="1" latinLnBrk="0" hangingPunct="1">
-              <a:lnSpc>
-                <a:spcPct val="120000"/>
-              </a:lnSpc>
-              <a:spcBef>
-                <a:spcPts val="1000"/>
-              </a:spcBef>
-              <a:buSzPct val="125000"/>
-              <a:buFont typeface="Arial" panose="020B0604020202020204" pitchFamily="34" charset="0"/>
-              <a:buChar char="•"/>
-              <a:defRPr sz="2400" kern="1200">
-                <a:solidFill>
-                  <a:schemeClr val="tx1"/>
-                </a:solidFill>
-                <a:latin typeface="+mn-lt"/>
-                <a:ea typeface="+mn-ea"/>
-                <a:cs typeface="+mn-cs"/>
-              </a:defRPr>
-            </a:lvl1pPr>
-            <a:lvl2pPr marL="685800" indent="-228600" algn="l" defTabSz="914400" rtl="0" eaLnBrk="1" latinLnBrk="0" hangingPunct="1">
-              <a:lnSpc>
-                <a:spcPct val="120000"/>
-              </a:lnSpc>
-              <a:spcBef>
-                <a:spcPts val="500"/>
-              </a:spcBef>
-              <a:buSzPct val="125000"/>
-              <a:buFont typeface="Arial" panose="020B0604020202020204" pitchFamily="34" charset="0"/>
-              <a:buChar char="•"/>
-              <a:defRPr sz="2000" kern="1200">
-                <a:solidFill>
-                  <a:schemeClr val="tx1"/>
-                </a:solidFill>
-                <a:latin typeface="+mn-lt"/>
-                <a:ea typeface="+mn-ea"/>
-                <a:cs typeface="+mn-cs"/>
-              </a:defRPr>
-            </a:lvl2pPr>
-            <a:lvl3pPr marL="1143000" indent="-228600" algn="l" defTabSz="914400" rtl="0" eaLnBrk="1" latinLnBrk="0" hangingPunct="1">
-              <a:lnSpc>
-                <a:spcPct val="120000"/>
-              </a:lnSpc>
-              <a:spcBef>
-                <a:spcPts val="500"/>
-              </a:spcBef>
-              <a:buSzPct val="125000"/>
-              <a:buFont typeface="Arial" panose="020B0604020202020204" pitchFamily="34" charset="0"/>
-              <a:buChar char="•"/>
-              <a:defRPr sz="1800" kern="1200">
-                <a:solidFill>
-                  <a:schemeClr val="tx1"/>
-                </a:solidFill>
-                <a:latin typeface="+mn-lt"/>
-                <a:ea typeface="+mn-ea"/>
-                <a:cs typeface="+mn-cs"/>
-              </a:defRPr>
-            </a:lvl3pPr>
-            <a:lvl4pPr marL="1600200" indent="-228600" algn="l" defTabSz="914400" rtl="0" eaLnBrk="1" latinLnBrk="0" hangingPunct="1">
-              <a:lnSpc>
-                <a:spcPct val="120000"/>
-              </a:lnSpc>
-              <a:spcBef>
-                <a:spcPts val="500"/>
-              </a:spcBef>
-              <a:buSzPct val="125000"/>
-              <a:buFont typeface="Arial" panose="020B0604020202020204" pitchFamily="34" charset="0"/>
-              <a:buChar char="•"/>
-              <a:defRPr sz="1600" kern="1200">
-                <a:solidFill>
-                  <a:schemeClr val="tx1"/>
-                </a:solidFill>
-                <a:latin typeface="+mn-lt"/>
-                <a:ea typeface="+mn-ea"/>
-                <a:cs typeface="+mn-cs"/>
-              </a:defRPr>
-            </a:lvl4pPr>
-            <a:lvl5pPr marL="2057400" indent="-228600" algn="l" defTabSz="914400" rtl="0" eaLnBrk="1" latinLnBrk="0" hangingPunct="1">
-              <a:lnSpc>
-                <a:spcPct val="120000"/>
-              </a:lnSpc>
-              <a:spcBef>
-                <a:spcPts val="500"/>
-              </a:spcBef>
-              <a:buSzPct val="125000"/>
-              <a:buFont typeface="Arial" panose="020B0604020202020204" pitchFamily="34" charset="0"/>
-              <a:buChar char="•"/>
-              <a:defRPr sz="1600" kern="1200">
-                <a:solidFill>
-                  <a:schemeClr val="tx1"/>
-                </a:solidFill>
-                <a:latin typeface="+mn-lt"/>
-                <a:ea typeface="+mn-ea"/>
-                <a:cs typeface="+mn-cs"/>
-              </a:defRPr>
-            </a:lvl5pPr>
-            <a:lvl6pPr marL="2514600" indent="-228600" algn="l" defTabSz="914400" rtl="0" eaLnBrk="1" latinLnBrk="0" hangingPunct="1">
-              <a:lnSpc>
-                <a:spcPct val="120000"/>
-              </a:lnSpc>
-              <a:spcBef>
-                <a:spcPts val="500"/>
-              </a:spcBef>
-              <a:buSzPct val="125000"/>
-              <a:buFont typeface="Arial" panose="020B0604020202020204" pitchFamily="34" charset="0"/>
-              <a:buChar char="•"/>
-              <a:defRPr sz="1400" kern="1200">
-                <a:solidFill>
-                  <a:schemeClr val="tx1"/>
-                </a:solidFill>
-                <a:latin typeface="+mn-lt"/>
-                <a:ea typeface="+mn-ea"/>
-                <a:cs typeface="+mn-cs"/>
-              </a:defRPr>
-            </a:lvl6pPr>
-            <a:lvl7pPr marL="2971800" indent="-228600" algn="l" defTabSz="914400" rtl="0" eaLnBrk="1" latinLnBrk="0" hangingPunct="1">
-              <a:lnSpc>
-                <a:spcPct val="120000"/>
-              </a:lnSpc>
-              <a:spcBef>
-                <a:spcPts val="500"/>
-              </a:spcBef>
-              <a:buSzPct val="125000"/>
-              <a:buFont typeface="Arial" panose="020B0604020202020204" pitchFamily="34" charset="0"/>
-              <a:buChar char="•"/>
-              <a:defRPr sz="1400" kern="1200">
-                <a:solidFill>
-                  <a:schemeClr val="tx1"/>
-                </a:solidFill>
-                <a:latin typeface="+mn-lt"/>
-                <a:ea typeface="+mn-ea"/>
-                <a:cs typeface="+mn-cs"/>
-              </a:defRPr>
-            </a:lvl7pPr>
-            <a:lvl8pPr marL="3429000" indent="-228600" algn="l" defTabSz="914400" rtl="0" eaLnBrk="1" latinLnBrk="0" hangingPunct="1">
-              <a:lnSpc>
-                <a:spcPct val="120000"/>
-              </a:lnSpc>
-              <a:spcBef>
-                <a:spcPts val="500"/>
-              </a:spcBef>
-              <a:buSzPct val="125000"/>
-              <a:buFont typeface="Arial" panose="020B0604020202020204" pitchFamily="34" charset="0"/>
-              <a:buChar char="•"/>
-              <a:defRPr sz="1400" kern="1200">
-                <a:solidFill>
-                  <a:schemeClr val="tx1"/>
-                </a:solidFill>
-                <a:latin typeface="+mn-lt"/>
-                <a:ea typeface="+mn-ea"/>
-                <a:cs typeface="+mn-cs"/>
-              </a:defRPr>
-            </a:lvl8pPr>
-            <a:lvl9pPr marL="3886200" indent="-228600" algn="l" defTabSz="914400" rtl="0" eaLnBrk="1" latinLnBrk="0" hangingPunct="1">
-              <a:lnSpc>
-                <a:spcPct val="120000"/>
-              </a:lnSpc>
-              <a:spcBef>
-                <a:spcPts val="500"/>
-              </a:spcBef>
-              <a:buSzPct val="125000"/>
-              <a:buFont typeface="Arial" panose="020B0604020202020204" pitchFamily="34" charset="0"/>
-              <a:buChar char="•"/>
-              <a:defRPr sz="1400" kern="1200">
-                <a:solidFill>
-                  <a:schemeClr val="tx1"/>
-                </a:solidFill>
-                <a:latin typeface="+mn-lt"/>
-                <a:ea typeface="+mn-ea"/>
-                <a:cs typeface="+mn-cs"/>
-              </a:defRPr>
-            </a:lvl9pPr>
-          </a:lstStyle>
-          <a:p>
-            <a:pPr marL="0" indent="0">
-              <a:buFont typeface="Arial" panose="020B0604020202020204" pitchFamily="34" charset="0"/>
-              <a:buNone/>
-            </a:pPr>
-            <a:r>
-              <a:rPr lang="ru-RU" dirty="0">
-                <a:solidFill>
-                  <a:schemeClr val="bg1"/>
-                </a:solidFill>
-              </a:rPr>
-              <a:t>Клиент-серверная система</a:t>
-            </a:r>
-          </a:p>
-        </p:txBody>
-      </p:sp>
-    </p:spTree>
-    <p:extLst>
-      <p:ext uri="{BB962C8B-B14F-4D97-AF65-F5344CB8AC3E}">
-        <p14:creationId xmlns:p14="http://schemas.microsoft.com/office/powerpoint/2010/main" val="3631617447"/>
-      </p:ext>
-    </p:extLst>
   </p:cSld>
   <p:clrMapOvr>
     <a:masterClrMapping/>
@@ -15808,7 +13604,652 @@
 </p:sld>
 </file>
 
-<file path=ppt/slides/slide20.xml><?xml version="1.0" encoding="utf-8"?>
+<file path=ppt/slides/slide3.xml><?xml version="1.0" encoding="utf-8"?>
+<p:sld xmlns:a="http://schemas.openxmlformats.org/drawingml/2006/main" xmlns:r="http://schemas.openxmlformats.org/officeDocument/2006/relationships" xmlns:p="http://schemas.openxmlformats.org/presentationml/2006/main">
+  <p:cSld>
+    <p:spTree>
+      <p:nvGrpSpPr>
+        <p:cNvPr id="1" name=""/>
+        <p:cNvGrpSpPr/>
+        <p:nvPr/>
+      </p:nvGrpSpPr>
+      <p:grpSpPr>
+        <a:xfrm>
+          <a:off x="0" y="0"/>
+          <a:ext cx="0" cy="0"/>
+          <a:chOff x="0" y="0"/>
+          <a:chExt cx="0" cy="0"/>
+        </a:xfrm>
+      </p:grpSpPr>
+      <p:sp>
+        <p:nvSpPr>
+          <p:cNvPr id="2" name="Прямоугольник 1">
+            <a:extLst>
+              <a:ext uri="{FF2B5EF4-FFF2-40B4-BE49-F238E27FC236}">
+                <a16:creationId xmlns:a16="http://schemas.microsoft.com/office/drawing/2014/main" id="{24BFA9E5-5F4B-413E-B860-F246E0EEBE2B}"/>
+              </a:ext>
+            </a:extLst>
+          </p:cNvPr>
+          <p:cNvSpPr/>
+          <p:nvPr/>
+        </p:nvSpPr>
+        <p:spPr>
+          <a:xfrm>
+            <a:off x="3203848" y="519063"/>
+            <a:ext cx="4176464" cy="461665"/>
+          </a:xfrm>
+          <a:prstGeom prst="rect">
+            <a:avLst/>
+          </a:prstGeom>
+        </p:spPr>
+        <p:txBody>
+          <a:bodyPr wrap="square">
+            <a:spAutoFit/>
+          </a:bodyPr>
+          <a:lstStyle/>
+          <a:p>
+            <a:pPr>
+              <a:spcAft>
+                <a:spcPts val="0"/>
+              </a:spcAft>
+            </a:pPr>
+            <a:r>
+              <a:rPr lang="ru-RU" sz="2400" kern="1400" spc="-50" dirty="0">
+                <a:solidFill>
+                  <a:schemeClr val="bg2">
+                    <a:lumMod val="75000"/>
+                  </a:schemeClr>
+                </a:solidFill>
+                <a:latin typeface="+mj-lt"/>
+                <a:ea typeface="Times New Roman" panose="02020603050405020304" pitchFamily="18" charset="0"/>
+                <a:cs typeface="Times New Roman" panose="02020603050405020304" pitchFamily="18" charset="0"/>
+              </a:rPr>
+              <a:t>GE HMI SСADA </a:t>
+            </a:r>
+            <a:r>
+              <a:rPr lang="ru-RU" sz="2400" kern="1400" spc="-50" dirty="0" err="1">
+                <a:solidFill>
+                  <a:schemeClr val="bg2">
+                    <a:lumMod val="75000"/>
+                  </a:schemeClr>
+                </a:solidFill>
+                <a:latin typeface="+mj-lt"/>
+                <a:ea typeface="Times New Roman" panose="02020603050405020304" pitchFamily="18" charset="0"/>
+                <a:cs typeface="Times New Roman" panose="02020603050405020304" pitchFamily="18" charset="0"/>
+              </a:rPr>
+              <a:t>iFix</a:t>
+            </a:r>
+            <a:endParaRPr lang="ru-RU" sz="2400" kern="1400" spc="-50" dirty="0">
+              <a:solidFill>
+                <a:schemeClr val="bg2">
+                  <a:lumMod val="75000"/>
+                </a:schemeClr>
+              </a:solidFill>
+              <a:effectLst/>
+              <a:latin typeface="+mj-lt"/>
+              <a:ea typeface="Times New Roman" panose="02020603050405020304" pitchFamily="18" charset="0"/>
+              <a:cs typeface="Times New Roman" panose="02020603050405020304" pitchFamily="18" charset="0"/>
+            </a:endParaRPr>
+          </a:p>
+        </p:txBody>
+      </p:sp>
+      <p:sp>
+        <p:nvSpPr>
+          <p:cNvPr id="3" name="Прямоугольник 2">
+            <a:extLst>
+              <a:ext uri="{FF2B5EF4-FFF2-40B4-BE49-F238E27FC236}">
+                <a16:creationId xmlns:a16="http://schemas.microsoft.com/office/drawing/2014/main" id="{4167E38B-F8D3-4EAF-B091-27F777DD3D9A}"/>
+              </a:ext>
+            </a:extLst>
+          </p:cNvPr>
+          <p:cNvSpPr/>
+          <p:nvPr/>
+        </p:nvSpPr>
+        <p:spPr>
+          <a:xfrm>
+            <a:off x="971600" y="980728"/>
+            <a:ext cx="7344816" cy="5017143"/>
+          </a:xfrm>
+          <a:prstGeom prst="rect">
+            <a:avLst/>
+          </a:prstGeom>
+        </p:spPr>
+        <p:txBody>
+          <a:bodyPr wrap="square">
+            <a:spAutoFit/>
+          </a:bodyPr>
+          <a:lstStyle/>
+          <a:p>
+            <a:pPr indent="457200" algn="just">
+              <a:lnSpc>
+                <a:spcPct val="107000"/>
+              </a:lnSpc>
+              <a:spcAft>
+                <a:spcPts val="0"/>
+              </a:spcAft>
+            </a:pPr>
+            <a:r>
+              <a:rPr lang="ru-RU" sz="2000" dirty="0">
+                <a:solidFill>
+                  <a:schemeClr val="bg2">
+                    <a:lumMod val="75000"/>
+                  </a:schemeClr>
+                </a:solidFill>
+                <a:effectLst/>
+                <a:ea typeface="Calibri" panose="020F0502020204030204" pitchFamily="34" charset="0"/>
+                <a:cs typeface="Times New Roman" panose="02020603050405020304" pitchFamily="18" charset="0"/>
+              </a:rPr>
+              <a:t>Возможности:</a:t>
+            </a:r>
+          </a:p>
+          <a:p>
+            <a:pPr marL="285750" indent="-285750" algn="just">
+              <a:lnSpc>
+                <a:spcPct val="107000"/>
+              </a:lnSpc>
+              <a:buFont typeface="Arial" panose="020B0604020202020204" pitchFamily="34" charset="0"/>
+              <a:buChar char="•"/>
+            </a:pPr>
+            <a:r>
+              <a:rPr lang="ru-RU" sz="2000" dirty="0">
+                <a:solidFill>
+                  <a:schemeClr val="bg2">
+                    <a:lumMod val="75000"/>
+                  </a:schemeClr>
+                </a:solidFill>
+              </a:rPr>
+              <a:t>Горячее резервирование и автоматическое переключение серверов</a:t>
+            </a:r>
+          </a:p>
+          <a:p>
+            <a:pPr marL="285750" indent="-285750" algn="just">
+              <a:lnSpc>
+                <a:spcPct val="107000"/>
+              </a:lnSpc>
+              <a:spcAft>
+                <a:spcPts val="0"/>
+              </a:spcAft>
+              <a:buFont typeface="Arial" panose="020B0604020202020204" pitchFamily="34" charset="0"/>
+              <a:buChar char="•"/>
+            </a:pPr>
+            <a:r>
+              <a:rPr lang="ru-RU" sz="2000" dirty="0">
+                <a:solidFill>
+                  <a:schemeClr val="bg2">
+                    <a:lumMod val="75000"/>
+                  </a:schemeClr>
+                </a:solidFill>
+              </a:rPr>
+              <a:t>Обширный каталог высокопроизводительных прямых драйверов ввода/вывода и ОРС-серверов как для широко распространенных, так и для специализированных ПЛК</a:t>
+            </a:r>
+          </a:p>
+          <a:p>
+            <a:pPr marL="285750" indent="-285750" algn="just">
+              <a:lnSpc>
+                <a:spcPct val="107000"/>
+              </a:lnSpc>
+              <a:buFont typeface="Arial" panose="020B0604020202020204" pitchFamily="34" charset="0"/>
+              <a:buChar char="•"/>
+            </a:pPr>
+            <a:r>
+              <a:rPr lang="ru-RU" sz="2000" dirty="0">
+                <a:solidFill>
+                  <a:schemeClr val="bg2">
+                    <a:lumMod val="75000"/>
+                  </a:schemeClr>
+                </a:solidFill>
+              </a:rPr>
+              <a:t>Универсальный ОРС-клиент с возможностями конфигурации, мониторинга и оптимизации обмена с серверами ввода/вывода.</a:t>
+            </a:r>
+          </a:p>
+          <a:p>
+            <a:pPr marL="285750" indent="-285750" algn="just">
+              <a:lnSpc>
+                <a:spcPct val="107000"/>
+              </a:lnSpc>
+              <a:buFont typeface="Arial" panose="020B0604020202020204" pitchFamily="34" charset="0"/>
+              <a:buChar char="•"/>
+            </a:pPr>
+            <a:r>
+              <a:rPr lang="ru-RU" sz="2000" dirty="0">
+                <a:solidFill>
+                  <a:schemeClr val="bg2">
+                    <a:lumMod val="75000"/>
+                  </a:schemeClr>
+                </a:solidFill>
+              </a:rPr>
+              <a:t>Поддержка О</a:t>
+            </a:r>
+            <a:r>
+              <a:rPr lang="en-US" sz="2000" dirty="0">
+                <a:solidFill>
+                  <a:schemeClr val="bg2">
+                    <a:lumMod val="75000"/>
+                  </a:schemeClr>
+                </a:solidFill>
+              </a:rPr>
+              <a:t>PC DA, </a:t>
+            </a:r>
+            <a:r>
+              <a:rPr lang="ru-RU" sz="2000" dirty="0">
+                <a:solidFill>
+                  <a:schemeClr val="bg2">
+                    <a:lumMod val="75000"/>
+                  </a:schemeClr>
+                </a:solidFill>
+              </a:rPr>
+              <a:t>ОРС</a:t>
+            </a:r>
+            <a:r>
+              <a:rPr lang="en-US" sz="2000" dirty="0">
+                <a:solidFill>
+                  <a:schemeClr val="bg2">
+                    <a:lumMod val="75000"/>
+                  </a:schemeClr>
+                </a:solidFill>
+              </a:rPr>
+              <a:t> Alarm &amp; Events, SQL ODBC, COM/DCOM, OLE DB, ActiveX, .NET.</a:t>
+            </a:r>
+            <a:endParaRPr lang="ru-RU" sz="2000" dirty="0">
+              <a:solidFill>
+                <a:schemeClr val="bg2">
+                  <a:lumMod val="75000"/>
+                </a:schemeClr>
+              </a:solidFill>
+            </a:endParaRPr>
+          </a:p>
+          <a:p>
+            <a:pPr marL="285750" indent="-285750" algn="just">
+              <a:lnSpc>
+                <a:spcPct val="107000"/>
+              </a:lnSpc>
+              <a:buFont typeface="Arial" panose="020B0604020202020204" pitchFamily="34" charset="0"/>
+              <a:buChar char="•"/>
+            </a:pPr>
+            <a:r>
+              <a:rPr lang="en-US" sz="2000" dirty="0">
+                <a:solidFill>
+                  <a:schemeClr val="bg2">
+                    <a:lumMod val="75000"/>
+                  </a:schemeClr>
+                </a:solidFill>
+              </a:rPr>
+              <a:t>ODBC-</a:t>
+            </a:r>
+            <a:r>
+              <a:rPr lang="ru-RU" sz="2000" dirty="0">
+                <a:solidFill>
+                  <a:schemeClr val="bg2">
+                    <a:lumMod val="75000"/>
+                  </a:schemeClr>
+                </a:solidFill>
+              </a:rPr>
+              <a:t>драйверы</a:t>
+            </a:r>
+          </a:p>
+          <a:p>
+            <a:pPr marL="285750" indent="-285750" algn="just">
+              <a:lnSpc>
+                <a:spcPct val="107000"/>
+              </a:lnSpc>
+              <a:buFont typeface="Arial" panose="020B0604020202020204" pitchFamily="34" charset="0"/>
+              <a:buChar char="•"/>
+            </a:pPr>
+            <a:r>
+              <a:rPr lang="ru-RU" sz="2000" dirty="0">
+                <a:solidFill>
+                  <a:schemeClr val="bg2">
+                    <a:lumMod val="75000"/>
+                  </a:schemeClr>
+                </a:solidFill>
+              </a:rPr>
+              <a:t>Поддержка технологии </a:t>
+            </a:r>
+            <a:r>
+              <a:rPr lang="ru-RU" sz="2000" dirty="0" err="1">
+                <a:solidFill>
+                  <a:schemeClr val="bg2">
+                    <a:lumMod val="75000"/>
+                  </a:schemeClr>
+                </a:solidFill>
+              </a:rPr>
+              <a:t>Plug</a:t>
+            </a:r>
+            <a:r>
+              <a:rPr lang="ru-RU" sz="2000" dirty="0">
+                <a:solidFill>
+                  <a:schemeClr val="bg2">
+                    <a:lumMod val="75000"/>
+                  </a:schemeClr>
+                </a:solidFill>
+              </a:rPr>
+              <a:t> </a:t>
+            </a:r>
+            <a:r>
+              <a:rPr lang="ru-RU" sz="2000" dirty="0" err="1">
+                <a:solidFill>
+                  <a:schemeClr val="bg2">
+                    <a:lumMod val="75000"/>
+                  </a:schemeClr>
+                </a:solidFill>
+              </a:rPr>
+              <a:t>and</a:t>
+            </a:r>
+            <a:r>
+              <a:rPr lang="ru-RU" sz="2000" dirty="0">
+                <a:solidFill>
+                  <a:schemeClr val="bg2">
+                    <a:lumMod val="75000"/>
+                  </a:schemeClr>
+                </a:solidFill>
+              </a:rPr>
+              <a:t> </a:t>
+            </a:r>
+            <a:r>
+              <a:rPr lang="ru-RU" sz="2000" dirty="0" err="1">
+                <a:solidFill>
+                  <a:schemeClr val="bg2">
+                    <a:lumMod val="75000"/>
+                  </a:schemeClr>
+                </a:solidFill>
+              </a:rPr>
+              <a:t>Solve</a:t>
+            </a:r>
+            <a:r>
+              <a:rPr lang="ru-RU" sz="2000" dirty="0">
+                <a:solidFill>
+                  <a:schemeClr val="bg2">
+                    <a:lumMod val="75000"/>
+                  </a:schemeClr>
+                </a:solidFill>
+              </a:rPr>
+              <a:t>™</a:t>
+            </a:r>
+          </a:p>
+          <a:p>
+            <a:pPr marL="285750" indent="-285750" algn="just">
+              <a:lnSpc>
+                <a:spcPct val="107000"/>
+              </a:lnSpc>
+              <a:buFont typeface="Arial" panose="020B0604020202020204" pitchFamily="34" charset="0"/>
+              <a:buChar char="•"/>
+            </a:pPr>
+            <a:r>
+              <a:rPr lang="ru-RU" sz="2000" dirty="0">
+                <a:solidFill>
+                  <a:schemeClr val="bg2">
+                    <a:lumMod val="75000"/>
+                  </a:schemeClr>
+                </a:solidFill>
+              </a:rPr>
+              <a:t>Полная SCADA-функциональность через технологию «тонких» веб-клиентов GE </a:t>
+            </a:r>
+            <a:r>
+              <a:rPr lang="ru-RU" sz="2000" dirty="0" err="1">
+                <a:solidFill>
+                  <a:schemeClr val="bg2">
+                    <a:lumMod val="75000"/>
+                  </a:schemeClr>
+                </a:solidFill>
+              </a:rPr>
+              <a:t>WebSpace</a:t>
+            </a:r>
+            <a:r>
+              <a:rPr lang="ru-RU" sz="2000" dirty="0">
+                <a:solidFill>
+                  <a:schemeClr val="bg2">
+                    <a:lumMod val="75000"/>
+                  </a:schemeClr>
+                </a:solidFill>
+              </a:rPr>
+              <a:t>. </a:t>
+            </a:r>
+            <a:endParaRPr lang="ru-RU" sz="2000" dirty="0">
+              <a:solidFill>
+                <a:schemeClr val="bg2">
+                  <a:lumMod val="75000"/>
+                </a:schemeClr>
+              </a:solidFill>
+              <a:effectLst/>
+              <a:ea typeface="Calibri" panose="020F0502020204030204" pitchFamily="34" charset="0"/>
+              <a:cs typeface="Times New Roman" panose="02020603050405020304" pitchFamily="18" charset="0"/>
+            </a:endParaRPr>
+          </a:p>
+        </p:txBody>
+      </p:sp>
+      <p:sp>
+        <p:nvSpPr>
+          <p:cNvPr id="4" name="Объект 2">
+            <a:extLst>
+              <a:ext uri="{FF2B5EF4-FFF2-40B4-BE49-F238E27FC236}">
+                <a16:creationId xmlns:a16="http://schemas.microsoft.com/office/drawing/2014/main" id="{AE444692-82E9-4905-840F-EE1867A07E29}"/>
+              </a:ext>
+            </a:extLst>
+          </p:cNvPr>
+          <p:cNvSpPr txBox="1">
+            <a:spLocks/>
+          </p:cNvSpPr>
+          <p:nvPr/>
+        </p:nvSpPr>
+        <p:spPr>
+          <a:xfrm>
+            <a:off x="2843808" y="72851"/>
+            <a:ext cx="3672408" cy="1354089"/>
+          </a:xfrm>
+          <a:prstGeom prst="rect">
+            <a:avLst/>
+          </a:prstGeom>
+        </p:spPr>
+        <p:txBody>
+          <a:bodyPr/>
+          <a:lstStyle>
+            <a:lvl1pPr marL="228600" indent="-228600" algn="l" defTabSz="914400" rtl="0" eaLnBrk="1" latinLnBrk="0" hangingPunct="1">
+              <a:lnSpc>
+                <a:spcPct val="120000"/>
+              </a:lnSpc>
+              <a:spcBef>
+                <a:spcPts val="1000"/>
+              </a:spcBef>
+              <a:buSzPct val="125000"/>
+              <a:buFont typeface="Arial" panose="020B0604020202020204" pitchFamily="34" charset="0"/>
+              <a:buChar char="•"/>
+              <a:defRPr sz="2400" kern="1200">
+                <a:solidFill>
+                  <a:schemeClr val="tx1"/>
+                </a:solidFill>
+                <a:latin typeface="+mn-lt"/>
+                <a:ea typeface="+mn-ea"/>
+                <a:cs typeface="+mn-cs"/>
+              </a:defRPr>
+            </a:lvl1pPr>
+            <a:lvl2pPr marL="685800" indent="-228600" algn="l" defTabSz="914400" rtl="0" eaLnBrk="1" latinLnBrk="0" hangingPunct="1">
+              <a:lnSpc>
+                <a:spcPct val="120000"/>
+              </a:lnSpc>
+              <a:spcBef>
+                <a:spcPts val="500"/>
+              </a:spcBef>
+              <a:buSzPct val="125000"/>
+              <a:buFont typeface="Arial" panose="020B0604020202020204" pitchFamily="34" charset="0"/>
+              <a:buChar char="•"/>
+              <a:defRPr sz="2000" kern="1200">
+                <a:solidFill>
+                  <a:schemeClr val="tx1"/>
+                </a:solidFill>
+                <a:latin typeface="+mn-lt"/>
+                <a:ea typeface="+mn-ea"/>
+                <a:cs typeface="+mn-cs"/>
+              </a:defRPr>
+            </a:lvl2pPr>
+            <a:lvl3pPr marL="1143000" indent="-228600" algn="l" defTabSz="914400" rtl="0" eaLnBrk="1" latinLnBrk="0" hangingPunct="1">
+              <a:lnSpc>
+                <a:spcPct val="120000"/>
+              </a:lnSpc>
+              <a:spcBef>
+                <a:spcPts val="500"/>
+              </a:spcBef>
+              <a:buSzPct val="125000"/>
+              <a:buFont typeface="Arial" panose="020B0604020202020204" pitchFamily="34" charset="0"/>
+              <a:buChar char="•"/>
+              <a:defRPr sz="1800" kern="1200">
+                <a:solidFill>
+                  <a:schemeClr val="tx1"/>
+                </a:solidFill>
+                <a:latin typeface="+mn-lt"/>
+                <a:ea typeface="+mn-ea"/>
+                <a:cs typeface="+mn-cs"/>
+              </a:defRPr>
+            </a:lvl3pPr>
+            <a:lvl4pPr marL="1600200" indent="-228600" algn="l" defTabSz="914400" rtl="0" eaLnBrk="1" latinLnBrk="0" hangingPunct="1">
+              <a:lnSpc>
+                <a:spcPct val="120000"/>
+              </a:lnSpc>
+              <a:spcBef>
+                <a:spcPts val="500"/>
+              </a:spcBef>
+              <a:buSzPct val="125000"/>
+              <a:buFont typeface="Arial" panose="020B0604020202020204" pitchFamily="34" charset="0"/>
+              <a:buChar char="•"/>
+              <a:defRPr sz="1600" kern="1200">
+                <a:solidFill>
+                  <a:schemeClr val="tx1"/>
+                </a:solidFill>
+                <a:latin typeface="+mn-lt"/>
+                <a:ea typeface="+mn-ea"/>
+                <a:cs typeface="+mn-cs"/>
+              </a:defRPr>
+            </a:lvl4pPr>
+            <a:lvl5pPr marL="2057400" indent="-228600" algn="l" defTabSz="914400" rtl="0" eaLnBrk="1" latinLnBrk="0" hangingPunct="1">
+              <a:lnSpc>
+                <a:spcPct val="120000"/>
+              </a:lnSpc>
+              <a:spcBef>
+                <a:spcPts val="500"/>
+              </a:spcBef>
+              <a:buSzPct val="125000"/>
+              <a:buFont typeface="Arial" panose="020B0604020202020204" pitchFamily="34" charset="0"/>
+              <a:buChar char="•"/>
+              <a:defRPr sz="1600" kern="1200">
+                <a:solidFill>
+                  <a:schemeClr val="tx1"/>
+                </a:solidFill>
+                <a:latin typeface="+mn-lt"/>
+                <a:ea typeface="+mn-ea"/>
+                <a:cs typeface="+mn-cs"/>
+              </a:defRPr>
+            </a:lvl5pPr>
+            <a:lvl6pPr marL="2514600" indent="-228600" algn="l" defTabSz="914400" rtl="0" eaLnBrk="1" latinLnBrk="0" hangingPunct="1">
+              <a:lnSpc>
+                <a:spcPct val="120000"/>
+              </a:lnSpc>
+              <a:spcBef>
+                <a:spcPts val="500"/>
+              </a:spcBef>
+              <a:buSzPct val="125000"/>
+              <a:buFont typeface="Arial" panose="020B0604020202020204" pitchFamily="34" charset="0"/>
+              <a:buChar char="•"/>
+              <a:defRPr sz="1400" kern="1200">
+                <a:solidFill>
+                  <a:schemeClr val="tx1"/>
+                </a:solidFill>
+                <a:latin typeface="+mn-lt"/>
+                <a:ea typeface="+mn-ea"/>
+                <a:cs typeface="+mn-cs"/>
+              </a:defRPr>
+            </a:lvl6pPr>
+            <a:lvl7pPr marL="2971800" indent="-228600" algn="l" defTabSz="914400" rtl="0" eaLnBrk="1" latinLnBrk="0" hangingPunct="1">
+              <a:lnSpc>
+                <a:spcPct val="120000"/>
+              </a:lnSpc>
+              <a:spcBef>
+                <a:spcPts val="500"/>
+              </a:spcBef>
+              <a:buSzPct val="125000"/>
+              <a:buFont typeface="Arial" panose="020B0604020202020204" pitchFamily="34" charset="0"/>
+              <a:buChar char="•"/>
+              <a:defRPr sz="1400" kern="1200">
+                <a:solidFill>
+                  <a:schemeClr val="tx1"/>
+                </a:solidFill>
+                <a:latin typeface="+mn-lt"/>
+                <a:ea typeface="+mn-ea"/>
+                <a:cs typeface="+mn-cs"/>
+              </a:defRPr>
+            </a:lvl7pPr>
+            <a:lvl8pPr marL="3429000" indent="-228600" algn="l" defTabSz="914400" rtl="0" eaLnBrk="1" latinLnBrk="0" hangingPunct="1">
+              <a:lnSpc>
+                <a:spcPct val="120000"/>
+              </a:lnSpc>
+              <a:spcBef>
+                <a:spcPts val="500"/>
+              </a:spcBef>
+              <a:buSzPct val="125000"/>
+              <a:buFont typeface="Arial" panose="020B0604020202020204" pitchFamily="34" charset="0"/>
+              <a:buChar char="•"/>
+              <a:defRPr sz="1400" kern="1200">
+                <a:solidFill>
+                  <a:schemeClr val="tx1"/>
+                </a:solidFill>
+                <a:latin typeface="+mn-lt"/>
+                <a:ea typeface="+mn-ea"/>
+                <a:cs typeface="+mn-cs"/>
+              </a:defRPr>
+            </a:lvl8pPr>
+            <a:lvl9pPr marL="3886200" indent="-228600" algn="l" defTabSz="914400" rtl="0" eaLnBrk="1" latinLnBrk="0" hangingPunct="1">
+              <a:lnSpc>
+                <a:spcPct val="120000"/>
+              </a:lnSpc>
+              <a:spcBef>
+                <a:spcPts val="500"/>
+              </a:spcBef>
+              <a:buSzPct val="125000"/>
+              <a:buFont typeface="Arial" panose="020B0604020202020204" pitchFamily="34" charset="0"/>
+              <a:buChar char="•"/>
+              <a:defRPr sz="1400" kern="1200">
+                <a:solidFill>
+                  <a:schemeClr val="tx1"/>
+                </a:solidFill>
+                <a:latin typeface="+mn-lt"/>
+                <a:ea typeface="+mn-ea"/>
+                <a:cs typeface="+mn-cs"/>
+              </a:defRPr>
+            </a:lvl9pPr>
+          </a:lstStyle>
+          <a:p>
+            <a:pPr marL="0" indent="0">
+              <a:buFont typeface="Arial" panose="020B0604020202020204" pitchFamily="34" charset="0"/>
+              <a:buNone/>
+            </a:pPr>
+            <a:r>
+              <a:rPr lang="ru-RU">
+                <a:solidFill>
+                  <a:schemeClr val="bg1"/>
+                </a:solidFill>
+              </a:rPr>
+              <a:t>Резервированная система</a:t>
+            </a:r>
+            <a:endParaRPr lang="ru-RU" dirty="0">
+              <a:solidFill>
+                <a:schemeClr val="bg1"/>
+              </a:solidFill>
+            </a:endParaRPr>
+          </a:p>
+        </p:txBody>
+      </p:sp>
+    </p:spTree>
+    <p:extLst>
+      <p:ext uri="{BB962C8B-B14F-4D97-AF65-F5344CB8AC3E}">
+        <p14:creationId xmlns:p14="http://schemas.microsoft.com/office/powerpoint/2010/main" val="1022302768"/>
+      </p:ext>
+    </p:extLst>
+  </p:cSld>
+  <p:clrMapOvr>
+    <a:masterClrMapping/>
+  </p:clrMapOvr>
+</p:sld>
+</file>
+
+<file path=ppt/slides/slide4.xml><?xml version="1.0" encoding="utf-8"?>
 <p:sld xmlns:a="http://schemas.openxmlformats.org/drawingml/2006/main" xmlns:r="http://schemas.openxmlformats.org/officeDocument/2006/relationships" xmlns:p="http://schemas.openxmlformats.org/presentationml/2006/main">
   <p:cSld>
     <p:spTree>
@@ -15827,30 +14268,714 @@
       </p:grpSpPr>
       <p:pic>
         <p:nvPicPr>
-          <p:cNvPr id="3" name="Рисунок 2">
+          <p:cNvPr id="3074" name="Picture 2">
             <a:extLst>
               <a:ext uri="{FF2B5EF4-FFF2-40B4-BE49-F238E27FC236}">
-                <a16:creationId xmlns:a16="http://schemas.microsoft.com/office/drawing/2014/main" id="{378F428A-A90E-4F15-9831-30D691D3A071}"/>
+                <a16:creationId xmlns:a16="http://schemas.microsoft.com/office/drawing/2014/main" id="{EBFB8A99-B17A-4B02-9F28-61C5F3889CE0}"/>
               </a:ext>
             </a:extLst>
           </p:cNvPr>
-          <p:cNvPicPr/>
+          <p:cNvPicPr>
+            <a:picLocks noChangeAspect="1" noChangeArrowheads="1"/>
+          </p:cNvPicPr>
           <p:nvPr/>
         </p:nvPicPr>
         <p:blipFill>
-          <a:blip r:embed="rId2"/>
+          <a:blip r:embed="rId2">
+            <a:extLst>
+              <a:ext uri="{28A0092B-C50C-407E-A947-70E740481C1C}">
+                <a14:useLocalDpi xmlns:a14="http://schemas.microsoft.com/office/drawing/2010/main" val="0"/>
+              </a:ext>
+            </a:extLst>
+          </a:blip>
+          <a:srcRect/>
           <a:stretch>
             <a:fillRect/>
           </a:stretch>
         </p:blipFill>
-        <p:spPr>
+        <p:spPr bwMode="auto">
           <a:xfrm>
-            <a:off x="323528" y="620688"/>
-            <a:ext cx="8316924" cy="5112568"/>
+            <a:off x="1238250" y="1700808"/>
+            <a:ext cx="6667500" cy="3724275"/>
           </a:xfrm>
           <a:prstGeom prst="rect">
             <a:avLst/>
           </a:prstGeom>
+          <a:noFill/>
+          <a:extLst>
+            <a:ext uri="{909E8E84-426E-40DD-AFC4-6F175D3DCCD1}">
+              <a14:hiddenFill xmlns:a14="http://schemas.microsoft.com/office/drawing/2010/main">
+                <a:solidFill>
+                  <a:srgbClr val="FFFFFF"/>
+                </a:solidFill>
+              </a14:hiddenFill>
+            </a:ext>
+          </a:extLst>
+        </p:spPr>
+      </p:pic>
+      <p:sp>
+        <p:nvSpPr>
+          <p:cNvPr id="2" name="Прямоугольник 1">
+            <a:extLst>
+              <a:ext uri="{FF2B5EF4-FFF2-40B4-BE49-F238E27FC236}">
+                <a16:creationId xmlns:a16="http://schemas.microsoft.com/office/drawing/2014/main" id="{2076C90B-F1DD-4FD2-9035-8969B5731405}"/>
+              </a:ext>
+            </a:extLst>
+          </p:cNvPr>
+          <p:cNvSpPr/>
+          <p:nvPr/>
+        </p:nvSpPr>
+        <p:spPr>
+          <a:xfrm>
+            <a:off x="2555776" y="754551"/>
+            <a:ext cx="4572000" cy="461665"/>
+          </a:xfrm>
+          <a:prstGeom prst="rect">
+            <a:avLst/>
+          </a:prstGeom>
+        </p:spPr>
+        <p:txBody>
+          <a:bodyPr>
+            <a:spAutoFit/>
+          </a:bodyPr>
+          <a:lstStyle/>
+          <a:p>
+            <a:r>
+              <a:rPr lang="ru-RU" sz="2400" dirty="0">
+                <a:solidFill>
+                  <a:schemeClr val="bg2">
+                    <a:lumMod val="75000"/>
+                  </a:schemeClr>
+                </a:solidFill>
+                <a:latin typeface="+mj-lt"/>
+              </a:rPr>
+              <a:t>Опции клиентских лицензий</a:t>
+            </a:r>
+          </a:p>
+        </p:txBody>
+      </p:sp>
+    </p:spTree>
+    <p:extLst>
+      <p:ext uri="{BB962C8B-B14F-4D97-AF65-F5344CB8AC3E}">
+        <p14:creationId xmlns:p14="http://schemas.microsoft.com/office/powerpoint/2010/main" val="1740713499"/>
+      </p:ext>
+    </p:extLst>
+  </p:cSld>
+  <p:clrMapOvr>
+    <a:masterClrMapping/>
+  </p:clrMapOvr>
+</p:sld>
+</file>
+
+<file path=ppt/slides/slide5.xml><?xml version="1.0" encoding="utf-8"?>
+<p:sld xmlns:a="http://schemas.openxmlformats.org/drawingml/2006/main" xmlns:r="http://schemas.openxmlformats.org/officeDocument/2006/relationships" xmlns:p="http://schemas.openxmlformats.org/presentationml/2006/main">
+  <p:cSld>
+    <p:spTree>
+      <p:nvGrpSpPr>
+        <p:cNvPr id="1" name=""/>
+        <p:cNvGrpSpPr/>
+        <p:nvPr/>
+      </p:nvGrpSpPr>
+      <p:grpSpPr>
+        <a:xfrm>
+          <a:off x="0" y="0"/>
+          <a:ext cx="0" cy="0"/>
+          <a:chOff x="0" y="0"/>
+          <a:chExt cx="0" cy="0"/>
+        </a:xfrm>
+      </p:grpSpPr>
+      <p:sp>
+        <p:nvSpPr>
+          <p:cNvPr id="2" name="Прямоугольник 1">
+            <a:extLst>
+              <a:ext uri="{FF2B5EF4-FFF2-40B4-BE49-F238E27FC236}">
+                <a16:creationId xmlns:a16="http://schemas.microsoft.com/office/drawing/2014/main" id="{96067386-0DF5-4354-85CC-D388206F8773}"/>
+              </a:ext>
+            </a:extLst>
+          </p:cNvPr>
+          <p:cNvSpPr/>
+          <p:nvPr/>
+        </p:nvSpPr>
+        <p:spPr>
+          <a:xfrm>
+            <a:off x="3563888" y="764704"/>
+            <a:ext cx="3888432" cy="470000"/>
+          </a:xfrm>
+          <a:prstGeom prst="rect">
+            <a:avLst/>
+          </a:prstGeom>
+        </p:spPr>
+        <p:txBody>
+          <a:bodyPr wrap="square">
+            <a:spAutoFit/>
+          </a:bodyPr>
+          <a:lstStyle/>
+          <a:p>
+            <a:pPr>
+              <a:lnSpc>
+                <a:spcPct val="107000"/>
+              </a:lnSpc>
+              <a:spcAft>
+                <a:spcPts val="800"/>
+              </a:spcAft>
+            </a:pPr>
+            <a:r>
+              <a:rPr lang="ru-RU" sz="2400" dirty="0" err="1">
+                <a:solidFill>
+                  <a:schemeClr val="bg2">
+                    <a:lumMod val="75000"/>
+                  </a:schemeClr>
+                </a:solidFill>
+                <a:latin typeface="Calibri" panose="020F0502020204030204" pitchFamily="34" charset="0"/>
+                <a:ea typeface="Calibri" panose="020F0502020204030204" pitchFamily="34" charset="0"/>
+                <a:cs typeface="Times New Roman" panose="02020603050405020304" pitchFamily="18" charset="0"/>
+              </a:rPr>
+              <a:t>System</a:t>
+            </a:r>
+            <a:r>
+              <a:rPr lang="ru-RU" sz="2400" dirty="0">
+                <a:solidFill>
+                  <a:schemeClr val="bg2">
+                    <a:lumMod val="75000"/>
+                  </a:schemeClr>
+                </a:solidFill>
+                <a:latin typeface="Calibri" panose="020F0502020204030204" pitchFamily="34" charset="0"/>
+                <a:ea typeface="Calibri" panose="020F0502020204030204" pitchFamily="34" charset="0"/>
+                <a:cs typeface="Times New Roman" panose="02020603050405020304" pitchFamily="18" charset="0"/>
+              </a:rPr>
+              <a:t> </a:t>
+            </a:r>
+            <a:r>
+              <a:rPr lang="ru-RU" sz="2400" dirty="0" err="1">
+                <a:solidFill>
+                  <a:schemeClr val="bg2">
+                    <a:lumMod val="75000"/>
+                  </a:schemeClr>
+                </a:solidFill>
+                <a:latin typeface="Calibri" panose="020F0502020204030204" pitchFamily="34" charset="0"/>
+                <a:ea typeface="Calibri" panose="020F0502020204030204" pitchFamily="34" charset="0"/>
+                <a:cs typeface="Times New Roman" panose="02020603050405020304" pitchFamily="18" charset="0"/>
+              </a:rPr>
+              <a:t>Platform</a:t>
+            </a:r>
+            <a:r>
+              <a:rPr lang="ru-RU" sz="2400" dirty="0">
+                <a:solidFill>
+                  <a:schemeClr val="bg2">
+                    <a:lumMod val="75000"/>
+                  </a:schemeClr>
+                </a:solidFill>
+                <a:latin typeface="Calibri" panose="020F0502020204030204" pitchFamily="34" charset="0"/>
+                <a:ea typeface="Calibri" panose="020F0502020204030204" pitchFamily="34" charset="0"/>
+                <a:cs typeface="Times New Roman" panose="02020603050405020304" pitchFamily="18" charset="0"/>
+              </a:rPr>
+              <a:t>.</a:t>
+            </a:r>
+            <a:endParaRPr lang="ru-RU" sz="2400" dirty="0">
+              <a:solidFill>
+                <a:schemeClr val="bg2">
+                  <a:lumMod val="75000"/>
+                </a:schemeClr>
+              </a:solidFill>
+              <a:effectLst/>
+              <a:latin typeface="Calibri" panose="020F0502020204030204" pitchFamily="34" charset="0"/>
+              <a:ea typeface="Calibri" panose="020F0502020204030204" pitchFamily="34" charset="0"/>
+              <a:cs typeface="Times New Roman" panose="02020603050405020304" pitchFamily="18" charset="0"/>
+            </a:endParaRPr>
+          </a:p>
+        </p:txBody>
+      </p:sp>
+      <p:sp>
+        <p:nvSpPr>
+          <p:cNvPr id="3" name="Прямоугольник 2">
+            <a:extLst>
+              <a:ext uri="{FF2B5EF4-FFF2-40B4-BE49-F238E27FC236}">
+                <a16:creationId xmlns:a16="http://schemas.microsoft.com/office/drawing/2014/main" id="{CD29A63D-C7BA-416A-825D-FE427E7046CB}"/>
+              </a:ext>
+            </a:extLst>
+          </p:cNvPr>
+          <p:cNvSpPr/>
+          <p:nvPr/>
+        </p:nvSpPr>
+        <p:spPr>
+          <a:xfrm>
+            <a:off x="1043608" y="1412776"/>
+            <a:ext cx="6624736" cy="3885103"/>
+          </a:xfrm>
+          <a:prstGeom prst="rect">
+            <a:avLst/>
+          </a:prstGeom>
+        </p:spPr>
+        <p:txBody>
+          <a:bodyPr wrap="square">
+            <a:spAutoFit/>
+          </a:bodyPr>
+          <a:lstStyle/>
+          <a:p>
+            <a:pPr>
+              <a:lnSpc>
+                <a:spcPct val="107000"/>
+              </a:lnSpc>
+              <a:spcAft>
+                <a:spcPts val="800"/>
+              </a:spcAft>
+            </a:pPr>
+            <a:r>
+              <a:rPr lang="ru-RU" sz="2000" dirty="0">
+                <a:solidFill>
+                  <a:schemeClr val="bg2">
+                    <a:lumMod val="75000"/>
+                  </a:schemeClr>
+                </a:solidFill>
+                <a:latin typeface="Calibri" panose="020F0502020204030204" pitchFamily="34" charset="0"/>
+                <a:ea typeface="Calibri" panose="020F0502020204030204" pitchFamily="34" charset="0"/>
+                <a:cs typeface="Times New Roman" panose="02020603050405020304" pitchFamily="18" charset="0"/>
+              </a:rPr>
+              <a:t>Возможности</a:t>
+            </a:r>
+          </a:p>
+          <a:p>
+            <a:pPr marL="285750" indent="-285750">
+              <a:lnSpc>
+                <a:spcPct val="107000"/>
+              </a:lnSpc>
+              <a:spcAft>
+                <a:spcPts val="800"/>
+              </a:spcAft>
+              <a:buFont typeface="Arial" panose="020B0604020202020204" pitchFamily="34" charset="0"/>
+              <a:buChar char="•"/>
+            </a:pPr>
+            <a:r>
+              <a:rPr lang="ru-RU" dirty="0">
+                <a:solidFill>
+                  <a:schemeClr val="bg2">
+                    <a:lumMod val="75000"/>
+                  </a:schemeClr>
+                </a:solidFill>
+                <a:latin typeface="Calibri" panose="020F0502020204030204" pitchFamily="34" charset="0"/>
+                <a:ea typeface="Calibri" panose="020F0502020204030204" pitchFamily="34" charset="0"/>
+                <a:cs typeface="Times New Roman" panose="02020603050405020304" pitchFamily="18" charset="0"/>
+              </a:rPr>
+              <a:t>Может взаимодействовать практически с любыми полевыми устройствами и производственными информационными системами. </a:t>
+            </a:r>
+          </a:p>
+          <a:p>
+            <a:pPr marL="285750" indent="-285750">
+              <a:lnSpc>
+                <a:spcPct val="107000"/>
+              </a:lnSpc>
+              <a:spcAft>
+                <a:spcPts val="800"/>
+              </a:spcAft>
+              <a:buFont typeface="Arial" panose="020B0604020202020204" pitchFamily="34" charset="0"/>
+              <a:buChar char="•"/>
+            </a:pPr>
+            <a:r>
+              <a:rPr lang="ru-RU" dirty="0">
+                <a:solidFill>
+                  <a:schemeClr val="bg2">
+                    <a:lumMod val="75000"/>
+                  </a:schemeClr>
+                </a:solidFill>
+                <a:latin typeface="Calibri" panose="020F0502020204030204" pitchFamily="34" charset="0"/>
+                <a:ea typeface="Calibri" panose="020F0502020204030204" pitchFamily="34" charset="0"/>
+                <a:cs typeface="Times New Roman" panose="02020603050405020304" pitchFamily="18" charset="0"/>
+              </a:rPr>
+              <a:t>Единая стандартизированная среда разработки.</a:t>
+            </a:r>
+          </a:p>
+          <a:p>
+            <a:pPr marL="285750" indent="-285750">
+              <a:lnSpc>
+                <a:spcPct val="107000"/>
+              </a:lnSpc>
+              <a:spcAft>
+                <a:spcPts val="800"/>
+              </a:spcAft>
+              <a:buFont typeface="Arial" panose="020B0604020202020204" pitchFamily="34" charset="0"/>
+              <a:buChar char="•"/>
+            </a:pPr>
+            <a:r>
+              <a:rPr lang="ru-RU" dirty="0">
+                <a:solidFill>
+                  <a:schemeClr val="bg2">
+                    <a:lumMod val="75000"/>
+                  </a:schemeClr>
+                </a:solidFill>
+                <a:latin typeface="Calibri" panose="020F0502020204030204" pitchFamily="34" charset="0"/>
+                <a:ea typeface="Calibri" panose="020F0502020204030204" pitchFamily="34" charset="0"/>
+                <a:cs typeface="Times New Roman" panose="02020603050405020304" pitchFamily="18" charset="0"/>
+              </a:rPr>
+              <a:t>Независимая от устройств визуализация, интеллектуальная система </a:t>
+            </a:r>
+            <a:r>
+              <a:rPr lang="ru-RU" dirty="0" err="1">
+                <a:solidFill>
+                  <a:schemeClr val="bg2">
+                    <a:lumMod val="75000"/>
+                  </a:schemeClr>
+                </a:solidFill>
+                <a:latin typeface="Calibri" panose="020F0502020204030204" pitchFamily="34" charset="0"/>
+                <a:ea typeface="Calibri" panose="020F0502020204030204" pitchFamily="34" charset="0"/>
+                <a:cs typeface="Times New Roman" panose="02020603050405020304" pitchFamily="18" charset="0"/>
+              </a:rPr>
+              <a:t>алармов</a:t>
+            </a:r>
+            <a:r>
+              <a:rPr lang="ru-RU" dirty="0">
+                <a:solidFill>
+                  <a:schemeClr val="bg2">
+                    <a:lumMod val="75000"/>
+                  </a:schemeClr>
+                </a:solidFill>
+                <a:latin typeface="Calibri" panose="020F0502020204030204" pitchFamily="34" charset="0"/>
+                <a:ea typeface="Calibri" panose="020F0502020204030204" pitchFamily="34" charset="0"/>
+                <a:cs typeface="Times New Roman" panose="02020603050405020304" pitchFamily="18" charset="0"/>
+              </a:rPr>
+              <a:t>, гибкие средства анализа и отчетности. </a:t>
+            </a:r>
+          </a:p>
+          <a:p>
+            <a:pPr marL="285750" indent="-285750">
+              <a:lnSpc>
+                <a:spcPct val="107000"/>
+              </a:lnSpc>
+              <a:spcAft>
+                <a:spcPts val="800"/>
+              </a:spcAft>
+              <a:buFont typeface="Arial" panose="020B0604020202020204" pitchFamily="34" charset="0"/>
+              <a:buChar char="•"/>
+            </a:pPr>
+            <a:r>
+              <a:rPr lang="ru-RU" dirty="0">
+                <a:solidFill>
+                  <a:schemeClr val="bg2">
+                    <a:lumMod val="75000"/>
+                  </a:schemeClr>
+                </a:solidFill>
+                <a:latin typeface="Calibri" panose="020F0502020204030204" pitchFamily="34" charset="0"/>
+                <a:ea typeface="Calibri" panose="020F0502020204030204" pitchFamily="34" charset="0"/>
+                <a:cs typeface="Times New Roman" panose="02020603050405020304" pitchFamily="18" charset="0"/>
+              </a:rPr>
+              <a:t>Среда разработки и тестирования может полностью размещаться в облаке</a:t>
+            </a:r>
+          </a:p>
+          <a:p>
+            <a:pPr marL="285750" indent="-285750">
+              <a:lnSpc>
+                <a:spcPct val="107000"/>
+              </a:lnSpc>
+              <a:spcAft>
+                <a:spcPts val="800"/>
+              </a:spcAft>
+              <a:buFont typeface="Arial" panose="020B0604020202020204" pitchFamily="34" charset="0"/>
+              <a:buChar char="•"/>
+            </a:pPr>
+            <a:r>
+              <a:rPr lang="ru-RU" dirty="0">
+                <a:solidFill>
+                  <a:schemeClr val="bg2">
+                    <a:lumMod val="75000"/>
+                  </a:schemeClr>
+                </a:solidFill>
+                <a:latin typeface="Calibri" panose="020F0502020204030204" pitchFamily="34" charset="0"/>
+                <a:ea typeface="Calibri" panose="020F0502020204030204" pitchFamily="34" charset="0"/>
+                <a:cs typeface="Times New Roman" panose="02020603050405020304" pitchFamily="18" charset="0"/>
+              </a:rPr>
+              <a:t>Новая конфигурация визуализации поддерживает возможность параллельной разработки. </a:t>
+            </a:r>
+          </a:p>
+        </p:txBody>
+      </p:sp>
+      <p:sp>
+        <p:nvSpPr>
+          <p:cNvPr id="4" name="Объект 2">
+            <a:extLst>
+              <a:ext uri="{FF2B5EF4-FFF2-40B4-BE49-F238E27FC236}">
+                <a16:creationId xmlns:a16="http://schemas.microsoft.com/office/drawing/2014/main" id="{56AB5061-80C3-49F8-87A7-29C57FA0862A}"/>
+              </a:ext>
+            </a:extLst>
+          </p:cNvPr>
+          <p:cNvSpPr txBox="1">
+            <a:spLocks/>
+          </p:cNvSpPr>
+          <p:nvPr/>
+        </p:nvSpPr>
+        <p:spPr>
+          <a:xfrm>
+            <a:off x="2771800" y="161943"/>
+            <a:ext cx="3888432" cy="513725"/>
+          </a:xfrm>
+          <a:prstGeom prst="rect">
+            <a:avLst/>
+          </a:prstGeom>
+        </p:spPr>
+        <p:txBody>
+          <a:bodyPr/>
+          <a:lstStyle>
+            <a:lvl1pPr marL="228600" indent="-228600" algn="l" defTabSz="914400" rtl="0" eaLnBrk="1" latinLnBrk="0" hangingPunct="1">
+              <a:lnSpc>
+                <a:spcPct val="120000"/>
+              </a:lnSpc>
+              <a:spcBef>
+                <a:spcPts val="1000"/>
+              </a:spcBef>
+              <a:buSzPct val="125000"/>
+              <a:buFont typeface="Arial" panose="020B0604020202020204" pitchFamily="34" charset="0"/>
+              <a:buChar char="•"/>
+              <a:defRPr sz="2400" kern="1200">
+                <a:solidFill>
+                  <a:schemeClr val="tx1"/>
+                </a:solidFill>
+                <a:latin typeface="+mn-lt"/>
+                <a:ea typeface="+mn-ea"/>
+                <a:cs typeface="+mn-cs"/>
+              </a:defRPr>
+            </a:lvl1pPr>
+            <a:lvl2pPr marL="685800" indent="-228600" algn="l" defTabSz="914400" rtl="0" eaLnBrk="1" latinLnBrk="0" hangingPunct="1">
+              <a:lnSpc>
+                <a:spcPct val="120000"/>
+              </a:lnSpc>
+              <a:spcBef>
+                <a:spcPts val="500"/>
+              </a:spcBef>
+              <a:buSzPct val="125000"/>
+              <a:buFont typeface="Arial" panose="020B0604020202020204" pitchFamily="34" charset="0"/>
+              <a:buChar char="•"/>
+              <a:defRPr sz="2000" kern="1200">
+                <a:solidFill>
+                  <a:schemeClr val="tx1"/>
+                </a:solidFill>
+                <a:latin typeface="+mn-lt"/>
+                <a:ea typeface="+mn-ea"/>
+                <a:cs typeface="+mn-cs"/>
+              </a:defRPr>
+            </a:lvl2pPr>
+            <a:lvl3pPr marL="1143000" indent="-228600" algn="l" defTabSz="914400" rtl="0" eaLnBrk="1" latinLnBrk="0" hangingPunct="1">
+              <a:lnSpc>
+                <a:spcPct val="120000"/>
+              </a:lnSpc>
+              <a:spcBef>
+                <a:spcPts val="500"/>
+              </a:spcBef>
+              <a:buSzPct val="125000"/>
+              <a:buFont typeface="Arial" panose="020B0604020202020204" pitchFamily="34" charset="0"/>
+              <a:buChar char="•"/>
+              <a:defRPr sz="1800" kern="1200">
+                <a:solidFill>
+                  <a:schemeClr val="tx1"/>
+                </a:solidFill>
+                <a:latin typeface="+mn-lt"/>
+                <a:ea typeface="+mn-ea"/>
+                <a:cs typeface="+mn-cs"/>
+              </a:defRPr>
+            </a:lvl3pPr>
+            <a:lvl4pPr marL="1600200" indent="-228600" algn="l" defTabSz="914400" rtl="0" eaLnBrk="1" latinLnBrk="0" hangingPunct="1">
+              <a:lnSpc>
+                <a:spcPct val="120000"/>
+              </a:lnSpc>
+              <a:spcBef>
+                <a:spcPts val="500"/>
+              </a:spcBef>
+              <a:buSzPct val="125000"/>
+              <a:buFont typeface="Arial" panose="020B0604020202020204" pitchFamily="34" charset="0"/>
+              <a:buChar char="•"/>
+              <a:defRPr sz="1600" kern="1200">
+                <a:solidFill>
+                  <a:schemeClr val="tx1"/>
+                </a:solidFill>
+                <a:latin typeface="+mn-lt"/>
+                <a:ea typeface="+mn-ea"/>
+                <a:cs typeface="+mn-cs"/>
+              </a:defRPr>
+            </a:lvl4pPr>
+            <a:lvl5pPr marL="2057400" indent="-228600" algn="l" defTabSz="914400" rtl="0" eaLnBrk="1" latinLnBrk="0" hangingPunct="1">
+              <a:lnSpc>
+                <a:spcPct val="120000"/>
+              </a:lnSpc>
+              <a:spcBef>
+                <a:spcPts val="500"/>
+              </a:spcBef>
+              <a:buSzPct val="125000"/>
+              <a:buFont typeface="Arial" panose="020B0604020202020204" pitchFamily="34" charset="0"/>
+              <a:buChar char="•"/>
+              <a:defRPr sz="1600" kern="1200">
+                <a:solidFill>
+                  <a:schemeClr val="tx1"/>
+                </a:solidFill>
+                <a:latin typeface="+mn-lt"/>
+                <a:ea typeface="+mn-ea"/>
+                <a:cs typeface="+mn-cs"/>
+              </a:defRPr>
+            </a:lvl5pPr>
+            <a:lvl6pPr marL="2514600" indent="-228600" algn="l" defTabSz="914400" rtl="0" eaLnBrk="1" latinLnBrk="0" hangingPunct="1">
+              <a:lnSpc>
+                <a:spcPct val="120000"/>
+              </a:lnSpc>
+              <a:spcBef>
+                <a:spcPts val="500"/>
+              </a:spcBef>
+              <a:buSzPct val="125000"/>
+              <a:buFont typeface="Arial" panose="020B0604020202020204" pitchFamily="34" charset="0"/>
+              <a:buChar char="•"/>
+              <a:defRPr sz="1400" kern="1200">
+                <a:solidFill>
+                  <a:schemeClr val="tx1"/>
+                </a:solidFill>
+                <a:latin typeface="+mn-lt"/>
+                <a:ea typeface="+mn-ea"/>
+                <a:cs typeface="+mn-cs"/>
+              </a:defRPr>
+            </a:lvl6pPr>
+            <a:lvl7pPr marL="2971800" indent="-228600" algn="l" defTabSz="914400" rtl="0" eaLnBrk="1" latinLnBrk="0" hangingPunct="1">
+              <a:lnSpc>
+                <a:spcPct val="120000"/>
+              </a:lnSpc>
+              <a:spcBef>
+                <a:spcPts val="500"/>
+              </a:spcBef>
+              <a:buSzPct val="125000"/>
+              <a:buFont typeface="Arial" panose="020B0604020202020204" pitchFamily="34" charset="0"/>
+              <a:buChar char="•"/>
+              <a:defRPr sz="1400" kern="1200">
+                <a:solidFill>
+                  <a:schemeClr val="tx1"/>
+                </a:solidFill>
+                <a:latin typeface="+mn-lt"/>
+                <a:ea typeface="+mn-ea"/>
+                <a:cs typeface="+mn-cs"/>
+              </a:defRPr>
+            </a:lvl7pPr>
+            <a:lvl8pPr marL="3429000" indent="-228600" algn="l" defTabSz="914400" rtl="0" eaLnBrk="1" latinLnBrk="0" hangingPunct="1">
+              <a:lnSpc>
+                <a:spcPct val="120000"/>
+              </a:lnSpc>
+              <a:spcBef>
+                <a:spcPts val="500"/>
+              </a:spcBef>
+              <a:buSzPct val="125000"/>
+              <a:buFont typeface="Arial" panose="020B0604020202020204" pitchFamily="34" charset="0"/>
+              <a:buChar char="•"/>
+              <a:defRPr sz="1400" kern="1200">
+                <a:solidFill>
+                  <a:schemeClr val="tx1"/>
+                </a:solidFill>
+                <a:latin typeface="+mn-lt"/>
+                <a:ea typeface="+mn-ea"/>
+                <a:cs typeface="+mn-cs"/>
+              </a:defRPr>
+            </a:lvl8pPr>
+            <a:lvl9pPr marL="3886200" indent="-228600" algn="l" defTabSz="914400" rtl="0" eaLnBrk="1" latinLnBrk="0" hangingPunct="1">
+              <a:lnSpc>
+                <a:spcPct val="120000"/>
+              </a:lnSpc>
+              <a:spcBef>
+                <a:spcPts val="500"/>
+              </a:spcBef>
+              <a:buSzPct val="125000"/>
+              <a:buFont typeface="Arial" panose="020B0604020202020204" pitchFamily="34" charset="0"/>
+              <a:buChar char="•"/>
+              <a:defRPr sz="1400" kern="1200">
+                <a:solidFill>
+                  <a:schemeClr val="tx1"/>
+                </a:solidFill>
+                <a:latin typeface="+mn-lt"/>
+                <a:ea typeface="+mn-ea"/>
+                <a:cs typeface="+mn-cs"/>
+              </a:defRPr>
+            </a:lvl9pPr>
+          </a:lstStyle>
+          <a:p>
+            <a:pPr marL="0" indent="0">
+              <a:buFont typeface="Arial" panose="020B0604020202020204" pitchFamily="34" charset="0"/>
+              <a:buNone/>
+            </a:pPr>
+            <a:r>
+              <a:rPr lang="ru-RU" dirty="0">
+                <a:solidFill>
+                  <a:schemeClr val="bg1"/>
+                </a:solidFill>
+              </a:rPr>
+              <a:t>Клиент-серверная система</a:t>
+            </a:r>
+          </a:p>
+        </p:txBody>
+      </p:sp>
+    </p:spTree>
+    <p:extLst>
+      <p:ext uri="{BB962C8B-B14F-4D97-AF65-F5344CB8AC3E}">
+        <p14:creationId xmlns:p14="http://schemas.microsoft.com/office/powerpoint/2010/main" val="3631617447"/>
+      </p:ext>
+    </p:extLst>
+  </p:cSld>
+  <p:clrMapOvr>
+    <a:masterClrMapping/>
+  </p:clrMapOvr>
+</p:sld>
+</file>
+
+<file path=ppt/slides/slide6.xml><?xml version="1.0" encoding="utf-8"?>
+<p:sld xmlns:a="http://schemas.openxmlformats.org/drawingml/2006/main" xmlns:r="http://schemas.openxmlformats.org/officeDocument/2006/relationships" xmlns:p="http://schemas.openxmlformats.org/presentationml/2006/main">
+  <p:cSld>
+    <p:spTree>
+      <p:nvGrpSpPr>
+        <p:cNvPr id="1" name=""/>
+        <p:cNvGrpSpPr/>
+        <p:nvPr/>
+      </p:nvGrpSpPr>
+      <p:grpSpPr>
+        <a:xfrm>
+          <a:off x="0" y="0"/>
+          <a:ext cx="0" cy="0"/>
+          <a:chOff x="0" y="0"/>
+          <a:chExt cx="0" cy="0"/>
+        </a:xfrm>
+      </p:grpSpPr>
+      <p:pic>
+        <p:nvPicPr>
+          <p:cNvPr id="1026" name="Picture 2">
+            <a:extLst>
+              <a:ext uri="{FF2B5EF4-FFF2-40B4-BE49-F238E27FC236}">
+                <a16:creationId xmlns:a16="http://schemas.microsoft.com/office/drawing/2014/main" id="{5154AC61-D8F9-4C79-836F-F14A4023DF7D}"/>
+              </a:ext>
+            </a:extLst>
+          </p:cNvPr>
+          <p:cNvPicPr>
+            <a:picLocks noChangeAspect="1" noChangeArrowheads="1"/>
+          </p:cNvPicPr>
+          <p:nvPr/>
+        </p:nvPicPr>
+        <p:blipFill>
+          <a:blip r:embed="rId2">
+            <a:extLst>
+              <a:ext uri="{28A0092B-C50C-407E-A947-70E740481C1C}">
+                <a14:useLocalDpi xmlns:a14="http://schemas.microsoft.com/office/drawing/2010/main" val="0"/>
+              </a:ext>
+            </a:extLst>
+          </a:blip>
+          <a:srcRect/>
+          <a:stretch>
+            <a:fillRect/>
+          </a:stretch>
+        </p:blipFill>
+        <p:spPr bwMode="auto">
+          <a:xfrm>
+            <a:off x="971600" y="1484784"/>
+            <a:ext cx="7417932" cy="3888432"/>
+          </a:xfrm>
+          <a:prstGeom prst="rect">
+            <a:avLst/>
+          </a:prstGeom>
+          <a:noFill/>
+          <a:extLst>
+            <a:ext uri="{909E8E84-426E-40DD-AFC4-6F175D3DCCD1}">
+              <a14:hiddenFill xmlns:a14="http://schemas.microsoft.com/office/drawing/2010/main">
+                <a:solidFill>
+                  <a:srgbClr val="FFFFFF"/>
+                </a:solidFill>
+              </a14:hiddenFill>
+            </a:ext>
+          </a:extLst>
         </p:spPr>
       </p:pic>
     </p:spTree>
@@ -15866,7 +14991,7 @@
 </p:sld>
 </file>
 
-<file path=ppt/slides/slide21.xml><?xml version="1.0" encoding="utf-8"?>
+<file path=ppt/slides/slide7.xml><?xml version="1.0" encoding="utf-8"?>
 <p:sld xmlns:a="http://schemas.openxmlformats.org/drawingml/2006/main" xmlns:r="http://schemas.openxmlformats.org/officeDocument/2006/relationships" xmlns:p="http://schemas.openxmlformats.org/presentationml/2006/main">
   <p:cSld>
     <p:spTree>
@@ -16568,7 +15693,7 @@
 </p:sld>
 </file>
 
-<file path=ppt/slides/slide22.xml><?xml version="1.0" encoding="utf-8"?>
+<file path=ppt/slides/slide8.xml><?xml version="1.0" encoding="utf-8"?>
 <p:sld xmlns:a="http://schemas.openxmlformats.org/drawingml/2006/main" xmlns:r="http://schemas.openxmlformats.org/officeDocument/2006/relationships" xmlns:p="http://schemas.openxmlformats.org/presentationml/2006/main">
   <p:cSld>
     <p:spTree>
@@ -16678,1024 +15803,6 @@
     <p:extLst>
       <p:ext uri="{BB962C8B-B14F-4D97-AF65-F5344CB8AC3E}">
         <p14:creationId xmlns:p14="http://schemas.microsoft.com/office/powerpoint/2010/main" val="3377644875"/>
-      </p:ext>
-    </p:extLst>
-  </p:cSld>
-  <p:clrMapOvr>
-    <a:masterClrMapping/>
-  </p:clrMapOvr>
-</p:sld>
-</file>
-
-<file path=ppt/slides/slide3.xml><?xml version="1.0" encoding="utf-8"?>
-<p:sld xmlns:a="http://schemas.openxmlformats.org/drawingml/2006/main" xmlns:r="http://schemas.openxmlformats.org/officeDocument/2006/relationships" xmlns:p="http://schemas.openxmlformats.org/presentationml/2006/main">
-  <p:cSld>
-    <p:spTree>
-      <p:nvGrpSpPr>
-        <p:cNvPr id="1" name=""/>
-        <p:cNvGrpSpPr/>
-        <p:nvPr/>
-      </p:nvGrpSpPr>
-      <p:grpSpPr>
-        <a:xfrm>
-          <a:off x="0" y="0"/>
-          <a:ext cx="0" cy="0"/>
-          <a:chOff x="0" y="0"/>
-          <a:chExt cx="0" cy="0"/>
-        </a:xfrm>
-      </p:grpSpPr>
-      <p:sp>
-        <p:nvSpPr>
-          <p:cNvPr id="3" name="Прямоугольник 2">
-            <a:extLst>
-              <a:ext uri="{FF2B5EF4-FFF2-40B4-BE49-F238E27FC236}">
-                <a16:creationId xmlns:a16="http://schemas.microsoft.com/office/drawing/2014/main" id="{E2139C62-515E-4F45-A35B-35D3CEAF62BC}"/>
-              </a:ext>
-            </a:extLst>
-          </p:cNvPr>
-          <p:cNvSpPr/>
-          <p:nvPr/>
-        </p:nvSpPr>
-        <p:spPr>
-          <a:xfrm>
-            <a:off x="1494729" y="620688"/>
-            <a:ext cx="5262723" cy="461665"/>
-          </a:xfrm>
-          <a:prstGeom prst="rect">
-            <a:avLst/>
-          </a:prstGeom>
-        </p:spPr>
-        <p:txBody>
-          <a:bodyPr wrap="none">
-            <a:spAutoFit/>
-          </a:bodyPr>
-          <a:lstStyle/>
-          <a:p>
-            <a:r>
-              <a:rPr lang="ru-RU" sz="2400" dirty="0">
-                <a:solidFill>
-                  <a:schemeClr val="bg2">
-                    <a:lumMod val="50000"/>
-                  </a:schemeClr>
-                </a:solidFill>
-              </a:rPr>
-              <a:t>Поддерживаемые архитектуры </a:t>
-            </a:r>
-            <a:r>
-              <a:rPr lang="en-US" sz="2400" dirty="0">
-                <a:solidFill>
-                  <a:schemeClr val="bg2">
-                    <a:lumMod val="50000"/>
-                  </a:schemeClr>
-                </a:solidFill>
-              </a:rPr>
-              <a:t>InTouch</a:t>
-            </a:r>
-            <a:endParaRPr lang="ru-RU" sz="2400" dirty="0">
-              <a:solidFill>
-                <a:schemeClr val="bg2">
-                  <a:lumMod val="50000"/>
-                </a:schemeClr>
-              </a:solidFill>
-            </a:endParaRPr>
-          </a:p>
-        </p:txBody>
-      </p:sp>
-      <p:sp>
-        <p:nvSpPr>
-          <p:cNvPr id="4" name="Прямоугольник 3">
-            <a:extLst>
-              <a:ext uri="{FF2B5EF4-FFF2-40B4-BE49-F238E27FC236}">
-                <a16:creationId xmlns:a16="http://schemas.microsoft.com/office/drawing/2014/main" id="{2CDAA6E1-E54E-499F-AAE4-7DF183F69643}"/>
-              </a:ext>
-            </a:extLst>
-          </p:cNvPr>
-          <p:cNvSpPr/>
-          <p:nvPr/>
-        </p:nvSpPr>
-        <p:spPr>
-          <a:xfrm>
-            <a:off x="1907704" y="1844824"/>
-            <a:ext cx="4584760" cy="2246769"/>
-          </a:xfrm>
-          <a:prstGeom prst="rect">
-            <a:avLst/>
-          </a:prstGeom>
-        </p:spPr>
-        <p:txBody>
-          <a:bodyPr wrap="square">
-            <a:spAutoFit/>
-          </a:bodyPr>
-          <a:lstStyle/>
-          <a:p>
-            <a:r>
-              <a:rPr lang="ru-RU" sz="2000" dirty="0">
-                <a:solidFill>
-                  <a:schemeClr val="bg2">
-                    <a:lumMod val="50000"/>
-                  </a:schemeClr>
-                </a:solidFill>
-              </a:rPr>
-              <a:t>Поддерживаются следующие сетевые архитектуры </a:t>
-            </a:r>
-            <a:r>
-              <a:rPr lang="ru-RU" sz="2000" dirty="0" err="1">
-                <a:solidFill>
-                  <a:schemeClr val="bg2">
-                    <a:lumMod val="50000"/>
-                  </a:schemeClr>
-                </a:solidFill>
-              </a:rPr>
-              <a:t>InTouch</a:t>
-            </a:r>
-            <a:r>
-              <a:rPr lang="ru-RU" sz="2000" dirty="0">
-                <a:solidFill>
-                  <a:schemeClr val="bg2">
-                    <a:lumMod val="50000"/>
-                  </a:schemeClr>
-                </a:solidFill>
-              </a:rPr>
-              <a:t>:</a:t>
-            </a:r>
-            <a:endParaRPr lang="en-US" sz="2000" dirty="0">
-              <a:solidFill>
-                <a:schemeClr val="bg2">
-                  <a:lumMod val="50000"/>
-                </a:schemeClr>
-              </a:solidFill>
-            </a:endParaRPr>
-          </a:p>
-          <a:p>
-            <a:r>
-              <a:rPr lang="ru-RU" sz="2000" dirty="0">
-                <a:solidFill>
-                  <a:schemeClr val="bg2">
-                    <a:lumMod val="50000"/>
-                  </a:schemeClr>
-                </a:solidFill>
-              </a:rPr>
-              <a:t>• </a:t>
-            </a:r>
-            <a:r>
-              <a:rPr lang="ru-RU" sz="2000" dirty="0" err="1">
-                <a:solidFill>
-                  <a:schemeClr val="bg2">
-                    <a:lumMod val="50000"/>
-                  </a:schemeClr>
-                </a:solidFill>
-              </a:rPr>
-              <a:t>однокомпьютерная</a:t>
-            </a:r>
-            <a:r>
-              <a:rPr lang="ru-RU" sz="2000" dirty="0">
-                <a:solidFill>
-                  <a:schemeClr val="bg2">
-                    <a:lumMod val="50000"/>
-                  </a:schemeClr>
-                </a:solidFill>
-              </a:rPr>
-              <a:t>;</a:t>
-            </a:r>
-            <a:endParaRPr lang="en-US" sz="2000" dirty="0">
-              <a:solidFill>
-                <a:schemeClr val="bg2">
-                  <a:lumMod val="50000"/>
-                </a:schemeClr>
-              </a:solidFill>
-            </a:endParaRPr>
-          </a:p>
-          <a:p>
-            <a:r>
-              <a:rPr lang="ru-RU" sz="2000" dirty="0">
-                <a:solidFill>
-                  <a:schemeClr val="bg2">
-                    <a:lumMod val="50000"/>
-                  </a:schemeClr>
-                </a:solidFill>
-              </a:rPr>
-              <a:t>• клиентская;</a:t>
-            </a:r>
-            <a:endParaRPr lang="en-US" sz="2000" dirty="0">
-              <a:solidFill>
-                <a:schemeClr val="bg2">
-                  <a:lumMod val="50000"/>
-                </a:schemeClr>
-              </a:solidFill>
-            </a:endParaRPr>
-          </a:p>
-          <a:p>
-            <a:r>
-              <a:rPr lang="ru-RU" sz="2000" dirty="0">
-                <a:solidFill>
-                  <a:schemeClr val="bg2">
-                    <a:lumMod val="50000"/>
-                  </a:schemeClr>
-                </a:solidFill>
-              </a:rPr>
-              <a:t>• серверная;</a:t>
-            </a:r>
-            <a:endParaRPr lang="en-US" sz="2000" dirty="0">
-              <a:solidFill>
-                <a:schemeClr val="bg2">
-                  <a:lumMod val="50000"/>
-                </a:schemeClr>
-              </a:solidFill>
-            </a:endParaRPr>
-          </a:p>
-          <a:p>
-            <a:r>
-              <a:rPr lang="ru-RU" sz="2000" dirty="0">
-                <a:solidFill>
-                  <a:schemeClr val="bg2">
-                    <a:lumMod val="50000"/>
-                  </a:schemeClr>
-                </a:solidFill>
-              </a:rPr>
-              <a:t>• система разработки сетевых приложений (NAD).</a:t>
-            </a:r>
-          </a:p>
-        </p:txBody>
-      </p:sp>
-    </p:spTree>
-    <p:extLst>
-      <p:ext uri="{BB962C8B-B14F-4D97-AF65-F5344CB8AC3E}">
-        <p14:creationId xmlns:p14="http://schemas.microsoft.com/office/powerpoint/2010/main" val="451688572"/>
-      </p:ext>
-    </p:extLst>
-  </p:cSld>
-  <p:clrMapOvr>
-    <a:masterClrMapping/>
-  </p:clrMapOvr>
-</p:sld>
-</file>
-
-<file path=ppt/slides/slide4.xml><?xml version="1.0" encoding="utf-8"?>
-<p:sld xmlns:a="http://schemas.openxmlformats.org/drawingml/2006/main" xmlns:r="http://schemas.openxmlformats.org/officeDocument/2006/relationships" xmlns:p="http://schemas.openxmlformats.org/presentationml/2006/main">
-  <p:cSld>
-    <p:spTree>
-      <p:nvGrpSpPr>
-        <p:cNvPr id="1" name=""/>
-        <p:cNvGrpSpPr/>
-        <p:nvPr/>
-      </p:nvGrpSpPr>
-      <p:grpSpPr>
-        <a:xfrm>
-          <a:off x="0" y="0"/>
-          <a:ext cx="0" cy="0"/>
-          <a:chOff x="0" y="0"/>
-          <a:chExt cx="0" cy="0"/>
-        </a:xfrm>
-      </p:grpSpPr>
-      <p:sp>
-        <p:nvSpPr>
-          <p:cNvPr id="2" name="Прямоугольник 1">
-            <a:extLst>
-              <a:ext uri="{FF2B5EF4-FFF2-40B4-BE49-F238E27FC236}">
-                <a16:creationId xmlns:a16="http://schemas.microsoft.com/office/drawing/2014/main" id="{4E906EB2-2E9B-40EA-8ADF-BC5250375B78}"/>
-              </a:ext>
-            </a:extLst>
-          </p:cNvPr>
-          <p:cNvSpPr/>
-          <p:nvPr/>
-        </p:nvSpPr>
-        <p:spPr>
-          <a:xfrm>
-            <a:off x="1599517" y="620688"/>
-            <a:ext cx="6192688" cy="461665"/>
-          </a:xfrm>
-          <a:prstGeom prst="rect">
-            <a:avLst/>
-          </a:prstGeom>
-        </p:spPr>
-        <p:txBody>
-          <a:bodyPr wrap="square">
-            <a:spAutoFit/>
-          </a:bodyPr>
-          <a:lstStyle/>
-          <a:p>
-            <a:pPr algn="ctr"/>
-            <a:r>
-              <a:rPr lang="ru-RU" sz="2400" dirty="0" err="1">
-                <a:solidFill>
-                  <a:schemeClr val="bg2">
-                    <a:lumMod val="50000"/>
-                  </a:schemeClr>
-                </a:solidFill>
-              </a:rPr>
-              <a:t>Однокомпьютерная</a:t>
-            </a:r>
-            <a:r>
-              <a:rPr lang="ru-RU" sz="2400" dirty="0">
-                <a:solidFill>
-                  <a:schemeClr val="bg2">
-                    <a:lumMod val="50000"/>
-                  </a:schemeClr>
-                </a:solidFill>
-              </a:rPr>
-              <a:t> архитектура</a:t>
-            </a:r>
-          </a:p>
-        </p:txBody>
-      </p:sp>
-      <p:pic>
-        <p:nvPicPr>
-          <p:cNvPr id="4" name="Рисунок 3">
-            <a:extLst>
-              <a:ext uri="{FF2B5EF4-FFF2-40B4-BE49-F238E27FC236}">
-                <a16:creationId xmlns:a16="http://schemas.microsoft.com/office/drawing/2014/main" id="{90ABEADE-CC33-4C9F-8590-DEDF834A410E}"/>
-              </a:ext>
-            </a:extLst>
-          </p:cNvPr>
-          <p:cNvPicPr>
-            <a:picLocks noChangeAspect="1"/>
-          </p:cNvPicPr>
-          <p:nvPr/>
-        </p:nvPicPr>
-        <p:blipFill>
-          <a:blip r:embed="rId2">
-            <a:extLst>
-              <a:ext uri="{28A0092B-C50C-407E-A947-70E740481C1C}">
-                <a14:useLocalDpi xmlns:a14="http://schemas.microsoft.com/office/drawing/2010/main" val="0"/>
-              </a:ext>
-            </a:extLst>
-          </a:blip>
-          <a:stretch>
-            <a:fillRect/>
-          </a:stretch>
-        </p:blipFill>
-        <p:spPr>
-          <a:xfrm>
-            <a:off x="1331639" y="2060848"/>
-            <a:ext cx="6728443" cy="2920792"/>
-          </a:xfrm>
-          <a:prstGeom prst="rect">
-            <a:avLst/>
-          </a:prstGeom>
-        </p:spPr>
-      </p:pic>
-    </p:spTree>
-    <p:extLst>
-      <p:ext uri="{BB962C8B-B14F-4D97-AF65-F5344CB8AC3E}">
-        <p14:creationId xmlns:p14="http://schemas.microsoft.com/office/powerpoint/2010/main" val="1622546023"/>
-      </p:ext>
-    </p:extLst>
-  </p:cSld>
-  <p:clrMapOvr>
-    <a:masterClrMapping/>
-  </p:clrMapOvr>
-</p:sld>
-</file>
-
-<file path=ppt/slides/slide5.xml><?xml version="1.0" encoding="utf-8"?>
-<p:sld xmlns:a="http://schemas.openxmlformats.org/drawingml/2006/main" xmlns:r="http://schemas.openxmlformats.org/officeDocument/2006/relationships" xmlns:p="http://schemas.openxmlformats.org/presentationml/2006/main">
-  <p:cSld>
-    <p:spTree>
-      <p:nvGrpSpPr>
-        <p:cNvPr id="1" name=""/>
-        <p:cNvGrpSpPr/>
-        <p:nvPr/>
-      </p:nvGrpSpPr>
-      <p:grpSpPr>
-        <a:xfrm>
-          <a:off x="0" y="0"/>
-          <a:ext cx="0" cy="0"/>
-          <a:chOff x="0" y="0"/>
-          <a:chExt cx="0" cy="0"/>
-        </a:xfrm>
-      </p:grpSpPr>
-      <p:sp>
-        <p:nvSpPr>
-          <p:cNvPr id="2" name="Прямоугольник 1">
-            <a:extLst>
-              <a:ext uri="{FF2B5EF4-FFF2-40B4-BE49-F238E27FC236}">
-                <a16:creationId xmlns:a16="http://schemas.microsoft.com/office/drawing/2014/main" id="{C20B35E6-5EFC-450C-99C3-3954328036BE}"/>
-              </a:ext>
-            </a:extLst>
-          </p:cNvPr>
-          <p:cNvSpPr/>
-          <p:nvPr/>
-        </p:nvSpPr>
-        <p:spPr>
-          <a:xfrm>
-            <a:off x="2900837" y="764704"/>
-            <a:ext cx="3342325" cy="461665"/>
-          </a:xfrm>
-          <a:prstGeom prst="rect">
-            <a:avLst/>
-          </a:prstGeom>
-        </p:spPr>
-        <p:txBody>
-          <a:bodyPr wrap="none">
-            <a:spAutoFit/>
-          </a:bodyPr>
-          <a:lstStyle/>
-          <a:p>
-            <a:r>
-              <a:rPr lang="ru-RU" sz="2400" dirty="0">
-                <a:solidFill>
-                  <a:schemeClr val="bg2">
-                    <a:lumMod val="50000"/>
-                  </a:schemeClr>
-                </a:solidFill>
-              </a:rPr>
-              <a:t>Клиентская архитектура</a:t>
-            </a:r>
-          </a:p>
-        </p:txBody>
-      </p:sp>
-      <p:pic>
-        <p:nvPicPr>
-          <p:cNvPr id="4" name="Рисунок 3">
-            <a:extLst>
-              <a:ext uri="{FF2B5EF4-FFF2-40B4-BE49-F238E27FC236}">
-                <a16:creationId xmlns:a16="http://schemas.microsoft.com/office/drawing/2014/main" id="{D16C6831-BABF-4A18-8D5A-82AEF76576BC}"/>
-              </a:ext>
-            </a:extLst>
-          </p:cNvPr>
-          <p:cNvPicPr>
-            <a:picLocks noChangeAspect="1"/>
-          </p:cNvPicPr>
-          <p:nvPr/>
-        </p:nvPicPr>
-        <p:blipFill>
-          <a:blip r:embed="rId2">
-            <a:extLst>
-              <a:ext uri="{28A0092B-C50C-407E-A947-70E740481C1C}">
-                <a14:useLocalDpi xmlns:a14="http://schemas.microsoft.com/office/drawing/2010/main" val="0"/>
-              </a:ext>
-            </a:extLst>
-          </a:blip>
-          <a:stretch>
-            <a:fillRect/>
-          </a:stretch>
-        </p:blipFill>
-        <p:spPr>
-          <a:xfrm>
-            <a:off x="931183" y="2132856"/>
-            <a:ext cx="7281634" cy="2322096"/>
-          </a:xfrm>
-          <a:prstGeom prst="rect">
-            <a:avLst/>
-          </a:prstGeom>
-        </p:spPr>
-      </p:pic>
-    </p:spTree>
-    <p:extLst>
-      <p:ext uri="{BB962C8B-B14F-4D97-AF65-F5344CB8AC3E}">
-        <p14:creationId xmlns:p14="http://schemas.microsoft.com/office/powerpoint/2010/main" val="3846081900"/>
-      </p:ext>
-    </p:extLst>
-  </p:cSld>
-  <p:clrMapOvr>
-    <a:masterClrMapping/>
-  </p:clrMapOvr>
-</p:sld>
-</file>
-
-<file path=ppt/slides/slide6.xml><?xml version="1.0" encoding="utf-8"?>
-<p:sld xmlns:a="http://schemas.openxmlformats.org/drawingml/2006/main" xmlns:r="http://schemas.openxmlformats.org/officeDocument/2006/relationships" xmlns:p="http://schemas.openxmlformats.org/presentationml/2006/main">
-  <p:cSld>
-    <p:spTree>
-      <p:nvGrpSpPr>
-        <p:cNvPr id="1" name=""/>
-        <p:cNvGrpSpPr/>
-        <p:nvPr/>
-      </p:nvGrpSpPr>
-      <p:grpSpPr>
-        <a:xfrm>
-          <a:off x="0" y="0"/>
-          <a:ext cx="0" cy="0"/>
-          <a:chOff x="0" y="0"/>
-          <a:chExt cx="0" cy="0"/>
-        </a:xfrm>
-      </p:grpSpPr>
-      <p:sp>
-        <p:nvSpPr>
-          <p:cNvPr id="2" name="Прямоугольник 1">
-            <a:extLst>
-              <a:ext uri="{FF2B5EF4-FFF2-40B4-BE49-F238E27FC236}">
-                <a16:creationId xmlns:a16="http://schemas.microsoft.com/office/drawing/2014/main" id="{AA9ED8FF-12AC-4490-843A-1954533F8F64}"/>
-              </a:ext>
-            </a:extLst>
-          </p:cNvPr>
-          <p:cNvSpPr/>
-          <p:nvPr/>
-        </p:nvSpPr>
-        <p:spPr>
-          <a:xfrm>
-            <a:off x="2843808" y="764704"/>
-            <a:ext cx="3256725" cy="461665"/>
-          </a:xfrm>
-          <a:prstGeom prst="rect">
-            <a:avLst/>
-          </a:prstGeom>
-        </p:spPr>
-        <p:txBody>
-          <a:bodyPr wrap="none">
-            <a:spAutoFit/>
-          </a:bodyPr>
-          <a:lstStyle/>
-          <a:p>
-            <a:r>
-              <a:rPr lang="ru-RU" sz="2400" dirty="0">
-                <a:solidFill>
-                  <a:schemeClr val="bg2">
-                    <a:lumMod val="50000"/>
-                  </a:schemeClr>
-                </a:solidFill>
-              </a:rPr>
-              <a:t>Серверная архитектура</a:t>
-            </a:r>
-          </a:p>
-        </p:txBody>
-      </p:sp>
-      <p:pic>
-        <p:nvPicPr>
-          <p:cNvPr id="4" name="Рисунок 3">
-            <a:extLst>
-              <a:ext uri="{FF2B5EF4-FFF2-40B4-BE49-F238E27FC236}">
-                <a16:creationId xmlns:a16="http://schemas.microsoft.com/office/drawing/2014/main" id="{9F4C1878-A0DC-4778-BB34-90896E9D1232}"/>
-              </a:ext>
-            </a:extLst>
-          </p:cNvPr>
-          <p:cNvPicPr>
-            <a:picLocks noChangeAspect="1"/>
-          </p:cNvPicPr>
-          <p:nvPr/>
-        </p:nvPicPr>
-        <p:blipFill>
-          <a:blip r:embed="rId2">
-            <a:extLst>
-              <a:ext uri="{28A0092B-C50C-407E-A947-70E740481C1C}">
-                <a14:useLocalDpi xmlns:a14="http://schemas.microsoft.com/office/drawing/2010/main" val="0"/>
-              </a:ext>
-            </a:extLst>
-          </a:blip>
-          <a:stretch>
-            <a:fillRect/>
-          </a:stretch>
-        </p:blipFill>
-        <p:spPr>
-          <a:xfrm>
-            <a:off x="485800" y="2001196"/>
-            <a:ext cx="8172400" cy="2855607"/>
-          </a:xfrm>
-          <a:prstGeom prst="rect">
-            <a:avLst/>
-          </a:prstGeom>
-        </p:spPr>
-      </p:pic>
-    </p:spTree>
-    <p:extLst>
-      <p:ext uri="{BB962C8B-B14F-4D97-AF65-F5344CB8AC3E}">
-        <p14:creationId xmlns:p14="http://schemas.microsoft.com/office/powerpoint/2010/main" val="503161471"/>
-      </p:ext>
-    </p:extLst>
-  </p:cSld>
-  <p:clrMapOvr>
-    <a:masterClrMapping/>
-  </p:clrMapOvr>
-</p:sld>
-</file>
-
-<file path=ppt/slides/slide7.xml><?xml version="1.0" encoding="utf-8"?>
-<p:sld xmlns:a="http://schemas.openxmlformats.org/drawingml/2006/main" xmlns:r="http://schemas.openxmlformats.org/officeDocument/2006/relationships" xmlns:p="http://schemas.openxmlformats.org/presentationml/2006/main">
-  <p:cSld>
-    <p:spTree>
-      <p:nvGrpSpPr>
-        <p:cNvPr id="1" name=""/>
-        <p:cNvGrpSpPr/>
-        <p:nvPr/>
-      </p:nvGrpSpPr>
-      <p:grpSpPr>
-        <a:xfrm>
-          <a:off x="0" y="0"/>
-          <a:ext cx="0" cy="0"/>
-          <a:chOff x="0" y="0"/>
-          <a:chExt cx="0" cy="0"/>
-        </a:xfrm>
-      </p:grpSpPr>
-      <p:sp>
-        <p:nvSpPr>
-          <p:cNvPr id="2" name="Прямоугольник 1">
-            <a:extLst>
-              <a:ext uri="{FF2B5EF4-FFF2-40B4-BE49-F238E27FC236}">
-                <a16:creationId xmlns:a16="http://schemas.microsoft.com/office/drawing/2014/main" id="{9B60FEF9-6D1F-40CF-A29E-935E510C6614}"/>
-              </a:ext>
-            </a:extLst>
-          </p:cNvPr>
-          <p:cNvSpPr/>
-          <p:nvPr/>
-        </p:nvSpPr>
-        <p:spPr>
-          <a:xfrm>
-            <a:off x="1403648" y="476672"/>
-            <a:ext cx="6912768" cy="830997"/>
-          </a:xfrm>
-          <a:prstGeom prst="rect">
-            <a:avLst/>
-          </a:prstGeom>
-        </p:spPr>
-        <p:txBody>
-          <a:bodyPr wrap="square">
-            <a:spAutoFit/>
-          </a:bodyPr>
-          <a:lstStyle/>
-          <a:p>
-            <a:r>
-              <a:rPr lang="ru-RU" sz="2400" dirty="0">
-                <a:solidFill>
-                  <a:schemeClr val="bg2">
-                    <a:lumMod val="50000"/>
-                  </a:schemeClr>
-                </a:solidFill>
-              </a:rPr>
-              <a:t>Архитектура разработки сетевых приложений (NAD)</a:t>
-            </a:r>
-          </a:p>
-        </p:txBody>
-      </p:sp>
-      <p:pic>
-        <p:nvPicPr>
-          <p:cNvPr id="4" name="Рисунок 3">
-            <a:extLst>
-              <a:ext uri="{FF2B5EF4-FFF2-40B4-BE49-F238E27FC236}">
-                <a16:creationId xmlns:a16="http://schemas.microsoft.com/office/drawing/2014/main" id="{D95B030E-A8E2-490F-8372-D146A4DB87E0}"/>
-              </a:ext>
-            </a:extLst>
-          </p:cNvPr>
-          <p:cNvPicPr>
-            <a:picLocks noChangeAspect="1"/>
-          </p:cNvPicPr>
-          <p:nvPr/>
-        </p:nvPicPr>
-        <p:blipFill>
-          <a:blip r:embed="rId2">
-            <a:extLst>
-              <a:ext uri="{28A0092B-C50C-407E-A947-70E740481C1C}">
-                <a14:useLocalDpi xmlns:a14="http://schemas.microsoft.com/office/drawing/2010/main" val="0"/>
-              </a:ext>
-            </a:extLst>
-          </a:blip>
-          <a:stretch>
-            <a:fillRect/>
-          </a:stretch>
-        </p:blipFill>
-        <p:spPr>
-          <a:xfrm>
-            <a:off x="1115616" y="2160024"/>
-            <a:ext cx="7376492" cy="2537951"/>
-          </a:xfrm>
-          <a:prstGeom prst="rect">
-            <a:avLst/>
-          </a:prstGeom>
-        </p:spPr>
-      </p:pic>
-    </p:spTree>
-    <p:extLst>
-      <p:ext uri="{BB962C8B-B14F-4D97-AF65-F5344CB8AC3E}">
-        <p14:creationId xmlns:p14="http://schemas.microsoft.com/office/powerpoint/2010/main" val="3945194400"/>
-      </p:ext>
-    </p:extLst>
-  </p:cSld>
-  <p:clrMapOvr>
-    <a:masterClrMapping/>
-  </p:clrMapOvr>
-</p:sld>
-</file>
-
-<file path=ppt/slides/slide8.xml><?xml version="1.0" encoding="utf-8"?>
-<p:sld xmlns:a="http://schemas.openxmlformats.org/drawingml/2006/main" xmlns:r="http://schemas.openxmlformats.org/officeDocument/2006/relationships" xmlns:p="http://schemas.openxmlformats.org/presentationml/2006/main">
-  <p:cSld>
-    <p:spTree>
-      <p:nvGrpSpPr>
-        <p:cNvPr id="1" name=""/>
-        <p:cNvGrpSpPr/>
-        <p:nvPr/>
-      </p:nvGrpSpPr>
-      <p:grpSpPr>
-        <a:xfrm>
-          <a:off x="0" y="0"/>
-          <a:ext cx="0" cy="0"/>
-          <a:chOff x="0" y="0"/>
-          <a:chExt cx="0" cy="0"/>
-        </a:xfrm>
-      </p:grpSpPr>
-      <p:sp>
-        <p:nvSpPr>
-          <p:cNvPr id="2" name="Прямоугольник 1">
-            <a:extLst>
-              <a:ext uri="{FF2B5EF4-FFF2-40B4-BE49-F238E27FC236}">
-                <a16:creationId xmlns:a16="http://schemas.microsoft.com/office/drawing/2014/main" id="{ECEDBA4B-B4C7-4358-9C1B-BADADF89DCB7}"/>
-              </a:ext>
-            </a:extLst>
-          </p:cNvPr>
-          <p:cNvSpPr/>
-          <p:nvPr/>
-        </p:nvSpPr>
-        <p:spPr>
-          <a:xfrm>
-            <a:off x="1187624" y="620688"/>
-            <a:ext cx="6768752" cy="830997"/>
-          </a:xfrm>
-          <a:prstGeom prst="rect">
-            <a:avLst/>
-          </a:prstGeom>
-        </p:spPr>
-        <p:txBody>
-          <a:bodyPr wrap="square">
-            <a:spAutoFit/>
-          </a:bodyPr>
-          <a:lstStyle/>
-          <a:p>
-            <a:r>
-              <a:rPr lang="ru-RU" sz="2400" dirty="0">
-                <a:solidFill>
-                  <a:schemeClr val="bg2">
-                    <a:lumMod val="50000"/>
-                  </a:schemeClr>
-                </a:solidFill>
-              </a:rPr>
-              <a:t>Факторы, учитываемые при планировании сетевых приложений</a:t>
-            </a:r>
-          </a:p>
-        </p:txBody>
-      </p:sp>
-      <p:sp>
-        <p:nvSpPr>
-          <p:cNvPr id="3" name="Прямоугольник 2">
-            <a:extLst>
-              <a:ext uri="{FF2B5EF4-FFF2-40B4-BE49-F238E27FC236}">
-                <a16:creationId xmlns:a16="http://schemas.microsoft.com/office/drawing/2014/main" id="{B5BC6CE6-3B97-4C89-9AA6-5A97B3AC5578}"/>
-              </a:ext>
-            </a:extLst>
-          </p:cNvPr>
-          <p:cNvSpPr/>
-          <p:nvPr/>
-        </p:nvSpPr>
-        <p:spPr>
-          <a:xfrm>
-            <a:off x="1331640" y="2060848"/>
-            <a:ext cx="6264696" cy="1938992"/>
-          </a:xfrm>
-          <a:prstGeom prst="rect">
-            <a:avLst/>
-          </a:prstGeom>
-        </p:spPr>
-        <p:txBody>
-          <a:bodyPr wrap="square">
-            <a:spAutoFit/>
-          </a:bodyPr>
-          <a:lstStyle/>
-          <a:p>
-            <a:r>
-              <a:rPr lang="ru-RU" sz="2000" dirty="0">
-                <a:solidFill>
-                  <a:schemeClr val="bg2">
-                    <a:lumMod val="50000"/>
-                  </a:schemeClr>
-                </a:solidFill>
-              </a:rPr>
-              <a:t>Независимо от архитектуры необходимо учитывать следующие факторы: </a:t>
-            </a:r>
-            <a:endParaRPr lang="en-US" sz="2000" dirty="0">
-              <a:solidFill>
-                <a:schemeClr val="bg2">
-                  <a:lumMod val="50000"/>
-                </a:schemeClr>
-              </a:solidFill>
-            </a:endParaRPr>
-          </a:p>
-          <a:p>
-            <a:r>
-              <a:rPr lang="ru-RU" sz="2000" dirty="0">
-                <a:solidFill>
-                  <a:schemeClr val="bg2">
-                    <a:lumMod val="50000"/>
-                  </a:schemeClr>
-                </a:solidFill>
-              </a:rPr>
-              <a:t>• доступ к источникам данных ввода-вывода; </a:t>
-            </a:r>
-            <a:endParaRPr lang="en-US" sz="2000" dirty="0">
-              <a:solidFill>
-                <a:schemeClr val="bg2">
-                  <a:lumMod val="50000"/>
-                </a:schemeClr>
-              </a:solidFill>
-            </a:endParaRPr>
-          </a:p>
-          <a:p>
-            <a:r>
-              <a:rPr lang="ru-RU" sz="2000" dirty="0">
-                <a:solidFill>
-                  <a:schemeClr val="bg2">
-                    <a:lumMod val="50000"/>
-                  </a:schemeClr>
-                </a:solidFill>
-              </a:rPr>
-              <a:t>• доступ к разделяемым файлам; </a:t>
-            </a:r>
-            <a:endParaRPr lang="en-US" sz="2000" dirty="0">
-              <a:solidFill>
-                <a:schemeClr val="bg2">
-                  <a:lumMod val="50000"/>
-                </a:schemeClr>
-              </a:solidFill>
-            </a:endParaRPr>
-          </a:p>
-          <a:p>
-            <a:r>
-              <a:rPr lang="ru-RU" sz="2000" dirty="0">
-                <a:solidFill>
-                  <a:schemeClr val="bg2">
-                    <a:lumMod val="50000"/>
-                  </a:schemeClr>
-                </a:solidFill>
-              </a:rPr>
-              <a:t>• место регистрации данных; </a:t>
-            </a:r>
-            <a:endParaRPr lang="en-US" sz="2000" dirty="0">
-              <a:solidFill>
-                <a:schemeClr val="bg2">
-                  <a:lumMod val="50000"/>
-                </a:schemeClr>
-              </a:solidFill>
-            </a:endParaRPr>
-          </a:p>
-          <a:p>
-            <a:r>
-              <a:rPr lang="ru-RU" sz="2000" dirty="0">
-                <a:solidFill>
-                  <a:schemeClr val="bg2">
-                    <a:lumMod val="50000"/>
-                  </a:schemeClr>
-                </a:solidFill>
-              </a:rPr>
-              <a:t>• особые требования, обусловленные сетью.</a:t>
-            </a:r>
-            <a:endParaRPr lang="ru-RU" sz="2000" dirty="0"/>
-          </a:p>
-        </p:txBody>
-      </p:sp>
-    </p:spTree>
-    <p:extLst>
-      <p:ext uri="{BB962C8B-B14F-4D97-AF65-F5344CB8AC3E}">
-        <p14:creationId xmlns:p14="http://schemas.microsoft.com/office/powerpoint/2010/main" val="282490486"/>
-      </p:ext>
-    </p:extLst>
-  </p:cSld>
-  <p:clrMapOvr>
-    <a:masterClrMapping/>
-  </p:clrMapOvr>
-</p:sld>
-</file>
-
-<file path=ppt/slides/slide9.xml><?xml version="1.0" encoding="utf-8"?>
-<p:sld xmlns:a="http://schemas.openxmlformats.org/drawingml/2006/main" xmlns:r="http://schemas.openxmlformats.org/officeDocument/2006/relationships" xmlns:p="http://schemas.openxmlformats.org/presentationml/2006/main">
-  <p:cSld>
-    <p:spTree>
-      <p:nvGrpSpPr>
-        <p:cNvPr id="1" name=""/>
-        <p:cNvGrpSpPr/>
-        <p:nvPr/>
-      </p:nvGrpSpPr>
-      <p:grpSpPr>
-        <a:xfrm>
-          <a:off x="0" y="0"/>
-          <a:ext cx="0" cy="0"/>
-          <a:chOff x="0" y="0"/>
-          <a:chExt cx="0" cy="0"/>
-        </a:xfrm>
-      </p:grpSpPr>
-      <p:sp>
-        <p:nvSpPr>
-          <p:cNvPr id="4" name="Прямоугольник 3">
-            <a:extLst>
-              <a:ext uri="{FF2B5EF4-FFF2-40B4-BE49-F238E27FC236}">
-                <a16:creationId xmlns:a16="http://schemas.microsoft.com/office/drawing/2014/main" id="{03BF0B7D-389A-4873-99D8-BB679AE106DA}"/>
-              </a:ext>
-            </a:extLst>
-          </p:cNvPr>
-          <p:cNvSpPr/>
-          <p:nvPr/>
-        </p:nvSpPr>
-        <p:spPr>
-          <a:xfrm>
-            <a:off x="800708" y="1426548"/>
-            <a:ext cx="7830616" cy="461665"/>
-          </a:xfrm>
-          <a:prstGeom prst="rect">
-            <a:avLst/>
-          </a:prstGeom>
-        </p:spPr>
-        <p:txBody>
-          <a:bodyPr wrap="square">
-            <a:spAutoFit/>
-          </a:bodyPr>
-          <a:lstStyle/>
-          <a:p>
-            <a:r>
-              <a:rPr lang="en-US" sz="2400" dirty="0">
-                <a:solidFill>
-                  <a:schemeClr val="bg2">
-                    <a:lumMod val="50000"/>
-                  </a:schemeClr>
-                </a:solidFill>
-              </a:rPr>
-              <a:t>	</a:t>
-            </a:r>
-            <a:endParaRPr lang="ru-RU" sz="2400" dirty="0">
-              <a:solidFill>
-                <a:schemeClr val="bg2">
-                  <a:lumMod val="50000"/>
-                </a:schemeClr>
-              </a:solidFill>
-            </a:endParaRPr>
-          </a:p>
-        </p:txBody>
-      </p:sp>
-      <p:sp>
-        <p:nvSpPr>
-          <p:cNvPr id="6" name="Прямоугольник 5">
-            <a:extLst>
-              <a:ext uri="{FF2B5EF4-FFF2-40B4-BE49-F238E27FC236}">
-                <a16:creationId xmlns:a16="http://schemas.microsoft.com/office/drawing/2014/main" id="{AB292E0B-A7CB-4CBA-A38D-66E5CF66F617}"/>
-              </a:ext>
-            </a:extLst>
-          </p:cNvPr>
-          <p:cNvSpPr/>
-          <p:nvPr/>
-        </p:nvSpPr>
-        <p:spPr>
-          <a:xfrm>
-            <a:off x="1331640" y="841773"/>
-            <a:ext cx="4667688" cy="461665"/>
-          </a:xfrm>
-          <a:prstGeom prst="rect">
-            <a:avLst/>
-          </a:prstGeom>
-        </p:spPr>
-        <p:txBody>
-          <a:bodyPr wrap="none">
-            <a:spAutoFit/>
-          </a:bodyPr>
-          <a:lstStyle/>
-          <a:p>
-            <a:r>
-              <a:rPr lang="ru-RU" sz="2400" dirty="0">
-                <a:solidFill>
-                  <a:schemeClr val="bg2">
-                    <a:lumMod val="50000"/>
-                  </a:schemeClr>
-                </a:solidFill>
-              </a:rPr>
-              <a:t>Глобальные адреса ввода-вывода</a:t>
-            </a:r>
-          </a:p>
-        </p:txBody>
-      </p:sp>
-      <p:pic>
-        <p:nvPicPr>
-          <p:cNvPr id="8" name="Рисунок 7">
-            <a:extLst>
-              <a:ext uri="{FF2B5EF4-FFF2-40B4-BE49-F238E27FC236}">
-                <a16:creationId xmlns:a16="http://schemas.microsoft.com/office/drawing/2014/main" id="{AA3BA316-A9E1-445C-9F90-8F5E0A6E4F4C}"/>
-              </a:ext>
-            </a:extLst>
-          </p:cNvPr>
-          <p:cNvPicPr>
-            <a:picLocks noChangeAspect="1"/>
-          </p:cNvPicPr>
-          <p:nvPr/>
-        </p:nvPicPr>
-        <p:blipFill>
-          <a:blip r:embed="rId2">
-            <a:extLst>
-              <a:ext uri="{28A0092B-C50C-407E-A947-70E740481C1C}">
-                <a14:useLocalDpi xmlns:a14="http://schemas.microsoft.com/office/drawing/2010/main" val="0"/>
-              </a:ext>
-            </a:extLst>
-          </a:blip>
-          <a:stretch>
-            <a:fillRect/>
-          </a:stretch>
-        </p:blipFill>
-        <p:spPr>
-          <a:xfrm>
-            <a:off x="964739" y="1860682"/>
-            <a:ext cx="7502554" cy="2447500"/>
-          </a:xfrm>
-          <a:prstGeom prst="rect">
-            <a:avLst/>
-          </a:prstGeom>
-        </p:spPr>
-      </p:pic>
-    </p:spTree>
-    <p:extLst>
-      <p:ext uri="{BB962C8B-B14F-4D97-AF65-F5344CB8AC3E}">
-        <p14:creationId xmlns:p14="http://schemas.microsoft.com/office/powerpoint/2010/main" val="1801005145"/>
       </p:ext>
     </p:extLst>
   </p:cSld>

--- a/итоговая.pptx
+++ b/итоговая.pptx
@@ -5,7 +5,7 @@
     <p:sldMasterId id="2147483702" r:id="rId1"/>
   </p:sldMasterIdLst>
   <p:notesMasterIdLst>
-    <p:notesMasterId r:id="rId10"/>
+    <p:notesMasterId r:id="rId13"/>
   </p:notesMasterIdLst>
   <p:sldIdLst>
     <p:sldId id="267" r:id="rId2"/>
@@ -16,6 +16,9 @@
     <p:sldId id="274" r:id="rId7"/>
     <p:sldId id="272" r:id="rId8"/>
     <p:sldId id="294" r:id="rId9"/>
+    <p:sldId id="299" r:id="rId10"/>
+    <p:sldId id="300" r:id="rId11"/>
+    <p:sldId id="301" r:id="rId12"/>
   </p:sldIdLst>
   <p:sldSz cx="9144000" cy="6858000" type="screen4x3"/>
   <p:notesSz cx="6858000" cy="9144000"/>
@@ -551,7 +554,7 @@
           <a:noFill/>
           <a:extLst>
             <a:ext uri="{909E8E84-426E-40dd-AFC4-6F175D3DCCD1}">
-              <a14:hiddenFill xmlns="" xmlns:a14="http://schemas.microsoft.com/office/drawing/2010/main">
+              <a14:hiddenFill xmlns:a14="http://schemas.microsoft.com/office/drawing/2010/main" xmlns="">
                 <a:solidFill>
                   <a:srgbClr val="FFFFFF"/>
                 </a:solidFill>
@@ -611,7 +614,7 @@
             </a:ln>
             <a:extLst>
               <a:ext uri="{91240B29-F687-4f45-9708-019B960494DF}">
-                <a14:hiddenLine xmlns="" xmlns:a14="http://schemas.microsoft.com/office/drawing/2010/main" w="9525">
+                <a14:hiddenLine xmlns:a14="http://schemas.microsoft.com/office/drawing/2010/main" xmlns="" w="9525">
                   <a:solidFill>
                     <a:srgbClr val="000000"/>
                   </a:solidFill>
@@ -701,7 +704,7 @@
             </a:ln>
             <a:extLst>
               <a:ext uri="{91240B29-F687-4f45-9708-019B960494DF}">
-                <a14:hiddenLine xmlns="" xmlns:a14="http://schemas.microsoft.com/office/drawing/2010/main" w="9525">
+                <a14:hiddenLine xmlns:a14="http://schemas.microsoft.com/office/drawing/2010/main" xmlns="" w="9525">
                   <a:solidFill>
                     <a:srgbClr val="000000"/>
                   </a:solidFill>
@@ -791,7 +794,7 @@
             </a:ln>
             <a:extLst>
               <a:ext uri="{91240B29-F687-4f45-9708-019B960494DF}">
-                <a14:hiddenLine xmlns="" xmlns:a14="http://schemas.microsoft.com/office/drawing/2010/main" w="9525">
+                <a14:hiddenLine xmlns:a14="http://schemas.microsoft.com/office/drawing/2010/main" xmlns="" w="9525">
                   <a:solidFill>
                     <a:srgbClr val="000000"/>
                   </a:solidFill>
@@ -825,7 +828,7 @@
             </a:ln>
             <a:extLst>
               <a:ext uri="{91240B29-F687-4f45-9708-019B960494DF}">
-                <a14:hiddenLine xmlns="" xmlns:a14="http://schemas.microsoft.com/office/drawing/2010/main" w="9525">
+                <a14:hiddenLine xmlns:a14="http://schemas.microsoft.com/office/drawing/2010/main" xmlns="" w="9525">
                   <a:solidFill>
                     <a:srgbClr val="000000"/>
                   </a:solidFill>
@@ -915,7 +918,7 @@
             </a:ln>
             <a:extLst>
               <a:ext uri="{91240B29-F687-4f45-9708-019B960494DF}">
-                <a14:hiddenLine xmlns="" xmlns:a14="http://schemas.microsoft.com/office/drawing/2010/main" w="9525">
+                <a14:hiddenLine xmlns:a14="http://schemas.microsoft.com/office/drawing/2010/main" xmlns="" w="9525">
                   <a:solidFill>
                     <a:srgbClr val="000000"/>
                   </a:solidFill>
@@ -977,7 +980,7 @@
             </a:ln>
             <a:extLst>
               <a:ext uri="{91240B29-F687-4f45-9708-019B960494DF}">
-                <a14:hiddenLine xmlns="" xmlns:a14="http://schemas.microsoft.com/office/drawing/2010/main" w="9525">
+                <a14:hiddenLine xmlns:a14="http://schemas.microsoft.com/office/drawing/2010/main" xmlns="" w="9525">
                   <a:solidFill>
                     <a:srgbClr val="000000"/>
                   </a:solidFill>
@@ -1039,7 +1042,7 @@
             </a:ln>
             <a:extLst>
               <a:ext uri="{91240B29-F687-4f45-9708-019B960494DF}">
-                <a14:hiddenLine xmlns="" xmlns:a14="http://schemas.microsoft.com/office/drawing/2010/main" w="9525">
+                <a14:hiddenLine xmlns:a14="http://schemas.microsoft.com/office/drawing/2010/main" xmlns="" w="9525">
                   <a:solidFill>
                     <a:srgbClr val="000000"/>
                   </a:solidFill>
@@ -1129,7 +1132,7 @@
             </a:ln>
             <a:extLst>
               <a:ext uri="{91240B29-F687-4f45-9708-019B960494DF}">
-                <a14:hiddenLine xmlns="" xmlns:a14="http://schemas.microsoft.com/office/drawing/2010/main" w="9525">
+                <a14:hiddenLine xmlns:a14="http://schemas.microsoft.com/office/drawing/2010/main" xmlns="" w="9525">
                   <a:solidFill>
                     <a:srgbClr val="000000"/>
                   </a:solidFill>
@@ -1191,7 +1194,7 @@
             </a:ln>
             <a:extLst>
               <a:ext uri="{91240B29-F687-4f45-9708-019B960494DF}">
-                <a14:hiddenLine xmlns="" xmlns:a14="http://schemas.microsoft.com/office/drawing/2010/main" w="9525">
+                <a14:hiddenLine xmlns:a14="http://schemas.microsoft.com/office/drawing/2010/main" xmlns="" w="9525">
                   <a:solidFill>
                     <a:srgbClr val="000000"/>
                   </a:solidFill>
@@ -1253,7 +1256,7 @@
             </a:ln>
             <a:extLst>
               <a:ext uri="{91240B29-F687-4f45-9708-019B960494DF}">
-                <a14:hiddenLine xmlns="" xmlns:a14="http://schemas.microsoft.com/office/drawing/2010/main" w="9525">
+                <a14:hiddenLine xmlns:a14="http://schemas.microsoft.com/office/drawing/2010/main" xmlns="" w="9525">
                   <a:solidFill>
                     <a:srgbClr val="000000"/>
                   </a:solidFill>
@@ -1343,7 +1346,7 @@
             </a:ln>
             <a:extLst>
               <a:ext uri="{91240B29-F687-4f45-9708-019B960494DF}">
-                <a14:hiddenLine xmlns="" xmlns:a14="http://schemas.microsoft.com/office/drawing/2010/main" w="9525">
+                <a14:hiddenLine xmlns:a14="http://schemas.microsoft.com/office/drawing/2010/main" xmlns="" w="9525">
                   <a:solidFill>
                     <a:srgbClr val="000000"/>
                   </a:solidFill>
@@ -1433,7 +1436,7 @@
             </a:ln>
             <a:extLst>
               <a:ext uri="{91240B29-F687-4f45-9708-019B960494DF}">
-                <a14:hiddenLine xmlns="" xmlns:a14="http://schemas.microsoft.com/office/drawing/2010/main" w="9525">
+                <a14:hiddenLine xmlns:a14="http://schemas.microsoft.com/office/drawing/2010/main" xmlns="" w="9525">
                   <a:solidFill>
                     <a:srgbClr val="000000"/>
                   </a:solidFill>
@@ -1495,7 +1498,7 @@
             </a:ln>
             <a:extLst>
               <a:ext uri="{91240B29-F687-4f45-9708-019B960494DF}">
-                <a14:hiddenLine xmlns="" xmlns:a14="http://schemas.microsoft.com/office/drawing/2010/main" w="9525">
+                <a14:hiddenLine xmlns:a14="http://schemas.microsoft.com/office/drawing/2010/main" xmlns="" w="9525">
                   <a:solidFill>
                     <a:srgbClr val="000000"/>
                   </a:solidFill>
@@ -1605,7 +1608,7 @@
             </a:ln>
             <a:extLst>
               <a:ext uri="{91240B29-F687-4f45-9708-019B960494DF}">
-                <a14:hiddenLine xmlns="" xmlns:a14="http://schemas.microsoft.com/office/drawing/2010/main" w="9525">
+                <a14:hiddenLine xmlns:a14="http://schemas.microsoft.com/office/drawing/2010/main" xmlns="" w="9525">
                   <a:solidFill>
                     <a:srgbClr val="000000"/>
                   </a:solidFill>
@@ -1667,7 +1670,7 @@
             </a:ln>
             <a:extLst>
               <a:ext uri="{91240B29-F687-4f45-9708-019B960494DF}">
-                <a14:hiddenLine xmlns="" xmlns:a14="http://schemas.microsoft.com/office/drawing/2010/main" w="9525">
+                <a14:hiddenLine xmlns:a14="http://schemas.microsoft.com/office/drawing/2010/main" xmlns="" w="9525">
                   <a:solidFill>
                     <a:srgbClr val="000000"/>
                   </a:solidFill>
@@ -1757,7 +1760,7 @@
             </a:ln>
             <a:extLst>
               <a:ext uri="{91240B29-F687-4f45-9708-019B960494DF}">
-                <a14:hiddenLine xmlns="" xmlns:a14="http://schemas.microsoft.com/office/drawing/2010/main" w="9525">
+                <a14:hiddenLine xmlns:a14="http://schemas.microsoft.com/office/drawing/2010/main" xmlns="" w="9525">
                   <a:solidFill>
                     <a:srgbClr val="000000"/>
                   </a:solidFill>
@@ -1847,7 +1850,7 @@
             </a:ln>
             <a:extLst>
               <a:ext uri="{91240B29-F687-4f45-9708-019B960494DF}">
-                <a14:hiddenLine xmlns="" xmlns:a14="http://schemas.microsoft.com/office/drawing/2010/main" w="9525">
+                <a14:hiddenLine xmlns:a14="http://schemas.microsoft.com/office/drawing/2010/main" xmlns="" w="9525">
                   <a:solidFill>
                     <a:srgbClr val="000000"/>
                   </a:solidFill>
@@ -1909,7 +1912,7 @@
             </a:ln>
             <a:extLst>
               <a:ext uri="{91240B29-F687-4f45-9708-019B960494DF}">
-                <a14:hiddenLine xmlns="" xmlns:a14="http://schemas.microsoft.com/office/drawing/2010/main" w="9525">
+                <a14:hiddenLine xmlns:a14="http://schemas.microsoft.com/office/drawing/2010/main" xmlns="" w="9525">
                   <a:solidFill>
                     <a:srgbClr val="000000"/>
                   </a:solidFill>
@@ -1999,7 +2002,7 @@
             </a:ln>
             <a:extLst>
               <a:ext uri="{91240B29-F687-4f45-9708-019B960494DF}">
-                <a14:hiddenLine xmlns="" xmlns:a14="http://schemas.microsoft.com/office/drawing/2010/main" w="9525">
+                <a14:hiddenLine xmlns:a14="http://schemas.microsoft.com/office/drawing/2010/main" xmlns="" w="9525">
                   <a:solidFill>
                     <a:srgbClr val="000000"/>
                   </a:solidFill>
@@ -2089,7 +2092,7 @@
             </a:ln>
             <a:extLst>
               <a:ext uri="{91240B29-F687-4f45-9708-019B960494DF}">
-                <a14:hiddenLine xmlns="" xmlns:a14="http://schemas.microsoft.com/office/drawing/2010/main" w="9525">
+                <a14:hiddenLine xmlns:a14="http://schemas.microsoft.com/office/drawing/2010/main" xmlns="" w="9525">
                   <a:solidFill>
                     <a:srgbClr val="000000"/>
                   </a:solidFill>
@@ -2145,7 +2148,7 @@
             </a:ln>
             <a:extLst>
               <a:ext uri="{91240B29-F687-4f45-9708-019B960494DF}">
-                <a14:hiddenLine xmlns="" xmlns:a14="http://schemas.microsoft.com/office/drawing/2010/main" w="9525">
+                <a14:hiddenLine xmlns:a14="http://schemas.microsoft.com/office/drawing/2010/main" xmlns="" w="9525">
                   <a:solidFill>
                     <a:srgbClr val="000000"/>
                   </a:solidFill>
@@ -2235,7 +2238,7 @@
             </a:ln>
             <a:extLst>
               <a:ext uri="{91240B29-F687-4f45-9708-019B960494DF}">
-                <a14:hiddenLine xmlns="" xmlns:a14="http://schemas.microsoft.com/office/drawing/2010/main" w="9525">
+                <a14:hiddenLine xmlns:a14="http://schemas.microsoft.com/office/drawing/2010/main" xmlns="" w="9525">
                   <a:solidFill>
                     <a:srgbClr val="000000"/>
                   </a:solidFill>
@@ -2291,7 +2294,7 @@
             </a:ln>
             <a:extLst>
               <a:ext uri="{91240B29-F687-4f45-9708-019B960494DF}">
-                <a14:hiddenLine xmlns="" xmlns:a14="http://schemas.microsoft.com/office/drawing/2010/main" w="9525">
+                <a14:hiddenLine xmlns:a14="http://schemas.microsoft.com/office/drawing/2010/main" xmlns="" w="9525">
                   <a:solidFill>
                     <a:srgbClr val="000000"/>
                   </a:solidFill>
@@ -2381,7 +2384,7 @@
             </a:ln>
             <a:extLst>
               <a:ext uri="{91240B29-F687-4f45-9708-019B960494DF}">
-                <a14:hiddenLine xmlns="" xmlns:a14="http://schemas.microsoft.com/office/drawing/2010/main" w="9525">
+                <a14:hiddenLine xmlns:a14="http://schemas.microsoft.com/office/drawing/2010/main" xmlns="" w="9525">
                   <a:solidFill>
                     <a:srgbClr val="000000"/>
                   </a:solidFill>
@@ -2449,7 +2452,7 @@
             </a:ln>
             <a:extLst>
               <a:ext uri="{91240B29-F687-4f45-9708-019B960494DF}">
-                <a14:hiddenLine xmlns="" xmlns:a14="http://schemas.microsoft.com/office/drawing/2010/main" w="9525">
+                <a14:hiddenLine xmlns:a14="http://schemas.microsoft.com/office/drawing/2010/main" xmlns="" w="9525">
                   <a:solidFill>
                     <a:srgbClr val="000000"/>
                   </a:solidFill>
@@ -2539,7 +2542,7 @@
             </a:ln>
             <a:extLst>
               <a:ext uri="{91240B29-F687-4f45-9708-019B960494DF}">
-                <a14:hiddenLine xmlns="" xmlns:a14="http://schemas.microsoft.com/office/drawing/2010/main" w="9525">
+                <a14:hiddenLine xmlns:a14="http://schemas.microsoft.com/office/drawing/2010/main" xmlns="" w="9525">
                   <a:solidFill>
                     <a:srgbClr val="000000"/>
                   </a:solidFill>
@@ -2607,7 +2610,7 @@
             </a:ln>
             <a:extLst>
               <a:ext uri="{91240B29-F687-4f45-9708-019B960494DF}">
-                <a14:hiddenLine xmlns="" xmlns:a14="http://schemas.microsoft.com/office/drawing/2010/main" w="9525">
+                <a14:hiddenLine xmlns:a14="http://schemas.microsoft.com/office/drawing/2010/main" xmlns="" w="9525">
                   <a:solidFill>
                     <a:srgbClr val="000000"/>
                   </a:solidFill>
@@ -2697,7 +2700,7 @@
             </a:ln>
             <a:extLst>
               <a:ext uri="{91240B29-F687-4f45-9708-019B960494DF}">
-                <a14:hiddenLine xmlns="" xmlns:a14="http://schemas.microsoft.com/office/drawing/2010/main" w="9525">
+                <a14:hiddenLine xmlns:a14="http://schemas.microsoft.com/office/drawing/2010/main" xmlns="" w="9525">
                   <a:solidFill>
                     <a:srgbClr val="000000"/>
                   </a:solidFill>
@@ -2731,7 +2734,7 @@
             </a:ln>
             <a:extLst>
               <a:ext uri="{91240B29-F687-4f45-9708-019B960494DF}">
-                <a14:hiddenLine xmlns="" xmlns:a14="http://schemas.microsoft.com/office/drawing/2010/main" w="9525">
+                <a14:hiddenLine xmlns:a14="http://schemas.microsoft.com/office/drawing/2010/main" xmlns="" w="9525">
                   <a:solidFill>
                     <a:srgbClr val="000000"/>
                   </a:solidFill>
@@ -2821,7 +2824,7 @@
             </a:ln>
             <a:extLst>
               <a:ext uri="{91240B29-F687-4f45-9708-019B960494DF}">
-                <a14:hiddenLine xmlns="" xmlns:a14="http://schemas.microsoft.com/office/drawing/2010/main" w="9525">
+                <a14:hiddenLine xmlns:a14="http://schemas.microsoft.com/office/drawing/2010/main" xmlns="" w="9525">
                   <a:solidFill>
                     <a:srgbClr val="000000"/>
                   </a:solidFill>
@@ -2883,7 +2886,7 @@
             </a:ln>
             <a:extLst>
               <a:ext uri="{91240B29-F687-4f45-9708-019B960494DF}">
-                <a14:hiddenLine xmlns="" xmlns:a14="http://schemas.microsoft.com/office/drawing/2010/main" w="9525">
+                <a14:hiddenLine xmlns:a14="http://schemas.microsoft.com/office/drawing/2010/main" xmlns="" w="9525">
                   <a:solidFill>
                     <a:srgbClr val="000000"/>
                   </a:solidFill>
@@ -2945,7 +2948,7 @@
             </a:ln>
             <a:extLst>
               <a:ext uri="{91240B29-F687-4f45-9708-019B960494DF}">
-                <a14:hiddenLine xmlns="" xmlns:a14="http://schemas.microsoft.com/office/drawing/2010/main" w="9525">
+                <a14:hiddenLine xmlns:a14="http://schemas.microsoft.com/office/drawing/2010/main" xmlns="" w="9525">
                   <a:solidFill>
                     <a:srgbClr val="000000"/>
                   </a:solidFill>
@@ -3035,7 +3038,7 @@
             </a:ln>
             <a:extLst>
               <a:ext uri="{91240B29-F687-4f45-9708-019B960494DF}">
-                <a14:hiddenLine xmlns="" xmlns:a14="http://schemas.microsoft.com/office/drawing/2010/main" w="9525">
+                <a14:hiddenLine xmlns:a14="http://schemas.microsoft.com/office/drawing/2010/main" xmlns="" w="9525">
                   <a:solidFill>
                     <a:srgbClr val="000000"/>
                   </a:solidFill>
@@ -3103,7 +3106,7 @@
             </a:ln>
             <a:extLst>
               <a:ext uri="{91240B29-F687-4f45-9708-019B960494DF}">
-                <a14:hiddenLine xmlns="" xmlns:a14="http://schemas.microsoft.com/office/drawing/2010/main" w="9525">
+                <a14:hiddenLine xmlns:a14="http://schemas.microsoft.com/office/drawing/2010/main" xmlns="" w="9525">
                   <a:solidFill>
                     <a:srgbClr val="000000"/>
                   </a:solidFill>
@@ -3165,7 +3168,7 @@
             </a:ln>
             <a:extLst>
               <a:ext uri="{91240B29-F687-4f45-9708-019B960494DF}">
-                <a14:hiddenLine xmlns="" xmlns:a14="http://schemas.microsoft.com/office/drawing/2010/main" w="9525">
+                <a14:hiddenLine xmlns:a14="http://schemas.microsoft.com/office/drawing/2010/main" xmlns="" w="9525">
                   <a:solidFill>
                     <a:srgbClr val="000000"/>
                   </a:solidFill>
@@ -3255,7 +3258,7 @@
             </a:ln>
             <a:extLst>
               <a:ext uri="{91240B29-F687-4f45-9708-019B960494DF}">
-                <a14:hiddenLine xmlns="" xmlns:a14="http://schemas.microsoft.com/office/drawing/2010/main" w="9525">
+                <a14:hiddenLine xmlns:a14="http://schemas.microsoft.com/office/drawing/2010/main" xmlns="" w="9525">
                   <a:solidFill>
                     <a:srgbClr val="000000"/>
                   </a:solidFill>
@@ -3317,7 +3320,7 @@
             </a:ln>
             <a:extLst>
               <a:ext uri="{91240B29-F687-4f45-9708-019B960494DF}">
-                <a14:hiddenLine xmlns="" xmlns:a14="http://schemas.microsoft.com/office/drawing/2010/main" w="9525">
+                <a14:hiddenLine xmlns:a14="http://schemas.microsoft.com/office/drawing/2010/main" xmlns="" w="9525">
                   <a:solidFill>
                     <a:srgbClr val="000000"/>
                   </a:solidFill>
@@ -3407,7 +3410,7 @@
             </a:ln>
             <a:extLst>
               <a:ext uri="{91240B29-F687-4f45-9708-019B960494DF}">
-                <a14:hiddenLine xmlns="" xmlns:a14="http://schemas.microsoft.com/office/drawing/2010/main" w="9525">
+                <a14:hiddenLine xmlns:a14="http://schemas.microsoft.com/office/drawing/2010/main" xmlns="" w="9525">
                   <a:solidFill>
                     <a:srgbClr val="000000"/>
                   </a:solidFill>
@@ -3469,7 +3472,7 @@
             </a:ln>
             <a:extLst>
               <a:ext uri="{91240B29-F687-4f45-9708-019B960494DF}">
-                <a14:hiddenLine xmlns="" xmlns:a14="http://schemas.microsoft.com/office/drawing/2010/main" w="9525">
+                <a14:hiddenLine xmlns:a14="http://schemas.microsoft.com/office/drawing/2010/main" xmlns="" w="9525">
                   <a:solidFill>
                     <a:srgbClr val="000000"/>
                   </a:solidFill>
@@ -3559,7 +3562,7 @@
             </a:ln>
             <a:extLst>
               <a:ext uri="{91240B29-F687-4f45-9708-019B960494DF}">
-                <a14:hiddenLine xmlns="" xmlns:a14="http://schemas.microsoft.com/office/drawing/2010/main" w="9525">
+                <a14:hiddenLine xmlns:a14="http://schemas.microsoft.com/office/drawing/2010/main" xmlns="" w="9525">
                   <a:solidFill>
                     <a:srgbClr val="000000"/>
                   </a:solidFill>
@@ -3593,7 +3596,7 @@
             </a:ln>
             <a:extLst>
               <a:ext uri="{91240B29-F687-4f45-9708-019B960494DF}">
-                <a14:hiddenLine xmlns="" xmlns:a14="http://schemas.microsoft.com/office/drawing/2010/main" w="9525">
+                <a14:hiddenLine xmlns:a14="http://schemas.microsoft.com/office/drawing/2010/main" xmlns="" w="9525">
                   <a:solidFill>
                     <a:srgbClr val="000000"/>
                   </a:solidFill>
@@ -3658,7 +3661,7 @@
             </a:ln>
             <a:extLst>
               <a:ext uri="{91240B29-F687-4f45-9708-019B960494DF}">
-                <a14:hiddenLine xmlns="" xmlns:a14="http://schemas.microsoft.com/office/drawing/2010/main" w="9525">
+                <a14:hiddenLine xmlns:a14="http://schemas.microsoft.com/office/drawing/2010/main" xmlns="" w="9525">
                   <a:solidFill>
                     <a:srgbClr val="000000"/>
                   </a:solidFill>
@@ -3748,7 +3751,7 @@
             </a:ln>
             <a:extLst>
               <a:ext uri="{91240B29-F687-4f45-9708-019B960494DF}">
-                <a14:hiddenLine xmlns="" xmlns:a14="http://schemas.microsoft.com/office/drawing/2010/main" w="9525">
+                <a14:hiddenLine xmlns:a14="http://schemas.microsoft.com/office/drawing/2010/main" xmlns="" w="9525">
                   <a:solidFill>
                     <a:srgbClr val="000000"/>
                   </a:solidFill>
@@ -3810,7 +3813,7 @@
             </a:ln>
             <a:extLst>
               <a:ext uri="{91240B29-F687-4f45-9708-019B960494DF}">
-                <a14:hiddenLine xmlns="" xmlns:a14="http://schemas.microsoft.com/office/drawing/2010/main" w="9525">
+                <a14:hiddenLine xmlns:a14="http://schemas.microsoft.com/office/drawing/2010/main" xmlns="" w="9525">
                   <a:solidFill>
                     <a:srgbClr val="000000"/>
                   </a:solidFill>
@@ -3900,7 +3903,7 @@
             </a:ln>
             <a:extLst>
               <a:ext uri="{91240B29-F687-4f45-9708-019B960494DF}">
-                <a14:hiddenLine xmlns="" xmlns:a14="http://schemas.microsoft.com/office/drawing/2010/main" w="9525">
+                <a14:hiddenLine xmlns:a14="http://schemas.microsoft.com/office/drawing/2010/main" xmlns="" w="9525">
                   <a:solidFill>
                     <a:srgbClr val="000000"/>
                   </a:solidFill>
@@ -3990,7 +3993,7 @@
             </a:ln>
             <a:extLst>
               <a:ext uri="{91240B29-F687-4f45-9708-019B960494DF}">
-                <a14:hiddenLine xmlns="" xmlns:a14="http://schemas.microsoft.com/office/drawing/2010/main" w="9525">
+                <a14:hiddenLine xmlns:a14="http://schemas.microsoft.com/office/drawing/2010/main" xmlns="" w="9525">
                   <a:solidFill>
                     <a:srgbClr val="000000"/>
                   </a:solidFill>
@@ -4055,7 +4058,7 @@
             </a:ln>
             <a:extLst>
               <a:ext uri="{91240B29-F687-4f45-9708-019B960494DF}">
-                <a14:hiddenLine xmlns="" xmlns:a14="http://schemas.microsoft.com/office/drawing/2010/main" w="9525">
+                <a14:hiddenLine xmlns:a14="http://schemas.microsoft.com/office/drawing/2010/main" xmlns="" w="9525">
                   <a:solidFill>
                     <a:srgbClr val="000000"/>
                   </a:solidFill>
@@ -4117,7 +4120,7 @@
             </a:ln>
             <a:extLst>
               <a:ext uri="{91240B29-F687-4f45-9708-019B960494DF}">
-                <a14:hiddenLine xmlns="" xmlns:a14="http://schemas.microsoft.com/office/drawing/2010/main" w="9525">
+                <a14:hiddenLine xmlns:a14="http://schemas.microsoft.com/office/drawing/2010/main" xmlns="" w="9525">
                   <a:solidFill>
                     <a:srgbClr val="000000"/>
                   </a:solidFill>
@@ -4207,7 +4210,7 @@
             </a:ln>
             <a:extLst>
               <a:ext uri="{91240B29-F687-4f45-9708-019B960494DF}">
-                <a14:hiddenLine xmlns="" xmlns:a14="http://schemas.microsoft.com/office/drawing/2010/main" w="9525">
+                <a14:hiddenLine xmlns:a14="http://schemas.microsoft.com/office/drawing/2010/main" xmlns="" w="9525">
                   <a:solidFill>
                     <a:srgbClr val="000000"/>
                   </a:solidFill>
@@ -4297,7 +4300,7 @@
             </a:ln>
             <a:extLst>
               <a:ext uri="{91240B29-F687-4f45-9708-019B960494DF}">
-                <a14:hiddenLine xmlns="" xmlns:a14="http://schemas.microsoft.com/office/drawing/2010/main" w="9525">
+                <a14:hiddenLine xmlns:a14="http://schemas.microsoft.com/office/drawing/2010/main" xmlns="" w="9525">
                   <a:solidFill>
                     <a:srgbClr val="000000"/>
                   </a:solidFill>
@@ -4359,7 +4362,7 @@
             </a:ln>
             <a:extLst>
               <a:ext uri="{91240B29-F687-4f45-9708-019B960494DF}">
-                <a14:hiddenLine xmlns="" xmlns:a14="http://schemas.microsoft.com/office/drawing/2010/main" w="9525">
+                <a14:hiddenLine xmlns:a14="http://schemas.microsoft.com/office/drawing/2010/main" xmlns="" w="9525">
                   <a:solidFill>
                     <a:srgbClr val="000000"/>
                   </a:solidFill>
@@ -4479,7 +4482,7 @@
             </a:ln>
             <a:extLst>
               <a:ext uri="{91240B29-F687-4f45-9708-019B960494DF}">
-                <a14:hiddenLine xmlns="" xmlns:a14="http://schemas.microsoft.com/office/drawing/2010/main" w="9525">
+                <a14:hiddenLine xmlns:a14="http://schemas.microsoft.com/office/drawing/2010/main" xmlns="" w="9525">
                   <a:solidFill>
                     <a:srgbClr val="000000"/>
                   </a:solidFill>
@@ -4547,7 +4550,7 @@
             </a:ln>
             <a:extLst>
               <a:ext uri="{91240B29-F687-4f45-9708-019B960494DF}">
-                <a14:hiddenLine xmlns="" xmlns:a14="http://schemas.microsoft.com/office/drawing/2010/main" w="9525">
+                <a14:hiddenLine xmlns:a14="http://schemas.microsoft.com/office/drawing/2010/main" xmlns="" w="9525">
                   <a:solidFill>
                     <a:srgbClr val="000000"/>
                   </a:solidFill>
@@ -4637,7 +4640,7 @@
             </a:ln>
             <a:extLst>
               <a:ext uri="{91240B29-F687-4f45-9708-019B960494DF}">
-                <a14:hiddenLine xmlns="" xmlns:a14="http://schemas.microsoft.com/office/drawing/2010/main" w="9525">
+                <a14:hiddenLine xmlns:a14="http://schemas.microsoft.com/office/drawing/2010/main" xmlns="" w="9525">
                   <a:solidFill>
                     <a:srgbClr val="000000"/>
                   </a:solidFill>
@@ -9510,7 +9513,7 @@
           <a:noFill/>
           <a:extLst>
             <a:ext uri="{909E8E84-426E-40dd-AFC4-6F175D3DCCD1}">
-              <a14:hiddenFill xmlns="" xmlns:a14="http://schemas.microsoft.com/office/drawing/2010/main">
+              <a14:hiddenFill xmlns:a14="http://schemas.microsoft.com/office/drawing/2010/main" xmlns="">
                 <a:solidFill>
                   <a:srgbClr val="FFFFFF"/>
                 </a:solidFill>
@@ -9584,7 +9587,7 @@
               </a:ln>
               <a:extLst>
                 <a:ext uri="{91240B29-F687-4f45-9708-019B960494DF}">
-                  <a14:hiddenLine xmlns="" xmlns:a14="http://schemas.microsoft.com/office/drawing/2010/main" w="9525">
+                  <a14:hiddenLine xmlns:a14="http://schemas.microsoft.com/office/drawing/2010/main" xmlns="" w="9525">
                     <a:solidFill>
                       <a:srgbClr val="000000"/>
                     </a:solidFill>
@@ -9674,7 +9677,7 @@
               </a:ln>
               <a:extLst>
                 <a:ext uri="{91240B29-F687-4f45-9708-019B960494DF}">
-                  <a14:hiddenLine xmlns="" xmlns:a14="http://schemas.microsoft.com/office/drawing/2010/main" w="9525">
+                  <a14:hiddenLine xmlns:a14="http://schemas.microsoft.com/office/drawing/2010/main" xmlns="" w="9525">
                     <a:solidFill>
                       <a:srgbClr val="000000"/>
                     </a:solidFill>
@@ -9764,7 +9767,7 @@
               </a:ln>
               <a:extLst>
                 <a:ext uri="{91240B29-F687-4f45-9708-019B960494DF}">
-                  <a14:hiddenLine xmlns="" xmlns:a14="http://schemas.microsoft.com/office/drawing/2010/main" w="9525">
+                  <a14:hiddenLine xmlns:a14="http://schemas.microsoft.com/office/drawing/2010/main" xmlns="" w="9525">
                     <a:solidFill>
                       <a:srgbClr val="000000"/>
                     </a:solidFill>
@@ -9826,7 +9829,7 @@
               </a:ln>
               <a:extLst>
                 <a:ext uri="{91240B29-F687-4f45-9708-019B960494DF}">
-                  <a14:hiddenLine xmlns="" xmlns:a14="http://schemas.microsoft.com/office/drawing/2010/main" w="9525">
+                  <a14:hiddenLine xmlns:a14="http://schemas.microsoft.com/office/drawing/2010/main" xmlns="" w="9525">
                     <a:solidFill>
                       <a:srgbClr val="000000"/>
                     </a:solidFill>
@@ -9916,7 +9919,7 @@
               </a:ln>
               <a:extLst>
                 <a:ext uri="{91240B29-F687-4f45-9708-019B960494DF}">
-                  <a14:hiddenLine xmlns="" xmlns:a14="http://schemas.microsoft.com/office/drawing/2010/main" w="9525">
+                  <a14:hiddenLine xmlns:a14="http://schemas.microsoft.com/office/drawing/2010/main" xmlns="" w="9525">
                     <a:solidFill>
                       <a:srgbClr val="000000"/>
                     </a:solidFill>
@@ -9978,7 +9981,7 @@
               </a:ln>
               <a:extLst>
                 <a:ext uri="{91240B29-F687-4f45-9708-019B960494DF}">
-                  <a14:hiddenLine xmlns="" xmlns:a14="http://schemas.microsoft.com/office/drawing/2010/main" w="9525">
+                  <a14:hiddenLine xmlns:a14="http://schemas.microsoft.com/office/drawing/2010/main" xmlns="" w="9525">
                     <a:solidFill>
                       <a:srgbClr val="000000"/>
                     </a:solidFill>
@@ -10040,7 +10043,7 @@
               </a:ln>
               <a:extLst>
                 <a:ext uri="{91240B29-F687-4f45-9708-019B960494DF}">
-                  <a14:hiddenLine xmlns="" xmlns:a14="http://schemas.microsoft.com/office/drawing/2010/main" w="9525">
+                  <a14:hiddenLine xmlns:a14="http://schemas.microsoft.com/office/drawing/2010/main" xmlns="" w="9525">
                     <a:solidFill>
                       <a:srgbClr val="000000"/>
                     </a:solidFill>
@@ -10130,7 +10133,7 @@
               </a:ln>
               <a:extLst>
                 <a:ext uri="{91240B29-F687-4f45-9708-019B960494DF}">
-                  <a14:hiddenLine xmlns="" xmlns:a14="http://schemas.microsoft.com/office/drawing/2010/main" w="9525">
+                  <a14:hiddenLine xmlns:a14="http://schemas.microsoft.com/office/drawing/2010/main" xmlns="" w="9525">
                     <a:solidFill>
                       <a:srgbClr val="000000"/>
                     </a:solidFill>
@@ -10220,7 +10223,7 @@
               </a:ln>
               <a:extLst>
                 <a:ext uri="{91240B29-F687-4f45-9708-019B960494DF}">
-                  <a14:hiddenLine xmlns="" xmlns:a14="http://schemas.microsoft.com/office/drawing/2010/main" w="9525">
+                  <a14:hiddenLine xmlns:a14="http://schemas.microsoft.com/office/drawing/2010/main" xmlns="" w="9525">
                     <a:solidFill>
                       <a:srgbClr val="000000"/>
                     </a:solidFill>
@@ -10282,7 +10285,7 @@
               </a:ln>
               <a:extLst>
                 <a:ext uri="{91240B29-F687-4f45-9708-019B960494DF}">
-                  <a14:hiddenLine xmlns="" xmlns:a14="http://schemas.microsoft.com/office/drawing/2010/main" w="9525">
+                  <a14:hiddenLine xmlns:a14="http://schemas.microsoft.com/office/drawing/2010/main" xmlns="" w="9525">
                     <a:solidFill>
                       <a:srgbClr val="000000"/>
                     </a:solidFill>
@@ -10392,7 +10395,7 @@
               </a:ln>
               <a:extLst>
                 <a:ext uri="{91240B29-F687-4f45-9708-019B960494DF}">
-                  <a14:hiddenLine xmlns="" xmlns:a14="http://schemas.microsoft.com/office/drawing/2010/main" w="9525">
+                  <a14:hiddenLine xmlns:a14="http://schemas.microsoft.com/office/drawing/2010/main" xmlns="" w="9525">
                     <a:solidFill>
                       <a:srgbClr val="000000"/>
                     </a:solidFill>
@@ -10476,7 +10479,7 @@
               </a:ln>
               <a:extLst>
                 <a:ext uri="{91240B29-F687-4f45-9708-019B960494DF}">
-                  <a14:hiddenLine xmlns="" xmlns:a14="http://schemas.microsoft.com/office/drawing/2010/main" w="9525">
+                  <a14:hiddenLine xmlns:a14="http://schemas.microsoft.com/office/drawing/2010/main" xmlns="" w="9525">
                     <a:solidFill>
                       <a:srgbClr val="000000"/>
                     </a:solidFill>
@@ -10538,7 +10541,7 @@
               </a:ln>
               <a:extLst>
                 <a:ext uri="{91240B29-F687-4f45-9708-019B960494DF}">
-                  <a14:hiddenLine xmlns="" xmlns:a14="http://schemas.microsoft.com/office/drawing/2010/main" w="9525">
+                  <a14:hiddenLine xmlns:a14="http://schemas.microsoft.com/office/drawing/2010/main" xmlns="" w="9525">
                     <a:solidFill>
                       <a:srgbClr val="000000"/>
                     </a:solidFill>
@@ -10600,7 +10603,7 @@
               </a:ln>
               <a:extLst>
                 <a:ext uri="{91240B29-F687-4f45-9708-019B960494DF}">
-                  <a14:hiddenLine xmlns="" xmlns:a14="http://schemas.microsoft.com/office/drawing/2010/main" w="9525">
+                  <a14:hiddenLine xmlns:a14="http://schemas.microsoft.com/office/drawing/2010/main" xmlns="" w="9525">
                     <a:solidFill>
                       <a:srgbClr val="000000"/>
                     </a:solidFill>
@@ -10690,7 +10693,7 @@
               </a:ln>
               <a:extLst>
                 <a:ext uri="{91240B29-F687-4f45-9708-019B960494DF}">
-                  <a14:hiddenLine xmlns="" xmlns:a14="http://schemas.microsoft.com/office/drawing/2010/main" w="9525">
+                  <a14:hiddenLine xmlns:a14="http://schemas.microsoft.com/office/drawing/2010/main" xmlns="" w="9525">
                     <a:solidFill>
                       <a:srgbClr val="000000"/>
                     </a:solidFill>
@@ -10724,7 +10727,7 @@
               </a:ln>
               <a:extLst>
                 <a:ext uri="{91240B29-F687-4f45-9708-019B960494DF}">
-                  <a14:hiddenLine xmlns="" xmlns:a14="http://schemas.microsoft.com/office/drawing/2010/main" w="9525">
+                  <a14:hiddenLine xmlns:a14="http://schemas.microsoft.com/office/drawing/2010/main" xmlns="" w="9525">
                     <a:solidFill>
                       <a:srgbClr val="000000"/>
                     </a:solidFill>
@@ -10789,7 +10792,7 @@
               </a:ln>
               <a:extLst>
                 <a:ext uri="{91240B29-F687-4f45-9708-019B960494DF}">
-                  <a14:hiddenLine xmlns="" xmlns:a14="http://schemas.microsoft.com/office/drawing/2010/main" w="9525">
+                  <a14:hiddenLine xmlns:a14="http://schemas.microsoft.com/office/drawing/2010/main" xmlns="" w="9525">
                     <a:solidFill>
                       <a:srgbClr val="000000"/>
                     </a:solidFill>
@@ -10879,7 +10882,7 @@
               </a:ln>
               <a:extLst>
                 <a:ext uri="{91240B29-F687-4f45-9708-019B960494DF}">
-                  <a14:hiddenLine xmlns="" xmlns:a14="http://schemas.microsoft.com/office/drawing/2010/main" w="9525">
+                  <a14:hiddenLine xmlns:a14="http://schemas.microsoft.com/office/drawing/2010/main" xmlns="" w="9525">
                     <a:solidFill>
                       <a:srgbClr val="000000"/>
                     </a:solidFill>
@@ -10941,7 +10944,7 @@
               </a:ln>
               <a:extLst>
                 <a:ext uri="{91240B29-F687-4f45-9708-019B960494DF}">
-                  <a14:hiddenLine xmlns="" xmlns:a14="http://schemas.microsoft.com/office/drawing/2010/main" w="9525">
+                  <a14:hiddenLine xmlns:a14="http://schemas.microsoft.com/office/drawing/2010/main" xmlns="" w="9525">
                     <a:solidFill>
                       <a:srgbClr val="000000"/>
                     </a:solidFill>
@@ -11031,7 +11034,7 @@
               </a:ln>
               <a:extLst>
                 <a:ext uri="{91240B29-F687-4f45-9708-019B960494DF}">
-                  <a14:hiddenLine xmlns="" xmlns:a14="http://schemas.microsoft.com/office/drawing/2010/main" w="9525">
+                  <a14:hiddenLine xmlns:a14="http://schemas.microsoft.com/office/drawing/2010/main" xmlns="" w="9525">
                     <a:solidFill>
                       <a:srgbClr val="000000"/>
                     </a:solidFill>
@@ -11096,7 +11099,7 @@
               </a:ln>
               <a:extLst>
                 <a:ext uri="{91240B29-F687-4f45-9708-019B960494DF}">
-                  <a14:hiddenLine xmlns="" xmlns:a14="http://schemas.microsoft.com/office/drawing/2010/main" w="9525">
+                  <a14:hiddenLine xmlns:a14="http://schemas.microsoft.com/office/drawing/2010/main" xmlns="" w="9525">
                     <a:solidFill>
                       <a:srgbClr val="000000"/>
                     </a:solidFill>
@@ -11158,7 +11161,7 @@
               </a:ln>
               <a:extLst>
                 <a:ext uri="{91240B29-F687-4f45-9708-019B960494DF}">
-                  <a14:hiddenLine xmlns="" xmlns:a14="http://schemas.microsoft.com/office/drawing/2010/main" w="9525">
+                  <a14:hiddenLine xmlns:a14="http://schemas.microsoft.com/office/drawing/2010/main" xmlns="" w="9525">
                     <a:solidFill>
                       <a:srgbClr val="000000"/>
                     </a:solidFill>
@@ -11248,7 +11251,7 @@
               </a:ln>
               <a:extLst>
                 <a:ext uri="{91240B29-F687-4f45-9708-019B960494DF}">
-                  <a14:hiddenLine xmlns="" xmlns:a14="http://schemas.microsoft.com/office/drawing/2010/main" w="9525">
+                  <a14:hiddenLine xmlns:a14="http://schemas.microsoft.com/office/drawing/2010/main" xmlns="" w="9525">
                     <a:solidFill>
                       <a:srgbClr val="000000"/>
                     </a:solidFill>
@@ -11338,7 +11341,7 @@
               </a:ln>
               <a:extLst>
                 <a:ext uri="{91240B29-F687-4f45-9708-019B960494DF}">
-                  <a14:hiddenLine xmlns="" xmlns:a14="http://schemas.microsoft.com/office/drawing/2010/main" w="9525">
+                  <a14:hiddenLine xmlns:a14="http://schemas.microsoft.com/office/drawing/2010/main" xmlns="" w="9525">
                     <a:solidFill>
                       <a:srgbClr val="000000"/>
                     </a:solidFill>
@@ -11403,7 +11406,7 @@
               </a:ln>
               <a:extLst>
                 <a:ext uri="{91240B29-F687-4f45-9708-019B960494DF}">
-                  <a14:hiddenLine xmlns="" xmlns:a14="http://schemas.microsoft.com/office/drawing/2010/main" w="9525">
+                  <a14:hiddenLine xmlns:a14="http://schemas.microsoft.com/office/drawing/2010/main" xmlns="" w="9525">
                     <a:solidFill>
                       <a:srgbClr val="000000"/>
                     </a:solidFill>
@@ -11523,7 +11526,7 @@
               </a:ln>
               <a:extLst>
                 <a:ext uri="{91240B29-F687-4f45-9708-019B960494DF}">
-                  <a14:hiddenLine xmlns="" xmlns:a14="http://schemas.microsoft.com/office/drawing/2010/main" w="9525">
+                  <a14:hiddenLine xmlns:a14="http://schemas.microsoft.com/office/drawing/2010/main" xmlns="" w="9525">
                     <a:solidFill>
                       <a:srgbClr val="000000"/>
                     </a:solidFill>
@@ -11621,7 +11624,7 @@
               </a:ln>
               <a:extLst>
                 <a:ext uri="{91240B29-F687-4f45-9708-019B960494DF}">
-                  <a14:hiddenLine xmlns="" xmlns:a14="http://schemas.microsoft.com/office/drawing/2010/main" w="9525">
+                  <a14:hiddenLine xmlns:a14="http://schemas.microsoft.com/office/drawing/2010/main" xmlns="" w="9525">
                     <a:solidFill>
                       <a:srgbClr val="000000"/>
                     </a:solidFill>
@@ -11736,7 +11739,7 @@
               </a:ln>
               <a:extLst>
                 <a:ext uri="{91240B29-F687-4f45-9708-019B960494DF}">
-                  <a14:hiddenLine xmlns="" xmlns:a14="http://schemas.microsoft.com/office/drawing/2010/main" w="9525">
+                  <a14:hiddenLine xmlns:a14="http://schemas.microsoft.com/office/drawing/2010/main" xmlns="" w="9525">
                     <a:solidFill>
                       <a:srgbClr val="000000"/>
                     </a:solidFill>
@@ -11826,7 +11829,7 @@
               </a:ln>
               <a:extLst>
                 <a:ext uri="{91240B29-F687-4f45-9708-019B960494DF}">
-                  <a14:hiddenLine xmlns="" xmlns:a14="http://schemas.microsoft.com/office/drawing/2010/main" w="9525">
+                  <a14:hiddenLine xmlns:a14="http://schemas.microsoft.com/office/drawing/2010/main" xmlns="" w="9525">
                     <a:solidFill>
                       <a:srgbClr val="000000"/>
                     </a:solidFill>
@@ -11891,7 +11894,7 @@
               </a:ln>
               <a:extLst>
                 <a:ext uri="{91240B29-F687-4f45-9708-019B960494DF}">
-                  <a14:hiddenLine xmlns="" xmlns:a14="http://schemas.microsoft.com/office/drawing/2010/main" w="9525">
+                  <a14:hiddenLine xmlns:a14="http://schemas.microsoft.com/office/drawing/2010/main" xmlns="" w="9525">
                     <a:solidFill>
                       <a:srgbClr val="000000"/>
                     </a:solidFill>
@@ -11981,7 +11984,7 @@
               </a:ln>
               <a:extLst>
                 <a:ext uri="{91240B29-F687-4f45-9708-019B960494DF}">
-                  <a14:hiddenLine xmlns="" xmlns:a14="http://schemas.microsoft.com/office/drawing/2010/main" w="9525">
+                  <a14:hiddenLine xmlns:a14="http://schemas.microsoft.com/office/drawing/2010/main" xmlns="" w="9525">
                     <a:solidFill>
                       <a:srgbClr val="000000"/>
                     </a:solidFill>
@@ -12049,7 +12052,7 @@
               </a:ln>
               <a:extLst>
                 <a:ext uri="{91240B29-F687-4f45-9708-019B960494DF}">
-                  <a14:hiddenLine xmlns="" xmlns:a14="http://schemas.microsoft.com/office/drawing/2010/main" w="9525">
+                  <a14:hiddenLine xmlns:a14="http://schemas.microsoft.com/office/drawing/2010/main" xmlns="" w="9525">
                     <a:solidFill>
                       <a:srgbClr val="000000"/>
                     </a:solidFill>
@@ -12139,7 +12142,7 @@
               </a:ln>
               <a:extLst>
                 <a:ext uri="{91240B29-F687-4f45-9708-019B960494DF}">
-                  <a14:hiddenLine xmlns="" xmlns:a14="http://schemas.microsoft.com/office/drawing/2010/main" w="9525">
+                  <a14:hiddenLine xmlns:a14="http://schemas.microsoft.com/office/drawing/2010/main" xmlns="" w="9525">
                     <a:solidFill>
                       <a:srgbClr val="000000"/>
                     </a:solidFill>
@@ -12207,7 +12210,7 @@
               </a:ln>
               <a:extLst>
                 <a:ext uri="{91240B29-F687-4f45-9708-019B960494DF}">
-                  <a14:hiddenLine xmlns="" xmlns:a14="http://schemas.microsoft.com/office/drawing/2010/main" w="9525">
+                  <a14:hiddenLine xmlns:a14="http://schemas.microsoft.com/office/drawing/2010/main" xmlns="" w="9525">
                     <a:solidFill>
                       <a:srgbClr val="000000"/>
                     </a:solidFill>
@@ -12297,7 +12300,7 @@
               </a:ln>
               <a:extLst>
                 <a:ext uri="{91240B29-F687-4f45-9708-019B960494DF}">
-                  <a14:hiddenLine xmlns="" xmlns:a14="http://schemas.microsoft.com/office/drawing/2010/main" w="9525">
+                  <a14:hiddenLine xmlns:a14="http://schemas.microsoft.com/office/drawing/2010/main" xmlns="" w="9525">
                     <a:solidFill>
                       <a:srgbClr val="000000"/>
                     </a:solidFill>
@@ -12331,7 +12334,7 @@
               </a:ln>
               <a:extLst>
                 <a:ext uri="{91240B29-F687-4f45-9708-019B960494DF}">
-                  <a14:hiddenLine xmlns="" xmlns:a14="http://schemas.microsoft.com/office/drawing/2010/main" w="9525">
+                  <a14:hiddenLine xmlns:a14="http://schemas.microsoft.com/office/drawing/2010/main" xmlns="" w="9525">
                     <a:solidFill>
                       <a:srgbClr val="000000"/>
                     </a:solidFill>
@@ -13168,6 +13171,769 @@
 </p:sld>
 </file>
 
+<file path=ppt/slides/slide10.xml><?xml version="1.0" encoding="utf-8"?>
+<p:sld xmlns:a="http://schemas.openxmlformats.org/drawingml/2006/main" xmlns:r="http://schemas.openxmlformats.org/officeDocument/2006/relationships" xmlns:p="http://schemas.openxmlformats.org/presentationml/2006/main">
+  <p:cSld>
+    <p:spTree>
+      <p:nvGrpSpPr>
+        <p:cNvPr id="1" name=""/>
+        <p:cNvGrpSpPr/>
+        <p:nvPr/>
+      </p:nvGrpSpPr>
+      <p:grpSpPr>
+        <a:xfrm>
+          <a:off x="0" y="0"/>
+          <a:ext cx="0" cy="0"/>
+          <a:chOff x="0" y="0"/>
+          <a:chExt cx="0" cy="0"/>
+        </a:xfrm>
+      </p:grpSpPr>
+      <p:sp>
+        <p:nvSpPr>
+          <p:cNvPr id="2" name="TextBox 1">
+            <a:extLst>
+              <a:ext uri="{FF2B5EF4-FFF2-40B4-BE49-F238E27FC236}">
+                <a16:creationId xmlns:a16="http://schemas.microsoft.com/office/drawing/2014/main" id="{AE3C6B6C-3C22-4D51-9834-E9D33ED4F33E}"/>
+              </a:ext>
+            </a:extLst>
+          </p:cNvPr>
+          <p:cNvSpPr txBox="1"/>
+          <p:nvPr/>
+        </p:nvSpPr>
+        <p:spPr>
+          <a:xfrm>
+            <a:off x="3851920" y="908720"/>
+            <a:ext cx="479618" cy="369332"/>
+          </a:xfrm>
+          <a:prstGeom prst="rect">
+            <a:avLst/>
+          </a:prstGeom>
+          <a:noFill/>
+        </p:spPr>
+        <p:txBody>
+          <a:bodyPr wrap="none" rtlCol="0">
+            <a:spAutoFit/>
+          </a:bodyPr>
+          <a:lstStyle/>
+          <a:p>
+            <a:r>
+              <a:rPr lang="en-US" dirty="0" err="1">
+                <a:solidFill>
+                  <a:schemeClr val="bg2"/>
+                </a:solidFill>
+              </a:rPr>
+              <a:t>ifix</a:t>
+            </a:r>
+            <a:endParaRPr lang="ru-RU" dirty="0">
+              <a:solidFill>
+                <a:schemeClr val="bg2"/>
+              </a:solidFill>
+            </a:endParaRPr>
+          </a:p>
+        </p:txBody>
+      </p:sp>
+      <p:pic>
+        <p:nvPicPr>
+          <p:cNvPr id="4" name="Рисунок 3">
+            <a:extLst>
+              <a:ext uri="{FF2B5EF4-FFF2-40B4-BE49-F238E27FC236}">
+                <a16:creationId xmlns:a16="http://schemas.microsoft.com/office/drawing/2014/main" id="{063804A6-D2D1-4237-B94A-826F5BF84F1F}"/>
+              </a:ext>
+            </a:extLst>
+          </p:cNvPr>
+          <p:cNvPicPr>
+            <a:picLocks noChangeAspect="1"/>
+          </p:cNvPicPr>
+          <p:nvPr/>
+        </p:nvPicPr>
+        <p:blipFill>
+          <a:blip r:embed="rId2">
+            <a:extLst>
+              <a:ext uri="{28A0092B-C50C-407E-A947-70E740481C1C}">
+                <a14:useLocalDpi xmlns:a14="http://schemas.microsoft.com/office/drawing/2010/main" val="0"/>
+              </a:ext>
+            </a:extLst>
+          </a:blip>
+          <a:stretch>
+            <a:fillRect/>
+          </a:stretch>
+        </p:blipFill>
+        <p:spPr>
+          <a:xfrm>
+            <a:off x="1081087" y="1933575"/>
+            <a:ext cx="6981825" cy="2990850"/>
+          </a:xfrm>
+          <a:prstGeom prst="rect">
+            <a:avLst/>
+          </a:prstGeom>
+        </p:spPr>
+      </p:pic>
+    </p:spTree>
+    <p:extLst>
+      <p:ext uri="{BB962C8B-B14F-4D97-AF65-F5344CB8AC3E}">
+        <p14:creationId xmlns:p14="http://schemas.microsoft.com/office/powerpoint/2010/main" val="3780068422"/>
+      </p:ext>
+    </p:extLst>
+  </p:cSld>
+  <p:clrMapOvr>
+    <a:masterClrMapping/>
+  </p:clrMapOvr>
+</p:sld>
+</file>
+
+<file path=ppt/slides/slide11.xml><?xml version="1.0" encoding="utf-8"?>
+<p:sld xmlns:a="http://schemas.openxmlformats.org/drawingml/2006/main" xmlns:r="http://schemas.openxmlformats.org/officeDocument/2006/relationships" xmlns:p="http://schemas.openxmlformats.org/presentationml/2006/main">
+  <p:cSld>
+    <p:spTree>
+      <p:nvGrpSpPr>
+        <p:cNvPr id="1" name=""/>
+        <p:cNvGrpSpPr/>
+        <p:nvPr/>
+      </p:nvGrpSpPr>
+      <p:grpSpPr>
+        <a:xfrm>
+          <a:off x="0" y="0"/>
+          <a:ext cx="0" cy="0"/>
+          <a:chOff x="0" y="0"/>
+          <a:chExt cx="0" cy="0"/>
+        </a:xfrm>
+      </p:grpSpPr>
+      <p:graphicFrame>
+        <p:nvGraphicFramePr>
+          <p:cNvPr id="2" name="Таблица 2">
+            <a:extLst>
+              <a:ext uri="{FF2B5EF4-FFF2-40B4-BE49-F238E27FC236}">
+                <a16:creationId xmlns:a16="http://schemas.microsoft.com/office/drawing/2014/main" id="{78A17BFD-65CB-45BB-943E-00D57598C10C}"/>
+              </a:ext>
+            </a:extLst>
+          </p:cNvPr>
+          <p:cNvGraphicFramePr>
+            <a:graphicFrameLocks noGrp="1"/>
+          </p:cNvGraphicFramePr>
+          <p:nvPr/>
+        </p:nvGraphicFramePr>
+        <p:xfrm>
+          <a:off x="377788" y="332656"/>
+          <a:ext cx="8388424" cy="6040120"/>
+        </p:xfrm>
+        <a:graphic>
+          <a:graphicData uri="http://schemas.openxmlformats.org/drawingml/2006/table">
+            <a:tbl>
+              <a:tblPr firstRow="1" bandRow="1">
+                <a:tableStyleId>{5C22544A-7EE6-4342-B048-85BDC9FD1C3A}</a:tableStyleId>
+              </a:tblPr>
+              <a:tblGrid>
+                <a:gridCol w="4194212">
+                  <a:extLst>
+                    <a:ext uri="{9D8B030D-6E8A-4147-A177-3AD203B41FA5}">
+                      <a16:colId xmlns:a16="http://schemas.microsoft.com/office/drawing/2014/main" val="2721695029"/>
+                    </a:ext>
+                  </a:extLst>
+                </a:gridCol>
+                <a:gridCol w="4194212">
+                  <a:extLst>
+                    <a:ext uri="{9D8B030D-6E8A-4147-A177-3AD203B41FA5}">
+                      <a16:colId xmlns:a16="http://schemas.microsoft.com/office/drawing/2014/main" val="1928942377"/>
+                    </a:ext>
+                  </a:extLst>
+                </a:gridCol>
+              </a:tblGrid>
+              <a:tr h="370840">
+                <a:tc gridSpan="2">
+                  <a:txBody>
+                    <a:bodyPr/>
+                    <a:lstStyle/>
+                    <a:p>
+                      <a:r>
+                        <a:rPr lang="en-US" dirty="0"/>
+                        <a:t>SIMATIC PCS 7</a:t>
+                      </a:r>
+                      <a:endParaRPr lang="ru-RU" dirty="0"/>
+                    </a:p>
+                  </a:txBody>
+                  <a:tcPr/>
+                </a:tc>
+                <a:tc hMerge="1">
+                  <a:txBody>
+                    <a:bodyPr/>
+                    <a:lstStyle/>
+                    <a:p>
+                      <a:endParaRPr lang="ru-RU" dirty="0"/>
+                    </a:p>
+                  </a:txBody>
+                  <a:tcPr/>
+                </a:tc>
+                <a:extLst>
+                  <a:ext uri="{0D108BD9-81ED-4DB2-BD59-A6C34878D82A}">
+                    <a16:rowId xmlns:a16="http://schemas.microsoft.com/office/drawing/2014/main" val="4035307881"/>
+                  </a:ext>
+                </a:extLst>
+              </a:tr>
+              <a:tr h="370840">
+                <a:tc>
+                  <a:txBody>
+                    <a:bodyPr/>
+                    <a:lstStyle/>
+                    <a:p>
+                      <a:r>
+                        <a:rPr lang="en-US" dirty="0"/>
+                        <a:t>AS Runtime license</a:t>
+                      </a:r>
+                      <a:endParaRPr lang="ru-RU" dirty="0"/>
+                    </a:p>
+                  </a:txBody>
+                  <a:tcPr/>
+                </a:tc>
+                <a:tc>
+                  <a:txBody>
+                    <a:bodyPr/>
+                    <a:lstStyle/>
+                    <a:p>
+                      <a:r>
+                        <a:rPr lang="ru-RU" dirty="0"/>
+                        <a:t>Цена зависит от объектов процесса (</a:t>
+                      </a:r>
+                      <a:r>
+                        <a:rPr lang="en-US" dirty="0"/>
+                        <a:t>PO 100</a:t>
+                      </a:r>
+                      <a:r>
+                        <a:rPr lang="ru-RU" dirty="0"/>
+                        <a:t>, </a:t>
+                      </a:r>
+                      <a:r>
+                        <a:rPr lang="en-US" dirty="0"/>
+                        <a:t>PO 1000</a:t>
+                      </a:r>
+                      <a:r>
+                        <a:rPr lang="ru-RU" dirty="0"/>
+                        <a:t> или </a:t>
+                      </a:r>
+                      <a:r>
+                        <a:rPr lang="en-US" dirty="0"/>
+                        <a:t>PO 10000</a:t>
+                      </a:r>
+                      <a:r>
+                        <a:rPr lang="ru-RU" dirty="0"/>
+                        <a:t>)</a:t>
+                      </a:r>
+                    </a:p>
+                  </a:txBody>
+                  <a:tcPr/>
+                </a:tc>
+                <a:extLst>
+                  <a:ext uri="{0D108BD9-81ED-4DB2-BD59-A6C34878D82A}">
+                    <a16:rowId xmlns:a16="http://schemas.microsoft.com/office/drawing/2014/main" val="2288873208"/>
+                  </a:ext>
+                </a:extLst>
+              </a:tr>
+              <a:tr h="370840">
+                <a:tc>
+                  <a:txBody>
+                    <a:bodyPr/>
+                    <a:lstStyle/>
+                    <a:p>
+                      <a:r>
+                        <a:rPr lang="en-US" dirty="0"/>
+                        <a:t>OS Runtime license</a:t>
+                      </a:r>
+                      <a:endParaRPr lang="ru-RU" dirty="0"/>
+                    </a:p>
+                  </a:txBody>
+                  <a:tcPr/>
+                </a:tc>
+                <a:tc>
+                  <a:txBody>
+                    <a:bodyPr/>
+                    <a:lstStyle/>
+                    <a:p>
+                      <a:pPr marL="0" marR="0" lvl="0" indent="0" algn="l" defTabSz="914400" rtl="0" eaLnBrk="1" fontAlgn="auto" latinLnBrk="0" hangingPunct="1">
+                        <a:lnSpc>
+                          <a:spcPct val="100000"/>
+                        </a:lnSpc>
+                        <a:spcBef>
+                          <a:spcPts val="0"/>
+                        </a:spcBef>
+                        <a:spcAft>
+                          <a:spcPts val="0"/>
+                        </a:spcAft>
+                        <a:buClrTx/>
+                        <a:buSzTx/>
+                        <a:buFontTx/>
+                        <a:buNone/>
+                        <a:tabLst/>
+                        <a:defRPr/>
+                      </a:pPr>
+                      <a:r>
+                        <a:rPr lang="ru-RU" dirty="0"/>
+                        <a:t>Цена зависит от объектов процесса (</a:t>
+                      </a:r>
+                      <a:r>
+                        <a:rPr lang="en-US" dirty="0"/>
+                        <a:t>PO 100</a:t>
+                      </a:r>
+                      <a:r>
+                        <a:rPr lang="ru-RU" dirty="0"/>
+                        <a:t>, </a:t>
+                      </a:r>
+                      <a:r>
+                        <a:rPr lang="en-US" dirty="0"/>
+                        <a:t>PO 1000</a:t>
+                      </a:r>
+                      <a:r>
+                        <a:rPr lang="ru-RU" dirty="0"/>
+                        <a:t> или </a:t>
+                      </a:r>
+                      <a:r>
+                        <a:rPr lang="en-US" dirty="0"/>
+                        <a:t>PO </a:t>
+                      </a:r>
+                      <a:r>
+                        <a:rPr lang="ru-RU" dirty="0"/>
+                        <a:t>5</a:t>
+                      </a:r>
+                      <a:r>
+                        <a:rPr lang="en-US" dirty="0"/>
+                        <a:t>000</a:t>
+                      </a:r>
+                      <a:r>
+                        <a:rPr lang="ru-RU" dirty="0"/>
+                        <a:t>)</a:t>
+                      </a:r>
+                    </a:p>
+                  </a:txBody>
+                  <a:tcPr/>
+                </a:tc>
+                <a:extLst>
+                  <a:ext uri="{0D108BD9-81ED-4DB2-BD59-A6C34878D82A}">
+                    <a16:rowId xmlns:a16="http://schemas.microsoft.com/office/drawing/2014/main" val="3615720567"/>
+                  </a:ext>
+                </a:extLst>
+              </a:tr>
+              <a:tr h="370840">
+                <a:tc>
+                  <a:txBody>
+                    <a:bodyPr/>
+                    <a:lstStyle/>
+                    <a:p>
+                      <a:r>
+                        <a:rPr lang="en-US" dirty="0"/>
+                        <a:t>OS archive</a:t>
+                      </a:r>
+                      <a:endParaRPr lang="ru-RU" dirty="0"/>
+                    </a:p>
+                  </a:txBody>
+                  <a:tcPr/>
+                </a:tc>
+                <a:tc>
+                  <a:txBody>
+                    <a:bodyPr/>
+                    <a:lstStyle/>
+                    <a:p>
+                      <a:r>
+                        <a:rPr lang="ru-RU" dirty="0"/>
+                        <a:t>Цена зависит от количества тегов (</a:t>
+                      </a:r>
+                      <a:r>
+                        <a:rPr lang="en-US" dirty="0"/>
+                        <a:t>1500 TAGS</a:t>
+                      </a:r>
+                      <a:r>
+                        <a:rPr lang="ru-RU" dirty="0"/>
+                        <a:t>, </a:t>
+                      </a:r>
+                      <a:r>
+                        <a:rPr lang="en-US" dirty="0"/>
+                        <a:t>5000 TAGS</a:t>
+                      </a:r>
+                      <a:r>
+                        <a:rPr lang="ru-RU" dirty="0"/>
+                        <a:t>, </a:t>
+                      </a:r>
+                      <a:r>
+                        <a:rPr lang="en-US" dirty="0"/>
+                        <a:t>10000 TAGS</a:t>
+                      </a:r>
+                      <a:r>
+                        <a:rPr lang="ru-RU" dirty="0"/>
+                        <a:t>, </a:t>
+                      </a:r>
+                      <a:r>
+                        <a:rPr lang="en-US" dirty="0"/>
+                        <a:t>30000 TAGS</a:t>
+                      </a:r>
+                      <a:r>
+                        <a:rPr lang="ru-RU" dirty="0"/>
+                        <a:t>)</a:t>
+                      </a:r>
+                    </a:p>
+                  </a:txBody>
+                  <a:tcPr/>
+                </a:tc>
+                <a:extLst>
+                  <a:ext uri="{0D108BD9-81ED-4DB2-BD59-A6C34878D82A}">
+                    <a16:rowId xmlns:a16="http://schemas.microsoft.com/office/drawing/2014/main" val="4078708724"/>
+                  </a:ext>
+                </a:extLst>
+              </a:tr>
+              <a:tr h="419432">
+                <a:tc>
+                  <a:txBody>
+                    <a:bodyPr/>
+                    <a:lstStyle/>
+                    <a:p>
+                      <a:r>
+                        <a:rPr lang="en-US" dirty="0"/>
+                        <a:t>PDM</a:t>
+                      </a:r>
+                      <a:endParaRPr lang="ru-RU" dirty="0"/>
+                    </a:p>
+                  </a:txBody>
+                  <a:tcPr/>
+                </a:tc>
+                <a:tc>
+                  <a:txBody>
+                    <a:bodyPr/>
+                    <a:lstStyle/>
+                    <a:p>
+                      <a:pPr marL="0" marR="0" lvl="0" indent="0" algn="l" defTabSz="914400" rtl="0" eaLnBrk="1" fontAlgn="auto" latinLnBrk="0" hangingPunct="1">
+                        <a:lnSpc>
+                          <a:spcPct val="100000"/>
+                        </a:lnSpc>
+                        <a:spcBef>
+                          <a:spcPts val="0"/>
+                        </a:spcBef>
+                        <a:spcAft>
+                          <a:spcPts val="0"/>
+                        </a:spcAft>
+                        <a:buClrTx/>
+                        <a:buSzTx/>
+                        <a:buFontTx/>
+                        <a:buNone/>
+                        <a:tabLst/>
+                        <a:defRPr/>
+                      </a:pPr>
+                      <a:r>
+                        <a:rPr lang="ru-RU" dirty="0"/>
+                        <a:t>Цена зависит от количества тегов (</a:t>
+                      </a:r>
+                      <a:r>
+                        <a:rPr lang="en-US" dirty="0"/>
+                        <a:t>1500 TAGS</a:t>
+                      </a:r>
+                      <a:r>
+                        <a:rPr lang="ru-RU" dirty="0"/>
+                        <a:t>, </a:t>
+                      </a:r>
+                      <a:r>
+                        <a:rPr lang="en-US" dirty="0"/>
+                        <a:t>5000 TAGS</a:t>
+                      </a:r>
+                      <a:r>
+                        <a:rPr lang="ru-RU" dirty="0"/>
+                        <a:t>, </a:t>
+                      </a:r>
+                      <a:r>
+                        <a:rPr lang="en-US" dirty="0"/>
+                        <a:t>10000 TAGS</a:t>
+                      </a:r>
+                      <a:r>
+                        <a:rPr lang="ru-RU" dirty="0"/>
+                        <a:t>, </a:t>
+                      </a:r>
+                      <a:r>
+                        <a:rPr lang="en-US" dirty="0"/>
+                        <a:t>30000 TAGS</a:t>
+                      </a:r>
+                      <a:r>
+                        <a:rPr lang="ru-RU" dirty="0"/>
+                        <a:t>)</a:t>
+                      </a:r>
+                    </a:p>
+                  </a:txBody>
+                  <a:tcPr/>
+                </a:tc>
+                <a:extLst>
+                  <a:ext uri="{0D108BD9-81ED-4DB2-BD59-A6C34878D82A}">
+                    <a16:rowId xmlns:a16="http://schemas.microsoft.com/office/drawing/2014/main" val="3769730462"/>
+                  </a:ext>
+                </a:extLst>
+              </a:tr>
+              <a:tr h="370840">
+                <a:tc>
+                  <a:txBody>
+                    <a:bodyPr/>
+                    <a:lstStyle/>
+                    <a:p>
+                      <a:r>
+                        <a:rPr lang="en-US" dirty="0"/>
+                        <a:t>BATCH</a:t>
+                      </a:r>
+                      <a:endParaRPr lang="ru-RU" dirty="0"/>
+                    </a:p>
+                  </a:txBody>
+                  <a:tcPr/>
+                </a:tc>
+                <a:tc>
+                  <a:txBody>
+                    <a:bodyPr/>
+                    <a:lstStyle/>
+                    <a:p>
+                      <a:r>
+                        <a:rPr lang="ru-RU" dirty="0"/>
+                        <a:t>Цена зависит от количества единиц (</a:t>
+                      </a:r>
+                      <a:r>
+                        <a:rPr lang="en-US" dirty="0"/>
+                        <a:t>1 UNIT</a:t>
+                      </a:r>
+                      <a:r>
+                        <a:rPr lang="ru-RU" dirty="0"/>
+                        <a:t>,</a:t>
+                      </a:r>
+                      <a:r>
+                        <a:rPr lang="en-US" dirty="0"/>
+                        <a:t> </a:t>
+                      </a:r>
+                      <a:r>
+                        <a:rPr lang="ru-RU" dirty="0"/>
+                        <a:t>10</a:t>
+                      </a:r>
+                      <a:r>
+                        <a:rPr lang="en-US" dirty="0"/>
+                        <a:t> UNIT</a:t>
+                      </a:r>
+                      <a:r>
+                        <a:rPr lang="ru-RU" dirty="0"/>
+                        <a:t>, 50 </a:t>
+                      </a:r>
+                      <a:r>
+                        <a:rPr lang="en-US" dirty="0"/>
+                        <a:t>UNIT</a:t>
+                      </a:r>
+                      <a:r>
+                        <a:rPr lang="ru-RU" dirty="0"/>
+                        <a:t>)</a:t>
+                      </a:r>
+                    </a:p>
+                  </a:txBody>
+                  <a:tcPr/>
+                </a:tc>
+                <a:extLst>
+                  <a:ext uri="{0D108BD9-81ED-4DB2-BD59-A6C34878D82A}">
+                    <a16:rowId xmlns:a16="http://schemas.microsoft.com/office/drawing/2014/main" val="4000178332"/>
+                  </a:ext>
+                </a:extLst>
+              </a:tr>
+              <a:tr h="370840">
+                <a:tc>
+                  <a:txBody>
+                    <a:bodyPr/>
+                    <a:lstStyle/>
+                    <a:p>
+                      <a:r>
+                        <a:rPr lang="en-US" dirty="0"/>
+                        <a:t>Route Control </a:t>
+                      </a:r>
+                      <a:r>
+                        <a:rPr lang="en-US" dirty="0">
+                          <a:highlight>
+                            <a:srgbClr val="FFFF00"/>
+                          </a:highlight>
+                        </a:rPr>
+                        <a:t>Routes</a:t>
+                      </a:r>
+                      <a:r>
+                        <a:rPr lang="en-US" dirty="0"/>
+                        <a:t> </a:t>
+                      </a:r>
+                      <a:endParaRPr lang="ru-RU" dirty="0"/>
+                    </a:p>
+                  </a:txBody>
+                  <a:tcPr/>
+                </a:tc>
+                <a:tc>
+                  <a:txBody>
+                    <a:bodyPr/>
+                    <a:lstStyle/>
+                    <a:p>
+                      <a:r>
+                        <a:rPr lang="ru-RU" dirty="0"/>
+                        <a:t>Цена зависит от количества ? (</a:t>
+                      </a:r>
+                      <a:r>
+                        <a:rPr lang="en-US" dirty="0"/>
+                        <a:t>10 ROUTES</a:t>
+                      </a:r>
+                      <a:r>
+                        <a:rPr lang="ru-RU" dirty="0"/>
+                        <a:t>, 5</a:t>
+                      </a:r>
+                      <a:r>
+                        <a:rPr lang="en-US" dirty="0"/>
+                        <a:t>0 ROUTES</a:t>
+                      </a:r>
+                      <a:r>
+                        <a:rPr lang="ru-RU" dirty="0"/>
+                        <a:t>)</a:t>
+                      </a:r>
+                    </a:p>
+                  </a:txBody>
+                  <a:tcPr/>
+                </a:tc>
+                <a:extLst>
+                  <a:ext uri="{0D108BD9-81ED-4DB2-BD59-A6C34878D82A}">
+                    <a16:rowId xmlns:a16="http://schemas.microsoft.com/office/drawing/2014/main" val="3337858158"/>
+                  </a:ext>
+                </a:extLst>
+              </a:tr>
+              <a:tr h="370840">
+                <a:tc>
+                  <a:txBody>
+                    <a:bodyPr/>
+                    <a:lstStyle/>
+                    <a:p>
+                      <a:r>
+                        <a:rPr lang="en-US" dirty="0"/>
+                        <a:t>Maintenance RT </a:t>
+                      </a:r>
+                      <a:endParaRPr lang="ru-RU" dirty="0"/>
+                    </a:p>
+                  </a:txBody>
+                  <a:tcPr/>
+                </a:tc>
+                <a:tc>
+                  <a:txBody>
+                    <a:bodyPr/>
+                    <a:lstStyle/>
+                    <a:p>
+                      <a:pPr marL="0" marR="0" lvl="0" indent="0" algn="l" defTabSz="914400" rtl="0" eaLnBrk="1" fontAlgn="auto" latinLnBrk="0" hangingPunct="1">
+                        <a:lnSpc>
+                          <a:spcPct val="100000"/>
+                        </a:lnSpc>
+                        <a:spcBef>
+                          <a:spcPts val="0"/>
+                        </a:spcBef>
+                        <a:spcAft>
+                          <a:spcPts val="0"/>
+                        </a:spcAft>
+                        <a:buClrTx/>
+                        <a:buSzTx/>
+                        <a:buFontTx/>
+                        <a:buNone/>
+                        <a:tabLst/>
+                        <a:defRPr/>
+                      </a:pPr>
+                      <a:r>
+                        <a:rPr lang="ru-RU" dirty="0"/>
+                        <a:t>Цена зависит от количества тегов (1</a:t>
+                      </a:r>
+                      <a:r>
+                        <a:rPr lang="en-US" dirty="0"/>
+                        <a:t>00 TAGS</a:t>
+                      </a:r>
+                      <a:r>
+                        <a:rPr lang="ru-RU" dirty="0"/>
+                        <a:t>, 1</a:t>
+                      </a:r>
+                      <a:r>
+                        <a:rPr lang="en-US" dirty="0"/>
+                        <a:t>000 TAGS</a:t>
+                      </a:r>
+                      <a:r>
+                        <a:rPr lang="ru-RU" dirty="0"/>
+                        <a:t>)</a:t>
+                      </a:r>
+                    </a:p>
+                  </a:txBody>
+                  <a:tcPr/>
+                </a:tc>
+                <a:extLst>
+                  <a:ext uri="{0D108BD9-81ED-4DB2-BD59-A6C34878D82A}">
+                    <a16:rowId xmlns:a16="http://schemas.microsoft.com/office/drawing/2014/main" val="1568899916"/>
+                  </a:ext>
+                </a:extLst>
+              </a:tr>
+              <a:tr h="370840">
+                <a:tc>
+                  <a:txBody>
+                    <a:bodyPr/>
+                    <a:lstStyle/>
+                    <a:p>
+                      <a:r>
+                        <a:rPr lang="en-US" dirty="0"/>
+                        <a:t>SIMATIC Management Console </a:t>
+                      </a:r>
+                      <a:endParaRPr lang="ru-RU" dirty="0"/>
+                    </a:p>
+                  </a:txBody>
+                  <a:tcPr/>
+                </a:tc>
+                <a:tc>
+                  <a:txBody>
+                    <a:bodyPr/>
+                    <a:lstStyle/>
+                    <a:p>
+                      <a:r>
+                        <a:rPr lang="ru-RU" dirty="0"/>
+                        <a:t>Цена зависит от количества агентов </a:t>
+                      </a:r>
+                      <a:r>
+                        <a:rPr lang="en-US" dirty="0"/>
+                        <a:t>(10 AGENTS</a:t>
+                      </a:r>
+                      <a:r>
+                        <a:rPr lang="ru-RU" dirty="0"/>
+                        <a:t>, 5</a:t>
+                      </a:r>
+                      <a:r>
+                        <a:rPr lang="en-US" dirty="0"/>
+                        <a:t>0 AGENTS</a:t>
+                      </a:r>
+                      <a:r>
+                        <a:rPr lang="ru-RU" dirty="0"/>
+                        <a:t>, </a:t>
+                      </a:r>
+                      <a:r>
+                        <a:rPr lang="en-US" dirty="0"/>
+                        <a:t>10</a:t>
+                      </a:r>
+                      <a:r>
+                        <a:rPr lang="ru-RU" dirty="0"/>
+                        <a:t>0</a:t>
+                      </a:r>
+                      <a:r>
+                        <a:rPr lang="en-US" dirty="0"/>
+                        <a:t> AGENTS)</a:t>
+                      </a:r>
+                      <a:endParaRPr lang="ru-RU" dirty="0"/>
+                    </a:p>
+                  </a:txBody>
+                  <a:tcPr/>
+                </a:tc>
+                <a:extLst>
+                  <a:ext uri="{0D108BD9-81ED-4DB2-BD59-A6C34878D82A}">
+                    <a16:rowId xmlns:a16="http://schemas.microsoft.com/office/drawing/2014/main" val="2967167339"/>
+                  </a:ext>
+                </a:extLst>
+              </a:tr>
+            </a:tbl>
+          </a:graphicData>
+        </a:graphic>
+      </p:graphicFrame>
+    </p:spTree>
+    <p:extLst>
+      <p:ext uri="{BB962C8B-B14F-4D97-AF65-F5344CB8AC3E}">
+        <p14:creationId xmlns:p14="http://schemas.microsoft.com/office/powerpoint/2010/main" val="3138048962"/>
+      </p:ext>
+    </p:extLst>
+  </p:cSld>
+  <p:clrMapOvr>
+    <a:masterClrMapping/>
+  </p:clrMapOvr>
+</p:sld>
+</file>
+
 <file path=ppt/slides/slide2.xml><?xml version="1.0" encoding="utf-8"?>
 <p:sld xmlns:a="http://schemas.openxmlformats.org/drawingml/2006/main" xmlns:r="http://schemas.openxmlformats.org/officeDocument/2006/relationships" xmlns:p="http://schemas.openxmlformats.org/presentationml/2006/main">
   <p:cSld>
@@ -15803,6 +16569,728 @@
     <p:extLst>
       <p:ext uri="{BB962C8B-B14F-4D97-AF65-F5344CB8AC3E}">
         <p14:creationId xmlns:p14="http://schemas.microsoft.com/office/powerpoint/2010/main" val="3377644875"/>
+      </p:ext>
+    </p:extLst>
+  </p:cSld>
+  <p:clrMapOvr>
+    <a:masterClrMapping/>
+  </p:clrMapOvr>
+</p:sld>
+</file>
+
+<file path=ppt/slides/slide9.xml><?xml version="1.0" encoding="utf-8"?>
+<p:sld xmlns:a="http://schemas.openxmlformats.org/drawingml/2006/main" xmlns:r="http://schemas.openxmlformats.org/officeDocument/2006/relationships" xmlns:p="http://schemas.openxmlformats.org/presentationml/2006/main">
+  <p:cSld>
+    <p:spTree>
+      <p:nvGrpSpPr>
+        <p:cNvPr id="1" name=""/>
+        <p:cNvGrpSpPr/>
+        <p:nvPr/>
+      </p:nvGrpSpPr>
+      <p:grpSpPr>
+        <a:xfrm>
+          <a:off x="0" y="0"/>
+          <a:ext cx="0" cy="0"/>
+          <a:chOff x="0" y="0"/>
+          <a:chExt cx="0" cy="0"/>
+        </a:xfrm>
+      </p:grpSpPr>
+      <p:graphicFrame>
+        <p:nvGraphicFramePr>
+          <p:cNvPr id="2" name="Таблица 2">
+            <a:extLst>
+              <a:ext uri="{FF2B5EF4-FFF2-40B4-BE49-F238E27FC236}">
+                <a16:creationId xmlns:a16="http://schemas.microsoft.com/office/drawing/2014/main" id="{12DCB8F0-10E8-44B0-9AA1-8EBA1A30698D}"/>
+              </a:ext>
+            </a:extLst>
+          </p:cNvPr>
+          <p:cNvGraphicFramePr>
+            <a:graphicFrameLocks noGrp="1"/>
+          </p:cNvGraphicFramePr>
+          <p:nvPr/>
+        </p:nvGraphicFramePr>
+        <p:xfrm>
+          <a:off x="-36512" y="-33302"/>
+          <a:ext cx="9180512" cy="6891304"/>
+        </p:xfrm>
+        <a:graphic>
+          <a:graphicData uri="http://schemas.openxmlformats.org/drawingml/2006/table">
+            <a:tbl>
+              <a:tblPr firstRow="1" bandRow="1">
+                <a:tableStyleId>{5C22544A-7EE6-4342-B048-85BDC9FD1C3A}</a:tableStyleId>
+              </a:tblPr>
+              <a:tblGrid>
+                <a:gridCol w="4590256">
+                  <a:extLst>
+                    <a:ext uri="{9D8B030D-6E8A-4147-A177-3AD203B41FA5}">
+                      <a16:colId xmlns:a16="http://schemas.microsoft.com/office/drawing/2014/main" val="1205991554"/>
+                    </a:ext>
+                  </a:extLst>
+                </a:gridCol>
+                <a:gridCol w="4590256">
+                  <a:extLst>
+                    <a:ext uri="{9D8B030D-6E8A-4147-A177-3AD203B41FA5}">
+                      <a16:colId xmlns:a16="http://schemas.microsoft.com/office/drawing/2014/main" val="4215375951"/>
+                    </a:ext>
+                  </a:extLst>
+                </a:gridCol>
+              </a:tblGrid>
+              <a:tr h="558457">
+                <a:tc gridSpan="2">
+                  <a:txBody>
+                    <a:bodyPr/>
+                    <a:lstStyle/>
+                    <a:p>
+                      <a:r>
+                        <a:rPr lang="en-US" sz="1800" dirty="0"/>
+                        <a:t>WinCC Open Architecture</a:t>
+                      </a:r>
+                      <a:endParaRPr lang="ru-RU" sz="1800" dirty="0"/>
+                    </a:p>
+                  </a:txBody>
+                  <a:tcPr/>
+                </a:tc>
+                <a:tc hMerge="1">
+                  <a:txBody>
+                    <a:bodyPr/>
+                    <a:lstStyle/>
+                    <a:p>
+                      <a:endParaRPr lang="ru-RU" dirty="0"/>
+                    </a:p>
+                  </a:txBody>
+                  <a:tcPr/>
+                </a:tc>
+                <a:extLst>
+                  <a:ext uri="{0D108BD9-81ED-4DB2-BD59-A6C34878D82A}">
+                    <a16:rowId xmlns:a16="http://schemas.microsoft.com/office/drawing/2014/main" val="1277603418"/>
+                  </a:ext>
+                </a:extLst>
+              </a:tr>
+              <a:tr h="359506">
+                <a:tc>
+                  <a:txBody>
+                    <a:bodyPr/>
+                    <a:lstStyle/>
+                    <a:p>
+                      <a:r>
+                        <a:rPr lang="en-US" sz="1400" dirty="0"/>
+                        <a:t>Single License Runtime</a:t>
+                      </a:r>
+                      <a:r>
+                        <a:rPr lang="ru-RU" sz="1400" dirty="0"/>
+                        <a:t> (конфигурация сервера)</a:t>
+                      </a:r>
+                    </a:p>
+                  </a:txBody>
+                  <a:tcPr/>
+                </a:tc>
+                <a:tc>
+                  <a:txBody>
+                    <a:bodyPr/>
+                    <a:lstStyle/>
+                    <a:p>
+                      <a:r>
+                        <a:rPr lang="ru-RU" sz="1400" dirty="0"/>
+                        <a:t>Цена зависит от количества тегов</a:t>
+                      </a:r>
+                    </a:p>
+                  </a:txBody>
+                  <a:tcPr/>
+                </a:tc>
+                <a:extLst>
+                  <a:ext uri="{0D108BD9-81ED-4DB2-BD59-A6C34878D82A}">
+                    <a16:rowId xmlns:a16="http://schemas.microsoft.com/office/drawing/2014/main" val="1861624193"/>
+                  </a:ext>
+                </a:extLst>
+              </a:tr>
+              <a:tr h="483004">
+                <a:tc>
+                  <a:txBody>
+                    <a:bodyPr/>
+                    <a:lstStyle/>
+                    <a:p>
+                      <a:r>
+                        <a:rPr lang="en-US" sz="1400" dirty="0"/>
+                        <a:t>WinCC OA </a:t>
+                      </a:r>
+                      <a:r>
+                        <a:rPr lang="en-US" sz="1400" dirty="0" err="1"/>
+                        <a:t>Nanobox</a:t>
+                      </a:r>
+                      <a:endParaRPr lang="ru-RU" sz="1400" dirty="0"/>
+                    </a:p>
+                  </a:txBody>
+                  <a:tcPr/>
+                </a:tc>
+                <a:tc>
+                  <a:txBody>
+                    <a:bodyPr/>
+                    <a:lstStyle/>
+                    <a:p>
+                      <a:pPr marL="0" marR="0" lvl="0" indent="0" algn="l" defTabSz="914400" rtl="0" eaLnBrk="1" fontAlgn="auto" latinLnBrk="0" hangingPunct="1">
+                        <a:lnSpc>
+                          <a:spcPct val="100000"/>
+                        </a:lnSpc>
+                        <a:spcBef>
+                          <a:spcPts val="0"/>
+                        </a:spcBef>
+                        <a:spcAft>
+                          <a:spcPts val="0"/>
+                        </a:spcAft>
+                        <a:buClrTx/>
+                        <a:buSzTx/>
+                        <a:buFontTx/>
+                        <a:buNone/>
+                        <a:tabLst/>
+                        <a:defRPr/>
+                      </a:pPr>
+                      <a:r>
+                        <a:rPr lang="ru-RU" sz="1400" dirty="0"/>
+                        <a:t>Цена зависит от количества тегов</a:t>
+                      </a:r>
+                    </a:p>
+                  </a:txBody>
+                  <a:tcPr/>
+                </a:tc>
+                <a:extLst>
+                  <a:ext uri="{0D108BD9-81ED-4DB2-BD59-A6C34878D82A}">
+                    <a16:rowId xmlns:a16="http://schemas.microsoft.com/office/drawing/2014/main" val="2275721906"/>
+                  </a:ext>
+                </a:extLst>
+              </a:tr>
+              <a:tr h="359506">
+                <a:tc>
+                  <a:txBody>
+                    <a:bodyPr/>
+                    <a:lstStyle/>
+                    <a:p>
+                      <a:r>
+                        <a:rPr lang="en-US" sz="1400" dirty="0"/>
+                        <a:t>Desktop UI</a:t>
+                      </a:r>
+                      <a:endParaRPr lang="ru-RU" sz="1400" dirty="0"/>
+                    </a:p>
+                  </a:txBody>
+                  <a:tcPr/>
+                </a:tc>
+                <a:tc>
+                  <a:txBody>
+                    <a:bodyPr/>
+                    <a:lstStyle/>
+                    <a:p>
+                      <a:r>
+                        <a:rPr lang="ru-RU" sz="1400" dirty="0"/>
+                        <a:t>Цена зависит от количества рабочих станций</a:t>
+                      </a:r>
+                    </a:p>
+                  </a:txBody>
+                  <a:tcPr/>
+                </a:tc>
+                <a:extLst>
+                  <a:ext uri="{0D108BD9-81ED-4DB2-BD59-A6C34878D82A}">
+                    <a16:rowId xmlns:a16="http://schemas.microsoft.com/office/drawing/2014/main" val="252572709"/>
+                  </a:ext>
+                </a:extLst>
+              </a:tr>
+              <a:tr h="359506">
+                <a:tc>
+                  <a:txBody>
+                    <a:bodyPr/>
+                    <a:lstStyle/>
+                    <a:p>
+                      <a:r>
+                        <a:rPr lang="en-US" sz="1400" dirty="0"/>
+                        <a:t>Ultralight UX </a:t>
+                      </a:r>
+                      <a:endParaRPr lang="ru-RU" sz="1400" dirty="0"/>
+                    </a:p>
+                  </a:txBody>
+                  <a:tcPr/>
+                </a:tc>
+                <a:tc>
+                  <a:txBody>
+                    <a:bodyPr/>
+                    <a:lstStyle/>
+                    <a:p>
+                      <a:pPr marL="0" marR="0" lvl="0" indent="0" algn="l" defTabSz="914400" rtl="0" eaLnBrk="1" fontAlgn="auto" latinLnBrk="0" hangingPunct="1">
+                        <a:lnSpc>
+                          <a:spcPct val="100000"/>
+                        </a:lnSpc>
+                        <a:spcBef>
+                          <a:spcPts val="0"/>
+                        </a:spcBef>
+                        <a:spcAft>
+                          <a:spcPts val="0"/>
+                        </a:spcAft>
+                        <a:buClrTx/>
+                        <a:buSzTx/>
+                        <a:buFontTx/>
+                        <a:buNone/>
+                        <a:tabLst/>
+                        <a:defRPr/>
+                      </a:pPr>
+                      <a:r>
+                        <a:rPr lang="ru-RU" sz="1400" dirty="0"/>
+                        <a:t>Цена зависит от количества рабочих станций</a:t>
+                      </a:r>
+                    </a:p>
+                  </a:txBody>
+                  <a:tcPr/>
+                </a:tc>
+                <a:extLst>
+                  <a:ext uri="{0D108BD9-81ED-4DB2-BD59-A6C34878D82A}">
+                    <a16:rowId xmlns:a16="http://schemas.microsoft.com/office/drawing/2014/main" val="3654514143"/>
+                  </a:ext>
+                </a:extLst>
+              </a:tr>
+              <a:tr h="359506">
+                <a:tc>
+                  <a:txBody>
+                    <a:bodyPr/>
+                    <a:lstStyle/>
+                    <a:p>
+                      <a:r>
+                        <a:rPr lang="en-US" sz="1400" dirty="0"/>
+                        <a:t>Mobile UI </a:t>
+                      </a:r>
+                      <a:endParaRPr lang="ru-RU" sz="1400" dirty="0"/>
+                    </a:p>
+                  </a:txBody>
+                  <a:tcPr/>
+                </a:tc>
+                <a:tc>
+                  <a:txBody>
+                    <a:bodyPr/>
+                    <a:lstStyle/>
+                    <a:p>
+                      <a:pPr marL="0" marR="0" lvl="0" indent="0" algn="l" defTabSz="914400" rtl="0" eaLnBrk="1" fontAlgn="auto" latinLnBrk="0" hangingPunct="1">
+                        <a:lnSpc>
+                          <a:spcPct val="100000"/>
+                        </a:lnSpc>
+                        <a:spcBef>
+                          <a:spcPts val="0"/>
+                        </a:spcBef>
+                        <a:spcAft>
+                          <a:spcPts val="0"/>
+                        </a:spcAft>
+                        <a:buClrTx/>
+                        <a:buSzTx/>
+                        <a:buFontTx/>
+                        <a:buNone/>
+                        <a:tabLst/>
+                        <a:defRPr/>
+                      </a:pPr>
+                      <a:r>
+                        <a:rPr lang="ru-RU" sz="1400" dirty="0"/>
+                        <a:t>Цена зависит от количества мобильных устройств</a:t>
+                      </a:r>
+                    </a:p>
+                  </a:txBody>
+                  <a:tcPr/>
+                </a:tc>
+                <a:extLst>
+                  <a:ext uri="{0D108BD9-81ED-4DB2-BD59-A6C34878D82A}">
+                    <a16:rowId xmlns:a16="http://schemas.microsoft.com/office/drawing/2014/main" val="1469659890"/>
+                  </a:ext>
+                </a:extLst>
+              </a:tr>
+              <a:tr h="528192">
+                <a:tc>
+                  <a:txBody>
+                    <a:bodyPr/>
+                    <a:lstStyle/>
+                    <a:p>
+                      <a:r>
+                        <a:rPr lang="en-US" sz="1400" dirty="0"/>
+                        <a:t>WinCC OA OPERATOR</a:t>
+                      </a:r>
+                      <a:endParaRPr lang="ru-RU" sz="1400" dirty="0"/>
+                    </a:p>
+                  </a:txBody>
+                  <a:tcPr/>
+                </a:tc>
+                <a:tc>
+                  <a:txBody>
+                    <a:bodyPr/>
+                    <a:lstStyle/>
+                    <a:p>
+                      <a:pPr marL="0" marR="0" lvl="0" indent="0" algn="l" defTabSz="914400" rtl="0" eaLnBrk="1" fontAlgn="auto" latinLnBrk="0" hangingPunct="1">
+                        <a:lnSpc>
+                          <a:spcPct val="100000"/>
+                        </a:lnSpc>
+                        <a:spcBef>
+                          <a:spcPts val="0"/>
+                        </a:spcBef>
+                        <a:spcAft>
+                          <a:spcPts val="0"/>
+                        </a:spcAft>
+                        <a:buClrTx/>
+                        <a:buSzTx/>
+                        <a:buFontTx/>
+                        <a:buNone/>
+                        <a:tabLst/>
+                        <a:defRPr/>
+                      </a:pPr>
+                      <a:r>
+                        <a:rPr lang="ru-RU" sz="1400" dirty="0"/>
+                        <a:t>Цена зависит от количества мобильных устройств </a:t>
+                      </a:r>
+                      <a:r>
+                        <a:rPr lang="en-US" sz="1400" dirty="0"/>
+                        <a:t>(iPhone/iPad)</a:t>
+                      </a:r>
+                      <a:endParaRPr lang="ru-RU" sz="1400" dirty="0"/>
+                    </a:p>
+                  </a:txBody>
+                  <a:tcPr/>
+                </a:tc>
+                <a:extLst>
+                  <a:ext uri="{0D108BD9-81ED-4DB2-BD59-A6C34878D82A}">
+                    <a16:rowId xmlns:a16="http://schemas.microsoft.com/office/drawing/2014/main" val="4080522362"/>
+                  </a:ext>
+                </a:extLst>
+              </a:tr>
+              <a:tr h="528192">
+                <a:tc>
+                  <a:txBody>
+                    <a:bodyPr/>
+                    <a:lstStyle/>
+                    <a:p>
+                      <a:r>
+                        <a:rPr lang="en-US" sz="1400" dirty="0"/>
+                        <a:t>Configuration and development license</a:t>
+                      </a:r>
+                      <a:endParaRPr lang="ru-RU" sz="1400" dirty="0"/>
+                    </a:p>
+                  </a:txBody>
+                  <a:tcPr/>
+                </a:tc>
+                <a:tc>
+                  <a:txBody>
+                    <a:bodyPr/>
+                    <a:lstStyle/>
+                    <a:p>
+                      <a:r>
+                        <a:rPr lang="ru-RU" sz="1400" dirty="0"/>
+                        <a:t>Цена зависит от комплектации лицензии на разработку и конфигурацию ПО</a:t>
+                      </a:r>
+                    </a:p>
+                  </a:txBody>
+                  <a:tcPr/>
+                </a:tc>
+                <a:extLst>
+                  <a:ext uri="{0D108BD9-81ED-4DB2-BD59-A6C34878D82A}">
+                    <a16:rowId xmlns:a16="http://schemas.microsoft.com/office/drawing/2014/main" val="627567346"/>
+                  </a:ext>
+                </a:extLst>
+              </a:tr>
+              <a:tr h="528192">
+                <a:tc>
+                  <a:txBody>
+                    <a:bodyPr/>
+                    <a:lstStyle/>
+                    <a:p>
+                      <a:r>
+                        <a:rPr lang="en-US" sz="1400" dirty="0"/>
+                        <a:t>WinCC OA Redundancy </a:t>
+                      </a:r>
+                      <a:endParaRPr lang="ru-RU" sz="1400" dirty="0"/>
+                    </a:p>
+                  </a:txBody>
+                  <a:tcPr/>
+                </a:tc>
+                <a:tc>
+                  <a:txBody>
+                    <a:bodyPr/>
+                    <a:lstStyle/>
+                    <a:p>
+                      <a:r>
+                        <a:rPr lang="ru-RU" sz="1400" dirty="0"/>
+                        <a:t>Пара резервных серверов требует 2 лицензии на резервирование.</a:t>
+                      </a:r>
+                    </a:p>
+                  </a:txBody>
+                  <a:tcPr/>
+                </a:tc>
+                <a:extLst>
+                  <a:ext uri="{0D108BD9-81ED-4DB2-BD59-A6C34878D82A}">
+                    <a16:rowId xmlns:a16="http://schemas.microsoft.com/office/drawing/2014/main" val="1618930827"/>
+                  </a:ext>
+                </a:extLst>
+              </a:tr>
+              <a:tr h="359506">
+                <a:tc>
+                  <a:txBody>
+                    <a:bodyPr/>
+                    <a:lstStyle/>
+                    <a:p>
+                      <a:r>
+                        <a:rPr lang="en-US" sz="1400" dirty="0"/>
+                        <a:t>WinCC OA Distributed Systems</a:t>
+                      </a:r>
+                      <a:endParaRPr lang="ru-RU" sz="1400" dirty="0"/>
+                    </a:p>
+                  </a:txBody>
+                  <a:tcPr/>
+                </a:tc>
+                <a:tc>
+                  <a:txBody>
+                    <a:bodyPr/>
+                    <a:lstStyle/>
+                    <a:p>
+                      <a:endParaRPr lang="ru-RU" sz="1400" dirty="0"/>
+                    </a:p>
+                  </a:txBody>
+                  <a:tcPr/>
+                </a:tc>
+                <a:extLst>
+                  <a:ext uri="{0D108BD9-81ED-4DB2-BD59-A6C34878D82A}">
+                    <a16:rowId xmlns:a16="http://schemas.microsoft.com/office/drawing/2014/main" val="2156087677"/>
+                  </a:ext>
+                </a:extLst>
+              </a:tr>
+              <a:tr h="359506">
+                <a:tc>
+                  <a:txBody>
+                    <a:bodyPr/>
+                    <a:lstStyle/>
+                    <a:p>
+                      <a:r>
+                        <a:rPr lang="en-US" sz="1400" dirty="0"/>
+                        <a:t>WinCC OA Disaster Recovery Center</a:t>
+                      </a:r>
+                      <a:endParaRPr lang="ru-RU" sz="1400" dirty="0"/>
+                    </a:p>
+                  </a:txBody>
+                  <a:tcPr/>
+                </a:tc>
+                <a:tc>
+                  <a:txBody>
+                    <a:bodyPr/>
+                    <a:lstStyle/>
+                    <a:p>
+                      <a:endParaRPr lang="ru-RU" sz="1400" dirty="0"/>
+                    </a:p>
+                  </a:txBody>
+                  <a:tcPr/>
+                </a:tc>
+                <a:extLst>
+                  <a:ext uri="{0D108BD9-81ED-4DB2-BD59-A6C34878D82A}">
+                    <a16:rowId xmlns:a16="http://schemas.microsoft.com/office/drawing/2014/main" val="2143100246"/>
+                  </a:ext>
+                </a:extLst>
+              </a:tr>
+              <a:tr h="359506">
+                <a:tc>
+                  <a:txBody>
+                    <a:bodyPr/>
+                    <a:lstStyle/>
+                    <a:p>
+                      <a:r>
+                        <a:rPr lang="en-US" sz="1400" dirty="0"/>
+                        <a:t>Driver</a:t>
+                      </a:r>
+                      <a:endParaRPr lang="ru-RU" sz="1400" dirty="0"/>
+                    </a:p>
+                  </a:txBody>
+                  <a:tcPr/>
+                </a:tc>
+                <a:tc>
+                  <a:txBody>
+                    <a:bodyPr/>
+                    <a:lstStyle/>
+                    <a:p>
+                      <a:r>
+                        <a:rPr lang="ru-RU" sz="1400" dirty="0"/>
+                        <a:t>?</a:t>
+                      </a:r>
+                    </a:p>
+                  </a:txBody>
+                  <a:tcPr/>
+                </a:tc>
+                <a:extLst>
+                  <a:ext uri="{0D108BD9-81ED-4DB2-BD59-A6C34878D82A}">
+                    <a16:rowId xmlns:a16="http://schemas.microsoft.com/office/drawing/2014/main" val="990574224"/>
+                  </a:ext>
+                </a:extLst>
+              </a:tr>
+              <a:tr h="359506">
+                <a:tc>
+                  <a:txBody>
+                    <a:bodyPr/>
+                    <a:lstStyle/>
+                    <a:p>
+                      <a:r>
+                        <a:rPr lang="en-US" sz="1400" dirty="0"/>
+                        <a:t>Reporting</a:t>
+                      </a:r>
+                      <a:endParaRPr lang="ru-RU" sz="1400" dirty="0"/>
+                    </a:p>
+                  </a:txBody>
+                  <a:tcPr/>
+                </a:tc>
+                <a:tc>
+                  <a:txBody>
+                    <a:bodyPr/>
+                    <a:lstStyle/>
+                    <a:p>
+                      <a:r>
+                        <a:rPr lang="ru-RU" sz="1400" dirty="0"/>
+                        <a:t>Цена зависит от количества клиентов</a:t>
+                      </a:r>
+                    </a:p>
+                  </a:txBody>
+                  <a:tcPr/>
+                </a:tc>
+                <a:extLst>
+                  <a:ext uri="{0D108BD9-81ED-4DB2-BD59-A6C34878D82A}">
+                    <a16:rowId xmlns:a16="http://schemas.microsoft.com/office/drawing/2014/main" val="777840618"/>
+                  </a:ext>
+                </a:extLst>
+              </a:tr>
+              <a:tr h="359506">
+                <a:tc>
+                  <a:txBody>
+                    <a:bodyPr/>
+                    <a:lstStyle/>
+                    <a:p>
+                      <a:r>
+                        <a:rPr lang="en-US" sz="1400" dirty="0"/>
+                        <a:t>Communication Center</a:t>
+                      </a:r>
+                      <a:endParaRPr lang="ru-RU" sz="1400" dirty="0"/>
+                    </a:p>
+                  </a:txBody>
+                  <a:tcPr/>
+                </a:tc>
+                <a:tc>
+                  <a:txBody>
+                    <a:bodyPr/>
+                    <a:lstStyle/>
+                    <a:p>
+                      <a:r>
+                        <a:rPr lang="ru-RU" sz="1400" dirty="0"/>
+                        <a:t>Цена зависит от количества </a:t>
+                      </a:r>
+                      <a:r>
+                        <a:rPr lang="en-US" sz="1400" dirty="0"/>
+                        <a:t>alarms</a:t>
+                      </a:r>
+                      <a:endParaRPr lang="ru-RU" sz="1400" dirty="0"/>
+                    </a:p>
+                  </a:txBody>
+                  <a:tcPr/>
+                </a:tc>
+                <a:extLst>
+                  <a:ext uri="{0D108BD9-81ED-4DB2-BD59-A6C34878D82A}">
+                    <a16:rowId xmlns:a16="http://schemas.microsoft.com/office/drawing/2014/main" val="2099295472"/>
+                  </a:ext>
+                </a:extLst>
+              </a:tr>
+              <a:tr h="359506">
+                <a:tc>
+                  <a:txBody>
+                    <a:bodyPr/>
+                    <a:lstStyle/>
+                    <a:p>
+                      <a:r>
+                        <a:rPr lang="en-US" sz="1400" dirty="0"/>
+                        <a:t>WinCC OA SMART SCADA</a:t>
+                      </a:r>
+                      <a:endParaRPr lang="ru-RU" sz="1400" dirty="0"/>
+                    </a:p>
+                  </a:txBody>
+                  <a:tcPr/>
+                </a:tc>
+                <a:tc>
+                  <a:txBody>
+                    <a:bodyPr/>
+                    <a:lstStyle/>
+                    <a:p>
+                      <a:endParaRPr lang="ru-RU" sz="1400" dirty="0"/>
+                    </a:p>
+                  </a:txBody>
+                  <a:tcPr/>
+                </a:tc>
+                <a:extLst>
+                  <a:ext uri="{0D108BD9-81ED-4DB2-BD59-A6C34878D82A}">
+                    <a16:rowId xmlns:a16="http://schemas.microsoft.com/office/drawing/2014/main" val="4107109216"/>
+                  </a:ext>
+                </a:extLst>
+              </a:tr>
+              <a:tr h="310701">
+                <a:tc>
+                  <a:txBody>
+                    <a:bodyPr/>
+                    <a:lstStyle/>
+                    <a:p>
+                      <a:r>
+                        <a:rPr lang="en-US" sz="1400" dirty="0"/>
+                        <a:t>WinCC OA Video</a:t>
+                      </a:r>
+                      <a:endParaRPr lang="ru-RU" sz="1400" dirty="0"/>
+                    </a:p>
+                  </a:txBody>
+                  <a:tcPr/>
+                </a:tc>
+                <a:tc>
+                  <a:txBody>
+                    <a:bodyPr/>
+                    <a:lstStyle/>
+                    <a:p>
+                      <a:r>
+                        <a:rPr lang="ru-RU" sz="1400" dirty="0"/>
+                        <a:t>Зависит от количества камер видеонаблюдения</a:t>
+                      </a:r>
+                    </a:p>
+                  </a:txBody>
+                  <a:tcPr/>
+                </a:tc>
+                <a:extLst>
+                  <a:ext uri="{0D108BD9-81ED-4DB2-BD59-A6C34878D82A}">
+                    <a16:rowId xmlns:a16="http://schemas.microsoft.com/office/drawing/2014/main" val="3841112415"/>
+                  </a:ext>
+                </a:extLst>
+              </a:tr>
+              <a:tr h="359506">
+                <a:tc>
+                  <a:txBody>
+                    <a:bodyPr/>
+                    <a:lstStyle/>
+                    <a:p>
+                      <a:r>
+                        <a:rPr lang="en-US" sz="1400" dirty="0"/>
+                        <a:t>Webserver</a:t>
+                      </a:r>
+                      <a:endParaRPr lang="ru-RU" sz="1400" dirty="0"/>
+                    </a:p>
+                  </a:txBody>
+                  <a:tcPr/>
+                </a:tc>
+                <a:tc>
+                  <a:txBody>
+                    <a:bodyPr/>
+                    <a:lstStyle/>
+                    <a:p>
+                      <a:endParaRPr lang="ru-RU" sz="1400" dirty="0"/>
+                    </a:p>
+                  </a:txBody>
+                  <a:tcPr/>
+                </a:tc>
+                <a:extLst>
+                  <a:ext uri="{0D108BD9-81ED-4DB2-BD59-A6C34878D82A}">
+                    <a16:rowId xmlns:a16="http://schemas.microsoft.com/office/drawing/2014/main" val="481156603"/>
+                  </a:ext>
+                </a:extLst>
+              </a:tr>
+            </a:tbl>
+          </a:graphicData>
+        </a:graphic>
+      </p:graphicFrame>
+    </p:spTree>
+    <p:extLst>
+      <p:ext uri="{BB962C8B-B14F-4D97-AF65-F5344CB8AC3E}">
+        <p14:creationId xmlns:p14="http://schemas.microsoft.com/office/powerpoint/2010/main" val="2315016265"/>
       </p:ext>
     </p:extLst>
   </p:cSld>

--- a/итоговая.pptx
+++ b/итоговая.pptx
@@ -5,37 +5,20 @@
     <p:sldMasterId id="2147483702" r:id="rId1"/>
   </p:sldMasterIdLst>
   <p:notesMasterIdLst>
-    <p:notesMasterId r:id="rId30"/>
+    <p:notesMasterId r:id="rId13"/>
   </p:notesMasterIdLst>
   <p:sldIdLst>
     <p:sldId id="267" r:id="rId2"/>
     <p:sldId id="269" r:id="rId3"/>
-    <p:sldId id="275" r:id="rId4"/>
-    <p:sldId id="276" r:id="rId5"/>
-    <p:sldId id="277" r:id="rId6"/>
-    <p:sldId id="278" r:id="rId7"/>
-    <p:sldId id="279" r:id="rId8"/>
-    <p:sldId id="281" r:id="rId9"/>
-    <p:sldId id="280" r:id="rId10"/>
-    <p:sldId id="282" r:id="rId11"/>
-    <p:sldId id="284" r:id="rId12"/>
-    <p:sldId id="285" r:id="rId13"/>
-    <p:sldId id="286" r:id="rId14"/>
-    <p:sldId id="287" r:id="rId15"/>
-    <p:sldId id="288" r:id="rId16"/>
-    <p:sldId id="271" r:id="rId17"/>
-    <p:sldId id="293" r:id="rId18"/>
-    <p:sldId id="291" r:id="rId19"/>
-    <p:sldId id="273" r:id="rId20"/>
-    <p:sldId id="274" r:id="rId21"/>
-    <p:sldId id="272" r:id="rId22"/>
-    <p:sldId id="294" r:id="rId23"/>
-    <p:sldId id="295" r:id="rId24"/>
-    <p:sldId id="296" r:id="rId25"/>
-    <p:sldId id="297" r:id="rId26"/>
-    <p:sldId id="299" r:id="rId27"/>
-    <p:sldId id="300" r:id="rId28"/>
-    <p:sldId id="301" r:id="rId29"/>
+    <p:sldId id="271" r:id="rId4"/>
+    <p:sldId id="291" r:id="rId5"/>
+    <p:sldId id="273" r:id="rId6"/>
+    <p:sldId id="274" r:id="rId7"/>
+    <p:sldId id="272" r:id="rId8"/>
+    <p:sldId id="294" r:id="rId9"/>
+    <p:sldId id="299" r:id="rId10"/>
+    <p:sldId id="300" r:id="rId11"/>
+    <p:sldId id="301" r:id="rId12"/>
   </p:sldIdLst>
   <p:sldSz cx="9144000" cy="6858000" type="screen4x3"/>
   <p:notesSz cx="6858000" cy="9144000"/>
@@ -165,29 +148,6 @@
 </p:cmAuthorLst>
 </file>
 
-<file path=ppt/comments/comment1.xml><?xml version="1.0" encoding="utf-8"?>
-<p:cmLst xmlns:a="http://schemas.openxmlformats.org/drawingml/2006/main" xmlns:r="http://schemas.openxmlformats.org/officeDocument/2006/relationships" xmlns:p="http://schemas.openxmlformats.org/presentationml/2006/main">
-  <p:cm authorId="1" dt="2019-08-27T17:00:18.282" idx="1">
-    <p:pos x="10" y="10"/>
-    <p:text>Слайд посвящен структуре АСУ ТП (уровни)</p:text>
-    <p:extLst>
-      <p:ext uri="{C676402C-5697-4E1C-873F-D02D1690AC5C}">
-        <p15:threadingInfo xmlns:p15="http://schemas.microsoft.com/office/powerpoint/2012/main" timeZoneBias="-300"/>
-      </p:ext>
-    </p:extLst>
-  </p:cm>
-  <p:cm authorId="1" dt="2019-08-27T17:02:55.055" idx="2">
-    <p:pos x="5686" y="618"/>
-    <p:text>Сосредоточимся на уровне управления участком техпроцесса</p:text>
-    <p:extLst>
-      <p:ext uri="{C676402C-5697-4E1C-873F-D02D1690AC5C}">
-        <p15:threadingInfo xmlns:p15="http://schemas.microsoft.com/office/powerpoint/2012/main" timeZoneBias="-300"/>
-      </p:ext>
-    </p:extLst>
-  </p:cm>
-</p:cmLst>
-</file>
-
 <file path=ppt/notesMasters/notesMaster1.xml><?xml version="1.0" encoding="utf-8"?>
 <p:notesMaster xmlns:a="http://schemas.openxmlformats.org/drawingml/2006/main" xmlns:r="http://schemas.openxmlformats.org/officeDocument/2006/relationships" xmlns:p="http://schemas.openxmlformats.org/presentationml/2006/main">
   <p:cSld>
@@ -270,7 +230,7 @@
           <a:p>
             <a:fld id="{5649F021-9FAB-4CEA-A96A-A2DB693E74C4}" type="datetimeFigureOut">
               <a:rPr lang="ru-RU" smtClean="0"/>
-              <a:t>02.02.2020</a:t>
+              <a:t>06.02.2020</a:t>
             </a:fld>
             <a:endParaRPr lang="ru-RU"/>
           </a:p>
@@ -535,90 +495,6 @@
     </a:lvl9pPr>
   </p:notesStyle>
 </p:notesMaster>
-</file>
-
-<file path=ppt/notesSlides/notesSlide1.xml><?xml version="1.0" encoding="utf-8"?>
-<p:notes xmlns:a="http://schemas.openxmlformats.org/drawingml/2006/main" xmlns:r="http://schemas.openxmlformats.org/officeDocument/2006/relationships" xmlns:p="http://schemas.openxmlformats.org/presentationml/2006/main">
-  <p:cSld>
-    <p:spTree>
-      <p:nvGrpSpPr>
-        <p:cNvPr id="1" name=""/>
-        <p:cNvGrpSpPr/>
-        <p:nvPr/>
-      </p:nvGrpSpPr>
-      <p:grpSpPr>
-        <a:xfrm>
-          <a:off x="0" y="0"/>
-          <a:ext cx="0" cy="0"/>
-          <a:chOff x="0" y="0"/>
-          <a:chExt cx="0" cy="0"/>
-        </a:xfrm>
-      </p:grpSpPr>
-      <p:sp>
-        <p:nvSpPr>
-          <p:cNvPr id="2" name="Образ слайда 1"/>
-          <p:cNvSpPr>
-            <a:spLocks noGrp="1" noRot="1" noChangeAspect="1"/>
-          </p:cNvSpPr>
-          <p:nvPr>
-            <p:ph type="sldImg"/>
-          </p:nvPr>
-        </p:nvSpPr>
-        <p:spPr/>
-      </p:sp>
-      <p:sp>
-        <p:nvSpPr>
-          <p:cNvPr id="3" name="Заметки 2"/>
-          <p:cNvSpPr>
-            <a:spLocks noGrp="1"/>
-          </p:cNvSpPr>
-          <p:nvPr>
-            <p:ph type="body" idx="1"/>
-          </p:nvPr>
-        </p:nvSpPr>
-        <p:spPr/>
-        <p:txBody>
-          <a:bodyPr/>
-          <a:lstStyle/>
-          <a:p>
-            <a:endParaRPr lang="ru-RU" dirty="0"/>
-          </a:p>
-        </p:txBody>
-      </p:sp>
-      <p:sp>
-        <p:nvSpPr>
-          <p:cNvPr id="4" name="Номер слайда 3"/>
-          <p:cNvSpPr>
-            <a:spLocks noGrp="1"/>
-          </p:cNvSpPr>
-          <p:nvPr>
-            <p:ph type="sldNum" sz="quarter" idx="5"/>
-          </p:nvPr>
-        </p:nvSpPr>
-        <p:spPr/>
-        <p:txBody>
-          <a:bodyPr/>
-          <a:lstStyle/>
-          <a:p>
-            <a:fld id="{B9DAF0DC-58A0-4B34-A3CD-6EF3340BA33A}" type="slidenum">
-              <a:rPr lang="ru-RU" smtClean="0"/>
-              <a:t>10</a:t>
-            </a:fld>
-            <a:endParaRPr lang="ru-RU"/>
-          </a:p>
-        </p:txBody>
-      </p:sp>
-    </p:spTree>
-    <p:extLst>
-      <p:ext uri="{BB962C8B-B14F-4D97-AF65-F5344CB8AC3E}">
-        <p14:creationId xmlns:p14="http://schemas.microsoft.com/office/powerpoint/2010/main" val="2419651063"/>
-      </p:ext>
-    </p:extLst>
-  </p:cSld>
-  <p:clrMapOvr>
-    <a:masterClrMapping/>
-  </p:clrMapOvr>
-</p:notes>
 </file>
 
 <file path=ppt/slideLayouts/slideLayout1.xml><?xml version="1.0" encoding="utf-8"?>
@@ -4905,7 +4781,7 @@
             <a:fld id="{7EAF463A-BC7C-46EE-9F1E-7F377CCA4891}" type="datetimeFigureOut">
               <a:rPr lang="en-US" smtClean="0"/>
               <a:pPr/>
-              <a:t>2/2/2020</a:t>
+              <a:t>2/6/2020</a:t>
             </a:fld>
             <a:endParaRPr lang="en-US"/>
           </a:p>
@@ -5174,7 +5050,7 @@
             <a:fld id="{7EAF463A-BC7C-46EE-9F1E-7F377CCA4891}" type="datetimeFigureOut">
               <a:rPr lang="en-US" smtClean="0"/>
               <a:pPr/>
-              <a:t>2/2/2020</a:t>
+              <a:t>2/6/2020</a:t>
             </a:fld>
             <a:endParaRPr lang="en-US"/>
           </a:p>
@@ -5372,7 +5248,7 @@
             <a:fld id="{7EAF463A-BC7C-46EE-9F1E-7F377CCA4891}" type="datetimeFigureOut">
               <a:rPr lang="en-US" smtClean="0"/>
               <a:pPr/>
-              <a:t>2/2/2020</a:t>
+              <a:t>2/6/2020</a:t>
             </a:fld>
             <a:endParaRPr lang="en-US"/>
           </a:p>
@@ -5637,7 +5513,7 @@
             <a:fld id="{7EAF463A-BC7C-46EE-9F1E-7F377CCA4891}" type="datetimeFigureOut">
               <a:rPr lang="en-US" smtClean="0"/>
               <a:pPr/>
-              <a:t>2/2/2020</a:t>
+              <a:t>2/6/2020</a:t>
             </a:fld>
             <a:endParaRPr lang="en-US"/>
           </a:p>
@@ -6073,7 +5949,7 @@
             <a:fld id="{7EAF463A-BC7C-46EE-9F1E-7F377CCA4891}" type="datetimeFigureOut">
               <a:rPr lang="en-US" smtClean="0"/>
               <a:pPr/>
-              <a:t>2/2/2020</a:t>
+              <a:t>2/6/2020</a:t>
             </a:fld>
             <a:endParaRPr lang="en-US"/>
           </a:p>
@@ -6621,7 +6497,7 @@
             <a:fld id="{7EAF463A-BC7C-46EE-9F1E-7F377CCA4891}" type="datetimeFigureOut">
               <a:rPr lang="en-US" smtClean="0"/>
               <a:pPr/>
-              <a:t>2/2/2020</a:t>
+              <a:t>2/6/2020</a:t>
             </a:fld>
             <a:endParaRPr lang="en-US"/>
           </a:p>
@@ -7343,7 +7219,7 @@
             <a:fld id="{7EAF463A-BC7C-46EE-9F1E-7F377CCA4891}" type="datetimeFigureOut">
               <a:rPr lang="en-US" smtClean="0"/>
               <a:pPr/>
-              <a:t>2/2/2020</a:t>
+              <a:t>2/6/2020</a:t>
             </a:fld>
             <a:endParaRPr lang="en-US"/>
           </a:p>
@@ -7519,7 +7395,7 @@
             <a:fld id="{7EAF463A-BC7C-46EE-9F1E-7F377CCA4891}" type="datetimeFigureOut">
               <a:rPr lang="en-US" smtClean="0"/>
               <a:pPr/>
-              <a:t>2/2/2020</a:t>
+              <a:t>2/6/2020</a:t>
             </a:fld>
             <a:endParaRPr lang="en-US"/>
           </a:p>
@@ -7701,7 +7577,7 @@
             <a:fld id="{7EAF463A-BC7C-46EE-9F1E-7F377CCA4891}" type="datetimeFigureOut">
               <a:rPr lang="en-US" smtClean="0"/>
               <a:pPr/>
-              <a:t>2/2/2020</a:t>
+              <a:t>2/6/2020</a:t>
             </a:fld>
             <a:endParaRPr lang="en-US"/>
           </a:p>
@@ -7888,7 +7764,7 @@
             <a:fld id="{7EAF463A-BC7C-46EE-9F1E-7F377CCA4891}" type="datetimeFigureOut">
               <a:rPr lang="en-US" smtClean="0"/>
               <a:pPr/>
-              <a:t>2/2/2020</a:t>
+              <a:t>2/6/2020</a:t>
             </a:fld>
             <a:endParaRPr lang="en-US"/>
           </a:p>
@@ -8150,7 +8026,7 @@
             <a:fld id="{7EAF463A-BC7C-46EE-9F1E-7F377CCA4891}" type="datetimeFigureOut">
               <a:rPr lang="en-US" smtClean="0"/>
               <a:pPr/>
-              <a:t>2/2/2020</a:t>
+              <a:t>2/6/2020</a:t>
             </a:fld>
             <a:endParaRPr lang="en-US"/>
           </a:p>
@@ -8384,7 +8260,7 @@
             <a:fld id="{7EAF463A-BC7C-46EE-9F1E-7F377CCA4891}" type="datetimeFigureOut">
               <a:rPr lang="en-US" smtClean="0"/>
               <a:pPr/>
-              <a:t>2/2/2020</a:t>
+              <a:t>2/6/2020</a:t>
             </a:fld>
             <a:endParaRPr lang="en-US"/>
           </a:p>
@@ -8767,7 +8643,7 @@
             <a:fld id="{7EAF463A-BC7C-46EE-9F1E-7F377CCA4891}" type="datetimeFigureOut">
               <a:rPr lang="en-US" smtClean="0"/>
               <a:pPr/>
-              <a:t>2/2/2020</a:t>
+              <a:t>2/6/2020</a:t>
             </a:fld>
             <a:endParaRPr lang="en-US"/>
           </a:p>
@@ -8887,7 +8763,7 @@
             <a:fld id="{7EAF463A-BC7C-46EE-9F1E-7F377CCA4891}" type="datetimeFigureOut">
               <a:rPr lang="en-US" smtClean="0"/>
               <a:pPr/>
-              <a:t>2/2/2020</a:t>
+              <a:t>2/6/2020</a:t>
             </a:fld>
             <a:endParaRPr lang="en-US"/>
           </a:p>
@@ -8984,7 +8860,7 @@
             <a:fld id="{7EAF463A-BC7C-46EE-9F1E-7F377CCA4891}" type="datetimeFigureOut">
               <a:rPr lang="en-US" smtClean="0"/>
               <a:pPr/>
-              <a:t>2/2/2020</a:t>
+              <a:t>2/6/2020</a:t>
             </a:fld>
             <a:endParaRPr lang="en-US"/>
           </a:p>
@@ -9235,7 +9111,7 @@
             <a:fld id="{7EAF463A-BC7C-46EE-9F1E-7F377CCA4891}" type="datetimeFigureOut">
               <a:rPr lang="en-US" smtClean="0"/>
               <a:pPr/>
-              <a:t>2/2/2020</a:t>
+              <a:t>2/6/2020</a:t>
             </a:fld>
             <a:endParaRPr lang="en-US"/>
           </a:p>
@@ -9489,7 +9365,7 @@
             <a:fld id="{7EAF463A-BC7C-46EE-9F1E-7F377CCA4891}" type="datetimeFigureOut">
               <a:rPr lang="en-US" smtClean="0"/>
               <a:pPr/>
-              <a:t>2/2/2020</a:t>
+              <a:t>2/6/2020</a:t>
             </a:fld>
             <a:endParaRPr lang="en-US"/>
           </a:p>
@@ -12599,7 +12475,7 @@
             <a:fld id="{7EAF463A-BC7C-46EE-9F1E-7F377CCA4891}" type="datetimeFigureOut">
               <a:rPr lang="en-US" smtClean="0"/>
               <a:pPr/>
-              <a:t>2/2/2020</a:t>
+              <a:t>2/6/2020</a:t>
             </a:fld>
             <a:endParaRPr lang="en-US"/>
           </a:p>
@@ -13020,32 +12896,6 @@
           <a:chExt cx="0" cy="0"/>
         </a:xfrm>
       </p:grpSpPr>
-      <p:pic>
-        <p:nvPicPr>
-          <p:cNvPr id="3074" name="Picture 2" descr="C:\Users\User\Desktop\image007.jpg"/>
-          <p:cNvPicPr>
-            <a:picLocks noChangeAspect="1" noChangeArrowheads="1"/>
-          </p:cNvPicPr>
-          <p:nvPr/>
-        </p:nvPicPr>
-        <p:blipFill>
-          <a:blip r:embed="rId2"/>
-          <a:srcRect/>
-          <a:stretch>
-            <a:fillRect/>
-          </a:stretch>
-        </p:blipFill>
-        <p:spPr bwMode="auto">
-          <a:xfrm>
-            <a:off x="364263" y="1124744"/>
-            <a:ext cx="8415471" cy="5143536"/>
-          </a:xfrm>
-          <a:prstGeom prst="rect">
-            <a:avLst/>
-          </a:prstGeom>
-          <a:noFill/>
-        </p:spPr>
-      </p:pic>
       <p:sp>
         <p:nvSpPr>
           <p:cNvPr id="3" name="Объект 2">
@@ -13277,6 +13127,42 @@
           </a:p>
         </p:txBody>
       </p:sp>
+      <p:pic>
+        <p:nvPicPr>
+          <p:cNvPr id="4" name="Рисунок 3">
+            <a:extLst>
+              <a:ext uri="{FF2B5EF4-FFF2-40B4-BE49-F238E27FC236}">
+                <a16:creationId xmlns:a16="http://schemas.microsoft.com/office/drawing/2014/main" id="{D273B615-53B0-4439-B705-C0AAC935E13F}"/>
+              </a:ext>
+            </a:extLst>
+          </p:cNvPr>
+          <p:cNvPicPr>
+            <a:picLocks noChangeAspect="1"/>
+          </p:cNvPicPr>
+          <p:nvPr/>
+        </p:nvPicPr>
+        <p:blipFill>
+          <a:blip r:embed="rId2">
+            <a:extLst>
+              <a:ext uri="{28A0092B-C50C-407E-A947-70E740481C1C}">
+                <a14:useLocalDpi xmlns:a14="http://schemas.microsoft.com/office/drawing/2010/main" val="0"/>
+              </a:ext>
+            </a:extLst>
+          </a:blip>
+          <a:stretch>
+            <a:fillRect/>
+          </a:stretch>
+        </p:blipFill>
+        <p:spPr>
+          <a:xfrm>
+            <a:off x="1242547" y="828993"/>
+            <a:ext cx="6658904" cy="5725324"/>
+          </a:xfrm>
+          <a:prstGeom prst="rect">
+            <a:avLst/>
+          </a:prstGeom>
+        </p:spPr>
+      </p:pic>
     </p:spTree>
   </p:cSld>
   <p:clrMapOvr>
@@ -13304,41 +13190,45 @@
       </p:grpSpPr>
       <p:sp>
         <p:nvSpPr>
-          <p:cNvPr id="2" name="Прямоугольник 1">
+          <p:cNvPr id="2" name="TextBox 1">
             <a:extLst>
               <a:ext uri="{FF2B5EF4-FFF2-40B4-BE49-F238E27FC236}">
-                <a16:creationId xmlns:a16="http://schemas.microsoft.com/office/drawing/2014/main" id="{04C473A7-4287-44D3-B665-A2EB1C012D61}"/>
+                <a16:creationId xmlns:a16="http://schemas.microsoft.com/office/drawing/2014/main" id="{AE3C6B6C-3C22-4D51-9834-E9D33ED4F33E}"/>
               </a:ext>
             </a:extLst>
           </p:cNvPr>
-          <p:cNvSpPr/>
+          <p:cNvSpPr txBox="1"/>
           <p:nvPr/>
         </p:nvSpPr>
         <p:spPr>
           <a:xfrm>
-            <a:off x="1691680" y="764704"/>
-            <a:ext cx="4569649" cy="461665"/>
+            <a:off x="3851920" y="908720"/>
+            <a:ext cx="479618" cy="369332"/>
           </a:xfrm>
           <a:prstGeom prst="rect">
             <a:avLst/>
           </a:prstGeom>
+          <a:noFill/>
         </p:spPr>
         <p:txBody>
-          <a:bodyPr wrap="none">
+          <a:bodyPr wrap="none" rtlCol="0">
             <a:spAutoFit/>
           </a:bodyPr>
           <a:lstStyle/>
           <a:p>
             <a:r>
-              <a:rPr lang="ru-RU" sz="2400" dirty="0">
+              <a:rPr lang="en-US" dirty="0" err="1">
                 <a:solidFill>
-                  <a:schemeClr val="bg2">
-                    <a:lumMod val="50000"/>
-                  </a:schemeClr>
+                  <a:schemeClr val="bg2"/>
                 </a:solidFill>
               </a:rPr>
-              <a:t>Локальные адреса ввода-вывода</a:t>
+              <a:t>ifix</a:t>
             </a:r>
+            <a:endParaRPr lang="ru-RU" dirty="0">
+              <a:solidFill>
+                <a:schemeClr val="bg2"/>
+              </a:solidFill>
+            </a:endParaRPr>
           </a:p>
         </p:txBody>
       </p:sp>
@@ -13347,7 +13237,7 @@
           <p:cNvPr id="4" name="Рисунок 3">
             <a:extLst>
               <a:ext uri="{FF2B5EF4-FFF2-40B4-BE49-F238E27FC236}">
-                <a16:creationId xmlns:a16="http://schemas.microsoft.com/office/drawing/2014/main" id="{7B970C69-E7CF-443D-909B-264B5AEE924F}"/>
+                <a16:creationId xmlns:a16="http://schemas.microsoft.com/office/drawing/2014/main" id="{063804A6-D2D1-4237-B94A-826F5BF84F1F}"/>
               </a:ext>
             </a:extLst>
           </p:cNvPr>
@@ -13357,7 +13247,7 @@
           <p:nvPr/>
         </p:nvPicPr>
         <p:blipFill>
-          <a:blip r:embed="rId3">
+          <a:blip r:embed="rId2">
             <a:extLst>
               <a:ext uri="{28A0092B-C50C-407E-A947-70E740481C1C}">
                 <a14:useLocalDpi xmlns:a14="http://schemas.microsoft.com/office/drawing/2010/main" val="0"/>
@@ -13370,8 +13260,8 @@
         </p:blipFill>
         <p:spPr>
           <a:xfrm>
-            <a:off x="794004" y="1988840"/>
-            <a:ext cx="7555992" cy="3099726"/>
+            <a:off x="1081087" y="1933575"/>
+            <a:ext cx="6981825" cy="2990850"/>
           </a:xfrm>
           <a:prstGeom prst="rect">
             <a:avLst/>
@@ -13381,7 +13271,7 @@
     </p:spTree>
     <p:extLst>
       <p:ext uri="{BB962C8B-B14F-4D97-AF65-F5344CB8AC3E}">
-        <p14:creationId xmlns:p14="http://schemas.microsoft.com/office/powerpoint/2010/main" val="3817764206"/>
+        <p14:creationId xmlns:p14="http://schemas.microsoft.com/office/powerpoint/2010/main" val="3780068422"/>
       </p:ext>
     </p:extLst>
   </p:cSld>
@@ -13408,1967 +13298,633 @@
           <a:chExt cx="0" cy="0"/>
         </a:xfrm>
       </p:grpSpPr>
-      <p:sp>
-        <p:nvSpPr>
-          <p:cNvPr id="2" name="Прямоугольник 1">
+      <p:graphicFrame>
+        <p:nvGraphicFramePr>
+          <p:cNvPr id="2" name="Таблица 2">
             <a:extLst>
               <a:ext uri="{FF2B5EF4-FFF2-40B4-BE49-F238E27FC236}">
-                <a16:creationId xmlns:a16="http://schemas.microsoft.com/office/drawing/2014/main" id="{429C3251-09CF-4069-AD01-B965AE759ABF}"/>
+                <a16:creationId xmlns:a16="http://schemas.microsoft.com/office/drawing/2014/main" id="{78A17BFD-65CB-45BB-943E-00D57598C10C}"/>
               </a:ext>
             </a:extLst>
           </p:cNvPr>
-          <p:cNvSpPr/>
+          <p:cNvGraphicFramePr>
+            <a:graphicFrameLocks noGrp="1"/>
+          </p:cNvGraphicFramePr>
           <p:nvPr/>
-        </p:nvSpPr>
-        <p:spPr>
-          <a:xfrm>
-            <a:off x="2402367" y="1052736"/>
-            <a:ext cx="4339265" cy="461665"/>
-          </a:xfrm>
-          <a:prstGeom prst="rect">
-            <a:avLst/>
-          </a:prstGeom>
-        </p:spPr>
-        <p:txBody>
-          <a:bodyPr wrap="none">
-            <a:spAutoFit/>
-          </a:bodyPr>
-          <a:lstStyle/>
-          <a:p>
-            <a:r>
-              <a:rPr lang="ru-RU" sz="2400" dirty="0">
-                <a:solidFill>
-                  <a:schemeClr val="bg2">
-                    <a:lumMod val="50000"/>
-                  </a:schemeClr>
-                </a:solidFill>
-              </a:rPr>
-              <a:t>Доступ к разделяемым файлам</a:t>
-            </a:r>
-          </a:p>
-        </p:txBody>
-      </p:sp>
-      <p:sp>
-        <p:nvSpPr>
-          <p:cNvPr id="4" name="Прямоугольник 3">
-            <a:extLst>
-              <a:ext uri="{FF2B5EF4-FFF2-40B4-BE49-F238E27FC236}">
-                <a16:creationId xmlns:a16="http://schemas.microsoft.com/office/drawing/2014/main" id="{E7F44BAA-FCC1-4242-8334-5B03798E1C50}"/>
-              </a:ext>
-            </a:extLst>
-          </p:cNvPr>
-          <p:cNvSpPr/>
-          <p:nvPr/>
-        </p:nvSpPr>
-        <p:spPr>
-          <a:xfrm>
-            <a:off x="1763688" y="2492896"/>
-            <a:ext cx="7173859" cy="830997"/>
-          </a:xfrm>
-          <a:prstGeom prst="rect">
-            <a:avLst/>
-          </a:prstGeom>
-        </p:spPr>
-        <p:txBody>
-          <a:bodyPr wrap="square">
-            <a:spAutoFit/>
-          </a:bodyPr>
-          <a:lstStyle/>
-          <a:p>
-            <a:r>
-              <a:rPr lang="ru-RU" sz="2000" dirty="0">
-                <a:solidFill>
-                  <a:schemeClr val="bg2">
-                    <a:lumMod val="50000"/>
-                  </a:schemeClr>
-                </a:solidFill>
-              </a:rPr>
-              <a:t>•</a:t>
-            </a:r>
-            <a:r>
-              <a:rPr lang="ru-RU" sz="2800" dirty="0">
-                <a:solidFill>
-                  <a:schemeClr val="bg2">
-                    <a:lumMod val="50000"/>
-                  </a:schemeClr>
-                </a:solidFill>
-              </a:rPr>
-              <a:t> </a:t>
-            </a:r>
-            <a:r>
-              <a:rPr lang="ru-RU" sz="2000" dirty="0">
-                <a:solidFill>
-                  <a:schemeClr val="bg2">
-                    <a:lumMod val="50000"/>
-                  </a:schemeClr>
-                </a:solidFill>
-              </a:rPr>
-              <a:t>глобальные адреса сетевого файл-сервера; </a:t>
-            </a:r>
-          </a:p>
-          <a:p>
-            <a:r>
-              <a:rPr lang="ru-RU" sz="2000" dirty="0">
-                <a:solidFill>
-                  <a:schemeClr val="bg2">
-                    <a:lumMod val="50000"/>
-                  </a:schemeClr>
-                </a:solidFill>
-              </a:rPr>
-              <a:t>• локальные адреса локальных файлов.</a:t>
-            </a:r>
-          </a:p>
-        </p:txBody>
-      </p:sp>
+        </p:nvGraphicFramePr>
+        <p:xfrm>
+          <a:off x="377788" y="332656"/>
+          <a:ext cx="8388424" cy="6040120"/>
+        </p:xfrm>
+        <a:graphic>
+          <a:graphicData uri="http://schemas.openxmlformats.org/drawingml/2006/table">
+            <a:tbl>
+              <a:tblPr firstRow="1" bandRow="1">
+                <a:tableStyleId>{5C22544A-7EE6-4342-B048-85BDC9FD1C3A}</a:tableStyleId>
+              </a:tblPr>
+              <a:tblGrid>
+                <a:gridCol w="4194212">
+                  <a:extLst>
+                    <a:ext uri="{9D8B030D-6E8A-4147-A177-3AD203B41FA5}">
+                      <a16:colId xmlns:a16="http://schemas.microsoft.com/office/drawing/2014/main" val="2721695029"/>
+                    </a:ext>
+                  </a:extLst>
+                </a:gridCol>
+                <a:gridCol w="4194212">
+                  <a:extLst>
+                    <a:ext uri="{9D8B030D-6E8A-4147-A177-3AD203B41FA5}">
+                      <a16:colId xmlns:a16="http://schemas.microsoft.com/office/drawing/2014/main" val="1928942377"/>
+                    </a:ext>
+                  </a:extLst>
+                </a:gridCol>
+              </a:tblGrid>
+              <a:tr h="370840">
+                <a:tc gridSpan="2">
+                  <a:txBody>
+                    <a:bodyPr/>
+                    <a:lstStyle/>
+                    <a:p>
+                      <a:r>
+                        <a:rPr lang="en-US" dirty="0"/>
+                        <a:t>SIMATIC PCS 7</a:t>
+                      </a:r>
+                      <a:endParaRPr lang="ru-RU" dirty="0"/>
+                    </a:p>
+                  </a:txBody>
+                  <a:tcPr/>
+                </a:tc>
+                <a:tc hMerge="1">
+                  <a:txBody>
+                    <a:bodyPr/>
+                    <a:lstStyle/>
+                    <a:p>
+                      <a:endParaRPr lang="ru-RU" dirty="0"/>
+                    </a:p>
+                  </a:txBody>
+                  <a:tcPr/>
+                </a:tc>
+                <a:extLst>
+                  <a:ext uri="{0D108BD9-81ED-4DB2-BD59-A6C34878D82A}">
+                    <a16:rowId xmlns:a16="http://schemas.microsoft.com/office/drawing/2014/main" val="4035307881"/>
+                  </a:ext>
+                </a:extLst>
+              </a:tr>
+              <a:tr h="370840">
+                <a:tc>
+                  <a:txBody>
+                    <a:bodyPr/>
+                    <a:lstStyle/>
+                    <a:p>
+                      <a:r>
+                        <a:rPr lang="en-US" dirty="0"/>
+                        <a:t>AS Runtime license</a:t>
+                      </a:r>
+                      <a:endParaRPr lang="ru-RU" dirty="0"/>
+                    </a:p>
+                  </a:txBody>
+                  <a:tcPr/>
+                </a:tc>
+                <a:tc>
+                  <a:txBody>
+                    <a:bodyPr/>
+                    <a:lstStyle/>
+                    <a:p>
+                      <a:r>
+                        <a:rPr lang="ru-RU" dirty="0"/>
+                        <a:t>Цена зависит от объектов процесса (</a:t>
+                      </a:r>
+                      <a:r>
+                        <a:rPr lang="en-US" dirty="0"/>
+                        <a:t>PO 100</a:t>
+                      </a:r>
+                      <a:r>
+                        <a:rPr lang="ru-RU" dirty="0"/>
+                        <a:t>, </a:t>
+                      </a:r>
+                      <a:r>
+                        <a:rPr lang="en-US" dirty="0"/>
+                        <a:t>PO 1000</a:t>
+                      </a:r>
+                      <a:r>
+                        <a:rPr lang="ru-RU" dirty="0"/>
+                        <a:t> или </a:t>
+                      </a:r>
+                      <a:r>
+                        <a:rPr lang="en-US" dirty="0"/>
+                        <a:t>PO 10000</a:t>
+                      </a:r>
+                      <a:r>
+                        <a:rPr lang="ru-RU" dirty="0"/>
+                        <a:t>)</a:t>
+                      </a:r>
+                    </a:p>
+                  </a:txBody>
+                  <a:tcPr/>
+                </a:tc>
+                <a:extLst>
+                  <a:ext uri="{0D108BD9-81ED-4DB2-BD59-A6C34878D82A}">
+                    <a16:rowId xmlns:a16="http://schemas.microsoft.com/office/drawing/2014/main" val="2288873208"/>
+                  </a:ext>
+                </a:extLst>
+              </a:tr>
+              <a:tr h="370840">
+                <a:tc>
+                  <a:txBody>
+                    <a:bodyPr/>
+                    <a:lstStyle/>
+                    <a:p>
+                      <a:r>
+                        <a:rPr lang="en-US" dirty="0"/>
+                        <a:t>OS Runtime license</a:t>
+                      </a:r>
+                      <a:endParaRPr lang="ru-RU" dirty="0"/>
+                    </a:p>
+                  </a:txBody>
+                  <a:tcPr/>
+                </a:tc>
+                <a:tc>
+                  <a:txBody>
+                    <a:bodyPr/>
+                    <a:lstStyle/>
+                    <a:p>
+                      <a:pPr marL="0" marR="0" lvl="0" indent="0" algn="l" defTabSz="914400" rtl="0" eaLnBrk="1" fontAlgn="auto" latinLnBrk="0" hangingPunct="1">
+                        <a:lnSpc>
+                          <a:spcPct val="100000"/>
+                        </a:lnSpc>
+                        <a:spcBef>
+                          <a:spcPts val="0"/>
+                        </a:spcBef>
+                        <a:spcAft>
+                          <a:spcPts val="0"/>
+                        </a:spcAft>
+                        <a:buClrTx/>
+                        <a:buSzTx/>
+                        <a:buFontTx/>
+                        <a:buNone/>
+                        <a:tabLst/>
+                        <a:defRPr/>
+                      </a:pPr>
+                      <a:r>
+                        <a:rPr lang="ru-RU" dirty="0"/>
+                        <a:t>Цена зависит от объектов процесса (</a:t>
+                      </a:r>
+                      <a:r>
+                        <a:rPr lang="en-US" dirty="0"/>
+                        <a:t>PO 100</a:t>
+                      </a:r>
+                      <a:r>
+                        <a:rPr lang="ru-RU" dirty="0"/>
+                        <a:t>, </a:t>
+                      </a:r>
+                      <a:r>
+                        <a:rPr lang="en-US" dirty="0"/>
+                        <a:t>PO 1000</a:t>
+                      </a:r>
+                      <a:r>
+                        <a:rPr lang="ru-RU" dirty="0"/>
+                        <a:t> или </a:t>
+                      </a:r>
+                      <a:r>
+                        <a:rPr lang="en-US" dirty="0"/>
+                        <a:t>PO </a:t>
+                      </a:r>
+                      <a:r>
+                        <a:rPr lang="ru-RU" dirty="0"/>
+                        <a:t>5</a:t>
+                      </a:r>
+                      <a:r>
+                        <a:rPr lang="en-US" dirty="0"/>
+                        <a:t>000</a:t>
+                      </a:r>
+                      <a:r>
+                        <a:rPr lang="ru-RU" dirty="0"/>
+                        <a:t>)</a:t>
+                      </a:r>
+                    </a:p>
+                  </a:txBody>
+                  <a:tcPr/>
+                </a:tc>
+                <a:extLst>
+                  <a:ext uri="{0D108BD9-81ED-4DB2-BD59-A6C34878D82A}">
+                    <a16:rowId xmlns:a16="http://schemas.microsoft.com/office/drawing/2014/main" val="3615720567"/>
+                  </a:ext>
+                </a:extLst>
+              </a:tr>
+              <a:tr h="370840">
+                <a:tc>
+                  <a:txBody>
+                    <a:bodyPr/>
+                    <a:lstStyle/>
+                    <a:p>
+                      <a:r>
+                        <a:rPr lang="en-US" dirty="0"/>
+                        <a:t>OS archive</a:t>
+                      </a:r>
+                      <a:endParaRPr lang="ru-RU" dirty="0"/>
+                    </a:p>
+                  </a:txBody>
+                  <a:tcPr/>
+                </a:tc>
+                <a:tc>
+                  <a:txBody>
+                    <a:bodyPr/>
+                    <a:lstStyle/>
+                    <a:p>
+                      <a:r>
+                        <a:rPr lang="ru-RU" dirty="0"/>
+                        <a:t>Цена зависит от количества тегов (</a:t>
+                      </a:r>
+                      <a:r>
+                        <a:rPr lang="en-US" dirty="0"/>
+                        <a:t>1500 TAGS</a:t>
+                      </a:r>
+                      <a:r>
+                        <a:rPr lang="ru-RU" dirty="0"/>
+                        <a:t>, </a:t>
+                      </a:r>
+                      <a:r>
+                        <a:rPr lang="en-US" dirty="0"/>
+                        <a:t>5000 TAGS</a:t>
+                      </a:r>
+                      <a:r>
+                        <a:rPr lang="ru-RU" dirty="0"/>
+                        <a:t>, </a:t>
+                      </a:r>
+                      <a:r>
+                        <a:rPr lang="en-US" dirty="0"/>
+                        <a:t>10000 TAGS</a:t>
+                      </a:r>
+                      <a:r>
+                        <a:rPr lang="ru-RU" dirty="0"/>
+                        <a:t>, </a:t>
+                      </a:r>
+                      <a:r>
+                        <a:rPr lang="en-US" dirty="0"/>
+                        <a:t>30000 TAGS</a:t>
+                      </a:r>
+                      <a:r>
+                        <a:rPr lang="ru-RU" dirty="0"/>
+                        <a:t>)</a:t>
+                      </a:r>
+                    </a:p>
+                  </a:txBody>
+                  <a:tcPr/>
+                </a:tc>
+                <a:extLst>
+                  <a:ext uri="{0D108BD9-81ED-4DB2-BD59-A6C34878D82A}">
+                    <a16:rowId xmlns:a16="http://schemas.microsoft.com/office/drawing/2014/main" val="4078708724"/>
+                  </a:ext>
+                </a:extLst>
+              </a:tr>
+              <a:tr h="419432">
+                <a:tc>
+                  <a:txBody>
+                    <a:bodyPr/>
+                    <a:lstStyle/>
+                    <a:p>
+                      <a:r>
+                        <a:rPr lang="en-US" dirty="0"/>
+                        <a:t>PDM</a:t>
+                      </a:r>
+                      <a:endParaRPr lang="ru-RU" dirty="0"/>
+                    </a:p>
+                  </a:txBody>
+                  <a:tcPr/>
+                </a:tc>
+                <a:tc>
+                  <a:txBody>
+                    <a:bodyPr/>
+                    <a:lstStyle/>
+                    <a:p>
+                      <a:pPr marL="0" marR="0" lvl="0" indent="0" algn="l" defTabSz="914400" rtl="0" eaLnBrk="1" fontAlgn="auto" latinLnBrk="0" hangingPunct="1">
+                        <a:lnSpc>
+                          <a:spcPct val="100000"/>
+                        </a:lnSpc>
+                        <a:spcBef>
+                          <a:spcPts val="0"/>
+                        </a:spcBef>
+                        <a:spcAft>
+                          <a:spcPts val="0"/>
+                        </a:spcAft>
+                        <a:buClrTx/>
+                        <a:buSzTx/>
+                        <a:buFontTx/>
+                        <a:buNone/>
+                        <a:tabLst/>
+                        <a:defRPr/>
+                      </a:pPr>
+                      <a:r>
+                        <a:rPr lang="ru-RU" dirty="0"/>
+                        <a:t>Цена зависит от количества тегов (</a:t>
+                      </a:r>
+                      <a:r>
+                        <a:rPr lang="en-US" dirty="0"/>
+                        <a:t>1500 TAGS</a:t>
+                      </a:r>
+                      <a:r>
+                        <a:rPr lang="ru-RU" dirty="0"/>
+                        <a:t>, </a:t>
+                      </a:r>
+                      <a:r>
+                        <a:rPr lang="en-US" dirty="0"/>
+                        <a:t>5000 TAGS</a:t>
+                      </a:r>
+                      <a:r>
+                        <a:rPr lang="ru-RU" dirty="0"/>
+                        <a:t>, </a:t>
+                      </a:r>
+                      <a:r>
+                        <a:rPr lang="en-US" dirty="0"/>
+                        <a:t>10000 TAGS</a:t>
+                      </a:r>
+                      <a:r>
+                        <a:rPr lang="ru-RU" dirty="0"/>
+                        <a:t>, </a:t>
+                      </a:r>
+                      <a:r>
+                        <a:rPr lang="en-US" dirty="0"/>
+                        <a:t>30000 TAGS</a:t>
+                      </a:r>
+                      <a:r>
+                        <a:rPr lang="ru-RU" dirty="0"/>
+                        <a:t>)</a:t>
+                      </a:r>
+                    </a:p>
+                  </a:txBody>
+                  <a:tcPr/>
+                </a:tc>
+                <a:extLst>
+                  <a:ext uri="{0D108BD9-81ED-4DB2-BD59-A6C34878D82A}">
+                    <a16:rowId xmlns:a16="http://schemas.microsoft.com/office/drawing/2014/main" val="3769730462"/>
+                  </a:ext>
+                </a:extLst>
+              </a:tr>
+              <a:tr h="370840">
+                <a:tc>
+                  <a:txBody>
+                    <a:bodyPr/>
+                    <a:lstStyle/>
+                    <a:p>
+                      <a:r>
+                        <a:rPr lang="en-US" dirty="0"/>
+                        <a:t>BATCH</a:t>
+                      </a:r>
+                      <a:endParaRPr lang="ru-RU" dirty="0"/>
+                    </a:p>
+                  </a:txBody>
+                  <a:tcPr/>
+                </a:tc>
+                <a:tc>
+                  <a:txBody>
+                    <a:bodyPr/>
+                    <a:lstStyle/>
+                    <a:p>
+                      <a:r>
+                        <a:rPr lang="ru-RU" dirty="0"/>
+                        <a:t>Цена зависит от количества единиц (</a:t>
+                      </a:r>
+                      <a:r>
+                        <a:rPr lang="en-US" dirty="0"/>
+                        <a:t>1 UNIT</a:t>
+                      </a:r>
+                      <a:r>
+                        <a:rPr lang="ru-RU" dirty="0"/>
+                        <a:t>,</a:t>
+                      </a:r>
+                      <a:r>
+                        <a:rPr lang="en-US" dirty="0"/>
+                        <a:t> </a:t>
+                      </a:r>
+                      <a:r>
+                        <a:rPr lang="ru-RU" dirty="0"/>
+                        <a:t>10</a:t>
+                      </a:r>
+                      <a:r>
+                        <a:rPr lang="en-US" dirty="0"/>
+                        <a:t> UNIT</a:t>
+                      </a:r>
+                      <a:r>
+                        <a:rPr lang="ru-RU" dirty="0"/>
+                        <a:t>, 50 </a:t>
+                      </a:r>
+                      <a:r>
+                        <a:rPr lang="en-US" dirty="0"/>
+                        <a:t>UNIT</a:t>
+                      </a:r>
+                      <a:r>
+                        <a:rPr lang="ru-RU" dirty="0"/>
+                        <a:t>)</a:t>
+                      </a:r>
+                    </a:p>
+                  </a:txBody>
+                  <a:tcPr/>
+                </a:tc>
+                <a:extLst>
+                  <a:ext uri="{0D108BD9-81ED-4DB2-BD59-A6C34878D82A}">
+                    <a16:rowId xmlns:a16="http://schemas.microsoft.com/office/drawing/2014/main" val="4000178332"/>
+                  </a:ext>
+                </a:extLst>
+              </a:tr>
+              <a:tr h="370840">
+                <a:tc>
+                  <a:txBody>
+                    <a:bodyPr/>
+                    <a:lstStyle/>
+                    <a:p>
+                      <a:r>
+                        <a:rPr lang="en-US" dirty="0"/>
+                        <a:t>Route Control </a:t>
+                      </a:r>
+                      <a:r>
+                        <a:rPr lang="en-US" dirty="0">
+                          <a:highlight>
+                            <a:srgbClr val="FFFF00"/>
+                          </a:highlight>
+                        </a:rPr>
+                        <a:t>Routes</a:t>
+                      </a:r>
+                      <a:r>
+                        <a:rPr lang="en-US" dirty="0"/>
+                        <a:t> </a:t>
+                      </a:r>
+                      <a:endParaRPr lang="ru-RU" dirty="0"/>
+                    </a:p>
+                  </a:txBody>
+                  <a:tcPr/>
+                </a:tc>
+                <a:tc>
+                  <a:txBody>
+                    <a:bodyPr/>
+                    <a:lstStyle/>
+                    <a:p>
+                      <a:r>
+                        <a:rPr lang="ru-RU" dirty="0"/>
+                        <a:t>Цена зависит от количества ? (</a:t>
+                      </a:r>
+                      <a:r>
+                        <a:rPr lang="en-US" dirty="0"/>
+                        <a:t>10 ROUTES</a:t>
+                      </a:r>
+                      <a:r>
+                        <a:rPr lang="ru-RU" dirty="0"/>
+                        <a:t>, 5</a:t>
+                      </a:r>
+                      <a:r>
+                        <a:rPr lang="en-US" dirty="0"/>
+                        <a:t>0 ROUTES</a:t>
+                      </a:r>
+                      <a:r>
+                        <a:rPr lang="ru-RU" dirty="0"/>
+                        <a:t>)</a:t>
+                      </a:r>
+                    </a:p>
+                  </a:txBody>
+                  <a:tcPr/>
+                </a:tc>
+                <a:extLst>
+                  <a:ext uri="{0D108BD9-81ED-4DB2-BD59-A6C34878D82A}">
+                    <a16:rowId xmlns:a16="http://schemas.microsoft.com/office/drawing/2014/main" val="3337858158"/>
+                  </a:ext>
+                </a:extLst>
+              </a:tr>
+              <a:tr h="370840">
+                <a:tc>
+                  <a:txBody>
+                    <a:bodyPr/>
+                    <a:lstStyle/>
+                    <a:p>
+                      <a:r>
+                        <a:rPr lang="en-US" dirty="0"/>
+                        <a:t>Maintenance RT </a:t>
+                      </a:r>
+                      <a:endParaRPr lang="ru-RU" dirty="0"/>
+                    </a:p>
+                  </a:txBody>
+                  <a:tcPr/>
+                </a:tc>
+                <a:tc>
+                  <a:txBody>
+                    <a:bodyPr/>
+                    <a:lstStyle/>
+                    <a:p>
+                      <a:pPr marL="0" marR="0" lvl="0" indent="0" algn="l" defTabSz="914400" rtl="0" eaLnBrk="1" fontAlgn="auto" latinLnBrk="0" hangingPunct="1">
+                        <a:lnSpc>
+                          <a:spcPct val="100000"/>
+                        </a:lnSpc>
+                        <a:spcBef>
+                          <a:spcPts val="0"/>
+                        </a:spcBef>
+                        <a:spcAft>
+                          <a:spcPts val="0"/>
+                        </a:spcAft>
+                        <a:buClrTx/>
+                        <a:buSzTx/>
+                        <a:buFontTx/>
+                        <a:buNone/>
+                        <a:tabLst/>
+                        <a:defRPr/>
+                      </a:pPr>
+                      <a:r>
+                        <a:rPr lang="ru-RU" dirty="0"/>
+                        <a:t>Цена зависит от количества тегов (1</a:t>
+                      </a:r>
+                      <a:r>
+                        <a:rPr lang="en-US" dirty="0"/>
+                        <a:t>00 TAGS</a:t>
+                      </a:r>
+                      <a:r>
+                        <a:rPr lang="ru-RU" dirty="0"/>
+                        <a:t>, 1</a:t>
+                      </a:r>
+                      <a:r>
+                        <a:rPr lang="en-US" dirty="0"/>
+                        <a:t>000 TAGS</a:t>
+                      </a:r>
+                      <a:r>
+                        <a:rPr lang="ru-RU" dirty="0"/>
+                        <a:t>)</a:t>
+                      </a:r>
+                    </a:p>
+                  </a:txBody>
+                  <a:tcPr/>
+                </a:tc>
+                <a:extLst>
+                  <a:ext uri="{0D108BD9-81ED-4DB2-BD59-A6C34878D82A}">
+                    <a16:rowId xmlns:a16="http://schemas.microsoft.com/office/drawing/2014/main" val="1568899916"/>
+                  </a:ext>
+                </a:extLst>
+              </a:tr>
+              <a:tr h="370840">
+                <a:tc>
+                  <a:txBody>
+                    <a:bodyPr/>
+                    <a:lstStyle/>
+                    <a:p>
+                      <a:r>
+                        <a:rPr lang="en-US" dirty="0"/>
+                        <a:t>SIMATIC Management Console </a:t>
+                      </a:r>
+                      <a:endParaRPr lang="ru-RU" dirty="0"/>
+                    </a:p>
+                  </a:txBody>
+                  <a:tcPr/>
+                </a:tc>
+                <a:tc>
+                  <a:txBody>
+                    <a:bodyPr/>
+                    <a:lstStyle/>
+                    <a:p>
+                      <a:r>
+                        <a:rPr lang="ru-RU" dirty="0"/>
+                        <a:t>Цена зависит от количества агентов </a:t>
+                      </a:r>
+                      <a:r>
+                        <a:rPr lang="en-US" dirty="0"/>
+                        <a:t>(10 AGENTS</a:t>
+                      </a:r>
+                      <a:r>
+                        <a:rPr lang="ru-RU" dirty="0"/>
+                        <a:t>, 5</a:t>
+                      </a:r>
+                      <a:r>
+                        <a:rPr lang="en-US" dirty="0"/>
+                        <a:t>0 AGENTS</a:t>
+                      </a:r>
+                      <a:r>
+                        <a:rPr lang="ru-RU" dirty="0"/>
+                        <a:t>, </a:t>
+                      </a:r>
+                      <a:r>
+                        <a:rPr lang="en-US" dirty="0"/>
+                        <a:t>10</a:t>
+                      </a:r>
+                      <a:r>
+                        <a:rPr lang="ru-RU" dirty="0"/>
+                        <a:t>0</a:t>
+                      </a:r>
+                      <a:r>
+                        <a:rPr lang="en-US" dirty="0"/>
+                        <a:t> AGENTS)</a:t>
+                      </a:r>
+                      <a:endParaRPr lang="ru-RU" dirty="0"/>
+                    </a:p>
+                  </a:txBody>
+                  <a:tcPr/>
+                </a:tc>
+                <a:extLst>
+                  <a:ext uri="{0D108BD9-81ED-4DB2-BD59-A6C34878D82A}">
+                    <a16:rowId xmlns:a16="http://schemas.microsoft.com/office/drawing/2014/main" val="2967167339"/>
+                  </a:ext>
+                </a:extLst>
+              </a:tr>
+            </a:tbl>
+          </a:graphicData>
+        </a:graphic>
+      </p:graphicFrame>
     </p:spTree>
     <p:extLst>
       <p:ext uri="{BB962C8B-B14F-4D97-AF65-F5344CB8AC3E}">
-        <p14:creationId xmlns:p14="http://schemas.microsoft.com/office/powerpoint/2010/main" val="338288982"/>
-      </p:ext>
-    </p:extLst>
-  </p:cSld>
-  <p:clrMapOvr>
-    <a:masterClrMapping/>
-  </p:clrMapOvr>
-</p:sld>
-</file>
-
-<file path=ppt/slides/slide12.xml><?xml version="1.0" encoding="utf-8"?>
-<p:sld xmlns:a="http://schemas.openxmlformats.org/drawingml/2006/main" xmlns:r="http://schemas.openxmlformats.org/officeDocument/2006/relationships" xmlns:p="http://schemas.openxmlformats.org/presentationml/2006/main">
-  <p:cSld>
-    <p:spTree>
-      <p:nvGrpSpPr>
-        <p:cNvPr id="1" name=""/>
-        <p:cNvGrpSpPr/>
-        <p:nvPr/>
-      </p:nvGrpSpPr>
-      <p:grpSpPr>
-        <a:xfrm>
-          <a:off x="0" y="0"/>
-          <a:ext cx="0" cy="0"/>
-          <a:chOff x="0" y="0"/>
-          <a:chExt cx="0" cy="0"/>
-        </a:xfrm>
-      </p:grpSpPr>
-      <p:sp>
-        <p:nvSpPr>
-          <p:cNvPr id="2" name="Прямоугольник 1">
-            <a:extLst>
-              <a:ext uri="{FF2B5EF4-FFF2-40B4-BE49-F238E27FC236}">
-                <a16:creationId xmlns:a16="http://schemas.microsoft.com/office/drawing/2014/main" id="{A86E4FA7-8109-45EF-BD17-9EC175294975}"/>
-              </a:ext>
-            </a:extLst>
-          </p:cNvPr>
-          <p:cNvSpPr/>
-          <p:nvPr/>
-        </p:nvSpPr>
-        <p:spPr>
-          <a:xfrm>
-            <a:off x="2267744" y="692696"/>
-            <a:ext cx="4870821" cy="461665"/>
-          </a:xfrm>
-          <a:prstGeom prst="rect">
-            <a:avLst/>
-          </a:prstGeom>
-        </p:spPr>
-        <p:txBody>
-          <a:bodyPr wrap="none">
-            <a:spAutoFit/>
-          </a:bodyPr>
-          <a:lstStyle/>
-          <a:p>
-            <a:r>
-              <a:rPr lang="ru-RU" sz="2400" dirty="0">
-                <a:solidFill>
-                  <a:schemeClr val="bg2">
-                    <a:lumMod val="50000"/>
-                  </a:schemeClr>
-                </a:solidFill>
-              </a:rPr>
-              <a:t>Глобальные адреса файлов данных</a:t>
-            </a:r>
-          </a:p>
-        </p:txBody>
-      </p:sp>
-      <p:pic>
-        <p:nvPicPr>
-          <p:cNvPr id="4" name="Рисунок 3">
-            <a:extLst>
-              <a:ext uri="{FF2B5EF4-FFF2-40B4-BE49-F238E27FC236}">
-                <a16:creationId xmlns:a16="http://schemas.microsoft.com/office/drawing/2014/main" id="{C700B357-F095-4C8B-AE30-CE73CE93B483}"/>
-              </a:ext>
-            </a:extLst>
-          </p:cNvPr>
-          <p:cNvPicPr>
-            <a:picLocks noChangeAspect="1"/>
-          </p:cNvPicPr>
-          <p:nvPr/>
-        </p:nvPicPr>
-        <p:blipFill>
-          <a:blip r:embed="rId2">
-            <a:extLst>
-              <a:ext uri="{28A0092B-C50C-407E-A947-70E740481C1C}">
-                <a14:useLocalDpi xmlns:a14="http://schemas.microsoft.com/office/drawing/2010/main" val="0"/>
-              </a:ext>
-            </a:extLst>
-          </a:blip>
-          <a:stretch>
-            <a:fillRect/>
-          </a:stretch>
-        </p:blipFill>
-        <p:spPr>
-          <a:xfrm>
-            <a:off x="790500" y="1873546"/>
-            <a:ext cx="7562999" cy="3110908"/>
-          </a:xfrm>
-          <a:prstGeom prst="rect">
-            <a:avLst/>
-          </a:prstGeom>
-        </p:spPr>
-      </p:pic>
-    </p:spTree>
-    <p:extLst>
-      <p:ext uri="{BB962C8B-B14F-4D97-AF65-F5344CB8AC3E}">
-        <p14:creationId xmlns:p14="http://schemas.microsoft.com/office/powerpoint/2010/main" val="1870128210"/>
-      </p:ext>
-    </p:extLst>
-  </p:cSld>
-  <p:clrMapOvr>
-    <a:masterClrMapping/>
-  </p:clrMapOvr>
-</p:sld>
-</file>
-
-<file path=ppt/slides/slide13.xml><?xml version="1.0" encoding="utf-8"?>
-<p:sld xmlns:a="http://schemas.openxmlformats.org/drawingml/2006/main" xmlns:r="http://schemas.openxmlformats.org/officeDocument/2006/relationships" xmlns:p="http://schemas.openxmlformats.org/presentationml/2006/main">
-  <p:cSld>
-    <p:spTree>
-      <p:nvGrpSpPr>
-        <p:cNvPr id="1" name=""/>
-        <p:cNvGrpSpPr/>
-        <p:nvPr/>
-      </p:nvGrpSpPr>
-      <p:grpSpPr>
-        <a:xfrm>
-          <a:off x="0" y="0"/>
-          <a:ext cx="0" cy="0"/>
-          <a:chOff x="0" y="0"/>
-          <a:chExt cx="0" cy="0"/>
-        </a:xfrm>
-      </p:grpSpPr>
-      <p:sp>
-        <p:nvSpPr>
-          <p:cNvPr id="2" name="Прямоугольник 1">
-            <a:extLst>
-              <a:ext uri="{FF2B5EF4-FFF2-40B4-BE49-F238E27FC236}">
-                <a16:creationId xmlns:a16="http://schemas.microsoft.com/office/drawing/2014/main" id="{4FDE2E27-FBEF-45C2-967B-57ADB4760096}"/>
-              </a:ext>
-            </a:extLst>
-          </p:cNvPr>
-          <p:cNvSpPr/>
-          <p:nvPr/>
-        </p:nvSpPr>
-        <p:spPr>
-          <a:xfrm>
-            <a:off x="2185608" y="620688"/>
-            <a:ext cx="4772781" cy="461665"/>
-          </a:xfrm>
-          <a:prstGeom prst="rect">
-            <a:avLst/>
-          </a:prstGeom>
-        </p:spPr>
-        <p:txBody>
-          <a:bodyPr wrap="none">
-            <a:spAutoFit/>
-          </a:bodyPr>
-          <a:lstStyle/>
-          <a:p>
-            <a:r>
-              <a:rPr lang="ru-RU" sz="2400" dirty="0">
-                <a:solidFill>
-                  <a:schemeClr val="bg2">
-                    <a:lumMod val="50000"/>
-                  </a:schemeClr>
-                </a:solidFill>
-              </a:rPr>
-              <a:t>Локальные адреса файлов данных</a:t>
-            </a:r>
-          </a:p>
-        </p:txBody>
-      </p:sp>
-      <p:pic>
-        <p:nvPicPr>
-          <p:cNvPr id="4" name="Рисунок 3">
-            <a:extLst>
-              <a:ext uri="{FF2B5EF4-FFF2-40B4-BE49-F238E27FC236}">
-                <a16:creationId xmlns:a16="http://schemas.microsoft.com/office/drawing/2014/main" id="{AC36CE3B-70FA-4EBE-9296-025E3F1D236F}"/>
-              </a:ext>
-            </a:extLst>
-          </p:cNvPr>
-          <p:cNvPicPr>
-            <a:picLocks noChangeAspect="1"/>
-          </p:cNvPicPr>
-          <p:nvPr/>
-        </p:nvPicPr>
-        <p:blipFill>
-          <a:blip r:embed="rId2">
-            <a:extLst>
-              <a:ext uri="{28A0092B-C50C-407E-A947-70E740481C1C}">
-                <a14:useLocalDpi xmlns:a14="http://schemas.microsoft.com/office/drawing/2010/main" val="0"/>
-              </a:ext>
-            </a:extLst>
-          </a:blip>
-          <a:stretch>
-            <a:fillRect/>
-          </a:stretch>
-        </p:blipFill>
-        <p:spPr>
-          <a:xfrm>
-            <a:off x="1120539" y="1928196"/>
-            <a:ext cx="6902921" cy="3001607"/>
-          </a:xfrm>
-          <a:prstGeom prst="rect">
-            <a:avLst/>
-          </a:prstGeom>
-        </p:spPr>
-      </p:pic>
-    </p:spTree>
-    <p:extLst>
-      <p:ext uri="{BB962C8B-B14F-4D97-AF65-F5344CB8AC3E}">
-        <p14:creationId xmlns:p14="http://schemas.microsoft.com/office/powerpoint/2010/main" val="1114563023"/>
-      </p:ext>
-    </p:extLst>
-  </p:cSld>
-  <p:clrMapOvr>
-    <a:masterClrMapping/>
-  </p:clrMapOvr>
-</p:sld>
-</file>
-
-<file path=ppt/slides/slide14.xml><?xml version="1.0" encoding="utf-8"?>
-<p:sld xmlns:a="http://schemas.openxmlformats.org/drawingml/2006/main" xmlns:r="http://schemas.openxmlformats.org/officeDocument/2006/relationships" xmlns:p="http://schemas.openxmlformats.org/presentationml/2006/main">
-  <p:cSld>
-    <p:spTree>
-      <p:nvGrpSpPr>
-        <p:cNvPr id="1" name=""/>
-        <p:cNvGrpSpPr/>
-        <p:nvPr/>
-      </p:nvGrpSpPr>
-      <p:grpSpPr>
-        <a:xfrm>
-          <a:off x="0" y="0"/>
-          <a:ext cx="0" cy="0"/>
-          <a:chOff x="0" y="0"/>
-          <a:chExt cx="0" cy="0"/>
-        </a:xfrm>
-      </p:grpSpPr>
-      <p:sp>
-        <p:nvSpPr>
-          <p:cNvPr id="2" name="Прямоугольник 1">
-            <a:extLst>
-              <a:ext uri="{FF2B5EF4-FFF2-40B4-BE49-F238E27FC236}">
-                <a16:creationId xmlns:a16="http://schemas.microsoft.com/office/drawing/2014/main" id="{8191D819-6EF1-48A1-B0DD-BF6A882117B2}"/>
-              </a:ext>
-            </a:extLst>
-          </p:cNvPr>
-          <p:cNvSpPr/>
-          <p:nvPr/>
-        </p:nvSpPr>
-        <p:spPr>
-          <a:xfrm>
-            <a:off x="1543894" y="692696"/>
-            <a:ext cx="6192688" cy="461665"/>
-          </a:xfrm>
-          <a:prstGeom prst="rect">
-            <a:avLst/>
-          </a:prstGeom>
-        </p:spPr>
-        <p:txBody>
-          <a:bodyPr wrap="square">
-            <a:spAutoFit/>
-          </a:bodyPr>
-          <a:lstStyle/>
-          <a:p>
-            <a:r>
-              <a:rPr lang="ru-RU" sz="2400" dirty="0">
-                <a:solidFill>
-                  <a:schemeClr val="bg2">
-                    <a:lumMod val="50000"/>
-                  </a:schemeClr>
-                </a:solidFill>
-              </a:rPr>
-              <a:t>Регистрация данных в распределенной среде</a:t>
-            </a:r>
-          </a:p>
-        </p:txBody>
-      </p:sp>
-      <p:pic>
-        <p:nvPicPr>
-          <p:cNvPr id="4" name="Рисунок 3">
-            <a:extLst>
-              <a:ext uri="{FF2B5EF4-FFF2-40B4-BE49-F238E27FC236}">
-                <a16:creationId xmlns:a16="http://schemas.microsoft.com/office/drawing/2014/main" id="{CBB81DEA-B3CE-46E7-BBF8-66ECF5E4CE04}"/>
-              </a:ext>
-            </a:extLst>
-          </p:cNvPr>
-          <p:cNvPicPr>
-            <a:picLocks noChangeAspect="1"/>
-          </p:cNvPicPr>
-          <p:nvPr/>
-        </p:nvPicPr>
-        <p:blipFill>
-          <a:blip r:embed="rId2">
-            <a:extLst>
-              <a:ext uri="{28A0092B-C50C-407E-A947-70E740481C1C}">
-                <a14:useLocalDpi xmlns:a14="http://schemas.microsoft.com/office/drawing/2010/main" val="0"/>
-              </a:ext>
-            </a:extLst>
-          </a:blip>
-          <a:stretch>
-            <a:fillRect/>
-          </a:stretch>
-        </p:blipFill>
-        <p:spPr>
-          <a:xfrm>
-            <a:off x="887067" y="1772816"/>
-            <a:ext cx="7506341" cy="3960440"/>
-          </a:xfrm>
-          <a:prstGeom prst="rect">
-            <a:avLst/>
-          </a:prstGeom>
-        </p:spPr>
-      </p:pic>
-    </p:spTree>
-    <p:extLst>
-      <p:ext uri="{BB962C8B-B14F-4D97-AF65-F5344CB8AC3E}">
-        <p14:creationId xmlns:p14="http://schemas.microsoft.com/office/powerpoint/2010/main" val="1413003509"/>
-      </p:ext>
-    </p:extLst>
-  </p:cSld>
-  <p:clrMapOvr>
-    <a:masterClrMapping/>
-  </p:clrMapOvr>
-</p:sld>
-</file>
-
-<file path=ppt/slides/slide15.xml><?xml version="1.0" encoding="utf-8"?>
-<p:sld xmlns:a="http://schemas.openxmlformats.org/drawingml/2006/main" xmlns:r="http://schemas.openxmlformats.org/officeDocument/2006/relationships" xmlns:p="http://schemas.openxmlformats.org/presentationml/2006/main">
-  <p:cSld>
-    <p:spTree>
-      <p:nvGrpSpPr>
-        <p:cNvPr id="1" name=""/>
-        <p:cNvGrpSpPr/>
-        <p:nvPr/>
-      </p:nvGrpSpPr>
-      <p:grpSpPr>
-        <a:xfrm>
-          <a:off x="0" y="0"/>
-          <a:ext cx="0" cy="0"/>
-          <a:chOff x="0" y="0"/>
-          <a:chExt cx="0" cy="0"/>
-        </a:xfrm>
-      </p:grpSpPr>
-      <p:sp>
-        <p:nvSpPr>
-          <p:cNvPr id="2" name="Прямоугольник 1">
-            <a:extLst>
-              <a:ext uri="{FF2B5EF4-FFF2-40B4-BE49-F238E27FC236}">
-                <a16:creationId xmlns:a16="http://schemas.microsoft.com/office/drawing/2014/main" id="{F674F054-65A3-4F8D-802B-6DA9B6861CE9}"/>
-              </a:ext>
-            </a:extLst>
-          </p:cNvPr>
-          <p:cNvSpPr/>
-          <p:nvPr/>
-        </p:nvSpPr>
-        <p:spPr>
-          <a:xfrm>
-            <a:off x="2123728" y="404664"/>
-            <a:ext cx="5282536" cy="461665"/>
-          </a:xfrm>
-          <a:prstGeom prst="rect">
-            <a:avLst/>
-          </a:prstGeom>
-        </p:spPr>
-        <p:txBody>
-          <a:bodyPr wrap="none">
-            <a:spAutoFit/>
-          </a:bodyPr>
-          <a:lstStyle/>
-          <a:p>
-            <a:r>
-              <a:rPr lang="ru-RU" sz="2400" dirty="0">
-                <a:solidFill>
-                  <a:schemeClr val="bg2">
-                    <a:lumMod val="50000"/>
-                  </a:schemeClr>
-                </a:solidFill>
-              </a:rPr>
-              <a:t>Использование Сервисов Терминалов </a:t>
-            </a:r>
-          </a:p>
-        </p:txBody>
-      </p:sp>
-      <p:pic>
-        <p:nvPicPr>
-          <p:cNvPr id="4" name="Рисунок 3">
-            <a:extLst>
-              <a:ext uri="{FF2B5EF4-FFF2-40B4-BE49-F238E27FC236}">
-                <a16:creationId xmlns:a16="http://schemas.microsoft.com/office/drawing/2014/main" id="{460819B8-56B0-48FE-B95D-D55C849141A2}"/>
-              </a:ext>
-            </a:extLst>
-          </p:cNvPr>
-          <p:cNvPicPr>
-            <a:picLocks noChangeAspect="1"/>
-          </p:cNvPicPr>
-          <p:nvPr/>
-        </p:nvPicPr>
-        <p:blipFill>
-          <a:blip r:embed="rId2">
-            <a:extLst>
-              <a:ext uri="{28A0092B-C50C-407E-A947-70E740481C1C}">
-                <a14:useLocalDpi xmlns:a14="http://schemas.microsoft.com/office/drawing/2010/main" val="0"/>
-              </a:ext>
-            </a:extLst>
-          </a:blip>
-          <a:stretch>
-            <a:fillRect/>
-          </a:stretch>
-        </p:blipFill>
-        <p:spPr>
-          <a:xfrm>
-            <a:off x="937363" y="1061447"/>
-            <a:ext cx="7269274" cy="5019079"/>
-          </a:xfrm>
-          <a:prstGeom prst="rect">
-            <a:avLst/>
-          </a:prstGeom>
-        </p:spPr>
-      </p:pic>
-    </p:spTree>
-    <p:extLst>
-      <p:ext uri="{BB962C8B-B14F-4D97-AF65-F5344CB8AC3E}">
-        <p14:creationId xmlns:p14="http://schemas.microsoft.com/office/powerpoint/2010/main" val="205206965"/>
-      </p:ext>
-    </p:extLst>
-  </p:cSld>
-  <p:clrMapOvr>
-    <a:masterClrMapping/>
-  </p:clrMapOvr>
-</p:sld>
-</file>
-
-<file path=ppt/slides/slide16.xml><?xml version="1.0" encoding="utf-8"?>
-<p:sld xmlns:a="http://schemas.openxmlformats.org/drawingml/2006/main" xmlns:r="http://schemas.openxmlformats.org/officeDocument/2006/relationships" xmlns:p="http://schemas.openxmlformats.org/presentationml/2006/main">
-  <p:cSld>
-    <p:spTree>
-      <p:nvGrpSpPr>
-        <p:cNvPr id="1" name=""/>
-        <p:cNvGrpSpPr/>
-        <p:nvPr/>
-      </p:nvGrpSpPr>
-      <p:grpSpPr>
-        <a:xfrm>
-          <a:off x="0" y="0"/>
-          <a:ext cx="0" cy="0"/>
-          <a:chOff x="0" y="0"/>
-          <a:chExt cx="0" cy="0"/>
-        </a:xfrm>
-      </p:grpSpPr>
-      <p:sp>
-        <p:nvSpPr>
-          <p:cNvPr id="2" name="Прямоугольник 1">
-            <a:extLst>
-              <a:ext uri="{FF2B5EF4-FFF2-40B4-BE49-F238E27FC236}">
-                <a16:creationId xmlns:a16="http://schemas.microsoft.com/office/drawing/2014/main" id="{24BFA9E5-5F4B-413E-B860-F246E0EEBE2B}"/>
-              </a:ext>
-            </a:extLst>
-          </p:cNvPr>
-          <p:cNvSpPr/>
-          <p:nvPr/>
-        </p:nvSpPr>
-        <p:spPr>
-          <a:xfrm>
-            <a:off x="3203848" y="519063"/>
-            <a:ext cx="4176464" cy="461665"/>
-          </a:xfrm>
-          <a:prstGeom prst="rect">
-            <a:avLst/>
-          </a:prstGeom>
-        </p:spPr>
-        <p:txBody>
-          <a:bodyPr wrap="square">
-            <a:spAutoFit/>
-          </a:bodyPr>
-          <a:lstStyle/>
-          <a:p>
-            <a:pPr>
-              <a:spcAft>
-                <a:spcPts val="0"/>
-              </a:spcAft>
-            </a:pPr>
-            <a:r>
-              <a:rPr lang="ru-RU" sz="2400" kern="1400" spc="-50" dirty="0">
-                <a:solidFill>
-                  <a:schemeClr val="bg2">
-                    <a:lumMod val="75000"/>
-                  </a:schemeClr>
-                </a:solidFill>
-                <a:latin typeface="+mj-lt"/>
-                <a:ea typeface="Times New Roman" panose="02020603050405020304" pitchFamily="18" charset="0"/>
-                <a:cs typeface="Times New Roman" panose="02020603050405020304" pitchFamily="18" charset="0"/>
-              </a:rPr>
-              <a:t>GE HMI SСADA </a:t>
-            </a:r>
-            <a:r>
-              <a:rPr lang="ru-RU" sz="2400" kern="1400" spc="-50" dirty="0" err="1">
-                <a:solidFill>
-                  <a:schemeClr val="bg2">
-                    <a:lumMod val="75000"/>
-                  </a:schemeClr>
-                </a:solidFill>
-                <a:latin typeface="+mj-lt"/>
-                <a:ea typeface="Times New Roman" panose="02020603050405020304" pitchFamily="18" charset="0"/>
-                <a:cs typeface="Times New Roman" panose="02020603050405020304" pitchFamily="18" charset="0"/>
-              </a:rPr>
-              <a:t>iFix</a:t>
-            </a:r>
-            <a:endParaRPr lang="ru-RU" sz="2400" kern="1400" spc="-50" dirty="0">
-              <a:solidFill>
-                <a:schemeClr val="bg2">
-                  <a:lumMod val="75000"/>
-                </a:schemeClr>
-              </a:solidFill>
-              <a:effectLst/>
-              <a:latin typeface="+mj-lt"/>
-              <a:ea typeface="Times New Roman" panose="02020603050405020304" pitchFamily="18" charset="0"/>
-              <a:cs typeface="Times New Roman" panose="02020603050405020304" pitchFamily="18" charset="0"/>
-            </a:endParaRPr>
-          </a:p>
-        </p:txBody>
-      </p:sp>
-      <p:sp>
-        <p:nvSpPr>
-          <p:cNvPr id="3" name="Прямоугольник 2">
-            <a:extLst>
-              <a:ext uri="{FF2B5EF4-FFF2-40B4-BE49-F238E27FC236}">
-                <a16:creationId xmlns:a16="http://schemas.microsoft.com/office/drawing/2014/main" id="{4167E38B-F8D3-4EAF-B091-27F777DD3D9A}"/>
-              </a:ext>
-            </a:extLst>
-          </p:cNvPr>
-          <p:cNvSpPr/>
-          <p:nvPr/>
-        </p:nvSpPr>
-        <p:spPr>
-          <a:xfrm>
-            <a:off x="971600" y="980728"/>
-            <a:ext cx="7344816" cy="5017143"/>
-          </a:xfrm>
-          <a:prstGeom prst="rect">
-            <a:avLst/>
-          </a:prstGeom>
-        </p:spPr>
-        <p:txBody>
-          <a:bodyPr wrap="square">
-            <a:spAutoFit/>
-          </a:bodyPr>
-          <a:lstStyle/>
-          <a:p>
-            <a:pPr indent="457200" algn="just">
-              <a:lnSpc>
-                <a:spcPct val="107000"/>
-              </a:lnSpc>
-              <a:spcAft>
-                <a:spcPts val="0"/>
-              </a:spcAft>
-            </a:pPr>
-            <a:r>
-              <a:rPr lang="ru-RU" sz="2000" dirty="0">
-                <a:solidFill>
-                  <a:schemeClr val="bg2">
-                    <a:lumMod val="75000"/>
-                  </a:schemeClr>
-                </a:solidFill>
-                <a:effectLst/>
-                <a:ea typeface="Calibri" panose="020F0502020204030204" pitchFamily="34" charset="0"/>
-                <a:cs typeface="Times New Roman" panose="02020603050405020304" pitchFamily="18" charset="0"/>
-              </a:rPr>
-              <a:t>Возможности:</a:t>
-            </a:r>
-          </a:p>
-          <a:p>
-            <a:pPr marL="285750" indent="-285750" algn="just">
-              <a:lnSpc>
-                <a:spcPct val="107000"/>
-              </a:lnSpc>
-              <a:buFont typeface="Arial" panose="020B0604020202020204" pitchFamily="34" charset="0"/>
-              <a:buChar char="•"/>
-            </a:pPr>
-            <a:r>
-              <a:rPr lang="ru-RU" sz="2000" dirty="0">
-                <a:solidFill>
-                  <a:schemeClr val="bg2">
-                    <a:lumMod val="75000"/>
-                  </a:schemeClr>
-                </a:solidFill>
-              </a:rPr>
-              <a:t>Горячее резервирование и автоматическое переключение серверов</a:t>
-            </a:r>
-          </a:p>
-          <a:p>
-            <a:pPr marL="285750" indent="-285750" algn="just">
-              <a:lnSpc>
-                <a:spcPct val="107000"/>
-              </a:lnSpc>
-              <a:spcAft>
-                <a:spcPts val="0"/>
-              </a:spcAft>
-              <a:buFont typeface="Arial" panose="020B0604020202020204" pitchFamily="34" charset="0"/>
-              <a:buChar char="•"/>
-            </a:pPr>
-            <a:r>
-              <a:rPr lang="ru-RU" sz="2000" dirty="0">
-                <a:solidFill>
-                  <a:schemeClr val="bg2">
-                    <a:lumMod val="75000"/>
-                  </a:schemeClr>
-                </a:solidFill>
-              </a:rPr>
-              <a:t>Обширный каталог высокопроизводительных прямых драйверов ввода/вывода и ОРС-серверов как для широко распространенных, так и для специализированных ПЛК</a:t>
-            </a:r>
-          </a:p>
-          <a:p>
-            <a:pPr marL="285750" indent="-285750" algn="just">
-              <a:lnSpc>
-                <a:spcPct val="107000"/>
-              </a:lnSpc>
-              <a:buFont typeface="Arial" panose="020B0604020202020204" pitchFamily="34" charset="0"/>
-              <a:buChar char="•"/>
-            </a:pPr>
-            <a:r>
-              <a:rPr lang="ru-RU" sz="2000" dirty="0">
-                <a:solidFill>
-                  <a:schemeClr val="bg2">
-                    <a:lumMod val="75000"/>
-                  </a:schemeClr>
-                </a:solidFill>
-              </a:rPr>
-              <a:t>Универсальный ОРС-клиент с возможностями конфигурации, мониторинга и оптимизации обмена с серверами ввода/вывода.</a:t>
-            </a:r>
-          </a:p>
-          <a:p>
-            <a:pPr marL="285750" indent="-285750" algn="just">
-              <a:lnSpc>
-                <a:spcPct val="107000"/>
-              </a:lnSpc>
-              <a:buFont typeface="Arial" panose="020B0604020202020204" pitchFamily="34" charset="0"/>
-              <a:buChar char="•"/>
-            </a:pPr>
-            <a:r>
-              <a:rPr lang="ru-RU" sz="2000" dirty="0">
-                <a:solidFill>
-                  <a:schemeClr val="bg2">
-                    <a:lumMod val="75000"/>
-                  </a:schemeClr>
-                </a:solidFill>
-              </a:rPr>
-              <a:t>Поддержка О</a:t>
-            </a:r>
-            <a:r>
-              <a:rPr lang="en-US" sz="2000" dirty="0">
-                <a:solidFill>
-                  <a:schemeClr val="bg2">
-                    <a:lumMod val="75000"/>
-                  </a:schemeClr>
-                </a:solidFill>
-              </a:rPr>
-              <a:t>PC DA, </a:t>
-            </a:r>
-            <a:r>
-              <a:rPr lang="ru-RU" sz="2000" dirty="0">
-                <a:solidFill>
-                  <a:schemeClr val="bg2">
-                    <a:lumMod val="75000"/>
-                  </a:schemeClr>
-                </a:solidFill>
-              </a:rPr>
-              <a:t>ОРС</a:t>
-            </a:r>
-            <a:r>
-              <a:rPr lang="en-US" sz="2000" dirty="0">
-                <a:solidFill>
-                  <a:schemeClr val="bg2">
-                    <a:lumMod val="75000"/>
-                  </a:schemeClr>
-                </a:solidFill>
-              </a:rPr>
-              <a:t> Alarm &amp; Events, SQL ODBC, COM/DCOM, OLE DB, ActiveX, .NET.</a:t>
-            </a:r>
-            <a:endParaRPr lang="ru-RU" sz="2000" dirty="0">
-              <a:solidFill>
-                <a:schemeClr val="bg2">
-                  <a:lumMod val="75000"/>
-                </a:schemeClr>
-              </a:solidFill>
-            </a:endParaRPr>
-          </a:p>
-          <a:p>
-            <a:pPr marL="285750" indent="-285750" algn="just">
-              <a:lnSpc>
-                <a:spcPct val="107000"/>
-              </a:lnSpc>
-              <a:buFont typeface="Arial" panose="020B0604020202020204" pitchFamily="34" charset="0"/>
-              <a:buChar char="•"/>
-            </a:pPr>
-            <a:r>
-              <a:rPr lang="en-US" sz="2000" dirty="0">
-                <a:solidFill>
-                  <a:schemeClr val="bg2">
-                    <a:lumMod val="75000"/>
-                  </a:schemeClr>
-                </a:solidFill>
-              </a:rPr>
-              <a:t>ODBC-</a:t>
-            </a:r>
-            <a:r>
-              <a:rPr lang="ru-RU" sz="2000" dirty="0">
-                <a:solidFill>
-                  <a:schemeClr val="bg2">
-                    <a:lumMod val="75000"/>
-                  </a:schemeClr>
-                </a:solidFill>
-              </a:rPr>
-              <a:t>драйверы</a:t>
-            </a:r>
-          </a:p>
-          <a:p>
-            <a:pPr marL="285750" indent="-285750" algn="just">
-              <a:lnSpc>
-                <a:spcPct val="107000"/>
-              </a:lnSpc>
-              <a:buFont typeface="Arial" panose="020B0604020202020204" pitchFamily="34" charset="0"/>
-              <a:buChar char="•"/>
-            </a:pPr>
-            <a:r>
-              <a:rPr lang="ru-RU" sz="2000" dirty="0">
-                <a:solidFill>
-                  <a:schemeClr val="bg2">
-                    <a:lumMod val="75000"/>
-                  </a:schemeClr>
-                </a:solidFill>
-              </a:rPr>
-              <a:t>Поддержка технологии </a:t>
-            </a:r>
-            <a:r>
-              <a:rPr lang="ru-RU" sz="2000" dirty="0" err="1">
-                <a:solidFill>
-                  <a:schemeClr val="bg2">
-                    <a:lumMod val="75000"/>
-                  </a:schemeClr>
-                </a:solidFill>
-              </a:rPr>
-              <a:t>Plug</a:t>
-            </a:r>
-            <a:r>
-              <a:rPr lang="ru-RU" sz="2000" dirty="0">
-                <a:solidFill>
-                  <a:schemeClr val="bg2">
-                    <a:lumMod val="75000"/>
-                  </a:schemeClr>
-                </a:solidFill>
-              </a:rPr>
-              <a:t> </a:t>
-            </a:r>
-            <a:r>
-              <a:rPr lang="ru-RU" sz="2000" dirty="0" err="1">
-                <a:solidFill>
-                  <a:schemeClr val="bg2">
-                    <a:lumMod val="75000"/>
-                  </a:schemeClr>
-                </a:solidFill>
-              </a:rPr>
-              <a:t>and</a:t>
-            </a:r>
-            <a:r>
-              <a:rPr lang="ru-RU" sz="2000" dirty="0">
-                <a:solidFill>
-                  <a:schemeClr val="bg2">
-                    <a:lumMod val="75000"/>
-                  </a:schemeClr>
-                </a:solidFill>
-              </a:rPr>
-              <a:t> </a:t>
-            </a:r>
-            <a:r>
-              <a:rPr lang="ru-RU" sz="2000" dirty="0" err="1">
-                <a:solidFill>
-                  <a:schemeClr val="bg2">
-                    <a:lumMod val="75000"/>
-                  </a:schemeClr>
-                </a:solidFill>
-              </a:rPr>
-              <a:t>Solve</a:t>
-            </a:r>
-            <a:r>
-              <a:rPr lang="ru-RU" sz="2000" dirty="0">
-                <a:solidFill>
-                  <a:schemeClr val="bg2">
-                    <a:lumMod val="75000"/>
-                  </a:schemeClr>
-                </a:solidFill>
-              </a:rPr>
-              <a:t>™</a:t>
-            </a:r>
-          </a:p>
-          <a:p>
-            <a:pPr marL="285750" indent="-285750" algn="just">
-              <a:lnSpc>
-                <a:spcPct val="107000"/>
-              </a:lnSpc>
-              <a:buFont typeface="Arial" panose="020B0604020202020204" pitchFamily="34" charset="0"/>
-              <a:buChar char="•"/>
-            </a:pPr>
-            <a:r>
-              <a:rPr lang="ru-RU" sz="2000" dirty="0">
-                <a:solidFill>
-                  <a:schemeClr val="bg2">
-                    <a:lumMod val="75000"/>
-                  </a:schemeClr>
-                </a:solidFill>
-              </a:rPr>
-              <a:t>Полная SCADA-функциональность через технологию «тонких» веб-клиентов GE </a:t>
-            </a:r>
-            <a:r>
-              <a:rPr lang="ru-RU" sz="2000" dirty="0" err="1">
-                <a:solidFill>
-                  <a:schemeClr val="bg2">
-                    <a:lumMod val="75000"/>
-                  </a:schemeClr>
-                </a:solidFill>
-              </a:rPr>
-              <a:t>WebSpace</a:t>
-            </a:r>
-            <a:r>
-              <a:rPr lang="ru-RU" sz="2000" dirty="0">
-                <a:solidFill>
-                  <a:schemeClr val="bg2">
-                    <a:lumMod val="75000"/>
-                  </a:schemeClr>
-                </a:solidFill>
-              </a:rPr>
-              <a:t>. </a:t>
-            </a:r>
-            <a:endParaRPr lang="ru-RU" sz="2000" dirty="0">
-              <a:solidFill>
-                <a:schemeClr val="bg2">
-                  <a:lumMod val="75000"/>
-                </a:schemeClr>
-              </a:solidFill>
-              <a:effectLst/>
-              <a:ea typeface="Calibri" panose="020F0502020204030204" pitchFamily="34" charset="0"/>
-              <a:cs typeface="Times New Roman" panose="02020603050405020304" pitchFamily="18" charset="0"/>
-            </a:endParaRPr>
-          </a:p>
-        </p:txBody>
-      </p:sp>
-      <p:sp>
-        <p:nvSpPr>
-          <p:cNvPr id="4" name="Объект 2">
-            <a:extLst>
-              <a:ext uri="{FF2B5EF4-FFF2-40B4-BE49-F238E27FC236}">
-                <a16:creationId xmlns:a16="http://schemas.microsoft.com/office/drawing/2014/main" id="{AE444692-82E9-4905-840F-EE1867A07E29}"/>
-              </a:ext>
-            </a:extLst>
-          </p:cNvPr>
-          <p:cNvSpPr txBox="1">
-            <a:spLocks/>
-          </p:cNvSpPr>
-          <p:nvPr/>
-        </p:nvSpPr>
-        <p:spPr>
-          <a:xfrm>
-            <a:off x="2843808" y="72851"/>
-            <a:ext cx="3672408" cy="1354089"/>
-          </a:xfrm>
-          <a:prstGeom prst="rect">
-            <a:avLst/>
-          </a:prstGeom>
-        </p:spPr>
-        <p:txBody>
-          <a:bodyPr/>
-          <a:lstStyle>
-            <a:lvl1pPr marL="228600" indent="-228600" algn="l" defTabSz="914400" rtl="0" eaLnBrk="1" latinLnBrk="0" hangingPunct="1">
-              <a:lnSpc>
-                <a:spcPct val="120000"/>
-              </a:lnSpc>
-              <a:spcBef>
-                <a:spcPts val="1000"/>
-              </a:spcBef>
-              <a:buSzPct val="125000"/>
-              <a:buFont typeface="Arial" panose="020B0604020202020204" pitchFamily="34" charset="0"/>
-              <a:buChar char="•"/>
-              <a:defRPr sz="2400" kern="1200">
-                <a:solidFill>
-                  <a:schemeClr val="tx1"/>
-                </a:solidFill>
-                <a:latin typeface="+mn-lt"/>
-                <a:ea typeface="+mn-ea"/>
-                <a:cs typeface="+mn-cs"/>
-              </a:defRPr>
-            </a:lvl1pPr>
-            <a:lvl2pPr marL="685800" indent="-228600" algn="l" defTabSz="914400" rtl="0" eaLnBrk="1" latinLnBrk="0" hangingPunct="1">
-              <a:lnSpc>
-                <a:spcPct val="120000"/>
-              </a:lnSpc>
-              <a:spcBef>
-                <a:spcPts val="500"/>
-              </a:spcBef>
-              <a:buSzPct val="125000"/>
-              <a:buFont typeface="Arial" panose="020B0604020202020204" pitchFamily="34" charset="0"/>
-              <a:buChar char="•"/>
-              <a:defRPr sz="2000" kern="1200">
-                <a:solidFill>
-                  <a:schemeClr val="tx1"/>
-                </a:solidFill>
-                <a:latin typeface="+mn-lt"/>
-                <a:ea typeface="+mn-ea"/>
-                <a:cs typeface="+mn-cs"/>
-              </a:defRPr>
-            </a:lvl2pPr>
-            <a:lvl3pPr marL="1143000" indent="-228600" algn="l" defTabSz="914400" rtl="0" eaLnBrk="1" latinLnBrk="0" hangingPunct="1">
-              <a:lnSpc>
-                <a:spcPct val="120000"/>
-              </a:lnSpc>
-              <a:spcBef>
-                <a:spcPts val="500"/>
-              </a:spcBef>
-              <a:buSzPct val="125000"/>
-              <a:buFont typeface="Arial" panose="020B0604020202020204" pitchFamily="34" charset="0"/>
-              <a:buChar char="•"/>
-              <a:defRPr sz="1800" kern="1200">
-                <a:solidFill>
-                  <a:schemeClr val="tx1"/>
-                </a:solidFill>
-                <a:latin typeface="+mn-lt"/>
-                <a:ea typeface="+mn-ea"/>
-                <a:cs typeface="+mn-cs"/>
-              </a:defRPr>
-            </a:lvl3pPr>
-            <a:lvl4pPr marL="1600200" indent="-228600" algn="l" defTabSz="914400" rtl="0" eaLnBrk="1" latinLnBrk="0" hangingPunct="1">
-              <a:lnSpc>
-                <a:spcPct val="120000"/>
-              </a:lnSpc>
-              <a:spcBef>
-                <a:spcPts val="500"/>
-              </a:spcBef>
-              <a:buSzPct val="125000"/>
-              <a:buFont typeface="Arial" panose="020B0604020202020204" pitchFamily="34" charset="0"/>
-              <a:buChar char="•"/>
-              <a:defRPr sz="1600" kern="1200">
-                <a:solidFill>
-                  <a:schemeClr val="tx1"/>
-                </a:solidFill>
-                <a:latin typeface="+mn-lt"/>
-                <a:ea typeface="+mn-ea"/>
-                <a:cs typeface="+mn-cs"/>
-              </a:defRPr>
-            </a:lvl4pPr>
-            <a:lvl5pPr marL="2057400" indent="-228600" algn="l" defTabSz="914400" rtl="0" eaLnBrk="1" latinLnBrk="0" hangingPunct="1">
-              <a:lnSpc>
-                <a:spcPct val="120000"/>
-              </a:lnSpc>
-              <a:spcBef>
-                <a:spcPts val="500"/>
-              </a:spcBef>
-              <a:buSzPct val="125000"/>
-              <a:buFont typeface="Arial" panose="020B0604020202020204" pitchFamily="34" charset="0"/>
-              <a:buChar char="•"/>
-              <a:defRPr sz="1600" kern="1200">
-                <a:solidFill>
-                  <a:schemeClr val="tx1"/>
-                </a:solidFill>
-                <a:latin typeface="+mn-lt"/>
-                <a:ea typeface="+mn-ea"/>
-                <a:cs typeface="+mn-cs"/>
-              </a:defRPr>
-            </a:lvl5pPr>
-            <a:lvl6pPr marL="2514600" indent="-228600" algn="l" defTabSz="914400" rtl="0" eaLnBrk="1" latinLnBrk="0" hangingPunct="1">
-              <a:lnSpc>
-                <a:spcPct val="120000"/>
-              </a:lnSpc>
-              <a:spcBef>
-                <a:spcPts val="500"/>
-              </a:spcBef>
-              <a:buSzPct val="125000"/>
-              <a:buFont typeface="Arial" panose="020B0604020202020204" pitchFamily="34" charset="0"/>
-              <a:buChar char="•"/>
-              <a:defRPr sz="1400" kern="1200">
-                <a:solidFill>
-                  <a:schemeClr val="tx1"/>
-                </a:solidFill>
-                <a:latin typeface="+mn-lt"/>
-                <a:ea typeface="+mn-ea"/>
-                <a:cs typeface="+mn-cs"/>
-              </a:defRPr>
-            </a:lvl6pPr>
-            <a:lvl7pPr marL="2971800" indent="-228600" algn="l" defTabSz="914400" rtl="0" eaLnBrk="1" latinLnBrk="0" hangingPunct="1">
-              <a:lnSpc>
-                <a:spcPct val="120000"/>
-              </a:lnSpc>
-              <a:spcBef>
-                <a:spcPts val="500"/>
-              </a:spcBef>
-              <a:buSzPct val="125000"/>
-              <a:buFont typeface="Arial" panose="020B0604020202020204" pitchFamily="34" charset="0"/>
-              <a:buChar char="•"/>
-              <a:defRPr sz="1400" kern="1200">
-                <a:solidFill>
-                  <a:schemeClr val="tx1"/>
-                </a:solidFill>
-                <a:latin typeface="+mn-lt"/>
-                <a:ea typeface="+mn-ea"/>
-                <a:cs typeface="+mn-cs"/>
-              </a:defRPr>
-            </a:lvl7pPr>
-            <a:lvl8pPr marL="3429000" indent="-228600" algn="l" defTabSz="914400" rtl="0" eaLnBrk="1" latinLnBrk="0" hangingPunct="1">
-              <a:lnSpc>
-                <a:spcPct val="120000"/>
-              </a:lnSpc>
-              <a:spcBef>
-                <a:spcPts val="500"/>
-              </a:spcBef>
-              <a:buSzPct val="125000"/>
-              <a:buFont typeface="Arial" panose="020B0604020202020204" pitchFamily="34" charset="0"/>
-              <a:buChar char="•"/>
-              <a:defRPr sz="1400" kern="1200">
-                <a:solidFill>
-                  <a:schemeClr val="tx1"/>
-                </a:solidFill>
-                <a:latin typeface="+mn-lt"/>
-                <a:ea typeface="+mn-ea"/>
-                <a:cs typeface="+mn-cs"/>
-              </a:defRPr>
-            </a:lvl8pPr>
-            <a:lvl9pPr marL="3886200" indent="-228600" algn="l" defTabSz="914400" rtl="0" eaLnBrk="1" latinLnBrk="0" hangingPunct="1">
-              <a:lnSpc>
-                <a:spcPct val="120000"/>
-              </a:lnSpc>
-              <a:spcBef>
-                <a:spcPts val="500"/>
-              </a:spcBef>
-              <a:buSzPct val="125000"/>
-              <a:buFont typeface="Arial" panose="020B0604020202020204" pitchFamily="34" charset="0"/>
-              <a:buChar char="•"/>
-              <a:defRPr sz="1400" kern="1200">
-                <a:solidFill>
-                  <a:schemeClr val="tx1"/>
-                </a:solidFill>
-                <a:latin typeface="+mn-lt"/>
-                <a:ea typeface="+mn-ea"/>
-                <a:cs typeface="+mn-cs"/>
-              </a:defRPr>
-            </a:lvl9pPr>
-          </a:lstStyle>
-          <a:p>
-            <a:pPr marL="0" indent="0">
-              <a:buFont typeface="Arial" panose="020B0604020202020204" pitchFamily="34" charset="0"/>
-              <a:buNone/>
-            </a:pPr>
-            <a:r>
-              <a:rPr lang="ru-RU">
-                <a:solidFill>
-                  <a:schemeClr val="bg1"/>
-                </a:solidFill>
-              </a:rPr>
-              <a:t>Резервированная система</a:t>
-            </a:r>
-            <a:endParaRPr lang="ru-RU" dirty="0">
-              <a:solidFill>
-                <a:schemeClr val="bg1"/>
-              </a:solidFill>
-            </a:endParaRPr>
-          </a:p>
-        </p:txBody>
-      </p:sp>
-    </p:spTree>
-    <p:extLst>
-      <p:ext uri="{BB962C8B-B14F-4D97-AF65-F5344CB8AC3E}">
-        <p14:creationId xmlns:p14="http://schemas.microsoft.com/office/powerpoint/2010/main" val="1022302768"/>
-      </p:ext>
-    </p:extLst>
-  </p:cSld>
-  <p:clrMapOvr>
-    <a:masterClrMapping/>
-  </p:clrMapOvr>
-</p:sld>
-</file>
-
-<file path=ppt/slides/slide17.xml><?xml version="1.0" encoding="utf-8"?>
-<p:sld xmlns:a="http://schemas.openxmlformats.org/drawingml/2006/main" xmlns:r="http://schemas.openxmlformats.org/officeDocument/2006/relationships" xmlns:p="http://schemas.openxmlformats.org/presentationml/2006/main">
-  <p:cSld>
-    <p:spTree>
-      <p:nvGrpSpPr>
-        <p:cNvPr id="1" name=""/>
-        <p:cNvGrpSpPr/>
-        <p:nvPr/>
-      </p:nvGrpSpPr>
-      <p:grpSpPr>
-        <a:xfrm>
-          <a:off x="0" y="0"/>
-          <a:ext cx="0" cy="0"/>
-          <a:chOff x="0" y="0"/>
-          <a:chExt cx="0" cy="0"/>
-        </a:xfrm>
-      </p:grpSpPr>
-      <p:sp>
-        <p:nvSpPr>
-          <p:cNvPr id="2" name="TextBox 1">
-            <a:extLst>
-              <a:ext uri="{FF2B5EF4-FFF2-40B4-BE49-F238E27FC236}">
-                <a16:creationId xmlns:a16="http://schemas.microsoft.com/office/drawing/2014/main" id="{3228EF5C-8CBA-4F62-B4A0-1542FD09F709}"/>
-              </a:ext>
-            </a:extLst>
-          </p:cNvPr>
-          <p:cNvSpPr txBox="1"/>
-          <p:nvPr/>
-        </p:nvSpPr>
-        <p:spPr>
-          <a:xfrm>
-            <a:off x="3671400" y="620688"/>
-            <a:ext cx="1801199" cy="461665"/>
-          </a:xfrm>
-          <a:prstGeom prst="rect">
-            <a:avLst/>
-          </a:prstGeom>
-          <a:noFill/>
-        </p:spPr>
-        <p:txBody>
-          <a:bodyPr wrap="none" rtlCol="0">
-            <a:spAutoFit/>
-          </a:bodyPr>
-          <a:lstStyle/>
-          <a:p>
-            <a:r>
-              <a:rPr lang="ru-RU" sz="2400" dirty="0">
-                <a:solidFill>
-                  <a:schemeClr val="bg2">
-                    <a:lumMod val="75000"/>
-                  </a:schemeClr>
-                </a:solidFill>
-                <a:latin typeface="+mj-lt"/>
-              </a:rPr>
-              <a:t>Архитектура</a:t>
-            </a:r>
-          </a:p>
-        </p:txBody>
-      </p:sp>
-      <p:pic>
-        <p:nvPicPr>
-          <p:cNvPr id="3" name="Рисунок 2">
-            <a:extLst>
-              <a:ext uri="{FF2B5EF4-FFF2-40B4-BE49-F238E27FC236}">
-                <a16:creationId xmlns:a16="http://schemas.microsoft.com/office/drawing/2014/main" id="{7DCA28F8-DD84-4CC0-88EF-E2F66EDFC7B6}"/>
-              </a:ext>
-            </a:extLst>
-          </p:cNvPr>
-          <p:cNvPicPr/>
-          <p:nvPr/>
-        </p:nvPicPr>
-        <p:blipFill>
-          <a:blip r:embed="rId2">
-            <a:extLst>
-              <a:ext uri="{28A0092B-C50C-407E-A947-70E740481C1C}">
-                <a14:useLocalDpi xmlns:a14="http://schemas.microsoft.com/office/drawing/2010/main" val="0"/>
-              </a:ext>
-            </a:extLst>
-          </a:blip>
-          <a:srcRect/>
-          <a:stretch>
-            <a:fillRect/>
-          </a:stretch>
-        </p:blipFill>
-        <p:spPr bwMode="auto">
-          <a:xfrm>
-            <a:off x="1316324" y="1328574"/>
-            <a:ext cx="5932805" cy="4572000"/>
-          </a:xfrm>
-          <a:prstGeom prst="rect">
-            <a:avLst/>
-          </a:prstGeom>
-          <a:noFill/>
-          <a:ln>
-            <a:noFill/>
-          </a:ln>
-        </p:spPr>
-      </p:pic>
-    </p:spTree>
-    <p:extLst>
-      <p:ext uri="{BB962C8B-B14F-4D97-AF65-F5344CB8AC3E}">
-        <p14:creationId xmlns:p14="http://schemas.microsoft.com/office/powerpoint/2010/main" val="3838088831"/>
-      </p:ext>
-    </p:extLst>
-  </p:cSld>
-  <p:clrMapOvr>
-    <a:masterClrMapping/>
-  </p:clrMapOvr>
-</p:sld>
-</file>
-
-<file path=ppt/slides/slide18.xml><?xml version="1.0" encoding="utf-8"?>
-<p:sld xmlns:a="http://schemas.openxmlformats.org/drawingml/2006/main" xmlns:r="http://schemas.openxmlformats.org/officeDocument/2006/relationships" xmlns:p="http://schemas.openxmlformats.org/presentationml/2006/main">
-  <p:cSld>
-    <p:spTree>
-      <p:nvGrpSpPr>
-        <p:cNvPr id="1" name=""/>
-        <p:cNvGrpSpPr/>
-        <p:nvPr/>
-      </p:nvGrpSpPr>
-      <p:grpSpPr>
-        <a:xfrm>
-          <a:off x="0" y="0"/>
-          <a:ext cx="0" cy="0"/>
-          <a:chOff x="0" y="0"/>
-          <a:chExt cx="0" cy="0"/>
-        </a:xfrm>
-      </p:grpSpPr>
-      <p:pic>
-        <p:nvPicPr>
-          <p:cNvPr id="3074" name="Picture 2">
-            <a:extLst>
-              <a:ext uri="{FF2B5EF4-FFF2-40B4-BE49-F238E27FC236}">
-                <a16:creationId xmlns:a16="http://schemas.microsoft.com/office/drawing/2014/main" id="{EBFB8A99-B17A-4B02-9F28-61C5F3889CE0}"/>
-              </a:ext>
-            </a:extLst>
-          </p:cNvPr>
-          <p:cNvPicPr>
-            <a:picLocks noChangeAspect="1" noChangeArrowheads="1"/>
-          </p:cNvPicPr>
-          <p:nvPr/>
-        </p:nvPicPr>
-        <p:blipFill>
-          <a:blip r:embed="rId2">
-            <a:extLst>
-              <a:ext uri="{28A0092B-C50C-407E-A947-70E740481C1C}">
-                <a14:useLocalDpi xmlns:a14="http://schemas.microsoft.com/office/drawing/2010/main" val="0"/>
-              </a:ext>
-            </a:extLst>
-          </a:blip>
-          <a:srcRect/>
-          <a:stretch>
-            <a:fillRect/>
-          </a:stretch>
-        </p:blipFill>
-        <p:spPr bwMode="auto">
-          <a:xfrm>
-            <a:off x="1238250" y="1700808"/>
-            <a:ext cx="6667500" cy="3724275"/>
-          </a:xfrm>
-          <a:prstGeom prst="rect">
-            <a:avLst/>
-          </a:prstGeom>
-          <a:noFill/>
-          <a:extLst>
-            <a:ext uri="{909E8E84-426E-40DD-AFC4-6F175D3DCCD1}">
-              <a14:hiddenFill xmlns:a14="http://schemas.microsoft.com/office/drawing/2010/main">
-                <a:solidFill>
-                  <a:srgbClr val="FFFFFF"/>
-                </a:solidFill>
-              </a14:hiddenFill>
-            </a:ext>
-          </a:extLst>
-        </p:spPr>
-      </p:pic>
-      <p:sp>
-        <p:nvSpPr>
-          <p:cNvPr id="2" name="Прямоугольник 1">
-            <a:extLst>
-              <a:ext uri="{FF2B5EF4-FFF2-40B4-BE49-F238E27FC236}">
-                <a16:creationId xmlns:a16="http://schemas.microsoft.com/office/drawing/2014/main" id="{2076C90B-F1DD-4FD2-9035-8969B5731405}"/>
-              </a:ext>
-            </a:extLst>
-          </p:cNvPr>
-          <p:cNvSpPr/>
-          <p:nvPr/>
-        </p:nvSpPr>
-        <p:spPr>
-          <a:xfrm>
-            <a:off x="2555776" y="754551"/>
-            <a:ext cx="4572000" cy="461665"/>
-          </a:xfrm>
-          <a:prstGeom prst="rect">
-            <a:avLst/>
-          </a:prstGeom>
-        </p:spPr>
-        <p:txBody>
-          <a:bodyPr>
-            <a:spAutoFit/>
-          </a:bodyPr>
-          <a:lstStyle/>
-          <a:p>
-            <a:r>
-              <a:rPr lang="ru-RU" sz="2400" dirty="0">
-                <a:solidFill>
-                  <a:schemeClr val="bg2">
-                    <a:lumMod val="75000"/>
-                  </a:schemeClr>
-                </a:solidFill>
-                <a:latin typeface="+mj-lt"/>
-              </a:rPr>
-              <a:t>Опции клиентских лицензий</a:t>
-            </a:r>
-          </a:p>
-        </p:txBody>
-      </p:sp>
-    </p:spTree>
-    <p:extLst>
-      <p:ext uri="{BB962C8B-B14F-4D97-AF65-F5344CB8AC3E}">
-        <p14:creationId xmlns:p14="http://schemas.microsoft.com/office/powerpoint/2010/main" val="1740713499"/>
-      </p:ext>
-    </p:extLst>
-  </p:cSld>
-  <p:clrMapOvr>
-    <a:masterClrMapping/>
-  </p:clrMapOvr>
-</p:sld>
-</file>
-
-<file path=ppt/slides/slide19.xml><?xml version="1.0" encoding="utf-8"?>
-<p:sld xmlns:a="http://schemas.openxmlformats.org/drawingml/2006/main" xmlns:r="http://schemas.openxmlformats.org/officeDocument/2006/relationships" xmlns:p="http://schemas.openxmlformats.org/presentationml/2006/main">
-  <p:cSld>
-    <p:spTree>
-      <p:nvGrpSpPr>
-        <p:cNvPr id="1" name=""/>
-        <p:cNvGrpSpPr/>
-        <p:nvPr/>
-      </p:nvGrpSpPr>
-      <p:grpSpPr>
-        <a:xfrm>
-          <a:off x="0" y="0"/>
-          <a:ext cx="0" cy="0"/>
-          <a:chOff x="0" y="0"/>
-          <a:chExt cx="0" cy="0"/>
-        </a:xfrm>
-      </p:grpSpPr>
-      <p:sp>
-        <p:nvSpPr>
-          <p:cNvPr id="2" name="Прямоугольник 1">
-            <a:extLst>
-              <a:ext uri="{FF2B5EF4-FFF2-40B4-BE49-F238E27FC236}">
-                <a16:creationId xmlns:a16="http://schemas.microsoft.com/office/drawing/2014/main" id="{96067386-0DF5-4354-85CC-D388206F8773}"/>
-              </a:ext>
-            </a:extLst>
-          </p:cNvPr>
-          <p:cNvSpPr/>
-          <p:nvPr/>
-        </p:nvSpPr>
-        <p:spPr>
-          <a:xfrm>
-            <a:off x="3563888" y="764704"/>
-            <a:ext cx="3888432" cy="470000"/>
-          </a:xfrm>
-          <a:prstGeom prst="rect">
-            <a:avLst/>
-          </a:prstGeom>
-        </p:spPr>
-        <p:txBody>
-          <a:bodyPr wrap="square">
-            <a:spAutoFit/>
-          </a:bodyPr>
-          <a:lstStyle/>
-          <a:p>
-            <a:pPr>
-              <a:lnSpc>
-                <a:spcPct val="107000"/>
-              </a:lnSpc>
-              <a:spcAft>
-                <a:spcPts val="800"/>
-              </a:spcAft>
-            </a:pPr>
-            <a:r>
-              <a:rPr lang="ru-RU" sz="2400" dirty="0" err="1">
-                <a:solidFill>
-                  <a:schemeClr val="bg2">
-                    <a:lumMod val="75000"/>
-                  </a:schemeClr>
-                </a:solidFill>
-                <a:latin typeface="Calibri" panose="020F0502020204030204" pitchFamily="34" charset="0"/>
-                <a:ea typeface="Calibri" panose="020F0502020204030204" pitchFamily="34" charset="0"/>
-                <a:cs typeface="Times New Roman" panose="02020603050405020304" pitchFamily="18" charset="0"/>
-              </a:rPr>
-              <a:t>System</a:t>
-            </a:r>
-            <a:r>
-              <a:rPr lang="ru-RU" sz="2400" dirty="0">
-                <a:solidFill>
-                  <a:schemeClr val="bg2">
-                    <a:lumMod val="75000"/>
-                  </a:schemeClr>
-                </a:solidFill>
-                <a:latin typeface="Calibri" panose="020F0502020204030204" pitchFamily="34" charset="0"/>
-                <a:ea typeface="Calibri" panose="020F0502020204030204" pitchFamily="34" charset="0"/>
-                <a:cs typeface="Times New Roman" panose="02020603050405020304" pitchFamily="18" charset="0"/>
-              </a:rPr>
-              <a:t> </a:t>
-            </a:r>
-            <a:r>
-              <a:rPr lang="ru-RU" sz="2400" dirty="0" err="1">
-                <a:solidFill>
-                  <a:schemeClr val="bg2">
-                    <a:lumMod val="75000"/>
-                  </a:schemeClr>
-                </a:solidFill>
-                <a:latin typeface="Calibri" panose="020F0502020204030204" pitchFamily="34" charset="0"/>
-                <a:ea typeface="Calibri" panose="020F0502020204030204" pitchFamily="34" charset="0"/>
-                <a:cs typeface="Times New Roman" panose="02020603050405020304" pitchFamily="18" charset="0"/>
-              </a:rPr>
-              <a:t>Platform</a:t>
-            </a:r>
-            <a:r>
-              <a:rPr lang="ru-RU" sz="2400" dirty="0">
-                <a:solidFill>
-                  <a:schemeClr val="bg2">
-                    <a:lumMod val="75000"/>
-                  </a:schemeClr>
-                </a:solidFill>
-                <a:latin typeface="Calibri" panose="020F0502020204030204" pitchFamily="34" charset="0"/>
-                <a:ea typeface="Calibri" panose="020F0502020204030204" pitchFamily="34" charset="0"/>
-                <a:cs typeface="Times New Roman" panose="02020603050405020304" pitchFamily="18" charset="0"/>
-              </a:rPr>
-              <a:t>.</a:t>
-            </a:r>
-            <a:endParaRPr lang="ru-RU" sz="2400" dirty="0">
-              <a:solidFill>
-                <a:schemeClr val="bg2">
-                  <a:lumMod val="75000"/>
-                </a:schemeClr>
-              </a:solidFill>
-              <a:effectLst/>
-              <a:latin typeface="Calibri" panose="020F0502020204030204" pitchFamily="34" charset="0"/>
-              <a:ea typeface="Calibri" panose="020F0502020204030204" pitchFamily="34" charset="0"/>
-              <a:cs typeface="Times New Roman" panose="02020603050405020304" pitchFamily="18" charset="0"/>
-            </a:endParaRPr>
-          </a:p>
-        </p:txBody>
-      </p:sp>
-      <p:sp>
-        <p:nvSpPr>
-          <p:cNvPr id="3" name="Прямоугольник 2">
-            <a:extLst>
-              <a:ext uri="{FF2B5EF4-FFF2-40B4-BE49-F238E27FC236}">
-                <a16:creationId xmlns:a16="http://schemas.microsoft.com/office/drawing/2014/main" id="{CD29A63D-C7BA-416A-825D-FE427E7046CB}"/>
-              </a:ext>
-            </a:extLst>
-          </p:cNvPr>
-          <p:cNvSpPr/>
-          <p:nvPr/>
-        </p:nvSpPr>
-        <p:spPr>
-          <a:xfrm>
-            <a:off x="1043608" y="1412776"/>
-            <a:ext cx="6624736" cy="3885103"/>
-          </a:xfrm>
-          <a:prstGeom prst="rect">
-            <a:avLst/>
-          </a:prstGeom>
-        </p:spPr>
-        <p:txBody>
-          <a:bodyPr wrap="square">
-            <a:spAutoFit/>
-          </a:bodyPr>
-          <a:lstStyle/>
-          <a:p>
-            <a:pPr>
-              <a:lnSpc>
-                <a:spcPct val="107000"/>
-              </a:lnSpc>
-              <a:spcAft>
-                <a:spcPts val="800"/>
-              </a:spcAft>
-            </a:pPr>
-            <a:r>
-              <a:rPr lang="ru-RU" sz="2000" dirty="0">
-                <a:solidFill>
-                  <a:schemeClr val="bg2">
-                    <a:lumMod val="75000"/>
-                  </a:schemeClr>
-                </a:solidFill>
-                <a:latin typeface="Calibri" panose="020F0502020204030204" pitchFamily="34" charset="0"/>
-                <a:ea typeface="Calibri" panose="020F0502020204030204" pitchFamily="34" charset="0"/>
-                <a:cs typeface="Times New Roman" panose="02020603050405020304" pitchFamily="18" charset="0"/>
-              </a:rPr>
-              <a:t>Возможности</a:t>
-            </a:r>
-          </a:p>
-          <a:p>
-            <a:pPr marL="285750" indent="-285750">
-              <a:lnSpc>
-                <a:spcPct val="107000"/>
-              </a:lnSpc>
-              <a:spcAft>
-                <a:spcPts val="800"/>
-              </a:spcAft>
-              <a:buFont typeface="Arial" panose="020B0604020202020204" pitchFamily="34" charset="0"/>
-              <a:buChar char="•"/>
-            </a:pPr>
-            <a:r>
-              <a:rPr lang="ru-RU" dirty="0">
-                <a:solidFill>
-                  <a:schemeClr val="bg2">
-                    <a:lumMod val="75000"/>
-                  </a:schemeClr>
-                </a:solidFill>
-                <a:latin typeface="Calibri" panose="020F0502020204030204" pitchFamily="34" charset="0"/>
-                <a:ea typeface="Calibri" panose="020F0502020204030204" pitchFamily="34" charset="0"/>
-                <a:cs typeface="Times New Roman" panose="02020603050405020304" pitchFamily="18" charset="0"/>
-              </a:rPr>
-              <a:t>Может взаимодействовать практически с любыми полевыми устройствами и производственными информационными системами. </a:t>
-            </a:r>
-          </a:p>
-          <a:p>
-            <a:pPr marL="285750" indent="-285750">
-              <a:lnSpc>
-                <a:spcPct val="107000"/>
-              </a:lnSpc>
-              <a:spcAft>
-                <a:spcPts val="800"/>
-              </a:spcAft>
-              <a:buFont typeface="Arial" panose="020B0604020202020204" pitchFamily="34" charset="0"/>
-              <a:buChar char="•"/>
-            </a:pPr>
-            <a:r>
-              <a:rPr lang="ru-RU" dirty="0">
-                <a:solidFill>
-                  <a:schemeClr val="bg2">
-                    <a:lumMod val="75000"/>
-                  </a:schemeClr>
-                </a:solidFill>
-                <a:latin typeface="Calibri" panose="020F0502020204030204" pitchFamily="34" charset="0"/>
-                <a:ea typeface="Calibri" panose="020F0502020204030204" pitchFamily="34" charset="0"/>
-                <a:cs typeface="Times New Roman" panose="02020603050405020304" pitchFamily="18" charset="0"/>
-              </a:rPr>
-              <a:t>Единая стандартизированная среда разработки.</a:t>
-            </a:r>
-          </a:p>
-          <a:p>
-            <a:pPr marL="285750" indent="-285750">
-              <a:lnSpc>
-                <a:spcPct val="107000"/>
-              </a:lnSpc>
-              <a:spcAft>
-                <a:spcPts val="800"/>
-              </a:spcAft>
-              <a:buFont typeface="Arial" panose="020B0604020202020204" pitchFamily="34" charset="0"/>
-              <a:buChar char="•"/>
-            </a:pPr>
-            <a:r>
-              <a:rPr lang="ru-RU" dirty="0">
-                <a:solidFill>
-                  <a:schemeClr val="bg2">
-                    <a:lumMod val="75000"/>
-                  </a:schemeClr>
-                </a:solidFill>
-                <a:latin typeface="Calibri" panose="020F0502020204030204" pitchFamily="34" charset="0"/>
-                <a:ea typeface="Calibri" panose="020F0502020204030204" pitchFamily="34" charset="0"/>
-                <a:cs typeface="Times New Roman" panose="02020603050405020304" pitchFamily="18" charset="0"/>
-              </a:rPr>
-              <a:t>Независимая от устройств визуализация, интеллектуальная система </a:t>
-            </a:r>
-            <a:r>
-              <a:rPr lang="ru-RU" dirty="0" err="1">
-                <a:solidFill>
-                  <a:schemeClr val="bg2">
-                    <a:lumMod val="75000"/>
-                  </a:schemeClr>
-                </a:solidFill>
-                <a:latin typeface="Calibri" panose="020F0502020204030204" pitchFamily="34" charset="0"/>
-                <a:ea typeface="Calibri" panose="020F0502020204030204" pitchFamily="34" charset="0"/>
-                <a:cs typeface="Times New Roman" panose="02020603050405020304" pitchFamily="18" charset="0"/>
-              </a:rPr>
-              <a:t>алармов</a:t>
-            </a:r>
-            <a:r>
-              <a:rPr lang="ru-RU" dirty="0">
-                <a:solidFill>
-                  <a:schemeClr val="bg2">
-                    <a:lumMod val="75000"/>
-                  </a:schemeClr>
-                </a:solidFill>
-                <a:latin typeface="Calibri" panose="020F0502020204030204" pitchFamily="34" charset="0"/>
-                <a:ea typeface="Calibri" panose="020F0502020204030204" pitchFamily="34" charset="0"/>
-                <a:cs typeface="Times New Roman" panose="02020603050405020304" pitchFamily="18" charset="0"/>
-              </a:rPr>
-              <a:t>, гибкие средства анализа и отчетности. </a:t>
-            </a:r>
-          </a:p>
-          <a:p>
-            <a:pPr marL="285750" indent="-285750">
-              <a:lnSpc>
-                <a:spcPct val="107000"/>
-              </a:lnSpc>
-              <a:spcAft>
-                <a:spcPts val="800"/>
-              </a:spcAft>
-              <a:buFont typeface="Arial" panose="020B0604020202020204" pitchFamily="34" charset="0"/>
-              <a:buChar char="•"/>
-            </a:pPr>
-            <a:r>
-              <a:rPr lang="ru-RU" dirty="0">
-                <a:solidFill>
-                  <a:schemeClr val="bg2">
-                    <a:lumMod val="75000"/>
-                  </a:schemeClr>
-                </a:solidFill>
-                <a:latin typeface="Calibri" panose="020F0502020204030204" pitchFamily="34" charset="0"/>
-                <a:ea typeface="Calibri" panose="020F0502020204030204" pitchFamily="34" charset="0"/>
-                <a:cs typeface="Times New Roman" panose="02020603050405020304" pitchFamily="18" charset="0"/>
-              </a:rPr>
-              <a:t>Среда разработки и тестирования может полностью размещаться в облаке</a:t>
-            </a:r>
-          </a:p>
-          <a:p>
-            <a:pPr marL="285750" indent="-285750">
-              <a:lnSpc>
-                <a:spcPct val="107000"/>
-              </a:lnSpc>
-              <a:spcAft>
-                <a:spcPts val="800"/>
-              </a:spcAft>
-              <a:buFont typeface="Arial" panose="020B0604020202020204" pitchFamily="34" charset="0"/>
-              <a:buChar char="•"/>
-            </a:pPr>
-            <a:r>
-              <a:rPr lang="ru-RU" dirty="0">
-                <a:solidFill>
-                  <a:schemeClr val="bg2">
-                    <a:lumMod val="75000"/>
-                  </a:schemeClr>
-                </a:solidFill>
-                <a:latin typeface="Calibri" panose="020F0502020204030204" pitchFamily="34" charset="0"/>
-                <a:ea typeface="Calibri" panose="020F0502020204030204" pitchFamily="34" charset="0"/>
-                <a:cs typeface="Times New Roman" panose="02020603050405020304" pitchFamily="18" charset="0"/>
-              </a:rPr>
-              <a:t>Новая конфигурация визуализации поддерживает возможность параллельной разработки. </a:t>
-            </a:r>
-          </a:p>
-        </p:txBody>
-      </p:sp>
-      <p:sp>
-        <p:nvSpPr>
-          <p:cNvPr id="4" name="Объект 2">
-            <a:extLst>
-              <a:ext uri="{FF2B5EF4-FFF2-40B4-BE49-F238E27FC236}">
-                <a16:creationId xmlns:a16="http://schemas.microsoft.com/office/drawing/2014/main" id="{56AB5061-80C3-49F8-87A7-29C57FA0862A}"/>
-              </a:ext>
-            </a:extLst>
-          </p:cNvPr>
-          <p:cNvSpPr txBox="1">
-            <a:spLocks/>
-          </p:cNvSpPr>
-          <p:nvPr/>
-        </p:nvSpPr>
-        <p:spPr>
-          <a:xfrm>
-            <a:off x="2771800" y="161943"/>
-            <a:ext cx="3888432" cy="513725"/>
-          </a:xfrm>
-          <a:prstGeom prst="rect">
-            <a:avLst/>
-          </a:prstGeom>
-        </p:spPr>
-        <p:txBody>
-          <a:bodyPr/>
-          <a:lstStyle>
-            <a:lvl1pPr marL="228600" indent="-228600" algn="l" defTabSz="914400" rtl="0" eaLnBrk="1" latinLnBrk="0" hangingPunct="1">
-              <a:lnSpc>
-                <a:spcPct val="120000"/>
-              </a:lnSpc>
-              <a:spcBef>
-                <a:spcPts val="1000"/>
-              </a:spcBef>
-              <a:buSzPct val="125000"/>
-              <a:buFont typeface="Arial" panose="020B0604020202020204" pitchFamily="34" charset="0"/>
-              <a:buChar char="•"/>
-              <a:defRPr sz="2400" kern="1200">
-                <a:solidFill>
-                  <a:schemeClr val="tx1"/>
-                </a:solidFill>
-                <a:latin typeface="+mn-lt"/>
-                <a:ea typeface="+mn-ea"/>
-                <a:cs typeface="+mn-cs"/>
-              </a:defRPr>
-            </a:lvl1pPr>
-            <a:lvl2pPr marL="685800" indent="-228600" algn="l" defTabSz="914400" rtl="0" eaLnBrk="1" latinLnBrk="0" hangingPunct="1">
-              <a:lnSpc>
-                <a:spcPct val="120000"/>
-              </a:lnSpc>
-              <a:spcBef>
-                <a:spcPts val="500"/>
-              </a:spcBef>
-              <a:buSzPct val="125000"/>
-              <a:buFont typeface="Arial" panose="020B0604020202020204" pitchFamily="34" charset="0"/>
-              <a:buChar char="•"/>
-              <a:defRPr sz="2000" kern="1200">
-                <a:solidFill>
-                  <a:schemeClr val="tx1"/>
-                </a:solidFill>
-                <a:latin typeface="+mn-lt"/>
-                <a:ea typeface="+mn-ea"/>
-                <a:cs typeface="+mn-cs"/>
-              </a:defRPr>
-            </a:lvl2pPr>
-            <a:lvl3pPr marL="1143000" indent="-228600" algn="l" defTabSz="914400" rtl="0" eaLnBrk="1" latinLnBrk="0" hangingPunct="1">
-              <a:lnSpc>
-                <a:spcPct val="120000"/>
-              </a:lnSpc>
-              <a:spcBef>
-                <a:spcPts val="500"/>
-              </a:spcBef>
-              <a:buSzPct val="125000"/>
-              <a:buFont typeface="Arial" panose="020B0604020202020204" pitchFamily="34" charset="0"/>
-              <a:buChar char="•"/>
-              <a:defRPr sz="1800" kern="1200">
-                <a:solidFill>
-                  <a:schemeClr val="tx1"/>
-                </a:solidFill>
-                <a:latin typeface="+mn-lt"/>
-                <a:ea typeface="+mn-ea"/>
-                <a:cs typeface="+mn-cs"/>
-              </a:defRPr>
-            </a:lvl3pPr>
-            <a:lvl4pPr marL="1600200" indent="-228600" algn="l" defTabSz="914400" rtl="0" eaLnBrk="1" latinLnBrk="0" hangingPunct="1">
-              <a:lnSpc>
-                <a:spcPct val="120000"/>
-              </a:lnSpc>
-              <a:spcBef>
-                <a:spcPts val="500"/>
-              </a:spcBef>
-              <a:buSzPct val="125000"/>
-              <a:buFont typeface="Arial" panose="020B0604020202020204" pitchFamily="34" charset="0"/>
-              <a:buChar char="•"/>
-              <a:defRPr sz="1600" kern="1200">
-                <a:solidFill>
-                  <a:schemeClr val="tx1"/>
-                </a:solidFill>
-                <a:latin typeface="+mn-lt"/>
-                <a:ea typeface="+mn-ea"/>
-                <a:cs typeface="+mn-cs"/>
-              </a:defRPr>
-            </a:lvl4pPr>
-            <a:lvl5pPr marL="2057400" indent="-228600" algn="l" defTabSz="914400" rtl="0" eaLnBrk="1" latinLnBrk="0" hangingPunct="1">
-              <a:lnSpc>
-                <a:spcPct val="120000"/>
-              </a:lnSpc>
-              <a:spcBef>
-                <a:spcPts val="500"/>
-              </a:spcBef>
-              <a:buSzPct val="125000"/>
-              <a:buFont typeface="Arial" panose="020B0604020202020204" pitchFamily="34" charset="0"/>
-              <a:buChar char="•"/>
-              <a:defRPr sz="1600" kern="1200">
-                <a:solidFill>
-                  <a:schemeClr val="tx1"/>
-                </a:solidFill>
-                <a:latin typeface="+mn-lt"/>
-                <a:ea typeface="+mn-ea"/>
-                <a:cs typeface="+mn-cs"/>
-              </a:defRPr>
-            </a:lvl5pPr>
-            <a:lvl6pPr marL="2514600" indent="-228600" algn="l" defTabSz="914400" rtl="0" eaLnBrk="1" latinLnBrk="0" hangingPunct="1">
-              <a:lnSpc>
-                <a:spcPct val="120000"/>
-              </a:lnSpc>
-              <a:spcBef>
-                <a:spcPts val="500"/>
-              </a:spcBef>
-              <a:buSzPct val="125000"/>
-              <a:buFont typeface="Arial" panose="020B0604020202020204" pitchFamily="34" charset="0"/>
-              <a:buChar char="•"/>
-              <a:defRPr sz="1400" kern="1200">
-                <a:solidFill>
-                  <a:schemeClr val="tx1"/>
-                </a:solidFill>
-                <a:latin typeface="+mn-lt"/>
-                <a:ea typeface="+mn-ea"/>
-                <a:cs typeface="+mn-cs"/>
-              </a:defRPr>
-            </a:lvl6pPr>
-            <a:lvl7pPr marL="2971800" indent="-228600" algn="l" defTabSz="914400" rtl="0" eaLnBrk="1" latinLnBrk="0" hangingPunct="1">
-              <a:lnSpc>
-                <a:spcPct val="120000"/>
-              </a:lnSpc>
-              <a:spcBef>
-                <a:spcPts val="500"/>
-              </a:spcBef>
-              <a:buSzPct val="125000"/>
-              <a:buFont typeface="Arial" panose="020B0604020202020204" pitchFamily="34" charset="0"/>
-              <a:buChar char="•"/>
-              <a:defRPr sz="1400" kern="1200">
-                <a:solidFill>
-                  <a:schemeClr val="tx1"/>
-                </a:solidFill>
-                <a:latin typeface="+mn-lt"/>
-                <a:ea typeface="+mn-ea"/>
-                <a:cs typeface="+mn-cs"/>
-              </a:defRPr>
-            </a:lvl7pPr>
-            <a:lvl8pPr marL="3429000" indent="-228600" algn="l" defTabSz="914400" rtl="0" eaLnBrk="1" latinLnBrk="0" hangingPunct="1">
-              <a:lnSpc>
-                <a:spcPct val="120000"/>
-              </a:lnSpc>
-              <a:spcBef>
-                <a:spcPts val="500"/>
-              </a:spcBef>
-              <a:buSzPct val="125000"/>
-              <a:buFont typeface="Arial" panose="020B0604020202020204" pitchFamily="34" charset="0"/>
-              <a:buChar char="•"/>
-              <a:defRPr sz="1400" kern="1200">
-                <a:solidFill>
-                  <a:schemeClr val="tx1"/>
-                </a:solidFill>
-                <a:latin typeface="+mn-lt"/>
-                <a:ea typeface="+mn-ea"/>
-                <a:cs typeface="+mn-cs"/>
-              </a:defRPr>
-            </a:lvl8pPr>
-            <a:lvl9pPr marL="3886200" indent="-228600" algn="l" defTabSz="914400" rtl="0" eaLnBrk="1" latinLnBrk="0" hangingPunct="1">
-              <a:lnSpc>
-                <a:spcPct val="120000"/>
-              </a:lnSpc>
-              <a:spcBef>
-                <a:spcPts val="500"/>
-              </a:spcBef>
-              <a:buSzPct val="125000"/>
-              <a:buFont typeface="Arial" panose="020B0604020202020204" pitchFamily="34" charset="0"/>
-              <a:buChar char="•"/>
-              <a:defRPr sz="1400" kern="1200">
-                <a:solidFill>
-                  <a:schemeClr val="tx1"/>
-                </a:solidFill>
-                <a:latin typeface="+mn-lt"/>
-                <a:ea typeface="+mn-ea"/>
-                <a:cs typeface="+mn-cs"/>
-              </a:defRPr>
-            </a:lvl9pPr>
-          </a:lstStyle>
-          <a:p>
-            <a:pPr marL="0" indent="0">
-              <a:buFont typeface="Arial" panose="020B0604020202020204" pitchFamily="34" charset="0"/>
-              <a:buNone/>
-            </a:pPr>
-            <a:r>
-              <a:rPr lang="ru-RU" dirty="0">
-                <a:solidFill>
-                  <a:schemeClr val="bg1"/>
-                </a:solidFill>
-              </a:rPr>
-              <a:t>Клиент-серверная система</a:t>
-            </a:r>
-          </a:p>
-        </p:txBody>
-      </p:sp>
-    </p:spTree>
-    <p:extLst>
-      <p:ext uri="{BB962C8B-B14F-4D97-AF65-F5344CB8AC3E}">
-        <p14:creationId xmlns:p14="http://schemas.microsoft.com/office/powerpoint/2010/main" val="3631617447"/>
+        <p14:creationId xmlns:p14="http://schemas.microsoft.com/office/powerpoint/2010/main" val="3138048962"/>
       </p:ext>
     </p:extLst>
   </p:cSld>
@@ -15814,7 +14370,652 @@
 </p:sld>
 </file>
 
-<file path=ppt/slides/slide20.xml><?xml version="1.0" encoding="utf-8"?>
+<file path=ppt/slides/slide3.xml><?xml version="1.0" encoding="utf-8"?>
+<p:sld xmlns:a="http://schemas.openxmlformats.org/drawingml/2006/main" xmlns:r="http://schemas.openxmlformats.org/officeDocument/2006/relationships" xmlns:p="http://schemas.openxmlformats.org/presentationml/2006/main">
+  <p:cSld>
+    <p:spTree>
+      <p:nvGrpSpPr>
+        <p:cNvPr id="1" name=""/>
+        <p:cNvGrpSpPr/>
+        <p:nvPr/>
+      </p:nvGrpSpPr>
+      <p:grpSpPr>
+        <a:xfrm>
+          <a:off x="0" y="0"/>
+          <a:ext cx="0" cy="0"/>
+          <a:chOff x="0" y="0"/>
+          <a:chExt cx="0" cy="0"/>
+        </a:xfrm>
+      </p:grpSpPr>
+      <p:sp>
+        <p:nvSpPr>
+          <p:cNvPr id="2" name="Прямоугольник 1">
+            <a:extLst>
+              <a:ext uri="{FF2B5EF4-FFF2-40B4-BE49-F238E27FC236}">
+                <a16:creationId xmlns:a16="http://schemas.microsoft.com/office/drawing/2014/main" id="{24BFA9E5-5F4B-413E-B860-F246E0EEBE2B}"/>
+              </a:ext>
+            </a:extLst>
+          </p:cNvPr>
+          <p:cNvSpPr/>
+          <p:nvPr/>
+        </p:nvSpPr>
+        <p:spPr>
+          <a:xfrm>
+            <a:off x="3203848" y="519063"/>
+            <a:ext cx="4176464" cy="461665"/>
+          </a:xfrm>
+          <a:prstGeom prst="rect">
+            <a:avLst/>
+          </a:prstGeom>
+        </p:spPr>
+        <p:txBody>
+          <a:bodyPr wrap="square">
+            <a:spAutoFit/>
+          </a:bodyPr>
+          <a:lstStyle/>
+          <a:p>
+            <a:pPr>
+              <a:spcAft>
+                <a:spcPts val="0"/>
+              </a:spcAft>
+            </a:pPr>
+            <a:r>
+              <a:rPr lang="ru-RU" sz="2400" kern="1400" spc="-50" dirty="0">
+                <a:solidFill>
+                  <a:schemeClr val="bg2">
+                    <a:lumMod val="75000"/>
+                  </a:schemeClr>
+                </a:solidFill>
+                <a:latin typeface="+mj-lt"/>
+                <a:ea typeface="Times New Roman" panose="02020603050405020304" pitchFamily="18" charset="0"/>
+                <a:cs typeface="Times New Roman" panose="02020603050405020304" pitchFamily="18" charset="0"/>
+              </a:rPr>
+              <a:t>GE HMI SСADA </a:t>
+            </a:r>
+            <a:r>
+              <a:rPr lang="ru-RU" sz="2400" kern="1400" spc="-50" dirty="0" err="1">
+                <a:solidFill>
+                  <a:schemeClr val="bg2">
+                    <a:lumMod val="75000"/>
+                  </a:schemeClr>
+                </a:solidFill>
+                <a:latin typeface="+mj-lt"/>
+                <a:ea typeface="Times New Roman" panose="02020603050405020304" pitchFamily="18" charset="0"/>
+                <a:cs typeface="Times New Roman" panose="02020603050405020304" pitchFamily="18" charset="0"/>
+              </a:rPr>
+              <a:t>iFix</a:t>
+            </a:r>
+            <a:endParaRPr lang="ru-RU" sz="2400" kern="1400" spc="-50" dirty="0">
+              <a:solidFill>
+                <a:schemeClr val="bg2">
+                  <a:lumMod val="75000"/>
+                </a:schemeClr>
+              </a:solidFill>
+              <a:effectLst/>
+              <a:latin typeface="+mj-lt"/>
+              <a:ea typeface="Times New Roman" panose="02020603050405020304" pitchFamily="18" charset="0"/>
+              <a:cs typeface="Times New Roman" panose="02020603050405020304" pitchFamily="18" charset="0"/>
+            </a:endParaRPr>
+          </a:p>
+        </p:txBody>
+      </p:sp>
+      <p:sp>
+        <p:nvSpPr>
+          <p:cNvPr id="3" name="Прямоугольник 2">
+            <a:extLst>
+              <a:ext uri="{FF2B5EF4-FFF2-40B4-BE49-F238E27FC236}">
+                <a16:creationId xmlns:a16="http://schemas.microsoft.com/office/drawing/2014/main" id="{4167E38B-F8D3-4EAF-B091-27F777DD3D9A}"/>
+              </a:ext>
+            </a:extLst>
+          </p:cNvPr>
+          <p:cNvSpPr/>
+          <p:nvPr/>
+        </p:nvSpPr>
+        <p:spPr>
+          <a:xfrm>
+            <a:off x="971600" y="980728"/>
+            <a:ext cx="7344816" cy="5017143"/>
+          </a:xfrm>
+          <a:prstGeom prst="rect">
+            <a:avLst/>
+          </a:prstGeom>
+        </p:spPr>
+        <p:txBody>
+          <a:bodyPr wrap="square">
+            <a:spAutoFit/>
+          </a:bodyPr>
+          <a:lstStyle/>
+          <a:p>
+            <a:pPr indent="457200" algn="just">
+              <a:lnSpc>
+                <a:spcPct val="107000"/>
+              </a:lnSpc>
+              <a:spcAft>
+                <a:spcPts val="0"/>
+              </a:spcAft>
+            </a:pPr>
+            <a:r>
+              <a:rPr lang="ru-RU" sz="2000" dirty="0">
+                <a:solidFill>
+                  <a:schemeClr val="bg2">
+                    <a:lumMod val="75000"/>
+                  </a:schemeClr>
+                </a:solidFill>
+                <a:effectLst/>
+                <a:ea typeface="Calibri" panose="020F0502020204030204" pitchFamily="34" charset="0"/>
+                <a:cs typeface="Times New Roman" panose="02020603050405020304" pitchFamily="18" charset="0"/>
+              </a:rPr>
+              <a:t>Возможности:</a:t>
+            </a:r>
+          </a:p>
+          <a:p>
+            <a:pPr marL="285750" indent="-285750" algn="just">
+              <a:lnSpc>
+                <a:spcPct val="107000"/>
+              </a:lnSpc>
+              <a:buFont typeface="Arial" panose="020B0604020202020204" pitchFamily="34" charset="0"/>
+              <a:buChar char="•"/>
+            </a:pPr>
+            <a:r>
+              <a:rPr lang="ru-RU" sz="2000" dirty="0">
+                <a:solidFill>
+                  <a:schemeClr val="bg2">
+                    <a:lumMod val="75000"/>
+                  </a:schemeClr>
+                </a:solidFill>
+              </a:rPr>
+              <a:t>Горячее резервирование и автоматическое переключение серверов</a:t>
+            </a:r>
+          </a:p>
+          <a:p>
+            <a:pPr marL="285750" indent="-285750" algn="just">
+              <a:lnSpc>
+                <a:spcPct val="107000"/>
+              </a:lnSpc>
+              <a:spcAft>
+                <a:spcPts val="0"/>
+              </a:spcAft>
+              <a:buFont typeface="Arial" panose="020B0604020202020204" pitchFamily="34" charset="0"/>
+              <a:buChar char="•"/>
+            </a:pPr>
+            <a:r>
+              <a:rPr lang="ru-RU" sz="2000" dirty="0">
+                <a:solidFill>
+                  <a:schemeClr val="bg2">
+                    <a:lumMod val="75000"/>
+                  </a:schemeClr>
+                </a:solidFill>
+              </a:rPr>
+              <a:t>Обширный каталог высокопроизводительных прямых драйверов ввода/вывода и ОРС-серверов как для широко распространенных, так и для специализированных ПЛК</a:t>
+            </a:r>
+          </a:p>
+          <a:p>
+            <a:pPr marL="285750" indent="-285750" algn="just">
+              <a:lnSpc>
+                <a:spcPct val="107000"/>
+              </a:lnSpc>
+              <a:buFont typeface="Arial" panose="020B0604020202020204" pitchFamily="34" charset="0"/>
+              <a:buChar char="•"/>
+            </a:pPr>
+            <a:r>
+              <a:rPr lang="ru-RU" sz="2000" dirty="0">
+                <a:solidFill>
+                  <a:schemeClr val="bg2">
+                    <a:lumMod val="75000"/>
+                  </a:schemeClr>
+                </a:solidFill>
+              </a:rPr>
+              <a:t>Универсальный ОРС-клиент с возможностями конфигурации, мониторинга и оптимизации обмена с серверами ввода/вывода.</a:t>
+            </a:r>
+          </a:p>
+          <a:p>
+            <a:pPr marL="285750" indent="-285750" algn="just">
+              <a:lnSpc>
+                <a:spcPct val="107000"/>
+              </a:lnSpc>
+              <a:buFont typeface="Arial" panose="020B0604020202020204" pitchFamily="34" charset="0"/>
+              <a:buChar char="•"/>
+            </a:pPr>
+            <a:r>
+              <a:rPr lang="ru-RU" sz="2000" dirty="0">
+                <a:solidFill>
+                  <a:schemeClr val="bg2">
+                    <a:lumMod val="75000"/>
+                  </a:schemeClr>
+                </a:solidFill>
+              </a:rPr>
+              <a:t>Поддержка О</a:t>
+            </a:r>
+            <a:r>
+              <a:rPr lang="en-US" sz="2000" dirty="0">
+                <a:solidFill>
+                  <a:schemeClr val="bg2">
+                    <a:lumMod val="75000"/>
+                  </a:schemeClr>
+                </a:solidFill>
+              </a:rPr>
+              <a:t>PC DA, </a:t>
+            </a:r>
+            <a:r>
+              <a:rPr lang="ru-RU" sz="2000" dirty="0">
+                <a:solidFill>
+                  <a:schemeClr val="bg2">
+                    <a:lumMod val="75000"/>
+                  </a:schemeClr>
+                </a:solidFill>
+              </a:rPr>
+              <a:t>ОРС</a:t>
+            </a:r>
+            <a:r>
+              <a:rPr lang="en-US" sz="2000" dirty="0">
+                <a:solidFill>
+                  <a:schemeClr val="bg2">
+                    <a:lumMod val="75000"/>
+                  </a:schemeClr>
+                </a:solidFill>
+              </a:rPr>
+              <a:t> Alarm &amp; Events, SQL ODBC, COM/DCOM, OLE DB, ActiveX, .NET.</a:t>
+            </a:r>
+            <a:endParaRPr lang="ru-RU" sz="2000" dirty="0">
+              <a:solidFill>
+                <a:schemeClr val="bg2">
+                  <a:lumMod val="75000"/>
+                </a:schemeClr>
+              </a:solidFill>
+            </a:endParaRPr>
+          </a:p>
+          <a:p>
+            <a:pPr marL="285750" indent="-285750" algn="just">
+              <a:lnSpc>
+                <a:spcPct val="107000"/>
+              </a:lnSpc>
+              <a:buFont typeface="Arial" panose="020B0604020202020204" pitchFamily="34" charset="0"/>
+              <a:buChar char="•"/>
+            </a:pPr>
+            <a:r>
+              <a:rPr lang="en-US" sz="2000" dirty="0">
+                <a:solidFill>
+                  <a:schemeClr val="bg2">
+                    <a:lumMod val="75000"/>
+                  </a:schemeClr>
+                </a:solidFill>
+              </a:rPr>
+              <a:t>ODBC-</a:t>
+            </a:r>
+            <a:r>
+              <a:rPr lang="ru-RU" sz="2000" dirty="0">
+                <a:solidFill>
+                  <a:schemeClr val="bg2">
+                    <a:lumMod val="75000"/>
+                  </a:schemeClr>
+                </a:solidFill>
+              </a:rPr>
+              <a:t>драйверы</a:t>
+            </a:r>
+          </a:p>
+          <a:p>
+            <a:pPr marL="285750" indent="-285750" algn="just">
+              <a:lnSpc>
+                <a:spcPct val="107000"/>
+              </a:lnSpc>
+              <a:buFont typeface="Arial" panose="020B0604020202020204" pitchFamily="34" charset="0"/>
+              <a:buChar char="•"/>
+            </a:pPr>
+            <a:r>
+              <a:rPr lang="ru-RU" sz="2000" dirty="0">
+                <a:solidFill>
+                  <a:schemeClr val="bg2">
+                    <a:lumMod val="75000"/>
+                  </a:schemeClr>
+                </a:solidFill>
+              </a:rPr>
+              <a:t>Поддержка технологии </a:t>
+            </a:r>
+            <a:r>
+              <a:rPr lang="ru-RU" sz="2000" dirty="0" err="1">
+                <a:solidFill>
+                  <a:schemeClr val="bg2">
+                    <a:lumMod val="75000"/>
+                  </a:schemeClr>
+                </a:solidFill>
+              </a:rPr>
+              <a:t>Plug</a:t>
+            </a:r>
+            <a:r>
+              <a:rPr lang="ru-RU" sz="2000" dirty="0">
+                <a:solidFill>
+                  <a:schemeClr val="bg2">
+                    <a:lumMod val="75000"/>
+                  </a:schemeClr>
+                </a:solidFill>
+              </a:rPr>
+              <a:t> </a:t>
+            </a:r>
+            <a:r>
+              <a:rPr lang="ru-RU" sz="2000" dirty="0" err="1">
+                <a:solidFill>
+                  <a:schemeClr val="bg2">
+                    <a:lumMod val="75000"/>
+                  </a:schemeClr>
+                </a:solidFill>
+              </a:rPr>
+              <a:t>and</a:t>
+            </a:r>
+            <a:r>
+              <a:rPr lang="ru-RU" sz="2000" dirty="0">
+                <a:solidFill>
+                  <a:schemeClr val="bg2">
+                    <a:lumMod val="75000"/>
+                  </a:schemeClr>
+                </a:solidFill>
+              </a:rPr>
+              <a:t> </a:t>
+            </a:r>
+            <a:r>
+              <a:rPr lang="ru-RU" sz="2000" dirty="0" err="1">
+                <a:solidFill>
+                  <a:schemeClr val="bg2">
+                    <a:lumMod val="75000"/>
+                  </a:schemeClr>
+                </a:solidFill>
+              </a:rPr>
+              <a:t>Solve</a:t>
+            </a:r>
+            <a:r>
+              <a:rPr lang="ru-RU" sz="2000" dirty="0">
+                <a:solidFill>
+                  <a:schemeClr val="bg2">
+                    <a:lumMod val="75000"/>
+                  </a:schemeClr>
+                </a:solidFill>
+              </a:rPr>
+              <a:t>™</a:t>
+            </a:r>
+          </a:p>
+          <a:p>
+            <a:pPr marL="285750" indent="-285750" algn="just">
+              <a:lnSpc>
+                <a:spcPct val="107000"/>
+              </a:lnSpc>
+              <a:buFont typeface="Arial" panose="020B0604020202020204" pitchFamily="34" charset="0"/>
+              <a:buChar char="•"/>
+            </a:pPr>
+            <a:r>
+              <a:rPr lang="ru-RU" sz="2000" dirty="0">
+                <a:solidFill>
+                  <a:schemeClr val="bg2">
+                    <a:lumMod val="75000"/>
+                  </a:schemeClr>
+                </a:solidFill>
+              </a:rPr>
+              <a:t>Полная SCADA-функциональность через технологию «тонких» веб-клиентов GE </a:t>
+            </a:r>
+            <a:r>
+              <a:rPr lang="ru-RU" sz="2000" dirty="0" err="1">
+                <a:solidFill>
+                  <a:schemeClr val="bg2">
+                    <a:lumMod val="75000"/>
+                  </a:schemeClr>
+                </a:solidFill>
+              </a:rPr>
+              <a:t>WebSpace</a:t>
+            </a:r>
+            <a:r>
+              <a:rPr lang="ru-RU" sz="2000" dirty="0">
+                <a:solidFill>
+                  <a:schemeClr val="bg2">
+                    <a:lumMod val="75000"/>
+                  </a:schemeClr>
+                </a:solidFill>
+              </a:rPr>
+              <a:t>. </a:t>
+            </a:r>
+            <a:endParaRPr lang="ru-RU" sz="2000" dirty="0">
+              <a:solidFill>
+                <a:schemeClr val="bg2">
+                  <a:lumMod val="75000"/>
+                </a:schemeClr>
+              </a:solidFill>
+              <a:effectLst/>
+              <a:ea typeface="Calibri" panose="020F0502020204030204" pitchFamily="34" charset="0"/>
+              <a:cs typeface="Times New Roman" panose="02020603050405020304" pitchFamily="18" charset="0"/>
+            </a:endParaRPr>
+          </a:p>
+        </p:txBody>
+      </p:sp>
+      <p:sp>
+        <p:nvSpPr>
+          <p:cNvPr id="4" name="Объект 2">
+            <a:extLst>
+              <a:ext uri="{FF2B5EF4-FFF2-40B4-BE49-F238E27FC236}">
+                <a16:creationId xmlns:a16="http://schemas.microsoft.com/office/drawing/2014/main" id="{AE444692-82E9-4905-840F-EE1867A07E29}"/>
+              </a:ext>
+            </a:extLst>
+          </p:cNvPr>
+          <p:cNvSpPr txBox="1">
+            <a:spLocks/>
+          </p:cNvSpPr>
+          <p:nvPr/>
+        </p:nvSpPr>
+        <p:spPr>
+          <a:xfrm>
+            <a:off x="2843808" y="72851"/>
+            <a:ext cx="3672408" cy="1354089"/>
+          </a:xfrm>
+          <a:prstGeom prst="rect">
+            <a:avLst/>
+          </a:prstGeom>
+        </p:spPr>
+        <p:txBody>
+          <a:bodyPr/>
+          <a:lstStyle>
+            <a:lvl1pPr marL="228600" indent="-228600" algn="l" defTabSz="914400" rtl="0" eaLnBrk="1" latinLnBrk="0" hangingPunct="1">
+              <a:lnSpc>
+                <a:spcPct val="120000"/>
+              </a:lnSpc>
+              <a:spcBef>
+                <a:spcPts val="1000"/>
+              </a:spcBef>
+              <a:buSzPct val="125000"/>
+              <a:buFont typeface="Arial" panose="020B0604020202020204" pitchFamily="34" charset="0"/>
+              <a:buChar char="•"/>
+              <a:defRPr sz="2400" kern="1200">
+                <a:solidFill>
+                  <a:schemeClr val="tx1"/>
+                </a:solidFill>
+                <a:latin typeface="+mn-lt"/>
+                <a:ea typeface="+mn-ea"/>
+                <a:cs typeface="+mn-cs"/>
+              </a:defRPr>
+            </a:lvl1pPr>
+            <a:lvl2pPr marL="685800" indent="-228600" algn="l" defTabSz="914400" rtl="0" eaLnBrk="1" latinLnBrk="0" hangingPunct="1">
+              <a:lnSpc>
+                <a:spcPct val="120000"/>
+              </a:lnSpc>
+              <a:spcBef>
+                <a:spcPts val="500"/>
+              </a:spcBef>
+              <a:buSzPct val="125000"/>
+              <a:buFont typeface="Arial" panose="020B0604020202020204" pitchFamily="34" charset="0"/>
+              <a:buChar char="•"/>
+              <a:defRPr sz="2000" kern="1200">
+                <a:solidFill>
+                  <a:schemeClr val="tx1"/>
+                </a:solidFill>
+                <a:latin typeface="+mn-lt"/>
+                <a:ea typeface="+mn-ea"/>
+                <a:cs typeface="+mn-cs"/>
+              </a:defRPr>
+            </a:lvl2pPr>
+            <a:lvl3pPr marL="1143000" indent="-228600" algn="l" defTabSz="914400" rtl="0" eaLnBrk="1" latinLnBrk="0" hangingPunct="1">
+              <a:lnSpc>
+                <a:spcPct val="120000"/>
+              </a:lnSpc>
+              <a:spcBef>
+                <a:spcPts val="500"/>
+              </a:spcBef>
+              <a:buSzPct val="125000"/>
+              <a:buFont typeface="Arial" panose="020B0604020202020204" pitchFamily="34" charset="0"/>
+              <a:buChar char="•"/>
+              <a:defRPr sz="1800" kern="1200">
+                <a:solidFill>
+                  <a:schemeClr val="tx1"/>
+                </a:solidFill>
+                <a:latin typeface="+mn-lt"/>
+                <a:ea typeface="+mn-ea"/>
+                <a:cs typeface="+mn-cs"/>
+              </a:defRPr>
+            </a:lvl3pPr>
+            <a:lvl4pPr marL="1600200" indent="-228600" algn="l" defTabSz="914400" rtl="0" eaLnBrk="1" latinLnBrk="0" hangingPunct="1">
+              <a:lnSpc>
+                <a:spcPct val="120000"/>
+              </a:lnSpc>
+              <a:spcBef>
+                <a:spcPts val="500"/>
+              </a:spcBef>
+              <a:buSzPct val="125000"/>
+              <a:buFont typeface="Arial" panose="020B0604020202020204" pitchFamily="34" charset="0"/>
+              <a:buChar char="•"/>
+              <a:defRPr sz="1600" kern="1200">
+                <a:solidFill>
+                  <a:schemeClr val="tx1"/>
+                </a:solidFill>
+                <a:latin typeface="+mn-lt"/>
+                <a:ea typeface="+mn-ea"/>
+                <a:cs typeface="+mn-cs"/>
+              </a:defRPr>
+            </a:lvl4pPr>
+            <a:lvl5pPr marL="2057400" indent="-228600" algn="l" defTabSz="914400" rtl="0" eaLnBrk="1" latinLnBrk="0" hangingPunct="1">
+              <a:lnSpc>
+                <a:spcPct val="120000"/>
+              </a:lnSpc>
+              <a:spcBef>
+                <a:spcPts val="500"/>
+              </a:spcBef>
+              <a:buSzPct val="125000"/>
+              <a:buFont typeface="Arial" panose="020B0604020202020204" pitchFamily="34" charset="0"/>
+              <a:buChar char="•"/>
+              <a:defRPr sz="1600" kern="1200">
+                <a:solidFill>
+                  <a:schemeClr val="tx1"/>
+                </a:solidFill>
+                <a:latin typeface="+mn-lt"/>
+                <a:ea typeface="+mn-ea"/>
+                <a:cs typeface="+mn-cs"/>
+              </a:defRPr>
+            </a:lvl5pPr>
+            <a:lvl6pPr marL="2514600" indent="-228600" algn="l" defTabSz="914400" rtl="0" eaLnBrk="1" latinLnBrk="0" hangingPunct="1">
+              <a:lnSpc>
+                <a:spcPct val="120000"/>
+              </a:lnSpc>
+              <a:spcBef>
+                <a:spcPts val="500"/>
+              </a:spcBef>
+              <a:buSzPct val="125000"/>
+              <a:buFont typeface="Arial" panose="020B0604020202020204" pitchFamily="34" charset="0"/>
+              <a:buChar char="•"/>
+              <a:defRPr sz="1400" kern="1200">
+                <a:solidFill>
+                  <a:schemeClr val="tx1"/>
+                </a:solidFill>
+                <a:latin typeface="+mn-lt"/>
+                <a:ea typeface="+mn-ea"/>
+                <a:cs typeface="+mn-cs"/>
+              </a:defRPr>
+            </a:lvl6pPr>
+            <a:lvl7pPr marL="2971800" indent="-228600" algn="l" defTabSz="914400" rtl="0" eaLnBrk="1" latinLnBrk="0" hangingPunct="1">
+              <a:lnSpc>
+                <a:spcPct val="120000"/>
+              </a:lnSpc>
+              <a:spcBef>
+                <a:spcPts val="500"/>
+              </a:spcBef>
+              <a:buSzPct val="125000"/>
+              <a:buFont typeface="Arial" panose="020B0604020202020204" pitchFamily="34" charset="0"/>
+              <a:buChar char="•"/>
+              <a:defRPr sz="1400" kern="1200">
+                <a:solidFill>
+                  <a:schemeClr val="tx1"/>
+                </a:solidFill>
+                <a:latin typeface="+mn-lt"/>
+                <a:ea typeface="+mn-ea"/>
+                <a:cs typeface="+mn-cs"/>
+              </a:defRPr>
+            </a:lvl7pPr>
+            <a:lvl8pPr marL="3429000" indent="-228600" algn="l" defTabSz="914400" rtl="0" eaLnBrk="1" latinLnBrk="0" hangingPunct="1">
+              <a:lnSpc>
+                <a:spcPct val="120000"/>
+              </a:lnSpc>
+              <a:spcBef>
+                <a:spcPts val="500"/>
+              </a:spcBef>
+              <a:buSzPct val="125000"/>
+              <a:buFont typeface="Arial" panose="020B0604020202020204" pitchFamily="34" charset="0"/>
+              <a:buChar char="•"/>
+              <a:defRPr sz="1400" kern="1200">
+                <a:solidFill>
+                  <a:schemeClr val="tx1"/>
+                </a:solidFill>
+                <a:latin typeface="+mn-lt"/>
+                <a:ea typeface="+mn-ea"/>
+                <a:cs typeface="+mn-cs"/>
+              </a:defRPr>
+            </a:lvl8pPr>
+            <a:lvl9pPr marL="3886200" indent="-228600" algn="l" defTabSz="914400" rtl="0" eaLnBrk="1" latinLnBrk="0" hangingPunct="1">
+              <a:lnSpc>
+                <a:spcPct val="120000"/>
+              </a:lnSpc>
+              <a:spcBef>
+                <a:spcPts val="500"/>
+              </a:spcBef>
+              <a:buSzPct val="125000"/>
+              <a:buFont typeface="Arial" panose="020B0604020202020204" pitchFamily="34" charset="0"/>
+              <a:buChar char="•"/>
+              <a:defRPr sz="1400" kern="1200">
+                <a:solidFill>
+                  <a:schemeClr val="tx1"/>
+                </a:solidFill>
+                <a:latin typeface="+mn-lt"/>
+                <a:ea typeface="+mn-ea"/>
+                <a:cs typeface="+mn-cs"/>
+              </a:defRPr>
+            </a:lvl9pPr>
+          </a:lstStyle>
+          <a:p>
+            <a:pPr marL="0" indent="0">
+              <a:buFont typeface="Arial" panose="020B0604020202020204" pitchFamily="34" charset="0"/>
+              <a:buNone/>
+            </a:pPr>
+            <a:r>
+              <a:rPr lang="ru-RU">
+                <a:solidFill>
+                  <a:schemeClr val="bg1"/>
+                </a:solidFill>
+              </a:rPr>
+              <a:t>Резервированная система</a:t>
+            </a:r>
+            <a:endParaRPr lang="ru-RU" dirty="0">
+              <a:solidFill>
+                <a:schemeClr val="bg1"/>
+              </a:solidFill>
+            </a:endParaRPr>
+          </a:p>
+        </p:txBody>
+      </p:sp>
+    </p:spTree>
+    <p:extLst>
+      <p:ext uri="{BB962C8B-B14F-4D97-AF65-F5344CB8AC3E}">
+        <p14:creationId xmlns:p14="http://schemas.microsoft.com/office/powerpoint/2010/main" val="1022302768"/>
+      </p:ext>
+    </p:extLst>
+  </p:cSld>
+  <p:clrMapOvr>
+    <a:masterClrMapping/>
+  </p:clrMapOvr>
+</p:sld>
+</file>
+
+<file path=ppt/slides/slide4.xml><?xml version="1.0" encoding="utf-8"?>
 <p:sld xmlns:a="http://schemas.openxmlformats.org/drawingml/2006/main" xmlns:r="http://schemas.openxmlformats.org/officeDocument/2006/relationships" xmlns:p="http://schemas.openxmlformats.org/presentationml/2006/main">
   <p:cSld>
     <p:spTree>
@@ -15833,30 +15034,714 @@
       </p:grpSpPr>
       <p:pic>
         <p:nvPicPr>
-          <p:cNvPr id="3" name="Рисунок 2">
+          <p:cNvPr id="3074" name="Picture 2">
             <a:extLst>
               <a:ext uri="{FF2B5EF4-FFF2-40B4-BE49-F238E27FC236}">
-                <a16:creationId xmlns:a16="http://schemas.microsoft.com/office/drawing/2014/main" id="{378F428A-A90E-4F15-9831-30D691D3A071}"/>
+                <a16:creationId xmlns:a16="http://schemas.microsoft.com/office/drawing/2014/main" id="{EBFB8A99-B17A-4B02-9F28-61C5F3889CE0}"/>
               </a:ext>
             </a:extLst>
           </p:cNvPr>
-          <p:cNvPicPr/>
+          <p:cNvPicPr>
+            <a:picLocks noChangeAspect="1" noChangeArrowheads="1"/>
+          </p:cNvPicPr>
           <p:nvPr/>
         </p:nvPicPr>
         <p:blipFill>
-          <a:blip r:embed="rId2"/>
+          <a:blip r:embed="rId2">
+            <a:extLst>
+              <a:ext uri="{28A0092B-C50C-407E-A947-70E740481C1C}">
+                <a14:useLocalDpi xmlns:a14="http://schemas.microsoft.com/office/drawing/2010/main" val="0"/>
+              </a:ext>
+            </a:extLst>
+          </a:blip>
+          <a:srcRect/>
           <a:stretch>
             <a:fillRect/>
           </a:stretch>
         </p:blipFill>
-        <p:spPr>
+        <p:spPr bwMode="auto">
           <a:xfrm>
-            <a:off x="323528" y="620688"/>
-            <a:ext cx="8316924" cy="5112568"/>
+            <a:off x="1238250" y="1700808"/>
+            <a:ext cx="6667500" cy="3724275"/>
           </a:xfrm>
           <a:prstGeom prst="rect">
             <a:avLst/>
           </a:prstGeom>
+          <a:noFill/>
+          <a:extLst>
+            <a:ext uri="{909E8E84-426E-40DD-AFC4-6F175D3DCCD1}">
+              <a14:hiddenFill xmlns:a14="http://schemas.microsoft.com/office/drawing/2010/main">
+                <a:solidFill>
+                  <a:srgbClr val="FFFFFF"/>
+                </a:solidFill>
+              </a14:hiddenFill>
+            </a:ext>
+          </a:extLst>
+        </p:spPr>
+      </p:pic>
+      <p:sp>
+        <p:nvSpPr>
+          <p:cNvPr id="2" name="Прямоугольник 1">
+            <a:extLst>
+              <a:ext uri="{FF2B5EF4-FFF2-40B4-BE49-F238E27FC236}">
+                <a16:creationId xmlns:a16="http://schemas.microsoft.com/office/drawing/2014/main" id="{2076C90B-F1DD-4FD2-9035-8969B5731405}"/>
+              </a:ext>
+            </a:extLst>
+          </p:cNvPr>
+          <p:cNvSpPr/>
+          <p:nvPr/>
+        </p:nvSpPr>
+        <p:spPr>
+          <a:xfrm>
+            <a:off x="2555776" y="754551"/>
+            <a:ext cx="4572000" cy="461665"/>
+          </a:xfrm>
+          <a:prstGeom prst="rect">
+            <a:avLst/>
+          </a:prstGeom>
+        </p:spPr>
+        <p:txBody>
+          <a:bodyPr>
+            <a:spAutoFit/>
+          </a:bodyPr>
+          <a:lstStyle/>
+          <a:p>
+            <a:r>
+              <a:rPr lang="ru-RU" sz="2400" dirty="0">
+                <a:solidFill>
+                  <a:schemeClr val="bg2">
+                    <a:lumMod val="75000"/>
+                  </a:schemeClr>
+                </a:solidFill>
+                <a:latin typeface="+mj-lt"/>
+              </a:rPr>
+              <a:t>Опции клиентских лицензий</a:t>
+            </a:r>
+          </a:p>
+        </p:txBody>
+      </p:sp>
+    </p:spTree>
+    <p:extLst>
+      <p:ext uri="{BB962C8B-B14F-4D97-AF65-F5344CB8AC3E}">
+        <p14:creationId xmlns:p14="http://schemas.microsoft.com/office/powerpoint/2010/main" val="1740713499"/>
+      </p:ext>
+    </p:extLst>
+  </p:cSld>
+  <p:clrMapOvr>
+    <a:masterClrMapping/>
+  </p:clrMapOvr>
+</p:sld>
+</file>
+
+<file path=ppt/slides/slide5.xml><?xml version="1.0" encoding="utf-8"?>
+<p:sld xmlns:a="http://schemas.openxmlformats.org/drawingml/2006/main" xmlns:r="http://schemas.openxmlformats.org/officeDocument/2006/relationships" xmlns:p="http://schemas.openxmlformats.org/presentationml/2006/main">
+  <p:cSld>
+    <p:spTree>
+      <p:nvGrpSpPr>
+        <p:cNvPr id="1" name=""/>
+        <p:cNvGrpSpPr/>
+        <p:nvPr/>
+      </p:nvGrpSpPr>
+      <p:grpSpPr>
+        <a:xfrm>
+          <a:off x="0" y="0"/>
+          <a:ext cx="0" cy="0"/>
+          <a:chOff x="0" y="0"/>
+          <a:chExt cx="0" cy="0"/>
+        </a:xfrm>
+      </p:grpSpPr>
+      <p:sp>
+        <p:nvSpPr>
+          <p:cNvPr id="2" name="Прямоугольник 1">
+            <a:extLst>
+              <a:ext uri="{FF2B5EF4-FFF2-40B4-BE49-F238E27FC236}">
+                <a16:creationId xmlns:a16="http://schemas.microsoft.com/office/drawing/2014/main" id="{96067386-0DF5-4354-85CC-D388206F8773}"/>
+              </a:ext>
+            </a:extLst>
+          </p:cNvPr>
+          <p:cNvSpPr/>
+          <p:nvPr/>
+        </p:nvSpPr>
+        <p:spPr>
+          <a:xfrm>
+            <a:off x="3563888" y="764704"/>
+            <a:ext cx="3888432" cy="470000"/>
+          </a:xfrm>
+          <a:prstGeom prst="rect">
+            <a:avLst/>
+          </a:prstGeom>
+        </p:spPr>
+        <p:txBody>
+          <a:bodyPr wrap="square">
+            <a:spAutoFit/>
+          </a:bodyPr>
+          <a:lstStyle/>
+          <a:p>
+            <a:pPr>
+              <a:lnSpc>
+                <a:spcPct val="107000"/>
+              </a:lnSpc>
+              <a:spcAft>
+                <a:spcPts val="800"/>
+              </a:spcAft>
+            </a:pPr>
+            <a:r>
+              <a:rPr lang="ru-RU" sz="2400" dirty="0" err="1">
+                <a:solidFill>
+                  <a:schemeClr val="bg2">
+                    <a:lumMod val="75000"/>
+                  </a:schemeClr>
+                </a:solidFill>
+                <a:latin typeface="Calibri" panose="020F0502020204030204" pitchFamily="34" charset="0"/>
+                <a:ea typeface="Calibri" panose="020F0502020204030204" pitchFamily="34" charset="0"/>
+                <a:cs typeface="Times New Roman" panose="02020603050405020304" pitchFamily="18" charset="0"/>
+              </a:rPr>
+              <a:t>System</a:t>
+            </a:r>
+            <a:r>
+              <a:rPr lang="ru-RU" sz="2400" dirty="0">
+                <a:solidFill>
+                  <a:schemeClr val="bg2">
+                    <a:lumMod val="75000"/>
+                  </a:schemeClr>
+                </a:solidFill>
+                <a:latin typeface="Calibri" panose="020F0502020204030204" pitchFamily="34" charset="0"/>
+                <a:ea typeface="Calibri" panose="020F0502020204030204" pitchFamily="34" charset="0"/>
+                <a:cs typeface="Times New Roman" panose="02020603050405020304" pitchFamily="18" charset="0"/>
+              </a:rPr>
+              <a:t> </a:t>
+            </a:r>
+            <a:r>
+              <a:rPr lang="ru-RU" sz="2400" dirty="0" err="1">
+                <a:solidFill>
+                  <a:schemeClr val="bg2">
+                    <a:lumMod val="75000"/>
+                  </a:schemeClr>
+                </a:solidFill>
+                <a:latin typeface="Calibri" panose="020F0502020204030204" pitchFamily="34" charset="0"/>
+                <a:ea typeface="Calibri" panose="020F0502020204030204" pitchFamily="34" charset="0"/>
+                <a:cs typeface="Times New Roman" panose="02020603050405020304" pitchFamily="18" charset="0"/>
+              </a:rPr>
+              <a:t>Platform</a:t>
+            </a:r>
+            <a:r>
+              <a:rPr lang="ru-RU" sz="2400" dirty="0">
+                <a:solidFill>
+                  <a:schemeClr val="bg2">
+                    <a:lumMod val="75000"/>
+                  </a:schemeClr>
+                </a:solidFill>
+                <a:latin typeface="Calibri" panose="020F0502020204030204" pitchFamily="34" charset="0"/>
+                <a:ea typeface="Calibri" panose="020F0502020204030204" pitchFamily="34" charset="0"/>
+                <a:cs typeface="Times New Roman" panose="02020603050405020304" pitchFamily="18" charset="0"/>
+              </a:rPr>
+              <a:t>.</a:t>
+            </a:r>
+            <a:endParaRPr lang="ru-RU" sz="2400" dirty="0">
+              <a:solidFill>
+                <a:schemeClr val="bg2">
+                  <a:lumMod val="75000"/>
+                </a:schemeClr>
+              </a:solidFill>
+              <a:effectLst/>
+              <a:latin typeface="Calibri" panose="020F0502020204030204" pitchFamily="34" charset="0"/>
+              <a:ea typeface="Calibri" panose="020F0502020204030204" pitchFamily="34" charset="0"/>
+              <a:cs typeface="Times New Roman" panose="02020603050405020304" pitchFamily="18" charset="0"/>
+            </a:endParaRPr>
+          </a:p>
+        </p:txBody>
+      </p:sp>
+      <p:sp>
+        <p:nvSpPr>
+          <p:cNvPr id="3" name="Прямоугольник 2">
+            <a:extLst>
+              <a:ext uri="{FF2B5EF4-FFF2-40B4-BE49-F238E27FC236}">
+                <a16:creationId xmlns:a16="http://schemas.microsoft.com/office/drawing/2014/main" id="{CD29A63D-C7BA-416A-825D-FE427E7046CB}"/>
+              </a:ext>
+            </a:extLst>
+          </p:cNvPr>
+          <p:cNvSpPr/>
+          <p:nvPr/>
+        </p:nvSpPr>
+        <p:spPr>
+          <a:xfrm>
+            <a:off x="1043608" y="1412776"/>
+            <a:ext cx="6624736" cy="3885103"/>
+          </a:xfrm>
+          <a:prstGeom prst="rect">
+            <a:avLst/>
+          </a:prstGeom>
+        </p:spPr>
+        <p:txBody>
+          <a:bodyPr wrap="square">
+            <a:spAutoFit/>
+          </a:bodyPr>
+          <a:lstStyle/>
+          <a:p>
+            <a:pPr>
+              <a:lnSpc>
+                <a:spcPct val="107000"/>
+              </a:lnSpc>
+              <a:spcAft>
+                <a:spcPts val="800"/>
+              </a:spcAft>
+            </a:pPr>
+            <a:r>
+              <a:rPr lang="ru-RU" sz="2000" dirty="0">
+                <a:solidFill>
+                  <a:schemeClr val="bg2">
+                    <a:lumMod val="75000"/>
+                  </a:schemeClr>
+                </a:solidFill>
+                <a:latin typeface="Calibri" panose="020F0502020204030204" pitchFamily="34" charset="0"/>
+                <a:ea typeface="Calibri" panose="020F0502020204030204" pitchFamily="34" charset="0"/>
+                <a:cs typeface="Times New Roman" panose="02020603050405020304" pitchFamily="18" charset="0"/>
+              </a:rPr>
+              <a:t>Возможности</a:t>
+            </a:r>
+          </a:p>
+          <a:p>
+            <a:pPr marL="285750" indent="-285750">
+              <a:lnSpc>
+                <a:spcPct val="107000"/>
+              </a:lnSpc>
+              <a:spcAft>
+                <a:spcPts val="800"/>
+              </a:spcAft>
+              <a:buFont typeface="Arial" panose="020B0604020202020204" pitchFamily="34" charset="0"/>
+              <a:buChar char="•"/>
+            </a:pPr>
+            <a:r>
+              <a:rPr lang="ru-RU" dirty="0">
+                <a:solidFill>
+                  <a:schemeClr val="bg2">
+                    <a:lumMod val="75000"/>
+                  </a:schemeClr>
+                </a:solidFill>
+                <a:latin typeface="Calibri" panose="020F0502020204030204" pitchFamily="34" charset="0"/>
+                <a:ea typeface="Calibri" panose="020F0502020204030204" pitchFamily="34" charset="0"/>
+                <a:cs typeface="Times New Roman" panose="02020603050405020304" pitchFamily="18" charset="0"/>
+              </a:rPr>
+              <a:t>Может взаимодействовать практически с любыми полевыми устройствами и производственными информационными системами. </a:t>
+            </a:r>
+          </a:p>
+          <a:p>
+            <a:pPr marL="285750" indent="-285750">
+              <a:lnSpc>
+                <a:spcPct val="107000"/>
+              </a:lnSpc>
+              <a:spcAft>
+                <a:spcPts val="800"/>
+              </a:spcAft>
+              <a:buFont typeface="Arial" panose="020B0604020202020204" pitchFamily="34" charset="0"/>
+              <a:buChar char="•"/>
+            </a:pPr>
+            <a:r>
+              <a:rPr lang="ru-RU" dirty="0">
+                <a:solidFill>
+                  <a:schemeClr val="bg2">
+                    <a:lumMod val="75000"/>
+                  </a:schemeClr>
+                </a:solidFill>
+                <a:latin typeface="Calibri" panose="020F0502020204030204" pitchFamily="34" charset="0"/>
+                <a:ea typeface="Calibri" panose="020F0502020204030204" pitchFamily="34" charset="0"/>
+                <a:cs typeface="Times New Roman" panose="02020603050405020304" pitchFamily="18" charset="0"/>
+              </a:rPr>
+              <a:t>Единая стандартизированная среда разработки.</a:t>
+            </a:r>
+          </a:p>
+          <a:p>
+            <a:pPr marL="285750" indent="-285750">
+              <a:lnSpc>
+                <a:spcPct val="107000"/>
+              </a:lnSpc>
+              <a:spcAft>
+                <a:spcPts val="800"/>
+              </a:spcAft>
+              <a:buFont typeface="Arial" panose="020B0604020202020204" pitchFamily="34" charset="0"/>
+              <a:buChar char="•"/>
+            </a:pPr>
+            <a:r>
+              <a:rPr lang="ru-RU" dirty="0">
+                <a:solidFill>
+                  <a:schemeClr val="bg2">
+                    <a:lumMod val="75000"/>
+                  </a:schemeClr>
+                </a:solidFill>
+                <a:latin typeface="Calibri" panose="020F0502020204030204" pitchFamily="34" charset="0"/>
+                <a:ea typeface="Calibri" panose="020F0502020204030204" pitchFamily="34" charset="0"/>
+                <a:cs typeface="Times New Roman" panose="02020603050405020304" pitchFamily="18" charset="0"/>
+              </a:rPr>
+              <a:t>Независимая от устройств визуализация, интеллектуальная система </a:t>
+            </a:r>
+            <a:r>
+              <a:rPr lang="ru-RU" dirty="0" err="1">
+                <a:solidFill>
+                  <a:schemeClr val="bg2">
+                    <a:lumMod val="75000"/>
+                  </a:schemeClr>
+                </a:solidFill>
+                <a:latin typeface="Calibri" panose="020F0502020204030204" pitchFamily="34" charset="0"/>
+                <a:ea typeface="Calibri" panose="020F0502020204030204" pitchFamily="34" charset="0"/>
+                <a:cs typeface="Times New Roman" panose="02020603050405020304" pitchFamily="18" charset="0"/>
+              </a:rPr>
+              <a:t>алармов</a:t>
+            </a:r>
+            <a:r>
+              <a:rPr lang="ru-RU" dirty="0">
+                <a:solidFill>
+                  <a:schemeClr val="bg2">
+                    <a:lumMod val="75000"/>
+                  </a:schemeClr>
+                </a:solidFill>
+                <a:latin typeface="Calibri" panose="020F0502020204030204" pitchFamily="34" charset="0"/>
+                <a:ea typeface="Calibri" panose="020F0502020204030204" pitchFamily="34" charset="0"/>
+                <a:cs typeface="Times New Roman" panose="02020603050405020304" pitchFamily="18" charset="0"/>
+              </a:rPr>
+              <a:t>, гибкие средства анализа и отчетности. </a:t>
+            </a:r>
+          </a:p>
+          <a:p>
+            <a:pPr marL="285750" indent="-285750">
+              <a:lnSpc>
+                <a:spcPct val="107000"/>
+              </a:lnSpc>
+              <a:spcAft>
+                <a:spcPts val="800"/>
+              </a:spcAft>
+              <a:buFont typeface="Arial" panose="020B0604020202020204" pitchFamily="34" charset="0"/>
+              <a:buChar char="•"/>
+            </a:pPr>
+            <a:r>
+              <a:rPr lang="ru-RU" dirty="0">
+                <a:solidFill>
+                  <a:schemeClr val="bg2">
+                    <a:lumMod val="75000"/>
+                  </a:schemeClr>
+                </a:solidFill>
+                <a:latin typeface="Calibri" panose="020F0502020204030204" pitchFamily="34" charset="0"/>
+                <a:ea typeface="Calibri" panose="020F0502020204030204" pitchFamily="34" charset="0"/>
+                <a:cs typeface="Times New Roman" panose="02020603050405020304" pitchFamily="18" charset="0"/>
+              </a:rPr>
+              <a:t>Среда разработки и тестирования может полностью размещаться в облаке</a:t>
+            </a:r>
+          </a:p>
+          <a:p>
+            <a:pPr marL="285750" indent="-285750">
+              <a:lnSpc>
+                <a:spcPct val="107000"/>
+              </a:lnSpc>
+              <a:spcAft>
+                <a:spcPts val="800"/>
+              </a:spcAft>
+              <a:buFont typeface="Arial" panose="020B0604020202020204" pitchFamily="34" charset="0"/>
+              <a:buChar char="•"/>
+            </a:pPr>
+            <a:r>
+              <a:rPr lang="ru-RU" dirty="0">
+                <a:solidFill>
+                  <a:schemeClr val="bg2">
+                    <a:lumMod val="75000"/>
+                  </a:schemeClr>
+                </a:solidFill>
+                <a:latin typeface="Calibri" panose="020F0502020204030204" pitchFamily="34" charset="0"/>
+                <a:ea typeface="Calibri" panose="020F0502020204030204" pitchFamily="34" charset="0"/>
+                <a:cs typeface="Times New Roman" panose="02020603050405020304" pitchFamily="18" charset="0"/>
+              </a:rPr>
+              <a:t>Новая конфигурация визуализации поддерживает возможность параллельной разработки. </a:t>
+            </a:r>
+          </a:p>
+        </p:txBody>
+      </p:sp>
+      <p:sp>
+        <p:nvSpPr>
+          <p:cNvPr id="4" name="Объект 2">
+            <a:extLst>
+              <a:ext uri="{FF2B5EF4-FFF2-40B4-BE49-F238E27FC236}">
+                <a16:creationId xmlns:a16="http://schemas.microsoft.com/office/drawing/2014/main" id="{56AB5061-80C3-49F8-87A7-29C57FA0862A}"/>
+              </a:ext>
+            </a:extLst>
+          </p:cNvPr>
+          <p:cNvSpPr txBox="1">
+            <a:spLocks/>
+          </p:cNvSpPr>
+          <p:nvPr/>
+        </p:nvSpPr>
+        <p:spPr>
+          <a:xfrm>
+            <a:off x="2771800" y="161943"/>
+            <a:ext cx="3888432" cy="513725"/>
+          </a:xfrm>
+          <a:prstGeom prst="rect">
+            <a:avLst/>
+          </a:prstGeom>
+        </p:spPr>
+        <p:txBody>
+          <a:bodyPr/>
+          <a:lstStyle>
+            <a:lvl1pPr marL="228600" indent="-228600" algn="l" defTabSz="914400" rtl="0" eaLnBrk="1" latinLnBrk="0" hangingPunct="1">
+              <a:lnSpc>
+                <a:spcPct val="120000"/>
+              </a:lnSpc>
+              <a:spcBef>
+                <a:spcPts val="1000"/>
+              </a:spcBef>
+              <a:buSzPct val="125000"/>
+              <a:buFont typeface="Arial" panose="020B0604020202020204" pitchFamily="34" charset="0"/>
+              <a:buChar char="•"/>
+              <a:defRPr sz="2400" kern="1200">
+                <a:solidFill>
+                  <a:schemeClr val="tx1"/>
+                </a:solidFill>
+                <a:latin typeface="+mn-lt"/>
+                <a:ea typeface="+mn-ea"/>
+                <a:cs typeface="+mn-cs"/>
+              </a:defRPr>
+            </a:lvl1pPr>
+            <a:lvl2pPr marL="685800" indent="-228600" algn="l" defTabSz="914400" rtl="0" eaLnBrk="1" latinLnBrk="0" hangingPunct="1">
+              <a:lnSpc>
+                <a:spcPct val="120000"/>
+              </a:lnSpc>
+              <a:spcBef>
+                <a:spcPts val="500"/>
+              </a:spcBef>
+              <a:buSzPct val="125000"/>
+              <a:buFont typeface="Arial" panose="020B0604020202020204" pitchFamily="34" charset="0"/>
+              <a:buChar char="•"/>
+              <a:defRPr sz="2000" kern="1200">
+                <a:solidFill>
+                  <a:schemeClr val="tx1"/>
+                </a:solidFill>
+                <a:latin typeface="+mn-lt"/>
+                <a:ea typeface="+mn-ea"/>
+                <a:cs typeface="+mn-cs"/>
+              </a:defRPr>
+            </a:lvl2pPr>
+            <a:lvl3pPr marL="1143000" indent="-228600" algn="l" defTabSz="914400" rtl="0" eaLnBrk="1" latinLnBrk="0" hangingPunct="1">
+              <a:lnSpc>
+                <a:spcPct val="120000"/>
+              </a:lnSpc>
+              <a:spcBef>
+                <a:spcPts val="500"/>
+              </a:spcBef>
+              <a:buSzPct val="125000"/>
+              <a:buFont typeface="Arial" panose="020B0604020202020204" pitchFamily="34" charset="0"/>
+              <a:buChar char="•"/>
+              <a:defRPr sz="1800" kern="1200">
+                <a:solidFill>
+                  <a:schemeClr val="tx1"/>
+                </a:solidFill>
+                <a:latin typeface="+mn-lt"/>
+                <a:ea typeface="+mn-ea"/>
+                <a:cs typeface="+mn-cs"/>
+              </a:defRPr>
+            </a:lvl3pPr>
+            <a:lvl4pPr marL="1600200" indent="-228600" algn="l" defTabSz="914400" rtl="0" eaLnBrk="1" latinLnBrk="0" hangingPunct="1">
+              <a:lnSpc>
+                <a:spcPct val="120000"/>
+              </a:lnSpc>
+              <a:spcBef>
+                <a:spcPts val="500"/>
+              </a:spcBef>
+              <a:buSzPct val="125000"/>
+              <a:buFont typeface="Arial" panose="020B0604020202020204" pitchFamily="34" charset="0"/>
+              <a:buChar char="•"/>
+              <a:defRPr sz="1600" kern="1200">
+                <a:solidFill>
+                  <a:schemeClr val="tx1"/>
+                </a:solidFill>
+                <a:latin typeface="+mn-lt"/>
+                <a:ea typeface="+mn-ea"/>
+                <a:cs typeface="+mn-cs"/>
+              </a:defRPr>
+            </a:lvl4pPr>
+            <a:lvl5pPr marL="2057400" indent="-228600" algn="l" defTabSz="914400" rtl="0" eaLnBrk="1" latinLnBrk="0" hangingPunct="1">
+              <a:lnSpc>
+                <a:spcPct val="120000"/>
+              </a:lnSpc>
+              <a:spcBef>
+                <a:spcPts val="500"/>
+              </a:spcBef>
+              <a:buSzPct val="125000"/>
+              <a:buFont typeface="Arial" panose="020B0604020202020204" pitchFamily="34" charset="0"/>
+              <a:buChar char="•"/>
+              <a:defRPr sz="1600" kern="1200">
+                <a:solidFill>
+                  <a:schemeClr val="tx1"/>
+                </a:solidFill>
+                <a:latin typeface="+mn-lt"/>
+                <a:ea typeface="+mn-ea"/>
+                <a:cs typeface="+mn-cs"/>
+              </a:defRPr>
+            </a:lvl5pPr>
+            <a:lvl6pPr marL="2514600" indent="-228600" algn="l" defTabSz="914400" rtl="0" eaLnBrk="1" latinLnBrk="0" hangingPunct="1">
+              <a:lnSpc>
+                <a:spcPct val="120000"/>
+              </a:lnSpc>
+              <a:spcBef>
+                <a:spcPts val="500"/>
+              </a:spcBef>
+              <a:buSzPct val="125000"/>
+              <a:buFont typeface="Arial" panose="020B0604020202020204" pitchFamily="34" charset="0"/>
+              <a:buChar char="•"/>
+              <a:defRPr sz="1400" kern="1200">
+                <a:solidFill>
+                  <a:schemeClr val="tx1"/>
+                </a:solidFill>
+                <a:latin typeface="+mn-lt"/>
+                <a:ea typeface="+mn-ea"/>
+                <a:cs typeface="+mn-cs"/>
+              </a:defRPr>
+            </a:lvl6pPr>
+            <a:lvl7pPr marL="2971800" indent="-228600" algn="l" defTabSz="914400" rtl="0" eaLnBrk="1" latinLnBrk="0" hangingPunct="1">
+              <a:lnSpc>
+                <a:spcPct val="120000"/>
+              </a:lnSpc>
+              <a:spcBef>
+                <a:spcPts val="500"/>
+              </a:spcBef>
+              <a:buSzPct val="125000"/>
+              <a:buFont typeface="Arial" panose="020B0604020202020204" pitchFamily="34" charset="0"/>
+              <a:buChar char="•"/>
+              <a:defRPr sz="1400" kern="1200">
+                <a:solidFill>
+                  <a:schemeClr val="tx1"/>
+                </a:solidFill>
+                <a:latin typeface="+mn-lt"/>
+                <a:ea typeface="+mn-ea"/>
+                <a:cs typeface="+mn-cs"/>
+              </a:defRPr>
+            </a:lvl7pPr>
+            <a:lvl8pPr marL="3429000" indent="-228600" algn="l" defTabSz="914400" rtl="0" eaLnBrk="1" latinLnBrk="0" hangingPunct="1">
+              <a:lnSpc>
+                <a:spcPct val="120000"/>
+              </a:lnSpc>
+              <a:spcBef>
+                <a:spcPts val="500"/>
+              </a:spcBef>
+              <a:buSzPct val="125000"/>
+              <a:buFont typeface="Arial" panose="020B0604020202020204" pitchFamily="34" charset="0"/>
+              <a:buChar char="•"/>
+              <a:defRPr sz="1400" kern="1200">
+                <a:solidFill>
+                  <a:schemeClr val="tx1"/>
+                </a:solidFill>
+                <a:latin typeface="+mn-lt"/>
+                <a:ea typeface="+mn-ea"/>
+                <a:cs typeface="+mn-cs"/>
+              </a:defRPr>
+            </a:lvl8pPr>
+            <a:lvl9pPr marL="3886200" indent="-228600" algn="l" defTabSz="914400" rtl="0" eaLnBrk="1" latinLnBrk="0" hangingPunct="1">
+              <a:lnSpc>
+                <a:spcPct val="120000"/>
+              </a:lnSpc>
+              <a:spcBef>
+                <a:spcPts val="500"/>
+              </a:spcBef>
+              <a:buSzPct val="125000"/>
+              <a:buFont typeface="Arial" panose="020B0604020202020204" pitchFamily="34" charset="0"/>
+              <a:buChar char="•"/>
+              <a:defRPr sz="1400" kern="1200">
+                <a:solidFill>
+                  <a:schemeClr val="tx1"/>
+                </a:solidFill>
+                <a:latin typeface="+mn-lt"/>
+                <a:ea typeface="+mn-ea"/>
+                <a:cs typeface="+mn-cs"/>
+              </a:defRPr>
+            </a:lvl9pPr>
+          </a:lstStyle>
+          <a:p>
+            <a:pPr marL="0" indent="0">
+              <a:buFont typeface="Arial" panose="020B0604020202020204" pitchFamily="34" charset="0"/>
+              <a:buNone/>
+            </a:pPr>
+            <a:r>
+              <a:rPr lang="ru-RU" dirty="0">
+                <a:solidFill>
+                  <a:schemeClr val="bg1"/>
+                </a:solidFill>
+              </a:rPr>
+              <a:t>Клиент-серверная система</a:t>
+            </a:r>
+          </a:p>
+        </p:txBody>
+      </p:sp>
+    </p:spTree>
+    <p:extLst>
+      <p:ext uri="{BB962C8B-B14F-4D97-AF65-F5344CB8AC3E}">
+        <p14:creationId xmlns:p14="http://schemas.microsoft.com/office/powerpoint/2010/main" val="3631617447"/>
+      </p:ext>
+    </p:extLst>
+  </p:cSld>
+  <p:clrMapOvr>
+    <a:masterClrMapping/>
+  </p:clrMapOvr>
+</p:sld>
+</file>
+
+<file path=ppt/slides/slide6.xml><?xml version="1.0" encoding="utf-8"?>
+<p:sld xmlns:a="http://schemas.openxmlformats.org/drawingml/2006/main" xmlns:r="http://schemas.openxmlformats.org/officeDocument/2006/relationships" xmlns:p="http://schemas.openxmlformats.org/presentationml/2006/main">
+  <p:cSld>
+    <p:spTree>
+      <p:nvGrpSpPr>
+        <p:cNvPr id="1" name=""/>
+        <p:cNvGrpSpPr/>
+        <p:nvPr/>
+      </p:nvGrpSpPr>
+      <p:grpSpPr>
+        <a:xfrm>
+          <a:off x="0" y="0"/>
+          <a:ext cx="0" cy="0"/>
+          <a:chOff x="0" y="0"/>
+          <a:chExt cx="0" cy="0"/>
+        </a:xfrm>
+      </p:grpSpPr>
+      <p:pic>
+        <p:nvPicPr>
+          <p:cNvPr id="1026" name="Picture 2">
+            <a:extLst>
+              <a:ext uri="{FF2B5EF4-FFF2-40B4-BE49-F238E27FC236}">
+                <a16:creationId xmlns:a16="http://schemas.microsoft.com/office/drawing/2014/main" id="{5154AC61-D8F9-4C79-836F-F14A4023DF7D}"/>
+              </a:ext>
+            </a:extLst>
+          </p:cNvPr>
+          <p:cNvPicPr>
+            <a:picLocks noChangeAspect="1" noChangeArrowheads="1"/>
+          </p:cNvPicPr>
+          <p:nvPr/>
+        </p:nvPicPr>
+        <p:blipFill>
+          <a:blip r:embed="rId2">
+            <a:extLst>
+              <a:ext uri="{28A0092B-C50C-407E-A947-70E740481C1C}">
+                <a14:useLocalDpi xmlns:a14="http://schemas.microsoft.com/office/drawing/2010/main" val="0"/>
+              </a:ext>
+            </a:extLst>
+          </a:blip>
+          <a:srcRect/>
+          <a:stretch>
+            <a:fillRect/>
+          </a:stretch>
+        </p:blipFill>
+        <p:spPr bwMode="auto">
+          <a:xfrm>
+            <a:off x="971600" y="1484784"/>
+            <a:ext cx="7417932" cy="3888432"/>
+          </a:xfrm>
+          <a:prstGeom prst="rect">
+            <a:avLst/>
+          </a:prstGeom>
+          <a:noFill/>
+          <a:extLst>
+            <a:ext uri="{909E8E84-426E-40DD-AFC4-6F175D3DCCD1}">
+              <a14:hiddenFill xmlns:a14="http://schemas.microsoft.com/office/drawing/2010/main">
+                <a:solidFill>
+                  <a:srgbClr val="FFFFFF"/>
+                </a:solidFill>
+              </a14:hiddenFill>
+            </a:ext>
+          </a:extLst>
         </p:spPr>
       </p:pic>
     </p:spTree>
@@ -15872,7 +15757,7 @@
 </p:sld>
 </file>
 
-<file path=ppt/slides/slide21.xml><?xml version="1.0" encoding="utf-8"?>
+<file path=ppt/slides/slide7.xml><?xml version="1.0" encoding="utf-8"?>
 <p:sld xmlns:a="http://schemas.openxmlformats.org/drawingml/2006/main" xmlns:r="http://schemas.openxmlformats.org/officeDocument/2006/relationships" xmlns:p="http://schemas.openxmlformats.org/presentationml/2006/main">
   <p:cSld>
     <p:spTree>
@@ -16574,7 +16459,7 @@
 </p:sld>
 </file>
 
-<file path=ppt/slides/slide22.xml><?xml version="1.0" encoding="utf-8"?>
+<file path=ppt/slides/slide8.xml><?xml version="1.0" encoding="utf-8"?>
 <p:sld xmlns:a="http://schemas.openxmlformats.org/drawingml/2006/main" xmlns:r="http://schemas.openxmlformats.org/officeDocument/2006/relationships" xmlns:p="http://schemas.openxmlformats.org/presentationml/2006/main">
   <p:cSld>
     <p:spTree>
@@ -16693,568 +16578,7 @@
 </p:sld>
 </file>
 
-<file path=ppt/slides/slide23.xml><?xml version="1.0" encoding="utf-8"?>
-<p:sld xmlns:a="http://schemas.openxmlformats.org/drawingml/2006/main" xmlns:r="http://schemas.openxmlformats.org/officeDocument/2006/relationships" xmlns:p="http://schemas.openxmlformats.org/presentationml/2006/main">
-  <p:cSld>
-    <p:spTree>
-      <p:nvGrpSpPr>
-        <p:cNvPr id="1" name=""/>
-        <p:cNvGrpSpPr/>
-        <p:nvPr/>
-      </p:nvGrpSpPr>
-      <p:grpSpPr>
-        <a:xfrm>
-          <a:off x="0" y="0"/>
-          <a:ext cx="0" cy="0"/>
-          <a:chOff x="0" y="0"/>
-          <a:chExt cx="0" cy="0"/>
-        </a:xfrm>
-      </p:grpSpPr>
-      <p:sp>
-        <p:nvSpPr>
-          <p:cNvPr id="2" name="TextBox 1">
-            <a:extLst>
-              <a:ext uri="{FF2B5EF4-FFF2-40B4-BE49-F238E27FC236}">
-                <a16:creationId xmlns:a16="http://schemas.microsoft.com/office/drawing/2014/main" id="{51526CEC-AF8E-40F1-B9FD-B522183AFE40}"/>
-              </a:ext>
-            </a:extLst>
-          </p:cNvPr>
-          <p:cNvSpPr txBox="1"/>
-          <p:nvPr/>
-        </p:nvSpPr>
-        <p:spPr>
-          <a:xfrm>
-            <a:off x="3923928" y="1916832"/>
-            <a:ext cx="1840056" cy="369332"/>
-          </a:xfrm>
-          <a:prstGeom prst="rect">
-            <a:avLst/>
-          </a:prstGeom>
-          <a:noFill/>
-        </p:spPr>
-        <p:txBody>
-          <a:bodyPr wrap="none" rtlCol="0">
-            <a:spAutoFit/>
-          </a:bodyPr>
-          <a:lstStyle/>
-          <a:p>
-            <a:r>
-              <a:rPr lang="ru-RU" dirty="0">
-                <a:solidFill>
-                  <a:schemeClr val="bg2"/>
-                </a:solidFill>
-              </a:rPr>
-              <a:t>лицензирование</a:t>
-            </a:r>
-          </a:p>
-        </p:txBody>
-      </p:sp>
-    </p:spTree>
-    <p:extLst>
-      <p:ext uri="{BB962C8B-B14F-4D97-AF65-F5344CB8AC3E}">
-        <p14:creationId xmlns:p14="http://schemas.microsoft.com/office/powerpoint/2010/main" val="413697784"/>
-      </p:ext>
-    </p:extLst>
-  </p:cSld>
-  <p:clrMapOvr>
-    <a:masterClrMapping/>
-  </p:clrMapOvr>
-</p:sld>
-</file>
-
-<file path=ppt/slides/slide24.xml><?xml version="1.0" encoding="utf-8"?>
-<p:sld xmlns:a="http://schemas.openxmlformats.org/drawingml/2006/main" xmlns:r="http://schemas.openxmlformats.org/officeDocument/2006/relationships" xmlns:p="http://schemas.openxmlformats.org/presentationml/2006/main">
-  <p:cSld>
-    <p:spTree>
-      <p:nvGrpSpPr>
-        <p:cNvPr id="1" name=""/>
-        <p:cNvGrpSpPr/>
-        <p:nvPr/>
-      </p:nvGrpSpPr>
-      <p:grpSpPr>
-        <a:xfrm>
-          <a:off x="0" y="0"/>
-          <a:ext cx="0" cy="0"/>
-          <a:chOff x="0" y="0"/>
-          <a:chExt cx="0" cy="0"/>
-        </a:xfrm>
-      </p:grpSpPr>
-      <p:sp>
-        <p:nvSpPr>
-          <p:cNvPr id="2" name="Прямоугольник 1">
-            <a:extLst>
-              <a:ext uri="{FF2B5EF4-FFF2-40B4-BE49-F238E27FC236}">
-                <a16:creationId xmlns:a16="http://schemas.microsoft.com/office/drawing/2014/main" id="{7783AFCD-EBF4-4314-A7FB-B151A888566E}"/>
-              </a:ext>
-            </a:extLst>
-          </p:cNvPr>
-          <p:cNvSpPr/>
-          <p:nvPr/>
-        </p:nvSpPr>
-        <p:spPr>
-          <a:xfrm>
-            <a:off x="3059832" y="1052736"/>
-            <a:ext cx="1427955" cy="369332"/>
-          </a:xfrm>
-          <a:prstGeom prst="rect">
-            <a:avLst/>
-          </a:prstGeom>
-        </p:spPr>
-        <p:txBody>
-          <a:bodyPr wrap="none">
-            <a:spAutoFit/>
-          </a:bodyPr>
-          <a:lstStyle/>
-          <a:p>
-            <a:r>
-              <a:rPr lang="ru-RU" dirty="0" err="1">
-                <a:solidFill>
-                  <a:schemeClr val="bg2"/>
-                </a:solidFill>
-              </a:rPr>
-              <a:t>Configuration</a:t>
-            </a:r>
-            <a:endParaRPr lang="ru-RU" dirty="0">
-              <a:solidFill>
-                <a:schemeClr val="bg2"/>
-              </a:solidFill>
-            </a:endParaRPr>
-          </a:p>
-        </p:txBody>
-      </p:sp>
-      <p:sp>
-        <p:nvSpPr>
-          <p:cNvPr id="3" name="TextBox 2">
-            <a:extLst>
-              <a:ext uri="{FF2B5EF4-FFF2-40B4-BE49-F238E27FC236}">
-                <a16:creationId xmlns:a16="http://schemas.microsoft.com/office/drawing/2014/main" id="{130C66B9-DD0F-4F3A-8927-80B7723F2E26}"/>
-              </a:ext>
-            </a:extLst>
-          </p:cNvPr>
-          <p:cNvSpPr txBox="1"/>
-          <p:nvPr/>
-        </p:nvSpPr>
-        <p:spPr>
-          <a:xfrm>
-            <a:off x="3491880" y="476672"/>
-            <a:ext cx="854273" cy="369332"/>
-          </a:xfrm>
-          <a:prstGeom prst="rect">
-            <a:avLst/>
-          </a:prstGeom>
-          <a:noFill/>
-        </p:spPr>
-        <p:txBody>
-          <a:bodyPr wrap="none" rtlCol="0">
-            <a:spAutoFit/>
-          </a:bodyPr>
-          <a:lstStyle/>
-          <a:p>
-            <a:r>
-              <a:rPr lang="ru-RU" dirty="0" err="1">
-                <a:solidFill>
-                  <a:schemeClr val="bg2"/>
-                </a:solidFill>
-              </a:rPr>
-              <a:t>Сайтек</a:t>
-            </a:r>
-            <a:endParaRPr lang="ru-RU" dirty="0">
-              <a:solidFill>
-                <a:schemeClr val="bg2"/>
-              </a:solidFill>
-            </a:endParaRPr>
-          </a:p>
-        </p:txBody>
-      </p:sp>
-      <p:sp>
-        <p:nvSpPr>
-          <p:cNvPr id="10" name="TextBox 9">
-            <a:extLst>
-              <a:ext uri="{FF2B5EF4-FFF2-40B4-BE49-F238E27FC236}">
-                <a16:creationId xmlns:a16="http://schemas.microsoft.com/office/drawing/2014/main" id="{55CABC08-A035-4540-9580-A5C24391192E}"/>
-              </a:ext>
-            </a:extLst>
-          </p:cNvPr>
-          <p:cNvSpPr txBox="1"/>
-          <p:nvPr/>
-        </p:nvSpPr>
-        <p:spPr>
-          <a:xfrm>
-            <a:off x="755577" y="2060849"/>
-            <a:ext cx="8064896" cy="3970318"/>
-          </a:xfrm>
-          <a:prstGeom prst="rect">
-            <a:avLst/>
-          </a:prstGeom>
-          <a:noFill/>
-        </p:spPr>
-        <p:txBody>
-          <a:bodyPr wrap="square" rtlCol="0">
-            <a:spAutoFit/>
-          </a:bodyPr>
-          <a:lstStyle/>
-          <a:p>
-            <a:r>
-              <a:rPr lang="ru-RU" dirty="0">
-                <a:solidFill>
-                  <a:schemeClr val="bg2"/>
-                </a:solidFill>
-              </a:rPr>
-              <a:t>Одна лицензия включает в себя:</a:t>
-            </a:r>
-          </a:p>
-          <a:p>
-            <a:pPr marL="285750" indent="-285750">
-              <a:buFontTx/>
-              <a:buChar char="-"/>
-            </a:pPr>
-            <a:r>
-              <a:rPr lang="en-US" dirty="0">
-                <a:solidFill>
-                  <a:schemeClr val="bg2"/>
-                </a:solidFill>
-              </a:rPr>
-              <a:t>PES configuration</a:t>
-            </a:r>
-            <a:r>
-              <a:rPr lang="ru-RU" dirty="0">
-                <a:solidFill>
-                  <a:schemeClr val="bg2"/>
-                </a:solidFill>
-              </a:rPr>
-              <a:t> (Инженерная лицензия)</a:t>
-            </a:r>
-          </a:p>
-          <a:p>
-            <a:pPr marL="285750" indent="-285750">
-              <a:buFontTx/>
-              <a:buChar char="-"/>
-            </a:pPr>
-            <a:r>
-              <a:rPr lang="en-US" dirty="0">
-                <a:solidFill>
-                  <a:schemeClr val="bg2"/>
-                </a:solidFill>
-              </a:rPr>
-              <a:t>local Operation Client</a:t>
-            </a:r>
-            <a:endParaRPr lang="ru-RU" dirty="0">
-              <a:solidFill>
-                <a:schemeClr val="bg2"/>
-              </a:solidFill>
-            </a:endParaRPr>
-          </a:p>
-          <a:p>
-            <a:pPr marL="285750" indent="-285750">
-              <a:buFontTx/>
-              <a:buChar char="-"/>
-            </a:pPr>
-            <a:r>
-              <a:rPr lang="en-US" dirty="0">
-                <a:solidFill>
-                  <a:schemeClr val="bg2"/>
-                </a:solidFill>
-              </a:rPr>
-              <a:t>Operation Server</a:t>
-            </a:r>
-            <a:endParaRPr lang="ru-RU" dirty="0">
-              <a:solidFill>
-                <a:schemeClr val="bg2"/>
-              </a:solidFill>
-            </a:endParaRPr>
-          </a:p>
-          <a:p>
-            <a:r>
-              <a:rPr lang="ru-RU" dirty="0">
-                <a:solidFill>
-                  <a:schemeClr val="bg2"/>
-                </a:solidFill>
-              </a:rPr>
-              <a:t>Стоимость лицензий зависит от количества тегов.</a:t>
-            </a:r>
-          </a:p>
-          <a:p>
-            <a:r>
-              <a:rPr lang="ru-RU" dirty="0">
-                <a:solidFill>
-                  <a:schemeClr val="bg2"/>
-                </a:solidFill>
-              </a:rPr>
-              <a:t>Лицензии доступные для заказа включают в себя следующее количество тегов:</a:t>
-            </a:r>
-          </a:p>
-          <a:p>
-            <a:pPr marL="285750" indent="-285750">
-              <a:buFontTx/>
-              <a:buChar char="-"/>
-            </a:pPr>
-            <a:r>
-              <a:rPr lang="en-US" dirty="0">
-                <a:solidFill>
-                  <a:schemeClr val="bg2"/>
-                </a:solidFill>
-              </a:rPr>
-              <a:t>500 instances</a:t>
-            </a:r>
-            <a:endParaRPr lang="ru-RU" dirty="0">
-              <a:solidFill>
-                <a:schemeClr val="bg2"/>
-              </a:solidFill>
-            </a:endParaRPr>
-          </a:p>
-          <a:p>
-            <a:pPr marL="285750" indent="-285750">
-              <a:buFontTx/>
-              <a:buChar char="-"/>
-            </a:pPr>
-            <a:r>
-              <a:rPr lang="en-US" dirty="0">
-                <a:solidFill>
-                  <a:schemeClr val="bg2"/>
-                </a:solidFill>
-              </a:rPr>
-              <a:t>1250 instances</a:t>
-            </a:r>
-            <a:endParaRPr lang="ru-RU" dirty="0">
-              <a:solidFill>
-                <a:schemeClr val="bg2"/>
-              </a:solidFill>
-            </a:endParaRPr>
-          </a:p>
-          <a:p>
-            <a:pPr marL="285750" indent="-285750">
-              <a:buFontTx/>
-              <a:buChar char="-"/>
-            </a:pPr>
-            <a:r>
-              <a:rPr lang="en-US" dirty="0">
-                <a:solidFill>
-                  <a:schemeClr val="bg2"/>
-                </a:solidFill>
-              </a:rPr>
-              <a:t>3000 instances</a:t>
-            </a:r>
-            <a:endParaRPr lang="ru-RU" dirty="0">
-              <a:solidFill>
-                <a:schemeClr val="bg2"/>
-              </a:solidFill>
-            </a:endParaRPr>
-          </a:p>
-          <a:p>
-            <a:pPr marL="285750" indent="-285750">
-              <a:buFontTx/>
-              <a:buChar char="-"/>
-            </a:pPr>
-            <a:r>
-              <a:rPr lang="en-US" dirty="0">
-                <a:solidFill>
-                  <a:schemeClr val="bg2"/>
-                </a:solidFill>
-              </a:rPr>
-              <a:t>7500 instances</a:t>
-            </a:r>
-            <a:endParaRPr lang="ru-RU" dirty="0">
-              <a:solidFill>
-                <a:schemeClr val="bg2"/>
-              </a:solidFill>
-            </a:endParaRPr>
-          </a:p>
-          <a:p>
-            <a:pPr marL="285750" indent="-285750">
-              <a:buFontTx/>
-              <a:buChar char="-"/>
-            </a:pPr>
-            <a:r>
-              <a:rPr lang="en-US" dirty="0">
-                <a:solidFill>
-                  <a:schemeClr val="bg2"/>
-                </a:solidFill>
-              </a:rPr>
-              <a:t>&gt;</a:t>
-            </a:r>
-            <a:r>
-              <a:rPr lang="ru-RU" dirty="0">
-                <a:solidFill>
-                  <a:schemeClr val="bg2"/>
-                </a:solidFill>
-              </a:rPr>
-              <a:t> </a:t>
-            </a:r>
-            <a:r>
-              <a:rPr lang="en-US" dirty="0">
-                <a:solidFill>
-                  <a:schemeClr val="bg2"/>
-                </a:solidFill>
-              </a:rPr>
-              <a:t>7500 instances</a:t>
-            </a:r>
-            <a:endParaRPr lang="ru-RU" dirty="0">
-              <a:solidFill>
-                <a:schemeClr val="bg2"/>
-              </a:solidFill>
-            </a:endParaRPr>
-          </a:p>
-          <a:p>
-            <a:r>
-              <a:rPr lang="ru-RU" dirty="0">
-                <a:solidFill>
-                  <a:schemeClr val="bg2"/>
-                </a:solidFill>
-              </a:rPr>
-              <a:t>В случае если объема лицензии не хватает ее возможно обновить.</a:t>
-            </a:r>
-          </a:p>
-          <a:p>
-            <a:r>
-              <a:rPr lang="ru-RU" dirty="0">
-                <a:solidFill>
-                  <a:schemeClr val="bg2"/>
-                </a:solidFill>
-              </a:rPr>
-              <a:t>Если необходим объем на много больше, например увеличить количество тегов с 500 до 3000, возможно докупить еще одну лицензию.</a:t>
-            </a:r>
-          </a:p>
-        </p:txBody>
-      </p:sp>
-    </p:spTree>
-    <p:extLst>
-      <p:ext uri="{BB962C8B-B14F-4D97-AF65-F5344CB8AC3E}">
-        <p14:creationId xmlns:p14="http://schemas.microsoft.com/office/powerpoint/2010/main" val="590256311"/>
-      </p:ext>
-    </p:extLst>
-  </p:cSld>
-  <p:clrMapOvr>
-    <a:masterClrMapping/>
-  </p:clrMapOvr>
-</p:sld>
-</file>
-
-<file path=ppt/slides/slide25.xml><?xml version="1.0" encoding="utf-8"?>
-<p:sld xmlns:a="http://schemas.openxmlformats.org/drawingml/2006/main" xmlns:r="http://schemas.openxmlformats.org/officeDocument/2006/relationships" xmlns:p="http://schemas.openxmlformats.org/presentationml/2006/main">
-  <p:cSld>
-    <p:spTree>
-      <p:nvGrpSpPr>
-        <p:cNvPr id="1" name=""/>
-        <p:cNvGrpSpPr/>
-        <p:nvPr/>
-      </p:nvGrpSpPr>
-      <p:grpSpPr>
-        <a:xfrm>
-          <a:off x="0" y="0"/>
-          <a:ext cx="0" cy="0"/>
-          <a:chOff x="0" y="0"/>
-          <a:chExt cx="0" cy="0"/>
-        </a:xfrm>
-      </p:grpSpPr>
-      <p:pic>
-        <p:nvPicPr>
-          <p:cNvPr id="3" name="Рисунок 2">
-            <a:extLst>
-              <a:ext uri="{FF2B5EF4-FFF2-40B4-BE49-F238E27FC236}">
-                <a16:creationId xmlns:a16="http://schemas.microsoft.com/office/drawing/2014/main" id="{69D30434-A0AD-49CF-AD8F-175C375097C9}"/>
-              </a:ext>
-            </a:extLst>
-          </p:cNvPr>
-          <p:cNvPicPr>
-            <a:picLocks noChangeAspect="1"/>
-          </p:cNvPicPr>
-          <p:nvPr/>
-        </p:nvPicPr>
-        <p:blipFill rotWithShape="1">
-          <a:blip r:embed="rId2">
-            <a:extLst>
-              <a:ext uri="{28A0092B-C50C-407E-A947-70E740481C1C}">
-                <a14:useLocalDpi xmlns:a14="http://schemas.microsoft.com/office/drawing/2010/main" val="0"/>
-              </a:ext>
-            </a:extLst>
-          </a:blip>
-          <a:srcRect l="2778" t="5823" r="33318" b="13185"/>
-          <a:stretch/>
-        </p:blipFill>
-        <p:spPr>
-          <a:xfrm>
-            <a:off x="1259633" y="2132856"/>
-            <a:ext cx="4968551" cy="2376264"/>
-          </a:xfrm>
-          <a:prstGeom prst="rect">
-            <a:avLst/>
-          </a:prstGeom>
-        </p:spPr>
-      </p:pic>
-      <p:sp>
-        <p:nvSpPr>
-          <p:cNvPr id="4" name="TextBox 3">
-            <a:extLst>
-              <a:ext uri="{FF2B5EF4-FFF2-40B4-BE49-F238E27FC236}">
-                <a16:creationId xmlns:a16="http://schemas.microsoft.com/office/drawing/2014/main" id="{4A4BF3A3-EB0F-4338-AF89-3F3F5D4686AC}"/>
-              </a:ext>
-            </a:extLst>
-          </p:cNvPr>
-          <p:cNvSpPr txBox="1"/>
-          <p:nvPr/>
-        </p:nvSpPr>
-        <p:spPr>
-          <a:xfrm>
-            <a:off x="3923928" y="1196752"/>
-            <a:ext cx="1120435" cy="369332"/>
-          </a:xfrm>
-          <a:prstGeom prst="rect">
-            <a:avLst/>
-          </a:prstGeom>
-          <a:noFill/>
-        </p:spPr>
-        <p:txBody>
-          <a:bodyPr wrap="none" rtlCol="0">
-            <a:spAutoFit/>
-          </a:bodyPr>
-          <a:lstStyle/>
-          <a:p>
-            <a:r>
-              <a:rPr lang="en-US" dirty="0">
-                <a:solidFill>
-                  <a:schemeClr val="bg2"/>
-                </a:solidFill>
-              </a:rPr>
-              <a:t>In </a:t>
-            </a:r>
-            <a:r>
-              <a:rPr lang="en-US" dirty="0" err="1">
-                <a:solidFill>
-                  <a:schemeClr val="bg2"/>
-                </a:solidFill>
-              </a:rPr>
-              <a:t>toch</a:t>
-            </a:r>
-            <a:r>
-              <a:rPr lang="en-US" dirty="0">
-                <a:solidFill>
-                  <a:schemeClr val="bg2"/>
-                </a:solidFill>
-              </a:rPr>
-              <a:t> ME</a:t>
-            </a:r>
-            <a:endParaRPr lang="ru-RU" dirty="0">
-              <a:solidFill>
-                <a:schemeClr val="bg2"/>
-              </a:solidFill>
-            </a:endParaRPr>
-          </a:p>
-        </p:txBody>
-      </p:sp>
-    </p:spTree>
-    <p:extLst>
-      <p:ext uri="{BB962C8B-B14F-4D97-AF65-F5344CB8AC3E}">
-        <p14:creationId xmlns:p14="http://schemas.microsoft.com/office/powerpoint/2010/main" val="1511760140"/>
-      </p:ext>
-    </p:extLst>
-  </p:cSld>
-  <p:clrMapOvr>
-    <a:masterClrMapping/>
-  </p:clrMapOvr>
-</p:sld>
-</file>
-
-<file path=ppt/slides/slide26.xml><?xml version="1.0" encoding="utf-8"?>
+<file path=ppt/slides/slide9.xml><?xml version="1.0" encoding="utf-8"?>
 <p:sld xmlns:a="http://schemas.openxmlformats.org/drawingml/2006/main" xmlns:r="http://schemas.openxmlformats.org/officeDocument/2006/relationships" xmlns:p="http://schemas.openxmlformats.org/presentationml/2006/main">
   <p:cSld>
     <p:spTree>
@@ -17283,13 +16607,7 @@
           <p:cNvGraphicFramePr>
             <a:graphicFrameLocks noGrp="1"/>
           </p:cNvGraphicFramePr>
-          <p:nvPr>
-            <p:extLst>
-              <p:ext uri="{D42A27DB-BD31-4B8C-83A1-F6EECF244321}">
-                <p14:modId xmlns:p14="http://schemas.microsoft.com/office/powerpoint/2010/main" val="530013973"/>
-              </p:ext>
-            </p:extLst>
-          </p:nvPr>
+          <p:nvPr/>
         </p:nvGraphicFramePr>
         <p:xfrm>
           <a:off x="-36512" y="-33302"/>
@@ -17982,1793 +17300,6 @@
 </p:sld>
 </file>
 
-<file path=ppt/slides/slide27.xml><?xml version="1.0" encoding="utf-8"?>
-<p:sld xmlns:a="http://schemas.openxmlformats.org/drawingml/2006/main" xmlns:r="http://schemas.openxmlformats.org/officeDocument/2006/relationships" xmlns:p="http://schemas.openxmlformats.org/presentationml/2006/main">
-  <p:cSld>
-    <p:spTree>
-      <p:nvGrpSpPr>
-        <p:cNvPr id="1" name=""/>
-        <p:cNvGrpSpPr/>
-        <p:nvPr/>
-      </p:nvGrpSpPr>
-      <p:grpSpPr>
-        <a:xfrm>
-          <a:off x="0" y="0"/>
-          <a:ext cx="0" cy="0"/>
-          <a:chOff x="0" y="0"/>
-          <a:chExt cx="0" cy="0"/>
-        </a:xfrm>
-      </p:grpSpPr>
-      <p:sp>
-        <p:nvSpPr>
-          <p:cNvPr id="2" name="TextBox 1">
-            <a:extLst>
-              <a:ext uri="{FF2B5EF4-FFF2-40B4-BE49-F238E27FC236}">
-                <a16:creationId xmlns:a16="http://schemas.microsoft.com/office/drawing/2014/main" id="{AE3C6B6C-3C22-4D51-9834-E9D33ED4F33E}"/>
-              </a:ext>
-            </a:extLst>
-          </p:cNvPr>
-          <p:cNvSpPr txBox="1"/>
-          <p:nvPr/>
-        </p:nvSpPr>
-        <p:spPr>
-          <a:xfrm>
-            <a:off x="3851920" y="908720"/>
-            <a:ext cx="479618" cy="369332"/>
-          </a:xfrm>
-          <a:prstGeom prst="rect">
-            <a:avLst/>
-          </a:prstGeom>
-          <a:noFill/>
-        </p:spPr>
-        <p:txBody>
-          <a:bodyPr wrap="none" rtlCol="0">
-            <a:spAutoFit/>
-          </a:bodyPr>
-          <a:lstStyle/>
-          <a:p>
-            <a:r>
-              <a:rPr lang="en-US" dirty="0" err="1">
-                <a:solidFill>
-                  <a:schemeClr val="bg2"/>
-                </a:solidFill>
-              </a:rPr>
-              <a:t>ifix</a:t>
-            </a:r>
-            <a:endParaRPr lang="ru-RU" dirty="0">
-              <a:solidFill>
-                <a:schemeClr val="bg2"/>
-              </a:solidFill>
-            </a:endParaRPr>
-          </a:p>
-        </p:txBody>
-      </p:sp>
-      <p:pic>
-        <p:nvPicPr>
-          <p:cNvPr id="4" name="Рисунок 3">
-            <a:extLst>
-              <a:ext uri="{FF2B5EF4-FFF2-40B4-BE49-F238E27FC236}">
-                <a16:creationId xmlns:a16="http://schemas.microsoft.com/office/drawing/2014/main" id="{063804A6-D2D1-4237-B94A-826F5BF84F1F}"/>
-              </a:ext>
-            </a:extLst>
-          </p:cNvPr>
-          <p:cNvPicPr>
-            <a:picLocks noChangeAspect="1"/>
-          </p:cNvPicPr>
-          <p:nvPr/>
-        </p:nvPicPr>
-        <p:blipFill>
-          <a:blip r:embed="rId2">
-            <a:extLst>
-              <a:ext uri="{28A0092B-C50C-407E-A947-70E740481C1C}">
-                <a14:useLocalDpi xmlns:a14="http://schemas.microsoft.com/office/drawing/2010/main" val="0"/>
-              </a:ext>
-            </a:extLst>
-          </a:blip>
-          <a:stretch>
-            <a:fillRect/>
-          </a:stretch>
-        </p:blipFill>
-        <p:spPr>
-          <a:xfrm>
-            <a:off x="1081087" y="1933575"/>
-            <a:ext cx="6981825" cy="2990850"/>
-          </a:xfrm>
-          <a:prstGeom prst="rect">
-            <a:avLst/>
-          </a:prstGeom>
-        </p:spPr>
-      </p:pic>
-    </p:spTree>
-    <p:extLst>
-      <p:ext uri="{BB962C8B-B14F-4D97-AF65-F5344CB8AC3E}">
-        <p14:creationId xmlns:p14="http://schemas.microsoft.com/office/powerpoint/2010/main" val="3780068422"/>
-      </p:ext>
-    </p:extLst>
-  </p:cSld>
-  <p:clrMapOvr>
-    <a:masterClrMapping/>
-  </p:clrMapOvr>
-</p:sld>
-</file>
-
-<file path=ppt/slides/slide28.xml><?xml version="1.0" encoding="utf-8"?>
-<p:sld xmlns:a="http://schemas.openxmlformats.org/drawingml/2006/main" xmlns:r="http://schemas.openxmlformats.org/officeDocument/2006/relationships" xmlns:p="http://schemas.openxmlformats.org/presentationml/2006/main">
-  <p:cSld>
-    <p:spTree>
-      <p:nvGrpSpPr>
-        <p:cNvPr id="1" name=""/>
-        <p:cNvGrpSpPr/>
-        <p:nvPr/>
-      </p:nvGrpSpPr>
-      <p:grpSpPr>
-        <a:xfrm>
-          <a:off x="0" y="0"/>
-          <a:ext cx="0" cy="0"/>
-          <a:chOff x="0" y="0"/>
-          <a:chExt cx="0" cy="0"/>
-        </a:xfrm>
-      </p:grpSpPr>
-      <p:graphicFrame>
-        <p:nvGraphicFramePr>
-          <p:cNvPr id="2" name="Таблица 2">
-            <a:extLst>
-              <a:ext uri="{FF2B5EF4-FFF2-40B4-BE49-F238E27FC236}">
-                <a16:creationId xmlns:a16="http://schemas.microsoft.com/office/drawing/2014/main" id="{78A17BFD-65CB-45BB-943E-00D57598C10C}"/>
-              </a:ext>
-            </a:extLst>
-          </p:cNvPr>
-          <p:cNvGraphicFramePr>
-            <a:graphicFrameLocks noGrp="1"/>
-          </p:cNvGraphicFramePr>
-          <p:nvPr>
-            <p:extLst>
-              <p:ext uri="{D42A27DB-BD31-4B8C-83A1-F6EECF244321}">
-                <p14:modId xmlns:p14="http://schemas.microsoft.com/office/powerpoint/2010/main" val="2926839177"/>
-              </p:ext>
-            </p:extLst>
-          </p:nvPr>
-        </p:nvGraphicFramePr>
-        <p:xfrm>
-          <a:off x="377788" y="332656"/>
-          <a:ext cx="8388424" cy="6040120"/>
-        </p:xfrm>
-        <a:graphic>
-          <a:graphicData uri="http://schemas.openxmlformats.org/drawingml/2006/table">
-            <a:tbl>
-              <a:tblPr firstRow="1" bandRow="1">
-                <a:tableStyleId>{5C22544A-7EE6-4342-B048-85BDC9FD1C3A}</a:tableStyleId>
-              </a:tblPr>
-              <a:tblGrid>
-                <a:gridCol w="4194212">
-                  <a:extLst>
-                    <a:ext uri="{9D8B030D-6E8A-4147-A177-3AD203B41FA5}">
-                      <a16:colId xmlns:a16="http://schemas.microsoft.com/office/drawing/2014/main" val="2721695029"/>
-                    </a:ext>
-                  </a:extLst>
-                </a:gridCol>
-                <a:gridCol w="4194212">
-                  <a:extLst>
-                    <a:ext uri="{9D8B030D-6E8A-4147-A177-3AD203B41FA5}">
-                      <a16:colId xmlns:a16="http://schemas.microsoft.com/office/drawing/2014/main" val="1928942377"/>
-                    </a:ext>
-                  </a:extLst>
-                </a:gridCol>
-              </a:tblGrid>
-              <a:tr h="370840">
-                <a:tc gridSpan="2">
-                  <a:txBody>
-                    <a:bodyPr/>
-                    <a:lstStyle/>
-                    <a:p>
-                      <a:r>
-                        <a:rPr lang="en-US" dirty="0"/>
-                        <a:t>SIMATIC PCS 7</a:t>
-                      </a:r>
-                      <a:endParaRPr lang="ru-RU" dirty="0"/>
-                    </a:p>
-                  </a:txBody>
-                  <a:tcPr/>
-                </a:tc>
-                <a:tc hMerge="1">
-                  <a:txBody>
-                    <a:bodyPr/>
-                    <a:lstStyle/>
-                    <a:p>
-                      <a:endParaRPr lang="ru-RU" dirty="0"/>
-                    </a:p>
-                  </a:txBody>
-                  <a:tcPr/>
-                </a:tc>
-                <a:extLst>
-                  <a:ext uri="{0D108BD9-81ED-4DB2-BD59-A6C34878D82A}">
-                    <a16:rowId xmlns:a16="http://schemas.microsoft.com/office/drawing/2014/main" val="4035307881"/>
-                  </a:ext>
-                </a:extLst>
-              </a:tr>
-              <a:tr h="370840">
-                <a:tc>
-                  <a:txBody>
-                    <a:bodyPr/>
-                    <a:lstStyle/>
-                    <a:p>
-                      <a:r>
-                        <a:rPr lang="en-US" dirty="0"/>
-                        <a:t>AS Runtime license</a:t>
-                      </a:r>
-                      <a:endParaRPr lang="ru-RU" dirty="0"/>
-                    </a:p>
-                  </a:txBody>
-                  <a:tcPr/>
-                </a:tc>
-                <a:tc>
-                  <a:txBody>
-                    <a:bodyPr/>
-                    <a:lstStyle/>
-                    <a:p>
-                      <a:r>
-                        <a:rPr lang="ru-RU" dirty="0"/>
-                        <a:t>Цена зависит от объектов процесса (</a:t>
-                      </a:r>
-                      <a:r>
-                        <a:rPr lang="en-US" dirty="0"/>
-                        <a:t>PO 100</a:t>
-                      </a:r>
-                      <a:r>
-                        <a:rPr lang="ru-RU" dirty="0"/>
-                        <a:t>, </a:t>
-                      </a:r>
-                      <a:r>
-                        <a:rPr lang="en-US" dirty="0"/>
-                        <a:t>PO 1000</a:t>
-                      </a:r>
-                      <a:r>
-                        <a:rPr lang="ru-RU" dirty="0"/>
-                        <a:t> или </a:t>
-                      </a:r>
-                      <a:r>
-                        <a:rPr lang="en-US" dirty="0"/>
-                        <a:t>PO 10000</a:t>
-                      </a:r>
-                      <a:r>
-                        <a:rPr lang="ru-RU" dirty="0"/>
-                        <a:t>)</a:t>
-                      </a:r>
-                    </a:p>
-                  </a:txBody>
-                  <a:tcPr/>
-                </a:tc>
-                <a:extLst>
-                  <a:ext uri="{0D108BD9-81ED-4DB2-BD59-A6C34878D82A}">
-                    <a16:rowId xmlns:a16="http://schemas.microsoft.com/office/drawing/2014/main" val="2288873208"/>
-                  </a:ext>
-                </a:extLst>
-              </a:tr>
-              <a:tr h="370840">
-                <a:tc>
-                  <a:txBody>
-                    <a:bodyPr/>
-                    <a:lstStyle/>
-                    <a:p>
-                      <a:r>
-                        <a:rPr lang="en-US" dirty="0"/>
-                        <a:t>OS Runtime license</a:t>
-                      </a:r>
-                      <a:endParaRPr lang="ru-RU" dirty="0"/>
-                    </a:p>
-                  </a:txBody>
-                  <a:tcPr/>
-                </a:tc>
-                <a:tc>
-                  <a:txBody>
-                    <a:bodyPr/>
-                    <a:lstStyle/>
-                    <a:p>
-                      <a:pPr marL="0" marR="0" lvl="0" indent="0" algn="l" defTabSz="914400" rtl="0" eaLnBrk="1" fontAlgn="auto" latinLnBrk="0" hangingPunct="1">
-                        <a:lnSpc>
-                          <a:spcPct val="100000"/>
-                        </a:lnSpc>
-                        <a:spcBef>
-                          <a:spcPts val="0"/>
-                        </a:spcBef>
-                        <a:spcAft>
-                          <a:spcPts val="0"/>
-                        </a:spcAft>
-                        <a:buClrTx/>
-                        <a:buSzTx/>
-                        <a:buFontTx/>
-                        <a:buNone/>
-                        <a:tabLst/>
-                        <a:defRPr/>
-                      </a:pPr>
-                      <a:r>
-                        <a:rPr lang="ru-RU" dirty="0"/>
-                        <a:t>Цена зависит от объектов процесса (</a:t>
-                      </a:r>
-                      <a:r>
-                        <a:rPr lang="en-US" dirty="0"/>
-                        <a:t>PO 100</a:t>
-                      </a:r>
-                      <a:r>
-                        <a:rPr lang="ru-RU" dirty="0"/>
-                        <a:t>, </a:t>
-                      </a:r>
-                      <a:r>
-                        <a:rPr lang="en-US" dirty="0"/>
-                        <a:t>PO 1000</a:t>
-                      </a:r>
-                      <a:r>
-                        <a:rPr lang="ru-RU" dirty="0"/>
-                        <a:t> или </a:t>
-                      </a:r>
-                      <a:r>
-                        <a:rPr lang="en-US" dirty="0"/>
-                        <a:t>PO </a:t>
-                      </a:r>
-                      <a:r>
-                        <a:rPr lang="ru-RU" dirty="0"/>
-                        <a:t>5</a:t>
-                      </a:r>
-                      <a:r>
-                        <a:rPr lang="en-US" dirty="0"/>
-                        <a:t>000</a:t>
-                      </a:r>
-                      <a:r>
-                        <a:rPr lang="ru-RU" dirty="0"/>
-                        <a:t>)</a:t>
-                      </a:r>
-                    </a:p>
-                  </a:txBody>
-                  <a:tcPr/>
-                </a:tc>
-                <a:extLst>
-                  <a:ext uri="{0D108BD9-81ED-4DB2-BD59-A6C34878D82A}">
-                    <a16:rowId xmlns:a16="http://schemas.microsoft.com/office/drawing/2014/main" val="3615720567"/>
-                  </a:ext>
-                </a:extLst>
-              </a:tr>
-              <a:tr h="370840">
-                <a:tc>
-                  <a:txBody>
-                    <a:bodyPr/>
-                    <a:lstStyle/>
-                    <a:p>
-                      <a:r>
-                        <a:rPr lang="en-US" dirty="0"/>
-                        <a:t>OS archive</a:t>
-                      </a:r>
-                      <a:endParaRPr lang="ru-RU" dirty="0"/>
-                    </a:p>
-                  </a:txBody>
-                  <a:tcPr/>
-                </a:tc>
-                <a:tc>
-                  <a:txBody>
-                    <a:bodyPr/>
-                    <a:lstStyle/>
-                    <a:p>
-                      <a:r>
-                        <a:rPr lang="ru-RU" dirty="0"/>
-                        <a:t>Цена зависит от количества тегов (</a:t>
-                      </a:r>
-                      <a:r>
-                        <a:rPr lang="en-US" dirty="0"/>
-                        <a:t>1500 TAGS</a:t>
-                      </a:r>
-                      <a:r>
-                        <a:rPr lang="ru-RU" dirty="0"/>
-                        <a:t>, </a:t>
-                      </a:r>
-                      <a:r>
-                        <a:rPr lang="en-US" dirty="0"/>
-                        <a:t>5000 TAGS</a:t>
-                      </a:r>
-                      <a:r>
-                        <a:rPr lang="ru-RU" dirty="0"/>
-                        <a:t>, </a:t>
-                      </a:r>
-                      <a:r>
-                        <a:rPr lang="en-US" dirty="0"/>
-                        <a:t>10000 TAGS</a:t>
-                      </a:r>
-                      <a:r>
-                        <a:rPr lang="ru-RU" dirty="0"/>
-                        <a:t>, </a:t>
-                      </a:r>
-                      <a:r>
-                        <a:rPr lang="en-US" dirty="0"/>
-                        <a:t>30000 TAGS</a:t>
-                      </a:r>
-                      <a:r>
-                        <a:rPr lang="ru-RU" dirty="0"/>
-                        <a:t>)</a:t>
-                      </a:r>
-                    </a:p>
-                  </a:txBody>
-                  <a:tcPr/>
-                </a:tc>
-                <a:extLst>
-                  <a:ext uri="{0D108BD9-81ED-4DB2-BD59-A6C34878D82A}">
-                    <a16:rowId xmlns:a16="http://schemas.microsoft.com/office/drawing/2014/main" val="4078708724"/>
-                  </a:ext>
-                </a:extLst>
-              </a:tr>
-              <a:tr h="419432">
-                <a:tc>
-                  <a:txBody>
-                    <a:bodyPr/>
-                    <a:lstStyle/>
-                    <a:p>
-                      <a:r>
-                        <a:rPr lang="en-US" dirty="0"/>
-                        <a:t>PDM</a:t>
-                      </a:r>
-                      <a:endParaRPr lang="ru-RU" dirty="0"/>
-                    </a:p>
-                  </a:txBody>
-                  <a:tcPr/>
-                </a:tc>
-                <a:tc>
-                  <a:txBody>
-                    <a:bodyPr/>
-                    <a:lstStyle/>
-                    <a:p>
-                      <a:pPr marL="0" marR="0" lvl="0" indent="0" algn="l" defTabSz="914400" rtl="0" eaLnBrk="1" fontAlgn="auto" latinLnBrk="0" hangingPunct="1">
-                        <a:lnSpc>
-                          <a:spcPct val="100000"/>
-                        </a:lnSpc>
-                        <a:spcBef>
-                          <a:spcPts val="0"/>
-                        </a:spcBef>
-                        <a:spcAft>
-                          <a:spcPts val="0"/>
-                        </a:spcAft>
-                        <a:buClrTx/>
-                        <a:buSzTx/>
-                        <a:buFontTx/>
-                        <a:buNone/>
-                        <a:tabLst/>
-                        <a:defRPr/>
-                      </a:pPr>
-                      <a:r>
-                        <a:rPr lang="ru-RU" dirty="0"/>
-                        <a:t>Цена зависит от количества тегов (</a:t>
-                      </a:r>
-                      <a:r>
-                        <a:rPr lang="en-US" dirty="0"/>
-                        <a:t>1500 TAGS</a:t>
-                      </a:r>
-                      <a:r>
-                        <a:rPr lang="ru-RU" dirty="0"/>
-                        <a:t>, </a:t>
-                      </a:r>
-                      <a:r>
-                        <a:rPr lang="en-US" dirty="0"/>
-                        <a:t>5000 TAGS</a:t>
-                      </a:r>
-                      <a:r>
-                        <a:rPr lang="ru-RU" dirty="0"/>
-                        <a:t>, </a:t>
-                      </a:r>
-                      <a:r>
-                        <a:rPr lang="en-US" dirty="0"/>
-                        <a:t>10000 TAGS</a:t>
-                      </a:r>
-                      <a:r>
-                        <a:rPr lang="ru-RU" dirty="0"/>
-                        <a:t>, </a:t>
-                      </a:r>
-                      <a:r>
-                        <a:rPr lang="en-US" dirty="0"/>
-                        <a:t>30000 TAGS</a:t>
-                      </a:r>
-                      <a:r>
-                        <a:rPr lang="ru-RU" dirty="0"/>
-                        <a:t>)</a:t>
-                      </a:r>
-                    </a:p>
-                  </a:txBody>
-                  <a:tcPr/>
-                </a:tc>
-                <a:extLst>
-                  <a:ext uri="{0D108BD9-81ED-4DB2-BD59-A6C34878D82A}">
-                    <a16:rowId xmlns:a16="http://schemas.microsoft.com/office/drawing/2014/main" val="3769730462"/>
-                  </a:ext>
-                </a:extLst>
-              </a:tr>
-              <a:tr h="370840">
-                <a:tc>
-                  <a:txBody>
-                    <a:bodyPr/>
-                    <a:lstStyle/>
-                    <a:p>
-                      <a:r>
-                        <a:rPr lang="en-US" dirty="0"/>
-                        <a:t>BATCH</a:t>
-                      </a:r>
-                      <a:endParaRPr lang="ru-RU" dirty="0"/>
-                    </a:p>
-                  </a:txBody>
-                  <a:tcPr/>
-                </a:tc>
-                <a:tc>
-                  <a:txBody>
-                    <a:bodyPr/>
-                    <a:lstStyle/>
-                    <a:p>
-                      <a:r>
-                        <a:rPr lang="ru-RU" dirty="0"/>
-                        <a:t>Цена зависит от количества единиц (</a:t>
-                      </a:r>
-                      <a:r>
-                        <a:rPr lang="en-US" dirty="0"/>
-                        <a:t>1 UNIT</a:t>
-                      </a:r>
-                      <a:r>
-                        <a:rPr lang="ru-RU" dirty="0"/>
-                        <a:t>,</a:t>
-                      </a:r>
-                      <a:r>
-                        <a:rPr lang="en-US" dirty="0"/>
-                        <a:t> </a:t>
-                      </a:r>
-                      <a:r>
-                        <a:rPr lang="ru-RU" dirty="0"/>
-                        <a:t>10</a:t>
-                      </a:r>
-                      <a:r>
-                        <a:rPr lang="en-US" dirty="0"/>
-                        <a:t> UNIT</a:t>
-                      </a:r>
-                      <a:r>
-                        <a:rPr lang="ru-RU" dirty="0"/>
-                        <a:t>, 50 </a:t>
-                      </a:r>
-                      <a:r>
-                        <a:rPr lang="en-US" dirty="0"/>
-                        <a:t>UNIT</a:t>
-                      </a:r>
-                      <a:r>
-                        <a:rPr lang="ru-RU" dirty="0"/>
-                        <a:t>)</a:t>
-                      </a:r>
-                    </a:p>
-                  </a:txBody>
-                  <a:tcPr/>
-                </a:tc>
-                <a:extLst>
-                  <a:ext uri="{0D108BD9-81ED-4DB2-BD59-A6C34878D82A}">
-                    <a16:rowId xmlns:a16="http://schemas.microsoft.com/office/drawing/2014/main" val="4000178332"/>
-                  </a:ext>
-                </a:extLst>
-              </a:tr>
-              <a:tr h="370840">
-                <a:tc>
-                  <a:txBody>
-                    <a:bodyPr/>
-                    <a:lstStyle/>
-                    <a:p>
-                      <a:r>
-                        <a:rPr lang="en-US" dirty="0"/>
-                        <a:t>Route Control </a:t>
-                      </a:r>
-                      <a:r>
-                        <a:rPr lang="en-US" dirty="0">
-                          <a:highlight>
-                            <a:srgbClr val="FFFF00"/>
-                          </a:highlight>
-                        </a:rPr>
-                        <a:t>Routes</a:t>
-                      </a:r>
-                      <a:r>
-                        <a:rPr lang="en-US" dirty="0"/>
-                        <a:t> </a:t>
-                      </a:r>
-                      <a:endParaRPr lang="ru-RU" dirty="0"/>
-                    </a:p>
-                  </a:txBody>
-                  <a:tcPr/>
-                </a:tc>
-                <a:tc>
-                  <a:txBody>
-                    <a:bodyPr/>
-                    <a:lstStyle/>
-                    <a:p>
-                      <a:r>
-                        <a:rPr lang="ru-RU" dirty="0"/>
-                        <a:t>Цена зависит от количества ? (</a:t>
-                      </a:r>
-                      <a:r>
-                        <a:rPr lang="en-US" dirty="0"/>
-                        <a:t>10 ROUTES</a:t>
-                      </a:r>
-                      <a:r>
-                        <a:rPr lang="ru-RU" dirty="0"/>
-                        <a:t>, 5</a:t>
-                      </a:r>
-                      <a:r>
-                        <a:rPr lang="en-US" dirty="0"/>
-                        <a:t>0 ROUTES</a:t>
-                      </a:r>
-                      <a:r>
-                        <a:rPr lang="ru-RU" dirty="0"/>
-                        <a:t>)</a:t>
-                      </a:r>
-                    </a:p>
-                  </a:txBody>
-                  <a:tcPr/>
-                </a:tc>
-                <a:extLst>
-                  <a:ext uri="{0D108BD9-81ED-4DB2-BD59-A6C34878D82A}">
-                    <a16:rowId xmlns:a16="http://schemas.microsoft.com/office/drawing/2014/main" val="3337858158"/>
-                  </a:ext>
-                </a:extLst>
-              </a:tr>
-              <a:tr h="370840">
-                <a:tc>
-                  <a:txBody>
-                    <a:bodyPr/>
-                    <a:lstStyle/>
-                    <a:p>
-                      <a:r>
-                        <a:rPr lang="en-US" dirty="0"/>
-                        <a:t>Maintenance RT </a:t>
-                      </a:r>
-                      <a:endParaRPr lang="ru-RU" dirty="0"/>
-                    </a:p>
-                  </a:txBody>
-                  <a:tcPr/>
-                </a:tc>
-                <a:tc>
-                  <a:txBody>
-                    <a:bodyPr/>
-                    <a:lstStyle/>
-                    <a:p>
-                      <a:pPr marL="0" marR="0" lvl="0" indent="0" algn="l" defTabSz="914400" rtl="0" eaLnBrk="1" fontAlgn="auto" latinLnBrk="0" hangingPunct="1">
-                        <a:lnSpc>
-                          <a:spcPct val="100000"/>
-                        </a:lnSpc>
-                        <a:spcBef>
-                          <a:spcPts val="0"/>
-                        </a:spcBef>
-                        <a:spcAft>
-                          <a:spcPts val="0"/>
-                        </a:spcAft>
-                        <a:buClrTx/>
-                        <a:buSzTx/>
-                        <a:buFontTx/>
-                        <a:buNone/>
-                        <a:tabLst/>
-                        <a:defRPr/>
-                      </a:pPr>
-                      <a:r>
-                        <a:rPr lang="ru-RU" dirty="0"/>
-                        <a:t>Цена зависит от количества тегов (1</a:t>
-                      </a:r>
-                      <a:r>
-                        <a:rPr lang="en-US" dirty="0"/>
-                        <a:t>00 TAGS</a:t>
-                      </a:r>
-                      <a:r>
-                        <a:rPr lang="ru-RU" dirty="0"/>
-                        <a:t>, 1</a:t>
-                      </a:r>
-                      <a:r>
-                        <a:rPr lang="en-US" dirty="0"/>
-                        <a:t>000 TAGS</a:t>
-                      </a:r>
-                      <a:r>
-                        <a:rPr lang="ru-RU" dirty="0"/>
-                        <a:t>)</a:t>
-                      </a:r>
-                    </a:p>
-                  </a:txBody>
-                  <a:tcPr/>
-                </a:tc>
-                <a:extLst>
-                  <a:ext uri="{0D108BD9-81ED-4DB2-BD59-A6C34878D82A}">
-                    <a16:rowId xmlns:a16="http://schemas.microsoft.com/office/drawing/2014/main" val="1568899916"/>
-                  </a:ext>
-                </a:extLst>
-              </a:tr>
-              <a:tr h="370840">
-                <a:tc>
-                  <a:txBody>
-                    <a:bodyPr/>
-                    <a:lstStyle/>
-                    <a:p>
-                      <a:r>
-                        <a:rPr lang="en-US" dirty="0"/>
-                        <a:t>SIMATIC Management Console </a:t>
-                      </a:r>
-                      <a:endParaRPr lang="ru-RU" dirty="0"/>
-                    </a:p>
-                  </a:txBody>
-                  <a:tcPr/>
-                </a:tc>
-                <a:tc>
-                  <a:txBody>
-                    <a:bodyPr/>
-                    <a:lstStyle/>
-                    <a:p>
-                      <a:r>
-                        <a:rPr lang="ru-RU" dirty="0"/>
-                        <a:t>Цена зависит от количества агентов </a:t>
-                      </a:r>
-                      <a:r>
-                        <a:rPr lang="en-US" dirty="0"/>
-                        <a:t>(10 AGENTS</a:t>
-                      </a:r>
-                      <a:r>
-                        <a:rPr lang="ru-RU" dirty="0"/>
-                        <a:t>, 5</a:t>
-                      </a:r>
-                      <a:r>
-                        <a:rPr lang="en-US" dirty="0"/>
-                        <a:t>0 AGENTS</a:t>
-                      </a:r>
-                      <a:r>
-                        <a:rPr lang="ru-RU" dirty="0"/>
-                        <a:t>, </a:t>
-                      </a:r>
-                      <a:r>
-                        <a:rPr lang="en-US" dirty="0"/>
-                        <a:t>10</a:t>
-                      </a:r>
-                      <a:r>
-                        <a:rPr lang="ru-RU" dirty="0"/>
-                        <a:t>0</a:t>
-                      </a:r>
-                      <a:r>
-                        <a:rPr lang="en-US" dirty="0"/>
-                        <a:t> AGENTS)</a:t>
-                      </a:r>
-                      <a:endParaRPr lang="ru-RU" dirty="0"/>
-                    </a:p>
-                  </a:txBody>
-                  <a:tcPr/>
-                </a:tc>
-                <a:extLst>
-                  <a:ext uri="{0D108BD9-81ED-4DB2-BD59-A6C34878D82A}">
-                    <a16:rowId xmlns:a16="http://schemas.microsoft.com/office/drawing/2014/main" val="2967167339"/>
-                  </a:ext>
-                </a:extLst>
-              </a:tr>
-            </a:tbl>
-          </a:graphicData>
-        </a:graphic>
-      </p:graphicFrame>
-    </p:spTree>
-    <p:extLst>
-      <p:ext uri="{BB962C8B-B14F-4D97-AF65-F5344CB8AC3E}">
-        <p14:creationId xmlns:p14="http://schemas.microsoft.com/office/powerpoint/2010/main" val="3138048962"/>
-      </p:ext>
-    </p:extLst>
-  </p:cSld>
-  <p:clrMapOvr>
-    <a:masterClrMapping/>
-  </p:clrMapOvr>
-</p:sld>
-</file>
-
-<file path=ppt/slides/slide3.xml><?xml version="1.0" encoding="utf-8"?>
-<p:sld xmlns:a="http://schemas.openxmlformats.org/drawingml/2006/main" xmlns:r="http://schemas.openxmlformats.org/officeDocument/2006/relationships" xmlns:p="http://schemas.openxmlformats.org/presentationml/2006/main">
-  <p:cSld>
-    <p:spTree>
-      <p:nvGrpSpPr>
-        <p:cNvPr id="1" name=""/>
-        <p:cNvGrpSpPr/>
-        <p:nvPr/>
-      </p:nvGrpSpPr>
-      <p:grpSpPr>
-        <a:xfrm>
-          <a:off x="0" y="0"/>
-          <a:ext cx="0" cy="0"/>
-          <a:chOff x="0" y="0"/>
-          <a:chExt cx="0" cy="0"/>
-        </a:xfrm>
-      </p:grpSpPr>
-      <p:sp>
-        <p:nvSpPr>
-          <p:cNvPr id="3" name="Прямоугольник 2">
-            <a:extLst>
-              <a:ext uri="{FF2B5EF4-FFF2-40B4-BE49-F238E27FC236}">
-                <a16:creationId xmlns:a16="http://schemas.microsoft.com/office/drawing/2014/main" id="{E2139C62-515E-4F45-A35B-35D3CEAF62BC}"/>
-              </a:ext>
-            </a:extLst>
-          </p:cNvPr>
-          <p:cNvSpPr/>
-          <p:nvPr/>
-        </p:nvSpPr>
-        <p:spPr>
-          <a:xfrm>
-            <a:off x="1494729" y="620688"/>
-            <a:ext cx="5262723" cy="461665"/>
-          </a:xfrm>
-          <a:prstGeom prst="rect">
-            <a:avLst/>
-          </a:prstGeom>
-        </p:spPr>
-        <p:txBody>
-          <a:bodyPr wrap="none">
-            <a:spAutoFit/>
-          </a:bodyPr>
-          <a:lstStyle/>
-          <a:p>
-            <a:r>
-              <a:rPr lang="ru-RU" sz="2400" dirty="0">
-                <a:solidFill>
-                  <a:schemeClr val="bg2">
-                    <a:lumMod val="50000"/>
-                  </a:schemeClr>
-                </a:solidFill>
-              </a:rPr>
-              <a:t>Поддерживаемые архитектуры </a:t>
-            </a:r>
-            <a:r>
-              <a:rPr lang="en-US" sz="2400" dirty="0">
-                <a:solidFill>
-                  <a:schemeClr val="bg2">
-                    <a:lumMod val="50000"/>
-                  </a:schemeClr>
-                </a:solidFill>
-              </a:rPr>
-              <a:t>InTouch</a:t>
-            </a:r>
-            <a:endParaRPr lang="ru-RU" sz="2400" dirty="0">
-              <a:solidFill>
-                <a:schemeClr val="bg2">
-                  <a:lumMod val="50000"/>
-                </a:schemeClr>
-              </a:solidFill>
-            </a:endParaRPr>
-          </a:p>
-        </p:txBody>
-      </p:sp>
-      <p:sp>
-        <p:nvSpPr>
-          <p:cNvPr id="4" name="Прямоугольник 3">
-            <a:extLst>
-              <a:ext uri="{FF2B5EF4-FFF2-40B4-BE49-F238E27FC236}">
-                <a16:creationId xmlns:a16="http://schemas.microsoft.com/office/drawing/2014/main" id="{2CDAA6E1-E54E-499F-AAE4-7DF183F69643}"/>
-              </a:ext>
-            </a:extLst>
-          </p:cNvPr>
-          <p:cNvSpPr/>
-          <p:nvPr/>
-        </p:nvSpPr>
-        <p:spPr>
-          <a:xfrm>
-            <a:off x="1907704" y="1844824"/>
-            <a:ext cx="4584760" cy="2246769"/>
-          </a:xfrm>
-          <a:prstGeom prst="rect">
-            <a:avLst/>
-          </a:prstGeom>
-        </p:spPr>
-        <p:txBody>
-          <a:bodyPr wrap="square">
-            <a:spAutoFit/>
-          </a:bodyPr>
-          <a:lstStyle/>
-          <a:p>
-            <a:r>
-              <a:rPr lang="ru-RU" sz="2000" dirty="0">
-                <a:solidFill>
-                  <a:schemeClr val="bg2">
-                    <a:lumMod val="50000"/>
-                  </a:schemeClr>
-                </a:solidFill>
-              </a:rPr>
-              <a:t>Поддерживаются следующие сетевые архитектуры </a:t>
-            </a:r>
-            <a:r>
-              <a:rPr lang="ru-RU" sz="2000" dirty="0" err="1">
-                <a:solidFill>
-                  <a:schemeClr val="bg2">
-                    <a:lumMod val="50000"/>
-                  </a:schemeClr>
-                </a:solidFill>
-              </a:rPr>
-              <a:t>InTouch</a:t>
-            </a:r>
-            <a:r>
-              <a:rPr lang="ru-RU" sz="2000" dirty="0">
-                <a:solidFill>
-                  <a:schemeClr val="bg2">
-                    <a:lumMod val="50000"/>
-                  </a:schemeClr>
-                </a:solidFill>
-              </a:rPr>
-              <a:t>:</a:t>
-            </a:r>
-            <a:endParaRPr lang="en-US" sz="2000" dirty="0">
-              <a:solidFill>
-                <a:schemeClr val="bg2">
-                  <a:lumMod val="50000"/>
-                </a:schemeClr>
-              </a:solidFill>
-            </a:endParaRPr>
-          </a:p>
-          <a:p>
-            <a:r>
-              <a:rPr lang="ru-RU" sz="2000" dirty="0">
-                <a:solidFill>
-                  <a:schemeClr val="bg2">
-                    <a:lumMod val="50000"/>
-                  </a:schemeClr>
-                </a:solidFill>
-              </a:rPr>
-              <a:t>• </a:t>
-            </a:r>
-            <a:r>
-              <a:rPr lang="ru-RU" sz="2000" dirty="0" err="1">
-                <a:solidFill>
-                  <a:schemeClr val="bg2">
-                    <a:lumMod val="50000"/>
-                  </a:schemeClr>
-                </a:solidFill>
-              </a:rPr>
-              <a:t>однокомпьютерная</a:t>
-            </a:r>
-            <a:r>
-              <a:rPr lang="ru-RU" sz="2000" dirty="0">
-                <a:solidFill>
-                  <a:schemeClr val="bg2">
-                    <a:lumMod val="50000"/>
-                  </a:schemeClr>
-                </a:solidFill>
-              </a:rPr>
-              <a:t>;</a:t>
-            </a:r>
-            <a:endParaRPr lang="en-US" sz="2000" dirty="0">
-              <a:solidFill>
-                <a:schemeClr val="bg2">
-                  <a:lumMod val="50000"/>
-                </a:schemeClr>
-              </a:solidFill>
-            </a:endParaRPr>
-          </a:p>
-          <a:p>
-            <a:r>
-              <a:rPr lang="ru-RU" sz="2000" dirty="0">
-                <a:solidFill>
-                  <a:schemeClr val="bg2">
-                    <a:lumMod val="50000"/>
-                  </a:schemeClr>
-                </a:solidFill>
-              </a:rPr>
-              <a:t>• клиентская;</a:t>
-            </a:r>
-            <a:endParaRPr lang="en-US" sz="2000" dirty="0">
-              <a:solidFill>
-                <a:schemeClr val="bg2">
-                  <a:lumMod val="50000"/>
-                </a:schemeClr>
-              </a:solidFill>
-            </a:endParaRPr>
-          </a:p>
-          <a:p>
-            <a:r>
-              <a:rPr lang="ru-RU" sz="2000" dirty="0">
-                <a:solidFill>
-                  <a:schemeClr val="bg2">
-                    <a:lumMod val="50000"/>
-                  </a:schemeClr>
-                </a:solidFill>
-              </a:rPr>
-              <a:t>• серверная;</a:t>
-            </a:r>
-            <a:endParaRPr lang="en-US" sz="2000" dirty="0">
-              <a:solidFill>
-                <a:schemeClr val="bg2">
-                  <a:lumMod val="50000"/>
-                </a:schemeClr>
-              </a:solidFill>
-            </a:endParaRPr>
-          </a:p>
-          <a:p>
-            <a:r>
-              <a:rPr lang="ru-RU" sz="2000" dirty="0">
-                <a:solidFill>
-                  <a:schemeClr val="bg2">
-                    <a:lumMod val="50000"/>
-                  </a:schemeClr>
-                </a:solidFill>
-              </a:rPr>
-              <a:t>• система разработки сетевых приложений (NAD).</a:t>
-            </a:r>
-          </a:p>
-        </p:txBody>
-      </p:sp>
-    </p:spTree>
-    <p:extLst>
-      <p:ext uri="{BB962C8B-B14F-4D97-AF65-F5344CB8AC3E}">
-        <p14:creationId xmlns:p14="http://schemas.microsoft.com/office/powerpoint/2010/main" val="451688572"/>
-      </p:ext>
-    </p:extLst>
-  </p:cSld>
-  <p:clrMapOvr>
-    <a:masterClrMapping/>
-  </p:clrMapOvr>
-</p:sld>
-</file>
-
-<file path=ppt/slides/slide4.xml><?xml version="1.0" encoding="utf-8"?>
-<p:sld xmlns:a="http://schemas.openxmlformats.org/drawingml/2006/main" xmlns:r="http://schemas.openxmlformats.org/officeDocument/2006/relationships" xmlns:p="http://schemas.openxmlformats.org/presentationml/2006/main">
-  <p:cSld>
-    <p:spTree>
-      <p:nvGrpSpPr>
-        <p:cNvPr id="1" name=""/>
-        <p:cNvGrpSpPr/>
-        <p:nvPr/>
-      </p:nvGrpSpPr>
-      <p:grpSpPr>
-        <a:xfrm>
-          <a:off x="0" y="0"/>
-          <a:ext cx="0" cy="0"/>
-          <a:chOff x="0" y="0"/>
-          <a:chExt cx="0" cy="0"/>
-        </a:xfrm>
-      </p:grpSpPr>
-      <p:sp>
-        <p:nvSpPr>
-          <p:cNvPr id="2" name="Прямоугольник 1">
-            <a:extLst>
-              <a:ext uri="{FF2B5EF4-FFF2-40B4-BE49-F238E27FC236}">
-                <a16:creationId xmlns:a16="http://schemas.microsoft.com/office/drawing/2014/main" id="{4E906EB2-2E9B-40EA-8ADF-BC5250375B78}"/>
-              </a:ext>
-            </a:extLst>
-          </p:cNvPr>
-          <p:cNvSpPr/>
-          <p:nvPr/>
-        </p:nvSpPr>
-        <p:spPr>
-          <a:xfrm>
-            <a:off x="1599517" y="620688"/>
-            <a:ext cx="6192688" cy="461665"/>
-          </a:xfrm>
-          <a:prstGeom prst="rect">
-            <a:avLst/>
-          </a:prstGeom>
-        </p:spPr>
-        <p:txBody>
-          <a:bodyPr wrap="square">
-            <a:spAutoFit/>
-          </a:bodyPr>
-          <a:lstStyle/>
-          <a:p>
-            <a:pPr algn="ctr"/>
-            <a:r>
-              <a:rPr lang="ru-RU" sz="2400" dirty="0" err="1">
-                <a:solidFill>
-                  <a:schemeClr val="bg2">
-                    <a:lumMod val="50000"/>
-                  </a:schemeClr>
-                </a:solidFill>
-              </a:rPr>
-              <a:t>Однокомпьютерная</a:t>
-            </a:r>
-            <a:r>
-              <a:rPr lang="ru-RU" sz="2400" dirty="0">
-                <a:solidFill>
-                  <a:schemeClr val="bg2">
-                    <a:lumMod val="50000"/>
-                  </a:schemeClr>
-                </a:solidFill>
-              </a:rPr>
-              <a:t> архитектура</a:t>
-            </a:r>
-          </a:p>
-        </p:txBody>
-      </p:sp>
-      <p:pic>
-        <p:nvPicPr>
-          <p:cNvPr id="4" name="Рисунок 3">
-            <a:extLst>
-              <a:ext uri="{FF2B5EF4-FFF2-40B4-BE49-F238E27FC236}">
-                <a16:creationId xmlns:a16="http://schemas.microsoft.com/office/drawing/2014/main" id="{90ABEADE-CC33-4C9F-8590-DEDF834A410E}"/>
-              </a:ext>
-            </a:extLst>
-          </p:cNvPr>
-          <p:cNvPicPr>
-            <a:picLocks noChangeAspect="1"/>
-          </p:cNvPicPr>
-          <p:nvPr/>
-        </p:nvPicPr>
-        <p:blipFill>
-          <a:blip r:embed="rId2">
-            <a:extLst>
-              <a:ext uri="{28A0092B-C50C-407E-A947-70E740481C1C}">
-                <a14:useLocalDpi xmlns:a14="http://schemas.microsoft.com/office/drawing/2010/main" val="0"/>
-              </a:ext>
-            </a:extLst>
-          </a:blip>
-          <a:stretch>
-            <a:fillRect/>
-          </a:stretch>
-        </p:blipFill>
-        <p:spPr>
-          <a:xfrm>
-            <a:off x="1331639" y="2060848"/>
-            <a:ext cx="6728443" cy="2920792"/>
-          </a:xfrm>
-          <a:prstGeom prst="rect">
-            <a:avLst/>
-          </a:prstGeom>
-        </p:spPr>
-      </p:pic>
-    </p:spTree>
-    <p:extLst>
-      <p:ext uri="{BB962C8B-B14F-4D97-AF65-F5344CB8AC3E}">
-        <p14:creationId xmlns:p14="http://schemas.microsoft.com/office/powerpoint/2010/main" val="1622546023"/>
-      </p:ext>
-    </p:extLst>
-  </p:cSld>
-  <p:clrMapOvr>
-    <a:masterClrMapping/>
-  </p:clrMapOvr>
-</p:sld>
-</file>
-
-<file path=ppt/slides/slide5.xml><?xml version="1.0" encoding="utf-8"?>
-<p:sld xmlns:a="http://schemas.openxmlformats.org/drawingml/2006/main" xmlns:r="http://schemas.openxmlformats.org/officeDocument/2006/relationships" xmlns:p="http://schemas.openxmlformats.org/presentationml/2006/main">
-  <p:cSld>
-    <p:spTree>
-      <p:nvGrpSpPr>
-        <p:cNvPr id="1" name=""/>
-        <p:cNvGrpSpPr/>
-        <p:nvPr/>
-      </p:nvGrpSpPr>
-      <p:grpSpPr>
-        <a:xfrm>
-          <a:off x="0" y="0"/>
-          <a:ext cx="0" cy="0"/>
-          <a:chOff x="0" y="0"/>
-          <a:chExt cx="0" cy="0"/>
-        </a:xfrm>
-      </p:grpSpPr>
-      <p:sp>
-        <p:nvSpPr>
-          <p:cNvPr id="2" name="Прямоугольник 1">
-            <a:extLst>
-              <a:ext uri="{FF2B5EF4-FFF2-40B4-BE49-F238E27FC236}">
-                <a16:creationId xmlns:a16="http://schemas.microsoft.com/office/drawing/2014/main" id="{C20B35E6-5EFC-450C-99C3-3954328036BE}"/>
-              </a:ext>
-            </a:extLst>
-          </p:cNvPr>
-          <p:cNvSpPr/>
-          <p:nvPr/>
-        </p:nvSpPr>
-        <p:spPr>
-          <a:xfrm>
-            <a:off x="2900837" y="764704"/>
-            <a:ext cx="3342325" cy="461665"/>
-          </a:xfrm>
-          <a:prstGeom prst="rect">
-            <a:avLst/>
-          </a:prstGeom>
-        </p:spPr>
-        <p:txBody>
-          <a:bodyPr wrap="none">
-            <a:spAutoFit/>
-          </a:bodyPr>
-          <a:lstStyle/>
-          <a:p>
-            <a:r>
-              <a:rPr lang="ru-RU" sz="2400" dirty="0">
-                <a:solidFill>
-                  <a:schemeClr val="bg2">
-                    <a:lumMod val="50000"/>
-                  </a:schemeClr>
-                </a:solidFill>
-              </a:rPr>
-              <a:t>Клиентская архитектура</a:t>
-            </a:r>
-          </a:p>
-        </p:txBody>
-      </p:sp>
-      <p:pic>
-        <p:nvPicPr>
-          <p:cNvPr id="4" name="Рисунок 3">
-            <a:extLst>
-              <a:ext uri="{FF2B5EF4-FFF2-40B4-BE49-F238E27FC236}">
-                <a16:creationId xmlns:a16="http://schemas.microsoft.com/office/drawing/2014/main" id="{D16C6831-BABF-4A18-8D5A-82AEF76576BC}"/>
-              </a:ext>
-            </a:extLst>
-          </p:cNvPr>
-          <p:cNvPicPr>
-            <a:picLocks noChangeAspect="1"/>
-          </p:cNvPicPr>
-          <p:nvPr/>
-        </p:nvPicPr>
-        <p:blipFill>
-          <a:blip r:embed="rId2">
-            <a:extLst>
-              <a:ext uri="{28A0092B-C50C-407E-A947-70E740481C1C}">
-                <a14:useLocalDpi xmlns:a14="http://schemas.microsoft.com/office/drawing/2010/main" val="0"/>
-              </a:ext>
-            </a:extLst>
-          </a:blip>
-          <a:stretch>
-            <a:fillRect/>
-          </a:stretch>
-        </p:blipFill>
-        <p:spPr>
-          <a:xfrm>
-            <a:off x="931183" y="2132856"/>
-            <a:ext cx="7281634" cy="2322096"/>
-          </a:xfrm>
-          <a:prstGeom prst="rect">
-            <a:avLst/>
-          </a:prstGeom>
-        </p:spPr>
-      </p:pic>
-    </p:spTree>
-    <p:extLst>
-      <p:ext uri="{BB962C8B-B14F-4D97-AF65-F5344CB8AC3E}">
-        <p14:creationId xmlns:p14="http://schemas.microsoft.com/office/powerpoint/2010/main" val="3846081900"/>
-      </p:ext>
-    </p:extLst>
-  </p:cSld>
-  <p:clrMapOvr>
-    <a:masterClrMapping/>
-  </p:clrMapOvr>
-</p:sld>
-</file>
-
-<file path=ppt/slides/slide6.xml><?xml version="1.0" encoding="utf-8"?>
-<p:sld xmlns:a="http://schemas.openxmlformats.org/drawingml/2006/main" xmlns:r="http://schemas.openxmlformats.org/officeDocument/2006/relationships" xmlns:p="http://schemas.openxmlformats.org/presentationml/2006/main">
-  <p:cSld>
-    <p:spTree>
-      <p:nvGrpSpPr>
-        <p:cNvPr id="1" name=""/>
-        <p:cNvGrpSpPr/>
-        <p:nvPr/>
-      </p:nvGrpSpPr>
-      <p:grpSpPr>
-        <a:xfrm>
-          <a:off x="0" y="0"/>
-          <a:ext cx="0" cy="0"/>
-          <a:chOff x="0" y="0"/>
-          <a:chExt cx="0" cy="0"/>
-        </a:xfrm>
-      </p:grpSpPr>
-      <p:sp>
-        <p:nvSpPr>
-          <p:cNvPr id="2" name="Прямоугольник 1">
-            <a:extLst>
-              <a:ext uri="{FF2B5EF4-FFF2-40B4-BE49-F238E27FC236}">
-                <a16:creationId xmlns:a16="http://schemas.microsoft.com/office/drawing/2014/main" id="{AA9ED8FF-12AC-4490-843A-1954533F8F64}"/>
-              </a:ext>
-            </a:extLst>
-          </p:cNvPr>
-          <p:cNvSpPr/>
-          <p:nvPr/>
-        </p:nvSpPr>
-        <p:spPr>
-          <a:xfrm>
-            <a:off x="2843808" y="764704"/>
-            <a:ext cx="3256725" cy="461665"/>
-          </a:xfrm>
-          <a:prstGeom prst="rect">
-            <a:avLst/>
-          </a:prstGeom>
-        </p:spPr>
-        <p:txBody>
-          <a:bodyPr wrap="none">
-            <a:spAutoFit/>
-          </a:bodyPr>
-          <a:lstStyle/>
-          <a:p>
-            <a:r>
-              <a:rPr lang="ru-RU" sz="2400" dirty="0">
-                <a:solidFill>
-                  <a:schemeClr val="bg2">
-                    <a:lumMod val="50000"/>
-                  </a:schemeClr>
-                </a:solidFill>
-              </a:rPr>
-              <a:t>Серверная архитектура</a:t>
-            </a:r>
-          </a:p>
-        </p:txBody>
-      </p:sp>
-      <p:pic>
-        <p:nvPicPr>
-          <p:cNvPr id="4" name="Рисунок 3">
-            <a:extLst>
-              <a:ext uri="{FF2B5EF4-FFF2-40B4-BE49-F238E27FC236}">
-                <a16:creationId xmlns:a16="http://schemas.microsoft.com/office/drawing/2014/main" id="{9F4C1878-A0DC-4778-BB34-90896E9D1232}"/>
-              </a:ext>
-            </a:extLst>
-          </p:cNvPr>
-          <p:cNvPicPr>
-            <a:picLocks noChangeAspect="1"/>
-          </p:cNvPicPr>
-          <p:nvPr/>
-        </p:nvPicPr>
-        <p:blipFill>
-          <a:blip r:embed="rId2">
-            <a:extLst>
-              <a:ext uri="{28A0092B-C50C-407E-A947-70E740481C1C}">
-                <a14:useLocalDpi xmlns:a14="http://schemas.microsoft.com/office/drawing/2010/main" val="0"/>
-              </a:ext>
-            </a:extLst>
-          </a:blip>
-          <a:stretch>
-            <a:fillRect/>
-          </a:stretch>
-        </p:blipFill>
-        <p:spPr>
-          <a:xfrm>
-            <a:off x="485800" y="2001196"/>
-            <a:ext cx="8172400" cy="2855607"/>
-          </a:xfrm>
-          <a:prstGeom prst="rect">
-            <a:avLst/>
-          </a:prstGeom>
-        </p:spPr>
-      </p:pic>
-    </p:spTree>
-    <p:extLst>
-      <p:ext uri="{BB962C8B-B14F-4D97-AF65-F5344CB8AC3E}">
-        <p14:creationId xmlns:p14="http://schemas.microsoft.com/office/powerpoint/2010/main" val="503161471"/>
-      </p:ext>
-    </p:extLst>
-  </p:cSld>
-  <p:clrMapOvr>
-    <a:masterClrMapping/>
-  </p:clrMapOvr>
-</p:sld>
-</file>
-
-<file path=ppt/slides/slide7.xml><?xml version="1.0" encoding="utf-8"?>
-<p:sld xmlns:a="http://schemas.openxmlformats.org/drawingml/2006/main" xmlns:r="http://schemas.openxmlformats.org/officeDocument/2006/relationships" xmlns:p="http://schemas.openxmlformats.org/presentationml/2006/main">
-  <p:cSld>
-    <p:spTree>
-      <p:nvGrpSpPr>
-        <p:cNvPr id="1" name=""/>
-        <p:cNvGrpSpPr/>
-        <p:nvPr/>
-      </p:nvGrpSpPr>
-      <p:grpSpPr>
-        <a:xfrm>
-          <a:off x="0" y="0"/>
-          <a:ext cx="0" cy="0"/>
-          <a:chOff x="0" y="0"/>
-          <a:chExt cx="0" cy="0"/>
-        </a:xfrm>
-      </p:grpSpPr>
-      <p:sp>
-        <p:nvSpPr>
-          <p:cNvPr id="2" name="Прямоугольник 1">
-            <a:extLst>
-              <a:ext uri="{FF2B5EF4-FFF2-40B4-BE49-F238E27FC236}">
-                <a16:creationId xmlns:a16="http://schemas.microsoft.com/office/drawing/2014/main" id="{9B60FEF9-6D1F-40CF-A29E-935E510C6614}"/>
-              </a:ext>
-            </a:extLst>
-          </p:cNvPr>
-          <p:cNvSpPr/>
-          <p:nvPr/>
-        </p:nvSpPr>
-        <p:spPr>
-          <a:xfrm>
-            <a:off x="1403648" y="476672"/>
-            <a:ext cx="6912768" cy="830997"/>
-          </a:xfrm>
-          <a:prstGeom prst="rect">
-            <a:avLst/>
-          </a:prstGeom>
-        </p:spPr>
-        <p:txBody>
-          <a:bodyPr wrap="square">
-            <a:spAutoFit/>
-          </a:bodyPr>
-          <a:lstStyle/>
-          <a:p>
-            <a:r>
-              <a:rPr lang="ru-RU" sz="2400" dirty="0">
-                <a:solidFill>
-                  <a:schemeClr val="bg2">
-                    <a:lumMod val="50000"/>
-                  </a:schemeClr>
-                </a:solidFill>
-              </a:rPr>
-              <a:t>Архитектура разработки сетевых приложений (NAD)</a:t>
-            </a:r>
-          </a:p>
-        </p:txBody>
-      </p:sp>
-      <p:pic>
-        <p:nvPicPr>
-          <p:cNvPr id="4" name="Рисунок 3">
-            <a:extLst>
-              <a:ext uri="{FF2B5EF4-FFF2-40B4-BE49-F238E27FC236}">
-                <a16:creationId xmlns:a16="http://schemas.microsoft.com/office/drawing/2014/main" id="{D95B030E-A8E2-490F-8372-D146A4DB87E0}"/>
-              </a:ext>
-            </a:extLst>
-          </p:cNvPr>
-          <p:cNvPicPr>
-            <a:picLocks noChangeAspect="1"/>
-          </p:cNvPicPr>
-          <p:nvPr/>
-        </p:nvPicPr>
-        <p:blipFill>
-          <a:blip r:embed="rId2">
-            <a:extLst>
-              <a:ext uri="{28A0092B-C50C-407E-A947-70E740481C1C}">
-                <a14:useLocalDpi xmlns:a14="http://schemas.microsoft.com/office/drawing/2010/main" val="0"/>
-              </a:ext>
-            </a:extLst>
-          </a:blip>
-          <a:stretch>
-            <a:fillRect/>
-          </a:stretch>
-        </p:blipFill>
-        <p:spPr>
-          <a:xfrm>
-            <a:off x="1115616" y="2160024"/>
-            <a:ext cx="7376492" cy="2537951"/>
-          </a:xfrm>
-          <a:prstGeom prst="rect">
-            <a:avLst/>
-          </a:prstGeom>
-        </p:spPr>
-      </p:pic>
-    </p:spTree>
-    <p:extLst>
-      <p:ext uri="{BB962C8B-B14F-4D97-AF65-F5344CB8AC3E}">
-        <p14:creationId xmlns:p14="http://schemas.microsoft.com/office/powerpoint/2010/main" val="3945194400"/>
-      </p:ext>
-    </p:extLst>
-  </p:cSld>
-  <p:clrMapOvr>
-    <a:masterClrMapping/>
-  </p:clrMapOvr>
-</p:sld>
-</file>
-
-<file path=ppt/slides/slide8.xml><?xml version="1.0" encoding="utf-8"?>
-<p:sld xmlns:a="http://schemas.openxmlformats.org/drawingml/2006/main" xmlns:r="http://schemas.openxmlformats.org/officeDocument/2006/relationships" xmlns:p="http://schemas.openxmlformats.org/presentationml/2006/main">
-  <p:cSld>
-    <p:spTree>
-      <p:nvGrpSpPr>
-        <p:cNvPr id="1" name=""/>
-        <p:cNvGrpSpPr/>
-        <p:nvPr/>
-      </p:nvGrpSpPr>
-      <p:grpSpPr>
-        <a:xfrm>
-          <a:off x="0" y="0"/>
-          <a:ext cx="0" cy="0"/>
-          <a:chOff x="0" y="0"/>
-          <a:chExt cx="0" cy="0"/>
-        </a:xfrm>
-      </p:grpSpPr>
-      <p:sp>
-        <p:nvSpPr>
-          <p:cNvPr id="2" name="Прямоугольник 1">
-            <a:extLst>
-              <a:ext uri="{FF2B5EF4-FFF2-40B4-BE49-F238E27FC236}">
-                <a16:creationId xmlns:a16="http://schemas.microsoft.com/office/drawing/2014/main" id="{ECEDBA4B-B4C7-4358-9C1B-BADADF89DCB7}"/>
-              </a:ext>
-            </a:extLst>
-          </p:cNvPr>
-          <p:cNvSpPr/>
-          <p:nvPr/>
-        </p:nvSpPr>
-        <p:spPr>
-          <a:xfrm>
-            <a:off x="1187624" y="620688"/>
-            <a:ext cx="6768752" cy="830997"/>
-          </a:xfrm>
-          <a:prstGeom prst="rect">
-            <a:avLst/>
-          </a:prstGeom>
-        </p:spPr>
-        <p:txBody>
-          <a:bodyPr wrap="square">
-            <a:spAutoFit/>
-          </a:bodyPr>
-          <a:lstStyle/>
-          <a:p>
-            <a:r>
-              <a:rPr lang="ru-RU" sz="2400" dirty="0">
-                <a:solidFill>
-                  <a:schemeClr val="bg2">
-                    <a:lumMod val="50000"/>
-                  </a:schemeClr>
-                </a:solidFill>
-              </a:rPr>
-              <a:t>Факторы, учитываемые при планировании сетевых приложений</a:t>
-            </a:r>
-          </a:p>
-        </p:txBody>
-      </p:sp>
-      <p:sp>
-        <p:nvSpPr>
-          <p:cNvPr id="3" name="Прямоугольник 2">
-            <a:extLst>
-              <a:ext uri="{FF2B5EF4-FFF2-40B4-BE49-F238E27FC236}">
-                <a16:creationId xmlns:a16="http://schemas.microsoft.com/office/drawing/2014/main" id="{B5BC6CE6-3B97-4C89-9AA6-5A97B3AC5578}"/>
-              </a:ext>
-            </a:extLst>
-          </p:cNvPr>
-          <p:cNvSpPr/>
-          <p:nvPr/>
-        </p:nvSpPr>
-        <p:spPr>
-          <a:xfrm>
-            <a:off x="1331640" y="2060848"/>
-            <a:ext cx="6264696" cy="1938992"/>
-          </a:xfrm>
-          <a:prstGeom prst="rect">
-            <a:avLst/>
-          </a:prstGeom>
-        </p:spPr>
-        <p:txBody>
-          <a:bodyPr wrap="square">
-            <a:spAutoFit/>
-          </a:bodyPr>
-          <a:lstStyle/>
-          <a:p>
-            <a:r>
-              <a:rPr lang="ru-RU" sz="2000" dirty="0">
-                <a:solidFill>
-                  <a:schemeClr val="bg2">
-                    <a:lumMod val="50000"/>
-                  </a:schemeClr>
-                </a:solidFill>
-              </a:rPr>
-              <a:t>Независимо от архитектуры необходимо учитывать следующие факторы: </a:t>
-            </a:r>
-            <a:endParaRPr lang="en-US" sz="2000" dirty="0">
-              <a:solidFill>
-                <a:schemeClr val="bg2">
-                  <a:lumMod val="50000"/>
-                </a:schemeClr>
-              </a:solidFill>
-            </a:endParaRPr>
-          </a:p>
-          <a:p>
-            <a:r>
-              <a:rPr lang="ru-RU" sz="2000" dirty="0">
-                <a:solidFill>
-                  <a:schemeClr val="bg2">
-                    <a:lumMod val="50000"/>
-                  </a:schemeClr>
-                </a:solidFill>
-              </a:rPr>
-              <a:t>• доступ к источникам данных ввода-вывода; </a:t>
-            </a:r>
-            <a:endParaRPr lang="en-US" sz="2000" dirty="0">
-              <a:solidFill>
-                <a:schemeClr val="bg2">
-                  <a:lumMod val="50000"/>
-                </a:schemeClr>
-              </a:solidFill>
-            </a:endParaRPr>
-          </a:p>
-          <a:p>
-            <a:r>
-              <a:rPr lang="ru-RU" sz="2000" dirty="0">
-                <a:solidFill>
-                  <a:schemeClr val="bg2">
-                    <a:lumMod val="50000"/>
-                  </a:schemeClr>
-                </a:solidFill>
-              </a:rPr>
-              <a:t>• доступ к разделяемым файлам; </a:t>
-            </a:r>
-            <a:endParaRPr lang="en-US" sz="2000" dirty="0">
-              <a:solidFill>
-                <a:schemeClr val="bg2">
-                  <a:lumMod val="50000"/>
-                </a:schemeClr>
-              </a:solidFill>
-            </a:endParaRPr>
-          </a:p>
-          <a:p>
-            <a:r>
-              <a:rPr lang="ru-RU" sz="2000" dirty="0">
-                <a:solidFill>
-                  <a:schemeClr val="bg2">
-                    <a:lumMod val="50000"/>
-                  </a:schemeClr>
-                </a:solidFill>
-              </a:rPr>
-              <a:t>• место регистрации данных; </a:t>
-            </a:r>
-            <a:endParaRPr lang="en-US" sz="2000" dirty="0">
-              <a:solidFill>
-                <a:schemeClr val="bg2">
-                  <a:lumMod val="50000"/>
-                </a:schemeClr>
-              </a:solidFill>
-            </a:endParaRPr>
-          </a:p>
-          <a:p>
-            <a:r>
-              <a:rPr lang="ru-RU" sz="2000" dirty="0">
-                <a:solidFill>
-                  <a:schemeClr val="bg2">
-                    <a:lumMod val="50000"/>
-                  </a:schemeClr>
-                </a:solidFill>
-              </a:rPr>
-              <a:t>• особые требования, обусловленные сетью.</a:t>
-            </a:r>
-            <a:endParaRPr lang="ru-RU" sz="2000" dirty="0"/>
-          </a:p>
-        </p:txBody>
-      </p:sp>
-    </p:spTree>
-    <p:extLst>
-      <p:ext uri="{BB962C8B-B14F-4D97-AF65-F5344CB8AC3E}">
-        <p14:creationId xmlns:p14="http://schemas.microsoft.com/office/powerpoint/2010/main" val="282490486"/>
-      </p:ext>
-    </p:extLst>
-  </p:cSld>
-  <p:clrMapOvr>
-    <a:masterClrMapping/>
-  </p:clrMapOvr>
-</p:sld>
-</file>
-
-<file path=ppt/slides/slide9.xml><?xml version="1.0" encoding="utf-8"?>
-<p:sld xmlns:a="http://schemas.openxmlformats.org/drawingml/2006/main" xmlns:r="http://schemas.openxmlformats.org/officeDocument/2006/relationships" xmlns:p="http://schemas.openxmlformats.org/presentationml/2006/main">
-  <p:cSld>
-    <p:spTree>
-      <p:nvGrpSpPr>
-        <p:cNvPr id="1" name=""/>
-        <p:cNvGrpSpPr/>
-        <p:nvPr/>
-      </p:nvGrpSpPr>
-      <p:grpSpPr>
-        <a:xfrm>
-          <a:off x="0" y="0"/>
-          <a:ext cx="0" cy="0"/>
-          <a:chOff x="0" y="0"/>
-          <a:chExt cx="0" cy="0"/>
-        </a:xfrm>
-      </p:grpSpPr>
-      <p:sp>
-        <p:nvSpPr>
-          <p:cNvPr id="4" name="Прямоугольник 3">
-            <a:extLst>
-              <a:ext uri="{FF2B5EF4-FFF2-40B4-BE49-F238E27FC236}">
-                <a16:creationId xmlns:a16="http://schemas.microsoft.com/office/drawing/2014/main" id="{03BF0B7D-389A-4873-99D8-BB679AE106DA}"/>
-              </a:ext>
-            </a:extLst>
-          </p:cNvPr>
-          <p:cNvSpPr/>
-          <p:nvPr/>
-        </p:nvSpPr>
-        <p:spPr>
-          <a:xfrm>
-            <a:off x="800708" y="1426548"/>
-            <a:ext cx="7830616" cy="461665"/>
-          </a:xfrm>
-          <a:prstGeom prst="rect">
-            <a:avLst/>
-          </a:prstGeom>
-        </p:spPr>
-        <p:txBody>
-          <a:bodyPr wrap="square">
-            <a:spAutoFit/>
-          </a:bodyPr>
-          <a:lstStyle/>
-          <a:p>
-            <a:r>
-              <a:rPr lang="en-US" sz="2400" dirty="0">
-                <a:solidFill>
-                  <a:schemeClr val="bg2">
-                    <a:lumMod val="50000"/>
-                  </a:schemeClr>
-                </a:solidFill>
-              </a:rPr>
-              <a:t>	</a:t>
-            </a:r>
-            <a:endParaRPr lang="ru-RU" sz="2400" dirty="0">
-              <a:solidFill>
-                <a:schemeClr val="bg2">
-                  <a:lumMod val="50000"/>
-                </a:schemeClr>
-              </a:solidFill>
-            </a:endParaRPr>
-          </a:p>
-        </p:txBody>
-      </p:sp>
-      <p:sp>
-        <p:nvSpPr>
-          <p:cNvPr id="6" name="Прямоугольник 5">
-            <a:extLst>
-              <a:ext uri="{FF2B5EF4-FFF2-40B4-BE49-F238E27FC236}">
-                <a16:creationId xmlns:a16="http://schemas.microsoft.com/office/drawing/2014/main" id="{AB292E0B-A7CB-4CBA-A38D-66E5CF66F617}"/>
-              </a:ext>
-            </a:extLst>
-          </p:cNvPr>
-          <p:cNvSpPr/>
-          <p:nvPr/>
-        </p:nvSpPr>
-        <p:spPr>
-          <a:xfrm>
-            <a:off x="1331640" y="841773"/>
-            <a:ext cx="4667688" cy="461665"/>
-          </a:xfrm>
-          <a:prstGeom prst="rect">
-            <a:avLst/>
-          </a:prstGeom>
-        </p:spPr>
-        <p:txBody>
-          <a:bodyPr wrap="none">
-            <a:spAutoFit/>
-          </a:bodyPr>
-          <a:lstStyle/>
-          <a:p>
-            <a:r>
-              <a:rPr lang="ru-RU" sz="2400" dirty="0">
-                <a:solidFill>
-                  <a:schemeClr val="bg2">
-                    <a:lumMod val="50000"/>
-                  </a:schemeClr>
-                </a:solidFill>
-              </a:rPr>
-              <a:t>Глобальные адреса ввода-вывода</a:t>
-            </a:r>
-          </a:p>
-        </p:txBody>
-      </p:sp>
-      <p:pic>
-        <p:nvPicPr>
-          <p:cNvPr id="8" name="Рисунок 7">
-            <a:extLst>
-              <a:ext uri="{FF2B5EF4-FFF2-40B4-BE49-F238E27FC236}">
-                <a16:creationId xmlns:a16="http://schemas.microsoft.com/office/drawing/2014/main" id="{AA3BA316-A9E1-445C-9F90-8F5E0A6E4F4C}"/>
-              </a:ext>
-            </a:extLst>
-          </p:cNvPr>
-          <p:cNvPicPr>
-            <a:picLocks noChangeAspect="1"/>
-          </p:cNvPicPr>
-          <p:nvPr/>
-        </p:nvPicPr>
-        <p:blipFill>
-          <a:blip r:embed="rId2">
-            <a:extLst>
-              <a:ext uri="{28A0092B-C50C-407E-A947-70E740481C1C}">
-                <a14:useLocalDpi xmlns:a14="http://schemas.microsoft.com/office/drawing/2010/main" val="0"/>
-              </a:ext>
-            </a:extLst>
-          </a:blip>
-          <a:stretch>
-            <a:fillRect/>
-          </a:stretch>
-        </p:blipFill>
-        <p:spPr>
-          <a:xfrm>
-            <a:off x="964739" y="1860682"/>
-            <a:ext cx="7502554" cy="2447500"/>
-          </a:xfrm>
-          <a:prstGeom prst="rect">
-            <a:avLst/>
-          </a:prstGeom>
-        </p:spPr>
-      </p:pic>
-    </p:spTree>
-    <p:extLst>
-      <p:ext uri="{BB962C8B-B14F-4D97-AF65-F5344CB8AC3E}">
-        <p14:creationId xmlns:p14="http://schemas.microsoft.com/office/powerpoint/2010/main" val="1801005145"/>
-      </p:ext>
-    </p:extLst>
-  </p:cSld>
-  <p:clrMapOvr>
-    <a:masterClrMapping/>
-  </p:clrMapOvr>
-</p:sld>
-</file>
-
 <file path=ppt/theme/theme1.xml><?xml version="1.0" encoding="utf-8"?>
 <a:theme xmlns:a="http://schemas.openxmlformats.org/drawingml/2006/main" name="Контур">
   <a:themeElements>

--- a/итоговая.pptx
+++ b/итоговая.pptx
@@ -5,20 +5,25 @@
     <p:sldMasterId id="2147483702" r:id="rId1"/>
   </p:sldMasterIdLst>
   <p:notesMasterIdLst>
-    <p:notesMasterId r:id="rId13"/>
+    <p:notesMasterId r:id="rId18"/>
   </p:notesMasterIdLst>
   <p:sldIdLst>
     <p:sldId id="267" r:id="rId2"/>
-    <p:sldId id="269" r:id="rId3"/>
-    <p:sldId id="271" r:id="rId4"/>
-    <p:sldId id="291" r:id="rId5"/>
-    <p:sldId id="273" r:id="rId6"/>
-    <p:sldId id="274" r:id="rId7"/>
-    <p:sldId id="272" r:id="rId8"/>
-    <p:sldId id="294" r:id="rId9"/>
-    <p:sldId id="299" r:id="rId10"/>
-    <p:sldId id="300" r:id="rId11"/>
-    <p:sldId id="301" r:id="rId12"/>
+    <p:sldId id="302" r:id="rId3"/>
+    <p:sldId id="304" r:id="rId4"/>
+    <p:sldId id="306" r:id="rId5"/>
+    <p:sldId id="303" r:id="rId6"/>
+    <p:sldId id="305" r:id="rId7"/>
+    <p:sldId id="269" r:id="rId8"/>
+    <p:sldId id="271" r:id="rId9"/>
+    <p:sldId id="291" r:id="rId10"/>
+    <p:sldId id="273" r:id="rId11"/>
+    <p:sldId id="274" r:id="rId12"/>
+    <p:sldId id="272" r:id="rId13"/>
+    <p:sldId id="294" r:id="rId14"/>
+    <p:sldId id="299" r:id="rId15"/>
+    <p:sldId id="300" r:id="rId16"/>
+    <p:sldId id="301" r:id="rId17"/>
   </p:sldIdLst>
   <p:sldSz cx="9144000" cy="6858000" type="screen4x3"/>
   <p:notesSz cx="6858000" cy="9144000"/>
@@ -13190,1968 +13195,6 @@
       </p:grpSpPr>
       <p:sp>
         <p:nvSpPr>
-          <p:cNvPr id="2" name="TextBox 1">
-            <a:extLst>
-              <a:ext uri="{FF2B5EF4-FFF2-40B4-BE49-F238E27FC236}">
-                <a16:creationId xmlns:a16="http://schemas.microsoft.com/office/drawing/2014/main" id="{AE3C6B6C-3C22-4D51-9834-E9D33ED4F33E}"/>
-              </a:ext>
-            </a:extLst>
-          </p:cNvPr>
-          <p:cNvSpPr txBox="1"/>
-          <p:nvPr/>
-        </p:nvSpPr>
-        <p:spPr>
-          <a:xfrm>
-            <a:off x="3851920" y="908720"/>
-            <a:ext cx="479618" cy="369332"/>
-          </a:xfrm>
-          <a:prstGeom prst="rect">
-            <a:avLst/>
-          </a:prstGeom>
-          <a:noFill/>
-        </p:spPr>
-        <p:txBody>
-          <a:bodyPr wrap="none" rtlCol="0">
-            <a:spAutoFit/>
-          </a:bodyPr>
-          <a:lstStyle/>
-          <a:p>
-            <a:r>
-              <a:rPr lang="en-US" dirty="0" err="1">
-                <a:solidFill>
-                  <a:schemeClr val="bg2"/>
-                </a:solidFill>
-              </a:rPr>
-              <a:t>ifix</a:t>
-            </a:r>
-            <a:endParaRPr lang="ru-RU" dirty="0">
-              <a:solidFill>
-                <a:schemeClr val="bg2"/>
-              </a:solidFill>
-            </a:endParaRPr>
-          </a:p>
-        </p:txBody>
-      </p:sp>
-      <p:pic>
-        <p:nvPicPr>
-          <p:cNvPr id="4" name="Рисунок 3">
-            <a:extLst>
-              <a:ext uri="{FF2B5EF4-FFF2-40B4-BE49-F238E27FC236}">
-                <a16:creationId xmlns:a16="http://schemas.microsoft.com/office/drawing/2014/main" id="{063804A6-D2D1-4237-B94A-826F5BF84F1F}"/>
-              </a:ext>
-            </a:extLst>
-          </p:cNvPr>
-          <p:cNvPicPr>
-            <a:picLocks noChangeAspect="1"/>
-          </p:cNvPicPr>
-          <p:nvPr/>
-        </p:nvPicPr>
-        <p:blipFill>
-          <a:blip r:embed="rId2">
-            <a:extLst>
-              <a:ext uri="{28A0092B-C50C-407E-A947-70E740481C1C}">
-                <a14:useLocalDpi xmlns:a14="http://schemas.microsoft.com/office/drawing/2010/main" val="0"/>
-              </a:ext>
-            </a:extLst>
-          </a:blip>
-          <a:stretch>
-            <a:fillRect/>
-          </a:stretch>
-        </p:blipFill>
-        <p:spPr>
-          <a:xfrm>
-            <a:off x="1081087" y="1933575"/>
-            <a:ext cx="6981825" cy="2990850"/>
-          </a:xfrm>
-          <a:prstGeom prst="rect">
-            <a:avLst/>
-          </a:prstGeom>
-        </p:spPr>
-      </p:pic>
-    </p:spTree>
-    <p:extLst>
-      <p:ext uri="{BB962C8B-B14F-4D97-AF65-F5344CB8AC3E}">
-        <p14:creationId xmlns:p14="http://schemas.microsoft.com/office/powerpoint/2010/main" val="3780068422"/>
-      </p:ext>
-    </p:extLst>
-  </p:cSld>
-  <p:clrMapOvr>
-    <a:masterClrMapping/>
-  </p:clrMapOvr>
-</p:sld>
-</file>
-
-<file path=ppt/slides/slide11.xml><?xml version="1.0" encoding="utf-8"?>
-<p:sld xmlns:a="http://schemas.openxmlformats.org/drawingml/2006/main" xmlns:r="http://schemas.openxmlformats.org/officeDocument/2006/relationships" xmlns:p="http://schemas.openxmlformats.org/presentationml/2006/main">
-  <p:cSld>
-    <p:spTree>
-      <p:nvGrpSpPr>
-        <p:cNvPr id="1" name=""/>
-        <p:cNvGrpSpPr/>
-        <p:nvPr/>
-      </p:nvGrpSpPr>
-      <p:grpSpPr>
-        <a:xfrm>
-          <a:off x="0" y="0"/>
-          <a:ext cx="0" cy="0"/>
-          <a:chOff x="0" y="0"/>
-          <a:chExt cx="0" cy="0"/>
-        </a:xfrm>
-      </p:grpSpPr>
-      <p:graphicFrame>
-        <p:nvGraphicFramePr>
-          <p:cNvPr id="2" name="Таблица 2">
-            <a:extLst>
-              <a:ext uri="{FF2B5EF4-FFF2-40B4-BE49-F238E27FC236}">
-                <a16:creationId xmlns:a16="http://schemas.microsoft.com/office/drawing/2014/main" id="{78A17BFD-65CB-45BB-943E-00D57598C10C}"/>
-              </a:ext>
-            </a:extLst>
-          </p:cNvPr>
-          <p:cNvGraphicFramePr>
-            <a:graphicFrameLocks noGrp="1"/>
-          </p:cNvGraphicFramePr>
-          <p:nvPr/>
-        </p:nvGraphicFramePr>
-        <p:xfrm>
-          <a:off x="377788" y="332656"/>
-          <a:ext cx="8388424" cy="6040120"/>
-        </p:xfrm>
-        <a:graphic>
-          <a:graphicData uri="http://schemas.openxmlformats.org/drawingml/2006/table">
-            <a:tbl>
-              <a:tblPr firstRow="1" bandRow="1">
-                <a:tableStyleId>{5C22544A-7EE6-4342-B048-85BDC9FD1C3A}</a:tableStyleId>
-              </a:tblPr>
-              <a:tblGrid>
-                <a:gridCol w="4194212">
-                  <a:extLst>
-                    <a:ext uri="{9D8B030D-6E8A-4147-A177-3AD203B41FA5}">
-                      <a16:colId xmlns:a16="http://schemas.microsoft.com/office/drawing/2014/main" val="2721695029"/>
-                    </a:ext>
-                  </a:extLst>
-                </a:gridCol>
-                <a:gridCol w="4194212">
-                  <a:extLst>
-                    <a:ext uri="{9D8B030D-6E8A-4147-A177-3AD203B41FA5}">
-                      <a16:colId xmlns:a16="http://schemas.microsoft.com/office/drawing/2014/main" val="1928942377"/>
-                    </a:ext>
-                  </a:extLst>
-                </a:gridCol>
-              </a:tblGrid>
-              <a:tr h="370840">
-                <a:tc gridSpan="2">
-                  <a:txBody>
-                    <a:bodyPr/>
-                    <a:lstStyle/>
-                    <a:p>
-                      <a:r>
-                        <a:rPr lang="en-US" dirty="0"/>
-                        <a:t>SIMATIC PCS 7</a:t>
-                      </a:r>
-                      <a:endParaRPr lang="ru-RU" dirty="0"/>
-                    </a:p>
-                  </a:txBody>
-                  <a:tcPr/>
-                </a:tc>
-                <a:tc hMerge="1">
-                  <a:txBody>
-                    <a:bodyPr/>
-                    <a:lstStyle/>
-                    <a:p>
-                      <a:endParaRPr lang="ru-RU" dirty="0"/>
-                    </a:p>
-                  </a:txBody>
-                  <a:tcPr/>
-                </a:tc>
-                <a:extLst>
-                  <a:ext uri="{0D108BD9-81ED-4DB2-BD59-A6C34878D82A}">
-                    <a16:rowId xmlns:a16="http://schemas.microsoft.com/office/drawing/2014/main" val="4035307881"/>
-                  </a:ext>
-                </a:extLst>
-              </a:tr>
-              <a:tr h="370840">
-                <a:tc>
-                  <a:txBody>
-                    <a:bodyPr/>
-                    <a:lstStyle/>
-                    <a:p>
-                      <a:r>
-                        <a:rPr lang="en-US" dirty="0"/>
-                        <a:t>AS Runtime license</a:t>
-                      </a:r>
-                      <a:endParaRPr lang="ru-RU" dirty="0"/>
-                    </a:p>
-                  </a:txBody>
-                  <a:tcPr/>
-                </a:tc>
-                <a:tc>
-                  <a:txBody>
-                    <a:bodyPr/>
-                    <a:lstStyle/>
-                    <a:p>
-                      <a:r>
-                        <a:rPr lang="ru-RU" dirty="0"/>
-                        <a:t>Цена зависит от объектов процесса (</a:t>
-                      </a:r>
-                      <a:r>
-                        <a:rPr lang="en-US" dirty="0"/>
-                        <a:t>PO 100</a:t>
-                      </a:r>
-                      <a:r>
-                        <a:rPr lang="ru-RU" dirty="0"/>
-                        <a:t>, </a:t>
-                      </a:r>
-                      <a:r>
-                        <a:rPr lang="en-US" dirty="0"/>
-                        <a:t>PO 1000</a:t>
-                      </a:r>
-                      <a:r>
-                        <a:rPr lang="ru-RU" dirty="0"/>
-                        <a:t> или </a:t>
-                      </a:r>
-                      <a:r>
-                        <a:rPr lang="en-US" dirty="0"/>
-                        <a:t>PO 10000</a:t>
-                      </a:r>
-                      <a:r>
-                        <a:rPr lang="ru-RU" dirty="0"/>
-                        <a:t>)</a:t>
-                      </a:r>
-                    </a:p>
-                  </a:txBody>
-                  <a:tcPr/>
-                </a:tc>
-                <a:extLst>
-                  <a:ext uri="{0D108BD9-81ED-4DB2-BD59-A6C34878D82A}">
-                    <a16:rowId xmlns:a16="http://schemas.microsoft.com/office/drawing/2014/main" val="2288873208"/>
-                  </a:ext>
-                </a:extLst>
-              </a:tr>
-              <a:tr h="370840">
-                <a:tc>
-                  <a:txBody>
-                    <a:bodyPr/>
-                    <a:lstStyle/>
-                    <a:p>
-                      <a:r>
-                        <a:rPr lang="en-US" dirty="0"/>
-                        <a:t>OS Runtime license</a:t>
-                      </a:r>
-                      <a:endParaRPr lang="ru-RU" dirty="0"/>
-                    </a:p>
-                  </a:txBody>
-                  <a:tcPr/>
-                </a:tc>
-                <a:tc>
-                  <a:txBody>
-                    <a:bodyPr/>
-                    <a:lstStyle/>
-                    <a:p>
-                      <a:pPr marL="0" marR="0" lvl="0" indent="0" algn="l" defTabSz="914400" rtl="0" eaLnBrk="1" fontAlgn="auto" latinLnBrk="0" hangingPunct="1">
-                        <a:lnSpc>
-                          <a:spcPct val="100000"/>
-                        </a:lnSpc>
-                        <a:spcBef>
-                          <a:spcPts val="0"/>
-                        </a:spcBef>
-                        <a:spcAft>
-                          <a:spcPts val="0"/>
-                        </a:spcAft>
-                        <a:buClrTx/>
-                        <a:buSzTx/>
-                        <a:buFontTx/>
-                        <a:buNone/>
-                        <a:tabLst/>
-                        <a:defRPr/>
-                      </a:pPr>
-                      <a:r>
-                        <a:rPr lang="ru-RU" dirty="0"/>
-                        <a:t>Цена зависит от объектов процесса (</a:t>
-                      </a:r>
-                      <a:r>
-                        <a:rPr lang="en-US" dirty="0"/>
-                        <a:t>PO 100</a:t>
-                      </a:r>
-                      <a:r>
-                        <a:rPr lang="ru-RU" dirty="0"/>
-                        <a:t>, </a:t>
-                      </a:r>
-                      <a:r>
-                        <a:rPr lang="en-US" dirty="0"/>
-                        <a:t>PO 1000</a:t>
-                      </a:r>
-                      <a:r>
-                        <a:rPr lang="ru-RU" dirty="0"/>
-                        <a:t> или </a:t>
-                      </a:r>
-                      <a:r>
-                        <a:rPr lang="en-US" dirty="0"/>
-                        <a:t>PO </a:t>
-                      </a:r>
-                      <a:r>
-                        <a:rPr lang="ru-RU" dirty="0"/>
-                        <a:t>5</a:t>
-                      </a:r>
-                      <a:r>
-                        <a:rPr lang="en-US" dirty="0"/>
-                        <a:t>000</a:t>
-                      </a:r>
-                      <a:r>
-                        <a:rPr lang="ru-RU" dirty="0"/>
-                        <a:t>)</a:t>
-                      </a:r>
-                    </a:p>
-                  </a:txBody>
-                  <a:tcPr/>
-                </a:tc>
-                <a:extLst>
-                  <a:ext uri="{0D108BD9-81ED-4DB2-BD59-A6C34878D82A}">
-                    <a16:rowId xmlns:a16="http://schemas.microsoft.com/office/drawing/2014/main" val="3615720567"/>
-                  </a:ext>
-                </a:extLst>
-              </a:tr>
-              <a:tr h="370840">
-                <a:tc>
-                  <a:txBody>
-                    <a:bodyPr/>
-                    <a:lstStyle/>
-                    <a:p>
-                      <a:r>
-                        <a:rPr lang="en-US" dirty="0"/>
-                        <a:t>OS archive</a:t>
-                      </a:r>
-                      <a:endParaRPr lang="ru-RU" dirty="0"/>
-                    </a:p>
-                  </a:txBody>
-                  <a:tcPr/>
-                </a:tc>
-                <a:tc>
-                  <a:txBody>
-                    <a:bodyPr/>
-                    <a:lstStyle/>
-                    <a:p>
-                      <a:r>
-                        <a:rPr lang="ru-RU" dirty="0"/>
-                        <a:t>Цена зависит от количества тегов (</a:t>
-                      </a:r>
-                      <a:r>
-                        <a:rPr lang="en-US" dirty="0"/>
-                        <a:t>1500 TAGS</a:t>
-                      </a:r>
-                      <a:r>
-                        <a:rPr lang="ru-RU" dirty="0"/>
-                        <a:t>, </a:t>
-                      </a:r>
-                      <a:r>
-                        <a:rPr lang="en-US" dirty="0"/>
-                        <a:t>5000 TAGS</a:t>
-                      </a:r>
-                      <a:r>
-                        <a:rPr lang="ru-RU" dirty="0"/>
-                        <a:t>, </a:t>
-                      </a:r>
-                      <a:r>
-                        <a:rPr lang="en-US" dirty="0"/>
-                        <a:t>10000 TAGS</a:t>
-                      </a:r>
-                      <a:r>
-                        <a:rPr lang="ru-RU" dirty="0"/>
-                        <a:t>, </a:t>
-                      </a:r>
-                      <a:r>
-                        <a:rPr lang="en-US" dirty="0"/>
-                        <a:t>30000 TAGS</a:t>
-                      </a:r>
-                      <a:r>
-                        <a:rPr lang="ru-RU" dirty="0"/>
-                        <a:t>)</a:t>
-                      </a:r>
-                    </a:p>
-                  </a:txBody>
-                  <a:tcPr/>
-                </a:tc>
-                <a:extLst>
-                  <a:ext uri="{0D108BD9-81ED-4DB2-BD59-A6C34878D82A}">
-                    <a16:rowId xmlns:a16="http://schemas.microsoft.com/office/drawing/2014/main" val="4078708724"/>
-                  </a:ext>
-                </a:extLst>
-              </a:tr>
-              <a:tr h="419432">
-                <a:tc>
-                  <a:txBody>
-                    <a:bodyPr/>
-                    <a:lstStyle/>
-                    <a:p>
-                      <a:r>
-                        <a:rPr lang="en-US" dirty="0"/>
-                        <a:t>PDM</a:t>
-                      </a:r>
-                      <a:endParaRPr lang="ru-RU" dirty="0"/>
-                    </a:p>
-                  </a:txBody>
-                  <a:tcPr/>
-                </a:tc>
-                <a:tc>
-                  <a:txBody>
-                    <a:bodyPr/>
-                    <a:lstStyle/>
-                    <a:p>
-                      <a:pPr marL="0" marR="0" lvl="0" indent="0" algn="l" defTabSz="914400" rtl="0" eaLnBrk="1" fontAlgn="auto" latinLnBrk="0" hangingPunct="1">
-                        <a:lnSpc>
-                          <a:spcPct val="100000"/>
-                        </a:lnSpc>
-                        <a:spcBef>
-                          <a:spcPts val="0"/>
-                        </a:spcBef>
-                        <a:spcAft>
-                          <a:spcPts val="0"/>
-                        </a:spcAft>
-                        <a:buClrTx/>
-                        <a:buSzTx/>
-                        <a:buFontTx/>
-                        <a:buNone/>
-                        <a:tabLst/>
-                        <a:defRPr/>
-                      </a:pPr>
-                      <a:r>
-                        <a:rPr lang="ru-RU" dirty="0"/>
-                        <a:t>Цена зависит от количества тегов (</a:t>
-                      </a:r>
-                      <a:r>
-                        <a:rPr lang="en-US" dirty="0"/>
-                        <a:t>1500 TAGS</a:t>
-                      </a:r>
-                      <a:r>
-                        <a:rPr lang="ru-RU" dirty="0"/>
-                        <a:t>, </a:t>
-                      </a:r>
-                      <a:r>
-                        <a:rPr lang="en-US" dirty="0"/>
-                        <a:t>5000 TAGS</a:t>
-                      </a:r>
-                      <a:r>
-                        <a:rPr lang="ru-RU" dirty="0"/>
-                        <a:t>, </a:t>
-                      </a:r>
-                      <a:r>
-                        <a:rPr lang="en-US" dirty="0"/>
-                        <a:t>10000 TAGS</a:t>
-                      </a:r>
-                      <a:r>
-                        <a:rPr lang="ru-RU" dirty="0"/>
-                        <a:t>, </a:t>
-                      </a:r>
-                      <a:r>
-                        <a:rPr lang="en-US" dirty="0"/>
-                        <a:t>30000 TAGS</a:t>
-                      </a:r>
-                      <a:r>
-                        <a:rPr lang="ru-RU" dirty="0"/>
-                        <a:t>)</a:t>
-                      </a:r>
-                    </a:p>
-                  </a:txBody>
-                  <a:tcPr/>
-                </a:tc>
-                <a:extLst>
-                  <a:ext uri="{0D108BD9-81ED-4DB2-BD59-A6C34878D82A}">
-                    <a16:rowId xmlns:a16="http://schemas.microsoft.com/office/drawing/2014/main" val="3769730462"/>
-                  </a:ext>
-                </a:extLst>
-              </a:tr>
-              <a:tr h="370840">
-                <a:tc>
-                  <a:txBody>
-                    <a:bodyPr/>
-                    <a:lstStyle/>
-                    <a:p>
-                      <a:r>
-                        <a:rPr lang="en-US" dirty="0"/>
-                        <a:t>BATCH</a:t>
-                      </a:r>
-                      <a:endParaRPr lang="ru-RU" dirty="0"/>
-                    </a:p>
-                  </a:txBody>
-                  <a:tcPr/>
-                </a:tc>
-                <a:tc>
-                  <a:txBody>
-                    <a:bodyPr/>
-                    <a:lstStyle/>
-                    <a:p>
-                      <a:r>
-                        <a:rPr lang="ru-RU" dirty="0"/>
-                        <a:t>Цена зависит от количества единиц (</a:t>
-                      </a:r>
-                      <a:r>
-                        <a:rPr lang="en-US" dirty="0"/>
-                        <a:t>1 UNIT</a:t>
-                      </a:r>
-                      <a:r>
-                        <a:rPr lang="ru-RU" dirty="0"/>
-                        <a:t>,</a:t>
-                      </a:r>
-                      <a:r>
-                        <a:rPr lang="en-US" dirty="0"/>
-                        <a:t> </a:t>
-                      </a:r>
-                      <a:r>
-                        <a:rPr lang="ru-RU" dirty="0"/>
-                        <a:t>10</a:t>
-                      </a:r>
-                      <a:r>
-                        <a:rPr lang="en-US" dirty="0"/>
-                        <a:t> UNIT</a:t>
-                      </a:r>
-                      <a:r>
-                        <a:rPr lang="ru-RU" dirty="0"/>
-                        <a:t>, 50 </a:t>
-                      </a:r>
-                      <a:r>
-                        <a:rPr lang="en-US" dirty="0"/>
-                        <a:t>UNIT</a:t>
-                      </a:r>
-                      <a:r>
-                        <a:rPr lang="ru-RU" dirty="0"/>
-                        <a:t>)</a:t>
-                      </a:r>
-                    </a:p>
-                  </a:txBody>
-                  <a:tcPr/>
-                </a:tc>
-                <a:extLst>
-                  <a:ext uri="{0D108BD9-81ED-4DB2-BD59-A6C34878D82A}">
-                    <a16:rowId xmlns:a16="http://schemas.microsoft.com/office/drawing/2014/main" val="4000178332"/>
-                  </a:ext>
-                </a:extLst>
-              </a:tr>
-              <a:tr h="370840">
-                <a:tc>
-                  <a:txBody>
-                    <a:bodyPr/>
-                    <a:lstStyle/>
-                    <a:p>
-                      <a:r>
-                        <a:rPr lang="en-US" dirty="0"/>
-                        <a:t>Route Control </a:t>
-                      </a:r>
-                      <a:r>
-                        <a:rPr lang="en-US" dirty="0">
-                          <a:highlight>
-                            <a:srgbClr val="FFFF00"/>
-                          </a:highlight>
-                        </a:rPr>
-                        <a:t>Routes</a:t>
-                      </a:r>
-                      <a:r>
-                        <a:rPr lang="en-US" dirty="0"/>
-                        <a:t> </a:t>
-                      </a:r>
-                      <a:endParaRPr lang="ru-RU" dirty="0"/>
-                    </a:p>
-                  </a:txBody>
-                  <a:tcPr/>
-                </a:tc>
-                <a:tc>
-                  <a:txBody>
-                    <a:bodyPr/>
-                    <a:lstStyle/>
-                    <a:p>
-                      <a:r>
-                        <a:rPr lang="ru-RU" dirty="0"/>
-                        <a:t>Цена зависит от количества ? (</a:t>
-                      </a:r>
-                      <a:r>
-                        <a:rPr lang="en-US" dirty="0"/>
-                        <a:t>10 ROUTES</a:t>
-                      </a:r>
-                      <a:r>
-                        <a:rPr lang="ru-RU" dirty="0"/>
-                        <a:t>, 5</a:t>
-                      </a:r>
-                      <a:r>
-                        <a:rPr lang="en-US" dirty="0"/>
-                        <a:t>0 ROUTES</a:t>
-                      </a:r>
-                      <a:r>
-                        <a:rPr lang="ru-RU" dirty="0"/>
-                        <a:t>)</a:t>
-                      </a:r>
-                    </a:p>
-                  </a:txBody>
-                  <a:tcPr/>
-                </a:tc>
-                <a:extLst>
-                  <a:ext uri="{0D108BD9-81ED-4DB2-BD59-A6C34878D82A}">
-                    <a16:rowId xmlns:a16="http://schemas.microsoft.com/office/drawing/2014/main" val="3337858158"/>
-                  </a:ext>
-                </a:extLst>
-              </a:tr>
-              <a:tr h="370840">
-                <a:tc>
-                  <a:txBody>
-                    <a:bodyPr/>
-                    <a:lstStyle/>
-                    <a:p>
-                      <a:r>
-                        <a:rPr lang="en-US" dirty="0"/>
-                        <a:t>Maintenance RT </a:t>
-                      </a:r>
-                      <a:endParaRPr lang="ru-RU" dirty="0"/>
-                    </a:p>
-                  </a:txBody>
-                  <a:tcPr/>
-                </a:tc>
-                <a:tc>
-                  <a:txBody>
-                    <a:bodyPr/>
-                    <a:lstStyle/>
-                    <a:p>
-                      <a:pPr marL="0" marR="0" lvl="0" indent="0" algn="l" defTabSz="914400" rtl="0" eaLnBrk="1" fontAlgn="auto" latinLnBrk="0" hangingPunct="1">
-                        <a:lnSpc>
-                          <a:spcPct val="100000"/>
-                        </a:lnSpc>
-                        <a:spcBef>
-                          <a:spcPts val="0"/>
-                        </a:spcBef>
-                        <a:spcAft>
-                          <a:spcPts val="0"/>
-                        </a:spcAft>
-                        <a:buClrTx/>
-                        <a:buSzTx/>
-                        <a:buFontTx/>
-                        <a:buNone/>
-                        <a:tabLst/>
-                        <a:defRPr/>
-                      </a:pPr>
-                      <a:r>
-                        <a:rPr lang="ru-RU" dirty="0"/>
-                        <a:t>Цена зависит от количества тегов (1</a:t>
-                      </a:r>
-                      <a:r>
-                        <a:rPr lang="en-US" dirty="0"/>
-                        <a:t>00 TAGS</a:t>
-                      </a:r>
-                      <a:r>
-                        <a:rPr lang="ru-RU" dirty="0"/>
-                        <a:t>, 1</a:t>
-                      </a:r>
-                      <a:r>
-                        <a:rPr lang="en-US" dirty="0"/>
-                        <a:t>000 TAGS</a:t>
-                      </a:r>
-                      <a:r>
-                        <a:rPr lang="ru-RU" dirty="0"/>
-                        <a:t>)</a:t>
-                      </a:r>
-                    </a:p>
-                  </a:txBody>
-                  <a:tcPr/>
-                </a:tc>
-                <a:extLst>
-                  <a:ext uri="{0D108BD9-81ED-4DB2-BD59-A6C34878D82A}">
-                    <a16:rowId xmlns:a16="http://schemas.microsoft.com/office/drawing/2014/main" val="1568899916"/>
-                  </a:ext>
-                </a:extLst>
-              </a:tr>
-              <a:tr h="370840">
-                <a:tc>
-                  <a:txBody>
-                    <a:bodyPr/>
-                    <a:lstStyle/>
-                    <a:p>
-                      <a:r>
-                        <a:rPr lang="en-US" dirty="0"/>
-                        <a:t>SIMATIC Management Console </a:t>
-                      </a:r>
-                      <a:endParaRPr lang="ru-RU" dirty="0"/>
-                    </a:p>
-                  </a:txBody>
-                  <a:tcPr/>
-                </a:tc>
-                <a:tc>
-                  <a:txBody>
-                    <a:bodyPr/>
-                    <a:lstStyle/>
-                    <a:p>
-                      <a:r>
-                        <a:rPr lang="ru-RU" dirty="0"/>
-                        <a:t>Цена зависит от количества агентов </a:t>
-                      </a:r>
-                      <a:r>
-                        <a:rPr lang="en-US" dirty="0"/>
-                        <a:t>(10 AGENTS</a:t>
-                      </a:r>
-                      <a:r>
-                        <a:rPr lang="ru-RU" dirty="0"/>
-                        <a:t>, 5</a:t>
-                      </a:r>
-                      <a:r>
-                        <a:rPr lang="en-US" dirty="0"/>
-                        <a:t>0 AGENTS</a:t>
-                      </a:r>
-                      <a:r>
-                        <a:rPr lang="ru-RU" dirty="0"/>
-                        <a:t>, </a:t>
-                      </a:r>
-                      <a:r>
-                        <a:rPr lang="en-US" dirty="0"/>
-                        <a:t>10</a:t>
-                      </a:r>
-                      <a:r>
-                        <a:rPr lang="ru-RU" dirty="0"/>
-                        <a:t>0</a:t>
-                      </a:r>
-                      <a:r>
-                        <a:rPr lang="en-US" dirty="0"/>
-                        <a:t> AGENTS)</a:t>
-                      </a:r>
-                      <a:endParaRPr lang="ru-RU" dirty="0"/>
-                    </a:p>
-                  </a:txBody>
-                  <a:tcPr/>
-                </a:tc>
-                <a:extLst>
-                  <a:ext uri="{0D108BD9-81ED-4DB2-BD59-A6C34878D82A}">
-                    <a16:rowId xmlns:a16="http://schemas.microsoft.com/office/drawing/2014/main" val="2967167339"/>
-                  </a:ext>
-                </a:extLst>
-              </a:tr>
-            </a:tbl>
-          </a:graphicData>
-        </a:graphic>
-      </p:graphicFrame>
-    </p:spTree>
-    <p:extLst>
-      <p:ext uri="{BB962C8B-B14F-4D97-AF65-F5344CB8AC3E}">
-        <p14:creationId xmlns:p14="http://schemas.microsoft.com/office/powerpoint/2010/main" val="3138048962"/>
-      </p:ext>
-    </p:extLst>
-  </p:cSld>
-  <p:clrMapOvr>
-    <a:masterClrMapping/>
-  </p:clrMapOvr>
-</p:sld>
-</file>
-
-<file path=ppt/slides/slide2.xml><?xml version="1.0" encoding="utf-8"?>
-<p:sld xmlns:a="http://schemas.openxmlformats.org/drawingml/2006/main" xmlns:r="http://schemas.openxmlformats.org/officeDocument/2006/relationships" xmlns:p="http://schemas.openxmlformats.org/presentationml/2006/main">
-  <p:cSld>
-    <p:spTree>
-      <p:nvGrpSpPr>
-        <p:cNvPr id="1" name=""/>
-        <p:cNvGrpSpPr/>
-        <p:nvPr/>
-      </p:nvGrpSpPr>
-      <p:grpSpPr>
-        <a:xfrm>
-          <a:off x="0" y="0"/>
-          <a:ext cx="0" cy="0"/>
-          <a:chOff x="0" y="0"/>
-          <a:chExt cx="0" cy="0"/>
-        </a:xfrm>
-      </p:grpSpPr>
-      <p:sp>
-        <p:nvSpPr>
-          <p:cNvPr id="2" name="Заголовок 1">
-            <a:extLst>
-              <a:ext uri="{FF2B5EF4-FFF2-40B4-BE49-F238E27FC236}">
-                <a16:creationId xmlns:a16="http://schemas.microsoft.com/office/drawing/2014/main" id="{D4A6128D-F61E-4DBA-95ED-294F57277C68}"/>
-              </a:ext>
-            </a:extLst>
-          </p:cNvPr>
-          <p:cNvSpPr>
-            <a:spLocks noGrp="1"/>
-          </p:cNvSpPr>
-          <p:nvPr>
-            <p:ph type="title"/>
-          </p:nvPr>
-        </p:nvSpPr>
-        <p:spPr>
-          <a:xfrm>
-            <a:off x="851679" y="834542"/>
-            <a:ext cx="7429499" cy="794258"/>
-          </a:xfrm>
-        </p:spPr>
-        <p:txBody>
-          <a:bodyPr>
-            <a:normAutofit/>
-          </a:bodyPr>
-          <a:lstStyle/>
-          <a:p>
-            <a:pPr algn="ctr"/>
-            <a:r>
-              <a:rPr lang="en-US" sz="2400" dirty="0">
-                <a:solidFill>
-                  <a:schemeClr val="bg2">
-                    <a:lumMod val="75000"/>
-                  </a:schemeClr>
-                </a:solidFill>
-                <a:latin typeface="+mn-lt"/>
-              </a:rPr>
-              <a:t>Intouch me</a:t>
-            </a:r>
-            <a:endParaRPr lang="ru-RU" sz="2400" dirty="0">
-              <a:solidFill>
-                <a:schemeClr val="bg2">
-                  <a:lumMod val="75000"/>
-                </a:schemeClr>
-              </a:solidFill>
-              <a:latin typeface="+mn-lt"/>
-            </a:endParaRPr>
-          </a:p>
-        </p:txBody>
-      </p:sp>
-      <p:sp>
-        <p:nvSpPr>
-          <p:cNvPr id="3" name="Объект 2">
-            <a:extLst>
-              <a:ext uri="{FF2B5EF4-FFF2-40B4-BE49-F238E27FC236}">
-                <a16:creationId xmlns:a16="http://schemas.microsoft.com/office/drawing/2014/main" id="{B3686575-99BC-4AB4-89E3-4B89AA8B9F74}"/>
-              </a:ext>
-            </a:extLst>
-          </p:cNvPr>
-          <p:cNvSpPr>
-            <a:spLocks noGrp="1"/>
-          </p:cNvSpPr>
-          <p:nvPr>
-            <p:ph idx="1"/>
-          </p:nvPr>
-        </p:nvSpPr>
-        <p:spPr>
-          <a:xfrm>
-            <a:off x="856060" y="1628800"/>
-            <a:ext cx="7429499" cy="4162401"/>
-          </a:xfrm>
-        </p:spPr>
-        <p:txBody>
-          <a:bodyPr>
-            <a:normAutofit/>
-          </a:bodyPr>
-          <a:lstStyle/>
-          <a:p>
-            <a:pPr marL="0" indent="0">
-              <a:buNone/>
-            </a:pPr>
-            <a:r>
-              <a:rPr lang="ru-RU" sz="2000" dirty="0">
-                <a:solidFill>
-                  <a:schemeClr val="bg2">
-                    <a:lumMod val="75000"/>
-                  </a:schemeClr>
-                </a:solidFill>
-              </a:rPr>
-              <a:t>Возможности:</a:t>
-            </a:r>
-          </a:p>
-          <a:p>
-            <a:pPr lvl="0"/>
-            <a:r>
-              <a:rPr lang="ru-RU" sz="2000" dirty="0">
-                <a:solidFill>
-                  <a:schemeClr val="bg2">
-                    <a:lumMod val="75000"/>
-                  </a:schemeClr>
-                </a:solidFill>
-              </a:rPr>
-              <a:t>Система распределенных </a:t>
-            </a:r>
-            <a:r>
-              <a:rPr lang="ru-RU" sz="2000" dirty="0" err="1">
-                <a:solidFill>
-                  <a:schemeClr val="bg2">
-                    <a:lumMod val="75000"/>
-                  </a:schemeClr>
-                </a:solidFill>
-              </a:rPr>
-              <a:t>алармов</a:t>
-            </a:r>
-            <a:endParaRPr lang="en-US" sz="2000" dirty="0">
-              <a:solidFill>
-                <a:schemeClr val="bg2">
-                  <a:lumMod val="75000"/>
-                </a:schemeClr>
-              </a:solidFill>
-            </a:endParaRPr>
-          </a:p>
-          <a:p>
-            <a:pPr lvl="0"/>
-            <a:r>
-              <a:rPr lang="ru-RU" sz="2000" dirty="0">
-                <a:solidFill>
-                  <a:schemeClr val="bg2">
-                    <a:lumMod val="75000"/>
-                  </a:schemeClr>
-                </a:solidFill>
-              </a:rPr>
-              <a:t>Динамическое преобразование разрешения</a:t>
-            </a:r>
-          </a:p>
-          <a:p>
-            <a:pPr lvl="0"/>
-            <a:r>
-              <a:rPr lang="ru-RU" sz="2000" dirty="0">
-                <a:solidFill>
-                  <a:schemeClr val="bg2">
-                    <a:lumMod val="75000"/>
-                  </a:schemeClr>
-                </a:solidFill>
-              </a:rPr>
-              <a:t>Сетевая разработка приложений</a:t>
-            </a:r>
-          </a:p>
-          <a:p>
-            <a:pPr lvl="0"/>
-            <a:r>
-              <a:rPr lang="ru-RU" sz="2000" dirty="0">
-                <a:solidFill>
-                  <a:schemeClr val="bg2">
-                    <a:lumMod val="75000"/>
-                  </a:schemeClr>
-                </a:solidFill>
-              </a:rPr>
-              <a:t>Поддержка более, чем 300 различных серверов ввода/вывода.</a:t>
-            </a:r>
-          </a:p>
-          <a:p>
-            <a:pPr lvl="0"/>
-            <a:r>
-              <a:rPr lang="ru-RU" sz="2000" dirty="0">
-                <a:solidFill>
-                  <a:schemeClr val="bg2">
-                    <a:lumMod val="75000"/>
-                  </a:schemeClr>
-                </a:solidFill>
-              </a:rPr>
-              <a:t>Динамическая разработка сетевых приложений.</a:t>
-            </a:r>
-          </a:p>
-        </p:txBody>
-      </p:sp>
-      <p:sp>
-        <p:nvSpPr>
-          <p:cNvPr id="4" name="Объект 2">
-            <a:extLst>
-              <a:ext uri="{FF2B5EF4-FFF2-40B4-BE49-F238E27FC236}">
-                <a16:creationId xmlns:a16="http://schemas.microsoft.com/office/drawing/2014/main" id="{299B3180-872A-4080-99D7-C20787D11C62}"/>
-              </a:ext>
-            </a:extLst>
-          </p:cNvPr>
-          <p:cNvSpPr txBox="1">
-            <a:spLocks/>
-          </p:cNvSpPr>
-          <p:nvPr/>
-        </p:nvSpPr>
-        <p:spPr>
-          <a:xfrm>
-            <a:off x="1938638" y="476672"/>
-            <a:ext cx="6020195" cy="1354089"/>
-          </a:xfrm>
-          <a:prstGeom prst="rect">
-            <a:avLst/>
-          </a:prstGeom>
-        </p:spPr>
-        <p:txBody>
-          <a:bodyPr vert="horz" lIns="91440" tIns="45720" rIns="91440" bIns="45720" rtlCol="0">
-            <a:normAutofit/>
-          </a:bodyPr>
-          <a:lstStyle>
-            <a:lvl1pPr marL="228600" indent="-228600" algn="l" defTabSz="914400" rtl="0" eaLnBrk="1" latinLnBrk="0" hangingPunct="1">
-              <a:lnSpc>
-                <a:spcPct val="120000"/>
-              </a:lnSpc>
-              <a:spcBef>
-                <a:spcPts val="1000"/>
-              </a:spcBef>
-              <a:buSzPct val="125000"/>
-              <a:buFont typeface="Arial" panose="020B0604020202020204" pitchFamily="34" charset="0"/>
-              <a:buChar char="•"/>
-              <a:defRPr sz="2400" kern="1200">
-                <a:solidFill>
-                  <a:schemeClr val="tx1"/>
-                </a:solidFill>
-                <a:latin typeface="+mn-lt"/>
-                <a:ea typeface="+mn-ea"/>
-                <a:cs typeface="+mn-cs"/>
-              </a:defRPr>
-            </a:lvl1pPr>
-            <a:lvl2pPr marL="685800" indent="-228600" algn="l" defTabSz="914400" rtl="0" eaLnBrk="1" latinLnBrk="0" hangingPunct="1">
-              <a:lnSpc>
-                <a:spcPct val="120000"/>
-              </a:lnSpc>
-              <a:spcBef>
-                <a:spcPts val="500"/>
-              </a:spcBef>
-              <a:buSzPct val="125000"/>
-              <a:buFont typeface="Arial" panose="020B0604020202020204" pitchFamily="34" charset="0"/>
-              <a:buChar char="•"/>
-              <a:defRPr sz="2000" kern="1200">
-                <a:solidFill>
-                  <a:schemeClr val="tx1"/>
-                </a:solidFill>
-                <a:latin typeface="+mn-lt"/>
-                <a:ea typeface="+mn-ea"/>
-                <a:cs typeface="+mn-cs"/>
-              </a:defRPr>
-            </a:lvl2pPr>
-            <a:lvl3pPr marL="1143000" indent="-228600" algn="l" defTabSz="914400" rtl="0" eaLnBrk="1" latinLnBrk="0" hangingPunct="1">
-              <a:lnSpc>
-                <a:spcPct val="120000"/>
-              </a:lnSpc>
-              <a:spcBef>
-                <a:spcPts val="500"/>
-              </a:spcBef>
-              <a:buSzPct val="125000"/>
-              <a:buFont typeface="Arial" panose="020B0604020202020204" pitchFamily="34" charset="0"/>
-              <a:buChar char="•"/>
-              <a:defRPr sz="1800" kern="1200">
-                <a:solidFill>
-                  <a:schemeClr val="tx1"/>
-                </a:solidFill>
-                <a:latin typeface="+mn-lt"/>
-                <a:ea typeface="+mn-ea"/>
-                <a:cs typeface="+mn-cs"/>
-              </a:defRPr>
-            </a:lvl3pPr>
-            <a:lvl4pPr marL="1600200" indent="-228600" algn="l" defTabSz="914400" rtl="0" eaLnBrk="1" latinLnBrk="0" hangingPunct="1">
-              <a:lnSpc>
-                <a:spcPct val="120000"/>
-              </a:lnSpc>
-              <a:spcBef>
-                <a:spcPts val="500"/>
-              </a:spcBef>
-              <a:buSzPct val="125000"/>
-              <a:buFont typeface="Arial" panose="020B0604020202020204" pitchFamily="34" charset="0"/>
-              <a:buChar char="•"/>
-              <a:defRPr sz="1600" kern="1200">
-                <a:solidFill>
-                  <a:schemeClr val="tx1"/>
-                </a:solidFill>
-                <a:latin typeface="+mn-lt"/>
-                <a:ea typeface="+mn-ea"/>
-                <a:cs typeface="+mn-cs"/>
-              </a:defRPr>
-            </a:lvl4pPr>
-            <a:lvl5pPr marL="2057400" indent="-228600" algn="l" defTabSz="914400" rtl="0" eaLnBrk="1" latinLnBrk="0" hangingPunct="1">
-              <a:lnSpc>
-                <a:spcPct val="120000"/>
-              </a:lnSpc>
-              <a:spcBef>
-                <a:spcPts val="500"/>
-              </a:spcBef>
-              <a:buSzPct val="125000"/>
-              <a:buFont typeface="Arial" panose="020B0604020202020204" pitchFamily="34" charset="0"/>
-              <a:buChar char="•"/>
-              <a:defRPr sz="1600" kern="1200">
-                <a:solidFill>
-                  <a:schemeClr val="tx1"/>
-                </a:solidFill>
-                <a:latin typeface="+mn-lt"/>
-                <a:ea typeface="+mn-ea"/>
-                <a:cs typeface="+mn-cs"/>
-              </a:defRPr>
-            </a:lvl5pPr>
-            <a:lvl6pPr marL="2514600" indent="-228600" algn="l" defTabSz="914400" rtl="0" eaLnBrk="1" latinLnBrk="0" hangingPunct="1">
-              <a:lnSpc>
-                <a:spcPct val="120000"/>
-              </a:lnSpc>
-              <a:spcBef>
-                <a:spcPts val="500"/>
-              </a:spcBef>
-              <a:buSzPct val="125000"/>
-              <a:buFont typeface="Arial" panose="020B0604020202020204" pitchFamily="34" charset="0"/>
-              <a:buChar char="•"/>
-              <a:defRPr sz="1400" kern="1200">
-                <a:solidFill>
-                  <a:schemeClr val="tx1"/>
-                </a:solidFill>
-                <a:latin typeface="+mn-lt"/>
-                <a:ea typeface="+mn-ea"/>
-                <a:cs typeface="+mn-cs"/>
-              </a:defRPr>
-            </a:lvl6pPr>
-            <a:lvl7pPr marL="2971800" indent="-228600" algn="l" defTabSz="914400" rtl="0" eaLnBrk="1" latinLnBrk="0" hangingPunct="1">
-              <a:lnSpc>
-                <a:spcPct val="120000"/>
-              </a:lnSpc>
-              <a:spcBef>
-                <a:spcPts val="500"/>
-              </a:spcBef>
-              <a:buSzPct val="125000"/>
-              <a:buFont typeface="Arial" panose="020B0604020202020204" pitchFamily="34" charset="0"/>
-              <a:buChar char="•"/>
-              <a:defRPr sz="1400" kern="1200">
-                <a:solidFill>
-                  <a:schemeClr val="tx1"/>
-                </a:solidFill>
-                <a:latin typeface="+mn-lt"/>
-                <a:ea typeface="+mn-ea"/>
-                <a:cs typeface="+mn-cs"/>
-              </a:defRPr>
-            </a:lvl7pPr>
-            <a:lvl8pPr marL="3429000" indent="-228600" algn="l" defTabSz="914400" rtl="0" eaLnBrk="1" latinLnBrk="0" hangingPunct="1">
-              <a:lnSpc>
-                <a:spcPct val="120000"/>
-              </a:lnSpc>
-              <a:spcBef>
-                <a:spcPts val="500"/>
-              </a:spcBef>
-              <a:buSzPct val="125000"/>
-              <a:buFont typeface="Arial" panose="020B0604020202020204" pitchFamily="34" charset="0"/>
-              <a:buChar char="•"/>
-              <a:defRPr sz="1400" kern="1200">
-                <a:solidFill>
-                  <a:schemeClr val="tx1"/>
-                </a:solidFill>
-                <a:latin typeface="+mn-lt"/>
-                <a:ea typeface="+mn-ea"/>
-                <a:cs typeface="+mn-cs"/>
-              </a:defRPr>
-            </a:lvl8pPr>
-            <a:lvl9pPr marL="3886200" indent="-228600" algn="l" defTabSz="914400" rtl="0" eaLnBrk="1" latinLnBrk="0" hangingPunct="1">
-              <a:lnSpc>
-                <a:spcPct val="120000"/>
-              </a:lnSpc>
-              <a:spcBef>
-                <a:spcPts val="500"/>
-              </a:spcBef>
-              <a:buSzPct val="125000"/>
-              <a:buFont typeface="Arial" panose="020B0604020202020204" pitchFamily="34" charset="0"/>
-              <a:buChar char="•"/>
-              <a:defRPr sz="1400" kern="1200">
-                <a:solidFill>
-                  <a:schemeClr val="tx1"/>
-                </a:solidFill>
-                <a:latin typeface="+mn-lt"/>
-                <a:ea typeface="+mn-ea"/>
-                <a:cs typeface="+mn-cs"/>
-              </a:defRPr>
-            </a:lvl9pPr>
-          </a:lstStyle>
-          <a:p>
-            <a:pPr marL="0" indent="0" algn="ctr">
-              <a:buFont typeface="Arial" panose="020B0604020202020204" pitchFamily="34" charset="0"/>
-              <a:buNone/>
-            </a:pPr>
-            <a:r>
-              <a:rPr lang="ru-RU">
-                <a:solidFill>
-                  <a:schemeClr val="bg1"/>
-                </a:solidFill>
-              </a:rPr>
-              <a:t>Одиночная система</a:t>
-            </a:r>
-            <a:r>
-              <a:rPr lang="en-US">
-                <a:solidFill>
-                  <a:schemeClr val="bg1"/>
-                </a:solidFill>
-              </a:rPr>
-              <a:t> (standalone)</a:t>
-            </a:r>
-            <a:endParaRPr lang="ru-RU" dirty="0">
-              <a:solidFill>
-                <a:schemeClr val="bg1"/>
-              </a:solidFill>
-            </a:endParaRPr>
-          </a:p>
-        </p:txBody>
-      </p:sp>
-    </p:spTree>
-    <p:extLst>
-      <p:ext uri="{BB962C8B-B14F-4D97-AF65-F5344CB8AC3E}">
-        <p14:creationId xmlns:p14="http://schemas.microsoft.com/office/powerpoint/2010/main" val="2776598417"/>
-      </p:ext>
-    </p:extLst>
-  </p:cSld>
-  <p:clrMapOvr>
-    <a:masterClrMapping/>
-  </p:clrMapOvr>
-</p:sld>
-</file>
-
-<file path=ppt/slides/slide3.xml><?xml version="1.0" encoding="utf-8"?>
-<p:sld xmlns:a="http://schemas.openxmlformats.org/drawingml/2006/main" xmlns:r="http://schemas.openxmlformats.org/officeDocument/2006/relationships" xmlns:p="http://schemas.openxmlformats.org/presentationml/2006/main">
-  <p:cSld>
-    <p:spTree>
-      <p:nvGrpSpPr>
-        <p:cNvPr id="1" name=""/>
-        <p:cNvGrpSpPr/>
-        <p:nvPr/>
-      </p:nvGrpSpPr>
-      <p:grpSpPr>
-        <a:xfrm>
-          <a:off x="0" y="0"/>
-          <a:ext cx="0" cy="0"/>
-          <a:chOff x="0" y="0"/>
-          <a:chExt cx="0" cy="0"/>
-        </a:xfrm>
-      </p:grpSpPr>
-      <p:sp>
-        <p:nvSpPr>
-          <p:cNvPr id="2" name="Прямоугольник 1">
-            <a:extLst>
-              <a:ext uri="{FF2B5EF4-FFF2-40B4-BE49-F238E27FC236}">
-                <a16:creationId xmlns:a16="http://schemas.microsoft.com/office/drawing/2014/main" id="{24BFA9E5-5F4B-413E-B860-F246E0EEBE2B}"/>
-              </a:ext>
-            </a:extLst>
-          </p:cNvPr>
-          <p:cNvSpPr/>
-          <p:nvPr/>
-        </p:nvSpPr>
-        <p:spPr>
-          <a:xfrm>
-            <a:off x="3203848" y="519063"/>
-            <a:ext cx="4176464" cy="461665"/>
-          </a:xfrm>
-          <a:prstGeom prst="rect">
-            <a:avLst/>
-          </a:prstGeom>
-        </p:spPr>
-        <p:txBody>
-          <a:bodyPr wrap="square">
-            <a:spAutoFit/>
-          </a:bodyPr>
-          <a:lstStyle/>
-          <a:p>
-            <a:pPr>
-              <a:spcAft>
-                <a:spcPts val="0"/>
-              </a:spcAft>
-            </a:pPr>
-            <a:r>
-              <a:rPr lang="ru-RU" sz="2400" kern="1400" spc="-50" dirty="0">
-                <a:solidFill>
-                  <a:schemeClr val="bg2">
-                    <a:lumMod val="75000"/>
-                  </a:schemeClr>
-                </a:solidFill>
-                <a:latin typeface="+mj-lt"/>
-                <a:ea typeface="Times New Roman" panose="02020603050405020304" pitchFamily="18" charset="0"/>
-                <a:cs typeface="Times New Roman" panose="02020603050405020304" pitchFamily="18" charset="0"/>
-              </a:rPr>
-              <a:t>GE HMI SСADA </a:t>
-            </a:r>
-            <a:r>
-              <a:rPr lang="ru-RU" sz="2400" kern="1400" spc="-50" dirty="0" err="1">
-                <a:solidFill>
-                  <a:schemeClr val="bg2">
-                    <a:lumMod val="75000"/>
-                  </a:schemeClr>
-                </a:solidFill>
-                <a:latin typeface="+mj-lt"/>
-                <a:ea typeface="Times New Roman" panose="02020603050405020304" pitchFamily="18" charset="0"/>
-                <a:cs typeface="Times New Roman" panose="02020603050405020304" pitchFamily="18" charset="0"/>
-              </a:rPr>
-              <a:t>iFix</a:t>
-            </a:r>
-            <a:endParaRPr lang="ru-RU" sz="2400" kern="1400" spc="-50" dirty="0">
-              <a:solidFill>
-                <a:schemeClr val="bg2">
-                  <a:lumMod val="75000"/>
-                </a:schemeClr>
-              </a:solidFill>
-              <a:effectLst/>
-              <a:latin typeface="+mj-lt"/>
-              <a:ea typeface="Times New Roman" panose="02020603050405020304" pitchFamily="18" charset="0"/>
-              <a:cs typeface="Times New Roman" panose="02020603050405020304" pitchFamily="18" charset="0"/>
-            </a:endParaRPr>
-          </a:p>
-        </p:txBody>
-      </p:sp>
-      <p:sp>
-        <p:nvSpPr>
-          <p:cNvPr id="3" name="Прямоугольник 2">
-            <a:extLst>
-              <a:ext uri="{FF2B5EF4-FFF2-40B4-BE49-F238E27FC236}">
-                <a16:creationId xmlns:a16="http://schemas.microsoft.com/office/drawing/2014/main" id="{4167E38B-F8D3-4EAF-B091-27F777DD3D9A}"/>
-              </a:ext>
-            </a:extLst>
-          </p:cNvPr>
-          <p:cNvSpPr/>
-          <p:nvPr/>
-        </p:nvSpPr>
-        <p:spPr>
-          <a:xfrm>
-            <a:off x="971600" y="980728"/>
-            <a:ext cx="7344816" cy="5017143"/>
-          </a:xfrm>
-          <a:prstGeom prst="rect">
-            <a:avLst/>
-          </a:prstGeom>
-        </p:spPr>
-        <p:txBody>
-          <a:bodyPr wrap="square">
-            <a:spAutoFit/>
-          </a:bodyPr>
-          <a:lstStyle/>
-          <a:p>
-            <a:pPr indent="457200" algn="just">
-              <a:lnSpc>
-                <a:spcPct val="107000"/>
-              </a:lnSpc>
-              <a:spcAft>
-                <a:spcPts val="0"/>
-              </a:spcAft>
-            </a:pPr>
-            <a:r>
-              <a:rPr lang="ru-RU" sz="2000" dirty="0">
-                <a:solidFill>
-                  <a:schemeClr val="bg2">
-                    <a:lumMod val="75000"/>
-                  </a:schemeClr>
-                </a:solidFill>
-                <a:effectLst/>
-                <a:ea typeface="Calibri" panose="020F0502020204030204" pitchFamily="34" charset="0"/>
-                <a:cs typeface="Times New Roman" panose="02020603050405020304" pitchFamily="18" charset="0"/>
-              </a:rPr>
-              <a:t>Возможности:</a:t>
-            </a:r>
-          </a:p>
-          <a:p>
-            <a:pPr marL="285750" indent="-285750" algn="just">
-              <a:lnSpc>
-                <a:spcPct val="107000"/>
-              </a:lnSpc>
-              <a:buFont typeface="Arial" panose="020B0604020202020204" pitchFamily="34" charset="0"/>
-              <a:buChar char="•"/>
-            </a:pPr>
-            <a:r>
-              <a:rPr lang="ru-RU" sz="2000" dirty="0">
-                <a:solidFill>
-                  <a:schemeClr val="bg2">
-                    <a:lumMod val="75000"/>
-                  </a:schemeClr>
-                </a:solidFill>
-              </a:rPr>
-              <a:t>Горячее резервирование и автоматическое переключение серверов</a:t>
-            </a:r>
-          </a:p>
-          <a:p>
-            <a:pPr marL="285750" indent="-285750" algn="just">
-              <a:lnSpc>
-                <a:spcPct val="107000"/>
-              </a:lnSpc>
-              <a:spcAft>
-                <a:spcPts val="0"/>
-              </a:spcAft>
-              <a:buFont typeface="Arial" panose="020B0604020202020204" pitchFamily="34" charset="0"/>
-              <a:buChar char="•"/>
-            </a:pPr>
-            <a:r>
-              <a:rPr lang="ru-RU" sz="2000" dirty="0">
-                <a:solidFill>
-                  <a:schemeClr val="bg2">
-                    <a:lumMod val="75000"/>
-                  </a:schemeClr>
-                </a:solidFill>
-              </a:rPr>
-              <a:t>Обширный каталог высокопроизводительных прямых драйверов ввода/вывода и ОРС-серверов как для широко распространенных, так и для специализированных ПЛК</a:t>
-            </a:r>
-          </a:p>
-          <a:p>
-            <a:pPr marL="285750" indent="-285750" algn="just">
-              <a:lnSpc>
-                <a:spcPct val="107000"/>
-              </a:lnSpc>
-              <a:buFont typeface="Arial" panose="020B0604020202020204" pitchFamily="34" charset="0"/>
-              <a:buChar char="•"/>
-            </a:pPr>
-            <a:r>
-              <a:rPr lang="ru-RU" sz="2000" dirty="0">
-                <a:solidFill>
-                  <a:schemeClr val="bg2">
-                    <a:lumMod val="75000"/>
-                  </a:schemeClr>
-                </a:solidFill>
-              </a:rPr>
-              <a:t>Универсальный ОРС-клиент с возможностями конфигурации, мониторинга и оптимизации обмена с серверами ввода/вывода.</a:t>
-            </a:r>
-          </a:p>
-          <a:p>
-            <a:pPr marL="285750" indent="-285750" algn="just">
-              <a:lnSpc>
-                <a:spcPct val="107000"/>
-              </a:lnSpc>
-              <a:buFont typeface="Arial" panose="020B0604020202020204" pitchFamily="34" charset="0"/>
-              <a:buChar char="•"/>
-            </a:pPr>
-            <a:r>
-              <a:rPr lang="ru-RU" sz="2000" dirty="0">
-                <a:solidFill>
-                  <a:schemeClr val="bg2">
-                    <a:lumMod val="75000"/>
-                  </a:schemeClr>
-                </a:solidFill>
-              </a:rPr>
-              <a:t>Поддержка О</a:t>
-            </a:r>
-            <a:r>
-              <a:rPr lang="en-US" sz="2000" dirty="0">
-                <a:solidFill>
-                  <a:schemeClr val="bg2">
-                    <a:lumMod val="75000"/>
-                  </a:schemeClr>
-                </a:solidFill>
-              </a:rPr>
-              <a:t>PC DA, </a:t>
-            </a:r>
-            <a:r>
-              <a:rPr lang="ru-RU" sz="2000" dirty="0">
-                <a:solidFill>
-                  <a:schemeClr val="bg2">
-                    <a:lumMod val="75000"/>
-                  </a:schemeClr>
-                </a:solidFill>
-              </a:rPr>
-              <a:t>ОРС</a:t>
-            </a:r>
-            <a:r>
-              <a:rPr lang="en-US" sz="2000" dirty="0">
-                <a:solidFill>
-                  <a:schemeClr val="bg2">
-                    <a:lumMod val="75000"/>
-                  </a:schemeClr>
-                </a:solidFill>
-              </a:rPr>
-              <a:t> Alarm &amp; Events, SQL ODBC, COM/DCOM, OLE DB, ActiveX, .NET.</a:t>
-            </a:r>
-            <a:endParaRPr lang="ru-RU" sz="2000" dirty="0">
-              <a:solidFill>
-                <a:schemeClr val="bg2">
-                  <a:lumMod val="75000"/>
-                </a:schemeClr>
-              </a:solidFill>
-            </a:endParaRPr>
-          </a:p>
-          <a:p>
-            <a:pPr marL="285750" indent="-285750" algn="just">
-              <a:lnSpc>
-                <a:spcPct val="107000"/>
-              </a:lnSpc>
-              <a:buFont typeface="Arial" panose="020B0604020202020204" pitchFamily="34" charset="0"/>
-              <a:buChar char="•"/>
-            </a:pPr>
-            <a:r>
-              <a:rPr lang="en-US" sz="2000" dirty="0">
-                <a:solidFill>
-                  <a:schemeClr val="bg2">
-                    <a:lumMod val="75000"/>
-                  </a:schemeClr>
-                </a:solidFill>
-              </a:rPr>
-              <a:t>ODBC-</a:t>
-            </a:r>
-            <a:r>
-              <a:rPr lang="ru-RU" sz="2000" dirty="0">
-                <a:solidFill>
-                  <a:schemeClr val="bg2">
-                    <a:lumMod val="75000"/>
-                  </a:schemeClr>
-                </a:solidFill>
-              </a:rPr>
-              <a:t>драйверы</a:t>
-            </a:r>
-          </a:p>
-          <a:p>
-            <a:pPr marL="285750" indent="-285750" algn="just">
-              <a:lnSpc>
-                <a:spcPct val="107000"/>
-              </a:lnSpc>
-              <a:buFont typeface="Arial" panose="020B0604020202020204" pitchFamily="34" charset="0"/>
-              <a:buChar char="•"/>
-            </a:pPr>
-            <a:r>
-              <a:rPr lang="ru-RU" sz="2000" dirty="0">
-                <a:solidFill>
-                  <a:schemeClr val="bg2">
-                    <a:lumMod val="75000"/>
-                  </a:schemeClr>
-                </a:solidFill>
-              </a:rPr>
-              <a:t>Поддержка технологии </a:t>
-            </a:r>
-            <a:r>
-              <a:rPr lang="ru-RU" sz="2000" dirty="0" err="1">
-                <a:solidFill>
-                  <a:schemeClr val="bg2">
-                    <a:lumMod val="75000"/>
-                  </a:schemeClr>
-                </a:solidFill>
-              </a:rPr>
-              <a:t>Plug</a:t>
-            </a:r>
-            <a:r>
-              <a:rPr lang="ru-RU" sz="2000" dirty="0">
-                <a:solidFill>
-                  <a:schemeClr val="bg2">
-                    <a:lumMod val="75000"/>
-                  </a:schemeClr>
-                </a:solidFill>
-              </a:rPr>
-              <a:t> </a:t>
-            </a:r>
-            <a:r>
-              <a:rPr lang="ru-RU" sz="2000" dirty="0" err="1">
-                <a:solidFill>
-                  <a:schemeClr val="bg2">
-                    <a:lumMod val="75000"/>
-                  </a:schemeClr>
-                </a:solidFill>
-              </a:rPr>
-              <a:t>and</a:t>
-            </a:r>
-            <a:r>
-              <a:rPr lang="ru-RU" sz="2000" dirty="0">
-                <a:solidFill>
-                  <a:schemeClr val="bg2">
-                    <a:lumMod val="75000"/>
-                  </a:schemeClr>
-                </a:solidFill>
-              </a:rPr>
-              <a:t> </a:t>
-            </a:r>
-            <a:r>
-              <a:rPr lang="ru-RU" sz="2000" dirty="0" err="1">
-                <a:solidFill>
-                  <a:schemeClr val="bg2">
-                    <a:lumMod val="75000"/>
-                  </a:schemeClr>
-                </a:solidFill>
-              </a:rPr>
-              <a:t>Solve</a:t>
-            </a:r>
-            <a:r>
-              <a:rPr lang="ru-RU" sz="2000" dirty="0">
-                <a:solidFill>
-                  <a:schemeClr val="bg2">
-                    <a:lumMod val="75000"/>
-                  </a:schemeClr>
-                </a:solidFill>
-              </a:rPr>
-              <a:t>™</a:t>
-            </a:r>
-          </a:p>
-          <a:p>
-            <a:pPr marL="285750" indent="-285750" algn="just">
-              <a:lnSpc>
-                <a:spcPct val="107000"/>
-              </a:lnSpc>
-              <a:buFont typeface="Arial" panose="020B0604020202020204" pitchFamily="34" charset="0"/>
-              <a:buChar char="•"/>
-            </a:pPr>
-            <a:r>
-              <a:rPr lang="ru-RU" sz="2000" dirty="0">
-                <a:solidFill>
-                  <a:schemeClr val="bg2">
-                    <a:lumMod val="75000"/>
-                  </a:schemeClr>
-                </a:solidFill>
-              </a:rPr>
-              <a:t>Полная SCADA-функциональность через технологию «тонких» веб-клиентов GE </a:t>
-            </a:r>
-            <a:r>
-              <a:rPr lang="ru-RU" sz="2000" dirty="0" err="1">
-                <a:solidFill>
-                  <a:schemeClr val="bg2">
-                    <a:lumMod val="75000"/>
-                  </a:schemeClr>
-                </a:solidFill>
-              </a:rPr>
-              <a:t>WebSpace</a:t>
-            </a:r>
-            <a:r>
-              <a:rPr lang="ru-RU" sz="2000" dirty="0">
-                <a:solidFill>
-                  <a:schemeClr val="bg2">
-                    <a:lumMod val="75000"/>
-                  </a:schemeClr>
-                </a:solidFill>
-              </a:rPr>
-              <a:t>. </a:t>
-            </a:r>
-            <a:endParaRPr lang="ru-RU" sz="2000" dirty="0">
-              <a:solidFill>
-                <a:schemeClr val="bg2">
-                  <a:lumMod val="75000"/>
-                </a:schemeClr>
-              </a:solidFill>
-              <a:effectLst/>
-              <a:ea typeface="Calibri" panose="020F0502020204030204" pitchFamily="34" charset="0"/>
-              <a:cs typeface="Times New Roman" panose="02020603050405020304" pitchFamily="18" charset="0"/>
-            </a:endParaRPr>
-          </a:p>
-        </p:txBody>
-      </p:sp>
-      <p:sp>
-        <p:nvSpPr>
-          <p:cNvPr id="4" name="Объект 2">
-            <a:extLst>
-              <a:ext uri="{FF2B5EF4-FFF2-40B4-BE49-F238E27FC236}">
-                <a16:creationId xmlns:a16="http://schemas.microsoft.com/office/drawing/2014/main" id="{AE444692-82E9-4905-840F-EE1867A07E29}"/>
-              </a:ext>
-            </a:extLst>
-          </p:cNvPr>
-          <p:cNvSpPr txBox="1">
-            <a:spLocks/>
-          </p:cNvSpPr>
-          <p:nvPr/>
-        </p:nvSpPr>
-        <p:spPr>
-          <a:xfrm>
-            <a:off x="2843808" y="72851"/>
-            <a:ext cx="3672408" cy="1354089"/>
-          </a:xfrm>
-          <a:prstGeom prst="rect">
-            <a:avLst/>
-          </a:prstGeom>
-        </p:spPr>
-        <p:txBody>
-          <a:bodyPr/>
-          <a:lstStyle>
-            <a:lvl1pPr marL="228600" indent="-228600" algn="l" defTabSz="914400" rtl="0" eaLnBrk="1" latinLnBrk="0" hangingPunct="1">
-              <a:lnSpc>
-                <a:spcPct val="120000"/>
-              </a:lnSpc>
-              <a:spcBef>
-                <a:spcPts val="1000"/>
-              </a:spcBef>
-              <a:buSzPct val="125000"/>
-              <a:buFont typeface="Arial" panose="020B0604020202020204" pitchFamily="34" charset="0"/>
-              <a:buChar char="•"/>
-              <a:defRPr sz="2400" kern="1200">
-                <a:solidFill>
-                  <a:schemeClr val="tx1"/>
-                </a:solidFill>
-                <a:latin typeface="+mn-lt"/>
-                <a:ea typeface="+mn-ea"/>
-                <a:cs typeface="+mn-cs"/>
-              </a:defRPr>
-            </a:lvl1pPr>
-            <a:lvl2pPr marL="685800" indent="-228600" algn="l" defTabSz="914400" rtl="0" eaLnBrk="1" latinLnBrk="0" hangingPunct="1">
-              <a:lnSpc>
-                <a:spcPct val="120000"/>
-              </a:lnSpc>
-              <a:spcBef>
-                <a:spcPts val="500"/>
-              </a:spcBef>
-              <a:buSzPct val="125000"/>
-              <a:buFont typeface="Arial" panose="020B0604020202020204" pitchFamily="34" charset="0"/>
-              <a:buChar char="•"/>
-              <a:defRPr sz="2000" kern="1200">
-                <a:solidFill>
-                  <a:schemeClr val="tx1"/>
-                </a:solidFill>
-                <a:latin typeface="+mn-lt"/>
-                <a:ea typeface="+mn-ea"/>
-                <a:cs typeface="+mn-cs"/>
-              </a:defRPr>
-            </a:lvl2pPr>
-            <a:lvl3pPr marL="1143000" indent="-228600" algn="l" defTabSz="914400" rtl="0" eaLnBrk="1" latinLnBrk="0" hangingPunct="1">
-              <a:lnSpc>
-                <a:spcPct val="120000"/>
-              </a:lnSpc>
-              <a:spcBef>
-                <a:spcPts val="500"/>
-              </a:spcBef>
-              <a:buSzPct val="125000"/>
-              <a:buFont typeface="Arial" panose="020B0604020202020204" pitchFamily="34" charset="0"/>
-              <a:buChar char="•"/>
-              <a:defRPr sz="1800" kern="1200">
-                <a:solidFill>
-                  <a:schemeClr val="tx1"/>
-                </a:solidFill>
-                <a:latin typeface="+mn-lt"/>
-                <a:ea typeface="+mn-ea"/>
-                <a:cs typeface="+mn-cs"/>
-              </a:defRPr>
-            </a:lvl3pPr>
-            <a:lvl4pPr marL="1600200" indent="-228600" algn="l" defTabSz="914400" rtl="0" eaLnBrk="1" latinLnBrk="0" hangingPunct="1">
-              <a:lnSpc>
-                <a:spcPct val="120000"/>
-              </a:lnSpc>
-              <a:spcBef>
-                <a:spcPts val="500"/>
-              </a:spcBef>
-              <a:buSzPct val="125000"/>
-              <a:buFont typeface="Arial" panose="020B0604020202020204" pitchFamily="34" charset="0"/>
-              <a:buChar char="•"/>
-              <a:defRPr sz="1600" kern="1200">
-                <a:solidFill>
-                  <a:schemeClr val="tx1"/>
-                </a:solidFill>
-                <a:latin typeface="+mn-lt"/>
-                <a:ea typeface="+mn-ea"/>
-                <a:cs typeface="+mn-cs"/>
-              </a:defRPr>
-            </a:lvl4pPr>
-            <a:lvl5pPr marL="2057400" indent="-228600" algn="l" defTabSz="914400" rtl="0" eaLnBrk="1" latinLnBrk="0" hangingPunct="1">
-              <a:lnSpc>
-                <a:spcPct val="120000"/>
-              </a:lnSpc>
-              <a:spcBef>
-                <a:spcPts val="500"/>
-              </a:spcBef>
-              <a:buSzPct val="125000"/>
-              <a:buFont typeface="Arial" panose="020B0604020202020204" pitchFamily="34" charset="0"/>
-              <a:buChar char="•"/>
-              <a:defRPr sz="1600" kern="1200">
-                <a:solidFill>
-                  <a:schemeClr val="tx1"/>
-                </a:solidFill>
-                <a:latin typeface="+mn-lt"/>
-                <a:ea typeface="+mn-ea"/>
-                <a:cs typeface="+mn-cs"/>
-              </a:defRPr>
-            </a:lvl5pPr>
-            <a:lvl6pPr marL="2514600" indent="-228600" algn="l" defTabSz="914400" rtl="0" eaLnBrk="1" latinLnBrk="0" hangingPunct="1">
-              <a:lnSpc>
-                <a:spcPct val="120000"/>
-              </a:lnSpc>
-              <a:spcBef>
-                <a:spcPts val="500"/>
-              </a:spcBef>
-              <a:buSzPct val="125000"/>
-              <a:buFont typeface="Arial" panose="020B0604020202020204" pitchFamily="34" charset="0"/>
-              <a:buChar char="•"/>
-              <a:defRPr sz="1400" kern="1200">
-                <a:solidFill>
-                  <a:schemeClr val="tx1"/>
-                </a:solidFill>
-                <a:latin typeface="+mn-lt"/>
-                <a:ea typeface="+mn-ea"/>
-                <a:cs typeface="+mn-cs"/>
-              </a:defRPr>
-            </a:lvl6pPr>
-            <a:lvl7pPr marL="2971800" indent="-228600" algn="l" defTabSz="914400" rtl="0" eaLnBrk="1" latinLnBrk="0" hangingPunct="1">
-              <a:lnSpc>
-                <a:spcPct val="120000"/>
-              </a:lnSpc>
-              <a:spcBef>
-                <a:spcPts val="500"/>
-              </a:spcBef>
-              <a:buSzPct val="125000"/>
-              <a:buFont typeface="Arial" panose="020B0604020202020204" pitchFamily="34" charset="0"/>
-              <a:buChar char="•"/>
-              <a:defRPr sz="1400" kern="1200">
-                <a:solidFill>
-                  <a:schemeClr val="tx1"/>
-                </a:solidFill>
-                <a:latin typeface="+mn-lt"/>
-                <a:ea typeface="+mn-ea"/>
-                <a:cs typeface="+mn-cs"/>
-              </a:defRPr>
-            </a:lvl7pPr>
-            <a:lvl8pPr marL="3429000" indent="-228600" algn="l" defTabSz="914400" rtl="0" eaLnBrk="1" latinLnBrk="0" hangingPunct="1">
-              <a:lnSpc>
-                <a:spcPct val="120000"/>
-              </a:lnSpc>
-              <a:spcBef>
-                <a:spcPts val="500"/>
-              </a:spcBef>
-              <a:buSzPct val="125000"/>
-              <a:buFont typeface="Arial" panose="020B0604020202020204" pitchFamily="34" charset="0"/>
-              <a:buChar char="•"/>
-              <a:defRPr sz="1400" kern="1200">
-                <a:solidFill>
-                  <a:schemeClr val="tx1"/>
-                </a:solidFill>
-                <a:latin typeface="+mn-lt"/>
-                <a:ea typeface="+mn-ea"/>
-                <a:cs typeface="+mn-cs"/>
-              </a:defRPr>
-            </a:lvl8pPr>
-            <a:lvl9pPr marL="3886200" indent="-228600" algn="l" defTabSz="914400" rtl="0" eaLnBrk="1" latinLnBrk="0" hangingPunct="1">
-              <a:lnSpc>
-                <a:spcPct val="120000"/>
-              </a:lnSpc>
-              <a:spcBef>
-                <a:spcPts val="500"/>
-              </a:spcBef>
-              <a:buSzPct val="125000"/>
-              <a:buFont typeface="Arial" panose="020B0604020202020204" pitchFamily="34" charset="0"/>
-              <a:buChar char="•"/>
-              <a:defRPr sz="1400" kern="1200">
-                <a:solidFill>
-                  <a:schemeClr val="tx1"/>
-                </a:solidFill>
-                <a:latin typeface="+mn-lt"/>
-                <a:ea typeface="+mn-ea"/>
-                <a:cs typeface="+mn-cs"/>
-              </a:defRPr>
-            </a:lvl9pPr>
-          </a:lstStyle>
-          <a:p>
-            <a:pPr marL="0" indent="0">
-              <a:buFont typeface="Arial" panose="020B0604020202020204" pitchFamily="34" charset="0"/>
-              <a:buNone/>
-            </a:pPr>
-            <a:r>
-              <a:rPr lang="ru-RU">
-                <a:solidFill>
-                  <a:schemeClr val="bg1"/>
-                </a:solidFill>
-              </a:rPr>
-              <a:t>Резервированная система</a:t>
-            </a:r>
-            <a:endParaRPr lang="ru-RU" dirty="0">
-              <a:solidFill>
-                <a:schemeClr val="bg1"/>
-              </a:solidFill>
-            </a:endParaRPr>
-          </a:p>
-        </p:txBody>
-      </p:sp>
-    </p:spTree>
-    <p:extLst>
-      <p:ext uri="{BB962C8B-B14F-4D97-AF65-F5344CB8AC3E}">
-        <p14:creationId xmlns:p14="http://schemas.microsoft.com/office/powerpoint/2010/main" val="1022302768"/>
-      </p:ext>
-    </p:extLst>
-  </p:cSld>
-  <p:clrMapOvr>
-    <a:masterClrMapping/>
-  </p:clrMapOvr>
-</p:sld>
-</file>
-
-<file path=ppt/slides/slide4.xml><?xml version="1.0" encoding="utf-8"?>
-<p:sld xmlns:a="http://schemas.openxmlformats.org/drawingml/2006/main" xmlns:r="http://schemas.openxmlformats.org/officeDocument/2006/relationships" xmlns:p="http://schemas.openxmlformats.org/presentationml/2006/main">
-  <p:cSld>
-    <p:spTree>
-      <p:nvGrpSpPr>
-        <p:cNvPr id="1" name=""/>
-        <p:cNvGrpSpPr/>
-        <p:nvPr/>
-      </p:nvGrpSpPr>
-      <p:grpSpPr>
-        <a:xfrm>
-          <a:off x="0" y="0"/>
-          <a:ext cx="0" cy="0"/>
-          <a:chOff x="0" y="0"/>
-          <a:chExt cx="0" cy="0"/>
-        </a:xfrm>
-      </p:grpSpPr>
-      <p:pic>
-        <p:nvPicPr>
-          <p:cNvPr id="3074" name="Picture 2">
-            <a:extLst>
-              <a:ext uri="{FF2B5EF4-FFF2-40B4-BE49-F238E27FC236}">
-                <a16:creationId xmlns:a16="http://schemas.microsoft.com/office/drawing/2014/main" id="{EBFB8A99-B17A-4B02-9F28-61C5F3889CE0}"/>
-              </a:ext>
-            </a:extLst>
-          </p:cNvPr>
-          <p:cNvPicPr>
-            <a:picLocks noChangeAspect="1" noChangeArrowheads="1"/>
-          </p:cNvPicPr>
-          <p:nvPr/>
-        </p:nvPicPr>
-        <p:blipFill>
-          <a:blip r:embed="rId2">
-            <a:extLst>
-              <a:ext uri="{28A0092B-C50C-407E-A947-70E740481C1C}">
-                <a14:useLocalDpi xmlns:a14="http://schemas.microsoft.com/office/drawing/2010/main" val="0"/>
-              </a:ext>
-            </a:extLst>
-          </a:blip>
-          <a:srcRect/>
-          <a:stretch>
-            <a:fillRect/>
-          </a:stretch>
-        </p:blipFill>
-        <p:spPr bwMode="auto">
-          <a:xfrm>
-            <a:off x="1238250" y="1700808"/>
-            <a:ext cx="6667500" cy="3724275"/>
-          </a:xfrm>
-          <a:prstGeom prst="rect">
-            <a:avLst/>
-          </a:prstGeom>
-          <a:noFill/>
-          <a:extLst>
-            <a:ext uri="{909E8E84-426E-40DD-AFC4-6F175D3DCCD1}">
-              <a14:hiddenFill xmlns:a14="http://schemas.microsoft.com/office/drawing/2010/main">
-                <a:solidFill>
-                  <a:srgbClr val="FFFFFF"/>
-                </a:solidFill>
-              </a14:hiddenFill>
-            </a:ext>
-          </a:extLst>
-        </p:spPr>
-      </p:pic>
-      <p:sp>
-        <p:nvSpPr>
-          <p:cNvPr id="2" name="Прямоугольник 1">
-            <a:extLst>
-              <a:ext uri="{FF2B5EF4-FFF2-40B4-BE49-F238E27FC236}">
-                <a16:creationId xmlns:a16="http://schemas.microsoft.com/office/drawing/2014/main" id="{2076C90B-F1DD-4FD2-9035-8969B5731405}"/>
-              </a:ext>
-            </a:extLst>
-          </p:cNvPr>
-          <p:cNvSpPr/>
-          <p:nvPr/>
-        </p:nvSpPr>
-        <p:spPr>
-          <a:xfrm>
-            <a:off x="2555776" y="754551"/>
-            <a:ext cx="4572000" cy="461665"/>
-          </a:xfrm>
-          <a:prstGeom prst="rect">
-            <a:avLst/>
-          </a:prstGeom>
-        </p:spPr>
-        <p:txBody>
-          <a:bodyPr>
-            <a:spAutoFit/>
-          </a:bodyPr>
-          <a:lstStyle/>
-          <a:p>
-            <a:r>
-              <a:rPr lang="ru-RU" sz="2400" dirty="0">
-                <a:solidFill>
-                  <a:schemeClr val="bg2">
-                    <a:lumMod val="75000"/>
-                  </a:schemeClr>
-                </a:solidFill>
-                <a:latin typeface="+mj-lt"/>
-              </a:rPr>
-              <a:t>Опции клиентских лицензий</a:t>
-            </a:r>
-          </a:p>
-        </p:txBody>
-      </p:sp>
-    </p:spTree>
-    <p:extLst>
-      <p:ext uri="{BB962C8B-B14F-4D97-AF65-F5344CB8AC3E}">
-        <p14:creationId xmlns:p14="http://schemas.microsoft.com/office/powerpoint/2010/main" val="1740713499"/>
-      </p:ext>
-    </p:extLst>
-  </p:cSld>
-  <p:clrMapOvr>
-    <a:masterClrMapping/>
-  </p:clrMapOvr>
-</p:sld>
-</file>
-
-<file path=ppt/slides/slide5.xml><?xml version="1.0" encoding="utf-8"?>
-<p:sld xmlns:a="http://schemas.openxmlformats.org/drawingml/2006/main" xmlns:r="http://schemas.openxmlformats.org/officeDocument/2006/relationships" xmlns:p="http://schemas.openxmlformats.org/presentationml/2006/main">
-  <p:cSld>
-    <p:spTree>
-      <p:nvGrpSpPr>
-        <p:cNvPr id="1" name=""/>
-        <p:cNvGrpSpPr/>
-        <p:nvPr/>
-      </p:nvGrpSpPr>
-      <p:grpSpPr>
-        <a:xfrm>
-          <a:off x="0" y="0"/>
-          <a:ext cx="0" cy="0"/>
-          <a:chOff x="0" y="0"/>
-          <a:chExt cx="0" cy="0"/>
-        </a:xfrm>
-      </p:grpSpPr>
-      <p:sp>
-        <p:nvSpPr>
           <p:cNvPr id="2" name="Прямоугольник 1">
             <a:extLst>
               <a:ext uri="{FF2B5EF4-FFF2-40B4-BE49-F238E27FC236}">
@@ -15680,7 +13723,7 @@
 </p:sld>
 </file>
 
-<file path=ppt/slides/slide6.xml><?xml version="1.0" encoding="utf-8"?>
+<file path=ppt/slides/slide11.xml><?xml version="1.0" encoding="utf-8"?>
 <p:sld xmlns:a="http://schemas.openxmlformats.org/drawingml/2006/main" xmlns:r="http://schemas.openxmlformats.org/officeDocument/2006/relationships" xmlns:p="http://schemas.openxmlformats.org/presentationml/2006/main">
   <p:cSld>
     <p:spTree>
@@ -15757,7 +13800,7 @@
 </p:sld>
 </file>
 
-<file path=ppt/slides/slide7.xml><?xml version="1.0" encoding="utf-8"?>
+<file path=ppt/slides/slide12.xml><?xml version="1.0" encoding="utf-8"?>
 <p:sld xmlns:a="http://schemas.openxmlformats.org/drawingml/2006/main" xmlns:r="http://schemas.openxmlformats.org/officeDocument/2006/relationships" xmlns:p="http://schemas.openxmlformats.org/presentationml/2006/main">
   <p:cSld>
     <p:spTree>
@@ -16459,7 +14502,7 @@
 </p:sld>
 </file>
 
-<file path=ppt/slides/slide8.xml><?xml version="1.0" encoding="utf-8"?>
+<file path=ppt/slides/slide13.xml><?xml version="1.0" encoding="utf-8"?>
 <p:sld xmlns:a="http://schemas.openxmlformats.org/drawingml/2006/main" xmlns:r="http://schemas.openxmlformats.org/officeDocument/2006/relationships" xmlns:p="http://schemas.openxmlformats.org/presentationml/2006/main">
   <p:cSld>
     <p:spTree>
@@ -16578,7 +14621,7 @@
 </p:sld>
 </file>
 
-<file path=ppt/slides/slide9.xml><?xml version="1.0" encoding="utf-8"?>
+<file path=ppt/slides/slide14.xml><?xml version="1.0" encoding="utf-8"?>
 <p:sld xmlns:a="http://schemas.openxmlformats.org/drawingml/2006/main" xmlns:r="http://schemas.openxmlformats.org/officeDocument/2006/relationships" xmlns:p="http://schemas.openxmlformats.org/presentationml/2006/main">
   <p:cSld>
     <p:spTree>
@@ -17300,6 +15343,2866 @@
 </p:sld>
 </file>
 
+<file path=ppt/slides/slide15.xml><?xml version="1.0" encoding="utf-8"?>
+<p:sld xmlns:a="http://schemas.openxmlformats.org/drawingml/2006/main" xmlns:r="http://schemas.openxmlformats.org/officeDocument/2006/relationships" xmlns:p="http://schemas.openxmlformats.org/presentationml/2006/main">
+  <p:cSld>
+    <p:spTree>
+      <p:nvGrpSpPr>
+        <p:cNvPr id="1" name=""/>
+        <p:cNvGrpSpPr/>
+        <p:nvPr/>
+      </p:nvGrpSpPr>
+      <p:grpSpPr>
+        <a:xfrm>
+          <a:off x="0" y="0"/>
+          <a:ext cx="0" cy="0"/>
+          <a:chOff x="0" y="0"/>
+          <a:chExt cx="0" cy="0"/>
+        </a:xfrm>
+      </p:grpSpPr>
+      <p:sp>
+        <p:nvSpPr>
+          <p:cNvPr id="2" name="TextBox 1">
+            <a:extLst>
+              <a:ext uri="{FF2B5EF4-FFF2-40B4-BE49-F238E27FC236}">
+                <a16:creationId xmlns:a16="http://schemas.microsoft.com/office/drawing/2014/main" id="{AE3C6B6C-3C22-4D51-9834-E9D33ED4F33E}"/>
+              </a:ext>
+            </a:extLst>
+          </p:cNvPr>
+          <p:cNvSpPr txBox="1"/>
+          <p:nvPr/>
+        </p:nvSpPr>
+        <p:spPr>
+          <a:xfrm>
+            <a:off x="3851920" y="908720"/>
+            <a:ext cx="479618" cy="369332"/>
+          </a:xfrm>
+          <a:prstGeom prst="rect">
+            <a:avLst/>
+          </a:prstGeom>
+          <a:noFill/>
+        </p:spPr>
+        <p:txBody>
+          <a:bodyPr wrap="none" rtlCol="0">
+            <a:spAutoFit/>
+          </a:bodyPr>
+          <a:lstStyle/>
+          <a:p>
+            <a:r>
+              <a:rPr lang="en-US" dirty="0" err="1">
+                <a:solidFill>
+                  <a:schemeClr val="bg2"/>
+                </a:solidFill>
+              </a:rPr>
+              <a:t>ifix</a:t>
+            </a:r>
+            <a:endParaRPr lang="ru-RU" dirty="0">
+              <a:solidFill>
+                <a:schemeClr val="bg2"/>
+              </a:solidFill>
+            </a:endParaRPr>
+          </a:p>
+        </p:txBody>
+      </p:sp>
+      <p:pic>
+        <p:nvPicPr>
+          <p:cNvPr id="4" name="Рисунок 3">
+            <a:extLst>
+              <a:ext uri="{FF2B5EF4-FFF2-40B4-BE49-F238E27FC236}">
+                <a16:creationId xmlns:a16="http://schemas.microsoft.com/office/drawing/2014/main" id="{063804A6-D2D1-4237-B94A-826F5BF84F1F}"/>
+              </a:ext>
+            </a:extLst>
+          </p:cNvPr>
+          <p:cNvPicPr>
+            <a:picLocks noChangeAspect="1"/>
+          </p:cNvPicPr>
+          <p:nvPr/>
+        </p:nvPicPr>
+        <p:blipFill>
+          <a:blip r:embed="rId2">
+            <a:extLst>
+              <a:ext uri="{28A0092B-C50C-407E-A947-70E740481C1C}">
+                <a14:useLocalDpi xmlns:a14="http://schemas.microsoft.com/office/drawing/2010/main" val="0"/>
+              </a:ext>
+            </a:extLst>
+          </a:blip>
+          <a:stretch>
+            <a:fillRect/>
+          </a:stretch>
+        </p:blipFill>
+        <p:spPr>
+          <a:xfrm>
+            <a:off x="1081087" y="1933575"/>
+            <a:ext cx="6981825" cy="2990850"/>
+          </a:xfrm>
+          <a:prstGeom prst="rect">
+            <a:avLst/>
+          </a:prstGeom>
+        </p:spPr>
+      </p:pic>
+    </p:spTree>
+    <p:extLst>
+      <p:ext uri="{BB962C8B-B14F-4D97-AF65-F5344CB8AC3E}">
+        <p14:creationId xmlns:p14="http://schemas.microsoft.com/office/powerpoint/2010/main" val="3780068422"/>
+      </p:ext>
+    </p:extLst>
+  </p:cSld>
+  <p:clrMapOvr>
+    <a:masterClrMapping/>
+  </p:clrMapOvr>
+</p:sld>
+</file>
+
+<file path=ppt/slides/slide16.xml><?xml version="1.0" encoding="utf-8"?>
+<p:sld xmlns:a="http://schemas.openxmlformats.org/drawingml/2006/main" xmlns:r="http://schemas.openxmlformats.org/officeDocument/2006/relationships" xmlns:p="http://schemas.openxmlformats.org/presentationml/2006/main">
+  <p:cSld>
+    <p:spTree>
+      <p:nvGrpSpPr>
+        <p:cNvPr id="1" name=""/>
+        <p:cNvGrpSpPr/>
+        <p:nvPr/>
+      </p:nvGrpSpPr>
+      <p:grpSpPr>
+        <a:xfrm>
+          <a:off x="0" y="0"/>
+          <a:ext cx="0" cy="0"/>
+          <a:chOff x="0" y="0"/>
+          <a:chExt cx="0" cy="0"/>
+        </a:xfrm>
+      </p:grpSpPr>
+      <p:graphicFrame>
+        <p:nvGraphicFramePr>
+          <p:cNvPr id="2" name="Таблица 2">
+            <a:extLst>
+              <a:ext uri="{FF2B5EF4-FFF2-40B4-BE49-F238E27FC236}">
+                <a16:creationId xmlns:a16="http://schemas.microsoft.com/office/drawing/2014/main" id="{78A17BFD-65CB-45BB-943E-00D57598C10C}"/>
+              </a:ext>
+            </a:extLst>
+          </p:cNvPr>
+          <p:cNvGraphicFramePr>
+            <a:graphicFrameLocks noGrp="1"/>
+          </p:cNvGraphicFramePr>
+          <p:nvPr/>
+        </p:nvGraphicFramePr>
+        <p:xfrm>
+          <a:off x="377788" y="332656"/>
+          <a:ext cx="8388424" cy="6040120"/>
+        </p:xfrm>
+        <a:graphic>
+          <a:graphicData uri="http://schemas.openxmlformats.org/drawingml/2006/table">
+            <a:tbl>
+              <a:tblPr firstRow="1" bandRow="1">
+                <a:tableStyleId>{5C22544A-7EE6-4342-B048-85BDC9FD1C3A}</a:tableStyleId>
+              </a:tblPr>
+              <a:tblGrid>
+                <a:gridCol w="4194212">
+                  <a:extLst>
+                    <a:ext uri="{9D8B030D-6E8A-4147-A177-3AD203B41FA5}">
+                      <a16:colId xmlns:a16="http://schemas.microsoft.com/office/drawing/2014/main" val="2721695029"/>
+                    </a:ext>
+                  </a:extLst>
+                </a:gridCol>
+                <a:gridCol w="4194212">
+                  <a:extLst>
+                    <a:ext uri="{9D8B030D-6E8A-4147-A177-3AD203B41FA5}">
+                      <a16:colId xmlns:a16="http://schemas.microsoft.com/office/drawing/2014/main" val="1928942377"/>
+                    </a:ext>
+                  </a:extLst>
+                </a:gridCol>
+              </a:tblGrid>
+              <a:tr h="370840">
+                <a:tc gridSpan="2">
+                  <a:txBody>
+                    <a:bodyPr/>
+                    <a:lstStyle/>
+                    <a:p>
+                      <a:r>
+                        <a:rPr lang="en-US" dirty="0"/>
+                        <a:t>SIMATIC PCS 7</a:t>
+                      </a:r>
+                      <a:endParaRPr lang="ru-RU" dirty="0"/>
+                    </a:p>
+                  </a:txBody>
+                  <a:tcPr/>
+                </a:tc>
+                <a:tc hMerge="1">
+                  <a:txBody>
+                    <a:bodyPr/>
+                    <a:lstStyle/>
+                    <a:p>
+                      <a:endParaRPr lang="ru-RU" dirty="0"/>
+                    </a:p>
+                  </a:txBody>
+                  <a:tcPr/>
+                </a:tc>
+                <a:extLst>
+                  <a:ext uri="{0D108BD9-81ED-4DB2-BD59-A6C34878D82A}">
+                    <a16:rowId xmlns:a16="http://schemas.microsoft.com/office/drawing/2014/main" val="4035307881"/>
+                  </a:ext>
+                </a:extLst>
+              </a:tr>
+              <a:tr h="370840">
+                <a:tc>
+                  <a:txBody>
+                    <a:bodyPr/>
+                    <a:lstStyle/>
+                    <a:p>
+                      <a:r>
+                        <a:rPr lang="en-US" dirty="0"/>
+                        <a:t>AS Runtime license</a:t>
+                      </a:r>
+                      <a:endParaRPr lang="ru-RU" dirty="0"/>
+                    </a:p>
+                  </a:txBody>
+                  <a:tcPr/>
+                </a:tc>
+                <a:tc>
+                  <a:txBody>
+                    <a:bodyPr/>
+                    <a:lstStyle/>
+                    <a:p>
+                      <a:r>
+                        <a:rPr lang="ru-RU" dirty="0"/>
+                        <a:t>Цена зависит от объектов процесса (</a:t>
+                      </a:r>
+                      <a:r>
+                        <a:rPr lang="en-US" dirty="0"/>
+                        <a:t>PO 100</a:t>
+                      </a:r>
+                      <a:r>
+                        <a:rPr lang="ru-RU" dirty="0"/>
+                        <a:t>, </a:t>
+                      </a:r>
+                      <a:r>
+                        <a:rPr lang="en-US" dirty="0"/>
+                        <a:t>PO 1000</a:t>
+                      </a:r>
+                      <a:r>
+                        <a:rPr lang="ru-RU" dirty="0"/>
+                        <a:t> или </a:t>
+                      </a:r>
+                      <a:r>
+                        <a:rPr lang="en-US" dirty="0"/>
+                        <a:t>PO 10000</a:t>
+                      </a:r>
+                      <a:r>
+                        <a:rPr lang="ru-RU" dirty="0"/>
+                        <a:t>)</a:t>
+                      </a:r>
+                    </a:p>
+                  </a:txBody>
+                  <a:tcPr/>
+                </a:tc>
+                <a:extLst>
+                  <a:ext uri="{0D108BD9-81ED-4DB2-BD59-A6C34878D82A}">
+                    <a16:rowId xmlns:a16="http://schemas.microsoft.com/office/drawing/2014/main" val="2288873208"/>
+                  </a:ext>
+                </a:extLst>
+              </a:tr>
+              <a:tr h="370840">
+                <a:tc>
+                  <a:txBody>
+                    <a:bodyPr/>
+                    <a:lstStyle/>
+                    <a:p>
+                      <a:r>
+                        <a:rPr lang="en-US" dirty="0"/>
+                        <a:t>OS Runtime license</a:t>
+                      </a:r>
+                      <a:endParaRPr lang="ru-RU" dirty="0"/>
+                    </a:p>
+                  </a:txBody>
+                  <a:tcPr/>
+                </a:tc>
+                <a:tc>
+                  <a:txBody>
+                    <a:bodyPr/>
+                    <a:lstStyle/>
+                    <a:p>
+                      <a:pPr marL="0" marR="0" lvl="0" indent="0" algn="l" defTabSz="914400" rtl="0" eaLnBrk="1" fontAlgn="auto" latinLnBrk="0" hangingPunct="1">
+                        <a:lnSpc>
+                          <a:spcPct val="100000"/>
+                        </a:lnSpc>
+                        <a:spcBef>
+                          <a:spcPts val="0"/>
+                        </a:spcBef>
+                        <a:spcAft>
+                          <a:spcPts val="0"/>
+                        </a:spcAft>
+                        <a:buClrTx/>
+                        <a:buSzTx/>
+                        <a:buFontTx/>
+                        <a:buNone/>
+                        <a:tabLst/>
+                        <a:defRPr/>
+                      </a:pPr>
+                      <a:r>
+                        <a:rPr lang="ru-RU" dirty="0"/>
+                        <a:t>Цена зависит от объектов процесса (</a:t>
+                      </a:r>
+                      <a:r>
+                        <a:rPr lang="en-US" dirty="0"/>
+                        <a:t>PO 100</a:t>
+                      </a:r>
+                      <a:r>
+                        <a:rPr lang="ru-RU" dirty="0"/>
+                        <a:t>, </a:t>
+                      </a:r>
+                      <a:r>
+                        <a:rPr lang="en-US" dirty="0"/>
+                        <a:t>PO 1000</a:t>
+                      </a:r>
+                      <a:r>
+                        <a:rPr lang="ru-RU" dirty="0"/>
+                        <a:t> или </a:t>
+                      </a:r>
+                      <a:r>
+                        <a:rPr lang="en-US" dirty="0"/>
+                        <a:t>PO </a:t>
+                      </a:r>
+                      <a:r>
+                        <a:rPr lang="ru-RU" dirty="0"/>
+                        <a:t>5</a:t>
+                      </a:r>
+                      <a:r>
+                        <a:rPr lang="en-US" dirty="0"/>
+                        <a:t>000</a:t>
+                      </a:r>
+                      <a:r>
+                        <a:rPr lang="ru-RU" dirty="0"/>
+                        <a:t>)</a:t>
+                      </a:r>
+                    </a:p>
+                  </a:txBody>
+                  <a:tcPr/>
+                </a:tc>
+                <a:extLst>
+                  <a:ext uri="{0D108BD9-81ED-4DB2-BD59-A6C34878D82A}">
+                    <a16:rowId xmlns:a16="http://schemas.microsoft.com/office/drawing/2014/main" val="3615720567"/>
+                  </a:ext>
+                </a:extLst>
+              </a:tr>
+              <a:tr h="370840">
+                <a:tc>
+                  <a:txBody>
+                    <a:bodyPr/>
+                    <a:lstStyle/>
+                    <a:p>
+                      <a:r>
+                        <a:rPr lang="en-US" dirty="0"/>
+                        <a:t>OS archive</a:t>
+                      </a:r>
+                      <a:endParaRPr lang="ru-RU" dirty="0"/>
+                    </a:p>
+                  </a:txBody>
+                  <a:tcPr/>
+                </a:tc>
+                <a:tc>
+                  <a:txBody>
+                    <a:bodyPr/>
+                    <a:lstStyle/>
+                    <a:p>
+                      <a:r>
+                        <a:rPr lang="ru-RU" dirty="0"/>
+                        <a:t>Цена зависит от количества тегов (</a:t>
+                      </a:r>
+                      <a:r>
+                        <a:rPr lang="en-US" dirty="0"/>
+                        <a:t>1500 TAGS</a:t>
+                      </a:r>
+                      <a:r>
+                        <a:rPr lang="ru-RU" dirty="0"/>
+                        <a:t>, </a:t>
+                      </a:r>
+                      <a:r>
+                        <a:rPr lang="en-US" dirty="0"/>
+                        <a:t>5000 TAGS</a:t>
+                      </a:r>
+                      <a:r>
+                        <a:rPr lang="ru-RU" dirty="0"/>
+                        <a:t>, </a:t>
+                      </a:r>
+                      <a:r>
+                        <a:rPr lang="en-US" dirty="0"/>
+                        <a:t>10000 TAGS</a:t>
+                      </a:r>
+                      <a:r>
+                        <a:rPr lang="ru-RU" dirty="0"/>
+                        <a:t>, </a:t>
+                      </a:r>
+                      <a:r>
+                        <a:rPr lang="en-US" dirty="0"/>
+                        <a:t>30000 TAGS</a:t>
+                      </a:r>
+                      <a:r>
+                        <a:rPr lang="ru-RU" dirty="0"/>
+                        <a:t>)</a:t>
+                      </a:r>
+                    </a:p>
+                  </a:txBody>
+                  <a:tcPr/>
+                </a:tc>
+                <a:extLst>
+                  <a:ext uri="{0D108BD9-81ED-4DB2-BD59-A6C34878D82A}">
+                    <a16:rowId xmlns:a16="http://schemas.microsoft.com/office/drawing/2014/main" val="4078708724"/>
+                  </a:ext>
+                </a:extLst>
+              </a:tr>
+              <a:tr h="419432">
+                <a:tc>
+                  <a:txBody>
+                    <a:bodyPr/>
+                    <a:lstStyle/>
+                    <a:p>
+                      <a:r>
+                        <a:rPr lang="en-US" dirty="0"/>
+                        <a:t>PDM</a:t>
+                      </a:r>
+                      <a:endParaRPr lang="ru-RU" dirty="0"/>
+                    </a:p>
+                  </a:txBody>
+                  <a:tcPr/>
+                </a:tc>
+                <a:tc>
+                  <a:txBody>
+                    <a:bodyPr/>
+                    <a:lstStyle/>
+                    <a:p>
+                      <a:pPr marL="0" marR="0" lvl="0" indent="0" algn="l" defTabSz="914400" rtl="0" eaLnBrk="1" fontAlgn="auto" latinLnBrk="0" hangingPunct="1">
+                        <a:lnSpc>
+                          <a:spcPct val="100000"/>
+                        </a:lnSpc>
+                        <a:spcBef>
+                          <a:spcPts val="0"/>
+                        </a:spcBef>
+                        <a:spcAft>
+                          <a:spcPts val="0"/>
+                        </a:spcAft>
+                        <a:buClrTx/>
+                        <a:buSzTx/>
+                        <a:buFontTx/>
+                        <a:buNone/>
+                        <a:tabLst/>
+                        <a:defRPr/>
+                      </a:pPr>
+                      <a:r>
+                        <a:rPr lang="ru-RU" dirty="0"/>
+                        <a:t>Цена зависит от количества тегов (</a:t>
+                      </a:r>
+                      <a:r>
+                        <a:rPr lang="en-US" dirty="0"/>
+                        <a:t>1500 TAGS</a:t>
+                      </a:r>
+                      <a:r>
+                        <a:rPr lang="ru-RU" dirty="0"/>
+                        <a:t>, </a:t>
+                      </a:r>
+                      <a:r>
+                        <a:rPr lang="en-US" dirty="0"/>
+                        <a:t>5000 TAGS</a:t>
+                      </a:r>
+                      <a:r>
+                        <a:rPr lang="ru-RU" dirty="0"/>
+                        <a:t>, </a:t>
+                      </a:r>
+                      <a:r>
+                        <a:rPr lang="en-US" dirty="0"/>
+                        <a:t>10000 TAGS</a:t>
+                      </a:r>
+                      <a:r>
+                        <a:rPr lang="ru-RU" dirty="0"/>
+                        <a:t>, </a:t>
+                      </a:r>
+                      <a:r>
+                        <a:rPr lang="en-US" dirty="0"/>
+                        <a:t>30000 TAGS</a:t>
+                      </a:r>
+                      <a:r>
+                        <a:rPr lang="ru-RU" dirty="0"/>
+                        <a:t>)</a:t>
+                      </a:r>
+                    </a:p>
+                  </a:txBody>
+                  <a:tcPr/>
+                </a:tc>
+                <a:extLst>
+                  <a:ext uri="{0D108BD9-81ED-4DB2-BD59-A6C34878D82A}">
+                    <a16:rowId xmlns:a16="http://schemas.microsoft.com/office/drawing/2014/main" val="3769730462"/>
+                  </a:ext>
+                </a:extLst>
+              </a:tr>
+              <a:tr h="370840">
+                <a:tc>
+                  <a:txBody>
+                    <a:bodyPr/>
+                    <a:lstStyle/>
+                    <a:p>
+                      <a:r>
+                        <a:rPr lang="en-US" dirty="0"/>
+                        <a:t>BATCH</a:t>
+                      </a:r>
+                      <a:endParaRPr lang="ru-RU" dirty="0"/>
+                    </a:p>
+                  </a:txBody>
+                  <a:tcPr/>
+                </a:tc>
+                <a:tc>
+                  <a:txBody>
+                    <a:bodyPr/>
+                    <a:lstStyle/>
+                    <a:p>
+                      <a:r>
+                        <a:rPr lang="ru-RU" dirty="0"/>
+                        <a:t>Цена зависит от количества единиц (</a:t>
+                      </a:r>
+                      <a:r>
+                        <a:rPr lang="en-US" dirty="0"/>
+                        <a:t>1 UNIT</a:t>
+                      </a:r>
+                      <a:r>
+                        <a:rPr lang="ru-RU" dirty="0"/>
+                        <a:t>,</a:t>
+                      </a:r>
+                      <a:r>
+                        <a:rPr lang="en-US" dirty="0"/>
+                        <a:t> </a:t>
+                      </a:r>
+                      <a:r>
+                        <a:rPr lang="ru-RU" dirty="0"/>
+                        <a:t>10</a:t>
+                      </a:r>
+                      <a:r>
+                        <a:rPr lang="en-US" dirty="0"/>
+                        <a:t> UNIT</a:t>
+                      </a:r>
+                      <a:r>
+                        <a:rPr lang="ru-RU" dirty="0"/>
+                        <a:t>, 50 </a:t>
+                      </a:r>
+                      <a:r>
+                        <a:rPr lang="en-US" dirty="0"/>
+                        <a:t>UNIT</a:t>
+                      </a:r>
+                      <a:r>
+                        <a:rPr lang="ru-RU" dirty="0"/>
+                        <a:t>)</a:t>
+                      </a:r>
+                    </a:p>
+                  </a:txBody>
+                  <a:tcPr/>
+                </a:tc>
+                <a:extLst>
+                  <a:ext uri="{0D108BD9-81ED-4DB2-BD59-A6C34878D82A}">
+                    <a16:rowId xmlns:a16="http://schemas.microsoft.com/office/drawing/2014/main" val="4000178332"/>
+                  </a:ext>
+                </a:extLst>
+              </a:tr>
+              <a:tr h="370840">
+                <a:tc>
+                  <a:txBody>
+                    <a:bodyPr/>
+                    <a:lstStyle/>
+                    <a:p>
+                      <a:r>
+                        <a:rPr lang="en-US" dirty="0"/>
+                        <a:t>Route Control </a:t>
+                      </a:r>
+                      <a:r>
+                        <a:rPr lang="en-US" dirty="0">
+                          <a:highlight>
+                            <a:srgbClr val="FFFF00"/>
+                          </a:highlight>
+                        </a:rPr>
+                        <a:t>Routes</a:t>
+                      </a:r>
+                      <a:r>
+                        <a:rPr lang="en-US" dirty="0"/>
+                        <a:t> </a:t>
+                      </a:r>
+                      <a:endParaRPr lang="ru-RU" dirty="0"/>
+                    </a:p>
+                  </a:txBody>
+                  <a:tcPr/>
+                </a:tc>
+                <a:tc>
+                  <a:txBody>
+                    <a:bodyPr/>
+                    <a:lstStyle/>
+                    <a:p>
+                      <a:r>
+                        <a:rPr lang="ru-RU" dirty="0"/>
+                        <a:t>Цена зависит от количества ? (</a:t>
+                      </a:r>
+                      <a:r>
+                        <a:rPr lang="en-US" dirty="0"/>
+                        <a:t>10 ROUTES</a:t>
+                      </a:r>
+                      <a:r>
+                        <a:rPr lang="ru-RU" dirty="0"/>
+                        <a:t>, 5</a:t>
+                      </a:r>
+                      <a:r>
+                        <a:rPr lang="en-US" dirty="0"/>
+                        <a:t>0 ROUTES</a:t>
+                      </a:r>
+                      <a:r>
+                        <a:rPr lang="ru-RU" dirty="0"/>
+                        <a:t>)</a:t>
+                      </a:r>
+                    </a:p>
+                  </a:txBody>
+                  <a:tcPr/>
+                </a:tc>
+                <a:extLst>
+                  <a:ext uri="{0D108BD9-81ED-4DB2-BD59-A6C34878D82A}">
+                    <a16:rowId xmlns:a16="http://schemas.microsoft.com/office/drawing/2014/main" val="3337858158"/>
+                  </a:ext>
+                </a:extLst>
+              </a:tr>
+              <a:tr h="370840">
+                <a:tc>
+                  <a:txBody>
+                    <a:bodyPr/>
+                    <a:lstStyle/>
+                    <a:p>
+                      <a:r>
+                        <a:rPr lang="en-US" dirty="0"/>
+                        <a:t>Maintenance RT </a:t>
+                      </a:r>
+                      <a:endParaRPr lang="ru-RU" dirty="0"/>
+                    </a:p>
+                  </a:txBody>
+                  <a:tcPr/>
+                </a:tc>
+                <a:tc>
+                  <a:txBody>
+                    <a:bodyPr/>
+                    <a:lstStyle/>
+                    <a:p>
+                      <a:pPr marL="0" marR="0" lvl="0" indent="0" algn="l" defTabSz="914400" rtl="0" eaLnBrk="1" fontAlgn="auto" latinLnBrk="0" hangingPunct="1">
+                        <a:lnSpc>
+                          <a:spcPct val="100000"/>
+                        </a:lnSpc>
+                        <a:spcBef>
+                          <a:spcPts val="0"/>
+                        </a:spcBef>
+                        <a:spcAft>
+                          <a:spcPts val="0"/>
+                        </a:spcAft>
+                        <a:buClrTx/>
+                        <a:buSzTx/>
+                        <a:buFontTx/>
+                        <a:buNone/>
+                        <a:tabLst/>
+                        <a:defRPr/>
+                      </a:pPr>
+                      <a:r>
+                        <a:rPr lang="ru-RU" dirty="0"/>
+                        <a:t>Цена зависит от количества тегов (1</a:t>
+                      </a:r>
+                      <a:r>
+                        <a:rPr lang="en-US" dirty="0"/>
+                        <a:t>00 TAGS</a:t>
+                      </a:r>
+                      <a:r>
+                        <a:rPr lang="ru-RU" dirty="0"/>
+                        <a:t>, 1</a:t>
+                      </a:r>
+                      <a:r>
+                        <a:rPr lang="en-US" dirty="0"/>
+                        <a:t>000 TAGS</a:t>
+                      </a:r>
+                      <a:r>
+                        <a:rPr lang="ru-RU" dirty="0"/>
+                        <a:t>)</a:t>
+                      </a:r>
+                    </a:p>
+                  </a:txBody>
+                  <a:tcPr/>
+                </a:tc>
+                <a:extLst>
+                  <a:ext uri="{0D108BD9-81ED-4DB2-BD59-A6C34878D82A}">
+                    <a16:rowId xmlns:a16="http://schemas.microsoft.com/office/drawing/2014/main" val="1568899916"/>
+                  </a:ext>
+                </a:extLst>
+              </a:tr>
+              <a:tr h="370840">
+                <a:tc>
+                  <a:txBody>
+                    <a:bodyPr/>
+                    <a:lstStyle/>
+                    <a:p>
+                      <a:r>
+                        <a:rPr lang="en-US" dirty="0"/>
+                        <a:t>SIMATIC Management Console </a:t>
+                      </a:r>
+                      <a:endParaRPr lang="ru-RU" dirty="0"/>
+                    </a:p>
+                  </a:txBody>
+                  <a:tcPr/>
+                </a:tc>
+                <a:tc>
+                  <a:txBody>
+                    <a:bodyPr/>
+                    <a:lstStyle/>
+                    <a:p>
+                      <a:r>
+                        <a:rPr lang="ru-RU" dirty="0"/>
+                        <a:t>Цена зависит от количества агентов </a:t>
+                      </a:r>
+                      <a:r>
+                        <a:rPr lang="en-US" dirty="0"/>
+                        <a:t>(10 AGENTS</a:t>
+                      </a:r>
+                      <a:r>
+                        <a:rPr lang="ru-RU" dirty="0"/>
+                        <a:t>, 5</a:t>
+                      </a:r>
+                      <a:r>
+                        <a:rPr lang="en-US" dirty="0"/>
+                        <a:t>0 AGENTS</a:t>
+                      </a:r>
+                      <a:r>
+                        <a:rPr lang="ru-RU" dirty="0"/>
+                        <a:t>, </a:t>
+                      </a:r>
+                      <a:r>
+                        <a:rPr lang="en-US" dirty="0"/>
+                        <a:t>10</a:t>
+                      </a:r>
+                      <a:r>
+                        <a:rPr lang="ru-RU" dirty="0"/>
+                        <a:t>0</a:t>
+                      </a:r>
+                      <a:r>
+                        <a:rPr lang="en-US" dirty="0"/>
+                        <a:t> AGENTS)</a:t>
+                      </a:r>
+                      <a:endParaRPr lang="ru-RU" dirty="0"/>
+                    </a:p>
+                  </a:txBody>
+                  <a:tcPr/>
+                </a:tc>
+                <a:extLst>
+                  <a:ext uri="{0D108BD9-81ED-4DB2-BD59-A6C34878D82A}">
+                    <a16:rowId xmlns:a16="http://schemas.microsoft.com/office/drawing/2014/main" val="2967167339"/>
+                  </a:ext>
+                </a:extLst>
+              </a:tr>
+            </a:tbl>
+          </a:graphicData>
+        </a:graphic>
+      </p:graphicFrame>
+    </p:spTree>
+    <p:extLst>
+      <p:ext uri="{BB962C8B-B14F-4D97-AF65-F5344CB8AC3E}">
+        <p14:creationId xmlns:p14="http://schemas.microsoft.com/office/powerpoint/2010/main" val="3138048962"/>
+      </p:ext>
+    </p:extLst>
+  </p:cSld>
+  <p:clrMapOvr>
+    <a:masterClrMapping/>
+  </p:clrMapOvr>
+</p:sld>
+</file>
+
+<file path=ppt/slides/slide2.xml><?xml version="1.0" encoding="utf-8"?>
+<p:sld xmlns:a="http://schemas.openxmlformats.org/drawingml/2006/main" xmlns:r="http://schemas.openxmlformats.org/officeDocument/2006/relationships" xmlns:p="http://schemas.openxmlformats.org/presentationml/2006/main">
+  <p:cSld>
+    <p:spTree>
+      <p:nvGrpSpPr>
+        <p:cNvPr id="1" name=""/>
+        <p:cNvGrpSpPr/>
+        <p:nvPr/>
+      </p:nvGrpSpPr>
+      <p:grpSpPr>
+        <a:xfrm>
+          <a:off x="0" y="0"/>
+          <a:ext cx="0" cy="0"/>
+          <a:chOff x="0" y="0"/>
+          <a:chExt cx="0" cy="0"/>
+        </a:xfrm>
+      </p:grpSpPr>
+      <p:sp>
+        <p:nvSpPr>
+          <p:cNvPr id="2" name="Заголовок 1">
+            <a:extLst>
+              <a:ext uri="{FF2B5EF4-FFF2-40B4-BE49-F238E27FC236}">
+                <a16:creationId xmlns:a16="http://schemas.microsoft.com/office/drawing/2014/main" id="{8811ABCF-0325-47AE-8184-46511C88DC3B}"/>
+              </a:ext>
+            </a:extLst>
+          </p:cNvPr>
+          <p:cNvSpPr>
+            <a:spLocks noGrp="1"/>
+          </p:cNvSpPr>
+          <p:nvPr>
+            <p:ph type="title"/>
+          </p:nvPr>
+        </p:nvSpPr>
+        <p:spPr/>
+        <p:txBody>
+          <a:bodyPr>
+            <a:normAutofit fontScale="90000"/>
+          </a:bodyPr>
+          <a:lstStyle/>
+          <a:p>
+            <a:pPr algn="ctr"/>
+            <a:r>
+              <a:rPr lang="ru-RU" dirty="0">
+                <a:solidFill>
+                  <a:schemeClr val="bg1"/>
+                </a:solidFill>
+              </a:rPr>
+              <a:t>Одиночная система</a:t>
+            </a:r>
+            <a:r>
+              <a:rPr lang="en-US" dirty="0">
+                <a:solidFill>
+                  <a:schemeClr val="bg1"/>
+                </a:solidFill>
+              </a:rPr>
+              <a:t> (standalone)</a:t>
+            </a:r>
+            <a:br>
+              <a:rPr lang="ru-RU" dirty="0">
+                <a:solidFill>
+                  <a:schemeClr val="bg1"/>
+                </a:solidFill>
+              </a:rPr>
+            </a:br>
+            <a:endParaRPr lang="ru-RU" dirty="0"/>
+          </a:p>
+        </p:txBody>
+      </p:sp>
+      <p:pic>
+        <p:nvPicPr>
+          <p:cNvPr id="4" name="Объект 3">
+            <a:extLst>
+              <a:ext uri="{FF2B5EF4-FFF2-40B4-BE49-F238E27FC236}">
+                <a16:creationId xmlns:a16="http://schemas.microsoft.com/office/drawing/2014/main" id="{F80F4574-CF8B-4D37-8270-BB4789B97502}"/>
+              </a:ext>
+            </a:extLst>
+          </p:cNvPr>
+          <p:cNvPicPr>
+            <a:picLocks noGrp="1" noChangeAspect="1"/>
+          </p:cNvPicPr>
+          <p:nvPr>
+            <p:ph idx="1"/>
+          </p:nvPr>
+        </p:nvPicPr>
+        <p:blipFill>
+          <a:blip r:embed="rId2">
+            <a:extLst>
+              <a:ext uri="{28A0092B-C50C-407E-A947-70E740481C1C}">
+                <a14:useLocalDpi xmlns:a14="http://schemas.microsoft.com/office/drawing/2010/main" val="0"/>
+              </a:ext>
+            </a:extLst>
+          </a:blip>
+          <a:stretch>
+            <a:fillRect/>
+          </a:stretch>
+        </p:blipFill>
+        <p:spPr>
+          <a:xfrm>
+            <a:off x="2003127" y="1700808"/>
+            <a:ext cx="5137746" cy="4018384"/>
+          </a:xfrm>
+          <a:prstGeom prst="rect">
+            <a:avLst/>
+          </a:prstGeom>
+          <a:effectLst>
+            <a:softEdge rad="165100"/>
+          </a:effectLst>
+        </p:spPr>
+      </p:pic>
+    </p:spTree>
+    <p:extLst>
+      <p:ext uri="{BB962C8B-B14F-4D97-AF65-F5344CB8AC3E}">
+        <p14:creationId xmlns:p14="http://schemas.microsoft.com/office/powerpoint/2010/main" val="4011149490"/>
+      </p:ext>
+    </p:extLst>
+  </p:cSld>
+  <p:clrMapOvr>
+    <a:masterClrMapping/>
+  </p:clrMapOvr>
+</p:sld>
+</file>
+
+<file path=ppt/slides/slide3.xml><?xml version="1.0" encoding="utf-8"?>
+<p:sld xmlns:a="http://schemas.openxmlformats.org/drawingml/2006/main" xmlns:r="http://schemas.openxmlformats.org/officeDocument/2006/relationships" xmlns:p="http://schemas.openxmlformats.org/presentationml/2006/main">
+  <p:cSld>
+    <p:spTree>
+      <p:nvGrpSpPr>
+        <p:cNvPr id="1" name=""/>
+        <p:cNvGrpSpPr/>
+        <p:nvPr/>
+      </p:nvGrpSpPr>
+      <p:grpSpPr>
+        <a:xfrm>
+          <a:off x="0" y="0"/>
+          <a:ext cx="0" cy="0"/>
+          <a:chOff x="0" y="0"/>
+          <a:chExt cx="0" cy="0"/>
+        </a:xfrm>
+      </p:grpSpPr>
+      <p:sp>
+        <p:nvSpPr>
+          <p:cNvPr id="2" name="Заголовок 1">
+            <a:extLst>
+              <a:ext uri="{FF2B5EF4-FFF2-40B4-BE49-F238E27FC236}">
+                <a16:creationId xmlns:a16="http://schemas.microsoft.com/office/drawing/2014/main" id="{CECE6684-78D0-4132-BBC8-F6C2FA648A8D}"/>
+              </a:ext>
+            </a:extLst>
+          </p:cNvPr>
+          <p:cNvSpPr>
+            <a:spLocks noGrp="1"/>
+          </p:cNvSpPr>
+          <p:nvPr>
+            <p:ph type="title"/>
+          </p:nvPr>
+        </p:nvSpPr>
+        <p:spPr/>
+        <p:txBody>
+          <a:bodyPr/>
+          <a:lstStyle/>
+          <a:p>
+            <a:pPr algn="ctr"/>
+            <a:r>
+              <a:rPr lang="ru-RU" dirty="0">
+                <a:solidFill>
+                  <a:schemeClr val="bg1"/>
+                </a:solidFill>
+              </a:rPr>
+              <a:t>Клиент-серверная система</a:t>
+            </a:r>
+            <a:endParaRPr lang="ru-RU" dirty="0"/>
+          </a:p>
+        </p:txBody>
+      </p:sp>
+      <p:sp>
+        <p:nvSpPr>
+          <p:cNvPr id="4" name="Объект 2">
+            <a:extLst>
+              <a:ext uri="{FF2B5EF4-FFF2-40B4-BE49-F238E27FC236}">
+                <a16:creationId xmlns:a16="http://schemas.microsoft.com/office/drawing/2014/main" id="{60BD0E87-E1D9-4217-94E4-C32F0B40E583}"/>
+              </a:ext>
+            </a:extLst>
+          </p:cNvPr>
+          <p:cNvSpPr txBox="1">
+            <a:spLocks/>
+          </p:cNvSpPr>
+          <p:nvPr/>
+        </p:nvSpPr>
+        <p:spPr>
+          <a:xfrm>
+            <a:off x="1979712" y="819198"/>
+            <a:ext cx="6020195" cy="1354089"/>
+          </a:xfrm>
+          <a:prstGeom prst="rect">
+            <a:avLst/>
+          </a:prstGeom>
+        </p:spPr>
+        <p:txBody>
+          <a:bodyPr/>
+          <a:lstStyle>
+            <a:lvl1pPr marL="228600" indent="-228600" algn="l" defTabSz="914400" rtl="0" eaLnBrk="1" latinLnBrk="0" hangingPunct="1">
+              <a:lnSpc>
+                <a:spcPct val="120000"/>
+              </a:lnSpc>
+              <a:spcBef>
+                <a:spcPts val="1000"/>
+              </a:spcBef>
+              <a:buSzPct val="125000"/>
+              <a:buFont typeface="Arial" panose="020B0604020202020204" pitchFamily="34" charset="0"/>
+              <a:buChar char="•"/>
+              <a:defRPr sz="2400" kern="1200">
+                <a:solidFill>
+                  <a:schemeClr val="tx1"/>
+                </a:solidFill>
+                <a:latin typeface="+mn-lt"/>
+                <a:ea typeface="+mn-ea"/>
+                <a:cs typeface="+mn-cs"/>
+              </a:defRPr>
+            </a:lvl1pPr>
+            <a:lvl2pPr marL="685800" indent="-228600" algn="l" defTabSz="914400" rtl="0" eaLnBrk="1" latinLnBrk="0" hangingPunct="1">
+              <a:lnSpc>
+                <a:spcPct val="120000"/>
+              </a:lnSpc>
+              <a:spcBef>
+                <a:spcPts val="500"/>
+              </a:spcBef>
+              <a:buSzPct val="125000"/>
+              <a:buFont typeface="Arial" panose="020B0604020202020204" pitchFamily="34" charset="0"/>
+              <a:buChar char="•"/>
+              <a:defRPr sz="2000" kern="1200">
+                <a:solidFill>
+                  <a:schemeClr val="tx1"/>
+                </a:solidFill>
+                <a:latin typeface="+mn-lt"/>
+                <a:ea typeface="+mn-ea"/>
+                <a:cs typeface="+mn-cs"/>
+              </a:defRPr>
+            </a:lvl2pPr>
+            <a:lvl3pPr marL="1143000" indent="-228600" algn="l" defTabSz="914400" rtl="0" eaLnBrk="1" latinLnBrk="0" hangingPunct="1">
+              <a:lnSpc>
+                <a:spcPct val="120000"/>
+              </a:lnSpc>
+              <a:spcBef>
+                <a:spcPts val="500"/>
+              </a:spcBef>
+              <a:buSzPct val="125000"/>
+              <a:buFont typeface="Arial" panose="020B0604020202020204" pitchFamily="34" charset="0"/>
+              <a:buChar char="•"/>
+              <a:defRPr sz="1800" kern="1200">
+                <a:solidFill>
+                  <a:schemeClr val="tx1"/>
+                </a:solidFill>
+                <a:latin typeface="+mn-lt"/>
+                <a:ea typeface="+mn-ea"/>
+                <a:cs typeface="+mn-cs"/>
+              </a:defRPr>
+            </a:lvl3pPr>
+            <a:lvl4pPr marL="1600200" indent="-228600" algn="l" defTabSz="914400" rtl="0" eaLnBrk="1" latinLnBrk="0" hangingPunct="1">
+              <a:lnSpc>
+                <a:spcPct val="120000"/>
+              </a:lnSpc>
+              <a:spcBef>
+                <a:spcPts val="500"/>
+              </a:spcBef>
+              <a:buSzPct val="125000"/>
+              <a:buFont typeface="Arial" panose="020B0604020202020204" pitchFamily="34" charset="0"/>
+              <a:buChar char="•"/>
+              <a:defRPr sz="1600" kern="1200">
+                <a:solidFill>
+                  <a:schemeClr val="tx1"/>
+                </a:solidFill>
+                <a:latin typeface="+mn-lt"/>
+                <a:ea typeface="+mn-ea"/>
+                <a:cs typeface="+mn-cs"/>
+              </a:defRPr>
+            </a:lvl4pPr>
+            <a:lvl5pPr marL="2057400" indent="-228600" algn="l" defTabSz="914400" rtl="0" eaLnBrk="1" latinLnBrk="0" hangingPunct="1">
+              <a:lnSpc>
+                <a:spcPct val="120000"/>
+              </a:lnSpc>
+              <a:spcBef>
+                <a:spcPts val="500"/>
+              </a:spcBef>
+              <a:buSzPct val="125000"/>
+              <a:buFont typeface="Arial" panose="020B0604020202020204" pitchFamily="34" charset="0"/>
+              <a:buChar char="•"/>
+              <a:defRPr sz="1600" kern="1200">
+                <a:solidFill>
+                  <a:schemeClr val="tx1"/>
+                </a:solidFill>
+                <a:latin typeface="+mn-lt"/>
+                <a:ea typeface="+mn-ea"/>
+                <a:cs typeface="+mn-cs"/>
+              </a:defRPr>
+            </a:lvl5pPr>
+            <a:lvl6pPr marL="2514600" indent="-228600" algn="l" defTabSz="914400" rtl="0" eaLnBrk="1" latinLnBrk="0" hangingPunct="1">
+              <a:lnSpc>
+                <a:spcPct val="120000"/>
+              </a:lnSpc>
+              <a:spcBef>
+                <a:spcPts val="500"/>
+              </a:spcBef>
+              <a:buSzPct val="125000"/>
+              <a:buFont typeface="Arial" panose="020B0604020202020204" pitchFamily="34" charset="0"/>
+              <a:buChar char="•"/>
+              <a:defRPr sz="1400" kern="1200">
+                <a:solidFill>
+                  <a:schemeClr val="tx1"/>
+                </a:solidFill>
+                <a:latin typeface="+mn-lt"/>
+                <a:ea typeface="+mn-ea"/>
+                <a:cs typeface="+mn-cs"/>
+              </a:defRPr>
+            </a:lvl6pPr>
+            <a:lvl7pPr marL="2971800" indent="-228600" algn="l" defTabSz="914400" rtl="0" eaLnBrk="1" latinLnBrk="0" hangingPunct="1">
+              <a:lnSpc>
+                <a:spcPct val="120000"/>
+              </a:lnSpc>
+              <a:spcBef>
+                <a:spcPts val="500"/>
+              </a:spcBef>
+              <a:buSzPct val="125000"/>
+              <a:buFont typeface="Arial" panose="020B0604020202020204" pitchFamily="34" charset="0"/>
+              <a:buChar char="•"/>
+              <a:defRPr sz="1400" kern="1200">
+                <a:solidFill>
+                  <a:schemeClr val="tx1"/>
+                </a:solidFill>
+                <a:latin typeface="+mn-lt"/>
+                <a:ea typeface="+mn-ea"/>
+                <a:cs typeface="+mn-cs"/>
+              </a:defRPr>
+            </a:lvl7pPr>
+            <a:lvl8pPr marL="3429000" indent="-228600" algn="l" defTabSz="914400" rtl="0" eaLnBrk="1" latinLnBrk="0" hangingPunct="1">
+              <a:lnSpc>
+                <a:spcPct val="120000"/>
+              </a:lnSpc>
+              <a:spcBef>
+                <a:spcPts val="500"/>
+              </a:spcBef>
+              <a:buSzPct val="125000"/>
+              <a:buFont typeface="Arial" panose="020B0604020202020204" pitchFamily="34" charset="0"/>
+              <a:buChar char="•"/>
+              <a:defRPr sz="1400" kern="1200">
+                <a:solidFill>
+                  <a:schemeClr val="tx1"/>
+                </a:solidFill>
+                <a:latin typeface="+mn-lt"/>
+                <a:ea typeface="+mn-ea"/>
+                <a:cs typeface="+mn-cs"/>
+              </a:defRPr>
+            </a:lvl8pPr>
+            <a:lvl9pPr marL="3886200" indent="-228600" algn="l" defTabSz="914400" rtl="0" eaLnBrk="1" latinLnBrk="0" hangingPunct="1">
+              <a:lnSpc>
+                <a:spcPct val="120000"/>
+              </a:lnSpc>
+              <a:spcBef>
+                <a:spcPts val="500"/>
+              </a:spcBef>
+              <a:buSzPct val="125000"/>
+              <a:buFont typeface="Arial" panose="020B0604020202020204" pitchFamily="34" charset="0"/>
+              <a:buChar char="•"/>
+              <a:defRPr sz="1400" kern="1200">
+                <a:solidFill>
+                  <a:schemeClr val="tx1"/>
+                </a:solidFill>
+                <a:latin typeface="+mn-lt"/>
+                <a:ea typeface="+mn-ea"/>
+                <a:cs typeface="+mn-cs"/>
+              </a:defRPr>
+            </a:lvl9pPr>
+          </a:lstStyle>
+          <a:p>
+            <a:pPr marL="0" indent="0">
+              <a:buFont typeface="Arial" panose="020B0604020202020204" pitchFamily="34" charset="0"/>
+              <a:buNone/>
+            </a:pPr>
+            <a:endParaRPr lang="ru-RU" dirty="0">
+              <a:solidFill>
+                <a:schemeClr val="bg1"/>
+              </a:solidFill>
+            </a:endParaRPr>
+          </a:p>
+        </p:txBody>
+      </p:sp>
+      <p:pic>
+        <p:nvPicPr>
+          <p:cNvPr id="6" name="Объект 5">
+            <a:extLst>
+              <a:ext uri="{FF2B5EF4-FFF2-40B4-BE49-F238E27FC236}">
+                <a16:creationId xmlns:a16="http://schemas.microsoft.com/office/drawing/2014/main" id="{53028679-2AB2-4D9E-B63A-796D1D3EBDAF}"/>
+              </a:ext>
+            </a:extLst>
+          </p:cNvPr>
+          <p:cNvPicPr>
+            <a:picLocks noGrp="1" noChangeAspect="1"/>
+          </p:cNvPicPr>
+          <p:nvPr>
+            <p:ph idx="1"/>
+          </p:nvPr>
+        </p:nvPicPr>
+        <p:blipFill>
+          <a:blip r:embed="rId2">
+            <a:extLst>
+              <a:ext uri="{28A0092B-C50C-407E-A947-70E740481C1C}">
+                <a14:useLocalDpi xmlns:a14="http://schemas.microsoft.com/office/drawing/2010/main" val="0"/>
+              </a:ext>
+            </a:extLst>
+          </a:blip>
+          <a:stretch>
+            <a:fillRect/>
+          </a:stretch>
+        </p:blipFill>
+        <p:spPr>
+          <a:xfrm>
+            <a:off x="2144952" y="1948161"/>
+            <a:ext cx="5003928" cy="4164946"/>
+          </a:xfrm>
+          <a:prstGeom prst="rect">
+            <a:avLst/>
+          </a:prstGeom>
+          <a:effectLst>
+            <a:softEdge rad="152400"/>
+          </a:effectLst>
+        </p:spPr>
+      </p:pic>
+    </p:spTree>
+    <p:extLst>
+      <p:ext uri="{BB962C8B-B14F-4D97-AF65-F5344CB8AC3E}">
+        <p14:creationId xmlns:p14="http://schemas.microsoft.com/office/powerpoint/2010/main" val="3581837533"/>
+      </p:ext>
+    </p:extLst>
+  </p:cSld>
+  <p:clrMapOvr>
+    <a:masterClrMapping/>
+  </p:clrMapOvr>
+</p:sld>
+</file>
+
+<file path=ppt/slides/slide4.xml><?xml version="1.0" encoding="utf-8"?>
+<p:sld xmlns:a="http://schemas.openxmlformats.org/drawingml/2006/main" xmlns:r="http://schemas.openxmlformats.org/officeDocument/2006/relationships" xmlns:p="http://schemas.openxmlformats.org/presentationml/2006/main">
+  <p:cSld>
+    <p:spTree>
+      <p:nvGrpSpPr>
+        <p:cNvPr id="1" name=""/>
+        <p:cNvGrpSpPr/>
+        <p:nvPr/>
+      </p:nvGrpSpPr>
+      <p:grpSpPr>
+        <a:xfrm>
+          <a:off x="0" y="0"/>
+          <a:ext cx="0" cy="0"/>
+          <a:chOff x="0" y="0"/>
+          <a:chExt cx="0" cy="0"/>
+        </a:xfrm>
+      </p:grpSpPr>
+      <p:sp>
+        <p:nvSpPr>
+          <p:cNvPr id="2" name="Прямоугольник 1">
+            <a:extLst>
+              <a:ext uri="{FF2B5EF4-FFF2-40B4-BE49-F238E27FC236}">
+                <a16:creationId xmlns:a16="http://schemas.microsoft.com/office/drawing/2014/main" id="{DFD8998E-B5D5-4466-AC4D-0363391AA0E2}"/>
+              </a:ext>
+            </a:extLst>
+          </p:cNvPr>
+          <p:cNvSpPr/>
+          <p:nvPr/>
+        </p:nvSpPr>
+        <p:spPr>
+          <a:xfrm>
+            <a:off x="1115616" y="908720"/>
+            <a:ext cx="6696744" cy="773417"/>
+          </a:xfrm>
+          <a:prstGeom prst="rect">
+            <a:avLst/>
+          </a:prstGeom>
+        </p:spPr>
+        <p:txBody>
+          <a:bodyPr wrap="square">
+            <a:spAutoFit/>
+          </a:bodyPr>
+          <a:lstStyle/>
+          <a:p>
+            <a:pPr algn="just">
+              <a:lnSpc>
+                <a:spcPct val="107000"/>
+              </a:lnSpc>
+              <a:spcAft>
+                <a:spcPts val="750"/>
+              </a:spcAft>
+            </a:pPr>
+            <a:r>
+              <a:rPr lang="ru-RU" sz="1400" dirty="0">
+                <a:solidFill>
+                  <a:schemeClr val="bg1"/>
+                </a:solidFill>
+                <a:ea typeface="Times New Roman" panose="02020603050405020304" pitchFamily="18" charset="0"/>
+                <a:cs typeface="Times New Roman" panose="02020603050405020304" pitchFamily="18" charset="0"/>
+              </a:rPr>
+              <a:t>Архивный</a:t>
+            </a:r>
+            <a:r>
+              <a:rPr lang="ru-RU" sz="1400" b="1" dirty="0">
+                <a:solidFill>
+                  <a:schemeClr val="bg1"/>
+                </a:solidFill>
+                <a:ea typeface="Times New Roman" panose="02020603050405020304" pitchFamily="18" charset="0"/>
+                <a:cs typeface="Times New Roman" panose="02020603050405020304" pitchFamily="18" charset="0"/>
+              </a:rPr>
+              <a:t> </a:t>
+            </a:r>
+            <a:r>
+              <a:rPr lang="ru-RU" sz="1400" dirty="0">
+                <a:solidFill>
+                  <a:schemeClr val="bg1"/>
+                </a:solidFill>
+                <a:ea typeface="Times New Roman" panose="02020603050405020304" pitchFamily="18" charset="0"/>
+                <a:cs typeface="Times New Roman" panose="02020603050405020304" pitchFamily="18" charset="0"/>
+              </a:rPr>
+              <a:t>сервер</a:t>
+            </a:r>
+            <a:r>
+              <a:rPr lang="ru-RU" sz="1400" b="1" dirty="0">
+                <a:solidFill>
+                  <a:schemeClr val="bg1"/>
+                </a:solidFill>
+                <a:ea typeface="Times New Roman" panose="02020603050405020304" pitchFamily="18" charset="0"/>
+                <a:cs typeface="Times New Roman" panose="02020603050405020304" pitchFamily="18" charset="0"/>
+              </a:rPr>
+              <a:t> </a:t>
+            </a:r>
+            <a:r>
+              <a:rPr lang="ru-RU" sz="1400" dirty="0">
+                <a:solidFill>
+                  <a:schemeClr val="bg1"/>
+                </a:solidFill>
+                <a:ea typeface="Times New Roman" panose="02020603050405020304" pitchFamily="18" charset="0"/>
+                <a:cs typeface="Times New Roman" panose="02020603050405020304" pitchFamily="18" charset="0"/>
+              </a:rPr>
+              <a:t>- менеджер записи, хранения и просмотра видео-, аудиоданных, а также истории событий системы в комплексе или индивидуально по каждому элементу безопасности.</a:t>
+            </a:r>
+            <a:endParaRPr lang="ru-RU" sz="1400" dirty="0">
+              <a:solidFill>
+                <a:schemeClr val="bg1"/>
+              </a:solidFill>
+              <a:ea typeface="Calibri" panose="020F0502020204030204" pitchFamily="34" charset="0"/>
+              <a:cs typeface="Times New Roman" panose="02020603050405020304" pitchFamily="18" charset="0"/>
+            </a:endParaRPr>
+          </a:p>
+        </p:txBody>
+      </p:sp>
+      <p:sp>
+        <p:nvSpPr>
+          <p:cNvPr id="3" name="Прямоугольник 2">
+            <a:extLst>
+              <a:ext uri="{FF2B5EF4-FFF2-40B4-BE49-F238E27FC236}">
+                <a16:creationId xmlns:a16="http://schemas.microsoft.com/office/drawing/2014/main" id="{318CAB4E-BE53-441C-8CE2-4FD64FF6DB15}"/>
+              </a:ext>
+            </a:extLst>
+          </p:cNvPr>
+          <p:cNvSpPr/>
+          <p:nvPr/>
+        </p:nvSpPr>
+        <p:spPr>
+          <a:xfrm>
+            <a:off x="1079612" y="2481305"/>
+            <a:ext cx="6768752" cy="773417"/>
+          </a:xfrm>
+          <a:prstGeom prst="rect">
+            <a:avLst/>
+          </a:prstGeom>
+        </p:spPr>
+        <p:txBody>
+          <a:bodyPr wrap="square">
+            <a:spAutoFit/>
+          </a:bodyPr>
+          <a:lstStyle/>
+          <a:p>
+            <a:pPr>
+              <a:lnSpc>
+                <a:spcPct val="107000"/>
+              </a:lnSpc>
+              <a:spcAft>
+                <a:spcPts val="800"/>
+              </a:spcAft>
+            </a:pPr>
+            <a:r>
+              <a:rPr lang="ru-RU" sz="1400" dirty="0">
+                <a:solidFill>
+                  <a:schemeClr val="bg1"/>
+                </a:solidFill>
+                <a:ea typeface="Calibri" panose="020F0502020204030204" pitchFamily="34" charset="0"/>
+                <a:cs typeface="Times New Roman" panose="02020603050405020304" pitchFamily="18" charset="0"/>
+              </a:rPr>
+              <a:t>Сервер ввода/вывода - служит для связи системы диспетчеризации с технологической системой, управляет информацией и записывает всю эту информацию в базу данных. </a:t>
+            </a:r>
+            <a:endParaRPr lang="ru-RU" sz="1400" dirty="0">
+              <a:solidFill>
+                <a:schemeClr val="bg1"/>
+              </a:solidFill>
+              <a:effectLst/>
+              <a:ea typeface="Calibri" panose="020F0502020204030204" pitchFamily="34" charset="0"/>
+              <a:cs typeface="Times New Roman" panose="02020603050405020304" pitchFamily="18" charset="0"/>
+            </a:endParaRPr>
+          </a:p>
+        </p:txBody>
+      </p:sp>
+      <p:sp>
+        <p:nvSpPr>
+          <p:cNvPr id="4" name="Прямоугольник 3">
+            <a:extLst>
+              <a:ext uri="{FF2B5EF4-FFF2-40B4-BE49-F238E27FC236}">
+                <a16:creationId xmlns:a16="http://schemas.microsoft.com/office/drawing/2014/main" id="{9ECB7917-6474-4B27-85E5-478027AF2536}"/>
+              </a:ext>
+            </a:extLst>
+          </p:cNvPr>
+          <p:cNvSpPr/>
+          <p:nvPr/>
+        </p:nvSpPr>
+        <p:spPr>
+          <a:xfrm>
+            <a:off x="1115616" y="4081064"/>
+            <a:ext cx="6984776" cy="1003929"/>
+          </a:xfrm>
+          <a:prstGeom prst="rect">
+            <a:avLst/>
+          </a:prstGeom>
+        </p:spPr>
+        <p:txBody>
+          <a:bodyPr wrap="square">
+            <a:spAutoFit/>
+          </a:bodyPr>
+          <a:lstStyle/>
+          <a:p>
+            <a:pPr>
+              <a:lnSpc>
+                <a:spcPct val="107000"/>
+              </a:lnSpc>
+              <a:spcAft>
+                <a:spcPts val="800"/>
+              </a:spcAft>
+            </a:pPr>
+            <a:r>
+              <a:rPr lang="ru-RU" sz="1400" dirty="0">
+                <a:solidFill>
+                  <a:schemeClr val="bg1"/>
+                </a:solidFill>
+                <a:ea typeface="Calibri" panose="020F0502020204030204" pitchFamily="34" charset="0"/>
+                <a:cs typeface="Times New Roman" panose="02020603050405020304" pitchFamily="18" charset="0"/>
+              </a:rPr>
+              <a:t>Сервер приложений - это программная платформа, предназначенная для эффективного исполнения процедур, на которых построены приложения. Сервер приложений действует как набор компонентов, доступных разработчику программного обеспечения через API, определённый самой платформой.</a:t>
+            </a:r>
+            <a:endParaRPr lang="ru-RU" sz="1400" dirty="0">
+              <a:solidFill>
+                <a:schemeClr val="bg1"/>
+              </a:solidFill>
+              <a:effectLst/>
+              <a:ea typeface="Calibri" panose="020F0502020204030204" pitchFamily="34" charset="0"/>
+              <a:cs typeface="Times New Roman" panose="02020603050405020304" pitchFamily="18" charset="0"/>
+            </a:endParaRPr>
+          </a:p>
+        </p:txBody>
+      </p:sp>
+    </p:spTree>
+    <p:extLst>
+      <p:ext uri="{BB962C8B-B14F-4D97-AF65-F5344CB8AC3E}">
+        <p14:creationId xmlns:p14="http://schemas.microsoft.com/office/powerpoint/2010/main" val="747601386"/>
+      </p:ext>
+    </p:extLst>
+  </p:cSld>
+  <p:clrMapOvr>
+    <a:masterClrMapping/>
+  </p:clrMapOvr>
+</p:sld>
+</file>
+
+<file path=ppt/slides/slide5.xml><?xml version="1.0" encoding="utf-8"?>
+<p:sld xmlns:a="http://schemas.openxmlformats.org/drawingml/2006/main" xmlns:r="http://schemas.openxmlformats.org/officeDocument/2006/relationships" xmlns:p="http://schemas.openxmlformats.org/presentationml/2006/main">
+  <p:cSld>
+    <p:spTree>
+      <p:nvGrpSpPr>
+        <p:cNvPr id="1" name=""/>
+        <p:cNvGrpSpPr/>
+        <p:nvPr/>
+      </p:nvGrpSpPr>
+      <p:grpSpPr>
+        <a:xfrm>
+          <a:off x="0" y="0"/>
+          <a:ext cx="0" cy="0"/>
+          <a:chOff x="0" y="0"/>
+          <a:chExt cx="0" cy="0"/>
+        </a:xfrm>
+      </p:grpSpPr>
+      <p:sp>
+        <p:nvSpPr>
+          <p:cNvPr id="4" name="Объект 2">
+            <a:extLst>
+              <a:ext uri="{FF2B5EF4-FFF2-40B4-BE49-F238E27FC236}">
+                <a16:creationId xmlns:a16="http://schemas.microsoft.com/office/drawing/2014/main" id="{9F5B0597-4377-4FA3-A403-89FCAC17CDB4}"/>
+              </a:ext>
+            </a:extLst>
+          </p:cNvPr>
+          <p:cNvSpPr>
+            <a:spLocks noGrp="1"/>
+          </p:cNvSpPr>
+          <p:nvPr>
+            <p:ph type="title"/>
+          </p:nvPr>
+        </p:nvSpPr>
+        <p:spPr>
+          <a:xfrm>
+            <a:off x="855663" y="619125"/>
+            <a:ext cx="7429500" cy="1477963"/>
+          </a:xfrm>
+        </p:spPr>
+        <p:txBody>
+          <a:bodyPr/>
+          <a:lstStyle/>
+          <a:p>
+            <a:pPr marL="0" indent="0" algn="ctr">
+              <a:buNone/>
+            </a:pPr>
+            <a:r>
+              <a:rPr lang="ru-RU" dirty="0">
+                <a:solidFill>
+                  <a:schemeClr val="bg1"/>
+                </a:solidFill>
+              </a:rPr>
+              <a:t>Резервированная </a:t>
+            </a:r>
+            <a:r>
+              <a:rPr lang="ru-RU" sz="3200" dirty="0">
+                <a:solidFill>
+                  <a:schemeClr val="bg1"/>
+                </a:solidFill>
+              </a:rPr>
+              <a:t>система</a:t>
+            </a:r>
+          </a:p>
+        </p:txBody>
+      </p:sp>
+      <p:pic>
+        <p:nvPicPr>
+          <p:cNvPr id="5" name="Объект 4">
+            <a:extLst>
+              <a:ext uri="{FF2B5EF4-FFF2-40B4-BE49-F238E27FC236}">
+                <a16:creationId xmlns:a16="http://schemas.microsoft.com/office/drawing/2014/main" id="{40A0DF21-ACD0-4784-B380-5620B2481A16}"/>
+              </a:ext>
+            </a:extLst>
+          </p:cNvPr>
+          <p:cNvPicPr>
+            <a:picLocks noGrp="1" noChangeAspect="1"/>
+          </p:cNvPicPr>
+          <p:nvPr>
+            <p:ph idx="1"/>
+          </p:nvPr>
+        </p:nvPicPr>
+        <p:blipFill>
+          <a:blip r:embed="rId2">
+            <a:extLst>
+              <a:ext uri="{28A0092B-C50C-407E-A947-70E740481C1C}">
+                <a14:useLocalDpi xmlns:a14="http://schemas.microsoft.com/office/drawing/2010/main" val="0"/>
+              </a:ext>
+            </a:extLst>
+          </a:blip>
+          <a:stretch>
+            <a:fillRect/>
+          </a:stretch>
+        </p:blipFill>
+        <p:spPr>
+          <a:xfrm>
+            <a:off x="2051720" y="1772816"/>
+            <a:ext cx="5317105" cy="3979027"/>
+          </a:xfrm>
+          <a:prstGeom prst="rect">
+            <a:avLst/>
+          </a:prstGeom>
+          <a:effectLst>
+            <a:softEdge rad="203200"/>
+          </a:effectLst>
+        </p:spPr>
+      </p:pic>
+    </p:spTree>
+    <p:extLst>
+      <p:ext uri="{BB962C8B-B14F-4D97-AF65-F5344CB8AC3E}">
+        <p14:creationId xmlns:p14="http://schemas.microsoft.com/office/powerpoint/2010/main" val="1550354289"/>
+      </p:ext>
+    </p:extLst>
+  </p:cSld>
+  <p:clrMapOvr>
+    <a:masterClrMapping/>
+  </p:clrMapOvr>
+</p:sld>
+</file>
+
+<file path=ppt/slides/slide6.xml><?xml version="1.0" encoding="utf-8"?>
+<p:sld xmlns:a="http://schemas.openxmlformats.org/drawingml/2006/main" xmlns:r="http://schemas.openxmlformats.org/officeDocument/2006/relationships" xmlns:p="http://schemas.openxmlformats.org/presentationml/2006/main">
+  <p:cSld>
+    <p:spTree>
+      <p:nvGrpSpPr>
+        <p:cNvPr id="1" name=""/>
+        <p:cNvGrpSpPr/>
+        <p:nvPr/>
+      </p:nvGrpSpPr>
+      <p:grpSpPr>
+        <a:xfrm>
+          <a:off x="0" y="0"/>
+          <a:ext cx="0" cy="0"/>
+          <a:chOff x="0" y="0"/>
+          <a:chExt cx="0" cy="0"/>
+        </a:xfrm>
+      </p:grpSpPr>
+      <p:sp>
+        <p:nvSpPr>
+          <p:cNvPr id="2" name="Заголовок 1">
+            <a:extLst>
+              <a:ext uri="{FF2B5EF4-FFF2-40B4-BE49-F238E27FC236}">
+                <a16:creationId xmlns:a16="http://schemas.microsoft.com/office/drawing/2014/main" id="{3D4DC2AC-9087-4B09-BD01-1BD256E18874}"/>
+              </a:ext>
+            </a:extLst>
+          </p:cNvPr>
+          <p:cNvSpPr>
+            <a:spLocks noGrp="1"/>
+          </p:cNvSpPr>
+          <p:nvPr>
+            <p:ph type="title"/>
+          </p:nvPr>
+        </p:nvSpPr>
+        <p:spPr>
+          <a:xfrm>
+            <a:off x="857250" y="25335"/>
+            <a:ext cx="7429499" cy="1478570"/>
+          </a:xfrm>
+        </p:spPr>
+        <p:txBody>
+          <a:bodyPr>
+            <a:normAutofit/>
+          </a:bodyPr>
+          <a:lstStyle/>
+          <a:p>
+            <a:pPr algn="ctr"/>
+            <a:r>
+              <a:rPr lang="ru-RU" sz="3200" dirty="0">
+                <a:solidFill>
+                  <a:schemeClr val="bg1"/>
+                </a:solidFill>
+              </a:rPr>
+              <a:t>Распределенная система </a:t>
+            </a:r>
+            <a:r>
+              <a:rPr lang="en-US" sz="3200" dirty="0">
+                <a:solidFill>
+                  <a:schemeClr val="bg1"/>
+                </a:solidFill>
+              </a:rPr>
+              <a:t>(DCS)</a:t>
+            </a:r>
+            <a:endParaRPr lang="ru-RU" sz="3200" dirty="0"/>
+          </a:p>
+        </p:txBody>
+      </p:sp>
+      <p:pic>
+        <p:nvPicPr>
+          <p:cNvPr id="4" name="Объект 3">
+            <a:extLst>
+              <a:ext uri="{FF2B5EF4-FFF2-40B4-BE49-F238E27FC236}">
+                <a16:creationId xmlns:a16="http://schemas.microsoft.com/office/drawing/2014/main" id="{F866F720-F646-4BFC-AA0F-1C8C535DD794}"/>
+              </a:ext>
+            </a:extLst>
+          </p:cNvPr>
+          <p:cNvPicPr>
+            <a:picLocks noGrp="1" noChangeAspect="1"/>
+          </p:cNvPicPr>
+          <p:nvPr>
+            <p:ph idx="1"/>
+          </p:nvPr>
+        </p:nvPicPr>
+        <p:blipFill>
+          <a:blip r:embed="rId2">
+            <a:extLst>
+              <a:ext uri="{28A0092B-C50C-407E-A947-70E740481C1C}">
+                <a14:useLocalDpi xmlns:a14="http://schemas.microsoft.com/office/drawing/2010/main" val="0"/>
+              </a:ext>
+            </a:extLst>
+          </a:blip>
+          <a:stretch>
+            <a:fillRect/>
+          </a:stretch>
+        </p:blipFill>
+        <p:spPr>
+          <a:xfrm>
+            <a:off x="1468892" y="988287"/>
+            <a:ext cx="6265890" cy="5249025"/>
+          </a:xfrm>
+          <a:prstGeom prst="rect">
+            <a:avLst/>
+          </a:prstGeom>
+          <a:effectLst>
+            <a:softEdge rad="127000"/>
+          </a:effectLst>
+        </p:spPr>
+      </p:pic>
+    </p:spTree>
+    <p:extLst>
+      <p:ext uri="{BB962C8B-B14F-4D97-AF65-F5344CB8AC3E}">
+        <p14:creationId xmlns:p14="http://schemas.microsoft.com/office/powerpoint/2010/main" val="2894355351"/>
+      </p:ext>
+    </p:extLst>
+  </p:cSld>
+  <p:clrMapOvr>
+    <a:masterClrMapping/>
+  </p:clrMapOvr>
+</p:sld>
+</file>
+
+<file path=ppt/slides/slide7.xml><?xml version="1.0" encoding="utf-8"?>
+<p:sld xmlns:a="http://schemas.openxmlformats.org/drawingml/2006/main" xmlns:r="http://schemas.openxmlformats.org/officeDocument/2006/relationships" xmlns:p="http://schemas.openxmlformats.org/presentationml/2006/main">
+  <p:cSld>
+    <p:spTree>
+      <p:nvGrpSpPr>
+        <p:cNvPr id="1" name=""/>
+        <p:cNvGrpSpPr/>
+        <p:nvPr/>
+      </p:nvGrpSpPr>
+      <p:grpSpPr>
+        <a:xfrm>
+          <a:off x="0" y="0"/>
+          <a:ext cx="0" cy="0"/>
+          <a:chOff x="0" y="0"/>
+          <a:chExt cx="0" cy="0"/>
+        </a:xfrm>
+      </p:grpSpPr>
+      <p:sp>
+        <p:nvSpPr>
+          <p:cNvPr id="2" name="Заголовок 1">
+            <a:extLst>
+              <a:ext uri="{FF2B5EF4-FFF2-40B4-BE49-F238E27FC236}">
+                <a16:creationId xmlns:a16="http://schemas.microsoft.com/office/drawing/2014/main" id="{D4A6128D-F61E-4DBA-95ED-294F57277C68}"/>
+              </a:ext>
+            </a:extLst>
+          </p:cNvPr>
+          <p:cNvSpPr>
+            <a:spLocks noGrp="1"/>
+          </p:cNvSpPr>
+          <p:nvPr>
+            <p:ph type="title"/>
+          </p:nvPr>
+        </p:nvSpPr>
+        <p:spPr>
+          <a:xfrm>
+            <a:off x="856060" y="834542"/>
+            <a:ext cx="7429499" cy="794258"/>
+          </a:xfrm>
+        </p:spPr>
+        <p:txBody>
+          <a:bodyPr>
+            <a:normAutofit/>
+          </a:bodyPr>
+          <a:lstStyle/>
+          <a:p>
+            <a:pPr algn="ctr"/>
+            <a:r>
+              <a:rPr lang="en-US" sz="2400" dirty="0">
+                <a:solidFill>
+                  <a:schemeClr val="bg2">
+                    <a:lumMod val="75000"/>
+                  </a:schemeClr>
+                </a:solidFill>
+                <a:latin typeface="+mn-lt"/>
+              </a:rPr>
+              <a:t>Intouch me</a:t>
+            </a:r>
+            <a:endParaRPr lang="ru-RU" sz="2400" dirty="0">
+              <a:solidFill>
+                <a:schemeClr val="bg2">
+                  <a:lumMod val="75000"/>
+                </a:schemeClr>
+              </a:solidFill>
+              <a:latin typeface="+mn-lt"/>
+            </a:endParaRPr>
+          </a:p>
+        </p:txBody>
+      </p:sp>
+      <p:sp>
+        <p:nvSpPr>
+          <p:cNvPr id="3" name="Объект 2">
+            <a:extLst>
+              <a:ext uri="{FF2B5EF4-FFF2-40B4-BE49-F238E27FC236}">
+                <a16:creationId xmlns:a16="http://schemas.microsoft.com/office/drawing/2014/main" id="{B3686575-99BC-4AB4-89E3-4B89AA8B9F74}"/>
+              </a:ext>
+            </a:extLst>
+          </p:cNvPr>
+          <p:cNvSpPr>
+            <a:spLocks noGrp="1"/>
+          </p:cNvSpPr>
+          <p:nvPr>
+            <p:ph idx="1"/>
+          </p:nvPr>
+        </p:nvSpPr>
+        <p:spPr>
+          <a:xfrm>
+            <a:off x="856060" y="1628800"/>
+            <a:ext cx="7429499" cy="4162401"/>
+          </a:xfrm>
+        </p:spPr>
+        <p:txBody>
+          <a:bodyPr>
+            <a:normAutofit/>
+          </a:bodyPr>
+          <a:lstStyle/>
+          <a:p>
+            <a:pPr marL="0" indent="0">
+              <a:buNone/>
+            </a:pPr>
+            <a:r>
+              <a:rPr lang="ru-RU" sz="2000" dirty="0">
+                <a:solidFill>
+                  <a:schemeClr val="bg2">
+                    <a:lumMod val="75000"/>
+                  </a:schemeClr>
+                </a:solidFill>
+              </a:rPr>
+              <a:t>Возможности:</a:t>
+            </a:r>
+          </a:p>
+          <a:p>
+            <a:pPr lvl="0"/>
+            <a:r>
+              <a:rPr lang="ru-RU" sz="2000" dirty="0">
+                <a:solidFill>
+                  <a:schemeClr val="bg2">
+                    <a:lumMod val="75000"/>
+                  </a:schemeClr>
+                </a:solidFill>
+              </a:rPr>
+              <a:t>Система распределенных </a:t>
+            </a:r>
+            <a:r>
+              <a:rPr lang="ru-RU" sz="2000" dirty="0" err="1">
+                <a:solidFill>
+                  <a:schemeClr val="bg2">
+                    <a:lumMod val="75000"/>
+                  </a:schemeClr>
+                </a:solidFill>
+              </a:rPr>
+              <a:t>алармов</a:t>
+            </a:r>
+            <a:endParaRPr lang="en-US" sz="2000" dirty="0">
+              <a:solidFill>
+                <a:schemeClr val="bg2">
+                  <a:lumMod val="75000"/>
+                </a:schemeClr>
+              </a:solidFill>
+            </a:endParaRPr>
+          </a:p>
+          <a:p>
+            <a:pPr lvl="0"/>
+            <a:r>
+              <a:rPr lang="ru-RU" sz="2000" dirty="0">
+                <a:solidFill>
+                  <a:schemeClr val="bg2">
+                    <a:lumMod val="75000"/>
+                  </a:schemeClr>
+                </a:solidFill>
+              </a:rPr>
+              <a:t>Динамическое преобразование разрешения</a:t>
+            </a:r>
+          </a:p>
+          <a:p>
+            <a:pPr lvl="0"/>
+            <a:r>
+              <a:rPr lang="ru-RU" sz="2000" dirty="0">
+                <a:solidFill>
+                  <a:schemeClr val="bg2">
+                    <a:lumMod val="75000"/>
+                  </a:schemeClr>
+                </a:solidFill>
+              </a:rPr>
+              <a:t>Сетевая разработка приложений</a:t>
+            </a:r>
+          </a:p>
+          <a:p>
+            <a:pPr lvl="0"/>
+            <a:r>
+              <a:rPr lang="ru-RU" sz="2000" dirty="0">
+                <a:solidFill>
+                  <a:schemeClr val="bg2">
+                    <a:lumMod val="75000"/>
+                  </a:schemeClr>
+                </a:solidFill>
+              </a:rPr>
+              <a:t>Поддержка более, чем 300 различных серверов ввода/вывода.</a:t>
+            </a:r>
+          </a:p>
+          <a:p>
+            <a:pPr lvl="0"/>
+            <a:r>
+              <a:rPr lang="ru-RU" sz="2000" dirty="0">
+                <a:solidFill>
+                  <a:schemeClr val="bg2">
+                    <a:lumMod val="75000"/>
+                  </a:schemeClr>
+                </a:solidFill>
+              </a:rPr>
+              <a:t>Динамическая разработка сетевых приложений.</a:t>
+            </a:r>
+          </a:p>
+        </p:txBody>
+      </p:sp>
+      <p:sp>
+        <p:nvSpPr>
+          <p:cNvPr id="4" name="Объект 2">
+            <a:extLst>
+              <a:ext uri="{FF2B5EF4-FFF2-40B4-BE49-F238E27FC236}">
+                <a16:creationId xmlns:a16="http://schemas.microsoft.com/office/drawing/2014/main" id="{299B3180-872A-4080-99D7-C20787D11C62}"/>
+              </a:ext>
+            </a:extLst>
+          </p:cNvPr>
+          <p:cNvSpPr txBox="1">
+            <a:spLocks/>
+          </p:cNvSpPr>
+          <p:nvPr/>
+        </p:nvSpPr>
+        <p:spPr>
+          <a:xfrm>
+            <a:off x="1938638" y="476672"/>
+            <a:ext cx="6020195" cy="1354089"/>
+          </a:xfrm>
+          <a:prstGeom prst="rect">
+            <a:avLst/>
+          </a:prstGeom>
+        </p:spPr>
+        <p:txBody>
+          <a:bodyPr vert="horz" lIns="91440" tIns="45720" rIns="91440" bIns="45720" rtlCol="0">
+            <a:normAutofit/>
+          </a:bodyPr>
+          <a:lstStyle>
+            <a:lvl1pPr marL="228600" indent="-228600" algn="l" defTabSz="914400" rtl="0" eaLnBrk="1" latinLnBrk="0" hangingPunct="1">
+              <a:lnSpc>
+                <a:spcPct val="120000"/>
+              </a:lnSpc>
+              <a:spcBef>
+                <a:spcPts val="1000"/>
+              </a:spcBef>
+              <a:buSzPct val="125000"/>
+              <a:buFont typeface="Arial" panose="020B0604020202020204" pitchFamily="34" charset="0"/>
+              <a:buChar char="•"/>
+              <a:defRPr sz="2400" kern="1200">
+                <a:solidFill>
+                  <a:schemeClr val="tx1"/>
+                </a:solidFill>
+                <a:latin typeface="+mn-lt"/>
+                <a:ea typeface="+mn-ea"/>
+                <a:cs typeface="+mn-cs"/>
+              </a:defRPr>
+            </a:lvl1pPr>
+            <a:lvl2pPr marL="685800" indent="-228600" algn="l" defTabSz="914400" rtl="0" eaLnBrk="1" latinLnBrk="0" hangingPunct="1">
+              <a:lnSpc>
+                <a:spcPct val="120000"/>
+              </a:lnSpc>
+              <a:spcBef>
+                <a:spcPts val="500"/>
+              </a:spcBef>
+              <a:buSzPct val="125000"/>
+              <a:buFont typeface="Arial" panose="020B0604020202020204" pitchFamily="34" charset="0"/>
+              <a:buChar char="•"/>
+              <a:defRPr sz="2000" kern="1200">
+                <a:solidFill>
+                  <a:schemeClr val="tx1"/>
+                </a:solidFill>
+                <a:latin typeface="+mn-lt"/>
+                <a:ea typeface="+mn-ea"/>
+                <a:cs typeface="+mn-cs"/>
+              </a:defRPr>
+            </a:lvl2pPr>
+            <a:lvl3pPr marL="1143000" indent="-228600" algn="l" defTabSz="914400" rtl="0" eaLnBrk="1" latinLnBrk="0" hangingPunct="1">
+              <a:lnSpc>
+                <a:spcPct val="120000"/>
+              </a:lnSpc>
+              <a:spcBef>
+                <a:spcPts val="500"/>
+              </a:spcBef>
+              <a:buSzPct val="125000"/>
+              <a:buFont typeface="Arial" panose="020B0604020202020204" pitchFamily="34" charset="0"/>
+              <a:buChar char="•"/>
+              <a:defRPr sz="1800" kern="1200">
+                <a:solidFill>
+                  <a:schemeClr val="tx1"/>
+                </a:solidFill>
+                <a:latin typeface="+mn-lt"/>
+                <a:ea typeface="+mn-ea"/>
+                <a:cs typeface="+mn-cs"/>
+              </a:defRPr>
+            </a:lvl3pPr>
+            <a:lvl4pPr marL="1600200" indent="-228600" algn="l" defTabSz="914400" rtl="0" eaLnBrk="1" latinLnBrk="0" hangingPunct="1">
+              <a:lnSpc>
+                <a:spcPct val="120000"/>
+              </a:lnSpc>
+              <a:spcBef>
+                <a:spcPts val="500"/>
+              </a:spcBef>
+              <a:buSzPct val="125000"/>
+              <a:buFont typeface="Arial" panose="020B0604020202020204" pitchFamily="34" charset="0"/>
+              <a:buChar char="•"/>
+              <a:defRPr sz="1600" kern="1200">
+                <a:solidFill>
+                  <a:schemeClr val="tx1"/>
+                </a:solidFill>
+                <a:latin typeface="+mn-lt"/>
+                <a:ea typeface="+mn-ea"/>
+                <a:cs typeface="+mn-cs"/>
+              </a:defRPr>
+            </a:lvl4pPr>
+            <a:lvl5pPr marL="2057400" indent="-228600" algn="l" defTabSz="914400" rtl="0" eaLnBrk="1" latinLnBrk="0" hangingPunct="1">
+              <a:lnSpc>
+                <a:spcPct val="120000"/>
+              </a:lnSpc>
+              <a:spcBef>
+                <a:spcPts val="500"/>
+              </a:spcBef>
+              <a:buSzPct val="125000"/>
+              <a:buFont typeface="Arial" panose="020B0604020202020204" pitchFamily="34" charset="0"/>
+              <a:buChar char="•"/>
+              <a:defRPr sz="1600" kern="1200">
+                <a:solidFill>
+                  <a:schemeClr val="tx1"/>
+                </a:solidFill>
+                <a:latin typeface="+mn-lt"/>
+                <a:ea typeface="+mn-ea"/>
+                <a:cs typeface="+mn-cs"/>
+              </a:defRPr>
+            </a:lvl5pPr>
+            <a:lvl6pPr marL="2514600" indent="-228600" algn="l" defTabSz="914400" rtl="0" eaLnBrk="1" latinLnBrk="0" hangingPunct="1">
+              <a:lnSpc>
+                <a:spcPct val="120000"/>
+              </a:lnSpc>
+              <a:spcBef>
+                <a:spcPts val="500"/>
+              </a:spcBef>
+              <a:buSzPct val="125000"/>
+              <a:buFont typeface="Arial" panose="020B0604020202020204" pitchFamily="34" charset="0"/>
+              <a:buChar char="•"/>
+              <a:defRPr sz="1400" kern="1200">
+                <a:solidFill>
+                  <a:schemeClr val="tx1"/>
+                </a:solidFill>
+                <a:latin typeface="+mn-lt"/>
+                <a:ea typeface="+mn-ea"/>
+                <a:cs typeface="+mn-cs"/>
+              </a:defRPr>
+            </a:lvl6pPr>
+            <a:lvl7pPr marL="2971800" indent="-228600" algn="l" defTabSz="914400" rtl="0" eaLnBrk="1" latinLnBrk="0" hangingPunct="1">
+              <a:lnSpc>
+                <a:spcPct val="120000"/>
+              </a:lnSpc>
+              <a:spcBef>
+                <a:spcPts val="500"/>
+              </a:spcBef>
+              <a:buSzPct val="125000"/>
+              <a:buFont typeface="Arial" panose="020B0604020202020204" pitchFamily="34" charset="0"/>
+              <a:buChar char="•"/>
+              <a:defRPr sz="1400" kern="1200">
+                <a:solidFill>
+                  <a:schemeClr val="tx1"/>
+                </a:solidFill>
+                <a:latin typeface="+mn-lt"/>
+                <a:ea typeface="+mn-ea"/>
+                <a:cs typeface="+mn-cs"/>
+              </a:defRPr>
+            </a:lvl7pPr>
+            <a:lvl8pPr marL="3429000" indent="-228600" algn="l" defTabSz="914400" rtl="0" eaLnBrk="1" latinLnBrk="0" hangingPunct="1">
+              <a:lnSpc>
+                <a:spcPct val="120000"/>
+              </a:lnSpc>
+              <a:spcBef>
+                <a:spcPts val="500"/>
+              </a:spcBef>
+              <a:buSzPct val="125000"/>
+              <a:buFont typeface="Arial" panose="020B0604020202020204" pitchFamily="34" charset="0"/>
+              <a:buChar char="•"/>
+              <a:defRPr sz="1400" kern="1200">
+                <a:solidFill>
+                  <a:schemeClr val="tx1"/>
+                </a:solidFill>
+                <a:latin typeface="+mn-lt"/>
+                <a:ea typeface="+mn-ea"/>
+                <a:cs typeface="+mn-cs"/>
+              </a:defRPr>
+            </a:lvl8pPr>
+            <a:lvl9pPr marL="3886200" indent="-228600" algn="l" defTabSz="914400" rtl="0" eaLnBrk="1" latinLnBrk="0" hangingPunct="1">
+              <a:lnSpc>
+                <a:spcPct val="120000"/>
+              </a:lnSpc>
+              <a:spcBef>
+                <a:spcPts val="500"/>
+              </a:spcBef>
+              <a:buSzPct val="125000"/>
+              <a:buFont typeface="Arial" panose="020B0604020202020204" pitchFamily="34" charset="0"/>
+              <a:buChar char="•"/>
+              <a:defRPr sz="1400" kern="1200">
+                <a:solidFill>
+                  <a:schemeClr val="tx1"/>
+                </a:solidFill>
+                <a:latin typeface="+mn-lt"/>
+                <a:ea typeface="+mn-ea"/>
+                <a:cs typeface="+mn-cs"/>
+              </a:defRPr>
+            </a:lvl9pPr>
+          </a:lstStyle>
+          <a:p>
+            <a:pPr marL="0" indent="0" algn="ctr">
+              <a:buFont typeface="Arial" panose="020B0604020202020204" pitchFamily="34" charset="0"/>
+              <a:buNone/>
+            </a:pPr>
+            <a:endParaRPr lang="ru-RU" dirty="0">
+              <a:solidFill>
+                <a:schemeClr val="bg1"/>
+              </a:solidFill>
+            </a:endParaRPr>
+          </a:p>
+        </p:txBody>
+      </p:sp>
+    </p:spTree>
+    <p:extLst>
+      <p:ext uri="{BB962C8B-B14F-4D97-AF65-F5344CB8AC3E}">
+        <p14:creationId xmlns:p14="http://schemas.microsoft.com/office/powerpoint/2010/main" val="2776598417"/>
+      </p:ext>
+    </p:extLst>
+  </p:cSld>
+  <p:clrMapOvr>
+    <a:masterClrMapping/>
+  </p:clrMapOvr>
+</p:sld>
+</file>
+
+<file path=ppt/slides/slide8.xml><?xml version="1.0" encoding="utf-8"?>
+<p:sld xmlns:a="http://schemas.openxmlformats.org/drawingml/2006/main" xmlns:r="http://schemas.openxmlformats.org/officeDocument/2006/relationships" xmlns:p="http://schemas.openxmlformats.org/presentationml/2006/main">
+  <p:cSld>
+    <p:spTree>
+      <p:nvGrpSpPr>
+        <p:cNvPr id="1" name=""/>
+        <p:cNvGrpSpPr/>
+        <p:nvPr/>
+      </p:nvGrpSpPr>
+      <p:grpSpPr>
+        <a:xfrm>
+          <a:off x="0" y="0"/>
+          <a:ext cx="0" cy="0"/>
+          <a:chOff x="0" y="0"/>
+          <a:chExt cx="0" cy="0"/>
+        </a:xfrm>
+      </p:grpSpPr>
+      <p:sp>
+        <p:nvSpPr>
+          <p:cNvPr id="2" name="Прямоугольник 1">
+            <a:extLst>
+              <a:ext uri="{FF2B5EF4-FFF2-40B4-BE49-F238E27FC236}">
+                <a16:creationId xmlns:a16="http://schemas.microsoft.com/office/drawing/2014/main" id="{24BFA9E5-5F4B-413E-B860-F246E0EEBE2B}"/>
+              </a:ext>
+            </a:extLst>
+          </p:cNvPr>
+          <p:cNvSpPr/>
+          <p:nvPr/>
+        </p:nvSpPr>
+        <p:spPr>
+          <a:xfrm>
+            <a:off x="3203848" y="519063"/>
+            <a:ext cx="4176464" cy="461665"/>
+          </a:xfrm>
+          <a:prstGeom prst="rect">
+            <a:avLst/>
+          </a:prstGeom>
+        </p:spPr>
+        <p:txBody>
+          <a:bodyPr wrap="square">
+            <a:spAutoFit/>
+          </a:bodyPr>
+          <a:lstStyle/>
+          <a:p>
+            <a:pPr>
+              <a:spcAft>
+                <a:spcPts val="0"/>
+              </a:spcAft>
+            </a:pPr>
+            <a:r>
+              <a:rPr lang="ru-RU" sz="2400" kern="1400" spc="-50" dirty="0">
+                <a:solidFill>
+                  <a:schemeClr val="bg2">
+                    <a:lumMod val="75000"/>
+                  </a:schemeClr>
+                </a:solidFill>
+                <a:latin typeface="+mj-lt"/>
+                <a:ea typeface="Times New Roman" panose="02020603050405020304" pitchFamily="18" charset="0"/>
+                <a:cs typeface="Times New Roman" panose="02020603050405020304" pitchFamily="18" charset="0"/>
+              </a:rPr>
+              <a:t>GE HMI SСADA </a:t>
+            </a:r>
+            <a:r>
+              <a:rPr lang="ru-RU" sz="2400" kern="1400" spc="-50" dirty="0" err="1">
+                <a:solidFill>
+                  <a:schemeClr val="bg2">
+                    <a:lumMod val="75000"/>
+                  </a:schemeClr>
+                </a:solidFill>
+                <a:latin typeface="+mj-lt"/>
+                <a:ea typeface="Times New Roman" panose="02020603050405020304" pitchFamily="18" charset="0"/>
+                <a:cs typeface="Times New Roman" panose="02020603050405020304" pitchFamily="18" charset="0"/>
+              </a:rPr>
+              <a:t>iFix</a:t>
+            </a:r>
+            <a:endParaRPr lang="ru-RU" sz="2400" kern="1400" spc="-50" dirty="0">
+              <a:solidFill>
+                <a:schemeClr val="bg2">
+                  <a:lumMod val="75000"/>
+                </a:schemeClr>
+              </a:solidFill>
+              <a:effectLst/>
+              <a:latin typeface="+mj-lt"/>
+              <a:ea typeface="Times New Roman" panose="02020603050405020304" pitchFamily="18" charset="0"/>
+              <a:cs typeface="Times New Roman" panose="02020603050405020304" pitchFamily="18" charset="0"/>
+            </a:endParaRPr>
+          </a:p>
+        </p:txBody>
+      </p:sp>
+      <p:sp>
+        <p:nvSpPr>
+          <p:cNvPr id="3" name="Прямоугольник 2">
+            <a:extLst>
+              <a:ext uri="{FF2B5EF4-FFF2-40B4-BE49-F238E27FC236}">
+                <a16:creationId xmlns:a16="http://schemas.microsoft.com/office/drawing/2014/main" id="{4167E38B-F8D3-4EAF-B091-27F777DD3D9A}"/>
+              </a:ext>
+            </a:extLst>
+          </p:cNvPr>
+          <p:cNvSpPr/>
+          <p:nvPr/>
+        </p:nvSpPr>
+        <p:spPr>
+          <a:xfrm>
+            <a:off x="971600" y="980728"/>
+            <a:ext cx="7344816" cy="5017143"/>
+          </a:xfrm>
+          <a:prstGeom prst="rect">
+            <a:avLst/>
+          </a:prstGeom>
+        </p:spPr>
+        <p:txBody>
+          <a:bodyPr wrap="square">
+            <a:spAutoFit/>
+          </a:bodyPr>
+          <a:lstStyle/>
+          <a:p>
+            <a:pPr indent="457200" algn="just">
+              <a:lnSpc>
+                <a:spcPct val="107000"/>
+              </a:lnSpc>
+              <a:spcAft>
+                <a:spcPts val="0"/>
+              </a:spcAft>
+            </a:pPr>
+            <a:r>
+              <a:rPr lang="ru-RU" sz="2000" dirty="0">
+                <a:solidFill>
+                  <a:schemeClr val="bg2">
+                    <a:lumMod val="75000"/>
+                  </a:schemeClr>
+                </a:solidFill>
+                <a:effectLst/>
+                <a:ea typeface="Calibri" panose="020F0502020204030204" pitchFamily="34" charset="0"/>
+                <a:cs typeface="Times New Roman" panose="02020603050405020304" pitchFamily="18" charset="0"/>
+              </a:rPr>
+              <a:t>Возможности:</a:t>
+            </a:r>
+          </a:p>
+          <a:p>
+            <a:pPr marL="285750" indent="-285750" algn="just">
+              <a:lnSpc>
+                <a:spcPct val="107000"/>
+              </a:lnSpc>
+              <a:buFont typeface="Arial" panose="020B0604020202020204" pitchFamily="34" charset="0"/>
+              <a:buChar char="•"/>
+            </a:pPr>
+            <a:r>
+              <a:rPr lang="ru-RU" sz="2000" dirty="0">
+                <a:solidFill>
+                  <a:schemeClr val="bg2">
+                    <a:lumMod val="75000"/>
+                  </a:schemeClr>
+                </a:solidFill>
+              </a:rPr>
+              <a:t>Горячее резервирование и автоматическое переключение серверов</a:t>
+            </a:r>
+          </a:p>
+          <a:p>
+            <a:pPr marL="285750" indent="-285750" algn="just">
+              <a:lnSpc>
+                <a:spcPct val="107000"/>
+              </a:lnSpc>
+              <a:spcAft>
+                <a:spcPts val="0"/>
+              </a:spcAft>
+              <a:buFont typeface="Arial" panose="020B0604020202020204" pitchFamily="34" charset="0"/>
+              <a:buChar char="•"/>
+            </a:pPr>
+            <a:r>
+              <a:rPr lang="ru-RU" sz="2000" dirty="0">
+                <a:solidFill>
+                  <a:schemeClr val="bg2">
+                    <a:lumMod val="75000"/>
+                  </a:schemeClr>
+                </a:solidFill>
+              </a:rPr>
+              <a:t>Обширный каталог высокопроизводительных прямых драйверов ввода/вывода и ОРС-серверов как для широко распространенных, так и для специализированных ПЛК</a:t>
+            </a:r>
+          </a:p>
+          <a:p>
+            <a:pPr marL="285750" indent="-285750" algn="just">
+              <a:lnSpc>
+                <a:spcPct val="107000"/>
+              </a:lnSpc>
+              <a:buFont typeface="Arial" panose="020B0604020202020204" pitchFamily="34" charset="0"/>
+              <a:buChar char="•"/>
+            </a:pPr>
+            <a:r>
+              <a:rPr lang="ru-RU" sz="2000" dirty="0">
+                <a:solidFill>
+                  <a:schemeClr val="bg2">
+                    <a:lumMod val="75000"/>
+                  </a:schemeClr>
+                </a:solidFill>
+              </a:rPr>
+              <a:t>Универсальный ОРС-клиент с возможностями конфигурации, мониторинга и оптимизации обмена с серверами ввода/вывода.</a:t>
+            </a:r>
+          </a:p>
+          <a:p>
+            <a:pPr marL="285750" indent="-285750" algn="just">
+              <a:lnSpc>
+                <a:spcPct val="107000"/>
+              </a:lnSpc>
+              <a:buFont typeface="Arial" panose="020B0604020202020204" pitchFamily="34" charset="0"/>
+              <a:buChar char="•"/>
+            </a:pPr>
+            <a:r>
+              <a:rPr lang="ru-RU" sz="2000" dirty="0">
+                <a:solidFill>
+                  <a:schemeClr val="bg2">
+                    <a:lumMod val="75000"/>
+                  </a:schemeClr>
+                </a:solidFill>
+              </a:rPr>
+              <a:t>Поддержка О</a:t>
+            </a:r>
+            <a:r>
+              <a:rPr lang="en-US" sz="2000" dirty="0">
+                <a:solidFill>
+                  <a:schemeClr val="bg2">
+                    <a:lumMod val="75000"/>
+                  </a:schemeClr>
+                </a:solidFill>
+              </a:rPr>
+              <a:t>PC DA, </a:t>
+            </a:r>
+            <a:r>
+              <a:rPr lang="ru-RU" sz="2000" dirty="0">
+                <a:solidFill>
+                  <a:schemeClr val="bg2">
+                    <a:lumMod val="75000"/>
+                  </a:schemeClr>
+                </a:solidFill>
+              </a:rPr>
+              <a:t>ОРС</a:t>
+            </a:r>
+            <a:r>
+              <a:rPr lang="en-US" sz="2000" dirty="0">
+                <a:solidFill>
+                  <a:schemeClr val="bg2">
+                    <a:lumMod val="75000"/>
+                  </a:schemeClr>
+                </a:solidFill>
+              </a:rPr>
+              <a:t> Alarm &amp; Events, SQL ODBC, COM/DCOM, OLE DB, ActiveX, .NET.</a:t>
+            </a:r>
+            <a:endParaRPr lang="ru-RU" sz="2000" dirty="0">
+              <a:solidFill>
+                <a:schemeClr val="bg2">
+                  <a:lumMod val="75000"/>
+                </a:schemeClr>
+              </a:solidFill>
+            </a:endParaRPr>
+          </a:p>
+          <a:p>
+            <a:pPr marL="285750" indent="-285750" algn="just">
+              <a:lnSpc>
+                <a:spcPct val="107000"/>
+              </a:lnSpc>
+              <a:buFont typeface="Arial" panose="020B0604020202020204" pitchFamily="34" charset="0"/>
+              <a:buChar char="•"/>
+            </a:pPr>
+            <a:r>
+              <a:rPr lang="en-US" sz="2000" dirty="0">
+                <a:solidFill>
+                  <a:schemeClr val="bg2">
+                    <a:lumMod val="75000"/>
+                  </a:schemeClr>
+                </a:solidFill>
+              </a:rPr>
+              <a:t>ODBC-</a:t>
+            </a:r>
+            <a:r>
+              <a:rPr lang="ru-RU" sz="2000" dirty="0">
+                <a:solidFill>
+                  <a:schemeClr val="bg2">
+                    <a:lumMod val="75000"/>
+                  </a:schemeClr>
+                </a:solidFill>
+              </a:rPr>
+              <a:t>драйверы</a:t>
+            </a:r>
+          </a:p>
+          <a:p>
+            <a:pPr marL="285750" indent="-285750" algn="just">
+              <a:lnSpc>
+                <a:spcPct val="107000"/>
+              </a:lnSpc>
+              <a:buFont typeface="Arial" panose="020B0604020202020204" pitchFamily="34" charset="0"/>
+              <a:buChar char="•"/>
+            </a:pPr>
+            <a:r>
+              <a:rPr lang="ru-RU" sz="2000" dirty="0">
+                <a:solidFill>
+                  <a:schemeClr val="bg2">
+                    <a:lumMod val="75000"/>
+                  </a:schemeClr>
+                </a:solidFill>
+              </a:rPr>
+              <a:t>Поддержка технологии </a:t>
+            </a:r>
+            <a:r>
+              <a:rPr lang="ru-RU" sz="2000" dirty="0" err="1">
+                <a:solidFill>
+                  <a:schemeClr val="bg2">
+                    <a:lumMod val="75000"/>
+                  </a:schemeClr>
+                </a:solidFill>
+              </a:rPr>
+              <a:t>Plug</a:t>
+            </a:r>
+            <a:r>
+              <a:rPr lang="ru-RU" sz="2000" dirty="0">
+                <a:solidFill>
+                  <a:schemeClr val="bg2">
+                    <a:lumMod val="75000"/>
+                  </a:schemeClr>
+                </a:solidFill>
+              </a:rPr>
+              <a:t> </a:t>
+            </a:r>
+            <a:r>
+              <a:rPr lang="ru-RU" sz="2000" dirty="0" err="1">
+                <a:solidFill>
+                  <a:schemeClr val="bg2">
+                    <a:lumMod val="75000"/>
+                  </a:schemeClr>
+                </a:solidFill>
+              </a:rPr>
+              <a:t>and</a:t>
+            </a:r>
+            <a:r>
+              <a:rPr lang="ru-RU" sz="2000" dirty="0">
+                <a:solidFill>
+                  <a:schemeClr val="bg2">
+                    <a:lumMod val="75000"/>
+                  </a:schemeClr>
+                </a:solidFill>
+              </a:rPr>
+              <a:t> </a:t>
+            </a:r>
+            <a:r>
+              <a:rPr lang="ru-RU" sz="2000" dirty="0" err="1">
+                <a:solidFill>
+                  <a:schemeClr val="bg2">
+                    <a:lumMod val="75000"/>
+                  </a:schemeClr>
+                </a:solidFill>
+              </a:rPr>
+              <a:t>Solve</a:t>
+            </a:r>
+            <a:r>
+              <a:rPr lang="ru-RU" sz="2000" dirty="0">
+                <a:solidFill>
+                  <a:schemeClr val="bg2">
+                    <a:lumMod val="75000"/>
+                  </a:schemeClr>
+                </a:solidFill>
+              </a:rPr>
+              <a:t>™</a:t>
+            </a:r>
+          </a:p>
+          <a:p>
+            <a:pPr marL="285750" indent="-285750" algn="just">
+              <a:lnSpc>
+                <a:spcPct val="107000"/>
+              </a:lnSpc>
+              <a:buFont typeface="Arial" panose="020B0604020202020204" pitchFamily="34" charset="0"/>
+              <a:buChar char="•"/>
+            </a:pPr>
+            <a:r>
+              <a:rPr lang="ru-RU" sz="2000" dirty="0">
+                <a:solidFill>
+                  <a:schemeClr val="bg2">
+                    <a:lumMod val="75000"/>
+                  </a:schemeClr>
+                </a:solidFill>
+              </a:rPr>
+              <a:t>Полная SCADA-функциональность через технологию «тонких» веб-клиентов GE </a:t>
+            </a:r>
+            <a:r>
+              <a:rPr lang="ru-RU" sz="2000" dirty="0" err="1">
+                <a:solidFill>
+                  <a:schemeClr val="bg2">
+                    <a:lumMod val="75000"/>
+                  </a:schemeClr>
+                </a:solidFill>
+              </a:rPr>
+              <a:t>WebSpace</a:t>
+            </a:r>
+            <a:r>
+              <a:rPr lang="ru-RU" sz="2000" dirty="0">
+                <a:solidFill>
+                  <a:schemeClr val="bg2">
+                    <a:lumMod val="75000"/>
+                  </a:schemeClr>
+                </a:solidFill>
+              </a:rPr>
+              <a:t>. </a:t>
+            </a:r>
+            <a:endParaRPr lang="ru-RU" sz="2000" dirty="0">
+              <a:solidFill>
+                <a:schemeClr val="bg2">
+                  <a:lumMod val="75000"/>
+                </a:schemeClr>
+              </a:solidFill>
+              <a:effectLst/>
+              <a:ea typeface="Calibri" panose="020F0502020204030204" pitchFamily="34" charset="0"/>
+              <a:cs typeface="Times New Roman" panose="02020603050405020304" pitchFamily="18" charset="0"/>
+            </a:endParaRPr>
+          </a:p>
+        </p:txBody>
+      </p:sp>
+      <p:sp>
+        <p:nvSpPr>
+          <p:cNvPr id="4" name="Объект 2">
+            <a:extLst>
+              <a:ext uri="{FF2B5EF4-FFF2-40B4-BE49-F238E27FC236}">
+                <a16:creationId xmlns:a16="http://schemas.microsoft.com/office/drawing/2014/main" id="{AE444692-82E9-4905-840F-EE1867A07E29}"/>
+              </a:ext>
+            </a:extLst>
+          </p:cNvPr>
+          <p:cNvSpPr txBox="1">
+            <a:spLocks/>
+          </p:cNvSpPr>
+          <p:nvPr/>
+        </p:nvSpPr>
+        <p:spPr>
+          <a:xfrm>
+            <a:off x="2843808" y="72851"/>
+            <a:ext cx="3672408" cy="1354089"/>
+          </a:xfrm>
+          <a:prstGeom prst="rect">
+            <a:avLst/>
+          </a:prstGeom>
+        </p:spPr>
+        <p:txBody>
+          <a:bodyPr/>
+          <a:lstStyle>
+            <a:lvl1pPr marL="228600" indent="-228600" algn="l" defTabSz="914400" rtl="0" eaLnBrk="1" latinLnBrk="0" hangingPunct="1">
+              <a:lnSpc>
+                <a:spcPct val="120000"/>
+              </a:lnSpc>
+              <a:spcBef>
+                <a:spcPts val="1000"/>
+              </a:spcBef>
+              <a:buSzPct val="125000"/>
+              <a:buFont typeface="Arial" panose="020B0604020202020204" pitchFamily="34" charset="0"/>
+              <a:buChar char="•"/>
+              <a:defRPr sz="2400" kern="1200">
+                <a:solidFill>
+                  <a:schemeClr val="tx1"/>
+                </a:solidFill>
+                <a:latin typeface="+mn-lt"/>
+                <a:ea typeface="+mn-ea"/>
+                <a:cs typeface="+mn-cs"/>
+              </a:defRPr>
+            </a:lvl1pPr>
+            <a:lvl2pPr marL="685800" indent="-228600" algn="l" defTabSz="914400" rtl="0" eaLnBrk="1" latinLnBrk="0" hangingPunct="1">
+              <a:lnSpc>
+                <a:spcPct val="120000"/>
+              </a:lnSpc>
+              <a:spcBef>
+                <a:spcPts val="500"/>
+              </a:spcBef>
+              <a:buSzPct val="125000"/>
+              <a:buFont typeface="Arial" panose="020B0604020202020204" pitchFamily="34" charset="0"/>
+              <a:buChar char="•"/>
+              <a:defRPr sz="2000" kern="1200">
+                <a:solidFill>
+                  <a:schemeClr val="tx1"/>
+                </a:solidFill>
+                <a:latin typeface="+mn-lt"/>
+                <a:ea typeface="+mn-ea"/>
+                <a:cs typeface="+mn-cs"/>
+              </a:defRPr>
+            </a:lvl2pPr>
+            <a:lvl3pPr marL="1143000" indent="-228600" algn="l" defTabSz="914400" rtl="0" eaLnBrk="1" latinLnBrk="0" hangingPunct="1">
+              <a:lnSpc>
+                <a:spcPct val="120000"/>
+              </a:lnSpc>
+              <a:spcBef>
+                <a:spcPts val="500"/>
+              </a:spcBef>
+              <a:buSzPct val="125000"/>
+              <a:buFont typeface="Arial" panose="020B0604020202020204" pitchFamily="34" charset="0"/>
+              <a:buChar char="•"/>
+              <a:defRPr sz="1800" kern="1200">
+                <a:solidFill>
+                  <a:schemeClr val="tx1"/>
+                </a:solidFill>
+                <a:latin typeface="+mn-lt"/>
+                <a:ea typeface="+mn-ea"/>
+                <a:cs typeface="+mn-cs"/>
+              </a:defRPr>
+            </a:lvl3pPr>
+            <a:lvl4pPr marL="1600200" indent="-228600" algn="l" defTabSz="914400" rtl="0" eaLnBrk="1" latinLnBrk="0" hangingPunct="1">
+              <a:lnSpc>
+                <a:spcPct val="120000"/>
+              </a:lnSpc>
+              <a:spcBef>
+                <a:spcPts val="500"/>
+              </a:spcBef>
+              <a:buSzPct val="125000"/>
+              <a:buFont typeface="Arial" panose="020B0604020202020204" pitchFamily="34" charset="0"/>
+              <a:buChar char="•"/>
+              <a:defRPr sz="1600" kern="1200">
+                <a:solidFill>
+                  <a:schemeClr val="tx1"/>
+                </a:solidFill>
+                <a:latin typeface="+mn-lt"/>
+                <a:ea typeface="+mn-ea"/>
+                <a:cs typeface="+mn-cs"/>
+              </a:defRPr>
+            </a:lvl4pPr>
+            <a:lvl5pPr marL="2057400" indent="-228600" algn="l" defTabSz="914400" rtl="0" eaLnBrk="1" latinLnBrk="0" hangingPunct="1">
+              <a:lnSpc>
+                <a:spcPct val="120000"/>
+              </a:lnSpc>
+              <a:spcBef>
+                <a:spcPts val="500"/>
+              </a:spcBef>
+              <a:buSzPct val="125000"/>
+              <a:buFont typeface="Arial" panose="020B0604020202020204" pitchFamily="34" charset="0"/>
+              <a:buChar char="•"/>
+              <a:defRPr sz="1600" kern="1200">
+                <a:solidFill>
+                  <a:schemeClr val="tx1"/>
+                </a:solidFill>
+                <a:latin typeface="+mn-lt"/>
+                <a:ea typeface="+mn-ea"/>
+                <a:cs typeface="+mn-cs"/>
+              </a:defRPr>
+            </a:lvl5pPr>
+            <a:lvl6pPr marL="2514600" indent="-228600" algn="l" defTabSz="914400" rtl="0" eaLnBrk="1" latinLnBrk="0" hangingPunct="1">
+              <a:lnSpc>
+                <a:spcPct val="120000"/>
+              </a:lnSpc>
+              <a:spcBef>
+                <a:spcPts val="500"/>
+              </a:spcBef>
+              <a:buSzPct val="125000"/>
+              <a:buFont typeface="Arial" panose="020B0604020202020204" pitchFamily="34" charset="0"/>
+              <a:buChar char="•"/>
+              <a:defRPr sz="1400" kern="1200">
+                <a:solidFill>
+                  <a:schemeClr val="tx1"/>
+                </a:solidFill>
+                <a:latin typeface="+mn-lt"/>
+                <a:ea typeface="+mn-ea"/>
+                <a:cs typeface="+mn-cs"/>
+              </a:defRPr>
+            </a:lvl6pPr>
+            <a:lvl7pPr marL="2971800" indent="-228600" algn="l" defTabSz="914400" rtl="0" eaLnBrk="1" latinLnBrk="0" hangingPunct="1">
+              <a:lnSpc>
+                <a:spcPct val="120000"/>
+              </a:lnSpc>
+              <a:spcBef>
+                <a:spcPts val="500"/>
+              </a:spcBef>
+              <a:buSzPct val="125000"/>
+              <a:buFont typeface="Arial" panose="020B0604020202020204" pitchFamily="34" charset="0"/>
+              <a:buChar char="•"/>
+              <a:defRPr sz="1400" kern="1200">
+                <a:solidFill>
+                  <a:schemeClr val="tx1"/>
+                </a:solidFill>
+                <a:latin typeface="+mn-lt"/>
+                <a:ea typeface="+mn-ea"/>
+                <a:cs typeface="+mn-cs"/>
+              </a:defRPr>
+            </a:lvl7pPr>
+            <a:lvl8pPr marL="3429000" indent="-228600" algn="l" defTabSz="914400" rtl="0" eaLnBrk="1" latinLnBrk="0" hangingPunct="1">
+              <a:lnSpc>
+                <a:spcPct val="120000"/>
+              </a:lnSpc>
+              <a:spcBef>
+                <a:spcPts val="500"/>
+              </a:spcBef>
+              <a:buSzPct val="125000"/>
+              <a:buFont typeface="Arial" panose="020B0604020202020204" pitchFamily="34" charset="0"/>
+              <a:buChar char="•"/>
+              <a:defRPr sz="1400" kern="1200">
+                <a:solidFill>
+                  <a:schemeClr val="tx1"/>
+                </a:solidFill>
+                <a:latin typeface="+mn-lt"/>
+                <a:ea typeface="+mn-ea"/>
+                <a:cs typeface="+mn-cs"/>
+              </a:defRPr>
+            </a:lvl8pPr>
+            <a:lvl9pPr marL="3886200" indent="-228600" algn="l" defTabSz="914400" rtl="0" eaLnBrk="1" latinLnBrk="0" hangingPunct="1">
+              <a:lnSpc>
+                <a:spcPct val="120000"/>
+              </a:lnSpc>
+              <a:spcBef>
+                <a:spcPts val="500"/>
+              </a:spcBef>
+              <a:buSzPct val="125000"/>
+              <a:buFont typeface="Arial" panose="020B0604020202020204" pitchFamily="34" charset="0"/>
+              <a:buChar char="•"/>
+              <a:defRPr sz="1400" kern="1200">
+                <a:solidFill>
+                  <a:schemeClr val="tx1"/>
+                </a:solidFill>
+                <a:latin typeface="+mn-lt"/>
+                <a:ea typeface="+mn-ea"/>
+                <a:cs typeface="+mn-cs"/>
+              </a:defRPr>
+            </a:lvl9pPr>
+          </a:lstStyle>
+          <a:p>
+            <a:pPr marL="0" indent="0">
+              <a:buFont typeface="Arial" panose="020B0604020202020204" pitchFamily="34" charset="0"/>
+              <a:buNone/>
+            </a:pPr>
+            <a:r>
+              <a:rPr lang="ru-RU">
+                <a:solidFill>
+                  <a:schemeClr val="bg1"/>
+                </a:solidFill>
+              </a:rPr>
+              <a:t>Резервированная система</a:t>
+            </a:r>
+            <a:endParaRPr lang="ru-RU" dirty="0">
+              <a:solidFill>
+                <a:schemeClr val="bg1"/>
+              </a:solidFill>
+            </a:endParaRPr>
+          </a:p>
+        </p:txBody>
+      </p:sp>
+    </p:spTree>
+    <p:extLst>
+      <p:ext uri="{BB962C8B-B14F-4D97-AF65-F5344CB8AC3E}">
+        <p14:creationId xmlns:p14="http://schemas.microsoft.com/office/powerpoint/2010/main" val="1022302768"/>
+      </p:ext>
+    </p:extLst>
+  </p:cSld>
+  <p:clrMapOvr>
+    <a:masterClrMapping/>
+  </p:clrMapOvr>
+</p:sld>
+</file>
+
+<file path=ppt/slides/slide9.xml><?xml version="1.0" encoding="utf-8"?>
+<p:sld xmlns:a="http://schemas.openxmlformats.org/drawingml/2006/main" xmlns:r="http://schemas.openxmlformats.org/officeDocument/2006/relationships" xmlns:p="http://schemas.openxmlformats.org/presentationml/2006/main">
+  <p:cSld>
+    <p:spTree>
+      <p:nvGrpSpPr>
+        <p:cNvPr id="1" name=""/>
+        <p:cNvGrpSpPr/>
+        <p:nvPr/>
+      </p:nvGrpSpPr>
+      <p:grpSpPr>
+        <a:xfrm>
+          <a:off x="0" y="0"/>
+          <a:ext cx="0" cy="0"/>
+          <a:chOff x="0" y="0"/>
+          <a:chExt cx="0" cy="0"/>
+        </a:xfrm>
+      </p:grpSpPr>
+      <p:pic>
+        <p:nvPicPr>
+          <p:cNvPr id="3074" name="Picture 2">
+            <a:extLst>
+              <a:ext uri="{FF2B5EF4-FFF2-40B4-BE49-F238E27FC236}">
+                <a16:creationId xmlns:a16="http://schemas.microsoft.com/office/drawing/2014/main" id="{EBFB8A99-B17A-4B02-9F28-61C5F3889CE0}"/>
+              </a:ext>
+            </a:extLst>
+          </p:cNvPr>
+          <p:cNvPicPr>
+            <a:picLocks noChangeAspect="1" noChangeArrowheads="1"/>
+          </p:cNvPicPr>
+          <p:nvPr/>
+        </p:nvPicPr>
+        <p:blipFill>
+          <a:blip r:embed="rId2">
+            <a:extLst>
+              <a:ext uri="{28A0092B-C50C-407E-A947-70E740481C1C}">
+                <a14:useLocalDpi xmlns:a14="http://schemas.microsoft.com/office/drawing/2010/main" val="0"/>
+              </a:ext>
+            </a:extLst>
+          </a:blip>
+          <a:srcRect/>
+          <a:stretch>
+            <a:fillRect/>
+          </a:stretch>
+        </p:blipFill>
+        <p:spPr bwMode="auto">
+          <a:xfrm>
+            <a:off x="1238250" y="1700808"/>
+            <a:ext cx="6667500" cy="3724275"/>
+          </a:xfrm>
+          <a:prstGeom prst="rect">
+            <a:avLst/>
+          </a:prstGeom>
+          <a:noFill/>
+          <a:extLst>
+            <a:ext uri="{909E8E84-426E-40DD-AFC4-6F175D3DCCD1}">
+              <a14:hiddenFill xmlns:a14="http://schemas.microsoft.com/office/drawing/2010/main">
+                <a:solidFill>
+                  <a:srgbClr val="FFFFFF"/>
+                </a:solidFill>
+              </a14:hiddenFill>
+            </a:ext>
+          </a:extLst>
+        </p:spPr>
+      </p:pic>
+      <p:sp>
+        <p:nvSpPr>
+          <p:cNvPr id="2" name="Прямоугольник 1">
+            <a:extLst>
+              <a:ext uri="{FF2B5EF4-FFF2-40B4-BE49-F238E27FC236}">
+                <a16:creationId xmlns:a16="http://schemas.microsoft.com/office/drawing/2014/main" id="{2076C90B-F1DD-4FD2-9035-8969B5731405}"/>
+              </a:ext>
+            </a:extLst>
+          </p:cNvPr>
+          <p:cNvSpPr/>
+          <p:nvPr/>
+        </p:nvSpPr>
+        <p:spPr>
+          <a:xfrm>
+            <a:off x="2555776" y="754551"/>
+            <a:ext cx="4572000" cy="461665"/>
+          </a:xfrm>
+          <a:prstGeom prst="rect">
+            <a:avLst/>
+          </a:prstGeom>
+        </p:spPr>
+        <p:txBody>
+          <a:bodyPr>
+            <a:spAutoFit/>
+          </a:bodyPr>
+          <a:lstStyle/>
+          <a:p>
+            <a:r>
+              <a:rPr lang="ru-RU" sz="2400" dirty="0">
+                <a:solidFill>
+                  <a:schemeClr val="bg2">
+                    <a:lumMod val="75000"/>
+                  </a:schemeClr>
+                </a:solidFill>
+                <a:latin typeface="+mj-lt"/>
+              </a:rPr>
+              <a:t>Опции клиентских лицензий</a:t>
+            </a:r>
+          </a:p>
+        </p:txBody>
+      </p:sp>
+    </p:spTree>
+    <p:extLst>
+      <p:ext uri="{BB962C8B-B14F-4D97-AF65-F5344CB8AC3E}">
+        <p14:creationId xmlns:p14="http://schemas.microsoft.com/office/powerpoint/2010/main" val="1740713499"/>
+      </p:ext>
+    </p:extLst>
+  </p:cSld>
+  <p:clrMapOvr>
+    <a:masterClrMapping/>
+  </p:clrMapOvr>
+</p:sld>
+</file>
+
 <file path=ppt/theme/theme1.xml><?xml version="1.0" encoding="utf-8"?>
 <a:theme xmlns:a="http://schemas.openxmlformats.org/drawingml/2006/main" name="Контур">
   <a:themeElements>

--- a/итоговая.pptx
+++ b/итоговая.pptx
@@ -559,7 +559,7 @@
           <a:noFill/>
           <a:extLst>
             <a:ext uri="{909E8E84-426E-40dd-AFC4-6F175D3DCCD1}">
-              <a14:hiddenFill xmlns:a14="http://schemas.microsoft.com/office/drawing/2010/main" xmlns="">
+              <a14:hiddenFill xmlns="" xmlns:a14="http://schemas.microsoft.com/office/drawing/2010/main">
                 <a:solidFill>
                   <a:srgbClr val="FFFFFF"/>
                 </a:solidFill>
@@ -619,7 +619,7 @@
             </a:ln>
             <a:extLst>
               <a:ext uri="{91240B29-F687-4f45-9708-019B960494DF}">
-                <a14:hiddenLine xmlns:a14="http://schemas.microsoft.com/office/drawing/2010/main" xmlns="" w="9525">
+                <a14:hiddenLine xmlns="" xmlns:a14="http://schemas.microsoft.com/office/drawing/2010/main" w="9525">
                   <a:solidFill>
                     <a:srgbClr val="000000"/>
                   </a:solidFill>
@@ -709,7 +709,7 @@
             </a:ln>
             <a:extLst>
               <a:ext uri="{91240B29-F687-4f45-9708-019B960494DF}">
-                <a14:hiddenLine xmlns:a14="http://schemas.microsoft.com/office/drawing/2010/main" xmlns="" w="9525">
+                <a14:hiddenLine xmlns="" xmlns:a14="http://schemas.microsoft.com/office/drawing/2010/main" w="9525">
                   <a:solidFill>
                     <a:srgbClr val="000000"/>
                   </a:solidFill>
@@ -799,7 +799,7 @@
             </a:ln>
             <a:extLst>
               <a:ext uri="{91240B29-F687-4f45-9708-019B960494DF}">
-                <a14:hiddenLine xmlns:a14="http://schemas.microsoft.com/office/drawing/2010/main" xmlns="" w="9525">
+                <a14:hiddenLine xmlns="" xmlns:a14="http://schemas.microsoft.com/office/drawing/2010/main" w="9525">
                   <a:solidFill>
                     <a:srgbClr val="000000"/>
                   </a:solidFill>
@@ -833,7 +833,7 @@
             </a:ln>
             <a:extLst>
               <a:ext uri="{91240B29-F687-4f45-9708-019B960494DF}">
-                <a14:hiddenLine xmlns:a14="http://schemas.microsoft.com/office/drawing/2010/main" xmlns="" w="9525">
+                <a14:hiddenLine xmlns="" xmlns:a14="http://schemas.microsoft.com/office/drawing/2010/main" w="9525">
                   <a:solidFill>
                     <a:srgbClr val="000000"/>
                   </a:solidFill>
@@ -923,7 +923,7 @@
             </a:ln>
             <a:extLst>
               <a:ext uri="{91240B29-F687-4f45-9708-019B960494DF}">
-                <a14:hiddenLine xmlns:a14="http://schemas.microsoft.com/office/drawing/2010/main" xmlns="" w="9525">
+                <a14:hiddenLine xmlns="" xmlns:a14="http://schemas.microsoft.com/office/drawing/2010/main" w="9525">
                   <a:solidFill>
                     <a:srgbClr val="000000"/>
                   </a:solidFill>
@@ -985,7 +985,7 @@
             </a:ln>
             <a:extLst>
               <a:ext uri="{91240B29-F687-4f45-9708-019B960494DF}">
-                <a14:hiddenLine xmlns:a14="http://schemas.microsoft.com/office/drawing/2010/main" xmlns="" w="9525">
+                <a14:hiddenLine xmlns="" xmlns:a14="http://schemas.microsoft.com/office/drawing/2010/main" w="9525">
                   <a:solidFill>
                     <a:srgbClr val="000000"/>
                   </a:solidFill>
@@ -1047,7 +1047,7 @@
             </a:ln>
             <a:extLst>
               <a:ext uri="{91240B29-F687-4f45-9708-019B960494DF}">
-                <a14:hiddenLine xmlns:a14="http://schemas.microsoft.com/office/drawing/2010/main" xmlns="" w="9525">
+                <a14:hiddenLine xmlns="" xmlns:a14="http://schemas.microsoft.com/office/drawing/2010/main" w="9525">
                   <a:solidFill>
                     <a:srgbClr val="000000"/>
                   </a:solidFill>
@@ -1137,7 +1137,7 @@
             </a:ln>
             <a:extLst>
               <a:ext uri="{91240B29-F687-4f45-9708-019B960494DF}">
-                <a14:hiddenLine xmlns:a14="http://schemas.microsoft.com/office/drawing/2010/main" xmlns="" w="9525">
+                <a14:hiddenLine xmlns="" xmlns:a14="http://schemas.microsoft.com/office/drawing/2010/main" w="9525">
                   <a:solidFill>
                     <a:srgbClr val="000000"/>
                   </a:solidFill>
@@ -1199,7 +1199,7 @@
             </a:ln>
             <a:extLst>
               <a:ext uri="{91240B29-F687-4f45-9708-019B960494DF}">
-                <a14:hiddenLine xmlns:a14="http://schemas.microsoft.com/office/drawing/2010/main" xmlns="" w="9525">
+                <a14:hiddenLine xmlns="" xmlns:a14="http://schemas.microsoft.com/office/drawing/2010/main" w="9525">
                   <a:solidFill>
                     <a:srgbClr val="000000"/>
                   </a:solidFill>
@@ -1261,7 +1261,7 @@
             </a:ln>
             <a:extLst>
               <a:ext uri="{91240B29-F687-4f45-9708-019B960494DF}">
-                <a14:hiddenLine xmlns:a14="http://schemas.microsoft.com/office/drawing/2010/main" xmlns="" w="9525">
+                <a14:hiddenLine xmlns="" xmlns:a14="http://schemas.microsoft.com/office/drawing/2010/main" w="9525">
                   <a:solidFill>
                     <a:srgbClr val="000000"/>
                   </a:solidFill>
@@ -1351,7 +1351,7 @@
             </a:ln>
             <a:extLst>
               <a:ext uri="{91240B29-F687-4f45-9708-019B960494DF}">
-                <a14:hiddenLine xmlns:a14="http://schemas.microsoft.com/office/drawing/2010/main" xmlns="" w="9525">
+                <a14:hiddenLine xmlns="" xmlns:a14="http://schemas.microsoft.com/office/drawing/2010/main" w="9525">
                   <a:solidFill>
                     <a:srgbClr val="000000"/>
                   </a:solidFill>
@@ -1441,7 +1441,7 @@
             </a:ln>
             <a:extLst>
               <a:ext uri="{91240B29-F687-4f45-9708-019B960494DF}">
-                <a14:hiddenLine xmlns:a14="http://schemas.microsoft.com/office/drawing/2010/main" xmlns="" w="9525">
+                <a14:hiddenLine xmlns="" xmlns:a14="http://schemas.microsoft.com/office/drawing/2010/main" w="9525">
                   <a:solidFill>
                     <a:srgbClr val="000000"/>
                   </a:solidFill>
@@ -1503,7 +1503,7 @@
             </a:ln>
             <a:extLst>
               <a:ext uri="{91240B29-F687-4f45-9708-019B960494DF}">
-                <a14:hiddenLine xmlns:a14="http://schemas.microsoft.com/office/drawing/2010/main" xmlns="" w="9525">
+                <a14:hiddenLine xmlns="" xmlns:a14="http://schemas.microsoft.com/office/drawing/2010/main" w="9525">
                   <a:solidFill>
                     <a:srgbClr val="000000"/>
                   </a:solidFill>
@@ -1613,7 +1613,7 @@
             </a:ln>
             <a:extLst>
               <a:ext uri="{91240B29-F687-4f45-9708-019B960494DF}">
-                <a14:hiddenLine xmlns:a14="http://schemas.microsoft.com/office/drawing/2010/main" xmlns="" w="9525">
+                <a14:hiddenLine xmlns="" xmlns:a14="http://schemas.microsoft.com/office/drawing/2010/main" w="9525">
                   <a:solidFill>
                     <a:srgbClr val="000000"/>
                   </a:solidFill>
@@ -1675,7 +1675,7 @@
             </a:ln>
             <a:extLst>
               <a:ext uri="{91240B29-F687-4f45-9708-019B960494DF}">
-                <a14:hiddenLine xmlns:a14="http://schemas.microsoft.com/office/drawing/2010/main" xmlns="" w="9525">
+                <a14:hiddenLine xmlns="" xmlns:a14="http://schemas.microsoft.com/office/drawing/2010/main" w="9525">
                   <a:solidFill>
                     <a:srgbClr val="000000"/>
                   </a:solidFill>
@@ -1765,7 +1765,7 @@
             </a:ln>
             <a:extLst>
               <a:ext uri="{91240B29-F687-4f45-9708-019B960494DF}">
-                <a14:hiddenLine xmlns:a14="http://schemas.microsoft.com/office/drawing/2010/main" xmlns="" w="9525">
+                <a14:hiddenLine xmlns="" xmlns:a14="http://schemas.microsoft.com/office/drawing/2010/main" w="9525">
                   <a:solidFill>
                     <a:srgbClr val="000000"/>
                   </a:solidFill>
@@ -1855,7 +1855,7 @@
             </a:ln>
             <a:extLst>
               <a:ext uri="{91240B29-F687-4f45-9708-019B960494DF}">
-                <a14:hiddenLine xmlns:a14="http://schemas.microsoft.com/office/drawing/2010/main" xmlns="" w="9525">
+                <a14:hiddenLine xmlns="" xmlns:a14="http://schemas.microsoft.com/office/drawing/2010/main" w="9525">
                   <a:solidFill>
                     <a:srgbClr val="000000"/>
                   </a:solidFill>
@@ -1917,7 +1917,7 @@
             </a:ln>
             <a:extLst>
               <a:ext uri="{91240B29-F687-4f45-9708-019B960494DF}">
-                <a14:hiddenLine xmlns:a14="http://schemas.microsoft.com/office/drawing/2010/main" xmlns="" w="9525">
+                <a14:hiddenLine xmlns="" xmlns:a14="http://schemas.microsoft.com/office/drawing/2010/main" w="9525">
                   <a:solidFill>
                     <a:srgbClr val="000000"/>
                   </a:solidFill>
@@ -2007,7 +2007,7 @@
             </a:ln>
             <a:extLst>
               <a:ext uri="{91240B29-F687-4f45-9708-019B960494DF}">
-                <a14:hiddenLine xmlns:a14="http://schemas.microsoft.com/office/drawing/2010/main" xmlns="" w="9525">
+                <a14:hiddenLine xmlns="" xmlns:a14="http://schemas.microsoft.com/office/drawing/2010/main" w="9525">
                   <a:solidFill>
                     <a:srgbClr val="000000"/>
                   </a:solidFill>
@@ -2097,7 +2097,7 @@
             </a:ln>
             <a:extLst>
               <a:ext uri="{91240B29-F687-4f45-9708-019B960494DF}">
-                <a14:hiddenLine xmlns:a14="http://schemas.microsoft.com/office/drawing/2010/main" xmlns="" w="9525">
+                <a14:hiddenLine xmlns="" xmlns:a14="http://schemas.microsoft.com/office/drawing/2010/main" w="9525">
                   <a:solidFill>
                     <a:srgbClr val="000000"/>
                   </a:solidFill>
@@ -2153,7 +2153,7 @@
             </a:ln>
             <a:extLst>
               <a:ext uri="{91240B29-F687-4f45-9708-019B960494DF}">
-                <a14:hiddenLine xmlns:a14="http://schemas.microsoft.com/office/drawing/2010/main" xmlns="" w="9525">
+                <a14:hiddenLine xmlns="" xmlns:a14="http://schemas.microsoft.com/office/drawing/2010/main" w="9525">
                   <a:solidFill>
                     <a:srgbClr val="000000"/>
                   </a:solidFill>
@@ -2243,7 +2243,7 @@
             </a:ln>
             <a:extLst>
               <a:ext uri="{91240B29-F687-4f45-9708-019B960494DF}">
-                <a14:hiddenLine xmlns:a14="http://schemas.microsoft.com/office/drawing/2010/main" xmlns="" w="9525">
+                <a14:hiddenLine xmlns="" xmlns:a14="http://schemas.microsoft.com/office/drawing/2010/main" w="9525">
                   <a:solidFill>
                     <a:srgbClr val="000000"/>
                   </a:solidFill>
@@ -2299,7 +2299,7 @@
             </a:ln>
             <a:extLst>
               <a:ext uri="{91240B29-F687-4f45-9708-019B960494DF}">
-                <a14:hiddenLine xmlns:a14="http://schemas.microsoft.com/office/drawing/2010/main" xmlns="" w="9525">
+                <a14:hiddenLine xmlns="" xmlns:a14="http://schemas.microsoft.com/office/drawing/2010/main" w="9525">
                   <a:solidFill>
                     <a:srgbClr val="000000"/>
                   </a:solidFill>
@@ -2389,7 +2389,7 @@
             </a:ln>
             <a:extLst>
               <a:ext uri="{91240B29-F687-4f45-9708-019B960494DF}">
-                <a14:hiddenLine xmlns:a14="http://schemas.microsoft.com/office/drawing/2010/main" xmlns="" w="9525">
+                <a14:hiddenLine xmlns="" xmlns:a14="http://schemas.microsoft.com/office/drawing/2010/main" w="9525">
                   <a:solidFill>
                     <a:srgbClr val="000000"/>
                   </a:solidFill>
@@ -2457,7 +2457,7 @@
             </a:ln>
             <a:extLst>
               <a:ext uri="{91240B29-F687-4f45-9708-019B960494DF}">
-                <a14:hiddenLine xmlns:a14="http://schemas.microsoft.com/office/drawing/2010/main" xmlns="" w="9525">
+                <a14:hiddenLine xmlns="" xmlns:a14="http://schemas.microsoft.com/office/drawing/2010/main" w="9525">
                   <a:solidFill>
                     <a:srgbClr val="000000"/>
                   </a:solidFill>
@@ -2547,7 +2547,7 @@
             </a:ln>
             <a:extLst>
               <a:ext uri="{91240B29-F687-4f45-9708-019B960494DF}">
-                <a14:hiddenLine xmlns:a14="http://schemas.microsoft.com/office/drawing/2010/main" xmlns="" w="9525">
+                <a14:hiddenLine xmlns="" xmlns:a14="http://schemas.microsoft.com/office/drawing/2010/main" w="9525">
                   <a:solidFill>
                     <a:srgbClr val="000000"/>
                   </a:solidFill>
@@ -2615,7 +2615,7 @@
             </a:ln>
             <a:extLst>
               <a:ext uri="{91240B29-F687-4f45-9708-019B960494DF}">
-                <a14:hiddenLine xmlns:a14="http://schemas.microsoft.com/office/drawing/2010/main" xmlns="" w="9525">
+                <a14:hiddenLine xmlns="" xmlns:a14="http://schemas.microsoft.com/office/drawing/2010/main" w="9525">
                   <a:solidFill>
                     <a:srgbClr val="000000"/>
                   </a:solidFill>
@@ -2705,7 +2705,7 @@
             </a:ln>
             <a:extLst>
               <a:ext uri="{91240B29-F687-4f45-9708-019B960494DF}">
-                <a14:hiddenLine xmlns:a14="http://schemas.microsoft.com/office/drawing/2010/main" xmlns="" w="9525">
+                <a14:hiddenLine xmlns="" xmlns:a14="http://schemas.microsoft.com/office/drawing/2010/main" w="9525">
                   <a:solidFill>
                     <a:srgbClr val="000000"/>
                   </a:solidFill>
@@ -2739,7 +2739,7 @@
             </a:ln>
             <a:extLst>
               <a:ext uri="{91240B29-F687-4f45-9708-019B960494DF}">
-                <a14:hiddenLine xmlns:a14="http://schemas.microsoft.com/office/drawing/2010/main" xmlns="" w="9525">
+                <a14:hiddenLine xmlns="" xmlns:a14="http://schemas.microsoft.com/office/drawing/2010/main" w="9525">
                   <a:solidFill>
                     <a:srgbClr val="000000"/>
                   </a:solidFill>
@@ -2829,7 +2829,7 @@
             </a:ln>
             <a:extLst>
               <a:ext uri="{91240B29-F687-4f45-9708-019B960494DF}">
-                <a14:hiddenLine xmlns:a14="http://schemas.microsoft.com/office/drawing/2010/main" xmlns="" w="9525">
+                <a14:hiddenLine xmlns="" xmlns:a14="http://schemas.microsoft.com/office/drawing/2010/main" w="9525">
                   <a:solidFill>
                     <a:srgbClr val="000000"/>
                   </a:solidFill>
@@ -2891,7 +2891,7 @@
             </a:ln>
             <a:extLst>
               <a:ext uri="{91240B29-F687-4f45-9708-019B960494DF}">
-                <a14:hiddenLine xmlns:a14="http://schemas.microsoft.com/office/drawing/2010/main" xmlns="" w="9525">
+                <a14:hiddenLine xmlns="" xmlns:a14="http://schemas.microsoft.com/office/drawing/2010/main" w="9525">
                   <a:solidFill>
                     <a:srgbClr val="000000"/>
                   </a:solidFill>
@@ -2953,7 +2953,7 @@
             </a:ln>
             <a:extLst>
               <a:ext uri="{91240B29-F687-4f45-9708-019B960494DF}">
-                <a14:hiddenLine xmlns:a14="http://schemas.microsoft.com/office/drawing/2010/main" xmlns="" w="9525">
+                <a14:hiddenLine xmlns="" xmlns:a14="http://schemas.microsoft.com/office/drawing/2010/main" w="9525">
                   <a:solidFill>
                     <a:srgbClr val="000000"/>
                   </a:solidFill>
@@ -3043,7 +3043,7 @@
             </a:ln>
             <a:extLst>
               <a:ext uri="{91240B29-F687-4f45-9708-019B960494DF}">
-                <a14:hiddenLine xmlns:a14="http://schemas.microsoft.com/office/drawing/2010/main" xmlns="" w="9525">
+                <a14:hiddenLine xmlns="" xmlns:a14="http://schemas.microsoft.com/office/drawing/2010/main" w="9525">
                   <a:solidFill>
                     <a:srgbClr val="000000"/>
                   </a:solidFill>
@@ -3111,7 +3111,7 @@
             </a:ln>
             <a:extLst>
               <a:ext uri="{91240B29-F687-4f45-9708-019B960494DF}">
-                <a14:hiddenLine xmlns:a14="http://schemas.microsoft.com/office/drawing/2010/main" xmlns="" w="9525">
+                <a14:hiddenLine xmlns="" xmlns:a14="http://schemas.microsoft.com/office/drawing/2010/main" w="9525">
                   <a:solidFill>
                     <a:srgbClr val="000000"/>
                   </a:solidFill>
@@ -3173,7 +3173,7 @@
             </a:ln>
             <a:extLst>
               <a:ext uri="{91240B29-F687-4f45-9708-019B960494DF}">
-                <a14:hiddenLine xmlns:a14="http://schemas.microsoft.com/office/drawing/2010/main" xmlns="" w="9525">
+                <a14:hiddenLine xmlns="" xmlns:a14="http://schemas.microsoft.com/office/drawing/2010/main" w="9525">
                   <a:solidFill>
                     <a:srgbClr val="000000"/>
                   </a:solidFill>
@@ -3263,7 +3263,7 @@
             </a:ln>
             <a:extLst>
               <a:ext uri="{91240B29-F687-4f45-9708-019B960494DF}">
-                <a14:hiddenLine xmlns:a14="http://schemas.microsoft.com/office/drawing/2010/main" xmlns="" w="9525">
+                <a14:hiddenLine xmlns="" xmlns:a14="http://schemas.microsoft.com/office/drawing/2010/main" w="9525">
                   <a:solidFill>
                     <a:srgbClr val="000000"/>
                   </a:solidFill>
@@ -3325,7 +3325,7 @@
             </a:ln>
             <a:extLst>
               <a:ext uri="{91240B29-F687-4f45-9708-019B960494DF}">
-                <a14:hiddenLine xmlns:a14="http://schemas.microsoft.com/office/drawing/2010/main" xmlns="" w="9525">
+                <a14:hiddenLine xmlns="" xmlns:a14="http://schemas.microsoft.com/office/drawing/2010/main" w="9525">
                   <a:solidFill>
                     <a:srgbClr val="000000"/>
                   </a:solidFill>
@@ -3415,7 +3415,7 @@
             </a:ln>
             <a:extLst>
               <a:ext uri="{91240B29-F687-4f45-9708-019B960494DF}">
-                <a14:hiddenLine xmlns:a14="http://schemas.microsoft.com/office/drawing/2010/main" xmlns="" w="9525">
+                <a14:hiddenLine xmlns="" xmlns:a14="http://schemas.microsoft.com/office/drawing/2010/main" w="9525">
                   <a:solidFill>
                     <a:srgbClr val="000000"/>
                   </a:solidFill>
@@ -3477,7 +3477,7 @@
             </a:ln>
             <a:extLst>
               <a:ext uri="{91240B29-F687-4f45-9708-019B960494DF}">
-                <a14:hiddenLine xmlns:a14="http://schemas.microsoft.com/office/drawing/2010/main" xmlns="" w="9525">
+                <a14:hiddenLine xmlns="" xmlns:a14="http://schemas.microsoft.com/office/drawing/2010/main" w="9525">
                   <a:solidFill>
                     <a:srgbClr val="000000"/>
                   </a:solidFill>
@@ -3567,7 +3567,7 @@
             </a:ln>
             <a:extLst>
               <a:ext uri="{91240B29-F687-4f45-9708-019B960494DF}">
-                <a14:hiddenLine xmlns:a14="http://schemas.microsoft.com/office/drawing/2010/main" xmlns="" w="9525">
+                <a14:hiddenLine xmlns="" xmlns:a14="http://schemas.microsoft.com/office/drawing/2010/main" w="9525">
                   <a:solidFill>
                     <a:srgbClr val="000000"/>
                   </a:solidFill>
@@ -3601,7 +3601,7 @@
             </a:ln>
             <a:extLst>
               <a:ext uri="{91240B29-F687-4f45-9708-019B960494DF}">
-                <a14:hiddenLine xmlns:a14="http://schemas.microsoft.com/office/drawing/2010/main" xmlns="" w="9525">
+                <a14:hiddenLine xmlns="" xmlns:a14="http://schemas.microsoft.com/office/drawing/2010/main" w="9525">
                   <a:solidFill>
                     <a:srgbClr val="000000"/>
                   </a:solidFill>
@@ -3666,7 +3666,7 @@
             </a:ln>
             <a:extLst>
               <a:ext uri="{91240B29-F687-4f45-9708-019B960494DF}">
-                <a14:hiddenLine xmlns:a14="http://schemas.microsoft.com/office/drawing/2010/main" xmlns="" w="9525">
+                <a14:hiddenLine xmlns="" xmlns:a14="http://schemas.microsoft.com/office/drawing/2010/main" w="9525">
                   <a:solidFill>
                     <a:srgbClr val="000000"/>
                   </a:solidFill>
@@ -3756,7 +3756,7 @@
             </a:ln>
             <a:extLst>
               <a:ext uri="{91240B29-F687-4f45-9708-019B960494DF}">
-                <a14:hiddenLine xmlns:a14="http://schemas.microsoft.com/office/drawing/2010/main" xmlns="" w="9525">
+                <a14:hiddenLine xmlns="" xmlns:a14="http://schemas.microsoft.com/office/drawing/2010/main" w="9525">
                   <a:solidFill>
                     <a:srgbClr val="000000"/>
                   </a:solidFill>
@@ -3818,7 +3818,7 @@
             </a:ln>
             <a:extLst>
               <a:ext uri="{91240B29-F687-4f45-9708-019B960494DF}">
-                <a14:hiddenLine xmlns:a14="http://schemas.microsoft.com/office/drawing/2010/main" xmlns="" w="9525">
+                <a14:hiddenLine xmlns="" xmlns:a14="http://schemas.microsoft.com/office/drawing/2010/main" w="9525">
                   <a:solidFill>
                     <a:srgbClr val="000000"/>
                   </a:solidFill>
@@ -3908,7 +3908,7 @@
             </a:ln>
             <a:extLst>
               <a:ext uri="{91240B29-F687-4f45-9708-019B960494DF}">
-                <a14:hiddenLine xmlns:a14="http://schemas.microsoft.com/office/drawing/2010/main" xmlns="" w="9525">
+                <a14:hiddenLine xmlns="" xmlns:a14="http://schemas.microsoft.com/office/drawing/2010/main" w="9525">
                   <a:solidFill>
                     <a:srgbClr val="000000"/>
                   </a:solidFill>
@@ -3998,7 +3998,7 @@
             </a:ln>
             <a:extLst>
               <a:ext uri="{91240B29-F687-4f45-9708-019B960494DF}">
-                <a14:hiddenLine xmlns:a14="http://schemas.microsoft.com/office/drawing/2010/main" xmlns="" w="9525">
+                <a14:hiddenLine xmlns="" xmlns:a14="http://schemas.microsoft.com/office/drawing/2010/main" w="9525">
                   <a:solidFill>
                     <a:srgbClr val="000000"/>
                   </a:solidFill>
@@ -4063,7 +4063,7 @@
             </a:ln>
             <a:extLst>
               <a:ext uri="{91240B29-F687-4f45-9708-019B960494DF}">
-                <a14:hiddenLine xmlns:a14="http://schemas.microsoft.com/office/drawing/2010/main" xmlns="" w="9525">
+                <a14:hiddenLine xmlns="" xmlns:a14="http://schemas.microsoft.com/office/drawing/2010/main" w="9525">
                   <a:solidFill>
                     <a:srgbClr val="000000"/>
                   </a:solidFill>
@@ -4125,7 +4125,7 @@
             </a:ln>
             <a:extLst>
               <a:ext uri="{91240B29-F687-4f45-9708-019B960494DF}">
-                <a14:hiddenLine xmlns:a14="http://schemas.microsoft.com/office/drawing/2010/main" xmlns="" w="9525">
+                <a14:hiddenLine xmlns="" xmlns:a14="http://schemas.microsoft.com/office/drawing/2010/main" w="9525">
                   <a:solidFill>
                     <a:srgbClr val="000000"/>
                   </a:solidFill>
@@ -4215,7 +4215,7 @@
             </a:ln>
             <a:extLst>
               <a:ext uri="{91240B29-F687-4f45-9708-019B960494DF}">
-                <a14:hiddenLine xmlns:a14="http://schemas.microsoft.com/office/drawing/2010/main" xmlns="" w="9525">
+                <a14:hiddenLine xmlns="" xmlns:a14="http://schemas.microsoft.com/office/drawing/2010/main" w="9525">
                   <a:solidFill>
                     <a:srgbClr val="000000"/>
                   </a:solidFill>
@@ -4305,7 +4305,7 @@
             </a:ln>
             <a:extLst>
               <a:ext uri="{91240B29-F687-4f45-9708-019B960494DF}">
-                <a14:hiddenLine xmlns:a14="http://schemas.microsoft.com/office/drawing/2010/main" xmlns="" w="9525">
+                <a14:hiddenLine xmlns="" xmlns:a14="http://schemas.microsoft.com/office/drawing/2010/main" w="9525">
                   <a:solidFill>
                     <a:srgbClr val="000000"/>
                   </a:solidFill>
@@ -4367,7 +4367,7 @@
             </a:ln>
             <a:extLst>
               <a:ext uri="{91240B29-F687-4f45-9708-019B960494DF}">
-                <a14:hiddenLine xmlns:a14="http://schemas.microsoft.com/office/drawing/2010/main" xmlns="" w="9525">
+                <a14:hiddenLine xmlns="" xmlns:a14="http://schemas.microsoft.com/office/drawing/2010/main" w="9525">
                   <a:solidFill>
                     <a:srgbClr val="000000"/>
                   </a:solidFill>
@@ -4487,7 +4487,7 @@
             </a:ln>
             <a:extLst>
               <a:ext uri="{91240B29-F687-4f45-9708-019B960494DF}">
-                <a14:hiddenLine xmlns:a14="http://schemas.microsoft.com/office/drawing/2010/main" xmlns="" w="9525">
+                <a14:hiddenLine xmlns="" xmlns:a14="http://schemas.microsoft.com/office/drawing/2010/main" w="9525">
                   <a:solidFill>
                     <a:srgbClr val="000000"/>
                   </a:solidFill>
@@ -4555,7 +4555,7 @@
             </a:ln>
             <a:extLst>
               <a:ext uri="{91240B29-F687-4f45-9708-019B960494DF}">
-                <a14:hiddenLine xmlns:a14="http://schemas.microsoft.com/office/drawing/2010/main" xmlns="" w="9525">
+                <a14:hiddenLine xmlns="" xmlns:a14="http://schemas.microsoft.com/office/drawing/2010/main" w="9525">
                   <a:solidFill>
                     <a:srgbClr val="000000"/>
                   </a:solidFill>
@@ -4645,7 +4645,7 @@
             </a:ln>
             <a:extLst>
               <a:ext uri="{91240B29-F687-4f45-9708-019B960494DF}">
-                <a14:hiddenLine xmlns:a14="http://schemas.microsoft.com/office/drawing/2010/main" xmlns="" w="9525">
+                <a14:hiddenLine xmlns="" xmlns:a14="http://schemas.microsoft.com/office/drawing/2010/main" w="9525">
                   <a:solidFill>
                     <a:srgbClr val="000000"/>
                   </a:solidFill>
@@ -9518,7 +9518,7 @@
           <a:noFill/>
           <a:extLst>
             <a:ext uri="{909E8E84-426E-40dd-AFC4-6F175D3DCCD1}">
-              <a14:hiddenFill xmlns:a14="http://schemas.microsoft.com/office/drawing/2010/main" xmlns="">
+              <a14:hiddenFill xmlns="" xmlns:a14="http://schemas.microsoft.com/office/drawing/2010/main">
                 <a:solidFill>
                   <a:srgbClr val="FFFFFF"/>
                 </a:solidFill>
@@ -9592,7 +9592,7 @@
               </a:ln>
               <a:extLst>
                 <a:ext uri="{91240B29-F687-4f45-9708-019B960494DF}">
-                  <a14:hiddenLine xmlns:a14="http://schemas.microsoft.com/office/drawing/2010/main" xmlns="" w="9525">
+                  <a14:hiddenLine xmlns="" xmlns:a14="http://schemas.microsoft.com/office/drawing/2010/main" w="9525">
                     <a:solidFill>
                       <a:srgbClr val="000000"/>
                     </a:solidFill>
@@ -9682,7 +9682,7 @@
               </a:ln>
               <a:extLst>
                 <a:ext uri="{91240B29-F687-4f45-9708-019B960494DF}">
-                  <a14:hiddenLine xmlns:a14="http://schemas.microsoft.com/office/drawing/2010/main" xmlns="" w="9525">
+                  <a14:hiddenLine xmlns="" xmlns:a14="http://schemas.microsoft.com/office/drawing/2010/main" w="9525">
                     <a:solidFill>
                       <a:srgbClr val="000000"/>
                     </a:solidFill>
@@ -9772,7 +9772,7 @@
               </a:ln>
               <a:extLst>
                 <a:ext uri="{91240B29-F687-4f45-9708-019B960494DF}">
-                  <a14:hiddenLine xmlns:a14="http://schemas.microsoft.com/office/drawing/2010/main" xmlns="" w="9525">
+                  <a14:hiddenLine xmlns="" xmlns:a14="http://schemas.microsoft.com/office/drawing/2010/main" w="9525">
                     <a:solidFill>
                       <a:srgbClr val="000000"/>
                     </a:solidFill>
@@ -9834,7 +9834,7 @@
               </a:ln>
               <a:extLst>
                 <a:ext uri="{91240B29-F687-4f45-9708-019B960494DF}">
-                  <a14:hiddenLine xmlns:a14="http://schemas.microsoft.com/office/drawing/2010/main" xmlns="" w="9525">
+                  <a14:hiddenLine xmlns="" xmlns:a14="http://schemas.microsoft.com/office/drawing/2010/main" w="9525">
                     <a:solidFill>
                       <a:srgbClr val="000000"/>
                     </a:solidFill>
@@ -9924,7 +9924,7 @@
               </a:ln>
               <a:extLst>
                 <a:ext uri="{91240B29-F687-4f45-9708-019B960494DF}">
-                  <a14:hiddenLine xmlns:a14="http://schemas.microsoft.com/office/drawing/2010/main" xmlns="" w="9525">
+                  <a14:hiddenLine xmlns="" xmlns:a14="http://schemas.microsoft.com/office/drawing/2010/main" w="9525">
                     <a:solidFill>
                       <a:srgbClr val="000000"/>
                     </a:solidFill>
@@ -9986,7 +9986,7 @@
               </a:ln>
               <a:extLst>
                 <a:ext uri="{91240B29-F687-4f45-9708-019B960494DF}">
-                  <a14:hiddenLine xmlns:a14="http://schemas.microsoft.com/office/drawing/2010/main" xmlns="" w="9525">
+                  <a14:hiddenLine xmlns="" xmlns:a14="http://schemas.microsoft.com/office/drawing/2010/main" w="9525">
                     <a:solidFill>
                       <a:srgbClr val="000000"/>
                     </a:solidFill>
@@ -10048,7 +10048,7 @@
               </a:ln>
               <a:extLst>
                 <a:ext uri="{91240B29-F687-4f45-9708-019B960494DF}">
-                  <a14:hiddenLine xmlns:a14="http://schemas.microsoft.com/office/drawing/2010/main" xmlns="" w="9525">
+                  <a14:hiddenLine xmlns="" xmlns:a14="http://schemas.microsoft.com/office/drawing/2010/main" w="9525">
                     <a:solidFill>
                       <a:srgbClr val="000000"/>
                     </a:solidFill>
@@ -10138,7 +10138,7 @@
               </a:ln>
               <a:extLst>
                 <a:ext uri="{91240B29-F687-4f45-9708-019B960494DF}">
-                  <a14:hiddenLine xmlns:a14="http://schemas.microsoft.com/office/drawing/2010/main" xmlns="" w="9525">
+                  <a14:hiddenLine xmlns="" xmlns:a14="http://schemas.microsoft.com/office/drawing/2010/main" w="9525">
                     <a:solidFill>
                       <a:srgbClr val="000000"/>
                     </a:solidFill>
@@ -10228,7 +10228,7 @@
               </a:ln>
               <a:extLst>
                 <a:ext uri="{91240B29-F687-4f45-9708-019B960494DF}">
-                  <a14:hiddenLine xmlns:a14="http://schemas.microsoft.com/office/drawing/2010/main" xmlns="" w="9525">
+                  <a14:hiddenLine xmlns="" xmlns:a14="http://schemas.microsoft.com/office/drawing/2010/main" w="9525">
                     <a:solidFill>
                       <a:srgbClr val="000000"/>
                     </a:solidFill>
@@ -10290,7 +10290,7 @@
               </a:ln>
               <a:extLst>
                 <a:ext uri="{91240B29-F687-4f45-9708-019B960494DF}">
-                  <a14:hiddenLine xmlns:a14="http://schemas.microsoft.com/office/drawing/2010/main" xmlns="" w="9525">
+                  <a14:hiddenLine xmlns="" xmlns:a14="http://schemas.microsoft.com/office/drawing/2010/main" w="9525">
                     <a:solidFill>
                       <a:srgbClr val="000000"/>
                     </a:solidFill>
@@ -10400,7 +10400,7 @@
               </a:ln>
               <a:extLst>
                 <a:ext uri="{91240B29-F687-4f45-9708-019B960494DF}">
-                  <a14:hiddenLine xmlns:a14="http://schemas.microsoft.com/office/drawing/2010/main" xmlns="" w="9525">
+                  <a14:hiddenLine xmlns="" xmlns:a14="http://schemas.microsoft.com/office/drawing/2010/main" w="9525">
                     <a:solidFill>
                       <a:srgbClr val="000000"/>
                     </a:solidFill>
@@ -10484,7 +10484,7 @@
               </a:ln>
               <a:extLst>
                 <a:ext uri="{91240B29-F687-4f45-9708-019B960494DF}">
-                  <a14:hiddenLine xmlns:a14="http://schemas.microsoft.com/office/drawing/2010/main" xmlns="" w="9525">
+                  <a14:hiddenLine xmlns="" xmlns:a14="http://schemas.microsoft.com/office/drawing/2010/main" w="9525">
                     <a:solidFill>
                       <a:srgbClr val="000000"/>
                     </a:solidFill>
@@ -10546,7 +10546,7 @@
               </a:ln>
               <a:extLst>
                 <a:ext uri="{91240B29-F687-4f45-9708-019B960494DF}">
-                  <a14:hiddenLine xmlns:a14="http://schemas.microsoft.com/office/drawing/2010/main" xmlns="" w="9525">
+                  <a14:hiddenLine xmlns="" xmlns:a14="http://schemas.microsoft.com/office/drawing/2010/main" w="9525">
                     <a:solidFill>
                       <a:srgbClr val="000000"/>
                     </a:solidFill>
@@ -10608,7 +10608,7 @@
               </a:ln>
               <a:extLst>
                 <a:ext uri="{91240B29-F687-4f45-9708-019B960494DF}">
-                  <a14:hiddenLine xmlns:a14="http://schemas.microsoft.com/office/drawing/2010/main" xmlns="" w="9525">
+                  <a14:hiddenLine xmlns="" xmlns:a14="http://schemas.microsoft.com/office/drawing/2010/main" w="9525">
                     <a:solidFill>
                       <a:srgbClr val="000000"/>
                     </a:solidFill>
@@ -10698,7 +10698,7 @@
               </a:ln>
               <a:extLst>
                 <a:ext uri="{91240B29-F687-4f45-9708-019B960494DF}">
-                  <a14:hiddenLine xmlns:a14="http://schemas.microsoft.com/office/drawing/2010/main" xmlns="" w="9525">
+                  <a14:hiddenLine xmlns="" xmlns:a14="http://schemas.microsoft.com/office/drawing/2010/main" w="9525">
                     <a:solidFill>
                       <a:srgbClr val="000000"/>
                     </a:solidFill>
@@ -10732,7 +10732,7 @@
               </a:ln>
               <a:extLst>
                 <a:ext uri="{91240B29-F687-4f45-9708-019B960494DF}">
-                  <a14:hiddenLine xmlns:a14="http://schemas.microsoft.com/office/drawing/2010/main" xmlns="" w="9525">
+                  <a14:hiddenLine xmlns="" xmlns:a14="http://schemas.microsoft.com/office/drawing/2010/main" w="9525">
                     <a:solidFill>
                       <a:srgbClr val="000000"/>
                     </a:solidFill>
@@ -10797,7 +10797,7 @@
               </a:ln>
               <a:extLst>
                 <a:ext uri="{91240B29-F687-4f45-9708-019B960494DF}">
-                  <a14:hiddenLine xmlns:a14="http://schemas.microsoft.com/office/drawing/2010/main" xmlns="" w="9525">
+                  <a14:hiddenLine xmlns="" xmlns:a14="http://schemas.microsoft.com/office/drawing/2010/main" w="9525">
                     <a:solidFill>
                       <a:srgbClr val="000000"/>
                     </a:solidFill>
@@ -10887,7 +10887,7 @@
               </a:ln>
               <a:extLst>
                 <a:ext uri="{91240B29-F687-4f45-9708-019B960494DF}">
-                  <a14:hiddenLine xmlns:a14="http://schemas.microsoft.com/office/drawing/2010/main" xmlns="" w="9525">
+                  <a14:hiddenLine xmlns="" xmlns:a14="http://schemas.microsoft.com/office/drawing/2010/main" w="9525">
                     <a:solidFill>
                       <a:srgbClr val="000000"/>
                     </a:solidFill>
@@ -10949,7 +10949,7 @@
               </a:ln>
               <a:extLst>
                 <a:ext uri="{91240B29-F687-4f45-9708-019B960494DF}">
-                  <a14:hiddenLine xmlns:a14="http://schemas.microsoft.com/office/drawing/2010/main" xmlns="" w="9525">
+                  <a14:hiddenLine xmlns="" xmlns:a14="http://schemas.microsoft.com/office/drawing/2010/main" w="9525">
                     <a:solidFill>
                       <a:srgbClr val="000000"/>
                     </a:solidFill>
@@ -11039,7 +11039,7 @@
               </a:ln>
               <a:extLst>
                 <a:ext uri="{91240B29-F687-4f45-9708-019B960494DF}">
-                  <a14:hiddenLine xmlns:a14="http://schemas.microsoft.com/office/drawing/2010/main" xmlns="" w="9525">
+                  <a14:hiddenLine xmlns="" xmlns:a14="http://schemas.microsoft.com/office/drawing/2010/main" w="9525">
                     <a:solidFill>
                       <a:srgbClr val="000000"/>
                     </a:solidFill>
@@ -11104,7 +11104,7 @@
               </a:ln>
               <a:extLst>
                 <a:ext uri="{91240B29-F687-4f45-9708-019B960494DF}">
-                  <a14:hiddenLine xmlns:a14="http://schemas.microsoft.com/office/drawing/2010/main" xmlns="" w="9525">
+                  <a14:hiddenLine xmlns="" xmlns:a14="http://schemas.microsoft.com/office/drawing/2010/main" w="9525">
                     <a:solidFill>
                       <a:srgbClr val="000000"/>
                     </a:solidFill>
@@ -11166,7 +11166,7 @@
               </a:ln>
               <a:extLst>
                 <a:ext uri="{91240B29-F687-4f45-9708-019B960494DF}">
-                  <a14:hiddenLine xmlns:a14="http://schemas.microsoft.com/office/drawing/2010/main" xmlns="" w="9525">
+                  <a14:hiddenLine xmlns="" xmlns:a14="http://schemas.microsoft.com/office/drawing/2010/main" w="9525">
                     <a:solidFill>
                       <a:srgbClr val="000000"/>
                     </a:solidFill>
@@ -11256,7 +11256,7 @@
               </a:ln>
               <a:extLst>
                 <a:ext uri="{91240B29-F687-4f45-9708-019B960494DF}">
-                  <a14:hiddenLine xmlns:a14="http://schemas.microsoft.com/office/drawing/2010/main" xmlns="" w="9525">
+                  <a14:hiddenLine xmlns="" xmlns:a14="http://schemas.microsoft.com/office/drawing/2010/main" w="9525">
                     <a:solidFill>
                       <a:srgbClr val="000000"/>
                     </a:solidFill>
@@ -11346,7 +11346,7 @@
               </a:ln>
               <a:extLst>
                 <a:ext uri="{91240B29-F687-4f45-9708-019B960494DF}">
-                  <a14:hiddenLine xmlns:a14="http://schemas.microsoft.com/office/drawing/2010/main" xmlns="" w="9525">
+                  <a14:hiddenLine xmlns="" xmlns:a14="http://schemas.microsoft.com/office/drawing/2010/main" w="9525">
                     <a:solidFill>
                       <a:srgbClr val="000000"/>
                     </a:solidFill>
@@ -11411,7 +11411,7 @@
               </a:ln>
               <a:extLst>
                 <a:ext uri="{91240B29-F687-4f45-9708-019B960494DF}">
-                  <a14:hiddenLine xmlns:a14="http://schemas.microsoft.com/office/drawing/2010/main" xmlns="" w="9525">
+                  <a14:hiddenLine xmlns="" xmlns:a14="http://schemas.microsoft.com/office/drawing/2010/main" w="9525">
                     <a:solidFill>
                       <a:srgbClr val="000000"/>
                     </a:solidFill>
@@ -11531,7 +11531,7 @@
               </a:ln>
               <a:extLst>
                 <a:ext uri="{91240B29-F687-4f45-9708-019B960494DF}">
-                  <a14:hiddenLine xmlns:a14="http://schemas.microsoft.com/office/drawing/2010/main" xmlns="" w="9525">
+                  <a14:hiddenLine xmlns="" xmlns:a14="http://schemas.microsoft.com/office/drawing/2010/main" w="9525">
                     <a:solidFill>
                       <a:srgbClr val="000000"/>
                     </a:solidFill>
@@ -11629,7 +11629,7 @@
               </a:ln>
               <a:extLst>
                 <a:ext uri="{91240B29-F687-4f45-9708-019B960494DF}">
-                  <a14:hiddenLine xmlns:a14="http://schemas.microsoft.com/office/drawing/2010/main" xmlns="" w="9525">
+                  <a14:hiddenLine xmlns="" xmlns:a14="http://schemas.microsoft.com/office/drawing/2010/main" w="9525">
                     <a:solidFill>
                       <a:srgbClr val="000000"/>
                     </a:solidFill>
@@ -11744,7 +11744,7 @@
               </a:ln>
               <a:extLst>
                 <a:ext uri="{91240B29-F687-4f45-9708-019B960494DF}">
-                  <a14:hiddenLine xmlns:a14="http://schemas.microsoft.com/office/drawing/2010/main" xmlns="" w="9525">
+                  <a14:hiddenLine xmlns="" xmlns:a14="http://schemas.microsoft.com/office/drawing/2010/main" w="9525">
                     <a:solidFill>
                       <a:srgbClr val="000000"/>
                     </a:solidFill>
@@ -11834,7 +11834,7 @@
               </a:ln>
               <a:extLst>
                 <a:ext uri="{91240B29-F687-4f45-9708-019B960494DF}">
-                  <a14:hiddenLine xmlns:a14="http://schemas.microsoft.com/office/drawing/2010/main" xmlns="" w="9525">
+                  <a14:hiddenLine xmlns="" xmlns:a14="http://schemas.microsoft.com/office/drawing/2010/main" w="9525">
                     <a:solidFill>
                       <a:srgbClr val="000000"/>
                     </a:solidFill>
@@ -11899,7 +11899,7 @@
               </a:ln>
               <a:extLst>
                 <a:ext uri="{91240B29-F687-4f45-9708-019B960494DF}">
-                  <a14:hiddenLine xmlns:a14="http://schemas.microsoft.com/office/drawing/2010/main" xmlns="" w="9525">
+                  <a14:hiddenLine xmlns="" xmlns:a14="http://schemas.microsoft.com/office/drawing/2010/main" w="9525">
                     <a:solidFill>
                       <a:srgbClr val="000000"/>
                     </a:solidFill>
@@ -11989,7 +11989,7 @@
               </a:ln>
               <a:extLst>
                 <a:ext uri="{91240B29-F687-4f45-9708-019B960494DF}">
-                  <a14:hiddenLine xmlns:a14="http://schemas.microsoft.com/office/drawing/2010/main" xmlns="" w="9525">
+                  <a14:hiddenLine xmlns="" xmlns:a14="http://schemas.microsoft.com/office/drawing/2010/main" w="9525">
                     <a:solidFill>
                       <a:srgbClr val="000000"/>
                     </a:solidFill>
@@ -12057,7 +12057,7 @@
               </a:ln>
               <a:extLst>
                 <a:ext uri="{91240B29-F687-4f45-9708-019B960494DF}">
-                  <a14:hiddenLine xmlns:a14="http://schemas.microsoft.com/office/drawing/2010/main" xmlns="" w="9525">
+                  <a14:hiddenLine xmlns="" xmlns:a14="http://schemas.microsoft.com/office/drawing/2010/main" w="9525">
                     <a:solidFill>
                       <a:srgbClr val="000000"/>
                     </a:solidFill>
@@ -12147,7 +12147,7 @@
               </a:ln>
               <a:extLst>
                 <a:ext uri="{91240B29-F687-4f45-9708-019B960494DF}">
-                  <a14:hiddenLine xmlns:a14="http://schemas.microsoft.com/office/drawing/2010/main" xmlns="" w="9525">
+                  <a14:hiddenLine xmlns="" xmlns:a14="http://schemas.microsoft.com/office/drawing/2010/main" w="9525">
                     <a:solidFill>
                       <a:srgbClr val="000000"/>
                     </a:solidFill>
@@ -12215,7 +12215,7 @@
               </a:ln>
               <a:extLst>
                 <a:ext uri="{91240B29-F687-4f45-9708-019B960494DF}">
-                  <a14:hiddenLine xmlns:a14="http://schemas.microsoft.com/office/drawing/2010/main" xmlns="" w="9525">
+                  <a14:hiddenLine xmlns="" xmlns:a14="http://schemas.microsoft.com/office/drawing/2010/main" w="9525">
                     <a:solidFill>
                       <a:srgbClr val="000000"/>
                     </a:solidFill>
@@ -12305,7 +12305,7 @@
               </a:ln>
               <a:extLst>
                 <a:ext uri="{91240B29-F687-4f45-9708-019B960494DF}">
-                  <a14:hiddenLine xmlns:a14="http://schemas.microsoft.com/office/drawing/2010/main" xmlns="" w="9525">
+                  <a14:hiddenLine xmlns="" xmlns:a14="http://schemas.microsoft.com/office/drawing/2010/main" w="9525">
                     <a:solidFill>
                       <a:srgbClr val="000000"/>
                     </a:solidFill>
@@ -12339,7 +12339,7 @@
               </a:ln>
               <a:extLst>
                 <a:ext uri="{91240B29-F687-4f45-9708-019B960494DF}">
-                  <a14:hiddenLine xmlns:a14="http://schemas.microsoft.com/office/drawing/2010/main" xmlns="" w="9525">
+                  <a14:hiddenLine xmlns="" xmlns:a14="http://schemas.microsoft.com/office/drawing/2010/main" w="9525">
                     <a:solidFill>
                       <a:srgbClr val="000000"/>
                     </a:solidFill>
@@ -16576,7 +16576,7 @@
         <p:spPr>
           <a:xfrm>
             <a:off x="1115616" y="908720"/>
-            <a:ext cx="6696744" cy="773417"/>
+            <a:ext cx="6696744" cy="806375"/>
           </a:xfrm>
           <a:prstGeom prst="rect">
             <a:avLst/>
@@ -16597,44 +16597,14 @@
               </a:spcAft>
             </a:pPr>
             <a:r>
-              <a:rPr lang="ru-RU" sz="1400" dirty="0">
+              <a:rPr lang="ru-RU" sz="1600" b="1" dirty="0">
                 <a:solidFill>
                   <a:schemeClr val="bg1"/>
                 </a:solidFill>
                 <a:ea typeface="Times New Roman" panose="02020603050405020304" pitchFamily="18" charset="0"/>
                 <a:cs typeface="Times New Roman" panose="02020603050405020304" pitchFamily="18" charset="0"/>
               </a:rPr>
-              <a:t>Архивный</a:t>
-            </a:r>
-            <a:r>
-              <a:rPr lang="ru-RU" sz="1400" b="1" dirty="0">
-                <a:solidFill>
-                  <a:schemeClr val="bg1"/>
-                </a:solidFill>
-                <a:ea typeface="Times New Roman" panose="02020603050405020304" pitchFamily="18" charset="0"/>
-                <a:cs typeface="Times New Roman" panose="02020603050405020304" pitchFamily="18" charset="0"/>
-              </a:rPr>
-              <a:t> </a:t>
-            </a:r>
-            <a:r>
-              <a:rPr lang="ru-RU" sz="1400" dirty="0">
-                <a:solidFill>
-                  <a:schemeClr val="bg1"/>
-                </a:solidFill>
-                <a:ea typeface="Times New Roman" panose="02020603050405020304" pitchFamily="18" charset="0"/>
-                <a:cs typeface="Times New Roman" panose="02020603050405020304" pitchFamily="18" charset="0"/>
-              </a:rPr>
-              <a:t>сервер</a:t>
-            </a:r>
-            <a:r>
-              <a:rPr lang="ru-RU" sz="1400" b="1" dirty="0">
-                <a:solidFill>
-                  <a:schemeClr val="bg1"/>
-                </a:solidFill>
-                <a:ea typeface="Times New Roman" panose="02020603050405020304" pitchFamily="18" charset="0"/>
-                <a:cs typeface="Times New Roman" panose="02020603050405020304" pitchFamily="18" charset="0"/>
-              </a:rPr>
-              <a:t> </a:t>
+              <a:t>Архивный сервер </a:t>
             </a:r>
             <a:r>
               <a:rPr lang="ru-RU" sz="1400" dirty="0">
@@ -16671,7 +16641,7 @@
         <p:spPr>
           <a:xfrm>
             <a:off x="1079612" y="2481305"/>
-            <a:ext cx="6768752" cy="773417"/>
+            <a:ext cx="6768752" cy="806375"/>
           </a:xfrm>
           <a:prstGeom prst="rect">
             <a:avLst/>
@@ -16692,6 +16662,16 @@
               </a:spcAft>
             </a:pPr>
             <a:r>
+              <a:rPr lang="ru-RU" sz="1600" b="1" dirty="0">
+                <a:solidFill>
+                  <a:schemeClr val="bg1"/>
+                </a:solidFill>
+                <a:ea typeface="Calibri" panose="020F0502020204030204" pitchFamily="34" charset="0"/>
+                <a:cs typeface="Times New Roman" panose="02020603050405020304" pitchFamily="18" charset="0"/>
+              </a:rPr>
+              <a:t>Сервер ввода/вывода </a:t>
+            </a:r>
+            <a:r>
               <a:rPr lang="ru-RU" sz="1400" dirty="0">
                 <a:solidFill>
                   <a:schemeClr val="bg1"/>
@@ -16699,7 +16679,7 @@
                 <a:ea typeface="Calibri" panose="020F0502020204030204" pitchFamily="34" charset="0"/>
                 <a:cs typeface="Times New Roman" panose="02020603050405020304" pitchFamily="18" charset="0"/>
               </a:rPr>
-              <a:t>Сервер ввода/вывода - служит для связи системы диспетчеризации с технологической системой, управляет информацией и записывает всю эту информацию в базу данных. </a:t>
+              <a:t>- служит для связи системы диспетчеризации с технологической системой, управляет информацией и записывает всю эту информацию в базу данных. </a:t>
             </a:r>
             <a:endParaRPr lang="ru-RU" sz="1400" dirty="0">
               <a:solidFill>
@@ -16726,8 +16706,8 @@
         </p:nvSpPr>
         <p:spPr>
           <a:xfrm>
-            <a:off x="1115616" y="4081064"/>
-            <a:ext cx="6984776" cy="1003929"/>
+            <a:off x="1115616" y="4088170"/>
+            <a:ext cx="6984776" cy="1036887"/>
           </a:xfrm>
           <a:prstGeom prst="rect">
             <a:avLst/>
@@ -16748,6 +16728,16 @@
               </a:spcAft>
             </a:pPr>
             <a:r>
+              <a:rPr lang="ru-RU" sz="1600" b="1" dirty="0">
+                <a:solidFill>
+                  <a:schemeClr val="bg1"/>
+                </a:solidFill>
+                <a:ea typeface="Calibri" panose="020F0502020204030204" pitchFamily="34" charset="0"/>
+                <a:cs typeface="Times New Roman" panose="02020603050405020304" pitchFamily="18" charset="0"/>
+              </a:rPr>
+              <a:t>Сервер приложений </a:t>
+            </a:r>
+            <a:r>
               <a:rPr lang="ru-RU" sz="1400" dirty="0">
                 <a:solidFill>
                   <a:schemeClr val="bg1"/>
@@ -16755,7 +16745,7 @@
                 <a:ea typeface="Calibri" panose="020F0502020204030204" pitchFamily="34" charset="0"/>
                 <a:cs typeface="Times New Roman" panose="02020603050405020304" pitchFamily="18" charset="0"/>
               </a:rPr>
-              <a:t>Сервер приложений - это программная платформа, предназначенная для эффективного исполнения процедур, на которых построены приложения. Сервер приложений действует как набор компонентов, доступных разработчику программного обеспечения через API, определённый самой платформой.</a:t>
+              <a:t>- это программная платформа, предназначенная для эффективного исполнения процедур, на которых построены приложения. Сервер приложений действует как набор компонентов, доступных разработчику программного обеспечения через API, определённый самой платформой.</a:t>
             </a:r>
             <a:endParaRPr lang="ru-RU" sz="1400" dirty="0">
               <a:solidFill>

--- a/итоговая.pptx
+++ b/итоговая.pptx
@@ -559,7 +559,7 @@
           <a:noFill/>
           <a:extLst>
             <a:ext uri="{909E8E84-426E-40dd-AFC4-6F175D3DCCD1}">
-              <a14:hiddenFill xmlns="" xmlns:a14="http://schemas.microsoft.com/office/drawing/2010/main">
+              <a14:hiddenFill xmlns:a14="http://schemas.microsoft.com/office/drawing/2010/main" xmlns="">
                 <a:solidFill>
                   <a:srgbClr val="FFFFFF"/>
                 </a:solidFill>
@@ -619,7 +619,7 @@
             </a:ln>
             <a:extLst>
               <a:ext uri="{91240B29-F687-4f45-9708-019B960494DF}">
-                <a14:hiddenLine xmlns="" xmlns:a14="http://schemas.microsoft.com/office/drawing/2010/main" w="9525">
+                <a14:hiddenLine xmlns:a14="http://schemas.microsoft.com/office/drawing/2010/main" xmlns="" w="9525">
                   <a:solidFill>
                     <a:srgbClr val="000000"/>
                   </a:solidFill>
@@ -709,7 +709,7 @@
             </a:ln>
             <a:extLst>
               <a:ext uri="{91240B29-F687-4f45-9708-019B960494DF}">
-                <a14:hiddenLine xmlns="" xmlns:a14="http://schemas.microsoft.com/office/drawing/2010/main" w="9525">
+                <a14:hiddenLine xmlns:a14="http://schemas.microsoft.com/office/drawing/2010/main" xmlns="" w="9525">
                   <a:solidFill>
                     <a:srgbClr val="000000"/>
                   </a:solidFill>
@@ -799,7 +799,7 @@
             </a:ln>
             <a:extLst>
               <a:ext uri="{91240B29-F687-4f45-9708-019B960494DF}">
-                <a14:hiddenLine xmlns="" xmlns:a14="http://schemas.microsoft.com/office/drawing/2010/main" w="9525">
+                <a14:hiddenLine xmlns:a14="http://schemas.microsoft.com/office/drawing/2010/main" xmlns="" w="9525">
                   <a:solidFill>
                     <a:srgbClr val="000000"/>
                   </a:solidFill>
@@ -833,7 +833,7 @@
             </a:ln>
             <a:extLst>
               <a:ext uri="{91240B29-F687-4f45-9708-019B960494DF}">
-                <a14:hiddenLine xmlns="" xmlns:a14="http://schemas.microsoft.com/office/drawing/2010/main" w="9525">
+                <a14:hiddenLine xmlns:a14="http://schemas.microsoft.com/office/drawing/2010/main" xmlns="" w="9525">
                   <a:solidFill>
                     <a:srgbClr val="000000"/>
                   </a:solidFill>
@@ -923,7 +923,7 @@
             </a:ln>
             <a:extLst>
               <a:ext uri="{91240B29-F687-4f45-9708-019B960494DF}">
-                <a14:hiddenLine xmlns="" xmlns:a14="http://schemas.microsoft.com/office/drawing/2010/main" w="9525">
+                <a14:hiddenLine xmlns:a14="http://schemas.microsoft.com/office/drawing/2010/main" xmlns="" w="9525">
                   <a:solidFill>
                     <a:srgbClr val="000000"/>
                   </a:solidFill>
@@ -985,7 +985,7 @@
             </a:ln>
             <a:extLst>
               <a:ext uri="{91240B29-F687-4f45-9708-019B960494DF}">
-                <a14:hiddenLine xmlns="" xmlns:a14="http://schemas.microsoft.com/office/drawing/2010/main" w="9525">
+                <a14:hiddenLine xmlns:a14="http://schemas.microsoft.com/office/drawing/2010/main" xmlns="" w="9525">
                   <a:solidFill>
                     <a:srgbClr val="000000"/>
                   </a:solidFill>
@@ -1047,7 +1047,7 @@
             </a:ln>
             <a:extLst>
               <a:ext uri="{91240B29-F687-4f45-9708-019B960494DF}">
-                <a14:hiddenLine xmlns="" xmlns:a14="http://schemas.microsoft.com/office/drawing/2010/main" w="9525">
+                <a14:hiddenLine xmlns:a14="http://schemas.microsoft.com/office/drawing/2010/main" xmlns="" w="9525">
                   <a:solidFill>
                     <a:srgbClr val="000000"/>
                   </a:solidFill>
@@ -1137,7 +1137,7 @@
             </a:ln>
             <a:extLst>
               <a:ext uri="{91240B29-F687-4f45-9708-019B960494DF}">
-                <a14:hiddenLine xmlns="" xmlns:a14="http://schemas.microsoft.com/office/drawing/2010/main" w="9525">
+                <a14:hiddenLine xmlns:a14="http://schemas.microsoft.com/office/drawing/2010/main" xmlns="" w="9525">
                   <a:solidFill>
                     <a:srgbClr val="000000"/>
                   </a:solidFill>
@@ -1199,7 +1199,7 @@
             </a:ln>
             <a:extLst>
               <a:ext uri="{91240B29-F687-4f45-9708-019B960494DF}">
-                <a14:hiddenLine xmlns="" xmlns:a14="http://schemas.microsoft.com/office/drawing/2010/main" w="9525">
+                <a14:hiddenLine xmlns:a14="http://schemas.microsoft.com/office/drawing/2010/main" xmlns="" w="9525">
                   <a:solidFill>
                     <a:srgbClr val="000000"/>
                   </a:solidFill>
@@ -1261,7 +1261,7 @@
             </a:ln>
             <a:extLst>
               <a:ext uri="{91240B29-F687-4f45-9708-019B960494DF}">
-                <a14:hiddenLine xmlns="" xmlns:a14="http://schemas.microsoft.com/office/drawing/2010/main" w="9525">
+                <a14:hiddenLine xmlns:a14="http://schemas.microsoft.com/office/drawing/2010/main" xmlns="" w="9525">
                   <a:solidFill>
                     <a:srgbClr val="000000"/>
                   </a:solidFill>
@@ -1351,7 +1351,7 @@
             </a:ln>
             <a:extLst>
               <a:ext uri="{91240B29-F687-4f45-9708-019B960494DF}">
-                <a14:hiddenLine xmlns="" xmlns:a14="http://schemas.microsoft.com/office/drawing/2010/main" w="9525">
+                <a14:hiddenLine xmlns:a14="http://schemas.microsoft.com/office/drawing/2010/main" xmlns="" w="9525">
                   <a:solidFill>
                     <a:srgbClr val="000000"/>
                   </a:solidFill>
@@ -1441,7 +1441,7 @@
             </a:ln>
             <a:extLst>
               <a:ext uri="{91240B29-F687-4f45-9708-019B960494DF}">
-                <a14:hiddenLine xmlns="" xmlns:a14="http://schemas.microsoft.com/office/drawing/2010/main" w="9525">
+                <a14:hiddenLine xmlns:a14="http://schemas.microsoft.com/office/drawing/2010/main" xmlns="" w="9525">
                   <a:solidFill>
                     <a:srgbClr val="000000"/>
                   </a:solidFill>
@@ -1503,7 +1503,7 @@
             </a:ln>
             <a:extLst>
               <a:ext uri="{91240B29-F687-4f45-9708-019B960494DF}">
-                <a14:hiddenLine xmlns="" xmlns:a14="http://schemas.microsoft.com/office/drawing/2010/main" w="9525">
+                <a14:hiddenLine xmlns:a14="http://schemas.microsoft.com/office/drawing/2010/main" xmlns="" w="9525">
                   <a:solidFill>
                     <a:srgbClr val="000000"/>
                   </a:solidFill>
@@ -1613,7 +1613,7 @@
             </a:ln>
             <a:extLst>
               <a:ext uri="{91240B29-F687-4f45-9708-019B960494DF}">
-                <a14:hiddenLine xmlns="" xmlns:a14="http://schemas.microsoft.com/office/drawing/2010/main" w="9525">
+                <a14:hiddenLine xmlns:a14="http://schemas.microsoft.com/office/drawing/2010/main" xmlns="" w="9525">
                   <a:solidFill>
                     <a:srgbClr val="000000"/>
                   </a:solidFill>
@@ -1675,7 +1675,7 @@
             </a:ln>
             <a:extLst>
               <a:ext uri="{91240B29-F687-4f45-9708-019B960494DF}">
-                <a14:hiddenLine xmlns="" xmlns:a14="http://schemas.microsoft.com/office/drawing/2010/main" w="9525">
+                <a14:hiddenLine xmlns:a14="http://schemas.microsoft.com/office/drawing/2010/main" xmlns="" w="9525">
                   <a:solidFill>
                     <a:srgbClr val="000000"/>
                   </a:solidFill>
@@ -1765,7 +1765,7 @@
             </a:ln>
             <a:extLst>
               <a:ext uri="{91240B29-F687-4f45-9708-019B960494DF}">
-                <a14:hiddenLine xmlns="" xmlns:a14="http://schemas.microsoft.com/office/drawing/2010/main" w="9525">
+                <a14:hiddenLine xmlns:a14="http://schemas.microsoft.com/office/drawing/2010/main" xmlns="" w="9525">
                   <a:solidFill>
                     <a:srgbClr val="000000"/>
                   </a:solidFill>
@@ -1855,7 +1855,7 @@
             </a:ln>
             <a:extLst>
               <a:ext uri="{91240B29-F687-4f45-9708-019B960494DF}">
-                <a14:hiddenLine xmlns="" xmlns:a14="http://schemas.microsoft.com/office/drawing/2010/main" w="9525">
+                <a14:hiddenLine xmlns:a14="http://schemas.microsoft.com/office/drawing/2010/main" xmlns="" w="9525">
                   <a:solidFill>
                     <a:srgbClr val="000000"/>
                   </a:solidFill>
@@ -1917,7 +1917,7 @@
             </a:ln>
             <a:extLst>
               <a:ext uri="{91240B29-F687-4f45-9708-019B960494DF}">
-                <a14:hiddenLine xmlns="" xmlns:a14="http://schemas.microsoft.com/office/drawing/2010/main" w="9525">
+                <a14:hiddenLine xmlns:a14="http://schemas.microsoft.com/office/drawing/2010/main" xmlns="" w="9525">
                   <a:solidFill>
                     <a:srgbClr val="000000"/>
                   </a:solidFill>
@@ -2007,7 +2007,7 @@
             </a:ln>
             <a:extLst>
               <a:ext uri="{91240B29-F687-4f45-9708-019B960494DF}">
-                <a14:hiddenLine xmlns="" xmlns:a14="http://schemas.microsoft.com/office/drawing/2010/main" w="9525">
+                <a14:hiddenLine xmlns:a14="http://schemas.microsoft.com/office/drawing/2010/main" xmlns="" w="9525">
                   <a:solidFill>
                     <a:srgbClr val="000000"/>
                   </a:solidFill>
@@ -2097,7 +2097,7 @@
             </a:ln>
             <a:extLst>
               <a:ext uri="{91240B29-F687-4f45-9708-019B960494DF}">
-                <a14:hiddenLine xmlns="" xmlns:a14="http://schemas.microsoft.com/office/drawing/2010/main" w="9525">
+                <a14:hiddenLine xmlns:a14="http://schemas.microsoft.com/office/drawing/2010/main" xmlns="" w="9525">
                   <a:solidFill>
                     <a:srgbClr val="000000"/>
                   </a:solidFill>
@@ -2153,7 +2153,7 @@
             </a:ln>
             <a:extLst>
               <a:ext uri="{91240B29-F687-4f45-9708-019B960494DF}">
-                <a14:hiddenLine xmlns="" xmlns:a14="http://schemas.microsoft.com/office/drawing/2010/main" w="9525">
+                <a14:hiddenLine xmlns:a14="http://schemas.microsoft.com/office/drawing/2010/main" xmlns="" w="9525">
                   <a:solidFill>
                     <a:srgbClr val="000000"/>
                   </a:solidFill>
@@ -2243,7 +2243,7 @@
             </a:ln>
             <a:extLst>
               <a:ext uri="{91240B29-F687-4f45-9708-019B960494DF}">
-                <a14:hiddenLine xmlns="" xmlns:a14="http://schemas.microsoft.com/office/drawing/2010/main" w="9525">
+                <a14:hiddenLine xmlns:a14="http://schemas.microsoft.com/office/drawing/2010/main" xmlns="" w="9525">
                   <a:solidFill>
                     <a:srgbClr val="000000"/>
                   </a:solidFill>
@@ -2299,7 +2299,7 @@
             </a:ln>
             <a:extLst>
               <a:ext uri="{91240B29-F687-4f45-9708-019B960494DF}">
-                <a14:hiddenLine xmlns="" xmlns:a14="http://schemas.microsoft.com/office/drawing/2010/main" w="9525">
+                <a14:hiddenLine xmlns:a14="http://schemas.microsoft.com/office/drawing/2010/main" xmlns="" w="9525">
                   <a:solidFill>
                     <a:srgbClr val="000000"/>
                   </a:solidFill>
@@ -2389,7 +2389,7 @@
             </a:ln>
             <a:extLst>
               <a:ext uri="{91240B29-F687-4f45-9708-019B960494DF}">
-                <a14:hiddenLine xmlns="" xmlns:a14="http://schemas.microsoft.com/office/drawing/2010/main" w="9525">
+                <a14:hiddenLine xmlns:a14="http://schemas.microsoft.com/office/drawing/2010/main" xmlns="" w="9525">
                   <a:solidFill>
                     <a:srgbClr val="000000"/>
                   </a:solidFill>
@@ -2457,7 +2457,7 @@
             </a:ln>
             <a:extLst>
               <a:ext uri="{91240B29-F687-4f45-9708-019B960494DF}">
-                <a14:hiddenLine xmlns="" xmlns:a14="http://schemas.microsoft.com/office/drawing/2010/main" w="9525">
+                <a14:hiddenLine xmlns:a14="http://schemas.microsoft.com/office/drawing/2010/main" xmlns="" w="9525">
                   <a:solidFill>
                     <a:srgbClr val="000000"/>
                   </a:solidFill>
@@ -2547,7 +2547,7 @@
             </a:ln>
             <a:extLst>
               <a:ext uri="{91240B29-F687-4f45-9708-019B960494DF}">
-                <a14:hiddenLine xmlns="" xmlns:a14="http://schemas.microsoft.com/office/drawing/2010/main" w="9525">
+                <a14:hiddenLine xmlns:a14="http://schemas.microsoft.com/office/drawing/2010/main" xmlns="" w="9525">
                   <a:solidFill>
                     <a:srgbClr val="000000"/>
                   </a:solidFill>
@@ -2615,7 +2615,7 @@
             </a:ln>
             <a:extLst>
               <a:ext uri="{91240B29-F687-4f45-9708-019B960494DF}">
-                <a14:hiddenLine xmlns="" xmlns:a14="http://schemas.microsoft.com/office/drawing/2010/main" w="9525">
+                <a14:hiddenLine xmlns:a14="http://schemas.microsoft.com/office/drawing/2010/main" xmlns="" w="9525">
                   <a:solidFill>
                     <a:srgbClr val="000000"/>
                   </a:solidFill>
@@ -2705,7 +2705,7 @@
             </a:ln>
             <a:extLst>
               <a:ext uri="{91240B29-F687-4f45-9708-019B960494DF}">
-                <a14:hiddenLine xmlns="" xmlns:a14="http://schemas.microsoft.com/office/drawing/2010/main" w="9525">
+                <a14:hiddenLine xmlns:a14="http://schemas.microsoft.com/office/drawing/2010/main" xmlns="" w="9525">
                   <a:solidFill>
                     <a:srgbClr val="000000"/>
                   </a:solidFill>
@@ -2739,7 +2739,7 @@
             </a:ln>
             <a:extLst>
               <a:ext uri="{91240B29-F687-4f45-9708-019B960494DF}">
-                <a14:hiddenLine xmlns="" xmlns:a14="http://schemas.microsoft.com/office/drawing/2010/main" w="9525">
+                <a14:hiddenLine xmlns:a14="http://schemas.microsoft.com/office/drawing/2010/main" xmlns="" w="9525">
                   <a:solidFill>
                     <a:srgbClr val="000000"/>
                   </a:solidFill>
@@ -2829,7 +2829,7 @@
             </a:ln>
             <a:extLst>
               <a:ext uri="{91240B29-F687-4f45-9708-019B960494DF}">
-                <a14:hiddenLine xmlns="" xmlns:a14="http://schemas.microsoft.com/office/drawing/2010/main" w="9525">
+                <a14:hiddenLine xmlns:a14="http://schemas.microsoft.com/office/drawing/2010/main" xmlns="" w="9525">
                   <a:solidFill>
                     <a:srgbClr val="000000"/>
                   </a:solidFill>
@@ -2891,7 +2891,7 @@
             </a:ln>
             <a:extLst>
               <a:ext uri="{91240B29-F687-4f45-9708-019B960494DF}">
-                <a14:hiddenLine xmlns="" xmlns:a14="http://schemas.microsoft.com/office/drawing/2010/main" w="9525">
+                <a14:hiddenLine xmlns:a14="http://schemas.microsoft.com/office/drawing/2010/main" xmlns="" w="9525">
                   <a:solidFill>
                     <a:srgbClr val="000000"/>
                   </a:solidFill>
@@ -2953,7 +2953,7 @@
             </a:ln>
             <a:extLst>
               <a:ext uri="{91240B29-F687-4f45-9708-019B960494DF}">
-                <a14:hiddenLine xmlns="" xmlns:a14="http://schemas.microsoft.com/office/drawing/2010/main" w="9525">
+                <a14:hiddenLine xmlns:a14="http://schemas.microsoft.com/office/drawing/2010/main" xmlns="" w="9525">
                   <a:solidFill>
                     <a:srgbClr val="000000"/>
                   </a:solidFill>
@@ -3043,7 +3043,7 @@
             </a:ln>
             <a:extLst>
               <a:ext uri="{91240B29-F687-4f45-9708-019B960494DF}">
-                <a14:hiddenLine xmlns="" xmlns:a14="http://schemas.microsoft.com/office/drawing/2010/main" w="9525">
+                <a14:hiddenLine xmlns:a14="http://schemas.microsoft.com/office/drawing/2010/main" xmlns="" w="9525">
                   <a:solidFill>
                     <a:srgbClr val="000000"/>
                   </a:solidFill>
@@ -3111,7 +3111,7 @@
             </a:ln>
             <a:extLst>
               <a:ext uri="{91240B29-F687-4f45-9708-019B960494DF}">
-                <a14:hiddenLine xmlns="" xmlns:a14="http://schemas.microsoft.com/office/drawing/2010/main" w="9525">
+                <a14:hiddenLine xmlns:a14="http://schemas.microsoft.com/office/drawing/2010/main" xmlns="" w="9525">
                   <a:solidFill>
                     <a:srgbClr val="000000"/>
                   </a:solidFill>
@@ -3173,7 +3173,7 @@
             </a:ln>
             <a:extLst>
               <a:ext uri="{91240B29-F687-4f45-9708-019B960494DF}">
-                <a14:hiddenLine xmlns="" xmlns:a14="http://schemas.microsoft.com/office/drawing/2010/main" w="9525">
+                <a14:hiddenLine xmlns:a14="http://schemas.microsoft.com/office/drawing/2010/main" xmlns="" w="9525">
                   <a:solidFill>
                     <a:srgbClr val="000000"/>
                   </a:solidFill>
@@ -3263,7 +3263,7 @@
             </a:ln>
             <a:extLst>
               <a:ext uri="{91240B29-F687-4f45-9708-019B960494DF}">
-                <a14:hiddenLine xmlns="" xmlns:a14="http://schemas.microsoft.com/office/drawing/2010/main" w="9525">
+                <a14:hiddenLine xmlns:a14="http://schemas.microsoft.com/office/drawing/2010/main" xmlns="" w="9525">
                   <a:solidFill>
                     <a:srgbClr val="000000"/>
                   </a:solidFill>
@@ -3325,7 +3325,7 @@
             </a:ln>
             <a:extLst>
               <a:ext uri="{91240B29-F687-4f45-9708-019B960494DF}">
-                <a14:hiddenLine xmlns="" xmlns:a14="http://schemas.microsoft.com/office/drawing/2010/main" w="9525">
+                <a14:hiddenLine xmlns:a14="http://schemas.microsoft.com/office/drawing/2010/main" xmlns="" w="9525">
                   <a:solidFill>
                     <a:srgbClr val="000000"/>
                   </a:solidFill>
@@ -3415,7 +3415,7 @@
             </a:ln>
             <a:extLst>
               <a:ext uri="{91240B29-F687-4f45-9708-019B960494DF}">
-                <a14:hiddenLine xmlns="" xmlns:a14="http://schemas.microsoft.com/office/drawing/2010/main" w="9525">
+                <a14:hiddenLine xmlns:a14="http://schemas.microsoft.com/office/drawing/2010/main" xmlns="" w="9525">
                   <a:solidFill>
                     <a:srgbClr val="000000"/>
                   </a:solidFill>
@@ -3477,7 +3477,7 @@
             </a:ln>
             <a:extLst>
               <a:ext uri="{91240B29-F687-4f45-9708-019B960494DF}">
-                <a14:hiddenLine xmlns="" xmlns:a14="http://schemas.microsoft.com/office/drawing/2010/main" w="9525">
+                <a14:hiddenLine xmlns:a14="http://schemas.microsoft.com/office/drawing/2010/main" xmlns="" w="9525">
                   <a:solidFill>
                     <a:srgbClr val="000000"/>
                   </a:solidFill>
@@ -3567,7 +3567,7 @@
             </a:ln>
             <a:extLst>
               <a:ext uri="{91240B29-F687-4f45-9708-019B960494DF}">
-                <a14:hiddenLine xmlns="" xmlns:a14="http://schemas.microsoft.com/office/drawing/2010/main" w="9525">
+                <a14:hiddenLine xmlns:a14="http://schemas.microsoft.com/office/drawing/2010/main" xmlns="" w="9525">
                   <a:solidFill>
                     <a:srgbClr val="000000"/>
                   </a:solidFill>
@@ -3601,7 +3601,7 @@
             </a:ln>
             <a:extLst>
               <a:ext uri="{91240B29-F687-4f45-9708-019B960494DF}">
-                <a14:hiddenLine xmlns="" xmlns:a14="http://schemas.microsoft.com/office/drawing/2010/main" w="9525">
+                <a14:hiddenLine xmlns:a14="http://schemas.microsoft.com/office/drawing/2010/main" xmlns="" w="9525">
                   <a:solidFill>
                     <a:srgbClr val="000000"/>
                   </a:solidFill>
@@ -3666,7 +3666,7 @@
             </a:ln>
             <a:extLst>
               <a:ext uri="{91240B29-F687-4f45-9708-019B960494DF}">
-                <a14:hiddenLine xmlns="" xmlns:a14="http://schemas.microsoft.com/office/drawing/2010/main" w="9525">
+                <a14:hiddenLine xmlns:a14="http://schemas.microsoft.com/office/drawing/2010/main" xmlns="" w="9525">
                   <a:solidFill>
                     <a:srgbClr val="000000"/>
                   </a:solidFill>
@@ -3756,7 +3756,7 @@
             </a:ln>
             <a:extLst>
               <a:ext uri="{91240B29-F687-4f45-9708-019B960494DF}">
-                <a14:hiddenLine xmlns="" xmlns:a14="http://schemas.microsoft.com/office/drawing/2010/main" w="9525">
+                <a14:hiddenLine xmlns:a14="http://schemas.microsoft.com/office/drawing/2010/main" xmlns="" w="9525">
                   <a:solidFill>
                     <a:srgbClr val="000000"/>
                   </a:solidFill>
@@ -3818,7 +3818,7 @@
             </a:ln>
             <a:extLst>
               <a:ext uri="{91240B29-F687-4f45-9708-019B960494DF}">
-                <a14:hiddenLine xmlns="" xmlns:a14="http://schemas.microsoft.com/office/drawing/2010/main" w="9525">
+                <a14:hiddenLine xmlns:a14="http://schemas.microsoft.com/office/drawing/2010/main" xmlns="" w="9525">
                   <a:solidFill>
                     <a:srgbClr val="000000"/>
                   </a:solidFill>
@@ -3908,7 +3908,7 @@
             </a:ln>
             <a:extLst>
               <a:ext uri="{91240B29-F687-4f45-9708-019B960494DF}">
-                <a14:hiddenLine xmlns="" xmlns:a14="http://schemas.microsoft.com/office/drawing/2010/main" w="9525">
+                <a14:hiddenLine xmlns:a14="http://schemas.microsoft.com/office/drawing/2010/main" xmlns="" w="9525">
                   <a:solidFill>
                     <a:srgbClr val="000000"/>
                   </a:solidFill>
@@ -3998,7 +3998,7 @@
             </a:ln>
             <a:extLst>
               <a:ext uri="{91240B29-F687-4f45-9708-019B960494DF}">
-                <a14:hiddenLine xmlns="" xmlns:a14="http://schemas.microsoft.com/office/drawing/2010/main" w="9525">
+                <a14:hiddenLine xmlns:a14="http://schemas.microsoft.com/office/drawing/2010/main" xmlns="" w="9525">
                   <a:solidFill>
                     <a:srgbClr val="000000"/>
                   </a:solidFill>
@@ -4063,7 +4063,7 @@
             </a:ln>
             <a:extLst>
               <a:ext uri="{91240B29-F687-4f45-9708-019B960494DF}">
-                <a14:hiddenLine xmlns="" xmlns:a14="http://schemas.microsoft.com/office/drawing/2010/main" w="9525">
+                <a14:hiddenLine xmlns:a14="http://schemas.microsoft.com/office/drawing/2010/main" xmlns="" w="9525">
                   <a:solidFill>
                     <a:srgbClr val="000000"/>
                   </a:solidFill>
@@ -4125,7 +4125,7 @@
             </a:ln>
             <a:extLst>
               <a:ext uri="{91240B29-F687-4f45-9708-019B960494DF}">
-                <a14:hiddenLine xmlns="" xmlns:a14="http://schemas.microsoft.com/office/drawing/2010/main" w="9525">
+                <a14:hiddenLine xmlns:a14="http://schemas.microsoft.com/office/drawing/2010/main" xmlns="" w="9525">
                   <a:solidFill>
                     <a:srgbClr val="000000"/>
                   </a:solidFill>
@@ -4215,7 +4215,7 @@
             </a:ln>
             <a:extLst>
               <a:ext uri="{91240B29-F687-4f45-9708-019B960494DF}">
-                <a14:hiddenLine xmlns="" xmlns:a14="http://schemas.microsoft.com/office/drawing/2010/main" w="9525">
+                <a14:hiddenLine xmlns:a14="http://schemas.microsoft.com/office/drawing/2010/main" xmlns="" w="9525">
                   <a:solidFill>
                     <a:srgbClr val="000000"/>
                   </a:solidFill>
@@ -4305,7 +4305,7 @@
             </a:ln>
             <a:extLst>
               <a:ext uri="{91240B29-F687-4f45-9708-019B960494DF}">
-                <a14:hiddenLine xmlns="" xmlns:a14="http://schemas.microsoft.com/office/drawing/2010/main" w="9525">
+                <a14:hiddenLine xmlns:a14="http://schemas.microsoft.com/office/drawing/2010/main" xmlns="" w="9525">
                   <a:solidFill>
                     <a:srgbClr val="000000"/>
                   </a:solidFill>
@@ -4367,7 +4367,7 @@
             </a:ln>
             <a:extLst>
               <a:ext uri="{91240B29-F687-4f45-9708-019B960494DF}">
-                <a14:hiddenLine xmlns="" xmlns:a14="http://schemas.microsoft.com/office/drawing/2010/main" w="9525">
+                <a14:hiddenLine xmlns:a14="http://schemas.microsoft.com/office/drawing/2010/main" xmlns="" w="9525">
                   <a:solidFill>
                     <a:srgbClr val="000000"/>
                   </a:solidFill>
@@ -4487,7 +4487,7 @@
             </a:ln>
             <a:extLst>
               <a:ext uri="{91240B29-F687-4f45-9708-019B960494DF}">
-                <a14:hiddenLine xmlns="" xmlns:a14="http://schemas.microsoft.com/office/drawing/2010/main" w="9525">
+                <a14:hiddenLine xmlns:a14="http://schemas.microsoft.com/office/drawing/2010/main" xmlns="" w="9525">
                   <a:solidFill>
                     <a:srgbClr val="000000"/>
                   </a:solidFill>
@@ -4555,7 +4555,7 @@
             </a:ln>
             <a:extLst>
               <a:ext uri="{91240B29-F687-4f45-9708-019B960494DF}">
-                <a14:hiddenLine xmlns="" xmlns:a14="http://schemas.microsoft.com/office/drawing/2010/main" w="9525">
+                <a14:hiddenLine xmlns:a14="http://schemas.microsoft.com/office/drawing/2010/main" xmlns="" w="9525">
                   <a:solidFill>
                     <a:srgbClr val="000000"/>
                   </a:solidFill>
@@ -4645,7 +4645,7 @@
             </a:ln>
             <a:extLst>
               <a:ext uri="{91240B29-F687-4f45-9708-019B960494DF}">
-                <a14:hiddenLine xmlns="" xmlns:a14="http://schemas.microsoft.com/office/drawing/2010/main" w="9525">
+                <a14:hiddenLine xmlns:a14="http://schemas.microsoft.com/office/drawing/2010/main" xmlns="" w="9525">
                   <a:solidFill>
                     <a:srgbClr val="000000"/>
                   </a:solidFill>
@@ -9518,7 +9518,7 @@
           <a:noFill/>
           <a:extLst>
             <a:ext uri="{909E8E84-426E-40dd-AFC4-6F175D3DCCD1}">
-              <a14:hiddenFill xmlns="" xmlns:a14="http://schemas.microsoft.com/office/drawing/2010/main">
+              <a14:hiddenFill xmlns:a14="http://schemas.microsoft.com/office/drawing/2010/main" xmlns="">
                 <a:solidFill>
                   <a:srgbClr val="FFFFFF"/>
                 </a:solidFill>
@@ -9592,7 +9592,7 @@
               </a:ln>
               <a:extLst>
                 <a:ext uri="{91240B29-F687-4f45-9708-019B960494DF}">
-                  <a14:hiddenLine xmlns="" xmlns:a14="http://schemas.microsoft.com/office/drawing/2010/main" w="9525">
+                  <a14:hiddenLine xmlns:a14="http://schemas.microsoft.com/office/drawing/2010/main" xmlns="" w="9525">
                     <a:solidFill>
                       <a:srgbClr val="000000"/>
                     </a:solidFill>
@@ -9682,7 +9682,7 @@
               </a:ln>
               <a:extLst>
                 <a:ext uri="{91240B29-F687-4f45-9708-019B960494DF}">
-                  <a14:hiddenLine xmlns="" xmlns:a14="http://schemas.microsoft.com/office/drawing/2010/main" w="9525">
+                  <a14:hiddenLine xmlns:a14="http://schemas.microsoft.com/office/drawing/2010/main" xmlns="" w="9525">
                     <a:solidFill>
                       <a:srgbClr val="000000"/>
                     </a:solidFill>
@@ -9772,7 +9772,7 @@
               </a:ln>
               <a:extLst>
                 <a:ext uri="{91240B29-F687-4f45-9708-019B960494DF}">
-                  <a14:hiddenLine xmlns="" xmlns:a14="http://schemas.microsoft.com/office/drawing/2010/main" w="9525">
+                  <a14:hiddenLine xmlns:a14="http://schemas.microsoft.com/office/drawing/2010/main" xmlns="" w="9525">
                     <a:solidFill>
                       <a:srgbClr val="000000"/>
                     </a:solidFill>
@@ -9834,7 +9834,7 @@
               </a:ln>
               <a:extLst>
                 <a:ext uri="{91240B29-F687-4f45-9708-019B960494DF}">
-                  <a14:hiddenLine xmlns="" xmlns:a14="http://schemas.microsoft.com/office/drawing/2010/main" w="9525">
+                  <a14:hiddenLine xmlns:a14="http://schemas.microsoft.com/office/drawing/2010/main" xmlns="" w="9525">
                     <a:solidFill>
                       <a:srgbClr val="000000"/>
                     </a:solidFill>
@@ -9924,7 +9924,7 @@
               </a:ln>
               <a:extLst>
                 <a:ext uri="{91240B29-F687-4f45-9708-019B960494DF}">
-                  <a14:hiddenLine xmlns="" xmlns:a14="http://schemas.microsoft.com/office/drawing/2010/main" w="9525">
+                  <a14:hiddenLine xmlns:a14="http://schemas.microsoft.com/office/drawing/2010/main" xmlns="" w="9525">
                     <a:solidFill>
                       <a:srgbClr val="000000"/>
                     </a:solidFill>
@@ -9986,7 +9986,7 @@
               </a:ln>
               <a:extLst>
                 <a:ext uri="{91240B29-F687-4f45-9708-019B960494DF}">
-                  <a14:hiddenLine xmlns="" xmlns:a14="http://schemas.microsoft.com/office/drawing/2010/main" w="9525">
+                  <a14:hiddenLine xmlns:a14="http://schemas.microsoft.com/office/drawing/2010/main" xmlns="" w="9525">
                     <a:solidFill>
                       <a:srgbClr val="000000"/>
                     </a:solidFill>
@@ -10048,7 +10048,7 @@
               </a:ln>
               <a:extLst>
                 <a:ext uri="{91240B29-F687-4f45-9708-019B960494DF}">
-                  <a14:hiddenLine xmlns="" xmlns:a14="http://schemas.microsoft.com/office/drawing/2010/main" w="9525">
+                  <a14:hiddenLine xmlns:a14="http://schemas.microsoft.com/office/drawing/2010/main" xmlns="" w="9525">
                     <a:solidFill>
                       <a:srgbClr val="000000"/>
                     </a:solidFill>
@@ -10138,7 +10138,7 @@
               </a:ln>
               <a:extLst>
                 <a:ext uri="{91240B29-F687-4f45-9708-019B960494DF}">
-                  <a14:hiddenLine xmlns="" xmlns:a14="http://schemas.microsoft.com/office/drawing/2010/main" w="9525">
+                  <a14:hiddenLine xmlns:a14="http://schemas.microsoft.com/office/drawing/2010/main" xmlns="" w="9525">
                     <a:solidFill>
                       <a:srgbClr val="000000"/>
                     </a:solidFill>
@@ -10228,7 +10228,7 @@
               </a:ln>
               <a:extLst>
                 <a:ext uri="{91240B29-F687-4f45-9708-019B960494DF}">
-                  <a14:hiddenLine xmlns="" xmlns:a14="http://schemas.microsoft.com/office/drawing/2010/main" w="9525">
+                  <a14:hiddenLine xmlns:a14="http://schemas.microsoft.com/office/drawing/2010/main" xmlns="" w="9525">
                     <a:solidFill>
                       <a:srgbClr val="000000"/>
                     </a:solidFill>
@@ -10290,7 +10290,7 @@
               </a:ln>
               <a:extLst>
                 <a:ext uri="{91240B29-F687-4f45-9708-019B960494DF}">
-                  <a14:hiddenLine xmlns="" xmlns:a14="http://schemas.microsoft.com/office/drawing/2010/main" w="9525">
+                  <a14:hiddenLine xmlns:a14="http://schemas.microsoft.com/office/drawing/2010/main" xmlns="" w="9525">
                     <a:solidFill>
                       <a:srgbClr val="000000"/>
                     </a:solidFill>
@@ -10400,7 +10400,7 @@
               </a:ln>
               <a:extLst>
                 <a:ext uri="{91240B29-F687-4f45-9708-019B960494DF}">
-                  <a14:hiddenLine xmlns="" xmlns:a14="http://schemas.microsoft.com/office/drawing/2010/main" w="9525">
+                  <a14:hiddenLine xmlns:a14="http://schemas.microsoft.com/office/drawing/2010/main" xmlns="" w="9525">
                     <a:solidFill>
                       <a:srgbClr val="000000"/>
                     </a:solidFill>
@@ -10484,7 +10484,7 @@
               </a:ln>
               <a:extLst>
                 <a:ext uri="{91240B29-F687-4f45-9708-019B960494DF}">
-                  <a14:hiddenLine xmlns="" xmlns:a14="http://schemas.microsoft.com/office/drawing/2010/main" w="9525">
+                  <a14:hiddenLine xmlns:a14="http://schemas.microsoft.com/office/drawing/2010/main" xmlns="" w="9525">
                     <a:solidFill>
                       <a:srgbClr val="000000"/>
                     </a:solidFill>
@@ -10546,7 +10546,7 @@
               </a:ln>
               <a:extLst>
                 <a:ext uri="{91240B29-F687-4f45-9708-019B960494DF}">
-                  <a14:hiddenLine xmlns="" xmlns:a14="http://schemas.microsoft.com/office/drawing/2010/main" w="9525">
+                  <a14:hiddenLine xmlns:a14="http://schemas.microsoft.com/office/drawing/2010/main" xmlns="" w="9525">
                     <a:solidFill>
                       <a:srgbClr val="000000"/>
                     </a:solidFill>
@@ -10608,7 +10608,7 @@
               </a:ln>
               <a:extLst>
                 <a:ext uri="{91240B29-F687-4f45-9708-019B960494DF}">
-                  <a14:hiddenLine xmlns="" xmlns:a14="http://schemas.microsoft.com/office/drawing/2010/main" w="9525">
+                  <a14:hiddenLine xmlns:a14="http://schemas.microsoft.com/office/drawing/2010/main" xmlns="" w="9525">
                     <a:solidFill>
                       <a:srgbClr val="000000"/>
                     </a:solidFill>
@@ -10698,7 +10698,7 @@
               </a:ln>
               <a:extLst>
                 <a:ext uri="{91240B29-F687-4f45-9708-019B960494DF}">
-                  <a14:hiddenLine xmlns="" xmlns:a14="http://schemas.microsoft.com/office/drawing/2010/main" w="9525">
+                  <a14:hiddenLine xmlns:a14="http://schemas.microsoft.com/office/drawing/2010/main" xmlns="" w="9525">
                     <a:solidFill>
                       <a:srgbClr val="000000"/>
                     </a:solidFill>
@@ -10732,7 +10732,7 @@
               </a:ln>
               <a:extLst>
                 <a:ext uri="{91240B29-F687-4f45-9708-019B960494DF}">
-                  <a14:hiddenLine xmlns="" xmlns:a14="http://schemas.microsoft.com/office/drawing/2010/main" w="9525">
+                  <a14:hiddenLine xmlns:a14="http://schemas.microsoft.com/office/drawing/2010/main" xmlns="" w="9525">
                     <a:solidFill>
                       <a:srgbClr val="000000"/>
                     </a:solidFill>
@@ -10797,7 +10797,7 @@
               </a:ln>
               <a:extLst>
                 <a:ext uri="{91240B29-F687-4f45-9708-019B960494DF}">
-                  <a14:hiddenLine xmlns="" xmlns:a14="http://schemas.microsoft.com/office/drawing/2010/main" w="9525">
+                  <a14:hiddenLine xmlns:a14="http://schemas.microsoft.com/office/drawing/2010/main" xmlns="" w="9525">
                     <a:solidFill>
                       <a:srgbClr val="000000"/>
                     </a:solidFill>
@@ -10887,7 +10887,7 @@
               </a:ln>
               <a:extLst>
                 <a:ext uri="{91240B29-F687-4f45-9708-019B960494DF}">
-                  <a14:hiddenLine xmlns="" xmlns:a14="http://schemas.microsoft.com/office/drawing/2010/main" w="9525">
+                  <a14:hiddenLine xmlns:a14="http://schemas.microsoft.com/office/drawing/2010/main" xmlns="" w="9525">
                     <a:solidFill>
                       <a:srgbClr val="000000"/>
                     </a:solidFill>
@@ -10949,7 +10949,7 @@
               </a:ln>
               <a:extLst>
                 <a:ext uri="{91240B29-F687-4f45-9708-019B960494DF}">
-                  <a14:hiddenLine xmlns="" xmlns:a14="http://schemas.microsoft.com/office/drawing/2010/main" w="9525">
+                  <a14:hiddenLine xmlns:a14="http://schemas.microsoft.com/office/drawing/2010/main" xmlns="" w="9525">
                     <a:solidFill>
                       <a:srgbClr val="000000"/>
                     </a:solidFill>
@@ -11039,7 +11039,7 @@
               </a:ln>
               <a:extLst>
                 <a:ext uri="{91240B29-F687-4f45-9708-019B960494DF}">
-                  <a14:hiddenLine xmlns="" xmlns:a14="http://schemas.microsoft.com/office/drawing/2010/main" w="9525">
+                  <a14:hiddenLine xmlns:a14="http://schemas.microsoft.com/office/drawing/2010/main" xmlns="" w="9525">
                     <a:solidFill>
                       <a:srgbClr val="000000"/>
                     </a:solidFill>
@@ -11104,7 +11104,7 @@
               </a:ln>
               <a:extLst>
                 <a:ext uri="{91240B29-F687-4f45-9708-019B960494DF}">
-                  <a14:hiddenLine xmlns="" xmlns:a14="http://schemas.microsoft.com/office/drawing/2010/main" w="9525">
+                  <a14:hiddenLine xmlns:a14="http://schemas.microsoft.com/office/drawing/2010/main" xmlns="" w="9525">
                     <a:solidFill>
                       <a:srgbClr val="000000"/>
                     </a:solidFill>
@@ -11166,7 +11166,7 @@
               </a:ln>
               <a:extLst>
                 <a:ext uri="{91240B29-F687-4f45-9708-019B960494DF}">
-                  <a14:hiddenLine xmlns="" xmlns:a14="http://schemas.microsoft.com/office/drawing/2010/main" w="9525">
+                  <a14:hiddenLine xmlns:a14="http://schemas.microsoft.com/office/drawing/2010/main" xmlns="" w="9525">
                     <a:solidFill>
                       <a:srgbClr val="000000"/>
                     </a:solidFill>
@@ -11256,7 +11256,7 @@
               </a:ln>
               <a:extLst>
                 <a:ext uri="{91240B29-F687-4f45-9708-019B960494DF}">
-                  <a14:hiddenLine xmlns="" xmlns:a14="http://schemas.microsoft.com/office/drawing/2010/main" w="9525">
+                  <a14:hiddenLine xmlns:a14="http://schemas.microsoft.com/office/drawing/2010/main" xmlns="" w="9525">
                     <a:solidFill>
                       <a:srgbClr val="000000"/>
                     </a:solidFill>
@@ -11346,7 +11346,7 @@
               </a:ln>
               <a:extLst>
                 <a:ext uri="{91240B29-F687-4f45-9708-019B960494DF}">
-                  <a14:hiddenLine xmlns="" xmlns:a14="http://schemas.microsoft.com/office/drawing/2010/main" w="9525">
+                  <a14:hiddenLine xmlns:a14="http://schemas.microsoft.com/office/drawing/2010/main" xmlns="" w="9525">
                     <a:solidFill>
                       <a:srgbClr val="000000"/>
                     </a:solidFill>
@@ -11411,7 +11411,7 @@
               </a:ln>
               <a:extLst>
                 <a:ext uri="{91240B29-F687-4f45-9708-019B960494DF}">
-                  <a14:hiddenLine xmlns="" xmlns:a14="http://schemas.microsoft.com/office/drawing/2010/main" w="9525">
+                  <a14:hiddenLine xmlns:a14="http://schemas.microsoft.com/office/drawing/2010/main" xmlns="" w="9525">
                     <a:solidFill>
                       <a:srgbClr val="000000"/>
                     </a:solidFill>
@@ -11531,7 +11531,7 @@
               </a:ln>
               <a:extLst>
                 <a:ext uri="{91240B29-F687-4f45-9708-019B960494DF}">
-                  <a14:hiddenLine xmlns="" xmlns:a14="http://schemas.microsoft.com/office/drawing/2010/main" w="9525">
+                  <a14:hiddenLine xmlns:a14="http://schemas.microsoft.com/office/drawing/2010/main" xmlns="" w="9525">
                     <a:solidFill>
                       <a:srgbClr val="000000"/>
                     </a:solidFill>
@@ -11629,7 +11629,7 @@
               </a:ln>
               <a:extLst>
                 <a:ext uri="{91240B29-F687-4f45-9708-019B960494DF}">
-                  <a14:hiddenLine xmlns="" xmlns:a14="http://schemas.microsoft.com/office/drawing/2010/main" w="9525">
+                  <a14:hiddenLine xmlns:a14="http://schemas.microsoft.com/office/drawing/2010/main" xmlns="" w="9525">
                     <a:solidFill>
                       <a:srgbClr val="000000"/>
                     </a:solidFill>
@@ -11744,7 +11744,7 @@
               </a:ln>
               <a:extLst>
                 <a:ext uri="{91240B29-F687-4f45-9708-019B960494DF}">
-                  <a14:hiddenLine xmlns="" xmlns:a14="http://schemas.microsoft.com/office/drawing/2010/main" w="9525">
+                  <a14:hiddenLine xmlns:a14="http://schemas.microsoft.com/office/drawing/2010/main" xmlns="" w="9525">
                     <a:solidFill>
                       <a:srgbClr val="000000"/>
                     </a:solidFill>
@@ -11834,7 +11834,7 @@
               </a:ln>
               <a:extLst>
                 <a:ext uri="{91240B29-F687-4f45-9708-019B960494DF}">
-                  <a14:hiddenLine xmlns="" xmlns:a14="http://schemas.microsoft.com/office/drawing/2010/main" w="9525">
+                  <a14:hiddenLine xmlns:a14="http://schemas.microsoft.com/office/drawing/2010/main" xmlns="" w="9525">
                     <a:solidFill>
                       <a:srgbClr val="000000"/>
                     </a:solidFill>
@@ -11899,7 +11899,7 @@
               </a:ln>
               <a:extLst>
                 <a:ext uri="{91240B29-F687-4f45-9708-019B960494DF}">
-                  <a14:hiddenLine xmlns="" xmlns:a14="http://schemas.microsoft.com/office/drawing/2010/main" w="9525">
+                  <a14:hiddenLine xmlns:a14="http://schemas.microsoft.com/office/drawing/2010/main" xmlns="" w="9525">
                     <a:solidFill>
                       <a:srgbClr val="000000"/>
                     </a:solidFill>
@@ -11989,7 +11989,7 @@
               </a:ln>
               <a:extLst>
                 <a:ext uri="{91240B29-F687-4f45-9708-019B960494DF}">
-                  <a14:hiddenLine xmlns="" xmlns:a14="http://schemas.microsoft.com/office/drawing/2010/main" w="9525">
+                  <a14:hiddenLine xmlns:a14="http://schemas.microsoft.com/office/drawing/2010/main" xmlns="" w="9525">
                     <a:solidFill>
                       <a:srgbClr val="000000"/>
                     </a:solidFill>
@@ -12057,7 +12057,7 @@
               </a:ln>
               <a:extLst>
                 <a:ext uri="{91240B29-F687-4f45-9708-019B960494DF}">
-                  <a14:hiddenLine xmlns="" xmlns:a14="http://schemas.microsoft.com/office/drawing/2010/main" w="9525">
+                  <a14:hiddenLine xmlns:a14="http://schemas.microsoft.com/office/drawing/2010/main" xmlns="" w="9525">
                     <a:solidFill>
                       <a:srgbClr val="000000"/>
                     </a:solidFill>
@@ -12147,7 +12147,7 @@
               </a:ln>
               <a:extLst>
                 <a:ext uri="{91240B29-F687-4f45-9708-019B960494DF}">
-                  <a14:hiddenLine xmlns="" xmlns:a14="http://schemas.microsoft.com/office/drawing/2010/main" w="9525">
+                  <a14:hiddenLine xmlns:a14="http://schemas.microsoft.com/office/drawing/2010/main" xmlns="" w="9525">
                     <a:solidFill>
                       <a:srgbClr val="000000"/>
                     </a:solidFill>
@@ -12215,7 +12215,7 @@
               </a:ln>
               <a:extLst>
                 <a:ext uri="{91240B29-F687-4f45-9708-019B960494DF}">
-                  <a14:hiddenLine xmlns="" xmlns:a14="http://schemas.microsoft.com/office/drawing/2010/main" w="9525">
+                  <a14:hiddenLine xmlns:a14="http://schemas.microsoft.com/office/drawing/2010/main" xmlns="" w="9525">
                     <a:solidFill>
                       <a:srgbClr val="000000"/>
                     </a:solidFill>
@@ -12305,7 +12305,7 @@
               </a:ln>
               <a:extLst>
                 <a:ext uri="{91240B29-F687-4f45-9708-019B960494DF}">
-                  <a14:hiddenLine xmlns="" xmlns:a14="http://schemas.microsoft.com/office/drawing/2010/main" w="9525">
+                  <a14:hiddenLine xmlns:a14="http://schemas.microsoft.com/office/drawing/2010/main" xmlns="" w="9525">
                     <a:solidFill>
                       <a:srgbClr val="000000"/>
                     </a:solidFill>
@@ -12339,7 +12339,7 @@
               </a:ln>
               <a:extLst>
                 <a:ext uri="{91240B29-F687-4f45-9708-019B960494DF}">
-                  <a14:hiddenLine xmlns="" xmlns:a14="http://schemas.microsoft.com/office/drawing/2010/main" w="9525">
+                  <a14:hiddenLine xmlns:a14="http://schemas.microsoft.com/office/drawing/2010/main" xmlns="" w="9525">
                     <a:solidFill>
                       <a:srgbClr val="000000"/>
                     </a:solidFill>
@@ -16492,10 +16492,10 @@
       </p:sp>
       <p:pic>
         <p:nvPicPr>
-          <p:cNvPr id="6" name="Объект 5">
+          <p:cNvPr id="8" name="Объект 7">
             <a:extLst>
               <a:ext uri="{FF2B5EF4-FFF2-40B4-BE49-F238E27FC236}">
-                <a16:creationId xmlns:a16="http://schemas.microsoft.com/office/drawing/2014/main" id="{53028679-2AB2-4D9E-B63A-796D1D3EBDAF}"/>
+                <a16:creationId xmlns:a16="http://schemas.microsoft.com/office/drawing/2014/main" id="{6614D9C1-5ED4-4C1C-96C2-823D39B38D69}"/>
               </a:ext>
             </a:extLst>
           </p:cNvPr>
@@ -16520,15 +16520,9 @@
         </p:blipFill>
         <p:spPr>
           <a:xfrm>
-            <a:off x="2144952" y="1948161"/>
-            <a:ext cx="5003928" cy="4164946"/>
+            <a:off x="2123728" y="1902981"/>
+            <a:ext cx="5293752" cy="4407395"/>
           </a:xfrm>
-          <a:prstGeom prst="rect">
-            <a:avLst/>
-          </a:prstGeom>
-          <a:effectLst>
-            <a:softEdge rad="152400"/>
-          </a:effectLst>
         </p:spPr>
       </p:pic>
     </p:spTree>
